--- a/Наработки/диздоки/Португалия/Португалия общая.pptx
+++ b/Наработки/диздоки/Португалия/Португалия общая.pptx
@@ -209,7 +209,7 @@
             <a:fld id="{33E3D7F9-E251-484C-A6FF-FA958879DF69}" type="datetimeFigureOut">
               <a:rPr lang="ru-RU" smtClean="0"/>
               <a:pPr/>
-              <a:t>01.06.2021</a:t>
+              <a:t>10.09.2021</a:t>
             </a:fld>
             <a:endParaRPr lang="ru-RU"/>
           </a:p>
@@ -700,7 +700,7 @@
             <a:fld id="{85A5DE44-605B-4D3B-B2B7-94543DF81A36}" type="datetimeFigureOut">
               <a:rPr lang="ru-RU" smtClean="0"/>
               <a:pPr/>
-              <a:t>01.06.2021</a:t>
+              <a:t>10.09.2021</a:t>
             </a:fld>
             <a:endParaRPr lang="ru-RU"/>
           </a:p>
@@ -872,7 +872,7 @@
             <a:fld id="{85A5DE44-605B-4D3B-B2B7-94543DF81A36}" type="datetimeFigureOut">
               <a:rPr lang="ru-RU" smtClean="0"/>
               <a:pPr/>
-              <a:t>01.06.2021</a:t>
+              <a:t>10.09.2021</a:t>
             </a:fld>
             <a:endParaRPr lang="ru-RU"/>
           </a:p>
@@ -1054,7 +1054,7 @@
             <a:fld id="{85A5DE44-605B-4D3B-B2B7-94543DF81A36}" type="datetimeFigureOut">
               <a:rPr lang="ru-RU" smtClean="0"/>
               <a:pPr/>
-              <a:t>01.06.2021</a:t>
+              <a:t>10.09.2021</a:t>
             </a:fld>
             <a:endParaRPr lang="ru-RU"/>
           </a:p>
@@ -1226,7 +1226,7 @@
             <a:fld id="{85A5DE44-605B-4D3B-B2B7-94543DF81A36}" type="datetimeFigureOut">
               <a:rPr lang="ru-RU" smtClean="0"/>
               <a:pPr/>
-              <a:t>01.06.2021</a:t>
+              <a:t>10.09.2021</a:t>
             </a:fld>
             <a:endParaRPr lang="ru-RU"/>
           </a:p>
@@ -1474,7 +1474,7 @@
             <a:fld id="{85A5DE44-605B-4D3B-B2B7-94543DF81A36}" type="datetimeFigureOut">
               <a:rPr lang="ru-RU" smtClean="0"/>
               <a:pPr/>
-              <a:t>01.06.2021</a:t>
+              <a:t>10.09.2021</a:t>
             </a:fld>
             <a:endParaRPr lang="ru-RU"/>
           </a:p>
@@ -1708,7 +1708,7 @@
             <a:fld id="{85A5DE44-605B-4D3B-B2B7-94543DF81A36}" type="datetimeFigureOut">
               <a:rPr lang="ru-RU" smtClean="0"/>
               <a:pPr/>
-              <a:t>01.06.2021</a:t>
+              <a:t>10.09.2021</a:t>
             </a:fld>
             <a:endParaRPr lang="ru-RU"/>
           </a:p>
@@ -2077,7 +2077,7 @@
             <a:fld id="{85A5DE44-605B-4D3B-B2B7-94543DF81A36}" type="datetimeFigureOut">
               <a:rPr lang="ru-RU" smtClean="0"/>
               <a:pPr/>
-              <a:t>01.06.2021</a:t>
+              <a:t>10.09.2021</a:t>
             </a:fld>
             <a:endParaRPr lang="ru-RU"/>
           </a:p>
@@ -2197,7 +2197,7 @@
             <a:fld id="{85A5DE44-605B-4D3B-B2B7-94543DF81A36}" type="datetimeFigureOut">
               <a:rPr lang="ru-RU" smtClean="0"/>
               <a:pPr/>
-              <a:t>01.06.2021</a:t>
+              <a:t>10.09.2021</a:t>
             </a:fld>
             <a:endParaRPr lang="ru-RU"/>
           </a:p>
@@ -2294,7 +2294,7 @@
             <a:fld id="{85A5DE44-605B-4D3B-B2B7-94543DF81A36}" type="datetimeFigureOut">
               <a:rPr lang="ru-RU" smtClean="0"/>
               <a:pPr/>
-              <a:t>01.06.2021</a:t>
+              <a:t>10.09.2021</a:t>
             </a:fld>
             <a:endParaRPr lang="ru-RU"/>
           </a:p>
@@ -2573,7 +2573,7 @@
             <a:fld id="{85A5DE44-605B-4D3B-B2B7-94543DF81A36}" type="datetimeFigureOut">
               <a:rPr lang="ru-RU" smtClean="0"/>
               <a:pPr/>
-              <a:t>01.06.2021</a:t>
+              <a:t>10.09.2021</a:t>
             </a:fld>
             <a:endParaRPr lang="ru-RU"/>
           </a:p>
@@ -2832,7 +2832,7 @@
             <a:fld id="{85A5DE44-605B-4D3B-B2B7-94543DF81A36}" type="datetimeFigureOut">
               <a:rPr lang="ru-RU" smtClean="0"/>
               <a:pPr/>
-              <a:t>01.06.2021</a:t>
+              <a:t>10.09.2021</a:t>
             </a:fld>
             <a:endParaRPr lang="ru-RU"/>
           </a:p>
@@ -3047,7 +3047,7 @@
             <a:fld id="{85A5DE44-605B-4D3B-B2B7-94543DF81A36}" type="datetimeFigureOut">
               <a:rPr lang="ru-RU" smtClean="0"/>
               <a:pPr/>
-              <a:t>01.06.2021</a:t>
+              <a:t>10.09.2021</a:t>
             </a:fld>
             <a:endParaRPr lang="ru-RU"/>
           </a:p>
@@ -33462,11 +33462,7 @@
             <a:pPr algn="ctr"/>
             <a:r>
               <a:rPr lang="ru-RU" sz="800" dirty="0" smtClean="0"/>
-              <a:t>Свергнуть диктатуру в </a:t>
-            </a:r>
-            <a:r>
-              <a:rPr lang="ru-RU" sz="800" dirty="0" smtClean="0"/>
-              <a:t>Испании</a:t>
+              <a:t>Свергнуть диктатуру в Испании</a:t>
             </a:r>
             <a:endParaRPr lang="ru-RU" sz="100" dirty="0"/>
           </a:p>
@@ -34042,11 +34038,7 @@
             <a:pPr algn="ctr"/>
             <a:r>
               <a:rPr lang="ru-RU" sz="800" dirty="0" smtClean="0"/>
-              <a:t>Создание антифашистских боевых </a:t>
-            </a:r>
-            <a:r>
-              <a:rPr lang="ru-RU" sz="800" dirty="0" smtClean="0"/>
-              <a:t>групп</a:t>
+              <a:t>Создание антифашистских боевых групп</a:t>
             </a:r>
             <a:endParaRPr lang="ru-RU" sz="200" dirty="0"/>
           </a:p>
@@ -34964,11 +34956,7 @@
             <a:pPr algn="ctr"/>
             <a:r>
               <a:rPr lang="ru-RU" sz="800" dirty="0" smtClean="0"/>
-              <a:t>Пригласить </a:t>
-            </a:r>
-            <a:r>
-              <a:rPr lang="ru-RU" sz="800" dirty="0" smtClean="0"/>
-              <a:t>Бразилию</a:t>
+              <a:t>Пригласить Бразилию</a:t>
             </a:r>
             <a:endParaRPr lang="ru-RU" sz="200" dirty="0"/>
           </a:p>
@@ -35090,11 +35078,7 @@
             <a:pPr algn="ctr"/>
             <a:r>
               <a:rPr lang="ru-RU" sz="800" dirty="0" smtClean="0"/>
-              <a:t>Свергнуть диктатуру в </a:t>
-            </a:r>
-            <a:r>
-              <a:rPr lang="ru-RU" sz="800" dirty="0" smtClean="0"/>
-              <a:t>Бразилии</a:t>
+              <a:t>Свергнуть диктатуру в Бразилии</a:t>
             </a:r>
             <a:endParaRPr lang="ru-RU" sz="100" dirty="0"/>
           </a:p>

--- a/Наработки/диздоки/Португалия/Португалия общая.pptx
+++ b/Наработки/диздоки/Португалия/Португалия общая.pptx
@@ -209,7 +209,7 @@
             <a:fld id="{33E3D7F9-E251-484C-A6FF-FA958879DF69}" type="datetimeFigureOut">
               <a:rPr lang="ru-RU" smtClean="0"/>
               <a:pPr/>
-              <a:t>10.09.2021</a:t>
+              <a:t>20.07.2022</a:t>
             </a:fld>
             <a:endParaRPr lang="ru-RU"/>
           </a:p>
@@ -273,38 +273,37 @@
           <a:p>
             <a:pPr lvl="0"/>
             <a:r>
-              <a:rPr lang="ru-RU" smtClean="0"/>
+              <a:rPr lang="ru-RU"/>
               <a:t>Образец текста</a:t>
             </a:r>
           </a:p>
           <a:p>
             <a:pPr lvl="1"/>
             <a:r>
-              <a:rPr lang="ru-RU" smtClean="0"/>
+              <a:rPr lang="ru-RU"/>
               <a:t>Второй уровень</a:t>
             </a:r>
           </a:p>
           <a:p>
             <a:pPr lvl="2"/>
             <a:r>
-              <a:rPr lang="ru-RU" smtClean="0"/>
+              <a:rPr lang="ru-RU"/>
               <a:t>Третий уровень</a:t>
             </a:r>
           </a:p>
           <a:p>
             <a:pPr lvl="3"/>
             <a:r>
-              <a:rPr lang="ru-RU" smtClean="0"/>
+              <a:rPr lang="ru-RU"/>
               <a:t>Четвертый уровень</a:t>
             </a:r>
           </a:p>
           <a:p>
             <a:pPr lvl="4"/>
             <a:r>
-              <a:rPr lang="ru-RU" smtClean="0"/>
+              <a:rPr lang="ru-RU"/>
               <a:t>Пятый уровень</a:t>
             </a:r>
-            <a:endParaRPr lang="ru-RU"/>
           </a:p>
         </p:txBody>
       </p:sp>
@@ -610,7 +609,7 @@
           </a:lstStyle>
           <a:p>
             <a:r>
-              <a:rPr lang="ru-RU" smtClean="0"/>
+              <a:rPr lang="ru-RU"/>
               <a:t>Образец заголовка</a:t>
             </a:r>
             <a:endParaRPr lang="en-US" dirty="0"/>
@@ -675,7 +674,7 @@
           </a:lstStyle>
           <a:p>
             <a:r>
-              <a:rPr lang="ru-RU" smtClean="0"/>
+              <a:rPr lang="ru-RU"/>
               <a:t>Образец подзаголовка</a:t>
             </a:r>
             <a:endParaRPr lang="en-US" dirty="0"/>
@@ -700,7 +699,7 @@
             <a:fld id="{85A5DE44-605B-4D3B-B2B7-94543DF81A36}" type="datetimeFigureOut">
               <a:rPr lang="ru-RU" smtClean="0"/>
               <a:pPr/>
-              <a:t>10.09.2021</a:t>
+              <a:t>20.07.2022</a:t>
             </a:fld>
             <a:endParaRPr lang="ru-RU"/>
           </a:p>
@@ -795,7 +794,7 @@
           <a:lstStyle/>
           <a:p>
             <a:r>
-              <a:rPr lang="ru-RU" smtClean="0"/>
+              <a:rPr lang="ru-RU"/>
               <a:t>Образец заголовка</a:t>
             </a:r>
             <a:endParaRPr lang="en-US" dirty="0"/>
@@ -819,35 +818,35 @@
           <a:p>
             <a:pPr lvl="0"/>
             <a:r>
-              <a:rPr lang="ru-RU" smtClean="0"/>
+              <a:rPr lang="ru-RU"/>
               <a:t>Образец текста</a:t>
             </a:r>
           </a:p>
           <a:p>
             <a:pPr lvl="1"/>
             <a:r>
-              <a:rPr lang="ru-RU" smtClean="0"/>
+              <a:rPr lang="ru-RU"/>
               <a:t>Второй уровень</a:t>
             </a:r>
           </a:p>
           <a:p>
             <a:pPr lvl="2"/>
             <a:r>
-              <a:rPr lang="ru-RU" smtClean="0"/>
+              <a:rPr lang="ru-RU"/>
               <a:t>Третий уровень</a:t>
             </a:r>
           </a:p>
           <a:p>
             <a:pPr lvl="3"/>
             <a:r>
-              <a:rPr lang="ru-RU" smtClean="0"/>
+              <a:rPr lang="ru-RU"/>
               <a:t>Четвертый уровень</a:t>
             </a:r>
           </a:p>
           <a:p>
             <a:pPr lvl="4"/>
             <a:r>
-              <a:rPr lang="ru-RU" smtClean="0"/>
+              <a:rPr lang="ru-RU"/>
               <a:t>Пятый уровень</a:t>
             </a:r>
             <a:endParaRPr lang="en-US" dirty="0"/>
@@ -872,7 +871,7 @@
             <a:fld id="{85A5DE44-605B-4D3B-B2B7-94543DF81A36}" type="datetimeFigureOut">
               <a:rPr lang="ru-RU" smtClean="0"/>
               <a:pPr/>
-              <a:t>10.09.2021</a:t>
+              <a:t>20.07.2022</a:t>
             </a:fld>
             <a:endParaRPr lang="ru-RU"/>
           </a:p>
@@ -972,7 +971,7 @@
           <a:lstStyle/>
           <a:p>
             <a:r>
-              <a:rPr lang="ru-RU" smtClean="0"/>
+              <a:rPr lang="ru-RU"/>
               <a:t>Образец заголовка</a:t>
             </a:r>
             <a:endParaRPr lang="en-US" dirty="0"/>
@@ -1001,35 +1000,35 @@
           <a:p>
             <a:pPr lvl="0"/>
             <a:r>
-              <a:rPr lang="ru-RU" smtClean="0"/>
+              <a:rPr lang="ru-RU"/>
               <a:t>Образец текста</a:t>
             </a:r>
           </a:p>
           <a:p>
             <a:pPr lvl="1"/>
             <a:r>
-              <a:rPr lang="ru-RU" smtClean="0"/>
+              <a:rPr lang="ru-RU"/>
               <a:t>Второй уровень</a:t>
             </a:r>
           </a:p>
           <a:p>
             <a:pPr lvl="2"/>
             <a:r>
-              <a:rPr lang="ru-RU" smtClean="0"/>
+              <a:rPr lang="ru-RU"/>
               <a:t>Третий уровень</a:t>
             </a:r>
           </a:p>
           <a:p>
             <a:pPr lvl="3"/>
             <a:r>
-              <a:rPr lang="ru-RU" smtClean="0"/>
+              <a:rPr lang="ru-RU"/>
               <a:t>Четвертый уровень</a:t>
             </a:r>
           </a:p>
           <a:p>
             <a:pPr lvl="4"/>
             <a:r>
-              <a:rPr lang="ru-RU" smtClean="0"/>
+              <a:rPr lang="ru-RU"/>
               <a:t>Пятый уровень</a:t>
             </a:r>
             <a:endParaRPr lang="en-US" dirty="0"/>
@@ -1054,7 +1053,7 @@
             <a:fld id="{85A5DE44-605B-4D3B-B2B7-94543DF81A36}" type="datetimeFigureOut">
               <a:rPr lang="ru-RU" smtClean="0"/>
               <a:pPr/>
-              <a:t>10.09.2021</a:t>
+              <a:t>20.07.2022</a:t>
             </a:fld>
             <a:endParaRPr lang="ru-RU"/>
           </a:p>
@@ -1149,7 +1148,7 @@
           <a:lstStyle/>
           <a:p>
             <a:r>
-              <a:rPr lang="ru-RU" smtClean="0"/>
+              <a:rPr lang="ru-RU"/>
               <a:t>Образец заголовка</a:t>
             </a:r>
             <a:endParaRPr lang="en-US" dirty="0"/>
@@ -1173,35 +1172,35 @@
           <a:p>
             <a:pPr lvl="0"/>
             <a:r>
-              <a:rPr lang="ru-RU" smtClean="0"/>
+              <a:rPr lang="ru-RU"/>
               <a:t>Образец текста</a:t>
             </a:r>
           </a:p>
           <a:p>
             <a:pPr lvl="1"/>
             <a:r>
-              <a:rPr lang="ru-RU" smtClean="0"/>
+              <a:rPr lang="ru-RU"/>
               <a:t>Второй уровень</a:t>
             </a:r>
           </a:p>
           <a:p>
             <a:pPr lvl="2"/>
             <a:r>
-              <a:rPr lang="ru-RU" smtClean="0"/>
+              <a:rPr lang="ru-RU"/>
               <a:t>Третий уровень</a:t>
             </a:r>
           </a:p>
           <a:p>
             <a:pPr lvl="3"/>
             <a:r>
-              <a:rPr lang="ru-RU" smtClean="0"/>
+              <a:rPr lang="ru-RU"/>
               <a:t>Четвертый уровень</a:t>
             </a:r>
           </a:p>
           <a:p>
             <a:pPr lvl="4"/>
             <a:r>
-              <a:rPr lang="ru-RU" smtClean="0"/>
+              <a:rPr lang="ru-RU"/>
               <a:t>Пятый уровень</a:t>
             </a:r>
             <a:endParaRPr lang="en-US" dirty="0"/>
@@ -1226,7 +1225,7 @@
             <a:fld id="{85A5DE44-605B-4D3B-B2B7-94543DF81A36}" type="datetimeFigureOut">
               <a:rPr lang="ru-RU" smtClean="0"/>
               <a:pPr/>
-              <a:t>10.09.2021</a:t>
+              <a:t>20.07.2022</a:t>
             </a:fld>
             <a:endParaRPr lang="ru-RU"/>
           </a:p>
@@ -1330,7 +1329,7 @@
           </a:lstStyle>
           <a:p>
             <a:r>
-              <a:rPr lang="ru-RU" smtClean="0"/>
+              <a:rPr lang="ru-RU"/>
               <a:t>Образец заголовка</a:t>
             </a:r>
             <a:endParaRPr lang="en-US" dirty="0"/>
@@ -1450,7 +1449,7 @@
           <a:p>
             <a:pPr lvl="0"/>
             <a:r>
-              <a:rPr lang="ru-RU" smtClean="0"/>
+              <a:rPr lang="ru-RU"/>
               <a:t>Образец текста</a:t>
             </a:r>
           </a:p>
@@ -1474,7 +1473,7 @@
             <a:fld id="{85A5DE44-605B-4D3B-B2B7-94543DF81A36}" type="datetimeFigureOut">
               <a:rPr lang="ru-RU" smtClean="0"/>
               <a:pPr/>
-              <a:t>10.09.2021</a:t>
+              <a:t>20.07.2022</a:t>
             </a:fld>
             <a:endParaRPr lang="ru-RU"/>
           </a:p>
@@ -1569,7 +1568,7 @@
           <a:lstStyle/>
           <a:p>
             <a:r>
-              <a:rPr lang="ru-RU" smtClean="0"/>
+              <a:rPr lang="ru-RU"/>
               <a:t>Образец заголовка</a:t>
             </a:r>
             <a:endParaRPr lang="en-US" dirty="0"/>
@@ -1598,35 +1597,35 @@
           <a:p>
             <a:pPr lvl="0"/>
             <a:r>
-              <a:rPr lang="ru-RU" smtClean="0"/>
+              <a:rPr lang="ru-RU"/>
               <a:t>Образец текста</a:t>
             </a:r>
           </a:p>
           <a:p>
             <a:pPr lvl="1"/>
             <a:r>
-              <a:rPr lang="ru-RU" smtClean="0"/>
+              <a:rPr lang="ru-RU"/>
               <a:t>Второй уровень</a:t>
             </a:r>
           </a:p>
           <a:p>
             <a:pPr lvl="2"/>
             <a:r>
-              <a:rPr lang="ru-RU" smtClean="0"/>
+              <a:rPr lang="ru-RU"/>
               <a:t>Третий уровень</a:t>
             </a:r>
           </a:p>
           <a:p>
             <a:pPr lvl="3"/>
             <a:r>
-              <a:rPr lang="ru-RU" smtClean="0"/>
+              <a:rPr lang="ru-RU"/>
               <a:t>Четвертый уровень</a:t>
             </a:r>
           </a:p>
           <a:p>
             <a:pPr lvl="4"/>
             <a:r>
-              <a:rPr lang="ru-RU" smtClean="0"/>
+              <a:rPr lang="ru-RU"/>
               <a:t>Пятый уровень</a:t>
             </a:r>
             <a:endParaRPr lang="en-US" dirty="0"/>
@@ -1655,35 +1654,35 @@
           <a:p>
             <a:pPr lvl="0"/>
             <a:r>
-              <a:rPr lang="ru-RU" smtClean="0"/>
+              <a:rPr lang="ru-RU"/>
               <a:t>Образец текста</a:t>
             </a:r>
           </a:p>
           <a:p>
             <a:pPr lvl="1"/>
             <a:r>
-              <a:rPr lang="ru-RU" smtClean="0"/>
+              <a:rPr lang="ru-RU"/>
               <a:t>Второй уровень</a:t>
             </a:r>
           </a:p>
           <a:p>
             <a:pPr lvl="2"/>
             <a:r>
-              <a:rPr lang="ru-RU" smtClean="0"/>
+              <a:rPr lang="ru-RU"/>
               <a:t>Третий уровень</a:t>
             </a:r>
           </a:p>
           <a:p>
             <a:pPr lvl="3"/>
             <a:r>
-              <a:rPr lang="ru-RU" smtClean="0"/>
+              <a:rPr lang="ru-RU"/>
               <a:t>Четвертый уровень</a:t>
             </a:r>
           </a:p>
           <a:p>
             <a:pPr lvl="4"/>
             <a:r>
-              <a:rPr lang="ru-RU" smtClean="0"/>
+              <a:rPr lang="ru-RU"/>
               <a:t>Пятый уровень</a:t>
             </a:r>
             <a:endParaRPr lang="en-US" dirty="0"/>
@@ -1708,7 +1707,7 @@
             <a:fld id="{85A5DE44-605B-4D3B-B2B7-94543DF81A36}" type="datetimeFigureOut">
               <a:rPr lang="ru-RU" smtClean="0"/>
               <a:pPr/>
-              <a:t>10.09.2021</a:t>
+              <a:t>20.07.2022</a:t>
             </a:fld>
             <a:endParaRPr lang="ru-RU"/>
           </a:p>
@@ -1808,7 +1807,7 @@
           <a:lstStyle/>
           <a:p>
             <a:r>
-              <a:rPr lang="ru-RU" smtClean="0"/>
+              <a:rPr lang="ru-RU"/>
               <a:t>Образец заголовка</a:t>
             </a:r>
             <a:endParaRPr lang="en-US" dirty="0"/>
@@ -1874,7 +1873,7 @@
           <a:p>
             <a:pPr lvl="0"/>
             <a:r>
-              <a:rPr lang="ru-RU" smtClean="0"/>
+              <a:rPr lang="ru-RU"/>
               <a:t>Образец текста</a:t>
             </a:r>
           </a:p>
@@ -1902,35 +1901,35 @@
           <a:p>
             <a:pPr lvl="0"/>
             <a:r>
-              <a:rPr lang="ru-RU" smtClean="0"/>
+              <a:rPr lang="ru-RU"/>
               <a:t>Образец текста</a:t>
             </a:r>
           </a:p>
           <a:p>
             <a:pPr lvl="1"/>
             <a:r>
-              <a:rPr lang="ru-RU" smtClean="0"/>
+              <a:rPr lang="ru-RU"/>
               <a:t>Второй уровень</a:t>
             </a:r>
           </a:p>
           <a:p>
             <a:pPr lvl="2"/>
             <a:r>
-              <a:rPr lang="ru-RU" smtClean="0"/>
+              <a:rPr lang="ru-RU"/>
               <a:t>Третий уровень</a:t>
             </a:r>
           </a:p>
           <a:p>
             <a:pPr lvl="3"/>
             <a:r>
-              <a:rPr lang="ru-RU" smtClean="0"/>
+              <a:rPr lang="ru-RU"/>
               <a:t>Четвертый уровень</a:t>
             </a:r>
           </a:p>
           <a:p>
             <a:pPr lvl="4"/>
             <a:r>
-              <a:rPr lang="ru-RU" smtClean="0"/>
+              <a:rPr lang="ru-RU"/>
               <a:t>Пятый уровень</a:t>
             </a:r>
             <a:endParaRPr lang="en-US" dirty="0"/>
@@ -1996,7 +1995,7 @@
           <a:p>
             <a:pPr lvl="0"/>
             <a:r>
-              <a:rPr lang="ru-RU" smtClean="0"/>
+              <a:rPr lang="ru-RU"/>
               <a:t>Образец текста</a:t>
             </a:r>
           </a:p>
@@ -2024,35 +2023,35 @@
           <a:p>
             <a:pPr lvl="0"/>
             <a:r>
-              <a:rPr lang="ru-RU" smtClean="0"/>
+              <a:rPr lang="ru-RU"/>
               <a:t>Образец текста</a:t>
             </a:r>
           </a:p>
           <a:p>
             <a:pPr lvl="1"/>
             <a:r>
-              <a:rPr lang="ru-RU" smtClean="0"/>
+              <a:rPr lang="ru-RU"/>
               <a:t>Второй уровень</a:t>
             </a:r>
           </a:p>
           <a:p>
             <a:pPr lvl="2"/>
             <a:r>
-              <a:rPr lang="ru-RU" smtClean="0"/>
+              <a:rPr lang="ru-RU"/>
               <a:t>Третий уровень</a:t>
             </a:r>
           </a:p>
           <a:p>
             <a:pPr lvl="3"/>
             <a:r>
-              <a:rPr lang="ru-RU" smtClean="0"/>
+              <a:rPr lang="ru-RU"/>
               <a:t>Четвертый уровень</a:t>
             </a:r>
           </a:p>
           <a:p>
             <a:pPr lvl="4"/>
             <a:r>
-              <a:rPr lang="ru-RU" smtClean="0"/>
+              <a:rPr lang="ru-RU"/>
               <a:t>Пятый уровень</a:t>
             </a:r>
             <a:endParaRPr lang="en-US" dirty="0"/>
@@ -2077,7 +2076,7 @@
             <a:fld id="{85A5DE44-605B-4D3B-B2B7-94543DF81A36}" type="datetimeFigureOut">
               <a:rPr lang="ru-RU" smtClean="0"/>
               <a:pPr/>
-              <a:t>10.09.2021</a:t>
+              <a:t>20.07.2022</a:t>
             </a:fld>
             <a:endParaRPr lang="ru-RU"/>
           </a:p>
@@ -2172,7 +2171,7 @@
           <a:lstStyle/>
           <a:p>
             <a:r>
-              <a:rPr lang="ru-RU" smtClean="0"/>
+              <a:rPr lang="ru-RU"/>
               <a:t>Образец заголовка</a:t>
             </a:r>
             <a:endParaRPr lang="en-US" dirty="0"/>
@@ -2197,7 +2196,7 @@
             <a:fld id="{85A5DE44-605B-4D3B-B2B7-94543DF81A36}" type="datetimeFigureOut">
               <a:rPr lang="ru-RU" smtClean="0"/>
               <a:pPr/>
-              <a:t>10.09.2021</a:t>
+              <a:t>20.07.2022</a:t>
             </a:fld>
             <a:endParaRPr lang="ru-RU"/>
           </a:p>
@@ -2294,7 +2293,7 @@
             <a:fld id="{85A5DE44-605B-4D3B-B2B7-94543DF81A36}" type="datetimeFigureOut">
               <a:rPr lang="ru-RU" smtClean="0"/>
               <a:pPr/>
-              <a:t>10.09.2021</a:t>
+              <a:t>20.07.2022</a:t>
             </a:fld>
             <a:endParaRPr lang="ru-RU"/>
           </a:p>
@@ -2398,7 +2397,7 @@
           </a:lstStyle>
           <a:p>
             <a:r>
-              <a:rPr lang="ru-RU" smtClean="0"/>
+              <a:rPr lang="ru-RU"/>
               <a:t>Образец заголовка</a:t>
             </a:r>
             <a:endParaRPr lang="en-US" dirty="0"/>
@@ -2455,35 +2454,35 @@
           <a:p>
             <a:pPr lvl="0"/>
             <a:r>
-              <a:rPr lang="ru-RU" smtClean="0"/>
+              <a:rPr lang="ru-RU"/>
               <a:t>Образец текста</a:t>
             </a:r>
           </a:p>
           <a:p>
             <a:pPr lvl="1"/>
             <a:r>
-              <a:rPr lang="ru-RU" smtClean="0"/>
+              <a:rPr lang="ru-RU"/>
               <a:t>Второй уровень</a:t>
             </a:r>
           </a:p>
           <a:p>
             <a:pPr lvl="2"/>
             <a:r>
-              <a:rPr lang="ru-RU" smtClean="0"/>
+              <a:rPr lang="ru-RU"/>
               <a:t>Третий уровень</a:t>
             </a:r>
           </a:p>
           <a:p>
             <a:pPr lvl="3"/>
             <a:r>
-              <a:rPr lang="ru-RU" smtClean="0"/>
+              <a:rPr lang="ru-RU"/>
               <a:t>Четвертый уровень</a:t>
             </a:r>
           </a:p>
           <a:p>
             <a:pPr lvl="4"/>
             <a:r>
-              <a:rPr lang="ru-RU" smtClean="0"/>
+              <a:rPr lang="ru-RU"/>
               <a:t>Пятый уровень</a:t>
             </a:r>
             <a:endParaRPr lang="en-US" dirty="0"/>
@@ -2549,7 +2548,7 @@
           <a:p>
             <a:pPr lvl="0"/>
             <a:r>
-              <a:rPr lang="ru-RU" smtClean="0"/>
+              <a:rPr lang="ru-RU"/>
               <a:t>Образец текста</a:t>
             </a:r>
           </a:p>
@@ -2573,7 +2572,7 @@
             <a:fld id="{85A5DE44-605B-4D3B-B2B7-94543DF81A36}" type="datetimeFigureOut">
               <a:rPr lang="ru-RU" smtClean="0"/>
               <a:pPr/>
-              <a:t>10.09.2021</a:t>
+              <a:t>20.07.2022</a:t>
             </a:fld>
             <a:endParaRPr lang="ru-RU"/>
           </a:p>
@@ -2677,7 +2676,7 @@
           </a:lstStyle>
           <a:p>
             <a:r>
-              <a:rPr lang="ru-RU" smtClean="0"/>
+              <a:rPr lang="ru-RU"/>
               <a:t>Образец заголовка</a:t>
             </a:r>
             <a:endParaRPr lang="en-US" dirty="0"/>
@@ -2742,7 +2741,7 @@
           </a:lstStyle>
           <a:p>
             <a:r>
-              <a:rPr lang="ru-RU" smtClean="0"/>
+              <a:rPr lang="ru-RU"/>
               <a:t>Вставка рисунка</a:t>
             </a:r>
             <a:endParaRPr lang="en-US" dirty="0"/>
@@ -2808,7 +2807,7 @@
           <a:p>
             <a:pPr lvl="0"/>
             <a:r>
-              <a:rPr lang="ru-RU" smtClean="0"/>
+              <a:rPr lang="ru-RU"/>
               <a:t>Образец текста</a:t>
             </a:r>
           </a:p>
@@ -2832,7 +2831,7 @@
             <a:fld id="{85A5DE44-605B-4D3B-B2B7-94543DF81A36}" type="datetimeFigureOut">
               <a:rPr lang="ru-RU" smtClean="0"/>
               <a:pPr/>
-              <a:t>10.09.2021</a:t>
+              <a:t>20.07.2022</a:t>
             </a:fld>
             <a:endParaRPr lang="ru-RU"/>
           </a:p>
@@ -2942,7 +2941,7 @@
           <a:lstStyle/>
           <a:p>
             <a:r>
-              <a:rPr lang="ru-RU" smtClean="0"/>
+              <a:rPr lang="ru-RU"/>
               <a:t>Образец заголовка</a:t>
             </a:r>
             <a:endParaRPr lang="en-US" dirty="0"/>
@@ -2976,35 +2975,35 @@
           <a:p>
             <a:pPr lvl="0"/>
             <a:r>
-              <a:rPr lang="ru-RU" smtClean="0"/>
+              <a:rPr lang="ru-RU"/>
               <a:t>Образец текста</a:t>
             </a:r>
           </a:p>
           <a:p>
             <a:pPr lvl="1"/>
             <a:r>
-              <a:rPr lang="ru-RU" smtClean="0"/>
+              <a:rPr lang="ru-RU"/>
               <a:t>Второй уровень</a:t>
             </a:r>
           </a:p>
           <a:p>
             <a:pPr lvl="2"/>
             <a:r>
-              <a:rPr lang="ru-RU" smtClean="0"/>
+              <a:rPr lang="ru-RU"/>
               <a:t>Третий уровень</a:t>
             </a:r>
           </a:p>
           <a:p>
             <a:pPr lvl="3"/>
             <a:r>
-              <a:rPr lang="ru-RU" smtClean="0"/>
+              <a:rPr lang="ru-RU"/>
               <a:t>Четвертый уровень</a:t>
             </a:r>
           </a:p>
           <a:p>
             <a:pPr lvl="4"/>
             <a:r>
-              <a:rPr lang="ru-RU" smtClean="0"/>
+              <a:rPr lang="ru-RU"/>
               <a:t>Пятый уровень</a:t>
             </a:r>
             <a:endParaRPr lang="en-US" dirty="0"/>
@@ -3047,7 +3046,7 @@
             <a:fld id="{85A5DE44-605B-4D3B-B2B7-94543DF81A36}" type="datetimeFigureOut">
               <a:rPr lang="ru-RU" smtClean="0"/>
               <a:pPr/>
-              <a:t>10.09.2021</a:t>
+              <a:t>20.07.2022</a:t>
             </a:fld>
             <a:endParaRPr lang="ru-RU"/>
           </a:p>
@@ -3489,10 +3488,9 @@
           <a:p>
             <a:pPr algn="ctr"/>
             <a:r>
-              <a:rPr lang="ru-RU" sz="700" dirty="0" smtClean="0"/>
+              <a:rPr lang="ru-RU" sz="700" dirty="0"/>
               <a:t>Экспорт кофе</a:t>
             </a:r>
-            <a:endParaRPr lang="ru-RU" sz="700" dirty="0"/>
           </a:p>
         </p:txBody>
       </p:sp>
@@ -3532,10 +3530,9 @@
           <a:p>
             <a:pPr algn="ctr"/>
             <a:r>
-              <a:rPr lang="ru-RU" sz="700" dirty="0" smtClean="0"/>
+              <a:rPr lang="ru-RU" sz="700" dirty="0"/>
               <a:t>Экспорт сизаля</a:t>
             </a:r>
-            <a:endParaRPr lang="ru-RU" sz="700" dirty="0"/>
           </a:p>
         </p:txBody>
       </p:sp>
@@ -3575,10 +3572,9 @@
           <a:p>
             <a:pPr algn="ctr"/>
             <a:r>
-              <a:rPr lang="ru-RU" sz="700" dirty="0" smtClean="0"/>
+              <a:rPr lang="ru-RU" sz="700" dirty="0"/>
               <a:t>Экспорт сахара</a:t>
             </a:r>
-            <a:endParaRPr lang="ru-RU" sz="700" dirty="0"/>
           </a:p>
         </p:txBody>
       </p:sp>
@@ -3618,11 +3614,11 @@
           <a:p>
             <a:pPr algn="ctr"/>
             <a:r>
-              <a:rPr lang="ru-RU" sz="700" dirty="0" smtClean="0"/>
+              <a:rPr lang="ru-RU" sz="700" dirty="0"/>
               <a:t>Интегрировать </a:t>
             </a:r>
             <a:r>
-              <a:rPr lang="ru-RU" sz="700" dirty="0" err="1" smtClean="0"/>
+              <a:rPr lang="ru-RU" sz="700" dirty="0" err="1"/>
               <a:t>Кабинду</a:t>
             </a:r>
             <a:endParaRPr lang="ru-RU" sz="700" dirty="0"/>
@@ -3665,18 +3661,17 @@
           <a:p>
             <a:pPr algn="ctr"/>
             <a:r>
-              <a:rPr lang="ru-RU" sz="700" dirty="0" smtClean="0"/>
+              <a:rPr lang="ru-RU" sz="700" dirty="0"/>
               <a:t>Эмиссия банкнот </a:t>
             </a:r>
             <a:r>
-              <a:rPr lang="ru-RU" sz="700" dirty="0" err="1" smtClean="0"/>
+              <a:rPr lang="ru-RU" sz="700" dirty="0" err="1"/>
               <a:t>анголара</a:t>
             </a:r>
             <a:r>
-              <a:rPr lang="ru-RU" sz="700" dirty="0" smtClean="0"/>
+              <a:rPr lang="ru-RU" sz="700" dirty="0"/>
               <a:t> новых номиналов</a:t>
             </a:r>
-            <a:endParaRPr lang="ru-RU" sz="700" dirty="0"/>
           </a:p>
         </p:txBody>
       </p:sp>
@@ -3716,10 +3711,9 @@
           <a:p>
             <a:pPr algn="ctr"/>
             <a:r>
-              <a:rPr lang="ru-RU" sz="700" dirty="0" smtClean="0"/>
+              <a:rPr lang="ru-RU" sz="700" dirty="0"/>
               <a:t>Администрация транспорта Западной Африки (1938)</a:t>
             </a:r>
-            <a:endParaRPr lang="ru-RU" sz="700" dirty="0"/>
           </a:p>
         </p:txBody>
       </p:sp>
@@ -3759,42 +3753,41 @@
           <a:p>
             <a:pPr algn="ctr"/>
             <a:r>
-              <a:rPr lang="ru-RU" sz="700" dirty="0" smtClean="0"/>
+              <a:rPr lang="ru-RU" sz="700" dirty="0"/>
               <a:t>Создать авиакомпанию «</a:t>
             </a:r>
             <a:r>
-              <a:rPr lang="ru-RU" sz="700" dirty="0" err="1" smtClean="0"/>
+              <a:rPr lang="ru-RU" sz="700" dirty="0" err="1"/>
               <a:t>Divisão</a:t>
             </a:r>
             <a:r>
-              <a:rPr lang="ru-RU" sz="700" dirty="0" smtClean="0"/>
+              <a:rPr lang="ru-RU" sz="700" dirty="0"/>
               <a:t> </a:t>
             </a:r>
             <a:r>
-              <a:rPr lang="ru-RU" sz="700" dirty="0" err="1" smtClean="0"/>
+              <a:rPr lang="ru-RU" sz="700" dirty="0" err="1"/>
               <a:t>dos</a:t>
             </a:r>
             <a:r>
-              <a:rPr lang="ru-RU" sz="700" dirty="0" smtClean="0"/>
+              <a:rPr lang="ru-RU" sz="700" dirty="0"/>
               <a:t> </a:t>
             </a:r>
             <a:r>
-              <a:rPr lang="ru-RU" sz="700" dirty="0" err="1" smtClean="0"/>
+              <a:rPr lang="ru-RU" sz="700" dirty="0" err="1"/>
               <a:t>Transportes</a:t>
             </a:r>
             <a:r>
-              <a:rPr lang="ru-RU" sz="700" dirty="0" smtClean="0"/>
+              <a:rPr lang="ru-RU" sz="700" dirty="0"/>
               <a:t> </a:t>
             </a:r>
             <a:r>
-              <a:rPr lang="ru-RU" sz="700" dirty="0" err="1" smtClean="0"/>
+              <a:rPr lang="ru-RU" sz="700" dirty="0" err="1"/>
               <a:t>Aéreos</a:t>
             </a:r>
             <a:r>
-              <a:rPr lang="ru-RU" sz="700" dirty="0" smtClean="0"/>
+              <a:rPr lang="ru-RU" sz="700" dirty="0"/>
               <a:t>»(1940)</a:t>
             </a:r>
-            <a:endParaRPr lang="ru-RU" sz="700" dirty="0"/>
           </a:p>
         </p:txBody>
       </p:sp>
@@ -3834,10 +3827,9 @@
           <a:p>
             <a:pPr algn="ctr"/>
             <a:r>
-              <a:rPr lang="ru-RU" sz="700" dirty="0" smtClean="0"/>
+              <a:rPr lang="ru-RU" sz="700" dirty="0"/>
               <a:t>Расширить добычу руды в центральных провинциях</a:t>
             </a:r>
-            <a:endParaRPr lang="ru-RU" sz="700" dirty="0"/>
           </a:p>
         </p:txBody>
       </p:sp>
@@ -3877,18 +3869,17 @@
           <a:p>
             <a:pPr algn="ctr"/>
             <a:r>
-              <a:rPr lang="ru-RU" sz="700" dirty="0" smtClean="0"/>
+              <a:rPr lang="ru-RU" sz="700" dirty="0"/>
               <a:t>Продолжить  железную дорогу </a:t>
             </a:r>
             <a:r>
-              <a:rPr lang="ru-RU" sz="700" dirty="0" err="1" smtClean="0"/>
+              <a:rPr lang="ru-RU" sz="700" dirty="0" err="1"/>
               <a:t>Мосамедес</a:t>
             </a:r>
             <a:r>
-              <a:rPr lang="ru-RU" sz="700" dirty="0" smtClean="0"/>
+              <a:rPr lang="ru-RU" sz="700" dirty="0"/>
               <a:t> к шахтам</a:t>
             </a:r>
-            <a:endParaRPr lang="ru-RU" sz="700" dirty="0"/>
           </a:p>
         </p:txBody>
       </p:sp>
@@ -3928,14 +3919,13 @@
           <a:p>
             <a:pPr algn="ctr"/>
             <a:r>
-              <a:rPr lang="ru-RU" sz="700" dirty="0" err="1" smtClean="0"/>
+              <a:rPr lang="ru-RU" sz="700" dirty="0" err="1"/>
               <a:t>Луандская</a:t>
             </a:r>
             <a:r>
-              <a:rPr lang="ru-RU" sz="700" dirty="0" smtClean="0"/>
+              <a:rPr lang="ru-RU" sz="700" dirty="0"/>
               <a:t> железная дорога</a:t>
             </a:r>
-            <a:endParaRPr lang="ru-RU" sz="700" dirty="0"/>
           </a:p>
         </p:txBody>
       </p:sp>
@@ -3975,10 +3965,9 @@
           <a:p>
             <a:pPr algn="ctr"/>
             <a:r>
-              <a:rPr lang="ru-RU" sz="700" dirty="0" smtClean="0"/>
+              <a:rPr lang="ru-RU" sz="700" dirty="0"/>
               <a:t>Экспорт хлопка</a:t>
             </a:r>
-            <a:endParaRPr lang="ru-RU" sz="700" dirty="0"/>
           </a:p>
         </p:txBody>
       </p:sp>
@@ -4018,10 +4007,9 @@
           <a:p>
             <a:pPr algn="ctr"/>
             <a:r>
-              <a:rPr lang="ru-RU" sz="700" dirty="0" smtClean="0"/>
+              <a:rPr lang="ru-RU" sz="700" dirty="0"/>
               <a:t>Расширить морские порты</a:t>
             </a:r>
-            <a:endParaRPr lang="ru-RU" sz="700" dirty="0"/>
           </a:p>
         </p:txBody>
       </p:sp>
@@ -4441,10 +4429,9 @@
           <a:p>
             <a:pPr algn="ctr"/>
             <a:r>
-              <a:rPr lang="ru-RU" sz="700" dirty="0" smtClean="0"/>
+              <a:rPr lang="ru-RU" sz="700" dirty="0"/>
               <a:t>Расширить каучуковые фермы</a:t>
             </a:r>
-            <a:endParaRPr lang="ru-RU" sz="700" dirty="0"/>
           </a:p>
         </p:txBody>
       </p:sp>
@@ -4560,11 +4547,11 @@
           <a:p>
             <a:pPr algn="ctr"/>
             <a:r>
-              <a:rPr lang="ru-RU" sz="700" dirty="0" smtClean="0"/>
+              <a:rPr lang="ru-RU" sz="700" dirty="0"/>
               <a:t>Нефть в </a:t>
             </a:r>
             <a:r>
-              <a:rPr lang="ru-RU" sz="700" dirty="0" err="1" smtClean="0"/>
+              <a:rPr lang="ru-RU" sz="700" dirty="0" err="1"/>
               <a:t>Кабинду</a:t>
             </a:r>
             <a:endParaRPr lang="ru-RU" sz="700" dirty="0"/>
@@ -4607,10 +4594,9 @@
           <a:p>
             <a:pPr algn="ctr"/>
             <a:r>
-              <a:rPr lang="ru-RU" sz="700" dirty="0" smtClean="0"/>
+              <a:rPr lang="ru-RU" sz="700" dirty="0"/>
               <a:t>Расширить спиртовые фабрики</a:t>
             </a:r>
-            <a:endParaRPr lang="ru-RU" sz="700" dirty="0"/>
           </a:p>
         </p:txBody>
       </p:sp>
@@ -4650,10 +4636,9 @@
           <a:p>
             <a:pPr algn="ctr"/>
             <a:r>
-              <a:rPr lang="ru-RU" sz="700" dirty="0" smtClean="0"/>
+              <a:rPr lang="ru-RU" sz="700" dirty="0"/>
               <a:t>Расширение городов Анголы</a:t>
             </a:r>
-            <a:endParaRPr lang="ru-RU" sz="700" dirty="0"/>
           </a:p>
         </p:txBody>
       </p:sp>
@@ -4693,10 +4678,9 @@
           <a:p>
             <a:pPr algn="ctr"/>
             <a:r>
-              <a:rPr lang="ru-RU" sz="700" dirty="0" smtClean="0"/>
+              <a:rPr lang="ru-RU" sz="700" dirty="0"/>
               <a:t>Модернизация и индустриализация городов Анголы</a:t>
             </a:r>
-            <a:endParaRPr lang="ru-RU" sz="700" dirty="0"/>
           </a:p>
         </p:txBody>
       </p:sp>
@@ -4736,10 +4720,9 @@
           <a:p>
             <a:pPr algn="ctr"/>
             <a:r>
-              <a:rPr lang="ru-RU" sz="700" dirty="0" smtClean="0"/>
+              <a:rPr lang="ru-RU" sz="700" dirty="0"/>
               <a:t>Расширение католических и протестантских школ</a:t>
             </a:r>
-            <a:endParaRPr lang="ru-RU" sz="700" dirty="0"/>
           </a:p>
         </p:txBody>
       </p:sp>
@@ -4779,10 +4762,9 @@
           <a:p>
             <a:pPr algn="ctr"/>
             <a:r>
-              <a:rPr lang="ru-RU" sz="700" dirty="0" smtClean="0"/>
+              <a:rPr lang="ru-RU" sz="700" dirty="0"/>
               <a:t>Введение трудовых реформ (поблажки для чёрных рабочих)</a:t>
             </a:r>
-            <a:endParaRPr lang="ru-RU" sz="700" dirty="0"/>
           </a:p>
         </p:txBody>
       </p:sp>
@@ -4822,10 +4804,9 @@
           <a:p>
             <a:pPr algn="ctr"/>
             <a:r>
-              <a:rPr lang="ru-RU" sz="700" dirty="0" smtClean="0"/>
+              <a:rPr lang="ru-RU" sz="700" dirty="0"/>
               <a:t>Пограничный контроль</a:t>
             </a:r>
-            <a:endParaRPr lang="ru-RU" sz="700" dirty="0"/>
           </a:p>
         </p:txBody>
       </p:sp>
@@ -4865,22 +4846,21 @@
           <a:p>
             <a:pPr algn="ctr"/>
             <a:r>
-              <a:rPr lang="ru-RU" sz="700" dirty="0" smtClean="0"/>
+              <a:rPr lang="ru-RU" sz="700" dirty="0"/>
               <a:t>Открыть школы для чёрных </a:t>
             </a:r>
             <a:r>
-              <a:rPr lang="ru-RU" sz="500" dirty="0" smtClean="0"/>
+              <a:rPr lang="ru-RU" sz="500" dirty="0"/>
               <a:t>(только в «мягкой политике» и «</a:t>
             </a:r>
             <a:r>
-              <a:rPr lang="ru-RU" sz="500" dirty="0" err="1" smtClean="0"/>
+              <a:rPr lang="ru-RU" sz="500" dirty="0" err="1"/>
               <a:t>нац</a:t>
             </a:r>
             <a:r>
-              <a:rPr lang="ru-RU" sz="500" dirty="0" smtClean="0"/>
+              <a:rPr lang="ru-RU" sz="500" dirty="0"/>
               <a:t>. настроениях)</a:t>
             </a:r>
-            <a:endParaRPr lang="ru-RU" sz="500" dirty="0"/>
           </a:p>
         </p:txBody>
       </p:sp>
@@ -4920,10 +4900,9 @@
           <a:p>
             <a:pPr algn="ctr"/>
             <a:r>
-              <a:rPr lang="ru-RU" sz="700" dirty="0" smtClean="0"/>
+              <a:rPr lang="ru-RU" sz="700" dirty="0"/>
               <a:t>Поселения баптистов</a:t>
             </a:r>
-            <a:endParaRPr lang="ru-RU" sz="700" dirty="0"/>
           </a:p>
         </p:txBody>
       </p:sp>
@@ -5042,19 +5021,19 @@
           <a:p>
             <a:pPr algn="ctr"/>
             <a:r>
-              <a:rPr lang="ru-RU" sz="800" dirty="0" smtClean="0"/>
+              <a:rPr lang="ru-RU" sz="800" dirty="0"/>
               <a:t>Мягкая политика </a:t>
             </a:r>
             <a:r>
-              <a:rPr lang="ru-RU" sz="800" dirty="0" err="1" smtClean="0"/>
+              <a:rPr lang="ru-RU" sz="800" dirty="0" err="1"/>
               <a:t>Энрика</a:t>
             </a:r>
             <a:r>
-              <a:rPr lang="ru-RU" sz="800" dirty="0" smtClean="0"/>
+              <a:rPr lang="ru-RU" sz="800" dirty="0"/>
               <a:t> </a:t>
             </a:r>
             <a:r>
-              <a:rPr lang="ru-RU" sz="800" dirty="0" err="1" smtClean="0"/>
+              <a:rPr lang="ru-RU" sz="800" dirty="0" err="1"/>
               <a:t>Гальвао</a:t>
             </a:r>
             <a:endParaRPr lang="ru-RU" sz="800" dirty="0"/>
@@ -5097,10 +5076,9 @@
           <a:p>
             <a:pPr algn="ctr"/>
             <a:r>
-              <a:rPr lang="ru-RU" sz="700" dirty="0" smtClean="0"/>
+              <a:rPr lang="ru-RU" sz="700" dirty="0"/>
               <a:t>Ангола – рынок Португальских товаров! (только в «мягкой политике»)</a:t>
             </a:r>
-            <a:endParaRPr lang="ru-RU" sz="700" dirty="0"/>
           </a:p>
         </p:txBody>
       </p:sp>
@@ -5216,7 +5194,7 @@
           <a:p>
             <a:pPr algn="ctr"/>
             <a:r>
-              <a:rPr lang="ru-RU" sz="800" dirty="0" smtClean="0"/>
+              <a:rPr lang="ru-RU" sz="800" dirty="0"/>
               <a:t>Снизить требования к Ассимиладуш</a:t>
             </a:r>
           </a:p>
@@ -5263,10 +5241,9 @@
           <a:p>
             <a:pPr algn="ctr"/>
             <a:r>
-              <a:rPr lang="ru-RU" sz="600" dirty="0" smtClean="0"/>
+              <a:rPr lang="ru-RU" sz="600" dirty="0"/>
               <a:t>Обязать  иностранцев соблюдать трудовые нормы ангольских рабочих</a:t>
             </a:r>
-            <a:endParaRPr lang="ru-RU" sz="600" dirty="0"/>
           </a:p>
         </p:txBody>
       </p:sp>
@@ -5311,7 +5288,7 @@
           <a:p>
             <a:pPr algn="ctr"/>
             <a:r>
-              <a:rPr lang="ru-RU" sz="700" dirty="0" smtClean="0"/>
+              <a:rPr lang="ru-RU" sz="700" dirty="0"/>
               <a:t>Португальские вложения в промышленность</a:t>
             </a:r>
           </a:p>
@@ -5353,10 +5330,9 @@
           <a:p>
             <a:pPr algn="ctr"/>
             <a:r>
-              <a:rPr lang="ru-RU" sz="700" dirty="0" smtClean="0"/>
+              <a:rPr lang="ru-RU" sz="700" dirty="0"/>
               <a:t>Создание национальных парков в Анголе</a:t>
             </a:r>
-            <a:endParaRPr lang="ru-RU" sz="700" dirty="0"/>
           </a:p>
         </p:txBody>
       </p:sp>
@@ -5396,10 +5372,9 @@
           <a:p>
             <a:pPr algn="ctr"/>
             <a:r>
-              <a:rPr lang="ru-RU" sz="800" dirty="0" smtClean="0"/>
+              <a:rPr lang="ru-RU" sz="800" dirty="0"/>
               <a:t>Создать рабочие места для чёрных</a:t>
             </a:r>
-            <a:endParaRPr lang="ru-RU" sz="800" dirty="0"/>
           </a:p>
         </p:txBody>
       </p:sp>
@@ -5439,10 +5414,9 @@
           <a:p>
             <a:pPr algn="ctr"/>
             <a:r>
-              <a:rPr lang="ru-RU" sz="700" dirty="0" smtClean="0"/>
+              <a:rPr lang="ru-RU" sz="700" dirty="0"/>
               <a:t>Колониальная армия Португалии</a:t>
             </a:r>
-            <a:endParaRPr lang="ru-RU" sz="700" dirty="0"/>
           </a:p>
         </p:txBody>
       </p:sp>
@@ -5482,10 +5456,9 @@
           <a:p>
             <a:pPr algn="ctr"/>
             <a:r>
-              <a:rPr lang="ru-RU" sz="700" dirty="0" smtClean="0"/>
+              <a:rPr lang="ru-RU" sz="700" dirty="0"/>
               <a:t>Набор из чёрного населения</a:t>
             </a:r>
-            <a:endParaRPr lang="ru-RU" sz="700" dirty="0"/>
           </a:p>
         </p:txBody>
       </p:sp>
@@ -5525,10 +5498,9 @@
           <a:p>
             <a:pPr algn="ctr"/>
             <a:r>
-              <a:rPr lang="ru-RU" sz="700" dirty="0" smtClean="0"/>
+              <a:rPr lang="ru-RU" sz="700" dirty="0"/>
               <a:t>Белые офицеры и сержанты</a:t>
             </a:r>
-            <a:endParaRPr lang="ru-RU" sz="700" dirty="0"/>
           </a:p>
         </p:txBody>
       </p:sp>
@@ -5680,10 +5652,9 @@
           <a:p>
             <a:pPr algn="ctr"/>
             <a:r>
-              <a:rPr lang="ru-RU" sz="700" dirty="0" smtClean="0"/>
+              <a:rPr lang="ru-RU" sz="700" dirty="0"/>
               <a:t>Снаряжение для колониальной армии (+1 военный завод)</a:t>
             </a:r>
-            <a:endParaRPr lang="ru-RU" sz="700" dirty="0"/>
           </a:p>
         </p:txBody>
       </p:sp>
@@ -5804,10 +5775,9 @@
           <a:p>
             <a:pPr algn="ctr"/>
             <a:r>
-              <a:rPr lang="ru-RU" sz="800" dirty="0" smtClean="0"/>
+              <a:rPr lang="ru-RU" sz="800" dirty="0"/>
               <a:t>Новый план развития Анголы</a:t>
             </a:r>
-            <a:endParaRPr lang="ru-RU" sz="800" dirty="0"/>
           </a:p>
         </p:txBody>
       </p:sp>
@@ -5852,10 +5822,9 @@
           <a:p>
             <a:pPr algn="ctr"/>
             <a:r>
-              <a:rPr lang="ru-RU" sz="800" dirty="0" smtClean="0"/>
+              <a:rPr lang="ru-RU" sz="800" dirty="0"/>
               <a:t>Концепция повышения уровни жизни и доходов</a:t>
             </a:r>
-            <a:endParaRPr lang="ru-RU" sz="800" dirty="0"/>
           </a:p>
         </p:txBody>
       </p:sp>
@@ -5900,10 +5869,9 @@
           <a:p>
             <a:pPr algn="ctr"/>
             <a:r>
-              <a:rPr lang="ru-RU" sz="800" dirty="0" smtClean="0"/>
+              <a:rPr lang="ru-RU" sz="800" dirty="0"/>
               <a:t>Развитие транспортной инфраструктуры</a:t>
             </a:r>
-            <a:endParaRPr lang="ru-RU" sz="800" dirty="0"/>
           </a:p>
         </p:txBody>
       </p:sp>
@@ -5948,7 +5916,7 @@
           <a:p>
             <a:pPr algn="ctr"/>
             <a:r>
-              <a:rPr lang="ru-RU" sz="800" dirty="0" smtClean="0"/>
+              <a:rPr lang="ru-RU" sz="800" dirty="0"/>
               <a:t>Развитие гидроэнергетики</a:t>
             </a:r>
           </a:p>
@@ -5995,14 +5963,14 @@
           <a:p>
             <a:pPr algn="ctr"/>
             <a:r>
-              <a:rPr lang="ru-RU" sz="800" dirty="0" smtClean="0"/>
+              <a:rPr lang="ru-RU" sz="800" dirty="0"/>
               <a:t>Порт в </a:t>
             </a:r>
             <a:r>
-              <a:rPr lang="ru-RU" sz="800" dirty="0" err="1" smtClean="0"/>
+              <a:rPr lang="ru-RU" sz="800" dirty="0" err="1"/>
               <a:t>Мосамедише</a:t>
             </a:r>
-            <a:endParaRPr lang="ru-RU" sz="700" dirty="0" smtClean="0"/>
+            <a:endParaRPr lang="ru-RU" sz="700" dirty="0"/>
           </a:p>
         </p:txBody>
       </p:sp>
@@ -6195,10 +6163,9 @@
           <a:p>
             <a:pPr algn="ctr"/>
             <a:r>
-              <a:rPr lang="ru-RU" sz="800" dirty="0" smtClean="0"/>
+              <a:rPr lang="ru-RU" sz="800" dirty="0"/>
               <a:t>Первый университет Анголы</a:t>
             </a:r>
-            <a:endParaRPr lang="ru-RU" sz="800" dirty="0"/>
           </a:p>
         </p:txBody>
       </p:sp>
@@ -6312,21 +6279,20 @@
           <a:p>
             <a:pPr algn="ctr"/>
             <a:r>
-              <a:rPr lang="ru-RU" sz="700" dirty="0" smtClean="0"/>
+              <a:rPr lang="ru-RU" sz="700" dirty="0"/>
               <a:t>Стереть границы между португальцами и Ассимиладуш</a:t>
             </a:r>
           </a:p>
           <a:p>
             <a:pPr algn="ctr"/>
             <a:r>
-              <a:rPr lang="ru-RU" sz="800" dirty="0" smtClean="0"/>
+              <a:rPr lang="ru-RU" sz="800" dirty="0"/>
               <a:t> </a:t>
             </a:r>
             <a:r>
-              <a:rPr lang="ru-RU" sz="300" dirty="0" smtClean="0"/>
+              <a:rPr lang="ru-RU" sz="300" dirty="0"/>
               <a:t>(те получали меньше плату, и не могли подняться выше клерка 1 ранга)</a:t>
             </a:r>
-            <a:endParaRPr lang="ru-RU" sz="300" dirty="0"/>
           </a:p>
         </p:txBody>
       </p:sp>
@@ -6404,10 +6370,9 @@
           <a:p>
             <a:pPr algn="ctr"/>
             <a:r>
-              <a:rPr lang="ru-RU" sz="700" dirty="0" smtClean="0"/>
+              <a:rPr lang="ru-RU" sz="700" dirty="0"/>
               <a:t>Колониальное управление Анголы</a:t>
             </a:r>
-            <a:endParaRPr lang="ru-RU" sz="700" dirty="0"/>
           </a:p>
         </p:txBody>
       </p:sp>
@@ -6633,10 +6598,9 @@
           <a:p>
             <a:pPr algn="ctr"/>
             <a:r>
-              <a:rPr lang="ru-RU" sz="700" dirty="0" smtClean="0"/>
+              <a:rPr lang="ru-RU" sz="700" dirty="0"/>
               <a:t>Создание спортивных сооружений (1940)</a:t>
             </a:r>
-            <a:endParaRPr lang="ru-RU" sz="700" dirty="0"/>
           </a:p>
         </p:txBody>
       </p:sp>
@@ -6934,10 +6898,9 @@
           <a:p>
             <a:pPr algn="ctr"/>
             <a:r>
-              <a:rPr lang="ru-RU" sz="700" dirty="0" smtClean="0"/>
+              <a:rPr lang="ru-RU" sz="700" dirty="0"/>
               <a:t>Колониальное управление Мозамбика</a:t>
             </a:r>
-            <a:endParaRPr lang="ru-RU" sz="700" dirty="0"/>
           </a:p>
         </p:txBody>
       </p:sp>
@@ -6981,7 +6944,7 @@
               <a:t>Продолжить плановую экономику </a:t>
             </a:r>
             <a:r>
-              <a:rPr lang="ru-RU" sz="700" dirty="0" err="1" smtClean="0"/>
+              <a:rPr lang="ru-RU" sz="700" dirty="0" err="1"/>
               <a:t>Салазара</a:t>
             </a:r>
             <a:endParaRPr lang="ru-RU" sz="200" dirty="0"/>
@@ -7066,10 +7029,9 @@
           <a:p>
             <a:pPr algn="ctr"/>
             <a:r>
-              <a:rPr lang="ru-RU" sz="800" dirty="0" smtClean="0"/>
+              <a:rPr lang="ru-RU" sz="800" dirty="0"/>
               <a:t>Экспорт риса в Метрополию</a:t>
             </a:r>
-            <a:endParaRPr lang="ru-RU" sz="800" dirty="0"/>
           </a:p>
         </p:txBody>
       </p:sp>
@@ -7110,13 +7072,8 @@
             <a:pPr algn="ctr"/>
             <a:r>
               <a:rPr lang="ru-RU" sz="800" dirty="0"/>
-              <a:t>Увеличить производства </a:t>
-            </a:r>
-            <a:r>
-              <a:rPr lang="ru-RU" sz="800" dirty="0" smtClean="0"/>
-              <a:t>хлопка (+1фабрика)</a:t>
-            </a:r>
-            <a:endParaRPr lang="ru-RU" sz="800" dirty="0"/>
+              <a:t>Увеличить производства хлопка (+1фабрика)</a:t>
+            </a:r>
           </a:p>
         </p:txBody>
       </p:sp>
@@ -7156,10 +7113,9 @@
           <a:p>
             <a:pPr algn="ctr"/>
             <a:r>
-              <a:rPr lang="ru-RU" sz="800" dirty="0" smtClean="0"/>
+              <a:rPr lang="ru-RU" sz="800" dirty="0"/>
               <a:t>Экспорт сандала</a:t>
             </a:r>
-            <a:endParaRPr lang="ru-RU" sz="800" dirty="0"/>
           </a:p>
         </p:txBody>
       </p:sp>
@@ -7199,18 +7155,17 @@
           <a:p>
             <a:pPr algn="ctr"/>
             <a:r>
-              <a:rPr lang="ru-RU" sz="800" dirty="0" smtClean="0"/>
+              <a:rPr lang="ru-RU" sz="800" dirty="0"/>
               <a:t>Экспорт </a:t>
             </a:r>
             <a:r>
-              <a:rPr lang="ru-RU" sz="800" dirty="0" err="1" smtClean="0"/>
+              <a:rPr lang="ru-RU" sz="800" dirty="0" err="1"/>
               <a:t>Тиморского</a:t>
             </a:r>
             <a:r>
-              <a:rPr lang="ru-RU" sz="800" dirty="0" smtClean="0"/>
+              <a:rPr lang="ru-RU" sz="800" dirty="0"/>
               <a:t> кофе</a:t>
             </a:r>
-            <a:endParaRPr lang="ru-RU" sz="800" dirty="0"/>
           </a:p>
         </p:txBody>
       </p:sp>
@@ -7250,10 +7205,9 @@
           <a:p>
             <a:pPr algn="ctr"/>
             <a:r>
-              <a:rPr lang="ru-RU" sz="700" dirty="0" smtClean="0"/>
+              <a:rPr lang="ru-RU" sz="700" dirty="0"/>
               <a:t>Колониальное управление Тимора</a:t>
             </a:r>
-            <a:endParaRPr lang="ru-RU" sz="700" dirty="0"/>
           </a:p>
         </p:txBody>
       </p:sp>
@@ -7293,7 +7247,7 @@
           <a:p>
             <a:pPr algn="ctr"/>
             <a:r>
-              <a:rPr lang="ru-RU" sz="800" dirty="0" smtClean="0"/>
+              <a:rPr lang="ru-RU" sz="800" dirty="0"/>
               <a:t>Вложения </a:t>
             </a:r>
             <a:r>
@@ -7305,20 +7259,12 @@
               <a:t> </a:t>
             </a:r>
             <a:r>
-              <a:rPr lang="en-US" sz="800" dirty="0" err="1" smtClean="0"/>
+              <a:rPr lang="en-US" sz="800" dirty="0" err="1"/>
               <a:t>Kōhatsu</a:t>
             </a:r>
             <a:r>
-              <a:rPr lang="ru-RU" sz="800" dirty="0" smtClean="0"/>
-              <a:t> </a:t>
-            </a:r>
-            <a:r>
               <a:rPr lang="ru-RU" sz="800" dirty="0"/>
-              <a:t>в плантации </a:t>
-            </a:r>
-            <a:r>
-              <a:rPr lang="ru-RU" sz="800" dirty="0" smtClean="0"/>
-              <a:t>Тимора (доступно если Португалия продала акции САПТ в 1937) </a:t>
+              <a:t> в плантации Тимора (доступно если Португалия продала акции САПТ в 1937) </a:t>
             </a:r>
             <a:r>
               <a:rPr lang="ru-RU" sz="100" dirty="0"/>
@@ -7338,13 +7284,8 @@
             </a:r>
             <a:r>
               <a:rPr lang="ru-RU" sz="100" dirty="0"/>
-              <a:t> при тайном спонсорстве Императорского флота Японии вложила значительные средства в совместное предприятие с SAPT, ведущей плантационной компанией португальского Тимора. Совместное предприятие эффективно контролировало импорт и экспорт на остров к середине 1930-х годов, и расширение интересов Японии сильно обеспокоило британские, голландские и австралийские </a:t>
-            </a:r>
-            <a:r>
-              <a:rPr lang="ru-RU" sz="100" dirty="0" smtClean="0"/>
-              <a:t>власти)</a:t>
-            </a:r>
-            <a:endParaRPr lang="ru-RU" sz="100" dirty="0"/>
+              <a:t> при тайном спонсорстве Императорского флота Японии вложила значительные средства в совместное предприятие с SAPT, ведущей плантационной компанией португальского Тимора. Совместное предприятие эффективно контролировало импорт и экспорт на остров к середине 1930-х годов, и расширение интересов Японии сильно обеспокоило британские, голландские и австралийские власти)</a:t>
+            </a:r>
           </a:p>
         </p:txBody>
       </p:sp>
@@ -7384,7 +7325,7 @@
           <a:p>
             <a:pPr algn="ctr"/>
             <a:r>
-              <a:rPr lang="ru-RU" sz="800" dirty="0" smtClean="0"/>
+              <a:rPr lang="ru-RU" sz="800" dirty="0"/>
               <a:t>Принудить к работам местных</a:t>
             </a:r>
             <a:endParaRPr lang="ru-RU" sz="300" dirty="0"/>
@@ -7427,15 +7368,15 @@
           <a:p>
             <a:pPr algn="ctr"/>
             <a:r>
-              <a:rPr lang="ru-RU" sz="800" dirty="0" smtClean="0"/>
+              <a:rPr lang="ru-RU" sz="800" dirty="0"/>
               <a:t>Передать образование </a:t>
             </a:r>
             <a:r>
-              <a:rPr lang="ru-RU" sz="800" dirty="0" err="1" smtClean="0"/>
+              <a:rPr lang="ru-RU" sz="800" dirty="0" err="1"/>
               <a:t>тиморцев</a:t>
             </a:r>
             <a:r>
-              <a:rPr lang="ru-RU" sz="800" dirty="0" smtClean="0"/>
+              <a:rPr lang="ru-RU" sz="800" dirty="0"/>
               <a:t> церкви</a:t>
             </a:r>
             <a:endParaRPr lang="ru-RU" sz="400" dirty="0"/>
@@ -7479,13 +7420,8 @@
             <a:pPr algn="ctr"/>
             <a:r>
               <a:rPr lang="ru-RU" sz="700" dirty="0"/>
-              <a:t>Добровольческие отряды Тимора </a:t>
-            </a:r>
-            <a:r>
-              <a:rPr lang="ru-RU" sz="700" dirty="0" smtClean="0"/>
-              <a:t>(1939)</a:t>
-            </a:r>
-            <a:endParaRPr lang="ru-RU" sz="700" dirty="0"/>
+              <a:t>Добровольческие отряды Тимора (1939)</a:t>
+            </a:r>
           </a:p>
         </p:txBody>
       </p:sp>
@@ -7525,10 +7461,9 @@
           <a:p>
             <a:pPr algn="ctr"/>
             <a:r>
-              <a:rPr lang="ru-RU" sz="800" dirty="0" smtClean="0"/>
+              <a:rPr lang="ru-RU" sz="800" dirty="0"/>
               <a:t>Воздушное сообщение с Японией через Палау</a:t>
             </a:r>
-            <a:endParaRPr lang="ru-RU" sz="800" dirty="0"/>
           </a:p>
         </p:txBody>
       </p:sp>
@@ -7568,22 +7503,13 @@
           <a:p>
             <a:pPr algn="ctr"/>
             <a:r>
-              <a:rPr lang="ru-RU" sz="800" dirty="0" smtClean="0"/>
+              <a:rPr lang="ru-RU" sz="800" dirty="0"/>
               <a:t>Сахарные и солевые концессии </a:t>
             </a:r>
             <a:r>
-              <a:rPr lang="ru-RU" sz="500" dirty="0" smtClean="0"/>
-              <a:t>(</a:t>
-            </a:r>
-            <a:r>
               <a:rPr lang="ru-RU" sz="500" dirty="0"/>
-              <a:t>Японцы ищут соли и сахарные концессии в </a:t>
-            </a:r>
-            <a:r>
-              <a:rPr lang="ru-RU" sz="500" dirty="0" smtClean="0"/>
-              <a:t>Тиморе)</a:t>
-            </a:r>
-            <a:endParaRPr lang="ru-RU" sz="500" dirty="0"/>
+              <a:t>(Японцы ищут соли и сахарные концессии в Тиморе)</a:t>
+            </a:r>
           </a:p>
         </p:txBody>
       </p:sp>
@@ -7623,18 +7549,17 @@
           <a:p>
             <a:pPr algn="ctr"/>
             <a:r>
-              <a:rPr lang="ru-RU" sz="800" dirty="0" smtClean="0"/>
+              <a:rPr lang="ru-RU" sz="800" dirty="0"/>
               <a:t>Продажа акций </a:t>
             </a:r>
             <a:r>
-              <a:rPr lang="en-US" sz="800" dirty="0" smtClean="0"/>
+              <a:rPr lang="en-US" sz="800" dirty="0"/>
               <a:t>SAPT </a:t>
             </a:r>
             <a:r>
-              <a:rPr lang="ru-RU" sz="800" dirty="0" smtClean="0"/>
+              <a:rPr lang="ru-RU" sz="800" dirty="0"/>
               <a:t>Японии(в 1937)</a:t>
             </a:r>
-            <a:endParaRPr lang="ru-RU" sz="800" dirty="0"/>
           </a:p>
         </p:txBody>
       </p:sp>
@@ -7674,11 +7599,11 @@
           <a:p>
             <a:pPr algn="ctr"/>
             <a:r>
-              <a:rPr lang="ru-RU" sz="800" dirty="0" smtClean="0"/>
+              <a:rPr lang="ru-RU" sz="800" dirty="0"/>
               <a:t>Выращивание каучука </a:t>
             </a:r>
             <a:r>
-              <a:rPr lang="en-US" sz="800" dirty="0" smtClean="0"/>
+              <a:rPr lang="en-US" sz="800" dirty="0"/>
               <a:t>SAPT</a:t>
             </a:r>
             <a:endParaRPr lang="ru-RU" sz="800" dirty="0"/>
@@ -7981,7 +7906,7 @@
           <a:p>
             <a:pPr algn="ctr"/>
             <a:r>
-              <a:rPr lang="ru-RU" sz="800" dirty="0" smtClean="0"/>
+              <a:rPr lang="ru-RU" sz="800" dirty="0"/>
               <a:t>Оккупировать Португальский Тимор</a:t>
             </a:r>
             <a:endParaRPr lang="ru-RU" sz="500" dirty="0"/>
@@ -8136,10 +8061,9 @@
           <a:p>
             <a:pPr algn="ctr"/>
             <a:r>
-              <a:rPr lang="ru-RU" sz="700" dirty="0" smtClean="0"/>
+              <a:rPr lang="ru-RU" sz="700" dirty="0"/>
               <a:t>Колониальное управление Макао</a:t>
             </a:r>
-            <a:endParaRPr lang="ru-RU" sz="700" dirty="0"/>
           </a:p>
         </p:txBody>
       </p:sp>
@@ -8179,10 +8103,9 @@
           <a:p>
             <a:pPr algn="ctr"/>
             <a:r>
-              <a:rPr lang="ru-RU" sz="700" dirty="0" smtClean="0"/>
+              <a:rPr lang="ru-RU" sz="700" dirty="0"/>
               <a:t>Красный рынок (1936)</a:t>
             </a:r>
-            <a:endParaRPr lang="ru-RU" sz="700" dirty="0"/>
           </a:p>
         </p:txBody>
       </p:sp>
@@ -8222,18 +8145,17 @@
           <a:p>
             <a:pPr algn="ctr"/>
             <a:r>
-              <a:rPr lang="ru-RU" sz="700" dirty="0" smtClean="0"/>
+              <a:rPr lang="ru-RU" sz="700" dirty="0"/>
               <a:t>Западная линия </a:t>
             </a:r>
             <a:r>
-              <a:rPr lang="ru-RU" sz="700" dirty="0" err="1" smtClean="0"/>
+              <a:rPr lang="ru-RU" sz="700" dirty="0" err="1"/>
               <a:t>Цигуаньского</a:t>
             </a:r>
             <a:r>
-              <a:rPr lang="ru-RU" sz="700" dirty="0" smtClean="0"/>
+              <a:rPr lang="ru-RU" sz="700" dirty="0"/>
               <a:t> шоссе (1936)</a:t>
             </a:r>
-            <a:endParaRPr lang="ru-RU" sz="700" dirty="0"/>
           </a:p>
         </p:txBody>
       </p:sp>
@@ -8273,10 +8195,9 @@
           <a:p>
             <a:pPr algn="ctr"/>
             <a:r>
-              <a:rPr lang="ru-RU" sz="700" dirty="0" smtClean="0"/>
+              <a:rPr lang="ru-RU" sz="700" dirty="0"/>
               <a:t>Модернизация крепостей под современную войну</a:t>
             </a:r>
-            <a:endParaRPr lang="ru-RU" sz="700" dirty="0"/>
           </a:p>
         </p:txBody>
       </p:sp>
@@ -8325,13 +8246,8 @@
             </a:r>
             <a:r>
               <a:rPr lang="ru-RU" sz="700" dirty="0"/>
-              <a:t> </a:t>
-            </a:r>
-            <a:r>
-              <a:rPr lang="ru-RU" sz="700" dirty="0" smtClean="0"/>
-              <a:t>гарнизон</a:t>
-            </a:r>
-            <a:endParaRPr lang="ru-RU" sz="700" dirty="0"/>
+              <a:t> гарнизон</a:t>
+            </a:r>
           </a:p>
         </p:txBody>
       </p:sp>
@@ -8407,31 +8323,27 @@
           <a:p>
             <a:pPr algn="ctr"/>
             <a:r>
-              <a:rPr lang="en-US" sz="800" dirty="0" smtClean="0"/>
+              <a:rPr lang="en-US" sz="800" dirty="0"/>
               <a:t>NRP</a:t>
             </a:r>
             <a:r>
-              <a:rPr lang="ru-RU" sz="800" dirty="0" smtClean="0"/>
+              <a:rPr lang="ru-RU" sz="800" dirty="0"/>
               <a:t> «</a:t>
             </a:r>
             <a:r>
-              <a:rPr lang="en-US" sz="800" i="1" dirty="0" err="1" smtClean="0"/>
+              <a:rPr lang="en-US" sz="800" i="1" dirty="0" err="1"/>
               <a:t>João</a:t>
             </a:r>
             <a:r>
-              <a:rPr lang="en-US" sz="800" i="1" dirty="0" smtClean="0"/>
-              <a:t> </a:t>
-            </a:r>
-            <a:r>
               <a:rPr lang="en-US" sz="800" i="1" dirty="0"/>
-              <a:t>de </a:t>
-            </a:r>
-            <a:r>
-              <a:rPr lang="en-US" sz="800" i="1" dirty="0" err="1" smtClean="0"/>
+              <a:t> de </a:t>
+            </a:r>
+            <a:r>
+              <a:rPr lang="en-US" sz="800" i="1" dirty="0" err="1"/>
               <a:t>Lisboa</a:t>
             </a:r>
             <a:r>
-              <a:rPr lang="ru-RU" sz="800" i="1" dirty="0" smtClean="0"/>
+              <a:rPr lang="ru-RU" sz="800" i="1" dirty="0"/>
               <a:t>» (+1эсминец)</a:t>
             </a:r>
             <a:endParaRPr lang="ru-RU" sz="700" dirty="0"/>
@@ -8474,16 +8386,8 @@
           <a:p>
             <a:pPr algn="ctr"/>
             <a:r>
-              <a:rPr lang="ru-RU" sz="800" dirty="0" smtClean="0"/>
-              <a:t>Ассоциация </a:t>
-            </a:r>
-            <a:r>
               <a:rPr lang="ru-RU" sz="800" dirty="0"/>
-              <a:t>помощи бедствиям в четырех </a:t>
-            </a:r>
-            <a:r>
-              <a:rPr lang="ru-RU" sz="800" dirty="0" smtClean="0"/>
-              <a:t>кругах</a:t>
+              <a:t>Ассоциация помощи бедствиям в четырех кругах</a:t>
             </a:r>
             <a:endParaRPr lang="ru-RU" sz="100" dirty="0"/>
           </a:p>
@@ -8525,10 +8429,9 @@
           <a:p>
             <a:pPr algn="ctr"/>
             <a:r>
-              <a:rPr lang="ru-RU" sz="700" dirty="0" smtClean="0"/>
+              <a:rPr lang="ru-RU" sz="700" dirty="0"/>
               <a:t>Организовать центр торговли золотом</a:t>
             </a:r>
-            <a:endParaRPr lang="ru-RU" sz="700" dirty="0"/>
           </a:p>
         </p:txBody>
       </p:sp>
@@ -8568,16 +8471,8 @@
           <a:p>
             <a:pPr algn="ctr"/>
             <a:r>
-              <a:rPr lang="ru-RU" sz="700" dirty="0" smtClean="0"/>
-              <a:t>Торговля </a:t>
-            </a:r>
-            <a:r>
               <a:rPr lang="ru-RU" sz="700" dirty="0"/>
-              <a:t>китайскими </a:t>
-            </a:r>
-            <a:r>
-              <a:rPr lang="ru-RU" sz="700" dirty="0" smtClean="0"/>
-              <a:t>рабочими</a:t>
+              <a:t>Торговля китайскими рабочими</a:t>
             </a:r>
             <a:endParaRPr lang="ru-RU" sz="100" dirty="0"/>
           </a:p>
@@ -8619,10 +8514,9 @@
           <a:p>
             <a:pPr algn="ctr"/>
             <a:r>
-              <a:rPr lang="ru-RU" sz="700" dirty="0" smtClean="0"/>
+              <a:rPr lang="ru-RU" sz="700" dirty="0"/>
               <a:t>Торговля китайским опиумом</a:t>
             </a:r>
-            <a:endParaRPr lang="ru-RU" sz="700" dirty="0"/>
           </a:p>
         </p:txBody>
       </p:sp>
@@ -8662,10 +8556,9 @@
           <a:p>
             <a:pPr algn="ctr"/>
             <a:r>
-              <a:rPr lang="ru-RU" sz="700" dirty="0" smtClean="0"/>
+              <a:rPr lang="ru-RU" sz="700" dirty="0"/>
               <a:t>Запретить торговлю опиумом</a:t>
             </a:r>
-            <a:endParaRPr lang="ru-RU" sz="700" dirty="0"/>
           </a:p>
         </p:txBody>
       </p:sp>
@@ -8705,10 +8598,9 @@
           <a:p>
             <a:pPr algn="ctr"/>
             <a:r>
-              <a:rPr lang="ru-RU" sz="700" dirty="0" smtClean="0"/>
+              <a:rPr lang="ru-RU" sz="700" dirty="0"/>
               <a:t>Колониальный флот Португалии</a:t>
             </a:r>
-            <a:endParaRPr lang="ru-RU" sz="700" dirty="0"/>
           </a:p>
         </p:txBody>
       </p:sp>
@@ -8748,16 +8640,8 @@
           <a:p>
             <a:pPr algn="ctr"/>
             <a:r>
-              <a:rPr lang="ru-RU" sz="700" dirty="0" smtClean="0"/>
-              <a:t>Оккупация </a:t>
-            </a:r>
-            <a:r>
               <a:rPr lang="ru-RU" sz="700" dirty="0"/>
-              <a:t>прилегающих </a:t>
-            </a:r>
-            <a:r>
-              <a:rPr lang="ru-RU" sz="700" dirty="0" smtClean="0"/>
-              <a:t>островов</a:t>
+              <a:t>Оккупация прилегающих островов</a:t>
             </a:r>
             <a:endParaRPr lang="ru-RU" sz="100" dirty="0"/>
           </a:p>
@@ -8799,10 +8683,9 @@
           <a:p>
             <a:pPr algn="ctr"/>
             <a:r>
-              <a:rPr lang="ru-RU" sz="700" dirty="0" smtClean="0"/>
+              <a:rPr lang="ru-RU" sz="700" dirty="0"/>
               <a:t>Национализация продуктов питания (чтобы отсрочить голод)</a:t>
             </a:r>
-            <a:endParaRPr lang="ru-RU" sz="700" dirty="0"/>
           </a:p>
         </p:txBody>
       </p:sp>
@@ -8842,10 +8725,9 @@
           <a:p>
             <a:pPr algn="ctr"/>
             <a:r>
-              <a:rPr lang="ru-RU" sz="700" dirty="0" smtClean="0"/>
+              <a:rPr lang="ru-RU" sz="700" dirty="0"/>
               <a:t>Отправить помощь из метрополии</a:t>
             </a:r>
-            <a:endParaRPr lang="ru-RU" sz="700" dirty="0"/>
           </a:p>
         </p:txBody>
       </p:sp>
@@ -9615,10 +9497,9 @@
           <a:p>
             <a:pPr algn="ctr"/>
             <a:r>
-              <a:rPr lang="ru-RU" sz="700" dirty="0" smtClean="0"/>
+              <a:rPr lang="ru-RU" sz="700" dirty="0"/>
               <a:t>Интеграция традиционных властей</a:t>
             </a:r>
-            <a:endParaRPr lang="ru-RU" sz="700" dirty="0"/>
           </a:p>
         </p:txBody>
       </p:sp>
@@ -9658,7 +9539,7 @@
           <a:p>
             <a:pPr algn="ctr"/>
             <a:r>
-              <a:rPr lang="ru-RU" sz="700" dirty="0" smtClean="0"/>
+              <a:rPr lang="ru-RU" sz="700" dirty="0"/>
               <a:t>Провинциальный декрет Португалии № 5.639</a:t>
             </a:r>
             <a:endParaRPr lang="ru-RU" sz="100" dirty="0"/>
@@ -9701,10 +9582,9 @@
           <a:p>
             <a:pPr algn="ctr"/>
             <a:r>
-              <a:rPr lang="ru-RU" sz="800" dirty="0" smtClean="0"/>
+              <a:rPr lang="ru-RU" sz="800" dirty="0"/>
               <a:t>Экспорт чая в Метрополию</a:t>
             </a:r>
-            <a:endParaRPr lang="ru-RU" sz="800" dirty="0"/>
           </a:p>
         </p:txBody>
       </p:sp>
@@ -9744,10 +9624,9 @@
           <a:p>
             <a:pPr algn="ctr"/>
             <a:r>
-              <a:rPr lang="ru-RU" sz="800" dirty="0" smtClean="0"/>
+              <a:rPr lang="ru-RU" sz="800" dirty="0"/>
               <a:t>Экспорт кешью в Метрополию</a:t>
             </a:r>
-            <a:endParaRPr lang="ru-RU" sz="800" dirty="0"/>
           </a:p>
         </p:txBody>
       </p:sp>
@@ -9787,10 +9666,9 @@
           <a:p>
             <a:pPr algn="ctr"/>
             <a:r>
-              <a:rPr lang="ru-RU" sz="800" dirty="0" smtClean="0"/>
+              <a:rPr lang="ru-RU" sz="800" dirty="0"/>
               <a:t>Расширить доступ к образованию</a:t>
             </a:r>
-            <a:endParaRPr lang="ru-RU" sz="800" dirty="0"/>
           </a:p>
         </p:txBody>
       </p:sp>
@@ -9830,10 +9708,9 @@
           <a:p>
             <a:pPr algn="ctr"/>
             <a:r>
-              <a:rPr lang="ru-RU" sz="800" dirty="0" smtClean="0"/>
+              <a:rPr lang="ru-RU" sz="800" dirty="0"/>
               <a:t>Модернизация городов Мозамбика</a:t>
             </a:r>
-            <a:endParaRPr lang="ru-RU" sz="800" dirty="0"/>
           </a:p>
         </p:txBody>
       </p:sp>
@@ -10283,19 +10160,19 @@
           <a:p>
             <a:pPr algn="ctr"/>
             <a:r>
-              <a:rPr lang="ru-RU" sz="800" dirty="0" smtClean="0"/>
+              <a:rPr lang="ru-RU" sz="800" dirty="0"/>
               <a:t>Забрать территории </a:t>
             </a:r>
             <a:r>
-              <a:rPr lang="en-US" sz="800" dirty="0" smtClean="0"/>
+              <a:rPr lang="en-US" sz="800" dirty="0"/>
               <a:t>Mozambique Company</a:t>
             </a:r>
             <a:r>
-              <a:rPr lang="ru-RU" sz="800" dirty="0" smtClean="0"/>
+              <a:rPr lang="ru-RU" sz="800" dirty="0"/>
               <a:t> </a:t>
             </a:r>
             <a:r>
-              <a:rPr lang="ru-RU" sz="400" dirty="0" smtClean="0"/>
+              <a:rPr lang="ru-RU" sz="400" dirty="0"/>
               <a:t>(июль 1942)</a:t>
             </a:r>
             <a:endParaRPr lang="ru-RU" sz="200" dirty="0"/>
@@ -10374,11 +10251,11 @@
           <a:p>
             <a:pPr algn="ctr"/>
             <a:r>
-              <a:rPr lang="ru-RU" sz="800" dirty="0" smtClean="0"/>
+              <a:rPr lang="ru-RU" sz="800" dirty="0"/>
               <a:t>Вернуть управление Мозамбиком кампаниям </a:t>
             </a:r>
             <a:r>
-              <a:rPr lang="ru-RU" sz="500" dirty="0" smtClean="0"/>
+              <a:rPr lang="ru-RU" sz="500" dirty="0"/>
               <a:t>(только для монархии)</a:t>
             </a:r>
             <a:endParaRPr lang="ru-RU" sz="200" dirty="0"/>
@@ -10430,29 +10307,16 @@
             </a:r>
             <a:r>
               <a:rPr lang="en-US" sz="900" dirty="0"/>
+              <a:t> Company</a:t>
+            </a:r>
+            <a:r>
+              <a:rPr lang="ru-RU" sz="900" dirty="0"/>
               <a:t> </a:t>
             </a:r>
             <a:r>
-              <a:rPr lang="en-US" sz="900" dirty="0" smtClean="0"/>
-              <a:t>Company</a:t>
-            </a:r>
-            <a:r>
-              <a:rPr lang="ru-RU" sz="900" dirty="0" smtClean="0"/>
-              <a:t> </a:t>
-            </a:r>
-            <a:r>
-              <a:rPr lang="ru-RU" sz="500" dirty="0" smtClean="0"/>
-              <a:t>(</a:t>
-            </a:r>
-            <a:r>
               <a:rPr lang="ru-RU" sz="500" dirty="0"/>
-              <a:t>королевская кампания, только для монархии</a:t>
-            </a:r>
-            <a:r>
-              <a:rPr lang="ru-RU" sz="500" dirty="0" smtClean="0"/>
-              <a:t>)</a:t>
-            </a:r>
-            <a:endParaRPr lang="ru-RU" sz="500" dirty="0"/>
+              <a:t>(королевская кампания, только для монархии)</a:t>
+            </a:r>
           </a:p>
         </p:txBody>
       </p:sp>
@@ -10566,7 +10430,7 @@
           <a:p>
             <a:pPr algn="ctr"/>
             <a:r>
-              <a:rPr lang="ru-RU" sz="800" dirty="0" smtClean="0"/>
+              <a:rPr lang="ru-RU" sz="800" dirty="0"/>
               <a:t>Приступить к восстановлению сельского хозяйства</a:t>
             </a:r>
             <a:endParaRPr lang="ru-RU" sz="300" dirty="0"/>
@@ -10683,10 +10547,9 @@
           <a:p>
             <a:pPr algn="ctr"/>
             <a:r>
-              <a:rPr lang="ru-RU" sz="700" dirty="0" smtClean="0"/>
+              <a:rPr lang="ru-RU" sz="700" dirty="0"/>
               <a:t>Разработка Ангольского марганца</a:t>
             </a:r>
-            <a:endParaRPr lang="ru-RU" sz="700" dirty="0"/>
           </a:p>
         </p:txBody>
       </p:sp>
@@ -10764,10 +10627,9 @@
           <a:p>
             <a:pPr algn="ctr"/>
             <a:r>
-              <a:rPr lang="ru-RU" sz="700" dirty="0" smtClean="0"/>
+              <a:rPr lang="ru-RU" sz="700" dirty="0"/>
               <a:t>Разработка угля в Мозамбике</a:t>
             </a:r>
-            <a:endParaRPr lang="ru-RU" sz="700" dirty="0"/>
           </a:p>
         </p:txBody>
       </p:sp>
@@ -10845,19 +10707,11 @@
           <a:p>
             <a:pPr algn="ctr"/>
             <a:r>
-              <a:rPr lang="ru-RU" sz="800" dirty="0" smtClean="0"/>
-              <a:t>Вернуть </a:t>
-            </a:r>
-            <a:r>
               <a:rPr lang="ru-RU" sz="800" dirty="0"/>
-              <a:t>т</a:t>
-            </a:r>
-            <a:r>
-              <a:rPr lang="ru-RU" sz="800" dirty="0" smtClean="0"/>
-              <a:t>ерритории </a:t>
-            </a:r>
-            <a:r>
-              <a:rPr lang="en-US" sz="800" dirty="0" smtClean="0"/>
+              <a:t>Вернуть территории </a:t>
+            </a:r>
+            <a:r>
+              <a:rPr lang="en-US" sz="800" dirty="0"/>
               <a:t>Mozambique Company</a:t>
             </a:r>
             <a:endParaRPr lang="ru-RU" sz="200" dirty="0"/>
@@ -10900,18 +10754,17 @@
           <a:p>
             <a:pPr algn="ctr"/>
             <a:r>
-              <a:rPr lang="ru-RU" sz="800" dirty="0" smtClean="0"/>
+              <a:rPr lang="ru-RU" sz="800" dirty="0"/>
               <a:t>Железная дорога </a:t>
             </a:r>
             <a:r>
-              <a:rPr lang="ru-RU" sz="800" dirty="0" err="1" smtClean="0"/>
+              <a:rPr lang="ru-RU" sz="800" dirty="0" err="1"/>
               <a:t>Амелия</a:t>
             </a:r>
             <a:r>
-              <a:rPr lang="ru-RU" sz="800" dirty="0" smtClean="0"/>
+              <a:rPr lang="ru-RU" sz="800" dirty="0"/>
               <a:t> - Ньяса</a:t>
             </a:r>
-            <a:endParaRPr lang="ru-RU" sz="800" dirty="0"/>
           </a:p>
         </p:txBody>
       </p:sp>
@@ -11099,7 +10952,7 @@
           <a:p>
             <a:pPr algn="ctr"/>
             <a:r>
-              <a:rPr lang="ru-RU" sz="700" dirty="0" smtClean="0"/>
+              <a:rPr lang="ru-RU" sz="700" dirty="0"/>
               <a:t>Авиабаза №4</a:t>
             </a:r>
             <a:endParaRPr lang="ru-RU" sz="300" dirty="0"/>
@@ -11142,10 +10995,9 @@
           <a:p>
             <a:pPr algn="ctr"/>
             <a:r>
-              <a:rPr lang="ru-RU" sz="700" dirty="0" smtClean="0"/>
+              <a:rPr lang="ru-RU" sz="700" dirty="0"/>
               <a:t>Реорганизация Португальской армии (1937)</a:t>
             </a:r>
-            <a:endParaRPr lang="ru-RU" sz="700" dirty="0"/>
           </a:p>
         </p:txBody>
       </p:sp>
@@ -11192,11 +11044,7 @@
             <a:pPr algn="ctr"/>
             <a:r>
               <a:rPr lang="ru-RU" sz="700" dirty="0"/>
-              <a:t>Сохранить нейтралитет в Испанской </a:t>
-            </a:r>
-            <a:r>
-              <a:rPr lang="ru-RU" sz="700" dirty="0" smtClean="0"/>
-              <a:t>войне</a:t>
+              <a:t>Сохранить нейтралитет в Испанской войне</a:t>
             </a:r>
             <a:endParaRPr lang="ru-RU" sz="400" dirty="0"/>
           </a:p>
@@ -11238,11 +11086,11 @@
           <a:p>
             <a:pPr algn="ctr"/>
             <a:r>
-              <a:rPr lang="ru-RU" sz="700" dirty="0" smtClean="0"/>
+              <a:rPr lang="ru-RU" sz="700" dirty="0"/>
               <a:t>Усиление режима </a:t>
             </a:r>
             <a:r>
-              <a:rPr lang="en-US" sz="700" dirty="0" smtClean="0"/>
+              <a:rPr lang="en-US" sz="700" dirty="0"/>
               <a:t>PVDE</a:t>
             </a:r>
             <a:endParaRPr lang="ru-RU" sz="700" dirty="0"/>
@@ -11291,11 +11139,7 @@
             <a:pPr algn="ctr"/>
             <a:r>
               <a:rPr lang="ru-RU" sz="700" dirty="0"/>
-              <a:t>Военно-морская </a:t>
-            </a:r>
-            <a:r>
-              <a:rPr lang="ru-RU" sz="700" dirty="0" smtClean="0"/>
-              <a:t>бригада (5 декабря 1938 года)</a:t>
+              <a:t>Военно-морская бригада (5 декабря 1938 года)</a:t>
             </a:r>
             <a:endParaRPr lang="ru-RU" sz="100" dirty="0"/>
           </a:p>
@@ -11337,11 +11181,11 @@
           <a:p>
             <a:pPr algn="ctr"/>
             <a:r>
-              <a:rPr lang="ru-RU" sz="700" dirty="0" smtClean="0"/>
+              <a:rPr lang="ru-RU" sz="700" dirty="0"/>
               <a:t>Расширить число </a:t>
             </a:r>
             <a:r>
-              <a:rPr lang="ru-RU" sz="700" dirty="0" err="1" smtClean="0"/>
+              <a:rPr lang="ru-RU" sz="700" dirty="0" err="1"/>
               <a:t>касадоров</a:t>
             </a:r>
             <a:endParaRPr lang="ru-RU" sz="200" dirty="0"/>
@@ -11384,19 +11228,19 @@
           <a:p>
             <a:pPr algn="ctr"/>
             <a:r>
-              <a:rPr lang="ru-RU" sz="700" dirty="0" smtClean="0"/>
+              <a:rPr lang="ru-RU" sz="700" dirty="0"/>
               <a:t>Усиление островных гарнизонов </a:t>
             </a:r>
             <a:r>
-              <a:rPr lang="ru-RU" sz="400" dirty="0" smtClean="0"/>
+              <a:rPr lang="ru-RU" sz="400" dirty="0"/>
               <a:t>(ванильный эффект</a:t>
             </a:r>
             <a:r>
-              <a:rPr lang="en-US" sz="400" dirty="0" smtClean="0"/>
+              <a:rPr lang="en-US" sz="400" dirty="0"/>
               <a:t> </a:t>
             </a:r>
             <a:r>
-              <a:rPr lang="ru-RU" sz="400" dirty="0" smtClean="0"/>
+              <a:rPr lang="ru-RU" sz="400" dirty="0"/>
               <a:t>фокуса «Стратегия обороны Атлантики»)</a:t>
             </a:r>
             <a:endParaRPr lang="ru-RU" sz="100" dirty="0"/>
@@ -11444,10 +11288,9 @@
           <a:p>
             <a:pPr algn="ctr"/>
             <a:r>
-              <a:rPr lang="ru-RU" sz="700" dirty="0" smtClean="0"/>
+              <a:rPr lang="ru-RU" sz="700" dirty="0"/>
               <a:t>Новое государство</a:t>
             </a:r>
-            <a:endParaRPr lang="ru-RU" sz="700" dirty="0"/>
           </a:p>
         </p:txBody>
       </p:sp>
@@ -11679,10 +11522,9 @@
           <a:p>
             <a:pPr algn="ctr"/>
             <a:r>
-              <a:rPr lang="ru-RU" sz="700" dirty="0" smtClean="0"/>
+              <a:rPr lang="ru-RU" sz="700" dirty="0"/>
               <a:t>Подписать конкордат с Ватиканом (1940)</a:t>
             </a:r>
-            <a:endParaRPr lang="ru-RU" sz="700" dirty="0"/>
           </a:p>
         </p:txBody>
       </p:sp>
@@ -11725,7 +11567,7 @@
           <a:p>
             <a:pPr algn="ctr"/>
             <a:r>
-              <a:rPr lang="ru-RU" sz="700" dirty="0" smtClean="0"/>
+              <a:rPr lang="ru-RU" sz="700" dirty="0"/>
               <a:t>Возвращение Католического центра к политической деятельности</a:t>
             </a:r>
             <a:endParaRPr lang="ru-RU" sz="400" dirty="0"/>
@@ -11768,11 +11610,11 @@
           <a:p>
             <a:pPr algn="ctr"/>
             <a:r>
-              <a:rPr lang="ru-RU" sz="700" dirty="0" smtClean="0"/>
+              <a:rPr lang="ru-RU" sz="700" dirty="0"/>
               <a:t>Убийство </a:t>
             </a:r>
             <a:r>
-              <a:rPr lang="ru-RU" sz="700" dirty="0" err="1" smtClean="0"/>
+              <a:rPr lang="ru-RU" sz="700" dirty="0" err="1"/>
               <a:t>Салазара</a:t>
             </a:r>
             <a:endParaRPr lang="ru-RU" sz="700" dirty="0"/>
@@ -11820,7 +11662,7 @@
           <a:p>
             <a:pPr algn="ctr"/>
             <a:r>
-              <a:rPr lang="ru-RU" sz="700" dirty="0" err="1" smtClean="0"/>
+              <a:rPr lang="ru-RU" sz="700" dirty="0" err="1"/>
               <a:t>Вириатос</a:t>
             </a:r>
             <a:endParaRPr lang="ru-RU" sz="700" dirty="0"/>
@@ -11866,10 +11708,9 @@
           <a:p>
             <a:pPr algn="ctr"/>
             <a:r>
-              <a:rPr lang="ru-RU" sz="700" dirty="0" smtClean="0"/>
+              <a:rPr lang="ru-RU" sz="700" dirty="0"/>
               <a:t>Политическое восстановление Португальской церкви</a:t>
             </a:r>
-            <a:endParaRPr lang="ru-RU" sz="700" dirty="0"/>
           </a:p>
         </p:txBody>
       </p:sp>
@@ -12180,10 +12021,9 @@
           <a:p>
             <a:pPr algn="ctr"/>
             <a:r>
-              <a:rPr lang="ru-RU" sz="700" dirty="0" smtClean="0"/>
+              <a:rPr lang="ru-RU" sz="700" dirty="0"/>
               <a:t>Привлечь военных для поддержания порядка</a:t>
             </a:r>
-            <a:endParaRPr lang="ru-RU" sz="700" dirty="0"/>
           </a:p>
         </p:txBody>
       </p:sp>
@@ -12229,7 +12069,7 @@
           <a:p>
             <a:pPr algn="ctr"/>
             <a:r>
-              <a:rPr lang="ru-RU" sz="700" dirty="0" smtClean="0">
+              <a:rPr lang="ru-RU" sz="700" dirty="0">
                 <a:solidFill>
                   <a:schemeClr val="bg1"/>
                 </a:solidFill>
@@ -12237,7 +12077,7 @@
               <a:t>Побег из тюрьмы </a:t>
             </a:r>
             <a:r>
-              <a:rPr lang="ru-RU" sz="700" dirty="0" err="1" smtClean="0">
+              <a:rPr lang="ru-RU" sz="700" dirty="0" err="1">
                 <a:solidFill>
                   <a:schemeClr val="bg1"/>
                 </a:solidFill>
@@ -12413,15 +12253,7 @@
                   <a:schemeClr val="bg1"/>
                 </a:solidFill>
               </a:rPr>
-              <a:t>Помощь анархистских </a:t>
-            </a:r>
-            <a:r>
-              <a:rPr lang="ru-RU" sz="800" dirty="0" smtClean="0">
-                <a:solidFill>
-                  <a:schemeClr val="bg1"/>
-                </a:solidFill>
-              </a:rPr>
-              <a:t>профсоюзов</a:t>
+              <a:t>Помощь анархистских профсоюзов</a:t>
             </a:r>
             <a:endParaRPr lang="ru-RU" sz="200" dirty="0">
               <a:solidFill>
@@ -12486,15 +12318,7 @@
                   <a:schemeClr val="bg1"/>
                 </a:solidFill>
               </a:rPr>
-              <a:t> </a:t>
-            </a:r>
-            <a:r>
-              <a:rPr lang="en-US" sz="800" dirty="0" smtClean="0">
-                <a:solidFill>
-                  <a:schemeClr val="bg1"/>
-                </a:solidFill>
-              </a:rPr>
-              <a:t>CGT</a:t>
+              <a:t> CGT</a:t>
             </a:r>
             <a:endParaRPr lang="ru-RU" sz="200" dirty="0">
               <a:solidFill>
@@ -12546,18 +12370,13 @@
           <a:p>
             <a:pPr algn="ctr"/>
             <a:r>
-              <a:rPr lang="ru-RU" sz="700" dirty="0" smtClean="0">
+              <a:rPr lang="ru-RU" sz="700" dirty="0">
                 <a:solidFill>
                   <a:schemeClr val="bg1"/>
                 </a:solidFill>
               </a:rPr>
               <a:t>Ликвидация системы заработной платы и патронажа</a:t>
             </a:r>
-            <a:endParaRPr lang="ru-RU" sz="700" dirty="0">
-              <a:solidFill>
-                <a:schemeClr val="bg1"/>
-              </a:solidFill>
-            </a:endParaRPr>
           </a:p>
         </p:txBody>
       </p:sp>
@@ -12603,7 +12422,7 @@
           <a:p>
             <a:pPr algn="ctr"/>
             <a:r>
-              <a:rPr lang="ru-RU" sz="700" dirty="0" smtClean="0">
+              <a:rPr lang="ru-RU" sz="700" dirty="0">
                 <a:solidFill>
                   <a:schemeClr val="bg1"/>
                 </a:solidFill>
@@ -12611,7 +12430,7 @@
               <a:t>Журнал </a:t>
             </a:r>
             <a:r>
-              <a:rPr lang="ru-RU" sz="700" dirty="0" err="1" smtClean="0">
+              <a:rPr lang="ru-RU" sz="700" dirty="0" err="1">
                 <a:solidFill>
                   <a:schemeClr val="bg1"/>
                 </a:solidFill>
@@ -12908,20 +12727,12 @@
           <a:p>
             <a:pPr algn="ctr"/>
             <a:r>
-              <a:rPr lang="ru-RU" sz="800" dirty="0" smtClean="0">
-                <a:solidFill>
-                  <a:schemeClr val="bg1"/>
-                </a:solidFill>
-              </a:rPr>
-              <a:t>Достижение </a:t>
-            </a:r>
-            <a:r>
               <a:rPr lang="ru-RU" sz="800" dirty="0">
                 <a:solidFill>
                   <a:schemeClr val="bg1"/>
                 </a:solidFill>
               </a:rPr>
-              <a:t>мутуализма</a:t>
+              <a:t>Достижение мутуализма</a:t>
             </a:r>
           </a:p>
         </p:txBody>
@@ -12973,15 +12784,7 @@
                   <a:schemeClr val="bg1"/>
                 </a:solidFill>
               </a:rPr>
-              <a:t>Liga Operária de Expropriação </a:t>
-            </a:r>
-            <a:r>
-              <a:rPr lang="pt-BR" sz="800" dirty="0" smtClean="0">
-                <a:solidFill>
-                  <a:schemeClr val="bg1"/>
-                </a:solidFill>
-              </a:rPr>
-              <a:t>Económica</a:t>
+              <a:t>Liga Operária de Expropriação Económica</a:t>
             </a:r>
             <a:endParaRPr lang="ru-RU" sz="300" dirty="0">
               <a:solidFill>
@@ -13038,15 +12841,7 @@
                   <a:schemeClr val="bg1"/>
                 </a:solidFill>
               </a:rPr>
-              <a:t>Подготовка анархистских </a:t>
-            </a:r>
-            <a:r>
-              <a:rPr lang="ru-RU" sz="800" dirty="0" smtClean="0">
-                <a:solidFill>
-                  <a:schemeClr val="bg1"/>
-                </a:solidFill>
-              </a:rPr>
-              <a:t>боевиков</a:t>
+              <a:t>Подготовка анархистских боевиков</a:t>
             </a:r>
             <a:endParaRPr lang="ru-RU" sz="600" dirty="0">
               <a:solidFill>
@@ -13103,15 +12898,7 @@
                   <a:schemeClr val="bg1"/>
                 </a:solidFill>
               </a:rPr>
-              <a:t>Зарубежная </a:t>
-            </a:r>
-            <a:r>
-              <a:rPr lang="ru-RU" sz="800" dirty="0" smtClean="0">
-                <a:solidFill>
-                  <a:schemeClr val="bg1"/>
-                </a:solidFill>
-              </a:rPr>
-              <a:t>пропаганда</a:t>
+              <a:t>Зарубежная пропаганда</a:t>
             </a:r>
             <a:endParaRPr lang="ru-RU" sz="300" dirty="0">
               <a:solidFill>
@@ -13168,15 +12955,7 @@
                   <a:schemeClr val="bg1"/>
                 </a:solidFill>
               </a:rPr>
-              <a:t>Воссоздать Иберийское анархическое </a:t>
-            </a:r>
-            <a:r>
-              <a:rPr lang="ru-RU" sz="800" dirty="0" smtClean="0">
-                <a:solidFill>
-                  <a:schemeClr val="bg1"/>
-                </a:solidFill>
-              </a:rPr>
-              <a:t>общество</a:t>
+              <a:t>Воссоздать Иберийское анархическое общество</a:t>
             </a:r>
             <a:endParaRPr lang="ru-RU" sz="300" dirty="0">
               <a:solidFill>
@@ -13228,7 +13007,7 @@
           <a:p>
             <a:pPr algn="ctr"/>
             <a:r>
-              <a:rPr lang="ru-RU" sz="800" dirty="0" smtClean="0">
+              <a:rPr lang="ru-RU" sz="800" dirty="0">
                 <a:solidFill>
                   <a:schemeClr val="bg1"/>
                 </a:solidFill>
@@ -13290,15 +13069,7 @@
                   <a:schemeClr val="bg1"/>
                 </a:solidFill>
               </a:rPr>
-              <a:t>Заключить союз с братьями из </a:t>
-            </a:r>
-            <a:r>
-              <a:rPr lang="ru-RU" sz="800" dirty="0" smtClean="0">
-                <a:solidFill>
-                  <a:schemeClr val="bg1"/>
-                </a:solidFill>
-              </a:rPr>
-              <a:t>Бразилии</a:t>
+              <a:t>Заключить союз с братьями из Бразилии</a:t>
             </a:r>
             <a:endParaRPr lang="ru-RU" sz="400" dirty="0">
               <a:solidFill>
@@ -13374,7 +13145,7 @@
               <a:t> </a:t>
             </a:r>
             <a:r>
-              <a:rPr lang="en-US" sz="800" dirty="0" err="1" smtClean="0">
+              <a:rPr lang="en-US" sz="800" dirty="0" err="1">
                 <a:solidFill>
                   <a:schemeClr val="bg1"/>
                 </a:solidFill>
@@ -13436,15 +13207,7 @@
                   <a:schemeClr val="bg1"/>
                 </a:solidFill>
               </a:rPr>
-              <a:t>Заключить союз с братьями из </a:t>
-            </a:r>
-            <a:r>
-              <a:rPr lang="ru-RU" sz="800" dirty="0" smtClean="0">
-                <a:solidFill>
-                  <a:schemeClr val="bg1"/>
-                </a:solidFill>
-              </a:rPr>
-              <a:t>Франции</a:t>
+              <a:t>Заключить союз с братьями из Франции</a:t>
             </a:r>
             <a:endParaRPr lang="ru-RU" sz="300" dirty="0">
               <a:solidFill>
@@ -13501,15 +13264,7 @@
                   <a:schemeClr val="bg1"/>
                 </a:solidFill>
               </a:rPr>
-              <a:t>Помочь </a:t>
-            </a:r>
-            <a:r>
-              <a:rPr lang="ru-RU" sz="800" dirty="0" smtClean="0">
-                <a:solidFill>
-                  <a:schemeClr val="bg1"/>
-                </a:solidFill>
-              </a:rPr>
-              <a:t>Французской конфедерации труда</a:t>
+              <a:t>Помочь Французской конфедерации труда</a:t>
             </a:r>
             <a:endParaRPr lang="ru-RU" sz="300" dirty="0">
               <a:solidFill>
@@ -13566,15 +13321,7 @@
                   <a:schemeClr val="bg1"/>
                 </a:solidFill>
               </a:rPr>
-              <a:t>Помочь </a:t>
-            </a:r>
-            <a:r>
-              <a:rPr lang="ru-RU" sz="800" dirty="0" smtClean="0">
-                <a:solidFill>
-                  <a:schemeClr val="bg1"/>
-                </a:solidFill>
-              </a:rPr>
-              <a:t>Аргентинской федерации труда</a:t>
+              <a:t>Помочь Аргентинской федерации труда</a:t>
             </a:r>
             <a:endParaRPr lang="ru-RU" sz="300" dirty="0">
               <a:solidFill>
@@ -13639,15 +13386,7 @@
                   <a:schemeClr val="bg1"/>
                 </a:solidFill>
               </a:rPr>
-              <a:t>с </a:t>
-            </a:r>
-            <a:r>
-              <a:rPr lang="ru-RU" sz="800" smtClean="0">
-                <a:solidFill>
-                  <a:schemeClr val="bg1"/>
-                </a:solidFill>
-              </a:rPr>
-              <a:t>сёстрами и братьями </a:t>
+              <a:t>с сёстрами и братьями </a:t>
             </a:r>
             <a:r>
               <a:rPr lang="ru-RU" sz="800" dirty="0">
@@ -13655,15 +13394,7 @@
                   <a:schemeClr val="bg1"/>
                 </a:solidFill>
               </a:rPr>
-              <a:t>из </a:t>
-            </a:r>
-            <a:r>
-              <a:rPr lang="ru-RU" sz="800" dirty="0" smtClean="0">
-                <a:solidFill>
-                  <a:schemeClr val="bg1"/>
-                </a:solidFill>
-              </a:rPr>
-              <a:t>Боливии</a:t>
+              <a:t>из Боливии</a:t>
             </a:r>
             <a:endParaRPr lang="ru-RU" sz="400" dirty="0">
               <a:solidFill>
@@ -13720,15 +13451,7 @@
                   <a:schemeClr val="bg1"/>
                 </a:solidFill>
               </a:rPr>
-              <a:t>Помочь </a:t>
-            </a:r>
-            <a:r>
-              <a:rPr lang="ru-RU" sz="800" dirty="0" smtClean="0">
-                <a:solidFill>
-                  <a:schemeClr val="bg1"/>
-                </a:solidFill>
-              </a:rPr>
-              <a:t>рабочей федерации</a:t>
+              <a:t>Помочь рабочей федерации</a:t>
             </a:r>
             <a:endParaRPr lang="ru-RU" sz="200" dirty="0">
               <a:solidFill>
@@ -13785,15 +13508,7 @@
                   <a:schemeClr val="bg1"/>
                 </a:solidFill>
               </a:rPr>
-              <a:t>Заключить союз с братьями из </a:t>
-            </a:r>
-            <a:r>
-              <a:rPr lang="ru-RU" sz="800" dirty="0" smtClean="0">
-                <a:solidFill>
-                  <a:schemeClr val="bg1"/>
-                </a:solidFill>
-              </a:rPr>
-              <a:t>Аргентины</a:t>
+              <a:t>Заключить союз с братьями из Аргентины</a:t>
             </a:r>
             <a:endParaRPr lang="ru-RU" sz="200" dirty="0">
               <a:solidFill>
@@ -15400,16 +15115,8 @@
           <a:p>
             <a:pPr algn="ctr"/>
             <a:r>
-              <a:rPr lang="ru-RU" sz="700" dirty="0" smtClean="0"/>
-              <a:t>Пакт </a:t>
-            </a:r>
-            <a:r>
               <a:rPr lang="ru-RU" sz="700" dirty="0"/>
-              <a:t>Иберийского </a:t>
-            </a:r>
-            <a:r>
-              <a:rPr lang="ru-RU" sz="700" dirty="0" smtClean="0"/>
-              <a:t>нейтралитета</a:t>
+              <a:t>Пакт Иберийского нейтралитета</a:t>
             </a:r>
             <a:endParaRPr lang="ru-RU" sz="400" dirty="0"/>
           </a:p>
@@ -15456,10 +15163,9 @@
           <a:p>
             <a:pPr algn="ctr"/>
             <a:r>
-              <a:rPr lang="ru-RU" sz="700" dirty="0" smtClean="0"/>
+              <a:rPr lang="ru-RU" sz="700" dirty="0"/>
               <a:t>Вторжение в Испанию</a:t>
             </a:r>
-            <a:endParaRPr lang="ru-RU" sz="700" dirty="0"/>
           </a:p>
         </p:txBody>
       </p:sp>
@@ -15499,14 +15205,13 @@
           <a:p>
             <a:pPr algn="ctr"/>
             <a:r>
-              <a:rPr lang="ru-RU" sz="700" dirty="0" smtClean="0"/>
+              <a:rPr lang="ru-RU" sz="700" dirty="0"/>
               <a:t>Реализация судостроительного плана 1930 года </a:t>
             </a:r>
             <a:r>
-              <a:rPr lang="ru-RU" sz="500" dirty="0" smtClean="0"/>
+              <a:rPr lang="ru-RU" sz="500" dirty="0"/>
               <a:t>(НД на работу верфей вплоть до 1940)</a:t>
             </a:r>
-            <a:endParaRPr lang="ru-RU" sz="500" dirty="0"/>
           </a:p>
         </p:txBody>
       </p:sp>
@@ -15589,7 +15294,7 @@
           <a:p>
             <a:pPr algn="ctr"/>
             <a:r>
-              <a:rPr lang="ru-RU" sz="700" dirty="0" err="1" smtClean="0"/>
+              <a:rPr lang="ru-RU" sz="700" dirty="0" err="1"/>
               <a:t>Гремиу</a:t>
             </a:r>
             <a:endParaRPr lang="ru-RU" sz="100" dirty="0"/>
@@ -15632,10 +15337,9 @@
           <a:p>
             <a:pPr algn="ctr"/>
             <a:r>
-              <a:rPr lang="ru-RU" sz="700" dirty="0" smtClean="0"/>
+              <a:rPr lang="ru-RU" sz="700" dirty="0"/>
               <a:t>Закон об электрификации (1944)</a:t>
             </a:r>
-            <a:endParaRPr lang="ru-RU" sz="700" dirty="0"/>
           </a:p>
         </p:txBody>
       </p:sp>
@@ -15676,13 +15380,8 @@
             <a:pPr algn="ctr"/>
             <a:r>
               <a:rPr lang="ru-RU" sz="700" dirty="0"/>
-              <a:t>Закон о реорганизации и развитии </a:t>
-            </a:r>
-            <a:r>
-              <a:rPr lang="ru-RU" sz="700" dirty="0" smtClean="0"/>
-              <a:t>промышленности (1945)</a:t>
-            </a:r>
-            <a:endParaRPr lang="ru-RU" sz="700" dirty="0"/>
+              <a:t>Закон о реорганизации и развитии промышленности (1945)</a:t>
+            </a:r>
           </a:p>
         </p:txBody>
       </p:sp>
@@ -15914,10 +15613,9 @@
           <a:p>
             <a:pPr algn="ctr"/>
             <a:r>
-              <a:rPr lang="ru-RU" sz="700" dirty="0" smtClean="0"/>
+              <a:rPr lang="ru-RU" sz="700" dirty="0"/>
               <a:t>Повсеместное строительство начальных школ</a:t>
             </a:r>
-            <a:endParaRPr lang="ru-RU" sz="700" dirty="0"/>
           </a:p>
         </p:txBody>
       </p:sp>
@@ -15960,10 +15658,9 @@
           <a:p>
             <a:pPr algn="ctr"/>
             <a:r>
-              <a:rPr lang="ru-RU" sz="700" dirty="0" smtClean="0"/>
+              <a:rPr lang="ru-RU" sz="700" dirty="0"/>
               <a:t>Придерживаться социальной доктрины католической церкви</a:t>
             </a:r>
-            <a:endParaRPr lang="ru-RU" sz="700" dirty="0"/>
           </a:p>
         </p:txBody>
       </p:sp>
@@ -16008,10 +15705,9 @@
           <a:p>
             <a:pPr algn="ctr"/>
             <a:r>
-              <a:rPr lang="ru-RU" sz="700" dirty="0" smtClean="0"/>
+              <a:rPr lang="ru-RU" sz="700" dirty="0"/>
               <a:t>Наблюдательная миссия (ваниль)</a:t>
             </a:r>
-            <a:endParaRPr lang="ru-RU" sz="700" dirty="0"/>
           </a:p>
         </p:txBody>
       </p:sp>
@@ -16056,7 +15752,7 @@
           <a:p>
             <a:pPr algn="ctr"/>
             <a:r>
-              <a:rPr lang="ru-RU" sz="700" dirty="0" smtClean="0"/>
+              <a:rPr lang="ru-RU" sz="700" dirty="0"/>
               <a:t>Удерживать нейтралитет</a:t>
             </a:r>
             <a:endParaRPr lang="ru-RU" sz="400" dirty="0"/>
@@ -16104,15 +15800,15 @@
           <a:p>
             <a:pPr algn="ctr"/>
             <a:r>
-              <a:rPr lang="ru-RU" sz="700" dirty="0" smtClean="0"/>
+              <a:rPr lang="ru-RU" sz="700" dirty="0"/>
               <a:t>Подтвердить </a:t>
             </a:r>
             <a:r>
-              <a:rPr lang="ru-RU" sz="700" dirty="0" err="1" smtClean="0"/>
+              <a:rPr lang="ru-RU" sz="700" dirty="0" err="1"/>
               <a:t>Виндзорский</a:t>
             </a:r>
             <a:r>
-              <a:rPr lang="ru-RU" sz="700" dirty="0" smtClean="0"/>
+              <a:rPr lang="ru-RU" sz="700" dirty="0"/>
               <a:t> пакт</a:t>
             </a:r>
             <a:endParaRPr lang="ru-RU" sz="400" dirty="0"/>
@@ -16160,7 +15856,7 @@
           <a:p>
             <a:pPr algn="ctr"/>
             <a:r>
-              <a:rPr lang="ru-RU" sz="700" dirty="0" smtClean="0"/>
+              <a:rPr lang="ru-RU" sz="700" dirty="0"/>
               <a:t>Поддержать державы Оси</a:t>
             </a:r>
             <a:endParaRPr lang="ru-RU" sz="400" dirty="0"/>
@@ -16518,10 +16214,9 @@
           <a:p>
             <a:pPr algn="ctr"/>
             <a:r>
-              <a:rPr lang="ru-RU" sz="700" dirty="0" smtClean="0"/>
+              <a:rPr lang="ru-RU" sz="700" dirty="0"/>
               <a:t>Национальный золотой запас (ваниль)</a:t>
             </a:r>
-            <a:endParaRPr lang="ru-RU" sz="700" dirty="0"/>
           </a:p>
         </p:txBody>
       </p:sp>
@@ -16602,7 +16297,7 @@
           <a:p>
             <a:pPr algn="ctr"/>
             <a:r>
-              <a:rPr lang="ru-RU" sz="700" dirty="0" smtClean="0"/>
+              <a:rPr lang="ru-RU" sz="700" dirty="0"/>
               <a:t>Противостоять Германии</a:t>
             </a:r>
             <a:endParaRPr lang="ru-RU" sz="400" dirty="0"/>
@@ -16650,7 +16345,7 @@
           <a:p>
             <a:pPr algn="ctr"/>
             <a:r>
-              <a:rPr lang="ru-RU" sz="700" dirty="0" smtClean="0"/>
+              <a:rPr lang="ru-RU" sz="700" dirty="0"/>
               <a:t>Устранить восточную угрозу</a:t>
             </a:r>
             <a:endParaRPr lang="ru-RU" sz="400" dirty="0"/>
@@ -16774,15 +16469,15 @@
           <a:p>
             <a:pPr algn="ctr"/>
             <a:r>
-              <a:rPr lang="ru-RU" sz="700" dirty="0" smtClean="0"/>
+              <a:rPr lang="ru-RU" sz="700" dirty="0"/>
               <a:t>Предать </a:t>
             </a:r>
             <a:r>
-              <a:rPr lang="ru-RU" sz="700" dirty="0" err="1" smtClean="0"/>
+              <a:rPr lang="ru-RU" sz="700" dirty="0" err="1"/>
               <a:t>Виндзорский</a:t>
             </a:r>
             <a:r>
-              <a:rPr lang="ru-RU" sz="700" dirty="0" smtClean="0"/>
+              <a:rPr lang="ru-RU" sz="700" dirty="0"/>
               <a:t> пакт</a:t>
             </a:r>
             <a:endParaRPr lang="ru-RU" sz="400" dirty="0"/>
@@ -16861,10 +16556,9 @@
           <a:p>
             <a:pPr algn="ctr"/>
             <a:r>
-              <a:rPr lang="ru-RU" sz="700" dirty="0" smtClean="0"/>
+              <a:rPr lang="ru-RU" sz="700" dirty="0"/>
               <a:t>Начальник штаба сухопутных войск (ваниль)</a:t>
             </a:r>
-            <a:endParaRPr lang="ru-RU" sz="700" dirty="0"/>
           </a:p>
         </p:txBody>
       </p:sp>
@@ -16904,10 +16598,9 @@
           <a:p>
             <a:pPr algn="ctr"/>
             <a:r>
-              <a:rPr lang="ru-RU" sz="700" dirty="0" smtClean="0"/>
+              <a:rPr lang="ru-RU" sz="700" dirty="0"/>
               <a:t>Штабные игры (ваниль)</a:t>
             </a:r>
-            <a:endParaRPr lang="ru-RU" sz="700" dirty="0"/>
           </a:p>
         </p:txBody>
       </p:sp>
@@ -16947,10 +16640,9 @@
           <a:p>
             <a:pPr algn="ctr"/>
             <a:r>
-              <a:rPr lang="ru-RU" sz="700" dirty="0" smtClean="0"/>
+              <a:rPr lang="ru-RU" sz="700" dirty="0"/>
               <a:t>Полевые манёвры (ваниль)</a:t>
             </a:r>
-            <a:endParaRPr lang="ru-RU" sz="700" dirty="0"/>
           </a:p>
         </p:txBody>
       </p:sp>
@@ -16990,10 +16682,9 @@
           <a:p>
             <a:pPr algn="ctr"/>
             <a:r>
-              <a:rPr lang="ru-RU" sz="700" dirty="0" smtClean="0"/>
+              <a:rPr lang="ru-RU" sz="700" dirty="0"/>
               <a:t>Стандартизация (ваниль)</a:t>
             </a:r>
-            <a:endParaRPr lang="ru-RU" sz="700" dirty="0"/>
           </a:p>
         </p:txBody>
       </p:sp>
@@ -17033,10 +16724,9 @@
           <a:p>
             <a:pPr algn="ctr"/>
             <a:r>
-              <a:rPr lang="ru-RU" sz="700" dirty="0" smtClean="0"/>
+              <a:rPr lang="ru-RU" sz="700" dirty="0"/>
               <a:t>Защитить границы (ваниль)</a:t>
             </a:r>
-            <a:endParaRPr lang="ru-RU" sz="700" dirty="0"/>
           </a:p>
         </p:txBody>
       </p:sp>
@@ -17076,18 +16766,17 @@
           <a:p>
             <a:pPr algn="ctr"/>
             <a:r>
-              <a:rPr lang="ru-RU" sz="700" dirty="0" smtClean="0"/>
+              <a:rPr lang="ru-RU" sz="700" dirty="0"/>
               <a:t>Восстановление линии </a:t>
             </a:r>
             <a:r>
-              <a:rPr lang="ru-RU" sz="700" dirty="0" err="1" smtClean="0"/>
+              <a:rPr lang="ru-RU" sz="700" dirty="0" err="1"/>
               <a:t>Торриш-Ведраш</a:t>
             </a:r>
             <a:r>
-              <a:rPr lang="ru-RU" sz="700" dirty="0" smtClean="0"/>
+              <a:rPr lang="ru-RU" sz="700" dirty="0"/>
               <a:t> (ваниль)</a:t>
             </a:r>
-            <a:endParaRPr lang="ru-RU" sz="700" dirty="0"/>
           </a:p>
         </p:txBody>
       </p:sp>
@@ -17127,22 +16816,21 @@
           <a:p>
             <a:pPr algn="ctr"/>
             <a:r>
-              <a:rPr lang="en-US" sz="700" dirty="0" err="1" smtClean="0"/>
+              <a:rPr lang="en-US" sz="700" dirty="0" err="1"/>
               <a:t>Tropos</a:t>
             </a:r>
             <a:r>
-              <a:rPr lang="en-US" sz="700" dirty="0" smtClean="0"/>
+              <a:rPr lang="en-US" sz="700" dirty="0"/>
               <a:t> </a:t>
             </a:r>
             <a:r>
-              <a:rPr lang="en-US" sz="700" dirty="0" err="1" smtClean="0"/>
+              <a:rPr lang="en-US" sz="700" dirty="0" err="1"/>
               <a:t>Paraqueidistas</a:t>
             </a:r>
             <a:r>
-              <a:rPr lang="ru-RU" sz="700" dirty="0" smtClean="0"/>
+              <a:rPr lang="ru-RU" sz="700" dirty="0"/>
               <a:t> (ваниль)</a:t>
             </a:r>
-            <a:endParaRPr lang="ru-RU" sz="700" dirty="0"/>
           </a:p>
         </p:txBody>
       </p:sp>
@@ -17182,26 +16870,25 @@
           <a:p>
             <a:pPr algn="ctr"/>
             <a:r>
-              <a:rPr lang="en-US" sz="700" dirty="0" err="1" smtClean="0"/>
+              <a:rPr lang="en-US" sz="700" dirty="0" err="1"/>
               <a:t>Regimento</a:t>
             </a:r>
             <a:r>
-              <a:rPr lang="en-US" sz="700" dirty="0" smtClean="0"/>
+              <a:rPr lang="en-US" sz="700" dirty="0"/>
               <a:t> de </a:t>
             </a:r>
             <a:r>
-              <a:rPr lang="en-US" sz="700" dirty="0" err="1" smtClean="0"/>
+              <a:rPr lang="en-US" sz="700" dirty="0" err="1"/>
               <a:t>Comandos</a:t>
             </a:r>
             <a:r>
-              <a:rPr lang="en-US" sz="700" dirty="0" smtClean="0"/>
+              <a:rPr lang="en-US" sz="700" dirty="0"/>
               <a:t> </a:t>
             </a:r>
             <a:r>
-              <a:rPr lang="ru-RU" sz="700" dirty="0" smtClean="0"/>
+              <a:rPr lang="ru-RU" sz="700" dirty="0"/>
               <a:t>(ваниль)</a:t>
             </a:r>
-            <a:endParaRPr lang="ru-RU" sz="700" dirty="0"/>
           </a:p>
         </p:txBody>
       </p:sp>
@@ -17277,10 +16964,9 @@
           <a:p>
             <a:pPr algn="ctr"/>
             <a:r>
-              <a:rPr lang="ru-RU" sz="700" dirty="0" smtClean="0"/>
+              <a:rPr lang="ru-RU" sz="700" dirty="0"/>
               <a:t>Второе переоборудование флота (ваниль)</a:t>
             </a:r>
-            <a:endParaRPr lang="ru-RU" sz="700" dirty="0"/>
           </a:p>
         </p:txBody>
       </p:sp>
@@ -17358,33 +17044,32 @@
           <a:p>
             <a:pPr algn="ctr"/>
             <a:r>
-              <a:rPr lang="ru-RU" sz="700" dirty="0" smtClean="0"/>
+              <a:rPr lang="ru-RU" sz="700" dirty="0"/>
               <a:t>«Арсенал </a:t>
             </a:r>
             <a:r>
-              <a:rPr lang="ru-RU" sz="700" dirty="0" err="1" smtClean="0"/>
+              <a:rPr lang="ru-RU" sz="700" dirty="0" err="1"/>
               <a:t>ду</a:t>
             </a:r>
             <a:r>
-              <a:rPr lang="ru-RU" sz="700" dirty="0" smtClean="0"/>
+              <a:rPr lang="ru-RU" sz="700" dirty="0"/>
               <a:t> </a:t>
             </a:r>
             <a:r>
-              <a:rPr lang="ru-RU" sz="700" dirty="0" err="1" smtClean="0"/>
+              <a:rPr lang="ru-RU" sz="700" dirty="0" err="1"/>
               <a:t>Алфейти</a:t>
             </a:r>
             <a:r>
-              <a:rPr lang="ru-RU" sz="700" dirty="0" smtClean="0"/>
+              <a:rPr lang="ru-RU" sz="700" dirty="0"/>
               <a:t>»</a:t>
             </a:r>
           </a:p>
           <a:p>
             <a:pPr algn="ctr"/>
             <a:r>
-              <a:rPr lang="ru-RU" sz="700" dirty="0" smtClean="0"/>
+              <a:rPr lang="ru-RU" sz="700" dirty="0"/>
               <a:t>(ваниль)</a:t>
             </a:r>
-            <a:endParaRPr lang="ru-RU" sz="700" dirty="0"/>
           </a:p>
         </p:txBody>
       </p:sp>
@@ -17424,17 +17109,16 @@
           <a:p>
             <a:pPr algn="ctr"/>
             <a:r>
-              <a:rPr lang="ru-RU" sz="700" dirty="0" smtClean="0"/>
+              <a:rPr lang="ru-RU" sz="700" dirty="0"/>
               <a:t>Национальное производство крейсеров</a:t>
             </a:r>
           </a:p>
           <a:p>
             <a:pPr algn="ctr"/>
             <a:r>
-              <a:rPr lang="ru-RU" sz="700" dirty="0" smtClean="0"/>
+              <a:rPr lang="ru-RU" sz="700" dirty="0"/>
               <a:t>(ваниль)</a:t>
             </a:r>
-            <a:endParaRPr lang="ru-RU" sz="700" dirty="0"/>
           </a:p>
         </p:txBody>
       </p:sp>
@@ -17474,17 +17158,16 @@
           <a:p>
             <a:pPr algn="ctr"/>
             <a:r>
-              <a:rPr lang="ru-RU" sz="700" dirty="0" smtClean="0"/>
+              <a:rPr lang="ru-RU" sz="700" dirty="0"/>
               <a:t>Развитие авианосцев</a:t>
             </a:r>
           </a:p>
           <a:p>
             <a:pPr algn="ctr"/>
             <a:r>
-              <a:rPr lang="ru-RU" sz="700" dirty="0" smtClean="0"/>
+              <a:rPr lang="ru-RU" sz="700" dirty="0"/>
               <a:t>(ваниль)</a:t>
             </a:r>
-            <a:endParaRPr lang="ru-RU" sz="700" dirty="0"/>
           </a:p>
         </p:txBody>
       </p:sp>
@@ -17524,17 +17207,16 @@
           <a:p>
             <a:pPr algn="ctr"/>
             <a:r>
-              <a:rPr lang="ru-RU" sz="700" dirty="0" smtClean="0"/>
+              <a:rPr lang="ru-RU" sz="700" dirty="0"/>
               <a:t>Развитие линкоров</a:t>
             </a:r>
           </a:p>
           <a:p>
             <a:pPr algn="ctr"/>
             <a:r>
-              <a:rPr lang="ru-RU" sz="700" dirty="0" smtClean="0"/>
+              <a:rPr lang="ru-RU" sz="700" dirty="0"/>
               <a:t>(ваниль)</a:t>
             </a:r>
-            <a:endParaRPr lang="ru-RU" sz="700" dirty="0"/>
           </a:p>
         </p:txBody>
       </p:sp>
@@ -17574,17 +17256,16 @@
           <a:p>
             <a:pPr algn="ctr"/>
             <a:r>
-              <a:rPr lang="ru-RU" sz="700" dirty="0" smtClean="0"/>
+              <a:rPr lang="ru-RU" sz="700" dirty="0"/>
               <a:t>Бескрайнее море</a:t>
             </a:r>
           </a:p>
           <a:p>
             <a:pPr algn="ctr"/>
             <a:r>
-              <a:rPr lang="ru-RU" sz="700" dirty="0" smtClean="0"/>
+              <a:rPr lang="ru-RU" sz="700" dirty="0"/>
               <a:t>(ваниль)</a:t>
             </a:r>
-            <a:endParaRPr lang="ru-RU" sz="700" dirty="0"/>
           </a:p>
         </p:txBody>
       </p:sp>
@@ -17624,17 +17305,16 @@
           <a:p>
             <a:pPr algn="ctr"/>
             <a:r>
-              <a:rPr lang="ru-RU" sz="700" dirty="0" smtClean="0"/>
+              <a:rPr lang="ru-RU" sz="700" dirty="0"/>
               <a:t>Защита торгового флота</a:t>
             </a:r>
           </a:p>
           <a:p>
             <a:pPr algn="ctr"/>
             <a:r>
-              <a:rPr lang="ru-RU" sz="700" dirty="0" smtClean="0"/>
+              <a:rPr lang="ru-RU" sz="700" dirty="0"/>
               <a:t>(ваниль)</a:t>
             </a:r>
-            <a:endParaRPr lang="ru-RU" sz="700" dirty="0"/>
           </a:p>
         </p:txBody>
       </p:sp>
@@ -17674,17 +17354,16 @@
           <a:p>
             <a:pPr algn="ctr"/>
             <a:r>
-              <a:rPr lang="ru-RU" sz="700" dirty="0" smtClean="0"/>
+              <a:rPr lang="ru-RU" sz="700" dirty="0"/>
               <a:t>Мощный торговый флот</a:t>
             </a:r>
           </a:p>
           <a:p>
             <a:pPr algn="ctr"/>
             <a:r>
-              <a:rPr lang="ru-RU" sz="700" dirty="0" smtClean="0"/>
+              <a:rPr lang="ru-RU" sz="700" dirty="0"/>
               <a:t>(ваниль)</a:t>
             </a:r>
-            <a:endParaRPr lang="ru-RU" sz="700" dirty="0"/>
           </a:p>
         </p:txBody>
       </p:sp>
@@ -17724,17 +17403,16 @@
           <a:p>
             <a:pPr algn="ctr"/>
             <a:r>
-              <a:rPr lang="ru-RU" sz="700" dirty="0" smtClean="0"/>
+              <a:rPr lang="ru-RU" sz="700" dirty="0"/>
               <a:t>Строительство подводных лодок</a:t>
             </a:r>
           </a:p>
           <a:p>
             <a:pPr algn="ctr"/>
             <a:r>
-              <a:rPr lang="ru-RU" sz="700" dirty="0" smtClean="0"/>
+              <a:rPr lang="ru-RU" sz="700" dirty="0"/>
               <a:t>(ваниль)</a:t>
             </a:r>
-            <a:endParaRPr lang="ru-RU" sz="700" dirty="0"/>
           </a:p>
         </p:txBody>
       </p:sp>
@@ -17774,17 +17452,16 @@
           <a:p>
             <a:pPr algn="ctr"/>
             <a:r>
-              <a:rPr lang="ru-RU" sz="700" dirty="0" smtClean="0"/>
+              <a:rPr lang="ru-RU" sz="700" dirty="0"/>
               <a:t>Фузилёры</a:t>
             </a:r>
           </a:p>
           <a:p>
             <a:pPr algn="ctr"/>
             <a:r>
-              <a:rPr lang="ru-RU" sz="700" dirty="0" smtClean="0"/>
+              <a:rPr lang="ru-RU" sz="700" dirty="0"/>
               <a:t>(ваниль)</a:t>
             </a:r>
-            <a:endParaRPr lang="ru-RU" sz="700" dirty="0"/>
           </a:p>
         </p:txBody>
       </p:sp>
@@ -17824,17 +17501,16 @@
           <a:p>
             <a:pPr algn="ctr"/>
             <a:r>
-              <a:rPr lang="ru-RU" sz="700" dirty="0" smtClean="0"/>
+              <a:rPr lang="ru-RU" sz="700" dirty="0"/>
               <a:t>Морской исследовательский институт</a:t>
             </a:r>
           </a:p>
           <a:p>
             <a:pPr algn="ctr"/>
             <a:r>
-              <a:rPr lang="ru-RU" sz="700" dirty="0" smtClean="0"/>
+              <a:rPr lang="ru-RU" sz="700" dirty="0"/>
               <a:t>(ваниль)</a:t>
             </a:r>
-            <a:endParaRPr lang="ru-RU" sz="700" dirty="0"/>
           </a:p>
         </p:txBody>
       </p:sp>
@@ -18324,7 +18000,7 @@
           <a:p>
             <a:pPr algn="ctr"/>
             <a:r>
-              <a:rPr lang="ru-RU" sz="700" dirty="0" smtClean="0"/>
+              <a:rPr lang="ru-RU" sz="700" dirty="0"/>
               <a:t>Вновь разрешить тайные организации</a:t>
             </a:r>
           </a:p>
@@ -18410,10 +18086,9 @@
           <a:p>
             <a:pPr algn="ctr"/>
             <a:r>
-              <a:rPr lang="ru-RU" sz="700" dirty="0" smtClean="0"/>
+              <a:rPr lang="ru-RU" sz="700" dirty="0"/>
               <a:t>Проведение свободных выборов</a:t>
             </a:r>
-            <a:endParaRPr lang="ru-RU" sz="700" dirty="0"/>
           </a:p>
         </p:txBody>
       </p:sp>
@@ -18459,10 +18134,9 @@
           <a:p>
             <a:pPr algn="ctr"/>
             <a:r>
-              <a:rPr lang="ru-RU" sz="700" dirty="0" smtClean="0"/>
+              <a:rPr lang="ru-RU" sz="700" dirty="0"/>
               <a:t>Вторая Португальская Республика</a:t>
             </a:r>
-            <a:endParaRPr lang="ru-RU" sz="700" dirty="0"/>
           </a:p>
         </p:txBody>
       </p:sp>
@@ -18508,7 +18182,7 @@
           <a:p>
             <a:pPr algn="ctr"/>
             <a:r>
-              <a:rPr lang="ru-RU" sz="700" dirty="0" smtClean="0"/>
+              <a:rPr lang="ru-RU" sz="700" dirty="0"/>
               <a:t>Ослабить контроль иностранных инвестиций</a:t>
             </a:r>
             <a:endParaRPr lang="ru-RU" sz="400" dirty="0"/>
@@ -18787,15 +18461,7 @@
                   <a:schemeClr val="bg1"/>
                 </a:solidFill>
               </a:rPr>
-              <a:t>Синдикалистская </a:t>
-            </a:r>
-            <a:r>
-              <a:rPr lang="ru-RU" sz="800" dirty="0" smtClean="0">
-                <a:solidFill>
-                  <a:schemeClr val="bg1"/>
-                </a:solidFill>
-              </a:rPr>
-              <a:t>молодёжь</a:t>
+              <a:t>Синдикалистская молодёжь</a:t>
             </a:r>
             <a:endParaRPr lang="ru-RU" sz="500" dirty="0">
               <a:solidFill>
@@ -18883,18 +18549,13 @@
           <a:p>
             <a:pPr algn="ctr"/>
             <a:r>
-              <a:rPr lang="ru-RU" sz="800" dirty="0" smtClean="0">
+              <a:rPr lang="ru-RU" sz="800" dirty="0">
                 <a:solidFill>
                   <a:schemeClr val="bg1"/>
                 </a:solidFill>
               </a:rPr>
               <a:t>Индустриализация общества</a:t>
             </a:r>
-            <a:endParaRPr lang="ru-RU" sz="800" dirty="0">
-              <a:solidFill>
-                <a:schemeClr val="bg1"/>
-              </a:solidFill>
-            </a:endParaRPr>
           </a:p>
         </p:txBody>
       </p:sp>
@@ -19056,30 +18717,29 @@
           <a:p>
             <a:pPr algn="ctr"/>
             <a:r>
-              <a:rPr lang="ru-RU" sz="700" dirty="0" smtClean="0"/>
+              <a:rPr lang="ru-RU" sz="700" dirty="0"/>
               <a:t>Создание клавиатуры </a:t>
             </a:r>
             <a:r>
-              <a:rPr lang="en-US" sz="700" dirty="0" smtClean="0"/>
+              <a:rPr lang="en-US" sz="700" dirty="0"/>
               <a:t>HCESAR</a:t>
             </a:r>
-            <a:endParaRPr lang="ru-RU" sz="700" dirty="0" smtClean="0"/>
+            <a:endParaRPr lang="ru-RU" sz="700" dirty="0"/>
           </a:p>
           <a:p>
             <a:pPr algn="ctr"/>
             <a:r>
-              <a:rPr lang="ru-RU" sz="700" dirty="0" smtClean="0"/>
+              <a:rPr lang="ru-RU" sz="700" dirty="0"/>
               <a:t>(наше)</a:t>
             </a:r>
             <a:r>
-              <a:rPr lang="en-US" sz="700" dirty="0" smtClean="0"/>
+              <a:rPr lang="en-US" sz="700" dirty="0"/>
               <a:t> (</a:t>
             </a:r>
             <a:r>
-              <a:rPr lang="ru-RU" sz="700" dirty="0" smtClean="0"/>
+              <a:rPr lang="ru-RU" sz="700" dirty="0"/>
               <a:t>июль 1937)</a:t>
             </a:r>
-            <a:endParaRPr lang="ru-RU" sz="700" dirty="0"/>
           </a:p>
         </p:txBody>
       </p:sp>
@@ -19119,17 +18779,16 @@
           <a:p>
             <a:pPr algn="ctr"/>
             <a:r>
-              <a:rPr lang="ru-RU" sz="700" dirty="0" smtClean="0"/>
+              <a:rPr lang="ru-RU" sz="700" dirty="0"/>
               <a:t>Строительство новых мостов</a:t>
             </a:r>
           </a:p>
           <a:p>
             <a:pPr algn="ctr"/>
             <a:r>
-              <a:rPr lang="ru-RU" sz="700" dirty="0" smtClean="0"/>
+              <a:rPr lang="ru-RU" sz="700" dirty="0"/>
               <a:t>(наше)</a:t>
             </a:r>
-            <a:endParaRPr lang="ru-RU" sz="700" dirty="0"/>
           </a:p>
         </p:txBody>
       </p:sp>
@@ -19169,17 +18828,16 @@
           <a:p>
             <a:pPr algn="ctr"/>
             <a:r>
-              <a:rPr lang="ru-RU" sz="700" dirty="0" smtClean="0"/>
+              <a:rPr lang="ru-RU" sz="700" dirty="0"/>
               <a:t>Университет Лиссабона</a:t>
             </a:r>
           </a:p>
           <a:p>
             <a:pPr algn="ctr"/>
             <a:r>
-              <a:rPr lang="ru-RU" sz="700" dirty="0" smtClean="0"/>
+              <a:rPr lang="ru-RU" sz="700" dirty="0"/>
               <a:t>(наше)</a:t>
             </a:r>
-            <a:endParaRPr lang="ru-RU" sz="700" dirty="0"/>
           </a:p>
         </p:txBody>
       </p:sp>
@@ -19219,17 +18877,16 @@
           <a:p>
             <a:pPr algn="ctr"/>
             <a:r>
-              <a:rPr lang="ru-RU" sz="700" dirty="0" smtClean="0"/>
+              <a:rPr lang="ru-RU" sz="700" dirty="0"/>
               <a:t>Продолжить развитие инфраструктуры</a:t>
             </a:r>
           </a:p>
           <a:p>
             <a:pPr algn="ctr"/>
             <a:r>
-              <a:rPr lang="ru-RU" sz="700" dirty="0" smtClean="0"/>
+              <a:rPr lang="ru-RU" sz="700" dirty="0"/>
               <a:t>(ваниль)</a:t>
             </a:r>
-            <a:endParaRPr lang="ru-RU" sz="700" dirty="0"/>
           </a:p>
         </p:txBody>
       </p:sp>
@@ -19269,18 +18926,17 @@
           <a:p>
             <a:pPr algn="ctr"/>
             <a:r>
-              <a:rPr lang="en-US" sz="700" dirty="0" smtClean="0"/>
+              <a:rPr lang="en-US" sz="700" dirty="0"/>
               <a:t>OGME</a:t>
             </a:r>
-            <a:endParaRPr lang="ru-RU" sz="700" dirty="0" smtClean="0"/>
+            <a:endParaRPr lang="ru-RU" sz="700" dirty="0"/>
           </a:p>
           <a:p>
             <a:pPr algn="ctr"/>
             <a:r>
-              <a:rPr lang="ru-RU" sz="700" dirty="0" smtClean="0"/>
+              <a:rPr lang="ru-RU" sz="700" dirty="0"/>
               <a:t>(ваниль)</a:t>
             </a:r>
-            <a:endParaRPr lang="ru-RU" sz="700" dirty="0"/>
           </a:p>
         </p:txBody>
       </p:sp>
@@ -19320,18 +18976,17 @@
           <a:p>
             <a:pPr algn="ctr"/>
             <a:r>
-              <a:rPr lang="en-US" sz="700" dirty="0" smtClean="0"/>
+              <a:rPr lang="en-US" sz="700" dirty="0"/>
               <a:t>OGMA</a:t>
             </a:r>
-            <a:endParaRPr lang="ru-RU" sz="700" dirty="0" smtClean="0"/>
+            <a:endParaRPr lang="ru-RU" sz="700" dirty="0"/>
           </a:p>
           <a:p>
             <a:pPr algn="ctr"/>
             <a:r>
-              <a:rPr lang="ru-RU" sz="700" dirty="0" smtClean="0"/>
+              <a:rPr lang="ru-RU" sz="700" dirty="0"/>
               <a:t>(ваниль)</a:t>
             </a:r>
-            <a:endParaRPr lang="ru-RU" sz="700" dirty="0"/>
           </a:p>
         </p:txBody>
       </p:sp>
@@ -19371,17 +19026,16 @@
           <a:p>
             <a:pPr algn="ctr"/>
             <a:r>
-              <a:rPr lang="ru-RU" sz="700" dirty="0" smtClean="0"/>
+              <a:rPr lang="ru-RU" sz="700" dirty="0"/>
               <a:t>Текстильная промышленность</a:t>
             </a:r>
           </a:p>
           <a:p>
             <a:pPr algn="ctr"/>
             <a:r>
-              <a:rPr lang="ru-RU" sz="700" dirty="0" smtClean="0"/>
+              <a:rPr lang="ru-RU" sz="700" dirty="0"/>
               <a:t>(ваниль)</a:t>
             </a:r>
-            <a:endParaRPr lang="ru-RU" sz="700" dirty="0"/>
           </a:p>
         </p:txBody>
       </p:sp>
@@ -19421,17 +19075,16 @@
           <a:p>
             <a:pPr algn="ctr"/>
             <a:r>
-              <a:rPr lang="ru-RU" sz="700" dirty="0" smtClean="0"/>
+              <a:rPr lang="ru-RU" sz="700" dirty="0"/>
               <a:t>Добывающая промышленность</a:t>
             </a:r>
           </a:p>
           <a:p>
             <a:pPr algn="ctr"/>
             <a:r>
-              <a:rPr lang="ru-RU" sz="700" dirty="0" smtClean="0"/>
+              <a:rPr lang="ru-RU" sz="700" dirty="0"/>
               <a:t>(ваниль)</a:t>
             </a:r>
-            <a:endParaRPr lang="ru-RU" sz="700" dirty="0"/>
           </a:p>
         </p:txBody>
       </p:sp>
@@ -19471,17 +19124,16 @@
           <a:p>
             <a:pPr algn="ctr"/>
             <a:r>
-              <a:rPr lang="ru-RU" sz="700" dirty="0" smtClean="0"/>
+              <a:rPr lang="ru-RU" sz="700" dirty="0"/>
               <a:t>Пищевая промышленность</a:t>
             </a:r>
           </a:p>
           <a:p>
             <a:pPr algn="ctr"/>
             <a:r>
-              <a:rPr lang="ru-RU" sz="700" dirty="0" smtClean="0"/>
+              <a:rPr lang="ru-RU" sz="700" dirty="0"/>
               <a:t>(ваниль)</a:t>
             </a:r>
-            <a:endParaRPr lang="ru-RU" sz="700" dirty="0"/>
           </a:p>
         </p:txBody>
       </p:sp>
@@ -19521,26 +19173,25 @@
           <a:p>
             <a:pPr algn="ctr"/>
             <a:r>
-              <a:rPr lang="en-US" sz="700" dirty="0" err="1" smtClean="0"/>
+              <a:rPr lang="en-US" sz="700" dirty="0" err="1"/>
               <a:t>Instituto</a:t>
             </a:r>
             <a:r>
-              <a:rPr lang="en-US" sz="700" dirty="0" smtClean="0"/>
+              <a:rPr lang="en-US" sz="700" dirty="0"/>
               <a:t> Superior </a:t>
             </a:r>
             <a:r>
-              <a:rPr lang="en-US" sz="700" dirty="0" err="1" smtClean="0"/>
+              <a:rPr lang="en-US" sz="700" dirty="0" err="1"/>
               <a:t>Tecnico</a:t>
             </a:r>
-            <a:endParaRPr lang="ru-RU" sz="700" dirty="0" smtClean="0"/>
+            <a:endParaRPr lang="ru-RU" sz="700" dirty="0"/>
           </a:p>
           <a:p>
             <a:pPr algn="ctr"/>
             <a:r>
-              <a:rPr lang="ru-RU" sz="700" dirty="0" smtClean="0"/>
+              <a:rPr lang="ru-RU" sz="700" dirty="0"/>
               <a:t>(ваниль)</a:t>
             </a:r>
-            <a:endParaRPr lang="ru-RU" sz="700" dirty="0"/>
           </a:p>
         </p:txBody>
       </p:sp>
@@ -20066,17 +19717,16 @@
           <a:p>
             <a:pPr algn="ctr"/>
             <a:r>
-              <a:rPr lang="ru-RU" sz="700" dirty="0" smtClean="0"/>
+              <a:rPr lang="ru-RU" sz="700" dirty="0"/>
               <a:t>Военная техника</a:t>
             </a:r>
           </a:p>
           <a:p>
             <a:pPr algn="ctr"/>
             <a:r>
-              <a:rPr lang="ru-RU" sz="700" dirty="0" smtClean="0"/>
+              <a:rPr lang="ru-RU" sz="700" dirty="0"/>
               <a:t>(ваниль)</a:t>
             </a:r>
-            <a:endParaRPr lang="ru-RU" sz="700" dirty="0"/>
           </a:p>
         </p:txBody>
       </p:sp>
@@ -20116,17 +19766,16 @@
           <a:p>
             <a:pPr algn="ctr"/>
             <a:r>
-              <a:rPr lang="ru-RU" sz="700" dirty="0" smtClean="0"/>
+              <a:rPr lang="ru-RU" sz="700" dirty="0"/>
               <a:t>Ставка на лёгкую авиацию</a:t>
             </a:r>
           </a:p>
           <a:p>
             <a:pPr algn="ctr"/>
             <a:r>
-              <a:rPr lang="ru-RU" sz="700" dirty="0" smtClean="0"/>
+              <a:rPr lang="ru-RU" sz="700" dirty="0"/>
               <a:t>(ваниль)</a:t>
             </a:r>
-            <a:endParaRPr lang="ru-RU" sz="700" dirty="0"/>
           </a:p>
         </p:txBody>
       </p:sp>
@@ -20166,17 +19815,16 @@
           <a:p>
             <a:pPr algn="ctr"/>
             <a:r>
-              <a:rPr lang="ru-RU" sz="700" dirty="0" smtClean="0"/>
+              <a:rPr lang="ru-RU" sz="700" dirty="0"/>
               <a:t>Португальская артиллерия</a:t>
             </a:r>
           </a:p>
           <a:p>
             <a:pPr algn="ctr"/>
             <a:r>
-              <a:rPr lang="ru-RU" sz="700" dirty="0" smtClean="0"/>
+              <a:rPr lang="ru-RU" sz="700" dirty="0"/>
               <a:t>(ваниль)</a:t>
             </a:r>
-            <a:endParaRPr lang="ru-RU" sz="700" dirty="0"/>
           </a:p>
         </p:txBody>
       </p:sp>
@@ -20216,17 +19864,16 @@
           <a:p>
             <a:pPr algn="ctr"/>
             <a:r>
-              <a:rPr lang="ru-RU" sz="700" dirty="0" smtClean="0"/>
+              <a:rPr lang="ru-RU" sz="700" dirty="0"/>
               <a:t>Ставка на бронетехнику</a:t>
             </a:r>
           </a:p>
           <a:p>
             <a:pPr algn="ctr"/>
             <a:r>
-              <a:rPr lang="ru-RU" sz="700" dirty="0" smtClean="0"/>
+              <a:rPr lang="ru-RU" sz="700" dirty="0"/>
               <a:t>(ваниль)</a:t>
             </a:r>
-            <a:endParaRPr lang="ru-RU" sz="700" dirty="0"/>
           </a:p>
         </p:txBody>
       </p:sp>
@@ -20266,17 +19913,16 @@
           <a:p>
             <a:pPr algn="ctr"/>
             <a:r>
-              <a:rPr lang="ru-RU" sz="700" dirty="0" smtClean="0"/>
+              <a:rPr lang="ru-RU" sz="700" dirty="0"/>
               <a:t>Усовершенствованная артиллерия</a:t>
             </a:r>
           </a:p>
           <a:p>
             <a:pPr algn="ctr"/>
             <a:r>
-              <a:rPr lang="ru-RU" sz="700" dirty="0" smtClean="0"/>
+              <a:rPr lang="ru-RU" sz="700" dirty="0"/>
               <a:t>(ваниль)</a:t>
             </a:r>
-            <a:endParaRPr lang="ru-RU" sz="700" dirty="0"/>
           </a:p>
         </p:txBody>
       </p:sp>
@@ -20316,17 +19962,16 @@
           <a:p>
             <a:pPr algn="ctr"/>
             <a:r>
-              <a:rPr lang="ru-RU" sz="700" dirty="0" smtClean="0"/>
+              <a:rPr lang="ru-RU" sz="700" dirty="0"/>
               <a:t>Усовершенствованная лёгкая авиация</a:t>
             </a:r>
           </a:p>
           <a:p>
             <a:pPr algn="ctr"/>
             <a:r>
-              <a:rPr lang="ru-RU" sz="700" dirty="0" smtClean="0"/>
+              <a:rPr lang="ru-RU" sz="700" dirty="0"/>
               <a:t>(ваниль)</a:t>
             </a:r>
-            <a:endParaRPr lang="ru-RU" sz="700" dirty="0"/>
           </a:p>
         </p:txBody>
       </p:sp>
@@ -20366,17 +20011,16 @@
           <a:p>
             <a:pPr algn="ctr"/>
             <a:r>
-              <a:rPr lang="ru-RU" sz="700" dirty="0" smtClean="0"/>
+              <a:rPr lang="ru-RU" sz="700" dirty="0"/>
               <a:t>Ставка на боевые машины</a:t>
             </a:r>
           </a:p>
           <a:p>
             <a:pPr algn="ctr"/>
             <a:r>
-              <a:rPr lang="ru-RU" sz="700" dirty="0" smtClean="0"/>
+              <a:rPr lang="ru-RU" sz="700" dirty="0"/>
               <a:t>(ваниль)</a:t>
             </a:r>
-            <a:endParaRPr lang="ru-RU" sz="700" dirty="0"/>
           </a:p>
         </p:txBody>
       </p:sp>
@@ -20416,17 +20060,16 @@
           <a:p>
             <a:pPr algn="ctr"/>
             <a:r>
-              <a:rPr lang="ru-RU" sz="700" dirty="0" smtClean="0"/>
+              <a:rPr lang="ru-RU" sz="700" dirty="0"/>
               <a:t>Исследования реактивных двигателей</a:t>
             </a:r>
           </a:p>
           <a:p>
             <a:pPr algn="ctr"/>
             <a:r>
-              <a:rPr lang="ru-RU" sz="700" dirty="0" smtClean="0"/>
+              <a:rPr lang="ru-RU" sz="700" dirty="0"/>
               <a:t>(ваниль)</a:t>
             </a:r>
-            <a:endParaRPr lang="ru-RU" sz="700" dirty="0"/>
           </a:p>
         </p:txBody>
       </p:sp>
@@ -21398,14 +21041,14 @@
           <a:p>
             <a:pPr algn="ctr"/>
             <a:r>
-              <a:rPr lang="ru-RU" sz="700" dirty="0" smtClean="0"/>
+              <a:rPr lang="ru-RU" sz="700" dirty="0"/>
               <a:t>Консервный завод в </a:t>
             </a:r>
             <a:r>
-              <a:rPr lang="ru-RU" sz="700" dirty="0" err="1" smtClean="0"/>
+              <a:rPr lang="ru-RU" sz="700" dirty="0" err="1"/>
               <a:t>Мосамедише</a:t>
             </a:r>
-            <a:endParaRPr lang="ru-RU" sz="600" dirty="0" smtClean="0"/>
+            <a:endParaRPr lang="ru-RU" sz="600" dirty="0"/>
           </a:p>
         </p:txBody>
       </p:sp>
@@ -21559,7 +21202,7 @@
           <a:p>
             <a:pPr algn="ctr"/>
             <a:r>
-              <a:rPr lang="ru-RU" sz="800" dirty="0" smtClean="0"/>
+              <a:rPr lang="ru-RU" sz="800" dirty="0"/>
               <a:t>Углубление политики  Лузотропикализма</a:t>
             </a:r>
           </a:p>
@@ -21606,18 +21249,17 @@
           <a:p>
             <a:pPr algn="ctr"/>
             <a:r>
-              <a:rPr lang="ru-RU" sz="800" dirty="0" smtClean="0"/>
+              <a:rPr lang="ru-RU" sz="800" dirty="0"/>
               <a:t>Спасти  </a:t>
             </a:r>
             <a:r>
-              <a:rPr lang="ru-RU" sz="800" dirty="0" err="1" smtClean="0"/>
+              <a:rPr lang="ru-RU" sz="800" dirty="0" err="1"/>
               <a:t>конглолезцев</a:t>
             </a:r>
             <a:r>
-              <a:rPr lang="ru-RU" sz="800" dirty="0" smtClean="0"/>
+              <a:rPr lang="ru-RU" sz="800" dirty="0"/>
               <a:t> </a:t>
             </a:r>
-            <a:endParaRPr lang="ru-RU" sz="800" dirty="0"/>
           </a:p>
         </p:txBody>
       </p:sp>
@@ -21657,10 +21299,9 @@
           <a:p>
             <a:pPr algn="ctr"/>
             <a:r>
-              <a:rPr lang="ru-RU" sz="800" dirty="0" smtClean="0"/>
+              <a:rPr lang="ru-RU" sz="800" dirty="0"/>
               <a:t>Подтвердить союз с Великобританией</a:t>
             </a:r>
-            <a:endParaRPr lang="ru-RU" sz="800" dirty="0"/>
           </a:p>
         </p:txBody>
       </p:sp>
@@ -21896,10 +21537,9 @@
           <a:p>
             <a:pPr algn="ctr"/>
             <a:r>
-              <a:rPr lang="ru-RU" sz="800" dirty="0" smtClean="0"/>
+              <a:rPr lang="ru-RU" sz="800" dirty="0"/>
               <a:t>Защита Тимора от Японии</a:t>
             </a:r>
-            <a:endParaRPr lang="ru-RU" sz="800" dirty="0"/>
           </a:p>
         </p:txBody>
       </p:sp>
@@ -22097,10 +21737,9 @@
           <a:p>
             <a:pPr algn="ctr"/>
             <a:r>
-              <a:rPr lang="ru-RU" sz="800" dirty="0" smtClean="0"/>
+              <a:rPr lang="ru-RU" sz="800" dirty="0"/>
               <a:t>Добыча урана в Конго</a:t>
             </a:r>
-            <a:endParaRPr lang="ru-RU" sz="800" dirty="0"/>
           </a:p>
         </p:txBody>
       </p:sp>
@@ -22145,10 +21784,9 @@
           <a:p>
             <a:pPr algn="ctr"/>
             <a:r>
-              <a:rPr lang="ru-RU" sz="700" dirty="0" smtClean="0"/>
+              <a:rPr lang="ru-RU" sz="700" dirty="0"/>
               <a:t>Национализация горнодобывающих предприятий</a:t>
             </a:r>
-            <a:endParaRPr lang="ru-RU" sz="700" dirty="0"/>
           </a:p>
         </p:txBody>
       </p:sp>
@@ -22267,7 +21905,7 @@
           <a:p>
             <a:pPr algn="ctr"/>
             <a:r>
-              <a:rPr lang="ru-RU" sz="800" dirty="0" smtClean="0"/>
+              <a:rPr lang="ru-RU" sz="800" dirty="0"/>
               <a:t>Объединить Тимор</a:t>
             </a:r>
           </a:p>
@@ -22347,10 +21985,9 @@
           <a:p>
             <a:pPr algn="ctr"/>
             <a:r>
-              <a:rPr lang="ru-RU" sz="800" dirty="0" smtClean="0"/>
+              <a:rPr lang="ru-RU" sz="800" dirty="0"/>
               <a:t>Осуществить мечту о розовой карте</a:t>
             </a:r>
-            <a:endParaRPr lang="ru-RU" sz="800" dirty="0"/>
           </a:p>
         </p:txBody>
       </p:sp>
@@ -22390,10 +22027,9 @@
           <a:p>
             <a:pPr algn="ctr"/>
             <a:r>
-              <a:rPr lang="ru-RU" sz="800" dirty="0" smtClean="0"/>
+              <a:rPr lang="ru-RU" sz="800" dirty="0"/>
               <a:t>Создание САТО</a:t>
             </a:r>
-            <a:endParaRPr lang="ru-RU" sz="800" dirty="0"/>
           </a:p>
         </p:txBody>
       </p:sp>
@@ -22509,10 +22145,9 @@
           <a:p>
             <a:pPr algn="ctr"/>
             <a:r>
-              <a:rPr lang="ru-RU" sz="800" dirty="0" smtClean="0"/>
+              <a:rPr lang="ru-RU" sz="800" dirty="0"/>
               <a:t>Союз с Германией</a:t>
             </a:r>
-            <a:endParaRPr lang="ru-RU" sz="800" dirty="0"/>
           </a:p>
         </p:txBody>
       </p:sp>
@@ -22828,12 +22463,8 @@
           <a:p>
             <a:pPr algn="ctr"/>
             <a:r>
-              <a:rPr lang="ru-RU" sz="700" dirty="0" smtClean="0"/>
-              <a:t>Лишить церковь </a:t>
-            </a:r>
-            <a:r>
               <a:rPr lang="ru-RU" sz="700" dirty="0"/>
-              <a:t>всякого влияния</a:t>
+              <a:t>Лишить церковь всякого влияния</a:t>
             </a:r>
             <a:br>
               <a:rPr lang="ru-RU" sz="700" dirty="0"/>
@@ -22895,18 +22526,13 @@
           <a:p>
             <a:pPr algn="ctr"/>
             <a:r>
-              <a:rPr lang="ru-RU" sz="700" dirty="0" smtClean="0"/>
-              <a:t>Принять </a:t>
-            </a:r>
-            <a:r>
               <a:rPr lang="ru-RU" sz="700" dirty="0"/>
-              <a:t>Республиканскую конституцию </a:t>
-            </a:r>
-            <a:r>
-              <a:rPr lang="ru-RU" sz="100" dirty="0" smtClean="0"/>
+              <a:t>Принять Республиканскую конституцию </a:t>
+            </a:r>
+            <a:r>
+              <a:rPr lang="ru-RU" sz="100" dirty="0"/>
               <a:t>(</a:t>
             </a:r>
-            <a:endParaRPr lang="ru-RU" sz="100" dirty="0"/>
           </a:p>
         </p:txBody>
       </p:sp>
@@ -22952,7 +22578,7 @@
           <a:p>
             <a:pPr algn="ctr"/>
             <a:r>
-              <a:rPr lang="ru-RU" sz="700" dirty="0" smtClean="0"/>
+              <a:rPr lang="ru-RU" sz="700" dirty="0"/>
               <a:t>Земельные реформы</a:t>
             </a:r>
             <a:endParaRPr lang="ru-RU" sz="200" dirty="0"/>
@@ -23001,7 +22627,7 @@
           <a:p>
             <a:pPr algn="ctr"/>
             <a:r>
-              <a:rPr lang="ru-RU" sz="700" dirty="0" smtClean="0"/>
+              <a:rPr lang="ru-RU" sz="700" dirty="0"/>
               <a:t>Разрешить свободу пропаганды</a:t>
             </a:r>
           </a:p>
@@ -23122,11 +22748,7 @@
             <a:pPr algn="ctr"/>
             <a:r>
               <a:rPr lang="ru-RU" sz="700" dirty="0"/>
-              <a:t>А</a:t>
-            </a:r>
-            <a:r>
-              <a:rPr lang="ru-RU" sz="700" dirty="0" smtClean="0"/>
-              <a:t>мнистия политзаключённых</a:t>
+              <a:t>Амнистия политзаключённых</a:t>
             </a:r>
             <a:endParaRPr lang="ru-RU" sz="100" dirty="0"/>
           </a:p>
@@ -23436,7 +23058,7 @@
           <a:p>
             <a:pPr algn="ctr"/>
             <a:r>
-              <a:rPr lang="ru-RU" sz="700" dirty="0" smtClean="0"/>
+              <a:rPr lang="ru-RU" sz="700" dirty="0"/>
               <a:t>Британские инвестиции в добычу вольфрама</a:t>
             </a:r>
             <a:endParaRPr lang="ru-RU" sz="400" dirty="0"/>
@@ -23596,10 +23218,9 @@
           <a:p>
             <a:pPr algn="ctr"/>
             <a:r>
-              <a:rPr lang="ru-RU" sz="800" dirty="0" smtClean="0"/>
+              <a:rPr lang="ru-RU" sz="800" dirty="0"/>
               <a:t>Забрать Французское Конго</a:t>
             </a:r>
-            <a:endParaRPr lang="ru-RU" sz="800" dirty="0"/>
           </a:p>
         </p:txBody>
       </p:sp>
@@ -23677,10 +23298,9 @@
           <a:p>
             <a:pPr algn="ctr"/>
             <a:r>
-              <a:rPr lang="ru-RU" sz="800" dirty="0" smtClean="0"/>
+              <a:rPr lang="ru-RU" sz="800" dirty="0"/>
               <a:t>Возобновить связи с Бразилией</a:t>
             </a:r>
-            <a:endParaRPr lang="ru-RU" sz="800" dirty="0"/>
           </a:p>
         </p:txBody>
       </p:sp>
@@ -23758,11 +23378,11 @@
           <a:p>
             <a:pPr algn="ctr"/>
             <a:r>
-              <a:rPr lang="ru-RU" sz="800" dirty="0" smtClean="0"/>
+              <a:rPr lang="ru-RU" sz="800" dirty="0"/>
               <a:t>Примириться с </a:t>
             </a:r>
             <a:r>
-              <a:rPr lang="ru-RU" sz="800" dirty="0" err="1" smtClean="0"/>
+              <a:rPr lang="ru-RU" sz="800" dirty="0" err="1"/>
               <a:t>Маскатом</a:t>
             </a:r>
             <a:endParaRPr lang="ru-RU" sz="800" dirty="0"/>
@@ -23843,10 +23463,9 @@
           <a:p>
             <a:pPr algn="ctr"/>
             <a:r>
-              <a:rPr lang="ru-RU" sz="800" dirty="0" smtClean="0"/>
+              <a:rPr lang="ru-RU" sz="800" dirty="0"/>
               <a:t>Признать Цейлон</a:t>
             </a:r>
-            <a:endParaRPr lang="ru-RU" sz="800" dirty="0"/>
           </a:p>
         </p:txBody>
       </p:sp>
@@ -23922,10 +23541,9 @@
           <a:p>
             <a:pPr algn="ctr"/>
             <a:r>
-              <a:rPr lang="ru-RU" sz="3600" b="1" dirty="0" smtClean="0"/>
+              <a:rPr lang="ru-RU" sz="3600" b="1" dirty="0"/>
               <a:t>116</a:t>
             </a:r>
-            <a:endParaRPr lang="ru-RU" sz="3600" b="1" dirty="0"/>
           </a:p>
         </p:txBody>
       </p:sp>
@@ -23965,10 +23583,9 @@
           <a:p>
             <a:pPr algn="ctr"/>
             <a:r>
-              <a:rPr lang="ru-RU" sz="3600" b="1" dirty="0" smtClean="0"/>
-              <a:t>183</a:t>
-            </a:r>
-            <a:endParaRPr lang="ru-RU" sz="3600" b="1" dirty="0"/>
+              <a:rPr lang="ru-RU" sz="3600" b="1" dirty="0"/>
+              <a:t>197</a:t>
+            </a:r>
           </a:p>
         </p:txBody>
       </p:sp>
@@ -24014,16 +23631,8 @@
           <a:p>
             <a:pPr algn="ctr"/>
             <a:r>
-              <a:rPr lang="ru-RU" sz="700" dirty="0" smtClean="0"/>
-              <a:t>Собственные фермерства </a:t>
-            </a:r>
-            <a:r>
               <a:rPr lang="ru-RU" sz="700" dirty="0"/>
-              <a:t>для </a:t>
-            </a:r>
-            <a:r>
-              <a:rPr lang="ru-RU" sz="700" dirty="0" smtClean="0"/>
-              <a:t>африканцев</a:t>
+              <a:t>Собственные фермерства для африканцев</a:t>
             </a:r>
             <a:endParaRPr lang="ru-RU" sz="200" dirty="0"/>
           </a:p>
@@ -24107,7 +23716,7 @@
           <a:p>
             <a:pPr algn="ctr"/>
             <a:r>
-              <a:rPr lang="ru-RU" sz="700" dirty="0" smtClean="0"/>
+              <a:rPr lang="ru-RU" sz="700" dirty="0"/>
               <a:t>Национализация корпораций</a:t>
             </a:r>
             <a:endParaRPr lang="ru-RU" sz="200" dirty="0"/>
@@ -24192,7 +23801,7 @@
           <a:p>
             <a:pPr algn="ctr"/>
             <a:r>
-              <a:rPr lang="ru-RU" sz="700" dirty="0" smtClean="0"/>
+              <a:rPr lang="ru-RU" sz="700" dirty="0"/>
               <a:t>Британские инвестиции в промышленность</a:t>
             </a:r>
             <a:endParaRPr lang="ru-RU" sz="400" dirty="0"/>
@@ -24274,10 +23883,9 @@
           <a:p>
             <a:pPr algn="ctr"/>
             <a:r>
-              <a:rPr lang="ru-RU" sz="700" dirty="0" smtClean="0"/>
+              <a:rPr lang="ru-RU" sz="700" dirty="0"/>
               <a:t>Католический университет Португалии</a:t>
             </a:r>
-            <a:endParaRPr lang="ru-RU" sz="700" dirty="0"/>
           </a:p>
         </p:txBody>
       </p:sp>
@@ -24320,7 +23928,7 @@
           <a:p>
             <a:pPr algn="ctr"/>
             <a:r>
-              <a:rPr lang="ru-RU" sz="700" dirty="0" smtClean="0"/>
+              <a:rPr lang="ru-RU" sz="700" dirty="0"/>
               <a:t>Христианизация государства и колоний</a:t>
             </a:r>
           </a:p>
@@ -24365,10 +23973,9 @@
           <a:p>
             <a:pPr algn="ctr"/>
             <a:r>
-              <a:rPr lang="ru-RU" sz="700" dirty="0" smtClean="0"/>
+              <a:rPr lang="ru-RU" sz="700" dirty="0"/>
               <a:t>Католическое студенческое движение</a:t>
             </a:r>
-            <a:endParaRPr lang="ru-RU" sz="700" dirty="0"/>
           </a:p>
         </p:txBody>
       </p:sp>
@@ -24636,21 +24243,16 @@
             <a:pPr algn="ctr"/>
             <a:r>
               <a:rPr lang="ru-RU" sz="700" dirty="0"/>
-              <a:t>В</a:t>
-            </a:r>
-            <a:r>
-              <a:rPr lang="ru-RU" sz="700" dirty="0" smtClean="0"/>
-              <a:t>осстановлении монархии (только для </a:t>
-            </a:r>
-            <a:r>
-              <a:rPr lang="ru-RU" sz="700" dirty="0" err="1" smtClean="0"/>
+              <a:t>Восстановлении монархии (только для </a:t>
+            </a:r>
+            <a:r>
+              <a:rPr lang="ru-RU" sz="700" dirty="0" err="1"/>
               <a:t>авторитаристов</a:t>
             </a:r>
             <a:r>
-              <a:rPr lang="ru-RU" sz="700" dirty="0" smtClean="0"/>
+              <a:rPr lang="ru-RU" sz="700" dirty="0"/>
               <a:t>)</a:t>
             </a:r>
-            <a:endParaRPr lang="ru-RU" sz="700" dirty="0"/>
           </a:p>
         </p:txBody>
       </p:sp>
@@ -24691,19 +24293,19 @@
           <a:p>
             <a:pPr algn="ctr"/>
             <a:r>
-              <a:rPr lang="ru-RU" sz="700" dirty="0" smtClean="0"/>
+              <a:rPr lang="ru-RU" sz="700" dirty="0"/>
               <a:t>Пригласить на престол </a:t>
             </a:r>
             <a:r>
-              <a:rPr lang="ru-RU" sz="700" dirty="0" err="1" smtClean="0"/>
+              <a:rPr lang="ru-RU" sz="700" dirty="0" err="1"/>
               <a:t>Дуарте</a:t>
             </a:r>
             <a:r>
-              <a:rPr lang="ru-RU" sz="700" dirty="0" smtClean="0"/>
+              <a:rPr lang="ru-RU" sz="700" dirty="0"/>
               <a:t> </a:t>
             </a:r>
             <a:r>
-              <a:rPr lang="en-US" sz="700" dirty="0" smtClean="0"/>
+              <a:rPr lang="en-US" sz="700" dirty="0"/>
               <a:t>II</a:t>
             </a:r>
             <a:endParaRPr lang="ru-RU" sz="700" dirty="0"/>
@@ -24749,11 +24351,11 @@
           <a:p>
             <a:pPr algn="ctr"/>
             <a:r>
-              <a:rPr lang="ru-RU" sz="700" dirty="0" smtClean="0"/>
+              <a:rPr lang="ru-RU" sz="700" dirty="0"/>
               <a:t>Объединить обе ветви </a:t>
             </a:r>
             <a:r>
-              <a:rPr lang="ru-RU" sz="700" dirty="0" err="1" smtClean="0"/>
+              <a:rPr lang="ru-RU" sz="700" dirty="0" err="1"/>
               <a:t>Брагансов</a:t>
             </a:r>
             <a:endParaRPr lang="ru-RU" sz="700" dirty="0"/>
@@ -24799,23 +24401,23 @@
           <a:p>
             <a:pPr algn="ctr"/>
             <a:r>
-              <a:rPr lang="ru-RU" sz="700" dirty="0" smtClean="0"/>
+              <a:rPr lang="ru-RU" sz="700" dirty="0"/>
               <a:t>Формирование Народного Фронта (</a:t>
             </a:r>
             <a:r>
-              <a:rPr lang="en-US" sz="700" dirty="0" err="1" smtClean="0"/>
+              <a:rPr lang="en-US" sz="700" dirty="0" err="1"/>
               <a:t>Revolta</a:t>
             </a:r>
             <a:r>
-              <a:rPr lang="en-US" sz="700" dirty="0" smtClean="0"/>
+              <a:rPr lang="en-US" sz="700" dirty="0"/>
               <a:t> dos </a:t>
             </a:r>
             <a:r>
-              <a:rPr lang="en-US" sz="700" dirty="0" err="1" smtClean="0"/>
+              <a:rPr lang="en-US" sz="700" dirty="0" err="1"/>
               <a:t>marinheiros</a:t>
             </a:r>
             <a:r>
-              <a:rPr lang="ru-RU" sz="700" dirty="0" smtClean="0"/>
+              <a:rPr lang="ru-RU" sz="700" dirty="0"/>
               <a:t>)</a:t>
             </a:r>
             <a:endParaRPr lang="ru-RU" sz="400" dirty="0"/>
@@ -24899,15 +24501,15 @@
           <a:p>
             <a:pPr algn="ctr"/>
             <a:r>
-              <a:rPr lang="ru-RU" sz="700" dirty="0" smtClean="0"/>
+              <a:rPr lang="ru-RU" sz="700" dirty="0"/>
               <a:t>Поддержать республиканцев (поддержка в испанской </a:t>
             </a:r>
             <a:r>
-              <a:rPr lang="ru-RU" sz="700" dirty="0" err="1" smtClean="0"/>
+              <a:rPr lang="ru-RU" sz="700" dirty="0" err="1"/>
               <a:t>гв</a:t>
             </a:r>
             <a:r>
-              <a:rPr lang="ru-RU" sz="700" dirty="0" smtClean="0"/>
+              <a:rPr lang="ru-RU" sz="700" dirty="0"/>
               <a:t>) (ваниль)</a:t>
             </a:r>
             <a:endParaRPr lang="ru-RU" sz="400" dirty="0"/>
@@ -24953,11 +24555,11 @@
           <a:p>
             <a:pPr algn="ctr"/>
             <a:r>
-              <a:rPr lang="ru-RU" sz="700" dirty="0" smtClean="0"/>
+              <a:rPr lang="ru-RU" sz="700" dirty="0"/>
               <a:t>Союз с Испанией (Испания левая)</a:t>
             </a:r>
             <a:r>
-              <a:rPr lang="ru-RU" sz="600" dirty="0" smtClean="0"/>
+              <a:rPr lang="ru-RU" sz="600" dirty="0"/>
               <a:t> (наше)</a:t>
             </a:r>
             <a:endParaRPr lang="ru-RU" sz="400" dirty="0"/>
@@ -25003,23 +24605,23 @@
           <a:p>
             <a:pPr algn="ctr"/>
             <a:r>
-              <a:rPr lang="ru-RU" sz="700" dirty="0" smtClean="0"/>
+              <a:rPr lang="ru-RU" sz="700" dirty="0"/>
               <a:t>Вступить в </a:t>
             </a:r>
             <a:r>
-              <a:rPr lang="ru-RU" sz="700" dirty="0" err="1" smtClean="0"/>
+              <a:rPr lang="ru-RU" sz="700" dirty="0" err="1"/>
               <a:t>коминтерн</a:t>
             </a:r>
             <a:r>
-              <a:rPr lang="ru-RU" sz="600" dirty="0" smtClean="0"/>
+              <a:rPr lang="ru-RU" sz="600" dirty="0"/>
               <a:t> (наше) (миссия в Москве не должна </a:t>
             </a:r>
             <a:r>
-              <a:rPr lang="ru-RU" sz="600" dirty="0" err="1" smtClean="0"/>
+              <a:rPr lang="ru-RU" sz="600" dirty="0" err="1"/>
               <a:t>обосраться</a:t>
             </a:r>
             <a:r>
-              <a:rPr lang="ru-RU" sz="600" dirty="0" smtClean="0"/>
+              <a:rPr lang="ru-RU" sz="600" dirty="0"/>
               <a:t>)</a:t>
             </a:r>
             <a:endParaRPr lang="ru-RU" sz="400" dirty="0"/>
@@ -25065,11 +24667,11 @@
           <a:p>
             <a:pPr algn="ctr"/>
             <a:r>
-              <a:rPr lang="ru-RU" sz="700" dirty="0" smtClean="0"/>
+              <a:rPr lang="ru-RU" sz="700" dirty="0"/>
               <a:t>Вступить в научную группу Коминтерна</a:t>
             </a:r>
             <a:r>
-              <a:rPr lang="ru-RU" sz="600" dirty="0" smtClean="0"/>
+              <a:rPr lang="ru-RU" sz="600" dirty="0"/>
               <a:t> (наше)</a:t>
             </a:r>
             <a:endParaRPr lang="ru-RU" sz="400" dirty="0"/>
@@ -25115,7 +24717,7 @@
           <a:p>
             <a:pPr algn="ctr"/>
             <a:r>
-              <a:rPr lang="ru-RU" sz="700" dirty="0" smtClean="0"/>
+              <a:rPr lang="ru-RU" sz="700" dirty="0"/>
               <a:t>Создание Португальских союзных республик в Африке</a:t>
             </a:r>
             <a:endParaRPr lang="ru-RU" sz="400" dirty="0"/>
@@ -25161,15 +24763,15 @@
           <a:p>
             <a:pPr algn="ctr"/>
             <a:r>
-              <a:rPr lang="ru-RU" sz="700" dirty="0" smtClean="0"/>
+              <a:rPr lang="ru-RU" sz="700" dirty="0"/>
               <a:t>Укрепление Португальской культуры в </a:t>
             </a:r>
             <a:r>
-              <a:rPr lang="ru-RU" sz="700" dirty="0" err="1" smtClean="0"/>
+              <a:rPr lang="ru-RU" sz="700" dirty="0" err="1"/>
               <a:t>Гоа</a:t>
             </a:r>
             <a:r>
-              <a:rPr lang="ru-RU" sz="600" dirty="0" smtClean="0"/>
+              <a:rPr lang="ru-RU" sz="600" dirty="0"/>
               <a:t> (наше)</a:t>
             </a:r>
             <a:endParaRPr lang="ru-RU" sz="400" dirty="0"/>
@@ -25215,11 +24817,11 @@
           <a:p>
             <a:pPr algn="ctr"/>
             <a:r>
-              <a:rPr lang="ru-RU" sz="700" dirty="0" smtClean="0"/>
+              <a:rPr lang="ru-RU" sz="700" dirty="0"/>
               <a:t>Национализация церковных земель</a:t>
             </a:r>
             <a:r>
-              <a:rPr lang="ru-RU" sz="600" dirty="0" smtClean="0"/>
+              <a:rPr lang="ru-RU" sz="600" dirty="0"/>
               <a:t> (наше)</a:t>
             </a:r>
             <a:endParaRPr lang="ru-RU" sz="400" dirty="0"/>
@@ -25265,11 +24867,11 @@
           <a:p>
             <a:pPr algn="ctr"/>
             <a:r>
-              <a:rPr lang="ru-RU" sz="700" dirty="0" smtClean="0"/>
+              <a:rPr lang="ru-RU" sz="700" dirty="0"/>
               <a:t>Пятилетний план</a:t>
             </a:r>
             <a:r>
-              <a:rPr lang="ru-RU" sz="600" dirty="0" smtClean="0"/>
+              <a:rPr lang="ru-RU" sz="600" dirty="0"/>
               <a:t> (наше)</a:t>
             </a:r>
             <a:endParaRPr lang="ru-RU" sz="400" dirty="0"/>
@@ -25315,11 +24917,11 @@
           <a:p>
             <a:pPr algn="ctr"/>
             <a:r>
-              <a:rPr lang="ru-RU" sz="700" dirty="0" smtClean="0"/>
+              <a:rPr lang="ru-RU" sz="700" dirty="0"/>
               <a:t>Крестьянская реформа</a:t>
             </a:r>
             <a:r>
-              <a:rPr lang="ru-RU" sz="600" dirty="0" smtClean="0"/>
+              <a:rPr lang="ru-RU" sz="600" dirty="0"/>
               <a:t> (наше)</a:t>
             </a:r>
             <a:endParaRPr lang="ru-RU" sz="400" dirty="0"/>
@@ -25365,11 +24967,11 @@
           <a:p>
             <a:pPr algn="ctr"/>
             <a:r>
-              <a:rPr lang="ru-RU" sz="700" dirty="0" smtClean="0"/>
+              <a:rPr lang="ru-RU" sz="700" dirty="0"/>
               <a:t>Освободить Африку</a:t>
             </a:r>
             <a:r>
-              <a:rPr lang="ru-RU" sz="600" dirty="0" smtClean="0"/>
+              <a:rPr lang="ru-RU" sz="600" dirty="0"/>
               <a:t> (наше)</a:t>
             </a:r>
             <a:endParaRPr lang="ru-RU" sz="400" dirty="0"/>
@@ -25415,7 +25017,7 @@
           <a:p>
             <a:pPr algn="ctr"/>
             <a:r>
-              <a:rPr lang="ru-RU" sz="700" dirty="0" smtClean="0"/>
+              <a:rPr lang="ru-RU" sz="700" dirty="0"/>
               <a:t>Освободить Индию (наше)</a:t>
             </a:r>
             <a:endParaRPr lang="ru-RU" sz="400" dirty="0"/>
@@ -25461,11 +25063,11 @@
           <a:p>
             <a:pPr algn="ctr"/>
             <a:r>
-              <a:rPr lang="ru-RU" sz="700" dirty="0" smtClean="0"/>
+              <a:rPr lang="ru-RU" sz="700" dirty="0"/>
               <a:t>Вторжение в Испанию (Испания НЕ левая)</a:t>
             </a:r>
             <a:r>
-              <a:rPr lang="ru-RU" sz="600" dirty="0" smtClean="0"/>
+              <a:rPr lang="ru-RU" sz="600" dirty="0"/>
               <a:t> (ваниль)</a:t>
             </a:r>
             <a:endParaRPr lang="ru-RU" sz="400" dirty="0"/>
@@ -25511,15 +25113,15 @@
           <a:p>
             <a:pPr algn="ctr"/>
             <a:r>
-              <a:rPr lang="ru-RU" sz="700" dirty="0" smtClean="0"/>
+              <a:rPr lang="ru-RU" sz="700" dirty="0"/>
               <a:t>Рабочие Иберии – объединяйтесь!(вступить в испанскую </a:t>
             </a:r>
             <a:r>
-              <a:rPr lang="ru-RU" sz="700" dirty="0" err="1" smtClean="0"/>
+              <a:rPr lang="ru-RU" sz="700" dirty="0" err="1"/>
               <a:t>гв</a:t>
             </a:r>
             <a:r>
-              <a:rPr lang="ru-RU" sz="700" dirty="0" smtClean="0"/>
+              <a:rPr lang="ru-RU" sz="700" dirty="0"/>
               <a:t>) (ваниль)</a:t>
             </a:r>
             <a:endParaRPr lang="ru-RU" sz="400" dirty="0"/>
@@ -25713,10 +25315,10 @@
           <a:p>
             <a:pPr algn="ctr"/>
             <a:r>
-              <a:rPr lang="ru-RU" sz="700" dirty="0" smtClean="0"/>
+              <a:rPr lang="ru-RU" sz="700" dirty="0"/>
               <a:t>Введение однопартийной системы</a:t>
             </a:r>
-            <a:endParaRPr lang="ru-RU" sz="400" dirty="0" smtClean="0"/>
+            <a:endParaRPr lang="ru-RU" sz="400" dirty="0"/>
           </a:p>
         </p:txBody>
       </p:sp>
@@ -25759,11 +25361,11 @@
           <a:p>
             <a:pPr algn="ctr"/>
             <a:r>
-              <a:rPr lang="ru-RU" sz="700" dirty="0" smtClean="0"/>
+              <a:rPr lang="ru-RU" sz="700" dirty="0"/>
               <a:t>Национализация промышленности </a:t>
             </a:r>
             <a:r>
-              <a:rPr lang="ru-RU" sz="500" dirty="0" smtClean="0"/>
+              <a:rPr lang="ru-RU" sz="500" dirty="0"/>
               <a:t>(ваниль)</a:t>
             </a:r>
             <a:endParaRPr lang="ru-RU" sz="400" dirty="0"/>
@@ -25809,11 +25411,11 @@
           <a:p>
             <a:pPr algn="ctr"/>
             <a:r>
-              <a:rPr lang="ru-RU" sz="600" dirty="0" smtClean="0"/>
+              <a:rPr lang="ru-RU" sz="600" dirty="0"/>
               <a:t>Молодёжное крыло ПКП </a:t>
             </a:r>
             <a:r>
-              <a:rPr lang="ru-RU" sz="400" dirty="0" smtClean="0"/>
+              <a:rPr lang="ru-RU" sz="400" dirty="0"/>
               <a:t>(ваниль)</a:t>
             </a:r>
             <a:endParaRPr lang="ru-RU" sz="300" dirty="0"/>
@@ -25859,7 +25461,7 @@
           <a:p>
             <a:pPr algn="ctr"/>
             <a:r>
-              <a:rPr lang="ru-RU" sz="700" dirty="0" smtClean="0"/>
+              <a:rPr lang="ru-RU" sz="700" dirty="0"/>
               <a:t>Форсирование коммунизма в Бразилии (наше)</a:t>
             </a:r>
             <a:endParaRPr lang="ru-RU" sz="400" dirty="0"/>
@@ -25905,7 +25507,7 @@
           <a:p>
             <a:pPr algn="ctr"/>
             <a:r>
-              <a:rPr lang="ru-RU" sz="700" dirty="0" smtClean="0"/>
+              <a:rPr lang="ru-RU" sz="700" dirty="0"/>
               <a:t>Поддержать восстание в Бразилии (наше)</a:t>
             </a:r>
             <a:endParaRPr lang="ru-RU" sz="400" dirty="0"/>
@@ -25951,7 +25553,7 @@
           <a:p>
             <a:pPr algn="ctr"/>
             <a:r>
-              <a:rPr lang="ru-RU" sz="700" dirty="0" smtClean="0"/>
+              <a:rPr lang="ru-RU" sz="700" dirty="0"/>
               <a:t>Победа Коммунистической Партии Португалии</a:t>
             </a:r>
             <a:endParaRPr lang="ru-RU" sz="400" dirty="0"/>
@@ -26560,7 +26162,7 @@
           <a:p>
             <a:pPr algn="ctr"/>
             <a:r>
-              <a:rPr lang="ru-RU" sz="700" dirty="0" smtClean="0"/>
+              <a:rPr lang="ru-RU" sz="700" dirty="0"/>
               <a:t>Поделить колонии Южной Африки</a:t>
             </a:r>
             <a:endParaRPr lang="ru-RU" sz="200" dirty="0"/>
@@ -26797,14 +26399,10 @@
             <a:pPr algn="ctr"/>
             <a:r>
               <a:rPr lang="ru-RU" sz="700" dirty="0" err="1"/>
-              <a:t>Л</a:t>
-            </a:r>
-            <a:r>
-              <a:rPr lang="ru-RU" sz="700" dirty="0" err="1" smtClean="0"/>
-              <a:t>узитанский</a:t>
-            </a:r>
-            <a:r>
-              <a:rPr lang="ru-RU" sz="700" dirty="0" smtClean="0"/>
+              <a:t>Лузитанский</a:t>
+            </a:r>
+            <a:r>
+              <a:rPr lang="ru-RU" sz="700" dirty="0"/>
               <a:t> </a:t>
             </a:r>
             <a:r>
@@ -26856,10 +26454,9 @@
           <a:p>
             <a:pPr algn="ctr"/>
             <a:r>
-              <a:rPr lang="ru-RU" sz="700" dirty="0" smtClean="0"/>
+              <a:rPr lang="ru-RU" sz="700" dirty="0"/>
               <a:t>Португальский скаутский корпус</a:t>
             </a:r>
-            <a:endParaRPr lang="ru-RU" sz="700" dirty="0"/>
           </a:p>
         </p:txBody>
       </p:sp>
@@ -26904,10 +26501,9 @@
           <a:p>
             <a:pPr algn="ctr"/>
             <a:r>
-              <a:rPr lang="ru-RU" sz="700" dirty="0" smtClean="0"/>
+              <a:rPr lang="ru-RU" sz="700" dirty="0"/>
               <a:t>Придать церкви центральное значение</a:t>
             </a:r>
-            <a:endParaRPr lang="ru-RU" sz="700" dirty="0"/>
           </a:p>
         </p:txBody>
       </p:sp>
@@ -26952,10 +26548,9 @@
           <a:p>
             <a:pPr algn="ctr"/>
             <a:r>
-              <a:rPr lang="ru-RU" sz="700" dirty="0" smtClean="0"/>
+              <a:rPr lang="ru-RU" sz="700" dirty="0"/>
               <a:t>Поддержка профсоюзов</a:t>
             </a:r>
-            <a:endParaRPr lang="ru-RU" sz="700" dirty="0"/>
           </a:p>
         </p:txBody>
       </p:sp>
@@ -27001,34 +26596,33 @@
           <a:p>
             <a:pPr algn="ctr"/>
             <a:r>
-              <a:rPr lang="ru-RU" sz="700" dirty="0" smtClean="0"/>
+              <a:rPr lang="ru-RU" sz="700" dirty="0"/>
               <a:t>Женский крестовый поход (</a:t>
             </a:r>
             <a:r>
-              <a:rPr lang="en-US" sz="700" dirty="0" err="1" smtClean="0"/>
+              <a:rPr lang="en-US" sz="700" dirty="0" err="1"/>
               <a:t>Cruzada</a:t>
             </a:r>
             <a:r>
-              <a:rPr lang="en-US" sz="700" dirty="0" smtClean="0"/>
+              <a:rPr lang="en-US" sz="700" dirty="0"/>
               <a:t> das </a:t>
             </a:r>
             <a:r>
-              <a:rPr lang="en-US" sz="700" dirty="0" err="1" smtClean="0"/>
+              <a:rPr lang="en-US" sz="700" dirty="0" err="1"/>
               <a:t>Mulheres</a:t>
             </a:r>
             <a:r>
-              <a:rPr lang="en-US" sz="700" dirty="0" smtClean="0"/>
+              <a:rPr lang="en-US" sz="700" dirty="0"/>
               <a:t> </a:t>
             </a:r>
             <a:r>
-              <a:rPr lang="en-US" sz="700" dirty="0" err="1" smtClean="0"/>
+              <a:rPr lang="en-US" sz="700" dirty="0" err="1"/>
               <a:t>Portuguesas</a:t>
             </a:r>
             <a:r>
-              <a:rPr lang="ru-RU" sz="700" dirty="0" smtClean="0"/>
+              <a:rPr lang="ru-RU" sz="700" dirty="0"/>
               <a:t>)</a:t>
             </a:r>
-            <a:endParaRPr lang="ru-RU" sz="700" dirty="0"/>
           </a:p>
         </p:txBody>
       </p:sp>
@@ -27073,10 +26667,9 @@
           <a:p>
             <a:pPr algn="ctr"/>
             <a:r>
-              <a:rPr lang="ru-RU" sz="700" dirty="0" smtClean="0"/>
+              <a:rPr lang="ru-RU" sz="700" dirty="0"/>
               <a:t>Дать независимость корпорациям</a:t>
             </a:r>
-            <a:endParaRPr lang="ru-RU" sz="700" dirty="0"/>
           </a:p>
         </p:txBody>
       </p:sp>
@@ -27121,7 +26714,7 @@
           <a:p>
             <a:pPr algn="ctr"/>
             <a:r>
-              <a:rPr lang="ru-RU" sz="700" dirty="0" smtClean="0"/>
+              <a:rPr lang="ru-RU" sz="700" dirty="0"/>
               <a:t>Синие рубашки</a:t>
             </a:r>
           </a:p>
@@ -27168,7 +26761,7 @@
           <a:p>
             <a:pPr algn="ctr"/>
             <a:r>
-              <a:rPr lang="ru-RU" sz="700" dirty="0" smtClean="0"/>
+              <a:rPr lang="ru-RU" sz="700" dirty="0"/>
               <a:t>Придерживаться социальной доктрины церкви</a:t>
             </a:r>
           </a:p>
@@ -27253,10 +26846,9 @@
           <a:p>
             <a:pPr algn="ctr"/>
             <a:r>
-              <a:rPr lang="ru-RU" sz="700" dirty="0" smtClean="0"/>
+              <a:rPr lang="ru-RU" sz="700" dirty="0"/>
               <a:t>Расширение роли рабочих</a:t>
             </a:r>
-            <a:endParaRPr lang="ru-RU" sz="700" dirty="0"/>
           </a:p>
         </p:txBody>
       </p:sp>
@@ -27301,10 +26893,9 @@
           <a:p>
             <a:pPr algn="ctr"/>
             <a:r>
-              <a:rPr lang="ru-RU" sz="700" dirty="0" smtClean="0"/>
+              <a:rPr lang="ru-RU" sz="700" dirty="0"/>
               <a:t>Стимулирование роста промышленности</a:t>
             </a:r>
-            <a:endParaRPr lang="ru-RU" sz="700" dirty="0"/>
           </a:p>
         </p:txBody>
       </p:sp>
@@ -27349,7 +26940,7 @@
           <a:p>
             <a:pPr algn="ctr"/>
             <a:r>
-              <a:rPr lang="ru-RU" sz="700" dirty="0" smtClean="0"/>
+              <a:rPr lang="ru-RU" sz="700" dirty="0"/>
               <a:t>Великая Португалия</a:t>
             </a:r>
           </a:p>
@@ -27396,10 +26987,9 @@
           <a:p>
             <a:pPr algn="ctr"/>
             <a:r>
-              <a:rPr lang="ru-RU" sz="700" dirty="0" smtClean="0"/>
+              <a:rPr lang="ru-RU" sz="700" dirty="0"/>
               <a:t>Поддержка испанских фалангистов</a:t>
             </a:r>
-            <a:endParaRPr lang="ru-RU" sz="700" dirty="0"/>
           </a:p>
         </p:txBody>
       </p:sp>
@@ -27482,7 +27072,7 @@
           <a:p>
             <a:pPr algn="ctr"/>
             <a:r>
-              <a:rPr lang="ru-RU" sz="700" dirty="0" smtClean="0"/>
+              <a:rPr lang="ru-RU" sz="700" dirty="0"/>
               <a:t>Объединить Иберию</a:t>
             </a:r>
           </a:p>
@@ -27529,14 +27119,14 @@
           <a:p>
             <a:pPr algn="ctr"/>
             <a:r>
-              <a:rPr lang="ru-RU" sz="700" dirty="0" smtClean="0"/>
+              <a:rPr lang="ru-RU" sz="700" dirty="0"/>
               <a:t>Союз с Бразильскими </a:t>
             </a:r>
             <a:r>
-              <a:rPr lang="ru-RU" sz="700" dirty="0" err="1" smtClean="0"/>
+              <a:rPr lang="ru-RU" sz="700" dirty="0" err="1"/>
               <a:t>Интегралистами</a:t>
             </a:r>
-            <a:endParaRPr lang="ru-RU" sz="700" dirty="0" smtClean="0"/>
+            <a:endParaRPr lang="ru-RU" sz="700" dirty="0"/>
           </a:p>
         </p:txBody>
       </p:sp>
@@ -27581,7 +27171,7 @@
           <a:p>
             <a:pPr algn="ctr"/>
             <a:r>
-              <a:rPr lang="ru-RU" sz="700" dirty="0" smtClean="0"/>
+              <a:rPr lang="ru-RU" sz="700" dirty="0"/>
               <a:t>Союз с Испанской фалангой</a:t>
             </a:r>
           </a:p>
@@ -28008,7 +27598,7 @@
           <a:p>
             <a:pPr algn="ctr"/>
             <a:r>
-              <a:rPr lang="ru-RU" sz="700" dirty="0" smtClean="0"/>
+              <a:rPr lang="ru-RU" sz="700" dirty="0"/>
               <a:t>Вернуть Бразилию</a:t>
             </a:r>
           </a:p>
@@ -28207,7 +27797,7 @@
           <a:p>
             <a:pPr algn="ctr"/>
             <a:r>
-              <a:rPr lang="ru-RU" sz="700" dirty="0" smtClean="0"/>
+              <a:rPr lang="ru-RU" sz="700" dirty="0"/>
               <a:t>Католический университет Португалии</a:t>
             </a:r>
           </a:p>
@@ -28286,7 +27876,7 @@
           <a:p>
             <a:pPr algn="ctr"/>
             <a:r>
-              <a:rPr lang="ru-RU" sz="700" dirty="0" smtClean="0"/>
+              <a:rPr lang="ru-RU" sz="700" dirty="0"/>
               <a:t>Розовая карта</a:t>
             </a:r>
           </a:p>
@@ -28329,7 +27919,7 @@
           <a:p>
             <a:pPr algn="ctr"/>
             <a:r>
-              <a:rPr lang="ru-RU" sz="700" dirty="0" smtClean="0"/>
+              <a:rPr lang="ru-RU" sz="700" dirty="0"/>
               <a:t>Вернуть Уругвай</a:t>
             </a:r>
           </a:p>
@@ -28376,7 +27966,7 @@
           <a:p>
             <a:pPr algn="ctr"/>
             <a:r>
-              <a:rPr lang="ru-RU" sz="700" dirty="0" smtClean="0"/>
+              <a:rPr lang="ru-RU" sz="700" dirty="0"/>
               <a:t>Присоединиться к Италии</a:t>
             </a:r>
           </a:p>
@@ -28535,7 +28125,7 @@
           <a:p>
             <a:pPr algn="ctr"/>
             <a:r>
-              <a:rPr lang="ru-RU" sz="700" dirty="0" smtClean="0"/>
+              <a:rPr lang="ru-RU" sz="700" dirty="0"/>
               <a:t>Вернуть Ост-Индию (ваниль)</a:t>
             </a:r>
           </a:p>
@@ -28578,15 +28168,15 @@
           <a:p>
             <a:pPr algn="ctr"/>
             <a:r>
-              <a:rPr lang="ru-RU" sz="700" dirty="0" smtClean="0"/>
+              <a:rPr lang="ru-RU" sz="700" dirty="0"/>
               <a:t>Вернуть владение чайными плантациями (аннексия против </a:t>
             </a:r>
             <a:r>
-              <a:rPr lang="ru-RU" sz="700" dirty="0" err="1" smtClean="0"/>
+              <a:rPr lang="ru-RU" sz="700" dirty="0" err="1"/>
               <a:t>цейлона</a:t>
             </a:r>
             <a:r>
-              <a:rPr lang="ru-RU" sz="700" dirty="0" smtClean="0"/>
+              <a:rPr lang="ru-RU" sz="700" dirty="0"/>
               <a:t>)</a:t>
             </a:r>
           </a:p>
@@ -28629,7 +28219,7 @@
           <a:p>
             <a:pPr algn="ctr"/>
             <a:r>
-              <a:rPr lang="ru-RU" sz="700" dirty="0" smtClean="0"/>
+              <a:rPr lang="ru-RU" sz="700" dirty="0"/>
               <a:t>Вернуть финиковые сады Омана</a:t>
             </a:r>
           </a:p>
@@ -28674,7 +28264,7 @@
           <a:p>
             <a:pPr algn="ctr"/>
             <a:r>
-              <a:rPr lang="ru-RU" sz="700" dirty="0" smtClean="0"/>
+              <a:rPr lang="ru-RU" sz="700" dirty="0"/>
               <a:t>Пятая империя (ваниль)</a:t>
             </a:r>
           </a:p>
@@ -28910,7 +28500,7 @@
           <a:p>
             <a:pPr algn="ctr"/>
             <a:r>
-              <a:rPr lang="ru-RU" sz="700" dirty="0" smtClean="0"/>
+              <a:rPr lang="ru-RU" sz="700" dirty="0"/>
               <a:t>Вернуть Парагвай</a:t>
             </a:r>
           </a:p>
@@ -28953,7 +28543,7 @@
           <a:p>
             <a:pPr algn="ctr"/>
             <a:r>
-              <a:rPr lang="ru-RU" sz="700" dirty="0" smtClean="0"/>
+              <a:rPr lang="ru-RU" sz="700" dirty="0"/>
               <a:t>Расширить территорию в Китае (ваниль)</a:t>
             </a:r>
           </a:p>
@@ -28996,7 +28586,7 @@
           <a:p>
             <a:pPr algn="ctr"/>
             <a:r>
-              <a:rPr lang="ru-RU" sz="700" dirty="0" smtClean="0"/>
+              <a:rPr lang="ru-RU" sz="700" dirty="0"/>
               <a:t>Разделаться с Японской угрозой (ваниль)</a:t>
             </a:r>
           </a:p>
@@ -29039,7 +28629,7 @@
           <a:p>
             <a:pPr algn="ctr"/>
             <a:r>
-              <a:rPr lang="ru-RU" sz="700" dirty="0" smtClean="0"/>
+              <a:rPr lang="ru-RU" sz="700" dirty="0"/>
               <a:t>Сделать Индию своей (ваниль)</a:t>
             </a:r>
           </a:p>
@@ -29082,14 +28672,14 @@
           <a:p>
             <a:pPr algn="ctr"/>
             <a:r>
-              <a:rPr lang="ru-RU" sz="700" dirty="0" smtClean="0"/>
+              <a:rPr lang="ru-RU" sz="700" dirty="0"/>
               <a:t>Вернуть Португальское </a:t>
             </a:r>
             <a:r>
-              <a:rPr lang="ru-RU" sz="700" dirty="0" err="1" smtClean="0"/>
+              <a:rPr lang="ru-RU" sz="700" dirty="0" err="1"/>
               <a:t>Морокко</a:t>
             </a:r>
-            <a:endParaRPr lang="ru-RU" sz="700" dirty="0" smtClean="0"/>
+            <a:endParaRPr lang="ru-RU" sz="700" dirty="0"/>
           </a:p>
         </p:txBody>
       </p:sp>
@@ -29582,7 +29172,7 @@
           <a:p>
             <a:pPr algn="ctr"/>
             <a:r>
-              <a:rPr lang="ru-RU" sz="700" dirty="0" smtClean="0"/>
+              <a:rPr lang="ru-RU" sz="700" dirty="0"/>
               <a:t>Свой путь</a:t>
             </a:r>
           </a:p>
@@ -29823,7 +29413,7 @@
           <a:p>
             <a:pPr algn="ctr"/>
             <a:r>
-              <a:rPr lang="ru-RU" sz="700" dirty="0" smtClean="0"/>
+              <a:rPr lang="ru-RU" sz="700" dirty="0"/>
               <a:t>Рабочие суды</a:t>
             </a:r>
             <a:endParaRPr lang="ru-RU" sz="200" dirty="0"/>
@@ -29947,10 +29537,9 @@
           <a:p>
             <a:pPr algn="ctr"/>
             <a:r>
-              <a:rPr lang="ru-RU" sz="700" dirty="0" smtClean="0"/>
+              <a:rPr lang="ru-RU" sz="700" dirty="0"/>
               <a:t>Применить 12 принципов выпуска промышленной продукции</a:t>
             </a:r>
-            <a:endParaRPr lang="ru-RU" sz="700" dirty="0"/>
           </a:p>
         </p:txBody>
       </p:sp>
@@ -30033,7 +29622,7 @@
           <a:p>
             <a:pPr algn="ctr"/>
             <a:r>
-              <a:rPr lang="ru-RU" sz="700" dirty="0" smtClean="0"/>
+              <a:rPr lang="ru-RU" sz="700" dirty="0"/>
               <a:t>Общество мелких собственников</a:t>
             </a:r>
             <a:endParaRPr lang="ru-RU" sz="300" dirty="0"/>
@@ -30117,18 +29706,17 @@
           <a:p>
             <a:pPr algn="ctr"/>
             <a:r>
-              <a:rPr lang="ru-RU" sz="700" dirty="0" smtClean="0"/>
+              <a:rPr lang="ru-RU" sz="700" dirty="0"/>
               <a:t>Восстание против </a:t>
             </a:r>
             <a:r>
-              <a:rPr lang="ru-RU" sz="700" dirty="0" err="1" smtClean="0"/>
+              <a:rPr lang="ru-RU" sz="700" dirty="0" err="1"/>
               <a:t>Салазарского</a:t>
             </a:r>
             <a:r>
-              <a:rPr lang="ru-RU" sz="700" dirty="0" smtClean="0"/>
+              <a:rPr lang="ru-RU" sz="700" dirty="0"/>
               <a:t> режима</a:t>
             </a:r>
-            <a:endParaRPr lang="ru-RU" sz="700" dirty="0"/>
           </a:p>
         </p:txBody>
       </p:sp>
@@ -30283,7 +29871,7 @@
           <a:p>
             <a:pPr algn="ctr"/>
             <a:r>
-              <a:rPr lang="ru-RU" sz="700" dirty="0" smtClean="0"/>
+              <a:rPr lang="ru-RU" sz="700" dirty="0"/>
               <a:t>Признать язык Галисии вторым официальным</a:t>
             </a:r>
           </a:p>
@@ -30366,10 +29954,9 @@
           <a:p>
             <a:pPr algn="ctr"/>
             <a:r>
-              <a:rPr lang="ru-RU" sz="700" dirty="0" smtClean="0"/>
+              <a:rPr lang="ru-RU" sz="700" dirty="0"/>
               <a:t>Союз с Папой</a:t>
             </a:r>
-            <a:endParaRPr lang="ru-RU" sz="700" dirty="0"/>
           </a:p>
         </p:txBody>
       </p:sp>
@@ -30528,7 +30115,7 @@
           <a:p>
             <a:pPr algn="ctr"/>
             <a:r>
-              <a:rPr lang="ru-RU" sz="700" dirty="0" smtClean="0"/>
+              <a:rPr lang="ru-RU" sz="700" dirty="0"/>
               <a:t>Торговля с Европейскими державами (наше)</a:t>
             </a:r>
             <a:endParaRPr lang="ru-RU" sz="100" dirty="0"/>
@@ -30576,7 +30163,7 @@
           <a:p>
             <a:pPr algn="ctr"/>
             <a:r>
-              <a:rPr lang="ru-RU" sz="700" dirty="0" smtClean="0"/>
+              <a:rPr lang="ru-RU" sz="700" dirty="0"/>
               <a:t>Столица шпионажа (ваниль)</a:t>
             </a:r>
             <a:endParaRPr lang="ru-RU" sz="100" dirty="0"/>
@@ -30772,18 +30359,17 @@
           <a:p>
             <a:pPr algn="ctr"/>
             <a:r>
-              <a:rPr lang="ru-RU" sz="700" dirty="0" smtClean="0"/>
+              <a:rPr lang="ru-RU" sz="700" dirty="0"/>
               <a:t>Помочь </a:t>
             </a:r>
             <a:r>
-              <a:rPr lang="ru-RU" sz="700" dirty="0" err="1" smtClean="0"/>
+              <a:rPr lang="ru-RU" sz="700" dirty="0" err="1"/>
               <a:t>карлистам</a:t>
             </a:r>
             <a:r>
-              <a:rPr lang="ru-RU" sz="700" dirty="0" smtClean="0"/>
+              <a:rPr lang="ru-RU" sz="700" dirty="0"/>
               <a:t> (ваниль)</a:t>
             </a:r>
-            <a:endParaRPr lang="ru-RU" sz="700" dirty="0"/>
           </a:p>
         </p:txBody>
       </p:sp>
@@ -30864,10 +30450,9 @@
           <a:p>
             <a:pPr algn="ctr"/>
             <a:r>
-              <a:rPr lang="ru-RU" sz="700" dirty="0" smtClean="0"/>
+              <a:rPr lang="ru-RU" sz="700" dirty="0"/>
               <a:t>Поддержка Бразильских монархистов</a:t>
             </a:r>
-            <a:endParaRPr lang="ru-RU" sz="700" dirty="0"/>
           </a:p>
         </p:txBody>
       </p:sp>
@@ -30910,10 +30495,9 @@
           <a:p>
             <a:pPr algn="ctr"/>
             <a:r>
-              <a:rPr lang="ru-RU" sz="700" dirty="0" smtClean="0"/>
+              <a:rPr lang="ru-RU" sz="700" dirty="0"/>
               <a:t>Внедрение Бразильской индустрии</a:t>
             </a:r>
-            <a:endParaRPr lang="ru-RU" sz="700" dirty="0"/>
           </a:p>
         </p:txBody>
       </p:sp>
@@ -31034,18 +30618,17 @@
           <a:p>
             <a:pPr algn="ctr"/>
             <a:r>
-              <a:rPr lang="ru-RU" sz="700" dirty="0" smtClean="0"/>
+              <a:rPr lang="ru-RU" sz="700" dirty="0"/>
               <a:t>Помочь </a:t>
             </a:r>
             <a:r>
-              <a:rPr lang="ru-RU" sz="700" dirty="0" err="1" smtClean="0"/>
+              <a:rPr lang="ru-RU" sz="700" dirty="0" err="1"/>
               <a:t>рекета</a:t>
             </a:r>
             <a:r>
-              <a:rPr lang="ru-RU" sz="700" dirty="0" smtClean="0"/>
+              <a:rPr lang="ru-RU" sz="700" dirty="0"/>
               <a:t> (ваниль)</a:t>
             </a:r>
-            <a:endParaRPr lang="ru-RU" sz="700" dirty="0"/>
           </a:p>
         </p:txBody>
       </p:sp>
@@ -31088,19 +30671,19 @@
           <a:p>
             <a:pPr algn="ctr"/>
             <a:r>
-              <a:rPr lang="ru-RU" sz="700" dirty="0" smtClean="0"/>
+              <a:rPr lang="ru-RU" sz="700" dirty="0"/>
               <a:t>Помните об </a:t>
             </a:r>
             <a:r>
-              <a:rPr lang="ru-RU" sz="700" dirty="0" err="1" smtClean="0"/>
+              <a:rPr lang="ru-RU" sz="700" dirty="0" err="1"/>
               <a:t>Оливенса</a:t>
             </a:r>
             <a:r>
-              <a:rPr lang="ru-RU" sz="700" dirty="0" smtClean="0"/>
+              <a:rPr lang="ru-RU" sz="700" dirty="0"/>
               <a:t> (ваниль)</a:t>
             </a:r>
             <a:r>
-              <a:rPr lang="ru-RU" sz="800" dirty="0" smtClean="0"/>
+              <a:rPr lang="ru-RU" sz="800" dirty="0"/>
               <a:t> </a:t>
             </a:r>
             <a:endParaRPr lang="ru-RU" sz="700" dirty="0"/>
@@ -31146,23 +30729,23 @@
           <a:p>
             <a:pPr algn="ctr"/>
             <a:r>
-              <a:rPr lang="ru-RU" sz="800" dirty="0" smtClean="0"/>
+              <a:rPr lang="ru-RU" sz="800" dirty="0"/>
               <a:t>Королевский Иберийский союз </a:t>
             </a:r>
             <a:r>
-              <a:rPr lang="ru-RU" sz="500" dirty="0" smtClean="0"/>
+              <a:rPr lang="ru-RU" sz="500" dirty="0"/>
               <a:t>(объединён с присоединиться к сражением </a:t>
             </a:r>
             <a:r>
-              <a:rPr lang="ru-RU" sz="500" dirty="0" err="1" smtClean="0"/>
+              <a:rPr lang="ru-RU" sz="500" dirty="0" err="1"/>
               <a:t>карлистов</a:t>
             </a:r>
             <a:r>
-              <a:rPr lang="ru-RU" sz="500" dirty="0" smtClean="0"/>
+              <a:rPr lang="ru-RU" sz="500" dirty="0"/>
               <a:t>) </a:t>
             </a:r>
             <a:r>
-              <a:rPr lang="ru-RU" sz="800" dirty="0" smtClean="0"/>
+              <a:rPr lang="ru-RU" sz="800" dirty="0"/>
               <a:t>(ваниль)</a:t>
             </a:r>
           </a:p>
@@ -31433,7 +31016,7 @@
           <a:p>
             <a:pPr algn="ctr"/>
             <a:r>
-              <a:rPr lang="ru-RU" sz="700" dirty="0" smtClean="0"/>
+              <a:rPr lang="ru-RU" sz="700" dirty="0"/>
               <a:t>Объединение королевств</a:t>
             </a:r>
           </a:p>
@@ -31554,10 +31137,9 @@
           <a:p>
             <a:pPr algn="ctr"/>
             <a:r>
-              <a:rPr lang="ru-RU" sz="700" dirty="0" smtClean="0"/>
+              <a:rPr lang="ru-RU" sz="700" dirty="0"/>
               <a:t>Назначить советников короля (типа кабинета короля)</a:t>
             </a:r>
-            <a:endParaRPr lang="ru-RU" sz="700" dirty="0"/>
           </a:p>
         </p:txBody>
       </p:sp>
@@ -31721,18 +31303,9 @@
           <a:p>
             <a:pPr algn="ctr"/>
             <a:r>
-              <a:rPr lang="ru-RU" sz="700" dirty="0" smtClean="0"/>
-              <a:t>Создание </a:t>
-            </a:r>
-            <a:r>
               <a:rPr lang="ru-RU" sz="700" dirty="0"/>
-              <a:t>королевской </a:t>
-            </a:r>
-            <a:r>
-              <a:rPr lang="ru-RU" sz="700" dirty="0" smtClean="0"/>
-              <a:t>гвардии</a:t>
-            </a:r>
-            <a:endParaRPr lang="ru-RU" sz="700" dirty="0"/>
+              <a:t>Создание королевской гвардии</a:t>
+            </a:r>
           </a:p>
         </p:txBody>
       </p:sp>
@@ -31811,11 +31384,11 @@
           <a:p>
             <a:pPr algn="ctr"/>
             <a:r>
-              <a:rPr lang="ru-RU" sz="700" dirty="0" smtClean="0"/>
+              <a:rPr lang="ru-RU" sz="700" dirty="0"/>
               <a:t>Восстановить дворянские титулы </a:t>
             </a:r>
             <a:r>
-              <a:rPr lang="ru-RU" sz="300" dirty="0" smtClean="0"/>
+              <a:rPr lang="ru-RU" sz="300" dirty="0"/>
               <a:t>(Вернуть верных короне генералов)</a:t>
             </a:r>
             <a:endParaRPr lang="ru-RU" sz="700" dirty="0"/>
@@ -31899,10 +31472,9 @@
           <a:p>
             <a:pPr algn="ctr"/>
             <a:r>
-              <a:rPr lang="ru-RU" sz="700" dirty="0" smtClean="0"/>
+              <a:rPr lang="ru-RU" sz="700" dirty="0"/>
               <a:t>Единое Иберийское королевство</a:t>
             </a:r>
-            <a:endParaRPr lang="ru-RU" sz="700" dirty="0"/>
           </a:p>
         </p:txBody>
       </p:sp>
@@ -31981,10 +31553,9 @@
           <a:p>
             <a:pPr algn="ctr"/>
             <a:r>
-              <a:rPr lang="ru-RU" sz="700" dirty="0" smtClean="0"/>
+              <a:rPr lang="ru-RU" sz="700" dirty="0"/>
               <a:t>Иберийская научная группа</a:t>
             </a:r>
-            <a:endParaRPr lang="ru-RU" sz="700" dirty="0"/>
           </a:p>
         </p:txBody>
       </p:sp>
@@ -32063,10 +31634,9 @@
           <a:p>
             <a:pPr algn="ctr"/>
             <a:r>
-              <a:rPr lang="ru-RU" sz="700" dirty="0" smtClean="0"/>
+              <a:rPr lang="ru-RU" sz="700" dirty="0"/>
               <a:t>Восстановление королевской армады</a:t>
             </a:r>
-            <a:endParaRPr lang="ru-RU" sz="700" dirty="0"/>
           </a:p>
         </p:txBody>
       </p:sp>
@@ -32109,18 +31679,17 @@
           <a:p>
             <a:pPr algn="ctr"/>
             <a:r>
-              <a:rPr lang="ru-RU" sz="700" dirty="0" smtClean="0"/>
+              <a:rPr lang="ru-RU" sz="700" dirty="0"/>
               <a:t>Империя над которой зайдёт солнце (</a:t>
             </a:r>
             <a:r>
-              <a:rPr lang="ru-RU" sz="700" dirty="0" err="1" smtClean="0"/>
+              <a:rPr lang="ru-RU" sz="700" dirty="0" err="1"/>
               <a:t>варгол</a:t>
             </a:r>
             <a:r>
-              <a:rPr lang="ru-RU" sz="700" dirty="0" smtClean="0"/>
+              <a:rPr lang="ru-RU" sz="700" dirty="0"/>
               <a:t> против ВБ)</a:t>
             </a:r>
-            <a:endParaRPr lang="ru-RU" sz="700" dirty="0"/>
           </a:p>
         </p:txBody>
       </p:sp>
@@ -32163,10 +31732,9 @@
           <a:p>
             <a:pPr algn="ctr"/>
             <a:r>
-              <a:rPr lang="ru-RU" sz="700" dirty="0" smtClean="0"/>
+              <a:rPr lang="ru-RU" sz="700" dirty="0"/>
               <a:t>Отказаться от морской блокады (ваниль)</a:t>
             </a:r>
-            <a:endParaRPr lang="ru-RU" sz="700" dirty="0"/>
           </a:p>
         </p:txBody>
       </p:sp>
@@ -32283,10 +31851,9 @@
           <a:p>
             <a:pPr algn="ctr"/>
             <a:r>
-              <a:rPr lang="ru-RU" sz="700" dirty="0" smtClean="0"/>
+              <a:rPr lang="ru-RU" sz="700" dirty="0"/>
               <a:t>Морская империя (верфи и НД на флот)</a:t>
             </a:r>
-            <a:endParaRPr lang="ru-RU" sz="700" dirty="0"/>
           </a:p>
         </p:txBody>
       </p:sp>
@@ -32477,10 +32044,9 @@
           <a:p>
             <a:pPr algn="ctr"/>
             <a:r>
-              <a:rPr lang="ru-RU" sz="700" dirty="0" smtClean="0"/>
+              <a:rPr lang="ru-RU" sz="700" dirty="0"/>
               <a:t>Объединение металлургических отраслей</a:t>
             </a:r>
-            <a:endParaRPr lang="ru-RU" sz="700" dirty="0"/>
           </a:p>
         </p:txBody>
       </p:sp>
@@ -32559,10 +32125,9 @@
           <a:p>
             <a:pPr algn="ctr"/>
             <a:r>
-              <a:rPr lang="ru-RU" sz="700" dirty="0" smtClean="0"/>
+              <a:rPr lang="ru-RU" sz="700" dirty="0"/>
               <a:t>Продолжить экспорт Бразильского кофе и сахара</a:t>
             </a:r>
-            <a:endParaRPr lang="ru-RU" sz="700" dirty="0"/>
           </a:p>
         </p:txBody>
       </p:sp>
@@ -32756,7 +32321,7 @@
           <a:p>
             <a:pPr algn="ctr"/>
             <a:r>
-              <a:rPr lang="ru-RU" sz="800" dirty="0" smtClean="0"/>
+              <a:rPr lang="ru-RU" sz="800" dirty="0"/>
               <a:t>Инвестировать в королевские кампании Мозамбика</a:t>
             </a:r>
             <a:endParaRPr lang="ru-RU" sz="200" dirty="0"/>
@@ -32876,11 +32441,11 @@
           <a:p>
             <a:pPr algn="ctr"/>
             <a:r>
-              <a:rPr lang="ru-RU" sz="800" dirty="0" err="1" smtClean="0"/>
+              <a:rPr lang="ru-RU" sz="800" dirty="0" err="1"/>
               <a:t>Антифашисткое</a:t>
             </a:r>
             <a:r>
-              <a:rPr lang="ru-RU" sz="800" dirty="0" smtClean="0"/>
+              <a:rPr lang="ru-RU" sz="800" dirty="0"/>
               <a:t> восстание </a:t>
             </a:r>
             <a:endParaRPr lang="ru-RU" sz="200" dirty="0"/>
@@ -32926,7 +32491,7 @@
           <a:p>
             <a:pPr algn="ctr"/>
             <a:r>
-              <a:rPr lang="ru-RU" sz="800" dirty="0" smtClean="0"/>
+              <a:rPr lang="ru-RU" sz="800" dirty="0"/>
               <a:t>Завершить реорганизацию партии</a:t>
             </a:r>
             <a:endParaRPr lang="ru-RU" sz="200" dirty="0"/>
@@ -32972,14 +32537,14 @@
           <a:p>
             <a:pPr algn="ctr"/>
             <a:r>
-              <a:rPr lang="ru-RU" sz="700" dirty="0" smtClean="0"/>
+              <a:rPr lang="ru-RU" sz="700" dirty="0"/>
               <a:t>Свободные выборы губернаторов </a:t>
             </a:r>
             <a:r>
-              <a:rPr lang="ru-RU" sz="400" dirty="0" smtClean="0"/>
+              <a:rPr lang="ru-RU" sz="400" dirty="0"/>
               <a:t>(т.к. участвовали в восстании все партии – это компромисс)</a:t>
             </a:r>
-            <a:endParaRPr lang="ru-RU" sz="300" dirty="0" smtClean="0"/>
+            <a:endParaRPr lang="ru-RU" sz="300" dirty="0"/>
           </a:p>
           <a:p>
             <a:pPr algn="ctr"/>
@@ -33255,7 +32820,7 @@
           <a:p>
             <a:pPr algn="ctr"/>
             <a:r>
-              <a:rPr lang="ru-RU" sz="800" dirty="0" smtClean="0"/>
+              <a:rPr lang="ru-RU" sz="800" dirty="0"/>
               <a:t>Самостоятельный курс</a:t>
             </a:r>
             <a:endParaRPr lang="ru-RU" sz="200" dirty="0"/>
@@ -33301,7 +32866,7 @@
           <a:p>
             <a:pPr algn="ctr"/>
             <a:r>
-              <a:rPr lang="ru-RU" sz="800" dirty="0" smtClean="0"/>
+              <a:rPr lang="ru-RU" sz="800" dirty="0"/>
               <a:t>Продолжить курс Москвы</a:t>
             </a:r>
             <a:endParaRPr lang="ru-RU" sz="200" dirty="0"/>
@@ -33461,7 +33026,7 @@
           <a:p>
             <a:pPr algn="ctr"/>
             <a:r>
-              <a:rPr lang="ru-RU" sz="800" dirty="0" smtClean="0"/>
+              <a:rPr lang="ru-RU" sz="800" dirty="0"/>
               <a:t>Свергнуть диктатуру в Испании</a:t>
             </a:r>
             <a:endParaRPr lang="ru-RU" sz="100" dirty="0"/>
@@ -33507,7 +33072,7 @@
           <a:p>
             <a:pPr algn="ctr"/>
             <a:r>
-              <a:rPr lang="ru-RU" sz="800" dirty="0" smtClean="0"/>
+              <a:rPr lang="ru-RU" sz="800" dirty="0"/>
               <a:t>Инвестиции из СССР</a:t>
             </a:r>
             <a:endParaRPr lang="ru-RU" sz="200" dirty="0"/>
@@ -33553,7 +33118,7 @@
           <a:p>
             <a:pPr algn="ctr"/>
             <a:r>
-              <a:rPr lang="ru-RU" sz="800" dirty="0" smtClean="0"/>
+              <a:rPr lang="ru-RU" sz="800" dirty="0"/>
               <a:t>Догнать науку социалистического блока</a:t>
             </a:r>
             <a:endParaRPr lang="ru-RU" sz="200" dirty="0"/>
@@ -33599,7 +33164,7 @@
           <a:p>
             <a:pPr algn="ctr"/>
             <a:r>
-              <a:rPr lang="ru-RU" sz="700" dirty="0" smtClean="0"/>
+              <a:rPr lang="ru-RU" sz="700" dirty="0"/>
               <a:t>Направить экономику на внутренние проблемы </a:t>
             </a:r>
             <a:endParaRPr lang="ru-RU" sz="100" dirty="0"/>
@@ -33683,7 +33248,7 @@
           <a:p>
             <a:pPr algn="ctr"/>
             <a:r>
-              <a:rPr lang="ru-RU" sz="800" dirty="0" smtClean="0"/>
+              <a:rPr lang="ru-RU" sz="800" dirty="0"/>
               <a:t>Объявить войну фашизму</a:t>
             </a:r>
             <a:endParaRPr lang="ru-RU" sz="200" dirty="0"/>
@@ -34037,7 +33602,7 @@
           <a:p>
             <a:pPr algn="ctr"/>
             <a:r>
-              <a:rPr lang="ru-RU" sz="800" dirty="0" smtClean="0"/>
+              <a:rPr lang="ru-RU" sz="800" dirty="0"/>
               <a:t>Создание антифашистских боевых групп</a:t>
             </a:r>
             <a:endParaRPr lang="ru-RU" sz="200" dirty="0"/>
@@ -34161,7 +33726,7 @@
           <a:p>
             <a:pPr algn="ctr"/>
             <a:r>
-              <a:rPr lang="ru-RU" sz="800" dirty="0" smtClean="0"/>
+              <a:rPr lang="ru-RU" sz="800" dirty="0"/>
               <a:t>Союзники в Иберии </a:t>
             </a:r>
             <a:endParaRPr lang="ru-RU" sz="100" dirty="0"/>
@@ -34283,7 +33848,7 @@
           <a:p>
             <a:pPr algn="ctr"/>
             <a:r>
-              <a:rPr lang="ru-RU" sz="800" dirty="0" smtClean="0"/>
+              <a:rPr lang="ru-RU" sz="800" dirty="0"/>
               <a:t>Программа национального единства</a:t>
             </a:r>
             <a:endParaRPr lang="ru-RU" sz="100" dirty="0"/>
@@ -34367,7 +33932,7 @@
           <a:p>
             <a:pPr algn="ctr"/>
             <a:r>
-              <a:rPr lang="ru-RU" sz="800" dirty="0" smtClean="0"/>
+              <a:rPr lang="ru-RU" sz="800" dirty="0"/>
               <a:t>Совместное экономическое развитие</a:t>
             </a:r>
             <a:endParaRPr lang="ru-RU" sz="100" dirty="0"/>
@@ -34489,19 +34054,19 @@
           <a:p>
             <a:pPr algn="ctr"/>
             <a:r>
-              <a:rPr lang="ru-RU" sz="800" dirty="0" smtClean="0"/>
+              <a:rPr lang="ru-RU" sz="800" dirty="0"/>
               <a:t>Использовать «</a:t>
             </a:r>
             <a:r>
-              <a:rPr lang="en-US" sz="800" dirty="0" err="1" smtClean="0"/>
+              <a:rPr lang="en-US" sz="800" dirty="0" err="1"/>
               <a:t>Avante</a:t>
             </a:r>
             <a:r>
-              <a:rPr lang="en-US" sz="800" dirty="0" smtClean="0"/>
+              <a:rPr lang="en-US" sz="800" dirty="0"/>
               <a:t>!</a:t>
             </a:r>
             <a:r>
-              <a:rPr lang="ru-RU" sz="800" dirty="0" smtClean="0"/>
+              <a:rPr lang="ru-RU" sz="800" dirty="0"/>
               <a:t>» как идеологический путеводитель</a:t>
             </a:r>
             <a:endParaRPr lang="ru-RU" sz="100" dirty="0"/>
@@ -34583,7 +34148,7 @@
           <a:p>
             <a:pPr algn="ctr"/>
             <a:r>
-              <a:rPr lang="ru-RU" sz="800" dirty="0" smtClean="0"/>
+              <a:rPr lang="ru-RU" sz="800" dirty="0"/>
               <a:t>Создание молодёжных организаций</a:t>
             </a:r>
             <a:endParaRPr lang="ru-RU" sz="200" dirty="0"/>
@@ -34667,7 +34232,7 @@
           <a:p>
             <a:pPr algn="ctr"/>
             <a:r>
-              <a:rPr lang="ru-RU" sz="800" dirty="0" smtClean="0"/>
+              <a:rPr lang="ru-RU" sz="800" dirty="0"/>
               <a:t>Предоставить независимость Африканским колониям</a:t>
             </a:r>
             <a:endParaRPr lang="ru-RU" sz="200" dirty="0"/>
@@ -34751,7 +34316,7 @@
           <a:p>
             <a:pPr algn="ctr"/>
             <a:r>
-              <a:rPr lang="ru-RU" sz="800" dirty="0" smtClean="0"/>
+              <a:rPr lang="ru-RU" sz="800" dirty="0"/>
               <a:t>Уравнять права женщин с мужчинами</a:t>
             </a:r>
             <a:endParaRPr lang="ru-RU" sz="200" dirty="0"/>
@@ -34835,7 +34400,7 @@
           <a:p>
             <a:pPr algn="ctr"/>
             <a:r>
-              <a:rPr lang="ru-RU" sz="700" dirty="0" smtClean="0"/>
+              <a:rPr lang="ru-RU" sz="700" dirty="0"/>
               <a:t>Концепция непрерывного производства</a:t>
             </a:r>
             <a:endParaRPr lang="ru-RU" sz="300" dirty="0"/>
@@ -34955,7 +34520,7 @@
           <a:p>
             <a:pPr algn="ctr"/>
             <a:r>
-              <a:rPr lang="ru-RU" sz="800" dirty="0" smtClean="0"/>
+              <a:rPr lang="ru-RU" sz="800" dirty="0"/>
               <a:t>Пригласить Бразилию</a:t>
             </a:r>
             <a:endParaRPr lang="ru-RU" sz="200" dirty="0"/>
@@ -35077,7 +34642,7 @@
           <a:p>
             <a:pPr algn="ctr"/>
             <a:r>
-              <a:rPr lang="ru-RU" sz="800" dirty="0" smtClean="0"/>
+              <a:rPr lang="ru-RU" sz="800" dirty="0"/>
               <a:t>Свергнуть диктатуру в Бразилии</a:t>
             </a:r>
             <a:endParaRPr lang="ru-RU" sz="100" dirty="0"/>
@@ -35237,18 +34802,13 @@
           <a:p>
             <a:pPr algn="ctr"/>
             <a:r>
-              <a:rPr lang="ru-RU" sz="700" dirty="0" smtClean="0">
+              <a:rPr lang="ru-RU" sz="700" dirty="0">
                 <a:solidFill>
                   <a:schemeClr val="bg1"/>
                 </a:solidFill>
               </a:rPr>
               <a:t>Всеобщий профсоюз рабочих Северного региона</a:t>
             </a:r>
-            <a:endParaRPr lang="ru-RU" sz="700" dirty="0">
-              <a:solidFill>
-                <a:schemeClr val="bg1"/>
-              </a:solidFill>
-            </a:endParaRPr>
           </a:p>
         </p:txBody>
       </p:sp>
@@ -35329,18 +34889,13 @@
           <a:p>
             <a:pPr algn="ctr"/>
             <a:r>
-              <a:rPr lang="ru-RU" sz="700" dirty="0" smtClean="0">
+              <a:rPr lang="ru-RU" sz="700" dirty="0">
                 <a:solidFill>
                   <a:schemeClr val="bg1"/>
                 </a:solidFill>
               </a:rPr>
               <a:t>Дать убежище и гражданство бегущим евреям</a:t>
             </a:r>
-            <a:endParaRPr lang="ru-RU" sz="700" dirty="0">
-              <a:solidFill>
-                <a:schemeClr val="bg1"/>
-              </a:solidFill>
-            </a:endParaRPr>
           </a:p>
         </p:txBody>
       </p:sp>
@@ -35383,18 +34938,13 @@
           <a:p>
             <a:pPr algn="ctr"/>
             <a:r>
-              <a:rPr lang="ru-RU" sz="700" dirty="0" smtClean="0">
+              <a:rPr lang="ru-RU" sz="700" dirty="0">
                 <a:solidFill>
                   <a:schemeClr val="bg1"/>
                 </a:solidFill>
               </a:rPr>
               <a:t>Индустриализировать кустарное производство обуви в Порту</a:t>
             </a:r>
-            <a:endParaRPr lang="ru-RU" sz="700" dirty="0">
-              <a:solidFill>
-                <a:schemeClr val="bg1"/>
-              </a:solidFill>
-            </a:endParaRPr>
           </a:p>
         </p:txBody>
       </p:sp>
@@ -35484,13 +35034,6 @@
   <p:clrMapOvr>
     <a:masterClrMapping/>
   </p:clrMapOvr>
-  <p:timing>
-    <p:tnLst>
-      <p:par>
-        <p:cTn id="1" dur="indefinite" restart="never" nodeType="tmRoot"/>
-      </p:par>
-    </p:tnLst>
-  </p:timing>
 </p:sld>
 </file>
 

--- a/Наработки/диздоки/Португалия/Португалия общая.pptx
+++ b/Наработки/диздоки/Португалия/Португалия общая.pptx
@@ -209,7 +209,7 @@
             <a:fld id="{33E3D7F9-E251-484C-A6FF-FA958879DF69}" type="datetimeFigureOut">
               <a:rPr lang="ru-RU" smtClean="0"/>
               <a:pPr/>
-              <a:t>20.07.2022</a:t>
+              <a:t>02.05.2023</a:t>
             </a:fld>
             <a:endParaRPr lang="ru-RU"/>
           </a:p>
@@ -699,7 +699,7 @@
             <a:fld id="{85A5DE44-605B-4D3B-B2B7-94543DF81A36}" type="datetimeFigureOut">
               <a:rPr lang="ru-RU" smtClean="0"/>
               <a:pPr/>
-              <a:t>20.07.2022</a:t>
+              <a:t>02.05.2023</a:t>
             </a:fld>
             <a:endParaRPr lang="ru-RU"/>
           </a:p>
@@ -871,7 +871,7 @@
             <a:fld id="{85A5DE44-605B-4D3B-B2B7-94543DF81A36}" type="datetimeFigureOut">
               <a:rPr lang="ru-RU" smtClean="0"/>
               <a:pPr/>
-              <a:t>20.07.2022</a:t>
+              <a:t>02.05.2023</a:t>
             </a:fld>
             <a:endParaRPr lang="ru-RU"/>
           </a:p>
@@ -1053,7 +1053,7 @@
             <a:fld id="{85A5DE44-605B-4D3B-B2B7-94543DF81A36}" type="datetimeFigureOut">
               <a:rPr lang="ru-RU" smtClean="0"/>
               <a:pPr/>
-              <a:t>20.07.2022</a:t>
+              <a:t>02.05.2023</a:t>
             </a:fld>
             <a:endParaRPr lang="ru-RU"/>
           </a:p>
@@ -1225,7 +1225,7 @@
             <a:fld id="{85A5DE44-605B-4D3B-B2B7-94543DF81A36}" type="datetimeFigureOut">
               <a:rPr lang="ru-RU" smtClean="0"/>
               <a:pPr/>
-              <a:t>20.07.2022</a:t>
+              <a:t>02.05.2023</a:t>
             </a:fld>
             <a:endParaRPr lang="ru-RU"/>
           </a:p>
@@ -1473,7 +1473,7 @@
             <a:fld id="{85A5DE44-605B-4D3B-B2B7-94543DF81A36}" type="datetimeFigureOut">
               <a:rPr lang="ru-RU" smtClean="0"/>
               <a:pPr/>
-              <a:t>20.07.2022</a:t>
+              <a:t>02.05.2023</a:t>
             </a:fld>
             <a:endParaRPr lang="ru-RU"/>
           </a:p>
@@ -1707,7 +1707,7 @@
             <a:fld id="{85A5DE44-605B-4D3B-B2B7-94543DF81A36}" type="datetimeFigureOut">
               <a:rPr lang="ru-RU" smtClean="0"/>
               <a:pPr/>
-              <a:t>20.07.2022</a:t>
+              <a:t>02.05.2023</a:t>
             </a:fld>
             <a:endParaRPr lang="ru-RU"/>
           </a:p>
@@ -2076,7 +2076,7 @@
             <a:fld id="{85A5DE44-605B-4D3B-B2B7-94543DF81A36}" type="datetimeFigureOut">
               <a:rPr lang="ru-RU" smtClean="0"/>
               <a:pPr/>
-              <a:t>20.07.2022</a:t>
+              <a:t>02.05.2023</a:t>
             </a:fld>
             <a:endParaRPr lang="ru-RU"/>
           </a:p>
@@ -2196,7 +2196,7 @@
             <a:fld id="{85A5DE44-605B-4D3B-B2B7-94543DF81A36}" type="datetimeFigureOut">
               <a:rPr lang="ru-RU" smtClean="0"/>
               <a:pPr/>
-              <a:t>20.07.2022</a:t>
+              <a:t>02.05.2023</a:t>
             </a:fld>
             <a:endParaRPr lang="ru-RU"/>
           </a:p>
@@ -2293,7 +2293,7 @@
             <a:fld id="{85A5DE44-605B-4D3B-B2B7-94543DF81A36}" type="datetimeFigureOut">
               <a:rPr lang="ru-RU" smtClean="0"/>
               <a:pPr/>
-              <a:t>20.07.2022</a:t>
+              <a:t>02.05.2023</a:t>
             </a:fld>
             <a:endParaRPr lang="ru-RU"/>
           </a:p>
@@ -2572,7 +2572,7 @@
             <a:fld id="{85A5DE44-605B-4D3B-B2B7-94543DF81A36}" type="datetimeFigureOut">
               <a:rPr lang="ru-RU" smtClean="0"/>
               <a:pPr/>
-              <a:t>20.07.2022</a:t>
+              <a:t>02.05.2023</a:t>
             </a:fld>
             <a:endParaRPr lang="ru-RU"/>
           </a:p>
@@ -2831,7 +2831,7 @@
             <a:fld id="{85A5DE44-605B-4D3B-B2B7-94543DF81A36}" type="datetimeFigureOut">
               <a:rPr lang="ru-RU" smtClean="0"/>
               <a:pPr/>
-              <a:t>20.07.2022</a:t>
+              <a:t>02.05.2023</a:t>
             </a:fld>
             <a:endParaRPr lang="ru-RU"/>
           </a:p>
@@ -3046,7 +3046,7 @@
             <a:fld id="{85A5DE44-605B-4D3B-B2B7-94543DF81A36}" type="datetimeFigureOut">
               <a:rPr lang="ru-RU" smtClean="0"/>
               <a:pPr/>
-              <a:t>20.07.2022</a:t>
+              <a:t>02.05.2023</a:t>
             </a:fld>
             <a:endParaRPr lang="ru-RU"/>
           </a:p>
@@ -32441,12 +32441,8 @@
           <a:p>
             <a:pPr algn="ctr"/>
             <a:r>
-              <a:rPr lang="ru-RU" sz="800" dirty="0" err="1"/>
-              <a:t>Антифашисткое</a:t>
-            </a:r>
-            <a:r>
               <a:rPr lang="ru-RU" sz="800" dirty="0"/>
-              <a:t> восстание </a:t>
+              <a:t>Антифашистское восстание </a:t>
             </a:r>
             <a:endParaRPr lang="ru-RU" sz="200" dirty="0"/>
           </a:p>

--- a/Наработки/диздоки/Португалия/Португалия общая.pptx
+++ b/Наработки/диздоки/Португалия/Португалия общая.pptx
@@ -209,7 +209,7 @@
             <a:fld id="{33E3D7F9-E251-484C-A6FF-FA958879DF69}" type="datetimeFigureOut">
               <a:rPr lang="ru-RU" smtClean="0"/>
               <a:pPr/>
-              <a:t>02.05.2023</a:t>
+              <a:t>04.05.2023</a:t>
             </a:fld>
             <a:endParaRPr lang="ru-RU"/>
           </a:p>
@@ -699,7 +699,7 @@
             <a:fld id="{85A5DE44-605B-4D3B-B2B7-94543DF81A36}" type="datetimeFigureOut">
               <a:rPr lang="ru-RU" smtClean="0"/>
               <a:pPr/>
-              <a:t>02.05.2023</a:t>
+              <a:t>04.05.2023</a:t>
             </a:fld>
             <a:endParaRPr lang="ru-RU"/>
           </a:p>
@@ -871,7 +871,7 @@
             <a:fld id="{85A5DE44-605B-4D3B-B2B7-94543DF81A36}" type="datetimeFigureOut">
               <a:rPr lang="ru-RU" smtClean="0"/>
               <a:pPr/>
-              <a:t>02.05.2023</a:t>
+              <a:t>04.05.2023</a:t>
             </a:fld>
             <a:endParaRPr lang="ru-RU"/>
           </a:p>
@@ -1053,7 +1053,7 @@
             <a:fld id="{85A5DE44-605B-4D3B-B2B7-94543DF81A36}" type="datetimeFigureOut">
               <a:rPr lang="ru-RU" smtClean="0"/>
               <a:pPr/>
-              <a:t>02.05.2023</a:t>
+              <a:t>04.05.2023</a:t>
             </a:fld>
             <a:endParaRPr lang="ru-RU"/>
           </a:p>
@@ -1225,7 +1225,7 @@
             <a:fld id="{85A5DE44-605B-4D3B-B2B7-94543DF81A36}" type="datetimeFigureOut">
               <a:rPr lang="ru-RU" smtClean="0"/>
               <a:pPr/>
-              <a:t>02.05.2023</a:t>
+              <a:t>04.05.2023</a:t>
             </a:fld>
             <a:endParaRPr lang="ru-RU"/>
           </a:p>
@@ -1473,7 +1473,7 @@
             <a:fld id="{85A5DE44-605B-4D3B-B2B7-94543DF81A36}" type="datetimeFigureOut">
               <a:rPr lang="ru-RU" smtClean="0"/>
               <a:pPr/>
-              <a:t>02.05.2023</a:t>
+              <a:t>04.05.2023</a:t>
             </a:fld>
             <a:endParaRPr lang="ru-RU"/>
           </a:p>
@@ -1707,7 +1707,7 @@
             <a:fld id="{85A5DE44-605B-4D3B-B2B7-94543DF81A36}" type="datetimeFigureOut">
               <a:rPr lang="ru-RU" smtClean="0"/>
               <a:pPr/>
-              <a:t>02.05.2023</a:t>
+              <a:t>04.05.2023</a:t>
             </a:fld>
             <a:endParaRPr lang="ru-RU"/>
           </a:p>
@@ -2076,7 +2076,7 @@
             <a:fld id="{85A5DE44-605B-4D3B-B2B7-94543DF81A36}" type="datetimeFigureOut">
               <a:rPr lang="ru-RU" smtClean="0"/>
               <a:pPr/>
-              <a:t>02.05.2023</a:t>
+              <a:t>04.05.2023</a:t>
             </a:fld>
             <a:endParaRPr lang="ru-RU"/>
           </a:p>
@@ -2196,7 +2196,7 @@
             <a:fld id="{85A5DE44-605B-4D3B-B2B7-94543DF81A36}" type="datetimeFigureOut">
               <a:rPr lang="ru-RU" smtClean="0"/>
               <a:pPr/>
-              <a:t>02.05.2023</a:t>
+              <a:t>04.05.2023</a:t>
             </a:fld>
             <a:endParaRPr lang="ru-RU"/>
           </a:p>
@@ -2293,7 +2293,7 @@
             <a:fld id="{85A5DE44-605B-4D3B-B2B7-94543DF81A36}" type="datetimeFigureOut">
               <a:rPr lang="ru-RU" smtClean="0"/>
               <a:pPr/>
-              <a:t>02.05.2023</a:t>
+              <a:t>04.05.2023</a:t>
             </a:fld>
             <a:endParaRPr lang="ru-RU"/>
           </a:p>
@@ -2572,7 +2572,7 @@
             <a:fld id="{85A5DE44-605B-4D3B-B2B7-94543DF81A36}" type="datetimeFigureOut">
               <a:rPr lang="ru-RU" smtClean="0"/>
               <a:pPr/>
-              <a:t>02.05.2023</a:t>
+              <a:t>04.05.2023</a:t>
             </a:fld>
             <a:endParaRPr lang="ru-RU"/>
           </a:p>
@@ -2831,7 +2831,7 @@
             <a:fld id="{85A5DE44-605B-4D3B-B2B7-94543DF81A36}" type="datetimeFigureOut">
               <a:rPr lang="ru-RU" smtClean="0"/>
               <a:pPr/>
-              <a:t>02.05.2023</a:t>
+              <a:t>04.05.2023</a:t>
             </a:fld>
             <a:endParaRPr lang="ru-RU"/>
           </a:p>
@@ -3046,7 +3046,7 @@
             <a:fld id="{85A5DE44-605B-4D3B-B2B7-94543DF81A36}" type="datetimeFigureOut">
               <a:rPr lang="ru-RU" smtClean="0"/>
               <a:pPr/>
-              <a:t>02.05.2023</a:t>
+              <a:t>04.05.2023</a:t>
             </a:fld>
             <a:endParaRPr lang="ru-RU"/>
           </a:p>
@@ -11116,7 +11116,11 @@
               <a:lumMod val="50000"/>
             </a:schemeClr>
           </a:solidFill>
-          <a:ln w="19050"/>
+          <a:ln w="19050">
+            <a:solidFill>
+              <a:srgbClr val="00B050"/>
+            </a:solidFill>
+          </a:ln>
         </p:spPr>
         <p:style>
           <a:lnRef idx="2">
@@ -11266,7 +11270,11 @@
               <a:lumMod val="50000"/>
             </a:schemeClr>
           </a:solidFill>
-          <a:ln w="19050"/>
+          <a:ln w="19050">
+            <a:solidFill>
+              <a:srgbClr val="00B050"/>
+            </a:solidFill>
+          </a:ln>
         </p:spPr>
         <p:style>
           <a:lnRef idx="2">
@@ -11545,7 +11553,11 @@
           <a:solidFill>
             <a:srgbClr val="FFFF00"/>
           </a:solidFill>
-          <a:ln w="19050"/>
+          <a:ln w="19050">
+            <a:solidFill>
+              <a:srgbClr val="00B050"/>
+            </a:solidFill>
+          </a:ln>
         </p:spPr>
         <p:style>
           <a:lnRef idx="2">
@@ -11686,7 +11698,11 @@
           <a:solidFill>
             <a:srgbClr val="FFFF00"/>
           </a:solidFill>
-          <a:ln w="19050"/>
+          <a:ln w="19050">
+            <a:solidFill>
+              <a:srgbClr val="00B050"/>
+            </a:solidFill>
+          </a:ln>
         </p:spPr>
         <p:style>
           <a:lnRef idx="2">
@@ -15636,7 +15652,11 @@
           <a:solidFill>
             <a:srgbClr val="FFFF00"/>
           </a:solidFill>
-          <a:ln w="19050"/>
+          <a:ln w="19050">
+            <a:solidFill>
+              <a:srgbClr val="00B050"/>
+            </a:solidFill>
+          </a:ln>
         </p:spPr>
         <p:style>
           <a:lnRef idx="2">
@@ -23861,7 +23881,11 @@
           <a:solidFill>
             <a:srgbClr val="FFFF00"/>
           </a:solidFill>
-          <a:ln w="19050"/>
+          <a:ln w="19050">
+            <a:solidFill>
+              <a:srgbClr val="00B050"/>
+            </a:solidFill>
+          </a:ln>
         </p:spPr>
         <p:style>
           <a:lnRef idx="2">
@@ -23906,7 +23930,11 @@
           <a:solidFill>
             <a:srgbClr val="FFFF00"/>
           </a:solidFill>
-          <a:ln w="19050"/>
+          <a:ln w="19050">
+            <a:solidFill>
+              <a:srgbClr val="00B050"/>
+            </a:solidFill>
+          </a:ln>
         </p:spPr>
         <p:style>
           <a:lnRef idx="2">
@@ -23951,7 +23979,11 @@
           <a:solidFill>
             <a:srgbClr val="FFFF00"/>
           </a:solidFill>
-          <a:ln w="19050"/>
+          <a:ln w="19050">
+            <a:solidFill>
+              <a:srgbClr val="00B050"/>
+            </a:solidFill>
+          </a:ln>
         </p:spPr>
         <p:style>
           <a:lnRef idx="2">
@@ -24271,7 +24303,11 @@
             <a:avLst/>
           </a:prstGeom>
           <a:noFill/>
-          <a:ln w="19050"/>
+          <a:ln w="19050">
+            <a:solidFill>
+              <a:srgbClr val="00B050"/>
+            </a:solidFill>
+          </a:ln>
         </p:spPr>
         <p:style>
           <a:lnRef idx="2">
@@ -24695,7 +24731,11 @@
           <a:solidFill>
             <a:srgbClr val="FF0000"/>
           </a:solidFill>
-          <a:ln w="19050"/>
+          <a:ln w="19050">
+            <a:solidFill>
+              <a:srgbClr val="00B050"/>
+            </a:solidFill>
+          </a:ln>
         </p:spPr>
         <p:style>
           <a:lnRef idx="2">
@@ -24945,7 +24985,11 @@
           <a:solidFill>
             <a:srgbClr val="FF0000"/>
           </a:solidFill>
-          <a:ln w="19050"/>
+          <a:ln w="19050">
+            <a:solidFill>
+              <a:srgbClr val="00B050"/>
+            </a:solidFill>
+          </a:ln>
         </p:spPr>
         <p:style>
           <a:lnRef idx="2">
@@ -24987,6 +25031,110 @@
         <p:spPr>
           <a:xfrm>
             <a:off x="16017319" y="6270843"/>
+            <a:ext cx="926325" cy="540000"/>
+          </a:xfrm>
+          <a:prstGeom prst="rect">
+            <a:avLst/>
+          </a:prstGeom>
+          <a:solidFill>
+            <a:srgbClr val="FF0000"/>
+          </a:solidFill>
+          <a:ln w="19050">
+            <a:solidFill>
+              <a:srgbClr val="00B050"/>
+            </a:solidFill>
+          </a:ln>
+        </p:spPr>
+        <p:style>
+          <a:lnRef idx="2">
+            <a:schemeClr val="accent1"/>
+          </a:lnRef>
+          <a:fillRef idx="1">
+            <a:schemeClr val="lt1"/>
+          </a:fillRef>
+          <a:effectRef idx="0">
+            <a:schemeClr val="accent1"/>
+          </a:effectRef>
+          <a:fontRef idx="minor">
+            <a:schemeClr val="dk1"/>
+          </a:fontRef>
+        </p:style>
+        <p:txBody>
+          <a:bodyPr lIns="124733" tIns="62367" rIns="124733" bIns="62367" rtlCol="0" anchor="ctr"/>
+          <a:lstStyle/>
+          <a:p>
+            <a:pPr algn="ctr"/>
+            <a:r>
+              <a:rPr lang="ru-RU" sz="700" dirty="0"/>
+              <a:t>Освободить Индию (наше)</a:t>
+            </a:r>
+            <a:endParaRPr lang="ru-RU" sz="400" dirty="0"/>
+          </a:p>
+        </p:txBody>
+      </p:sp>
+      <p:sp>
+        <p:nvSpPr>
+          <p:cNvPr id="684" name="Прямоугольник 683"/>
+          <p:cNvSpPr/>
+          <p:nvPr/>
+        </p:nvSpPr>
+        <p:spPr>
+          <a:xfrm>
+            <a:off x="19135722" y="6265230"/>
+            <a:ext cx="926325" cy="540000"/>
+          </a:xfrm>
+          <a:prstGeom prst="rect">
+            <a:avLst/>
+          </a:prstGeom>
+          <a:solidFill>
+            <a:srgbClr val="FF0000"/>
+          </a:solidFill>
+          <a:ln w="19050">
+            <a:solidFill>
+              <a:srgbClr val="00B050"/>
+            </a:solidFill>
+          </a:ln>
+        </p:spPr>
+        <p:style>
+          <a:lnRef idx="2">
+            <a:schemeClr val="accent1"/>
+          </a:lnRef>
+          <a:fillRef idx="1">
+            <a:schemeClr val="lt1"/>
+          </a:fillRef>
+          <a:effectRef idx="0">
+            <a:schemeClr val="accent1"/>
+          </a:effectRef>
+          <a:fontRef idx="minor">
+            <a:schemeClr val="dk1"/>
+          </a:fontRef>
+        </p:style>
+        <p:txBody>
+          <a:bodyPr lIns="124733" tIns="62367" rIns="124733" bIns="62367" rtlCol="0" anchor="ctr"/>
+          <a:lstStyle/>
+          <a:p>
+            <a:pPr algn="ctr"/>
+            <a:r>
+              <a:rPr lang="ru-RU" sz="700" dirty="0"/>
+              <a:t>Вторжение в Испанию (Испания НЕ левая)</a:t>
+            </a:r>
+            <a:r>
+              <a:rPr lang="ru-RU" sz="600" dirty="0"/>
+              <a:t> (ваниль)</a:t>
+            </a:r>
+            <a:endParaRPr lang="ru-RU" sz="400" dirty="0"/>
+          </a:p>
+        </p:txBody>
+      </p:sp>
+      <p:sp>
+        <p:nvSpPr>
+          <p:cNvPr id="686" name="Прямоугольник 685"/>
+          <p:cNvSpPr/>
+          <p:nvPr/>
+        </p:nvSpPr>
+        <p:spPr>
+          <a:xfrm>
+            <a:off x="18046395" y="6263556"/>
             <a:ext cx="926325" cy="540000"/>
           </a:xfrm>
           <a:prstGeom prst="rect">
@@ -25018,21 +25166,177 @@
             <a:pPr algn="ctr"/>
             <a:r>
               <a:rPr lang="ru-RU" sz="700" dirty="0"/>
-              <a:t>Освободить Индию (наше)</a:t>
+              <a:t>Рабочие Иберии – объединяйтесь!(вступить в испанскую </a:t>
+            </a:r>
+            <a:r>
+              <a:rPr lang="ru-RU" sz="700" dirty="0" err="1"/>
+              <a:t>гв</a:t>
+            </a:r>
+            <a:r>
+              <a:rPr lang="ru-RU" sz="700" dirty="0"/>
+              <a:t>) (ваниль)</a:t>
             </a:r>
             <a:endParaRPr lang="ru-RU" sz="400" dirty="0"/>
           </a:p>
         </p:txBody>
       </p:sp>
-      <p:sp>
-        <p:nvSpPr>
-          <p:cNvPr id="684" name="Прямоугольник 683"/>
+      <p:cxnSp>
+        <p:nvCxnSpPr>
+          <p:cNvPr id="687" name="Прямая соединительная линия 686"/>
+          <p:cNvCxnSpPr>
+            <a:stCxn id="649" idx="3"/>
+            <a:endCxn id="686" idx="1"/>
+          </p:cNvCxnSpPr>
+          <p:nvPr/>
+        </p:nvCxnSpPr>
+        <p:spPr>
+          <a:xfrm flipV="1">
+            <a:off x="17926772" y="6533556"/>
+            <a:ext cx="119623" cy="1674"/>
+          </a:xfrm>
+          <a:prstGeom prst="line">
+            <a:avLst/>
+          </a:prstGeom>
+          <a:ln w="19050">
+            <a:solidFill>
+              <a:srgbClr val="FF0000"/>
+            </a:solidFill>
+          </a:ln>
+        </p:spPr>
+        <p:style>
+          <a:lnRef idx="1">
+            <a:schemeClr val="accent1"/>
+          </a:lnRef>
+          <a:fillRef idx="0">
+            <a:schemeClr val="accent1"/>
+          </a:fillRef>
+          <a:effectRef idx="0">
+            <a:schemeClr val="accent1"/>
+          </a:effectRef>
+          <a:fontRef idx="minor">
+            <a:schemeClr val="tx1"/>
+          </a:fontRef>
+        </p:style>
+      </p:cxnSp>
+      <p:cxnSp>
+        <p:nvCxnSpPr>
+          <p:cNvPr id="691" name="Прямая соединительная линия 690"/>
+          <p:cNvCxnSpPr>
+            <a:stCxn id="686" idx="3"/>
+            <a:endCxn id="684" idx="1"/>
+          </p:cNvCxnSpPr>
+          <p:nvPr/>
+        </p:nvCxnSpPr>
+        <p:spPr>
+          <a:xfrm>
+            <a:off x="18972720" y="6533556"/>
+            <a:ext cx="163002" cy="1674"/>
+          </a:xfrm>
+          <a:prstGeom prst="line">
+            <a:avLst/>
+          </a:prstGeom>
+          <a:ln w="19050">
+            <a:solidFill>
+              <a:srgbClr val="FF0000"/>
+            </a:solidFill>
+          </a:ln>
+        </p:spPr>
+        <p:style>
+          <a:lnRef idx="1">
+            <a:schemeClr val="accent1"/>
+          </a:lnRef>
+          <a:fillRef idx="0">
+            <a:schemeClr val="accent1"/>
+          </a:fillRef>
+          <a:effectRef idx="0">
+            <a:schemeClr val="accent1"/>
+          </a:effectRef>
+          <a:fontRef idx="minor">
+            <a:schemeClr val="tx1"/>
+          </a:fontRef>
+        </p:style>
+      </p:cxnSp>
+      <p:cxnSp>
+        <p:nvCxnSpPr>
+          <p:cNvPr id="694" name="Прямая со стрелкой 693"/>
+          <p:cNvCxnSpPr>
+            <a:stCxn id="686" idx="2"/>
+            <a:endCxn id="647" idx="0"/>
+          </p:cNvCxnSpPr>
+          <p:nvPr/>
+        </p:nvCxnSpPr>
+        <p:spPr>
+          <a:xfrm flipH="1">
+            <a:off x="18508229" y="6803556"/>
+            <a:ext cx="1329" cy="269775"/>
+          </a:xfrm>
+          <a:prstGeom prst="straightConnector1">
+            <a:avLst/>
+          </a:prstGeom>
+          <a:ln w="19050">
+            <a:tailEnd type="arrow"/>
+          </a:ln>
+        </p:spPr>
+        <p:style>
+          <a:lnRef idx="1">
+            <a:schemeClr val="accent1"/>
+          </a:lnRef>
+          <a:fillRef idx="0">
+            <a:schemeClr val="accent1"/>
+          </a:fillRef>
+          <a:effectRef idx="0">
+            <a:schemeClr val="accent1"/>
+          </a:effectRef>
+          <a:fontRef idx="minor">
+            <a:schemeClr val="tx1"/>
+          </a:fontRef>
+        </p:style>
+      </p:cxnSp>
+      <p:cxnSp>
+        <p:nvCxnSpPr>
+          <p:cNvPr id="697" name="Прямая со стрелкой 696"/>
+          <p:cNvCxnSpPr>
+            <a:stCxn id="649" idx="2"/>
+            <a:endCxn id="672" idx="0"/>
+          </p:cNvCxnSpPr>
+          <p:nvPr/>
+        </p:nvCxnSpPr>
+        <p:spPr>
+          <a:xfrm flipH="1">
+            <a:off x="17462994" y="6805230"/>
+            <a:ext cx="616" cy="271452"/>
+          </a:xfrm>
+          <a:prstGeom prst="straightConnector1">
+            <a:avLst/>
+          </a:prstGeom>
+          <a:ln w="19050">
+            <a:tailEnd type="arrow"/>
+          </a:ln>
+        </p:spPr>
+        <p:style>
+          <a:lnRef idx="1">
+            <a:schemeClr val="accent1"/>
+          </a:lnRef>
+          <a:fillRef idx="0">
+            <a:schemeClr val="accent1"/>
+          </a:fillRef>
+          <a:effectRef idx="0">
+            <a:schemeClr val="accent1"/>
+          </a:effectRef>
+          <a:fontRef idx="minor">
+            <a:schemeClr val="tx1"/>
+          </a:fontRef>
+        </p:style>
+      </p:cxnSp>
+      <p:sp>
+        <p:nvSpPr>
+          <p:cNvPr id="701" name="Прямоугольник 700"/>
           <p:cNvSpPr/>
           <p:nvPr/>
         </p:nvSpPr>
         <p:spPr>
           <a:xfrm>
-            <a:off x="19135722" y="6265230"/>
+            <a:off x="19139956" y="5423096"/>
             <a:ext cx="926325" cy="540000"/>
           </a:xfrm>
           <a:prstGeom prst="rect">
@@ -25064,11 +25368,7 @@
             <a:pPr algn="ctr"/>
             <a:r>
               <a:rPr lang="ru-RU" sz="700" dirty="0"/>
-              <a:t>Вторжение в Испанию (Испания НЕ левая)</a:t>
-            </a:r>
-            <a:r>
-              <a:rPr lang="ru-RU" sz="600" dirty="0"/>
-              <a:t> (ваниль)</a:t>
+              <a:t>Введение однопартийной системы</a:t>
             </a:r>
             <a:endParaRPr lang="ru-RU" sz="400" dirty="0"/>
           </a:p>
@@ -25076,13 +25376,13 @@
       </p:sp>
       <p:sp>
         <p:nvSpPr>
-          <p:cNvPr id="686" name="Прямоугольник 685"/>
+          <p:cNvPr id="702" name="Прямоугольник 701"/>
           <p:cNvSpPr/>
           <p:nvPr/>
         </p:nvSpPr>
         <p:spPr>
           <a:xfrm>
-            <a:off x="18046395" y="6263556"/>
+            <a:off x="19690354" y="8740903"/>
             <a:ext cx="926325" cy="540000"/>
           </a:xfrm>
           <a:prstGeom prst="rect">
@@ -25114,177 +25414,129 @@
             <a:pPr algn="ctr"/>
             <a:r>
               <a:rPr lang="ru-RU" sz="700" dirty="0"/>
-              <a:t>Рабочие Иберии – объединяйтесь!(вступить в испанскую </a:t>
-            </a:r>
-            <a:r>
-              <a:rPr lang="ru-RU" sz="700" dirty="0" err="1"/>
-              <a:t>гв</a:t>
-            </a:r>
+              <a:t>Национализация промышленности </a:t>
+            </a:r>
+            <a:r>
+              <a:rPr lang="ru-RU" sz="500" dirty="0"/>
+              <a:t>(ваниль)</a:t>
+            </a:r>
+            <a:endParaRPr lang="ru-RU" sz="400" dirty="0"/>
+          </a:p>
+        </p:txBody>
+      </p:sp>
+      <p:sp>
+        <p:nvSpPr>
+          <p:cNvPr id="703" name="Прямоугольник 702"/>
+          <p:cNvSpPr/>
+          <p:nvPr/>
+        </p:nvSpPr>
+        <p:spPr>
+          <a:xfrm>
+            <a:off x="20208471" y="5407249"/>
+            <a:ext cx="926325" cy="540000"/>
+          </a:xfrm>
+          <a:prstGeom prst="rect">
+            <a:avLst/>
+          </a:prstGeom>
+          <a:solidFill>
+            <a:srgbClr val="FF0000"/>
+          </a:solidFill>
+          <a:ln w="19050">
+            <a:solidFill>
+              <a:srgbClr val="00B050"/>
+            </a:solidFill>
+          </a:ln>
+        </p:spPr>
+        <p:style>
+          <a:lnRef idx="2">
+            <a:schemeClr val="accent1"/>
+          </a:lnRef>
+          <a:fillRef idx="1">
+            <a:schemeClr val="lt1"/>
+          </a:fillRef>
+          <a:effectRef idx="0">
+            <a:schemeClr val="accent1"/>
+          </a:effectRef>
+          <a:fontRef idx="minor">
+            <a:schemeClr val="dk1"/>
+          </a:fontRef>
+        </p:style>
+        <p:txBody>
+          <a:bodyPr lIns="124733" tIns="62367" rIns="124733" bIns="62367" rtlCol="0" anchor="ctr"/>
+          <a:lstStyle/>
+          <a:p>
+            <a:pPr algn="ctr"/>
+            <a:r>
+              <a:rPr lang="ru-RU" sz="600" dirty="0"/>
+              <a:t>Молодёжное крыло ПКП </a:t>
+            </a:r>
+            <a:r>
+              <a:rPr lang="ru-RU" sz="400" dirty="0"/>
+              <a:t>(ваниль)</a:t>
+            </a:r>
+            <a:endParaRPr lang="ru-RU" sz="300" dirty="0"/>
+          </a:p>
+        </p:txBody>
+      </p:sp>
+      <p:sp>
+        <p:nvSpPr>
+          <p:cNvPr id="704" name="Прямоугольник 703"/>
+          <p:cNvSpPr/>
+          <p:nvPr/>
+        </p:nvSpPr>
+        <p:spPr>
+          <a:xfrm>
+            <a:off x="14912791" y="6260622"/>
+            <a:ext cx="926325" cy="540000"/>
+          </a:xfrm>
+          <a:prstGeom prst="rect">
+            <a:avLst/>
+          </a:prstGeom>
+          <a:solidFill>
+            <a:srgbClr val="FF0000"/>
+          </a:solidFill>
+          <a:ln w="19050">
+            <a:solidFill>
+              <a:srgbClr val="00B050"/>
+            </a:solidFill>
+          </a:ln>
+        </p:spPr>
+        <p:style>
+          <a:lnRef idx="2">
+            <a:schemeClr val="accent1"/>
+          </a:lnRef>
+          <a:fillRef idx="1">
+            <a:schemeClr val="lt1"/>
+          </a:fillRef>
+          <a:effectRef idx="0">
+            <a:schemeClr val="accent1"/>
+          </a:effectRef>
+          <a:fontRef idx="minor">
+            <a:schemeClr val="dk1"/>
+          </a:fontRef>
+        </p:style>
+        <p:txBody>
+          <a:bodyPr lIns="124733" tIns="62367" rIns="124733" bIns="62367" rtlCol="0" anchor="ctr"/>
+          <a:lstStyle/>
+          <a:p>
+            <a:pPr algn="ctr"/>
             <a:r>
               <a:rPr lang="ru-RU" sz="700" dirty="0"/>
-              <a:t>) (ваниль)</a:t>
+              <a:t>Форсирование коммунизма в Бразилии (наше)</a:t>
             </a:r>
             <a:endParaRPr lang="ru-RU" sz="400" dirty="0"/>
           </a:p>
         </p:txBody>
       </p:sp>
-      <p:cxnSp>
-        <p:nvCxnSpPr>
-          <p:cNvPr id="687" name="Прямая соединительная линия 686"/>
-          <p:cNvCxnSpPr>
-            <a:stCxn id="649" idx="3"/>
-            <a:endCxn id="686" idx="1"/>
-          </p:cNvCxnSpPr>
-          <p:nvPr/>
-        </p:nvCxnSpPr>
-        <p:spPr>
-          <a:xfrm flipV="1">
-            <a:off x="17926772" y="6533556"/>
-            <a:ext cx="119623" cy="1674"/>
-          </a:xfrm>
-          <a:prstGeom prst="line">
-            <a:avLst/>
-          </a:prstGeom>
-          <a:ln w="19050">
-            <a:solidFill>
-              <a:srgbClr val="FF0000"/>
-            </a:solidFill>
-          </a:ln>
-        </p:spPr>
-        <p:style>
-          <a:lnRef idx="1">
-            <a:schemeClr val="accent1"/>
-          </a:lnRef>
-          <a:fillRef idx="0">
-            <a:schemeClr val="accent1"/>
-          </a:fillRef>
-          <a:effectRef idx="0">
-            <a:schemeClr val="accent1"/>
-          </a:effectRef>
-          <a:fontRef idx="minor">
-            <a:schemeClr val="tx1"/>
-          </a:fontRef>
-        </p:style>
-      </p:cxnSp>
-      <p:cxnSp>
-        <p:nvCxnSpPr>
-          <p:cNvPr id="691" name="Прямая соединительная линия 690"/>
-          <p:cNvCxnSpPr>
-            <a:stCxn id="686" idx="3"/>
-            <a:endCxn id="684" idx="1"/>
-          </p:cNvCxnSpPr>
-          <p:nvPr/>
-        </p:nvCxnSpPr>
-        <p:spPr>
-          <a:xfrm>
-            <a:off x="18972720" y="6533556"/>
-            <a:ext cx="163002" cy="1674"/>
-          </a:xfrm>
-          <a:prstGeom prst="line">
-            <a:avLst/>
-          </a:prstGeom>
-          <a:ln w="19050">
-            <a:solidFill>
-              <a:srgbClr val="FF0000"/>
-            </a:solidFill>
-          </a:ln>
-        </p:spPr>
-        <p:style>
-          <a:lnRef idx="1">
-            <a:schemeClr val="accent1"/>
-          </a:lnRef>
-          <a:fillRef idx="0">
-            <a:schemeClr val="accent1"/>
-          </a:fillRef>
-          <a:effectRef idx="0">
-            <a:schemeClr val="accent1"/>
-          </a:effectRef>
-          <a:fontRef idx="minor">
-            <a:schemeClr val="tx1"/>
-          </a:fontRef>
-        </p:style>
-      </p:cxnSp>
-      <p:cxnSp>
-        <p:nvCxnSpPr>
-          <p:cNvPr id="694" name="Прямая со стрелкой 693"/>
-          <p:cNvCxnSpPr>
-            <a:stCxn id="686" idx="2"/>
-            <a:endCxn id="647" idx="0"/>
-          </p:cNvCxnSpPr>
-          <p:nvPr/>
-        </p:nvCxnSpPr>
-        <p:spPr>
-          <a:xfrm flipH="1">
-            <a:off x="18508229" y="6803556"/>
-            <a:ext cx="1329" cy="269775"/>
-          </a:xfrm>
-          <a:prstGeom prst="straightConnector1">
-            <a:avLst/>
-          </a:prstGeom>
-          <a:ln w="19050">
-            <a:tailEnd type="arrow"/>
-          </a:ln>
-        </p:spPr>
-        <p:style>
-          <a:lnRef idx="1">
-            <a:schemeClr val="accent1"/>
-          </a:lnRef>
-          <a:fillRef idx="0">
-            <a:schemeClr val="accent1"/>
-          </a:fillRef>
-          <a:effectRef idx="0">
-            <a:schemeClr val="accent1"/>
-          </a:effectRef>
-          <a:fontRef idx="minor">
-            <a:schemeClr val="tx1"/>
-          </a:fontRef>
-        </p:style>
-      </p:cxnSp>
-      <p:cxnSp>
-        <p:nvCxnSpPr>
-          <p:cNvPr id="697" name="Прямая со стрелкой 696"/>
-          <p:cNvCxnSpPr>
-            <a:stCxn id="649" idx="2"/>
-            <a:endCxn id="672" idx="0"/>
-          </p:cNvCxnSpPr>
-          <p:nvPr/>
-        </p:nvCxnSpPr>
-        <p:spPr>
-          <a:xfrm flipH="1">
-            <a:off x="17462994" y="6805230"/>
-            <a:ext cx="616" cy="271452"/>
-          </a:xfrm>
-          <a:prstGeom prst="straightConnector1">
-            <a:avLst/>
-          </a:prstGeom>
-          <a:ln w="19050">
-            <a:tailEnd type="arrow"/>
-          </a:ln>
-        </p:spPr>
-        <p:style>
-          <a:lnRef idx="1">
-            <a:schemeClr val="accent1"/>
-          </a:lnRef>
-          <a:fillRef idx="0">
-            <a:schemeClr val="accent1"/>
-          </a:fillRef>
-          <a:effectRef idx="0">
-            <a:schemeClr val="accent1"/>
-          </a:effectRef>
-          <a:fontRef idx="minor">
-            <a:schemeClr val="tx1"/>
-          </a:fontRef>
-        </p:style>
-      </p:cxnSp>
-      <p:sp>
-        <p:nvSpPr>
-          <p:cNvPr id="701" name="Прямоугольник 700"/>
+      <p:sp>
+        <p:nvSpPr>
+          <p:cNvPr id="705" name="Прямоугольник 704"/>
           <p:cNvSpPr/>
           <p:nvPr/>
         </p:nvSpPr>
         <p:spPr>
           <a:xfrm>
-            <a:off x="19139956" y="5423096"/>
+            <a:off x="14917199" y="6970786"/>
             <a:ext cx="926325" cy="540000"/>
           </a:xfrm>
           <a:prstGeom prst="rect">
@@ -25316,7 +25568,7 @@
             <a:pPr algn="ctr"/>
             <a:r>
               <a:rPr lang="ru-RU" sz="700" dirty="0"/>
-              <a:t>Введение однопартийной системы</a:t>
+              <a:t>Поддержать восстание в Бразилии (наше)</a:t>
             </a:r>
             <a:endParaRPr lang="ru-RU" sz="400" dirty="0"/>
           </a:p>
@@ -25324,13 +25576,13 @@
       </p:sp>
       <p:sp>
         <p:nvSpPr>
-          <p:cNvPr id="702" name="Прямоугольник 701"/>
+          <p:cNvPr id="689" name="Прямоугольник 688"/>
           <p:cNvSpPr/>
           <p:nvPr/>
         </p:nvSpPr>
         <p:spPr>
           <a:xfrm>
-            <a:off x="19690354" y="8740903"/>
+            <a:off x="18045276" y="4593050"/>
             <a:ext cx="926325" cy="540000"/>
           </a:xfrm>
           <a:prstGeom prst="rect">
@@ -25339,199 +25591,11 @@
           <a:solidFill>
             <a:srgbClr val="FF0000"/>
           </a:solidFill>
-          <a:ln w="19050"/>
-        </p:spPr>
-        <p:style>
-          <a:lnRef idx="2">
-            <a:schemeClr val="accent1"/>
-          </a:lnRef>
-          <a:fillRef idx="1">
-            <a:schemeClr val="lt1"/>
-          </a:fillRef>
-          <a:effectRef idx="0">
-            <a:schemeClr val="accent1"/>
-          </a:effectRef>
-          <a:fontRef idx="minor">
-            <a:schemeClr val="dk1"/>
-          </a:fontRef>
-        </p:style>
-        <p:txBody>
-          <a:bodyPr lIns="124733" tIns="62367" rIns="124733" bIns="62367" rtlCol="0" anchor="ctr"/>
-          <a:lstStyle/>
-          <a:p>
-            <a:pPr algn="ctr"/>
-            <a:r>
-              <a:rPr lang="ru-RU" sz="700" dirty="0"/>
-              <a:t>Национализация промышленности </a:t>
-            </a:r>
-            <a:r>
-              <a:rPr lang="ru-RU" sz="500" dirty="0"/>
-              <a:t>(ваниль)</a:t>
-            </a:r>
-            <a:endParaRPr lang="ru-RU" sz="400" dirty="0"/>
-          </a:p>
-        </p:txBody>
-      </p:sp>
-      <p:sp>
-        <p:nvSpPr>
-          <p:cNvPr id="703" name="Прямоугольник 702"/>
-          <p:cNvSpPr/>
-          <p:nvPr/>
-        </p:nvSpPr>
-        <p:spPr>
-          <a:xfrm>
-            <a:off x="20208471" y="5407249"/>
-            <a:ext cx="926325" cy="540000"/>
-          </a:xfrm>
-          <a:prstGeom prst="rect">
-            <a:avLst/>
-          </a:prstGeom>
-          <a:solidFill>
-            <a:srgbClr val="FF0000"/>
-          </a:solidFill>
-          <a:ln w="19050"/>
-        </p:spPr>
-        <p:style>
-          <a:lnRef idx="2">
-            <a:schemeClr val="accent1"/>
-          </a:lnRef>
-          <a:fillRef idx="1">
-            <a:schemeClr val="lt1"/>
-          </a:fillRef>
-          <a:effectRef idx="0">
-            <a:schemeClr val="accent1"/>
-          </a:effectRef>
-          <a:fontRef idx="minor">
-            <a:schemeClr val="dk1"/>
-          </a:fontRef>
-        </p:style>
-        <p:txBody>
-          <a:bodyPr lIns="124733" tIns="62367" rIns="124733" bIns="62367" rtlCol="0" anchor="ctr"/>
-          <a:lstStyle/>
-          <a:p>
-            <a:pPr algn="ctr"/>
-            <a:r>
-              <a:rPr lang="ru-RU" sz="600" dirty="0"/>
-              <a:t>Молодёжное крыло ПКП </a:t>
-            </a:r>
-            <a:r>
-              <a:rPr lang="ru-RU" sz="400" dirty="0"/>
-              <a:t>(ваниль)</a:t>
-            </a:r>
-            <a:endParaRPr lang="ru-RU" sz="300" dirty="0"/>
-          </a:p>
-        </p:txBody>
-      </p:sp>
-      <p:sp>
-        <p:nvSpPr>
-          <p:cNvPr id="704" name="Прямоугольник 703"/>
-          <p:cNvSpPr/>
-          <p:nvPr/>
-        </p:nvSpPr>
-        <p:spPr>
-          <a:xfrm>
-            <a:off x="14912791" y="6260622"/>
-            <a:ext cx="926325" cy="540000"/>
-          </a:xfrm>
-          <a:prstGeom prst="rect">
-            <a:avLst/>
-          </a:prstGeom>
-          <a:solidFill>
-            <a:srgbClr val="FF0000"/>
-          </a:solidFill>
-          <a:ln w="19050"/>
-        </p:spPr>
-        <p:style>
-          <a:lnRef idx="2">
-            <a:schemeClr val="accent1"/>
-          </a:lnRef>
-          <a:fillRef idx="1">
-            <a:schemeClr val="lt1"/>
-          </a:fillRef>
-          <a:effectRef idx="0">
-            <a:schemeClr val="accent1"/>
-          </a:effectRef>
-          <a:fontRef idx="minor">
-            <a:schemeClr val="dk1"/>
-          </a:fontRef>
-        </p:style>
-        <p:txBody>
-          <a:bodyPr lIns="124733" tIns="62367" rIns="124733" bIns="62367" rtlCol="0" anchor="ctr"/>
-          <a:lstStyle/>
-          <a:p>
-            <a:pPr algn="ctr"/>
-            <a:r>
-              <a:rPr lang="ru-RU" sz="700" dirty="0"/>
-              <a:t>Форсирование коммунизма в Бразилии (наше)</a:t>
-            </a:r>
-            <a:endParaRPr lang="ru-RU" sz="400" dirty="0"/>
-          </a:p>
-        </p:txBody>
-      </p:sp>
-      <p:sp>
-        <p:nvSpPr>
-          <p:cNvPr id="705" name="Прямоугольник 704"/>
-          <p:cNvSpPr/>
-          <p:nvPr/>
-        </p:nvSpPr>
-        <p:spPr>
-          <a:xfrm>
-            <a:off x="14917199" y="6970786"/>
-            <a:ext cx="926325" cy="540000"/>
-          </a:xfrm>
-          <a:prstGeom prst="rect">
-            <a:avLst/>
-          </a:prstGeom>
-          <a:solidFill>
-            <a:srgbClr val="FF0000"/>
-          </a:solidFill>
-          <a:ln w="19050"/>
-        </p:spPr>
-        <p:style>
-          <a:lnRef idx="2">
-            <a:schemeClr val="accent1"/>
-          </a:lnRef>
-          <a:fillRef idx="1">
-            <a:schemeClr val="lt1"/>
-          </a:fillRef>
-          <a:effectRef idx="0">
-            <a:schemeClr val="accent1"/>
-          </a:effectRef>
-          <a:fontRef idx="minor">
-            <a:schemeClr val="dk1"/>
-          </a:fontRef>
-        </p:style>
-        <p:txBody>
-          <a:bodyPr lIns="124733" tIns="62367" rIns="124733" bIns="62367" rtlCol="0" anchor="ctr"/>
-          <a:lstStyle/>
-          <a:p>
-            <a:pPr algn="ctr"/>
-            <a:r>
-              <a:rPr lang="ru-RU" sz="700" dirty="0"/>
-              <a:t>Поддержать восстание в Бразилии (наше)</a:t>
-            </a:r>
-            <a:endParaRPr lang="ru-RU" sz="400" dirty="0"/>
-          </a:p>
-        </p:txBody>
-      </p:sp>
-      <p:sp>
-        <p:nvSpPr>
-          <p:cNvPr id="689" name="Прямоугольник 688"/>
-          <p:cNvSpPr/>
-          <p:nvPr/>
-        </p:nvSpPr>
-        <p:spPr>
-          <a:xfrm>
-            <a:off x="18045276" y="4593050"/>
-            <a:ext cx="926325" cy="540000"/>
-          </a:xfrm>
-          <a:prstGeom prst="rect">
-            <a:avLst/>
-          </a:prstGeom>
-          <a:solidFill>
-            <a:srgbClr val="FF0000"/>
-          </a:solidFill>
-          <a:ln w="19050"/>
+          <a:ln w="19050">
+            <a:solidFill>
+              <a:srgbClr val="00B050"/>
+            </a:solidFill>
+          </a:ln>
         </p:spPr>
         <p:style>
           <a:lnRef idx="2">
@@ -26376,7 +26440,11 @@
               <a:lumMod val="75000"/>
             </a:schemeClr>
           </a:solidFill>
-          <a:ln w="19050"/>
+          <a:ln w="19050">
+            <a:solidFill>
+              <a:srgbClr val="00B050"/>
+            </a:solidFill>
+          </a:ln>
         </p:spPr>
         <p:style>
           <a:lnRef idx="2">
@@ -26692,7 +26760,11 @@
               <a:lumMod val="75000"/>
             </a:schemeClr>
           </a:solidFill>
-          <a:ln w="19050"/>
+          <a:ln w="19050">
+            <a:solidFill>
+              <a:srgbClr val="00B050"/>
+            </a:solidFill>
+          </a:ln>
         </p:spPr>
         <p:style>
           <a:lnRef idx="2">
@@ -26729,6 +26801,95 @@
         <p:spPr>
           <a:xfrm>
             <a:off x="7102205" y="6222758"/>
+            <a:ext cx="926325" cy="540000"/>
+          </a:xfrm>
+          <a:prstGeom prst="rect">
+            <a:avLst/>
+          </a:prstGeom>
+          <a:solidFill>
+            <a:schemeClr val="accent2">
+              <a:lumMod val="75000"/>
+            </a:schemeClr>
+          </a:solidFill>
+          <a:ln w="19050">
+            <a:solidFill>
+              <a:srgbClr val="00B050"/>
+            </a:solidFill>
+          </a:ln>
+        </p:spPr>
+        <p:style>
+          <a:lnRef idx="2">
+            <a:schemeClr val="accent1"/>
+          </a:lnRef>
+          <a:fillRef idx="1">
+            <a:schemeClr val="lt1"/>
+          </a:fillRef>
+          <a:effectRef idx="0">
+            <a:schemeClr val="accent1"/>
+          </a:effectRef>
+          <a:fontRef idx="minor">
+            <a:schemeClr val="dk1"/>
+          </a:fontRef>
+        </p:style>
+        <p:txBody>
+          <a:bodyPr lIns="124733" tIns="62367" rIns="124733" bIns="62367" rtlCol="0" anchor="ctr"/>
+          <a:lstStyle/>
+          <a:p>
+            <a:pPr algn="ctr"/>
+            <a:r>
+              <a:rPr lang="ru-RU" sz="700" dirty="0"/>
+              <a:t>Придерживаться социальной доктрины церкви</a:t>
+            </a:r>
+          </a:p>
+        </p:txBody>
+      </p:sp>
+      <p:cxnSp>
+        <p:nvCxnSpPr>
+          <p:cNvPr id="721" name="Соединительная линия уступом 720"/>
+          <p:cNvCxnSpPr>
+            <a:stCxn id="667" idx="2"/>
+            <a:endCxn id="646" idx="0"/>
+          </p:cNvCxnSpPr>
+          <p:nvPr/>
+        </p:nvCxnSpPr>
+        <p:spPr>
+          <a:xfrm rot="5400000">
+            <a:off x="13185570" y="2434843"/>
+            <a:ext cx="237076" cy="4073100"/>
+          </a:xfrm>
+          <a:prstGeom prst="bentConnector3">
+            <a:avLst>
+              <a:gd name="adj1" fmla="val 50000"/>
+            </a:avLst>
+          </a:prstGeom>
+          <a:ln w="19050">
+            <a:tailEnd type="arrow"/>
+          </a:ln>
+        </p:spPr>
+        <p:style>
+          <a:lnRef idx="1">
+            <a:schemeClr val="accent1"/>
+          </a:lnRef>
+          <a:fillRef idx="0">
+            <a:schemeClr val="accent1"/>
+          </a:fillRef>
+          <a:effectRef idx="0">
+            <a:schemeClr val="accent1"/>
+          </a:effectRef>
+          <a:fontRef idx="minor">
+            <a:schemeClr val="tx1"/>
+          </a:fontRef>
+        </p:style>
+      </p:cxnSp>
+      <p:sp>
+        <p:nvSpPr>
+          <p:cNvPr id="722" name="Прямоугольник 721"/>
+          <p:cNvSpPr/>
+          <p:nvPr/>
+        </p:nvSpPr>
+        <p:spPr>
+          <a:xfrm>
+            <a:off x="2493144" y="6971247"/>
             <a:ext cx="926325" cy="540000"/>
           </a:xfrm>
           <a:prstGeom prst="rect">
@@ -26762,58 +26923,20 @@
             <a:pPr algn="ctr"/>
             <a:r>
               <a:rPr lang="ru-RU" sz="700" dirty="0"/>
-              <a:t>Придерживаться социальной доктрины церкви</a:t>
-            </a:r>
-          </a:p>
-        </p:txBody>
-      </p:sp>
-      <p:cxnSp>
-        <p:nvCxnSpPr>
-          <p:cNvPr id="721" name="Соединительная линия уступом 720"/>
-          <p:cNvCxnSpPr>
-            <a:stCxn id="667" idx="2"/>
-            <a:endCxn id="646" idx="0"/>
-          </p:cNvCxnSpPr>
-          <p:nvPr/>
-        </p:nvCxnSpPr>
-        <p:spPr>
-          <a:xfrm rot="5400000">
-            <a:off x="13185570" y="2434843"/>
-            <a:ext cx="237076" cy="4073100"/>
-          </a:xfrm>
-          <a:prstGeom prst="bentConnector3">
-            <a:avLst>
-              <a:gd name="adj1" fmla="val 50000"/>
-            </a:avLst>
-          </a:prstGeom>
-          <a:ln w="19050">
-            <a:tailEnd type="arrow"/>
-          </a:ln>
-        </p:spPr>
-        <p:style>
-          <a:lnRef idx="1">
-            <a:schemeClr val="accent1"/>
-          </a:lnRef>
-          <a:fillRef idx="0">
-            <a:schemeClr val="accent1"/>
-          </a:fillRef>
-          <a:effectRef idx="0">
-            <a:schemeClr val="accent1"/>
-          </a:effectRef>
-          <a:fontRef idx="minor">
-            <a:schemeClr val="tx1"/>
-          </a:fontRef>
-        </p:style>
-      </p:cxnSp>
-      <p:sp>
-        <p:nvSpPr>
-          <p:cNvPr id="722" name="Прямоугольник 721"/>
+              <a:t>Расширение роли рабочих</a:t>
+            </a:r>
+          </a:p>
+        </p:txBody>
+      </p:sp>
+      <p:sp>
+        <p:nvSpPr>
+          <p:cNvPr id="724" name="Прямоугольник 723"/>
           <p:cNvSpPr/>
           <p:nvPr/>
         </p:nvSpPr>
         <p:spPr>
           <a:xfrm>
-            <a:off x="2493144" y="6971247"/>
+            <a:off x="1505003" y="6222630"/>
             <a:ext cx="926325" cy="540000"/>
           </a:xfrm>
           <a:prstGeom prst="rect">
@@ -26847,20 +26970,71 @@
             <a:pPr algn="ctr"/>
             <a:r>
               <a:rPr lang="ru-RU" sz="700" dirty="0"/>
-              <a:t>Расширение роли рабочих</a:t>
-            </a:r>
-          </a:p>
-        </p:txBody>
-      </p:sp>
-      <p:sp>
-        <p:nvSpPr>
-          <p:cNvPr id="724" name="Прямоугольник 723"/>
+              <a:t>Стимулирование роста промышленности</a:t>
+            </a:r>
+          </a:p>
+        </p:txBody>
+      </p:sp>
+      <p:sp>
+        <p:nvSpPr>
+          <p:cNvPr id="725" name="Прямоугольник 724"/>
           <p:cNvSpPr/>
           <p:nvPr/>
         </p:nvSpPr>
         <p:spPr>
           <a:xfrm>
-            <a:off x="1505003" y="6222630"/>
+            <a:off x="4015631" y="5427865"/>
+            <a:ext cx="926325" cy="540000"/>
+          </a:xfrm>
+          <a:prstGeom prst="rect">
+            <a:avLst/>
+          </a:prstGeom>
+          <a:solidFill>
+            <a:schemeClr val="accent2">
+              <a:lumMod val="75000"/>
+            </a:schemeClr>
+          </a:solidFill>
+          <a:ln w="19050">
+            <a:solidFill>
+              <a:srgbClr val="00B050"/>
+            </a:solidFill>
+          </a:ln>
+        </p:spPr>
+        <p:style>
+          <a:lnRef idx="2">
+            <a:schemeClr val="accent1"/>
+          </a:lnRef>
+          <a:fillRef idx="1">
+            <a:schemeClr val="lt1"/>
+          </a:fillRef>
+          <a:effectRef idx="0">
+            <a:schemeClr val="accent1"/>
+          </a:effectRef>
+          <a:fontRef idx="minor">
+            <a:schemeClr val="dk1"/>
+          </a:fontRef>
+        </p:style>
+        <p:txBody>
+          <a:bodyPr lIns="124733" tIns="62367" rIns="124733" bIns="62367" rtlCol="0" anchor="ctr"/>
+          <a:lstStyle/>
+          <a:p>
+            <a:pPr algn="ctr"/>
+            <a:r>
+              <a:rPr lang="ru-RU" sz="700" dirty="0"/>
+              <a:t>Великая Португалия</a:t>
+            </a:r>
+          </a:p>
+        </p:txBody>
+      </p:sp>
+      <p:sp>
+        <p:nvSpPr>
+          <p:cNvPr id="727" name="Прямоугольник 726"/>
+          <p:cNvSpPr/>
+          <p:nvPr/>
+        </p:nvSpPr>
+        <p:spPr>
+          <a:xfrm>
+            <a:off x="5054400" y="5427865"/>
             <a:ext cx="926325" cy="540000"/>
           </a:xfrm>
           <a:prstGeom prst="rect">
@@ -26894,20 +27068,58 @@
             <a:pPr algn="ctr"/>
             <a:r>
               <a:rPr lang="ru-RU" sz="700" dirty="0"/>
-              <a:t>Стимулирование роста промышленности</a:t>
-            </a:r>
-          </a:p>
-        </p:txBody>
-      </p:sp>
-      <p:sp>
-        <p:nvSpPr>
-          <p:cNvPr id="725" name="Прямоугольник 724"/>
+              <a:t>Поддержка испанских фалангистов</a:t>
+            </a:r>
+          </a:p>
+        </p:txBody>
+      </p:sp>
+      <p:cxnSp>
+        <p:nvCxnSpPr>
+          <p:cNvPr id="728" name="Прямая соединительная линия 727"/>
+          <p:cNvCxnSpPr>
+            <a:stCxn id="725" idx="3"/>
+            <a:endCxn id="727" idx="1"/>
+          </p:cNvCxnSpPr>
+          <p:nvPr/>
+        </p:nvCxnSpPr>
+        <p:spPr>
+          <a:xfrm>
+            <a:off x="4941956" y="5697865"/>
+            <a:ext cx="112444" cy="0"/>
+          </a:xfrm>
+          <a:prstGeom prst="line">
+            <a:avLst/>
+          </a:prstGeom>
+          <a:ln w="19050">
+            <a:solidFill>
+              <a:srgbClr val="FF0000"/>
+            </a:solidFill>
+          </a:ln>
+        </p:spPr>
+        <p:style>
+          <a:lnRef idx="1">
+            <a:schemeClr val="accent1"/>
+          </a:lnRef>
+          <a:fillRef idx="0">
+            <a:schemeClr val="accent1"/>
+          </a:fillRef>
+          <a:effectRef idx="0">
+            <a:schemeClr val="accent1"/>
+          </a:effectRef>
+          <a:fontRef idx="minor">
+            <a:schemeClr val="tx1"/>
+          </a:fontRef>
+        </p:style>
+      </p:cxnSp>
+      <p:sp>
+        <p:nvSpPr>
+          <p:cNvPr id="736" name="Прямоугольник 735"/>
           <p:cNvSpPr/>
           <p:nvPr/>
         </p:nvSpPr>
         <p:spPr>
           <a:xfrm>
-            <a:off x="4015631" y="5427865"/>
+            <a:off x="4016815" y="6972336"/>
             <a:ext cx="926325" cy="540000"/>
           </a:xfrm>
           <a:prstGeom prst="rect">
@@ -26941,20 +27153,20 @@
             <a:pPr algn="ctr"/>
             <a:r>
               <a:rPr lang="ru-RU" sz="700" dirty="0"/>
-              <a:t>Великая Португалия</a:t>
-            </a:r>
-          </a:p>
-        </p:txBody>
-      </p:sp>
-      <p:sp>
-        <p:nvSpPr>
-          <p:cNvPr id="727" name="Прямоугольник 726"/>
+              <a:t>Объединить Иберию</a:t>
+            </a:r>
+          </a:p>
+        </p:txBody>
+      </p:sp>
+      <p:sp>
+        <p:nvSpPr>
+          <p:cNvPr id="738" name="Прямоугольник 737"/>
           <p:cNvSpPr/>
           <p:nvPr/>
         </p:nvSpPr>
         <p:spPr>
           <a:xfrm>
-            <a:off x="5054400" y="5427865"/>
+            <a:off x="2992097" y="6222630"/>
             <a:ext cx="926325" cy="540000"/>
           </a:xfrm>
           <a:prstGeom prst="rect">
@@ -26988,58 +27200,25 @@
             <a:pPr algn="ctr"/>
             <a:r>
               <a:rPr lang="ru-RU" sz="700" dirty="0"/>
-              <a:t>Поддержка испанских фалангистов</a:t>
-            </a:r>
-          </a:p>
-        </p:txBody>
-      </p:sp>
-      <p:cxnSp>
-        <p:nvCxnSpPr>
-          <p:cNvPr id="728" name="Прямая соединительная линия 727"/>
-          <p:cNvCxnSpPr>
-            <a:stCxn id="725" idx="3"/>
-            <a:endCxn id="727" idx="1"/>
-          </p:cNvCxnSpPr>
-          <p:nvPr/>
-        </p:nvCxnSpPr>
-        <p:spPr>
-          <a:xfrm>
-            <a:off x="4941956" y="5697865"/>
-            <a:ext cx="112444" cy="0"/>
-          </a:xfrm>
-          <a:prstGeom prst="line">
-            <a:avLst/>
-          </a:prstGeom>
-          <a:ln w="19050">
-            <a:solidFill>
-              <a:srgbClr val="FF0000"/>
-            </a:solidFill>
-          </a:ln>
-        </p:spPr>
-        <p:style>
-          <a:lnRef idx="1">
-            <a:schemeClr val="accent1"/>
-          </a:lnRef>
-          <a:fillRef idx="0">
-            <a:schemeClr val="accent1"/>
-          </a:fillRef>
-          <a:effectRef idx="0">
-            <a:schemeClr val="accent1"/>
-          </a:effectRef>
-          <a:fontRef idx="minor">
-            <a:schemeClr val="tx1"/>
-          </a:fontRef>
-        </p:style>
-      </p:cxnSp>
-      <p:sp>
-        <p:nvSpPr>
-          <p:cNvPr id="736" name="Прямоугольник 735"/>
+              <a:t>Союз с Бразильскими </a:t>
+            </a:r>
+            <a:r>
+              <a:rPr lang="ru-RU" sz="700" dirty="0" err="1"/>
+              <a:t>Интегралистами</a:t>
+            </a:r>
+            <a:endParaRPr lang="ru-RU" sz="700" dirty="0"/>
+          </a:p>
+        </p:txBody>
+      </p:sp>
+      <p:sp>
+        <p:nvSpPr>
+          <p:cNvPr id="739" name="Прямоугольник 738"/>
           <p:cNvSpPr/>
           <p:nvPr/>
         </p:nvSpPr>
         <p:spPr>
           <a:xfrm>
-            <a:off x="4016815" y="6972336"/>
+            <a:off x="6074620" y="6223434"/>
             <a:ext cx="926325" cy="540000"/>
           </a:xfrm>
           <a:prstGeom prst="rect">
@@ -27073,20 +27252,400 @@
             <a:pPr algn="ctr"/>
             <a:r>
               <a:rPr lang="ru-RU" sz="700" dirty="0"/>
-              <a:t>Объединить Иберию</a:t>
-            </a:r>
-          </a:p>
-        </p:txBody>
-      </p:sp>
-      <p:sp>
-        <p:nvSpPr>
-          <p:cNvPr id="738" name="Прямоугольник 737"/>
+              <a:t>Союз с Испанской фалангой</a:t>
+            </a:r>
+          </a:p>
+        </p:txBody>
+      </p:sp>
+      <p:cxnSp>
+        <p:nvCxnSpPr>
+          <p:cNvPr id="741" name="Прямая соединительная линия 740"/>
+          <p:cNvCxnSpPr>
+            <a:stCxn id="738" idx="3"/>
+            <a:endCxn id="808" idx="1"/>
+          </p:cNvCxnSpPr>
+          <p:nvPr/>
+        </p:nvCxnSpPr>
+        <p:spPr>
+          <a:xfrm>
+            <a:off x="3918422" y="6492630"/>
+            <a:ext cx="102381" cy="477"/>
+          </a:xfrm>
+          <a:prstGeom prst="line">
+            <a:avLst/>
+          </a:prstGeom>
+          <a:ln w="19050">
+            <a:solidFill>
+              <a:srgbClr val="FF0000"/>
+            </a:solidFill>
+          </a:ln>
+        </p:spPr>
+        <p:style>
+          <a:lnRef idx="1">
+            <a:schemeClr val="accent1"/>
+          </a:lnRef>
+          <a:fillRef idx="0">
+            <a:schemeClr val="accent1"/>
+          </a:fillRef>
+          <a:effectRef idx="0">
+            <a:schemeClr val="accent1"/>
+          </a:effectRef>
+          <a:fontRef idx="minor">
+            <a:schemeClr val="tx1"/>
+          </a:fontRef>
+        </p:style>
+      </p:cxnSp>
+      <p:cxnSp>
+        <p:nvCxnSpPr>
+          <p:cNvPr id="745" name="Соединительная линия уступом 744"/>
+          <p:cNvCxnSpPr>
+            <a:stCxn id="700" idx="2"/>
+            <a:endCxn id="725" idx="0"/>
+          </p:cNvCxnSpPr>
+          <p:nvPr/>
+        </p:nvCxnSpPr>
+        <p:spPr>
+          <a:xfrm rot="5400000">
+            <a:off x="4590799" y="5020557"/>
+            <a:ext cx="295303" cy="519312"/>
+          </a:xfrm>
+          <a:prstGeom prst="bentConnector3">
+            <a:avLst>
+              <a:gd name="adj1" fmla="val 50000"/>
+            </a:avLst>
+          </a:prstGeom>
+          <a:ln w="19050">
+            <a:tailEnd type="arrow"/>
+          </a:ln>
+        </p:spPr>
+        <p:style>
+          <a:lnRef idx="1">
+            <a:schemeClr val="accent1"/>
+          </a:lnRef>
+          <a:fillRef idx="0">
+            <a:schemeClr val="accent1"/>
+          </a:fillRef>
+          <a:effectRef idx="0">
+            <a:schemeClr val="accent1"/>
+          </a:effectRef>
+          <a:fontRef idx="minor">
+            <a:schemeClr val="tx1"/>
+          </a:fontRef>
+        </p:style>
+      </p:cxnSp>
+      <p:cxnSp>
+        <p:nvCxnSpPr>
+          <p:cNvPr id="750" name="Соединительная линия уступом 749"/>
+          <p:cNvCxnSpPr>
+            <a:stCxn id="700" idx="2"/>
+            <a:endCxn id="727" idx="0"/>
+          </p:cNvCxnSpPr>
+          <p:nvPr/>
+        </p:nvCxnSpPr>
+        <p:spPr>
+          <a:xfrm rot="16200000" flipH="1">
+            <a:off x="5110183" y="5020484"/>
+            <a:ext cx="295303" cy="519457"/>
+          </a:xfrm>
+          <a:prstGeom prst="bentConnector3">
+            <a:avLst>
+              <a:gd name="adj1" fmla="val 50000"/>
+            </a:avLst>
+          </a:prstGeom>
+          <a:ln w="19050">
+            <a:tailEnd type="arrow"/>
+          </a:ln>
+        </p:spPr>
+        <p:style>
+          <a:lnRef idx="1">
+            <a:schemeClr val="accent1"/>
+          </a:lnRef>
+          <a:fillRef idx="0">
+            <a:schemeClr val="accent1"/>
+          </a:fillRef>
+          <a:effectRef idx="0">
+            <a:schemeClr val="accent1"/>
+          </a:effectRef>
+          <a:fontRef idx="minor">
+            <a:schemeClr val="tx1"/>
+          </a:fontRef>
+        </p:style>
+      </p:cxnSp>
+      <p:cxnSp>
+        <p:nvCxnSpPr>
+          <p:cNvPr id="754" name="Соединительная линия уступом 753"/>
+          <p:cNvCxnSpPr>
+            <a:stCxn id="700" idx="2"/>
+            <a:endCxn id="706" idx="0"/>
+          </p:cNvCxnSpPr>
+          <p:nvPr/>
+        </p:nvCxnSpPr>
+        <p:spPr>
+          <a:xfrm rot="16200000" flipH="1">
+            <a:off x="5625252" y="4505416"/>
+            <a:ext cx="295171" cy="1549462"/>
+          </a:xfrm>
+          <a:prstGeom prst="bentConnector3">
+            <a:avLst>
+              <a:gd name="adj1" fmla="val 50000"/>
+            </a:avLst>
+          </a:prstGeom>
+          <a:ln w="19050">
+            <a:tailEnd type="arrow"/>
+          </a:ln>
+        </p:spPr>
+        <p:style>
+          <a:lnRef idx="1">
+            <a:schemeClr val="accent1"/>
+          </a:lnRef>
+          <a:fillRef idx="0">
+            <a:schemeClr val="accent1"/>
+          </a:fillRef>
+          <a:effectRef idx="0">
+            <a:schemeClr val="accent1"/>
+          </a:effectRef>
+          <a:fontRef idx="minor">
+            <a:schemeClr val="tx1"/>
+          </a:fontRef>
+        </p:style>
+      </p:cxnSp>
+      <p:cxnSp>
+        <p:nvCxnSpPr>
+          <p:cNvPr id="758" name="Соединительная линия уступом 757"/>
+          <p:cNvCxnSpPr>
+            <a:stCxn id="700" idx="2"/>
+            <a:endCxn id="713" idx="0"/>
+          </p:cNvCxnSpPr>
+          <p:nvPr/>
+        </p:nvCxnSpPr>
+        <p:spPr>
+          <a:xfrm rot="5400000">
+            <a:off x="3582959" y="4018185"/>
+            <a:ext cx="300770" cy="2529524"/>
+          </a:xfrm>
+          <a:prstGeom prst="bentConnector3">
+            <a:avLst>
+              <a:gd name="adj1" fmla="val 50000"/>
+            </a:avLst>
+          </a:prstGeom>
+          <a:ln w="19050">
+            <a:tailEnd type="arrow"/>
+          </a:ln>
+        </p:spPr>
+        <p:style>
+          <a:lnRef idx="1">
+            <a:schemeClr val="accent1"/>
+          </a:lnRef>
+          <a:fillRef idx="0">
+            <a:schemeClr val="accent1"/>
+          </a:fillRef>
+          <a:effectRef idx="0">
+            <a:schemeClr val="accent1"/>
+          </a:effectRef>
+          <a:fontRef idx="minor">
+            <a:schemeClr val="tx1"/>
+          </a:fontRef>
+        </p:style>
+      </p:cxnSp>
+      <p:cxnSp>
+        <p:nvCxnSpPr>
+          <p:cNvPr id="761" name="Соединительная линия уступом 760"/>
+          <p:cNvCxnSpPr>
+            <a:stCxn id="700" idx="2"/>
+            <a:endCxn id="715" idx="0"/>
+          </p:cNvCxnSpPr>
+          <p:nvPr/>
+        </p:nvCxnSpPr>
+        <p:spPr>
+          <a:xfrm rot="5400000">
+            <a:off x="4076369" y="4510675"/>
+            <a:ext cx="299851" cy="1543625"/>
+          </a:xfrm>
+          <a:prstGeom prst="bentConnector3">
+            <a:avLst>
+              <a:gd name="adj1" fmla="val 50000"/>
+            </a:avLst>
+          </a:prstGeom>
+          <a:ln w="19050">
+            <a:tailEnd type="arrow"/>
+          </a:ln>
+        </p:spPr>
+        <p:style>
+          <a:lnRef idx="1">
+            <a:schemeClr val="accent1"/>
+          </a:lnRef>
+          <a:fillRef idx="0">
+            <a:schemeClr val="accent1"/>
+          </a:fillRef>
+          <a:effectRef idx="0">
+            <a:schemeClr val="accent1"/>
+          </a:effectRef>
+          <a:fontRef idx="minor">
+            <a:schemeClr val="tx1"/>
+          </a:fontRef>
+        </p:style>
+      </p:cxnSp>
+      <p:cxnSp>
+        <p:nvCxnSpPr>
+          <p:cNvPr id="764" name="Соединительная линия уступом 763"/>
+          <p:cNvCxnSpPr>
+            <a:stCxn id="700" idx="2"/>
+            <a:endCxn id="708" idx="0"/>
+          </p:cNvCxnSpPr>
+          <p:nvPr/>
+        </p:nvCxnSpPr>
+        <p:spPr>
+          <a:xfrm rot="16200000" flipH="1">
+            <a:off x="6133903" y="3996765"/>
+            <a:ext cx="293944" cy="2565538"/>
+          </a:xfrm>
+          <a:prstGeom prst="bentConnector3">
+            <a:avLst>
+              <a:gd name="adj1" fmla="val 50000"/>
+            </a:avLst>
+          </a:prstGeom>
+          <a:ln w="19050">
+            <a:tailEnd type="arrow"/>
+          </a:ln>
+        </p:spPr>
+        <p:style>
+          <a:lnRef idx="1">
+            <a:schemeClr val="accent1"/>
+          </a:lnRef>
+          <a:fillRef idx="0">
+            <a:schemeClr val="accent1"/>
+          </a:fillRef>
+          <a:effectRef idx="0">
+            <a:schemeClr val="accent1"/>
+          </a:effectRef>
+          <a:fontRef idx="minor">
+            <a:schemeClr val="tx1"/>
+          </a:fontRef>
+        </p:style>
+      </p:cxnSp>
+      <p:cxnSp>
+        <p:nvCxnSpPr>
+          <p:cNvPr id="770" name="Соединительная линия уступом 769"/>
+          <p:cNvCxnSpPr>
+            <a:stCxn id="708" idx="2"/>
+            <a:endCxn id="716" idx="0"/>
+          </p:cNvCxnSpPr>
+          <p:nvPr/>
+        </p:nvCxnSpPr>
+        <p:spPr>
+          <a:xfrm rot="16200000" flipH="1">
+            <a:off x="7436380" y="6093770"/>
+            <a:ext cx="256252" cy="1724"/>
+          </a:xfrm>
+          <a:prstGeom prst="bentConnector3">
+            <a:avLst>
+              <a:gd name="adj1" fmla="val 50000"/>
+            </a:avLst>
+          </a:prstGeom>
+          <a:ln w="19050">
+            <a:tailEnd type="arrow"/>
+          </a:ln>
+        </p:spPr>
+        <p:style>
+          <a:lnRef idx="1">
+            <a:schemeClr val="accent1"/>
+          </a:lnRef>
+          <a:fillRef idx="0">
+            <a:schemeClr val="accent1"/>
+          </a:fillRef>
+          <a:effectRef idx="0">
+            <a:schemeClr val="accent1"/>
+          </a:effectRef>
+          <a:fontRef idx="minor">
+            <a:schemeClr val="tx1"/>
+          </a:fontRef>
+        </p:style>
+      </p:cxnSp>
+      <p:cxnSp>
+        <p:nvCxnSpPr>
+          <p:cNvPr id="773" name="Соединительная линия уступом 772"/>
+          <p:cNvCxnSpPr>
+            <a:stCxn id="713" idx="2"/>
+            <a:endCxn id="724" idx="0"/>
+          </p:cNvCxnSpPr>
+          <p:nvPr/>
+        </p:nvCxnSpPr>
+        <p:spPr>
+          <a:xfrm rot="5400000">
+            <a:off x="2093725" y="5847773"/>
+            <a:ext cx="249298" cy="500416"/>
+          </a:xfrm>
+          <a:prstGeom prst="bentConnector3">
+            <a:avLst>
+              <a:gd name="adj1" fmla="val 50000"/>
+            </a:avLst>
+          </a:prstGeom>
+          <a:ln w="19050">
+            <a:tailEnd type="arrow"/>
+          </a:ln>
+        </p:spPr>
+        <p:style>
+          <a:lnRef idx="1">
+            <a:schemeClr val="accent1"/>
+          </a:lnRef>
+          <a:fillRef idx="0">
+            <a:schemeClr val="accent1"/>
+          </a:fillRef>
+          <a:effectRef idx="0">
+            <a:schemeClr val="accent1"/>
+          </a:effectRef>
+          <a:fontRef idx="minor">
+            <a:schemeClr val="tx1"/>
+          </a:fontRef>
+        </p:style>
+      </p:cxnSp>
+      <p:cxnSp>
+        <p:nvCxnSpPr>
+          <p:cNvPr id="776" name="Соединительная линия уступом 775"/>
+          <p:cNvCxnSpPr>
+            <a:stCxn id="713" idx="2"/>
+            <a:endCxn id="722" idx="0"/>
+          </p:cNvCxnSpPr>
+          <p:nvPr/>
+        </p:nvCxnSpPr>
+        <p:spPr>
+          <a:xfrm rot="16200000" flipH="1">
+            <a:off x="2213487" y="6228426"/>
+            <a:ext cx="997915" cy="487725"/>
+          </a:xfrm>
+          <a:prstGeom prst="bentConnector3">
+            <a:avLst>
+              <a:gd name="adj1" fmla="val 12615"/>
+            </a:avLst>
+          </a:prstGeom>
+          <a:ln w="19050">
+            <a:tailEnd type="arrow"/>
+          </a:ln>
+        </p:spPr>
+        <p:style>
+          <a:lnRef idx="1">
+            <a:schemeClr val="accent1"/>
+          </a:lnRef>
+          <a:fillRef idx="0">
+            <a:schemeClr val="accent1"/>
+          </a:fillRef>
+          <a:effectRef idx="0">
+            <a:schemeClr val="accent1"/>
+          </a:effectRef>
+          <a:fontRef idx="minor">
+            <a:schemeClr val="tx1"/>
+          </a:fontRef>
+        </p:style>
+      </p:cxnSp>
+      <p:sp>
+        <p:nvSpPr>
+          <p:cNvPr id="779" name="Прямоугольник 778"/>
           <p:cNvSpPr/>
           <p:nvPr/>
         </p:nvSpPr>
         <p:spPr>
           <a:xfrm>
-            <a:off x="2992097" y="6222630"/>
+            <a:off x="5050576" y="6974610"/>
             <a:ext cx="926325" cy="540000"/>
           </a:xfrm>
           <a:prstGeom prst="rect">
@@ -27120,25 +27679,345 @@
             <a:pPr algn="ctr"/>
             <a:r>
               <a:rPr lang="ru-RU" sz="700" dirty="0"/>
-              <a:t>Союз с Бразильскими </a:t>
-            </a:r>
-            <a:r>
-              <a:rPr lang="ru-RU" sz="700" dirty="0" err="1"/>
-              <a:t>Интегралистами</a:t>
-            </a:r>
-            <a:endParaRPr lang="ru-RU" sz="700" dirty="0"/>
-          </a:p>
-        </p:txBody>
-      </p:sp>
-      <p:sp>
-        <p:nvSpPr>
-          <p:cNvPr id="739" name="Прямоугольник 738"/>
+              <a:t>Вернуть Бразилию</a:t>
+            </a:r>
+          </a:p>
+        </p:txBody>
+      </p:sp>
+      <p:cxnSp>
+        <p:nvCxnSpPr>
+          <p:cNvPr id="780" name="Соединительная линия уступом 779"/>
+          <p:cNvCxnSpPr>
+            <a:stCxn id="727" idx="2"/>
+            <a:endCxn id="738" idx="0"/>
+          </p:cNvCxnSpPr>
+          <p:nvPr/>
+        </p:nvCxnSpPr>
+        <p:spPr>
+          <a:xfrm rot="5400000">
+            <a:off x="4359030" y="5064096"/>
+            <a:ext cx="254765" cy="2062303"/>
+          </a:xfrm>
+          <a:prstGeom prst="bentConnector3">
+            <a:avLst>
+              <a:gd name="adj1" fmla="val 50000"/>
+            </a:avLst>
+          </a:prstGeom>
+          <a:ln w="19050">
+            <a:prstDash val="sysDash"/>
+            <a:tailEnd type="arrow"/>
+          </a:ln>
+        </p:spPr>
+        <p:style>
+          <a:lnRef idx="1">
+            <a:schemeClr val="accent1"/>
+          </a:lnRef>
+          <a:fillRef idx="0">
+            <a:schemeClr val="accent1"/>
+          </a:fillRef>
+          <a:effectRef idx="0">
+            <a:schemeClr val="accent1"/>
+          </a:effectRef>
+          <a:fontRef idx="minor">
+            <a:schemeClr val="tx1"/>
+          </a:fontRef>
+        </p:style>
+      </p:cxnSp>
+      <p:cxnSp>
+        <p:nvCxnSpPr>
+          <p:cNvPr id="783" name="Соединительная линия уступом 782"/>
+          <p:cNvCxnSpPr>
+            <a:stCxn id="727" idx="2"/>
+            <a:endCxn id="739" idx="0"/>
+          </p:cNvCxnSpPr>
+          <p:nvPr/>
+        </p:nvCxnSpPr>
+        <p:spPr>
+          <a:xfrm rot="16200000" flipH="1">
+            <a:off x="5899889" y="5585539"/>
+            <a:ext cx="255569" cy="1020220"/>
+          </a:xfrm>
+          <a:prstGeom prst="bentConnector3">
+            <a:avLst>
+              <a:gd name="adj1" fmla="val 50000"/>
+            </a:avLst>
+          </a:prstGeom>
+          <a:ln w="19050">
+            <a:prstDash val="sysDash"/>
+            <a:tailEnd type="arrow"/>
+          </a:ln>
+        </p:spPr>
+        <p:style>
+          <a:lnRef idx="1">
+            <a:schemeClr val="accent1"/>
+          </a:lnRef>
+          <a:fillRef idx="0">
+            <a:schemeClr val="accent1"/>
+          </a:fillRef>
+          <a:effectRef idx="0">
+            <a:schemeClr val="accent1"/>
+          </a:effectRef>
+          <a:fontRef idx="minor">
+            <a:schemeClr val="tx1"/>
+          </a:fontRef>
+        </p:style>
+      </p:cxnSp>
+      <p:cxnSp>
+        <p:nvCxnSpPr>
+          <p:cNvPr id="786" name="Соединительная линия уступом 785"/>
+          <p:cNvCxnSpPr>
+            <a:stCxn id="725" idx="2"/>
+            <a:endCxn id="738" idx="0"/>
+          </p:cNvCxnSpPr>
+          <p:nvPr/>
+        </p:nvCxnSpPr>
+        <p:spPr>
+          <a:xfrm rot="5400000">
+            <a:off x="3839645" y="5583480"/>
+            <a:ext cx="254765" cy="1023534"/>
+          </a:xfrm>
+          <a:prstGeom prst="bentConnector3">
+            <a:avLst>
+              <a:gd name="adj1" fmla="val 50000"/>
+            </a:avLst>
+          </a:prstGeom>
+          <a:ln w="19050">
+            <a:prstDash val="sysDash"/>
+            <a:tailEnd type="arrow"/>
+          </a:ln>
+        </p:spPr>
+        <p:style>
+          <a:lnRef idx="1">
+            <a:schemeClr val="accent1"/>
+          </a:lnRef>
+          <a:fillRef idx="0">
+            <a:schemeClr val="accent1"/>
+          </a:fillRef>
+          <a:effectRef idx="0">
+            <a:schemeClr val="accent1"/>
+          </a:effectRef>
+          <a:fontRef idx="minor">
+            <a:schemeClr val="tx1"/>
+          </a:fontRef>
+        </p:style>
+      </p:cxnSp>
+      <p:cxnSp>
+        <p:nvCxnSpPr>
+          <p:cNvPr id="789" name="Соединительная линия уступом 788"/>
+          <p:cNvCxnSpPr>
+            <a:stCxn id="725" idx="2"/>
+            <a:endCxn id="739" idx="0"/>
+          </p:cNvCxnSpPr>
+          <p:nvPr/>
+        </p:nvCxnSpPr>
+        <p:spPr>
+          <a:xfrm rot="16200000" flipH="1">
+            <a:off x="5380504" y="5066154"/>
+            <a:ext cx="255569" cy="2058989"/>
+          </a:xfrm>
+          <a:prstGeom prst="bentConnector3">
+            <a:avLst>
+              <a:gd name="adj1" fmla="val 50000"/>
+            </a:avLst>
+          </a:prstGeom>
+          <a:ln w="19050">
+            <a:prstDash val="sysDash"/>
+            <a:tailEnd type="arrow"/>
+          </a:ln>
+        </p:spPr>
+        <p:style>
+          <a:lnRef idx="1">
+            <a:schemeClr val="accent1"/>
+          </a:lnRef>
+          <a:fillRef idx="0">
+            <a:schemeClr val="accent1"/>
+          </a:fillRef>
+          <a:effectRef idx="0">
+            <a:schemeClr val="accent1"/>
+          </a:effectRef>
+          <a:fontRef idx="minor">
+            <a:schemeClr val="tx1"/>
+          </a:fontRef>
+        </p:style>
+      </p:cxnSp>
+      <p:sp>
+        <p:nvSpPr>
+          <p:cNvPr id="792" name="Прямоугольник 791"/>
           <p:cNvSpPr/>
           <p:nvPr/>
         </p:nvSpPr>
         <p:spPr>
           <a:xfrm>
-            <a:off x="6074620" y="6223434"/>
+            <a:off x="8152459" y="6972901"/>
+            <a:ext cx="926325" cy="540000"/>
+          </a:xfrm>
+          <a:prstGeom prst="rect">
+            <a:avLst/>
+          </a:prstGeom>
+          <a:noFill/>
+          <a:ln w="19050">
+            <a:solidFill>
+              <a:srgbClr val="00B050"/>
+            </a:solidFill>
+          </a:ln>
+        </p:spPr>
+        <p:style>
+          <a:lnRef idx="2">
+            <a:schemeClr val="accent1"/>
+          </a:lnRef>
+          <a:fillRef idx="1">
+            <a:schemeClr val="lt1"/>
+          </a:fillRef>
+          <a:effectRef idx="0">
+            <a:schemeClr val="accent1"/>
+          </a:effectRef>
+          <a:fontRef idx="minor">
+            <a:schemeClr val="dk1"/>
+          </a:fontRef>
+        </p:style>
+        <p:txBody>
+          <a:bodyPr lIns="124733" tIns="62367" rIns="124733" bIns="62367" rtlCol="0" anchor="ctr"/>
+          <a:lstStyle/>
+          <a:p>
+            <a:pPr algn="ctr"/>
+            <a:r>
+              <a:rPr lang="ru-RU" sz="700" dirty="0"/>
+              <a:t>Католический университет Португалии</a:t>
+            </a:r>
+          </a:p>
+        </p:txBody>
+      </p:sp>
+      <p:cxnSp>
+        <p:nvCxnSpPr>
+          <p:cNvPr id="793" name="Прямая со стрелкой 792"/>
+          <p:cNvCxnSpPr>
+            <a:stCxn id="724" idx="2"/>
+            <a:endCxn id="709" idx="0"/>
+          </p:cNvCxnSpPr>
+          <p:nvPr/>
+        </p:nvCxnSpPr>
+        <p:spPr>
+          <a:xfrm>
+            <a:off x="1968166" y="6762630"/>
+            <a:ext cx="3585" cy="207360"/>
+          </a:xfrm>
+          <a:prstGeom prst="straightConnector1">
+            <a:avLst/>
+          </a:prstGeom>
+          <a:ln w="19050">
+            <a:tailEnd type="arrow"/>
+          </a:ln>
+        </p:spPr>
+        <p:style>
+          <a:lnRef idx="1">
+            <a:schemeClr val="accent1"/>
+          </a:lnRef>
+          <a:fillRef idx="0">
+            <a:schemeClr val="accent1"/>
+          </a:fillRef>
+          <a:effectRef idx="0">
+            <a:schemeClr val="accent1"/>
+          </a:effectRef>
+          <a:fontRef idx="minor">
+            <a:schemeClr val="tx1"/>
+          </a:fontRef>
+        </p:style>
+      </p:cxnSp>
+      <p:sp>
+        <p:nvSpPr>
+          <p:cNvPr id="805" name="Прямоугольник 804"/>
+          <p:cNvSpPr/>
+          <p:nvPr/>
+        </p:nvSpPr>
+        <p:spPr>
+          <a:xfrm>
+            <a:off x="8143582" y="8501463"/>
+            <a:ext cx="926325" cy="540000"/>
+          </a:xfrm>
+          <a:prstGeom prst="rect">
+            <a:avLst/>
+          </a:prstGeom>
+          <a:noFill/>
+          <a:ln w="19050"/>
+        </p:spPr>
+        <p:style>
+          <a:lnRef idx="2">
+            <a:schemeClr val="accent1"/>
+          </a:lnRef>
+          <a:fillRef idx="1">
+            <a:schemeClr val="lt1"/>
+          </a:fillRef>
+          <a:effectRef idx="0">
+            <a:schemeClr val="accent1"/>
+          </a:effectRef>
+          <a:fontRef idx="minor">
+            <a:schemeClr val="dk1"/>
+          </a:fontRef>
+        </p:style>
+        <p:txBody>
+          <a:bodyPr lIns="124733" tIns="62367" rIns="124733" bIns="62367" rtlCol="0" anchor="ctr"/>
+          <a:lstStyle/>
+          <a:p>
+            <a:pPr algn="ctr"/>
+            <a:r>
+              <a:rPr lang="ru-RU" sz="700" dirty="0"/>
+              <a:t>Розовая карта</a:t>
+            </a:r>
+          </a:p>
+        </p:txBody>
+      </p:sp>
+      <p:sp>
+        <p:nvSpPr>
+          <p:cNvPr id="806" name="Прямоугольник 805"/>
+          <p:cNvSpPr/>
+          <p:nvPr/>
+        </p:nvSpPr>
+        <p:spPr>
+          <a:xfrm>
+            <a:off x="9244503" y="9297511"/>
+            <a:ext cx="926325" cy="540000"/>
+          </a:xfrm>
+          <a:prstGeom prst="rect">
+            <a:avLst/>
+          </a:prstGeom>
+          <a:noFill/>
+          <a:ln w="19050"/>
+        </p:spPr>
+        <p:style>
+          <a:lnRef idx="2">
+            <a:schemeClr val="accent1"/>
+          </a:lnRef>
+          <a:fillRef idx="1">
+            <a:schemeClr val="lt1"/>
+          </a:fillRef>
+          <a:effectRef idx="0">
+            <a:schemeClr val="accent1"/>
+          </a:effectRef>
+          <a:fontRef idx="minor">
+            <a:schemeClr val="dk1"/>
+          </a:fontRef>
+        </p:style>
+        <p:txBody>
+          <a:bodyPr lIns="124733" tIns="62367" rIns="124733" bIns="62367" rtlCol="0" anchor="ctr"/>
+          <a:lstStyle/>
+          <a:p>
+            <a:pPr algn="ctr"/>
+            <a:r>
+              <a:rPr lang="ru-RU" sz="700" dirty="0"/>
+              <a:t>Вернуть Уругвай</a:t>
+            </a:r>
+          </a:p>
+        </p:txBody>
+      </p:sp>
+      <p:sp>
+        <p:nvSpPr>
+          <p:cNvPr id="808" name="Прямоугольник 807"/>
+          <p:cNvSpPr/>
+          <p:nvPr/>
+        </p:nvSpPr>
+        <p:spPr>
+          <a:xfrm>
+            <a:off x="4020803" y="6223107"/>
             <a:ext cx="926325" cy="540000"/>
           </a:xfrm>
           <a:prstGeom prst="rect">
@@ -27172,24 +28051,24 @@
             <a:pPr algn="ctr"/>
             <a:r>
               <a:rPr lang="ru-RU" sz="700" dirty="0"/>
-              <a:t>Союз с Испанской фалангой</a:t>
-            </a:r>
-          </a:p>
-        </p:txBody>
-      </p:sp>
-      <p:cxnSp>
-        <p:nvCxnSpPr>
-          <p:cNvPr id="741" name="Прямая соединительная линия 740"/>
-          <p:cNvCxnSpPr>
-            <a:stCxn id="738" idx="3"/>
-            <a:endCxn id="808" idx="1"/>
-          </p:cNvCxnSpPr>
-          <p:nvPr/>
-        </p:nvCxnSpPr>
-        <p:spPr>
-          <a:xfrm>
-            <a:off x="3918422" y="6492630"/>
-            <a:ext cx="102381" cy="477"/>
+              <a:t>Присоединиться к Италии</a:t>
+            </a:r>
+          </a:p>
+        </p:txBody>
+      </p:sp>
+      <p:cxnSp>
+        <p:nvCxnSpPr>
+          <p:cNvPr id="810" name="Прямая соединительная линия 809"/>
+          <p:cNvCxnSpPr>
+            <a:stCxn id="690" idx="3"/>
+            <a:endCxn id="739" idx="1"/>
+          </p:cNvCxnSpPr>
+          <p:nvPr/>
+        </p:nvCxnSpPr>
+        <p:spPr>
+          <a:xfrm>
+            <a:off x="5984731" y="6491880"/>
+            <a:ext cx="89889" cy="1554"/>
           </a:xfrm>
           <a:prstGeom prst="line">
             <a:avLst/>
@@ -27217,17 +28096,17 @@
       </p:cxnSp>
       <p:cxnSp>
         <p:nvCxnSpPr>
-          <p:cNvPr id="745" name="Соединительная линия уступом 744"/>
-          <p:cNvCxnSpPr>
-            <a:stCxn id="700" idx="2"/>
-            <a:endCxn id="725" idx="0"/>
-          </p:cNvCxnSpPr>
-          <p:nvPr/>
-        </p:nvCxnSpPr>
-        <p:spPr>
-          <a:xfrm rot="5400000">
-            <a:off x="4590799" y="5020557"/>
-            <a:ext cx="295303" cy="519312"/>
+          <p:cNvPr id="813" name="Соединительная линия уступом 812"/>
+          <p:cNvCxnSpPr>
+            <a:stCxn id="808" idx="2"/>
+            <a:endCxn id="779" idx="0"/>
+          </p:cNvCxnSpPr>
+          <p:nvPr/>
+        </p:nvCxnSpPr>
+        <p:spPr>
+          <a:xfrm rot="16200000" flipH="1">
+            <a:off x="4893101" y="6353971"/>
+            <a:ext cx="211503" cy="1029773"/>
           </a:xfrm>
           <a:prstGeom prst="bentConnector3">
             <a:avLst>
@@ -27235,37 +28114,38 @@
             </a:avLst>
           </a:prstGeom>
           <a:ln w="19050">
-            <a:tailEnd type="arrow"/>
-          </a:ln>
-        </p:spPr>
-        <p:style>
-          <a:lnRef idx="1">
-            <a:schemeClr val="accent1"/>
-          </a:lnRef>
-          <a:fillRef idx="0">
-            <a:schemeClr val="accent1"/>
-          </a:fillRef>
-          <a:effectRef idx="0">
-            <a:schemeClr val="accent1"/>
-          </a:effectRef>
-          <a:fontRef idx="minor">
-            <a:schemeClr val="tx1"/>
-          </a:fontRef>
-        </p:style>
-      </p:cxnSp>
-      <p:cxnSp>
-        <p:nvCxnSpPr>
-          <p:cNvPr id="750" name="Соединительная линия уступом 749"/>
-          <p:cNvCxnSpPr>
-            <a:stCxn id="700" idx="2"/>
-            <a:endCxn id="727" idx="0"/>
-          </p:cNvCxnSpPr>
-          <p:nvPr/>
-        </p:nvCxnSpPr>
-        <p:spPr>
-          <a:xfrm rot="16200000" flipH="1">
-            <a:off x="5110183" y="5020484"/>
-            <a:ext cx="295303" cy="519457"/>
+            <a:prstDash val="sysDash"/>
+            <a:tailEnd type="arrow"/>
+          </a:ln>
+        </p:spPr>
+        <p:style>
+          <a:lnRef idx="1">
+            <a:schemeClr val="accent1"/>
+          </a:lnRef>
+          <a:fillRef idx="0">
+            <a:schemeClr val="accent1"/>
+          </a:fillRef>
+          <a:effectRef idx="0">
+            <a:schemeClr val="accent1"/>
+          </a:effectRef>
+          <a:fontRef idx="minor">
+            <a:schemeClr val="tx1"/>
+          </a:fontRef>
+        </p:style>
+      </p:cxnSp>
+      <p:cxnSp>
+        <p:nvCxnSpPr>
+          <p:cNvPr id="816" name="Соединительная линия уступом 815"/>
+          <p:cNvCxnSpPr>
+            <a:stCxn id="808" idx="2"/>
+            <a:endCxn id="736" idx="0"/>
+          </p:cNvCxnSpPr>
+          <p:nvPr/>
+        </p:nvCxnSpPr>
+        <p:spPr>
+          <a:xfrm rot="5400000">
+            <a:off x="4377358" y="6865727"/>
+            <a:ext cx="209229" cy="3988"/>
           </a:xfrm>
           <a:prstGeom prst="bentConnector3">
             <a:avLst>
@@ -27273,37 +28153,220 @@
             </a:avLst>
           </a:prstGeom>
           <a:ln w="19050">
-            <a:tailEnd type="arrow"/>
-          </a:ln>
-        </p:spPr>
-        <p:style>
-          <a:lnRef idx="1">
-            <a:schemeClr val="accent1"/>
-          </a:lnRef>
-          <a:fillRef idx="0">
-            <a:schemeClr val="accent1"/>
-          </a:fillRef>
-          <a:effectRef idx="0">
-            <a:schemeClr val="accent1"/>
-          </a:effectRef>
-          <a:fontRef idx="minor">
-            <a:schemeClr val="tx1"/>
-          </a:fontRef>
-        </p:style>
-      </p:cxnSp>
-      <p:cxnSp>
-        <p:nvCxnSpPr>
-          <p:cNvPr id="754" name="Соединительная линия уступом 753"/>
-          <p:cNvCxnSpPr>
-            <a:stCxn id="700" idx="2"/>
-            <a:endCxn id="706" idx="0"/>
+            <a:prstDash val="sysDash"/>
+            <a:tailEnd type="arrow"/>
+          </a:ln>
+        </p:spPr>
+        <p:style>
+          <a:lnRef idx="1">
+            <a:schemeClr val="accent1"/>
+          </a:lnRef>
+          <a:fillRef idx="0">
+            <a:schemeClr val="accent1"/>
+          </a:fillRef>
+          <a:effectRef idx="0">
+            <a:schemeClr val="accent1"/>
+          </a:effectRef>
+          <a:fontRef idx="minor">
+            <a:schemeClr val="tx1"/>
+          </a:fontRef>
+        </p:style>
+      </p:cxnSp>
+      <p:sp>
+        <p:nvSpPr>
+          <p:cNvPr id="828" name="Прямоугольник 827"/>
+          <p:cNvSpPr/>
+          <p:nvPr/>
+        </p:nvSpPr>
+        <p:spPr>
+          <a:xfrm>
+            <a:off x="8145857" y="9311159"/>
+            <a:ext cx="926325" cy="540000"/>
+          </a:xfrm>
+          <a:prstGeom prst="rect">
+            <a:avLst/>
+          </a:prstGeom>
+          <a:noFill/>
+          <a:ln w="19050"/>
+        </p:spPr>
+        <p:style>
+          <a:lnRef idx="2">
+            <a:schemeClr val="accent1"/>
+          </a:lnRef>
+          <a:fillRef idx="1">
+            <a:schemeClr val="lt1"/>
+          </a:fillRef>
+          <a:effectRef idx="0">
+            <a:schemeClr val="accent1"/>
+          </a:effectRef>
+          <a:fontRef idx="minor">
+            <a:schemeClr val="dk1"/>
+          </a:fontRef>
+        </p:style>
+        <p:txBody>
+          <a:bodyPr lIns="124733" tIns="62367" rIns="124733" bIns="62367" rtlCol="0" anchor="ctr"/>
+          <a:lstStyle/>
+          <a:p>
+            <a:pPr algn="ctr"/>
+            <a:r>
+              <a:rPr lang="ru-RU" sz="700" dirty="0"/>
+              <a:t>Вернуть Ост-Индию (ваниль)</a:t>
+            </a:r>
+          </a:p>
+        </p:txBody>
+      </p:sp>
+      <p:sp>
+        <p:nvSpPr>
+          <p:cNvPr id="829" name="Прямоугольник 828"/>
+          <p:cNvSpPr/>
+          <p:nvPr/>
+        </p:nvSpPr>
+        <p:spPr>
+          <a:xfrm>
+            <a:off x="7081332" y="10014018"/>
+            <a:ext cx="926325" cy="540000"/>
+          </a:xfrm>
+          <a:prstGeom prst="rect">
+            <a:avLst/>
+          </a:prstGeom>
+          <a:noFill/>
+          <a:ln w="19050"/>
+        </p:spPr>
+        <p:style>
+          <a:lnRef idx="2">
+            <a:schemeClr val="accent1"/>
+          </a:lnRef>
+          <a:fillRef idx="1">
+            <a:schemeClr val="lt1"/>
+          </a:fillRef>
+          <a:effectRef idx="0">
+            <a:schemeClr val="accent1"/>
+          </a:effectRef>
+          <a:fontRef idx="minor">
+            <a:schemeClr val="dk1"/>
+          </a:fontRef>
+        </p:style>
+        <p:txBody>
+          <a:bodyPr lIns="124733" tIns="62367" rIns="124733" bIns="62367" rtlCol="0" anchor="ctr"/>
+          <a:lstStyle/>
+          <a:p>
+            <a:pPr algn="ctr"/>
+            <a:r>
+              <a:rPr lang="ru-RU" sz="700" dirty="0"/>
+              <a:t>Вернуть владение чайными плантациями (аннексия против </a:t>
+            </a:r>
+            <a:r>
+              <a:rPr lang="ru-RU" sz="700" dirty="0" err="1"/>
+              <a:t>цейлона</a:t>
+            </a:r>
+            <a:r>
+              <a:rPr lang="ru-RU" sz="700" dirty="0"/>
+              <a:t>)</a:t>
+            </a:r>
+          </a:p>
+        </p:txBody>
+      </p:sp>
+      <p:sp>
+        <p:nvSpPr>
+          <p:cNvPr id="830" name="Прямоугольник 829"/>
+          <p:cNvSpPr/>
+          <p:nvPr/>
+        </p:nvSpPr>
+        <p:spPr>
+          <a:xfrm>
+            <a:off x="10315179" y="9299786"/>
+            <a:ext cx="926325" cy="540000"/>
+          </a:xfrm>
+          <a:prstGeom prst="rect">
+            <a:avLst/>
+          </a:prstGeom>
+          <a:noFill/>
+          <a:ln w="19050"/>
+        </p:spPr>
+        <p:style>
+          <a:lnRef idx="2">
+            <a:schemeClr val="accent1"/>
+          </a:lnRef>
+          <a:fillRef idx="1">
+            <a:schemeClr val="lt1"/>
+          </a:fillRef>
+          <a:effectRef idx="0">
+            <a:schemeClr val="accent1"/>
+          </a:effectRef>
+          <a:fontRef idx="minor">
+            <a:schemeClr val="dk1"/>
+          </a:fontRef>
+        </p:style>
+        <p:txBody>
+          <a:bodyPr lIns="124733" tIns="62367" rIns="124733" bIns="62367" rtlCol="0" anchor="ctr"/>
+          <a:lstStyle/>
+          <a:p>
+            <a:pPr algn="ctr"/>
+            <a:r>
+              <a:rPr lang="ru-RU" sz="700" dirty="0"/>
+              <a:t>Вернуть финиковые сады Омана</a:t>
+            </a:r>
+          </a:p>
+        </p:txBody>
+      </p:sp>
+      <p:sp>
+        <p:nvSpPr>
+          <p:cNvPr id="835" name="Прямоугольник 834"/>
+          <p:cNvSpPr/>
+          <p:nvPr/>
+        </p:nvSpPr>
+        <p:spPr>
+          <a:xfrm>
+            <a:off x="11345274" y="8507373"/>
+            <a:ext cx="926325" cy="540000"/>
+          </a:xfrm>
+          <a:prstGeom prst="rect">
+            <a:avLst/>
+          </a:prstGeom>
+          <a:solidFill>
+            <a:srgbClr val="7030A0"/>
+          </a:solidFill>
+          <a:ln w="19050"/>
+        </p:spPr>
+        <p:style>
+          <a:lnRef idx="2">
+            <a:schemeClr val="accent1"/>
+          </a:lnRef>
+          <a:fillRef idx="1">
+            <a:schemeClr val="lt1"/>
+          </a:fillRef>
+          <a:effectRef idx="0">
+            <a:schemeClr val="accent1"/>
+          </a:effectRef>
+          <a:fontRef idx="minor">
+            <a:schemeClr val="dk1"/>
+          </a:fontRef>
+        </p:style>
+        <p:txBody>
+          <a:bodyPr lIns="124733" tIns="62367" rIns="124733" bIns="62367" rtlCol="0" anchor="ctr"/>
+          <a:lstStyle/>
+          <a:p>
+            <a:pPr algn="ctr"/>
+            <a:r>
+              <a:rPr lang="ru-RU" sz="700" dirty="0"/>
+              <a:t>Пятая империя (ваниль)</a:t>
+            </a:r>
+          </a:p>
+        </p:txBody>
+      </p:sp>
+      <p:cxnSp>
+        <p:nvCxnSpPr>
+          <p:cNvPr id="843" name="Соединительная линия уступом 842"/>
+          <p:cNvCxnSpPr>
+            <a:stCxn id="716" idx="2"/>
+            <a:endCxn id="792" idx="0"/>
           </p:cNvCxnSpPr>
           <p:nvPr/>
         </p:nvCxnSpPr>
         <p:spPr>
           <a:xfrm rot="16200000" flipH="1">
-            <a:off x="5625252" y="4505416"/>
-            <a:ext cx="295171" cy="1549462"/>
+            <a:off x="7985424" y="6342702"/>
+            <a:ext cx="210143" cy="1050254"/>
           </a:xfrm>
           <a:prstGeom prst="bentConnector3">
             <a:avLst>
@@ -27311,37 +28374,116 @@
             </a:avLst>
           </a:prstGeom>
           <a:ln w="19050">
-            <a:tailEnd type="arrow"/>
-          </a:ln>
-        </p:spPr>
-        <p:style>
-          <a:lnRef idx="1">
-            <a:schemeClr val="accent1"/>
-          </a:lnRef>
-          <a:fillRef idx="0">
-            <a:schemeClr val="accent1"/>
-          </a:fillRef>
-          <a:effectRef idx="0">
-            <a:schemeClr val="accent1"/>
-          </a:effectRef>
-          <a:fontRef idx="minor">
-            <a:schemeClr val="tx1"/>
-          </a:fontRef>
-        </p:style>
-      </p:cxnSp>
-      <p:cxnSp>
-        <p:nvCxnSpPr>
-          <p:cNvPr id="758" name="Соединительная линия уступом 757"/>
-          <p:cNvCxnSpPr>
-            <a:stCxn id="700" idx="2"/>
-            <a:endCxn id="713" idx="0"/>
+            <a:prstDash val="sysDash"/>
+            <a:tailEnd type="arrow"/>
+          </a:ln>
+        </p:spPr>
+        <p:style>
+          <a:lnRef idx="1">
+            <a:schemeClr val="accent1"/>
+          </a:lnRef>
+          <a:fillRef idx="0">
+            <a:schemeClr val="accent1"/>
+          </a:fillRef>
+          <a:effectRef idx="0">
+            <a:schemeClr val="accent1"/>
+          </a:effectRef>
+          <a:fontRef idx="minor">
+            <a:schemeClr val="tx1"/>
+          </a:fontRef>
+        </p:style>
+      </p:cxnSp>
+      <p:cxnSp>
+        <p:nvCxnSpPr>
+          <p:cNvPr id="852" name="Соединительная линия уступом 851"/>
+          <p:cNvCxnSpPr>
+            <a:stCxn id="736" idx="2"/>
+            <a:endCxn id="805" idx="0"/>
+          </p:cNvCxnSpPr>
+          <p:nvPr/>
+        </p:nvCxnSpPr>
+        <p:spPr>
+          <a:xfrm rot="16200000" flipH="1">
+            <a:off x="6048798" y="5943515"/>
+            <a:ext cx="989127" cy="4126767"/>
+          </a:xfrm>
+          <a:prstGeom prst="bentConnector3">
+            <a:avLst>
+              <a:gd name="adj1" fmla="val 10064"/>
+            </a:avLst>
+          </a:prstGeom>
+          <a:ln w="19050">
+            <a:prstDash val="sysDash"/>
+            <a:tailEnd type="arrow"/>
+          </a:ln>
+        </p:spPr>
+        <p:style>
+          <a:lnRef idx="1">
+            <a:schemeClr val="accent1"/>
+          </a:lnRef>
+          <a:fillRef idx="0">
+            <a:schemeClr val="accent1"/>
+          </a:fillRef>
+          <a:effectRef idx="0">
+            <a:schemeClr val="accent1"/>
+          </a:effectRef>
+          <a:fontRef idx="minor">
+            <a:schemeClr val="tx1"/>
+          </a:fontRef>
+        </p:style>
+      </p:cxnSp>
+      <p:cxnSp>
+        <p:nvCxnSpPr>
+          <p:cNvPr id="855" name="Соединительная линия уступом 854"/>
+          <p:cNvCxnSpPr>
+            <a:stCxn id="779" idx="2"/>
+            <a:endCxn id="805" idx="0"/>
+          </p:cNvCxnSpPr>
+          <p:nvPr/>
+        </p:nvCxnSpPr>
+        <p:spPr>
+          <a:xfrm rot="16200000" flipH="1">
+            <a:off x="6566816" y="6461533"/>
+            <a:ext cx="986853" cy="3093006"/>
+          </a:xfrm>
+          <a:prstGeom prst="bentConnector3">
+            <a:avLst>
+              <a:gd name="adj1" fmla="val 9972"/>
+            </a:avLst>
+          </a:prstGeom>
+          <a:ln w="19050">
+            <a:prstDash val="sysDash"/>
+            <a:tailEnd type="arrow"/>
+          </a:ln>
+        </p:spPr>
+        <p:style>
+          <a:lnRef idx="1">
+            <a:schemeClr val="accent1"/>
+          </a:lnRef>
+          <a:fillRef idx="0">
+            <a:schemeClr val="accent1"/>
+          </a:fillRef>
+          <a:effectRef idx="0">
+            <a:schemeClr val="accent1"/>
+          </a:effectRef>
+          <a:fontRef idx="minor">
+            <a:schemeClr val="tx1"/>
+          </a:fontRef>
+        </p:style>
+      </p:cxnSp>
+      <p:cxnSp>
+        <p:nvCxnSpPr>
+          <p:cNvPr id="860" name="Соединительная линия уступом 859"/>
+          <p:cNvCxnSpPr>
+            <a:stCxn id="739" idx="2"/>
+            <a:endCxn id="779" idx="0"/>
           </p:cNvCxnSpPr>
           <p:nvPr/>
         </p:nvCxnSpPr>
         <p:spPr>
           <a:xfrm rot="5400000">
-            <a:off x="3582959" y="4018185"/>
-            <a:ext cx="300770" cy="2529524"/>
+            <a:off x="5920173" y="6357000"/>
+            <a:ext cx="211176" cy="1024044"/>
           </a:xfrm>
           <a:prstGeom prst="bentConnector3">
             <a:avLst>
@@ -27369,17 +28511,17 @@
       </p:cxnSp>
       <p:cxnSp>
         <p:nvCxnSpPr>
-          <p:cNvPr id="761" name="Соединительная линия уступом 760"/>
-          <p:cNvCxnSpPr>
-            <a:stCxn id="700" idx="2"/>
-            <a:endCxn id="715" idx="0"/>
-          </p:cNvCxnSpPr>
-          <p:nvPr/>
-        </p:nvCxnSpPr>
-        <p:spPr>
-          <a:xfrm rot="5400000">
-            <a:off x="4076369" y="4510675"/>
-            <a:ext cx="299851" cy="1543625"/>
+          <p:cNvPr id="863" name="Соединительная линия уступом 862"/>
+          <p:cNvCxnSpPr>
+            <a:stCxn id="738" idx="2"/>
+            <a:endCxn id="736" idx="0"/>
+          </p:cNvCxnSpPr>
+          <p:nvPr/>
+        </p:nvCxnSpPr>
+        <p:spPr>
+          <a:xfrm rot="16200000" flipH="1">
+            <a:off x="3862766" y="6355124"/>
+            <a:ext cx="209706" cy="1024718"/>
           </a:xfrm>
           <a:prstGeom prst="bentConnector3">
             <a:avLst>
@@ -27405,19 +28547,239 @@
           </a:fontRef>
         </p:style>
       </p:cxnSp>
-      <p:cxnSp>
-        <p:nvCxnSpPr>
-          <p:cNvPr id="764" name="Соединительная линия уступом 763"/>
+      <p:sp>
+        <p:nvSpPr>
+          <p:cNvPr id="866" name="Прямоугольник 865"/>
+          <p:cNvSpPr/>
+          <p:nvPr/>
+        </p:nvSpPr>
+        <p:spPr>
+          <a:xfrm>
+            <a:off x="9246777" y="10002645"/>
+            <a:ext cx="926325" cy="540000"/>
+          </a:xfrm>
+          <a:prstGeom prst="rect">
+            <a:avLst/>
+          </a:prstGeom>
+          <a:noFill/>
+          <a:ln w="19050"/>
+        </p:spPr>
+        <p:style>
+          <a:lnRef idx="2">
+            <a:schemeClr val="accent1"/>
+          </a:lnRef>
+          <a:fillRef idx="1">
+            <a:schemeClr val="lt1"/>
+          </a:fillRef>
+          <a:effectRef idx="0">
+            <a:schemeClr val="accent1"/>
+          </a:effectRef>
+          <a:fontRef idx="minor">
+            <a:schemeClr val="dk1"/>
+          </a:fontRef>
+        </p:style>
+        <p:txBody>
+          <a:bodyPr lIns="124733" tIns="62367" rIns="124733" bIns="62367" rtlCol="0" anchor="ctr"/>
+          <a:lstStyle/>
+          <a:p>
+            <a:pPr algn="ctr"/>
+            <a:r>
+              <a:rPr lang="ru-RU" sz="700" dirty="0"/>
+              <a:t>Вернуть Парагвай</a:t>
+            </a:r>
+          </a:p>
+        </p:txBody>
+      </p:sp>
+      <p:sp>
+        <p:nvSpPr>
+          <p:cNvPr id="867" name="Прямоугольник 866"/>
+          <p:cNvSpPr/>
+          <p:nvPr/>
+        </p:nvSpPr>
+        <p:spPr>
+          <a:xfrm>
+            <a:off x="8148132" y="10002646"/>
+            <a:ext cx="926325" cy="540000"/>
+          </a:xfrm>
+          <a:prstGeom prst="rect">
+            <a:avLst/>
+          </a:prstGeom>
+          <a:noFill/>
+          <a:ln w="19050"/>
+        </p:spPr>
+        <p:style>
+          <a:lnRef idx="2">
+            <a:schemeClr val="accent1"/>
+          </a:lnRef>
+          <a:fillRef idx="1">
+            <a:schemeClr val="lt1"/>
+          </a:fillRef>
+          <a:effectRef idx="0">
+            <a:schemeClr val="accent1"/>
+          </a:effectRef>
+          <a:fontRef idx="minor">
+            <a:schemeClr val="dk1"/>
+          </a:fontRef>
+        </p:style>
+        <p:txBody>
+          <a:bodyPr lIns="124733" tIns="62367" rIns="124733" bIns="62367" rtlCol="0" anchor="ctr"/>
+          <a:lstStyle/>
+          <a:p>
+            <a:pPr algn="ctr"/>
+            <a:r>
+              <a:rPr lang="ru-RU" sz="700" dirty="0"/>
+              <a:t>Расширить территорию в Китае (ваниль)</a:t>
+            </a:r>
+          </a:p>
+        </p:txBody>
+      </p:sp>
+      <p:sp>
+        <p:nvSpPr>
+          <p:cNvPr id="868" name="Прямоугольник 867"/>
+          <p:cNvSpPr/>
+          <p:nvPr/>
+        </p:nvSpPr>
+        <p:spPr>
+          <a:xfrm>
+            <a:off x="8150406" y="10680486"/>
+            <a:ext cx="926325" cy="540000"/>
+          </a:xfrm>
+          <a:prstGeom prst="rect">
+            <a:avLst/>
+          </a:prstGeom>
+          <a:noFill/>
+          <a:ln w="19050"/>
+        </p:spPr>
+        <p:style>
+          <a:lnRef idx="2">
+            <a:schemeClr val="accent1"/>
+          </a:lnRef>
+          <a:fillRef idx="1">
+            <a:schemeClr val="lt1"/>
+          </a:fillRef>
+          <a:effectRef idx="0">
+            <a:schemeClr val="accent1"/>
+          </a:effectRef>
+          <a:fontRef idx="minor">
+            <a:schemeClr val="dk1"/>
+          </a:fontRef>
+        </p:style>
+        <p:txBody>
+          <a:bodyPr lIns="124733" tIns="62367" rIns="124733" bIns="62367" rtlCol="0" anchor="ctr"/>
+          <a:lstStyle/>
+          <a:p>
+            <a:pPr algn="ctr"/>
+            <a:r>
+              <a:rPr lang="ru-RU" sz="700" dirty="0"/>
+              <a:t>Разделаться с Японской угрозой (ваниль)</a:t>
+            </a:r>
+          </a:p>
+        </p:txBody>
+      </p:sp>
+      <p:sp>
+        <p:nvSpPr>
+          <p:cNvPr id="869" name="Прямоугольник 868"/>
+          <p:cNvSpPr/>
+          <p:nvPr/>
+        </p:nvSpPr>
+        <p:spPr>
+          <a:xfrm>
+            <a:off x="7076783" y="9299786"/>
+            <a:ext cx="926325" cy="540000"/>
+          </a:xfrm>
+          <a:prstGeom prst="rect">
+            <a:avLst/>
+          </a:prstGeom>
+          <a:noFill/>
+          <a:ln w="19050"/>
+        </p:spPr>
+        <p:style>
+          <a:lnRef idx="2">
+            <a:schemeClr val="accent1"/>
+          </a:lnRef>
+          <a:fillRef idx="1">
+            <a:schemeClr val="lt1"/>
+          </a:fillRef>
+          <a:effectRef idx="0">
+            <a:schemeClr val="accent1"/>
+          </a:effectRef>
+          <a:fontRef idx="minor">
+            <a:schemeClr val="dk1"/>
+          </a:fontRef>
+        </p:style>
+        <p:txBody>
+          <a:bodyPr lIns="124733" tIns="62367" rIns="124733" bIns="62367" rtlCol="0" anchor="ctr"/>
+          <a:lstStyle/>
+          <a:p>
+            <a:pPr algn="ctr"/>
+            <a:r>
+              <a:rPr lang="ru-RU" sz="700" dirty="0"/>
+              <a:t>Сделать Индию своей (ваниль)</a:t>
+            </a:r>
+          </a:p>
+        </p:txBody>
+      </p:sp>
+      <p:sp>
+        <p:nvSpPr>
+          <p:cNvPr id="870" name="Прямоугольник 869"/>
+          <p:cNvSpPr/>
+          <p:nvPr/>
+        </p:nvSpPr>
+        <p:spPr>
+          <a:xfrm>
+            <a:off x="6014532" y="9302060"/>
+            <a:ext cx="926325" cy="540000"/>
+          </a:xfrm>
+          <a:prstGeom prst="rect">
+            <a:avLst/>
+          </a:prstGeom>
+          <a:noFill/>
+          <a:ln w="19050"/>
+        </p:spPr>
+        <p:style>
+          <a:lnRef idx="2">
+            <a:schemeClr val="accent1"/>
+          </a:lnRef>
+          <a:fillRef idx="1">
+            <a:schemeClr val="lt1"/>
+          </a:fillRef>
+          <a:effectRef idx="0">
+            <a:schemeClr val="accent1"/>
+          </a:effectRef>
+          <a:fontRef idx="minor">
+            <a:schemeClr val="dk1"/>
+          </a:fontRef>
+        </p:style>
+        <p:txBody>
+          <a:bodyPr lIns="124733" tIns="62367" rIns="124733" bIns="62367" rtlCol="0" anchor="ctr"/>
+          <a:lstStyle/>
+          <a:p>
+            <a:pPr algn="ctr"/>
+            <a:r>
+              <a:rPr lang="ru-RU" sz="700" dirty="0"/>
+              <a:t>Вернуть Португальское </a:t>
+            </a:r>
+            <a:r>
+              <a:rPr lang="ru-RU" sz="700" dirty="0" err="1"/>
+              <a:t>Морокко</a:t>
+            </a:r>
+            <a:endParaRPr lang="ru-RU" sz="700" dirty="0"/>
+          </a:p>
+        </p:txBody>
+      </p:sp>
+      <p:cxnSp>
+        <p:nvCxnSpPr>
+          <p:cNvPr id="871" name="Соединительная линия уступом 870"/>
           <p:cNvCxnSpPr>
             <a:stCxn id="700" idx="2"/>
-            <a:endCxn id="708" idx="0"/>
+            <a:endCxn id="650" idx="0"/>
           </p:cNvCxnSpPr>
           <p:nvPr/>
         </p:nvCxnSpPr>
         <p:spPr>
           <a:xfrm rot="16200000" flipH="1">
-            <a:off x="6133903" y="3996765"/>
-            <a:ext cx="293944" cy="2565538"/>
+            <a:off x="6660786" y="3469881"/>
+            <a:ext cx="288051" cy="3613411"/>
           </a:xfrm>
           <a:prstGeom prst="bentConnector3">
             <a:avLst>
@@ -27425,37 +28787,38 @@
             </a:avLst>
           </a:prstGeom>
           <a:ln w="19050">
-            <a:tailEnd type="arrow"/>
-          </a:ln>
-        </p:spPr>
-        <p:style>
-          <a:lnRef idx="1">
-            <a:schemeClr val="accent1"/>
-          </a:lnRef>
-          <a:fillRef idx="0">
-            <a:schemeClr val="accent1"/>
-          </a:fillRef>
-          <a:effectRef idx="0">
-            <a:schemeClr val="accent1"/>
-          </a:effectRef>
-          <a:fontRef idx="minor">
-            <a:schemeClr val="tx1"/>
-          </a:fontRef>
-        </p:style>
-      </p:cxnSp>
-      <p:cxnSp>
-        <p:nvCxnSpPr>
-          <p:cNvPr id="770" name="Соединительная линия уступом 769"/>
-          <p:cNvCxnSpPr>
-            <a:stCxn id="708" idx="2"/>
-            <a:endCxn id="716" idx="0"/>
-          </p:cNvCxnSpPr>
-          <p:nvPr/>
-        </p:nvCxnSpPr>
-        <p:spPr>
-          <a:xfrm rot="16200000" flipH="1">
-            <a:off x="7436380" y="6093770"/>
-            <a:ext cx="256252" cy="1724"/>
+            <a:prstDash val="sysDash"/>
+            <a:tailEnd type="arrow"/>
+          </a:ln>
+        </p:spPr>
+        <p:style>
+          <a:lnRef idx="1">
+            <a:schemeClr val="accent1"/>
+          </a:lnRef>
+          <a:fillRef idx="0">
+            <a:schemeClr val="accent1"/>
+          </a:fillRef>
+          <a:effectRef idx="0">
+            <a:schemeClr val="accent1"/>
+          </a:effectRef>
+          <a:fontRef idx="minor">
+            <a:schemeClr val="tx1"/>
+          </a:fontRef>
+        </p:style>
+      </p:cxnSp>
+      <p:cxnSp>
+        <p:nvCxnSpPr>
+          <p:cNvPr id="874" name="Соединительная линия уступом 873"/>
+          <p:cNvCxnSpPr>
+            <a:stCxn id="646" idx="2"/>
+            <a:endCxn id="650" idx="0"/>
+          </p:cNvCxnSpPr>
+          <p:nvPr/>
+        </p:nvCxnSpPr>
+        <p:spPr>
+          <a:xfrm rot="5400000">
+            <a:off x="9794197" y="3947252"/>
+            <a:ext cx="290682" cy="2656041"/>
           </a:xfrm>
           <a:prstGeom prst="bentConnector3">
             <a:avLst>
@@ -27463,37 +28826,38 @@
             </a:avLst>
           </a:prstGeom>
           <a:ln w="19050">
-            <a:tailEnd type="arrow"/>
-          </a:ln>
-        </p:spPr>
-        <p:style>
-          <a:lnRef idx="1">
-            <a:schemeClr val="accent1"/>
-          </a:lnRef>
-          <a:fillRef idx="0">
-            <a:schemeClr val="accent1"/>
-          </a:fillRef>
-          <a:effectRef idx="0">
-            <a:schemeClr val="accent1"/>
-          </a:effectRef>
-          <a:fontRef idx="minor">
-            <a:schemeClr val="tx1"/>
-          </a:fontRef>
-        </p:style>
-      </p:cxnSp>
-      <p:cxnSp>
-        <p:nvCxnSpPr>
-          <p:cNvPr id="773" name="Соединительная линия уступом 772"/>
-          <p:cNvCxnSpPr>
-            <a:stCxn id="713" idx="2"/>
-            <a:endCxn id="724" idx="0"/>
+            <a:prstDash val="sysDash"/>
+            <a:tailEnd type="arrow"/>
+          </a:ln>
+        </p:spPr>
+        <p:style>
+          <a:lnRef idx="1">
+            <a:schemeClr val="accent1"/>
+          </a:lnRef>
+          <a:fillRef idx="0">
+            <a:schemeClr val="accent1"/>
+          </a:fillRef>
+          <a:effectRef idx="0">
+            <a:schemeClr val="accent1"/>
+          </a:effectRef>
+          <a:fontRef idx="minor">
+            <a:schemeClr val="tx1"/>
+          </a:fontRef>
+        </p:style>
+      </p:cxnSp>
+      <p:cxnSp>
+        <p:nvCxnSpPr>
+          <p:cNvPr id="877" name="Соединительная линия уступом 876"/>
+          <p:cNvCxnSpPr>
+            <a:stCxn id="805" idx="2"/>
+            <a:endCxn id="870" idx="0"/>
           </p:cNvCxnSpPr>
           <p:nvPr/>
         </p:nvCxnSpPr>
         <p:spPr>
           <a:xfrm rot="5400000">
-            <a:off x="2093725" y="5847773"/>
-            <a:ext cx="249298" cy="500416"/>
+            <a:off x="7411922" y="8107236"/>
+            <a:ext cx="260597" cy="2129050"/>
           </a:xfrm>
           <a:prstGeom prst="bentConnector3">
             <a:avLst>
@@ -27521,21 +28885,21 @@
       </p:cxnSp>
       <p:cxnSp>
         <p:nvCxnSpPr>
-          <p:cNvPr id="776" name="Соединительная линия уступом 775"/>
-          <p:cNvCxnSpPr>
-            <a:stCxn id="713" idx="2"/>
-            <a:endCxn id="722" idx="0"/>
+          <p:cNvPr id="880" name="Соединительная линия уступом 879"/>
+          <p:cNvCxnSpPr>
+            <a:stCxn id="805" idx="2"/>
+            <a:endCxn id="830" idx="0"/>
           </p:cNvCxnSpPr>
           <p:nvPr/>
         </p:nvCxnSpPr>
         <p:spPr>
           <a:xfrm rot="16200000" flipH="1">
-            <a:off x="2213487" y="6228426"/>
-            <a:ext cx="997915" cy="487725"/>
+            <a:off x="9563382" y="8084825"/>
+            <a:ext cx="258323" cy="2171597"/>
           </a:xfrm>
           <a:prstGeom prst="bentConnector3">
             <a:avLst>
-              <a:gd name="adj1" fmla="val 12615"/>
+              <a:gd name="adj1" fmla="val 50000"/>
             </a:avLst>
           </a:prstGeom>
           <a:ln w="19050">
@@ -27557,15 +28921,309 @@
           </a:fontRef>
         </p:style>
       </p:cxnSp>
-      <p:sp>
-        <p:nvSpPr>
-          <p:cNvPr id="779" name="Прямоугольник 778"/>
+      <p:cxnSp>
+        <p:nvCxnSpPr>
+          <p:cNvPr id="883" name="Соединительная линия уступом 882"/>
+          <p:cNvCxnSpPr>
+            <a:stCxn id="805" idx="2"/>
+            <a:endCxn id="869" idx="0"/>
+          </p:cNvCxnSpPr>
+          <p:nvPr/>
+        </p:nvCxnSpPr>
+        <p:spPr>
+          <a:xfrm rot="5400000">
+            <a:off x="7944185" y="8637225"/>
+            <a:ext cx="258323" cy="1066799"/>
+          </a:xfrm>
+          <a:prstGeom prst="bentConnector3">
+            <a:avLst>
+              <a:gd name="adj1" fmla="val 50000"/>
+            </a:avLst>
+          </a:prstGeom>
+          <a:ln w="19050">
+            <a:tailEnd type="arrow"/>
+          </a:ln>
+        </p:spPr>
+        <p:style>
+          <a:lnRef idx="1">
+            <a:schemeClr val="accent1"/>
+          </a:lnRef>
+          <a:fillRef idx="0">
+            <a:schemeClr val="accent1"/>
+          </a:fillRef>
+          <a:effectRef idx="0">
+            <a:schemeClr val="accent1"/>
+          </a:effectRef>
+          <a:fontRef idx="minor">
+            <a:schemeClr val="tx1"/>
+          </a:fontRef>
+        </p:style>
+      </p:cxnSp>
+      <p:cxnSp>
+        <p:nvCxnSpPr>
+          <p:cNvPr id="886" name="Соединительная линия уступом 885"/>
+          <p:cNvCxnSpPr>
+            <a:stCxn id="805" idx="2"/>
+            <a:endCxn id="806" idx="0"/>
+          </p:cNvCxnSpPr>
+          <p:nvPr/>
+        </p:nvCxnSpPr>
+        <p:spPr>
+          <a:xfrm rot="16200000" flipH="1">
+            <a:off x="9029181" y="8619026"/>
+            <a:ext cx="256048" cy="1100921"/>
+          </a:xfrm>
+          <a:prstGeom prst="bentConnector3">
+            <a:avLst>
+              <a:gd name="adj1" fmla="val 50000"/>
+            </a:avLst>
+          </a:prstGeom>
+          <a:ln w="19050">
+            <a:tailEnd type="arrow"/>
+          </a:ln>
+        </p:spPr>
+        <p:style>
+          <a:lnRef idx="1">
+            <a:schemeClr val="accent1"/>
+          </a:lnRef>
+          <a:fillRef idx="0">
+            <a:schemeClr val="accent1"/>
+          </a:fillRef>
+          <a:effectRef idx="0">
+            <a:schemeClr val="accent1"/>
+          </a:effectRef>
+          <a:fontRef idx="minor">
+            <a:schemeClr val="tx1"/>
+          </a:fontRef>
+        </p:style>
+      </p:cxnSp>
+      <p:cxnSp>
+        <p:nvCxnSpPr>
+          <p:cNvPr id="889" name="Прямая со стрелкой 888"/>
+          <p:cNvCxnSpPr>
+            <a:stCxn id="805" idx="2"/>
+            <a:endCxn id="828" idx="0"/>
+          </p:cNvCxnSpPr>
+          <p:nvPr/>
+        </p:nvCxnSpPr>
+        <p:spPr>
+          <a:xfrm>
+            <a:off x="8606745" y="9041463"/>
+            <a:ext cx="2275" cy="269696"/>
+          </a:xfrm>
+          <a:prstGeom prst="straightConnector1">
+            <a:avLst/>
+          </a:prstGeom>
+          <a:ln w="19050">
+            <a:tailEnd type="arrow"/>
+          </a:ln>
+        </p:spPr>
+        <p:style>
+          <a:lnRef idx="1">
+            <a:schemeClr val="accent1"/>
+          </a:lnRef>
+          <a:fillRef idx="0">
+            <a:schemeClr val="accent1"/>
+          </a:fillRef>
+          <a:effectRef idx="0">
+            <a:schemeClr val="accent1"/>
+          </a:effectRef>
+          <a:fontRef idx="minor">
+            <a:schemeClr val="tx1"/>
+          </a:fontRef>
+        </p:style>
+      </p:cxnSp>
+      <p:cxnSp>
+        <p:nvCxnSpPr>
+          <p:cNvPr id="892" name="Прямая со стрелкой 891"/>
+          <p:cNvCxnSpPr>
+            <a:stCxn id="869" idx="2"/>
+            <a:endCxn id="829" idx="0"/>
+          </p:cNvCxnSpPr>
+          <p:nvPr/>
+        </p:nvCxnSpPr>
+        <p:spPr>
+          <a:xfrm>
+            <a:off x="7539946" y="9839786"/>
+            <a:ext cx="4549" cy="174232"/>
+          </a:xfrm>
+          <a:prstGeom prst="straightConnector1">
+            <a:avLst/>
+          </a:prstGeom>
+          <a:ln w="19050">
+            <a:tailEnd type="arrow"/>
+          </a:ln>
+        </p:spPr>
+        <p:style>
+          <a:lnRef idx="1">
+            <a:schemeClr val="accent1"/>
+          </a:lnRef>
+          <a:fillRef idx="0">
+            <a:schemeClr val="accent1"/>
+          </a:fillRef>
+          <a:effectRef idx="0">
+            <a:schemeClr val="accent1"/>
+          </a:effectRef>
+          <a:fontRef idx="minor">
+            <a:schemeClr val="tx1"/>
+          </a:fontRef>
+        </p:style>
+      </p:cxnSp>
+      <p:cxnSp>
+        <p:nvCxnSpPr>
+          <p:cNvPr id="895" name="Прямая со стрелкой 894"/>
+          <p:cNvCxnSpPr>
+            <a:stCxn id="828" idx="2"/>
+            <a:endCxn id="867" idx="0"/>
+          </p:cNvCxnSpPr>
+          <p:nvPr/>
+        </p:nvCxnSpPr>
+        <p:spPr>
+          <a:xfrm>
+            <a:off x="8609020" y="9851159"/>
+            <a:ext cx="2275" cy="151487"/>
+          </a:xfrm>
+          <a:prstGeom prst="straightConnector1">
+            <a:avLst/>
+          </a:prstGeom>
+          <a:ln w="19050">
+            <a:tailEnd type="arrow"/>
+          </a:ln>
+        </p:spPr>
+        <p:style>
+          <a:lnRef idx="1">
+            <a:schemeClr val="accent1"/>
+          </a:lnRef>
+          <a:fillRef idx="0">
+            <a:schemeClr val="accent1"/>
+          </a:fillRef>
+          <a:effectRef idx="0">
+            <a:schemeClr val="accent1"/>
+          </a:effectRef>
+          <a:fontRef idx="minor">
+            <a:schemeClr val="tx1"/>
+          </a:fontRef>
+        </p:style>
+      </p:cxnSp>
+      <p:cxnSp>
+        <p:nvCxnSpPr>
+          <p:cNvPr id="898" name="Прямая со стрелкой 897"/>
+          <p:cNvCxnSpPr>
+            <a:stCxn id="806" idx="2"/>
+            <a:endCxn id="866" idx="0"/>
+          </p:cNvCxnSpPr>
+          <p:nvPr/>
+        </p:nvCxnSpPr>
+        <p:spPr>
+          <a:xfrm>
+            <a:off x="9707666" y="9837511"/>
+            <a:ext cx="2274" cy="165134"/>
+          </a:xfrm>
+          <a:prstGeom prst="straightConnector1">
+            <a:avLst/>
+          </a:prstGeom>
+          <a:ln w="19050">
+            <a:tailEnd type="arrow"/>
+          </a:ln>
+        </p:spPr>
+        <p:style>
+          <a:lnRef idx="1">
+            <a:schemeClr val="accent1"/>
+          </a:lnRef>
+          <a:fillRef idx="0">
+            <a:schemeClr val="accent1"/>
+          </a:fillRef>
+          <a:effectRef idx="0">
+            <a:schemeClr val="accent1"/>
+          </a:effectRef>
+          <a:fontRef idx="minor">
+            <a:schemeClr val="tx1"/>
+          </a:fontRef>
+        </p:style>
+      </p:cxnSp>
+      <p:cxnSp>
+        <p:nvCxnSpPr>
+          <p:cNvPr id="901" name="Прямая со стрелкой 900"/>
+          <p:cNvCxnSpPr>
+            <a:stCxn id="867" idx="2"/>
+            <a:endCxn id="868" idx="0"/>
+          </p:cNvCxnSpPr>
+          <p:nvPr/>
+        </p:nvCxnSpPr>
+        <p:spPr>
+          <a:xfrm>
+            <a:off x="8611295" y="10542646"/>
+            <a:ext cx="2274" cy="137840"/>
+          </a:xfrm>
+          <a:prstGeom prst="straightConnector1">
+            <a:avLst/>
+          </a:prstGeom>
+          <a:ln w="19050">
+            <a:tailEnd type="arrow"/>
+          </a:ln>
+        </p:spPr>
+        <p:style>
+          <a:lnRef idx="1">
+            <a:schemeClr val="accent1"/>
+          </a:lnRef>
+          <a:fillRef idx="0">
+            <a:schemeClr val="accent1"/>
+          </a:fillRef>
+          <a:effectRef idx="0">
+            <a:schemeClr val="accent1"/>
+          </a:effectRef>
+          <a:fontRef idx="minor">
+            <a:schemeClr val="tx1"/>
+          </a:fontRef>
+        </p:style>
+      </p:cxnSp>
+      <p:cxnSp>
+        <p:nvCxnSpPr>
+          <p:cNvPr id="904" name="Соединительная линия уступом 903"/>
+          <p:cNvCxnSpPr>
+            <a:stCxn id="667" idx="2"/>
+            <a:endCxn id="689" idx="0"/>
+          </p:cNvCxnSpPr>
+          <p:nvPr/>
+        </p:nvCxnSpPr>
+        <p:spPr>
+          <a:xfrm rot="16200000" flipH="1">
+            <a:off x="16804451" y="2889061"/>
+            <a:ext cx="240195" cy="3167781"/>
+          </a:xfrm>
+          <a:prstGeom prst="bentConnector3">
+            <a:avLst>
+              <a:gd name="adj1" fmla="val 50000"/>
+            </a:avLst>
+          </a:prstGeom>
+          <a:ln w="19050">
+            <a:tailEnd type="arrow"/>
+          </a:ln>
+        </p:spPr>
+        <p:style>
+          <a:lnRef idx="1">
+            <a:schemeClr val="accent1"/>
+          </a:lnRef>
+          <a:fillRef idx="0">
+            <a:schemeClr val="accent1"/>
+          </a:fillRef>
+          <a:effectRef idx="0">
+            <a:schemeClr val="accent1"/>
+          </a:effectRef>
+          <a:fontRef idx="minor">
+            <a:schemeClr val="tx1"/>
+          </a:fontRef>
+        </p:style>
+      </p:cxnSp>
+      <p:sp>
+        <p:nvSpPr>
+          <p:cNvPr id="690" name="Прямоугольник 689"/>
           <p:cNvSpPr/>
           <p:nvPr/>
         </p:nvSpPr>
         <p:spPr>
           <a:xfrm>
-            <a:off x="5050576" y="6974610"/>
+            <a:off x="5058406" y="6221880"/>
             <a:ext cx="926325" cy="540000"/>
           </a:xfrm>
           <a:prstGeom prst="rect">
@@ -27599,24 +29257,62 @@
             <a:pPr algn="ctr"/>
             <a:r>
               <a:rPr lang="ru-RU" sz="700" dirty="0"/>
-              <a:t>Вернуть Бразилию</a:t>
-            </a:r>
-          </a:p>
-        </p:txBody>
-      </p:sp>
-      <p:cxnSp>
-        <p:nvCxnSpPr>
-          <p:cNvPr id="780" name="Соединительная линия уступом 779"/>
-          <p:cNvCxnSpPr>
-            <a:stCxn id="727" idx="2"/>
-            <a:endCxn id="738" idx="0"/>
+              <a:t>Свой путь</a:t>
+            </a:r>
+          </a:p>
+        </p:txBody>
+      </p:sp>
+      <p:cxnSp>
+        <p:nvCxnSpPr>
+          <p:cNvPr id="730" name="Прямая соединительная линия 729"/>
+          <p:cNvCxnSpPr>
+            <a:stCxn id="808" idx="3"/>
+            <a:endCxn id="690" idx="1"/>
+          </p:cNvCxnSpPr>
+          <p:nvPr/>
+        </p:nvCxnSpPr>
+        <p:spPr>
+          <a:xfrm flipV="1">
+            <a:off x="4947128" y="6491880"/>
+            <a:ext cx="111278" cy="1227"/>
+          </a:xfrm>
+          <a:prstGeom prst="line">
+            <a:avLst/>
+          </a:prstGeom>
+          <a:ln w="19050">
+            <a:solidFill>
+              <a:srgbClr val="FF0000"/>
+            </a:solidFill>
+          </a:ln>
+        </p:spPr>
+        <p:style>
+          <a:lnRef idx="1">
+            <a:schemeClr val="accent1"/>
+          </a:lnRef>
+          <a:fillRef idx="0">
+            <a:schemeClr val="accent1"/>
+          </a:fillRef>
+          <a:effectRef idx="0">
+            <a:schemeClr val="accent1"/>
+          </a:effectRef>
+          <a:fontRef idx="minor">
+            <a:schemeClr val="tx1"/>
+          </a:fontRef>
+        </p:style>
+      </p:cxnSp>
+      <p:cxnSp>
+        <p:nvCxnSpPr>
+          <p:cNvPr id="731" name="Соединительная линия уступом 730"/>
+          <p:cNvCxnSpPr>
+            <a:stCxn id="690" idx="2"/>
+            <a:endCxn id="736" idx="0"/>
           </p:cNvCxnSpPr>
           <p:nvPr/>
         </p:nvCxnSpPr>
         <p:spPr>
           <a:xfrm rot="5400000">
-            <a:off x="4359030" y="5064096"/>
-            <a:ext cx="254765" cy="2062303"/>
+            <a:off x="4895546" y="6346313"/>
+            <a:ext cx="210456" cy="1041591"/>
           </a:xfrm>
           <a:prstGeom prst="bentConnector3">
             <a:avLst>
@@ -27645,17 +29341,17 @@
       </p:cxnSp>
       <p:cxnSp>
         <p:nvCxnSpPr>
-          <p:cNvPr id="783" name="Соединительная линия уступом 782"/>
+          <p:cNvPr id="732" name="Соединительная линия уступом 731"/>
           <p:cNvCxnSpPr>
             <a:stCxn id="727" idx="2"/>
-            <a:endCxn id="739" idx="0"/>
-          </p:cNvCxnSpPr>
-          <p:nvPr/>
-        </p:nvCxnSpPr>
-        <p:spPr>
-          <a:xfrm rot="16200000" flipH="1">
-            <a:off x="5899889" y="5585539"/>
-            <a:ext cx="255569" cy="1020220"/>
+            <a:endCxn id="808" idx="0"/>
+          </p:cNvCxnSpPr>
+          <p:nvPr/>
+        </p:nvCxnSpPr>
+        <p:spPr>
+          <a:xfrm rot="5400000">
+            <a:off x="4873144" y="5578688"/>
+            <a:ext cx="255242" cy="1033597"/>
           </a:xfrm>
           <a:prstGeom prst="bentConnector3">
             <a:avLst>
@@ -27684,17 +29380,17 @@
       </p:cxnSp>
       <p:cxnSp>
         <p:nvCxnSpPr>
-          <p:cNvPr id="786" name="Соединительная линия уступом 785"/>
+          <p:cNvPr id="733" name="Соединительная линия уступом 732"/>
           <p:cNvCxnSpPr>
             <a:stCxn id="725" idx="2"/>
-            <a:endCxn id="738" idx="0"/>
-          </p:cNvCxnSpPr>
-          <p:nvPr/>
-        </p:nvCxnSpPr>
-        <p:spPr>
-          <a:xfrm rot="5400000">
-            <a:off x="3839645" y="5583480"/>
-            <a:ext cx="254765" cy="1023534"/>
+            <a:endCxn id="690" idx="0"/>
+          </p:cNvCxnSpPr>
+          <p:nvPr/>
+        </p:nvCxnSpPr>
+        <p:spPr>
+          <a:xfrm rot="16200000" flipH="1">
+            <a:off x="4873174" y="5573484"/>
+            <a:ext cx="254015" cy="1042775"/>
           </a:xfrm>
           <a:prstGeom prst="bentConnector3">
             <a:avLst>
@@ -27723,17 +29419,17 @@
       </p:cxnSp>
       <p:cxnSp>
         <p:nvCxnSpPr>
-          <p:cNvPr id="789" name="Соединительная линия уступом 788"/>
-          <p:cNvCxnSpPr>
-            <a:stCxn id="725" idx="2"/>
-            <a:endCxn id="739" idx="0"/>
-          </p:cNvCxnSpPr>
-          <p:nvPr/>
-        </p:nvCxnSpPr>
-        <p:spPr>
-          <a:xfrm rot="16200000" flipH="1">
-            <a:off x="5380504" y="5066154"/>
-            <a:ext cx="255569" cy="2058989"/>
+          <p:cNvPr id="734" name="Соединительная линия уступом 733"/>
+          <p:cNvCxnSpPr>
+            <a:stCxn id="690" idx="2"/>
+            <a:endCxn id="779" idx="0"/>
+          </p:cNvCxnSpPr>
+          <p:nvPr/>
+        </p:nvCxnSpPr>
+        <p:spPr>
+          <a:xfrm rot="5400000">
+            <a:off x="5411289" y="6864330"/>
+            <a:ext cx="212730" cy="7830"/>
           </a:xfrm>
           <a:prstGeom prst="bentConnector3">
             <a:avLst>
@@ -27762,178 +29458,13 @@
       </p:cxnSp>
       <p:sp>
         <p:nvSpPr>
-          <p:cNvPr id="792" name="Прямоугольник 791"/>
+          <p:cNvPr id="735" name="Прямоугольник 734"/>
           <p:cNvSpPr/>
           <p:nvPr/>
         </p:nvSpPr>
         <p:spPr>
           <a:xfrm>
-            <a:off x="8152459" y="6972901"/>
-            <a:ext cx="926325" cy="540000"/>
-          </a:xfrm>
-          <a:prstGeom prst="rect">
-            <a:avLst/>
-          </a:prstGeom>
-          <a:noFill/>
-          <a:ln w="19050"/>
-        </p:spPr>
-        <p:style>
-          <a:lnRef idx="2">
-            <a:schemeClr val="accent1"/>
-          </a:lnRef>
-          <a:fillRef idx="1">
-            <a:schemeClr val="lt1"/>
-          </a:fillRef>
-          <a:effectRef idx="0">
-            <a:schemeClr val="accent1"/>
-          </a:effectRef>
-          <a:fontRef idx="minor">
-            <a:schemeClr val="dk1"/>
-          </a:fontRef>
-        </p:style>
-        <p:txBody>
-          <a:bodyPr lIns="124733" tIns="62367" rIns="124733" bIns="62367" rtlCol="0" anchor="ctr"/>
-          <a:lstStyle/>
-          <a:p>
-            <a:pPr algn="ctr"/>
-            <a:r>
-              <a:rPr lang="ru-RU" sz="700" dirty="0"/>
-              <a:t>Католический университет Португалии</a:t>
-            </a:r>
-          </a:p>
-        </p:txBody>
-      </p:sp>
-      <p:cxnSp>
-        <p:nvCxnSpPr>
-          <p:cNvPr id="793" name="Прямая со стрелкой 792"/>
-          <p:cNvCxnSpPr>
-            <a:stCxn id="724" idx="2"/>
-            <a:endCxn id="709" idx="0"/>
-          </p:cNvCxnSpPr>
-          <p:nvPr/>
-        </p:nvCxnSpPr>
-        <p:spPr>
-          <a:xfrm>
-            <a:off x="1968166" y="6762630"/>
-            <a:ext cx="3585" cy="207360"/>
-          </a:xfrm>
-          <a:prstGeom prst="straightConnector1">
-            <a:avLst/>
-          </a:prstGeom>
-          <a:ln w="19050">
-            <a:tailEnd type="arrow"/>
-          </a:ln>
-        </p:spPr>
-        <p:style>
-          <a:lnRef idx="1">
-            <a:schemeClr val="accent1"/>
-          </a:lnRef>
-          <a:fillRef idx="0">
-            <a:schemeClr val="accent1"/>
-          </a:fillRef>
-          <a:effectRef idx="0">
-            <a:schemeClr val="accent1"/>
-          </a:effectRef>
-          <a:fontRef idx="minor">
-            <a:schemeClr val="tx1"/>
-          </a:fontRef>
-        </p:style>
-      </p:cxnSp>
-      <p:sp>
-        <p:nvSpPr>
-          <p:cNvPr id="805" name="Прямоугольник 804"/>
-          <p:cNvSpPr/>
-          <p:nvPr/>
-        </p:nvSpPr>
-        <p:spPr>
-          <a:xfrm>
-            <a:off x="8143582" y="8501463"/>
-            <a:ext cx="926325" cy="540000"/>
-          </a:xfrm>
-          <a:prstGeom prst="rect">
-            <a:avLst/>
-          </a:prstGeom>
-          <a:noFill/>
-          <a:ln w="19050"/>
-        </p:spPr>
-        <p:style>
-          <a:lnRef idx="2">
-            <a:schemeClr val="accent1"/>
-          </a:lnRef>
-          <a:fillRef idx="1">
-            <a:schemeClr val="lt1"/>
-          </a:fillRef>
-          <a:effectRef idx="0">
-            <a:schemeClr val="accent1"/>
-          </a:effectRef>
-          <a:fontRef idx="minor">
-            <a:schemeClr val="dk1"/>
-          </a:fontRef>
-        </p:style>
-        <p:txBody>
-          <a:bodyPr lIns="124733" tIns="62367" rIns="124733" bIns="62367" rtlCol="0" anchor="ctr"/>
-          <a:lstStyle/>
-          <a:p>
-            <a:pPr algn="ctr"/>
-            <a:r>
-              <a:rPr lang="ru-RU" sz="700" dirty="0"/>
-              <a:t>Розовая карта</a:t>
-            </a:r>
-          </a:p>
-        </p:txBody>
-      </p:sp>
-      <p:sp>
-        <p:nvSpPr>
-          <p:cNvPr id="806" name="Прямоугольник 805"/>
-          <p:cNvSpPr/>
-          <p:nvPr/>
-        </p:nvSpPr>
-        <p:spPr>
-          <a:xfrm>
-            <a:off x="9244503" y="9297511"/>
-            <a:ext cx="926325" cy="540000"/>
-          </a:xfrm>
-          <a:prstGeom prst="rect">
-            <a:avLst/>
-          </a:prstGeom>
-          <a:noFill/>
-          <a:ln w="19050"/>
-        </p:spPr>
-        <p:style>
-          <a:lnRef idx="2">
-            <a:schemeClr val="accent1"/>
-          </a:lnRef>
-          <a:fillRef idx="1">
-            <a:schemeClr val="lt1"/>
-          </a:fillRef>
-          <a:effectRef idx="0">
-            <a:schemeClr val="accent1"/>
-          </a:effectRef>
-          <a:fontRef idx="minor">
-            <a:schemeClr val="dk1"/>
-          </a:fontRef>
-        </p:style>
-        <p:txBody>
-          <a:bodyPr lIns="124733" tIns="62367" rIns="124733" bIns="62367" rtlCol="0" anchor="ctr"/>
-          <a:lstStyle/>
-          <a:p>
-            <a:pPr algn="ctr"/>
-            <a:r>
-              <a:rPr lang="ru-RU" sz="700" dirty="0"/>
-              <a:t>Вернуть Уругвай</a:t>
-            </a:r>
-          </a:p>
-        </p:txBody>
-      </p:sp>
-      <p:sp>
-        <p:nvSpPr>
-          <p:cNvPr id="808" name="Прямоугольник 807"/>
-          <p:cNvSpPr/>
-          <p:nvPr/>
-        </p:nvSpPr>
-        <p:spPr>
-          <a:xfrm>
-            <a:off x="4020803" y="6223107"/>
+            <a:off x="2001440" y="7763094"/>
             <a:ext cx="926325" cy="540000"/>
           </a:xfrm>
           <a:prstGeom prst="rect">
@@ -27967,62 +29498,25 @@
             <a:pPr algn="ctr"/>
             <a:r>
               <a:rPr lang="ru-RU" sz="700" dirty="0"/>
-              <a:t>Присоединиться к Италии</a:t>
-            </a:r>
-          </a:p>
-        </p:txBody>
-      </p:sp>
-      <p:cxnSp>
-        <p:nvCxnSpPr>
-          <p:cNvPr id="810" name="Прямая соединительная линия 809"/>
-          <p:cNvCxnSpPr>
-            <a:stCxn id="690" idx="3"/>
-            <a:endCxn id="739" idx="1"/>
-          </p:cNvCxnSpPr>
-          <p:nvPr/>
-        </p:nvCxnSpPr>
-        <p:spPr>
-          <a:xfrm>
-            <a:off x="5984731" y="6491880"/>
-            <a:ext cx="89889" cy="1554"/>
-          </a:xfrm>
-          <a:prstGeom prst="line">
-            <a:avLst/>
-          </a:prstGeom>
-          <a:ln w="19050">
-            <a:solidFill>
-              <a:srgbClr val="FF0000"/>
-            </a:solidFill>
-          </a:ln>
-        </p:spPr>
-        <p:style>
-          <a:lnRef idx="1">
-            <a:schemeClr val="accent1"/>
-          </a:lnRef>
-          <a:fillRef idx="0">
-            <a:schemeClr val="accent1"/>
-          </a:fillRef>
-          <a:effectRef idx="0">
-            <a:schemeClr val="accent1"/>
-          </a:effectRef>
-          <a:fontRef idx="minor">
-            <a:schemeClr val="tx1"/>
-          </a:fontRef>
-        </p:style>
-      </p:cxnSp>
-      <p:cxnSp>
-        <p:nvCxnSpPr>
-          <p:cNvPr id="813" name="Соединительная линия уступом 812"/>
-          <p:cNvCxnSpPr>
-            <a:stCxn id="808" idx="2"/>
-            <a:endCxn id="779" idx="0"/>
-          </p:cNvCxnSpPr>
-          <p:nvPr/>
-        </p:nvCxnSpPr>
-        <p:spPr>
-          <a:xfrm rot="16200000" flipH="1">
-            <a:off x="4893101" y="6353971"/>
-            <a:ext cx="211503" cy="1029773"/>
+              <a:t>Рабочие суды</a:t>
+            </a:r>
+            <a:endParaRPr lang="ru-RU" sz="200" dirty="0"/>
+          </a:p>
+        </p:txBody>
+      </p:sp>
+      <p:cxnSp>
+        <p:nvCxnSpPr>
+          <p:cNvPr id="744" name="Соединительная линия уступом 743"/>
+          <p:cNvCxnSpPr>
+            <a:stCxn id="722" idx="2"/>
+            <a:endCxn id="735" idx="0"/>
+          </p:cNvCxnSpPr>
+          <p:nvPr/>
+        </p:nvCxnSpPr>
+        <p:spPr>
+          <a:xfrm rot="5400000">
+            <a:off x="2584532" y="7391318"/>
+            <a:ext cx="251847" cy="491704"/>
           </a:xfrm>
           <a:prstGeom prst="bentConnector3">
             <a:avLst>
@@ -28030,38 +29524,37 @@
             </a:avLst>
           </a:prstGeom>
           <a:ln w="19050">
-            <a:prstDash val="sysDash"/>
-            <a:tailEnd type="arrow"/>
-          </a:ln>
-        </p:spPr>
-        <p:style>
-          <a:lnRef idx="1">
-            <a:schemeClr val="accent1"/>
-          </a:lnRef>
-          <a:fillRef idx="0">
-            <a:schemeClr val="accent1"/>
-          </a:fillRef>
-          <a:effectRef idx="0">
-            <a:schemeClr val="accent1"/>
-          </a:effectRef>
-          <a:fontRef idx="minor">
-            <a:schemeClr val="tx1"/>
-          </a:fontRef>
-        </p:style>
-      </p:cxnSp>
-      <p:cxnSp>
-        <p:nvCxnSpPr>
-          <p:cNvPr id="816" name="Соединительная линия уступом 815"/>
-          <p:cNvCxnSpPr>
-            <a:stCxn id="808" idx="2"/>
-            <a:endCxn id="736" idx="0"/>
-          </p:cNvCxnSpPr>
-          <p:nvPr/>
-        </p:nvCxnSpPr>
-        <p:spPr>
-          <a:xfrm rot="5400000">
-            <a:off x="4377358" y="6865727"/>
-            <a:ext cx="209229" cy="3988"/>
+            <a:tailEnd type="arrow"/>
+          </a:ln>
+        </p:spPr>
+        <p:style>
+          <a:lnRef idx="1">
+            <a:schemeClr val="accent1"/>
+          </a:lnRef>
+          <a:fillRef idx="0">
+            <a:schemeClr val="accent1"/>
+          </a:fillRef>
+          <a:effectRef idx="0">
+            <a:schemeClr val="accent1"/>
+          </a:effectRef>
+          <a:fontRef idx="minor">
+            <a:schemeClr val="tx1"/>
+          </a:fontRef>
+        </p:style>
+      </p:cxnSp>
+      <p:cxnSp>
+        <p:nvCxnSpPr>
+          <p:cNvPr id="747" name="Соединительная линия уступом 746"/>
+          <p:cNvCxnSpPr>
+            <a:stCxn id="709" idx="2"/>
+            <a:endCxn id="735" idx="0"/>
+          </p:cNvCxnSpPr>
+          <p:nvPr/>
+        </p:nvCxnSpPr>
+        <p:spPr>
+          <a:xfrm rot="16200000" flipH="1">
+            <a:off x="2091625" y="7390116"/>
+            <a:ext cx="253104" cy="492852"/>
           </a:xfrm>
           <a:prstGeom prst="bentConnector3">
             <a:avLst>
@@ -28069,41 +29562,48 @@
             </a:avLst>
           </a:prstGeom>
           <a:ln w="19050">
-            <a:prstDash val="sysDash"/>
-            <a:tailEnd type="arrow"/>
-          </a:ln>
-        </p:spPr>
-        <p:style>
-          <a:lnRef idx="1">
-            <a:schemeClr val="accent1"/>
-          </a:lnRef>
-          <a:fillRef idx="0">
-            <a:schemeClr val="accent1"/>
-          </a:fillRef>
-          <a:effectRef idx="0">
-            <a:schemeClr val="accent1"/>
-          </a:effectRef>
-          <a:fontRef idx="minor">
-            <a:schemeClr val="tx1"/>
-          </a:fontRef>
-        </p:style>
-      </p:cxnSp>
-      <p:sp>
-        <p:nvSpPr>
-          <p:cNvPr id="828" name="Прямоугольник 827"/>
+            <a:tailEnd type="arrow"/>
+          </a:ln>
+        </p:spPr>
+        <p:style>
+          <a:lnRef idx="1">
+            <a:schemeClr val="accent1"/>
+          </a:lnRef>
+          <a:fillRef idx="0">
+            <a:schemeClr val="accent1"/>
+          </a:fillRef>
+          <a:effectRef idx="0">
+            <a:schemeClr val="accent1"/>
+          </a:effectRef>
+          <a:fontRef idx="minor">
+            <a:schemeClr val="tx1"/>
+          </a:fontRef>
+        </p:style>
+      </p:cxnSp>
+      <p:sp>
+        <p:nvSpPr>
+          <p:cNvPr id="748" name="Прямоугольник 747"/>
           <p:cNvSpPr/>
           <p:nvPr/>
         </p:nvSpPr>
         <p:spPr>
           <a:xfrm>
-            <a:off x="8145857" y="9311159"/>
+            <a:off x="500941" y="6970185"/>
             <a:ext cx="926325" cy="540000"/>
           </a:xfrm>
           <a:prstGeom prst="rect">
             <a:avLst/>
           </a:prstGeom>
-          <a:noFill/>
-          <a:ln w="19050"/>
+          <a:solidFill>
+            <a:schemeClr val="accent2">
+              <a:lumMod val="75000"/>
+            </a:schemeClr>
+          </a:solidFill>
+          <a:ln w="19050">
+            <a:solidFill>
+              <a:srgbClr val="00B050"/>
+            </a:solidFill>
+          </a:ln>
         </p:spPr>
         <p:style>
           <a:lnRef idx="2">
@@ -28126,163 +29626,24 @@
             <a:pPr algn="ctr"/>
             <a:r>
               <a:rPr lang="ru-RU" sz="700" dirty="0"/>
-              <a:t>Вернуть Ост-Индию (ваниль)</a:t>
-            </a:r>
-          </a:p>
-        </p:txBody>
-      </p:sp>
-      <p:sp>
-        <p:nvSpPr>
-          <p:cNvPr id="829" name="Прямоугольник 828"/>
-          <p:cNvSpPr/>
-          <p:nvPr/>
-        </p:nvSpPr>
-        <p:spPr>
-          <a:xfrm>
-            <a:off x="7081332" y="10014018"/>
-            <a:ext cx="926325" cy="540000"/>
-          </a:xfrm>
-          <a:prstGeom prst="rect">
-            <a:avLst/>
-          </a:prstGeom>
-          <a:noFill/>
-          <a:ln w="19050"/>
-        </p:spPr>
-        <p:style>
-          <a:lnRef idx="2">
-            <a:schemeClr val="accent1"/>
-          </a:lnRef>
-          <a:fillRef idx="1">
-            <a:schemeClr val="lt1"/>
-          </a:fillRef>
-          <a:effectRef idx="0">
-            <a:schemeClr val="accent1"/>
-          </a:effectRef>
-          <a:fontRef idx="minor">
-            <a:schemeClr val="dk1"/>
-          </a:fontRef>
-        </p:style>
-        <p:txBody>
-          <a:bodyPr lIns="124733" tIns="62367" rIns="124733" bIns="62367" rtlCol="0" anchor="ctr"/>
-          <a:lstStyle/>
-          <a:p>
-            <a:pPr algn="ctr"/>
-            <a:r>
-              <a:rPr lang="ru-RU" sz="700" dirty="0"/>
-              <a:t>Вернуть владение чайными плантациями (аннексия против </a:t>
-            </a:r>
-            <a:r>
-              <a:rPr lang="ru-RU" sz="700" dirty="0" err="1"/>
-              <a:t>цейлона</a:t>
-            </a:r>
-            <a:r>
-              <a:rPr lang="ru-RU" sz="700" dirty="0"/>
-              <a:t>)</a:t>
-            </a:r>
-          </a:p>
-        </p:txBody>
-      </p:sp>
-      <p:sp>
-        <p:nvSpPr>
-          <p:cNvPr id="830" name="Прямоугольник 829"/>
-          <p:cNvSpPr/>
-          <p:nvPr/>
-        </p:nvSpPr>
-        <p:spPr>
-          <a:xfrm>
-            <a:off x="10315179" y="9299786"/>
-            <a:ext cx="926325" cy="540000"/>
-          </a:xfrm>
-          <a:prstGeom prst="rect">
-            <a:avLst/>
-          </a:prstGeom>
-          <a:noFill/>
-          <a:ln w="19050"/>
-        </p:spPr>
-        <p:style>
-          <a:lnRef idx="2">
-            <a:schemeClr val="accent1"/>
-          </a:lnRef>
-          <a:fillRef idx="1">
-            <a:schemeClr val="lt1"/>
-          </a:fillRef>
-          <a:effectRef idx="0">
-            <a:schemeClr val="accent1"/>
-          </a:effectRef>
-          <a:fontRef idx="minor">
-            <a:schemeClr val="dk1"/>
-          </a:fontRef>
-        </p:style>
-        <p:txBody>
-          <a:bodyPr lIns="124733" tIns="62367" rIns="124733" bIns="62367" rtlCol="0" anchor="ctr"/>
-          <a:lstStyle/>
-          <a:p>
-            <a:pPr algn="ctr"/>
-            <a:r>
-              <a:rPr lang="ru-RU" sz="700" dirty="0"/>
-              <a:t>Вернуть финиковые сады Омана</a:t>
-            </a:r>
-          </a:p>
-        </p:txBody>
-      </p:sp>
-      <p:sp>
-        <p:nvSpPr>
-          <p:cNvPr id="835" name="Прямоугольник 834"/>
-          <p:cNvSpPr/>
-          <p:nvPr/>
-        </p:nvSpPr>
-        <p:spPr>
-          <a:xfrm>
-            <a:off x="11345274" y="8507373"/>
-            <a:ext cx="926325" cy="540000"/>
-          </a:xfrm>
-          <a:prstGeom prst="rect">
-            <a:avLst/>
-          </a:prstGeom>
-          <a:solidFill>
-            <a:srgbClr val="7030A0"/>
-          </a:solidFill>
-          <a:ln w="19050"/>
-        </p:spPr>
-        <p:style>
-          <a:lnRef idx="2">
-            <a:schemeClr val="accent1"/>
-          </a:lnRef>
-          <a:fillRef idx="1">
-            <a:schemeClr val="lt1"/>
-          </a:fillRef>
-          <a:effectRef idx="0">
-            <a:schemeClr val="accent1"/>
-          </a:effectRef>
-          <a:fontRef idx="minor">
-            <a:schemeClr val="dk1"/>
-          </a:fontRef>
-        </p:style>
-        <p:txBody>
-          <a:bodyPr lIns="124733" tIns="62367" rIns="124733" bIns="62367" rtlCol="0" anchor="ctr"/>
-          <a:lstStyle/>
-          <a:p>
-            <a:pPr algn="ctr"/>
-            <a:r>
-              <a:rPr lang="ru-RU" sz="700" dirty="0"/>
-              <a:t>Пятая империя (ваниль)</a:t>
-            </a:r>
-          </a:p>
-        </p:txBody>
-      </p:sp>
-      <p:cxnSp>
-        <p:nvCxnSpPr>
-          <p:cNvPr id="843" name="Соединительная линия уступом 842"/>
-          <p:cNvCxnSpPr>
-            <a:stCxn id="716" idx="2"/>
-            <a:endCxn id="792" idx="0"/>
-          </p:cNvCxnSpPr>
-          <p:nvPr/>
-        </p:nvCxnSpPr>
-        <p:spPr>
-          <a:xfrm rot="16200000" flipH="1">
-            <a:off x="7985424" y="6342702"/>
-            <a:ext cx="210143" cy="1050254"/>
+              <a:t>Применить 12 принципов выпуска промышленной продукции</a:t>
+            </a:r>
+          </a:p>
+        </p:txBody>
+      </p:sp>
+      <p:cxnSp>
+        <p:nvCxnSpPr>
+          <p:cNvPr id="751" name="Соединительная линия уступом 750"/>
+          <p:cNvCxnSpPr>
+            <a:stCxn id="724" idx="2"/>
+            <a:endCxn id="748" idx="0"/>
+          </p:cNvCxnSpPr>
+          <p:nvPr/>
+        </p:nvCxnSpPr>
+        <p:spPr>
+          <a:xfrm rot="5400000">
+            <a:off x="1362358" y="6364376"/>
+            <a:ext cx="207555" cy="1004062"/>
           </a:xfrm>
           <a:prstGeom prst="bentConnector3">
             <a:avLst>
@@ -28290,856 +29651,33 @@
             </a:avLst>
           </a:prstGeom>
           <a:ln w="19050">
-            <a:prstDash val="sysDash"/>
-            <a:tailEnd type="arrow"/>
-          </a:ln>
-        </p:spPr>
-        <p:style>
-          <a:lnRef idx="1">
-            <a:schemeClr val="accent1"/>
-          </a:lnRef>
-          <a:fillRef idx="0">
-            <a:schemeClr val="accent1"/>
-          </a:fillRef>
-          <a:effectRef idx="0">
-            <a:schemeClr val="accent1"/>
-          </a:effectRef>
-          <a:fontRef idx="minor">
-            <a:schemeClr val="tx1"/>
-          </a:fontRef>
-        </p:style>
-      </p:cxnSp>
-      <p:cxnSp>
-        <p:nvCxnSpPr>
-          <p:cNvPr id="852" name="Соединительная линия уступом 851"/>
-          <p:cNvCxnSpPr>
-            <a:stCxn id="736" idx="2"/>
-            <a:endCxn id="805" idx="0"/>
-          </p:cNvCxnSpPr>
-          <p:nvPr/>
-        </p:nvCxnSpPr>
-        <p:spPr>
-          <a:xfrm rot="16200000" flipH="1">
-            <a:off x="6048798" y="5943515"/>
-            <a:ext cx="989127" cy="4126767"/>
-          </a:xfrm>
-          <a:prstGeom prst="bentConnector3">
-            <a:avLst>
-              <a:gd name="adj1" fmla="val 10064"/>
-            </a:avLst>
-          </a:prstGeom>
-          <a:ln w="19050">
-            <a:prstDash val="sysDash"/>
-            <a:tailEnd type="arrow"/>
-          </a:ln>
-        </p:spPr>
-        <p:style>
-          <a:lnRef idx="1">
-            <a:schemeClr val="accent1"/>
-          </a:lnRef>
-          <a:fillRef idx="0">
-            <a:schemeClr val="accent1"/>
-          </a:fillRef>
-          <a:effectRef idx="0">
-            <a:schemeClr val="accent1"/>
-          </a:effectRef>
-          <a:fontRef idx="minor">
-            <a:schemeClr val="tx1"/>
-          </a:fontRef>
-        </p:style>
-      </p:cxnSp>
-      <p:cxnSp>
-        <p:nvCxnSpPr>
-          <p:cNvPr id="855" name="Соединительная линия уступом 854"/>
-          <p:cNvCxnSpPr>
-            <a:stCxn id="779" idx="2"/>
-            <a:endCxn id="805" idx="0"/>
-          </p:cNvCxnSpPr>
-          <p:nvPr/>
-        </p:nvCxnSpPr>
-        <p:spPr>
-          <a:xfrm rot="16200000" flipH="1">
-            <a:off x="6566816" y="6461533"/>
-            <a:ext cx="986853" cy="3093006"/>
-          </a:xfrm>
-          <a:prstGeom prst="bentConnector3">
-            <a:avLst>
-              <a:gd name="adj1" fmla="val 9972"/>
-            </a:avLst>
-          </a:prstGeom>
-          <a:ln w="19050">
-            <a:prstDash val="sysDash"/>
-            <a:tailEnd type="arrow"/>
-          </a:ln>
-        </p:spPr>
-        <p:style>
-          <a:lnRef idx="1">
-            <a:schemeClr val="accent1"/>
-          </a:lnRef>
-          <a:fillRef idx="0">
-            <a:schemeClr val="accent1"/>
-          </a:fillRef>
-          <a:effectRef idx="0">
-            <a:schemeClr val="accent1"/>
-          </a:effectRef>
-          <a:fontRef idx="minor">
-            <a:schemeClr val="tx1"/>
-          </a:fontRef>
-        </p:style>
-      </p:cxnSp>
-      <p:cxnSp>
-        <p:nvCxnSpPr>
-          <p:cNvPr id="860" name="Соединительная линия уступом 859"/>
-          <p:cNvCxnSpPr>
-            <a:stCxn id="739" idx="2"/>
-            <a:endCxn id="779" idx="0"/>
-          </p:cNvCxnSpPr>
-          <p:nvPr/>
-        </p:nvCxnSpPr>
-        <p:spPr>
-          <a:xfrm rot="5400000">
-            <a:off x="5920173" y="6357000"/>
-            <a:ext cx="211176" cy="1024044"/>
-          </a:xfrm>
-          <a:prstGeom prst="bentConnector3">
-            <a:avLst>
-              <a:gd name="adj1" fmla="val 50000"/>
-            </a:avLst>
-          </a:prstGeom>
-          <a:ln w="19050">
-            <a:tailEnd type="arrow"/>
-          </a:ln>
-        </p:spPr>
-        <p:style>
-          <a:lnRef idx="1">
-            <a:schemeClr val="accent1"/>
-          </a:lnRef>
-          <a:fillRef idx="0">
-            <a:schemeClr val="accent1"/>
-          </a:fillRef>
-          <a:effectRef idx="0">
-            <a:schemeClr val="accent1"/>
-          </a:effectRef>
-          <a:fontRef idx="minor">
-            <a:schemeClr val="tx1"/>
-          </a:fontRef>
-        </p:style>
-      </p:cxnSp>
-      <p:cxnSp>
-        <p:nvCxnSpPr>
-          <p:cNvPr id="863" name="Соединительная линия уступом 862"/>
-          <p:cNvCxnSpPr>
-            <a:stCxn id="738" idx="2"/>
-            <a:endCxn id="736" idx="0"/>
-          </p:cNvCxnSpPr>
-          <p:nvPr/>
-        </p:nvCxnSpPr>
-        <p:spPr>
-          <a:xfrm rot="16200000" flipH="1">
-            <a:off x="3862766" y="6355124"/>
-            <a:ext cx="209706" cy="1024718"/>
-          </a:xfrm>
-          <a:prstGeom prst="bentConnector3">
-            <a:avLst>
-              <a:gd name="adj1" fmla="val 50000"/>
-            </a:avLst>
-          </a:prstGeom>
-          <a:ln w="19050">
-            <a:tailEnd type="arrow"/>
-          </a:ln>
-        </p:spPr>
-        <p:style>
-          <a:lnRef idx="1">
-            <a:schemeClr val="accent1"/>
-          </a:lnRef>
-          <a:fillRef idx="0">
-            <a:schemeClr val="accent1"/>
-          </a:fillRef>
-          <a:effectRef idx="0">
-            <a:schemeClr val="accent1"/>
-          </a:effectRef>
-          <a:fontRef idx="minor">
-            <a:schemeClr val="tx1"/>
-          </a:fontRef>
-        </p:style>
-      </p:cxnSp>
-      <p:sp>
-        <p:nvSpPr>
-          <p:cNvPr id="866" name="Прямоугольник 865"/>
+            <a:tailEnd type="arrow"/>
+          </a:ln>
+        </p:spPr>
+        <p:style>
+          <a:lnRef idx="1">
+            <a:schemeClr val="accent1"/>
+          </a:lnRef>
+          <a:fillRef idx="0">
+            <a:schemeClr val="accent1"/>
+          </a:fillRef>
+          <a:effectRef idx="0">
+            <a:schemeClr val="accent1"/>
+          </a:effectRef>
+          <a:fontRef idx="minor">
+            <a:schemeClr val="tx1"/>
+          </a:fontRef>
+        </p:style>
+      </p:cxnSp>
+      <p:sp>
+        <p:nvSpPr>
+          <p:cNvPr id="753" name="Прямоугольник 752"/>
           <p:cNvSpPr/>
           <p:nvPr/>
         </p:nvSpPr>
         <p:spPr>
           <a:xfrm>
-            <a:off x="9246777" y="10002645"/>
-            <a:ext cx="926325" cy="540000"/>
-          </a:xfrm>
-          <a:prstGeom prst="rect">
-            <a:avLst/>
-          </a:prstGeom>
-          <a:noFill/>
-          <a:ln w="19050"/>
-        </p:spPr>
-        <p:style>
-          <a:lnRef idx="2">
-            <a:schemeClr val="accent1"/>
-          </a:lnRef>
-          <a:fillRef idx="1">
-            <a:schemeClr val="lt1"/>
-          </a:fillRef>
-          <a:effectRef idx="0">
-            <a:schemeClr val="accent1"/>
-          </a:effectRef>
-          <a:fontRef idx="minor">
-            <a:schemeClr val="dk1"/>
-          </a:fontRef>
-        </p:style>
-        <p:txBody>
-          <a:bodyPr lIns="124733" tIns="62367" rIns="124733" bIns="62367" rtlCol="0" anchor="ctr"/>
-          <a:lstStyle/>
-          <a:p>
-            <a:pPr algn="ctr"/>
-            <a:r>
-              <a:rPr lang="ru-RU" sz="700" dirty="0"/>
-              <a:t>Вернуть Парагвай</a:t>
-            </a:r>
-          </a:p>
-        </p:txBody>
-      </p:sp>
-      <p:sp>
-        <p:nvSpPr>
-          <p:cNvPr id="867" name="Прямоугольник 866"/>
-          <p:cNvSpPr/>
-          <p:nvPr/>
-        </p:nvSpPr>
-        <p:spPr>
-          <a:xfrm>
-            <a:off x="8148132" y="10002646"/>
-            <a:ext cx="926325" cy="540000"/>
-          </a:xfrm>
-          <a:prstGeom prst="rect">
-            <a:avLst/>
-          </a:prstGeom>
-          <a:noFill/>
-          <a:ln w="19050"/>
-        </p:spPr>
-        <p:style>
-          <a:lnRef idx="2">
-            <a:schemeClr val="accent1"/>
-          </a:lnRef>
-          <a:fillRef idx="1">
-            <a:schemeClr val="lt1"/>
-          </a:fillRef>
-          <a:effectRef idx="0">
-            <a:schemeClr val="accent1"/>
-          </a:effectRef>
-          <a:fontRef idx="minor">
-            <a:schemeClr val="dk1"/>
-          </a:fontRef>
-        </p:style>
-        <p:txBody>
-          <a:bodyPr lIns="124733" tIns="62367" rIns="124733" bIns="62367" rtlCol="0" anchor="ctr"/>
-          <a:lstStyle/>
-          <a:p>
-            <a:pPr algn="ctr"/>
-            <a:r>
-              <a:rPr lang="ru-RU" sz="700" dirty="0"/>
-              <a:t>Расширить территорию в Китае (ваниль)</a:t>
-            </a:r>
-          </a:p>
-        </p:txBody>
-      </p:sp>
-      <p:sp>
-        <p:nvSpPr>
-          <p:cNvPr id="868" name="Прямоугольник 867"/>
-          <p:cNvSpPr/>
-          <p:nvPr/>
-        </p:nvSpPr>
-        <p:spPr>
-          <a:xfrm>
-            <a:off x="8150406" y="10680486"/>
-            <a:ext cx="926325" cy="540000"/>
-          </a:xfrm>
-          <a:prstGeom prst="rect">
-            <a:avLst/>
-          </a:prstGeom>
-          <a:noFill/>
-          <a:ln w="19050"/>
-        </p:spPr>
-        <p:style>
-          <a:lnRef idx="2">
-            <a:schemeClr val="accent1"/>
-          </a:lnRef>
-          <a:fillRef idx="1">
-            <a:schemeClr val="lt1"/>
-          </a:fillRef>
-          <a:effectRef idx="0">
-            <a:schemeClr val="accent1"/>
-          </a:effectRef>
-          <a:fontRef idx="minor">
-            <a:schemeClr val="dk1"/>
-          </a:fontRef>
-        </p:style>
-        <p:txBody>
-          <a:bodyPr lIns="124733" tIns="62367" rIns="124733" bIns="62367" rtlCol="0" anchor="ctr"/>
-          <a:lstStyle/>
-          <a:p>
-            <a:pPr algn="ctr"/>
-            <a:r>
-              <a:rPr lang="ru-RU" sz="700" dirty="0"/>
-              <a:t>Разделаться с Японской угрозой (ваниль)</a:t>
-            </a:r>
-          </a:p>
-        </p:txBody>
-      </p:sp>
-      <p:sp>
-        <p:nvSpPr>
-          <p:cNvPr id="869" name="Прямоугольник 868"/>
-          <p:cNvSpPr/>
-          <p:nvPr/>
-        </p:nvSpPr>
-        <p:spPr>
-          <a:xfrm>
-            <a:off x="7076783" y="9299786"/>
-            <a:ext cx="926325" cy="540000"/>
-          </a:xfrm>
-          <a:prstGeom prst="rect">
-            <a:avLst/>
-          </a:prstGeom>
-          <a:noFill/>
-          <a:ln w="19050"/>
-        </p:spPr>
-        <p:style>
-          <a:lnRef idx="2">
-            <a:schemeClr val="accent1"/>
-          </a:lnRef>
-          <a:fillRef idx="1">
-            <a:schemeClr val="lt1"/>
-          </a:fillRef>
-          <a:effectRef idx="0">
-            <a:schemeClr val="accent1"/>
-          </a:effectRef>
-          <a:fontRef idx="minor">
-            <a:schemeClr val="dk1"/>
-          </a:fontRef>
-        </p:style>
-        <p:txBody>
-          <a:bodyPr lIns="124733" tIns="62367" rIns="124733" bIns="62367" rtlCol="0" anchor="ctr"/>
-          <a:lstStyle/>
-          <a:p>
-            <a:pPr algn="ctr"/>
-            <a:r>
-              <a:rPr lang="ru-RU" sz="700" dirty="0"/>
-              <a:t>Сделать Индию своей (ваниль)</a:t>
-            </a:r>
-          </a:p>
-        </p:txBody>
-      </p:sp>
-      <p:sp>
-        <p:nvSpPr>
-          <p:cNvPr id="870" name="Прямоугольник 869"/>
-          <p:cNvSpPr/>
-          <p:nvPr/>
-        </p:nvSpPr>
-        <p:spPr>
-          <a:xfrm>
-            <a:off x="6014532" y="9302060"/>
-            <a:ext cx="926325" cy="540000"/>
-          </a:xfrm>
-          <a:prstGeom prst="rect">
-            <a:avLst/>
-          </a:prstGeom>
-          <a:noFill/>
-          <a:ln w="19050"/>
-        </p:spPr>
-        <p:style>
-          <a:lnRef idx="2">
-            <a:schemeClr val="accent1"/>
-          </a:lnRef>
-          <a:fillRef idx="1">
-            <a:schemeClr val="lt1"/>
-          </a:fillRef>
-          <a:effectRef idx="0">
-            <a:schemeClr val="accent1"/>
-          </a:effectRef>
-          <a:fontRef idx="minor">
-            <a:schemeClr val="dk1"/>
-          </a:fontRef>
-        </p:style>
-        <p:txBody>
-          <a:bodyPr lIns="124733" tIns="62367" rIns="124733" bIns="62367" rtlCol="0" anchor="ctr"/>
-          <a:lstStyle/>
-          <a:p>
-            <a:pPr algn="ctr"/>
-            <a:r>
-              <a:rPr lang="ru-RU" sz="700" dirty="0"/>
-              <a:t>Вернуть Португальское </a:t>
-            </a:r>
-            <a:r>
-              <a:rPr lang="ru-RU" sz="700" dirty="0" err="1"/>
-              <a:t>Морокко</a:t>
-            </a:r>
-            <a:endParaRPr lang="ru-RU" sz="700" dirty="0"/>
-          </a:p>
-        </p:txBody>
-      </p:sp>
-      <p:cxnSp>
-        <p:nvCxnSpPr>
-          <p:cNvPr id="871" name="Соединительная линия уступом 870"/>
-          <p:cNvCxnSpPr>
-            <a:stCxn id="700" idx="2"/>
-            <a:endCxn id="650" idx="0"/>
-          </p:cNvCxnSpPr>
-          <p:nvPr/>
-        </p:nvCxnSpPr>
-        <p:spPr>
-          <a:xfrm rot="16200000" flipH="1">
-            <a:off x="6660786" y="3469881"/>
-            <a:ext cx="288051" cy="3613411"/>
-          </a:xfrm>
-          <a:prstGeom prst="bentConnector3">
-            <a:avLst>
-              <a:gd name="adj1" fmla="val 50000"/>
-            </a:avLst>
-          </a:prstGeom>
-          <a:ln w="19050">
-            <a:prstDash val="sysDash"/>
-            <a:tailEnd type="arrow"/>
-          </a:ln>
-        </p:spPr>
-        <p:style>
-          <a:lnRef idx="1">
-            <a:schemeClr val="accent1"/>
-          </a:lnRef>
-          <a:fillRef idx="0">
-            <a:schemeClr val="accent1"/>
-          </a:fillRef>
-          <a:effectRef idx="0">
-            <a:schemeClr val="accent1"/>
-          </a:effectRef>
-          <a:fontRef idx="minor">
-            <a:schemeClr val="tx1"/>
-          </a:fontRef>
-        </p:style>
-      </p:cxnSp>
-      <p:cxnSp>
-        <p:nvCxnSpPr>
-          <p:cNvPr id="874" name="Соединительная линия уступом 873"/>
-          <p:cNvCxnSpPr>
-            <a:stCxn id="646" idx="2"/>
-            <a:endCxn id="650" idx="0"/>
-          </p:cNvCxnSpPr>
-          <p:nvPr/>
-        </p:nvCxnSpPr>
-        <p:spPr>
-          <a:xfrm rot="5400000">
-            <a:off x="9794197" y="3947252"/>
-            <a:ext cx="290682" cy="2656041"/>
-          </a:xfrm>
-          <a:prstGeom prst="bentConnector3">
-            <a:avLst>
-              <a:gd name="adj1" fmla="val 50000"/>
-            </a:avLst>
-          </a:prstGeom>
-          <a:ln w="19050">
-            <a:prstDash val="sysDash"/>
-            <a:tailEnd type="arrow"/>
-          </a:ln>
-        </p:spPr>
-        <p:style>
-          <a:lnRef idx="1">
-            <a:schemeClr val="accent1"/>
-          </a:lnRef>
-          <a:fillRef idx="0">
-            <a:schemeClr val="accent1"/>
-          </a:fillRef>
-          <a:effectRef idx="0">
-            <a:schemeClr val="accent1"/>
-          </a:effectRef>
-          <a:fontRef idx="minor">
-            <a:schemeClr val="tx1"/>
-          </a:fontRef>
-        </p:style>
-      </p:cxnSp>
-      <p:cxnSp>
-        <p:nvCxnSpPr>
-          <p:cNvPr id="877" name="Соединительная линия уступом 876"/>
-          <p:cNvCxnSpPr>
-            <a:stCxn id="805" idx="2"/>
-            <a:endCxn id="870" idx="0"/>
-          </p:cNvCxnSpPr>
-          <p:nvPr/>
-        </p:nvCxnSpPr>
-        <p:spPr>
-          <a:xfrm rot="5400000">
-            <a:off x="7411922" y="8107236"/>
-            <a:ext cx="260597" cy="2129050"/>
-          </a:xfrm>
-          <a:prstGeom prst="bentConnector3">
-            <a:avLst>
-              <a:gd name="adj1" fmla="val 50000"/>
-            </a:avLst>
-          </a:prstGeom>
-          <a:ln w="19050">
-            <a:tailEnd type="arrow"/>
-          </a:ln>
-        </p:spPr>
-        <p:style>
-          <a:lnRef idx="1">
-            <a:schemeClr val="accent1"/>
-          </a:lnRef>
-          <a:fillRef idx="0">
-            <a:schemeClr val="accent1"/>
-          </a:fillRef>
-          <a:effectRef idx="0">
-            <a:schemeClr val="accent1"/>
-          </a:effectRef>
-          <a:fontRef idx="minor">
-            <a:schemeClr val="tx1"/>
-          </a:fontRef>
-        </p:style>
-      </p:cxnSp>
-      <p:cxnSp>
-        <p:nvCxnSpPr>
-          <p:cNvPr id="880" name="Соединительная линия уступом 879"/>
-          <p:cNvCxnSpPr>
-            <a:stCxn id="805" idx="2"/>
-            <a:endCxn id="830" idx="0"/>
-          </p:cNvCxnSpPr>
-          <p:nvPr/>
-        </p:nvCxnSpPr>
-        <p:spPr>
-          <a:xfrm rot="16200000" flipH="1">
-            <a:off x="9563382" y="8084825"/>
-            <a:ext cx="258323" cy="2171597"/>
-          </a:xfrm>
-          <a:prstGeom prst="bentConnector3">
-            <a:avLst>
-              <a:gd name="adj1" fmla="val 50000"/>
-            </a:avLst>
-          </a:prstGeom>
-          <a:ln w="19050">
-            <a:tailEnd type="arrow"/>
-          </a:ln>
-        </p:spPr>
-        <p:style>
-          <a:lnRef idx="1">
-            <a:schemeClr val="accent1"/>
-          </a:lnRef>
-          <a:fillRef idx="0">
-            <a:schemeClr val="accent1"/>
-          </a:fillRef>
-          <a:effectRef idx="0">
-            <a:schemeClr val="accent1"/>
-          </a:effectRef>
-          <a:fontRef idx="minor">
-            <a:schemeClr val="tx1"/>
-          </a:fontRef>
-        </p:style>
-      </p:cxnSp>
-      <p:cxnSp>
-        <p:nvCxnSpPr>
-          <p:cNvPr id="883" name="Соединительная линия уступом 882"/>
-          <p:cNvCxnSpPr>
-            <a:stCxn id="805" idx="2"/>
-            <a:endCxn id="869" idx="0"/>
-          </p:cNvCxnSpPr>
-          <p:nvPr/>
-        </p:nvCxnSpPr>
-        <p:spPr>
-          <a:xfrm rot="5400000">
-            <a:off x="7944185" y="8637225"/>
-            <a:ext cx="258323" cy="1066799"/>
-          </a:xfrm>
-          <a:prstGeom prst="bentConnector3">
-            <a:avLst>
-              <a:gd name="adj1" fmla="val 50000"/>
-            </a:avLst>
-          </a:prstGeom>
-          <a:ln w="19050">
-            <a:tailEnd type="arrow"/>
-          </a:ln>
-        </p:spPr>
-        <p:style>
-          <a:lnRef idx="1">
-            <a:schemeClr val="accent1"/>
-          </a:lnRef>
-          <a:fillRef idx="0">
-            <a:schemeClr val="accent1"/>
-          </a:fillRef>
-          <a:effectRef idx="0">
-            <a:schemeClr val="accent1"/>
-          </a:effectRef>
-          <a:fontRef idx="minor">
-            <a:schemeClr val="tx1"/>
-          </a:fontRef>
-        </p:style>
-      </p:cxnSp>
-      <p:cxnSp>
-        <p:nvCxnSpPr>
-          <p:cNvPr id="886" name="Соединительная линия уступом 885"/>
-          <p:cNvCxnSpPr>
-            <a:stCxn id="805" idx="2"/>
-            <a:endCxn id="806" idx="0"/>
-          </p:cNvCxnSpPr>
-          <p:nvPr/>
-        </p:nvCxnSpPr>
-        <p:spPr>
-          <a:xfrm rot="16200000" flipH="1">
-            <a:off x="9029181" y="8619026"/>
-            <a:ext cx="256048" cy="1100921"/>
-          </a:xfrm>
-          <a:prstGeom prst="bentConnector3">
-            <a:avLst>
-              <a:gd name="adj1" fmla="val 50000"/>
-            </a:avLst>
-          </a:prstGeom>
-          <a:ln w="19050">
-            <a:tailEnd type="arrow"/>
-          </a:ln>
-        </p:spPr>
-        <p:style>
-          <a:lnRef idx="1">
-            <a:schemeClr val="accent1"/>
-          </a:lnRef>
-          <a:fillRef idx="0">
-            <a:schemeClr val="accent1"/>
-          </a:fillRef>
-          <a:effectRef idx="0">
-            <a:schemeClr val="accent1"/>
-          </a:effectRef>
-          <a:fontRef idx="minor">
-            <a:schemeClr val="tx1"/>
-          </a:fontRef>
-        </p:style>
-      </p:cxnSp>
-      <p:cxnSp>
-        <p:nvCxnSpPr>
-          <p:cNvPr id="889" name="Прямая со стрелкой 888"/>
-          <p:cNvCxnSpPr>
-            <a:stCxn id="805" idx="2"/>
-            <a:endCxn id="828" idx="0"/>
-          </p:cNvCxnSpPr>
-          <p:nvPr/>
-        </p:nvCxnSpPr>
-        <p:spPr>
-          <a:xfrm>
-            <a:off x="8606745" y="9041463"/>
-            <a:ext cx="2275" cy="269696"/>
-          </a:xfrm>
-          <a:prstGeom prst="straightConnector1">
-            <a:avLst/>
-          </a:prstGeom>
-          <a:ln w="19050">
-            <a:tailEnd type="arrow"/>
-          </a:ln>
-        </p:spPr>
-        <p:style>
-          <a:lnRef idx="1">
-            <a:schemeClr val="accent1"/>
-          </a:lnRef>
-          <a:fillRef idx="0">
-            <a:schemeClr val="accent1"/>
-          </a:fillRef>
-          <a:effectRef idx="0">
-            <a:schemeClr val="accent1"/>
-          </a:effectRef>
-          <a:fontRef idx="minor">
-            <a:schemeClr val="tx1"/>
-          </a:fontRef>
-        </p:style>
-      </p:cxnSp>
-      <p:cxnSp>
-        <p:nvCxnSpPr>
-          <p:cNvPr id="892" name="Прямая со стрелкой 891"/>
-          <p:cNvCxnSpPr>
-            <a:stCxn id="869" idx="2"/>
-            <a:endCxn id="829" idx="0"/>
-          </p:cNvCxnSpPr>
-          <p:nvPr/>
-        </p:nvCxnSpPr>
-        <p:spPr>
-          <a:xfrm>
-            <a:off x="7539946" y="9839786"/>
-            <a:ext cx="4549" cy="174232"/>
-          </a:xfrm>
-          <a:prstGeom prst="straightConnector1">
-            <a:avLst/>
-          </a:prstGeom>
-          <a:ln w="19050">
-            <a:tailEnd type="arrow"/>
-          </a:ln>
-        </p:spPr>
-        <p:style>
-          <a:lnRef idx="1">
-            <a:schemeClr val="accent1"/>
-          </a:lnRef>
-          <a:fillRef idx="0">
-            <a:schemeClr val="accent1"/>
-          </a:fillRef>
-          <a:effectRef idx="0">
-            <a:schemeClr val="accent1"/>
-          </a:effectRef>
-          <a:fontRef idx="minor">
-            <a:schemeClr val="tx1"/>
-          </a:fontRef>
-        </p:style>
-      </p:cxnSp>
-      <p:cxnSp>
-        <p:nvCxnSpPr>
-          <p:cNvPr id="895" name="Прямая со стрелкой 894"/>
-          <p:cNvCxnSpPr>
-            <a:stCxn id="828" idx="2"/>
-            <a:endCxn id="867" idx="0"/>
-          </p:cNvCxnSpPr>
-          <p:nvPr/>
-        </p:nvCxnSpPr>
-        <p:spPr>
-          <a:xfrm>
-            <a:off x="8609020" y="9851159"/>
-            <a:ext cx="2275" cy="151487"/>
-          </a:xfrm>
-          <a:prstGeom prst="straightConnector1">
-            <a:avLst/>
-          </a:prstGeom>
-          <a:ln w="19050">
-            <a:tailEnd type="arrow"/>
-          </a:ln>
-        </p:spPr>
-        <p:style>
-          <a:lnRef idx="1">
-            <a:schemeClr val="accent1"/>
-          </a:lnRef>
-          <a:fillRef idx="0">
-            <a:schemeClr val="accent1"/>
-          </a:fillRef>
-          <a:effectRef idx="0">
-            <a:schemeClr val="accent1"/>
-          </a:effectRef>
-          <a:fontRef idx="minor">
-            <a:schemeClr val="tx1"/>
-          </a:fontRef>
-        </p:style>
-      </p:cxnSp>
-      <p:cxnSp>
-        <p:nvCxnSpPr>
-          <p:cNvPr id="898" name="Прямая со стрелкой 897"/>
-          <p:cNvCxnSpPr>
-            <a:stCxn id="806" idx="2"/>
-            <a:endCxn id="866" idx="0"/>
-          </p:cNvCxnSpPr>
-          <p:nvPr/>
-        </p:nvCxnSpPr>
-        <p:spPr>
-          <a:xfrm>
-            <a:off x="9707666" y="9837511"/>
-            <a:ext cx="2274" cy="165134"/>
-          </a:xfrm>
-          <a:prstGeom prst="straightConnector1">
-            <a:avLst/>
-          </a:prstGeom>
-          <a:ln w="19050">
-            <a:tailEnd type="arrow"/>
-          </a:ln>
-        </p:spPr>
-        <p:style>
-          <a:lnRef idx="1">
-            <a:schemeClr val="accent1"/>
-          </a:lnRef>
-          <a:fillRef idx="0">
-            <a:schemeClr val="accent1"/>
-          </a:fillRef>
-          <a:effectRef idx="0">
-            <a:schemeClr val="accent1"/>
-          </a:effectRef>
-          <a:fontRef idx="minor">
-            <a:schemeClr val="tx1"/>
-          </a:fontRef>
-        </p:style>
-      </p:cxnSp>
-      <p:cxnSp>
-        <p:nvCxnSpPr>
-          <p:cNvPr id="901" name="Прямая со стрелкой 900"/>
-          <p:cNvCxnSpPr>
-            <a:stCxn id="867" idx="2"/>
-            <a:endCxn id="868" idx="0"/>
-          </p:cNvCxnSpPr>
-          <p:nvPr/>
-        </p:nvCxnSpPr>
-        <p:spPr>
-          <a:xfrm>
-            <a:off x="8611295" y="10542646"/>
-            <a:ext cx="2274" cy="137840"/>
-          </a:xfrm>
-          <a:prstGeom prst="straightConnector1">
-            <a:avLst/>
-          </a:prstGeom>
-          <a:ln w="19050">
-            <a:tailEnd type="arrow"/>
-          </a:ln>
-        </p:spPr>
-        <p:style>
-          <a:lnRef idx="1">
-            <a:schemeClr val="accent1"/>
-          </a:lnRef>
-          <a:fillRef idx="0">
-            <a:schemeClr val="accent1"/>
-          </a:fillRef>
-          <a:effectRef idx="0">
-            <a:schemeClr val="accent1"/>
-          </a:effectRef>
-          <a:fontRef idx="minor">
-            <a:schemeClr val="tx1"/>
-          </a:fontRef>
-        </p:style>
-      </p:cxnSp>
-      <p:cxnSp>
-        <p:nvCxnSpPr>
-          <p:cNvPr id="904" name="Соединительная линия уступом 903"/>
-          <p:cNvCxnSpPr>
-            <a:stCxn id="667" idx="2"/>
-            <a:endCxn id="689" idx="0"/>
-          </p:cNvCxnSpPr>
-          <p:nvPr/>
-        </p:nvCxnSpPr>
-        <p:spPr>
-          <a:xfrm rot="16200000" flipH="1">
-            <a:off x="16804451" y="2889061"/>
-            <a:ext cx="240195" cy="3167781"/>
-          </a:xfrm>
-          <a:prstGeom prst="bentConnector3">
-            <a:avLst>
-              <a:gd name="adj1" fmla="val 50000"/>
-            </a:avLst>
-          </a:prstGeom>
-          <a:ln w="19050">
-            <a:tailEnd type="arrow"/>
-          </a:ln>
-        </p:spPr>
-        <p:style>
-          <a:lnRef idx="1">
-            <a:schemeClr val="accent1"/>
-          </a:lnRef>
-          <a:fillRef idx="0">
-            <a:schemeClr val="accent1"/>
-          </a:fillRef>
-          <a:effectRef idx="0">
-            <a:schemeClr val="accent1"/>
-          </a:effectRef>
-          <a:fontRef idx="minor">
-            <a:schemeClr val="tx1"/>
-          </a:fontRef>
-        </p:style>
-      </p:cxnSp>
-      <p:sp>
-        <p:nvSpPr>
-          <p:cNvPr id="690" name="Прямоугольник 689"/>
-          <p:cNvSpPr/>
-          <p:nvPr/>
-        </p:nvSpPr>
-        <p:spPr>
-          <a:xfrm>
-            <a:off x="5058406" y="6221880"/>
+            <a:off x="498401" y="7762023"/>
             <a:ext cx="926325" cy="540000"/>
           </a:xfrm>
           <a:prstGeom prst="rect">
@@ -29173,24 +29711,156 @@
             <a:pPr algn="ctr"/>
             <a:r>
               <a:rPr lang="ru-RU" sz="700" dirty="0"/>
-              <a:t>Свой путь</a:t>
-            </a:r>
-          </a:p>
-        </p:txBody>
-      </p:sp>
-      <p:cxnSp>
-        <p:nvCxnSpPr>
-          <p:cNvPr id="730" name="Прямая соединительная линия 729"/>
-          <p:cNvCxnSpPr>
-            <a:stCxn id="808" idx="3"/>
-            <a:endCxn id="690" idx="1"/>
-          </p:cNvCxnSpPr>
-          <p:nvPr/>
-        </p:nvCxnSpPr>
-        <p:spPr>
-          <a:xfrm flipV="1">
-            <a:off x="4947128" y="6491880"/>
-            <a:ext cx="111278" cy="1227"/>
+              <a:t>Общество мелких собственников</a:t>
+            </a:r>
+            <a:endParaRPr lang="ru-RU" sz="300" dirty="0"/>
+          </a:p>
+        </p:txBody>
+      </p:sp>
+      <p:cxnSp>
+        <p:nvCxnSpPr>
+          <p:cNvPr id="756" name="Прямая со стрелкой 755"/>
+          <p:cNvCxnSpPr>
+            <a:stCxn id="748" idx="2"/>
+            <a:endCxn id="753" idx="0"/>
+          </p:cNvCxnSpPr>
+          <p:nvPr/>
+        </p:nvCxnSpPr>
+        <p:spPr>
+          <a:xfrm flipH="1">
+            <a:off x="961564" y="7510185"/>
+            <a:ext cx="2540" cy="251838"/>
+          </a:xfrm>
+          <a:prstGeom prst="straightConnector1">
+            <a:avLst/>
+          </a:prstGeom>
+          <a:ln w="19050">
+            <a:tailEnd type="arrow"/>
+          </a:ln>
+        </p:spPr>
+        <p:style>
+          <a:lnRef idx="1">
+            <a:schemeClr val="accent1"/>
+          </a:lnRef>
+          <a:fillRef idx="0">
+            <a:schemeClr val="accent1"/>
+          </a:fillRef>
+          <a:effectRef idx="0">
+            <a:schemeClr val="accent1"/>
+          </a:effectRef>
+          <a:fontRef idx="minor">
+            <a:schemeClr val="tx1"/>
+          </a:fontRef>
+        </p:style>
+      </p:cxnSp>
+      <p:sp>
+        <p:nvSpPr>
+          <p:cNvPr id="759" name="Прямоугольник 758"/>
+          <p:cNvSpPr/>
+          <p:nvPr/>
+        </p:nvSpPr>
+        <p:spPr>
+          <a:xfrm>
+            <a:off x="4533204" y="3811544"/>
+            <a:ext cx="926325" cy="540000"/>
+          </a:xfrm>
+          <a:prstGeom prst="rect">
+            <a:avLst/>
+          </a:prstGeom>
+          <a:solidFill>
+            <a:schemeClr val="accent2">
+              <a:lumMod val="75000"/>
+            </a:schemeClr>
+          </a:solidFill>
+          <a:ln w="19050">
+            <a:solidFill>
+              <a:srgbClr val="00B050"/>
+            </a:solidFill>
+          </a:ln>
+        </p:spPr>
+        <p:style>
+          <a:lnRef idx="2">
+            <a:schemeClr val="accent1"/>
+          </a:lnRef>
+          <a:fillRef idx="1">
+            <a:schemeClr val="lt1"/>
+          </a:fillRef>
+          <a:effectRef idx="0">
+            <a:schemeClr val="accent1"/>
+          </a:effectRef>
+          <a:fontRef idx="minor">
+            <a:schemeClr val="dk1"/>
+          </a:fontRef>
+        </p:style>
+        <p:txBody>
+          <a:bodyPr lIns="124733" tIns="62367" rIns="124733" bIns="62367" rtlCol="0" anchor="ctr"/>
+          <a:lstStyle/>
+          <a:p>
+            <a:pPr algn="ctr"/>
+            <a:r>
+              <a:rPr lang="ru-RU" sz="700" dirty="0"/>
+              <a:t>Восстание против </a:t>
+            </a:r>
+            <a:r>
+              <a:rPr lang="ru-RU" sz="700" dirty="0" err="1"/>
+              <a:t>Салазарского</a:t>
+            </a:r>
+            <a:r>
+              <a:rPr lang="ru-RU" sz="700" dirty="0"/>
+              <a:t> режима</a:t>
+            </a:r>
+          </a:p>
+        </p:txBody>
+      </p:sp>
+      <p:cxnSp>
+        <p:nvCxnSpPr>
+          <p:cNvPr id="760" name="Прямая со стрелкой 759"/>
+          <p:cNvCxnSpPr>
+            <a:stCxn id="759" idx="2"/>
+            <a:endCxn id="700" idx="0"/>
+          </p:cNvCxnSpPr>
+          <p:nvPr/>
+        </p:nvCxnSpPr>
+        <p:spPr>
+          <a:xfrm>
+            <a:off x="4996367" y="4351544"/>
+            <a:ext cx="1739" cy="241018"/>
+          </a:xfrm>
+          <a:prstGeom prst="straightConnector1">
+            <a:avLst/>
+          </a:prstGeom>
+          <a:ln w="19050">
+            <a:tailEnd type="arrow"/>
+          </a:ln>
+        </p:spPr>
+        <p:style>
+          <a:lnRef idx="1">
+            <a:schemeClr val="accent1"/>
+          </a:lnRef>
+          <a:fillRef idx="0">
+            <a:schemeClr val="accent1"/>
+          </a:fillRef>
+          <a:effectRef idx="0">
+            <a:schemeClr val="accent1"/>
+          </a:effectRef>
+          <a:fontRef idx="minor">
+            <a:schemeClr val="tx1"/>
+          </a:fontRef>
+        </p:style>
+      </p:cxnSp>
+      <p:cxnSp>
+        <p:nvCxnSpPr>
+          <p:cNvPr id="762" name="Прямая соединительная линия 761"/>
+          <p:cNvCxnSpPr>
+            <a:stCxn id="759" idx="3"/>
+            <a:endCxn id="667" idx="1"/>
+          </p:cNvCxnSpPr>
+          <p:nvPr/>
+        </p:nvCxnSpPr>
+        <p:spPr>
+          <a:xfrm>
+            <a:off x="5459529" y="4081544"/>
+            <a:ext cx="9417966" cy="1311"/>
           </a:xfrm>
           <a:prstGeom prst="line">
             <a:avLst/>
@@ -29218,169 +29888,49 @@
       </p:cxnSp>
       <p:cxnSp>
         <p:nvCxnSpPr>
-          <p:cNvPr id="731" name="Соединительная линия уступом 730"/>
-          <p:cNvCxnSpPr>
-            <a:stCxn id="690" idx="2"/>
-            <a:endCxn id="736" idx="0"/>
-          </p:cNvCxnSpPr>
-          <p:nvPr/>
-        </p:nvCxnSpPr>
-        <p:spPr>
-          <a:xfrm rot="5400000">
-            <a:off x="4895546" y="6346313"/>
-            <a:ext cx="210456" cy="1041591"/>
-          </a:xfrm>
-          <a:prstGeom prst="bentConnector3">
-            <a:avLst>
-              <a:gd name="adj1" fmla="val 50000"/>
-            </a:avLst>
-          </a:prstGeom>
-          <a:ln w="19050">
-            <a:prstDash val="sysDash"/>
-            <a:tailEnd type="arrow"/>
-          </a:ln>
-        </p:spPr>
-        <p:style>
-          <a:lnRef idx="1">
-            <a:schemeClr val="accent1"/>
-          </a:lnRef>
-          <a:fillRef idx="0">
-            <a:schemeClr val="accent1"/>
-          </a:fillRef>
-          <a:effectRef idx="0">
-            <a:schemeClr val="accent1"/>
-          </a:effectRef>
-          <a:fontRef idx="minor">
-            <a:schemeClr val="tx1"/>
-          </a:fontRef>
-        </p:style>
-      </p:cxnSp>
-      <p:cxnSp>
-        <p:nvCxnSpPr>
-          <p:cNvPr id="732" name="Соединительная линия уступом 731"/>
-          <p:cNvCxnSpPr>
-            <a:stCxn id="727" idx="2"/>
-            <a:endCxn id="808" idx="0"/>
-          </p:cNvCxnSpPr>
-          <p:nvPr/>
-        </p:nvCxnSpPr>
-        <p:spPr>
-          <a:xfrm rot="5400000">
-            <a:off x="4873144" y="5578688"/>
-            <a:ext cx="255242" cy="1033597"/>
-          </a:xfrm>
-          <a:prstGeom prst="bentConnector3">
-            <a:avLst>
-              <a:gd name="adj1" fmla="val 50000"/>
-            </a:avLst>
-          </a:prstGeom>
-          <a:ln w="19050">
-            <a:prstDash val="sysDash"/>
-            <a:tailEnd type="arrow"/>
-          </a:ln>
-        </p:spPr>
-        <p:style>
-          <a:lnRef idx="1">
-            <a:schemeClr val="accent1"/>
-          </a:lnRef>
-          <a:fillRef idx="0">
-            <a:schemeClr val="accent1"/>
-          </a:fillRef>
-          <a:effectRef idx="0">
-            <a:schemeClr val="accent1"/>
-          </a:effectRef>
-          <a:fontRef idx="minor">
-            <a:schemeClr val="tx1"/>
-          </a:fontRef>
-        </p:style>
-      </p:cxnSp>
-      <p:cxnSp>
-        <p:nvCxnSpPr>
-          <p:cNvPr id="733" name="Соединительная линия уступом 732"/>
-          <p:cNvCxnSpPr>
-            <a:stCxn id="725" idx="2"/>
-            <a:endCxn id="690" idx="0"/>
-          </p:cNvCxnSpPr>
-          <p:nvPr/>
-        </p:nvCxnSpPr>
-        <p:spPr>
-          <a:xfrm rot="16200000" flipH="1">
-            <a:off x="4873174" y="5573484"/>
-            <a:ext cx="254015" cy="1042775"/>
-          </a:xfrm>
-          <a:prstGeom prst="bentConnector3">
-            <a:avLst>
-              <a:gd name="adj1" fmla="val 50000"/>
-            </a:avLst>
-          </a:prstGeom>
-          <a:ln w="19050">
-            <a:prstDash val="sysDash"/>
-            <a:tailEnd type="arrow"/>
-          </a:ln>
-        </p:spPr>
-        <p:style>
-          <a:lnRef idx="1">
-            <a:schemeClr val="accent1"/>
-          </a:lnRef>
-          <a:fillRef idx="0">
-            <a:schemeClr val="accent1"/>
-          </a:fillRef>
-          <a:effectRef idx="0">
-            <a:schemeClr val="accent1"/>
-          </a:effectRef>
-          <a:fontRef idx="minor">
-            <a:schemeClr val="tx1"/>
-          </a:fontRef>
-        </p:style>
-      </p:cxnSp>
-      <p:cxnSp>
-        <p:nvCxnSpPr>
-          <p:cNvPr id="734" name="Соединительная линия уступом 733"/>
-          <p:cNvCxnSpPr>
-            <a:stCxn id="690" idx="2"/>
-            <a:endCxn id="779" idx="0"/>
-          </p:cNvCxnSpPr>
-          <p:nvPr/>
-        </p:nvCxnSpPr>
-        <p:spPr>
-          <a:xfrm rot="5400000">
-            <a:off x="5411289" y="6864330"/>
-            <a:ext cx="212730" cy="7830"/>
-          </a:xfrm>
-          <a:prstGeom prst="bentConnector3">
-            <a:avLst>
-              <a:gd name="adj1" fmla="val 50000"/>
-            </a:avLst>
-          </a:prstGeom>
-          <a:ln w="19050">
-            <a:prstDash val="sysDash"/>
-            <a:tailEnd type="arrow"/>
-          </a:ln>
-        </p:spPr>
-        <p:style>
-          <a:lnRef idx="1">
-            <a:schemeClr val="accent1"/>
-          </a:lnRef>
-          <a:fillRef idx="0">
-            <a:schemeClr val="accent1"/>
-          </a:fillRef>
-          <a:effectRef idx="0">
-            <a:schemeClr val="accent1"/>
-          </a:effectRef>
-          <a:fontRef idx="minor">
-            <a:schemeClr val="tx1"/>
-          </a:fontRef>
-        </p:style>
-      </p:cxnSp>
-      <p:sp>
-        <p:nvSpPr>
-          <p:cNvPr id="735" name="Прямоугольник 734"/>
+          <p:cNvPr id="720" name="Прямая со стрелкой 719"/>
+          <p:cNvCxnSpPr>
+            <a:stCxn id="502" idx="2"/>
+            <a:endCxn id="712" idx="0"/>
+          </p:cNvCxnSpPr>
+          <p:nvPr/>
+        </p:nvCxnSpPr>
+        <p:spPr>
+          <a:xfrm flipH="1">
+            <a:off x="28643794" y="8410531"/>
+            <a:ext cx="1128" cy="281085"/>
+          </a:xfrm>
+          <a:prstGeom prst="straightConnector1">
+            <a:avLst/>
+          </a:prstGeom>
+          <a:ln w="19050">
+            <a:tailEnd type="arrow"/>
+          </a:ln>
+        </p:spPr>
+        <p:style>
+          <a:lnRef idx="1">
+            <a:schemeClr val="accent1"/>
+          </a:lnRef>
+          <a:fillRef idx="0">
+            <a:schemeClr val="accent1"/>
+          </a:fillRef>
+          <a:effectRef idx="0">
+            <a:schemeClr val="accent1"/>
+          </a:effectRef>
+          <a:fontRef idx="minor">
+            <a:schemeClr val="tx1"/>
+          </a:fontRef>
+        </p:style>
+      </p:cxnSp>
+      <p:sp>
+        <p:nvSpPr>
+          <p:cNvPr id="742" name="Прямоугольник 741"/>
           <p:cNvSpPr/>
           <p:nvPr/>
         </p:nvSpPr>
         <p:spPr>
           <a:xfrm>
-            <a:off x="2001440" y="7763094"/>
+            <a:off x="3506567" y="7756611"/>
             <a:ext cx="926325" cy="540000"/>
           </a:xfrm>
           <a:prstGeom prst="rect">
@@ -29414,464 +29964,6 @@
             <a:pPr algn="ctr"/>
             <a:r>
               <a:rPr lang="ru-RU" sz="700" dirty="0"/>
-              <a:t>Рабочие суды</a:t>
-            </a:r>
-            <a:endParaRPr lang="ru-RU" sz="200" dirty="0"/>
-          </a:p>
-        </p:txBody>
-      </p:sp>
-      <p:cxnSp>
-        <p:nvCxnSpPr>
-          <p:cNvPr id="744" name="Соединительная линия уступом 743"/>
-          <p:cNvCxnSpPr>
-            <a:stCxn id="722" idx="2"/>
-            <a:endCxn id="735" idx="0"/>
-          </p:cNvCxnSpPr>
-          <p:nvPr/>
-        </p:nvCxnSpPr>
-        <p:spPr>
-          <a:xfrm rot="5400000">
-            <a:off x="2584532" y="7391318"/>
-            <a:ext cx="251847" cy="491704"/>
-          </a:xfrm>
-          <a:prstGeom prst="bentConnector3">
-            <a:avLst>
-              <a:gd name="adj1" fmla="val 50000"/>
-            </a:avLst>
-          </a:prstGeom>
-          <a:ln w="19050">
-            <a:tailEnd type="arrow"/>
-          </a:ln>
-        </p:spPr>
-        <p:style>
-          <a:lnRef idx="1">
-            <a:schemeClr val="accent1"/>
-          </a:lnRef>
-          <a:fillRef idx="0">
-            <a:schemeClr val="accent1"/>
-          </a:fillRef>
-          <a:effectRef idx="0">
-            <a:schemeClr val="accent1"/>
-          </a:effectRef>
-          <a:fontRef idx="minor">
-            <a:schemeClr val="tx1"/>
-          </a:fontRef>
-        </p:style>
-      </p:cxnSp>
-      <p:cxnSp>
-        <p:nvCxnSpPr>
-          <p:cNvPr id="747" name="Соединительная линия уступом 746"/>
-          <p:cNvCxnSpPr>
-            <a:stCxn id="709" idx="2"/>
-            <a:endCxn id="735" idx="0"/>
-          </p:cNvCxnSpPr>
-          <p:nvPr/>
-        </p:nvCxnSpPr>
-        <p:spPr>
-          <a:xfrm rot="16200000" flipH="1">
-            <a:off x="2091625" y="7390116"/>
-            <a:ext cx="253104" cy="492852"/>
-          </a:xfrm>
-          <a:prstGeom prst="bentConnector3">
-            <a:avLst>
-              <a:gd name="adj1" fmla="val 50000"/>
-            </a:avLst>
-          </a:prstGeom>
-          <a:ln w="19050">
-            <a:tailEnd type="arrow"/>
-          </a:ln>
-        </p:spPr>
-        <p:style>
-          <a:lnRef idx="1">
-            <a:schemeClr val="accent1"/>
-          </a:lnRef>
-          <a:fillRef idx="0">
-            <a:schemeClr val="accent1"/>
-          </a:fillRef>
-          <a:effectRef idx="0">
-            <a:schemeClr val="accent1"/>
-          </a:effectRef>
-          <a:fontRef idx="minor">
-            <a:schemeClr val="tx1"/>
-          </a:fontRef>
-        </p:style>
-      </p:cxnSp>
-      <p:sp>
-        <p:nvSpPr>
-          <p:cNvPr id="748" name="Прямоугольник 747"/>
-          <p:cNvSpPr/>
-          <p:nvPr/>
-        </p:nvSpPr>
-        <p:spPr>
-          <a:xfrm>
-            <a:off x="500941" y="6970185"/>
-            <a:ext cx="926325" cy="540000"/>
-          </a:xfrm>
-          <a:prstGeom prst="rect">
-            <a:avLst/>
-          </a:prstGeom>
-          <a:solidFill>
-            <a:schemeClr val="accent2">
-              <a:lumMod val="75000"/>
-            </a:schemeClr>
-          </a:solidFill>
-          <a:ln w="19050"/>
-        </p:spPr>
-        <p:style>
-          <a:lnRef idx="2">
-            <a:schemeClr val="accent1"/>
-          </a:lnRef>
-          <a:fillRef idx="1">
-            <a:schemeClr val="lt1"/>
-          </a:fillRef>
-          <a:effectRef idx="0">
-            <a:schemeClr val="accent1"/>
-          </a:effectRef>
-          <a:fontRef idx="minor">
-            <a:schemeClr val="dk1"/>
-          </a:fontRef>
-        </p:style>
-        <p:txBody>
-          <a:bodyPr lIns="124733" tIns="62367" rIns="124733" bIns="62367" rtlCol="0" anchor="ctr"/>
-          <a:lstStyle/>
-          <a:p>
-            <a:pPr algn="ctr"/>
-            <a:r>
-              <a:rPr lang="ru-RU" sz="700" dirty="0"/>
-              <a:t>Применить 12 принципов выпуска промышленной продукции</a:t>
-            </a:r>
-          </a:p>
-        </p:txBody>
-      </p:sp>
-      <p:cxnSp>
-        <p:nvCxnSpPr>
-          <p:cNvPr id="751" name="Соединительная линия уступом 750"/>
-          <p:cNvCxnSpPr>
-            <a:stCxn id="724" idx="2"/>
-            <a:endCxn id="748" idx="0"/>
-          </p:cNvCxnSpPr>
-          <p:nvPr/>
-        </p:nvCxnSpPr>
-        <p:spPr>
-          <a:xfrm rot="5400000">
-            <a:off x="1362358" y="6364376"/>
-            <a:ext cx="207555" cy="1004062"/>
-          </a:xfrm>
-          <a:prstGeom prst="bentConnector3">
-            <a:avLst>
-              <a:gd name="adj1" fmla="val 50000"/>
-            </a:avLst>
-          </a:prstGeom>
-          <a:ln w="19050">
-            <a:tailEnd type="arrow"/>
-          </a:ln>
-        </p:spPr>
-        <p:style>
-          <a:lnRef idx="1">
-            <a:schemeClr val="accent1"/>
-          </a:lnRef>
-          <a:fillRef idx="0">
-            <a:schemeClr val="accent1"/>
-          </a:fillRef>
-          <a:effectRef idx="0">
-            <a:schemeClr val="accent1"/>
-          </a:effectRef>
-          <a:fontRef idx="minor">
-            <a:schemeClr val="tx1"/>
-          </a:fontRef>
-        </p:style>
-      </p:cxnSp>
-      <p:sp>
-        <p:nvSpPr>
-          <p:cNvPr id="753" name="Прямоугольник 752"/>
-          <p:cNvSpPr/>
-          <p:nvPr/>
-        </p:nvSpPr>
-        <p:spPr>
-          <a:xfrm>
-            <a:off x="498401" y="7762023"/>
-            <a:ext cx="926325" cy="540000"/>
-          </a:xfrm>
-          <a:prstGeom prst="rect">
-            <a:avLst/>
-          </a:prstGeom>
-          <a:solidFill>
-            <a:schemeClr val="accent2">
-              <a:lumMod val="75000"/>
-            </a:schemeClr>
-          </a:solidFill>
-          <a:ln w="19050"/>
-        </p:spPr>
-        <p:style>
-          <a:lnRef idx="2">
-            <a:schemeClr val="accent1"/>
-          </a:lnRef>
-          <a:fillRef idx="1">
-            <a:schemeClr val="lt1"/>
-          </a:fillRef>
-          <a:effectRef idx="0">
-            <a:schemeClr val="accent1"/>
-          </a:effectRef>
-          <a:fontRef idx="minor">
-            <a:schemeClr val="dk1"/>
-          </a:fontRef>
-        </p:style>
-        <p:txBody>
-          <a:bodyPr lIns="124733" tIns="62367" rIns="124733" bIns="62367" rtlCol="0" anchor="ctr"/>
-          <a:lstStyle/>
-          <a:p>
-            <a:pPr algn="ctr"/>
-            <a:r>
-              <a:rPr lang="ru-RU" sz="700" dirty="0"/>
-              <a:t>Общество мелких собственников</a:t>
-            </a:r>
-            <a:endParaRPr lang="ru-RU" sz="300" dirty="0"/>
-          </a:p>
-        </p:txBody>
-      </p:sp>
-      <p:cxnSp>
-        <p:nvCxnSpPr>
-          <p:cNvPr id="756" name="Прямая со стрелкой 755"/>
-          <p:cNvCxnSpPr>
-            <a:stCxn id="748" idx="2"/>
-            <a:endCxn id="753" idx="0"/>
-          </p:cNvCxnSpPr>
-          <p:nvPr/>
-        </p:nvCxnSpPr>
-        <p:spPr>
-          <a:xfrm flipH="1">
-            <a:off x="961564" y="7510185"/>
-            <a:ext cx="2540" cy="251838"/>
-          </a:xfrm>
-          <a:prstGeom prst="straightConnector1">
-            <a:avLst/>
-          </a:prstGeom>
-          <a:ln w="19050">
-            <a:tailEnd type="arrow"/>
-          </a:ln>
-        </p:spPr>
-        <p:style>
-          <a:lnRef idx="1">
-            <a:schemeClr val="accent1"/>
-          </a:lnRef>
-          <a:fillRef idx="0">
-            <a:schemeClr val="accent1"/>
-          </a:fillRef>
-          <a:effectRef idx="0">
-            <a:schemeClr val="accent1"/>
-          </a:effectRef>
-          <a:fontRef idx="minor">
-            <a:schemeClr val="tx1"/>
-          </a:fontRef>
-        </p:style>
-      </p:cxnSp>
-      <p:sp>
-        <p:nvSpPr>
-          <p:cNvPr id="759" name="Прямоугольник 758"/>
-          <p:cNvSpPr/>
-          <p:nvPr/>
-        </p:nvSpPr>
-        <p:spPr>
-          <a:xfrm>
-            <a:off x="4533204" y="3811544"/>
-            <a:ext cx="926325" cy="540000"/>
-          </a:xfrm>
-          <a:prstGeom prst="rect">
-            <a:avLst/>
-          </a:prstGeom>
-          <a:solidFill>
-            <a:schemeClr val="accent2">
-              <a:lumMod val="75000"/>
-            </a:schemeClr>
-          </a:solidFill>
-          <a:ln w="19050"/>
-        </p:spPr>
-        <p:style>
-          <a:lnRef idx="2">
-            <a:schemeClr val="accent1"/>
-          </a:lnRef>
-          <a:fillRef idx="1">
-            <a:schemeClr val="lt1"/>
-          </a:fillRef>
-          <a:effectRef idx="0">
-            <a:schemeClr val="accent1"/>
-          </a:effectRef>
-          <a:fontRef idx="minor">
-            <a:schemeClr val="dk1"/>
-          </a:fontRef>
-        </p:style>
-        <p:txBody>
-          <a:bodyPr lIns="124733" tIns="62367" rIns="124733" bIns="62367" rtlCol="0" anchor="ctr"/>
-          <a:lstStyle/>
-          <a:p>
-            <a:pPr algn="ctr"/>
-            <a:r>
-              <a:rPr lang="ru-RU" sz="700" dirty="0"/>
-              <a:t>Восстание против </a:t>
-            </a:r>
-            <a:r>
-              <a:rPr lang="ru-RU" sz="700" dirty="0" err="1"/>
-              <a:t>Салазарского</a:t>
-            </a:r>
-            <a:r>
-              <a:rPr lang="ru-RU" sz="700" dirty="0"/>
-              <a:t> режима</a:t>
-            </a:r>
-          </a:p>
-        </p:txBody>
-      </p:sp>
-      <p:cxnSp>
-        <p:nvCxnSpPr>
-          <p:cNvPr id="760" name="Прямая со стрелкой 759"/>
-          <p:cNvCxnSpPr>
-            <a:stCxn id="759" idx="2"/>
-            <a:endCxn id="700" idx="0"/>
-          </p:cNvCxnSpPr>
-          <p:nvPr/>
-        </p:nvCxnSpPr>
-        <p:spPr>
-          <a:xfrm>
-            <a:off x="4996367" y="4351544"/>
-            <a:ext cx="1739" cy="241018"/>
-          </a:xfrm>
-          <a:prstGeom prst="straightConnector1">
-            <a:avLst/>
-          </a:prstGeom>
-          <a:ln w="19050">
-            <a:tailEnd type="arrow"/>
-          </a:ln>
-        </p:spPr>
-        <p:style>
-          <a:lnRef idx="1">
-            <a:schemeClr val="accent1"/>
-          </a:lnRef>
-          <a:fillRef idx="0">
-            <a:schemeClr val="accent1"/>
-          </a:fillRef>
-          <a:effectRef idx="0">
-            <a:schemeClr val="accent1"/>
-          </a:effectRef>
-          <a:fontRef idx="minor">
-            <a:schemeClr val="tx1"/>
-          </a:fontRef>
-        </p:style>
-      </p:cxnSp>
-      <p:cxnSp>
-        <p:nvCxnSpPr>
-          <p:cNvPr id="762" name="Прямая соединительная линия 761"/>
-          <p:cNvCxnSpPr>
-            <a:stCxn id="759" idx="3"/>
-            <a:endCxn id="667" idx="1"/>
-          </p:cNvCxnSpPr>
-          <p:nvPr/>
-        </p:nvCxnSpPr>
-        <p:spPr>
-          <a:xfrm>
-            <a:off x="5459529" y="4081544"/>
-            <a:ext cx="9417966" cy="1311"/>
-          </a:xfrm>
-          <a:prstGeom prst="line">
-            <a:avLst/>
-          </a:prstGeom>
-          <a:ln w="19050">
-            <a:solidFill>
-              <a:srgbClr val="FF0000"/>
-            </a:solidFill>
-          </a:ln>
-        </p:spPr>
-        <p:style>
-          <a:lnRef idx="1">
-            <a:schemeClr val="accent1"/>
-          </a:lnRef>
-          <a:fillRef idx="0">
-            <a:schemeClr val="accent1"/>
-          </a:fillRef>
-          <a:effectRef idx="0">
-            <a:schemeClr val="accent1"/>
-          </a:effectRef>
-          <a:fontRef idx="minor">
-            <a:schemeClr val="tx1"/>
-          </a:fontRef>
-        </p:style>
-      </p:cxnSp>
-      <p:cxnSp>
-        <p:nvCxnSpPr>
-          <p:cNvPr id="720" name="Прямая со стрелкой 719"/>
-          <p:cNvCxnSpPr>
-            <a:stCxn id="502" idx="2"/>
-            <a:endCxn id="712" idx="0"/>
-          </p:cNvCxnSpPr>
-          <p:nvPr/>
-        </p:nvCxnSpPr>
-        <p:spPr>
-          <a:xfrm flipH="1">
-            <a:off x="28643794" y="8410531"/>
-            <a:ext cx="1128" cy="281085"/>
-          </a:xfrm>
-          <a:prstGeom prst="straightConnector1">
-            <a:avLst/>
-          </a:prstGeom>
-          <a:ln w="19050">
-            <a:tailEnd type="arrow"/>
-          </a:ln>
-        </p:spPr>
-        <p:style>
-          <a:lnRef idx="1">
-            <a:schemeClr val="accent1"/>
-          </a:lnRef>
-          <a:fillRef idx="0">
-            <a:schemeClr val="accent1"/>
-          </a:fillRef>
-          <a:effectRef idx="0">
-            <a:schemeClr val="accent1"/>
-          </a:effectRef>
-          <a:fontRef idx="minor">
-            <a:schemeClr val="tx1"/>
-          </a:fontRef>
-        </p:style>
-      </p:cxnSp>
-      <p:sp>
-        <p:nvSpPr>
-          <p:cNvPr id="742" name="Прямоугольник 741"/>
-          <p:cNvSpPr/>
-          <p:nvPr/>
-        </p:nvSpPr>
-        <p:spPr>
-          <a:xfrm>
-            <a:off x="3506567" y="7756611"/>
-            <a:ext cx="926325" cy="540000"/>
-          </a:xfrm>
-          <a:prstGeom prst="rect">
-            <a:avLst/>
-          </a:prstGeom>
-          <a:solidFill>
-            <a:schemeClr val="accent2">
-              <a:lumMod val="75000"/>
-            </a:schemeClr>
-          </a:solidFill>
-          <a:ln w="19050"/>
-        </p:spPr>
-        <p:style>
-          <a:lnRef idx="2">
-            <a:schemeClr val="accent1"/>
-          </a:lnRef>
-          <a:fillRef idx="1">
-            <a:schemeClr val="lt1"/>
-          </a:fillRef>
-          <a:effectRef idx="0">
-            <a:schemeClr val="accent1"/>
-          </a:effectRef>
-          <a:fontRef idx="minor">
-            <a:schemeClr val="dk1"/>
-          </a:fontRef>
-        </p:style>
-        <p:txBody>
-          <a:bodyPr lIns="124733" tIns="62367" rIns="124733" bIns="62367" rtlCol="0" anchor="ctr"/>
-          <a:lstStyle/>
-          <a:p>
-            <a:pPr algn="ctr"/>
-            <a:r>
-              <a:rPr lang="ru-RU" sz="700" dirty="0"/>
               <a:t>Признать язык Галисии вторым официальным</a:t>
             </a:r>
           </a:p>
@@ -29932,7 +30024,11 @@
           <a:solidFill>
             <a:srgbClr val="FFFF00"/>
           </a:solidFill>
-          <a:ln w="19050"/>
+          <a:ln w="19050">
+            <a:solidFill>
+              <a:srgbClr val="00B050"/>
+            </a:solidFill>
+          </a:ln>
         </p:spPr>
         <p:style>
           <a:lnRef idx="2">
@@ -32465,7 +32561,11 @@
           <a:solidFill>
             <a:schemeClr val="accent6"/>
           </a:solidFill>
-          <a:ln w="19050"/>
+          <a:ln w="19050">
+            <a:solidFill>
+              <a:srgbClr val="00B050"/>
+            </a:solidFill>
+          </a:ln>
         </p:spPr>
         <p:style>
           <a:lnRef idx="2">

--- a/Наработки/диздоки/Португалия/Португалия общая.pptx
+++ b/Наработки/диздоки/Португалия/Португалия общая.pptx
@@ -24619,7 +24619,11 @@
           <a:solidFill>
             <a:srgbClr val="FF0000"/>
           </a:solidFill>
-          <a:ln w="19050"/>
+          <a:ln w="19050">
+            <a:solidFill>
+              <a:srgbClr val="FFFF00"/>
+            </a:solidFill>
+          </a:ln>
         </p:spPr>
         <p:style>
           <a:lnRef idx="2">
@@ -24673,6 +24677,110 @@
         <p:spPr>
           <a:xfrm>
             <a:off x="16999831" y="7076682"/>
+            <a:ext cx="926325" cy="540000"/>
+          </a:xfrm>
+          <a:prstGeom prst="rect">
+            <a:avLst/>
+          </a:prstGeom>
+          <a:solidFill>
+            <a:srgbClr val="FF0000"/>
+          </a:solidFill>
+          <a:ln w="19050">
+            <a:solidFill>
+              <a:srgbClr val="FFFF00"/>
+            </a:solidFill>
+          </a:ln>
+        </p:spPr>
+        <p:style>
+          <a:lnRef idx="2">
+            <a:schemeClr val="accent1"/>
+          </a:lnRef>
+          <a:fillRef idx="1">
+            <a:schemeClr val="lt1"/>
+          </a:fillRef>
+          <a:effectRef idx="0">
+            <a:schemeClr val="accent1"/>
+          </a:effectRef>
+          <a:fontRef idx="minor">
+            <a:schemeClr val="dk1"/>
+          </a:fontRef>
+        </p:style>
+        <p:txBody>
+          <a:bodyPr lIns="124733" tIns="62367" rIns="124733" bIns="62367" rtlCol="0" anchor="ctr"/>
+          <a:lstStyle/>
+          <a:p>
+            <a:pPr algn="ctr"/>
+            <a:r>
+              <a:rPr lang="ru-RU" sz="700" dirty="0"/>
+              <a:t>Вступить в научную группу Коминтерна</a:t>
+            </a:r>
+            <a:r>
+              <a:rPr lang="ru-RU" sz="600" dirty="0"/>
+              <a:t> (наше)</a:t>
+            </a:r>
+            <a:endParaRPr lang="ru-RU" sz="400" dirty="0"/>
+          </a:p>
+        </p:txBody>
+      </p:sp>
+      <p:sp>
+        <p:nvSpPr>
+          <p:cNvPr id="674" name="Прямоугольник 673"/>
+          <p:cNvSpPr/>
+          <p:nvPr/>
+        </p:nvSpPr>
+        <p:spPr>
+          <a:xfrm>
+            <a:off x="14908383" y="5406886"/>
+            <a:ext cx="926325" cy="540000"/>
+          </a:xfrm>
+          <a:prstGeom prst="rect">
+            <a:avLst/>
+          </a:prstGeom>
+          <a:solidFill>
+            <a:srgbClr val="FF0000"/>
+          </a:solidFill>
+          <a:ln w="19050">
+            <a:solidFill>
+              <a:srgbClr val="00B050"/>
+            </a:solidFill>
+          </a:ln>
+        </p:spPr>
+        <p:style>
+          <a:lnRef idx="2">
+            <a:schemeClr val="accent1"/>
+          </a:lnRef>
+          <a:fillRef idx="1">
+            <a:schemeClr val="lt1"/>
+          </a:fillRef>
+          <a:effectRef idx="0">
+            <a:schemeClr val="accent1"/>
+          </a:effectRef>
+          <a:fontRef idx="minor">
+            <a:schemeClr val="dk1"/>
+          </a:fontRef>
+        </p:style>
+        <p:txBody>
+          <a:bodyPr lIns="124733" tIns="62367" rIns="124733" bIns="62367" rtlCol="0" anchor="ctr"/>
+          <a:lstStyle/>
+          <a:p>
+            <a:pPr algn="ctr"/>
+            <a:r>
+              <a:rPr lang="ru-RU" sz="700" dirty="0"/>
+              <a:t>Создание Португальских союзных республик в Африке</a:t>
+            </a:r>
+            <a:endParaRPr lang="ru-RU" sz="400" dirty="0"/>
+          </a:p>
+        </p:txBody>
+      </p:sp>
+      <p:sp>
+        <p:nvSpPr>
+          <p:cNvPr id="675" name="Прямоугольник 674"/>
+          <p:cNvSpPr/>
+          <p:nvPr/>
+        </p:nvSpPr>
+        <p:spPr>
+          <a:xfrm>
+            <a:off x="16012362" y="5411375"/>
             <a:ext cx="926325" cy="540000"/>
           </a:xfrm>
           <a:prstGeom prst="rect">
@@ -24704,7 +24812,11 @@
             <a:pPr algn="ctr"/>
             <a:r>
               <a:rPr lang="ru-RU" sz="700" dirty="0"/>
-              <a:t>Вступить в научную группу Коминтерна</a:t>
+              <a:t>Укрепление Португальской культуры в </a:t>
+            </a:r>
+            <a:r>
+              <a:rPr lang="ru-RU" sz="700" dirty="0" err="1"/>
+              <a:t>Гоа</a:t>
             </a:r>
             <a:r>
               <a:rPr lang="ru-RU" sz="600" dirty="0"/>
@@ -24716,13 +24828,13 @@
       </p:sp>
       <p:sp>
         <p:nvSpPr>
-          <p:cNvPr id="674" name="Прямоугольник 673"/>
+          <p:cNvPr id="677" name="Прямоугольник 676"/>
           <p:cNvSpPr/>
           <p:nvPr/>
         </p:nvSpPr>
         <p:spPr>
           <a:xfrm>
-            <a:off x="14908383" y="5406886"/>
+            <a:off x="19169870" y="9517963"/>
             <a:ext cx="926325" cy="540000"/>
           </a:xfrm>
           <a:prstGeom prst="rect">
@@ -24758,7 +24870,11 @@
             <a:pPr algn="ctr"/>
             <a:r>
               <a:rPr lang="ru-RU" sz="700" dirty="0"/>
-              <a:t>Создание Португальских союзных республик в Африке</a:t>
+              <a:t>Национализация церковных земель</a:t>
+            </a:r>
+            <a:r>
+              <a:rPr lang="ru-RU" sz="600" dirty="0"/>
+              <a:t> (наше)</a:t>
             </a:r>
             <a:endParaRPr lang="ru-RU" sz="400" dirty="0"/>
           </a:p>
@@ -24766,13 +24882,13 @@
       </p:sp>
       <p:sp>
         <p:nvSpPr>
-          <p:cNvPr id="675" name="Прямоугольник 674"/>
+          <p:cNvPr id="678" name="Прямоугольник 677"/>
           <p:cNvSpPr/>
           <p:nvPr/>
         </p:nvSpPr>
         <p:spPr>
           <a:xfrm>
-            <a:off x="16012362" y="5411375"/>
+            <a:off x="20222055" y="9514801"/>
             <a:ext cx="926325" cy="540000"/>
           </a:xfrm>
           <a:prstGeom prst="rect">
@@ -24781,7 +24897,11 @@
           <a:solidFill>
             <a:srgbClr val="FF0000"/>
           </a:solidFill>
-          <a:ln w="19050"/>
+          <a:ln w="19050">
+            <a:solidFill>
+              <a:srgbClr val="FFFF00"/>
+            </a:solidFill>
+          </a:ln>
         </p:spPr>
         <p:style>
           <a:lnRef idx="2">
@@ -24804,11 +24924,7 @@
             <a:pPr algn="ctr"/>
             <a:r>
               <a:rPr lang="ru-RU" sz="700" dirty="0"/>
-              <a:t>Укрепление Португальской культуры в </a:t>
-            </a:r>
-            <a:r>
-              <a:rPr lang="ru-RU" sz="700" dirty="0" err="1"/>
-              <a:t>Гоа</a:t>
+              <a:t>Пятилетний план</a:t>
             </a:r>
             <a:r>
               <a:rPr lang="ru-RU" sz="600" dirty="0"/>
@@ -24820,13 +24936,13 @@
       </p:sp>
       <p:sp>
         <p:nvSpPr>
-          <p:cNvPr id="677" name="Прямоугольник 676"/>
+          <p:cNvPr id="680" name="Прямоугольник 679"/>
           <p:cNvSpPr/>
           <p:nvPr/>
         </p:nvSpPr>
         <p:spPr>
           <a:xfrm>
-            <a:off x="19169870" y="9517963"/>
+            <a:off x="19168626" y="10276228"/>
             <a:ext cx="926325" cy="540000"/>
           </a:xfrm>
           <a:prstGeom prst="rect">
@@ -24835,7 +24951,11 @@
           <a:solidFill>
             <a:srgbClr val="FF0000"/>
           </a:solidFill>
-          <a:ln w="19050"/>
+          <a:ln w="19050">
+            <a:solidFill>
+              <a:srgbClr val="FFFF00"/>
+            </a:solidFill>
+          </a:ln>
         </p:spPr>
         <p:style>
           <a:lnRef idx="2">
@@ -24858,7 +24978,7 @@
             <a:pPr algn="ctr"/>
             <a:r>
               <a:rPr lang="ru-RU" sz="700" dirty="0"/>
-              <a:t>Национализация церковных земель</a:t>
+              <a:t>Крестьянская реформа</a:t>
             </a:r>
             <a:r>
               <a:rPr lang="ru-RU" sz="600" dirty="0"/>
@@ -24870,13 +24990,13 @@
       </p:sp>
       <p:sp>
         <p:nvSpPr>
-          <p:cNvPr id="678" name="Прямоугольник 677"/>
+          <p:cNvPr id="681" name="Прямоугольник 680"/>
           <p:cNvSpPr/>
           <p:nvPr/>
         </p:nvSpPr>
         <p:spPr>
           <a:xfrm>
-            <a:off x="20222055" y="9514801"/>
+            <a:off x="13889534" y="6255422"/>
             <a:ext cx="926325" cy="540000"/>
           </a:xfrm>
           <a:prstGeom prst="rect">
@@ -24885,7 +25005,11 @@
           <a:solidFill>
             <a:srgbClr val="FF0000"/>
           </a:solidFill>
-          <a:ln w="19050"/>
+          <a:ln w="19050">
+            <a:solidFill>
+              <a:srgbClr val="00B050"/>
+            </a:solidFill>
+          </a:ln>
         </p:spPr>
         <p:style>
           <a:lnRef idx="2">
@@ -24908,7 +25032,7 @@
             <a:pPr algn="ctr"/>
             <a:r>
               <a:rPr lang="ru-RU" sz="700" dirty="0"/>
-              <a:t>Пятилетний план</a:t>
+              <a:t>Освободить Африку</a:t>
             </a:r>
             <a:r>
               <a:rPr lang="ru-RU" sz="600" dirty="0"/>
@@ -24920,13 +25044,13 @@
       </p:sp>
       <p:sp>
         <p:nvSpPr>
-          <p:cNvPr id="680" name="Прямоугольник 679"/>
+          <p:cNvPr id="683" name="Прямоугольник 682"/>
           <p:cNvSpPr/>
           <p:nvPr/>
         </p:nvSpPr>
         <p:spPr>
           <a:xfrm>
-            <a:off x="19168626" y="10276228"/>
+            <a:off x="16017319" y="6270843"/>
             <a:ext cx="926325" cy="540000"/>
           </a:xfrm>
           <a:prstGeom prst="rect">
@@ -24935,7 +25059,11 @@
           <a:solidFill>
             <a:srgbClr val="FF0000"/>
           </a:solidFill>
-          <a:ln w="19050"/>
+          <a:ln w="19050">
+            <a:solidFill>
+              <a:srgbClr val="00B050"/>
+            </a:solidFill>
+          </a:ln>
         </p:spPr>
         <p:style>
           <a:lnRef idx="2">
@@ -24958,11 +25086,7 @@
             <a:pPr algn="ctr"/>
             <a:r>
               <a:rPr lang="ru-RU" sz="700" dirty="0"/>
-              <a:t>Крестьянская реформа</a:t>
-            </a:r>
-            <a:r>
-              <a:rPr lang="ru-RU" sz="600" dirty="0"/>
-              <a:t> (наше)</a:t>
+              <a:t>Освободить Индию (наше)</a:t>
             </a:r>
             <a:endParaRPr lang="ru-RU" sz="400" dirty="0"/>
           </a:p>
@@ -24970,13 +25094,13 @@
       </p:sp>
       <p:sp>
         <p:nvSpPr>
-          <p:cNvPr id="681" name="Прямоугольник 680"/>
+          <p:cNvPr id="684" name="Прямоугольник 683"/>
           <p:cNvSpPr/>
           <p:nvPr/>
         </p:nvSpPr>
         <p:spPr>
           <a:xfrm>
-            <a:off x="13889534" y="6255422"/>
+            <a:off x="19135722" y="6265230"/>
             <a:ext cx="926325" cy="540000"/>
           </a:xfrm>
           <a:prstGeom prst="rect">
@@ -25012,11 +25136,11 @@
             <a:pPr algn="ctr"/>
             <a:r>
               <a:rPr lang="ru-RU" sz="700" dirty="0"/>
-              <a:t>Освободить Африку</a:t>
+              <a:t>Вторжение в Испанию (Испания НЕ левая)</a:t>
             </a:r>
             <a:r>
               <a:rPr lang="ru-RU" sz="600" dirty="0"/>
-              <a:t> (наше)</a:t>
+              <a:t> (ваниль)</a:t>
             </a:r>
             <a:endParaRPr lang="ru-RU" sz="400" dirty="0"/>
           </a:p>
@@ -25024,13 +25148,13 @@
       </p:sp>
       <p:sp>
         <p:nvSpPr>
-          <p:cNvPr id="683" name="Прямоугольник 682"/>
+          <p:cNvPr id="686" name="Прямоугольник 685"/>
           <p:cNvSpPr/>
           <p:nvPr/>
         </p:nvSpPr>
         <p:spPr>
           <a:xfrm>
-            <a:off x="16017319" y="6270843"/>
+            <a:off x="18046395" y="6263556"/>
             <a:ext cx="926325" cy="540000"/>
           </a:xfrm>
           <a:prstGeom prst="rect">
@@ -25041,7 +25165,7 @@
           </a:solidFill>
           <a:ln w="19050">
             <a:solidFill>
-              <a:srgbClr val="00B050"/>
+              <a:srgbClr val="FFFF00"/>
             </a:solidFill>
           </a:ln>
         </p:spPr>
@@ -25066,21 +25190,177 @@
             <a:pPr algn="ctr"/>
             <a:r>
               <a:rPr lang="ru-RU" sz="700" dirty="0"/>
-              <a:t>Освободить Индию (наше)</a:t>
+              <a:t>Рабочие Иберии – объединяйтесь!(вступить в испанскую </a:t>
+            </a:r>
+            <a:r>
+              <a:rPr lang="ru-RU" sz="700" dirty="0" err="1"/>
+              <a:t>гв</a:t>
+            </a:r>
+            <a:r>
+              <a:rPr lang="ru-RU" sz="700" dirty="0"/>
+              <a:t>) (ваниль)</a:t>
             </a:r>
             <a:endParaRPr lang="ru-RU" sz="400" dirty="0"/>
           </a:p>
         </p:txBody>
       </p:sp>
-      <p:sp>
-        <p:nvSpPr>
-          <p:cNvPr id="684" name="Прямоугольник 683"/>
+      <p:cxnSp>
+        <p:nvCxnSpPr>
+          <p:cNvPr id="687" name="Прямая соединительная линия 686"/>
+          <p:cNvCxnSpPr>
+            <a:stCxn id="649" idx="3"/>
+            <a:endCxn id="686" idx="1"/>
+          </p:cNvCxnSpPr>
+          <p:nvPr/>
+        </p:nvCxnSpPr>
+        <p:spPr>
+          <a:xfrm flipV="1">
+            <a:off x="17926772" y="6533556"/>
+            <a:ext cx="119623" cy="1674"/>
+          </a:xfrm>
+          <a:prstGeom prst="line">
+            <a:avLst/>
+          </a:prstGeom>
+          <a:ln w="19050">
+            <a:solidFill>
+              <a:srgbClr val="FF0000"/>
+            </a:solidFill>
+          </a:ln>
+        </p:spPr>
+        <p:style>
+          <a:lnRef idx="1">
+            <a:schemeClr val="accent1"/>
+          </a:lnRef>
+          <a:fillRef idx="0">
+            <a:schemeClr val="accent1"/>
+          </a:fillRef>
+          <a:effectRef idx="0">
+            <a:schemeClr val="accent1"/>
+          </a:effectRef>
+          <a:fontRef idx="minor">
+            <a:schemeClr val="tx1"/>
+          </a:fontRef>
+        </p:style>
+      </p:cxnSp>
+      <p:cxnSp>
+        <p:nvCxnSpPr>
+          <p:cNvPr id="691" name="Прямая соединительная линия 690"/>
+          <p:cNvCxnSpPr>
+            <a:stCxn id="686" idx="3"/>
+            <a:endCxn id="684" idx="1"/>
+          </p:cNvCxnSpPr>
+          <p:nvPr/>
+        </p:nvCxnSpPr>
+        <p:spPr>
+          <a:xfrm>
+            <a:off x="18972720" y="6533556"/>
+            <a:ext cx="163002" cy="1674"/>
+          </a:xfrm>
+          <a:prstGeom prst="line">
+            <a:avLst/>
+          </a:prstGeom>
+          <a:ln w="19050">
+            <a:solidFill>
+              <a:srgbClr val="FF0000"/>
+            </a:solidFill>
+          </a:ln>
+        </p:spPr>
+        <p:style>
+          <a:lnRef idx="1">
+            <a:schemeClr val="accent1"/>
+          </a:lnRef>
+          <a:fillRef idx="0">
+            <a:schemeClr val="accent1"/>
+          </a:fillRef>
+          <a:effectRef idx="0">
+            <a:schemeClr val="accent1"/>
+          </a:effectRef>
+          <a:fontRef idx="minor">
+            <a:schemeClr val="tx1"/>
+          </a:fontRef>
+        </p:style>
+      </p:cxnSp>
+      <p:cxnSp>
+        <p:nvCxnSpPr>
+          <p:cNvPr id="694" name="Прямая со стрелкой 693"/>
+          <p:cNvCxnSpPr>
+            <a:stCxn id="686" idx="2"/>
+            <a:endCxn id="647" idx="0"/>
+          </p:cNvCxnSpPr>
+          <p:nvPr/>
+        </p:nvCxnSpPr>
+        <p:spPr>
+          <a:xfrm flipH="1">
+            <a:off x="18508229" y="6803556"/>
+            <a:ext cx="1329" cy="269775"/>
+          </a:xfrm>
+          <a:prstGeom prst="straightConnector1">
+            <a:avLst/>
+          </a:prstGeom>
+          <a:ln w="19050">
+            <a:tailEnd type="arrow"/>
+          </a:ln>
+        </p:spPr>
+        <p:style>
+          <a:lnRef idx="1">
+            <a:schemeClr val="accent1"/>
+          </a:lnRef>
+          <a:fillRef idx="0">
+            <a:schemeClr val="accent1"/>
+          </a:fillRef>
+          <a:effectRef idx="0">
+            <a:schemeClr val="accent1"/>
+          </a:effectRef>
+          <a:fontRef idx="minor">
+            <a:schemeClr val="tx1"/>
+          </a:fontRef>
+        </p:style>
+      </p:cxnSp>
+      <p:cxnSp>
+        <p:nvCxnSpPr>
+          <p:cNvPr id="697" name="Прямая со стрелкой 696"/>
+          <p:cNvCxnSpPr>
+            <a:stCxn id="649" idx="2"/>
+            <a:endCxn id="672" idx="0"/>
+          </p:cNvCxnSpPr>
+          <p:nvPr/>
+        </p:nvCxnSpPr>
+        <p:spPr>
+          <a:xfrm flipH="1">
+            <a:off x="17462994" y="6805230"/>
+            <a:ext cx="616" cy="271452"/>
+          </a:xfrm>
+          <a:prstGeom prst="straightConnector1">
+            <a:avLst/>
+          </a:prstGeom>
+          <a:ln w="19050">
+            <a:tailEnd type="arrow"/>
+          </a:ln>
+        </p:spPr>
+        <p:style>
+          <a:lnRef idx="1">
+            <a:schemeClr val="accent1"/>
+          </a:lnRef>
+          <a:fillRef idx="0">
+            <a:schemeClr val="accent1"/>
+          </a:fillRef>
+          <a:effectRef idx="0">
+            <a:schemeClr val="accent1"/>
+          </a:effectRef>
+          <a:fontRef idx="minor">
+            <a:schemeClr val="tx1"/>
+          </a:fontRef>
+        </p:style>
+      </p:cxnSp>
+      <p:sp>
+        <p:nvSpPr>
+          <p:cNvPr id="701" name="Прямоугольник 700"/>
           <p:cNvSpPr/>
           <p:nvPr/>
         </p:nvSpPr>
         <p:spPr>
           <a:xfrm>
-            <a:off x="19135722" y="6265230"/>
+            <a:off x="19139956" y="5423096"/>
             <a:ext cx="926325" cy="540000"/>
           </a:xfrm>
           <a:prstGeom prst="rect">
@@ -25116,11 +25396,7 @@
             <a:pPr algn="ctr"/>
             <a:r>
               <a:rPr lang="ru-RU" sz="700" dirty="0"/>
-              <a:t>Вторжение в Испанию (Испания НЕ левая)</a:t>
-            </a:r>
-            <a:r>
-              <a:rPr lang="ru-RU" sz="600" dirty="0"/>
-              <a:t> (ваниль)</a:t>
+              <a:t>Введение однопартийной системы</a:t>
             </a:r>
             <a:endParaRPr lang="ru-RU" sz="400" dirty="0"/>
           </a:p>
@@ -25128,13 +25404,13 @@
       </p:sp>
       <p:sp>
         <p:nvSpPr>
-          <p:cNvPr id="686" name="Прямоугольник 685"/>
+          <p:cNvPr id="702" name="Прямоугольник 701"/>
           <p:cNvSpPr/>
           <p:nvPr/>
         </p:nvSpPr>
         <p:spPr>
           <a:xfrm>
-            <a:off x="18046395" y="6263556"/>
+            <a:off x="19690354" y="8740903"/>
             <a:ext cx="926325" cy="540000"/>
           </a:xfrm>
           <a:prstGeom prst="rect">
@@ -25143,7 +25419,11 @@
           <a:solidFill>
             <a:srgbClr val="FF0000"/>
           </a:solidFill>
-          <a:ln w="19050"/>
+          <a:ln w="19050">
+            <a:solidFill>
+              <a:srgbClr val="00B050"/>
+            </a:solidFill>
+          </a:ln>
         </p:spPr>
         <p:style>
           <a:lnRef idx="2">
@@ -25166,177 +25446,25 @@
             <a:pPr algn="ctr"/>
             <a:r>
               <a:rPr lang="ru-RU" sz="700" dirty="0"/>
-              <a:t>Рабочие Иберии – объединяйтесь!(вступить в испанскую </a:t>
-            </a:r>
-            <a:r>
-              <a:rPr lang="ru-RU" sz="700" dirty="0" err="1"/>
-              <a:t>гв</a:t>
-            </a:r>
-            <a:r>
-              <a:rPr lang="ru-RU" sz="700" dirty="0"/>
-              <a:t>) (ваниль)</a:t>
+              <a:t>Национализация промышленности </a:t>
+            </a:r>
+            <a:r>
+              <a:rPr lang="ru-RU" sz="500" dirty="0"/>
+              <a:t>(ваниль)</a:t>
             </a:r>
             <a:endParaRPr lang="ru-RU" sz="400" dirty="0"/>
           </a:p>
         </p:txBody>
       </p:sp>
-      <p:cxnSp>
-        <p:nvCxnSpPr>
-          <p:cNvPr id="687" name="Прямая соединительная линия 686"/>
-          <p:cNvCxnSpPr>
-            <a:stCxn id="649" idx="3"/>
-            <a:endCxn id="686" idx="1"/>
-          </p:cNvCxnSpPr>
-          <p:nvPr/>
-        </p:nvCxnSpPr>
-        <p:spPr>
-          <a:xfrm flipV="1">
-            <a:off x="17926772" y="6533556"/>
-            <a:ext cx="119623" cy="1674"/>
-          </a:xfrm>
-          <a:prstGeom prst="line">
-            <a:avLst/>
-          </a:prstGeom>
-          <a:ln w="19050">
-            <a:solidFill>
-              <a:srgbClr val="FF0000"/>
-            </a:solidFill>
-          </a:ln>
-        </p:spPr>
-        <p:style>
-          <a:lnRef idx="1">
-            <a:schemeClr val="accent1"/>
-          </a:lnRef>
-          <a:fillRef idx="0">
-            <a:schemeClr val="accent1"/>
-          </a:fillRef>
-          <a:effectRef idx="0">
-            <a:schemeClr val="accent1"/>
-          </a:effectRef>
-          <a:fontRef idx="minor">
-            <a:schemeClr val="tx1"/>
-          </a:fontRef>
-        </p:style>
-      </p:cxnSp>
-      <p:cxnSp>
-        <p:nvCxnSpPr>
-          <p:cNvPr id="691" name="Прямая соединительная линия 690"/>
-          <p:cNvCxnSpPr>
-            <a:stCxn id="686" idx="3"/>
-            <a:endCxn id="684" idx="1"/>
-          </p:cNvCxnSpPr>
-          <p:nvPr/>
-        </p:nvCxnSpPr>
-        <p:spPr>
-          <a:xfrm>
-            <a:off x="18972720" y="6533556"/>
-            <a:ext cx="163002" cy="1674"/>
-          </a:xfrm>
-          <a:prstGeom prst="line">
-            <a:avLst/>
-          </a:prstGeom>
-          <a:ln w="19050">
-            <a:solidFill>
-              <a:srgbClr val="FF0000"/>
-            </a:solidFill>
-          </a:ln>
-        </p:spPr>
-        <p:style>
-          <a:lnRef idx="1">
-            <a:schemeClr val="accent1"/>
-          </a:lnRef>
-          <a:fillRef idx="0">
-            <a:schemeClr val="accent1"/>
-          </a:fillRef>
-          <a:effectRef idx="0">
-            <a:schemeClr val="accent1"/>
-          </a:effectRef>
-          <a:fontRef idx="minor">
-            <a:schemeClr val="tx1"/>
-          </a:fontRef>
-        </p:style>
-      </p:cxnSp>
-      <p:cxnSp>
-        <p:nvCxnSpPr>
-          <p:cNvPr id="694" name="Прямая со стрелкой 693"/>
-          <p:cNvCxnSpPr>
-            <a:stCxn id="686" idx="2"/>
-            <a:endCxn id="647" idx="0"/>
-          </p:cNvCxnSpPr>
-          <p:nvPr/>
-        </p:nvCxnSpPr>
-        <p:spPr>
-          <a:xfrm flipH="1">
-            <a:off x="18508229" y="6803556"/>
-            <a:ext cx="1329" cy="269775"/>
-          </a:xfrm>
-          <a:prstGeom prst="straightConnector1">
-            <a:avLst/>
-          </a:prstGeom>
-          <a:ln w="19050">
-            <a:tailEnd type="arrow"/>
-          </a:ln>
-        </p:spPr>
-        <p:style>
-          <a:lnRef idx="1">
-            <a:schemeClr val="accent1"/>
-          </a:lnRef>
-          <a:fillRef idx="0">
-            <a:schemeClr val="accent1"/>
-          </a:fillRef>
-          <a:effectRef idx="0">
-            <a:schemeClr val="accent1"/>
-          </a:effectRef>
-          <a:fontRef idx="minor">
-            <a:schemeClr val="tx1"/>
-          </a:fontRef>
-        </p:style>
-      </p:cxnSp>
-      <p:cxnSp>
-        <p:nvCxnSpPr>
-          <p:cNvPr id="697" name="Прямая со стрелкой 696"/>
-          <p:cNvCxnSpPr>
-            <a:stCxn id="649" idx="2"/>
-            <a:endCxn id="672" idx="0"/>
-          </p:cNvCxnSpPr>
-          <p:nvPr/>
-        </p:nvCxnSpPr>
-        <p:spPr>
-          <a:xfrm flipH="1">
-            <a:off x="17462994" y="6805230"/>
-            <a:ext cx="616" cy="271452"/>
-          </a:xfrm>
-          <a:prstGeom prst="straightConnector1">
-            <a:avLst/>
-          </a:prstGeom>
-          <a:ln w="19050">
-            <a:tailEnd type="arrow"/>
-          </a:ln>
-        </p:spPr>
-        <p:style>
-          <a:lnRef idx="1">
-            <a:schemeClr val="accent1"/>
-          </a:lnRef>
-          <a:fillRef idx="0">
-            <a:schemeClr val="accent1"/>
-          </a:fillRef>
-          <a:effectRef idx="0">
-            <a:schemeClr val="accent1"/>
-          </a:effectRef>
-          <a:fontRef idx="minor">
-            <a:schemeClr val="tx1"/>
-          </a:fontRef>
-        </p:style>
-      </p:cxnSp>
-      <p:sp>
-        <p:nvSpPr>
-          <p:cNvPr id="701" name="Прямоугольник 700"/>
+      <p:sp>
+        <p:nvSpPr>
+          <p:cNvPr id="703" name="Прямоугольник 702"/>
           <p:cNvSpPr/>
           <p:nvPr/>
         </p:nvSpPr>
         <p:spPr>
           <a:xfrm>
-            <a:off x="19139956" y="5423096"/>
+            <a:off x="20208471" y="5407249"/>
             <a:ext cx="926325" cy="540000"/>
           </a:xfrm>
           <a:prstGeom prst="rect">
@@ -25345,7 +25473,11 @@
           <a:solidFill>
             <a:srgbClr val="FF0000"/>
           </a:solidFill>
-          <a:ln w="19050"/>
+          <a:ln w="19050">
+            <a:solidFill>
+              <a:srgbClr val="00B050"/>
+            </a:solidFill>
+          </a:ln>
         </p:spPr>
         <p:style>
           <a:lnRef idx="2">
@@ -25367,22 +25499,26 @@
           <a:p>
             <a:pPr algn="ctr"/>
             <a:r>
-              <a:rPr lang="ru-RU" sz="700" dirty="0"/>
-              <a:t>Введение однопартийной системы</a:t>
-            </a:r>
-            <a:endParaRPr lang="ru-RU" sz="400" dirty="0"/>
-          </a:p>
-        </p:txBody>
-      </p:sp>
-      <p:sp>
-        <p:nvSpPr>
-          <p:cNvPr id="702" name="Прямоугольник 701"/>
+              <a:rPr lang="ru-RU" sz="600" dirty="0"/>
+              <a:t>Молодёжное крыло ПКП </a:t>
+            </a:r>
+            <a:r>
+              <a:rPr lang="ru-RU" sz="400" dirty="0"/>
+              <a:t>(ваниль)</a:t>
+            </a:r>
+            <a:endParaRPr lang="ru-RU" sz="300" dirty="0"/>
+          </a:p>
+        </p:txBody>
+      </p:sp>
+      <p:sp>
+        <p:nvSpPr>
+          <p:cNvPr id="704" name="Прямоугольник 703"/>
           <p:cNvSpPr/>
           <p:nvPr/>
         </p:nvSpPr>
         <p:spPr>
           <a:xfrm>
-            <a:off x="19690354" y="8740903"/>
+            <a:off x="14912791" y="6260622"/>
             <a:ext cx="926325" cy="540000"/>
           </a:xfrm>
           <a:prstGeom prst="rect">
@@ -25391,7 +25527,11 @@
           <a:solidFill>
             <a:srgbClr val="FF0000"/>
           </a:solidFill>
-          <a:ln w="19050"/>
+          <a:ln w="19050">
+            <a:solidFill>
+              <a:srgbClr val="00B050"/>
+            </a:solidFill>
+          </a:ln>
         </p:spPr>
         <p:style>
           <a:lnRef idx="2">
@@ -25414,11 +25554,7 @@
             <a:pPr algn="ctr"/>
             <a:r>
               <a:rPr lang="ru-RU" sz="700" dirty="0"/>
-              <a:t>Национализация промышленности </a:t>
-            </a:r>
-            <a:r>
-              <a:rPr lang="ru-RU" sz="500" dirty="0"/>
-              <a:t>(ваниль)</a:t>
+              <a:t>Форсирование коммунизма в Бразилии (наше)</a:t>
             </a:r>
             <a:endParaRPr lang="ru-RU" sz="400" dirty="0"/>
           </a:p>
@@ -25426,13 +25562,13 @@
       </p:sp>
       <p:sp>
         <p:nvSpPr>
-          <p:cNvPr id="703" name="Прямоугольник 702"/>
+          <p:cNvPr id="705" name="Прямоугольник 704"/>
           <p:cNvSpPr/>
           <p:nvPr/>
         </p:nvSpPr>
         <p:spPr>
           <a:xfrm>
-            <a:off x="20208471" y="5407249"/>
+            <a:off x="14917199" y="6970786"/>
             <a:ext cx="926325" cy="540000"/>
           </a:xfrm>
           <a:prstGeom prst="rect">
@@ -25446,106 +25582,6 @@
               <a:srgbClr val="00B050"/>
             </a:solidFill>
           </a:ln>
-        </p:spPr>
-        <p:style>
-          <a:lnRef idx="2">
-            <a:schemeClr val="accent1"/>
-          </a:lnRef>
-          <a:fillRef idx="1">
-            <a:schemeClr val="lt1"/>
-          </a:fillRef>
-          <a:effectRef idx="0">
-            <a:schemeClr val="accent1"/>
-          </a:effectRef>
-          <a:fontRef idx="minor">
-            <a:schemeClr val="dk1"/>
-          </a:fontRef>
-        </p:style>
-        <p:txBody>
-          <a:bodyPr lIns="124733" tIns="62367" rIns="124733" bIns="62367" rtlCol="0" anchor="ctr"/>
-          <a:lstStyle/>
-          <a:p>
-            <a:pPr algn="ctr"/>
-            <a:r>
-              <a:rPr lang="ru-RU" sz="600" dirty="0"/>
-              <a:t>Молодёжное крыло ПКП </a:t>
-            </a:r>
-            <a:r>
-              <a:rPr lang="ru-RU" sz="400" dirty="0"/>
-              <a:t>(ваниль)</a:t>
-            </a:r>
-            <a:endParaRPr lang="ru-RU" sz="300" dirty="0"/>
-          </a:p>
-        </p:txBody>
-      </p:sp>
-      <p:sp>
-        <p:nvSpPr>
-          <p:cNvPr id="704" name="Прямоугольник 703"/>
-          <p:cNvSpPr/>
-          <p:nvPr/>
-        </p:nvSpPr>
-        <p:spPr>
-          <a:xfrm>
-            <a:off x="14912791" y="6260622"/>
-            <a:ext cx="926325" cy="540000"/>
-          </a:xfrm>
-          <a:prstGeom prst="rect">
-            <a:avLst/>
-          </a:prstGeom>
-          <a:solidFill>
-            <a:srgbClr val="FF0000"/>
-          </a:solidFill>
-          <a:ln w="19050">
-            <a:solidFill>
-              <a:srgbClr val="00B050"/>
-            </a:solidFill>
-          </a:ln>
-        </p:spPr>
-        <p:style>
-          <a:lnRef idx="2">
-            <a:schemeClr val="accent1"/>
-          </a:lnRef>
-          <a:fillRef idx="1">
-            <a:schemeClr val="lt1"/>
-          </a:fillRef>
-          <a:effectRef idx="0">
-            <a:schemeClr val="accent1"/>
-          </a:effectRef>
-          <a:fontRef idx="minor">
-            <a:schemeClr val="dk1"/>
-          </a:fontRef>
-        </p:style>
-        <p:txBody>
-          <a:bodyPr lIns="124733" tIns="62367" rIns="124733" bIns="62367" rtlCol="0" anchor="ctr"/>
-          <a:lstStyle/>
-          <a:p>
-            <a:pPr algn="ctr"/>
-            <a:r>
-              <a:rPr lang="ru-RU" sz="700" dirty="0"/>
-              <a:t>Форсирование коммунизма в Бразилии (наше)</a:t>
-            </a:r>
-            <a:endParaRPr lang="ru-RU" sz="400" dirty="0"/>
-          </a:p>
-        </p:txBody>
-      </p:sp>
-      <p:sp>
-        <p:nvSpPr>
-          <p:cNvPr id="705" name="Прямоугольник 704"/>
-          <p:cNvSpPr/>
-          <p:nvPr/>
-        </p:nvSpPr>
-        <p:spPr>
-          <a:xfrm>
-            <a:off x="14917199" y="6970786"/>
-            <a:ext cx="926325" cy="540000"/>
-          </a:xfrm>
-          <a:prstGeom prst="rect">
-            <a:avLst/>
-          </a:prstGeom>
-          <a:solidFill>
-            <a:srgbClr val="FF0000"/>
-          </a:solidFill>
-          <a:ln w="19050"/>
         </p:spPr>
         <p:style>
           <a:lnRef idx="2">

--- a/Наработки/диздоки/Португалия/Португалия общая.pptx
+++ b/Наработки/диздоки/Португалия/Португалия общая.pptx
@@ -209,7 +209,7 @@
             <a:fld id="{33E3D7F9-E251-484C-A6FF-FA958879DF69}" type="datetimeFigureOut">
               <a:rPr lang="ru-RU" smtClean="0"/>
               <a:pPr/>
-              <a:t>05.05.2023</a:t>
+              <a:t>15.05.2023</a:t>
             </a:fld>
             <a:endParaRPr lang="ru-RU"/>
           </a:p>
@@ -699,7 +699,7 @@
             <a:fld id="{85A5DE44-605B-4D3B-B2B7-94543DF81A36}" type="datetimeFigureOut">
               <a:rPr lang="ru-RU" smtClean="0"/>
               <a:pPr/>
-              <a:t>05.05.2023</a:t>
+              <a:t>15.05.2023</a:t>
             </a:fld>
             <a:endParaRPr lang="ru-RU"/>
           </a:p>
@@ -871,7 +871,7 @@
             <a:fld id="{85A5DE44-605B-4D3B-B2B7-94543DF81A36}" type="datetimeFigureOut">
               <a:rPr lang="ru-RU" smtClean="0"/>
               <a:pPr/>
-              <a:t>05.05.2023</a:t>
+              <a:t>15.05.2023</a:t>
             </a:fld>
             <a:endParaRPr lang="ru-RU"/>
           </a:p>
@@ -1053,7 +1053,7 @@
             <a:fld id="{85A5DE44-605B-4D3B-B2B7-94543DF81A36}" type="datetimeFigureOut">
               <a:rPr lang="ru-RU" smtClean="0"/>
               <a:pPr/>
-              <a:t>05.05.2023</a:t>
+              <a:t>15.05.2023</a:t>
             </a:fld>
             <a:endParaRPr lang="ru-RU"/>
           </a:p>
@@ -1225,7 +1225,7 @@
             <a:fld id="{85A5DE44-605B-4D3B-B2B7-94543DF81A36}" type="datetimeFigureOut">
               <a:rPr lang="ru-RU" smtClean="0"/>
               <a:pPr/>
-              <a:t>05.05.2023</a:t>
+              <a:t>15.05.2023</a:t>
             </a:fld>
             <a:endParaRPr lang="ru-RU"/>
           </a:p>
@@ -1473,7 +1473,7 @@
             <a:fld id="{85A5DE44-605B-4D3B-B2B7-94543DF81A36}" type="datetimeFigureOut">
               <a:rPr lang="ru-RU" smtClean="0"/>
               <a:pPr/>
-              <a:t>05.05.2023</a:t>
+              <a:t>15.05.2023</a:t>
             </a:fld>
             <a:endParaRPr lang="ru-RU"/>
           </a:p>
@@ -1707,7 +1707,7 @@
             <a:fld id="{85A5DE44-605B-4D3B-B2B7-94543DF81A36}" type="datetimeFigureOut">
               <a:rPr lang="ru-RU" smtClean="0"/>
               <a:pPr/>
-              <a:t>05.05.2023</a:t>
+              <a:t>15.05.2023</a:t>
             </a:fld>
             <a:endParaRPr lang="ru-RU"/>
           </a:p>
@@ -2076,7 +2076,7 @@
             <a:fld id="{85A5DE44-605B-4D3B-B2B7-94543DF81A36}" type="datetimeFigureOut">
               <a:rPr lang="ru-RU" smtClean="0"/>
               <a:pPr/>
-              <a:t>05.05.2023</a:t>
+              <a:t>15.05.2023</a:t>
             </a:fld>
             <a:endParaRPr lang="ru-RU"/>
           </a:p>
@@ -2196,7 +2196,7 @@
             <a:fld id="{85A5DE44-605B-4D3B-B2B7-94543DF81A36}" type="datetimeFigureOut">
               <a:rPr lang="ru-RU" smtClean="0"/>
               <a:pPr/>
-              <a:t>05.05.2023</a:t>
+              <a:t>15.05.2023</a:t>
             </a:fld>
             <a:endParaRPr lang="ru-RU"/>
           </a:p>
@@ -2293,7 +2293,7 @@
             <a:fld id="{85A5DE44-605B-4D3B-B2B7-94543DF81A36}" type="datetimeFigureOut">
               <a:rPr lang="ru-RU" smtClean="0"/>
               <a:pPr/>
-              <a:t>05.05.2023</a:t>
+              <a:t>15.05.2023</a:t>
             </a:fld>
             <a:endParaRPr lang="ru-RU"/>
           </a:p>
@@ -2572,7 +2572,7 @@
             <a:fld id="{85A5DE44-605B-4D3B-B2B7-94543DF81A36}" type="datetimeFigureOut">
               <a:rPr lang="ru-RU" smtClean="0"/>
               <a:pPr/>
-              <a:t>05.05.2023</a:t>
+              <a:t>15.05.2023</a:t>
             </a:fld>
             <a:endParaRPr lang="ru-RU"/>
           </a:p>
@@ -2831,7 +2831,7 @@
             <a:fld id="{85A5DE44-605B-4D3B-B2B7-94543DF81A36}" type="datetimeFigureOut">
               <a:rPr lang="ru-RU" smtClean="0"/>
               <a:pPr/>
-              <a:t>05.05.2023</a:t>
+              <a:t>15.05.2023</a:t>
             </a:fld>
             <a:endParaRPr lang="ru-RU"/>
           </a:p>
@@ -3046,7 +3046,7 @@
             <a:fld id="{85A5DE44-605B-4D3B-B2B7-94543DF81A36}" type="datetimeFigureOut">
               <a:rPr lang="ru-RU" smtClean="0"/>
               <a:pPr/>
-              <a:t>05.05.2023</a:t>
+              <a:t>15.05.2023</a:t>
             </a:fld>
             <a:endParaRPr lang="ru-RU"/>
           </a:p>
@@ -6460,6 +6460,7 @@
         <p:nvCxnSpPr>
           <p:cNvPr id="209" name="Соединительная линия уступом 208"/>
           <p:cNvCxnSpPr>
+            <a:cxnSpLocks/>
             <a:stCxn id="34" idx="2"/>
             <a:endCxn id="93" idx="0"/>
           </p:cNvCxnSpPr>
@@ -11068,7 +11069,11 @@
           <a:prstGeom prst="rect">
             <a:avLst/>
           </a:prstGeom>
-          <a:ln w="19050"/>
+          <a:ln w="19050">
+            <a:solidFill>
+              <a:srgbClr val="FFFF00"/>
+            </a:solidFill>
+          </a:ln>
         </p:spPr>
         <p:style>
           <a:lnRef idx="2">
@@ -18747,7 +18752,11 @@
           <a:prstGeom prst="rect">
             <a:avLst/>
           </a:prstGeom>
-          <a:ln w="19050"/>
+          <a:ln w="19050">
+            <a:solidFill>
+              <a:srgbClr val="FFFF00"/>
+            </a:solidFill>
+          </a:ln>
         </p:spPr>
         <p:style>
           <a:lnRef idx="2">
@@ -18858,7 +18867,11 @@
           <a:prstGeom prst="rect">
             <a:avLst/>
           </a:prstGeom>
-          <a:ln w="19050"/>
+          <a:ln w="19050">
+            <a:solidFill>
+              <a:srgbClr val="00B050"/>
+            </a:solidFill>
+          </a:ln>
         </p:spPr>
         <p:style>
           <a:lnRef idx="2">
@@ -24284,57 +24297,6 @@
           <a:solidFill>
             <a:srgbClr val="7030A0"/>
           </a:solidFill>
-          <a:ln w="19050"/>
-        </p:spPr>
-        <p:style>
-          <a:lnRef idx="2">
-            <a:schemeClr val="accent1"/>
-          </a:lnRef>
-          <a:fillRef idx="1">
-            <a:schemeClr val="lt1"/>
-          </a:fillRef>
-          <a:effectRef idx="0">
-            <a:schemeClr val="accent1"/>
-          </a:effectRef>
-          <a:fontRef idx="minor">
-            <a:schemeClr val="dk1"/>
-          </a:fontRef>
-        </p:style>
-        <p:txBody>
-          <a:bodyPr lIns="124733" tIns="62367" rIns="124733" bIns="62367" rtlCol="0" anchor="ctr"/>
-          <a:lstStyle/>
-          <a:p>
-            <a:pPr algn="ctr"/>
-            <a:r>
-              <a:rPr lang="ru-RU" sz="700" dirty="0"/>
-              <a:t>Восстановлении монархии (только для </a:t>
-            </a:r>
-            <a:r>
-              <a:rPr lang="ru-RU" sz="700" dirty="0" err="1"/>
-              <a:t>авторитаристов</a:t>
-            </a:r>
-            <a:r>
-              <a:rPr lang="ru-RU" sz="700" dirty="0"/>
-              <a:t>)</a:t>
-            </a:r>
-          </a:p>
-        </p:txBody>
-      </p:sp>
-      <p:sp>
-        <p:nvSpPr>
-          <p:cNvPr id="650" name="Прямоугольник 649"/>
-          <p:cNvSpPr/>
-          <p:nvPr/>
-        </p:nvSpPr>
-        <p:spPr>
-          <a:xfrm>
-            <a:off x="8148354" y="5420613"/>
-            <a:ext cx="926325" cy="540000"/>
-          </a:xfrm>
-          <a:prstGeom prst="rect">
-            <a:avLst/>
-          </a:prstGeom>
-          <a:noFill/>
           <a:ln w="19050">
             <a:solidFill>
               <a:srgbClr val="00B050"/>
@@ -24362,6 +24324,61 @@
             <a:pPr algn="ctr"/>
             <a:r>
               <a:rPr lang="ru-RU" sz="700" dirty="0"/>
+              <a:t>Восстановлении монархии (только для </a:t>
+            </a:r>
+            <a:r>
+              <a:rPr lang="ru-RU" sz="700" dirty="0" err="1"/>
+              <a:t>авторитаристов</a:t>
+            </a:r>
+            <a:r>
+              <a:rPr lang="ru-RU" sz="700" dirty="0"/>
+              <a:t>)</a:t>
+            </a:r>
+          </a:p>
+        </p:txBody>
+      </p:sp>
+      <p:sp>
+        <p:nvSpPr>
+          <p:cNvPr id="650" name="Прямоугольник 649"/>
+          <p:cNvSpPr/>
+          <p:nvPr/>
+        </p:nvSpPr>
+        <p:spPr>
+          <a:xfrm>
+            <a:off x="8148354" y="5420613"/>
+            <a:ext cx="926325" cy="540000"/>
+          </a:xfrm>
+          <a:prstGeom prst="rect">
+            <a:avLst/>
+          </a:prstGeom>
+          <a:noFill/>
+          <a:ln w="19050">
+            <a:solidFill>
+              <a:srgbClr val="00B050"/>
+            </a:solidFill>
+          </a:ln>
+        </p:spPr>
+        <p:style>
+          <a:lnRef idx="2">
+            <a:schemeClr val="accent1"/>
+          </a:lnRef>
+          <a:fillRef idx="1">
+            <a:schemeClr val="lt1"/>
+          </a:fillRef>
+          <a:effectRef idx="0">
+            <a:schemeClr val="accent1"/>
+          </a:effectRef>
+          <a:fontRef idx="minor">
+            <a:schemeClr val="dk1"/>
+          </a:fontRef>
+        </p:style>
+        <p:txBody>
+          <a:bodyPr lIns="124733" tIns="62367" rIns="124733" bIns="62367" rtlCol="0" anchor="ctr"/>
+          <a:lstStyle/>
+          <a:p>
+            <a:pPr algn="ctr"/>
+            <a:r>
+              <a:rPr lang="ru-RU" sz="700" dirty="0"/>
               <a:t>Пригласить на престол </a:t>
             </a:r>
             <a:r>
@@ -24397,7 +24414,11 @@
           <a:solidFill>
             <a:srgbClr val="7030A0"/>
           </a:solidFill>
-          <a:ln w="19050"/>
+          <a:ln w="19050">
+            <a:solidFill>
+              <a:srgbClr val="FFFF00"/>
+            </a:solidFill>
+          </a:ln>
         </p:spPr>
         <p:style>
           <a:lnRef idx="2">
@@ -24821,7 +24842,11 @@
           <a:solidFill>
             <a:srgbClr val="FF0000"/>
           </a:solidFill>
-          <a:ln w="19050"/>
+          <a:ln w="19050">
+            <a:solidFill>
+              <a:srgbClr val="00B050"/>
+            </a:solidFill>
+          </a:ln>
         </p:spPr>
         <p:style>
           <a:lnRef idx="2">
@@ -26568,7 +26593,11 @@
               <a:lumMod val="75000"/>
             </a:schemeClr>
           </a:solidFill>
-          <a:ln w="19050"/>
+          <a:ln w="19050">
+            <a:solidFill>
+              <a:srgbClr val="00B050"/>
+            </a:solidFill>
+          </a:ln>
         </p:spPr>
         <p:style>
           <a:lnRef idx="2">
@@ -26605,6 +26634,57 @@
         <p:spPr>
           <a:xfrm>
             <a:off x="7100481" y="5426506"/>
+            <a:ext cx="926325" cy="540000"/>
+          </a:xfrm>
+          <a:prstGeom prst="rect">
+            <a:avLst/>
+          </a:prstGeom>
+          <a:solidFill>
+            <a:schemeClr val="accent2">
+              <a:lumMod val="75000"/>
+            </a:schemeClr>
+          </a:solidFill>
+          <a:ln w="19050">
+            <a:solidFill>
+              <a:srgbClr val="00B050"/>
+            </a:solidFill>
+          </a:ln>
+        </p:spPr>
+        <p:style>
+          <a:lnRef idx="2">
+            <a:schemeClr val="accent1"/>
+          </a:lnRef>
+          <a:fillRef idx="1">
+            <a:schemeClr val="lt1"/>
+          </a:fillRef>
+          <a:effectRef idx="0">
+            <a:schemeClr val="accent1"/>
+          </a:effectRef>
+          <a:fontRef idx="minor">
+            <a:schemeClr val="dk1"/>
+          </a:fontRef>
+        </p:style>
+        <p:txBody>
+          <a:bodyPr lIns="124733" tIns="62367" rIns="124733" bIns="62367" rtlCol="0" anchor="ctr"/>
+          <a:lstStyle/>
+          <a:p>
+            <a:pPr algn="ctr"/>
+            <a:r>
+              <a:rPr lang="ru-RU" sz="700" dirty="0"/>
+              <a:t>Придать церкви центральное значение</a:t>
+            </a:r>
+          </a:p>
+        </p:txBody>
+      </p:sp>
+      <p:sp>
+        <p:nvSpPr>
+          <p:cNvPr id="709" name="Прямоугольник 708"/>
+          <p:cNvSpPr/>
+          <p:nvPr/>
+        </p:nvSpPr>
+        <p:spPr>
+          <a:xfrm>
+            <a:off x="1508588" y="6969990"/>
             <a:ext cx="926325" cy="540000"/>
           </a:xfrm>
           <a:prstGeom prst="rect">
@@ -26638,20 +26718,96 @@
             <a:pPr algn="ctr"/>
             <a:r>
               <a:rPr lang="ru-RU" sz="700" dirty="0"/>
-              <a:t>Придать церкви центральное значение</a:t>
-            </a:r>
-          </a:p>
-        </p:txBody>
-      </p:sp>
-      <p:sp>
-        <p:nvSpPr>
-          <p:cNvPr id="709" name="Прямоугольник 708"/>
+              <a:t>Поддержка профсоюзов</a:t>
+            </a:r>
+          </a:p>
+        </p:txBody>
+      </p:sp>
+      <p:sp>
+        <p:nvSpPr>
+          <p:cNvPr id="712" name="Прямоугольник 711"/>
           <p:cNvSpPr/>
           <p:nvPr/>
         </p:nvSpPr>
         <p:spPr>
           <a:xfrm>
-            <a:off x="1508588" y="6969990"/>
+            <a:off x="28180631" y="8691616"/>
+            <a:ext cx="926325" cy="540000"/>
+          </a:xfrm>
+          <a:prstGeom prst="rect">
+            <a:avLst/>
+          </a:prstGeom>
+          <a:solidFill>
+            <a:schemeClr val="accent1">
+              <a:lumMod val="60000"/>
+              <a:lumOff val="40000"/>
+            </a:schemeClr>
+          </a:solidFill>
+          <a:ln w="19050">
+            <a:solidFill>
+              <a:srgbClr val="00B050"/>
+            </a:solidFill>
+          </a:ln>
+        </p:spPr>
+        <p:style>
+          <a:lnRef idx="2">
+            <a:schemeClr val="accent1"/>
+          </a:lnRef>
+          <a:fillRef idx="1">
+            <a:schemeClr val="lt1"/>
+          </a:fillRef>
+          <a:effectRef idx="0">
+            <a:schemeClr val="accent1"/>
+          </a:effectRef>
+          <a:fontRef idx="minor">
+            <a:schemeClr val="dk1"/>
+          </a:fontRef>
+        </p:style>
+        <p:txBody>
+          <a:bodyPr lIns="124733" tIns="62367" rIns="124733" bIns="62367" rtlCol="0" anchor="ctr"/>
+          <a:lstStyle/>
+          <a:p>
+            <a:pPr algn="ctr"/>
+            <a:r>
+              <a:rPr lang="ru-RU" sz="700" dirty="0"/>
+              <a:t>Женский крестовый поход (</a:t>
+            </a:r>
+            <a:r>
+              <a:rPr lang="en-US" sz="700" dirty="0" err="1"/>
+              <a:t>Cruzada</a:t>
+            </a:r>
+            <a:r>
+              <a:rPr lang="en-US" sz="700" dirty="0"/>
+              <a:t> das </a:t>
+            </a:r>
+            <a:r>
+              <a:rPr lang="en-US" sz="700" dirty="0" err="1"/>
+              <a:t>Mulheres</a:t>
+            </a:r>
+            <a:r>
+              <a:rPr lang="en-US" sz="700" dirty="0"/>
+              <a:t> </a:t>
+            </a:r>
+            <a:r>
+              <a:rPr lang="en-US" sz="700" dirty="0" err="1"/>
+              <a:t>Portuguesas</a:t>
+            </a:r>
+            <a:r>
+              <a:rPr lang="ru-RU" sz="700" dirty="0"/>
+              <a:t>)</a:t>
+            </a:r>
+          </a:p>
+        </p:txBody>
+      </p:sp>
+      <p:sp>
+        <p:nvSpPr>
+          <p:cNvPr id="713" name="Прямоугольник 712"/>
+          <p:cNvSpPr/>
+          <p:nvPr/>
+        </p:nvSpPr>
+        <p:spPr>
+          <a:xfrm>
+            <a:off x="2005419" y="5433332"/>
             <a:ext cx="926325" cy="540000"/>
           </a:xfrm>
           <a:prstGeom prst="rect">
@@ -26685,29 +26841,28 @@
             <a:pPr algn="ctr"/>
             <a:r>
               <a:rPr lang="ru-RU" sz="700" dirty="0"/>
-              <a:t>Поддержка профсоюзов</a:t>
-            </a:r>
-          </a:p>
-        </p:txBody>
-      </p:sp>
-      <p:sp>
-        <p:nvSpPr>
-          <p:cNvPr id="712" name="Прямоугольник 711"/>
+              <a:t>Дать независимость корпорациям</a:t>
+            </a:r>
+          </a:p>
+        </p:txBody>
+      </p:sp>
+      <p:sp>
+        <p:nvSpPr>
+          <p:cNvPr id="715" name="Прямоугольник 714"/>
           <p:cNvSpPr/>
           <p:nvPr/>
         </p:nvSpPr>
         <p:spPr>
           <a:xfrm>
-            <a:off x="28180631" y="8691616"/>
+            <a:off x="2991318" y="5432413"/>
             <a:ext cx="926325" cy="540000"/>
           </a:xfrm>
           <a:prstGeom prst="rect">
             <a:avLst/>
           </a:prstGeom>
           <a:solidFill>
-            <a:schemeClr val="accent1">
-              <a:lumMod val="60000"/>
-              <a:lumOff val="40000"/>
+            <a:schemeClr val="accent2">
+              <a:lumMod val="75000"/>
             </a:schemeClr>
           </a:solidFill>
           <a:ln w="19050">
@@ -26737,44 +26892,109 @@
             <a:pPr algn="ctr"/>
             <a:r>
               <a:rPr lang="ru-RU" sz="700" dirty="0"/>
-              <a:t>Женский крестовый поход (</a:t>
-            </a:r>
-            <a:r>
-              <a:rPr lang="en-US" sz="700" dirty="0" err="1"/>
-              <a:t>Cruzada</a:t>
-            </a:r>
-            <a:r>
-              <a:rPr lang="en-US" sz="700" dirty="0"/>
-              <a:t> das </a:t>
-            </a:r>
-            <a:r>
-              <a:rPr lang="en-US" sz="700" dirty="0" err="1"/>
-              <a:t>Mulheres</a:t>
-            </a:r>
-            <a:r>
-              <a:rPr lang="en-US" sz="700" dirty="0"/>
-              <a:t> </a:t>
-            </a:r>
-            <a:r>
-              <a:rPr lang="en-US" sz="700" dirty="0" err="1"/>
-              <a:t>Portuguesas</a:t>
-            </a:r>
+              <a:t>Синие рубашки</a:t>
+            </a:r>
+          </a:p>
+        </p:txBody>
+      </p:sp>
+      <p:sp>
+        <p:nvSpPr>
+          <p:cNvPr id="716" name="Прямоугольник 715"/>
+          <p:cNvSpPr/>
+          <p:nvPr/>
+        </p:nvSpPr>
+        <p:spPr>
+          <a:xfrm>
+            <a:off x="7102205" y="6222758"/>
+            <a:ext cx="926325" cy="540000"/>
+          </a:xfrm>
+          <a:prstGeom prst="rect">
+            <a:avLst/>
+          </a:prstGeom>
+          <a:solidFill>
+            <a:schemeClr val="accent2">
+              <a:lumMod val="75000"/>
+            </a:schemeClr>
+          </a:solidFill>
+          <a:ln w="19050">
+            <a:solidFill>
+              <a:srgbClr val="00B050"/>
+            </a:solidFill>
+          </a:ln>
+        </p:spPr>
+        <p:style>
+          <a:lnRef idx="2">
+            <a:schemeClr val="accent1"/>
+          </a:lnRef>
+          <a:fillRef idx="1">
+            <a:schemeClr val="lt1"/>
+          </a:fillRef>
+          <a:effectRef idx="0">
+            <a:schemeClr val="accent1"/>
+          </a:effectRef>
+          <a:fontRef idx="minor">
+            <a:schemeClr val="dk1"/>
+          </a:fontRef>
+        </p:style>
+        <p:txBody>
+          <a:bodyPr lIns="124733" tIns="62367" rIns="124733" bIns="62367" rtlCol="0" anchor="ctr"/>
+          <a:lstStyle/>
+          <a:p>
+            <a:pPr algn="ctr"/>
             <a:r>
               <a:rPr lang="ru-RU" sz="700" dirty="0"/>
-              <a:t>)</a:t>
-            </a:r>
-          </a:p>
-        </p:txBody>
-      </p:sp>
-      <p:sp>
-        <p:nvSpPr>
-          <p:cNvPr id="713" name="Прямоугольник 712"/>
+              <a:t>Придерживаться социальной доктрины церкви</a:t>
+            </a:r>
+          </a:p>
+        </p:txBody>
+      </p:sp>
+      <p:cxnSp>
+        <p:nvCxnSpPr>
+          <p:cNvPr id="721" name="Соединительная линия уступом 720"/>
+          <p:cNvCxnSpPr>
+            <a:stCxn id="667" idx="2"/>
+            <a:endCxn id="646" idx="0"/>
+          </p:cNvCxnSpPr>
+          <p:nvPr/>
+        </p:nvCxnSpPr>
+        <p:spPr>
+          <a:xfrm rot="5400000">
+            <a:off x="13185570" y="2434843"/>
+            <a:ext cx="237076" cy="4073100"/>
+          </a:xfrm>
+          <a:prstGeom prst="bentConnector3">
+            <a:avLst>
+              <a:gd name="adj1" fmla="val 50000"/>
+            </a:avLst>
+          </a:prstGeom>
+          <a:ln w="19050">
+            <a:tailEnd type="arrow"/>
+          </a:ln>
+        </p:spPr>
+        <p:style>
+          <a:lnRef idx="1">
+            <a:schemeClr val="accent1"/>
+          </a:lnRef>
+          <a:fillRef idx="0">
+            <a:schemeClr val="accent1"/>
+          </a:fillRef>
+          <a:effectRef idx="0">
+            <a:schemeClr val="accent1"/>
+          </a:effectRef>
+          <a:fontRef idx="minor">
+            <a:schemeClr val="tx1"/>
+          </a:fontRef>
+        </p:style>
+      </p:cxnSp>
+      <p:sp>
+        <p:nvSpPr>
+          <p:cNvPr id="722" name="Прямоугольник 721"/>
           <p:cNvSpPr/>
           <p:nvPr/>
         </p:nvSpPr>
         <p:spPr>
           <a:xfrm>
-            <a:off x="2005419" y="5433332"/>
+            <a:off x="2493144" y="6971247"/>
             <a:ext cx="926325" cy="540000"/>
           </a:xfrm>
           <a:prstGeom prst="rect">
@@ -26808,160 +27028,20 @@
             <a:pPr algn="ctr"/>
             <a:r>
               <a:rPr lang="ru-RU" sz="700" dirty="0"/>
-              <a:t>Дать независимость корпорациям</a:t>
-            </a:r>
-          </a:p>
-        </p:txBody>
-      </p:sp>
-      <p:sp>
-        <p:nvSpPr>
-          <p:cNvPr id="715" name="Прямоугольник 714"/>
+              <a:t>Расширение роли рабочих</a:t>
+            </a:r>
+          </a:p>
+        </p:txBody>
+      </p:sp>
+      <p:sp>
+        <p:nvSpPr>
+          <p:cNvPr id="724" name="Прямоугольник 723"/>
           <p:cNvSpPr/>
           <p:nvPr/>
         </p:nvSpPr>
         <p:spPr>
           <a:xfrm>
-            <a:off x="2991318" y="5432413"/>
-            <a:ext cx="926325" cy="540000"/>
-          </a:xfrm>
-          <a:prstGeom prst="rect">
-            <a:avLst/>
-          </a:prstGeom>
-          <a:solidFill>
-            <a:schemeClr val="accent2">
-              <a:lumMod val="75000"/>
-            </a:schemeClr>
-          </a:solidFill>
-          <a:ln w="19050">
-            <a:solidFill>
-              <a:srgbClr val="00B050"/>
-            </a:solidFill>
-          </a:ln>
-        </p:spPr>
-        <p:style>
-          <a:lnRef idx="2">
-            <a:schemeClr val="accent1"/>
-          </a:lnRef>
-          <a:fillRef idx="1">
-            <a:schemeClr val="lt1"/>
-          </a:fillRef>
-          <a:effectRef idx="0">
-            <a:schemeClr val="accent1"/>
-          </a:effectRef>
-          <a:fontRef idx="minor">
-            <a:schemeClr val="dk1"/>
-          </a:fontRef>
-        </p:style>
-        <p:txBody>
-          <a:bodyPr lIns="124733" tIns="62367" rIns="124733" bIns="62367" rtlCol="0" anchor="ctr"/>
-          <a:lstStyle/>
-          <a:p>
-            <a:pPr algn="ctr"/>
-            <a:r>
-              <a:rPr lang="ru-RU" sz="700" dirty="0"/>
-              <a:t>Синие рубашки</a:t>
-            </a:r>
-          </a:p>
-        </p:txBody>
-      </p:sp>
-      <p:sp>
-        <p:nvSpPr>
-          <p:cNvPr id="716" name="Прямоугольник 715"/>
-          <p:cNvSpPr/>
-          <p:nvPr/>
-        </p:nvSpPr>
-        <p:spPr>
-          <a:xfrm>
-            <a:off x="7102205" y="6222758"/>
-            <a:ext cx="926325" cy="540000"/>
-          </a:xfrm>
-          <a:prstGeom prst="rect">
-            <a:avLst/>
-          </a:prstGeom>
-          <a:solidFill>
-            <a:schemeClr val="accent2">
-              <a:lumMod val="75000"/>
-            </a:schemeClr>
-          </a:solidFill>
-          <a:ln w="19050">
-            <a:solidFill>
-              <a:srgbClr val="00B050"/>
-            </a:solidFill>
-          </a:ln>
-        </p:spPr>
-        <p:style>
-          <a:lnRef idx="2">
-            <a:schemeClr val="accent1"/>
-          </a:lnRef>
-          <a:fillRef idx="1">
-            <a:schemeClr val="lt1"/>
-          </a:fillRef>
-          <a:effectRef idx="0">
-            <a:schemeClr val="accent1"/>
-          </a:effectRef>
-          <a:fontRef idx="minor">
-            <a:schemeClr val="dk1"/>
-          </a:fontRef>
-        </p:style>
-        <p:txBody>
-          <a:bodyPr lIns="124733" tIns="62367" rIns="124733" bIns="62367" rtlCol="0" anchor="ctr"/>
-          <a:lstStyle/>
-          <a:p>
-            <a:pPr algn="ctr"/>
-            <a:r>
-              <a:rPr lang="ru-RU" sz="700" dirty="0"/>
-              <a:t>Придерживаться социальной доктрины церкви</a:t>
-            </a:r>
-          </a:p>
-        </p:txBody>
-      </p:sp>
-      <p:cxnSp>
-        <p:nvCxnSpPr>
-          <p:cNvPr id="721" name="Соединительная линия уступом 720"/>
-          <p:cNvCxnSpPr>
-            <a:stCxn id="667" idx="2"/>
-            <a:endCxn id="646" idx="0"/>
-          </p:cNvCxnSpPr>
-          <p:nvPr/>
-        </p:nvCxnSpPr>
-        <p:spPr>
-          <a:xfrm rot="5400000">
-            <a:off x="13185570" y="2434843"/>
-            <a:ext cx="237076" cy="4073100"/>
-          </a:xfrm>
-          <a:prstGeom prst="bentConnector3">
-            <a:avLst>
-              <a:gd name="adj1" fmla="val 50000"/>
-            </a:avLst>
-          </a:prstGeom>
-          <a:ln w="19050">
-            <a:tailEnd type="arrow"/>
-          </a:ln>
-        </p:spPr>
-        <p:style>
-          <a:lnRef idx="1">
-            <a:schemeClr val="accent1"/>
-          </a:lnRef>
-          <a:fillRef idx="0">
-            <a:schemeClr val="accent1"/>
-          </a:fillRef>
-          <a:effectRef idx="0">
-            <a:schemeClr val="accent1"/>
-          </a:effectRef>
-          <a:fontRef idx="minor">
-            <a:schemeClr val="tx1"/>
-          </a:fontRef>
-        </p:style>
-      </p:cxnSp>
-      <p:sp>
-        <p:nvSpPr>
-          <p:cNvPr id="722" name="Прямоугольник 721"/>
-          <p:cNvSpPr/>
-          <p:nvPr/>
-        </p:nvSpPr>
-        <p:spPr>
-          <a:xfrm>
-            <a:off x="2493144" y="6971247"/>
+            <a:off x="1505003" y="6222630"/>
             <a:ext cx="926325" cy="540000"/>
           </a:xfrm>
           <a:prstGeom prst="rect">
@@ -26995,20 +27075,2300 @@
             <a:pPr algn="ctr"/>
             <a:r>
               <a:rPr lang="ru-RU" sz="700" dirty="0"/>
-              <a:t>Расширение роли рабочих</a:t>
-            </a:r>
-          </a:p>
-        </p:txBody>
-      </p:sp>
-      <p:sp>
-        <p:nvSpPr>
-          <p:cNvPr id="724" name="Прямоугольник 723"/>
+              <a:t>Стимулирование роста промышленности</a:t>
+            </a:r>
+          </a:p>
+        </p:txBody>
+      </p:sp>
+      <p:sp>
+        <p:nvSpPr>
+          <p:cNvPr id="725" name="Прямоугольник 724"/>
           <p:cNvSpPr/>
           <p:nvPr/>
         </p:nvSpPr>
         <p:spPr>
           <a:xfrm>
-            <a:off x="1505003" y="6222630"/>
+            <a:off x="4015631" y="5427865"/>
+            <a:ext cx="926325" cy="540000"/>
+          </a:xfrm>
+          <a:prstGeom prst="rect">
+            <a:avLst/>
+          </a:prstGeom>
+          <a:solidFill>
+            <a:schemeClr val="accent2">
+              <a:lumMod val="75000"/>
+            </a:schemeClr>
+          </a:solidFill>
+          <a:ln w="19050">
+            <a:solidFill>
+              <a:srgbClr val="00B050"/>
+            </a:solidFill>
+          </a:ln>
+        </p:spPr>
+        <p:style>
+          <a:lnRef idx="2">
+            <a:schemeClr val="accent1"/>
+          </a:lnRef>
+          <a:fillRef idx="1">
+            <a:schemeClr val="lt1"/>
+          </a:fillRef>
+          <a:effectRef idx="0">
+            <a:schemeClr val="accent1"/>
+          </a:effectRef>
+          <a:fontRef idx="minor">
+            <a:schemeClr val="dk1"/>
+          </a:fontRef>
+        </p:style>
+        <p:txBody>
+          <a:bodyPr lIns="124733" tIns="62367" rIns="124733" bIns="62367" rtlCol="0" anchor="ctr"/>
+          <a:lstStyle/>
+          <a:p>
+            <a:pPr algn="ctr"/>
+            <a:r>
+              <a:rPr lang="ru-RU" sz="700" dirty="0"/>
+              <a:t>Великая Португалия</a:t>
+            </a:r>
+          </a:p>
+        </p:txBody>
+      </p:sp>
+      <p:sp>
+        <p:nvSpPr>
+          <p:cNvPr id="727" name="Прямоугольник 726"/>
+          <p:cNvSpPr/>
+          <p:nvPr/>
+        </p:nvSpPr>
+        <p:spPr>
+          <a:xfrm>
+            <a:off x="5054400" y="5427865"/>
+            <a:ext cx="926325" cy="540000"/>
+          </a:xfrm>
+          <a:prstGeom prst="rect">
+            <a:avLst/>
+          </a:prstGeom>
+          <a:solidFill>
+            <a:schemeClr val="accent2">
+              <a:lumMod val="75000"/>
+            </a:schemeClr>
+          </a:solidFill>
+          <a:ln w="19050">
+            <a:solidFill>
+              <a:srgbClr val="00B050"/>
+            </a:solidFill>
+          </a:ln>
+        </p:spPr>
+        <p:style>
+          <a:lnRef idx="2">
+            <a:schemeClr val="accent1"/>
+          </a:lnRef>
+          <a:fillRef idx="1">
+            <a:schemeClr val="lt1"/>
+          </a:fillRef>
+          <a:effectRef idx="0">
+            <a:schemeClr val="accent1"/>
+          </a:effectRef>
+          <a:fontRef idx="minor">
+            <a:schemeClr val="dk1"/>
+          </a:fontRef>
+        </p:style>
+        <p:txBody>
+          <a:bodyPr lIns="124733" tIns="62367" rIns="124733" bIns="62367" rtlCol="0" anchor="ctr"/>
+          <a:lstStyle/>
+          <a:p>
+            <a:pPr algn="ctr"/>
+            <a:r>
+              <a:rPr lang="ru-RU" sz="700" dirty="0"/>
+              <a:t>Поддержка испанских фалангистов</a:t>
+            </a:r>
+          </a:p>
+        </p:txBody>
+      </p:sp>
+      <p:cxnSp>
+        <p:nvCxnSpPr>
+          <p:cNvPr id="728" name="Прямая соединительная линия 727"/>
+          <p:cNvCxnSpPr>
+            <a:stCxn id="725" idx="3"/>
+            <a:endCxn id="727" idx="1"/>
+          </p:cNvCxnSpPr>
+          <p:nvPr/>
+        </p:nvCxnSpPr>
+        <p:spPr>
+          <a:xfrm>
+            <a:off x="4941956" y="5697865"/>
+            <a:ext cx="112444" cy="0"/>
+          </a:xfrm>
+          <a:prstGeom prst="line">
+            <a:avLst/>
+          </a:prstGeom>
+          <a:ln w="19050">
+            <a:solidFill>
+              <a:srgbClr val="FF0000"/>
+            </a:solidFill>
+          </a:ln>
+        </p:spPr>
+        <p:style>
+          <a:lnRef idx="1">
+            <a:schemeClr val="accent1"/>
+          </a:lnRef>
+          <a:fillRef idx="0">
+            <a:schemeClr val="accent1"/>
+          </a:fillRef>
+          <a:effectRef idx="0">
+            <a:schemeClr val="accent1"/>
+          </a:effectRef>
+          <a:fontRef idx="minor">
+            <a:schemeClr val="tx1"/>
+          </a:fontRef>
+        </p:style>
+      </p:cxnSp>
+      <p:sp>
+        <p:nvSpPr>
+          <p:cNvPr id="736" name="Прямоугольник 735"/>
+          <p:cNvSpPr/>
+          <p:nvPr/>
+        </p:nvSpPr>
+        <p:spPr>
+          <a:xfrm>
+            <a:off x="4016815" y="6972336"/>
+            <a:ext cx="926325" cy="540000"/>
+          </a:xfrm>
+          <a:prstGeom prst="rect">
+            <a:avLst/>
+          </a:prstGeom>
+          <a:solidFill>
+            <a:schemeClr val="accent2">
+              <a:lumMod val="75000"/>
+            </a:schemeClr>
+          </a:solidFill>
+          <a:ln w="19050">
+            <a:solidFill>
+              <a:srgbClr val="FFFF00"/>
+            </a:solidFill>
+          </a:ln>
+        </p:spPr>
+        <p:style>
+          <a:lnRef idx="2">
+            <a:schemeClr val="accent1"/>
+          </a:lnRef>
+          <a:fillRef idx="1">
+            <a:schemeClr val="lt1"/>
+          </a:fillRef>
+          <a:effectRef idx="0">
+            <a:schemeClr val="accent1"/>
+          </a:effectRef>
+          <a:fontRef idx="minor">
+            <a:schemeClr val="dk1"/>
+          </a:fontRef>
+        </p:style>
+        <p:txBody>
+          <a:bodyPr lIns="124733" tIns="62367" rIns="124733" bIns="62367" rtlCol="0" anchor="ctr"/>
+          <a:lstStyle/>
+          <a:p>
+            <a:pPr algn="ctr"/>
+            <a:r>
+              <a:rPr lang="ru-RU" sz="700" dirty="0"/>
+              <a:t>Объединить Иберию</a:t>
+            </a:r>
+          </a:p>
+        </p:txBody>
+      </p:sp>
+      <p:sp>
+        <p:nvSpPr>
+          <p:cNvPr id="738" name="Прямоугольник 737"/>
+          <p:cNvSpPr/>
+          <p:nvPr/>
+        </p:nvSpPr>
+        <p:spPr>
+          <a:xfrm>
+            <a:off x="2992097" y="6222630"/>
+            <a:ext cx="926325" cy="540000"/>
+          </a:xfrm>
+          <a:prstGeom prst="rect">
+            <a:avLst/>
+          </a:prstGeom>
+          <a:solidFill>
+            <a:schemeClr val="accent2">
+              <a:lumMod val="75000"/>
+            </a:schemeClr>
+          </a:solidFill>
+          <a:ln w="19050">
+            <a:solidFill>
+              <a:srgbClr val="00B050"/>
+            </a:solidFill>
+          </a:ln>
+        </p:spPr>
+        <p:style>
+          <a:lnRef idx="2">
+            <a:schemeClr val="accent1"/>
+          </a:lnRef>
+          <a:fillRef idx="1">
+            <a:schemeClr val="lt1"/>
+          </a:fillRef>
+          <a:effectRef idx="0">
+            <a:schemeClr val="accent1"/>
+          </a:effectRef>
+          <a:fontRef idx="minor">
+            <a:schemeClr val="dk1"/>
+          </a:fontRef>
+        </p:style>
+        <p:txBody>
+          <a:bodyPr lIns="124733" tIns="62367" rIns="124733" bIns="62367" rtlCol="0" anchor="ctr"/>
+          <a:lstStyle/>
+          <a:p>
+            <a:pPr algn="ctr"/>
+            <a:r>
+              <a:rPr lang="ru-RU" sz="700" dirty="0"/>
+              <a:t>Союз с Бразильскими </a:t>
+            </a:r>
+            <a:r>
+              <a:rPr lang="ru-RU" sz="700" dirty="0" err="1"/>
+              <a:t>Интегралистами</a:t>
+            </a:r>
+            <a:endParaRPr lang="ru-RU" sz="700" dirty="0"/>
+          </a:p>
+        </p:txBody>
+      </p:sp>
+      <p:sp>
+        <p:nvSpPr>
+          <p:cNvPr id="739" name="Прямоугольник 738"/>
+          <p:cNvSpPr/>
+          <p:nvPr/>
+        </p:nvSpPr>
+        <p:spPr>
+          <a:xfrm>
+            <a:off x="6074620" y="6223434"/>
+            <a:ext cx="926325" cy="540000"/>
+          </a:xfrm>
+          <a:prstGeom prst="rect">
+            <a:avLst/>
+          </a:prstGeom>
+          <a:solidFill>
+            <a:schemeClr val="accent2">
+              <a:lumMod val="75000"/>
+            </a:schemeClr>
+          </a:solidFill>
+          <a:ln w="19050">
+            <a:solidFill>
+              <a:srgbClr val="00B050"/>
+            </a:solidFill>
+          </a:ln>
+        </p:spPr>
+        <p:style>
+          <a:lnRef idx="2">
+            <a:schemeClr val="accent1"/>
+          </a:lnRef>
+          <a:fillRef idx="1">
+            <a:schemeClr val="lt1"/>
+          </a:fillRef>
+          <a:effectRef idx="0">
+            <a:schemeClr val="accent1"/>
+          </a:effectRef>
+          <a:fontRef idx="minor">
+            <a:schemeClr val="dk1"/>
+          </a:fontRef>
+        </p:style>
+        <p:txBody>
+          <a:bodyPr lIns="124733" tIns="62367" rIns="124733" bIns="62367" rtlCol="0" anchor="ctr"/>
+          <a:lstStyle/>
+          <a:p>
+            <a:pPr algn="ctr"/>
+            <a:r>
+              <a:rPr lang="ru-RU" sz="700" dirty="0"/>
+              <a:t>Союз с Испанской фалангой</a:t>
+            </a:r>
+          </a:p>
+        </p:txBody>
+      </p:sp>
+      <p:cxnSp>
+        <p:nvCxnSpPr>
+          <p:cNvPr id="741" name="Прямая соединительная линия 740"/>
+          <p:cNvCxnSpPr>
+            <a:stCxn id="738" idx="3"/>
+            <a:endCxn id="808" idx="1"/>
+          </p:cNvCxnSpPr>
+          <p:nvPr/>
+        </p:nvCxnSpPr>
+        <p:spPr>
+          <a:xfrm>
+            <a:off x="3918422" y="6492630"/>
+            <a:ext cx="102381" cy="477"/>
+          </a:xfrm>
+          <a:prstGeom prst="line">
+            <a:avLst/>
+          </a:prstGeom>
+          <a:ln w="19050">
+            <a:solidFill>
+              <a:srgbClr val="FF0000"/>
+            </a:solidFill>
+          </a:ln>
+        </p:spPr>
+        <p:style>
+          <a:lnRef idx="1">
+            <a:schemeClr val="accent1"/>
+          </a:lnRef>
+          <a:fillRef idx="0">
+            <a:schemeClr val="accent1"/>
+          </a:fillRef>
+          <a:effectRef idx="0">
+            <a:schemeClr val="accent1"/>
+          </a:effectRef>
+          <a:fontRef idx="minor">
+            <a:schemeClr val="tx1"/>
+          </a:fontRef>
+        </p:style>
+      </p:cxnSp>
+      <p:cxnSp>
+        <p:nvCxnSpPr>
+          <p:cNvPr id="745" name="Соединительная линия уступом 744"/>
+          <p:cNvCxnSpPr>
+            <a:stCxn id="700" idx="2"/>
+            <a:endCxn id="725" idx="0"/>
+          </p:cNvCxnSpPr>
+          <p:nvPr/>
+        </p:nvCxnSpPr>
+        <p:spPr>
+          <a:xfrm rot="5400000">
+            <a:off x="4590799" y="5020557"/>
+            <a:ext cx="295303" cy="519312"/>
+          </a:xfrm>
+          <a:prstGeom prst="bentConnector3">
+            <a:avLst>
+              <a:gd name="adj1" fmla="val 50000"/>
+            </a:avLst>
+          </a:prstGeom>
+          <a:ln w="19050">
+            <a:tailEnd type="arrow"/>
+          </a:ln>
+        </p:spPr>
+        <p:style>
+          <a:lnRef idx="1">
+            <a:schemeClr val="accent1"/>
+          </a:lnRef>
+          <a:fillRef idx="0">
+            <a:schemeClr val="accent1"/>
+          </a:fillRef>
+          <a:effectRef idx="0">
+            <a:schemeClr val="accent1"/>
+          </a:effectRef>
+          <a:fontRef idx="minor">
+            <a:schemeClr val="tx1"/>
+          </a:fontRef>
+        </p:style>
+      </p:cxnSp>
+      <p:cxnSp>
+        <p:nvCxnSpPr>
+          <p:cNvPr id="750" name="Соединительная линия уступом 749"/>
+          <p:cNvCxnSpPr>
+            <a:stCxn id="700" idx="2"/>
+            <a:endCxn id="727" idx="0"/>
+          </p:cNvCxnSpPr>
+          <p:nvPr/>
+        </p:nvCxnSpPr>
+        <p:spPr>
+          <a:xfrm rot="16200000" flipH="1">
+            <a:off x="5110183" y="5020484"/>
+            <a:ext cx="295303" cy="519457"/>
+          </a:xfrm>
+          <a:prstGeom prst="bentConnector3">
+            <a:avLst>
+              <a:gd name="adj1" fmla="val 50000"/>
+            </a:avLst>
+          </a:prstGeom>
+          <a:ln w="19050">
+            <a:tailEnd type="arrow"/>
+          </a:ln>
+        </p:spPr>
+        <p:style>
+          <a:lnRef idx="1">
+            <a:schemeClr val="accent1"/>
+          </a:lnRef>
+          <a:fillRef idx="0">
+            <a:schemeClr val="accent1"/>
+          </a:fillRef>
+          <a:effectRef idx="0">
+            <a:schemeClr val="accent1"/>
+          </a:effectRef>
+          <a:fontRef idx="minor">
+            <a:schemeClr val="tx1"/>
+          </a:fontRef>
+        </p:style>
+      </p:cxnSp>
+      <p:cxnSp>
+        <p:nvCxnSpPr>
+          <p:cNvPr id="754" name="Соединительная линия уступом 753"/>
+          <p:cNvCxnSpPr>
+            <a:stCxn id="700" idx="2"/>
+            <a:endCxn id="706" idx="0"/>
+          </p:cNvCxnSpPr>
+          <p:nvPr/>
+        </p:nvCxnSpPr>
+        <p:spPr>
+          <a:xfrm rot="16200000" flipH="1">
+            <a:off x="5625252" y="4505416"/>
+            <a:ext cx="295171" cy="1549462"/>
+          </a:xfrm>
+          <a:prstGeom prst="bentConnector3">
+            <a:avLst>
+              <a:gd name="adj1" fmla="val 50000"/>
+            </a:avLst>
+          </a:prstGeom>
+          <a:ln w="19050">
+            <a:tailEnd type="arrow"/>
+          </a:ln>
+        </p:spPr>
+        <p:style>
+          <a:lnRef idx="1">
+            <a:schemeClr val="accent1"/>
+          </a:lnRef>
+          <a:fillRef idx="0">
+            <a:schemeClr val="accent1"/>
+          </a:fillRef>
+          <a:effectRef idx="0">
+            <a:schemeClr val="accent1"/>
+          </a:effectRef>
+          <a:fontRef idx="minor">
+            <a:schemeClr val="tx1"/>
+          </a:fontRef>
+        </p:style>
+      </p:cxnSp>
+      <p:cxnSp>
+        <p:nvCxnSpPr>
+          <p:cNvPr id="758" name="Соединительная линия уступом 757"/>
+          <p:cNvCxnSpPr>
+            <a:stCxn id="700" idx="2"/>
+            <a:endCxn id="713" idx="0"/>
+          </p:cNvCxnSpPr>
+          <p:nvPr/>
+        </p:nvCxnSpPr>
+        <p:spPr>
+          <a:xfrm rot="5400000">
+            <a:off x="3582959" y="4018185"/>
+            <a:ext cx="300770" cy="2529524"/>
+          </a:xfrm>
+          <a:prstGeom prst="bentConnector3">
+            <a:avLst>
+              <a:gd name="adj1" fmla="val 50000"/>
+            </a:avLst>
+          </a:prstGeom>
+          <a:ln w="19050">
+            <a:tailEnd type="arrow"/>
+          </a:ln>
+        </p:spPr>
+        <p:style>
+          <a:lnRef idx="1">
+            <a:schemeClr val="accent1"/>
+          </a:lnRef>
+          <a:fillRef idx="0">
+            <a:schemeClr val="accent1"/>
+          </a:fillRef>
+          <a:effectRef idx="0">
+            <a:schemeClr val="accent1"/>
+          </a:effectRef>
+          <a:fontRef idx="minor">
+            <a:schemeClr val="tx1"/>
+          </a:fontRef>
+        </p:style>
+      </p:cxnSp>
+      <p:cxnSp>
+        <p:nvCxnSpPr>
+          <p:cNvPr id="761" name="Соединительная линия уступом 760"/>
+          <p:cNvCxnSpPr>
+            <a:stCxn id="700" idx="2"/>
+            <a:endCxn id="715" idx="0"/>
+          </p:cNvCxnSpPr>
+          <p:nvPr/>
+        </p:nvCxnSpPr>
+        <p:spPr>
+          <a:xfrm rot="5400000">
+            <a:off x="4076369" y="4510675"/>
+            <a:ext cx="299851" cy="1543625"/>
+          </a:xfrm>
+          <a:prstGeom prst="bentConnector3">
+            <a:avLst>
+              <a:gd name="adj1" fmla="val 50000"/>
+            </a:avLst>
+          </a:prstGeom>
+          <a:ln w="19050">
+            <a:tailEnd type="arrow"/>
+          </a:ln>
+        </p:spPr>
+        <p:style>
+          <a:lnRef idx="1">
+            <a:schemeClr val="accent1"/>
+          </a:lnRef>
+          <a:fillRef idx="0">
+            <a:schemeClr val="accent1"/>
+          </a:fillRef>
+          <a:effectRef idx="0">
+            <a:schemeClr val="accent1"/>
+          </a:effectRef>
+          <a:fontRef idx="minor">
+            <a:schemeClr val="tx1"/>
+          </a:fontRef>
+        </p:style>
+      </p:cxnSp>
+      <p:cxnSp>
+        <p:nvCxnSpPr>
+          <p:cNvPr id="764" name="Соединительная линия уступом 763"/>
+          <p:cNvCxnSpPr>
+            <a:stCxn id="700" idx="2"/>
+            <a:endCxn id="708" idx="0"/>
+          </p:cNvCxnSpPr>
+          <p:nvPr/>
+        </p:nvCxnSpPr>
+        <p:spPr>
+          <a:xfrm rot="16200000" flipH="1">
+            <a:off x="6133903" y="3996765"/>
+            <a:ext cx="293944" cy="2565538"/>
+          </a:xfrm>
+          <a:prstGeom prst="bentConnector3">
+            <a:avLst>
+              <a:gd name="adj1" fmla="val 50000"/>
+            </a:avLst>
+          </a:prstGeom>
+          <a:ln w="19050">
+            <a:tailEnd type="arrow"/>
+          </a:ln>
+        </p:spPr>
+        <p:style>
+          <a:lnRef idx="1">
+            <a:schemeClr val="accent1"/>
+          </a:lnRef>
+          <a:fillRef idx="0">
+            <a:schemeClr val="accent1"/>
+          </a:fillRef>
+          <a:effectRef idx="0">
+            <a:schemeClr val="accent1"/>
+          </a:effectRef>
+          <a:fontRef idx="minor">
+            <a:schemeClr val="tx1"/>
+          </a:fontRef>
+        </p:style>
+      </p:cxnSp>
+      <p:cxnSp>
+        <p:nvCxnSpPr>
+          <p:cNvPr id="770" name="Соединительная линия уступом 769"/>
+          <p:cNvCxnSpPr>
+            <a:stCxn id="708" idx="2"/>
+            <a:endCxn id="716" idx="0"/>
+          </p:cNvCxnSpPr>
+          <p:nvPr/>
+        </p:nvCxnSpPr>
+        <p:spPr>
+          <a:xfrm rot="16200000" flipH="1">
+            <a:off x="7436380" y="6093770"/>
+            <a:ext cx="256252" cy="1724"/>
+          </a:xfrm>
+          <a:prstGeom prst="bentConnector3">
+            <a:avLst>
+              <a:gd name="adj1" fmla="val 50000"/>
+            </a:avLst>
+          </a:prstGeom>
+          <a:ln w="19050">
+            <a:tailEnd type="arrow"/>
+          </a:ln>
+        </p:spPr>
+        <p:style>
+          <a:lnRef idx="1">
+            <a:schemeClr val="accent1"/>
+          </a:lnRef>
+          <a:fillRef idx="0">
+            <a:schemeClr val="accent1"/>
+          </a:fillRef>
+          <a:effectRef idx="0">
+            <a:schemeClr val="accent1"/>
+          </a:effectRef>
+          <a:fontRef idx="minor">
+            <a:schemeClr val="tx1"/>
+          </a:fontRef>
+        </p:style>
+      </p:cxnSp>
+      <p:cxnSp>
+        <p:nvCxnSpPr>
+          <p:cNvPr id="773" name="Соединительная линия уступом 772"/>
+          <p:cNvCxnSpPr>
+            <a:stCxn id="713" idx="2"/>
+            <a:endCxn id="724" idx="0"/>
+          </p:cNvCxnSpPr>
+          <p:nvPr/>
+        </p:nvCxnSpPr>
+        <p:spPr>
+          <a:xfrm rot="5400000">
+            <a:off x="2093725" y="5847773"/>
+            <a:ext cx="249298" cy="500416"/>
+          </a:xfrm>
+          <a:prstGeom prst="bentConnector3">
+            <a:avLst>
+              <a:gd name="adj1" fmla="val 50000"/>
+            </a:avLst>
+          </a:prstGeom>
+          <a:ln w="19050">
+            <a:tailEnd type="arrow"/>
+          </a:ln>
+        </p:spPr>
+        <p:style>
+          <a:lnRef idx="1">
+            <a:schemeClr val="accent1"/>
+          </a:lnRef>
+          <a:fillRef idx="0">
+            <a:schemeClr val="accent1"/>
+          </a:fillRef>
+          <a:effectRef idx="0">
+            <a:schemeClr val="accent1"/>
+          </a:effectRef>
+          <a:fontRef idx="minor">
+            <a:schemeClr val="tx1"/>
+          </a:fontRef>
+        </p:style>
+      </p:cxnSp>
+      <p:cxnSp>
+        <p:nvCxnSpPr>
+          <p:cNvPr id="776" name="Соединительная линия уступом 775"/>
+          <p:cNvCxnSpPr>
+            <a:stCxn id="713" idx="2"/>
+            <a:endCxn id="722" idx="0"/>
+          </p:cNvCxnSpPr>
+          <p:nvPr/>
+        </p:nvCxnSpPr>
+        <p:spPr>
+          <a:xfrm rot="16200000" flipH="1">
+            <a:off x="2213487" y="6228426"/>
+            <a:ext cx="997915" cy="487725"/>
+          </a:xfrm>
+          <a:prstGeom prst="bentConnector3">
+            <a:avLst>
+              <a:gd name="adj1" fmla="val 12615"/>
+            </a:avLst>
+          </a:prstGeom>
+          <a:ln w="19050">
+            <a:tailEnd type="arrow"/>
+          </a:ln>
+        </p:spPr>
+        <p:style>
+          <a:lnRef idx="1">
+            <a:schemeClr val="accent1"/>
+          </a:lnRef>
+          <a:fillRef idx="0">
+            <a:schemeClr val="accent1"/>
+          </a:fillRef>
+          <a:effectRef idx="0">
+            <a:schemeClr val="accent1"/>
+          </a:effectRef>
+          <a:fontRef idx="minor">
+            <a:schemeClr val="tx1"/>
+          </a:fontRef>
+        </p:style>
+      </p:cxnSp>
+      <p:sp>
+        <p:nvSpPr>
+          <p:cNvPr id="779" name="Прямоугольник 778"/>
+          <p:cNvSpPr/>
+          <p:nvPr/>
+        </p:nvSpPr>
+        <p:spPr>
+          <a:xfrm>
+            <a:off x="5050576" y="6974610"/>
+            <a:ext cx="926325" cy="540000"/>
+          </a:xfrm>
+          <a:prstGeom prst="rect">
+            <a:avLst/>
+          </a:prstGeom>
+          <a:solidFill>
+            <a:schemeClr val="accent2">
+              <a:lumMod val="75000"/>
+            </a:schemeClr>
+          </a:solidFill>
+          <a:ln w="19050">
+            <a:solidFill>
+              <a:srgbClr val="FFFF00"/>
+            </a:solidFill>
+          </a:ln>
+        </p:spPr>
+        <p:style>
+          <a:lnRef idx="2">
+            <a:schemeClr val="accent1"/>
+          </a:lnRef>
+          <a:fillRef idx="1">
+            <a:schemeClr val="lt1"/>
+          </a:fillRef>
+          <a:effectRef idx="0">
+            <a:schemeClr val="accent1"/>
+          </a:effectRef>
+          <a:fontRef idx="minor">
+            <a:schemeClr val="dk1"/>
+          </a:fontRef>
+        </p:style>
+        <p:txBody>
+          <a:bodyPr lIns="124733" tIns="62367" rIns="124733" bIns="62367" rtlCol="0" anchor="ctr"/>
+          <a:lstStyle/>
+          <a:p>
+            <a:pPr algn="ctr"/>
+            <a:r>
+              <a:rPr lang="ru-RU" sz="700" dirty="0"/>
+              <a:t>Вернуть Бразилию</a:t>
+            </a:r>
+          </a:p>
+        </p:txBody>
+      </p:sp>
+      <p:cxnSp>
+        <p:nvCxnSpPr>
+          <p:cNvPr id="780" name="Соединительная линия уступом 779"/>
+          <p:cNvCxnSpPr>
+            <a:stCxn id="727" idx="2"/>
+            <a:endCxn id="738" idx="0"/>
+          </p:cNvCxnSpPr>
+          <p:nvPr/>
+        </p:nvCxnSpPr>
+        <p:spPr>
+          <a:xfrm rot="5400000">
+            <a:off x="4359030" y="5064096"/>
+            <a:ext cx="254765" cy="2062303"/>
+          </a:xfrm>
+          <a:prstGeom prst="bentConnector3">
+            <a:avLst>
+              <a:gd name="adj1" fmla="val 50000"/>
+            </a:avLst>
+          </a:prstGeom>
+          <a:ln w="19050">
+            <a:prstDash val="sysDash"/>
+            <a:tailEnd type="arrow"/>
+          </a:ln>
+        </p:spPr>
+        <p:style>
+          <a:lnRef idx="1">
+            <a:schemeClr val="accent1"/>
+          </a:lnRef>
+          <a:fillRef idx="0">
+            <a:schemeClr val="accent1"/>
+          </a:fillRef>
+          <a:effectRef idx="0">
+            <a:schemeClr val="accent1"/>
+          </a:effectRef>
+          <a:fontRef idx="minor">
+            <a:schemeClr val="tx1"/>
+          </a:fontRef>
+        </p:style>
+      </p:cxnSp>
+      <p:cxnSp>
+        <p:nvCxnSpPr>
+          <p:cNvPr id="783" name="Соединительная линия уступом 782"/>
+          <p:cNvCxnSpPr>
+            <a:stCxn id="727" idx="2"/>
+            <a:endCxn id="739" idx="0"/>
+          </p:cNvCxnSpPr>
+          <p:nvPr/>
+        </p:nvCxnSpPr>
+        <p:spPr>
+          <a:xfrm rot="16200000" flipH="1">
+            <a:off x="5899889" y="5585539"/>
+            <a:ext cx="255569" cy="1020220"/>
+          </a:xfrm>
+          <a:prstGeom prst="bentConnector3">
+            <a:avLst>
+              <a:gd name="adj1" fmla="val 50000"/>
+            </a:avLst>
+          </a:prstGeom>
+          <a:ln w="19050">
+            <a:prstDash val="sysDash"/>
+            <a:tailEnd type="arrow"/>
+          </a:ln>
+        </p:spPr>
+        <p:style>
+          <a:lnRef idx="1">
+            <a:schemeClr val="accent1"/>
+          </a:lnRef>
+          <a:fillRef idx="0">
+            <a:schemeClr val="accent1"/>
+          </a:fillRef>
+          <a:effectRef idx="0">
+            <a:schemeClr val="accent1"/>
+          </a:effectRef>
+          <a:fontRef idx="minor">
+            <a:schemeClr val="tx1"/>
+          </a:fontRef>
+        </p:style>
+      </p:cxnSp>
+      <p:cxnSp>
+        <p:nvCxnSpPr>
+          <p:cNvPr id="786" name="Соединительная линия уступом 785"/>
+          <p:cNvCxnSpPr>
+            <a:stCxn id="725" idx="2"/>
+            <a:endCxn id="738" idx="0"/>
+          </p:cNvCxnSpPr>
+          <p:nvPr/>
+        </p:nvCxnSpPr>
+        <p:spPr>
+          <a:xfrm rot="5400000">
+            <a:off x="3839645" y="5583480"/>
+            <a:ext cx="254765" cy="1023534"/>
+          </a:xfrm>
+          <a:prstGeom prst="bentConnector3">
+            <a:avLst>
+              <a:gd name="adj1" fmla="val 50000"/>
+            </a:avLst>
+          </a:prstGeom>
+          <a:ln w="19050">
+            <a:prstDash val="sysDash"/>
+            <a:tailEnd type="arrow"/>
+          </a:ln>
+        </p:spPr>
+        <p:style>
+          <a:lnRef idx="1">
+            <a:schemeClr val="accent1"/>
+          </a:lnRef>
+          <a:fillRef idx="0">
+            <a:schemeClr val="accent1"/>
+          </a:fillRef>
+          <a:effectRef idx="0">
+            <a:schemeClr val="accent1"/>
+          </a:effectRef>
+          <a:fontRef idx="minor">
+            <a:schemeClr val="tx1"/>
+          </a:fontRef>
+        </p:style>
+      </p:cxnSp>
+      <p:cxnSp>
+        <p:nvCxnSpPr>
+          <p:cNvPr id="789" name="Соединительная линия уступом 788"/>
+          <p:cNvCxnSpPr>
+            <a:stCxn id="725" idx="2"/>
+            <a:endCxn id="739" idx="0"/>
+          </p:cNvCxnSpPr>
+          <p:nvPr/>
+        </p:nvCxnSpPr>
+        <p:spPr>
+          <a:xfrm rot="16200000" flipH="1">
+            <a:off x="5380504" y="5066154"/>
+            <a:ext cx="255569" cy="2058989"/>
+          </a:xfrm>
+          <a:prstGeom prst="bentConnector3">
+            <a:avLst>
+              <a:gd name="adj1" fmla="val 50000"/>
+            </a:avLst>
+          </a:prstGeom>
+          <a:ln w="19050">
+            <a:prstDash val="sysDash"/>
+            <a:tailEnd type="arrow"/>
+          </a:ln>
+        </p:spPr>
+        <p:style>
+          <a:lnRef idx="1">
+            <a:schemeClr val="accent1"/>
+          </a:lnRef>
+          <a:fillRef idx="0">
+            <a:schemeClr val="accent1"/>
+          </a:fillRef>
+          <a:effectRef idx="0">
+            <a:schemeClr val="accent1"/>
+          </a:effectRef>
+          <a:fontRef idx="minor">
+            <a:schemeClr val="tx1"/>
+          </a:fontRef>
+        </p:style>
+      </p:cxnSp>
+      <p:sp>
+        <p:nvSpPr>
+          <p:cNvPr id="792" name="Прямоугольник 791"/>
+          <p:cNvSpPr/>
+          <p:nvPr/>
+        </p:nvSpPr>
+        <p:spPr>
+          <a:xfrm>
+            <a:off x="8152459" y="6972901"/>
+            <a:ext cx="926325" cy="540000"/>
+          </a:xfrm>
+          <a:prstGeom prst="rect">
+            <a:avLst/>
+          </a:prstGeom>
+          <a:noFill/>
+          <a:ln w="19050">
+            <a:solidFill>
+              <a:srgbClr val="00B050"/>
+            </a:solidFill>
+          </a:ln>
+        </p:spPr>
+        <p:style>
+          <a:lnRef idx="2">
+            <a:schemeClr val="accent1"/>
+          </a:lnRef>
+          <a:fillRef idx="1">
+            <a:schemeClr val="lt1"/>
+          </a:fillRef>
+          <a:effectRef idx="0">
+            <a:schemeClr val="accent1"/>
+          </a:effectRef>
+          <a:fontRef idx="minor">
+            <a:schemeClr val="dk1"/>
+          </a:fontRef>
+        </p:style>
+        <p:txBody>
+          <a:bodyPr lIns="124733" tIns="62367" rIns="124733" bIns="62367" rtlCol="0" anchor="ctr"/>
+          <a:lstStyle/>
+          <a:p>
+            <a:pPr algn="ctr"/>
+            <a:r>
+              <a:rPr lang="ru-RU" sz="700" dirty="0"/>
+              <a:t>Католический университет Португалии</a:t>
+            </a:r>
+          </a:p>
+        </p:txBody>
+      </p:sp>
+      <p:cxnSp>
+        <p:nvCxnSpPr>
+          <p:cNvPr id="793" name="Прямая со стрелкой 792"/>
+          <p:cNvCxnSpPr>
+            <a:stCxn id="724" idx="2"/>
+            <a:endCxn id="709" idx="0"/>
+          </p:cNvCxnSpPr>
+          <p:nvPr/>
+        </p:nvCxnSpPr>
+        <p:spPr>
+          <a:xfrm>
+            <a:off x="1968166" y="6762630"/>
+            <a:ext cx="3585" cy="207360"/>
+          </a:xfrm>
+          <a:prstGeom prst="straightConnector1">
+            <a:avLst/>
+          </a:prstGeom>
+          <a:ln w="19050">
+            <a:tailEnd type="arrow"/>
+          </a:ln>
+        </p:spPr>
+        <p:style>
+          <a:lnRef idx="1">
+            <a:schemeClr val="accent1"/>
+          </a:lnRef>
+          <a:fillRef idx="0">
+            <a:schemeClr val="accent1"/>
+          </a:fillRef>
+          <a:effectRef idx="0">
+            <a:schemeClr val="accent1"/>
+          </a:effectRef>
+          <a:fontRef idx="minor">
+            <a:schemeClr val="tx1"/>
+          </a:fontRef>
+        </p:style>
+      </p:cxnSp>
+      <p:sp>
+        <p:nvSpPr>
+          <p:cNvPr id="805" name="Прямоугольник 804"/>
+          <p:cNvSpPr/>
+          <p:nvPr/>
+        </p:nvSpPr>
+        <p:spPr>
+          <a:xfrm>
+            <a:off x="8143582" y="8501463"/>
+            <a:ext cx="926325" cy="540000"/>
+          </a:xfrm>
+          <a:prstGeom prst="rect">
+            <a:avLst/>
+          </a:prstGeom>
+          <a:noFill/>
+          <a:ln w="19050">
+            <a:solidFill>
+              <a:srgbClr val="FFFF00"/>
+            </a:solidFill>
+          </a:ln>
+        </p:spPr>
+        <p:style>
+          <a:lnRef idx="2">
+            <a:schemeClr val="accent1"/>
+          </a:lnRef>
+          <a:fillRef idx="1">
+            <a:schemeClr val="lt1"/>
+          </a:fillRef>
+          <a:effectRef idx="0">
+            <a:schemeClr val="accent1"/>
+          </a:effectRef>
+          <a:fontRef idx="minor">
+            <a:schemeClr val="dk1"/>
+          </a:fontRef>
+        </p:style>
+        <p:txBody>
+          <a:bodyPr lIns="124733" tIns="62367" rIns="124733" bIns="62367" rtlCol="0" anchor="ctr"/>
+          <a:lstStyle/>
+          <a:p>
+            <a:pPr algn="ctr"/>
+            <a:r>
+              <a:rPr lang="ru-RU" sz="700" dirty="0"/>
+              <a:t>Розовая карта</a:t>
+            </a:r>
+          </a:p>
+        </p:txBody>
+      </p:sp>
+      <p:sp>
+        <p:nvSpPr>
+          <p:cNvPr id="806" name="Прямоугольник 805"/>
+          <p:cNvSpPr/>
+          <p:nvPr/>
+        </p:nvSpPr>
+        <p:spPr>
+          <a:xfrm>
+            <a:off x="9244503" y="9297511"/>
+            <a:ext cx="926325" cy="540000"/>
+          </a:xfrm>
+          <a:prstGeom prst="rect">
+            <a:avLst/>
+          </a:prstGeom>
+          <a:noFill/>
+          <a:ln w="19050"/>
+        </p:spPr>
+        <p:style>
+          <a:lnRef idx="2">
+            <a:schemeClr val="accent1"/>
+          </a:lnRef>
+          <a:fillRef idx="1">
+            <a:schemeClr val="lt1"/>
+          </a:fillRef>
+          <a:effectRef idx="0">
+            <a:schemeClr val="accent1"/>
+          </a:effectRef>
+          <a:fontRef idx="minor">
+            <a:schemeClr val="dk1"/>
+          </a:fontRef>
+        </p:style>
+        <p:txBody>
+          <a:bodyPr lIns="124733" tIns="62367" rIns="124733" bIns="62367" rtlCol="0" anchor="ctr"/>
+          <a:lstStyle/>
+          <a:p>
+            <a:pPr algn="ctr"/>
+            <a:r>
+              <a:rPr lang="ru-RU" sz="700" dirty="0"/>
+              <a:t>Вернуть Уругвай</a:t>
+            </a:r>
+          </a:p>
+        </p:txBody>
+      </p:sp>
+      <p:sp>
+        <p:nvSpPr>
+          <p:cNvPr id="808" name="Прямоугольник 807"/>
+          <p:cNvSpPr/>
+          <p:nvPr/>
+        </p:nvSpPr>
+        <p:spPr>
+          <a:xfrm>
+            <a:off x="4020803" y="6223107"/>
+            <a:ext cx="926325" cy="540000"/>
+          </a:xfrm>
+          <a:prstGeom prst="rect">
+            <a:avLst/>
+          </a:prstGeom>
+          <a:solidFill>
+            <a:schemeClr val="accent2">
+              <a:lumMod val="75000"/>
+            </a:schemeClr>
+          </a:solidFill>
+          <a:ln w="19050">
+            <a:solidFill>
+              <a:srgbClr val="FFFF00"/>
+            </a:solidFill>
+          </a:ln>
+        </p:spPr>
+        <p:style>
+          <a:lnRef idx="2">
+            <a:schemeClr val="accent1"/>
+          </a:lnRef>
+          <a:fillRef idx="1">
+            <a:schemeClr val="lt1"/>
+          </a:fillRef>
+          <a:effectRef idx="0">
+            <a:schemeClr val="accent1"/>
+          </a:effectRef>
+          <a:fontRef idx="minor">
+            <a:schemeClr val="dk1"/>
+          </a:fontRef>
+        </p:style>
+        <p:txBody>
+          <a:bodyPr lIns="124733" tIns="62367" rIns="124733" bIns="62367" rtlCol="0" anchor="ctr"/>
+          <a:lstStyle/>
+          <a:p>
+            <a:pPr algn="ctr"/>
+            <a:r>
+              <a:rPr lang="ru-RU" sz="700" dirty="0"/>
+              <a:t>Присоединиться к Италии</a:t>
+            </a:r>
+          </a:p>
+        </p:txBody>
+      </p:sp>
+      <p:cxnSp>
+        <p:nvCxnSpPr>
+          <p:cNvPr id="810" name="Прямая соединительная линия 809"/>
+          <p:cNvCxnSpPr>
+            <a:stCxn id="690" idx="3"/>
+            <a:endCxn id="739" idx="1"/>
+          </p:cNvCxnSpPr>
+          <p:nvPr/>
+        </p:nvCxnSpPr>
+        <p:spPr>
+          <a:xfrm>
+            <a:off x="5984731" y="6491880"/>
+            <a:ext cx="89889" cy="1554"/>
+          </a:xfrm>
+          <a:prstGeom prst="line">
+            <a:avLst/>
+          </a:prstGeom>
+          <a:ln w="19050">
+            <a:solidFill>
+              <a:srgbClr val="FF0000"/>
+            </a:solidFill>
+          </a:ln>
+        </p:spPr>
+        <p:style>
+          <a:lnRef idx="1">
+            <a:schemeClr val="accent1"/>
+          </a:lnRef>
+          <a:fillRef idx="0">
+            <a:schemeClr val="accent1"/>
+          </a:fillRef>
+          <a:effectRef idx="0">
+            <a:schemeClr val="accent1"/>
+          </a:effectRef>
+          <a:fontRef idx="minor">
+            <a:schemeClr val="tx1"/>
+          </a:fontRef>
+        </p:style>
+      </p:cxnSp>
+      <p:cxnSp>
+        <p:nvCxnSpPr>
+          <p:cNvPr id="813" name="Соединительная линия уступом 812"/>
+          <p:cNvCxnSpPr>
+            <a:stCxn id="808" idx="2"/>
+            <a:endCxn id="779" idx="0"/>
+          </p:cNvCxnSpPr>
+          <p:nvPr/>
+        </p:nvCxnSpPr>
+        <p:spPr>
+          <a:xfrm rot="16200000" flipH="1">
+            <a:off x="4893101" y="6353971"/>
+            <a:ext cx="211503" cy="1029773"/>
+          </a:xfrm>
+          <a:prstGeom prst="bentConnector3">
+            <a:avLst>
+              <a:gd name="adj1" fmla="val 50000"/>
+            </a:avLst>
+          </a:prstGeom>
+          <a:ln w="19050">
+            <a:prstDash val="sysDash"/>
+            <a:tailEnd type="arrow"/>
+          </a:ln>
+        </p:spPr>
+        <p:style>
+          <a:lnRef idx="1">
+            <a:schemeClr val="accent1"/>
+          </a:lnRef>
+          <a:fillRef idx="0">
+            <a:schemeClr val="accent1"/>
+          </a:fillRef>
+          <a:effectRef idx="0">
+            <a:schemeClr val="accent1"/>
+          </a:effectRef>
+          <a:fontRef idx="minor">
+            <a:schemeClr val="tx1"/>
+          </a:fontRef>
+        </p:style>
+      </p:cxnSp>
+      <p:cxnSp>
+        <p:nvCxnSpPr>
+          <p:cNvPr id="816" name="Соединительная линия уступом 815"/>
+          <p:cNvCxnSpPr>
+            <a:stCxn id="808" idx="2"/>
+            <a:endCxn id="736" idx="0"/>
+          </p:cNvCxnSpPr>
+          <p:nvPr/>
+        </p:nvCxnSpPr>
+        <p:spPr>
+          <a:xfrm rot="5400000">
+            <a:off x="4377358" y="6865727"/>
+            <a:ext cx="209229" cy="3988"/>
+          </a:xfrm>
+          <a:prstGeom prst="bentConnector3">
+            <a:avLst>
+              <a:gd name="adj1" fmla="val 50000"/>
+            </a:avLst>
+          </a:prstGeom>
+          <a:ln w="19050">
+            <a:prstDash val="sysDash"/>
+            <a:tailEnd type="arrow"/>
+          </a:ln>
+        </p:spPr>
+        <p:style>
+          <a:lnRef idx="1">
+            <a:schemeClr val="accent1"/>
+          </a:lnRef>
+          <a:fillRef idx="0">
+            <a:schemeClr val="accent1"/>
+          </a:fillRef>
+          <a:effectRef idx="0">
+            <a:schemeClr val="accent1"/>
+          </a:effectRef>
+          <a:fontRef idx="minor">
+            <a:schemeClr val="tx1"/>
+          </a:fontRef>
+        </p:style>
+      </p:cxnSp>
+      <p:sp>
+        <p:nvSpPr>
+          <p:cNvPr id="828" name="Прямоугольник 827"/>
+          <p:cNvSpPr/>
+          <p:nvPr/>
+        </p:nvSpPr>
+        <p:spPr>
+          <a:xfrm>
+            <a:off x="8145857" y="9311159"/>
+            <a:ext cx="926325" cy="540000"/>
+          </a:xfrm>
+          <a:prstGeom prst="rect">
+            <a:avLst/>
+          </a:prstGeom>
+          <a:noFill/>
+          <a:ln w="19050"/>
+        </p:spPr>
+        <p:style>
+          <a:lnRef idx="2">
+            <a:schemeClr val="accent1"/>
+          </a:lnRef>
+          <a:fillRef idx="1">
+            <a:schemeClr val="lt1"/>
+          </a:fillRef>
+          <a:effectRef idx="0">
+            <a:schemeClr val="accent1"/>
+          </a:effectRef>
+          <a:fontRef idx="minor">
+            <a:schemeClr val="dk1"/>
+          </a:fontRef>
+        </p:style>
+        <p:txBody>
+          <a:bodyPr lIns="124733" tIns="62367" rIns="124733" bIns="62367" rtlCol="0" anchor="ctr"/>
+          <a:lstStyle/>
+          <a:p>
+            <a:pPr algn="ctr"/>
+            <a:r>
+              <a:rPr lang="ru-RU" sz="700" dirty="0"/>
+              <a:t>Вернуть Ост-Индию (ваниль)</a:t>
+            </a:r>
+          </a:p>
+        </p:txBody>
+      </p:sp>
+      <p:sp>
+        <p:nvSpPr>
+          <p:cNvPr id="829" name="Прямоугольник 828"/>
+          <p:cNvSpPr/>
+          <p:nvPr/>
+        </p:nvSpPr>
+        <p:spPr>
+          <a:xfrm>
+            <a:off x="7081332" y="10014018"/>
+            <a:ext cx="926325" cy="540000"/>
+          </a:xfrm>
+          <a:prstGeom prst="rect">
+            <a:avLst/>
+          </a:prstGeom>
+          <a:noFill/>
+          <a:ln w="19050"/>
+        </p:spPr>
+        <p:style>
+          <a:lnRef idx="2">
+            <a:schemeClr val="accent1"/>
+          </a:lnRef>
+          <a:fillRef idx="1">
+            <a:schemeClr val="lt1"/>
+          </a:fillRef>
+          <a:effectRef idx="0">
+            <a:schemeClr val="accent1"/>
+          </a:effectRef>
+          <a:fontRef idx="minor">
+            <a:schemeClr val="dk1"/>
+          </a:fontRef>
+        </p:style>
+        <p:txBody>
+          <a:bodyPr lIns="124733" tIns="62367" rIns="124733" bIns="62367" rtlCol="0" anchor="ctr"/>
+          <a:lstStyle/>
+          <a:p>
+            <a:pPr algn="ctr"/>
+            <a:r>
+              <a:rPr lang="ru-RU" sz="700" dirty="0"/>
+              <a:t>Вернуть владение чайными плантациями (аннексия против </a:t>
+            </a:r>
+            <a:r>
+              <a:rPr lang="ru-RU" sz="700" dirty="0" err="1"/>
+              <a:t>цейлона</a:t>
+            </a:r>
+            <a:r>
+              <a:rPr lang="ru-RU" sz="700" dirty="0"/>
+              <a:t>)</a:t>
+            </a:r>
+          </a:p>
+        </p:txBody>
+      </p:sp>
+      <p:sp>
+        <p:nvSpPr>
+          <p:cNvPr id="830" name="Прямоугольник 829"/>
+          <p:cNvSpPr/>
+          <p:nvPr/>
+        </p:nvSpPr>
+        <p:spPr>
+          <a:xfrm>
+            <a:off x="10315179" y="9299786"/>
+            <a:ext cx="926325" cy="540000"/>
+          </a:xfrm>
+          <a:prstGeom prst="rect">
+            <a:avLst/>
+          </a:prstGeom>
+          <a:noFill/>
+          <a:ln w="19050">
+            <a:solidFill>
+              <a:srgbClr val="00B050"/>
+            </a:solidFill>
+          </a:ln>
+        </p:spPr>
+        <p:style>
+          <a:lnRef idx="2">
+            <a:schemeClr val="accent1"/>
+          </a:lnRef>
+          <a:fillRef idx="1">
+            <a:schemeClr val="lt1"/>
+          </a:fillRef>
+          <a:effectRef idx="0">
+            <a:schemeClr val="accent1"/>
+          </a:effectRef>
+          <a:fontRef idx="minor">
+            <a:schemeClr val="dk1"/>
+          </a:fontRef>
+        </p:style>
+        <p:txBody>
+          <a:bodyPr lIns="124733" tIns="62367" rIns="124733" bIns="62367" rtlCol="0" anchor="ctr"/>
+          <a:lstStyle/>
+          <a:p>
+            <a:pPr algn="ctr"/>
+            <a:r>
+              <a:rPr lang="ru-RU" sz="700" dirty="0"/>
+              <a:t>Вернуть финиковые сады Омана</a:t>
+            </a:r>
+          </a:p>
+        </p:txBody>
+      </p:sp>
+      <p:sp>
+        <p:nvSpPr>
+          <p:cNvPr id="835" name="Прямоугольник 834"/>
+          <p:cNvSpPr/>
+          <p:nvPr/>
+        </p:nvSpPr>
+        <p:spPr>
+          <a:xfrm>
+            <a:off x="11345274" y="8507373"/>
+            <a:ext cx="926325" cy="540000"/>
+          </a:xfrm>
+          <a:prstGeom prst="rect">
+            <a:avLst/>
+          </a:prstGeom>
+          <a:solidFill>
+            <a:srgbClr val="7030A0"/>
+          </a:solidFill>
+          <a:ln w="19050">
+            <a:solidFill>
+              <a:srgbClr val="FFFF00"/>
+            </a:solidFill>
+          </a:ln>
+        </p:spPr>
+        <p:style>
+          <a:lnRef idx="2">
+            <a:schemeClr val="accent1"/>
+          </a:lnRef>
+          <a:fillRef idx="1">
+            <a:schemeClr val="lt1"/>
+          </a:fillRef>
+          <a:effectRef idx="0">
+            <a:schemeClr val="accent1"/>
+          </a:effectRef>
+          <a:fontRef idx="minor">
+            <a:schemeClr val="dk1"/>
+          </a:fontRef>
+        </p:style>
+        <p:txBody>
+          <a:bodyPr lIns="124733" tIns="62367" rIns="124733" bIns="62367" rtlCol="0" anchor="ctr"/>
+          <a:lstStyle/>
+          <a:p>
+            <a:pPr algn="ctr"/>
+            <a:r>
+              <a:rPr lang="ru-RU" sz="700" dirty="0"/>
+              <a:t>Пятая империя (ваниль)</a:t>
+            </a:r>
+          </a:p>
+        </p:txBody>
+      </p:sp>
+      <p:cxnSp>
+        <p:nvCxnSpPr>
+          <p:cNvPr id="843" name="Соединительная линия уступом 842"/>
+          <p:cNvCxnSpPr>
+            <a:stCxn id="716" idx="2"/>
+            <a:endCxn id="792" idx="0"/>
+          </p:cNvCxnSpPr>
+          <p:nvPr/>
+        </p:nvCxnSpPr>
+        <p:spPr>
+          <a:xfrm rot="16200000" flipH="1">
+            <a:off x="7985424" y="6342702"/>
+            <a:ext cx="210143" cy="1050254"/>
+          </a:xfrm>
+          <a:prstGeom prst="bentConnector3">
+            <a:avLst>
+              <a:gd name="adj1" fmla="val 50000"/>
+            </a:avLst>
+          </a:prstGeom>
+          <a:ln w="19050">
+            <a:prstDash val="sysDash"/>
+            <a:tailEnd type="arrow"/>
+          </a:ln>
+        </p:spPr>
+        <p:style>
+          <a:lnRef idx="1">
+            <a:schemeClr val="accent1"/>
+          </a:lnRef>
+          <a:fillRef idx="0">
+            <a:schemeClr val="accent1"/>
+          </a:fillRef>
+          <a:effectRef idx="0">
+            <a:schemeClr val="accent1"/>
+          </a:effectRef>
+          <a:fontRef idx="minor">
+            <a:schemeClr val="tx1"/>
+          </a:fontRef>
+        </p:style>
+      </p:cxnSp>
+      <p:cxnSp>
+        <p:nvCxnSpPr>
+          <p:cNvPr id="852" name="Соединительная линия уступом 851"/>
+          <p:cNvCxnSpPr>
+            <a:stCxn id="736" idx="2"/>
+            <a:endCxn id="805" idx="0"/>
+          </p:cNvCxnSpPr>
+          <p:nvPr/>
+        </p:nvCxnSpPr>
+        <p:spPr>
+          <a:xfrm rot="16200000" flipH="1">
+            <a:off x="6048798" y="5943515"/>
+            <a:ext cx="989127" cy="4126767"/>
+          </a:xfrm>
+          <a:prstGeom prst="bentConnector3">
+            <a:avLst>
+              <a:gd name="adj1" fmla="val 10064"/>
+            </a:avLst>
+          </a:prstGeom>
+          <a:ln w="19050">
+            <a:prstDash val="sysDash"/>
+            <a:tailEnd type="arrow"/>
+          </a:ln>
+        </p:spPr>
+        <p:style>
+          <a:lnRef idx="1">
+            <a:schemeClr val="accent1"/>
+          </a:lnRef>
+          <a:fillRef idx="0">
+            <a:schemeClr val="accent1"/>
+          </a:fillRef>
+          <a:effectRef idx="0">
+            <a:schemeClr val="accent1"/>
+          </a:effectRef>
+          <a:fontRef idx="minor">
+            <a:schemeClr val="tx1"/>
+          </a:fontRef>
+        </p:style>
+      </p:cxnSp>
+      <p:cxnSp>
+        <p:nvCxnSpPr>
+          <p:cNvPr id="855" name="Соединительная линия уступом 854"/>
+          <p:cNvCxnSpPr>
+            <a:stCxn id="779" idx="2"/>
+            <a:endCxn id="805" idx="0"/>
+          </p:cNvCxnSpPr>
+          <p:nvPr/>
+        </p:nvCxnSpPr>
+        <p:spPr>
+          <a:xfrm rot="16200000" flipH="1">
+            <a:off x="6566816" y="6461533"/>
+            <a:ext cx="986853" cy="3093006"/>
+          </a:xfrm>
+          <a:prstGeom prst="bentConnector3">
+            <a:avLst>
+              <a:gd name="adj1" fmla="val 9972"/>
+            </a:avLst>
+          </a:prstGeom>
+          <a:ln w="19050">
+            <a:prstDash val="sysDash"/>
+            <a:tailEnd type="arrow"/>
+          </a:ln>
+        </p:spPr>
+        <p:style>
+          <a:lnRef idx="1">
+            <a:schemeClr val="accent1"/>
+          </a:lnRef>
+          <a:fillRef idx="0">
+            <a:schemeClr val="accent1"/>
+          </a:fillRef>
+          <a:effectRef idx="0">
+            <a:schemeClr val="accent1"/>
+          </a:effectRef>
+          <a:fontRef idx="minor">
+            <a:schemeClr val="tx1"/>
+          </a:fontRef>
+        </p:style>
+      </p:cxnSp>
+      <p:cxnSp>
+        <p:nvCxnSpPr>
+          <p:cNvPr id="860" name="Соединительная линия уступом 859"/>
+          <p:cNvCxnSpPr>
+            <a:stCxn id="739" idx="2"/>
+            <a:endCxn id="779" idx="0"/>
+          </p:cNvCxnSpPr>
+          <p:nvPr/>
+        </p:nvCxnSpPr>
+        <p:spPr>
+          <a:xfrm rot="5400000">
+            <a:off x="5920173" y="6357000"/>
+            <a:ext cx="211176" cy="1024044"/>
+          </a:xfrm>
+          <a:prstGeom prst="bentConnector3">
+            <a:avLst>
+              <a:gd name="adj1" fmla="val 50000"/>
+            </a:avLst>
+          </a:prstGeom>
+          <a:ln w="19050">
+            <a:tailEnd type="arrow"/>
+          </a:ln>
+        </p:spPr>
+        <p:style>
+          <a:lnRef idx="1">
+            <a:schemeClr val="accent1"/>
+          </a:lnRef>
+          <a:fillRef idx="0">
+            <a:schemeClr val="accent1"/>
+          </a:fillRef>
+          <a:effectRef idx="0">
+            <a:schemeClr val="accent1"/>
+          </a:effectRef>
+          <a:fontRef idx="minor">
+            <a:schemeClr val="tx1"/>
+          </a:fontRef>
+        </p:style>
+      </p:cxnSp>
+      <p:cxnSp>
+        <p:nvCxnSpPr>
+          <p:cNvPr id="863" name="Соединительная линия уступом 862"/>
+          <p:cNvCxnSpPr>
+            <a:stCxn id="738" idx="2"/>
+            <a:endCxn id="736" idx="0"/>
+          </p:cNvCxnSpPr>
+          <p:nvPr/>
+        </p:nvCxnSpPr>
+        <p:spPr>
+          <a:xfrm rot="16200000" flipH="1">
+            <a:off x="3862766" y="6355124"/>
+            <a:ext cx="209706" cy="1024718"/>
+          </a:xfrm>
+          <a:prstGeom prst="bentConnector3">
+            <a:avLst>
+              <a:gd name="adj1" fmla="val 50000"/>
+            </a:avLst>
+          </a:prstGeom>
+          <a:ln w="19050">
+            <a:tailEnd type="arrow"/>
+          </a:ln>
+        </p:spPr>
+        <p:style>
+          <a:lnRef idx="1">
+            <a:schemeClr val="accent1"/>
+          </a:lnRef>
+          <a:fillRef idx="0">
+            <a:schemeClr val="accent1"/>
+          </a:fillRef>
+          <a:effectRef idx="0">
+            <a:schemeClr val="accent1"/>
+          </a:effectRef>
+          <a:fontRef idx="minor">
+            <a:schemeClr val="tx1"/>
+          </a:fontRef>
+        </p:style>
+      </p:cxnSp>
+      <p:sp>
+        <p:nvSpPr>
+          <p:cNvPr id="866" name="Прямоугольник 865"/>
+          <p:cNvSpPr/>
+          <p:nvPr/>
+        </p:nvSpPr>
+        <p:spPr>
+          <a:xfrm>
+            <a:off x="9246777" y="10002645"/>
+            <a:ext cx="926325" cy="540000"/>
+          </a:xfrm>
+          <a:prstGeom prst="rect">
+            <a:avLst/>
+          </a:prstGeom>
+          <a:noFill/>
+          <a:ln w="19050"/>
+        </p:spPr>
+        <p:style>
+          <a:lnRef idx="2">
+            <a:schemeClr val="accent1"/>
+          </a:lnRef>
+          <a:fillRef idx="1">
+            <a:schemeClr val="lt1"/>
+          </a:fillRef>
+          <a:effectRef idx="0">
+            <a:schemeClr val="accent1"/>
+          </a:effectRef>
+          <a:fontRef idx="minor">
+            <a:schemeClr val="dk1"/>
+          </a:fontRef>
+        </p:style>
+        <p:txBody>
+          <a:bodyPr lIns="124733" tIns="62367" rIns="124733" bIns="62367" rtlCol="0" anchor="ctr"/>
+          <a:lstStyle/>
+          <a:p>
+            <a:pPr algn="ctr"/>
+            <a:r>
+              <a:rPr lang="ru-RU" sz="700" dirty="0"/>
+              <a:t>Вернуть Парагвай</a:t>
+            </a:r>
+          </a:p>
+        </p:txBody>
+      </p:sp>
+      <p:sp>
+        <p:nvSpPr>
+          <p:cNvPr id="867" name="Прямоугольник 866"/>
+          <p:cNvSpPr/>
+          <p:nvPr/>
+        </p:nvSpPr>
+        <p:spPr>
+          <a:xfrm>
+            <a:off x="8148132" y="10002646"/>
+            <a:ext cx="926325" cy="540000"/>
+          </a:xfrm>
+          <a:prstGeom prst="rect">
+            <a:avLst/>
+          </a:prstGeom>
+          <a:noFill/>
+          <a:ln w="19050"/>
+        </p:spPr>
+        <p:style>
+          <a:lnRef idx="2">
+            <a:schemeClr val="accent1"/>
+          </a:lnRef>
+          <a:fillRef idx="1">
+            <a:schemeClr val="lt1"/>
+          </a:fillRef>
+          <a:effectRef idx="0">
+            <a:schemeClr val="accent1"/>
+          </a:effectRef>
+          <a:fontRef idx="minor">
+            <a:schemeClr val="dk1"/>
+          </a:fontRef>
+        </p:style>
+        <p:txBody>
+          <a:bodyPr lIns="124733" tIns="62367" rIns="124733" bIns="62367" rtlCol="0" anchor="ctr"/>
+          <a:lstStyle/>
+          <a:p>
+            <a:pPr algn="ctr"/>
+            <a:r>
+              <a:rPr lang="ru-RU" sz="700" dirty="0"/>
+              <a:t>Расширить территорию в Китае (ваниль)</a:t>
+            </a:r>
+          </a:p>
+        </p:txBody>
+      </p:sp>
+      <p:sp>
+        <p:nvSpPr>
+          <p:cNvPr id="868" name="Прямоугольник 867"/>
+          <p:cNvSpPr/>
+          <p:nvPr/>
+        </p:nvSpPr>
+        <p:spPr>
+          <a:xfrm>
+            <a:off x="8150406" y="10680486"/>
+            <a:ext cx="926325" cy="540000"/>
+          </a:xfrm>
+          <a:prstGeom prst="rect">
+            <a:avLst/>
+          </a:prstGeom>
+          <a:noFill/>
+          <a:ln w="19050"/>
+        </p:spPr>
+        <p:style>
+          <a:lnRef idx="2">
+            <a:schemeClr val="accent1"/>
+          </a:lnRef>
+          <a:fillRef idx="1">
+            <a:schemeClr val="lt1"/>
+          </a:fillRef>
+          <a:effectRef idx="0">
+            <a:schemeClr val="accent1"/>
+          </a:effectRef>
+          <a:fontRef idx="minor">
+            <a:schemeClr val="dk1"/>
+          </a:fontRef>
+        </p:style>
+        <p:txBody>
+          <a:bodyPr lIns="124733" tIns="62367" rIns="124733" bIns="62367" rtlCol="0" anchor="ctr"/>
+          <a:lstStyle/>
+          <a:p>
+            <a:pPr algn="ctr"/>
+            <a:r>
+              <a:rPr lang="ru-RU" sz="700" dirty="0"/>
+              <a:t>Разделаться с Японской угрозой (ваниль)</a:t>
+            </a:r>
+          </a:p>
+        </p:txBody>
+      </p:sp>
+      <p:sp>
+        <p:nvSpPr>
+          <p:cNvPr id="869" name="Прямоугольник 868"/>
+          <p:cNvSpPr/>
+          <p:nvPr/>
+        </p:nvSpPr>
+        <p:spPr>
+          <a:xfrm>
+            <a:off x="7076783" y="9299786"/>
+            <a:ext cx="926325" cy="540000"/>
+          </a:xfrm>
+          <a:prstGeom prst="rect">
+            <a:avLst/>
+          </a:prstGeom>
+          <a:noFill/>
+          <a:ln w="19050"/>
+        </p:spPr>
+        <p:style>
+          <a:lnRef idx="2">
+            <a:schemeClr val="accent1"/>
+          </a:lnRef>
+          <a:fillRef idx="1">
+            <a:schemeClr val="lt1"/>
+          </a:fillRef>
+          <a:effectRef idx="0">
+            <a:schemeClr val="accent1"/>
+          </a:effectRef>
+          <a:fontRef idx="minor">
+            <a:schemeClr val="dk1"/>
+          </a:fontRef>
+        </p:style>
+        <p:txBody>
+          <a:bodyPr lIns="124733" tIns="62367" rIns="124733" bIns="62367" rtlCol="0" anchor="ctr"/>
+          <a:lstStyle/>
+          <a:p>
+            <a:pPr algn="ctr"/>
+            <a:r>
+              <a:rPr lang="ru-RU" sz="700" dirty="0"/>
+              <a:t>Сделать Индию своей (ваниль)</a:t>
+            </a:r>
+          </a:p>
+        </p:txBody>
+      </p:sp>
+      <p:sp>
+        <p:nvSpPr>
+          <p:cNvPr id="870" name="Прямоугольник 869"/>
+          <p:cNvSpPr/>
+          <p:nvPr/>
+        </p:nvSpPr>
+        <p:spPr>
+          <a:xfrm>
+            <a:off x="6014532" y="9302060"/>
+            <a:ext cx="926325" cy="540000"/>
+          </a:xfrm>
+          <a:prstGeom prst="rect">
+            <a:avLst/>
+          </a:prstGeom>
+          <a:noFill/>
+          <a:ln w="19050">
+            <a:solidFill>
+              <a:srgbClr val="00B050"/>
+            </a:solidFill>
+          </a:ln>
+        </p:spPr>
+        <p:style>
+          <a:lnRef idx="2">
+            <a:schemeClr val="accent1"/>
+          </a:lnRef>
+          <a:fillRef idx="1">
+            <a:schemeClr val="lt1"/>
+          </a:fillRef>
+          <a:effectRef idx="0">
+            <a:schemeClr val="accent1"/>
+          </a:effectRef>
+          <a:fontRef idx="minor">
+            <a:schemeClr val="dk1"/>
+          </a:fontRef>
+        </p:style>
+        <p:txBody>
+          <a:bodyPr lIns="124733" tIns="62367" rIns="124733" bIns="62367" rtlCol="0" anchor="ctr"/>
+          <a:lstStyle/>
+          <a:p>
+            <a:pPr algn="ctr"/>
+            <a:r>
+              <a:rPr lang="ru-RU" sz="700" dirty="0"/>
+              <a:t>Вернуть Португальское </a:t>
+            </a:r>
+            <a:r>
+              <a:rPr lang="ru-RU" sz="700" dirty="0" err="1"/>
+              <a:t>Морокко</a:t>
+            </a:r>
+            <a:endParaRPr lang="ru-RU" sz="700" dirty="0"/>
+          </a:p>
+        </p:txBody>
+      </p:sp>
+      <p:cxnSp>
+        <p:nvCxnSpPr>
+          <p:cNvPr id="871" name="Соединительная линия уступом 870"/>
+          <p:cNvCxnSpPr>
+            <a:stCxn id="700" idx="2"/>
+            <a:endCxn id="650" idx="0"/>
+          </p:cNvCxnSpPr>
+          <p:nvPr/>
+        </p:nvCxnSpPr>
+        <p:spPr>
+          <a:xfrm rot="16200000" flipH="1">
+            <a:off x="6660786" y="3469881"/>
+            <a:ext cx="288051" cy="3613411"/>
+          </a:xfrm>
+          <a:prstGeom prst="bentConnector3">
+            <a:avLst>
+              <a:gd name="adj1" fmla="val 50000"/>
+            </a:avLst>
+          </a:prstGeom>
+          <a:ln w="19050">
+            <a:prstDash val="sysDash"/>
+            <a:tailEnd type="arrow"/>
+          </a:ln>
+        </p:spPr>
+        <p:style>
+          <a:lnRef idx="1">
+            <a:schemeClr val="accent1"/>
+          </a:lnRef>
+          <a:fillRef idx="0">
+            <a:schemeClr val="accent1"/>
+          </a:fillRef>
+          <a:effectRef idx="0">
+            <a:schemeClr val="accent1"/>
+          </a:effectRef>
+          <a:fontRef idx="minor">
+            <a:schemeClr val="tx1"/>
+          </a:fontRef>
+        </p:style>
+      </p:cxnSp>
+      <p:cxnSp>
+        <p:nvCxnSpPr>
+          <p:cNvPr id="874" name="Соединительная линия уступом 873"/>
+          <p:cNvCxnSpPr>
+            <a:stCxn id="646" idx="2"/>
+            <a:endCxn id="650" idx="0"/>
+          </p:cNvCxnSpPr>
+          <p:nvPr/>
+        </p:nvCxnSpPr>
+        <p:spPr>
+          <a:xfrm rot="5400000">
+            <a:off x="9794197" y="3947252"/>
+            <a:ext cx="290682" cy="2656041"/>
+          </a:xfrm>
+          <a:prstGeom prst="bentConnector3">
+            <a:avLst>
+              <a:gd name="adj1" fmla="val 50000"/>
+            </a:avLst>
+          </a:prstGeom>
+          <a:ln w="19050">
+            <a:prstDash val="sysDash"/>
+            <a:tailEnd type="arrow"/>
+          </a:ln>
+        </p:spPr>
+        <p:style>
+          <a:lnRef idx="1">
+            <a:schemeClr val="accent1"/>
+          </a:lnRef>
+          <a:fillRef idx="0">
+            <a:schemeClr val="accent1"/>
+          </a:fillRef>
+          <a:effectRef idx="0">
+            <a:schemeClr val="accent1"/>
+          </a:effectRef>
+          <a:fontRef idx="minor">
+            <a:schemeClr val="tx1"/>
+          </a:fontRef>
+        </p:style>
+      </p:cxnSp>
+      <p:cxnSp>
+        <p:nvCxnSpPr>
+          <p:cNvPr id="877" name="Соединительная линия уступом 876"/>
+          <p:cNvCxnSpPr>
+            <a:stCxn id="805" idx="2"/>
+            <a:endCxn id="870" idx="0"/>
+          </p:cNvCxnSpPr>
+          <p:nvPr/>
+        </p:nvCxnSpPr>
+        <p:spPr>
+          <a:xfrm rot="5400000">
+            <a:off x="7411922" y="8107236"/>
+            <a:ext cx="260597" cy="2129050"/>
+          </a:xfrm>
+          <a:prstGeom prst="bentConnector3">
+            <a:avLst>
+              <a:gd name="adj1" fmla="val 50000"/>
+            </a:avLst>
+          </a:prstGeom>
+          <a:ln w="19050">
+            <a:tailEnd type="arrow"/>
+          </a:ln>
+        </p:spPr>
+        <p:style>
+          <a:lnRef idx="1">
+            <a:schemeClr val="accent1"/>
+          </a:lnRef>
+          <a:fillRef idx="0">
+            <a:schemeClr val="accent1"/>
+          </a:fillRef>
+          <a:effectRef idx="0">
+            <a:schemeClr val="accent1"/>
+          </a:effectRef>
+          <a:fontRef idx="minor">
+            <a:schemeClr val="tx1"/>
+          </a:fontRef>
+        </p:style>
+      </p:cxnSp>
+      <p:cxnSp>
+        <p:nvCxnSpPr>
+          <p:cNvPr id="880" name="Соединительная линия уступом 879"/>
+          <p:cNvCxnSpPr>
+            <a:stCxn id="805" idx="2"/>
+            <a:endCxn id="830" idx="0"/>
+          </p:cNvCxnSpPr>
+          <p:nvPr/>
+        </p:nvCxnSpPr>
+        <p:spPr>
+          <a:xfrm rot="16200000" flipH="1">
+            <a:off x="9563382" y="8084825"/>
+            <a:ext cx="258323" cy="2171597"/>
+          </a:xfrm>
+          <a:prstGeom prst="bentConnector3">
+            <a:avLst>
+              <a:gd name="adj1" fmla="val 50000"/>
+            </a:avLst>
+          </a:prstGeom>
+          <a:ln w="19050">
+            <a:tailEnd type="arrow"/>
+          </a:ln>
+        </p:spPr>
+        <p:style>
+          <a:lnRef idx="1">
+            <a:schemeClr val="accent1"/>
+          </a:lnRef>
+          <a:fillRef idx="0">
+            <a:schemeClr val="accent1"/>
+          </a:fillRef>
+          <a:effectRef idx="0">
+            <a:schemeClr val="accent1"/>
+          </a:effectRef>
+          <a:fontRef idx="minor">
+            <a:schemeClr val="tx1"/>
+          </a:fontRef>
+        </p:style>
+      </p:cxnSp>
+      <p:cxnSp>
+        <p:nvCxnSpPr>
+          <p:cNvPr id="883" name="Соединительная линия уступом 882"/>
+          <p:cNvCxnSpPr>
+            <a:stCxn id="805" idx="2"/>
+            <a:endCxn id="869" idx="0"/>
+          </p:cNvCxnSpPr>
+          <p:nvPr/>
+        </p:nvCxnSpPr>
+        <p:spPr>
+          <a:xfrm rot="5400000">
+            <a:off x="7944185" y="8637225"/>
+            <a:ext cx="258323" cy="1066799"/>
+          </a:xfrm>
+          <a:prstGeom prst="bentConnector3">
+            <a:avLst>
+              <a:gd name="adj1" fmla="val 50000"/>
+            </a:avLst>
+          </a:prstGeom>
+          <a:ln w="19050">
+            <a:tailEnd type="arrow"/>
+          </a:ln>
+        </p:spPr>
+        <p:style>
+          <a:lnRef idx="1">
+            <a:schemeClr val="accent1"/>
+          </a:lnRef>
+          <a:fillRef idx="0">
+            <a:schemeClr val="accent1"/>
+          </a:fillRef>
+          <a:effectRef idx="0">
+            <a:schemeClr val="accent1"/>
+          </a:effectRef>
+          <a:fontRef idx="minor">
+            <a:schemeClr val="tx1"/>
+          </a:fontRef>
+        </p:style>
+      </p:cxnSp>
+      <p:cxnSp>
+        <p:nvCxnSpPr>
+          <p:cNvPr id="886" name="Соединительная линия уступом 885"/>
+          <p:cNvCxnSpPr>
+            <a:stCxn id="805" idx="2"/>
+            <a:endCxn id="806" idx="0"/>
+          </p:cNvCxnSpPr>
+          <p:nvPr/>
+        </p:nvCxnSpPr>
+        <p:spPr>
+          <a:xfrm rot="16200000" flipH="1">
+            <a:off x="9029181" y="8619026"/>
+            <a:ext cx="256048" cy="1100921"/>
+          </a:xfrm>
+          <a:prstGeom prst="bentConnector3">
+            <a:avLst>
+              <a:gd name="adj1" fmla="val 50000"/>
+            </a:avLst>
+          </a:prstGeom>
+          <a:ln w="19050">
+            <a:tailEnd type="arrow"/>
+          </a:ln>
+        </p:spPr>
+        <p:style>
+          <a:lnRef idx="1">
+            <a:schemeClr val="accent1"/>
+          </a:lnRef>
+          <a:fillRef idx="0">
+            <a:schemeClr val="accent1"/>
+          </a:fillRef>
+          <a:effectRef idx="0">
+            <a:schemeClr val="accent1"/>
+          </a:effectRef>
+          <a:fontRef idx="minor">
+            <a:schemeClr val="tx1"/>
+          </a:fontRef>
+        </p:style>
+      </p:cxnSp>
+      <p:cxnSp>
+        <p:nvCxnSpPr>
+          <p:cNvPr id="889" name="Прямая со стрелкой 888"/>
+          <p:cNvCxnSpPr>
+            <a:stCxn id="805" idx="2"/>
+            <a:endCxn id="828" idx="0"/>
+          </p:cNvCxnSpPr>
+          <p:nvPr/>
+        </p:nvCxnSpPr>
+        <p:spPr>
+          <a:xfrm>
+            <a:off x="8606745" y="9041463"/>
+            <a:ext cx="2275" cy="269696"/>
+          </a:xfrm>
+          <a:prstGeom prst="straightConnector1">
+            <a:avLst/>
+          </a:prstGeom>
+          <a:ln w="19050">
+            <a:tailEnd type="arrow"/>
+          </a:ln>
+        </p:spPr>
+        <p:style>
+          <a:lnRef idx="1">
+            <a:schemeClr val="accent1"/>
+          </a:lnRef>
+          <a:fillRef idx="0">
+            <a:schemeClr val="accent1"/>
+          </a:fillRef>
+          <a:effectRef idx="0">
+            <a:schemeClr val="accent1"/>
+          </a:effectRef>
+          <a:fontRef idx="minor">
+            <a:schemeClr val="tx1"/>
+          </a:fontRef>
+        </p:style>
+      </p:cxnSp>
+      <p:cxnSp>
+        <p:nvCxnSpPr>
+          <p:cNvPr id="892" name="Прямая со стрелкой 891"/>
+          <p:cNvCxnSpPr>
+            <a:stCxn id="869" idx="2"/>
+            <a:endCxn id="829" idx="0"/>
+          </p:cNvCxnSpPr>
+          <p:nvPr/>
+        </p:nvCxnSpPr>
+        <p:spPr>
+          <a:xfrm>
+            <a:off x="7539946" y="9839786"/>
+            <a:ext cx="4549" cy="174232"/>
+          </a:xfrm>
+          <a:prstGeom prst="straightConnector1">
+            <a:avLst/>
+          </a:prstGeom>
+          <a:ln w="19050">
+            <a:tailEnd type="arrow"/>
+          </a:ln>
+        </p:spPr>
+        <p:style>
+          <a:lnRef idx="1">
+            <a:schemeClr val="accent1"/>
+          </a:lnRef>
+          <a:fillRef idx="0">
+            <a:schemeClr val="accent1"/>
+          </a:fillRef>
+          <a:effectRef idx="0">
+            <a:schemeClr val="accent1"/>
+          </a:effectRef>
+          <a:fontRef idx="minor">
+            <a:schemeClr val="tx1"/>
+          </a:fontRef>
+        </p:style>
+      </p:cxnSp>
+      <p:cxnSp>
+        <p:nvCxnSpPr>
+          <p:cNvPr id="895" name="Прямая со стрелкой 894"/>
+          <p:cNvCxnSpPr>
+            <a:stCxn id="828" idx="2"/>
+            <a:endCxn id="867" idx="0"/>
+          </p:cNvCxnSpPr>
+          <p:nvPr/>
+        </p:nvCxnSpPr>
+        <p:spPr>
+          <a:xfrm>
+            <a:off x="8609020" y="9851159"/>
+            <a:ext cx="2275" cy="151487"/>
+          </a:xfrm>
+          <a:prstGeom prst="straightConnector1">
+            <a:avLst/>
+          </a:prstGeom>
+          <a:ln w="19050">
+            <a:tailEnd type="arrow"/>
+          </a:ln>
+        </p:spPr>
+        <p:style>
+          <a:lnRef idx="1">
+            <a:schemeClr val="accent1"/>
+          </a:lnRef>
+          <a:fillRef idx="0">
+            <a:schemeClr val="accent1"/>
+          </a:fillRef>
+          <a:effectRef idx="0">
+            <a:schemeClr val="accent1"/>
+          </a:effectRef>
+          <a:fontRef idx="minor">
+            <a:schemeClr val="tx1"/>
+          </a:fontRef>
+        </p:style>
+      </p:cxnSp>
+      <p:cxnSp>
+        <p:nvCxnSpPr>
+          <p:cNvPr id="898" name="Прямая со стрелкой 897"/>
+          <p:cNvCxnSpPr>
+            <a:stCxn id="806" idx="2"/>
+            <a:endCxn id="866" idx="0"/>
+          </p:cNvCxnSpPr>
+          <p:nvPr/>
+        </p:nvCxnSpPr>
+        <p:spPr>
+          <a:xfrm>
+            <a:off x="9707666" y="9837511"/>
+            <a:ext cx="2274" cy="165134"/>
+          </a:xfrm>
+          <a:prstGeom prst="straightConnector1">
+            <a:avLst/>
+          </a:prstGeom>
+          <a:ln w="19050">
+            <a:tailEnd type="arrow"/>
+          </a:ln>
+        </p:spPr>
+        <p:style>
+          <a:lnRef idx="1">
+            <a:schemeClr val="accent1"/>
+          </a:lnRef>
+          <a:fillRef idx="0">
+            <a:schemeClr val="accent1"/>
+          </a:fillRef>
+          <a:effectRef idx="0">
+            <a:schemeClr val="accent1"/>
+          </a:effectRef>
+          <a:fontRef idx="minor">
+            <a:schemeClr val="tx1"/>
+          </a:fontRef>
+        </p:style>
+      </p:cxnSp>
+      <p:cxnSp>
+        <p:nvCxnSpPr>
+          <p:cNvPr id="901" name="Прямая со стрелкой 900"/>
+          <p:cNvCxnSpPr>
+            <a:stCxn id="867" idx="2"/>
+            <a:endCxn id="868" idx="0"/>
+          </p:cNvCxnSpPr>
+          <p:nvPr/>
+        </p:nvCxnSpPr>
+        <p:spPr>
+          <a:xfrm>
+            <a:off x="8611295" y="10542646"/>
+            <a:ext cx="2274" cy="137840"/>
+          </a:xfrm>
+          <a:prstGeom prst="straightConnector1">
+            <a:avLst/>
+          </a:prstGeom>
+          <a:ln w="19050">
+            <a:tailEnd type="arrow"/>
+          </a:ln>
+        </p:spPr>
+        <p:style>
+          <a:lnRef idx="1">
+            <a:schemeClr val="accent1"/>
+          </a:lnRef>
+          <a:fillRef idx="0">
+            <a:schemeClr val="accent1"/>
+          </a:fillRef>
+          <a:effectRef idx="0">
+            <a:schemeClr val="accent1"/>
+          </a:effectRef>
+          <a:fontRef idx="minor">
+            <a:schemeClr val="tx1"/>
+          </a:fontRef>
+        </p:style>
+      </p:cxnSp>
+      <p:cxnSp>
+        <p:nvCxnSpPr>
+          <p:cNvPr id="904" name="Соединительная линия уступом 903"/>
+          <p:cNvCxnSpPr>
+            <a:stCxn id="667" idx="2"/>
+            <a:endCxn id="689" idx="0"/>
+          </p:cNvCxnSpPr>
+          <p:nvPr/>
+        </p:nvCxnSpPr>
+        <p:spPr>
+          <a:xfrm rot="16200000" flipH="1">
+            <a:off x="16804451" y="2889061"/>
+            <a:ext cx="240195" cy="3167781"/>
+          </a:xfrm>
+          <a:prstGeom prst="bentConnector3">
+            <a:avLst>
+              <a:gd name="adj1" fmla="val 50000"/>
+            </a:avLst>
+          </a:prstGeom>
+          <a:ln w="19050">
+            <a:tailEnd type="arrow"/>
+          </a:ln>
+        </p:spPr>
+        <p:style>
+          <a:lnRef idx="1">
+            <a:schemeClr val="accent1"/>
+          </a:lnRef>
+          <a:fillRef idx="0">
+            <a:schemeClr val="accent1"/>
+          </a:fillRef>
+          <a:effectRef idx="0">
+            <a:schemeClr val="accent1"/>
+          </a:effectRef>
+          <a:fontRef idx="minor">
+            <a:schemeClr val="tx1"/>
+          </a:fontRef>
+        </p:style>
+      </p:cxnSp>
+      <p:sp>
+        <p:nvSpPr>
+          <p:cNvPr id="690" name="Прямоугольник 689"/>
+          <p:cNvSpPr/>
+          <p:nvPr/>
+        </p:nvSpPr>
+        <p:spPr>
+          <a:xfrm>
+            <a:off x="5058406" y="6221880"/>
             <a:ext cx="926325" cy="540000"/>
           </a:xfrm>
           <a:prstGeom prst="rect">
@@ -27042,71 +29402,214 @@
             <a:pPr algn="ctr"/>
             <a:r>
               <a:rPr lang="ru-RU" sz="700" dirty="0"/>
-              <a:t>Стимулирование роста промышленности</a:t>
-            </a:r>
-          </a:p>
-        </p:txBody>
-      </p:sp>
-      <p:sp>
-        <p:nvSpPr>
-          <p:cNvPr id="725" name="Прямоугольник 724"/>
+              <a:t>Свой путь</a:t>
+            </a:r>
+          </a:p>
+        </p:txBody>
+      </p:sp>
+      <p:cxnSp>
+        <p:nvCxnSpPr>
+          <p:cNvPr id="730" name="Прямая соединительная линия 729"/>
+          <p:cNvCxnSpPr>
+            <a:stCxn id="808" idx="3"/>
+            <a:endCxn id="690" idx="1"/>
+          </p:cNvCxnSpPr>
+          <p:nvPr/>
+        </p:nvCxnSpPr>
+        <p:spPr>
+          <a:xfrm flipV="1">
+            <a:off x="4947128" y="6491880"/>
+            <a:ext cx="111278" cy="1227"/>
+          </a:xfrm>
+          <a:prstGeom prst="line">
+            <a:avLst/>
+          </a:prstGeom>
+          <a:ln w="19050">
+            <a:solidFill>
+              <a:srgbClr val="FF0000"/>
+            </a:solidFill>
+          </a:ln>
+        </p:spPr>
+        <p:style>
+          <a:lnRef idx="1">
+            <a:schemeClr val="accent1"/>
+          </a:lnRef>
+          <a:fillRef idx="0">
+            <a:schemeClr val="accent1"/>
+          </a:fillRef>
+          <a:effectRef idx="0">
+            <a:schemeClr val="accent1"/>
+          </a:effectRef>
+          <a:fontRef idx="minor">
+            <a:schemeClr val="tx1"/>
+          </a:fontRef>
+        </p:style>
+      </p:cxnSp>
+      <p:cxnSp>
+        <p:nvCxnSpPr>
+          <p:cNvPr id="731" name="Соединительная линия уступом 730"/>
+          <p:cNvCxnSpPr>
+            <a:stCxn id="690" idx="2"/>
+            <a:endCxn id="736" idx="0"/>
+          </p:cNvCxnSpPr>
+          <p:nvPr/>
+        </p:nvCxnSpPr>
+        <p:spPr>
+          <a:xfrm rot="5400000">
+            <a:off x="4895546" y="6346313"/>
+            <a:ext cx="210456" cy="1041591"/>
+          </a:xfrm>
+          <a:prstGeom prst="bentConnector3">
+            <a:avLst>
+              <a:gd name="adj1" fmla="val 50000"/>
+            </a:avLst>
+          </a:prstGeom>
+          <a:ln w="19050">
+            <a:prstDash val="sysDash"/>
+            <a:tailEnd type="arrow"/>
+          </a:ln>
+        </p:spPr>
+        <p:style>
+          <a:lnRef idx="1">
+            <a:schemeClr val="accent1"/>
+          </a:lnRef>
+          <a:fillRef idx="0">
+            <a:schemeClr val="accent1"/>
+          </a:fillRef>
+          <a:effectRef idx="0">
+            <a:schemeClr val="accent1"/>
+          </a:effectRef>
+          <a:fontRef idx="minor">
+            <a:schemeClr val="tx1"/>
+          </a:fontRef>
+        </p:style>
+      </p:cxnSp>
+      <p:cxnSp>
+        <p:nvCxnSpPr>
+          <p:cNvPr id="732" name="Соединительная линия уступом 731"/>
+          <p:cNvCxnSpPr>
+            <a:stCxn id="727" idx="2"/>
+            <a:endCxn id="808" idx="0"/>
+          </p:cNvCxnSpPr>
+          <p:nvPr/>
+        </p:nvCxnSpPr>
+        <p:spPr>
+          <a:xfrm rot="5400000">
+            <a:off x="4873144" y="5578688"/>
+            <a:ext cx="255242" cy="1033597"/>
+          </a:xfrm>
+          <a:prstGeom prst="bentConnector3">
+            <a:avLst>
+              <a:gd name="adj1" fmla="val 50000"/>
+            </a:avLst>
+          </a:prstGeom>
+          <a:ln w="19050">
+            <a:prstDash val="sysDash"/>
+            <a:tailEnd type="arrow"/>
+          </a:ln>
+        </p:spPr>
+        <p:style>
+          <a:lnRef idx="1">
+            <a:schemeClr val="accent1"/>
+          </a:lnRef>
+          <a:fillRef idx="0">
+            <a:schemeClr val="accent1"/>
+          </a:fillRef>
+          <a:effectRef idx="0">
+            <a:schemeClr val="accent1"/>
+          </a:effectRef>
+          <a:fontRef idx="minor">
+            <a:schemeClr val="tx1"/>
+          </a:fontRef>
+        </p:style>
+      </p:cxnSp>
+      <p:cxnSp>
+        <p:nvCxnSpPr>
+          <p:cNvPr id="733" name="Соединительная линия уступом 732"/>
+          <p:cNvCxnSpPr>
+            <a:stCxn id="725" idx="2"/>
+            <a:endCxn id="690" idx="0"/>
+          </p:cNvCxnSpPr>
+          <p:nvPr/>
+        </p:nvCxnSpPr>
+        <p:spPr>
+          <a:xfrm rot="16200000" flipH="1">
+            <a:off x="4873174" y="5573484"/>
+            <a:ext cx="254015" cy="1042775"/>
+          </a:xfrm>
+          <a:prstGeom prst="bentConnector3">
+            <a:avLst>
+              <a:gd name="adj1" fmla="val 50000"/>
+            </a:avLst>
+          </a:prstGeom>
+          <a:ln w="19050">
+            <a:prstDash val="sysDash"/>
+            <a:tailEnd type="arrow"/>
+          </a:ln>
+        </p:spPr>
+        <p:style>
+          <a:lnRef idx="1">
+            <a:schemeClr val="accent1"/>
+          </a:lnRef>
+          <a:fillRef idx="0">
+            <a:schemeClr val="accent1"/>
+          </a:fillRef>
+          <a:effectRef idx="0">
+            <a:schemeClr val="accent1"/>
+          </a:effectRef>
+          <a:fontRef idx="minor">
+            <a:schemeClr val="tx1"/>
+          </a:fontRef>
+        </p:style>
+      </p:cxnSp>
+      <p:cxnSp>
+        <p:nvCxnSpPr>
+          <p:cNvPr id="734" name="Соединительная линия уступом 733"/>
+          <p:cNvCxnSpPr>
+            <a:stCxn id="690" idx="2"/>
+            <a:endCxn id="779" idx="0"/>
+          </p:cNvCxnSpPr>
+          <p:nvPr/>
+        </p:nvCxnSpPr>
+        <p:spPr>
+          <a:xfrm rot="5400000">
+            <a:off x="5411289" y="6864330"/>
+            <a:ext cx="212730" cy="7830"/>
+          </a:xfrm>
+          <a:prstGeom prst="bentConnector3">
+            <a:avLst>
+              <a:gd name="adj1" fmla="val 50000"/>
+            </a:avLst>
+          </a:prstGeom>
+          <a:ln w="19050">
+            <a:prstDash val="sysDash"/>
+            <a:tailEnd type="arrow"/>
+          </a:ln>
+        </p:spPr>
+        <p:style>
+          <a:lnRef idx="1">
+            <a:schemeClr val="accent1"/>
+          </a:lnRef>
+          <a:fillRef idx="0">
+            <a:schemeClr val="accent1"/>
+          </a:fillRef>
+          <a:effectRef idx="0">
+            <a:schemeClr val="accent1"/>
+          </a:effectRef>
+          <a:fontRef idx="minor">
+            <a:schemeClr val="tx1"/>
+          </a:fontRef>
+        </p:style>
+      </p:cxnSp>
+      <p:sp>
+        <p:nvSpPr>
+          <p:cNvPr id="735" name="Прямоугольник 734"/>
           <p:cNvSpPr/>
           <p:nvPr/>
         </p:nvSpPr>
         <p:spPr>
           <a:xfrm>
-            <a:off x="4015631" y="5427865"/>
-            <a:ext cx="926325" cy="540000"/>
-          </a:xfrm>
-          <a:prstGeom prst="rect">
-            <a:avLst/>
-          </a:prstGeom>
-          <a:solidFill>
-            <a:schemeClr val="accent2">
-              <a:lumMod val="75000"/>
-            </a:schemeClr>
-          </a:solidFill>
-          <a:ln w="19050">
-            <a:solidFill>
-              <a:srgbClr val="00B050"/>
-            </a:solidFill>
-          </a:ln>
-        </p:spPr>
-        <p:style>
-          <a:lnRef idx="2">
-            <a:schemeClr val="accent1"/>
-          </a:lnRef>
-          <a:fillRef idx="1">
-            <a:schemeClr val="lt1"/>
-          </a:fillRef>
-          <a:effectRef idx="0">
-            <a:schemeClr val="accent1"/>
-          </a:effectRef>
-          <a:fontRef idx="minor">
-            <a:schemeClr val="dk1"/>
-          </a:fontRef>
-        </p:style>
-        <p:txBody>
-          <a:bodyPr lIns="124733" tIns="62367" rIns="124733" bIns="62367" rtlCol="0" anchor="ctr"/>
-          <a:lstStyle/>
-          <a:p>
-            <a:pPr algn="ctr"/>
-            <a:r>
-              <a:rPr lang="ru-RU" sz="700" dirty="0"/>
-              <a:t>Великая Португалия</a:t>
-            </a:r>
-          </a:p>
-        </p:txBody>
-      </p:sp>
-      <p:sp>
-        <p:nvSpPr>
-          <p:cNvPr id="727" name="Прямоугольник 726"/>
-          <p:cNvSpPr/>
-          <p:nvPr/>
-        </p:nvSpPr>
-        <p:spPr>
-          <a:xfrm>
-            <a:off x="5054400" y="5427865"/>
+            <a:off x="2001440" y="7763094"/>
             <a:ext cx="926325" cy="540000"/>
           </a:xfrm>
           <a:prstGeom prst="rect">
@@ -27140,58 +29643,186 @@
             <a:pPr algn="ctr"/>
             <a:r>
               <a:rPr lang="ru-RU" sz="700" dirty="0"/>
-              <a:t>Поддержка испанских фалангистов</a:t>
-            </a:r>
-          </a:p>
-        </p:txBody>
-      </p:sp>
-      <p:cxnSp>
-        <p:nvCxnSpPr>
-          <p:cNvPr id="728" name="Прямая соединительная линия 727"/>
-          <p:cNvCxnSpPr>
-            <a:stCxn id="725" idx="3"/>
-            <a:endCxn id="727" idx="1"/>
-          </p:cNvCxnSpPr>
-          <p:nvPr/>
-        </p:nvCxnSpPr>
-        <p:spPr>
-          <a:xfrm>
-            <a:off x="4941956" y="5697865"/>
-            <a:ext cx="112444" cy="0"/>
-          </a:xfrm>
-          <a:prstGeom prst="line">
-            <a:avLst/>
-          </a:prstGeom>
+              <a:t>Рабочие суды</a:t>
+            </a:r>
+            <a:endParaRPr lang="ru-RU" sz="200" dirty="0"/>
+          </a:p>
+        </p:txBody>
+      </p:sp>
+      <p:cxnSp>
+        <p:nvCxnSpPr>
+          <p:cNvPr id="744" name="Соединительная линия уступом 743"/>
+          <p:cNvCxnSpPr>
+            <a:stCxn id="722" idx="2"/>
+            <a:endCxn id="735" idx="0"/>
+          </p:cNvCxnSpPr>
+          <p:nvPr/>
+        </p:nvCxnSpPr>
+        <p:spPr>
+          <a:xfrm rot="5400000">
+            <a:off x="2584532" y="7391318"/>
+            <a:ext cx="251847" cy="491704"/>
+          </a:xfrm>
+          <a:prstGeom prst="bentConnector3">
+            <a:avLst>
+              <a:gd name="adj1" fmla="val 50000"/>
+            </a:avLst>
+          </a:prstGeom>
+          <a:ln w="19050">
+            <a:tailEnd type="arrow"/>
+          </a:ln>
+        </p:spPr>
+        <p:style>
+          <a:lnRef idx="1">
+            <a:schemeClr val="accent1"/>
+          </a:lnRef>
+          <a:fillRef idx="0">
+            <a:schemeClr val="accent1"/>
+          </a:fillRef>
+          <a:effectRef idx="0">
+            <a:schemeClr val="accent1"/>
+          </a:effectRef>
+          <a:fontRef idx="minor">
+            <a:schemeClr val="tx1"/>
+          </a:fontRef>
+        </p:style>
+      </p:cxnSp>
+      <p:cxnSp>
+        <p:nvCxnSpPr>
+          <p:cNvPr id="747" name="Соединительная линия уступом 746"/>
+          <p:cNvCxnSpPr>
+            <a:stCxn id="709" idx="2"/>
+            <a:endCxn id="735" idx="0"/>
+          </p:cNvCxnSpPr>
+          <p:nvPr/>
+        </p:nvCxnSpPr>
+        <p:spPr>
+          <a:xfrm rot="16200000" flipH="1">
+            <a:off x="2091625" y="7390116"/>
+            <a:ext cx="253104" cy="492852"/>
+          </a:xfrm>
+          <a:prstGeom prst="bentConnector3">
+            <a:avLst>
+              <a:gd name="adj1" fmla="val 50000"/>
+            </a:avLst>
+          </a:prstGeom>
+          <a:ln w="19050">
+            <a:tailEnd type="arrow"/>
+          </a:ln>
+        </p:spPr>
+        <p:style>
+          <a:lnRef idx="1">
+            <a:schemeClr val="accent1"/>
+          </a:lnRef>
+          <a:fillRef idx="0">
+            <a:schemeClr val="accent1"/>
+          </a:fillRef>
+          <a:effectRef idx="0">
+            <a:schemeClr val="accent1"/>
+          </a:effectRef>
+          <a:fontRef idx="minor">
+            <a:schemeClr val="tx1"/>
+          </a:fontRef>
+        </p:style>
+      </p:cxnSp>
+      <p:sp>
+        <p:nvSpPr>
+          <p:cNvPr id="748" name="Прямоугольник 747"/>
+          <p:cNvSpPr/>
+          <p:nvPr/>
+        </p:nvSpPr>
+        <p:spPr>
+          <a:xfrm>
+            <a:off x="500941" y="6970185"/>
+            <a:ext cx="926325" cy="540000"/>
+          </a:xfrm>
+          <a:prstGeom prst="rect">
+            <a:avLst/>
+          </a:prstGeom>
+          <a:solidFill>
+            <a:schemeClr val="accent2">
+              <a:lumMod val="75000"/>
+            </a:schemeClr>
+          </a:solidFill>
           <a:ln w="19050">
             <a:solidFill>
-              <a:srgbClr val="FF0000"/>
+              <a:srgbClr val="00B050"/>
             </a:solidFill>
           </a:ln>
         </p:spPr>
         <p:style>
-          <a:lnRef idx="1">
-            <a:schemeClr val="accent1"/>
-          </a:lnRef>
-          <a:fillRef idx="0">
-            <a:schemeClr val="accent1"/>
-          </a:fillRef>
-          <a:effectRef idx="0">
-            <a:schemeClr val="accent1"/>
-          </a:effectRef>
-          <a:fontRef idx="minor">
-            <a:schemeClr val="tx1"/>
-          </a:fontRef>
-        </p:style>
-      </p:cxnSp>
-      <p:sp>
-        <p:nvSpPr>
-          <p:cNvPr id="736" name="Прямоугольник 735"/>
+          <a:lnRef idx="2">
+            <a:schemeClr val="accent1"/>
+          </a:lnRef>
+          <a:fillRef idx="1">
+            <a:schemeClr val="lt1"/>
+          </a:fillRef>
+          <a:effectRef idx="0">
+            <a:schemeClr val="accent1"/>
+          </a:effectRef>
+          <a:fontRef idx="minor">
+            <a:schemeClr val="dk1"/>
+          </a:fontRef>
+        </p:style>
+        <p:txBody>
+          <a:bodyPr lIns="124733" tIns="62367" rIns="124733" bIns="62367" rtlCol="0" anchor="ctr"/>
+          <a:lstStyle/>
+          <a:p>
+            <a:pPr algn="ctr"/>
+            <a:r>
+              <a:rPr lang="ru-RU" sz="700" dirty="0"/>
+              <a:t>Применить 12 принципов выпуска промышленной продукции</a:t>
+            </a:r>
+          </a:p>
+        </p:txBody>
+      </p:sp>
+      <p:cxnSp>
+        <p:nvCxnSpPr>
+          <p:cNvPr id="751" name="Соединительная линия уступом 750"/>
+          <p:cNvCxnSpPr>
+            <a:stCxn id="724" idx="2"/>
+            <a:endCxn id="748" idx="0"/>
+          </p:cNvCxnSpPr>
+          <p:nvPr/>
+        </p:nvCxnSpPr>
+        <p:spPr>
+          <a:xfrm rot="5400000">
+            <a:off x="1362358" y="6364376"/>
+            <a:ext cx="207555" cy="1004062"/>
+          </a:xfrm>
+          <a:prstGeom prst="bentConnector3">
+            <a:avLst>
+              <a:gd name="adj1" fmla="val 50000"/>
+            </a:avLst>
+          </a:prstGeom>
+          <a:ln w="19050">
+            <a:tailEnd type="arrow"/>
+          </a:ln>
+        </p:spPr>
+        <p:style>
+          <a:lnRef idx="1">
+            <a:schemeClr val="accent1"/>
+          </a:lnRef>
+          <a:fillRef idx="0">
+            <a:schemeClr val="accent1"/>
+          </a:fillRef>
+          <a:effectRef idx="0">
+            <a:schemeClr val="accent1"/>
+          </a:effectRef>
+          <a:fontRef idx="minor">
+            <a:schemeClr val="tx1"/>
+          </a:fontRef>
+        </p:style>
+      </p:cxnSp>
+      <p:sp>
+        <p:nvSpPr>
+          <p:cNvPr id="753" name="Прямоугольник 752"/>
           <p:cNvSpPr/>
           <p:nvPr/>
         </p:nvSpPr>
         <p:spPr>
           <a:xfrm>
-            <a:off x="4016815" y="6972336"/>
+            <a:off x="498401" y="7762023"/>
             <a:ext cx="926325" cy="540000"/>
           </a:xfrm>
           <a:prstGeom prst="rect">
@@ -27225,20 +29856,57 @@
             <a:pPr algn="ctr"/>
             <a:r>
               <a:rPr lang="ru-RU" sz="700" dirty="0"/>
-              <a:t>Объединить Иберию</a:t>
-            </a:r>
-          </a:p>
-        </p:txBody>
-      </p:sp>
-      <p:sp>
-        <p:nvSpPr>
-          <p:cNvPr id="738" name="Прямоугольник 737"/>
+              <a:t>Общество мелких собственников</a:t>
+            </a:r>
+            <a:endParaRPr lang="ru-RU" sz="300" dirty="0"/>
+          </a:p>
+        </p:txBody>
+      </p:sp>
+      <p:cxnSp>
+        <p:nvCxnSpPr>
+          <p:cNvPr id="756" name="Прямая со стрелкой 755"/>
+          <p:cNvCxnSpPr>
+            <a:stCxn id="748" idx="2"/>
+            <a:endCxn id="753" idx="0"/>
+          </p:cNvCxnSpPr>
+          <p:nvPr/>
+        </p:nvCxnSpPr>
+        <p:spPr>
+          <a:xfrm flipH="1">
+            <a:off x="961564" y="7510185"/>
+            <a:ext cx="2540" cy="251838"/>
+          </a:xfrm>
+          <a:prstGeom prst="straightConnector1">
+            <a:avLst/>
+          </a:prstGeom>
+          <a:ln w="19050">
+            <a:tailEnd type="arrow"/>
+          </a:ln>
+        </p:spPr>
+        <p:style>
+          <a:lnRef idx="1">
+            <a:schemeClr val="accent1"/>
+          </a:lnRef>
+          <a:fillRef idx="0">
+            <a:schemeClr val="accent1"/>
+          </a:fillRef>
+          <a:effectRef idx="0">
+            <a:schemeClr val="accent1"/>
+          </a:effectRef>
+          <a:fontRef idx="minor">
+            <a:schemeClr val="tx1"/>
+          </a:fontRef>
+        </p:style>
+      </p:cxnSp>
+      <p:sp>
+        <p:nvSpPr>
+          <p:cNvPr id="759" name="Прямоугольник 758"/>
           <p:cNvSpPr/>
           <p:nvPr/>
         </p:nvSpPr>
         <p:spPr>
           <a:xfrm>
-            <a:off x="2992097" y="6222630"/>
+            <a:off x="4533204" y="3811544"/>
             <a:ext cx="926325" cy="540000"/>
           </a:xfrm>
           <a:prstGeom prst="rect">
@@ -27249,7 +29917,11 @@
               <a:lumMod val="75000"/>
             </a:schemeClr>
           </a:solidFill>
-          <a:ln w="19050"/>
+          <a:ln w="19050">
+            <a:solidFill>
+              <a:srgbClr val="00B050"/>
+            </a:solidFill>
+          </a:ln>
         </p:spPr>
         <p:style>
           <a:lnRef idx="2">
@@ -27272,25 +29944,138 @@
             <a:pPr algn="ctr"/>
             <a:r>
               <a:rPr lang="ru-RU" sz="700" dirty="0"/>
-              <a:t>Союз с Бразильскими </a:t>
+              <a:t>Восстание против </a:t>
             </a:r>
             <a:r>
               <a:rPr lang="ru-RU" sz="700" dirty="0" err="1"/>
-              <a:t>Интегралистами</a:t>
-            </a:r>
-            <a:endParaRPr lang="ru-RU" sz="700" dirty="0"/>
-          </a:p>
-        </p:txBody>
-      </p:sp>
-      <p:sp>
-        <p:nvSpPr>
-          <p:cNvPr id="739" name="Прямоугольник 738"/>
+              <a:t>Салазарского</a:t>
+            </a:r>
+            <a:r>
+              <a:rPr lang="ru-RU" sz="700" dirty="0"/>
+              <a:t> режима</a:t>
+            </a:r>
+          </a:p>
+        </p:txBody>
+      </p:sp>
+      <p:cxnSp>
+        <p:nvCxnSpPr>
+          <p:cNvPr id="760" name="Прямая со стрелкой 759"/>
+          <p:cNvCxnSpPr>
+            <a:stCxn id="759" idx="2"/>
+            <a:endCxn id="700" idx="0"/>
+          </p:cNvCxnSpPr>
+          <p:nvPr/>
+        </p:nvCxnSpPr>
+        <p:spPr>
+          <a:xfrm>
+            <a:off x="4996367" y="4351544"/>
+            <a:ext cx="1739" cy="241018"/>
+          </a:xfrm>
+          <a:prstGeom prst="straightConnector1">
+            <a:avLst/>
+          </a:prstGeom>
+          <a:ln w="19050">
+            <a:tailEnd type="arrow"/>
+          </a:ln>
+        </p:spPr>
+        <p:style>
+          <a:lnRef idx="1">
+            <a:schemeClr val="accent1"/>
+          </a:lnRef>
+          <a:fillRef idx="0">
+            <a:schemeClr val="accent1"/>
+          </a:fillRef>
+          <a:effectRef idx="0">
+            <a:schemeClr val="accent1"/>
+          </a:effectRef>
+          <a:fontRef idx="minor">
+            <a:schemeClr val="tx1"/>
+          </a:fontRef>
+        </p:style>
+      </p:cxnSp>
+      <p:cxnSp>
+        <p:nvCxnSpPr>
+          <p:cNvPr id="762" name="Прямая соединительная линия 761"/>
+          <p:cNvCxnSpPr>
+            <a:stCxn id="759" idx="3"/>
+            <a:endCxn id="667" idx="1"/>
+          </p:cNvCxnSpPr>
+          <p:nvPr/>
+        </p:nvCxnSpPr>
+        <p:spPr>
+          <a:xfrm>
+            <a:off x="5459529" y="4081544"/>
+            <a:ext cx="9417966" cy="1311"/>
+          </a:xfrm>
+          <a:prstGeom prst="line">
+            <a:avLst/>
+          </a:prstGeom>
+          <a:ln w="19050">
+            <a:solidFill>
+              <a:srgbClr val="FF0000"/>
+            </a:solidFill>
+          </a:ln>
+        </p:spPr>
+        <p:style>
+          <a:lnRef idx="1">
+            <a:schemeClr val="accent1"/>
+          </a:lnRef>
+          <a:fillRef idx="0">
+            <a:schemeClr val="accent1"/>
+          </a:fillRef>
+          <a:effectRef idx="0">
+            <a:schemeClr val="accent1"/>
+          </a:effectRef>
+          <a:fontRef idx="minor">
+            <a:schemeClr val="tx1"/>
+          </a:fontRef>
+        </p:style>
+      </p:cxnSp>
+      <p:cxnSp>
+        <p:nvCxnSpPr>
+          <p:cNvPr id="720" name="Прямая со стрелкой 719"/>
+          <p:cNvCxnSpPr>
+            <a:stCxn id="502" idx="2"/>
+            <a:endCxn id="712" idx="0"/>
+          </p:cNvCxnSpPr>
+          <p:nvPr/>
+        </p:nvCxnSpPr>
+        <p:spPr>
+          <a:xfrm flipH="1">
+            <a:off x="28643794" y="8410531"/>
+            <a:ext cx="1128" cy="281085"/>
+          </a:xfrm>
+          <a:prstGeom prst="straightConnector1">
+            <a:avLst/>
+          </a:prstGeom>
+          <a:ln w="19050">
+            <a:tailEnd type="arrow"/>
+          </a:ln>
+        </p:spPr>
+        <p:style>
+          <a:lnRef idx="1">
+            <a:schemeClr val="accent1"/>
+          </a:lnRef>
+          <a:fillRef idx="0">
+            <a:schemeClr val="accent1"/>
+          </a:fillRef>
+          <a:effectRef idx="0">
+            <a:schemeClr val="accent1"/>
+          </a:effectRef>
+          <a:fontRef idx="minor">
+            <a:schemeClr val="tx1"/>
+          </a:fontRef>
+        </p:style>
+      </p:cxnSp>
+      <p:sp>
+        <p:nvSpPr>
+          <p:cNvPr id="742" name="Прямоугольник 741"/>
           <p:cNvSpPr/>
           <p:nvPr/>
         </p:nvSpPr>
         <p:spPr>
           <a:xfrm>
-            <a:off x="6074620" y="6223434"/>
+            <a:off x="3506567" y="7756611"/>
             <a:ext cx="926325" cy="540000"/>
           </a:xfrm>
           <a:prstGeom prst="rect">
@@ -27301,2719 +30086,11 @@
               <a:lumMod val="75000"/>
             </a:schemeClr>
           </a:solidFill>
-          <a:ln w="19050"/>
-        </p:spPr>
-        <p:style>
-          <a:lnRef idx="2">
-            <a:schemeClr val="accent1"/>
-          </a:lnRef>
-          <a:fillRef idx="1">
-            <a:schemeClr val="lt1"/>
-          </a:fillRef>
-          <a:effectRef idx="0">
-            <a:schemeClr val="accent1"/>
-          </a:effectRef>
-          <a:fontRef idx="minor">
-            <a:schemeClr val="dk1"/>
-          </a:fontRef>
-        </p:style>
-        <p:txBody>
-          <a:bodyPr lIns="124733" tIns="62367" rIns="124733" bIns="62367" rtlCol="0" anchor="ctr"/>
-          <a:lstStyle/>
-          <a:p>
-            <a:pPr algn="ctr"/>
-            <a:r>
-              <a:rPr lang="ru-RU" sz="700" dirty="0"/>
-              <a:t>Союз с Испанской фалангой</a:t>
-            </a:r>
-          </a:p>
-        </p:txBody>
-      </p:sp>
-      <p:cxnSp>
-        <p:nvCxnSpPr>
-          <p:cNvPr id="741" name="Прямая соединительная линия 740"/>
-          <p:cNvCxnSpPr>
-            <a:stCxn id="738" idx="3"/>
-            <a:endCxn id="808" idx="1"/>
-          </p:cNvCxnSpPr>
-          <p:nvPr/>
-        </p:nvCxnSpPr>
-        <p:spPr>
-          <a:xfrm>
-            <a:off x="3918422" y="6492630"/>
-            <a:ext cx="102381" cy="477"/>
-          </a:xfrm>
-          <a:prstGeom prst="line">
-            <a:avLst/>
-          </a:prstGeom>
-          <a:ln w="19050">
-            <a:solidFill>
-              <a:srgbClr val="FF0000"/>
-            </a:solidFill>
-          </a:ln>
-        </p:spPr>
-        <p:style>
-          <a:lnRef idx="1">
-            <a:schemeClr val="accent1"/>
-          </a:lnRef>
-          <a:fillRef idx="0">
-            <a:schemeClr val="accent1"/>
-          </a:fillRef>
-          <a:effectRef idx="0">
-            <a:schemeClr val="accent1"/>
-          </a:effectRef>
-          <a:fontRef idx="minor">
-            <a:schemeClr val="tx1"/>
-          </a:fontRef>
-        </p:style>
-      </p:cxnSp>
-      <p:cxnSp>
-        <p:nvCxnSpPr>
-          <p:cNvPr id="745" name="Соединительная линия уступом 744"/>
-          <p:cNvCxnSpPr>
-            <a:stCxn id="700" idx="2"/>
-            <a:endCxn id="725" idx="0"/>
-          </p:cNvCxnSpPr>
-          <p:nvPr/>
-        </p:nvCxnSpPr>
-        <p:spPr>
-          <a:xfrm rot="5400000">
-            <a:off x="4590799" y="5020557"/>
-            <a:ext cx="295303" cy="519312"/>
-          </a:xfrm>
-          <a:prstGeom prst="bentConnector3">
-            <a:avLst>
-              <a:gd name="adj1" fmla="val 50000"/>
-            </a:avLst>
-          </a:prstGeom>
-          <a:ln w="19050">
-            <a:tailEnd type="arrow"/>
-          </a:ln>
-        </p:spPr>
-        <p:style>
-          <a:lnRef idx="1">
-            <a:schemeClr val="accent1"/>
-          </a:lnRef>
-          <a:fillRef idx="0">
-            <a:schemeClr val="accent1"/>
-          </a:fillRef>
-          <a:effectRef idx="0">
-            <a:schemeClr val="accent1"/>
-          </a:effectRef>
-          <a:fontRef idx="minor">
-            <a:schemeClr val="tx1"/>
-          </a:fontRef>
-        </p:style>
-      </p:cxnSp>
-      <p:cxnSp>
-        <p:nvCxnSpPr>
-          <p:cNvPr id="750" name="Соединительная линия уступом 749"/>
-          <p:cNvCxnSpPr>
-            <a:stCxn id="700" idx="2"/>
-            <a:endCxn id="727" idx="0"/>
-          </p:cNvCxnSpPr>
-          <p:nvPr/>
-        </p:nvCxnSpPr>
-        <p:spPr>
-          <a:xfrm rot="16200000" flipH="1">
-            <a:off x="5110183" y="5020484"/>
-            <a:ext cx="295303" cy="519457"/>
-          </a:xfrm>
-          <a:prstGeom prst="bentConnector3">
-            <a:avLst>
-              <a:gd name="adj1" fmla="val 50000"/>
-            </a:avLst>
-          </a:prstGeom>
-          <a:ln w="19050">
-            <a:tailEnd type="arrow"/>
-          </a:ln>
-        </p:spPr>
-        <p:style>
-          <a:lnRef idx="1">
-            <a:schemeClr val="accent1"/>
-          </a:lnRef>
-          <a:fillRef idx="0">
-            <a:schemeClr val="accent1"/>
-          </a:fillRef>
-          <a:effectRef idx="0">
-            <a:schemeClr val="accent1"/>
-          </a:effectRef>
-          <a:fontRef idx="minor">
-            <a:schemeClr val="tx1"/>
-          </a:fontRef>
-        </p:style>
-      </p:cxnSp>
-      <p:cxnSp>
-        <p:nvCxnSpPr>
-          <p:cNvPr id="754" name="Соединительная линия уступом 753"/>
-          <p:cNvCxnSpPr>
-            <a:stCxn id="700" idx="2"/>
-            <a:endCxn id="706" idx="0"/>
-          </p:cNvCxnSpPr>
-          <p:nvPr/>
-        </p:nvCxnSpPr>
-        <p:spPr>
-          <a:xfrm rot="16200000" flipH="1">
-            <a:off x="5625252" y="4505416"/>
-            <a:ext cx="295171" cy="1549462"/>
-          </a:xfrm>
-          <a:prstGeom prst="bentConnector3">
-            <a:avLst>
-              <a:gd name="adj1" fmla="val 50000"/>
-            </a:avLst>
-          </a:prstGeom>
-          <a:ln w="19050">
-            <a:tailEnd type="arrow"/>
-          </a:ln>
-        </p:spPr>
-        <p:style>
-          <a:lnRef idx="1">
-            <a:schemeClr val="accent1"/>
-          </a:lnRef>
-          <a:fillRef idx="0">
-            <a:schemeClr val="accent1"/>
-          </a:fillRef>
-          <a:effectRef idx="0">
-            <a:schemeClr val="accent1"/>
-          </a:effectRef>
-          <a:fontRef idx="minor">
-            <a:schemeClr val="tx1"/>
-          </a:fontRef>
-        </p:style>
-      </p:cxnSp>
-      <p:cxnSp>
-        <p:nvCxnSpPr>
-          <p:cNvPr id="758" name="Соединительная линия уступом 757"/>
-          <p:cNvCxnSpPr>
-            <a:stCxn id="700" idx="2"/>
-            <a:endCxn id="713" idx="0"/>
-          </p:cNvCxnSpPr>
-          <p:nvPr/>
-        </p:nvCxnSpPr>
-        <p:spPr>
-          <a:xfrm rot="5400000">
-            <a:off x="3582959" y="4018185"/>
-            <a:ext cx="300770" cy="2529524"/>
-          </a:xfrm>
-          <a:prstGeom prst="bentConnector3">
-            <a:avLst>
-              <a:gd name="adj1" fmla="val 50000"/>
-            </a:avLst>
-          </a:prstGeom>
-          <a:ln w="19050">
-            <a:tailEnd type="arrow"/>
-          </a:ln>
-        </p:spPr>
-        <p:style>
-          <a:lnRef idx="1">
-            <a:schemeClr val="accent1"/>
-          </a:lnRef>
-          <a:fillRef idx="0">
-            <a:schemeClr val="accent1"/>
-          </a:fillRef>
-          <a:effectRef idx="0">
-            <a:schemeClr val="accent1"/>
-          </a:effectRef>
-          <a:fontRef idx="minor">
-            <a:schemeClr val="tx1"/>
-          </a:fontRef>
-        </p:style>
-      </p:cxnSp>
-      <p:cxnSp>
-        <p:nvCxnSpPr>
-          <p:cNvPr id="761" name="Соединительная линия уступом 760"/>
-          <p:cNvCxnSpPr>
-            <a:stCxn id="700" idx="2"/>
-            <a:endCxn id="715" idx="0"/>
-          </p:cNvCxnSpPr>
-          <p:nvPr/>
-        </p:nvCxnSpPr>
-        <p:spPr>
-          <a:xfrm rot="5400000">
-            <a:off x="4076369" y="4510675"/>
-            <a:ext cx="299851" cy="1543625"/>
-          </a:xfrm>
-          <a:prstGeom prst="bentConnector3">
-            <a:avLst>
-              <a:gd name="adj1" fmla="val 50000"/>
-            </a:avLst>
-          </a:prstGeom>
-          <a:ln w="19050">
-            <a:tailEnd type="arrow"/>
-          </a:ln>
-        </p:spPr>
-        <p:style>
-          <a:lnRef idx="1">
-            <a:schemeClr val="accent1"/>
-          </a:lnRef>
-          <a:fillRef idx="0">
-            <a:schemeClr val="accent1"/>
-          </a:fillRef>
-          <a:effectRef idx="0">
-            <a:schemeClr val="accent1"/>
-          </a:effectRef>
-          <a:fontRef idx="minor">
-            <a:schemeClr val="tx1"/>
-          </a:fontRef>
-        </p:style>
-      </p:cxnSp>
-      <p:cxnSp>
-        <p:nvCxnSpPr>
-          <p:cNvPr id="764" name="Соединительная линия уступом 763"/>
-          <p:cNvCxnSpPr>
-            <a:stCxn id="700" idx="2"/>
-            <a:endCxn id="708" idx="0"/>
-          </p:cNvCxnSpPr>
-          <p:nvPr/>
-        </p:nvCxnSpPr>
-        <p:spPr>
-          <a:xfrm rot="16200000" flipH="1">
-            <a:off x="6133903" y="3996765"/>
-            <a:ext cx="293944" cy="2565538"/>
-          </a:xfrm>
-          <a:prstGeom prst="bentConnector3">
-            <a:avLst>
-              <a:gd name="adj1" fmla="val 50000"/>
-            </a:avLst>
-          </a:prstGeom>
-          <a:ln w="19050">
-            <a:tailEnd type="arrow"/>
-          </a:ln>
-        </p:spPr>
-        <p:style>
-          <a:lnRef idx="1">
-            <a:schemeClr val="accent1"/>
-          </a:lnRef>
-          <a:fillRef idx="0">
-            <a:schemeClr val="accent1"/>
-          </a:fillRef>
-          <a:effectRef idx="0">
-            <a:schemeClr val="accent1"/>
-          </a:effectRef>
-          <a:fontRef idx="minor">
-            <a:schemeClr val="tx1"/>
-          </a:fontRef>
-        </p:style>
-      </p:cxnSp>
-      <p:cxnSp>
-        <p:nvCxnSpPr>
-          <p:cNvPr id="770" name="Соединительная линия уступом 769"/>
-          <p:cNvCxnSpPr>
-            <a:stCxn id="708" idx="2"/>
-            <a:endCxn id="716" idx="0"/>
-          </p:cNvCxnSpPr>
-          <p:nvPr/>
-        </p:nvCxnSpPr>
-        <p:spPr>
-          <a:xfrm rot="16200000" flipH="1">
-            <a:off x="7436380" y="6093770"/>
-            <a:ext cx="256252" cy="1724"/>
-          </a:xfrm>
-          <a:prstGeom prst="bentConnector3">
-            <a:avLst>
-              <a:gd name="adj1" fmla="val 50000"/>
-            </a:avLst>
-          </a:prstGeom>
-          <a:ln w="19050">
-            <a:tailEnd type="arrow"/>
-          </a:ln>
-        </p:spPr>
-        <p:style>
-          <a:lnRef idx="1">
-            <a:schemeClr val="accent1"/>
-          </a:lnRef>
-          <a:fillRef idx="0">
-            <a:schemeClr val="accent1"/>
-          </a:fillRef>
-          <a:effectRef idx="0">
-            <a:schemeClr val="accent1"/>
-          </a:effectRef>
-          <a:fontRef idx="minor">
-            <a:schemeClr val="tx1"/>
-          </a:fontRef>
-        </p:style>
-      </p:cxnSp>
-      <p:cxnSp>
-        <p:nvCxnSpPr>
-          <p:cNvPr id="773" name="Соединительная линия уступом 772"/>
-          <p:cNvCxnSpPr>
-            <a:stCxn id="713" idx="2"/>
-            <a:endCxn id="724" idx="0"/>
-          </p:cNvCxnSpPr>
-          <p:nvPr/>
-        </p:nvCxnSpPr>
-        <p:spPr>
-          <a:xfrm rot="5400000">
-            <a:off x="2093725" y="5847773"/>
-            <a:ext cx="249298" cy="500416"/>
-          </a:xfrm>
-          <a:prstGeom prst="bentConnector3">
-            <a:avLst>
-              <a:gd name="adj1" fmla="val 50000"/>
-            </a:avLst>
-          </a:prstGeom>
-          <a:ln w="19050">
-            <a:tailEnd type="arrow"/>
-          </a:ln>
-        </p:spPr>
-        <p:style>
-          <a:lnRef idx="1">
-            <a:schemeClr val="accent1"/>
-          </a:lnRef>
-          <a:fillRef idx="0">
-            <a:schemeClr val="accent1"/>
-          </a:fillRef>
-          <a:effectRef idx="0">
-            <a:schemeClr val="accent1"/>
-          </a:effectRef>
-          <a:fontRef idx="minor">
-            <a:schemeClr val="tx1"/>
-          </a:fontRef>
-        </p:style>
-      </p:cxnSp>
-      <p:cxnSp>
-        <p:nvCxnSpPr>
-          <p:cNvPr id="776" name="Соединительная линия уступом 775"/>
-          <p:cNvCxnSpPr>
-            <a:stCxn id="713" idx="2"/>
-            <a:endCxn id="722" idx="0"/>
-          </p:cNvCxnSpPr>
-          <p:nvPr/>
-        </p:nvCxnSpPr>
-        <p:spPr>
-          <a:xfrm rot="16200000" flipH="1">
-            <a:off x="2213487" y="6228426"/>
-            <a:ext cx="997915" cy="487725"/>
-          </a:xfrm>
-          <a:prstGeom prst="bentConnector3">
-            <a:avLst>
-              <a:gd name="adj1" fmla="val 12615"/>
-            </a:avLst>
-          </a:prstGeom>
-          <a:ln w="19050">
-            <a:tailEnd type="arrow"/>
-          </a:ln>
-        </p:spPr>
-        <p:style>
-          <a:lnRef idx="1">
-            <a:schemeClr val="accent1"/>
-          </a:lnRef>
-          <a:fillRef idx="0">
-            <a:schemeClr val="accent1"/>
-          </a:fillRef>
-          <a:effectRef idx="0">
-            <a:schemeClr val="accent1"/>
-          </a:effectRef>
-          <a:fontRef idx="minor">
-            <a:schemeClr val="tx1"/>
-          </a:fontRef>
-        </p:style>
-      </p:cxnSp>
-      <p:sp>
-        <p:nvSpPr>
-          <p:cNvPr id="779" name="Прямоугольник 778"/>
-          <p:cNvSpPr/>
-          <p:nvPr/>
-        </p:nvSpPr>
-        <p:spPr>
-          <a:xfrm>
-            <a:off x="5050576" y="6974610"/>
-            <a:ext cx="926325" cy="540000"/>
-          </a:xfrm>
-          <a:prstGeom prst="rect">
-            <a:avLst/>
-          </a:prstGeom>
-          <a:solidFill>
-            <a:schemeClr val="accent2">
-              <a:lumMod val="75000"/>
-            </a:schemeClr>
-          </a:solidFill>
-          <a:ln w="19050"/>
-        </p:spPr>
-        <p:style>
-          <a:lnRef idx="2">
-            <a:schemeClr val="accent1"/>
-          </a:lnRef>
-          <a:fillRef idx="1">
-            <a:schemeClr val="lt1"/>
-          </a:fillRef>
-          <a:effectRef idx="0">
-            <a:schemeClr val="accent1"/>
-          </a:effectRef>
-          <a:fontRef idx="minor">
-            <a:schemeClr val="dk1"/>
-          </a:fontRef>
-        </p:style>
-        <p:txBody>
-          <a:bodyPr lIns="124733" tIns="62367" rIns="124733" bIns="62367" rtlCol="0" anchor="ctr"/>
-          <a:lstStyle/>
-          <a:p>
-            <a:pPr algn="ctr"/>
-            <a:r>
-              <a:rPr lang="ru-RU" sz="700" dirty="0"/>
-              <a:t>Вернуть Бразилию</a:t>
-            </a:r>
-          </a:p>
-        </p:txBody>
-      </p:sp>
-      <p:cxnSp>
-        <p:nvCxnSpPr>
-          <p:cNvPr id="780" name="Соединительная линия уступом 779"/>
-          <p:cNvCxnSpPr>
-            <a:stCxn id="727" idx="2"/>
-            <a:endCxn id="738" idx="0"/>
-          </p:cNvCxnSpPr>
-          <p:nvPr/>
-        </p:nvCxnSpPr>
-        <p:spPr>
-          <a:xfrm rot="5400000">
-            <a:off x="4359030" y="5064096"/>
-            <a:ext cx="254765" cy="2062303"/>
-          </a:xfrm>
-          <a:prstGeom prst="bentConnector3">
-            <a:avLst>
-              <a:gd name="adj1" fmla="val 50000"/>
-            </a:avLst>
-          </a:prstGeom>
-          <a:ln w="19050">
-            <a:prstDash val="sysDash"/>
-            <a:tailEnd type="arrow"/>
-          </a:ln>
-        </p:spPr>
-        <p:style>
-          <a:lnRef idx="1">
-            <a:schemeClr val="accent1"/>
-          </a:lnRef>
-          <a:fillRef idx="0">
-            <a:schemeClr val="accent1"/>
-          </a:fillRef>
-          <a:effectRef idx="0">
-            <a:schemeClr val="accent1"/>
-          </a:effectRef>
-          <a:fontRef idx="minor">
-            <a:schemeClr val="tx1"/>
-          </a:fontRef>
-        </p:style>
-      </p:cxnSp>
-      <p:cxnSp>
-        <p:nvCxnSpPr>
-          <p:cNvPr id="783" name="Соединительная линия уступом 782"/>
-          <p:cNvCxnSpPr>
-            <a:stCxn id="727" idx="2"/>
-            <a:endCxn id="739" idx="0"/>
-          </p:cNvCxnSpPr>
-          <p:nvPr/>
-        </p:nvCxnSpPr>
-        <p:spPr>
-          <a:xfrm rot="16200000" flipH="1">
-            <a:off x="5899889" y="5585539"/>
-            <a:ext cx="255569" cy="1020220"/>
-          </a:xfrm>
-          <a:prstGeom prst="bentConnector3">
-            <a:avLst>
-              <a:gd name="adj1" fmla="val 50000"/>
-            </a:avLst>
-          </a:prstGeom>
-          <a:ln w="19050">
-            <a:prstDash val="sysDash"/>
-            <a:tailEnd type="arrow"/>
-          </a:ln>
-        </p:spPr>
-        <p:style>
-          <a:lnRef idx="1">
-            <a:schemeClr val="accent1"/>
-          </a:lnRef>
-          <a:fillRef idx="0">
-            <a:schemeClr val="accent1"/>
-          </a:fillRef>
-          <a:effectRef idx="0">
-            <a:schemeClr val="accent1"/>
-          </a:effectRef>
-          <a:fontRef idx="minor">
-            <a:schemeClr val="tx1"/>
-          </a:fontRef>
-        </p:style>
-      </p:cxnSp>
-      <p:cxnSp>
-        <p:nvCxnSpPr>
-          <p:cNvPr id="786" name="Соединительная линия уступом 785"/>
-          <p:cNvCxnSpPr>
-            <a:stCxn id="725" idx="2"/>
-            <a:endCxn id="738" idx="0"/>
-          </p:cNvCxnSpPr>
-          <p:nvPr/>
-        </p:nvCxnSpPr>
-        <p:spPr>
-          <a:xfrm rot="5400000">
-            <a:off x="3839645" y="5583480"/>
-            <a:ext cx="254765" cy="1023534"/>
-          </a:xfrm>
-          <a:prstGeom prst="bentConnector3">
-            <a:avLst>
-              <a:gd name="adj1" fmla="val 50000"/>
-            </a:avLst>
-          </a:prstGeom>
-          <a:ln w="19050">
-            <a:prstDash val="sysDash"/>
-            <a:tailEnd type="arrow"/>
-          </a:ln>
-        </p:spPr>
-        <p:style>
-          <a:lnRef idx="1">
-            <a:schemeClr val="accent1"/>
-          </a:lnRef>
-          <a:fillRef idx="0">
-            <a:schemeClr val="accent1"/>
-          </a:fillRef>
-          <a:effectRef idx="0">
-            <a:schemeClr val="accent1"/>
-          </a:effectRef>
-          <a:fontRef idx="minor">
-            <a:schemeClr val="tx1"/>
-          </a:fontRef>
-        </p:style>
-      </p:cxnSp>
-      <p:cxnSp>
-        <p:nvCxnSpPr>
-          <p:cNvPr id="789" name="Соединительная линия уступом 788"/>
-          <p:cNvCxnSpPr>
-            <a:stCxn id="725" idx="2"/>
-            <a:endCxn id="739" idx="0"/>
-          </p:cNvCxnSpPr>
-          <p:nvPr/>
-        </p:nvCxnSpPr>
-        <p:spPr>
-          <a:xfrm rot="16200000" flipH="1">
-            <a:off x="5380504" y="5066154"/>
-            <a:ext cx="255569" cy="2058989"/>
-          </a:xfrm>
-          <a:prstGeom prst="bentConnector3">
-            <a:avLst>
-              <a:gd name="adj1" fmla="val 50000"/>
-            </a:avLst>
-          </a:prstGeom>
-          <a:ln w="19050">
-            <a:prstDash val="sysDash"/>
-            <a:tailEnd type="arrow"/>
-          </a:ln>
-        </p:spPr>
-        <p:style>
-          <a:lnRef idx="1">
-            <a:schemeClr val="accent1"/>
-          </a:lnRef>
-          <a:fillRef idx="0">
-            <a:schemeClr val="accent1"/>
-          </a:fillRef>
-          <a:effectRef idx="0">
-            <a:schemeClr val="accent1"/>
-          </a:effectRef>
-          <a:fontRef idx="minor">
-            <a:schemeClr val="tx1"/>
-          </a:fontRef>
-        </p:style>
-      </p:cxnSp>
-      <p:sp>
-        <p:nvSpPr>
-          <p:cNvPr id="792" name="Прямоугольник 791"/>
-          <p:cNvSpPr/>
-          <p:nvPr/>
-        </p:nvSpPr>
-        <p:spPr>
-          <a:xfrm>
-            <a:off x="8152459" y="6972901"/>
-            <a:ext cx="926325" cy="540000"/>
-          </a:xfrm>
-          <a:prstGeom prst="rect">
-            <a:avLst/>
-          </a:prstGeom>
-          <a:noFill/>
           <a:ln w="19050">
             <a:solidFill>
               <a:srgbClr val="00B050"/>
             </a:solidFill>
           </a:ln>
-        </p:spPr>
-        <p:style>
-          <a:lnRef idx="2">
-            <a:schemeClr val="accent1"/>
-          </a:lnRef>
-          <a:fillRef idx="1">
-            <a:schemeClr val="lt1"/>
-          </a:fillRef>
-          <a:effectRef idx="0">
-            <a:schemeClr val="accent1"/>
-          </a:effectRef>
-          <a:fontRef idx="minor">
-            <a:schemeClr val="dk1"/>
-          </a:fontRef>
-        </p:style>
-        <p:txBody>
-          <a:bodyPr lIns="124733" tIns="62367" rIns="124733" bIns="62367" rtlCol="0" anchor="ctr"/>
-          <a:lstStyle/>
-          <a:p>
-            <a:pPr algn="ctr"/>
-            <a:r>
-              <a:rPr lang="ru-RU" sz="700" dirty="0"/>
-              <a:t>Католический университет Португалии</a:t>
-            </a:r>
-          </a:p>
-        </p:txBody>
-      </p:sp>
-      <p:cxnSp>
-        <p:nvCxnSpPr>
-          <p:cNvPr id="793" name="Прямая со стрелкой 792"/>
-          <p:cNvCxnSpPr>
-            <a:stCxn id="724" idx="2"/>
-            <a:endCxn id="709" idx="0"/>
-          </p:cNvCxnSpPr>
-          <p:nvPr/>
-        </p:nvCxnSpPr>
-        <p:spPr>
-          <a:xfrm>
-            <a:off x="1968166" y="6762630"/>
-            <a:ext cx="3585" cy="207360"/>
-          </a:xfrm>
-          <a:prstGeom prst="straightConnector1">
-            <a:avLst/>
-          </a:prstGeom>
-          <a:ln w="19050">
-            <a:tailEnd type="arrow"/>
-          </a:ln>
-        </p:spPr>
-        <p:style>
-          <a:lnRef idx="1">
-            <a:schemeClr val="accent1"/>
-          </a:lnRef>
-          <a:fillRef idx="0">
-            <a:schemeClr val="accent1"/>
-          </a:fillRef>
-          <a:effectRef idx="0">
-            <a:schemeClr val="accent1"/>
-          </a:effectRef>
-          <a:fontRef idx="minor">
-            <a:schemeClr val="tx1"/>
-          </a:fontRef>
-        </p:style>
-      </p:cxnSp>
-      <p:sp>
-        <p:nvSpPr>
-          <p:cNvPr id="805" name="Прямоугольник 804"/>
-          <p:cNvSpPr/>
-          <p:nvPr/>
-        </p:nvSpPr>
-        <p:spPr>
-          <a:xfrm>
-            <a:off x="8143582" y="8501463"/>
-            <a:ext cx="926325" cy="540000"/>
-          </a:xfrm>
-          <a:prstGeom prst="rect">
-            <a:avLst/>
-          </a:prstGeom>
-          <a:noFill/>
-          <a:ln w="19050"/>
-        </p:spPr>
-        <p:style>
-          <a:lnRef idx="2">
-            <a:schemeClr val="accent1"/>
-          </a:lnRef>
-          <a:fillRef idx="1">
-            <a:schemeClr val="lt1"/>
-          </a:fillRef>
-          <a:effectRef idx="0">
-            <a:schemeClr val="accent1"/>
-          </a:effectRef>
-          <a:fontRef idx="minor">
-            <a:schemeClr val="dk1"/>
-          </a:fontRef>
-        </p:style>
-        <p:txBody>
-          <a:bodyPr lIns="124733" tIns="62367" rIns="124733" bIns="62367" rtlCol="0" anchor="ctr"/>
-          <a:lstStyle/>
-          <a:p>
-            <a:pPr algn="ctr"/>
-            <a:r>
-              <a:rPr lang="ru-RU" sz="700" dirty="0"/>
-              <a:t>Розовая карта</a:t>
-            </a:r>
-          </a:p>
-        </p:txBody>
-      </p:sp>
-      <p:sp>
-        <p:nvSpPr>
-          <p:cNvPr id="806" name="Прямоугольник 805"/>
-          <p:cNvSpPr/>
-          <p:nvPr/>
-        </p:nvSpPr>
-        <p:spPr>
-          <a:xfrm>
-            <a:off x="9244503" y="9297511"/>
-            <a:ext cx="926325" cy="540000"/>
-          </a:xfrm>
-          <a:prstGeom prst="rect">
-            <a:avLst/>
-          </a:prstGeom>
-          <a:noFill/>
-          <a:ln w="19050"/>
-        </p:spPr>
-        <p:style>
-          <a:lnRef idx="2">
-            <a:schemeClr val="accent1"/>
-          </a:lnRef>
-          <a:fillRef idx="1">
-            <a:schemeClr val="lt1"/>
-          </a:fillRef>
-          <a:effectRef idx="0">
-            <a:schemeClr val="accent1"/>
-          </a:effectRef>
-          <a:fontRef idx="minor">
-            <a:schemeClr val="dk1"/>
-          </a:fontRef>
-        </p:style>
-        <p:txBody>
-          <a:bodyPr lIns="124733" tIns="62367" rIns="124733" bIns="62367" rtlCol="0" anchor="ctr"/>
-          <a:lstStyle/>
-          <a:p>
-            <a:pPr algn="ctr"/>
-            <a:r>
-              <a:rPr lang="ru-RU" sz="700" dirty="0"/>
-              <a:t>Вернуть Уругвай</a:t>
-            </a:r>
-          </a:p>
-        </p:txBody>
-      </p:sp>
-      <p:sp>
-        <p:nvSpPr>
-          <p:cNvPr id="808" name="Прямоугольник 807"/>
-          <p:cNvSpPr/>
-          <p:nvPr/>
-        </p:nvSpPr>
-        <p:spPr>
-          <a:xfrm>
-            <a:off x="4020803" y="6223107"/>
-            <a:ext cx="926325" cy="540000"/>
-          </a:xfrm>
-          <a:prstGeom prst="rect">
-            <a:avLst/>
-          </a:prstGeom>
-          <a:solidFill>
-            <a:schemeClr val="accent2">
-              <a:lumMod val="75000"/>
-            </a:schemeClr>
-          </a:solidFill>
-          <a:ln w="19050"/>
-        </p:spPr>
-        <p:style>
-          <a:lnRef idx="2">
-            <a:schemeClr val="accent1"/>
-          </a:lnRef>
-          <a:fillRef idx="1">
-            <a:schemeClr val="lt1"/>
-          </a:fillRef>
-          <a:effectRef idx="0">
-            <a:schemeClr val="accent1"/>
-          </a:effectRef>
-          <a:fontRef idx="minor">
-            <a:schemeClr val="dk1"/>
-          </a:fontRef>
-        </p:style>
-        <p:txBody>
-          <a:bodyPr lIns="124733" tIns="62367" rIns="124733" bIns="62367" rtlCol="0" anchor="ctr"/>
-          <a:lstStyle/>
-          <a:p>
-            <a:pPr algn="ctr"/>
-            <a:r>
-              <a:rPr lang="ru-RU" sz="700" dirty="0"/>
-              <a:t>Присоединиться к Италии</a:t>
-            </a:r>
-          </a:p>
-        </p:txBody>
-      </p:sp>
-      <p:cxnSp>
-        <p:nvCxnSpPr>
-          <p:cNvPr id="810" name="Прямая соединительная линия 809"/>
-          <p:cNvCxnSpPr>
-            <a:stCxn id="690" idx="3"/>
-            <a:endCxn id="739" idx="1"/>
-          </p:cNvCxnSpPr>
-          <p:nvPr/>
-        </p:nvCxnSpPr>
-        <p:spPr>
-          <a:xfrm>
-            <a:off x="5984731" y="6491880"/>
-            <a:ext cx="89889" cy="1554"/>
-          </a:xfrm>
-          <a:prstGeom prst="line">
-            <a:avLst/>
-          </a:prstGeom>
-          <a:ln w="19050">
-            <a:solidFill>
-              <a:srgbClr val="FF0000"/>
-            </a:solidFill>
-          </a:ln>
-        </p:spPr>
-        <p:style>
-          <a:lnRef idx="1">
-            <a:schemeClr val="accent1"/>
-          </a:lnRef>
-          <a:fillRef idx="0">
-            <a:schemeClr val="accent1"/>
-          </a:fillRef>
-          <a:effectRef idx="0">
-            <a:schemeClr val="accent1"/>
-          </a:effectRef>
-          <a:fontRef idx="minor">
-            <a:schemeClr val="tx1"/>
-          </a:fontRef>
-        </p:style>
-      </p:cxnSp>
-      <p:cxnSp>
-        <p:nvCxnSpPr>
-          <p:cNvPr id="813" name="Соединительная линия уступом 812"/>
-          <p:cNvCxnSpPr>
-            <a:stCxn id="808" idx="2"/>
-            <a:endCxn id="779" idx="0"/>
-          </p:cNvCxnSpPr>
-          <p:nvPr/>
-        </p:nvCxnSpPr>
-        <p:spPr>
-          <a:xfrm rot="16200000" flipH="1">
-            <a:off x="4893101" y="6353971"/>
-            <a:ext cx="211503" cy="1029773"/>
-          </a:xfrm>
-          <a:prstGeom prst="bentConnector3">
-            <a:avLst>
-              <a:gd name="adj1" fmla="val 50000"/>
-            </a:avLst>
-          </a:prstGeom>
-          <a:ln w="19050">
-            <a:prstDash val="sysDash"/>
-            <a:tailEnd type="arrow"/>
-          </a:ln>
-        </p:spPr>
-        <p:style>
-          <a:lnRef idx="1">
-            <a:schemeClr val="accent1"/>
-          </a:lnRef>
-          <a:fillRef idx="0">
-            <a:schemeClr val="accent1"/>
-          </a:fillRef>
-          <a:effectRef idx="0">
-            <a:schemeClr val="accent1"/>
-          </a:effectRef>
-          <a:fontRef idx="minor">
-            <a:schemeClr val="tx1"/>
-          </a:fontRef>
-        </p:style>
-      </p:cxnSp>
-      <p:cxnSp>
-        <p:nvCxnSpPr>
-          <p:cNvPr id="816" name="Соединительная линия уступом 815"/>
-          <p:cNvCxnSpPr>
-            <a:stCxn id="808" idx="2"/>
-            <a:endCxn id="736" idx="0"/>
-          </p:cNvCxnSpPr>
-          <p:nvPr/>
-        </p:nvCxnSpPr>
-        <p:spPr>
-          <a:xfrm rot="5400000">
-            <a:off x="4377358" y="6865727"/>
-            <a:ext cx="209229" cy="3988"/>
-          </a:xfrm>
-          <a:prstGeom prst="bentConnector3">
-            <a:avLst>
-              <a:gd name="adj1" fmla="val 50000"/>
-            </a:avLst>
-          </a:prstGeom>
-          <a:ln w="19050">
-            <a:prstDash val="sysDash"/>
-            <a:tailEnd type="arrow"/>
-          </a:ln>
-        </p:spPr>
-        <p:style>
-          <a:lnRef idx="1">
-            <a:schemeClr val="accent1"/>
-          </a:lnRef>
-          <a:fillRef idx="0">
-            <a:schemeClr val="accent1"/>
-          </a:fillRef>
-          <a:effectRef idx="0">
-            <a:schemeClr val="accent1"/>
-          </a:effectRef>
-          <a:fontRef idx="minor">
-            <a:schemeClr val="tx1"/>
-          </a:fontRef>
-        </p:style>
-      </p:cxnSp>
-      <p:sp>
-        <p:nvSpPr>
-          <p:cNvPr id="828" name="Прямоугольник 827"/>
-          <p:cNvSpPr/>
-          <p:nvPr/>
-        </p:nvSpPr>
-        <p:spPr>
-          <a:xfrm>
-            <a:off x="8145857" y="9311159"/>
-            <a:ext cx="926325" cy="540000"/>
-          </a:xfrm>
-          <a:prstGeom prst="rect">
-            <a:avLst/>
-          </a:prstGeom>
-          <a:noFill/>
-          <a:ln w="19050"/>
-        </p:spPr>
-        <p:style>
-          <a:lnRef idx="2">
-            <a:schemeClr val="accent1"/>
-          </a:lnRef>
-          <a:fillRef idx="1">
-            <a:schemeClr val="lt1"/>
-          </a:fillRef>
-          <a:effectRef idx="0">
-            <a:schemeClr val="accent1"/>
-          </a:effectRef>
-          <a:fontRef idx="minor">
-            <a:schemeClr val="dk1"/>
-          </a:fontRef>
-        </p:style>
-        <p:txBody>
-          <a:bodyPr lIns="124733" tIns="62367" rIns="124733" bIns="62367" rtlCol="0" anchor="ctr"/>
-          <a:lstStyle/>
-          <a:p>
-            <a:pPr algn="ctr"/>
-            <a:r>
-              <a:rPr lang="ru-RU" sz="700" dirty="0"/>
-              <a:t>Вернуть Ост-Индию (ваниль)</a:t>
-            </a:r>
-          </a:p>
-        </p:txBody>
-      </p:sp>
-      <p:sp>
-        <p:nvSpPr>
-          <p:cNvPr id="829" name="Прямоугольник 828"/>
-          <p:cNvSpPr/>
-          <p:nvPr/>
-        </p:nvSpPr>
-        <p:spPr>
-          <a:xfrm>
-            <a:off x="7081332" y="10014018"/>
-            <a:ext cx="926325" cy="540000"/>
-          </a:xfrm>
-          <a:prstGeom prst="rect">
-            <a:avLst/>
-          </a:prstGeom>
-          <a:noFill/>
-          <a:ln w="19050"/>
-        </p:spPr>
-        <p:style>
-          <a:lnRef idx="2">
-            <a:schemeClr val="accent1"/>
-          </a:lnRef>
-          <a:fillRef idx="1">
-            <a:schemeClr val="lt1"/>
-          </a:fillRef>
-          <a:effectRef idx="0">
-            <a:schemeClr val="accent1"/>
-          </a:effectRef>
-          <a:fontRef idx="minor">
-            <a:schemeClr val="dk1"/>
-          </a:fontRef>
-        </p:style>
-        <p:txBody>
-          <a:bodyPr lIns="124733" tIns="62367" rIns="124733" bIns="62367" rtlCol="0" anchor="ctr"/>
-          <a:lstStyle/>
-          <a:p>
-            <a:pPr algn="ctr"/>
-            <a:r>
-              <a:rPr lang="ru-RU" sz="700" dirty="0"/>
-              <a:t>Вернуть владение чайными плантациями (аннексия против </a:t>
-            </a:r>
-            <a:r>
-              <a:rPr lang="ru-RU" sz="700" dirty="0" err="1"/>
-              <a:t>цейлона</a:t>
-            </a:r>
-            <a:r>
-              <a:rPr lang="ru-RU" sz="700" dirty="0"/>
-              <a:t>)</a:t>
-            </a:r>
-          </a:p>
-        </p:txBody>
-      </p:sp>
-      <p:sp>
-        <p:nvSpPr>
-          <p:cNvPr id="830" name="Прямоугольник 829"/>
-          <p:cNvSpPr/>
-          <p:nvPr/>
-        </p:nvSpPr>
-        <p:spPr>
-          <a:xfrm>
-            <a:off x="10315179" y="9299786"/>
-            <a:ext cx="926325" cy="540000"/>
-          </a:xfrm>
-          <a:prstGeom prst="rect">
-            <a:avLst/>
-          </a:prstGeom>
-          <a:noFill/>
-          <a:ln w="19050"/>
-        </p:spPr>
-        <p:style>
-          <a:lnRef idx="2">
-            <a:schemeClr val="accent1"/>
-          </a:lnRef>
-          <a:fillRef idx="1">
-            <a:schemeClr val="lt1"/>
-          </a:fillRef>
-          <a:effectRef idx="0">
-            <a:schemeClr val="accent1"/>
-          </a:effectRef>
-          <a:fontRef idx="minor">
-            <a:schemeClr val="dk1"/>
-          </a:fontRef>
-        </p:style>
-        <p:txBody>
-          <a:bodyPr lIns="124733" tIns="62367" rIns="124733" bIns="62367" rtlCol="0" anchor="ctr"/>
-          <a:lstStyle/>
-          <a:p>
-            <a:pPr algn="ctr"/>
-            <a:r>
-              <a:rPr lang="ru-RU" sz="700" dirty="0"/>
-              <a:t>Вернуть финиковые сады Омана</a:t>
-            </a:r>
-          </a:p>
-        </p:txBody>
-      </p:sp>
-      <p:sp>
-        <p:nvSpPr>
-          <p:cNvPr id="835" name="Прямоугольник 834"/>
-          <p:cNvSpPr/>
-          <p:nvPr/>
-        </p:nvSpPr>
-        <p:spPr>
-          <a:xfrm>
-            <a:off x="11345274" y="8507373"/>
-            <a:ext cx="926325" cy="540000"/>
-          </a:xfrm>
-          <a:prstGeom prst="rect">
-            <a:avLst/>
-          </a:prstGeom>
-          <a:solidFill>
-            <a:srgbClr val="7030A0"/>
-          </a:solidFill>
-          <a:ln w="19050"/>
-        </p:spPr>
-        <p:style>
-          <a:lnRef idx="2">
-            <a:schemeClr val="accent1"/>
-          </a:lnRef>
-          <a:fillRef idx="1">
-            <a:schemeClr val="lt1"/>
-          </a:fillRef>
-          <a:effectRef idx="0">
-            <a:schemeClr val="accent1"/>
-          </a:effectRef>
-          <a:fontRef idx="minor">
-            <a:schemeClr val="dk1"/>
-          </a:fontRef>
-        </p:style>
-        <p:txBody>
-          <a:bodyPr lIns="124733" tIns="62367" rIns="124733" bIns="62367" rtlCol="0" anchor="ctr"/>
-          <a:lstStyle/>
-          <a:p>
-            <a:pPr algn="ctr"/>
-            <a:r>
-              <a:rPr lang="ru-RU" sz="700" dirty="0"/>
-              <a:t>Пятая империя (ваниль)</a:t>
-            </a:r>
-          </a:p>
-        </p:txBody>
-      </p:sp>
-      <p:cxnSp>
-        <p:nvCxnSpPr>
-          <p:cNvPr id="843" name="Соединительная линия уступом 842"/>
-          <p:cNvCxnSpPr>
-            <a:stCxn id="716" idx="2"/>
-            <a:endCxn id="792" idx="0"/>
-          </p:cNvCxnSpPr>
-          <p:nvPr/>
-        </p:nvCxnSpPr>
-        <p:spPr>
-          <a:xfrm rot="16200000" flipH="1">
-            <a:off x="7985424" y="6342702"/>
-            <a:ext cx="210143" cy="1050254"/>
-          </a:xfrm>
-          <a:prstGeom prst="bentConnector3">
-            <a:avLst>
-              <a:gd name="adj1" fmla="val 50000"/>
-            </a:avLst>
-          </a:prstGeom>
-          <a:ln w="19050">
-            <a:prstDash val="sysDash"/>
-            <a:tailEnd type="arrow"/>
-          </a:ln>
-        </p:spPr>
-        <p:style>
-          <a:lnRef idx="1">
-            <a:schemeClr val="accent1"/>
-          </a:lnRef>
-          <a:fillRef idx="0">
-            <a:schemeClr val="accent1"/>
-          </a:fillRef>
-          <a:effectRef idx="0">
-            <a:schemeClr val="accent1"/>
-          </a:effectRef>
-          <a:fontRef idx="minor">
-            <a:schemeClr val="tx1"/>
-          </a:fontRef>
-        </p:style>
-      </p:cxnSp>
-      <p:cxnSp>
-        <p:nvCxnSpPr>
-          <p:cNvPr id="852" name="Соединительная линия уступом 851"/>
-          <p:cNvCxnSpPr>
-            <a:stCxn id="736" idx="2"/>
-            <a:endCxn id="805" idx="0"/>
-          </p:cNvCxnSpPr>
-          <p:nvPr/>
-        </p:nvCxnSpPr>
-        <p:spPr>
-          <a:xfrm rot="16200000" flipH="1">
-            <a:off x="6048798" y="5943515"/>
-            <a:ext cx="989127" cy="4126767"/>
-          </a:xfrm>
-          <a:prstGeom prst="bentConnector3">
-            <a:avLst>
-              <a:gd name="adj1" fmla="val 10064"/>
-            </a:avLst>
-          </a:prstGeom>
-          <a:ln w="19050">
-            <a:prstDash val="sysDash"/>
-            <a:tailEnd type="arrow"/>
-          </a:ln>
-        </p:spPr>
-        <p:style>
-          <a:lnRef idx="1">
-            <a:schemeClr val="accent1"/>
-          </a:lnRef>
-          <a:fillRef idx="0">
-            <a:schemeClr val="accent1"/>
-          </a:fillRef>
-          <a:effectRef idx="0">
-            <a:schemeClr val="accent1"/>
-          </a:effectRef>
-          <a:fontRef idx="minor">
-            <a:schemeClr val="tx1"/>
-          </a:fontRef>
-        </p:style>
-      </p:cxnSp>
-      <p:cxnSp>
-        <p:nvCxnSpPr>
-          <p:cNvPr id="855" name="Соединительная линия уступом 854"/>
-          <p:cNvCxnSpPr>
-            <a:stCxn id="779" idx="2"/>
-            <a:endCxn id="805" idx="0"/>
-          </p:cNvCxnSpPr>
-          <p:nvPr/>
-        </p:nvCxnSpPr>
-        <p:spPr>
-          <a:xfrm rot="16200000" flipH="1">
-            <a:off x="6566816" y="6461533"/>
-            <a:ext cx="986853" cy="3093006"/>
-          </a:xfrm>
-          <a:prstGeom prst="bentConnector3">
-            <a:avLst>
-              <a:gd name="adj1" fmla="val 9972"/>
-            </a:avLst>
-          </a:prstGeom>
-          <a:ln w="19050">
-            <a:prstDash val="sysDash"/>
-            <a:tailEnd type="arrow"/>
-          </a:ln>
-        </p:spPr>
-        <p:style>
-          <a:lnRef idx="1">
-            <a:schemeClr val="accent1"/>
-          </a:lnRef>
-          <a:fillRef idx="0">
-            <a:schemeClr val="accent1"/>
-          </a:fillRef>
-          <a:effectRef idx="0">
-            <a:schemeClr val="accent1"/>
-          </a:effectRef>
-          <a:fontRef idx="minor">
-            <a:schemeClr val="tx1"/>
-          </a:fontRef>
-        </p:style>
-      </p:cxnSp>
-      <p:cxnSp>
-        <p:nvCxnSpPr>
-          <p:cNvPr id="860" name="Соединительная линия уступом 859"/>
-          <p:cNvCxnSpPr>
-            <a:stCxn id="739" idx="2"/>
-            <a:endCxn id="779" idx="0"/>
-          </p:cNvCxnSpPr>
-          <p:nvPr/>
-        </p:nvCxnSpPr>
-        <p:spPr>
-          <a:xfrm rot="5400000">
-            <a:off x="5920173" y="6357000"/>
-            <a:ext cx="211176" cy="1024044"/>
-          </a:xfrm>
-          <a:prstGeom prst="bentConnector3">
-            <a:avLst>
-              <a:gd name="adj1" fmla="val 50000"/>
-            </a:avLst>
-          </a:prstGeom>
-          <a:ln w="19050">
-            <a:tailEnd type="arrow"/>
-          </a:ln>
-        </p:spPr>
-        <p:style>
-          <a:lnRef idx="1">
-            <a:schemeClr val="accent1"/>
-          </a:lnRef>
-          <a:fillRef idx="0">
-            <a:schemeClr val="accent1"/>
-          </a:fillRef>
-          <a:effectRef idx="0">
-            <a:schemeClr val="accent1"/>
-          </a:effectRef>
-          <a:fontRef idx="minor">
-            <a:schemeClr val="tx1"/>
-          </a:fontRef>
-        </p:style>
-      </p:cxnSp>
-      <p:cxnSp>
-        <p:nvCxnSpPr>
-          <p:cNvPr id="863" name="Соединительная линия уступом 862"/>
-          <p:cNvCxnSpPr>
-            <a:stCxn id="738" idx="2"/>
-            <a:endCxn id="736" idx="0"/>
-          </p:cNvCxnSpPr>
-          <p:nvPr/>
-        </p:nvCxnSpPr>
-        <p:spPr>
-          <a:xfrm rot="16200000" flipH="1">
-            <a:off x="3862766" y="6355124"/>
-            <a:ext cx="209706" cy="1024718"/>
-          </a:xfrm>
-          <a:prstGeom prst="bentConnector3">
-            <a:avLst>
-              <a:gd name="adj1" fmla="val 50000"/>
-            </a:avLst>
-          </a:prstGeom>
-          <a:ln w="19050">
-            <a:tailEnd type="arrow"/>
-          </a:ln>
-        </p:spPr>
-        <p:style>
-          <a:lnRef idx="1">
-            <a:schemeClr val="accent1"/>
-          </a:lnRef>
-          <a:fillRef idx="0">
-            <a:schemeClr val="accent1"/>
-          </a:fillRef>
-          <a:effectRef idx="0">
-            <a:schemeClr val="accent1"/>
-          </a:effectRef>
-          <a:fontRef idx="minor">
-            <a:schemeClr val="tx1"/>
-          </a:fontRef>
-        </p:style>
-      </p:cxnSp>
-      <p:sp>
-        <p:nvSpPr>
-          <p:cNvPr id="866" name="Прямоугольник 865"/>
-          <p:cNvSpPr/>
-          <p:nvPr/>
-        </p:nvSpPr>
-        <p:spPr>
-          <a:xfrm>
-            <a:off x="9246777" y="10002645"/>
-            <a:ext cx="926325" cy="540000"/>
-          </a:xfrm>
-          <a:prstGeom prst="rect">
-            <a:avLst/>
-          </a:prstGeom>
-          <a:noFill/>
-          <a:ln w="19050"/>
-        </p:spPr>
-        <p:style>
-          <a:lnRef idx="2">
-            <a:schemeClr val="accent1"/>
-          </a:lnRef>
-          <a:fillRef idx="1">
-            <a:schemeClr val="lt1"/>
-          </a:fillRef>
-          <a:effectRef idx="0">
-            <a:schemeClr val="accent1"/>
-          </a:effectRef>
-          <a:fontRef idx="minor">
-            <a:schemeClr val="dk1"/>
-          </a:fontRef>
-        </p:style>
-        <p:txBody>
-          <a:bodyPr lIns="124733" tIns="62367" rIns="124733" bIns="62367" rtlCol="0" anchor="ctr"/>
-          <a:lstStyle/>
-          <a:p>
-            <a:pPr algn="ctr"/>
-            <a:r>
-              <a:rPr lang="ru-RU" sz="700" dirty="0"/>
-              <a:t>Вернуть Парагвай</a:t>
-            </a:r>
-          </a:p>
-        </p:txBody>
-      </p:sp>
-      <p:sp>
-        <p:nvSpPr>
-          <p:cNvPr id="867" name="Прямоугольник 866"/>
-          <p:cNvSpPr/>
-          <p:nvPr/>
-        </p:nvSpPr>
-        <p:spPr>
-          <a:xfrm>
-            <a:off x="8148132" y="10002646"/>
-            <a:ext cx="926325" cy="540000"/>
-          </a:xfrm>
-          <a:prstGeom prst="rect">
-            <a:avLst/>
-          </a:prstGeom>
-          <a:noFill/>
-          <a:ln w="19050"/>
-        </p:spPr>
-        <p:style>
-          <a:lnRef idx="2">
-            <a:schemeClr val="accent1"/>
-          </a:lnRef>
-          <a:fillRef idx="1">
-            <a:schemeClr val="lt1"/>
-          </a:fillRef>
-          <a:effectRef idx="0">
-            <a:schemeClr val="accent1"/>
-          </a:effectRef>
-          <a:fontRef idx="minor">
-            <a:schemeClr val="dk1"/>
-          </a:fontRef>
-        </p:style>
-        <p:txBody>
-          <a:bodyPr lIns="124733" tIns="62367" rIns="124733" bIns="62367" rtlCol="0" anchor="ctr"/>
-          <a:lstStyle/>
-          <a:p>
-            <a:pPr algn="ctr"/>
-            <a:r>
-              <a:rPr lang="ru-RU" sz="700" dirty="0"/>
-              <a:t>Расширить территорию в Китае (ваниль)</a:t>
-            </a:r>
-          </a:p>
-        </p:txBody>
-      </p:sp>
-      <p:sp>
-        <p:nvSpPr>
-          <p:cNvPr id="868" name="Прямоугольник 867"/>
-          <p:cNvSpPr/>
-          <p:nvPr/>
-        </p:nvSpPr>
-        <p:spPr>
-          <a:xfrm>
-            <a:off x="8150406" y="10680486"/>
-            <a:ext cx="926325" cy="540000"/>
-          </a:xfrm>
-          <a:prstGeom prst="rect">
-            <a:avLst/>
-          </a:prstGeom>
-          <a:noFill/>
-          <a:ln w="19050"/>
-        </p:spPr>
-        <p:style>
-          <a:lnRef idx="2">
-            <a:schemeClr val="accent1"/>
-          </a:lnRef>
-          <a:fillRef idx="1">
-            <a:schemeClr val="lt1"/>
-          </a:fillRef>
-          <a:effectRef idx="0">
-            <a:schemeClr val="accent1"/>
-          </a:effectRef>
-          <a:fontRef idx="minor">
-            <a:schemeClr val="dk1"/>
-          </a:fontRef>
-        </p:style>
-        <p:txBody>
-          <a:bodyPr lIns="124733" tIns="62367" rIns="124733" bIns="62367" rtlCol="0" anchor="ctr"/>
-          <a:lstStyle/>
-          <a:p>
-            <a:pPr algn="ctr"/>
-            <a:r>
-              <a:rPr lang="ru-RU" sz="700" dirty="0"/>
-              <a:t>Разделаться с Японской угрозой (ваниль)</a:t>
-            </a:r>
-          </a:p>
-        </p:txBody>
-      </p:sp>
-      <p:sp>
-        <p:nvSpPr>
-          <p:cNvPr id="869" name="Прямоугольник 868"/>
-          <p:cNvSpPr/>
-          <p:nvPr/>
-        </p:nvSpPr>
-        <p:spPr>
-          <a:xfrm>
-            <a:off x="7076783" y="9299786"/>
-            <a:ext cx="926325" cy="540000"/>
-          </a:xfrm>
-          <a:prstGeom prst="rect">
-            <a:avLst/>
-          </a:prstGeom>
-          <a:noFill/>
-          <a:ln w="19050"/>
-        </p:spPr>
-        <p:style>
-          <a:lnRef idx="2">
-            <a:schemeClr val="accent1"/>
-          </a:lnRef>
-          <a:fillRef idx="1">
-            <a:schemeClr val="lt1"/>
-          </a:fillRef>
-          <a:effectRef idx="0">
-            <a:schemeClr val="accent1"/>
-          </a:effectRef>
-          <a:fontRef idx="minor">
-            <a:schemeClr val="dk1"/>
-          </a:fontRef>
-        </p:style>
-        <p:txBody>
-          <a:bodyPr lIns="124733" tIns="62367" rIns="124733" bIns="62367" rtlCol="0" anchor="ctr"/>
-          <a:lstStyle/>
-          <a:p>
-            <a:pPr algn="ctr"/>
-            <a:r>
-              <a:rPr lang="ru-RU" sz="700" dirty="0"/>
-              <a:t>Сделать Индию своей (ваниль)</a:t>
-            </a:r>
-          </a:p>
-        </p:txBody>
-      </p:sp>
-      <p:sp>
-        <p:nvSpPr>
-          <p:cNvPr id="870" name="Прямоугольник 869"/>
-          <p:cNvSpPr/>
-          <p:nvPr/>
-        </p:nvSpPr>
-        <p:spPr>
-          <a:xfrm>
-            <a:off x="6014532" y="9302060"/>
-            <a:ext cx="926325" cy="540000"/>
-          </a:xfrm>
-          <a:prstGeom prst="rect">
-            <a:avLst/>
-          </a:prstGeom>
-          <a:noFill/>
-          <a:ln w="19050"/>
-        </p:spPr>
-        <p:style>
-          <a:lnRef idx="2">
-            <a:schemeClr val="accent1"/>
-          </a:lnRef>
-          <a:fillRef idx="1">
-            <a:schemeClr val="lt1"/>
-          </a:fillRef>
-          <a:effectRef idx="0">
-            <a:schemeClr val="accent1"/>
-          </a:effectRef>
-          <a:fontRef idx="minor">
-            <a:schemeClr val="dk1"/>
-          </a:fontRef>
-        </p:style>
-        <p:txBody>
-          <a:bodyPr lIns="124733" tIns="62367" rIns="124733" bIns="62367" rtlCol="0" anchor="ctr"/>
-          <a:lstStyle/>
-          <a:p>
-            <a:pPr algn="ctr"/>
-            <a:r>
-              <a:rPr lang="ru-RU" sz="700" dirty="0"/>
-              <a:t>Вернуть Португальское </a:t>
-            </a:r>
-            <a:r>
-              <a:rPr lang="ru-RU" sz="700" dirty="0" err="1"/>
-              <a:t>Морокко</a:t>
-            </a:r>
-            <a:endParaRPr lang="ru-RU" sz="700" dirty="0"/>
-          </a:p>
-        </p:txBody>
-      </p:sp>
-      <p:cxnSp>
-        <p:nvCxnSpPr>
-          <p:cNvPr id="871" name="Соединительная линия уступом 870"/>
-          <p:cNvCxnSpPr>
-            <a:stCxn id="700" idx="2"/>
-            <a:endCxn id="650" idx="0"/>
-          </p:cNvCxnSpPr>
-          <p:nvPr/>
-        </p:nvCxnSpPr>
-        <p:spPr>
-          <a:xfrm rot="16200000" flipH="1">
-            <a:off x="6660786" y="3469881"/>
-            <a:ext cx="288051" cy="3613411"/>
-          </a:xfrm>
-          <a:prstGeom prst="bentConnector3">
-            <a:avLst>
-              <a:gd name="adj1" fmla="val 50000"/>
-            </a:avLst>
-          </a:prstGeom>
-          <a:ln w="19050">
-            <a:prstDash val="sysDash"/>
-            <a:tailEnd type="arrow"/>
-          </a:ln>
-        </p:spPr>
-        <p:style>
-          <a:lnRef idx="1">
-            <a:schemeClr val="accent1"/>
-          </a:lnRef>
-          <a:fillRef idx="0">
-            <a:schemeClr val="accent1"/>
-          </a:fillRef>
-          <a:effectRef idx="0">
-            <a:schemeClr val="accent1"/>
-          </a:effectRef>
-          <a:fontRef idx="minor">
-            <a:schemeClr val="tx1"/>
-          </a:fontRef>
-        </p:style>
-      </p:cxnSp>
-      <p:cxnSp>
-        <p:nvCxnSpPr>
-          <p:cNvPr id="874" name="Соединительная линия уступом 873"/>
-          <p:cNvCxnSpPr>
-            <a:stCxn id="646" idx="2"/>
-            <a:endCxn id="650" idx="0"/>
-          </p:cNvCxnSpPr>
-          <p:nvPr/>
-        </p:nvCxnSpPr>
-        <p:spPr>
-          <a:xfrm rot="5400000">
-            <a:off x="9794197" y="3947252"/>
-            <a:ext cx="290682" cy="2656041"/>
-          </a:xfrm>
-          <a:prstGeom prst="bentConnector3">
-            <a:avLst>
-              <a:gd name="adj1" fmla="val 50000"/>
-            </a:avLst>
-          </a:prstGeom>
-          <a:ln w="19050">
-            <a:prstDash val="sysDash"/>
-            <a:tailEnd type="arrow"/>
-          </a:ln>
-        </p:spPr>
-        <p:style>
-          <a:lnRef idx="1">
-            <a:schemeClr val="accent1"/>
-          </a:lnRef>
-          <a:fillRef idx="0">
-            <a:schemeClr val="accent1"/>
-          </a:fillRef>
-          <a:effectRef idx="0">
-            <a:schemeClr val="accent1"/>
-          </a:effectRef>
-          <a:fontRef idx="minor">
-            <a:schemeClr val="tx1"/>
-          </a:fontRef>
-        </p:style>
-      </p:cxnSp>
-      <p:cxnSp>
-        <p:nvCxnSpPr>
-          <p:cNvPr id="877" name="Соединительная линия уступом 876"/>
-          <p:cNvCxnSpPr>
-            <a:stCxn id="805" idx="2"/>
-            <a:endCxn id="870" idx="0"/>
-          </p:cNvCxnSpPr>
-          <p:nvPr/>
-        </p:nvCxnSpPr>
-        <p:spPr>
-          <a:xfrm rot="5400000">
-            <a:off x="7411922" y="8107236"/>
-            <a:ext cx="260597" cy="2129050"/>
-          </a:xfrm>
-          <a:prstGeom prst="bentConnector3">
-            <a:avLst>
-              <a:gd name="adj1" fmla="val 50000"/>
-            </a:avLst>
-          </a:prstGeom>
-          <a:ln w="19050">
-            <a:tailEnd type="arrow"/>
-          </a:ln>
-        </p:spPr>
-        <p:style>
-          <a:lnRef idx="1">
-            <a:schemeClr val="accent1"/>
-          </a:lnRef>
-          <a:fillRef idx="0">
-            <a:schemeClr val="accent1"/>
-          </a:fillRef>
-          <a:effectRef idx="0">
-            <a:schemeClr val="accent1"/>
-          </a:effectRef>
-          <a:fontRef idx="minor">
-            <a:schemeClr val="tx1"/>
-          </a:fontRef>
-        </p:style>
-      </p:cxnSp>
-      <p:cxnSp>
-        <p:nvCxnSpPr>
-          <p:cNvPr id="880" name="Соединительная линия уступом 879"/>
-          <p:cNvCxnSpPr>
-            <a:stCxn id="805" idx="2"/>
-            <a:endCxn id="830" idx="0"/>
-          </p:cNvCxnSpPr>
-          <p:nvPr/>
-        </p:nvCxnSpPr>
-        <p:spPr>
-          <a:xfrm rot="16200000" flipH="1">
-            <a:off x="9563382" y="8084825"/>
-            <a:ext cx="258323" cy="2171597"/>
-          </a:xfrm>
-          <a:prstGeom prst="bentConnector3">
-            <a:avLst>
-              <a:gd name="adj1" fmla="val 50000"/>
-            </a:avLst>
-          </a:prstGeom>
-          <a:ln w="19050">
-            <a:tailEnd type="arrow"/>
-          </a:ln>
-        </p:spPr>
-        <p:style>
-          <a:lnRef idx="1">
-            <a:schemeClr val="accent1"/>
-          </a:lnRef>
-          <a:fillRef idx="0">
-            <a:schemeClr val="accent1"/>
-          </a:fillRef>
-          <a:effectRef idx="0">
-            <a:schemeClr val="accent1"/>
-          </a:effectRef>
-          <a:fontRef idx="minor">
-            <a:schemeClr val="tx1"/>
-          </a:fontRef>
-        </p:style>
-      </p:cxnSp>
-      <p:cxnSp>
-        <p:nvCxnSpPr>
-          <p:cNvPr id="883" name="Соединительная линия уступом 882"/>
-          <p:cNvCxnSpPr>
-            <a:stCxn id="805" idx="2"/>
-            <a:endCxn id="869" idx="0"/>
-          </p:cNvCxnSpPr>
-          <p:nvPr/>
-        </p:nvCxnSpPr>
-        <p:spPr>
-          <a:xfrm rot="5400000">
-            <a:off x="7944185" y="8637225"/>
-            <a:ext cx="258323" cy="1066799"/>
-          </a:xfrm>
-          <a:prstGeom prst="bentConnector3">
-            <a:avLst>
-              <a:gd name="adj1" fmla="val 50000"/>
-            </a:avLst>
-          </a:prstGeom>
-          <a:ln w="19050">
-            <a:tailEnd type="arrow"/>
-          </a:ln>
-        </p:spPr>
-        <p:style>
-          <a:lnRef idx="1">
-            <a:schemeClr val="accent1"/>
-          </a:lnRef>
-          <a:fillRef idx="0">
-            <a:schemeClr val="accent1"/>
-          </a:fillRef>
-          <a:effectRef idx="0">
-            <a:schemeClr val="accent1"/>
-          </a:effectRef>
-          <a:fontRef idx="minor">
-            <a:schemeClr val="tx1"/>
-          </a:fontRef>
-        </p:style>
-      </p:cxnSp>
-      <p:cxnSp>
-        <p:nvCxnSpPr>
-          <p:cNvPr id="886" name="Соединительная линия уступом 885"/>
-          <p:cNvCxnSpPr>
-            <a:stCxn id="805" idx="2"/>
-            <a:endCxn id="806" idx="0"/>
-          </p:cNvCxnSpPr>
-          <p:nvPr/>
-        </p:nvCxnSpPr>
-        <p:spPr>
-          <a:xfrm rot="16200000" flipH="1">
-            <a:off x="9029181" y="8619026"/>
-            <a:ext cx="256048" cy="1100921"/>
-          </a:xfrm>
-          <a:prstGeom prst="bentConnector3">
-            <a:avLst>
-              <a:gd name="adj1" fmla="val 50000"/>
-            </a:avLst>
-          </a:prstGeom>
-          <a:ln w="19050">
-            <a:tailEnd type="arrow"/>
-          </a:ln>
-        </p:spPr>
-        <p:style>
-          <a:lnRef idx="1">
-            <a:schemeClr val="accent1"/>
-          </a:lnRef>
-          <a:fillRef idx="0">
-            <a:schemeClr val="accent1"/>
-          </a:fillRef>
-          <a:effectRef idx="0">
-            <a:schemeClr val="accent1"/>
-          </a:effectRef>
-          <a:fontRef idx="minor">
-            <a:schemeClr val="tx1"/>
-          </a:fontRef>
-        </p:style>
-      </p:cxnSp>
-      <p:cxnSp>
-        <p:nvCxnSpPr>
-          <p:cNvPr id="889" name="Прямая со стрелкой 888"/>
-          <p:cNvCxnSpPr>
-            <a:stCxn id="805" idx="2"/>
-            <a:endCxn id="828" idx="0"/>
-          </p:cNvCxnSpPr>
-          <p:nvPr/>
-        </p:nvCxnSpPr>
-        <p:spPr>
-          <a:xfrm>
-            <a:off x="8606745" y="9041463"/>
-            <a:ext cx="2275" cy="269696"/>
-          </a:xfrm>
-          <a:prstGeom prst="straightConnector1">
-            <a:avLst/>
-          </a:prstGeom>
-          <a:ln w="19050">
-            <a:tailEnd type="arrow"/>
-          </a:ln>
-        </p:spPr>
-        <p:style>
-          <a:lnRef idx="1">
-            <a:schemeClr val="accent1"/>
-          </a:lnRef>
-          <a:fillRef idx="0">
-            <a:schemeClr val="accent1"/>
-          </a:fillRef>
-          <a:effectRef idx="0">
-            <a:schemeClr val="accent1"/>
-          </a:effectRef>
-          <a:fontRef idx="minor">
-            <a:schemeClr val="tx1"/>
-          </a:fontRef>
-        </p:style>
-      </p:cxnSp>
-      <p:cxnSp>
-        <p:nvCxnSpPr>
-          <p:cNvPr id="892" name="Прямая со стрелкой 891"/>
-          <p:cNvCxnSpPr>
-            <a:stCxn id="869" idx="2"/>
-            <a:endCxn id="829" idx="0"/>
-          </p:cNvCxnSpPr>
-          <p:nvPr/>
-        </p:nvCxnSpPr>
-        <p:spPr>
-          <a:xfrm>
-            <a:off x="7539946" y="9839786"/>
-            <a:ext cx="4549" cy="174232"/>
-          </a:xfrm>
-          <a:prstGeom prst="straightConnector1">
-            <a:avLst/>
-          </a:prstGeom>
-          <a:ln w="19050">
-            <a:tailEnd type="arrow"/>
-          </a:ln>
-        </p:spPr>
-        <p:style>
-          <a:lnRef idx="1">
-            <a:schemeClr val="accent1"/>
-          </a:lnRef>
-          <a:fillRef idx="0">
-            <a:schemeClr val="accent1"/>
-          </a:fillRef>
-          <a:effectRef idx="0">
-            <a:schemeClr val="accent1"/>
-          </a:effectRef>
-          <a:fontRef idx="minor">
-            <a:schemeClr val="tx1"/>
-          </a:fontRef>
-        </p:style>
-      </p:cxnSp>
-      <p:cxnSp>
-        <p:nvCxnSpPr>
-          <p:cNvPr id="895" name="Прямая со стрелкой 894"/>
-          <p:cNvCxnSpPr>
-            <a:stCxn id="828" idx="2"/>
-            <a:endCxn id="867" idx="0"/>
-          </p:cNvCxnSpPr>
-          <p:nvPr/>
-        </p:nvCxnSpPr>
-        <p:spPr>
-          <a:xfrm>
-            <a:off x="8609020" y="9851159"/>
-            <a:ext cx="2275" cy="151487"/>
-          </a:xfrm>
-          <a:prstGeom prst="straightConnector1">
-            <a:avLst/>
-          </a:prstGeom>
-          <a:ln w="19050">
-            <a:tailEnd type="arrow"/>
-          </a:ln>
-        </p:spPr>
-        <p:style>
-          <a:lnRef idx="1">
-            <a:schemeClr val="accent1"/>
-          </a:lnRef>
-          <a:fillRef idx="0">
-            <a:schemeClr val="accent1"/>
-          </a:fillRef>
-          <a:effectRef idx="0">
-            <a:schemeClr val="accent1"/>
-          </a:effectRef>
-          <a:fontRef idx="minor">
-            <a:schemeClr val="tx1"/>
-          </a:fontRef>
-        </p:style>
-      </p:cxnSp>
-      <p:cxnSp>
-        <p:nvCxnSpPr>
-          <p:cNvPr id="898" name="Прямая со стрелкой 897"/>
-          <p:cNvCxnSpPr>
-            <a:stCxn id="806" idx="2"/>
-            <a:endCxn id="866" idx="0"/>
-          </p:cNvCxnSpPr>
-          <p:nvPr/>
-        </p:nvCxnSpPr>
-        <p:spPr>
-          <a:xfrm>
-            <a:off x="9707666" y="9837511"/>
-            <a:ext cx="2274" cy="165134"/>
-          </a:xfrm>
-          <a:prstGeom prst="straightConnector1">
-            <a:avLst/>
-          </a:prstGeom>
-          <a:ln w="19050">
-            <a:tailEnd type="arrow"/>
-          </a:ln>
-        </p:spPr>
-        <p:style>
-          <a:lnRef idx="1">
-            <a:schemeClr val="accent1"/>
-          </a:lnRef>
-          <a:fillRef idx="0">
-            <a:schemeClr val="accent1"/>
-          </a:fillRef>
-          <a:effectRef idx="0">
-            <a:schemeClr val="accent1"/>
-          </a:effectRef>
-          <a:fontRef idx="minor">
-            <a:schemeClr val="tx1"/>
-          </a:fontRef>
-        </p:style>
-      </p:cxnSp>
-      <p:cxnSp>
-        <p:nvCxnSpPr>
-          <p:cNvPr id="901" name="Прямая со стрелкой 900"/>
-          <p:cNvCxnSpPr>
-            <a:stCxn id="867" idx="2"/>
-            <a:endCxn id="868" idx="0"/>
-          </p:cNvCxnSpPr>
-          <p:nvPr/>
-        </p:nvCxnSpPr>
-        <p:spPr>
-          <a:xfrm>
-            <a:off x="8611295" y="10542646"/>
-            <a:ext cx="2274" cy="137840"/>
-          </a:xfrm>
-          <a:prstGeom prst="straightConnector1">
-            <a:avLst/>
-          </a:prstGeom>
-          <a:ln w="19050">
-            <a:tailEnd type="arrow"/>
-          </a:ln>
-        </p:spPr>
-        <p:style>
-          <a:lnRef idx="1">
-            <a:schemeClr val="accent1"/>
-          </a:lnRef>
-          <a:fillRef idx="0">
-            <a:schemeClr val="accent1"/>
-          </a:fillRef>
-          <a:effectRef idx="0">
-            <a:schemeClr val="accent1"/>
-          </a:effectRef>
-          <a:fontRef idx="minor">
-            <a:schemeClr val="tx1"/>
-          </a:fontRef>
-        </p:style>
-      </p:cxnSp>
-      <p:cxnSp>
-        <p:nvCxnSpPr>
-          <p:cNvPr id="904" name="Соединительная линия уступом 903"/>
-          <p:cNvCxnSpPr>
-            <a:stCxn id="667" idx="2"/>
-            <a:endCxn id="689" idx="0"/>
-          </p:cNvCxnSpPr>
-          <p:nvPr/>
-        </p:nvCxnSpPr>
-        <p:spPr>
-          <a:xfrm rot="16200000" flipH="1">
-            <a:off x="16804451" y="2889061"/>
-            <a:ext cx="240195" cy="3167781"/>
-          </a:xfrm>
-          <a:prstGeom prst="bentConnector3">
-            <a:avLst>
-              <a:gd name="adj1" fmla="val 50000"/>
-            </a:avLst>
-          </a:prstGeom>
-          <a:ln w="19050">
-            <a:tailEnd type="arrow"/>
-          </a:ln>
-        </p:spPr>
-        <p:style>
-          <a:lnRef idx="1">
-            <a:schemeClr val="accent1"/>
-          </a:lnRef>
-          <a:fillRef idx="0">
-            <a:schemeClr val="accent1"/>
-          </a:fillRef>
-          <a:effectRef idx="0">
-            <a:schemeClr val="accent1"/>
-          </a:effectRef>
-          <a:fontRef idx="minor">
-            <a:schemeClr val="tx1"/>
-          </a:fontRef>
-        </p:style>
-      </p:cxnSp>
-      <p:sp>
-        <p:nvSpPr>
-          <p:cNvPr id="690" name="Прямоугольник 689"/>
-          <p:cNvSpPr/>
-          <p:nvPr/>
-        </p:nvSpPr>
-        <p:spPr>
-          <a:xfrm>
-            <a:off x="5058406" y="6221880"/>
-            <a:ext cx="926325" cy="540000"/>
-          </a:xfrm>
-          <a:prstGeom prst="rect">
-            <a:avLst/>
-          </a:prstGeom>
-          <a:solidFill>
-            <a:schemeClr val="accent2">
-              <a:lumMod val="75000"/>
-            </a:schemeClr>
-          </a:solidFill>
-          <a:ln w="19050"/>
-        </p:spPr>
-        <p:style>
-          <a:lnRef idx="2">
-            <a:schemeClr val="accent1"/>
-          </a:lnRef>
-          <a:fillRef idx="1">
-            <a:schemeClr val="lt1"/>
-          </a:fillRef>
-          <a:effectRef idx="0">
-            <a:schemeClr val="accent1"/>
-          </a:effectRef>
-          <a:fontRef idx="minor">
-            <a:schemeClr val="dk1"/>
-          </a:fontRef>
-        </p:style>
-        <p:txBody>
-          <a:bodyPr lIns="124733" tIns="62367" rIns="124733" bIns="62367" rtlCol="0" anchor="ctr"/>
-          <a:lstStyle/>
-          <a:p>
-            <a:pPr algn="ctr"/>
-            <a:r>
-              <a:rPr lang="ru-RU" sz="700" dirty="0"/>
-              <a:t>Свой путь</a:t>
-            </a:r>
-          </a:p>
-        </p:txBody>
-      </p:sp>
-      <p:cxnSp>
-        <p:nvCxnSpPr>
-          <p:cNvPr id="730" name="Прямая соединительная линия 729"/>
-          <p:cNvCxnSpPr>
-            <a:stCxn id="808" idx="3"/>
-            <a:endCxn id="690" idx="1"/>
-          </p:cNvCxnSpPr>
-          <p:nvPr/>
-        </p:nvCxnSpPr>
-        <p:spPr>
-          <a:xfrm flipV="1">
-            <a:off x="4947128" y="6491880"/>
-            <a:ext cx="111278" cy="1227"/>
-          </a:xfrm>
-          <a:prstGeom prst="line">
-            <a:avLst/>
-          </a:prstGeom>
-          <a:ln w="19050">
-            <a:solidFill>
-              <a:srgbClr val="FF0000"/>
-            </a:solidFill>
-          </a:ln>
-        </p:spPr>
-        <p:style>
-          <a:lnRef idx="1">
-            <a:schemeClr val="accent1"/>
-          </a:lnRef>
-          <a:fillRef idx="0">
-            <a:schemeClr val="accent1"/>
-          </a:fillRef>
-          <a:effectRef idx="0">
-            <a:schemeClr val="accent1"/>
-          </a:effectRef>
-          <a:fontRef idx="minor">
-            <a:schemeClr val="tx1"/>
-          </a:fontRef>
-        </p:style>
-      </p:cxnSp>
-      <p:cxnSp>
-        <p:nvCxnSpPr>
-          <p:cNvPr id="731" name="Соединительная линия уступом 730"/>
-          <p:cNvCxnSpPr>
-            <a:stCxn id="690" idx="2"/>
-            <a:endCxn id="736" idx="0"/>
-          </p:cNvCxnSpPr>
-          <p:nvPr/>
-        </p:nvCxnSpPr>
-        <p:spPr>
-          <a:xfrm rot="5400000">
-            <a:off x="4895546" y="6346313"/>
-            <a:ext cx="210456" cy="1041591"/>
-          </a:xfrm>
-          <a:prstGeom prst="bentConnector3">
-            <a:avLst>
-              <a:gd name="adj1" fmla="val 50000"/>
-            </a:avLst>
-          </a:prstGeom>
-          <a:ln w="19050">
-            <a:prstDash val="sysDash"/>
-            <a:tailEnd type="arrow"/>
-          </a:ln>
-        </p:spPr>
-        <p:style>
-          <a:lnRef idx="1">
-            <a:schemeClr val="accent1"/>
-          </a:lnRef>
-          <a:fillRef idx="0">
-            <a:schemeClr val="accent1"/>
-          </a:fillRef>
-          <a:effectRef idx="0">
-            <a:schemeClr val="accent1"/>
-          </a:effectRef>
-          <a:fontRef idx="minor">
-            <a:schemeClr val="tx1"/>
-          </a:fontRef>
-        </p:style>
-      </p:cxnSp>
-      <p:cxnSp>
-        <p:nvCxnSpPr>
-          <p:cNvPr id="732" name="Соединительная линия уступом 731"/>
-          <p:cNvCxnSpPr>
-            <a:stCxn id="727" idx="2"/>
-            <a:endCxn id="808" idx="0"/>
-          </p:cNvCxnSpPr>
-          <p:nvPr/>
-        </p:nvCxnSpPr>
-        <p:spPr>
-          <a:xfrm rot="5400000">
-            <a:off x="4873144" y="5578688"/>
-            <a:ext cx="255242" cy="1033597"/>
-          </a:xfrm>
-          <a:prstGeom prst="bentConnector3">
-            <a:avLst>
-              <a:gd name="adj1" fmla="val 50000"/>
-            </a:avLst>
-          </a:prstGeom>
-          <a:ln w="19050">
-            <a:prstDash val="sysDash"/>
-            <a:tailEnd type="arrow"/>
-          </a:ln>
-        </p:spPr>
-        <p:style>
-          <a:lnRef idx="1">
-            <a:schemeClr val="accent1"/>
-          </a:lnRef>
-          <a:fillRef idx="0">
-            <a:schemeClr val="accent1"/>
-          </a:fillRef>
-          <a:effectRef idx="0">
-            <a:schemeClr val="accent1"/>
-          </a:effectRef>
-          <a:fontRef idx="minor">
-            <a:schemeClr val="tx1"/>
-          </a:fontRef>
-        </p:style>
-      </p:cxnSp>
-      <p:cxnSp>
-        <p:nvCxnSpPr>
-          <p:cNvPr id="733" name="Соединительная линия уступом 732"/>
-          <p:cNvCxnSpPr>
-            <a:stCxn id="725" idx="2"/>
-            <a:endCxn id="690" idx="0"/>
-          </p:cNvCxnSpPr>
-          <p:nvPr/>
-        </p:nvCxnSpPr>
-        <p:spPr>
-          <a:xfrm rot="16200000" flipH="1">
-            <a:off x="4873174" y="5573484"/>
-            <a:ext cx="254015" cy="1042775"/>
-          </a:xfrm>
-          <a:prstGeom prst="bentConnector3">
-            <a:avLst>
-              <a:gd name="adj1" fmla="val 50000"/>
-            </a:avLst>
-          </a:prstGeom>
-          <a:ln w="19050">
-            <a:prstDash val="sysDash"/>
-            <a:tailEnd type="arrow"/>
-          </a:ln>
-        </p:spPr>
-        <p:style>
-          <a:lnRef idx="1">
-            <a:schemeClr val="accent1"/>
-          </a:lnRef>
-          <a:fillRef idx="0">
-            <a:schemeClr val="accent1"/>
-          </a:fillRef>
-          <a:effectRef idx="0">
-            <a:schemeClr val="accent1"/>
-          </a:effectRef>
-          <a:fontRef idx="minor">
-            <a:schemeClr val="tx1"/>
-          </a:fontRef>
-        </p:style>
-      </p:cxnSp>
-      <p:cxnSp>
-        <p:nvCxnSpPr>
-          <p:cNvPr id="734" name="Соединительная линия уступом 733"/>
-          <p:cNvCxnSpPr>
-            <a:stCxn id="690" idx="2"/>
-            <a:endCxn id="779" idx="0"/>
-          </p:cNvCxnSpPr>
-          <p:nvPr/>
-        </p:nvCxnSpPr>
-        <p:spPr>
-          <a:xfrm rot="5400000">
-            <a:off x="5411289" y="6864330"/>
-            <a:ext cx="212730" cy="7830"/>
-          </a:xfrm>
-          <a:prstGeom prst="bentConnector3">
-            <a:avLst>
-              <a:gd name="adj1" fmla="val 50000"/>
-            </a:avLst>
-          </a:prstGeom>
-          <a:ln w="19050">
-            <a:prstDash val="sysDash"/>
-            <a:tailEnd type="arrow"/>
-          </a:ln>
-        </p:spPr>
-        <p:style>
-          <a:lnRef idx="1">
-            <a:schemeClr val="accent1"/>
-          </a:lnRef>
-          <a:fillRef idx="0">
-            <a:schemeClr val="accent1"/>
-          </a:fillRef>
-          <a:effectRef idx="0">
-            <a:schemeClr val="accent1"/>
-          </a:effectRef>
-          <a:fontRef idx="minor">
-            <a:schemeClr val="tx1"/>
-          </a:fontRef>
-        </p:style>
-      </p:cxnSp>
-      <p:sp>
-        <p:nvSpPr>
-          <p:cNvPr id="735" name="Прямоугольник 734"/>
-          <p:cNvSpPr/>
-          <p:nvPr/>
-        </p:nvSpPr>
-        <p:spPr>
-          <a:xfrm>
-            <a:off x="2001440" y="7763094"/>
-            <a:ext cx="926325" cy="540000"/>
-          </a:xfrm>
-          <a:prstGeom prst="rect">
-            <a:avLst/>
-          </a:prstGeom>
-          <a:solidFill>
-            <a:schemeClr val="accent2">
-              <a:lumMod val="75000"/>
-            </a:schemeClr>
-          </a:solidFill>
-          <a:ln w="19050"/>
-        </p:spPr>
-        <p:style>
-          <a:lnRef idx="2">
-            <a:schemeClr val="accent1"/>
-          </a:lnRef>
-          <a:fillRef idx="1">
-            <a:schemeClr val="lt1"/>
-          </a:fillRef>
-          <a:effectRef idx="0">
-            <a:schemeClr val="accent1"/>
-          </a:effectRef>
-          <a:fontRef idx="minor">
-            <a:schemeClr val="dk1"/>
-          </a:fontRef>
-        </p:style>
-        <p:txBody>
-          <a:bodyPr lIns="124733" tIns="62367" rIns="124733" bIns="62367" rtlCol="0" anchor="ctr"/>
-          <a:lstStyle/>
-          <a:p>
-            <a:pPr algn="ctr"/>
-            <a:r>
-              <a:rPr lang="ru-RU" sz="700" dirty="0"/>
-              <a:t>Рабочие суды</a:t>
-            </a:r>
-            <a:endParaRPr lang="ru-RU" sz="200" dirty="0"/>
-          </a:p>
-        </p:txBody>
-      </p:sp>
-      <p:cxnSp>
-        <p:nvCxnSpPr>
-          <p:cNvPr id="744" name="Соединительная линия уступом 743"/>
-          <p:cNvCxnSpPr>
-            <a:stCxn id="722" idx="2"/>
-            <a:endCxn id="735" idx="0"/>
-          </p:cNvCxnSpPr>
-          <p:nvPr/>
-        </p:nvCxnSpPr>
-        <p:spPr>
-          <a:xfrm rot="5400000">
-            <a:off x="2584532" y="7391318"/>
-            <a:ext cx="251847" cy="491704"/>
-          </a:xfrm>
-          <a:prstGeom prst="bentConnector3">
-            <a:avLst>
-              <a:gd name="adj1" fmla="val 50000"/>
-            </a:avLst>
-          </a:prstGeom>
-          <a:ln w="19050">
-            <a:tailEnd type="arrow"/>
-          </a:ln>
-        </p:spPr>
-        <p:style>
-          <a:lnRef idx="1">
-            <a:schemeClr val="accent1"/>
-          </a:lnRef>
-          <a:fillRef idx="0">
-            <a:schemeClr val="accent1"/>
-          </a:fillRef>
-          <a:effectRef idx="0">
-            <a:schemeClr val="accent1"/>
-          </a:effectRef>
-          <a:fontRef idx="minor">
-            <a:schemeClr val="tx1"/>
-          </a:fontRef>
-        </p:style>
-      </p:cxnSp>
-      <p:cxnSp>
-        <p:nvCxnSpPr>
-          <p:cNvPr id="747" name="Соединительная линия уступом 746"/>
-          <p:cNvCxnSpPr>
-            <a:stCxn id="709" idx="2"/>
-            <a:endCxn id="735" idx="0"/>
-          </p:cNvCxnSpPr>
-          <p:nvPr/>
-        </p:nvCxnSpPr>
-        <p:spPr>
-          <a:xfrm rot="16200000" flipH="1">
-            <a:off x="2091625" y="7390116"/>
-            <a:ext cx="253104" cy="492852"/>
-          </a:xfrm>
-          <a:prstGeom prst="bentConnector3">
-            <a:avLst>
-              <a:gd name="adj1" fmla="val 50000"/>
-            </a:avLst>
-          </a:prstGeom>
-          <a:ln w="19050">
-            <a:tailEnd type="arrow"/>
-          </a:ln>
-        </p:spPr>
-        <p:style>
-          <a:lnRef idx="1">
-            <a:schemeClr val="accent1"/>
-          </a:lnRef>
-          <a:fillRef idx="0">
-            <a:schemeClr val="accent1"/>
-          </a:fillRef>
-          <a:effectRef idx="0">
-            <a:schemeClr val="accent1"/>
-          </a:effectRef>
-          <a:fontRef idx="minor">
-            <a:schemeClr val="tx1"/>
-          </a:fontRef>
-        </p:style>
-      </p:cxnSp>
-      <p:sp>
-        <p:nvSpPr>
-          <p:cNvPr id="748" name="Прямоугольник 747"/>
-          <p:cNvSpPr/>
-          <p:nvPr/>
-        </p:nvSpPr>
-        <p:spPr>
-          <a:xfrm>
-            <a:off x="500941" y="6970185"/>
-            <a:ext cx="926325" cy="540000"/>
-          </a:xfrm>
-          <a:prstGeom prst="rect">
-            <a:avLst/>
-          </a:prstGeom>
-          <a:solidFill>
-            <a:schemeClr val="accent2">
-              <a:lumMod val="75000"/>
-            </a:schemeClr>
-          </a:solidFill>
-          <a:ln w="19050">
-            <a:solidFill>
-              <a:srgbClr val="00B050"/>
-            </a:solidFill>
-          </a:ln>
-        </p:spPr>
-        <p:style>
-          <a:lnRef idx="2">
-            <a:schemeClr val="accent1"/>
-          </a:lnRef>
-          <a:fillRef idx="1">
-            <a:schemeClr val="lt1"/>
-          </a:fillRef>
-          <a:effectRef idx="0">
-            <a:schemeClr val="accent1"/>
-          </a:effectRef>
-          <a:fontRef idx="minor">
-            <a:schemeClr val="dk1"/>
-          </a:fontRef>
-        </p:style>
-        <p:txBody>
-          <a:bodyPr lIns="124733" tIns="62367" rIns="124733" bIns="62367" rtlCol="0" anchor="ctr"/>
-          <a:lstStyle/>
-          <a:p>
-            <a:pPr algn="ctr"/>
-            <a:r>
-              <a:rPr lang="ru-RU" sz="700" dirty="0"/>
-              <a:t>Применить 12 принципов выпуска промышленной продукции</a:t>
-            </a:r>
-          </a:p>
-        </p:txBody>
-      </p:sp>
-      <p:cxnSp>
-        <p:nvCxnSpPr>
-          <p:cNvPr id="751" name="Соединительная линия уступом 750"/>
-          <p:cNvCxnSpPr>
-            <a:stCxn id="724" idx="2"/>
-            <a:endCxn id="748" idx="0"/>
-          </p:cNvCxnSpPr>
-          <p:nvPr/>
-        </p:nvCxnSpPr>
-        <p:spPr>
-          <a:xfrm rot="5400000">
-            <a:off x="1362358" y="6364376"/>
-            <a:ext cx="207555" cy="1004062"/>
-          </a:xfrm>
-          <a:prstGeom prst="bentConnector3">
-            <a:avLst>
-              <a:gd name="adj1" fmla="val 50000"/>
-            </a:avLst>
-          </a:prstGeom>
-          <a:ln w="19050">
-            <a:tailEnd type="arrow"/>
-          </a:ln>
-        </p:spPr>
-        <p:style>
-          <a:lnRef idx="1">
-            <a:schemeClr val="accent1"/>
-          </a:lnRef>
-          <a:fillRef idx="0">
-            <a:schemeClr val="accent1"/>
-          </a:fillRef>
-          <a:effectRef idx="0">
-            <a:schemeClr val="accent1"/>
-          </a:effectRef>
-          <a:fontRef idx="minor">
-            <a:schemeClr val="tx1"/>
-          </a:fontRef>
-        </p:style>
-      </p:cxnSp>
-      <p:sp>
-        <p:nvSpPr>
-          <p:cNvPr id="753" name="Прямоугольник 752"/>
-          <p:cNvSpPr/>
-          <p:nvPr/>
-        </p:nvSpPr>
-        <p:spPr>
-          <a:xfrm>
-            <a:off x="498401" y="7762023"/>
-            <a:ext cx="926325" cy="540000"/>
-          </a:xfrm>
-          <a:prstGeom prst="rect">
-            <a:avLst/>
-          </a:prstGeom>
-          <a:solidFill>
-            <a:schemeClr val="accent2">
-              <a:lumMod val="75000"/>
-            </a:schemeClr>
-          </a:solidFill>
-          <a:ln w="19050"/>
-        </p:spPr>
-        <p:style>
-          <a:lnRef idx="2">
-            <a:schemeClr val="accent1"/>
-          </a:lnRef>
-          <a:fillRef idx="1">
-            <a:schemeClr val="lt1"/>
-          </a:fillRef>
-          <a:effectRef idx="0">
-            <a:schemeClr val="accent1"/>
-          </a:effectRef>
-          <a:fontRef idx="minor">
-            <a:schemeClr val="dk1"/>
-          </a:fontRef>
-        </p:style>
-        <p:txBody>
-          <a:bodyPr lIns="124733" tIns="62367" rIns="124733" bIns="62367" rtlCol="0" anchor="ctr"/>
-          <a:lstStyle/>
-          <a:p>
-            <a:pPr algn="ctr"/>
-            <a:r>
-              <a:rPr lang="ru-RU" sz="700" dirty="0"/>
-              <a:t>Общество мелких собственников</a:t>
-            </a:r>
-            <a:endParaRPr lang="ru-RU" sz="300" dirty="0"/>
-          </a:p>
-        </p:txBody>
-      </p:sp>
-      <p:cxnSp>
-        <p:nvCxnSpPr>
-          <p:cNvPr id="756" name="Прямая со стрелкой 755"/>
-          <p:cNvCxnSpPr>
-            <a:stCxn id="748" idx="2"/>
-            <a:endCxn id="753" idx="0"/>
-          </p:cNvCxnSpPr>
-          <p:nvPr/>
-        </p:nvCxnSpPr>
-        <p:spPr>
-          <a:xfrm flipH="1">
-            <a:off x="961564" y="7510185"/>
-            <a:ext cx="2540" cy="251838"/>
-          </a:xfrm>
-          <a:prstGeom prst="straightConnector1">
-            <a:avLst/>
-          </a:prstGeom>
-          <a:ln w="19050">
-            <a:tailEnd type="arrow"/>
-          </a:ln>
-        </p:spPr>
-        <p:style>
-          <a:lnRef idx="1">
-            <a:schemeClr val="accent1"/>
-          </a:lnRef>
-          <a:fillRef idx="0">
-            <a:schemeClr val="accent1"/>
-          </a:fillRef>
-          <a:effectRef idx="0">
-            <a:schemeClr val="accent1"/>
-          </a:effectRef>
-          <a:fontRef idx="minor">
-            <a:schemeClr val="tx1"/>
-          </a:fontRef>
-        </p:style>
-      </p:cxnSp>
-      <p:sp>
-        <p:nvSpPr>
-          <p:cNvPr id="759" name="Прямоугольник 758"/>
-          <p:cNvSpPr/>
-          <p:nvPr/>
-        </p:nvSpPr>
-        <p:spPr>
-          <a:xfrm>
-            <a:off x="4533204" y="3811544"/>
-            <a:ext cx="926325" cy="540000"/>
-          </a:xfrm>
-          <a:prstGeom prst="rect">
-            <a:avLst/>
-          </a:prstGeom>
-          <a:solidFill>
-            <a:schemeClr val="accent2">
-              <a:lumMod val="75000"/>
-            </a:schemeClr>
-          </a:solidFill>
-          <a:ln w="19050">
-            <a:solidFill>
-              <a:srgbClr val="00B050"/>
-            </a:solidFill>
-          </a:ln>
-        </p:spPr>
-        <p:style>
-          <a:lnRef idx="2">
-            <a:schemeClr val="accent1"/>
-          </a:lnRef>
-          <a:fillRef idx="1">
-            <a:schemeClr val="lt1"/>
-          </a:fillRef>
-          <a:effectRef idx="0">
-            <a:schemeClr val="accent1"/>
-          </a:effectRef>
-          <a:fontRef idx="minor">
-            <a:schemeClr val="dk1"/>
-          </a:fontRef>
-        </p:style>
-        <p:txBody>
-          <a:bodyPr lIns="124733" tIns="62367" rIns="124733" bIns="62367" rtlCol="0" anchor="ctr"/>
-          <a:lstStyle/>
-          <a:p>
-            <a:pPr algn="ctr"/>
-            <a:r>
-              <a:rPr lang="ru-RU" sz="700" dirty="0"/>
-              <a:t>Восстание против </a:t>
-            </a:r>
-            <a:r>
-              <a:rPr lang="ru-RU" sz="700" dirty="0" err="1"/>
-              <a:t>Салазарского</a:t>
-            </a:r>
-            <a:r>
-              <a:rPr lang="ru-RU" sz="700" dirty="0"/>
-              <a:t> режима</a:t>
-            </a:r>
-          </a:p>
-        </p:txBody>
-      </p:sp>
-      <p:cxnSp>
-        <p:nvCxnSpPr>
-          <p:cNvPr id="760" name="Прямая со стрелкой 759"/>
-          <p:cNvCxnSpPr>
-            <a:stCxn id="759" idx="2"/>
-            <a:endCxn id="700" idx="0"/>
-          </p:cNvCxnSpPr>
-          <p:nvPr/>
-        </p:nvCxnSpPr>
-        <p:spPr>
-          <a:xfrm>
-            <a:off x="4996367" y="4351544"/>
-            <a:ext cx="1739" cy="241018"/>
-          </a:xfrm>
-          <a:prstGeom prst="straightConnector1">
-            <a:avLst/>
-          </a:prstGeom>
-          <a:ln w="19050">
-            <a:tailEnd type="arrow"/>
-          </a:ln>
-        </p:spPr>
-        <p:style>
-          <a:lnRef idx="1">
-            <a:schemeClr val="accent1"/>
-          </a:lnRef>
-          <a:fillRef idx="0">
-            <a:schemeClr val="accent1"/>
-          </a:fillRef>
-          <a:effectRef idx="0">
-            <a:schemeClr val="accent1"/>
-          </a:effectRef>
-          <a:fontRef idx="minor">
-            <a:schemeClr val="tx1"/>
-          </a:fontRef>
-        </p:style>
-      </p:cxnSp>
-      <p:cxnSp>
-        <p:nvCxnSpPr>
-          <p:cNvPr id="762" name="Прямая соединительная линия 761"/>
-          <p:cNvCxnSpPr>
-            <a:stCxn id="759" idx="3"/>
-            <a:endCxn id="667" idx="1"/>
-          </p:cNvCxnSpPr>
-          <p:nvPr/>
-        </p:nvCxnSpPr>
-        <p:spPr>
-          <a:xfrm>
-            <a:off x="5459529" y="4081544"/>
-            <a:ext cx="9417966" cy="1311"/>
-          </a:xfrm>
-          <a:prstGeom prst="line">
-            <a:avLst/>
-          </a:prstGeom>
-          <a:ln w="19050">
-            <a:solidFill>
-              <a:srgbClr val="FF0000"/>
-            </a:solidFill>
-          </a:ln>
-        </p:spPr>
-        <p:style>
-          <a:lnRef idx="1">
-            <a:schemeClr val="accent1"/>
-          </a:lnRef>
-          <a:fillRef idx="0">
-            <a:schemeClr val="accent1"/>
-          </a:fillRef>
-          <a:effectRef idx="0">
-            <a:schemeClr val="accent1"/>
-          </a:effectRef>
-          <a:fontRef idx="minor">
-            <a:schemeClr val="tx1"/>
-          </a:fontRef>
-        </p:style>
-      </p:cxnSp>
-      <p:cxnSp>
-        <p:nvCxnSpPr>
-          <p:cNvPr id="720" name="Прямая со стрелкой 719"/>
-          <p:cNvCxnSpPr>
-            <a:stCxn id="502" idx="2"/>
-            <a:endCxn id="712" idx="0"/>
-          </p:cNvCxnSpPr>
-          <p:nvPr/>
-        </p:nvCxnSpPr>
-        <p:spPr>
-          <a:xfrm flipH="1">
-            <a:off x="28643794" y="8410531"/>
-            <a:ext cx="1128" cy="281085"/>
-          </a:xfrm>
-          <a:prstGeom prst="straightConnector1">
-            <a:avLst/>
-          </a:prstGeom>
-          <a:ln w="19050">
-            <a:tailEnd type="arrow"/>
-          </a:ln>
-        </p:spPr>
-        <p:style>
-          <a:lnRef idx="1">
-            <a:schemeClr val="accent1"/>
-          </a:lnRef>
-          <a:fillRef idx="0">
-            <a:schemeClr val="accent1"/>
-          </a:fillRef>
-          <a:effectRef idx="0">
-            <a:schemeClr val="accent1"/>
-          </a:effectRef>
-          <a:fontRef idx="minor">
-            <a:schemeClr val="tx1"/>
-          </a:fontRef>
-        </p:style>
-      </p:cxnSp>
-      <p:sp>
-        <p:nvSpPr>
-          <p:cNvPr id="742" name="Прямоугольник 741"/>
-          <p:cNvSpPr/>
-          <p:nvPr/>
-        </p:nvSpPr>
-        <p:spPr>
-          <a:xfrm>
-            <a:off x="3506567" y="7756611"/>
-            <a:ext cx="926325" cy="540000"/>
-          </a:xfrm>
-          <a:prstGeom prst="rect">
-            <a:avLst/>
-          </a:prstGeom>
-          <a:solidFill>
-            <a:schemeClr val="accent2">
-              <a:lumMod val="75000"/>
-            </a:schemeClr>
-          </a:solidFill>
-          <a:ln w="19050"/>
         </p:spPr>
         <p:style>
           <a:lnRef idx="2">
@@ -30505,7 +30582,11 @@
           <a:solidFill>
             <a:srgbClr val="7030A0"/>
           </a:solidFill>
-          <a:ln w="19050"/>
+          <a:ln w="19050">
+            <a:solidFill>
+              <a:srgbClr val="FFFF00"/>
+            </a:solidFill>
+          </a:ln>
         </p:spPr>
         <p:style>
           <a:lnRef idx="2">
@@ -30596,7 +30677,11 @@
           <a:solidFill>
             <a:srgbClr val="7030A0"/>
           </a:solidFill>
-          <a:ln w="19050"/>
+          <a:ln w="19050">
+            <a:solidFill>
+              <a:srgbClr val="FFFF00"/>
+            </a:solidFill>
+          </a:ln>
         </p:spPr>
         <p:style>
           <a:lnRef idx="2">
@@ -30633,6 +30718,133 @@
         <p:spPr>
           <a:xfrm>
             <a:off x="9216922" y="7754416"/>
+            <a:ext cx="926325" cy="540000"/>
+          </a:xfrm>
+          <a:prstGeom prst="rect">
+            <a:avLst/>
+          </a:prstGeom>
+          <a:solidFill>
+            <a:srgbClr val="7030A0"/>
+          </a:solidFill>
+          <a:ln w="19050">
+            <a:solidFill>
+              <a:srgbClr val="00B050"/>
+            </a:solidFill>
+          </a:ln>
+        </p:spPr>
+        <p:style>
+          <a:lnRef idx="2">
+            <a:schemeClr val="accent1"/>
+          </a:lnRef>
+          <a:fillRef idx="1">
+            <a:schemeClr val="lt1"/>
+          </a:fillRef>
+          <a:effectRef idx="0">
+            <a:schemeClr val="accent1"/>
+          </a:effectRef>
+          <a:fontRef idx="minor">
+            <a:schemeClr val="dk1"/>
+          </a:fontRef>
+        </p:style>
+        <p:txBody>
+          <a:bodyPr lIns="124733" tIns="62367" rIns="124733" bIns="62367" rtlCol="0" anchor="ctr"/>
+          <a:lstStyle/>
+          <a:p>
+            <a:pPr algn="ctr"/>
+            <a:r>
+              <a:rPr lang="ru-RU" sz="700" dirty="0"/>
+              <a:t>Внедрение Бразильской индустрии</a:t>
+            </a:r>
+          </a:p>
+        </p:txBody>
+      </p:sp>
+      <p:cxnSp>
+        <p:nvCxnSpPr>
+          <p:cNvPr id="766" name="Соединительная линия уступом 765"/>
+          <p:cNvCxnSpPr>
+            <a:stCxn id="652" idx="2"/>
+            <a:endCxn id="792" idx="0"/>
+          </p:cNvCxnSpPr>
+          <p:nvPr/>
+        </p:nvCxnSpPr>
+        <p:spPr>
+          <a:xfrm rot="5400000">
+            <a:off x="9047831" y="6336986"/>
+            <a:ext cx="203706" cy="1068124"/>
+          </a:xfrm>
+          <a:prstGeom prst="bentConnector3">
+            <a:avLst>
+              <a:gd name="adj1" fmla="val 50000"/>
+            </a:avLst>
+          </a:prstGeom>
+          <a:ln w="19050">
+            <a:prstDash val="sysDash"/>
+            <a:tailEnd type="arrow"/>
+          </a:ln>
+        </p:spPr>
+        <p:style>
+          <a:lnRef idx="1">
+            <a:schemeClr val="accent1"/>
+          </a:lnRef>
+          <a:fillRef idx="0">
+            <a:schemeClr val="accent1"/>
+          </a:fillRef>
+          <a:effectRef idx="0">
+            <a:schemeClr val="accent1"/>
+          </a:effectRef>
+          <a:fontRef idx="minor">
+            <a:schemeClr val="tx1"/>
+          </a:fontRef>
+        </p:style>
+      </p:cxnSp>
+      <p:cxnSp>
+        <p:nvCxnSpPr>
+          <p:cNvPr id="774" name="Соединительная линия уступом 773"/>
+          <p:cNvCxnSpPr>
+            <a:stCxn id="827" idx="2"/>
+            <a:endCxn id="805" idx="0"/>
+          </p:cNvCxnSpPr>
+          <p:nvPr/>
+        </p:nvCxnSpPr>
+        <p:spPr>
+          <a:xfrm rot="5400000">
+            <a:off x="9572683" y="7334575"/>
+            <a:ext cx="200951" cy="2132825"/>
+          </a:xfrm>
+          <a:prstGeom prst="bentConnector3">
+            <a:avLst>
+              <a:gd name="adj1" fmla="val 50000"/>
+            </a:avLst>
+          </a:prstGeom>
+          <a:ln w="19050">
+            <a:prstDash val="sysDash"/>
+            <a:tailEnd type="arrow"/>
+          </a:ln>
+        </p:spPr>
+        <p:style>
+          <a:lnRef idx="1">
+            <a:schemeClr val="accent1"/>
+          </a:lnRef>
+          <a:fillRef idx="0">
+            <a:schemeClr val="accent1"/>
+          </a:fillRef>
+          <a:effectRef idx="0">
+            <a:schemeClr val="accent1"/>
+          </a:effectRef>
+          <a:fontRef idx="minor">
+            <a:schemeClr val="tx1"/>
+          </a:fontRef>
+        </p:style>
+      </p:cxnSp>
+      <p:sp>
+        <p:nvSpPr>
+          <p:cNvPr id="778" name="Прямоугольник 777"/>
+          <p:cNvSpPr/>
+          <p:nvPr/>
+        </p:nvSpPr>
+        <p:spPr>
+          <a:xfrm>
+            <a:off x="12875687" y="6248705"/>
             <a:ext cx="926325" cy="540000"/>
           </a:xfrm>
           <a:prstGeom prst="rect">
@@ -30664,24 +30876,195 @@
             <a:pPr algn="ctr"/>
             <a:r>
               <a:rPr lang="ru-RU" sz="700" dirty="0"/>
-              <a:t>Внедрение Бразильской индустрии</a:t>
-            </a:r>
-          </a:p>
-        </p:txBody>
-      </p:sp>
-      <p:cxnSp>
-        <p:nvCxnSpPr>
-          <p:cNvPr id="766" name="Соединительная линия уступом 765"/>
-          <p:cNvCxnSpPr>
-            <a:stCxn id="652" idx="2"/>
-            <a:endCxn id="792" idx="0"/>
-          </p:cNvCxnSpPr>
-          <p:nvPr/>
-        </p:nvCxnSpPr>
-        <p:spPr>
-          <a:xfrm rot="5400000">
-            <a:off x="9047831" y="6336986"/>
-            <a:ext cx="203706" cy="1068124"/>
+              <a:t>Помочь </a:t>
+            </a:r>
+            <a:r>
+              <a:rPr lang="ru-RU" sz="700" dirty="0" err="1"/>
+              <a:t>рекета</a:t>
+            </a:r>
+            <a:r>
+              <a:rPr lang="ru-RU" sz="700" dirty="0"/>
+              <a:t> (ваниль)</a:t>
+            </a:r>
+          </a:p>
+        </p:txBody>
+      </p:sp>
+      <p:sp>
+        <p:nvSpPr>
+          <p:cNvPr id="781" name="Прямоугольник 780"/>
+          <p:cNvSpPr/>
+          <p:nvPr/>
+        </p:nvSpPr>
+        <p:spPr>
+          <a:xfrm>
+            <a:off x="12362435" y="6964376"/>
+            <a:ext cx="926325" cy="540000"/>
+          </a:xfrm>
+          <a:prstGeom prst="rect">
+            <a:avLst/>
+          </a:prstGeom>
+          <a:solidFill>
+            <a:srgbClr val="7030A0"/>
+          </a:solidFill>
+          <a:ln w="19050">
+            <a:solidFill>
+              <a:srgbClr val="FFFF00"/>
+            </a:solidFill>
+          </a:ln>
+        </p:spPr>
+        <p:style>
+          <a:lnRef idx="2">
+            <a:schemeClr val="accent1"/>
+          </a:lnRef>
+          <a:fillRef idx="1">
+            <a:schemeClr val="lt1"/>
+          </a:fillRef>
+          <a:effectRef idx="0">
+            <a:schemeClr val="accent1"/>
+          </a:effectRef>
+          <a:fontRef idx="minor">
+            <a:schemeClr val="dk1"/>
+          </a:fontRef>
+        </p:style>
+        <p:txBody>
+          <a:bodyPr lIns="124733" tIns="62367" rIns="124733" bIns="62367" rtlCol="0" anchor="ctr"/>
+          <a:lstStyle/>
+          <a:p>
+            <a:pPr algn="ctr"/>
+            <a:r>
+              <a:rPr lang="ru-RU" sz="700" dirty="0"/>
+              <a:t>Помните об </a:t>
+            </a:r>
+            <a:r>
+              <a:rPr lang="ru-RU" sz="700" dirty="0" err="1"/>
+              <a:t>Оливенса</a:t>
+            </a:r>
+            <a:r>
+              <a:rPr lang="ru-RU" sz="700" dirty="0"/>
+              <a:t> (ваниль)</a:t>
+            </a:r>
+            <a:r>
+              <a:rPr lang="ru-RU" sz="800" dirty="0"/>
+              <a:t> </a:t>
+            </a:r>
+            <a:endParaRPr lang="ru-RU" sz="700" dirty="0"/>
+          </a:p>
+        </p:txBody>
+      </p:sp>
+      <p:sp>
+        <p:nvSpPr>
+          <p:cNvPr id="785" name="Прямоугольник 784"/>
+          <p:cNvSpPr/>
+          <p:nvPr/>
+        </p:nvSpPr>
+        <p:spPr>
+          <a:xfrm>
+            <a:off x="13408509" y="6964375"/>
+            <a:ext cx="926325" cy="540000"/>
+          </a:xfrm>
+          <a:prstGeom prst="rect">
+            <a:avLst/>
+          </a:prstGeom>
+          <a:solidFill>
+            <a:srgbClr val="7030A0"/>
+          </a:solidFill>
+          <a:ln w="19050"/>
+        </p:spPr>
+        <p:style>
+          <a:lnRef idx="2">
+            <a:schemeClr val="accent1"/>
+          </a:lnRef>
+          <a:fillRef idx="1">
+            <a:schemeClr val="lt1"/>
+          </a:fillRef>
+          <a:effectRef idx="0">
+            <a:schemeClr val="accent1"/>
+          </a:effectRef>
+          <a:fontRef idx="minor">
+            <a:schemeClr val="dk1"/>
+          </a:fontRef>
+        </p:style>
+        <p:txBody>
+          <a:bodyPr lIns="124733" tIns="62367" rIns="124733" bIns="62367" rtlCol="0" anchor="ctr"/>
+          <a:lstStyle/>
+          <a:p>
+            <a:pPr algn="ctr"/>
+            <a:r>
+              <a:rPr lang="ru-RU" sz="800" dirty="0"/>
+              <a:t>Королевский Иберийский союз </a:t>
+            </a:r>
+            <a:r>
+              <a:rPr lang="ru-RU" sz="500" dirty="0"/>
+              <a:t>(объединён с присоединиться к сражением </a:t>
+            </a:r>
+            <a:r>
+              <a:rPr lang="ru-RU" sz="500" dirty="0" err="1"/>
+              <a:t>карлистов</a:t>
+            </a:r>
+            <a:r>
+              <a:rPr lang="ru-RU" sz="500" dirty="0"/>
+              <a:t>) </a:t>
+            </a:r>
+            <a:r>
+              <a:rPr lang="ru-RU" sz="800" dirty="0"/>
+              <a:t>(ваниль)</a:t>
+            </a:r>
+          </a:p>
+          <a:p>
+            <a:pPr algn="ctr"/>
+            <a:endParaRPr lang="ru-RU" sz="700" dirty="0"/>
+          </a:p>
+        </p:txBody>
+      </p:sp>
+      <p:cxnSp>
+        <p:nvCxnSpPr>
+          <p:cNvPr id="796" name="Прямая со стрелкой 795"/>
+          <p:cNvCxnSpPr>
+            <a:stCxn id="807" idx="2"/>
+            <a:endCxn id="778" idx="0"/>
+          </p:cNvCxnSpPr>
+          <p:nvPr/>
+        </p:nvCxnSpPr>
+        <p:spPr>
+          <a:xfrm flipH="1">
+            <a:off x="13338850" y="5956032"/>
+            <a:ext cx="1219" cy="292673"/>
+          </a:xfrm>
+          <a:prstGeom prst="straightConnector1">
+            <a:avLst/>
+          </a:prstGeom>
+          <a:ln w="19050">
+            <a:tailEnd type="arrow"/>
+          </a:ln>
+        </p:spPr>
+        <p:style>
+          <a:lnRef idx="1">
+            <a:schemeClr val="accent1"/>
+          </a:lnRef>
+          <a:fillRef idx="0">
+            <a:schemeClr val="accent1"/>
+          </a:fillRef>
+          <a:effectRef idx="0">
+            <a:schemeClr val="accent1"/>
+          </a:effectRef>
+          <a:fontRef idx="minor">
+            <a:schemeClr val="tx1"/>
+          </a:fontRef>
+        </p:style>
+      </p:cxnSp>
+      <p:cxnSp>
+        <p:nvCxnSpPr>
+          <p:cNvPr id="800" name="Соединительная линия уступом 799"/>
+          <p:cNvCxnSpPr>
+            <a:stCxn id="778" idx="2"/>
+            <a:endCxn id="785" idx="0"/>
+          </p:cNvCxnSpPr>
+          <p:nvPr/>
+        </p:nvCxnSpPr>
+        <p:spPr>
+          <a:xfrm rot="16200000" flipH="1">
+            <a:off x="13517426" y="6610129"/>
+            <a:ext cx="175670" cy="532822"/>
           </a:xfrm>
           <a:prstGeom prst="bentConnector3">
             <a:avLst>
@@ -30689,38 +31072,37 @@
             </a:avLst>
           </a:prstGeom>
           <a:ln w="19050">
-            <a:prstDash val="sysDash"/>
-            <a:tailEnd type="arrow"/>
-          </a:ln>
-        </p:spPr>
-        <p:style>
-          <a:lnRef idx="1">
-            <a:schemeClr val="accent1"/>
-          </a:lnRef>
-          <a:fillRef idx="0">
-            <a:schemeClr val="accent1"/>
-          </a:fillRef>
-          <a:effectRef idx="0">
-            <a:schemeClr val="accent1"/>
-          </a:effectRef>
-          <a:fontRef idx="minor">
-            <a:schemeClr val="tx1"/>
-          </a:fontRef>
-        </p:style>
-      </p:cxnSp>
-      <p:cxnSp>
-        <p:nvCxnSpPr>
-          <p:cNvPr id="774" name="Соединительная линия уступом 773"/>
-          <p:cNvCxnSpPr>
-            <a:stCxn id="827" idx="2"/>
-            <a:endCxn id="805" idx="0"/>
+            <a:tailEnd type="arrow"/>
+          </a:ln>
+        </p:spPr>
+        <p:style>
+          <a:lnRef idx="1">
+            <a:schemeClr val="accent1"/>
+          </a:lnRef>
+          <a:fillRef idx="0">
+            <a:schemeClr val="accent1"/>
+          </a:fillRef>
+          <a:effectRef idx="0">
+            <a:schemeClr val="accent1"/>
+          </a:effectRef>
+          <a:fontRef idx="minor">
+            <a:schemeClr val="tx1"/>
+          </a:fontRef>
+        </p:style>
+      </p:cxnSp>
+      <p:cxnSp>
+        <p:nvCxnSpPr>
+          <p:cNvPr id="804" name="Соединительная линия уступом 803"/>
+          <p:cNvCxnSpPr>
+            <a:stCxn id="778" idx="2"/>
+            <a:endCxn id="781" idx="0"/>
           </p:cNvCxnSpPr>
           <p:nvPr/>
         </p:nvCxnSpPr>
         <p:spPr>
           <a:xfrm rot="5400000">
-            <a:off x="9572683" y="7334575"/>
-            <a:ext cx="200951" cy="2132825"/>
+            <a:off x="12994389" y="6619914"/>
+            <a:ext cx="175671" cy="513252"/>
           </a:xfrm>
           <a:prstGeom prst="bentConnector3">
             <a:avLst>
@@ -30728,34 +31110,619 @@
             </a:avLst>
           </a:prstGeom>
           <a:ln w="19050">
-            <a:prstDash val="sysDash"/>
-            <a:tailEnd type="arrow"/>
-          </a:ln>
-        </p:spPr>
-        <p:style>
-          <a:lnRef idx="1">
-            <a:schemeClr val="accent1"/>
-          </a:lnRef>
-          <a:fillRef idx="0">
-            <a:schemeClr val="accent1"/>
-          </a:fillRef>
-          <a:effectRef idx="0">
-            <a:schemeClr val="accent1"/>
-          </a:effectRef>
-          <a:fontRef idx="minor">
-            <a:schemeClr val="tx1"/>
-          </a:fontRef>
-        </p:style>
-      </p:cxnSp>
-      <p:sp>
-        <p:nvSpPr>
-          <p:cNvPr id="778" name="Прямоугольник 777"/>
+            <a:tailEnd type="arrow"/>
+          </a:ln>
+        </p:spPr>
+        <p:style>
+          <a:lnRef idx="1">
+            <a:schemeClr val="accent1"/>
+          </a:lnRef>
+          <a:fillRef idx="0">
+            <a:schemeClr val="accent1"/>
+          </a:fillRef>
+          <a:effectRef idx="0">
+            <a:schemeClr val="accent1"/>
+          </a:effectRef>
+          <a:fontRef idx="minor">
+            <a:schemeClr val="tx1"/>
+          </a:fontRef>
+        </p:style>
+      </p:cxnSp>
+      <p:cxnSp>
+        <p:nvCxnSpPr>
+          <p:cNvPr id="814" name="Прямая соединительная линия 813"/>
+          <p:cNvCxnSpPr>
+            <a:stCxn id="785" idx="1"/>
+            <a:endCxn id="781" idx="3"/>
+          </p:cNvCxnSpPr>
+          <p:nvPr/>
+        </p:nvCxnSpPr>
+        <p:spPr>
+          <a:xfrm flipH="1">
+            <a:off x="13288760" y="7234375"/>
+            <a:ext cx="119749" cy="1"/>
+          </a:xfrm>
+          <a:prstGeom prst="line">
+            <a:avLst/>
+          </a:prstGeom>
+          <a:ln w="19050">
+            <a:solidFill>
+              <a:srgbClr val="FF0000"/>
+            </a:solidFill>
+          </a:ln>
+        </p:spPr>
+        <p:style>
+          <a:lnRef idx="1">
+            <a:schemeClr val="accent1"/>
+          </a:lnRef>
+          <a:fillRef idx="0">
+            <a:schemeClr val="accent1"/>
+          </a:fillRef>
+          <a:effectRef idx="0">
+            <a:schemeClr val="accent1"/>
+          </a:effectRef>
+          <a:fontRef idx="minor">
+            <a:schemeClr val="tx1"/>
+          </a:fontRef>
+        </p:style>
+      </p:cxnSp>
+      <p:cxnSp>
+        <p:nvCxnSpPr>
+          <p:cNvPr id="821" name="Прямая со стрелкой 820"/>
+          <p:cNvCxnSpPr>
+            <a:stCxn id="652" idx="2"/>
+            <a:endCxn id="757" idx="0"/>
+          </p:cNvCxnSpPr>
+          <p:nvPr/>
+        </p:nvCxnSpPr>
+        <p:spPr>
+          <a:xfrm flipH="1">
+            <a:off x="9681304" y="6769195"/>
+            <a:ext cx="2442" cy="203713"/>
+          </a:xfrm>
+          <a:prstGeom prst="straightConnector1">
+            <a:avLst/>
+          </a:prstGeom>
+          <a:ln w="19050">
+            <a:tailEnd type="arrow"/>
+          </a:ln>
+        </p:spPr>
+        <p:style>
+          <a:lnRef idx="1">
+            <a:schemeClr val="accent1"/>
+          </a:lnRef>
+          <a:fillRef idx="0">
+            <a:schemeClr val="accent1"/>
+          </a:fillRef>
+          <a:effectRef idx="0">
+            <a:schemeClr val="accent1"/>
+          </a:effectRef>
+          <a:fontRef idx="minor">
+            <a:schemeClr val="tx1"/>
+          </a:fontRef>
+        </p:style>
+      </p:cxnSp>
+      <p:cxnSp>
+        <p:nvCxnSpPr>
+          <p:cNvPr id="824" name="Прямая со стрелкой 823"/>
+          <p:cNvCxnSpPr>
+            <a:stCxn id="757" idx="2"/>
+            <a:endCxn id="765" idx="0"/>
+          </p:cNvCxnSpPr>
+          <p:nvPr/>
+        </p:nvCxnSpPr>
+        <p:spPr>
+          <a:xfrm flipH="1">
+            <a:off x="9680085" y="7512908"/>
+            <a:ext cx="1219" cy="241508"/>
+          </a:xfrm>
+          <a:prstGeom prst="straightConnector1">
+            <a:avLst/>
+          </a:prstGeom>
+          <a:ln w="19050">
+            <a:tailEnd type="arrow"/>
+          </a:ln>
+        </p:spPr>
+        <p:style>
+          <a:lnRef idx="1">
+            <a:schemeClr val="accent1"/>
+          </a:lnRef>
+          <a:fillRef idx="0">
+            <a:schemeClr val="accent1"/>
+          </a:fillRef>
+          <a:effectRef idx="0">
+            <a:schemeClr val="accent1"/>
+          </a:effectRef>
+          <a:fontRef idx="minor">
+            <a:schemeClr val="tx1"/>
+          </a:fontRef>
+        </p:style>
+      </p:cxnSp>
+      <p:sp>
+        <p:nvSpPr>
+          <p:cNvPr id="827" name="Прямоугольник 826"/>
           <p:cNvSpPr/>
           <p:nvPr/>
         </p:nvSpPr>
         <p:spPr>
           <a:xfrm>
-            <a:off x="12875687" y="6248705"/>
+            <a:off x="10276407" y="7760512"/>
+            <a:ext cx="926325" cy="540000"/>
+          </a:xfrm>
+          <a:prstGeom prst="rect">
+            <a:avLst/>
+          </a:prstGeom>
+          <a:solidFill>
+            <a:srgbClr val="7030A0"/>
+          </a:solidFill>
+          <a:ln w="19050">
+            <a:solidFill>
+              <a:srgbClr val="FFFF00"/>
+            </a:solidFill>
+          </a:ln>
+        </p:spPr>
+        <p:style>
+          <a:lnRef idx="2">
+            <a:schemeClr val="accent1"/>
+          </a:lnRef>
+          <a:fillRef idx="1">
+            <a:schemeClr val="lt1"/>
+          </a:fillRef>
+          <a:effectRef idx="0">
+            <a:schemeClr val="accent1"/>
+          </a:effectRef>
+          <a:fontRef idx="minor">
+            <a:schemeClr val="dk1"/>
+          </a:fontRef>
+        </p:style>
+        <p:txBody>
+          <a:bodyPr lIns="124733" tIns="62367" rIns="124733" bIns="62367" rtlCol="0" anchor="ctr"/>
+          <a:lstStyle/>
+          <a:p>
+            <a:pPr algn="ctr"/>
+            <a:r>
+              <a:rPr lang="ru-RU" sz="700" dirty="0"/>
+              <a:t>Объединение королевств</a:t>
+            </a:r>
+          </a:p>
+        </p:txBody>
+      </p:sp>
+      <p:cxnSp>
+        <p:nvCxnSpPr>
+          <p:cNvPr id="848" name="Соединительная линия уступом 847"/>
+          <p:cNvCxnSpPr>
+            <a:stCxn id="757" idx="2"/>
+            <a:endCxn id="827" idx="0"/>
+          </p:cNvCxnSpPr>
+          <p:nvPr/>
+        </p:nvCxnSpPr>
+        <p:spPr>
+          <a:xfrm rot="16200000" flipH="1">
+            <a:off x="10086635" y="7107577"/>
+            <a:ext cx="247604" cy="1058266"/>
+          </a:xfrm>
+          <a:prstGeom prst="bentConnector3">
+            <a:avLst>
+              <a:gd name="adj1" fmla="val 50000"/>
+            </a:avLst>
+          </a:prstGeom>
+          <a:ln w="19050">
+            <a:tailEnd type="arrow"/>
+          </a:ln>
+        </p:spPr>
+        <p:style>
+          <a:lnRef idx="1">
+            <a:schemeClr val="accent1"/>
+          </a:lnRef>
+          <a:fillRef idx="0">
+            <a:schemeClr val="accent1"/>
+          </a:fillRef>
+          <a:effectRef idx="0">
+            <a:schemeClr val="accent1"/>
+          </a:effectRef>
+          <a:fontRef idx="minor">
+            <a:schemeClr val="tx1"/>
+          </a:fontRef>
+        </p:style>
+      </p:cxnSp>
+      <p:cxnSp>
+        <p:nvCxnSpPr>
+          <p:cNvPr id="859" name="Соединительная линия уступом 858"/>
+          <p:cNvCxnSpPr>
+            <a:stCxn id="646" idx="2"/>
+            <a:endCxn id="807" idx="0"/>
+          </p:cNvCxnSpPr>
+          <p:nvPr/>
+        </p:nvCxnSpPr>
+        <p:spPr>
+          <a:xfrm rot="16200000" flipH="1">
+            <a:off x="12160763" y="4236725"/>
+            <a:ext cx="286101" cy="2072511"/>
+          </a:xfrm>
+          <a:prstGeom prst="bentConnector3">
+            <a:avLst>
+              <a:gd name="adj1" fmla="val 50000"/>
+            </a:avLst>
+          </a:prstGeom>
+          <a:ln w="19050">
+            <a:tailEnd type="arrow"/>
+          </a:ln>
+        </p:spPr>
+        <p:style>
+          <a:lnRef idx="1">
+            <a:schemeClr val="accent1"/>
+          </a:lnRef>
+          <a:fillRef idx="0">
+            <a:schemeClr val="accent1"/>
+          </a:fillRef>
+          <a:effectRef idx="0">
+            <a:schemeClr val="accent1"/>
+          </a:effectRef>
+          <a:fontRef idx="minor">
+            <a:schemeClr val="tx1"/>
+          </a:fontRef>
+        </p:style>
+      </p:cxnSp>
+      <p:sp>
+        <p:nvSpPr>
+          <p:cNvPr id="864" name="Прямоугольник 863"/>
+          <p:cNvSpPr/>
+          <p:nvPr/>
+        </p:nvSpPr>
+        <p:spPr>
+          <a:xfrm>
+            <a:off x="9218085" y="5422129"/>
+            <a:ext cx="926325" cy="540000"/>
+          </a:xfrm>
+          <a:prstGeom prst="rect">
+            <a:avLst/>
+          </a:prstGeom>
+          <a:solidFill>
+            <a:srgbClr val="7030A0"/>
+          </a:solidFill>
+          <a:ln w="19050">
+            <a:solidFill>
+              <a:srgbClr val="00B050"/>
+            </a:solidFill>
+          </a:ln>
+        </p:spPr>
+        <p:style>
+          <a:lnRef idx="2">
+            <a:schemeClr val="accent1"/>
+          </a:lnRef>
+          <a:fillRef idx="1">
+            <a:schemeClr val="lt1"/>
+          </a:fillRef>
+          <a:effectRef idx="0">
+            <a:schemeClr val="accent1"/>
+          </a:effectRef>
+          <a:fontRef idx="minor">
+            <a:schemeClr val="dk1"/>
+          </a:fontRef>
+        </p:style>
+        <p:txBody>
+          <a:bodyPr lIns="124733" tIns="62367" rIns="124733" bIns="62367" rtlCol="0" anchor="ctr"/>
+          <a:lstStyle/>
+          <a:p>
+            <a:pPr algn="ctr"/>
+            <a:r>
+              <a:rPr lang="ru-RU" sz="700" dirty="0"/>
+              <a:t>Назначить советников короля (типа кабинета короля)</a:t>
+            </a:r>
+          </a:p>
+        </p:txBody>
+      </p:sp>
+      <p:cxnSp>
+        <p:nvCxnSpPr>
+          <p:cNvPr id="865" name="Соединительная линия уступом 864"/>
+          <p:cNvCxnSpPr>
+            <a:stCxn id="646" idx="2"/>
+            <a:endCxn id="864" idx="0"/>
+          </p:cNvCxnSpPr>
+          <p:nvPr/>
+        </p:nvCxnSpPr>
+        <p:spPr>
+          <a:xfrm rot="5400000">
+            <a:off x="10328304" y="4482875"/>
+            <a:ext cx="292198" cy="1586310"/>
+          </a:xfrm>
+          <a:prstGeom prst="bentConnector3">
+            <a:avLst>
+              <a:gd name="adj1" fmla="val 50000"/>
+            </a:avLst>
+          </a:prstGeom>
+          <a:ln w="19050">
+            <a:tailEnd type="arrow"/>
+          </a:ln>
+        </p:spPr>
+        <p:style>
+          <a:lnRef idx="1">
+            <a:schemeClr val="accent1"/>
+          </a:lnRef>
+          <a:fillRef idx="0">
+            <a:schemeClr val="accent1"/>
+          </a:fillRef>
+          <a:effectRef idx="0">
+            <a:schemeClr val="accent1"/>
+          </a:effectRef>
+          <a:fontRef idx="minor">
+            <a:schemeClr val="tx1"/>
+          </a:fontRef>
+        </p:style>
+      </p:cxnSp>
+      <p:sp>
+        <p:nvSpPr>
+          <p:cNvPr id="876" name="Прямоугольник 875"/>
+          <p:cNvSpPr/>
+          <p:nvPr/>
+        </p:nvSpPr>
+        <p:spPr>
+          <a:xfrm>
+            <a:off x="10280068" y="6227975"/>
+            <a:ext cx="926325" cy="540000"/>
+          </a:xfrm>
+          <a:prstGeom prst="rect">
+            <a:avLst/>
+          </a:prstGeom>
+          <a:solidFill>
+            <a:srgbClr val="7030A0"/>
+          </a:solidFill>
+          <a:ln w="19050">
+            <a:solidFill>
+              <a:srgbClr val="00B050"/>
+            </a:solidFill>
+          </a:ln>
+        </p:spPr>
+        <p:style>
+          <a:lnRef idx="2">
+            <a:schemeClr val="accent1"/>
+          </a:lnRef>
+          <a:fillRef idx="1">
+            <a:schemeClr val="lt1"/>
+          </a:fillRef>
+          <a:effectRef idx="0">
+            <a:schemeClr val="accent1"/>
+          </a:effectRef>
+          <a:fontRef idx="minor">
+            <a:schemeClr val="dk1"/>
+          </a:fontRef>
+        </p:style>
+        <p:txBody>
+          <a:bodyPr lIns="124733" tIns="62367" rIns="124733" bIns="62367" rtlCol="0" anchor="ctr"/>
+          <a:lstStyle/>
+          <a:p>
+            <a:pPr algn="ctr"/>
+            <a:r>
+              <a:rPr lang="ru-RU" sz="700" dirty="0"/>
+              <a:t>Королевские скауты</a:t>
+            </a:r>
+          </a:p>
+        </p:txBody>
+      </p:sp>
+      <p:cxnSp>
+        <p:nvCxnSpPr>
+          <p:cNvPr id="878" name="Соединительная линия уступом 877"/>
+          <p:cNvCxnSpPr>
+            <a:stCxn id="650" idx="2"/>
+            <a:endCxn id="876" idx="0"/>
+          </p:cNvCxnSpPr>
+          <p:nvPr/>
+        </p:nvCxnSpPr>
+        <p:spPr>
+          <a:xfrm rot="16200000" flipH="1">
+            <a:off x="9543693" y="5028437"/>
+            <a:ext cx="267362" cy="2131714"/>
+          </a:xfrm>
+          <a:prstGeom prst="bentConnector3">
+            <a:avLst>
+              <a:gd name="adj1" fmla="val 50000"/>
+            </a:avLst>
+          </a:prstGeom>
+          <a:ln w="19050">
+            <a:tailEnd type="arrow"/>
+          </a:ln>
+        </p:spPr>
+        <p:style>
+          <a:lnRef idx="1">
+            <a:schemeClr val="accent1"/>
+          </a:lnRef>
+          <a:fillRef idx="0">
+            <a:schemeClr val="accent1"/>
+          </a:fillRef>
+          <a:effectRef idx="0">
+            <a:schemeClr val="accent1"/>
+          </a:effectRef>
+          <a:fontRef idx="minor">
+            <a:schemeClr val="tx1"/>
+          </a:fontRef>
+        </p:style>
+      </p:cxnSp>
+      <p:sp>
+        <p:nvSpPr>
+          <p:cNvPr id="882" name="Прямоугольник 881"/>
+          <p:cNvSpPr/>
+          <p:nvPr/>
+        </p:nvSpPr>
+        <p:spPr>
+          <a:xfrm>
+            <a:off x="10278849" y="6965591"/>
+            <a:ext cx="926325" cy="540000"/>
+          </a:xfrm>
+          <a:prstGeom prst="rect">
+            <a:avLst/>
+          </a:prstGeom>
+          <a:solidFill>
+            <a:srgbClr val="7030A0"/>
+          </a:solidFill>
+          <a:ln w="19050">
+            <a:solidFill>
+              <a:srgbClr val="00B050"/>
+            </a:solidFill>
+          </a:ln>
+        </p:spPr>
+        <p:style>
+          <a:lnRef idx="2">
+            <a:schemeClr val="accent1"/>
+          </a:lnRef>
+          <a:fillRef idx="1">
+            <a:schemeClr val="lt1"/>
+          </a:fillRef>
+          <a:effectRef idx="0">
+            <a:schemeClr val="accent1"/>
+          </a:effectRef>
+          <a:fontRef idx="minor">
+            <a:schemeClr val="dk1"/>
+          </a:fontRef>
+        </p:style>
+        <p:txBody>
+          <a:bodyPr lIns="124733" tIns="62367" rIns="124733" bIns="62367" rtlCol="0" anchor="ctr"/>
+          <a:lstStyle/>
+          <a:p>
+            <a:pPr algn="ctr"/>
+            <a:r>
+              <a:rPr lang="ru-RU" sz="700" dirty="0"/>
+              <a:t>Создание королевской гвардии</a:t>
+            </a:r>
+          </a:p>
+        </p:txBody>
+      </p:sp>
+      <p:cxnSp>
+        <p:nvCxnSpPr>
+          <p:cNvPr id="884" name="Прямая со стрелкой 883"/>
+          <p:cNvCxnSpPr>
+            <a:stCxn id="876" idx="2"/>
+            <a:endCxn id="882" idx="0"/>
+          </p:cNvCxnSpPr>
+          <p:nvPr/>
+        </p:nvCxnSpPr>
+        <p:spPr>
+          <a:xfrm flipH="1">
+            <a:off x="10742012" y="6767975"/>
+            <a:ext cx="1219" cy="197616"/>
+          </a:xfrm>
+          <a:prstGeom prst="straightConnector1">
+            <a:avLst/>
+          </a:prstGeom>
+          <a:ln w="19050">
+            <a:tailEnd type="arrow"/>
+          </a:ln>
+        </p:spPr>
+        <p:style>
+          <a:lnRef idx="1">
+            <a:schemeClr val="accent1"/>
+          </a:lnRef>
+          <a:fillRef idx="0">
+            <a:schemeClr val="accent1"/>
+          </a:fillRef>
+          <a:effectRef idx="0">
+            <a:schemeClr val="accent1"/>
+          </a:effectRef>
+          <a:fontRef idx="minor">
+            <a:schemeClr val="tx1"/>
+          </a:fontRef>
+        </p:style>
+      </p:cxnSp>
+      <p:sp>
+        <p:nvSpPr>
+          <p:cNvPr id="888" name="Прямоугольник 887"/>
+          <p:cNvSpPr/>
+          <p:nvPr/>
+        </p:nvSpPr>
+        <p:spPr>
+          <a:xfrm>
+            <a:off x="10278535" y="5414086"/>
+            <a:ext cx="926325" cy="540000"/>
+          </a:xfrm>
+          <a:prstGeom prst="rect">
+            <a:avLst/>
+          </a:prstGeom>
+          <a:solidFill>
+            <a:srgbClr val="7030A0"/>
+          </a:solidFill>
+          <a:ln w="19050">
+            <a:solidFill>
+              <a:srgbClr val="00B050"/>
+            </a:solidFill>
+          </a:ln>
+        </p:spPr>
+        <p:style>
+          <a:lnRef idx="2">
+            <a:schemeClr val="accent1"/>
+          </a:lnRef>
+          <a:fillRef idx="1">
+            <a:schemeClr val="lt1"/>
+          </a:fillRef>
+          <a:effectRef idx="0">
+            <a:schemeClr val="accent1"/>
+          </a:effectRef>
+          <a:fontRef idx="minor">
+            <a:schemeClr val="dk1"/>
+          </a:fontRef>
+        </p:style>
+        <p:txBody>
+          <a:bodyPr lIns="124733" tIns="62367" rIns="124733" bIns="62367" rtlCol="0" anchor="ctr"/>
+          <a:lstStyle/>
+          <a:p>
+            <a:pPr algn="ctr"/>
+            <a:r>
+              <a:rPr lang="ru-RU" sz="700" dirty="0"/>
+              <a:t>Восстановить дворянские титулы </a:t>
+            </a:r>
+            <a:r>
+              <a:rPr lang="ru-RU" sz="300" dirty="0"/>
+              <a:t>(Вернуть верных короне генералов)</a:t>
+            </a:r>
+            <a:endParaRPr lang="ru-RU" sz="700" dirty="0"/>
+          </a:p>
+        </p:txBody>
+      </p:sp>
+      <p:cxnSp>
+        <p:nvCxnSpPr>
+          <p:cNvPr id="890" name="Соединительная линия уступом 889"/>
+          <p:cNvCxnSpPr>
+            <a:stCxn id="646" idx="2"/>
+            <a:endCxn id="888" idx="0"/>
+          </p:cNvCxnSpPr>
+          <p:nvPr/>
+        </p:nvCxnSpPr>
+        <p:spPr>
+          <a:xfrm rot="5400000">
+            <a:off x="10862551" y="5009078"/>
+            <a:ext cx="284155" cy="525860"/>
+          </a:xfrm>
+          <a:prstGeom prst="bentConnector3">
+            <a:avLst>
+              <a:gd name="adj1" fmla="val 50000"/>
+            </a:avLst>
+          </a:prstGeom>
+          <a:ln w="19050">
+            <a:tailEnd type="arrow"/>
+          </a:ln>
+        </p:spPr>
+        <p:style>
+          <a:lnRef idx="1">
+            <a:schemeClr val="accent1"/>
+          </a:lnRef>
+          <a:fillRef idx="0">
+            <a:schemeClr val="accent1"/>
+          </a:fillRef>
+          <a:effectRef idx="0">
+            <a:schemeClr val="accent1"/>
+          </a:effectRef>
+          <a:fontRef idx="minor">
+            <a:schemeClr val="tx1"/>
+          </a:fontRef>
+        </p:style>
+      </p:cxnSp>
+      <p:sp>
+        <p:nvSpPr>
+          <p:cNvPr id="896" name="Прямоугольник 895"/>
+          <p:cNvSpPr/>
+          <p:nvPr/>
+        </p:nvSpPr>
+        <p:spPr>
+          <a:xfrm>
+            <a:off x="12361216" y="7760512"/>
             <a:ext cx="926325" cy="540000"/>
           </a:xfrm>
           <a:prstGeom prst="rect">
@@ -30787,28 +31754,56 @@
             <a:pPr algn="ctr"/>
             <a:r>
               <a:rPr lang="ru-RU" sz="700" dirty="0"/>
-              <a:t>Помочь </a:t>
-            </a:r>
-            <a:r>
-              <a:rPr lang="ru-RU" sz="700" dirty="0" err="1"/>
-              <a:t>рекета</a:t>
-            </a:r>
-            <a:r>
-              <a:rPr lang="ru-RU" sz="700" dirty="0"/>
-              <a:t> (ваниль)</a:t>
-            </a:r>
-          </a:p>
-        </p:txBody>
-      </p:sp>
-      <p:sp>
-        <p:nvSpPr>
-          <p:cNvPr id="781" name="Прямоугольник 780"/>
+              <a:t>Единое Иберийское королевство</a:t>
+            </a:r>
+          </a:p>
+        </p:txBody>
+      </p:sp>
+      <p:cxnSp>
+        <p:nvCxnSpPr>
+          <p:cNvPr id="897" name="Прямая со стрелкой 896"/>
+          <p:cNvCxnSpPr>
+            <a:stCxn id="781" idx="2"/>
+            <a:endCxn id="896" idx="0"/>
+          </p:cNvCxnSpPr>
+          <p:nvPr/>
+        </p:nvCxnSpPr>
+        <p:spPr>
+          <a:xfrm flipH="1">
+            <a:off x="12824379" y="7504376"/>
+            <a:ext cx="1219" cy="256136"/>
+          </a:xfrm>
+          <a:prstGeom prst="straightConnector1">
+            <a:avLst/>
+          </a:prstGeom>
+          <a:ln w="19050">
+            <a:tailEnd type="arrow"/>
+          </a:ln>
+        </p:spPr>
+        <p:style>
+          <a:lnRef idx="1">
+            <a:schemeClr val="accent1"/>
+          </a:lnRef>
+          <a:fillRef idx="0">
+            <a:schemeClr val="accent1"/>
+          </a:fillRef>
+          <a:effectRef idx="0">
+            <a:schemeClr val="accent1"/>
+          </a:effectRef>
+          <a:fontRef idx="minor">
+            <a:schemeClr val="tx1"/>
+          </a:fontRef>
+        </p:style>
+      </p:cxnSp>
+      <p:sp>
+        <p:nvSpPr>
+          <p:cNvPr id="902" name="Прямоугольник 901"/>
           <p:cNvSpPr/>
           <p:nvPr/>
         </p:nvSpPr>
         <p:spPr>
           <a:xfrm>
-            <a:off x="12362435" y="6964376"/>
+            <a:off x="13413388" y="7766608"/>
             <a:ext cx="926325" cy="540000"/>
           </a:xfrm>
           <a:prstGeom prst="rect">
@@ -30840,33 +31835,56 @@
             <a:pPr algn="ctr"/>
             <a:r>
               <a:rPr lang="ru-RU" sz="700" dirty="0"/>
-              <a:t>Помните об </a:t>
-            </a:r>
-            <a:r>
-              <a:rPr lang="ru-RU" sz="700" dirty="0" err="1"/>
-              <a:t>Оливенса</a:t>
-            </a:r>
-            <a:r>
-              <a:rPr lang="ru-RU" sz="700" dirty="0"/>
-              <a:t> (ваниль)</a:t>
-            </a:r>
-            <a:r>
-              <a:rPr lang="ru-RU" sz="800" dirty="0"/>
-              <a:t> </a:t>
-            </a:r>
-            <a:endParaRPr lang="ru-RU" sz="700" dirty="0"/>
-          </a:p>
-        </p:txBody>
-      </p:sp>
-      <p:sp>
-        <p:nvSpPr>
-          <p:cNvPr id="785" name="Прямоугольник 784"/>
+              <a:t>Иберийская научная группа</a:t>
+            </a:r>
+          </a:p>
+        </p:txBody>
+      </p:sp>
+      <p:cxnSp>
+        <p:nvCxnSpPr>
+          <p:cNvPr id="903" name="Прямая со стрелкой 902"/>
+          <p:cNvCxnSpPr>
+            <a:stCxn id="785" idx="2"/>
+            <a:endCxn id="902" idx="0"/>
+          </p:cNvCxnSpPr>
+          <p:nvPr/>
+        </p:nvCxnSpPr>
+        <p:spPr>
+          <a:xfrm>
+            <a:off x="13871672" y="7504375"/>
+            <a:ext cx="4879" cy="262233"/>
+          </a:xfrm>
+          <a:prstGeom prst="straightConnector1">
+            <a:avLst/>
+          </a:prstGeom>
+          <a:ln w="19050">
+            <a:tailEnd type="arrow"/>
+          </a:ln>
+        </p:spPr>
+        <p:style>
+          <a:lnRef idx="1">
+            <a:schemeClr val="accent1"/>
+          </a:lnRef>
+          <a:fillRef idx="0">
+            <a:schemeClr val="accent1"/>
+          </a:fillRef>
+          <a:effectRef idx="0">
+            <a:schemeClr val="accent1"/>
+          </a:effectRef>
+          <a:fontRef idx="minor">
+            <a:schemeClr val="tx1"/>
+          </a:fontRef>
+        </p:style>
+      </p:cxnSp>
+      <p:sp>
+        <p:nvSpPr>
+          <p:cNvPr id="908" name="Прямоугольник 907"/>
           <p:cNvSpPr/>
           <p:nvPr/>
         </p:nvSpPr>
         <p:spPr>
           <a:xfrm>
-            <a:off x="13408509" y="6964375"/>
+            <a:off x="11338526" y="6965634"/>
             <a:ext cx="926325" cy="540000"/>
           </a:xfrm>
           <a:prstGeom prst="rect">
@@ -30875,7 +31893,11 @@
           <a:solidFill>
             <a:srgbClr val="7030A0"/>
           </a:solidFill>
-          <a:ln w="19050"/>
+          <a:ln w="19050">
+            <a:solidFill>
+              <a:srgbClr val="00B050"/>
+            </a:solidFill>
+          </a:ln>
         </p:spPr>
         <p:style>
           <a:lnRef idx="2">
@@ -30897,45 +31919,131 @@
           <a:p>
             <a:pPr algn="ctr"/>
             <a:r>
-              <a:rPr lang="ru-RU" sz="800" dirty="0"/>
-              <a:t>Королевский Иберийский союз </a:t>
-            </a:r>
-            <a:r>
-              <a:rPr lang="ru-RU" sz="500" dirty="0"/>
-              <a:t>(объединён с присоединиться к сражением </a:t>
-            </a:r>
-            <a:r>
-              <a:rPr lang="ru-RU" sz="500" dirty="0" err="1"/>
-              <a:t>карлистов</a:t>
-            </a:r>
-            <a:r>
-              <a:rPr lang="ru-RU" sz="500" dirty="0"/>
-              <a:t>) </a:t>
-            </a:r>
-            <a:r>
-              <a:rPr lang="ru-RU" sz="800" dirty="0"/>
-              <a:t>(ваниль)</a:t>
-            </a:r>
-          </a:p>
+              <a:rPr lang="ru-RU" sz="700" dirty="0"/>
+              <a:t>Восстановление королевской армады</a:t>
+            </a:r>
+          </a:p>
+        </p:txBody>
+      </p:sp>
+      <p:sp>
+        <p:nvSpPr>
+          <p:cNvPr id="909" name="Прямоугольник 908"/>
+          <p:cNvSpPr/>
+          <p:nvPr/>
+        </p:nvSpPr>
+        <p:spPr>
+          <a:xfrm>
+            <a:off x="11335891" y="7759293"/>
+            <a:ext cx="926325" cy="540000"/>
+          </a:xfrm>
+          <a:prstGeom prst="rect">
+            <a:avLst/>
+          </a:prstGeom>
+          <a:solidFill>
+            <a:srgbClr val="7030A0"/>
+          </a:solidFill>
+          <a:ln w="19050">
+            <a:solidFill>
+              <a:srgbClr val="00B050"/>
+            </a:solidFill>
+          </a:ln>
+        </p:spPr>
+        <p:style>
+          <a:lnRef idx="2">
+            <a:schemeClr val="accent1"/>
+          </a:lnRef>
+          <a:fillRef idx="1">
+            <a:schemeClr val="lt1"/>
+          </a:fillRef>
+          <a:effectRef idx="0">
+            <a:schemeClr val="accent1"/>
+          </a:effectRef>
+          <a:fontRef idx="minor">
+            <a:schemeClr val="dk1"/>
+          </a:fontRef>
+        </p:style>
+        <p:txBody>
+          <a:bodyPr lIns="124733" tIns="62367" rIns="124733" bIns="62367" rtlCol="0" anchor="ctr"/>
+          <a:lstStyle/>
           <a:p>
             <a:pPr algn="ctr"/>
-            <a:endParaRPr lang="ru-RU" sz="700" dirty="0"/>
-          </a:p>
-        </p:txBody>
-      </p:sp>
-      <p:cxnSp>
-        <p:nvCxnSpPr>
-          <p:cNvPr id="796" name="Прямая со стрелкой 795"/>
-          <p:cNvCxnSpPr>
-            <a:stCxn id="807" idx="2"/>
-            <a:endCxn id="778" idx="0"/>
+            <a:r>
+              <a:rPr lang="ru-RU" sz="700" dirty="0"/>
+              <a:t>Империя над которой зайдёт солнце (</a:t>
+            </a:r>
+            <a:r>
+              <a:rPr lang="ru-RU" sz="700" dirty="0" err="1"/>
+              <a:t>варгол</a:t>
+            </a:r>
+            <a:r>
+              <a:rPr lang="ru-RU" sz="700" dirty="0"/>
+              <a:t> против ВБ)</a:t>
+            </a:r>
+          </a:p>
+        </p:txBody>
+      </p:sp>
+      <p:sp>
+        <p:nvSpPr>
+          <p:cNvPr id="910" name="Прямоугольник 909"/>
+          <p:cNvSpPr/>
+          <p:nvPr/>
+        </p:nvSpPr>
+        <p:spPr>
+          <a:xfrm>
+            <a:off x="11337307" y="5421399"/>
+            <a:ext cx="926325" cy="540000"/>
+          </a:xfrm>
+          <a:prstGeom prst="rect">
+            <a:avLst/>
+          </a:prstGeom>
+          <a:solidFill>
+            <a:srgbClr val="7030A0"/>
+          </a:solidFill>
+          <a:ln w="19050">
+            <a:solidFill>
+              <a:srgbClr val="00B050"/>
+            </a:solidFill>
+          </a:ln>
+        </p:spPr>
+        <p:style>
+          <a:lnRef idx="2">
+            <a:schemeClr val="accent1"/>
+          </a:lnRef>
+          <a:fillRef idx="1">
+            <a:schemeClr val="lt1"/>
+          </a:fillRef>
+          <a:effectRef idx="0">
+            <a:schemeClr val="accent1"/>
+          </a:effectRef>
+          <a:fontRef idx="minor">
+            <a:schemeClr val="dk1"/>
+          </a:fontRef>
+        </p:style>
+        <p:txBody>
+          <a:bodyPr lIns="124733" tIns="62367" rIns="124733" bIns="62367" rtlCol="0" anchor="ctr"/>
+          <a:lstStyle/>
+          <a:p>
+            <a:pPr algn="ctr"/>
+            <a:r>
+              <a:rPr lang="ru-RU" sz="700" dirty="0"/>
+              <a:t>Отказаться от морской блокады (ваниль)</a:t>
+            </a:r>
+          </a:p>
+        </p:txBody>
+      </p:sp>
+      <p:cxnSp>
+        <p:nvCxnSpPr>
+          <p:cNvPr id="911" name="Прямая со стрелкой 910"/>
+          <p:cNvCxnSpPr>
+            <a:stCxn id="908" idx="2"/>
+            <a:endCxn id="909" idx="0"/>
           </p:cNvCxnSpPr>
           <p:nvPr/>
         </p:nvCxnSpPr>
         <p:spPr>
           <a:xfrm flipH="1">
-            <a:off x="13338850" y="5956032"/>
-            <a:ext cx="1219" cy="292673"/>
+            <a:off x="11799054" y="7505634"/>
+            <a:ext cx="2635" cy="253659"/>
           </a:xfrm>
           <a:prstGeom prst="straightConnector1">
             <a:avLst/>
@@ -30961,17 +32069,17 @@
       </p:cxnSp>
       <p:cxnSp>
         <p:nvCxnSpPr>
-          <p:cNvPr id="800" name="Соединительная линия уступом 799"/>
-          <p:cNvCxnSpPr>
-            <a:stCxn id="778" idx="2"/>
-            <a:endCxn id="785" idx="0"/>
+          <p:cNvPr id="914" name="Соединительная линия уступом 913"/>
+          <p:cNvCxnSpPr>
+            <a:stCxn id="646" idx="2"/>
+            <a:endCxn id="910" idx="0"/>
           </p:cNvCxnSpPr>
           <p:nvPr/>
         </p:nvCxnSpPr>
         <p:spPr>
           <a:xfrm rot="16200000" flipH="1">
-            <a:off x="13517426" y="6610129"/>
-            <a:ext cx="175670" cy="532822"/>
+            <a:off x="11388280" y="5009209"/>
+            <a:ext cx="291468" cy="532912"/>
           </a:xfrm>
           <a:prstGeom prst="bentConnector3">
             <a:avLst>
@@ -30997,19 +32105,141 @@
           </a:fontRef>
         </p:style>
       </p:cxnSp>
-      <p:cxnSp>
-        <p:nvCxnSpPr>
-          <p:cNvPr id="804" name="Соединительная линия уступом 803"/>
-          <p:cNvCxnSpPr>
-            <a:stCxn id="778" idx="2"/>
-            <a:endCxn id="781" idx="0"/>
-          </p:cNvCxnSpPr>
-          <p:nvPr/>
-        </p:nvCxnSpPr>
-        <p:spPr>
-          <a:xfrm rot="5400000">
-            <a:off x="12994389" y="6619914"/>
-            <a:ext cx="175671" cy="513252"/>
+      <p:sp>
+        <p:nvSpPr>
+          <p:cNvPr id="917" name="Прямоугольник 916"/>
+          <p:cNvSpPr/>
+          <p:nvPr/>
+        </p:nvSpPr>
+        <p:spPr>
+          <a:xfrm>
+            <a:off x="11338589" y="6226756"/>
+            <a:ext cx="926325" cy="540000"/>
+          </a:xfrm>
+          <a:prstGeom prst="rect">
+            <a:avLst/>
+          </a:prstGeom>
+          <a:solidFill>
+            <a:srgbClr val="7030A0"/>
+          </a:solidFill>
+          <a:ln w="19050">
+            <a:solidFill>
+              <a:srgbClr val="00B050"/>
+            </a:solidFill>
+          </a:ln>
+        </p:spPr>
+        <p:style>
+          <a:lnRef idx="2">
+            <a:schemeClr val="accent1"/>
+          </a:lnRef>
+          <a:fillRef idx="1">
+            <a:schemeClr val="lt1"/>
+          </a:fillRef>
+          <a:effectRef idx="0">
+            <a:schemeClr val="accent1"/>
+          </a:effectRef>
+          <a:fontRef idx="minor">
+            <a:schemeClr val="dk1"/>
+          </a:fontRef>
+        </p:style>
+        <p:txBody>
+          <a:bodyPr lIns="124733" tIns="62367" rIns="124733" bIns="62367" rtlCol="0" anchor="ctr"/>
+          <a:lstStyle/>
+          <a:p>
+            <a:pPr algn="ctr"/>
+            <a:r>
+              <a:rPr lang="ru-RU" sz="700" dirty="0"/>
+              <a:t>Морская империя (верфи и НД на флот)</a:t>
+            </a:r>
+          </a:p>
+        </p:txBody>
+      </p:sp>
+      <p:cxnSp>
+        <p:nvCxnSpPr>
+          <p:cNvPr id="918" name="Прямая со стрелкой 917"/>
+          <p:cNvCxnSpPr>
+            <a:stCxn id="910" idx="2"/>
+            <a:endCxn id="917" idx="0"/>
+          </p:cNvCxnSpPr>
+          <p:nvPr/>
+        </p:nvCxnSpPr>
+        <p:spPr>
+          <a:xfrm>
+            <a:off x="11800470" y="5961399"/>
+            <a:ext cx="1282" cy="265357"/>
+          </a:xfrm>
+          <a:prstGeom prst="straightConnector1">
+            <a:avLst/>
+          </a:prstGeom>
+          <a:ln w="19050">
+            <a:tailEnd type="arrow"/>
+          </a:ln>
+        </p:spPr>
+        <p:style>
+          <a:lnRef idx="1">
+            <a:schemeClr val="accent1"/>
+          </a:lnRef>
+          <a:fillRef idx="0">
+            <a:schemeClr val="accent1"/>
+          </a:fillRef>
+          <a:effectRef idx="0">
+            <a:schemeClr val="accent1"/>
+          </a:effectRef>
+          <a:fontRef idx="minor">
+            <a:schemeClr val="tx1"/>
+          </a:fontRef>
+        </p:style>
+      </p:cxnSp>
+      <p:cxnSp>
+        <p:nvCxnSpPr>
+          <p:cNvPr id="921" name="Прямая со стрелкой 920"/>
+          <p:cNvCxnSpPr>
+            <a:stCxn id="917" idx="2"/>
+            <a:endCxn id="908" idx="0"/>
+          </p:cNvCxnSpPr>
+          <p:nvPr/>
+        </p:nvCxnSpPr>
+        <p:spPr>
+          <a:xfrm flipH="1">
+            <a:off x="11801689" y="6766756"/>
+            <a:ext cx="63" cy="198878"/>
+          </a:xfrm>
+          <a:prstGeom prst="straightConnector1">
+            <a:avLst/>
+          </a:prstGeom>
+          <a:ln w="19050">
+            <a:tailEnd type="arrow"/>
+          </a:ln>
+        </p:spPr>
+        <p:style>
+          <a:lnRef idx="1">
+            <a:schemeClr val="accent1"/>
+          </a:lnRef>
+          <a:fillRef idx="0">
+            <a:schemeClr val="accent1"/>
+          </a:fillRef>
+          <a:effectRef idx="0">
+            <a:schemeClr val="accent1"/>
+          </a:effectRef>
+          <a:fontRef idx="minor">
+            <a:schemeClr val="tx1"/>
+          </a:fontRef>
+        </p:style>
+      </p:cxnSp>
+      <p:cxnSp>
+        <p:nvCxnSpPr>
+          <p:cNvPr id="926" name="Соединительная линия уступом 925"/>
+          <p:cNvCxnSpPr>
+            <a:cxnSpLocks/>
+            <a:stCxn id="827" idx="2"/>
+            <a:endCxn id="835" idx="0"/>
+          </p:cNvCxnSpPr>
+          <p:nvPr/>
+        </p:nvCxnSpPr>
+        <p:spPr>
+          <a:xfrm rot="16200000" flipH="1">
+            <a:off x="11170573" y="7869508"/>
+            <a:ext cx="206861" cy="1068867"/>
           </a:xfrm>
           <a:prstGeom prst="bentConnector3">
             <a:avLst>
@@ -31037,172 +32267,18 @@
       </p:cxnSp>
       <p:cxnSp>
         <p:nvCxnSpPr>
-          <p:cNvPr id="814" name="Прямая соединительная линия 813"/>
-          <p:cNvCxnSpPr>
-            <a:stCxn id="785" idx="1"/>
-            <a:endCxn id="781" idx="3"/>
-          </p:cNvCxnSpPr>
-          <p:nvPr/>
-        </p:nvCxnSpPr>
-        <p:spPr>
-          <a:xfrm flipH="1">
-            <a:off x="13288760" y="7234375"/>
-            <a:ext cx="119749" cy="1"/>
-          </a:xfrm>
-          <a:prstGeom prst="line">
-            <a:avLst/>
-          </a:prstGeom>
-          <a:ln w="19050">
-            <a:solidFill>
-              <a:srgbClr val="FF0000"/>
-            </a:solidFill>
-          </a:ln>
-        </p:spPr>
-        <p:style>
-          <a:lnRef idx="1">
-            <a:schemeClr val="accent1"/>
-          </a:lnRef>
-          <a:fillRef idx="0">
-            <a:schemeClr val="accent1"/>
-          </a:fillRef>
-          <a:effectRef idx="0">
-            <a:schemeClr val="accent1"/>
-          </a:effectRef>
-          <a:fontRef idx="minor">
-            <a:schemeClr val="tx1"/>
-          </a:fontRef>
-        </p:style>
-      </p:cxnSp>
-      <p:cxnSp>
-        <p:nvCxnSpPr>
-          <p:cNvPr id="821" name="Прямая со стрелкой 820"/>
-          <p:cNvCxnSpPr>
-            <a:stCxn id="652" idx="2"/>
-            <a:endCxn id="757" idx="0"/>
-          </p:cNvCxnSpPr>
-          <p:nvPr/>
-        </p:nvCxnSpPr>
-        <p:spPr>
-          <a:xfrm flipH="1">
-            <a:off x="9681304" y="6769195"/>
-            <a:ext cx="2442" cy="203713"/>
-          </a:xfrm>
-          <a:prstGeom prst="straightConnector1">
-            <a:avLst/>
-          </a:prstGeom>
-          <a:ln w="19050">
-            <a:tailEnd type="arrow"/>
-          </a:ln>
-        </p:spPr>
-        <p:style>
-          <a:lnRef idx="1">
-            <a:schemeClr val="accent1"/>
-          </a:lnRef>
-          <a:fillRef idx="0">
-            <a:schemeClr val="accent1"/>
-          </a:fillRef>
-          <a:effectRef idx="0">
-            <a:schemeClr val="accent1"/>
-          </a:effectRef>
-          <a:fontRef idx="minor">
-            <a:schemeClr val="tx1"/>
-          </a:fontRef>
-        </p:style>
-      </p:cxnSp>
-      <p:cxnSp>
-        <p:nvCxnSpPr>
-          <p:cNvPr id="824" name="Прямая со стрелкой 823"/>
-          <p:cNvCxnSpPr>
-            <a:stCxn id="757" idx="2"/>
-            <a:endCxn id="765" idx="0"/>
-          </p:cNvCxnSpPr>
-          <p:nvPr/>
-        </p:nvCxnSpPr>
-        <p:spPr>
-          <a:xfrm flipH="1">
-            <a:off x="9680085" y="7512908"/>
-            <a:ext cx="1219" cy="241508"/>
-          </a:xfrm>
-          <a:prstGeom prst="straightConnector1">
-            <a:avLst/>
-          </a:prstGeom>
-          <a:ln w="19050">
-            <a:tailEnd type="arrow"/>
-          </a:ln>
-        </p:spPr>
-        <p:style>
-          <a:lnRef idx="1">
-            <a:schemeClr val="accent1"/>
-          </a:lnRef>
-          <a:fillRef idx="0">
-            <a:schemeClr val="accent1"/>
-          </a:fillRef>
-          <a:effectRef idx="0">
-            <a:schemeClr val="accent1"/>
-          </a:effectRef>
-          <a:fontRef idx="minor">
-            <a:schemeClr val="tx1"/>
-          </a:fontRef>
-        </p:style>
-      </p:cxnSp>
-      <p:sp>
-        <p:nvSpPr>
-          <p:cNvPr id="827" name="Прямоугольник 826"/>
-          <p:cNvSpPr/>
-          <p:nvPr/>
-        </p:nvSpPr>
-        <p:spPr>
-          <a:xfrm>
-            <a:off x="10276407" y="7760512"/>
-            <a:ext cx="926325" cy="540000"/>
-          </a:xfrm>
-          <a:prstGeom prst="rect">
-            <a:avLst/>
-          </a:prstGeom>
-          <a:solidFill>
-            <a:srgbClr val="7030A0"/>
-          </a:solidFill>
-          <a:ln w="19050"/>
-        </p:spPr>
-        <p:style>
-          <a:lnRef idx="2">
-            <a:schemeClr val="accent1"/>
-          </a:lnRef>
-          <a:fillRef idx="1">
-            <a:schemeClr val="lt1"/>
-          </a:fillRef>
-          <a:effectRef idx="0">
-            <a:schemeClr val="accent1"/>
-          </a:effectRef>
-          <a:fontRef idx="minor">
-            <a:schemeClr val="dk1"/>
-          </a:fontRef>
-        </p:style>
-        <p:txBody>
-          <a:bodyPr lIns="124733" tIns="62367" rIns="124733" bIns="62367" rtlCol="0" anchor="ctr"/>
-          <a:lstStyle/>
-          <a:p>
-            <a:pPr algn="ctr"/>
-            <a:r>
-              <a:rPr lang="ru-RU" sz="700" dirty="0"/>
-              <a:t>Объединение королевств</a:t>
-            </a:r>
-          </a:p>
-        </p:txBody>
-      </p:sp>
-      <p:cxnSp>
-        <p:nvCxnSpPr>
-          <p:cNvPr id="848" name="Соединительная линия уступом 847"/>
-          <p:cNvCxnSpPr>
-            <a:stCxn id="757" idx="2"/>
-            <a:endCxn id="827" idx="0"/>
-          </p:cNvCxnSpPr>
-          <p:nvPr/>
-        </p:nvCxnSpPr>
-        <p:spPr>
-          <a:xfrm rot="16200000" flipH="1">
-            <a:off x="10086635" y="7107577"/>
-            <a:ext cx="247604" cy="1058266"/>
+          <p:cNvPr id="929" name="Соединительная линия уступом 928"/>
+          <p:cNvCxnSpPr>
+            <a:cxnSpLocks/>
+            <a:stCxn id="896" idx="2"/>
+            <a:endCxn id="835" idx="0"/>
+          </p:cNvCxnSpPr>
+          <p:nvPr/>
+        </p:nvCxnSpPr>
+        <p:spPr>
+          <a:xfrm rot="5400000">
+            <a:off x="12212978" y="7895971"/>
+            <a:ext cx="206861" cy="1015942"/>
           </a:xfrm>
           <a:prstGeom prst="bentConnector3">
             <a:avLst>
@@ -31228,53 +32304,15 @@
           </a:fontRef>
         </p:style>
       </p:cxnSp>
-      <p:cxnSp>
-        <p:nvCxnSpPr>
-          <p:cNvPr id="859" name="Соединительная линия уступом 858"/>
-          <p:cNvCxnSpPr>
-            <a:stCxn id="646" idx="2"/>
-            <a:endCxn id="807" idx="0"/>
-          </p:cNvCxnSpPr>
-          <p:nvPr/>
-        </p:nvCxnSpPr>
-        <p:spPr>
-          <a:xfrm rot="16200000" flipH="1">
-            <a:off x="12160763" y="4236725"/>
-            <a:ext cx="286101" cy="2072511"/>
-          </a:xfrm>
-          <a:prstGeom prst="bentConnector3">
-            <a:avLst>
-              <a:gd name="adj1" fmla="val 50000"/>
-            </a:avLst>
-          </a:prstGeom>
-          <a:ln w="19050">
-            <a:tailEnd type="arrow"/>
-          </a:ln>
-        </p:spPr>
-        <p:style>
-          <a:lnRef idx="1">
-            <a:schemeClr val="accent1"/>
-          </a:lnRef>
-          <a:fillRef idx="0">
-            <a:schemeClr val="accent1"/>
-          </a:fillRef>
-          <a:effectRef idx="0">
-            <a:schemeClr val="accent1"/>
-          </a:effectRef>
-          <a:fontRef idx="minor">
-            <a:schemeClr val="tx1"/>
-          </a:fontRef>
-        </p:style>
-      </p:cxnSp>
-      <p:sp>
-        <p:nvSpPr>
-          <p:cNvPr id="864" name="Прямоугольник 863"/>
+      <p:sp>
+        <p:nvSpPr>
+          <p:cNvPr id="934" name="Прямоугольник 933"/>
           <p:cNvSpPr/>
           <p:nvPr/>
         </p:nvSpPr>
         <p:spPr>
           <a:xfrm>
-            <a:off x="9218085" y="5422129"/>
+            <a:off x="9215703" y="8499347"/>
             <a:ext cx="926325" cy="540000"/>
           </a:xfrm>
           <a:prstGeom prst="rect">
@@ -31283,7 +32321,11 @@
           <a:solidFill>
             <a:srgbClr val="7030A0"/>
           </a:solidFill>
-          <a:ln w="19050"/>
+          <a:ln w="19050">
+            <a:solidFill>
+              <a:srgbClr val="00B050"/>
+            </a:solidFill>
+          </a:ln>
         </p:spPr>
         <p:style>
           <a:lnRef idx="2">
@@ -31306,58 +32348,56 @@
             <a:pPr algn="ctr"/>
             <a:r>
               <a:rPr lang="ru-RU" sz="700" dirty="0"/>
-              <a:t>Назначить советников короля (типа кабинета короля)</a:t>
-            </a:r>
-          </a:p>
-        </p:txBody>
-      </p:sp>
-      <p:cxnSp>
-        <p:nvCxnSpPr>
-          <p:cNvPr id="865" name="Соединительная линия уступом 864"/>
-          <p:cNvCxnSpPr>
-            <a:stCxn id="646" idx="2"/>
-            <a:endCxn id="864" idx="0"/>
-          </p:cNvCxnSpPr>
-          <p:nvPr/>
-        </p:nvCxnSpPr>
-        <p:spPr>
-          <a:xfrm rot="5400000">
-            <a:off x="10328304" y="4482875"/>
-            <a:ext cx="292198" cy="1586310"/>
-          </a:xfrm>
-          <a:prstGeom prst="bentConnector3">
-            <a:avLst>
-              <a:gd name="adj1" fmla="val 50000"/>
-            </a:avLst>
-          </a:prstGeom>
-          <a:ln w="19050">
-            <a:tailEnd type="arrow"/>
-          </a:ln>
-        </p:spPr>
-        <p:style>
-          <a:lnRef idx="1">
-            <a:schemeClr val="accent1"/>
-          </a:lnRef>
-          <a:fillRef idx="0">
-            <a:schemeClr val="accent1"/>
-          </a:fillRef>
-          <a:effectRef idx="0">
-            <a:schemeClr val="accent1"/>
-          </a:effectRef>
-          <a:fontRef idx="minor">
-            <a:schemeClr val="tx1"/>
-          </a:fontRef>
-        </p:style>
-      </p:cxnSp>
-      <p:sp>
-        <p:nvSpPr>
-          <p:cNvPr id="876" name="Прямоугольник 875"/>
+              <a:t>Объединение металлургических отраслей</a:t>
+            </a:r>
+          </a:p>
+        </p:txBody>
+      </p:sp>
+      <p:cxnSp>
+        <p:nvCxnSpPr>
+          <p:cNvPr id="935" name="Прямая со стрелкой 934"/>
+          <p:cNvCxnSpPr>
+            <a:stCxn id="765" idx="2"/>
+            <a:endCxn id="934" idx="0"/>
+          </p:cNvCxnSpPr>
+          <p:nvPr/>
+        </p:nvCxnSpPr>
+        <p:spPr>
+          <a:xfrm flipH="1">
+            <a:off x="9678866" y="8294416"/>
+            <a:ext cx="1219" cy="204931"/>
+          </a:xfrm>
+          <a:prstGeom prst="straightConnector1">
+            <a:avLst/>
+          </a:prstGeom>
+          <a:ln w="19050">
+            <a:tailEnd type="arrow"/>
+          </a:ln>
+        </p:spPr>
+        <p:style>
+          <a:lnRef idx="1">
+            <a:schemeClr val="accent1"/>
+          </a:lnRef>
+          <a:fillRef idx="0">
+            <a:schemeClr val="accent1"/>
+          </a:fillRef>
+          <a:effectRef idx="0">
+            <a:schemeClr val="accent1"/>
+          </a:effectRef>
+          <a:fontRef idx="minor">
+            <a:schemeClr val="tx1"/>
+          </a:fontRef>
+        </p:style>
+      </p:cxnSp>
+      <p:sp>
+        <p:nvSpPr>
+          <p:cNvPr id="938" name="Прямоугольник 937"/>
           <p:cNvSpPr/>
           <p:nvPr/>
         </p:nvSpPr>
         <p:spPr>
           <a:xfrm>
-            <a:off x="10280068" y="6227975"/>
+            <a:off x="10282503" y="8505443"/>
             <a:ext cx="926325" cy="540000"/>
           </a:xfrm>
           <a:prstGeom prst="rect">
@@ -31366,912 +32406,11 @@
           <a:solidFill>
             <a:srgbClr val="7030A0"/>
           </a:solidFill>
-          <a:ln w="19050"/>
-        </p:spPr>
-        <p:style>
-          <a:lnRef idx="2">
-            <a:schemeClr val="accent1"/>
-          </a:lnRef>
-          <a:fillRef idx="1">
-            <a:schemeClr val="lt1"/>
-          </a:fillRef>
-          <a:effectRef idx="0">
-            <a:schemeClr val="accent1"/>
-          </a:effectRef>
-          <a:fontRef idx="minor">
-            <a:schemeClr val="dk1"/>
-          </a:fontRef>
-        </p:style>
-        <p:txBody>
-          <a:bodyPr lIns="124733" tIns="62367" rIns="124733" bIns="62367" rtlCol="0" anchor="ctr"/>
-          <a:lstStyle/>
-          <a:p>
-            <a:pPr algn="ctr"/>
-            <a:r>
-              <a:rPr lang="ru-RU" sz="700" dirty="0"/>
-              <a:t>Королевские скауты</a:t>
-            </a:r>
-          </a:p>
-        </p:txBody>
-      </p:sp>
-      <p:cxnSp>
-        <p:nvCxnSpPr>
-          <p:cNvPr id="878" name="Соединительная линия уступом 877"/>
-          <p:cNvCxnSpPr>
-            <a:stCxn id="650" idx="2"/>
-            <a:endCxn id="876" idx="0"/>
-          </p:cNvCxnSpPr>
-          <p:nvPr/>
-        </p:nvCxnSpPr>
-        <p:spPr>
-          <a:xfrm rot="16200000" flipH="1">
-            <a:off x="9543693" y="5028437"/>
-            <a:ext cx="267362" cy="2131714"/>
-          </a:xfrm>
-          <a:prstGeom prst="bentConnector3">
-            <a:avLst>
-              <a:gd name="adj1" fmla="val 50000"/>
-            </a:avLst>
-          </a:prstGeom>
-          <a:ln w="19050">
-            <a:tailEnd type="arrow"/>
-          </a:ln>
-        </p:spPr>
-        <p:style>
-          <a:lnRef idx="1">
-            <a:schemeClr val="accent1"/>
-          </a:lnRef>
-          <a:fillRef idx="0">
-            <a:schemeClr val="accent1"/>
-          </a:fillRef>
-          <a:effectRef idx="0">
-            <a:schemeClr val="accent1"/>
-          </a:effectRef>
-          <a:fontRef idx="minor">
-            <a:schemeClr val="tx1"/>
-          </a:fontRef>
-        </p:style>
-      </p:cxnSp>
-      <p:sp>
-        <p:nvSpPr>
-          <p:cNvPr id="882" name="Прямоугольник 881"/>
-          <p:cNvSpPr/>
-          <p:nvPr/>
-        </p:nvSpPr>
-        <p:spPr>
-          <a:xfrm>
-            <a:off x="10278849" y="6965591"/>
-            <a:ext cx="926325" cy="540000"/>
-          </a:xfrm>
-          <a:prstGeom prst="rect">
-            <a:avLst/>
-          </a:prstGeom>
-          <a:solidFill>
-            <a:srgbClr val="7030A0"/>
-          </a:solidFill>
-          <a:ln w="19050"/>
-        </p:spPr>
-        <p:style>
-          <a:lnRef idx="2">
-            <a:schemeClr val="accent1"/>
-          </a:lnRef>
-          <a:fillRef idx="1">
-            <a:schemeClr val="lt1"/>
-          </a:fillRef>
-          <a:effectRef idx="0">
-            <a:schemeClr val="accent1"/>
-          </a:effectRef>
-          <a:fontRef idx="minor">
-            <a:schemeClr val="dk1"/>
-          </a:fontRef>
-        </p:style>
-        <p:txBody>
-          <a:bodyPr lIns="124733" tIns="62367" rIns="124733" bIns="62367" rtlCol="0" anchor="ctr"/>
-          <a:lstStyle/>
-          <a:p>
-            <a:pPr algn="ctr"/>
-            <a:r>
-              <a:rPr lang="ru-RU" sz="700" dirty="0"/>
-              <a:t>Создание королевской гвардии</a:t>
-            </a:r>
-          </a:p>
-        </p:txBody>
-      </p:sp>
-      <p:cxnSp>
-        <p:nvCxnSpPr>
-          <p:cNvPr id="884" name="Прямая со стрелкой 883"/>
-          <p:cNvCxnSpPr>
-            <a:stCxn id="876" idx="2"/>
-            <a:endCxn id="882" idx="0"/>
-          </p:cNvCxnSpPr>
-          <p:nvPr/>
-        </p:nvCxnSpPr>
-        <p:spPr>
-          <a:xfrm flipH="1">
-            <a:off x="10742012" y="6767975"/>
-            <a:ext cx="1219" cy="197616"/>
-          </a:xfrm>
-          <a:prstGeom prst="straightConnector1">
-            <a:avLst/>
-          </a:prstGeom>
-          <a:ln w="19050">
-            <a:tailEnd type="arrow"/>
-          </a:ln>
-        </p:spPr>
-        <p:style>
-          <a:lnRef idx="1">
-            <a:schemeClr val="accent1"/>
-          </a:lnRef>
-          <a:fillRef idx="0">
-            <a:schemeClr val="accent1"/>
-          </a:fillRef>
-          <a:effectRef idx="0">
-            <a:schemeClr val="accent1"/>
-          </a:effectRef>
-          <a:fontRef idx="minor">
-            <a:schemeClr val="tx1"/>
-          </a:fontRef>
-        </p:style>
-      </p:cxnSp>
-      <p:sp>
-        <p:nvSpPr>
-          <p:cNvPr id="888" name="Прямоугольник 887"/>
-          <p:cNvSpPr/>
-          <p:nvPr/>
-        </p:nvSpPr>
-        <p:spPr>
-          <a:xfrm>
-            <a:off x="10278535" y="5414086"/>
-            <a:ext cx="926325" cy="540000"/>
-          </a:xfrm>
-          <a:prstGeom prst="rect">
-            <a:avLst/>
-          </a:prstGeom>
-          <a:solidFill>
-            <a:srgbClr val="7030A0"/>
-          </a:solidFill>
-          <a:ln w="19050"/>
-        </p:spPr>
-        <p:style>
-          <a:lnRef idx="2">
-            <a:schemeClr val="accent1"/>
-          </a:lnRef>
-          <a:fillRef idx="1">
-            <a:schemeClr val="lt1"/>
-          </a:fillRef>
-          <a:effectRef idx="0">
-            <a:schemeClr val="accent1"/>
-          </a:effectRef>
-          <a:fontRef idx="minor">
-            <a:schemeClr val="dk1"/>
-          </a:fontRef>
-        </p:style>
-        <p:txBody>
-          <a:bodyPr lIns="124733" tIns="62367" rIns="124733" bIns="62367" rtlCol="0" anchor="ctr"/>
-          <a:lstStyle/>
-          <a:p>
-            <a:pPr algn="ctr"/>
-            <a:r>
-              <a:rPr lang="ru-RU" sz="700" dirty="0"/>
-              <a:t>Восстановить дворянские титулы </a:t>
-            </a:r>
-            <a:r>
-              <a:rPr lang="ru-RU" sz="300" dirty="0"/>
-              <a:t>(Вернуть верных короне генералов)</a:t>
-            </a:r>
-            <a:endParaRPr lang="ru-RU" sz="700" dirty="0"/>
-          </a:p>
-        </p:txBody>
-      </p:sp>
-      <p:cxnSp>
-        <p:nvCxnSpPr>
-          <p:cNvPr id="890" name="Соединительная линия уступом 889"/>
-          <p:cNvCxnSpPr>
-            <a:stCxn id="646" idx="2"/>
-            <a:endCxn id="888" idx="0"/>
-          </p:cNvCxnSpPr>
-          <p:nvPr/>
-        </p:nvCxnSpPr>
-        <p:spPr>
-          <a:xfrm rot="5400000">
-            <a:off x="10862551" y="5009078"/>
-            <a:ext cx="284155" cy="525860"/>
-          </a:xfrm>
-          <a:prstGeom prst="bentConnector3">
-            <a:avLst>
-              <a:gd name="adj1" fmla="val 50000"/>
-            </a:avLst>
-          </a:prstGeom>
-          <a:ln w="19050">
-            <a:tailEnd type="arrow"/>
-          </a:ln>
-        </p:spPr>
-        <p:style>
-          <a:lnRef idx="1">
-            <a:schemeClr val="accent1"/>
-          </a:lnRef>
-          <a:fillRef idx="0">
-            <a:schemeClr val="accent1"/>
-          </a:fillRef>
-          <a:effectRef idx="0">
-            <a:schemeClr val="accent1"/>
-          </a:effectRef>
-          <a:fontRef idx="minor">
-            <a:schemeClr val="tx1"/>
-          </a:fontRef>
-        </p:style>
-      </p:cxnSp>
-      <p:sp>
-        <p:nvSpPr>
-          <p:cNvPr id="896" name="Прямоугольник 895"/>
-          <p:cNvSpPr/>
-          <p:nvPr/>
-        </p:nvSpPr>
-        <p:spPr>
-          <a:xfrm>
-            <a:off x="12361216" y="7760512"/>
-            <a:ext cx="926325" cy="540000"/>
-          </a:xfrm>
-          <a:prstGeom prst="rect">
-            <a:avLst/>
-          </a:prstGeom>
-          <a:solidFill>
-            <a:srgbClr val="7030A0"/>
-          </a:solidFill>
-          <a:ln w="19050"/>
-        </p:spPr>
-        <p:style>
-          <a:lnRef idx="2">
-            <a:schemeClr val="accent1"/>
-          </a:lnRef>
-          <a:fillRef idx="1">
-            <a:schemeClr val="lt1"/>
-          </a:fillRef>
-          <a:effectRef idx="0">
-            <a:schemeClr val="accent1"/>
-          </a:effectRef>
-          <a:fontRef idx="minor">
-            <a:schemeClr val="dk1"/>
-          </a:fontRef>
-        </p:style>
-        <p:txBody>
-          <a:bodyPr lIns="124733" tIns="62367" rIns="124733" bIns="62367" rtlCol="0" anchor="ctr"/>
-          <a:lstStyle/>
-          <a:p>
-            <a:pPr algn="ctr"/>
-            <a:r>
-              <a:rPr lang="ru-RU" sz="700" dirty="0"/>
-              <a:t>Единое Иберийское королевство</a:t>
-            </a:r>
-          </a:p>
-        </p:txBody>
-      </p:sp>
-      <p:cxnSp>
-        <p:nvCxnSpPr>
-          <p:cNvPr id="897" name="Прямая со стрелкой 896"/>
-          <p:cNvCxnSpPr>
-            <a:stCxn id="781" idx="2"/>
-            <a:endCxn id="896" idx="0"/>
-          </p:cNvCxnSpPr>
-          <p:nvPr/>
-        </p:nvCxnSpPr>
-        <p:spPr>
-          <a:xfrm flipH="1">
-            <a:off x="12824379" y="7504376"/>
-            <a:ext cx="1219" cy="256136"/>
-          </a:xfrm>
-          <a:prstGeom prst="straightConnector1">
-            <a:avLst/>
-          </a:prstGeom>
-          <a:ln w="19050">
-            <a:tailEnd type="arrow"/>
-          </a:ln>
-        </p:spPr>
-        <p:style>
-          <a:lnRef idx="1">
-            <a:schemeClr val="accent1"/>
-          </a:lnRef>
-          <a:fillRef idx="0">
-            <a:schemeClr val="accent1"/>
-          </a:fillRef>
-          <a:effectRef idx="0">
-            <a:schemeClr val="accent1"/>
-          </a:effectRef>
-          <a:fontRef idx="minor">
-            <a:schemeClr val="tx1"/>
-          </a:fontRef>
-        </p:style>
-      </p:cxnSp>
-      <p:sp>
-        <p:nvSpPr>
-          <p:cNvPr id="902" name="Прямоугольник 901"/>
-          <p:cNvSpPr/>
-          <p:nvPr/>
-        </p:nvSpPr>
-        <p:spPr>
-          <a:xfrm>
-            <a:off x="13413388" y="7766608"/>
-            <a:ext cx="926325" cy="540000"/>
-          </a:xfrm>
-          <a:prstGeom prst="rect">
-            <a:avLst/>
-          </a:prstGeom>
-          <a:solidFill>
-            <a:srgbClr val="7030A0"/>
-          </a:solidFill>
-          <a:ln w="19050"/>
-        </p:spPr>
-        <p:style>
-          <a:lnRef idx="2">
-            <a:schemeClr val="accent1"/>
-          </a:lnRef>
-          <a:fillRef idx="1">
-            <a:schemeClr val="lt1"/>
-          </a:fillRef>
-          <a:effectRef idx="0">
-            <a:schemeClr val="accent1"/>
-          </a:effectRef>
-          <a:fontRef idx="minor">
-            <a:schemeClr val="dk1"/>
-          </a:fontRef>
-        </p:style>
-        <p:txBody>
-          <a:bodyPr lIns="124733" tIns="62367" rIns="124733" bIns="62367" rtlCol="0" anchor="ctr"/>
-          <a:lstStyle/>
-          <a:p>
-            <a:pPr algn="ctr"/>
-            <a:r>
-              <a:rPr lang="ru-RU" sz="700" dirty="0"/>
-              <a:t>Иберийская научная группа</a:t>
-            </a:r>
-          </a:p>
-        </p:txBody>
-      </p:sp>
-      <p:cxnSp>
-        <p:nvCxnSpPr>
-          <p:cNvPr id="903" name="Прямая со стрелкой 902"/>
-          <p:cNvCxnSpPr>
-            <a:stCxn id="785" idx="2"/>
-            <a:endCxn id="902" idx="0"/>
-          </p:cNvCxnSpPr>
-          <p:nvPr/>
-        </p:nvCxnSpPr>
-        <p:spPr>
-          <a:xfrm>
-            <a:off x="13871672" y="7504375"/>
-            <a:ext cx="4879" cy="262233"/>
-          </a:xfrm>
-          <a:prstGeom prst="straightConnector1">
-            <a:avLst/>
-          </a:prstGeom>
-          <a:ln w="19050">
-            <a:tailEnd type="arrow"/>
-          </a:ln>
-        </p:spPr>
-        <p:style>
-          <a:lnRef idx="1">
-            <a:schemeClr val="accent1"/>
-          </a:lnRef>
-          <a:fillRef idx="0">
-            <a:schemeClr val="accent1"/>
-          </a:fillRef>
-          <a:effectRef idx="0">
-            <a:schemeClr val="accent1"/>
-          </a:effectRef>
-          <a:fontRef idx="minor">
-            <a:schemeClr val="tx1"/>
-          </a:fontRef>
-        </p:style>
-      </p:cxnSp>
-      <p:sp>
-        <p:nvSpPr>
-          <p:cNvPr id="908" name="Прямоугольник 907"/>
-          <p:cNvSpPr/>
-          <p:nvPr/>
-        </p:nvSpPr>
-        <p:spPr>
-          <a:xfrm>
-            <a:off x="11338526" y="6965634"/>
-            <a:ext cx="926325" cy="540000"/>
-          </a:xfrm>
-          <a:prstGeom prst="rect">
-            <a:avLst/>
-          </a:prstGeom>
-          <a:solidFill>
-            <a:srgbClr val="7030A0"/>
-          </a:solidFill>
-          <a:ln w="19050"/>
-        </p:spPr>
-        <p:style>
-          <a:lnRef idx="2">
-            <a:schemeClr val="accent1"/>
-          </a:lnRef>
-          <a:fillRef idx="1">
-            <a:schemeClr val="lt1"/>
-          </a:fillRef>
-          <a:effectRef idx="0">
-            <a:schemeClr val="accent1"/>
-          </a:effectRef>
-          <a:fontRef idx="minor">
-            <a:schemeClr val="dk1"/>
-          </a:fontRef>
-        </p:style>
-        <p:txBody>
-          <a:bodyPr lIns="124733" tIns="62367" rIns="124733" bIns="62367" rtlCol="0" anchor="ctr"/>
-          <a:lstStyle/>
-          <a:p>
-            <a:pPr algn="ctr"/>
-            <a:r>
-              <a:rPr lang="ru-RU" sz="700" dirty="0"/>
-              <a:t>Восстановление королевской армады</a:t>
-            </a:r>
-          </a:p>
-        </p:txBody>
-      </p:sp>
-      <p:sp>
-        <p:nvSpPr>
-          <p:cNvPr id="909" name="Прямоугольник 908"/>
-          <p:cNvSpPr/>
-          <p:nvPr/>
-        </p:nvSpPr>
-        <p:spPr>
-          <a:xfrm>
-            <a:off x="11335891" y="7759293"/>
-            <a:ext cx="926325" cy="540000"/>
-          </a:xfrm>
-          <a:prstGeom prst="rect">
-            <a:avLst/>
-          </a:prstGeom>
-          <a:solidFill>
-            <a:srgbClr val="7030A0"/>
-          </a:solidFill>
-          <a:ln w="19050"/>
-        </p:spPr>
-        <p:style>
-          <a:lnRef idx="2">
-            <a:schemeClr val="accent1"/>
-          </a:lnRef>
-          <a:fillRef idx="1">
-            <a:schemeClr val="lt1"/>
-          </a:fillRef>
-          <a:effectRef idx="0">
-            <a:schemeClr val="accent1"/>
-          </a:effectRef>
-          <a:fontRef idx="minor">
-            <a:schemeClr val="dk1"/>
-          </a:fontRef>
-        </p:style>
-        <p:txBody>
-          <a:bodyPr lIns="124733" tIns="62367" rIns="124733" bIns="62367" rtlCol="0" anchor="ctr"/>
-          <a:lstStyle/>
-          <a:p>
-            <a:pPr algn="ctr"/>
-            <a:r>
-              <a:rPr lang="ru-RU" sz="700" dirty="0"/>
-              <a:t>Империя над которой зайдёт солнце (</a:t>
-            </a:r>
-            <a:r>
-              <a:rPr lang="ru-RU" sz="700" dirty="0" err="1"/>
-              <a:t>варгол</a:t>
-            </a:r>
-            <a:r>
-              <a:rPr lang="ru-RU" sz="700" dirty="0"/>
-              <a:t> против ВБ)</a:t>
-            </a:r>
-          </a:p>
-        </p:txBody>
-      </p:sp>
-      <p:sp>
-        <p:nvSpPr>
-          <p:cNvPr id="910" name="Прямоугольник 909"/>
-          <p:cNvSpPr/>
-          <p:nvPr/>
-        </p:nvSpPr>
-        <p:spPr>
-          <a:xfrm>
-            <a:off x="11337307" y="5421399"/>
-            <a:ext cx="926325" cy="540000"/>
-          </a:xfrm>
-          <a:prstGeom prst="rect">
-            <a:avLst/>
-          </a:prstGeom>
-          <a:solidFill>
-            <a:srgbClr val="7030A0"/>
-          </a:solidFill>
-          <a:ln w="19050"/>
-        </p:spPr>
-        <p:style>
-          <a:lnRef idx="2">
-            <a:schemeClr val="accent1"/>
-          </a:lnRef>
-          <a:fillRef idx="1">
-            <a:schemeClr val="lt1"/>
-          </a:fillRef>
-          <a:effectRef idx="0">
-            <a:schemeClr val="accent1"/>
-          </a:effectRef>
-          <a:fontRef idx="minor">
-            <a:schemeClr val="dk1"/>
-          </a:fontRef>
-        </p:style>
-        <p:txBody>
-          <a:bodyPr lIns="124733" tIns="62367" rIns="124733" bIns="62367" rtlCol="0" anchor="ctr"/>
-          <a:lstStyle/>
-          <a:p>
-            <a:pPr algn="ctr"/>
-            <a:r>
-              <a:rPr lang="ru-RU" sz="700" dirty="0"/>
-              <a:t>Отказаться от морской блокады (ваниль)</a:t>
-            </a:r>
-          </a:p>
-        </p:txBody>
-      </p:sp>
-      <p:cxnSp>
-        <p:nvCxnSpPr>
-          <p:cNvPr id="911" name="Прямая со стрелкой 910"/>
-          <p:cNvCxnSpPr>
-            <a:stCxn id="908" idx="2"/>
-            <a:endCxn id="909" idx="0"/>
-          </p:cNvCxnSpPr>
-          <p:nvPr/>
-        </p:nvCxnSpPr>
-        <p:spPr>
-          <a:xfrm flipH="1">
-            <a:off x="11799054" y="7505634"/>
-            <a:ext cx="2635" cy="253659"/>
-          </a:xfrm>
-          <a:prstGeom prst="straightConnector1">
-            <a:avLst/>
-          </a:prstGeom>
-          <a:ln w="19050">
-            <a:tailEnd type="arrow"/>
-          </a:ln>
-        </p:spPr>
-        <p:style>
-          <a:lnRef idx="1">
-            <a:schemeClr val="accent1"/>
-          </a:lnRef>
-          <a:fillRef idx="0">
-            <a:schemeClr val="accent1"/>
-          </a:fillRef>
-          <a:effectRef idx="0">
-            <a:schemeClr val="accent1"/>
-          </a:effectRef>
-          <a:fontRef idx="minor">
-            <a:schemeClr val="tx1"/>
-          </a:fontRef>
-        </p:style>
-      </p:cxnSp>
-      <p:cxnSp>
-        <p:nvCxnSpPr>
-          <p:cNvPr id="914" name="Соединительная линия уступом 913"/>
-          <p:cNvCxnSpPr>
-            <a:stCxn id="646" idx="2"/>
-            <a:endCxn id="910" idx="0"/>
-          </p:cNvCxnSpPr>
-          <p:nvPr/>
-        </p:nvCxnSpPr>
-        <p:spPr>
-          <a:xfrm rot="16200000" flipH="1">
-            <a:off x="11388280" y="5009209"/>
-            <a:ext cx="291468" cy="532912"/>
-          </a:xfrm>
-          <a:prstGeom prst="bentConnector3">
-            <a:avLst>
-              <a:gd name="adj1" fmla="val 50000"/>
-            </a:avLst>
-          </a:prstGeom>
-          <a:ln w="19050">
-            <a:tailEnd type="arrow"/>
-          </a:ln>
-        </p:spPr>
-        <p:style>
-          <a:lnRef idx="1">
-            <a:schemeClr val="accent1"/>
-          </a:lnRef>
-          <a:fillRef idx="0">
-            <a:schemeClr val="accent1"/>
-          </a:fillRef>
-          <a:effectRef idx="0">
-            <a:schemeClr val="accent1"/>
-          </a:effectRef>
-          <a:fontRef idx="minor">
-            <a:schemeClr val="tx1"/>
-          </a:fontRef>
-        </p:style>
-      </p:cxnSp>
-      <p:sp>
-        <p:nvSpPr>
-          <p:cNvPr id="917" name="Прямоугольник 916"/>
-          <p:cNvSpPr/>
-          <p:nvPr/>
-        </p:nvSpPr>
-        <p:spPr>
-          <a:xfrm>
-            <a:off x="11338589" y="6226756"/>
-            <a:ext cx="926325" cy="540000"/>
-          </a:xfrm>
-          <a:prstGeom prst="rect">
-            <a:avLst/>
-          </a:prstGeom>
-          <a:solidFill>
-            <a:srgbClr val="7030A0"/>
-          </a:solidFill>
-          <a:ln w="19050"/>
-        </p:spPr>
-        <p:style>
-          <a:lnRef idx="2">
-            <a:schemeClr val="accent1"/>
-          </a:lnRef>
-          <a:fillRef idx="1">
-            <a:schemeClr val="lt1"/>
-          </a:fillRef>
-          <a:effectRef idx="0">
-            <a:schemeClr val="accent1"/>
-          </a:effectRef>
-          <a:fontRef idx="minor">
-            <a:schemeClr val="dk1"/>
-          </a:fontRef>
-        </p:style>
-        <p:txBody>
-          <a:bodyPr lIns="124733" tIns="62367" rIns="124733" bIns="62367" rtlCol="0" anchor="ctr"/>
-          <a:lstStyle/>
-          <a:p>
-            <a:pPr algn="ctr"/>
-            <a:r>
-              <a:rPr lang="ru-RU" sz="700" dirty="0"/>
-              <a:t>Морская империя (верфи и НД на флот)</a:t>
-            </a:r>
-          </a:p>
-        </p:txBody>
-      </p:sp>
-      <p:cxnSp>
-        <p:nvCxnSpPr>
-          <p:cNvPr id="918" name="Прямая со стрелкой 917"/>
-          <p:cNvCxnSpPr>
-            <a:stCxn id="910" idx="2"/>
-            <a:endCxn id="917" idx="0"/>
-          </p:cNvCxnSpPr>
-          <p:nvPr/>
-        </p:nvCxnSpPr>
-        <p:spPr>
-          <a:xfrm>
-            <a:off x="11800470" y="5961399"/>
-            <a:ext cx="1282" cy="265357"/>
-          </a:xfrm>
-          <a:prstGeom prst="straightConnector1">
-            <a:avLst/>
-          </a:prstGeom>
-          <a:ln w="19050">
-            <a:tailEnd type="arrow"/>
-          </a:ln>
-        </p:spPr>
-        <p:style>
-          <a:lnRef idx="1">
-            <a:schemeClr val="accent1"/>
-          </a:lnRef>
-          <a:fillRef idx="0">
-            <a:schemeClr val="accent1"/>
-          </a:fillRef>
-          <a:effectRef idx="0">
-            <a:schemeClr val="accent1"/>
-          </a:effectRef>
-          <a:fontRef idx="minor">
-            <a:schemeClr val="tx1"/>
-          </a:fontRef>
-        </p:style>
-      </p:cxnSp>
-      <p:cxnSp>
-        <p:nvCxnSpPr>
-          <p:cNvPr id="921" name="Прямая со стрелкой 920"/>
-          <p:cNvCxnSpPr>
-            <a:stCxn id="917" idx="2"/>
-            <a:endCxn id="908" idx="0"/>
-          </p:cNvCxnSpPr>
-          <p:nvPr/>
-        </p:nvCxnSpPr>
-        <p:spPr>
-          <a:xfrm flipH="1">
-            <a:off x="11801689" y="6766756"/>
-            <a:ext cx="63" cy="198878"/>
-          </a:xfrm>
-          <a:prstGeom prst="straightConnector1">
-            <a:avLst/>
-          </a:prstGeom>
-          <a:ln w="19050">
-            <a:tailEnd type="arrow"/>
-          </a:ln>
-        </p:spPr>
-        <p:style>
-          <a:lnRef idx="1">
-            <a:schemeClr val="accent1"/>
-          </a:lnRef>
-          <a:fillRef idx="0">
-            <a:schemeClr val="accent1"/>
-          </a:fillRef>
-          <a:effectRef idx="0">
-            <a:schemeClr val="accent1"/>
-          </a:effectRef>
-          <a:fontRef idx="minor">
-            <a:schemeClr val="tx1"/>
-          </a:fontRef>
-        </p:style>
-      </p:cxnSp>
-      <p:cxnSp>
-        <p:nvCxnSpPr>
-          <p:cNvPr id="926" name="Соединительная линия уступом 925"/>
-          <p:cNvCxnSpPr>
-            <a:stCxn id="827" idx="2"/>
-            <a:endCxn id="835" idx="0"/>
-          </p:cNvCxnSpPr>
-          <p:nvPr/>
-        </p:nvCxnSpPr>
-        <p:spPr>
-          <a:xfrm rot="16200000" flipH="1">
-            <a:off x="11170573" y="7869508"/>
-            <a:ext cx="206861" cy="1068867"/>
-          </a:xfrm>
-          <a:prstGeom prst="bentConnector3">
-            <a:avLst>
-              <a:gd name="adj1" fmla="val 50000"/>
-            </a:avLst>
-          </a:prstGeom>
-          <a:ln w="19050">
-            <a:tailEnd type="arrow"/>
-          </a:ln>
-        </p:spPr>
-        <p:style>
-          <a:lnRef idx="1">
-            <a:schemeClr val="accent1"/>
-          </a:lnRef>
-          <a:fillRef idx="0">
-            <a:schemeClr val="accent1"/>
-          </a:fillRef>
-          <a:effectRef idx="0">
-            <a:schemeClr val="accent1"/>
-          </a:effectRef>
-          <a:fontRef idx="minor">
-            <a:schemeClr val="tx1"/>
-          </a:fontRef>
-        </p:style>
-      </p:cxnSp>
-      <p:cxnSp>
-        <p:nvCxnSpPr>
-          <p:cNvPr id="929" name="Соединительная линия уступом 928"/>
-          <p:cNvCxnSpPr>
-            <a:stCxn id="896" idx="2"/>
-            <a:endCxn id="835" idx="0"/>
-          </p:cNvCxnSpPr>
-          <p:nvPr/>
-        </p:nvCxnSpPr>
-        <p:spPr>
-          <a:xfrm rot="5400000">
-            <a:off x="12212978" y="7895971"/>
-            <a:ext cx="206861" cy="1015942"/>
-          </a:xfrm>
-          <a:prstGeom prst="bentConnector3">
-            <a:avLst>
-              <a:gd name="adj1" fmla="val 50000"/>
-            </a:avLst>
-          </a:prstGeom>
-          <a:ln w="19050">
-            <a:tailEnd type="arrow"/>
-          </a:ln>
-        </p:spPr>
-        <p:style>
-          <a:lnRef idx="1">
-            <a:schemeClr val="accent1"/>
-          </a:lnRef>
-          <a:fillRef idx="0">
-            <a:schemeClr val="accent1"/>
-          </a:fillRef>
-          <a:effectRef idx="0">
-            <a:schemeClr val="accent1"/>
-          </a:effectRef>
-          <a:fontRef idx="minor">
-            <a:schemeClr val="tx1"/>
-          </a:fontRef>
-        </p:style>
-      </p:cxnSp>
-      <p:sp>
-        <p:nvSpPr>
-          <p:cNvPr id="934" name="Прямоугольник 933"/>
-          <p:cNvSpPr/>
-          <p:nvPr/>
-        </p:nvSpPr>
-        <p:spPr>
-          <a:xfrm>
-            <a:off x="9215703" y="8499347"/>
-            <a:ext cx="926325" cy="540000"/>
-          </a:xfrm>
-          <a:prstGeom prst="rect">
-            <a:avLst/>
-          </a:prstGeom>
-          <a:solidFill>
-            <a:srgbClr val="7030A0"/>
-          </a:solidFill>
-          <a:ln w="19050"/>
-        </p:spPr>
-        <p:style>
-          <a:lnRef idx="2">
-            <a:schemeClr val="accent1"/>
-          </a:lnRef>
-          <a:fillRef idx="1">
-            <a:schemeClr val="lt1"/>
-          </a:fillRef>
-          <a:effectRef idx="0">
-            <a:schemeClr val="accent1"/>
-          </a:effectRef>
-          <a:fontRef idx="minor">
-            <a:schemeClr val="dk1"/>
-          </a:fontRef>
-        </p:style>
-        <p:txBody>
-          <a:bodyPr lIns="124733" tIns="62367" rIns="124733" bIns="62367" rtlCol="0" anchor="ctr"/>
-          <a:lstStyle/>
-          <a:p>
-            <a:pPr algn="ctr"/>
-            <a:r>
-              <a:rPr lang="ru-RU" sz="700" dirty="0"/>
-              <a:t>Объединение металлургических отраслей</a:t>
-            </a:r>
-          </a:p>
-        </p:txBody>
-      </p:sp>
-      <p:cxnSp>
-        <p:nvCxnSpPr>
-          <p:cNvPr id="935" name="Прямая со стрелкой 934"/>
-          <p:cNvCxnSpPr>
-            <a:stCxn id="765" idx="2"/>
-            <a:endCxn id="934" idx="0"/>
-          </p:cNvCxnSpPr>
-          <p:nvPr/>
-        </p:nvCxnSpPr>
-        <p:spPr>
-          <a:xfrm flipH="1">
-            <a:off x="9678866" y="8294416"/>
-            <a:ext cx="1219" cy="204931"/>
-          </a:xfrm>
-          <a:prstGeom prst="straightConnector1">
-            <a:avLst/>
-          </a:prstGeom>
-          <a:ln w="19050">
-            <a:tailEnd type="arrow"/>
-          </a:ln>
-        </p:spPr>
-        <p:style>
-          <a:lnRef idx="1">
-            <a:schemeClr val="accent1"/>
-          </a:lnRef>
-          <a:fillRef idx="0">
-            <a:schemeClr val="accent1"/>
-          </a:fillRef>
-          <a:effectRef idx="0">
-            <a:schemeClr val="accent1"/>
-          </a:effectRef>
-          <a:fontRef idx="minor">
-            <a:schemeClr val="tx1"/>
-          </a:fontRef>
-        </p:style>
-      </p:cxnSp>
-      <p:sp>
-        <p:nvSpPr>
-          <p:cNvPr id="938" name="Прямоугольник 937"/>
-          <p:cNvSpPr/>
-          <p:nvPr/>
-        </p:nvSpPr>
-        <p:spPr>
-          <a:xfrm>
-            <a:off x="10282503" y="8505443"/>
-            <a:ext cx="926325" cy="540000"/>
-          </a:xfrm>
-          <a:prstGeom prst="rect">
-            <a:avLst/>
-          </a:prstGeom>
-          <a:solidFill>
-            <a:srgbClr val="7030A0"/>
-          </a:solidFill>
-          <a:ln w="19050"/>
+          <a:ln w="19050">
+            <a:solidFill>
+              <a:srgbClr val="00B050"/>
+            </a:solidFill>
+          </a:ln>
         </p:spPr>
         <p:style>
           <a:lnRef idx="2">

--- a/Наработки/диздоки/Португалия/Португалия общая.pptx
+++ b/Наработки/диздоки/Португалия/Португалия общая.pptx
@@ -209,7 +209,7 @@
             <a:fld id="{33E3D7F9-E251-484C-A6FF-FA958879DF69}" type="datetimeFigureOut">
               <a:rPr lang="ru-RU" smtClean="0"/>
               <a:pPr/>
-              <a:t>16.05.2023</a:t>
+              <a:t>17.05.2023</a:t>
             </a:fld>
             <a:endParaRPr lang="ru-RU"/>
           </a:p>
@@ -699,7 +699,7 @@
             <a:fld id="{85A5DE44-605B-4D3B-B2B7-94543DF81A36}" type="datetimeFigureOut">
               <a:rPr lang="ru-RU" smtClean="0"/>
               <a:pPr/>
-              <a:t>16.05.2023</a:t>
+              <a:t>17.05.2023</a:t>
             </a:fld>
             <a:endParaRPr lang="ru-RU"/>
           </a:p>
@@ -871,7 +871,7 @@
             <a:fld id="{85A5DE44-605B-4D3B-B2B7-94543DF81A36}" type="datetimeFigureOut">
               <a:rPr lang="ru-RU" smtClean="0"/>
               <a:pPr/>
-              <a:t>16.05.2023</a:t>
+              <a:t>17.05.2023</a:t>
             </a:fld>
             <a:endParaRPr lang="ru-RU"/>
           </a:p>
@@ -1053,7 +1053,7 @@
             <a:fld id="{85A5DE44-605B-4D3B-B2B7-94543DF81A36}" type="datetimeFigureOut">
               <a:rPr lang="ru-RU" smtClean="0"/>
               <a:pPr/>
-              <a:t>16.05.2023</a:t>
+              <a:t>17.05.2023</a:t>
             </a:fld>
             <a:endParaRPr lang="ru-RU"/>
           </a:p>
@@ -1225,7 +1225,7 @@
             <a:fld id="{85A5DE44-605B-4D3B-B2B7-94543DF81A36}" type="datetimeFigureOut">
               <a:rPr lang="ru-RU" smtClean="0"/>
               <a:pPr/>
-              <a:t>16.05.2023</a:t>
+              <a:t>17.05.2023</a:t>
             </a:fld>
             <a:endParaRPr lang="ru-RU"/>
           </a:p>
@@ -1473,7 +1473,7 @@
             <a:fld id="{85A5DE44-605B-4D3B-B2B7-94543DF81A36}" type="datetimeFigureOut">
               <a:rPr lang="ru-RU" smtClean="0"/>
               <a:pPr/>
-              <a:t>16.05.2023</a:t>
+              <a:t>17.05.2023</a:t>
             </a:fld>
             <a:endParaRPr lang="ru-RU"/>
           </a:p>
@@ -1707,7 +1707,7 @@
             <a:fld id="{85A5DE44-605B-4D3B-B2B7-94543DF81A36}" type="datetimeFigureOut">
               <a:rPr lang="ru-RU" smtClean="0"/>
               <a:pPr/>
-              <a:t>16.05.2023</a:t>
+              <a:t>17.05.2023</a:t>
             </a:fld>
             <a:endParaRPr lang="ru-RU"/>
           </a:p>
@@ -2076,7 +2076,7 @@
             <a:fld id="{85A5DE44-605B-4D3B-B2B7-94543DF81A36}" type="datetimeFigureOut">
               <a:rPr lang="ru-RU" smtClean="0"/>
               <a:pPr/>
-              <a:t>16.05.2023</a:t>
+              <a:t>17.05.2023</a:t>
             </a:fld>
             <a:endParaRPr lang="ru-RU"/>
           </a:p>
@@ -2196,7 +2196,7 @@
             <a:fld id="{85A5DE44-605B-4D3B-B2B7-94543DF81A36}" type="datetimeFigureOut">
               <a:rPr lang="ru-RU" smtClean="0"/>
               <a:pPr/>
-              <a:t>16.05.2023</a:t>
+              <a:t>17.05.2023</a:t>
             </a:fld>
             <a:endParaRPr lang="ru-RU"/>
           </a:p>
@@ -2293,7 +2293,7 @@
             <a:fld id="{85A5DE44-605B-4D3B-B2B7-94543DF81A36}" type="datetimeFigureOut">
               <a:rPr lang="ru-RU" smtClean="0"/>
               <a:pPr/>
-              <a:t>16.05.2023</a:t>
+              <a:t>17.05.2023</a:t>
             </a:fld>
             <a:endParaRPr lang="ru-RU"/>
           </a:p>
@@ -2572,7 +2572,7 @@
             <a:fld id="{85A5DE44-605B-4D3B-B2B7-94543DF81A36}" type="datetimeFigureOut">
               <a:rPr lang="ru-RU" smtClean="0"/>
               <a:pPr/>
-              <a:t>16.05.2023</a:t>
+              <a:t>17.05.2023</a:t>
             </a:fld>
             <a:endParaRPr lang="ru-RU"/>
           </a:p>
@@ -2831,7 +2831,7 @@
             <a:fld id="{85A5DE44-605B-4D3B-B2B7-94543DF81A36}" type="datetimeFigureOut">
               <a:rPr lang="ru-RU" smtClean="0"/>
               <a:pPr/>
-              <a:t>16.05.2023</a:t>
+              <a:t>17.05.2023</a:t>
             </a:fld>
             <a:endParaRPr lang="ru-RU"/>
           </a:p>
@@ -3046,7 +3046,7 @@
             <a:fld id="{85A5DE44-605B-4D3B-B2B7-94543DF81A36}" type="datetimeFigureOut">
               <a:rPr lang="ru-RU" smtClean="0"/>
               <a:pPr/>
-              <a:t>16.05.2023</a:t>
+              <a:t>17.05.2023</a:t>
             </a:fld>
             <a:endParaRPr lang="ru-RU"/>
           </a:p>
@@ -8484,7 +8484,11 @@
           <a:prstGeom prst="rect">
             <a:avLst/>
           </a:prstGeom>
-          <a:ln w="19050"/>
+          <a:ln w="19050">
+            <a:solidFill>
+              <a:srgbClr val="00B050"/>
+            </a:solidFill>
+          </a:ln>
         </p:spPr>
         <p:style>
           <a:lnRef idx="2">
@@ -8526,7 +8530,11 @@
           <a:prstGeom prst="rect">
             <a:avLst/>
           </a:prstGeom>
-          <a:ln w="19050"/>
+          <a:ln w="19050">
+            <a:solidFill>
+              <a:srgbClr val="00B050"/>
+            </a:solidFill>
+          </a:ln>
         </p:spPr>
         <p:style>
           <a:lnRef idx="2">
@@ -8569,7 +8577,11 @@
           <a:prstGeom prst="rect">
             <a:avLst/>
           </a:prstGeom>
-          <a:ln w="19050"/>
+          <a:ln w="19050">
+            <a:solidFill>
+              <a:srgbClr val="00B050"/>
+            </a:solidFill>
+          </a:ln>
         </p:spPr>
         <p:style>
           <a:lnRef idx="2">
@@ -8611,7 +8623,11 @@
           <a:prstGeom prst="rect">
             <a:avLst/>
           </a:prstGeom>
-          <a:ln w="19050"/>
+          <a:ln w="19050">
+            <a:solidFill>
+              <a:srgbClr val="00B050"/>
+            </a:solidFill>
+          </a:ln>
         </p:spPr>
         <p:style>
           <a:lnRef idx="2">
@@ -11066,7 +11082,11 @@
           <a:prstGeom prst="rect">
             <a:avLst/>
           </a:prstGeom>
-          <a:ln w="19050"/>
+          <a:ln w="19050">
+            <a:solidFill>
+              <a:srgbClr val="00B050"/>
+            </a:solidFill>
+          </a:ln>
         </p:spPr>
         <p:style>
           <a:lnRef idx="2">
@@ -11258,7 +11278,7 @@
         </p:nvSpPr>
         <p:spPr>
           <a:xfrm>
-            <a:off x="2205346" y="18596938"/>
+            <a:off x="2095097" y="18596938"/>
             <a:ext cx="926325" cy="540000"/>
           </a:xfrm>
           <a:prstGeom prst="rect">
@@ -15348,7 +15368,11 @@
           <a:prstGeom prst="rect">
             <a:avLst/>
           </a:prstGeom>
-          <a:ln w="19050"/>
+          <a:ln w="19050">
+            <a:solidFill>
+              <a:srgbClr val="00B050"/>
+            </a:solidFill>
+          </a:ln>
         </p:spPr>
         <p:style>
           <a:lnRef idx="2">
@@ -16971,7 +16995,11 @@
           <a:prstGeom prst="rect">
             <a:avLst/>
           </a:prstGeom>
-          <a:ln w="19050"/>
+          <a:ln w="19050">
+            <a:solidFill>
+              <a:srgbClr val="00B050"/>
+            </a:solidFill>
+          </a:ln>
         </p:spPr>
         <p:style>
           <a:lnRef idx="2">
@@ -17025,7 +17053,11 @@
           <a:prstGeom prst="rect">
             <a:avLst/>
           </a:prstGeom>
-          <a:ln w="19050"/>
+          <a:ln w="19050">
+            <a:solidFill>
+              <a:srgbClr val="00B050"/>
+            </a:solidFill>
+          </a:ln>
         </p:spPr>
         <p:style>
           <a:lnRef idx="2">
@@ -21025,8 +21057,8 @@
         </p:nvCxnSpPr>
         <p:spPr>
           <a:xfrm rot="16200000" flipH="1">
-            <a:off x="2268609" y="18197037"/>
-            <a:ext cx="160087" cy="639714"/>
+            <a:off x="2213484" y="18252161"/>
+            <a:ext cx="160087" cy="529465"/>
           </a:xfrm>
           <a:prstGeom prst="bentConnector3">
             <a:avLst>

--- a/Наработки/диздоки/Португалия/Португалия общая.pptx
+++ b/Наработки/диздоки/Португалия/Португалия общая.pptx
@@ -209,7 +209,7 @@
             <a:fld id="{33E3D7F9-E251-484C-A6FF-FA958879DF69}" type="datetimeFigureOut">
               <a:rPr lang="ru-RU" smtClean="0"/>
               <a:pPr/>
-              <a:t>17.05.2023</a:t>
+              <a:t>18.05.2023</a:t>
             </a:fld>
             <a:endParaRPr lang="ru-RU"/>
           </a:p>
@@ -699,7 +699,7 @@
             <a:fld id="{85A5DE44-605B-4D3B-B2B7-94543DF81A36}" type="datetimeFigureOut">
               <a:rPr lang="ru-RU" smtClean="0"/>
               <a:pPr/>
-              <a:t>17.05.2023</a:t>
+              <a:t>18.05.2023</a:t>
             </a:fld>
             <a:endParaRPr lang="ru-RU"/>
           </a:p>
@@ -871,7 +871,7 @@
             <a:fld id="{85A5DE44-605B-4D3B-B2B7-94543DF81A36}" type="datetimeFigureOut">
               <a:rPr lang="ru-RU" smtClean="0"/>
               <a:pPr/>
-              <a:t>17.05.2023</a:t>
+              <a:t>18.05.2023</a:t>
             </a:fld>
             <a:endParaRPr lang="ru-RU"/>
           </a:p>
@@ -1053,7 +1053,7 @@
             <a:fld id="{85A5DE44-605B-4D3B-B2B7-94543DF81A36}" type="datetimeFigureOut">
               <a:rPr lang="ru-RU" smtClean="0"/>
               <a:pPr/>
-              <a:t>17.05.2023</a:t>
+              <a:t>18.05.2023</a:t>
             </a:fld>
             <a:endParaRPr lang="ru-RU"/>
           </a:p>
@@ -1225,7 +1225,7 @@
             <a:fld id="{85A5DE44-605B-4D3B-B2B7-94543DF81A36}" type="datetimeFigureOut">
               <a:rPr lang="ru-RU" smtClean="0"/>
               <a:pPr/>
-              <a:t>17.05.2023</a:t>
+              <a:t>18.05.2023</a:t>
             </a:fld>
             <a:endParaRPr lang="ru-RU"/>
           </a:p>
@@ -1473,7 +1473,7 @@
             <a:fld id="{85A5DE44-605B-4D3B-B2B7-94543DF81A36}" type="datetimeFigureOut">
               <a:rPr lang="ru-RU" smtClean="0"/>
               <a:pPr/>
-              <a:t>17.05.2023</a:t>
+              <a:t>18.05.2023</a:t>
             </a:fld>
             <a:endParaRPr lang="ru-RU"/>
           </a:p>
@@ -1707,7 +1707,7 @@
             <a:fld id="{85A5DE44-605B-4D3B-B2B7-94543DF81A36}" type="datetimeFigureOut">
               <a:rPr lang="ru-RU" smtClean="0"/>
               <a:pPr/>
-              <a:t>17.05.2023</a:t>
+              <a:t>18.05.2023</a:t>
             </a:fld>
             <a:endParaRPr lang="ru-RU"/>
           </a:p>
@@ -2076,7 +2076,7 @@
             <a:fld id="{85A5DE44-605B-4D3B-B2B7-94543DF81A36}" type="datetimeFigureOut">
               <a:rPr lang="ru-RU" smtClean="0"/>
               <a:pPr/>
-              <a:t>17.05.2023</a:t>
+              <a:t>18.05.2023</a:t>
             </a:fld>
             <a:endParaRPr lang="ru-RU"/>
           </a:p>
@@ -2196,7 +2196,7 @@
             <a:fld id="{85A5DE44-605B-4D3B-B2B7-94543DF81A36}" type="datetimeFigureOut">
               <a:rPr lang="ru-RU" smtClean="0"/>
               <a:pPr/>
-              <a:t>17.05.2023</a:t>
+              <a:t>18.05.2023</a:t>
             </a:fld>
             <a:endParaRPr lang="ru-RU"/>
           </a:p>
@@ -2293,7 +2293,7 @@
             <a:fld id="{85A5DE44-605B-4D3B-B2B7-94543DF81A36}" type="datetimeFigureOut">
               <a:rPr lang="ru-RU" smtClean="0"/>
               <a:pPr/>
-              <a:t>17.05.2023</a:t>
+              <a:t>18.05.2023</a:t>
             </a:fld>
             <a:endParaRPr lang="ru-RU"/>
           </a:p>
@@ -2572,7 +2572,7 @@
             <a:fld id="{85A5DE44-605B-4D3B-B2B7-94543DF81A36}" type="datetimeFigureOut">
               <a:rPr lang="ru-RU" smtClean="0"/>
               <a:pPr/>
-              <a:t>17.05.2023</a:t>
+              <a:t>18.05.2023</a:t>
             </a:fld>
             <a:endParaRPr lang="ru-RU"/>
           </a:p>
@@ -2831,7 +2831,7 @@
             <a:fld id="{85A5DE44-605B-4D3B-B2B7-94543DF81A36}" type="datetimeFigureOut">
               <a:rPr lang="ru-RU" smtClean="0"/>
               <a:pPr/>
-              <a:t>17.05.2023</a:t>
+              <a:t>18.05.2023</a:t>
             </a:fld>
             <a:endParaRPr lang="ru-RU"/>
           </a:p>
@@ -3046,7 +3046,7 @@
             <a:fld id="{85A5DE44-605B-4D3B-B2B7-94543DF81A36}" type="datetimeFigureOut">
               <a:rPr lang="ru-RU" smtClean="0"/>
               <a:pPr/>
-              <a:t>17.05.2023</a:t>
+              <a:t>18.05.2023</a:t>
             </a:fld>
             <a:endParaRPr lang="ru-RU"/>
           </a:p>
@@ -5779,7 +5779,7 @@
           </a:solidFill>
           <a:ln w="19050">
             <a:solidFill>
-              <a:srgbClr val="FFFF00"/>
+              <a:srgbClr val="00B050"/>
             </a:solidFill>
           </a:ln>
         </p:spPr>
@@ -11637,7 +11637,11 @@
               <a:lumMod val="50000"/>
             </a:schemeClr>
           </a:solidFill>
-          <a:ln w="19050"/>
+          <a:ln w="19050">
+            <a:solidFill>
+              <a:srgbClr val="00B050"/>
+            </a:solidFill>
+          </a:ln>
         </p:spPr>
         <p:style>
           <a:lnRef idx="2">
@@ -21968,7 +21972,11 @@
               <a:lumMod val="85000"/>
             </a:schemeClr>
           </a:solidFill>
-          <a:ln w="19050"/>
+          <a:ln w="19050">
+            <a:solidFill>
+              <a:srgbClr val="00B050"/>
+            </a:solidFill>
+          </a:ln>
         </p:spPr>
         <p:style>
           <a:lnRef idx="2">
@@ -22698,7 +22706,11 @@
               <a:lumOff val="40000"/>
             </a:schemeClr>
           </a:solidFill>
-          <a:ln w="19050"/>
+          <a:ln w="19050">
+            <a:solidFill>
+              <a:srgbClr val="00B050"/>
+            </a:solidFill>
+          </a:ln>
         </p:spPr>
         <p:style>
           <a:lnRef idx="2">

--- a/Наработки/диздоки/Португалия/Португалия общая.pptx
+++ b/Наработки/диздоки/Португалия/Португалия общая.pptx
@@ -209,7 +209,7 @@
             <a:fld id="{33E3D7F9-E251-484C-A6FF-FA958879DF69}" type="datetimeFigureOut">
               <a:rPr lang="ru-RU" smtClean="0"/>
               <a:pPr/>
-              <a:t>18.05.2023</a:t>
+              <a:t>19.05.2023</a:t>
             </a:fld>
             <a:endParaRPr lang="ru-RU"/>
           </a:p>
@@ -699,7 +699,7 @@
             <a:fld id="{85A5DE44-605B-4D3B-B2B7-94543DF81A36}" type="datetimeFigureOut">
               <a:rPr lang="ru-RU" smtClean="0"/>
               <a:pPr/>
-              <a:t>18.05.2023</a:t>
+              <a:t>19.05.2023</a:t>
             </a:fld>
             <a:endParaRPr lang="ru-RU"/>
           </a:p>
@@ -871,7 +871,7 @@
             <a:fld id="{85A5DE44-605B-4D3B-B2B7-94543DF81A36}" type="datetimeFigureOut">
               <a:rPr lang="ru-RU" smtClean="0"/>
               <a:pPr/>
-              <a:t>18.05.2023</a:t>
+              <a:t>19.05.2023</a:t>
             </a:fld>
             <a:endParaRPr lang="ru-RU"/>
           </a:p>
@@ -1053,7 +1053,7 @@
             <a:fld id="{85A5DE44-605B-4D3B-B2B7-94543DF81A36}" type="datetimeFigureOut">
               <a:rPr lang="ru-RU" smtClean="0"/>
               <a:pPr/>
-              <a:t>18.05.2023</a:t>
+              <a:t>19.05.2023</a:t>
             </a:fld>
             <a:endParaRPr lang="ru-RU"/>
           </a:p>
@@ -1225,7 +1225,7 @@
             <a:fld id="{85A5DE44-605B-4D3B-B2B7-94543DF81A36}" type="datetimeFigureOut">
               <a:rPr lang="ru-RU" smtClean="0"/>
               <a:pPr/>
-              <a:t>18.05.2023</a:t>
+              <a:t>19.05.2023</a:t>
             </a:fld>
             <a:endParaRPr lang="ru-RU"/>
           </a:p>
@@ -1473,7 +1473,7 @@
             <a:fld id="{85A5DE44-605B-4D3B-B2B7-94543DF81A36}" type="datetimeFigureOut">
               <a:rPr lang="ru-RU" smtClean="0"/>
               <a:pPr/>
-              <a:t>18.05.2023</a:t>
+              <a:t>19.05.2023</a:t>
             </a:fld>
             <a:endParaRPr lang="ru-RU"/>
           </a:p>
@@ -1707,7 +1707,7 @@
             <a:fld id="{85A5DE44-605B-4D3B-B2B7-94543DF81A36}" type="datetimeFigureOut">
               <a:rPr lang="ru-RU" smtClean="0"/>
               <a:pPr/>
-              <a:t>18.05.2023</a:t>
+              <a:t>19.05.2023</a:t>
             </a:fld>
             <a:endParaRPr lang="ru-RU"/>
           </a:p>
@@ -2076,7 +2076,7 @@
             <a:fld id="{85A5DE44-605B-4D3B-B2B7-94543DF81A36}" type="datetimeFigureOut">
               <a:rPr lang="ru-RU" smtClean="0"/>
               <a:pPr/>
-              <a:t>18.05.2023</a:t>
+              <a:t>19.05.2023</a:t>
             </a:fld>
             <a:endParaRPr lang="ru-RU"/>
           </a:p>
@@ -2196,7 +2196,7 @@
             <a:fld id="{85A5DE44-605B-4D3B-B2B7-94543DF81A36}" type="datetimeFigureOut">
               <a:rPr lang="ru-RU" smtClean="0"/>
               <a:pPr/>
-              <a:t>18.05.2023</a:t>
+              <a:t>19.05.2023</a:t>
             </a:fld>
             <a:endParaRPr lang="ru-RU"/>
           </a:p>
@@ -2293,7 +2293,7 @@
             <a:fld id="{85A5DE44-605B-4D3B-B2B7-94543DF81A36}" type="datetimeFigureOut">
               <a:rPr lang="ru-RU" smtClean="0"/>
               <a:pPr/>
-              <a:t>18.05.2023</a:t>
+              <a:t>19.05.2023</a:t>
             </a:fld>
             <a:endParaRPr lang="ru-RU"/>
           </a:p>
@@ -2572,7 +2572,7 @@
             <a:fld id="{85A5DE44-605B-4D3B-B2B7-94543DF81A36}" type="datetimeFigureOut">
               <a:rPr lang="ru-RU" smtClean="0"/>
               <a:pPr/>
-              <a:t>18.05.2023</a:t>
+              <a:t>19.05.2023</a:t>
             </a:fld>
             <a:endParaRPr lang="ru-RU"/>
           </a:p>
@@ -2831,7 +2831,7 @@
             <a:fld id="{85A5DE44-605B-4D3B-B2B7-94543DF81A36}" type="datetimeFigureOut">
               <a:rPr lang="ru-RU" smtClean="0"/>
               <a:pPr/>
-              <a:t>18.05.2023</a:t>
+              <a:t>19.05.2023</a:t>
             </a:fld>
             <a:endParaRPr lang="ru-RU"/>
           </a:p>
@@ -3046,7 +3046,7 @@
             <a:fld id="{85A5DE44-605B-4D3B-B2B7-94543DF81A36}" type="datetimeFigureOut">
               <a:rPr lang="ru-RU" smtClean="0"/>
               <a:pPr/>
-              <a:t>18.05.2023</a:t>
+              <a:t>19.05.2023</a:t>
             </a:fld>
             <a:endParaRPr lang="ru-RU"/>
           </a:p>
@@ -4798,7 +4798,11 @@
           <a:prstGeom prst="rect">
             <a:avLst/>
           </a:prstGeom>
-          <a:ln w="19050"/>
+          <a:ln w="19050">
+            <a:solidFill>
+              <a:srgbClr val="00B050"/>
+            </a:solidFill>
+          </a:ln>
         </p:spPr>
         <p:style>
           <a:lnRef idx="2">
@@ -5458,7 +5462,11 @@
           <a:prstGeom prst="rect">
             <a:avLst/>
           </a:prstGeom>
-          <a:ln w="19050"/>
+          <a:ln w="19050">
+            <a:solidFill>
+              <a:srgbClr val="00B050"/>
+            </a:solidFill>
+          </a:ln>
         </p:spPr>
         <p:style>
           <a:lnRef idx="2">
@@ -5500,7 +5508,11 @@
           <a:prstGeom prst="rect">
             <a:avLst/>
           </a:prstGeom>
-          <a:ln w="19050"/>
+          <a:ln w="19050">
+            <a:solidFill>
+              <a:srgbClr val="00B050"/>
+            </a:solidFill>
+          </a:ln>
         </p:spPr>
         <p:style>
           <a:lnRef idx="2">
@@ -28181,7 +28193,7 @@
         </p:nvSpPr>
         <p:spPr>
           <a:xfrm>
-            <a:off x="8152459" y="6972901"/>
+            <a:off x="7627003" y="6993245"/>
             <a:ext cx="926325" cy="540000"/>
           </a:xfrm>
           <a:prstGeom prst="rect">
@@ -28714,8 +28726,8 @@
         </p:nvCxnSpPr>
         <p:spPr>
           <a:xfrm rot="16200000" flipH="1">
-            <a:off x="7985424" y="6342702"/>
-            <a:ext cx="210143" cy="1050254"/>
+            <a:off x="7712524" y="6615602"/>
+            <a:ext cx="230487" cy="524798"/>
           </a:xfrm>
           <a:prstGeom prst="bentConnector3">
             <a:avLst>
@@ -30970,15 +30982,16 @@
         <p:nvCxnSpPr>
           <p:cNvPr id="766" name="Соединительная линия уступом 765"/>
           <p:cNvCxnSpPr>
-            <a:stCxn id="652" idx="2"/>
+            <a:cxnSpLocks/>
+            <a:stCxn id="794" idx="2"/>
             <a:endCxn id="792" idx="0"/>
           </p:cNvCxnSpPr>
           <p:nvPr/>
         </p:nvCxnSpPr>
         <p:spPr>
           <a:xfrm rot="5400000">
-            <a:off x="9047831" y="6336986"/>
-            <a:ext cx="203706" cy="1068124"/>
+            <a:off x="8236742" y="6623242"/>
+            <a:ext cx="223427" cy="516578"/>
           </a:xfrm>
           <a:prstGeom prst="bentConnector3">
             <a:avLst>
@@ -35533,6 +35546,155 @@
           <a:xfrm rot="16200000" flipH="1">
             <a:off x="43536298" y="7737858"/>
             <a:ext cx="279968" cy="935"/>
+          </a:xfrm>
+          <a:prstGeom prst="bentConnector3">
+            <a:avLst>
+              <a:gd name="adj1" fmla="val 50000"/>
+            </a:avLst>
+          </a:prstGeom>
+          <a:ln w="19050">
+            <a:tailEnd type="arrow"/>
+          </a:ln>
+        </p:spPr>
+        <p:style>
+          <a:lnRef idx="1">
+            <a:schemeClr val="accent1"/>
+          </a:lnRef>
+          <a:fillRef idx="0">
+            <a:schemeClr val="accent1"/>
+          </a:fillRef>
+          <a:effectRef idx="0">
+            <a:schemeClr val="accent1"/>
+          </a:effectRef>
+          <a:fontRef idx="minor">
+            <a:schemeClr val="tx1"/>
+          </a:fontRef>
+        </p:style>
+      </p:cxnSp>
+      <p:sp>
+        <p:nvSpPr>
+          <p:cNvPr id="794" name="Прямоугольник 793">
+            <a:extLst>
+              <a:ext uri="{FF2B5EF4-FFF2-40B4-BE49-F238E27FC236}">
+                <a16:creationId xmlns:a16="http://schemas.microsoft.com/office/drawing/2014/main" id="{78AE4266-63D5-442C-8DD2-4E2AF439EA5C}"/>
+              </a:ext>
+            </a:extLst>
+          </p:cNvPr>
+          <p:cNvSpPr/>
+          <p:nvPr/>
+        </p:nvSpPr>
+        <p:spPr>
+          <a:xfrm>
+            <a:off x="8143581" y="6229818"/>
+            <a:ext cx="926325" cy="540000"/>
+          </a:xfrm>
+          <a:prstGeom prst="rect">
+            <a:avLst/>
+          </a:prstGeom>
+          <a:solidFill>
+            <a:schemeClr val="accent4">
+              <a:lumMod val="60000"/>
+              <a:lumOff val="40000"/>
+            </a:schemeClr>
+          </a:solidFill>
+          <a:ln w="19050"/>
+        </p:spPr>
+        <p:style>
+          <a:lnRef idx="2">
+            <a:schemeClr val="accent1"/>
+          </a:lnRef>
+          <a:fillRef idx="1">
+            <a:schemeClr val="lt1"/>
+          </a:fillRef>
+          <a:effectRef idx="0">
+            <a:schemeClr val="accent1"/>
+          </a:effectRef>
+          <a:fontRef idx="minor">
+            <a:schemeClr val="dk1"/>
+          </a:fontRef>
+        </p:style>
+        <p:txBody>
+          <a:bodyPr lIns="124733" tIns="62367" rIns="124733" bIns="62367" rtlCol="0" anchor="ctr"/>
+          <a:lstStyle/>
+          <a:p>
+            <a:pPr algn="ctr"/>
+            <a:r>
+              <a:rPr lang="ru-RU" sz="700" dirty="0"/>
+              <a:t>Церковь – духовный партнёр короны </a:t>
+            </a:r>
+            <a:r>
+              <a:rPr lang="ru-RU" sz="300" dirty="0"/>
+              <a:t>(Что касается духовных вопросов, то католической церкви доверяли как привилегированному партнеру политической власти.)</a:t>
+            </a:r>
+            <a:endParaRPr lang="ru-RU" sz="700" dirty="0"/>
+          </a:p>
+        </p:txBody>
+      </p:sp>
+      <p:cxnSp>
+        <p:nvCxnSpPr>
+          <p:cNvPr id="817" name="Соединительная линия уступом 877">
+            <a:extLst>
+              <a:ext uri="{FF2B5EF4-FFF2-40B4-BE49-F238E27FC236}">
+                <a16:creationId xmlns:a16="http://schemas.microsoft.com/office/drawing/2014/main" id="{2807BEE1-7563-48A2-86FF-35083B5F476B}"/>
+              </a:ext>
+            </a:extLst>
+          </p:cNvPr>
+          <p:cNvCxnSpPr>
+            <a:cxnSpLocks/>
+            <a:stCxn id="888" idx="2"/>
+            <a:endCxn id="794" idx="0"/>
+          </p:cNvCxnSpPr>
+          <p:nvPr/>
+        </p:nvCxnSpPr>
+        <p:spPr>
+          <a:xfrm rot="5400000">
+            <a:off x="9536355" y="5024475"/>
+            <a:ext cx="275732" cy="2134954"/>
+          </a:xfrm>
+          <a:prstGeom prst="bentConnector3">
+            <a:avLst>
+              <a:gd name="adj1" fmla="val 50000"/>
+            </a:avLst>
+          </a:prstGeom>
+          <a:ln w="19050">
+            <a:tailEnd type="arrow"/>
+          </a:ln>
+        </p:spPr>
+        <p:style>
+          <a:lnRef idx="1">
+            <a:schemeClr val="accent1"/>
+          </a:lnRef>
+          <a:fillRef idx="0">
+            <a:schemeClr val="accent1"/>
+          </a:fillRef>
+          <a:effectRef idx="0">
+            <a:schemeClr val="accent1"/>
+          </a:effectRef>
+          <a:fontRef idx="minor">
+            <a:schemeClr val="tx1"/>
+          </a:fontRef>
+        </p:style>
+      </p:cxnSp>
+      <p:cxnSp>
+        <p:nvCxnSpPr>
+          <p:cNvPr id="818" name="Соединительная линия уступом 877">
+            <a:extLst>
+              <a:ext uri="{FF2B5EF4-FFF2-40B4-BE49-F238E27FC236}">
+                <a16:creationId xmlns:a16="http://schemas.microsoft.com/office/drawing/2014/main" id="{BC701FD7-C072-4A8A-A890-04C9AD3CC42A}"/>
+              </a:ext>
+            </a:extLst>
+          </p:cNvPr>
+          <p:cNvCxnSpPr>
+            <a:cxnSpLocks/>
+            <a:stCxn id="650" idx="2"/>
+            <a:endCxn id="794" idx="0"/>
+          </p:cNvCxnSpPr>
+          <p:nvPr/>
+        </p:nvCxnSpPr>
+        <p:spPr>
+          <a:xfrm rot="5400000">
+            <a:off x="8474529" y="6092829"/>
+            <a:ext cx="269205" cy="4773"/>
           </a:xfrm>
           <a:prstGeom prst="bentConnector3">
             <a:avLst>

--- a/Наработки/диздоки/Португалия/Португалия общая.pptx
+++ b/Наработки/диздоки/Португалия/Португалия общая.pptx
@@ -209,7 +209,7 @@
             <a:fld id="{33E3D7F9-E251-484C-A6FF-FA958879DF69}" type="datetimeFigureOut">
               <a:rPr lang="ru-RU" smtClean="0"/>
               <a:pPr/>
-              <a:t>19.05.2023</a:t>
+              <a:t>26.05.2023</a:t>
             </a:fld>
             <a:endParaRPr lang="ru-RU"/>
           </a:p>
@@ -699,7 +699,7 @@
             <a:fld id="{85A5DE44-605B-4D3B-B2B7-94543DF81A36}" type="datetimeFigureOut">
               <a:rPr lang="ru-RU" smtClean="0"/>
               <a:pPr/>
-              <a:t>19.05.2023</a:t>
+              <a:t>26.05.2023</a:t>
             </a:fld>
             <a:endParaRPr lang="ru-RU"/>
           </a:p>
@@ -871,7 +871,7 @@
             <a:fld id="{85A5DE44-605B-4D3B-B2B7-94543DF81A36}" type="datetimeFigureOut">
               <a:rPr lang="ru-RU" smtClean="0"/>
               <a:pPr/>
-              <a:t>19.05.2023</a:t>
+              <a:t>26.05.2023</a:t>
             </a:fld>
             <a:endParaRPr lang="ru-RU"/>
           </a:p>
@@ -1053,7 +1053,7 @@
             <a:fld id="{85A5DE44-605B-4D3B-B2B7-94543DF81A36}" type="datetimeFigureOut">
               <a:rPr lang="ru-RU" smtClean="0"/>
               <a:pPr/>
-              <a:t>19.05.2023</a:t>
+              <a:t>26.05.2023</a:t>
             </a:fld>
             <a:endParaRPr lang="ru-RU"/>
           </a:p>
@@ -1225,7 +1225,7 @@
             <a:fld id="{85A5DE44-605B-4D3B-B2B7-94543DF81A36}" type="datetimeFigureOut">
               <a:rPr lang="ru-RU" smtClean="0"/>
               <a:pPr/>
-              <a:t>19.05.2023</a:t>
+              <a:t>26.05.2023</a:t>
             </a:fld>
             <a:endParaRPr lang="ru-RU"/>
           </a:p>
@@ -1473,7 +1473,7 @@
             <a:fld id="{85A5DE44-605B-4D3B-B2B7-94543DF81A36}" type="datetimeFigureOut">
               <a:rPr lang="ru-RU" smtClean="0"/>
               <a:pPr/>
-              <a:t>19.05.2023</a:t>
+              <a:t>26.05.2023</a:t>
             </a:fld>
             <a:endParaRPr lang="ru-RU"/>
           </a:p>
@@ -1707,7 +1707,7 @@
             <a:fld id="{85A5DE44-605B-4D3B-B2B7-94543DF81A36}" type="datetimeFigureOut">
               <a:rPr lang="ru-RU" smtClean="0"/>
               <a:pPr/>
-              <a:t>19.05.2023</a:t>
+              <a:t>26.05.2023</a:t>
             </a:fld>
             <a:endParaRPr lang="ru-RU"/>
           </a:p>
@@ -2076,7 +2076,7 @@
             <a:fld id="{85A5DE44-605B-4D3B-B2B7-94543DF81A36}" type="datetimeFigureOut">
               <a:rPr lang="ru-RU" smtClean="0"/>
               <a:pPr/>
-              <a:t>19.05.2023</a:t>
+              <a:t>26.05.2023</a:t>
             </a:fld>
             <a:endParaRPr lang="ru-RU"/>
           </a:p>
@@ -2196,7 +2196,7 @@
             <a:fld id="{85A5DE44-605B-4D3B-B2B7-94543DF81A36}" type="datetimeFigureOut">
               <a:rPr lang="ru-RU" smtClean="0"/>
               <a:pPr/>
-              <a:t>19.05.2023</a:t>
+              <a:t>26.05.2023</a:t>
             </a:fld>
             <a:endParaRPr lang="ru-RU"/>
           </a:p>
@@ -2293,7 +2293,7 @@
             <a:fld id="{85A5DE44-605B-4D3B-B2B7-94543DF81A36}" type="datetimeFigureOut">
               <a:rPr lang="ru-RU" smtClean="0"/>
               <a:pPr/>
-              <a:t>19.05.2023</a:t>
+              <a:t>26.05.2023</a:t>
             </a:fld>
             <a:endParaRPr lang="ru-RU"/>
           </a:p>
@@ -2572,7 +2572,7 @@
             <a:fld id="{85A5DE44-605B-4D3B-B2B7-94543DF81A36}" type="datetimeFigureOut">
               <a:rPr lang="ru-RU" smtClean="0"/>
               <a:pPr/>
-              <a:t>19.05.2023</a:t>
+              <a:t>26.05.2023</a:t>
             </a:fld>
             <a:endParaRPr lang="ru-RU"/>
           </a:p>
@@ -2831,7 +2831,7 @@
             <a:fld id="{85A5DE44-605B-4D3B-B2B7-94543DF81A36}" type="datetimeFigureOut">
               <a:rPr lang="ru-RU" smtClean="0"/>
               <a:pPr/>
-              <a:t>19.05.2023</a:t>
+              <a:t>26.05.2023</a:t>
             </a:fld>
             <a:endParaRPr lang="ru-RU"/>
           </a:p>
@@ -3046,7 +3046,7 @@
             <a:fld id="{85A5DE44-605B-4D3B-B2B7-94543DF81A36}" type="datetimeFigureOut">
               <a:rPr lang="ru-RU" smtClean="0"/>
               <a:pPr/>
-              <a:t>19.05.2023</a:t>
+              <a:t>26.05.2023</a:t>
             </a:fld>
             <a:endParaRPr lang="ru-RU"/>
           </a:p>
@@ -35720,6 +35720,364 @@
           </a:fontRef>
         </p:style>
       </p:cxnSp>
+      <p:sp>
+        <p:nvSpPr>
+          <p:cNvPr id="820" name="Прямоугольник 819">
+            <a:extLst>
+              <a:ext uri="{FF2B5EF4-FFF2-40B4-BE49-F238E27FC236}">
+                <a16:creationId xmlns:a16="http://schemas.microsoft.com/office/drawing/2014/main" id="{7FB062A6-7D4A-43AF-92D6-076653D95FF2}"/>
+              </a:ext>
+            </a:extLst>
+          </p:cNvPr>
+          <p:cNvSpPr/>
+          <p:nvPr/>
+        </p:nvSpPr>
+        <p:spPr>
+          <a:xfrm>
+            <a:off x="16944313" y="8759197"/>
+            <a:ext cx="926325" cy="540000"/>
+          </a:xfrm>
+          <a:prstGeom prst="rect">
+            <a:avLst/>
+          </a:prstGeom>
+          <a:solidFill>
+            <a:schemeClr val="accent4">
+              <a:lumMod val="60000"/>
+              <a:lumOff val="40000"/>
+            </a:schemeClr>
+          </a:solidFill>
+          <a:ln w="19050"/>
+        </p:spPr>
+        <p:style>
+          <a:lnRef idx="2">
+            <a:schemeClr val="accent1"/>
+          </a:lnRef>
+          <a:fillRef idx="1">
+            <a:schemeClr val="lt1"/>
+          </a:fillRef>
+          <a:effectRef idx="0">
+            <a:schemeClr val="accent1"/>
+          </a:effectRef>
+          <a:fontRef idx="minor">
+            <a:schemeClr val="dk1"/>
+          </a:fontRef>
+        </p:style>
+        <p:txBody>
+          <a:bodyPr lIns="124733" tIns="62367" rIns="124733" bIns="62367" rtlCol="0" anchor="ctr"/>
+          <a:lstStyle/>
+          <a:p>
+            <a:pPr algn="ctr"/>
+            <a:r>
+              <a:rPr lang="ru-RU" sz="700" dirty="0"/>
+              <a:t>Начать борьбу с буржуазией в стране </a:t>
+            </a:r>
+            <a:r>
+              <a:rPr lang="ru-RU" sz="200" dirty="0"/>
+              <a:t>(для борьбы с буржуазией во всех ее секторах, от самых реакционных и провозглашенных фашистских и милитаристских диктатур до социалистов и анархо-синдикалистов, наших самых ярые враги и самые решительные сторонники капитала)</a:t>
+            </a:r>
+            <a:endParaRPr lang="ru-RU" sz="700" dirty="0"/>
+          </a:p>
+        </p:txBody>
+      </p:sp>
+      <p:sp>
+        <p:nvSpPr>
+          <p:cNvPr id="826" name="Прямоугольник 825">
+            <a:extLst>
+              <a:ext uri="{FF2B5EF4-FFF2-40B4-BE49-F238E27FC236}">
+                <a16:creationId xmlns:a16="http://schemas.microsoft.com/office/drawing/2014/main" id="{267CA77E-D566-4696-BFF6-E05B42D79FC1}"/>
+              </a:ext>
+            </a:extLst>
+          </p:cNvPr>
+          <p:cNvSpPr/>
+          <p:nvPr/>
+        </p:nvSpPr>
+        <p:spPr>
+          <a:xfrm>
+            <a:off x="15838367" y="9521325"/>
+            <a:ext cx="926325" cy="540000"/>
+          </a:xfrm>
+          <a:prstGeom prst="rect">
+            <a:avLst/>
+          </a:prstGeom>
+          <a:solidFill>
+            <a:schemeClr val="accent4">
+              <a:lumMod val="60000"/>
+              <a:lumOff val="40000"/>
+            </a:schemeClr>
+          </a:solidFill>
+          <a:ln w="19050"/>
+        </p:spPr>
+        <p:style>
+          <a:lnRef idx="2">
+            <a:schemeClr val="accent1"/>
+          </a:lnRef>
+          <a:fillRef idx="1">
+            <a:schemeClr val="lt1"/>
+          </a:fillRef>
+          <a:effectRef idx="0">
+            <a:schemeClr val="accent1"/>
+          </a:effectRef>
+          <a:fontRef idx="minor">
+            <a:schemeClr val="dk1"/>
+          </a:fontRef>
+        </p:style>
+        <p:txBody>
+          <a:bodyPr lIns="124733" tIns="62367" rIns="124733" bIns="62367" rtlCol="0" anchor="ctr"/>
+          <a:lstStyle/>
+          <a:p>
+            <a:pPr algn="ctr"/>
+            <a:r>
+              <a:rPr lang="ru-RU" sz="700" dirty="0"/>
+              <a:t>Коллективизация частной собственности </a:t>
+            </a:r>
+            <a:r>
+              <a:rPr lang="ru-RU" sz="200" dirty="0"/>
+              <a:t>(Что касается программы экономических и социальных преобразований, то речь идет о борьбе «за обобществление всех средств производства и обмена, за превращение частной собственности в собственность коллективную.</a:t>
+            </a:r>
+            <a:endParaRPr lang="ru-RU" sz="700" dirty="0"/>
+          </a:p>
+        </p:txBody>
+      </p:sp>
+      <p:sp>
+        <p:nvSpPr>
+          <p:cNvPr id="832" name="Прямоугольник 831">
+            <a:extLst>
+              <a:ext uri="{FF2B5EF4-FFF2-40B4-BE49-F238E27FC236}">
+                <a16:creationId xmlns:a16="http://schemas.microsoft.com/office/drawing/2014/main" id="{A0A0ABF1-6E6E-432F-920B-5F661A75EC6A}"/>
+              </a:ext>
+            </a:extLst>
+          </p:cNvPr>
+          <p:cNvSpPr/>
+          <p:nvPr/>
+        </p:nvSpPr>
+        <p:spPr>
+          <a:xfrm>
+            <a:off x="16946803" y="9521325"/>
+            <a:ext cx="926325" cy="540000"/>
+          </a:xfrm>
+          <a:prstGeom prst="rect">
+            <a:avLst/>
+          </a:prstGeom>
+          <a:solidFill>
+            <a:schemeClr val="accent4">
+              <a:lumMod val="60000"/>
+              <a:lumOff val="40000"/>
+            </a:schemeClr>
+          </a:solidFill>
+          <a:ln w="19050"/>
+        </p:spPr>
+        <p:style>
+          <a:lnRef idx="2">
+            <a:schemeClr val="accent1"/>
+          </a:lnRef>
+          <a:fillRef idx="1">
+            <a:schemeClr val="lt1"/>
+          </a:fillRef>
+          <a:effectRef idx="0">
+            <a:schemeClr val="accent1"/>
+          </a:effectRef>
+          <a:fontRef idx="minor">
+            <a:schemeClr val="dk1"/>
+          </a:fontRef>
+        </p:style>
+        <p:txBody>
+          <a:bodyPr lIns="124733" tIns="62367" rIns="124733" bIns="62367" rtlCol="0" anchor="ctr"/>
+          <a:lstStyle/>
+          <a:p>
+            <a:pPr algn="ctr"/>
+            <a:r>
+              <a:rPr lang="ru-RU" sz="700" dirty="0"/>
+              <a:t>Обобществление всех средств производства</a:t>
+            </a:r>
+            <a:r>
+              <a:rPr lang="ru-RU" sz="200" dirty="0"/>
+              <a:t>(Что касается программы экономических и социальных преобразований, то речь идет о борьбе «за обобществление всех средств производства и обмена, за превращение частной собственности в собственность коллективную.</a:t>
+            </a:r>
+            <a:endParaRPr lang="ru-RU" sz="700" dirty="0"/>
+          </a:p>
+        </p:txBody>
+      </p:sp>
+      <p:sp>
+        <p:nvSpPr>
+          <p:cNvPr id="836" name="Прямоугольник 835">
+            <a:extLst>
+              <a:ext uri="{FF2B5EF4-FFF2-40B4-BE49-F238E27FC236}">
+                <a16:creationId xmlns:a16="http://schemas.microsoft.com/office/drawing/2014/main" id="{DCFBCD53-86CD-41EF-99CA-D5A01123F9A2}"/>
+              </a:ext>
+            </a:extLst>
+          </p:cNvPr>
+          <p:cNvSpPr/>
+          <p:nvPr/>
+        </p:nvSpPr>
+        <p:spPr>
+          <a:xfrm>
+            <a:off x="19136675" y="7076682"/>
+            <a:ext cx="926325" cy="540000"/>
+          </a:xfrm>
+          <a:prstGeom prst="rect">
+            <a:avLst/>
+          </a:prstGeom>
+          <a:solidFill>
+            <a:schemeClr val="accent4">
+              <a:lumMod val="60000"/>
+              <a:lumOff val="40000"/>
+            </a:schemeClr>
+          </a:solidFill>
+          <a:ln w="19050"/>
+        </p:spPr>
+        <p:style>
+          <a:lnRef idx="2">
+            <a:schemeClr val="accent1"/>
+          </a:lnRef>
+          <a:fillRef idx="1">
+            <a:schemeClr val="lt1"/>
+          </a:fillRef>
+          <a:effectRef idx="0">
+            <a:schemeClr val="accent1"/>
+          </a:effectRef>
+          <a:fontRef idx="minor">
+            <a:schemeClr val="dk1"/>
+          </a:fontRef>
+        </p:style>
+        <p:txBody>
+          <a:bodyPr lIns="124733" tIns="62367" rIns="124733" bIns="62367" rtlCol="0" anchor="ctr"/>
+          <a:lstStyle/>
+          <a:p>
+            <a:pPr algn="ctr"/>
+            <a:r>
+              <a:rPr lang="ru-RU" sz="700" dirty="0"/>
+              <a:t>Союз Республик Иберийских Советов </a:t>
+            </a:r>
+            <a:r>
+              <a:rPr lang="ru-RU" sz="100" dirty="0" err="1"/>
+              <a:t>Diário</a:t>
+            </a:r>
+            <a:r>
+              <a:rPr lang="ru-RU" sz="100" dirty="0"/>
+              <a:t> </a:t>
+            </a:r>
+            <a:r>
+              <a:rPr lang="ru-RU" sz="100" dirty="0" err="1"/>
+              <a:t>de</a:t>
+            </a:r>
+            <a:r>
+              <a:rPr lang="ru-RU" sz="100" dirty="0"/>
+              <a:t> </a:t>
+            </a:r>
+            <a:r>
+              <a:rPr lang="ru-RU" sz="100" dirty="0" err="1"/>
+              <a:t>Notícias</a:t>
+            </a:r>
+            <a:r>
+              <a:rPr lang="ru-RU" sz="100" dirty="0"/>
+              <a:t> также публикует 3 мая с указанием, что Министерство образования направило его в печать, манифест, подписанный «Академической фракцией ПК и JCP и Союзом академических ядер, сочувствующих коммунизму и Союз Советский», о подлинности которых надо сделать оговорку, так как других указаний на существование такой «Фракции» или таких «Ядер» у нас нет. Он развивает яростную критику республиканских студентов и завершается призывом к созданию «Союза Республик Иберийских Советов». Попутно констатируется, что «в настоящее время в Академии 722 мы являемся единственной организованной силой».</a:t>
+            </a:r>
+            <a:endParaRPr lang="ru-RU" sz="700" dirty="0"/>
+          </a:p>
+        </p:txBody>
+      </p:sp>
+      <p:cxnSp>
+        <p:nvCxnSpPr>
+          <p:cNvPr id="837" name="Прямая со стрелкой 836">
+            <a:extLst>
+              <a:ext uri="{FF2B5EF4-FFF2-40B4-BE49-F238E27FC236}">
+                <a16:creationId xmlns:a16="http://schemas.microsoft.com/office/drawing/2014/main" id="{32683337-8B09-4A0C-A255-7006391BD8B4}"/>
+              </a:ext>
+            </a:extLst>
+          </p:cNvPr>
+          <p:cNvCxnSpPr>
+            <a:cxnSpLocks/>
+            <a:stCxn id="684" idx="2"/>
+            <a:endCxn id="836" idx="0"/>
+          </p:cNvCxnSpPr>
+          <p:nvPr/>
+        </p:nvCxnSpPr>
+        <p:spPr>
+          <a:xfrm>
+            <a:off x="19598885" y="6805230"/>
+            <a:ext cx="953" cy="271452"/>
+          </a:xfrm>
+          <a:prstGeom prst="straightConnector1">
+            <a:avLst/>
+          </a:prstGeom>
+          <a:ln w="19050">
+            <a:tailEnd type="arrow"/>
+          </a:ln>
+        </p:spPr>
+        <p:style>
+          <a:lnRef idx="1">
+            <a:schemeClr val="accent1"/>
+          </a:lnRef>
+          <a:fillRef idx="0">
+            <a:schemeClr val="accent1"/>
+          </a:fillRef>
+          <a:effectRef idx="0">
+            <a:schemeClr val="accent1"/>
+          </a:effectRef>
+          <a:fontRef idx="minor">
+            <a:schemeClr val="tx1"/>
+          </a:fontRef>
+        </p:style>
+      </p:cxnSp>
+      <p:sp>
+        <p:nvSpPr>
+          <p:cNvPr id="842" name="Прямоугольник 841">
+            <a:extLst>
+              <a:ext uri="{FF2B5EF4-FFF2-40B4-BE49-F238E27FC236}">
+                <a16:creationId xmlns:a16="http://schemas.microsoft.com/office/drawing/2014/main" id="{C992E1F8-24DC-40F3-842D-1B696945FCCA}"/>
+              </a:ext>
+            </a:extLst>
+          </p:cNvPr>
+          <p:cNvSpPr/>
+          <p:nvPr/>
+        </p:nvSpPr>
+        <p:spPr>
+          <a:xfrm>
+            <a:off x="18207105" y="8010726"/>
+            <a:ext cx="926325" cy="540000"/>
+          </a:xfrm>
+          <a:prstGeom prst="rect">
+            <a:avLst/>
+          </a:prstGeom>
+          <a:solidFill>
+            <a:schemeClr val="accent4">
+              <a:lumMod val="60000"/>
+              <a:lumOff val="40000"/>
+            </a:schemeClr>
+          </a:solidFill>
+          <a:ln w="19050"/>
+        </p:spPr>
+        <p:style>
+          <a:lnRef idx="2">
+            <a:schemeClr val="accent1"/>
+          </a:lnRef>
+          <a:fillRef idx="1">
+            <a:schemeClr val="lt1"/>
+          </a:fillRef>
+          <a:effectRef idx="0">
+            <a:schemeClr val="accent1"/>
+          </a:effectRef>
+          <a:fontRef idx="minor">
+            <a:schemeClr val="dk1"/>
+          </a:fontRef>
+        </p:style>
+        <p:txBody>
+          <a:bodyPr lIns="124733" tIns="62367" rIns="124733" bIns="62367" rtlCol="0" anchor="ctr"/>
+          <a:lstStyle/>
+          <a:p>
+            <a:pPr algn="ctr"/>
+            <a:r>
+              <a:rPr lang="ru-RU" sz="700" dirty="0"/>
+              <a:t>Социальная трансформация республики </a:t>
+            </a:r>
+            <a:r>
+              <a:rPr lang="ru-RU" sz="200" dirty="0"/>
+              <a:t>Иными словами: двигалась идея о том, что социальная трансформация республики зависит уже не от республиканских партий, а главным образом от появления другой политической силы.— которая уже имела социальное существование, хотя и рассеянное, и что было бы необходимо наделить ее теоретической и органической связью, чтобы она могла быть голосом народной воли, еще не имеющей политического выражения</a:t>
+            </a:r>
+            <a:endParaRPr lang="ru-RU" sz="700" dirty="0"/>
+          </a:p>
+        </p:txBody>
+      </p:sp>
     </p:spTree>
     <p:extLst>
       <p:ext uri="{BB962C8B-B14F-4D97-AF65-F5344CB8AC3E}">

--- a/Наработки/диздоки/Португалия/Португалия общая.pptx
+++ b/Наработки/диздоки/Португалия/Португалия общая.pptx
@@ -209,7 +209,7 @@
             <a:fld id="{33E3D7F9-E251-484C-A6FF-FA958879DF69}" type="datetimeFigureOut">
               <a:rPr lang="ru-RU" smtClean="0"/>
               <a:pPr/>
-              <a:t>26.05.2023</a:t>
+              <a:t>30.05.2023</a:t>
             </a:fld>
             <a:endParaRPr lang="ru-RU"/>
           </a:p>
@@ -699,7 +699,7 @@
             <a:fld id="{85A5DE44-605B-4D3B-B2B7-94543DF81A36}" type="datetimeFigureOut">
               <a:rPr lang="ru-RU" smtClean="0"/>
               <a:pPr/>
-              <a:t>26.05.2023</a:t>
+              <a:t>30.05.2023</a:t>
             </a:fld>
             <a:endParaRPr lang="ru-RU"/>
           </a:p>
@@ -871,7 +871,7 @@
             <a:fld id="{85A5DE44-605B-4D3B-B2B7-94543DF81A36}" type="datetimeFigureOut">
               <a:rPr lang="ru-RU" smtClean="0"/>
               <a:pPr/>
-              <a:t>26.05.2023</a:t>
+              <a:t>30.05.2023</a:t>
             </a:fld>
             <a:endParaRPr lang="ru-RU"/>
           </a:p>
@@ -1053,7 +1053,7 @@
             <a:fld id="{85A5DE44-605B-4D3B-B2B7-94543DF81A36}" type="datetimeFigureOut">
               <a:rPr lang="ru-RU" smtClean="0"/>
               <a:pPr/>
-              <a:t>26.05.2023</a:t>
+              <a:t>30.05.2023</a:t>
             </a:fld>
             <a:endParaRPr lang="ru-RU"/>
           </a:p>
@@ -1225,7 +1225,7 @@
             <a:fld id="{85A5DE44-605B-4D3B-B2B7-94543DF81A36}" type="datetimeFigureOut">
               <a:rPr lang="ru-RU" smtClean="0"/>
               <a:pPr/>
-              <a:t>26.05.2023</a:t>
+              <a:t>30.05.2023</a:t>
             </a:fld>
             <a:endParaRPr lang="ru-RU"/>
           </a:p>
@@ -1473,7 +1473,7 @@
             <a:fld id="{85A5DE44-605B-4D3B-B2B7-94543DF81A36}" type="datetimeFigureOut">
               <a:rPr lang="ru-RU" smtClean="0"/>
               <a:pPr/>
-              <a:t>26.05.2023</a:t>
+              <a:t>30.05.2023</a:t>
             </a:fld>
             <a:endParaRPr lang="ru-RU"/>
           </a:p>
@@ -1707,7 +1707,7 @@
             <a:fld id="{85A5DE44-605B-4D3B-B2B7-94543DF81A36}" type="datetimeFigureOut">
               <a:rPr lang="ru-RU" smtClean="0"/>
               <a:pPr/>
-              <a:t>26.05.2023</a:t>
+              <a:t>30.05.2023</a:t>
             </a:fld>
             <a:endParaRPr lang="ru-RU"/>
           </a:p>
@@ -2076,7 +2076,7 @@
             <a:fld id="{85A5DE44-605B-4D3B-B2B7-94543DF81A36}" type="datetimeFigureOut">
               <a:rPr lang="ru-RU" smtClean="0"/>
               <a:pPr/>
-              <a:t>26.05.2023</a:t>
+              <a:t>30.05.2023</a:t>
             </a:fld>
             <a:endParaRPr lang="ru-RU"/>
           </a:p>
@@ -2196,7 +2196,7 @@
             <a:fld id="{85A5DE44-605B-4D3B-B2B7-94543DF81A36}" type="datetimeFigureOut">
               <a:rPr lang="ru-RU" smtClean="0"/>
               <a:pPr/>
-              <a:t>26.05.2023</a:t>
+              <a:t>30.05.2023</a:t>
             </a:fld>
             <a:endParaRPr lang="ru-RU"/>
           </a:p>
@@ -2293,7 +2293,7 @@
             <a:fld id="{85A5DE44-605B-4D3B-B2B7-94543DF81A36}" type="datetimeFigureOut">
               <a:rPr lang="ru-RU" smtClean="0"/>
               <a:pPr/>
-              <a:t>26.05.2023</a:t>
+              <a:t>30.05.2023</a:t>
             </a:fld>
             <a:endParaRPr lang="ru-RU"/>
           </a:p>
@@ -2572,7 +2572,7 @@
             <a:fld id="{85A5DE44-605B-4D3B-B2B7-94543DF81A36}" type="datetimeFigureOut">
               <a:rPr lang="ru-RU" smtClean="0"/>
               <a:pPr/>
-              <a:t>26.05.2023</a:t>
+              <a:t>30.05.2023</a:t>
             </a:fld>
             <a:endParaRPr lang="ru-RU"/>
           </a:p>
@@ -2831,7 +2831,7 @@
             <a:fld id="{85A5DE44-605B-4D3B-B2B7-94543DF81A36}" type="datetimeFigureOut">
               <a:rPr lang="ru-RU" smtClean="0"/>
               <a:pPr/>
-              <a:t>26.05.2023</a:t>
+              <a:t>30.05.2023</a:t>
             </a:fld>
             <a:endParaRPr lang="ru-RU"/>
           </a:p>
@@ -3046,7 +3046,7 @@
             <a:fld id="{85A5DE44-605B-4D3B-B2B7-94543DF81A36}" type="datetimeFigureOut">
               <a:rPr lang="ru-RU" smtClean="0"/>
               <a:pPr/>
-              <a:t>26.05.2023</a:t>
+              <a:t>30.05.2023</a:t>
             </a:fld>
             <a:endParaRPr lang="ru-RU"/>
           </a:p>
@@ -4838,7 +4838,7 @@
         </p:nvSpPr>
         <p:spPr>
           <a:xfrm>
-            <a:off x="36829534" y="7059141"/>
+            <a:off x="34206108" y="6929468"/>
             <a:ext cx="926325" cy="540000"/>
           </a:xfrm>
           <a:prstGeom prst="rect">
@@ -5008,7 +5008,7 @@
         </p:nvSpPr>
         <p:spPr>
           <a:xfrm>
-            <a:off x="34758162" y="5411079"/>
+            <a:off x="32134736" y="5281406"/>
             <a:ext cx="926325" cy="540000"/>
           </a:xfrm>
           <a:prstGeom prst="rect">
@@ -5190,7 +5190,7 @@
         </p:nvSpPr>
         <p:spPr>
           <a:xfrm>
-            <a:off x="33235265" y="8683228"/>
+            <a:off x="30611839" y="8553555"/>
             <a:ext cx="926325" cy="540000"/>
           </a:xfrm>
           <a:prstGeom prst="rect">
@@ -5232,7 +5232,7 @@
         </p:nvSpPr>
         <p:spPr>
           <a:xfrm>
-            <a:off x="33757363" y="6281221"/>
+            <a:off x="31133937" y="6151548"/>
             <a:ext cx="926325" cy="540000"/>
           </a:xfrm>
           <a:prstGeom prst="rect">
@@ -5279,7 +5279,7 @@
         </p:nvSpPr>
         <p:spPr>
           <a:xfrm>
-            <a:off x="34799433" y="7887545"/>
+            <a:off x="32176007" y="7757872"/>
             <a:ext cx="926325" cy="540000"/>
           </a:xfrm>
           <a:prstGeom prst="rect">
@@ -5368,7 +5368,7 @@
         </p:nvSpPr>
         <p:spPr>
           <a:xfrm>
-            <a:off x="32227612" y="8685311"/>
+            <a:off x="29604186" y="8555638"/>
             <a:ext cx="926325" cy="540000"/>
           </a:xfrm>
           <a:prstGeom prst="rect">
@@ -5778,7 +5778,7 @@
         </p:nvSpPr>
         <p:spPr>
           <a:xfrm>
-            <a:off x="35303830" y="6276672"/>
+            <a:off x="32680404" y="6146999"/>
             <a:ext cx="926325" cy="540000"/>
           </a:xfrm>
           <a:prstGeom prst="rect">
@@ -5829,7 +5829,7 @@
         </p:nvSpPr>
         <p:spPr>
           <a:xfrm>
-            <a:off x="33755085" y="7070324"/>
+            <a:off x="31131659" y="6940651"/>
             <a:ext cx="926325" cy="540000"/>
           </a:xfrm>
           <a:prstGeom prst="rect">
@@ -5876,7 +5876,7 @@
         </p:nvSpPr>
         <p:spPr>
           <a:xfrm>
-            <a:off x="35820162" y="7065776"/>
+            <a:off x="33196736" y="6936103"/>
             <a:ext cx="926325" cy="540000"/>
           </a:xfrm>
           <a:prstGeom prst="rect">
@@ -5927,7 +5927,7 @@
         </p:nvSpPr>
         <p:spPr>
           <a:xfrm>
-            <a:off x="34798287" y="7068051"/>
+            <a:off x="32174861" y="6938378"/>
             <a:ext cx="926325" cy="540000"/>
           </a:xfrm>
           <a:prstGeom prst="rect">
@@ -5978,7 +5978,7 @@
         </p:nvSpPr>
         <p:spPr>
           <a:xfrm>
-            <a:off x="35822439" y="7889571"/>
+            <a:off x="33199013" y="7759898"/>
             <a:ext cx="926325" cy="540000"/>
           </a:xfrm>
           <a:prstGeom prst="rect">
@@ -6037,7 +6037,7 @@
         </p:nvCxnSpPr>
         <p:spPr>
           <a:xfrm rot="5400000">
-            <a:off x="35388533" y="6689590"/>
+            <a:off x="32765107" y="6559917"/>
             <a:ext cx="251379" cy="505543"/>
           </a:xfrm>
           <a:prstGeom prst="bentConnector3">
@@ -6075,7 +6075,7 @@
         </p:nvCxnSpPr>
         <p:spPr>
           <a:xfrm flipH="1">
-            <a:off x="34218248" y="6821221"/>
+            <a:off x="31594822" y="6691548"/>
             <a:ext cx="2278" cy="249103"/>
           </a:xfrm>
           <a:prstGeom prst="straightConnector1">
@@ -6111,7 +6111,7 @@
         </p:nvCxnSpPr>
         <p:spPr>
           <a:xfrm rot="16200000" flipH="1">
-            <a:off x="35632766" y="7236735"/>
+            <a:off x="33009340" y="7107062"/>
             <a:ext cx="281520" cy="1024152"/>
           </a:xfrm>
           <a:prstGeom prst="bentConnector3">
@@ -6149,7 +6149,7 @@
         </p:nvCxnSpPr>
         <p:spPr>
           <a:xfrm>
-            <a:off x="36283325" y="7605776"/>
+            <a:off x="33659899" y="7476103"/>
             <a:ext cx="2277" cy="283795"/>
           </a:xfrm>
           <a:prstGeom prst="straightConnector1">
@@ -6182,7 +6182,7 @@
         </p:nvSpPr>
         <p:spPr>
           <a:xfrm>
-            <a:off x="33757359" y="7887297"/>
+            <a:off x="31133933" y="7757624"/>
             <a:ext cx="926325" cy="540000"/>
           </a:xfrm>
           <a:prstGeom prst="rect">
@@ -6236,7 +6236,7 @@
         </p:nvCxnSpPr>
         <p:spPr>
           <a:xfrm>
-            <a:off x="34218248" y="7610324"/>
+            <a:off x="31594822" y="7480651"/>
             <a:ext cx="2274" cy="276973"/>
           </a:xfrm>
           <a:prstGeom prst="straightConnector1">
@@ -6272,7 +6272,7 @@
         </p:nvCxnSpPr>
         <p:spPr>
           <a:xfrm rot="16200000" flipH="1">
-            <a:off x="35331363" y="5841041"/>
+            <a:off x="32707937" y="5711368"/>
             <a:ext cx="325593" cy="545668"/>
           </a:xfrm>
           <a:prstGeom prst="bentConnector3">
@@ -6307,7 +6307,7 @@
         </p:nvSpPr>
         <p:spPr>
           <a:xfrm>
-            <a:off x="32739399" y="9431771"/>
+            <a:off x="30115973" y="9302098"/>
             <a:ext cx="926325" cy="540000"/>
           </a:xfrm>
           <a:prstGeom prst="rect">
@@ -11134,7 +11134,7 @@
         </p:nvSpPr>
         <p:spPr>
           <a:xfrm>
-            <a:off x="28181110" y="4588423"/>
+            <a:off x="25557684" y="4458750"/>
             <a:ext cx="926325" cy="540000"/>
           </a:xfrm>
           <a:prstGeom prst="rect">
@@ -11187,7 +11187,7 @@
         </p:nvSpPr>
         <p:spPr>
           <a:xfrm>
-            <a:off x="24516017" y="3813248"/>
+            <a:off x="21892591" y="3683575"/>
             <a:ext cx="926325" cy="540000"/>
           </a:xfrm>
           <a:prstGeom prst="rect">
@@ -11238,7 +11238,7 @@
         </p:nvSpPr>
         <p:spPr>
           <a:xfrm>
-            <a:off x="31210150" y="5417190"/>
+            <a:off x="28586724" y="5287517"/>
             <a:ext cx="926325" cy="540000"/>
           </a:xfrm>
           <a:prstGeom prst="rect">
@@ -11392,7 +11392,7 @@
         </p:nvSpPr>
         <p:spPr>
           <a:xfrm>
-            <a:off x="32234223" y="5421078"/>
+            <a:off x="29610797" y="5291405"/>
             <a:ext cx="926325" cy="540000"/>
           </a:xfrm>
           <a:prstGeom prst="rect">
@@ -11443,7 +11443,7 @@
         </p:nvSpPr>
         <p:spPr>
           <a:xfrm>
-            <a:off x="31728117" y="4590015"/>
+            <a:off x="29104691" y="4460342"/>
             <a:ext cx="926325" cy="540000"/>
           </a:xfrm>
           <a:prstGeom prst="rect">
@@ -11494,7 +11494,7 @@
         </p:nvSpPr>
         <p:spPr>
           <a:xfrm>
-            <a:off x="40004795" y="5417188"/>
+            <a:off x="37381369" y="5287515"/>
             <a:ext cx="926325" cy="540000"/>
           </a:xfrm>
           <a:prstGeom prst="rect">
@@ -11638,7 +11638,7 @@
         </p:nvSpPr>
         <p:spPr>
           <a:xfrm>
-            <a:off x="23979070" y="4588593"/>
+            <a:off x="21355644" y="4458920"/>
             <a:ext cx="926325" cy="540000"/>
           </a:xfrm>
           <a:prstGeom prst="rect">
@@ -11689,7 +11689,7 @@
         </p:nvSpPr>
         <p:spPr>
           <a:xfrm>
-            <a:off x="22367919" y="5405054"/>
+            <a:off x="19744493" y="5275381"/>
             <a:ext cx="926325" cy="540000"/>
           </a:xfrm>
           <a:prstGeom prst="rect">
@@ -11739,7 +11739,7 @@
         </p:nvSpPr>
         <p:spPr>
           <a:xfrm>
-            <a:off x="37337186" y="3811544"/>
+            <a:off x="34713760" y="3681871"/>
             <a:ext cx="926325" cy="540000"/>
           </a:xfrm>
           <a:prstGeom prst="rect">
@@ -11790,7 +11790,7 @@
         </p:nvSpPr>
         <p:spPr>
           <a:xfrm>
-            <a:off x="26094573" y="4588423"/>
+            <a:off x="23471147" y="4458750"/>
             <a:ext cx="926325" cy="540000"/>
           </a:xfrm>
           <a:prstGeom prst="rect">
@@ -11842,7 +11842,7 @@
         </p:nvSpPr>
         <p:spPr>
           <a:xfrm>
-            <a:off x="21304230" y="4584310"/>
+            <a:off x="18680804" y="4454637"/>
             <a:ext cx="926325" cy="540000"/>
           </a:xfrm>
           <a:prstGeom prst="rect">
@@ -11894,7 +11894,7 @@
         </p:nvCxnSpPr>
         <p:spPr>
           <a:xfrm>
-            <a:off x="27020898" y="4858423"/>
+            <a:off x="24397472" y="4728750"/>
             <a:ext cx="1160212" cy="0"/>
           </a:xfrm>
           <a:prstGeom prst="line">
@@ -11932,7 +11932,7 @@
         </p:nvCxnSpPr>
         <p:spPr>
           <a:xfrm>
-            <a:off x="22230555" y="4854310"/>
+            <a:off x="19607129" y="4724637"/>
             <a:ext cx="1748515" cy="4283"/>
           </a:xfrm>
           <a:prstGeom prst="line">
@@ -11970,7 +11970,7 @@
         </p:nvCxnSpPr>
         <p:spPr>
           <a:xfrm flipV="1">
-            <a:off x="25442342" y="4081544"/>
+            <a:off x="22818916" y="3951871"/>
             <a:ext cx="11894844" cy="1704"/>
           </a:xfrm>
           <a:prstGeom prst="line">
@@ -12008,7 +12008,7 @@
         </p:nvCxnSpPr>
         <p:spPr>
           <a:xfrm rot="5400000">
-            <a:off x="23257756" y="2862886"/>
+            <a:off x="20634330" y="2733213"/>
             <a:ext cx="231062" cy="3211787"/>
           </a:xfrm>
           <a:prstGeom prst="bentConnector3">
@@ -12046,7 +12046,7 @@
         </p:nvCxnSpPr>
         <p:spPr>
           <a:xfrm rot="5400000">
-            <a:off x="24593035" y="4202447"/>
+            <a:off x="21969609" y="4072774"/>
             <a:ext cx="235345" cy="536947"/>
           </a:xfrm>
           <a:prstGeom prst="bentConnector3">
@@ -12084,7 +12084,7 @@
         </p:nvCxnSpPr>
         <p:spPr>
           <a:xfrm rot="16200000" flipH="1">
-            <a:off x="25650871" y="3681557"/>
+            <a:off x="23027445" y="3551884"/>
             <a:ext cx="235175" cy="1578556"/>
           </a:xfrm>
           <a:prstGeom prst="bentConnector3">
@@ -12122,7 +12122,7 @@
         </p:nvCxnSpPr>
         <p:spPr>
           <a:xfrm rot="16200000" flipH="1">
-            <a:off x="26694139" y="2638288"/>
+            <a:off x="24070713" y="2508615"/>
             <a:ext cx="235175" cy="3665093"/>
           </a:xfrm>
           <a:prstGeom prst="bentConnector3">
@@ -12157,7 +12157,7 @@
         </p:nvSpPr>
         <p:spPr>
           <a:xfrm>
-            <a:off x="34759145" y="4611911"/>
+            <a:off x="32135719" y="4482238"/>
             <a:ext cx="926325" cy="540000"/>
           </a:xfrm>
           <a:prstGeom prst="rect">
@@ -12208,7 +12208,7 @@
         </p:nvSpPr>
         <p:spPr>
           <a:xfrm>
-            <a:off x="40004796" y="4605087"/>
+            <a:off x="37381370" y="4475414"/>
             <a:ext cx="926325" cy="540000"/>
           </a:xfrm>
           <a:prstGeom prst="rect">
@@ -12276,7 +12276,7 @@
         </p:nvCxnSpPr>
         <p:spPr>
           <a:xfrm flipV="1">
-            <a:off x="35685470" y="4875087"/>
+            <a:off x="33062044" y="4745414"/>
             <a:ext cx="4319326" cy="6824"/>
           </a:xfrm>
           <a:prstGeom prst="line">
@@ -12314,7 +12314,7 @@
         </p:nvCxnSpPr>
         <p:spPr>
           <a:xfrm rot="5400000">
-            <a:off x="36381146" y="3192707"/>
+            <a:off x="33757720" y="3063034"/>
             <a:ext cx="260367" cy="2578041"/>
           </a:xfrm>
           <a:prstGeom prst="bentConnector3">
@@ -12352,7 +12352,7 @@
         </p:nvCxnSpPr>
         <p:spPr>
           <a:xfrm rot="16200000" flipH="1">
-            <a:off x="39007383" y="3144510"/>
+            <a:off x="36383957" y="3014837"/>
             <a:ext cx="253543" cy="2667610"/>
           </a:xfrm>
           <a:prstGeom prst="bentConnector3">
@@ -12387,7 +12387,7 @@
         </p:nvSpPr>
         <p:spPr>
           <a:xfrm>
-            <a:off x="41069291" y="7060676"/>
+            <a:off x="38445865" y="6931003"/>
             <a:ext cx="926325" cy="540000"/>
           </a:xfrm>
           <a:prstGeom prst="rect">
@@ -12444,7 +12444,7 @@
         </p:nvSpPr>
         <p:spPr>
           <a:xfrm>
-            <a:off x="40004794" y="7060676"/>
+            <a:off x="37381368" y="6931003"/>
             <a:ext cx="926325" cy="540000"/>
           </a:xfrm>
           <a:prstGeom prst="rect">
@@ -12513,7 +12513,7 @@
         </p:nvSpPr>
         <p:spPr>
           <a:xfrm>
-            <a:off x="41612919" y="6277642"/>
+            <a:off x="38989493" y="6147969"/>
             <a:ext cx="926325" cy="540000"/>
           </a:xfrm>
           <a:prstGeom prst="rect">
@@ -12569,7 +12569,7 @@
         </p:nvSpPr>
         <p:spPr>
           <a:xfrm>
-            <a:off x="38967123" y="6273042"/>
+            <a:off x="36343697" y="6143369"/>
             <a:ext cx="926325" cy="540000"/>
           </a:xfrm>
           <a:prstGeom prst="rect">
@@ -12641,7 +12641,7 @@
         </p:nvCxnSpPr>
         <p:spPr>
           <a:xfrm flipH="1">
-            <a:off x="40467957" y="5957188"/>
+            <a:off x="37844531" y="5827515"/>
             <a:ext cx="1" cy="1103488"/>
           </a:xfrm>
           <a:prstGeom prst="straightConnector1">
@@ -12674,7 +12674,7 @@
         </p:nvSpPr>
         <p:spPr>
           <a:xfrm>
-            <a:off x="42148016" y="7059935"/>
+            <a:off x="39524590" y="6930262"/>
             <a:ext cx="926325" cy="540000"/>
           </a:xfrm>
           <a:prstGeom prst="rect">
@@ -12729,7 +12729,7 @@
         </p:nvCxnSpPr>
         <p:spPr>
           <a:xfrm rot="5400000">
-            <a:off x="39791195" y="5596279"/>
+            <a:off x="37167769" y="5466606"/>
             <a:ext cx="315854" cy="1037672"/>
           </a:xfrm>
           <a:prstGeom prst="bentConnector3">
@@ -12767,7 +12767,7 @@
         </p:nvCxnSpPr>
         <p:spPr>
           <a:xfrm rot="16200000" flipH="1">
-            <a:off x="41111793" y="5313353"/>
+            <a:off x="38488367" y="5183680"/>
             <a:ext cx="320454" cy="1608124"/>
           </a:xfrm>
           <a:prstGeom prst="bentConnector3">
@@ -12805,7 +12805,7 @@
         </p:nvCxnSpPr>
         <p:spPr>
           <a:xfrm rot="5400000">
-            <a:off x="41682751" y="6667345"/>
+            <a:off x="39059325" y="6537672"/>
             <a:ext cx="243034" cy="543628"/>
           </a:xfrm>
           <a:prstGeom prst="bentConnector3">
@@ -12843,7 +12843,7 @@
         </p:nvCxnSpPr>
         <p:spPr>
           <a:xfrm rot="16200000" flipH="1">
-            <a:off x="42222484" y="6671239"/>
+            <a:off x="39599058" y="6541566"/>
             <a:ext cx="242293" cy="535097"/>
           </a:xfrm>
           <a:prstGeom prst="bentConnector3">
@@ -12878,7 +12878,7 @@
         </p:nvSpPr>
         <p:spPr>
           <a:xfrm>
-            <a:off x="42148015" y="7874622"/>
+            <a:off x="39524589" y="7744949"/>
             <a:ext cx="926325" cy="540000"/>
           </a:xfrm>
           <a:prstGeom prst="rect">
@@ -12930,7 +12930,7 @@
         </p:nvSpPr>
         <p:spPr>
           <a:xfrm>
-            <a:off x="41069291" y="7874348"/>
+            <a:off x="38445865" y="7744675"/>
             <a:ext cx="926325" cy="540000"/>
           </a:xfrm>
           <a:prstGeom prst="rect">
@@ -12987,7 +12987,7 @@
         </p:nvSpPr>
         <p:spPr>
           <a:xfrm>
-            <a:off x="40004796" y="7874627"/>
+            <a:off x="37381370" y="7744954"/>
             <a:ext cx="926325" cy="540000"/>
           </a:xfrm>
           <a:prstGeom prst="rect">
@@ -13044,7 +13044,7 @@
         </p:nvSpPr>
         <p:spPr>
           <a:xfrm>
-            <a:off x="38976814" y="7874348"/>
+            <a:off x="36353388" y="7744675"/>
             <a:ext cx="926325" cy="540000"/>
           </a:xfrm>
           <a:prstGeom prst="rect">
@@ -13101,7 +13101,7 @@
         </p:nvSpPr>
         <p:spPr>
           <a:xfrm>
-            <a:off x="37896665" y="7874627"/>
+            <a:off x="35273239" y="7744954"/>
             <a:ext cx="926325" cy="540000"/>
           </a:xfrm>
           <a:prstGeom prst="rect">
@@ -13158,7 +13158,7 @@
         </p:nvSpPr>
         <p:spPr>
           <a:xfrm>
-            <a:off x="37896664" y="7060676"/>
+            <a:off x="35273238" y="6931003"/>
             <a:ext cx="926325" cy="540000"/>
           </a:xfrm>
           <a:prstGeom prst="rect">
@@ -13215,7 +13215,7 @@
         </p:nvSpPr>
         <p:spPr>
           <a:xfrm>
-            <a:off x="40546727" y="8669746"/>
+            <a:off x="37923301" y="8540073"/>
             <a:ext cx="926325" cy="540000"/>
           </a:xfrm>
           <a:prstGeom prst="rect">
@@ -13276,7 +13276,7 @@
         </p:nvSpPr>
         <p:spPr>
           <a:xfrm>
-            <a:off x="39485959" y="8673888"/>
+            <a:off x="36862533" y="8544215"/>
             <a:ext cx="926325" cy="540000"/>
           </a:xfrm>
           <a:prstGeom prst="rect">
@@ -13361,7 +13361,7 @@
         </p:nvSpPr>
         <p:spPr>
           <a:xfrm>
-            <a:off x="38430674" y="8673888"/>
+            <a:off x="35807248" y="8544215"/>
             <a:ext cx="926325" cy="540000"/>
           </a:xfrm>
           <a:prstGeom prst="rect">
@@ -13422,7 +13422,7 @@
         </p:nvSpPr>
         <p:spPr>
           <a:xfrm>
-            <a:off x="37315240" y="8673887"/>
+            <a:off x="34691814" y="8544214"/>
             <a:ext cx="926325" cy="540000"/>
           </a:xfrm>
           <a:prstGeom prst="rect">
@@ -13483,7 +13483,7 @@
         </p:nvSpPr>
         <p:spPr>
           <a:xfrm>
-            <a:off x="40546726" y="9422095"/>
+            <a:off x="37923300" y="9292422"/>
             <a:ext cx="926325" cy="540000"/>
           </a:xfrm>
           <a:prstGeom prst="rect">
@@ -13544,7 +13544,7 @@
         </p:nvSpPr>
         <p:spPr>
           <a:xfrm>
-            <a:off x="39485958" y="9422686"/>
+            <a:off x="36862532" y="9293013"/>
             <a:ext cx="926325" cy="540000"/>
           </a:xfrm>
           <a:prstGeom prst="rect">
@@ -13605,7 +13605,7 @@
         </p:nvSpPr>
         <p:spPr>
           <a:xfrm>
-            <a:off x="38430673" y="9422095"/>
+            <a:off x="35807247" y="9292422"/>
             <a:ext cx="926325" cy="540000"/>
           </a:xfrm>
           <a:prstGeom prst="rect">
@@ -13666,7 +13666,7 @@
         </p:nvSpPr>
         <p:spPr>
           <a:xfrm>
-            <a:off x="41612920" y="9422686"/>
+            <a:off x="38989494" y="9293013"/>
             <a:ext cx="926325" cy="540000"/>
           </a:xfrm>
           <a:prstGeom prst="rect">
@@ -13730,7 +13730,7 @@
         </p:nvCxnSpPr>
         <p:spPr>
           <a:xfrm rot="5400000">
-            <a:off x="39817131" y="7223522"/>
+            <a:off x="37193705" y="7093849"/>
             <a:ext cx="273672" cy="1027980"/>
           </a:xfrm>
           <a:prstGeom prst="bentConnector3">
@@ -13768,7 +13768,7 @@
         </p:nvCxnSpPr>
         <p:spPr>
           <a:xfrm rot="16200000" flipH="1">
-            <a:off x="40863369" y="7205263"/>
+            <a:off x="38239943" y="7075590"/>
             <a:ext cx="273672" cy="1064497"/>
           </a:xfrm>
           <a:prstGeom prst="bentConnector3">
@@ -13806,7 +13806,7 @@
         </p:nvCxnSpPr>
         <p:spPr>
           <a:xfrm rot="16200000" flipH="1">
-            <a:off x="40330983" y="7737650"/>
+            <a:off x="37707557" y="7607977"/>
             <a:ext cx="273951" cy="2"/>
           </a:xfrm>
           <a:prstGeom prst="bentConnector3">
@@ -13844,7 +13844,7 @@
         </p:nvCxnSpPr>
         <p:spPr>
           <a:xfrm rot="5400000">
-            <a:off x="38771240" y="6401630"/>
+            <a:off x="36147814" y="6271957"/>
             <a:ext cx="247634" cy="1070459"/>
           </a:xfrm>
           <a:prstGeom prst="bentConnector3">
@@ -13882,7 +13882,7 @@
         </p:nvCxnSpPr>
         <p:spPr>
           <a:xfrm>
-            <a:off x="38359827" y="7600676"/>
+            <a:off x="35736401" y="7471003"/>
             <a:ext cx="1" cy="273951"/>
           </a:xfrm>
           <a:prstGeom prst="straightConnector1">
@@ -13918,7 +13918,7 @@
         </p:nvCxnSpPr>
         <p:spPr>
           <a:xfrm>
-            <a:off x="39430286" y="6813042"/>
+            <a:off x="36806860" y="6683369"/>
             <a:ext cx="6918" cy="246754"/>
           </a:xfrm>
           <a:prstGeom prst="straightConnector1">
@@ -13954,7 +13954,7 @@
         </p:nvCxnSpPr>
         <p:spPr>
           <a:xfrm rot="16200000" flipH="1">
-            <a:off x="41934843" y="7198287"/>
+            <a:off x="39311417" y="7068614"/>
             <a:ext cx="273946" cy="1078724"/>
           </a:xfrm>
           <a:prstGeom prst="bentConnector3">
@@ -13992,7 +13992,7 @@
         </p:nvCxnSpPr>
         <p:spPr>
           <a:xfrm>
-            <a:off x="41532454" y="7600676"/>
+            <a:off x="38909028" y="7471003"/>
             <a:ext cx="0" cy="273672"/>
           </a:xfrm>
           <a:prstGeom prst="straightConnector1">
@@ -14028,7 +14028,7 @@
         </p:nvCxnSpPr>
         <p:spPr>
           <a:xfrm flipH="1">
-            <a:off x="42611178" y="7599935"/>
+            <a:off x="39987752" y="7470262"/>
             <a:ext cx="1" cy="274687"/>
           </a:xfrm>
           <a:prstGeom prst="straightConnector1">
@@ -14064,7 +14064,7 @@
         </p:nvCxnSpPr>
         <p:spPr>
           <a:xfrm rot="5400000">
-            <a:off x="37939486" y="8253545"/>
+            <a:off x="35316060" y="8123872"/>
             <a:ext cx="259260" cy="581425"/>
           </a:xfrm>
           <a:prstGeom prst="bentConnector3">
@@ -14103,7 +14103,7 @@
         </p:nvCxnSpPr>
         <p:spPr>
           <a:xfrm rot="16200000" flipH="1">
-            <a:off x="38497202" y="8277252"/>
+            <a:off x="35873776" y="8147579"/>
             <a:ext cx="259261" cy="534009"/>
           </a:xfrm>
           <a:prstGeom prst="bentConnector3">
@@ -14142,7 +14142,7 @@
         </p:nvCxnSpPr>
         <p:spPr>
           <a:xfrm rot="5400000">
-            <a:off x="38479421" y="7713330"/>
+            <a:off x="35855995" y="7583657"/>
             <a:ext cx="259539" cy="1661574"/>
           </a:xfrm>
           <a:prstGeom prst="bentConnector3">
@@ -14181,7 +14181,7 @@
         </p:nvCxnSpPr>
         <p:spPr>
           <a:xfrm rot="5400000">
-            <a:off x="39037137" y="8271048"/>
+            <a:off x="36413711" y="8141375"/>
             <a:ext cx="259540" cy="546140"/>
           </a:xfrm>
           <a:prstGeom prst="bentConnector3">
@@ -14220,7 +14220,7 @@
         </p:nvCxnSpPr>
         <p:spPr>
           <a:xfrm rot="16200000" flipH="1">
-            <a:off x="39564779" y="8289545"/>
+            <a:off x="36941353" y="8159872"/>
             <a:ext cx="259540" cy="509145"/>
           </a:xfrm>
           <a:prstGeom prst="bentConnector3">
@@ -14259,7 +14259,7 @@
         </p:nvCxnSpPr>
         <p:spPr>
           <a:xfrm rot="16200000" flipH="1">
-            <a:off x="40097234" y="7757090"/>
+            <a:off x="37473808" y="7627417"/>
             <a:ext cx="255398" cy="1569913"/>
           </a:xfrm>
           <a:prstGeom prst="bentConnector3">
@@ -14298,7 +14298,7 @@
         </p:nvCxnSpPr>
         <p:spPr>
           <a:xfrm rot="5400000">
-            <a:off x="38993551" y="7199479"/>
+            <a:off x="36370125" y="7069806"/>
             <a:ext cx="259260" cy="2689556"/>
           </a:xfrm>
           <a:prstGeom prst="bentConnector3">
@@ -14337,7 +14337,7 @@
         </p:nvCxnSpPr>
         <p:spPr>
           <a:xfrm rot="5400000">
-            <a:off x="39551268" y="7757196"/>
+            <a:off x="36927842" y="7627523"/>
             <a:ext cx="259261" cy="1574122"/>
           </a:xfrm>
           <a:prstGeom prst="bentConnector3">
@@ -14376,7 +14376,7 @@
         </p:nvCxnSpPr>
         <p:spPr>
           <a:xfrm rot="5400000">
-            <a:off x="40078911" y="8284839"/>
+            <a:off x="37455485" y="8155166"/>
             <a:ext cx="259261" cy="518837"/>
           </a:xfrm>
           <a:prstGeom prst="bentConnector3">
@@ -14415,7 +14415,7 @@
         </p:nvCxnSpPr>
         <p:spPr>
           <a:xfrm rot="16200000" flipH="1">
-            <a:off x="40611365" y="8271220"/>
+            <a:off x="37987939" y="8141547"/>
             <a:ext cx="255119" cy="541931"/>
           </a:xfrm>
           <a:prstGeom prst="bentConnector3">
@@ -14454,7 +14454,7 @@
         </p:nvCxnSpPr>
         <p:spPr>
           <a:xfrm rot="5400000">
-            <a:off x="39525660" y="6667092"/>
+            <a:off x="36902234" y="6537419"/>
             <a:ext cx="259539" cy="3754051"/>
           </a:xfrm>
           <a:prstGeom prst="bentConnector3">
@@ -14493,7 +14493,7 @@
         </p:nvCxnSpPr>
         <p:spPr>
           <a:xfrm rot="5400000">
-            <a:off x="40083376" y="7224810"/>
+            <a:off x="37459950" y="7095137"/>
             <a:ext cx="259540" cy="2638617"/>
           </a:xfrm>
           <a:prstGeom prst="bentConnector3">
@@ -14532,7 +14532,7 @@
         </p:nvCxnSpPr>
         <p:spPr>
           <a:xfrm rot="5400000">
-            <a:off x="40611018" y="7752452"/>
+            <a:off x="37987592" y="7622779"/>
             <a:ext cx="259540" cy="1583332"/>
           </a:xfrm>
           <a:prstGeom prst="bentConnector3">
@@ -14571,7 +14571,7 @@
         </p:nvCxnSpPr>
         <p:spPr>
           <a:xfrm rot="5400000">
-            <a:off x="41143473" y="8280765"/>
+            <a:off x="38520047" y="8151092"/>
             <a:ext cx="255398" cy="522564"/>
           </a:xfrm>
           <a:prstGeom prst="bentConnector3">
@@ -14610,7 +14610,7 @@
         </p:nvCxnSpPr>
         <p:spPr>
           <a:xfrm rot="5400000">
-            <a:off x="39317376" y="8790348"/>
+            <a:off x="36693950" y="8660675"/>
             <a:ext cx="208207" cy="1055286"/>
           </a:xfrm>
           <a:prstGeom prst="bentConnector3">
@@ -14649,7 +14649,7 @@
         </p:nvCxnSpPr>
         <p:spPr>
           <a:xfrm rot="5400000">
-            <a:off x="39844723" y="9318287"/>
+            <a:off x="37221297" y="9188614"/>
             <a:ext cx="208798" cy="1"/>
           </a:xfrm>
           <a:prstGeom prst="bentConnector3">
@@ -14688,7 +14688,7 @@
         </p:nvCxnSpPr>
         <p:spPr>
           <a:xfrm rot="16200000" flipH="1">
-            <a:off x="40375402" y="8787607"/>
+            <a:off x="37751976" y="8657934"/>
             <a:ext cx="208207" cy="1060767"/>
           </a:xfrm>
           <a:prstGeom prst="bentConnector3">
@@ -14727,7 +14727,7 @@
         </p:nvCxnSpPr>
         <p:spPr>
           <a:xfrm rot="16200000" flipH="1">
-            <a:off x="40908203" y="8254806"/>
+            <a:off x="38284777" y="8125133"/>
             <a:ext cx="208798" cy="2126961"/>
           </a:xfrm>
           <a:prstGeom prst="bentConnector3">
@@ -14766,7 +14766,7 @@
         </p:nvCxnSpPr>
         <p:spPr>
           <a:xfrm rot="5400000">
-            <a:off x="39845689" y="8257893"/>
+            <a:off x="37222263" y="8128220"/>
             <a:ext cx="212349" cy="2116054"/>
           </a:xfrm>
           <a:prstGeom prst="bentConnector3">
@@ -14805,7 +14805,7 @@
         </p:nvCxnSpPr>
         <p:spPr>
           <a:xfrm rot="5400000">
-            <a:off x="40373036" y="8785832"/>
+            <a:off x="37749610" y="8656159"/>
             <a:ext cx="212940" cy="1060769"/>
           </a:xfrm>
           <a:prstGeom prst="bentConnector3">
@@ -14844,7 +14844,7 @@
         </p:nvCxnSpPr>
         <p:spPr>
           <a:xfrm rot="5400000">
-            <a:off x="40903716" y="9315920"/>
+            <a:off x="38280290" y="9186247"/>
             <a:ext cx="212349" cy="1"/>
           </a:xfrm>
           <a:prstGeom prst="bentConnector3">
@@ -14883,7 +14883,7 @@
         </p:nvCxnSpPr>
         <p:spPr>
           <a:xfrm rot="16200000" flipH="1">
-            <a:off x="41436516" y="8783119"/>
+            <a:off x="38813090" y="8653446"/>
             <a:ext cx="212940" cy="1066193"/>
           </a:xfrm>
           <a:prstGeom prst="bentConnector3">
@@ -14922,7 +14922,7 @@
         </p:nvCxnSpPr>
         <p:spPr>
           <a:xfrm>
-            <a:off x="38241565" y="8943887"/>
+            <a:off x="35618139" y="8814214"/>
             <a:ext cx="189109" cy="1"/>
           </a:xfrm>
           <a:prstGeom prst="line">
@@ -14960,7 +14960,7 @@
         </p:nvCxnSpPr>
         <p:spPr>
           <a:xfrm flipV="1">
-            <a:off x="40412284" y="8939746"/>
+            <a:off x="37788858" y="8810073"/>
             <a:ext cx="134443" cy="4142"/>
           </a:xfrm>
           <a:prstGeom prst="line">
@@ -14998,7 +14998,7 @@
         </p:nvCxnSpPr>
         <p:spPr>
           <a:xfrm>
-            <a:off x="39903139" y="8144348"/>
+            <a:off x="37279713" y="8014675"/>
             <a:ext cx="101657" cy="279"/>
           </a:xfrm>
           <a:prstGeom prst="line">
@@ -15036,7 +15036,7 @@
         </p:nvCxnSpPr>
         <p:spPr>
           <a:xfrm flipV="1">
-            <a:off x="40931121" y="8144348"/>
+            <a:off x="38307695" y="8014675"/>
             <a:ext cx="138170" cy="279"/>
           </a:xfrm>
           <a:prstGeom prst="line">
@@ -15074,7 +15074,7 @@
         </p:nvCxnSpPr>
         <p:spPr>
           <a:xfrm>
-            <a:off x="39356998" y="9692095"/>
+            <a:off x="36733572" y="9562422"/>
             <a:ext cx="128960" cy="591"/>
           </a:xfrm>
           <a:prstGeom prst="line">
@@ -15112,7 +15112,7 @@
         </p:nvCxnSpPr>
         <p:spPr>
           <a:xfrm>
-            <a:off x="41473051" y="9692095"/>
+            <a:off x="38849625" y="9562422"/>
             <a:ext cx="139869" cy="591"/>
           </a:xfrm>
           <a:prstGeom prst="line">
@@ -15150,7 +15150,7 @@
         </p:nvCxnSpPr>
         <p:spPr>
           <a:xfrm flipH="1">
-            <a:off x="40467958" y="5145087"/>
+            <a:off x="37844532" y="5015414"/>
             <a:ext cx="1" cy="272101"/>
           </a:xfrm>
           <a:prstGeom prst="straightConnector1">
@@ -15186,7 +15186,7 @@
         </p:nvCxnSpPr>
         <p:spPr>
           <a:xfrm>
-            <a:off x="21767393" y="5124310"/>
+            <a:off x="19143967" y="4994637"/>
             <a:ext cx="343" cy="280171"/>
           </a:xfrm>
           <a:prstGeom prst="straightConnector1">
@@ -15283,7 +15283,7 @@
         </p:nvSpPr>
         <p:spPr>
           <a:xfrm>
-            <a:off x="25553262" y="6270263"/>
+            <a:off x="22929836" y="6140590"/>
             <a:ext cx="926325" cy="540000"/>
           </a:xfrm>
           <a:prstGeom prst="rect">
@@ -15331,7 +15331,7 @@
         </p:nvSpPr>
         <p:spPr>
           <a:xfrm>
-            <a:off x="26617486" y="6270263"/>
+            <a:off x="23994060" y="6140590"/>
             <a:ext cx="926325" cy="540000"/>
           </a:xfrm>
           <a:prstGeom prst="rect">
@@ -15466,7 +15466,7 @@
         </p:nvSpPr>
         <p:spPr>
           <a:xfrm>
-            <a:off x="23439975" y="5405054"/>
+            <a:off x="20816549" y="5275381"/>
             <a:ext cx="926325" cy="540000"/>
           </a:xfrm>
           <a:prstGeom prst="rect">
@@ -15605,7 +15605,7 @@
         </p:nvCxnSpPr>
         <p:spPr>
           <a:xfrm rot="5400000">
-            <a:off x="26138104" y="5848357"/>
+            <a:off x="23514678" y="5718684"/>
             <a:ext cx="300228" cy="543585"/>
           </a:xfrm>
           <a:prstGeom prst="bentConnector3">
@@ -15643,7 +15643,7 @@
         </p:nvCxnSpPr>
         <p:spPr>
           <a:xfrm rot="16200000" flipH="1">
-            <a:off x="26670215" y="5859829"/>
+            <a:off x="24046789" y="5730156"/>
             <a:ext cx="300228" cy="520639"/>
           </a:xfrm>
           <a:prstGeom prst="bentConnector3">
@@ -15681,7 +15681,7 @@
         </p:nvCxnSpPr>
         <p:spPr>
           <a:xfrm>
-            <a:off x="26479587" y="6540263"/>
+            <a:off x="23856161" y="6410590"/>
             <a:ext cx="137899" cy="0"/>
           </a:xfrm>
           <a:prstGeom prst="line">
@@ -15719,7 +15719,7 @@
         </p:nvCxnSpPr>
         <p:spPr>
           <a:xfrm rot="16200000" flipH="1">
-            <a:off x="28466847" y="865581"/>
+            <a:off x="25843421" y="735908"/>
             <a:ext cx="236767" cy="7212100"/>
           </a:xfrm>
           <a:prstGeom prst="bentConnector3">
@@ -15758,7 +15758,7 @@
         </p:nvCxnSpPr>
         <p:spPr>
           <a:xfrm rot="5400000">
-            <a:off x="34876580" y="1666245"/>
+            <a:off x="32253154" y="1536572"/>
             <a:ext cx="238471" cy="5609069"/>
           </a:xfrm>
           <a:prstGeom prst="bentConnector3">
@@ -15836,7 +15836,7 @@
         </p:nvSpPr>
         <p:spPr>
           <a:xfrm>
-            <a:off x="22367917" y="6269397"/>
+            <a:off x="19744491" y="6139724"/>
             <a:ext cx="926325" cy="540000"/>
           </a:xfrm>
           <a:prstGeom prst="rect">
@@ -15885,7 +15885,7 @@
         </p:nvSpPr>
         <p:spPr>
           <a:xfrm>
-            <a:off x="26096847" y="5430035"/>
+            <a:off x="23473421" y="5300362"/>
             <a:ext cx="926325" cy="540000"/>
           </a:xfrm>
           <a:prstGeom prst="rect">
@@ -15932,7 +15932,7 @@
         </p:nvSpPr>
         <p:spPr>
           <a:xfrm>
-            <a:off x="25057374" y="7079180"/>
+            <a:off x="22433948" y="6949507"/>
             <a:ext cx="926325" cy="540000"/>
           </a:xfrm>
           <a:prstGeom prst="rect">
@@ -15980,7 +15980,7 @@
         </p:nvSpPr>
         <p:spPr>
           <a:xfrm>
-            <a:off x="26185590" y="7081455"/>
+            <a:off x="23562164" y="6951782"/>
             <a:ext cx="926325" cy="540000"/>
           </a:xfrm>
           <a:prstGeom prst="rect">
@@ -16040,7 +16040,7 @@
         </p:nvSpPr>
         <p:spPr>
           <a:xfrm>
-            <a:off x="23974650" y="7081454"/>
+            <a:off x="21351224" y="6951781"/>
             <a:ext cx="926325" cy="540000"/>
           </a:xfrm>
           <a:prstGeom prst="rect">
@@ -16091,7 +16091,7 @@
         </p:nvCxnSpPr>
         <p:spPr>
           <a:xfrm rot="5400000">
-            <a:off x="25091524" y="6156552"/>
+            <a:off x="22468098" y="6026879"/>
             <a:ext cx="271191" cy="1578612"/>
           </a:xfrm>
           <a:prstGeom prst="bentConnector3">
@@ -16130,7 +16130,7 @@
         </p:nvCxnSpPr>
         <p:spPr>
           <a:xfrm rot="5400000">
-            <a:off x="25634023" y="6696777"/>
+            <a:off x="23010597" y="6567104"/>
             <a:ext cx="268917" cy="495888"/>
           </a:xfrm>
           <a:prstGeom prst="bentConnector3">
@@ -16169,7 +16169,7 @@
         </p:nvCxnSpPr>
         <p:spPr>
           <a:xfrm rot="16200000" flipH="1">
-            <a:off x="26196993" y="6629695"/>
+            <a:off x="23573567" y="6500022"/>
             <a:ext cx="271192" cy="632328"/>
           </a:xfrm>
           <a:prstGeom prst="bentConnector3">
@@ -16208,7 +16208,7 @@
         </p:nvCxnSpPr>
         <p:spPr>
           <a:xfrm rot="5400000">
-            <a:off x="25623636" y="5624440"/>
+            <a:off x="23000210" y="5494767"/>
             <a:ext cx="271191" cy="2642836"/>
           </a:xfrm>
           <a:prstGeom prst="bentConnector3">
@@ -16247,7 +16247,7 @@
         </p:nvCxnSpPr>
         <p:spPr>
           <a:xfrm rot="5400000">
-            <a:off x="26166135" y="6164665"/>
+            <a:off x="23542709" y="6034992"/>
             <a:ext cx="268917" cy="1560112"/>
           </a:xfrm>
           <a:prstGeom prst="bentConnector3">
@@ -16286,7 +16286,7 @@
         </p:nvCxnSpPr>
         <p:spPr>
           <a:xfrm rot="5400000">
-            <a:off x="26729105" y="6729911"/>
+            <a:off x="24105679" y="6600238"/>
             <a:ext cx="271192" cy="431896"/>
           </a:xfrm>
           <a:prstGeom prst="bentConnector3">
@@ -16325,7 +16325,7 @@
         </p:nvCxnSpPr>
         <p:spPr>
           <a:xfrm flipV="1">
-            <a:off x="24900975" y="7349180"/>
+            <a:off x="22277549" y="7219507"/>
             <a:ext cx="156399" cy="2274"/>
           </a:xfrm>
           <a:prstGeom prst="line">
@@ -16363,7 +16363,7 @@
         </p:nvCxnSpPr>
         <p:spPr>
           <a:xfrm>
-            <a:off x="25983699" y="7349180"/>
+            <a:off x="23360273" y="7219507"/>
             <a:ext cx="201891" cy="2275"/>
           </a:xfrm>
           <a:prstGeom prst="line">
@@ -16398,7 +16398,7 @@
         </p:nvSpPr>
         <p:spPr>
           <a:xfrm>
-            <a:off x="23443991" y="6263398"/>
+            <a:off x="20820565" y="6133725"/>
             <a:ext cx="926325" cy="540000"/>
           </a:xfrm>
           <a:prstGeom prst="rect">
@@ -16448,7 +16448,7 @@
         </p:nvCxnSpPr>
         <p:spPr>
           <a:xfrm>
-            <a:off x="23903138" y="5945054"/>
+            <a:off x="21279712" y="5815381"/>
             <a:ext cx="4016" cy="318344"/>
           </a:xfrm>
           <a:prstGeom prst="straightConnector1">
@@ -16481,7 +16481,7 @@
         </p:nvSpPr>
         <p:spPr>
           <a:xfrm>
-            <a:off x="26186624" y="7871570"/>
+            <a:off x="23563198" y="7741897"/>
             <a:ext cx="926325" cy="540000"/>
           </a:xfrm>
           <a:prstGeom prst="rect">
@@ -16529,7 +16529,7 @@
         </p:nvSpPr>
         <p:spPr>
           <a:xfrm>
-            <a:off x="25071555" y="7873845"/>
+            <a:off x="22448129" y="7744172"/>
             <a:ext cx="926325" cy="540000"/>
           </a:xfrm>
           <a:prstGeom prst="rect">
@@ -16580,7 +16580,7 @@
         </p:nvCxnSpPr>
         <p:spPr>
           <a:xfrm rot="5400000">
-            <a:off x="25965541" y="7190633"/>
+            <a:off x="23342115" y="7060960"/>
             <a:ext cx="252390" cy="1114035"/>
           </a:xfrm>
           <a:prstGeom prst="bentConnector3">
@@ -16618,7 +16618,7 @@
         </p:nvCxnSpPr>
         <p:spPr>
           <a:xfrm rot="16200000" flipH="1">
-            <a:off x="26524213" y="7745995"/>
+            <a:off x="23900787" y="7616322"/>
             <a:ext cx="250115" cy="1034"/>
           </a:xfrm>
           <a:prstGeom prst="bentConnector3">
@@ -16653,7 +16653,7 @@
         </p:nvSpPr>
         <p:spPr>
           <a:xfrm>
-            <a:off x="23979201" y="7874732"/>
+            <a:off x="21355775" y="7745059"/>
             <a:ext cx="926325" cy="540000"/>
           </a:xfrm>
           <a:prstGeom prst="rect">
@@ -16712,7 +16712,7 @@
         </p:nvCxnSpPr>
         <p:spPr>
           <a:xfrm>
-            <a:off x="24437813" y="7621454"/>
+            <a:off x="21814387" y="7491781"/>
             <a:ext cx="4551" cy="253278"/>
           </a:xfrm>
           <a:prstGeom prst="straightConnector1">
@@ -18158,7 +18158,7 @@
         </p:nvCxnSpPr>
         <p:spPr>
           <a:xfrm>
-            <a:off x="26557736" y="5128423"/>
+            <a:off x="23934310" y="4998750"/>
             <a:ext cx="2274" cy="301612"/>
           </a:xfrm>
           <a:prstGeom prst="straightConnector1">
@@ -18191,7 +18191,7 @@
         </p:nvSpPr>
         <p:spPr>
           <a:xfrm>
-            <a:off x="27174291" y="5426313"/>
+            <a:off x="24550865" y="5296640"/>
             <a:ext cx="926325" cy="540000"/>
           </a:xfrm>
           <a:prstGeom prst="rect">
@@ -18246,7 +18246,7 @@
         </p:nvCxnSpPr>
         <p:spPr>
           <a:xfrm rot="5400000">
-            <a:off x="27991919" y="4773959"/>
+            <a:off x="25368493" y="4644286"/>
             <a:ext cx="297890" cy="1006819"/>
           </a:xfrm>
           <a:prstGeom prst="bentConnector3">
@@ -18281,7 +18281,7 @@
         </p:nvSpPr>
         <p:spPr>
           <a:xfrm>
-            <a:off x="28181626" y="6274759"/>
+            <a:off x="25558200" y="6145086"/>
             <a:ext cx="926325" cy="540000"/>
           </a:xfrm>
           <a:prstGeom prst="rect">
@@ -18333,7 +18333,7 @@
         </p:nvSpPr>
         <p:spPr>
           <a:xfrm>
-            <a:off x="28181375" y="7068427"/>
+            <a:off x="25557949" y="6938754"/>
             <a:ext cx="926325" cy="540000"/>
           </a:xfrm>
           <a:prstGeom prst="rect">
@@ -18381,7 +18381,7 @@
         </p:nvSpPr>
         <p:spPr>
           <a:xfrm>
-            <a:off x="29202117" y="5425233"/>
+            <a:off x="26578691" y="5295560"/>
             <a:ext cx="926325" cy="540000"/>
           </a:xfrm>
           <a:prstGeom prst="rect">
@@ -18433,7 +18433,7 @@
         </p:nvCxnSpPr>
         <p:spPr>
           <a:xfrm rot="16200000" flipH="1">
-            <a:off x="29006371" y="4766324"/>
+            <a:off x="26382945" y="4636651"/>
             <a:ext cx="296810" cy="1021007"/>
           </a:xfrm>
           <a:prstGeom prst="bentConnector3">
@@ -18471,7 +18471,7 @@
         </p:nvCxnSpPr>
         <p:spPr>
           <a:xfrm rot="16200000" flipH="1">
-            <a:off x="27986898" y="5616868"/>
+            <a:off x="25363472" y="5487195"/>
             <a:ext cx="308446" cy="1007335"/>
           </a:xfrm>
           <a:prstGeom prst="bentConnector3">
@@ -18509,7 +18509,7 @@
         </p:nvCxnSpPr>
         <p:spPr>
           <a:xfrm rot="5400000">
-            <a:off x="29000272" y="5609751"/>
+            <a:off x="26376846" y="5480078"/>
             <a:ext cx="309526" cy="1020491"/>
           </a:xfrm>
           <a:prstGeom prst="bentConnector3">
@@ -18547,7 +18547,7 @@
         </p:nvCxnSpPr>
         <p:spPr>
           <a:xfrm flipH="1">
-            <a:off x="28644538" y="6814759"/>
+            <a:off x="26021112" y="6685086"/>
             <a:ext cx="251" cy="253668"/>
           </a:xfrm>
           <a:prstGeom prst="straightConnector1">
@@ -18583,7 +18583,7 @@
         </p:nvCxnSpPr>
         <p:spPr>
           <a:xfrm flipH="1">
-            <a:off x="35221325" y="5151911"/>
+            <a:off x="32597899" y="5022238"/>
             <a:ext cx="983" cy="259168"/>
           </a:xfrm>
           <a:prstGeom prst="straightConnector1">
@@ -18619,7 +18619,7 @@
         </p:nvCxnSpPr>
         <p:spPr>
           <a:xfrm rot="5400000">
-            <a:off x="38719646" y="4524740"/>
+            <a:off x="36096220" y="4395067"/>
             <a:ext cx="315864" cy="3180761"/>
           </a:xfrm>
           <a:prstGeom prst="bentConnector3">
@@ -18655,7 +18655,7 @@
         </p:nvSpPr>
         <p:spPr>
           <a:xfrm>
-            <a:off x="38974041" y="7059796"/>
+            <a:off x="36350615" y="6930123"/>
             <a:ext cx="926325" cy="540000"/>
           </a:xfrm>
           <a:prstGeom prst="rect">
@@ -18715,7 +18715,7 @@
         </p:nvCxnSpPr>
         <p:spPr>
           <a:xfrm>
-            <a:off x="39437204" y="7599796"/>
+            <a:off x="36813778" y="7470123"/>
             <a:ext cx="2773" cy="274552"/>
           </a:xfrm>
           <a:prstGeom prst="straightConnector1">
@@ -18748,7 +18748,7 @@
         </p:nvSpPr>
         <p:spPr>
           <a:xfrm>
-            <a:off x="41612919" y="8681242"/>
+            <a:off x="38989493" y="8551569"/>
             <a:ext cx="926325" cy="540000"/>
           </a:xfrm>
           <a:prstGeom prst="rect">
@@ -18803,7 +18803,7 @@
         </p:nvCxnSpPr>
         <p:spPr>
           <a:xfrm rot="16200000" flipH="1">
-            <a:off x="41263985" y="7869145"/>
+            <a:off x="38640559" y="7739472"/>
             <a:ext cx="1080566" cy="543628"/>
           </a:xfrm>
           <a:prstGeom prst="bentConnector3">
@@ -18841,7 +18841,7 @@
         </p:nvCxnSpPr>
         <p:spPr>
           <a:xfrm rot="5400000">
-            <a:off x="41802978" y="7873040"/>
+            <a:off x="39179552" y="7743367"/>
             <a:ext cx="1081307" cy="535097"/>
           </a:xfrm>
           <a:prstGeom prst="bentConnector3">
@@ -18876,7 +18876,7 @@
         </p:nvSpPr>
         <p:spPr>
           <a:xfrm>
-            <a:off x="36824034" y="6273052"/>
+            <a:off x="34200608" y="6143379"/>
             <a:ext cx="926325" cy="540000"/>
           </a:xfrm>
           <a:prstGeom prst="rect">
@@ -21111,7 +21111,7 @@
         </p:nvCxnSpPr>
         <p:spPr>
           <a:xfrm rot="16200000" flipH="1">
-            <a:off x="36093275" y="5079129"/>
+            <a:off x="33469849" y="4949456"/>
             <a:ext cx="321973" cy="2065872"/>
           </a:xfrm>
           <a:prstGeom prst="bentConnector3">
@@ -21150,7 +21150,7 @@
         </p:nvCxnSpPr>
         <p:spPr>
           <a:xfrm>
-            <a:off x="37287197" y="6813052"/>
+            <a:off x="34663771" y="6683379"/>
             <a:ext cx="5500" cy="246089"/>
           </a:xfrm>
           <a:prstGeom prst="straightConnector1">
@@ -21186,7 +21186,7 @@
         </p:nvCxnSpPr>
         <p:spPr>
           <a:xfrm>
-            <a:off x="35261450" y="7608051"/>
+            <a:off x="32638024" y="7478378"/>
             <a:ext cx="1146" cy="279494"/>
           </a:xfrm>
           <a:prstGeom prst="straightConnector1">
@@ -21222,7 +21222,7 @@
         </p:nvCxnSpPr>
         <p:spPr>
           <a:xfrm rot="16200000" flipH="1">
-            <a:off x="35900607" y="6683058"/>
+            <a:off x="33277181" y="6553385"/>
             <a:ext cx="249104" cy="516332"/>
           </a:xfrm>
           <a:prstGeom prst="bentConnector3">
@@ -21257,7 +21257,7 @@
         </p:nvSpPr>
         <p:spPr>
           <a:xfrm>
-            <a:off x="35327147" y="8688215"/>
+            <a:off x="32703721" y="8558542"/>
             <a:ext cx="926325" cy="540000"/>
           </a:xfrm>
           <a:prstGeom prst="rect">
@@ -21328,7 +21328,7 @@
         </p:nvCxnSpPr>
         <p:spPr>
           <a:xfrm rot="16200000" flipH="1">
-            <a:off x="35396118" y="8294023"/>
+            <a:off x="32772692" y="8164350"/>
             <a:ext cx="260670" cy="527714"/>
           </a:xfrm>
           <a:prstGeom prst="bentConnector3">
@@ -21366,7 +21366,7 @@
         </p:nvCxnSpPr>
         <p:spPr>
           <a:xfrm rot="5400000">
-            <a:off x="35908634" y="8311247"/>
+            <a:off x="33285208" y="8181574"/>
             <a:ext cx="258644" cy="495292"/>
           </a:xfrm>
           <a:prstGeom prst="bentConnector3">
@@ -21404,7 +21404,7 @@
         </p:nvCxnSpPr>
         <p:spPr>
           <a:xfrm rot="5400000">
-            <a:off x="34555855" y="5615751"/>
+            <a:off x="31932429" y="5486078"/>
             <a:ext cx="330142" cy="1000799"/>
           </a:xfrm>
           <a:prstGeom prst="bentConnector3">
@@ -21439,7 +21439,7 @@
         </p:nvSpPr>
         <p:spPr>
           <a:xfrm>
-            <a:off x="32732595" y="7887107"/>
+            <a:off x="30109169" y="7757434"/>
             <a:ext cx="926325" cy="540000"/>
           </a:xfrm>
           <a:prstGeom prst="rect">
@@ -21485,7 +21485,7 @@
         </p:nvSpPr>
         <p:spPr>
           <a:xfrm>
-            <a:off x="32733502" y="6272123"/>
+            <a:off x="30110076" y="6142450"/>
             <a:ext cx="926325" cy="540000"/>
           </a:xfrm>
           <a:prstGeom prst="rect">
@@ -21536,7 +21536,7 @@
         </p:nvSpPr>
         <p:spPr>
           <a:xfrm>
-            <a:off x="31746316" y="7878012"/>
+            <a:off x="29122890" y="7748339"/>
             <a:ext cx="926325" cy="540000"/>
           </a:xfrm>
           <a:prstGeom prst="rect">
@@ -21581,7 +21581,7 @@
         </p:nvCxnSpPr>
         <p:spPr>
           <a:xfrm rot="5400000">
-            <a:off x="33568612" y="7237470"/>
+            <a:off x="30945186" y="7107797"/>
             <a:ext cx="276783" cy="1022490"/>
           </a:xfrm>
           <a:prstGeom prst="bentConnector3">
@@ -21620,7 +21620,7 @@
         </p:nvCxnSpPr>
         <p:spPr>
           <a:xfrm rot="16200000" flipH="1">
-            <a:off x="33319033" y="8303832"/>
+            <a:off x="30695607" y="8174159"/>
             <a:ext cx="256121" cy="502670"/>
           </a:xfrm>
           <a:prstGeom prst="bentConnector3">
@@ -21658,7 +21658,7 @@
         </p:nvCxnSpPr>
         <p:spPr>
           <a:xfrm rot="5400000">
-            <a:off x="32814165" y="8303718"/>
+            <a:off x="30190739" y="8174045"/>
             <a:ext cx="258204" cy="504983"/>
           </a:xfrm>
           <a:prstGeom prst="bentConnector3">
@@ -21696,7 +21696,7 @@
         </p:nvCxnSpPr>
         <p:spPr>
           <a:xfrm rot="5400000">
-            <a:off x="33346224" y="9079566"/>
+            <a:off x="30722798" y="8949893"/>
             <a:ext cx="208543" cy="495866"/>
           </a:xfrm>
           <a:prstGeom prst="bentConnector3">
@@ -21734,7 +21734,7 @@
         </p:nvCxnSpPr>
         <p:spPr>
           <a:xfrm rot="16200000" flipH="1">
-            <a:off x="32843438" y="9072647"/>
+            <a:off x="30220012" y="8942974"/>
             <a:ext cx="206460" cy="511787"/>
           </a:xfrm>
           <a:prstGeom prst="bentConnector3">
@@ -21769,7 +21769,7 @@
         </p:nvSpPr>
         <p:spPr>
           <a:xfrm>
-            <a:off x="31728118" y="6276675"/>
+            <a:off x="29104692" y="6147002"/>
             <a:ext cx="926325" cy="540000"/>
           </a:xfrm>
           <a:prstGeom prst="rect">
@@ -21823,7 +21823,7 @@
         </p:nvCxnSpPr>
         <p:spPr>
           <a:xfrm rot="5400000">
-            <a:off x="34048473" y="5099271"/>
+            <a:off x="31425047" y="4969598"/>
             <a:ext cx="321044" cy="2024660"/>
           </a:xfrm>
           <a:prstGeom prst="bentConnector3">
@@ -21861,7 +21861,7 @@
         </p:nvCxnSpPr>
         <p:spPr>
           <a:xfrm rot="5400000">
-            <a:off x="33543505" y="4598855"/>
+            <a:off x="30920079" y="4469182"/>
             <a:ext cx="325596" cy="3030044"/>
           </a:xfrm>
           <a:prstGeom prst="bentConnector3">
@@ -21899,7 +21899,7 @@
         </p:nvCxnSpPr>
         <p:spPr>
           <a:xfrm rot="16200000" flipH="1">
-            <a:off x="31772555" y="5857948"/>
+            <a:off x="29149129" y="5728275"/>
             <a:ext cx="319485" cy="517968"/>
           </a:xfrm>
           <a:prstGeom prst="bentConnector3">
@@ -21937,7 +21937,7 @@
         </p:nvCxnSpPr>
         <p:spPr>
           <a:xfrm rot="16200000" flipH="1">
-            <a:off x="30780808" y="5472157"/>
+            <a:off x="28157382" y="5342484"/>
             <a:ext cx="278680" cy="4551220"/>
           </a:xfrm>
           <a:prstGeom prst="bentConnector3">
@@ -21973,7 +21973,7 @@
         </p:nvSpPr>
         <p:spPr>
           <a:xfrm>
-            <a:off x="32735777" y="7065967"/>
+            <a:off x="30112351" y="6936294"/>
             <a:ext cx="926325" cy="540000"/>
           </a:xfrm>
           <a:prstGeom prst="rect">
@@ -22024,7 +22024,7 @@
         </p:nvSpPr>
         <p:spPr>
           <a:xfrm>
-            <a:off x="31734943" y="7068242"/>
+            <a:off x="29111517" y="6938569"/>
             <a:ext cx="926325" cy="540000"/>
           </a:xfrm>
           <a:prstGeom prst="rect">
@@ -22074,7 +22074,7 @@
         </p:nvCxnSpPr>
         <p:spPr>
           <a:xfrm rot="5400000">
-            <a:off x="32569327" y="6440903"/>
+            <a:off x="29945901" y="6311230"/>
             <a:ext cx="256119" cy="998559"/>
           </a:xfrm>
           <a:prstGeom prst="bentConnector3">
@@ -22112,7 +22112,7 @@
         </p:nvCxnSpPr>
         <p:spPr>
           <a:xfrm>
-            <a:off x="33196665" y="6812123"/>
+            <a:off x="30573239" y="6682450"/>
             <a:ext cx="2275" cy="253844"/>
           </a:xfrm>
           <a:prstGeom prst="straightConnector1">
@@ -22145,7 +22145,7 @@
         </p:nvSpPr>
         <p:spPr>
           <a:xfrm>
-            <a:off x="30699987" y="6278950"/>
+            <a:off x="28076561" y="6149277"/>
             <a:ext cx="926325" cy="540000"/>
           </a:xfrm>
           <a:prstGeom prst="rect">
@@ -22199,7 +22199,7 @@
         </p:nvCxnSpPr>
         <p:spPr>
           <a:xfrm rot="5400000">
-            <a:off x="31257352" y="5862989"/>
+            <a:off x="28633926" y="5733316"/>
             <a:ext cx="321760" cy="510163"/>
           </a:xfrm>
           <a:prstGeom prst="bentConnector3">
@@ -22234,7 +22234,7 @@
         </p:nvSpPr>
         <p:spPr>
           <a:xfrm>
-            <a:off x="30725008" y="7880286"/>
+            <a:off x="28101582" y="7750613"/>
             <a:ext cx="926325" cy="540000"/>
           </a:xfrm>
           <a:prstGeom prst="rect">
@@ -22276,7 +22276,7 @@
         </p:nvSpPr>
         <p:spPr>
           <a:xfrm>
-            <a:off x="31245897" y="8687778"/>
+            <a:off x="28622471" y="8558105"/>
             <a:ext cx="926325" cy="540000"/>
           </a:xfrm>
           <a:prstGeom prst="rect">
@@ -22321,7 +22321,7 @@
         </p:nvCxnSpPr>
         <p:spPr>
           <a:xfrm rot="5400000">
-            <a:off x="33028303" y="4085927"/>
+            <a:off x="30404877" y="3956254"/>
             <a:ext cx="327871" cy="4058175"/>
           </a:xfrm>
           <a:prstGeom prst="bentConnector3">
@@ -22359,7 +22359,7 @@
         </p:nvCxnSpPr>
         <p:spPr>
           <a:xfrm flipV="1">
-            <a:off x="31651333" y="8148012"/>
+            <a:off x="29027907" y="8018339"/>
             <a:ext cx="94983" cy="2274"/>
           </a:xfrm>
           <a:prstGeom prst="line">
@@ -22394,7 +22394,7 @@
         </p:nvSpPr>
         <p:spPr>
           <a:xfrm>
-            <a:off x="30204117" y="8690052"/>
+            <a:off x="27580691" y="8560379"/>
             <a:ext cx="926325" cy="540000"/>
           </a:xfrm>
           <a:prstGeom prst="rect">
@@ -22439,7 +22439,7 @@
         </p:nvCxnSpPr>
         <p:spPr>
           <a:xfrm flipV="1">
-            <a:off x="31130442" y="8957778"/>
+            <a:off x="28507016" y="8828105"/>
             <a:ext cx="115455" cy="2274"/>
           </a:xfrm>
           <a:prstGeom prst="line">
@@ -22477,7 +22477,7 @@
         </p:nvCxnSpPr>
         <p:spPr>
           <a:xfrm rot="5400000">
-            <a:off x="30792843" y="8294724"/>
+            <a:off x="28169417" y="8165051"/>
             <a:ext cx="269766" cy="520891"/>
           </a:xfrm>
           <a:prstGeom prst="bentConnector3">
@@ -22515,7 +22515,7 @@
         </p:nvCxnSpPr>
         <p:spPr>
           <a:xfrm rot="16200000" flipH="1">
-            <a:off x="31314869" y="8293587"/>
+            <a:off x="28691443" y="8163914"/>
             <a:ext cx="267492" cy="520889"/>
           </a:xfrm>
           <a:prstGeom prst="bentConnector3">
@@ -22553,7 +22553,7 @@
         </p:nvCxnSpPr>
         <p:spPr>
           <a:xfrm rot="16200000" flipH="1">
-            <a:off x="29780425" y="6472539"/>
+            <a:off x="27156999" y="6342866"/>
             <a:ext cx="271859" cy="2543633"/>
           </a:xfrm>
           <a:prstGeom prst="bentConnector3">
@@ -22592,7 +22592,7 @@
         </p:nvCxnSpPr>
         <p:spPr>
           <a:xfrm rot="16200000" flipH="1">
-            <a:off x="30292216" y="5960748"/>
+            <a:off x="27668790" y="5831075"/>
             <a:ext cx="269585" cy="3564941"/>
           </a:xfrm>
           <a:prstGeom prst="bentConnector3">
@@ -22631,7 +22631,7 @@
         </p:nvCxnSpPr>
         <p:spPr>
           <a:xfrm rot="5400000">
-            <a:off x="32568229" y="6230267"/>
+            <a:off x="29944803" y="6100594"/>
             <a:ext cx="269962" cy="3030077"/>
           </a:xfrm>
           <a:prstGeom prst="bentConnector3">
@@ -22670,7 +22670,7 @@
         </p:nvCxnSpPr>
         <p:spPr>
           <a:xfrm rot="5400000">
-            <a:off x="33080020" y="6739784"/>
+            <a:off x="30456594" y="6610111"/>
             <a:ext cx="267688" cy="2008769"/>
           </a:xfrm>
           <a:prstGeom prst="bentConnector3">
@@ -22706,7 +22706,7 @@
         </p:nvSpPr>
         <p:spPr>
           <a:xfrm>
-            <a:off x="27200614" y="7872806"/>
+            <a:off x="24577188" y="7743133"/>
             <a:ext cx="926325" cy="540000"/>
           </a:xfrm>
           <a:prstGeom prst="rect">
@@ -22773,7 +22773,7 @@
         </p:nvSpPr>
         <p:spPr>
           <a:xfrm>
-            <a:off x="28181759" y="7870531"/>
+            <a:off x="25558333" y="7740858"/>
             <a:ext cx="926325" cy="540000"/>
           </a:xfrm>
           <a:prstGeom prst="rect">
@@ -22825,7 +22825,7 @@
         </p:nvSpPr>
         <p:spPr>
           <a:xfrm>
-            <a:off x="29198445" y="7878717"/>
+            <a:off x="26575019" y="7749044"/>
             <a:ext cx="926325" cy="540000"/>
           </a:xfrm>
           <a:prstGeom prst="rect">
@@ -22874,7 +22874,7 @@
         </p:nvSpPr>
         <p:spPr>
           <a:xfrm>
-            <a:off x="28180806" y="5427988"/>
+            <a:off x="25557380" y="5298315"/>
             <a:ext cx="926325" cy="540000"/>
           </a:xfrm>
           <a:prstGeom prst="rect">
@@ -22925,7 +22925,7 @@
         </p:nvCxnSpPr>
         <p:spPr>
           <a:xfrm flipH="1">
-            <a:off x="28643969" y="5128423"/>
+            <a:off x="26020543" y="4998750"/>
             <a:ext cx="304" cy="299565"/>
           </a:xfrm>
           <a:prstGeom prst="straightConnector1">
@@ -22961,7 +22961,7 @@
         </p:nvCxnSpPr>
         <p:spPr>
           <a:xfrm>
-            <a:off x="28643969" y="5967988"/>
+            <a:off x="26020543" y="5838315"/>
             <a:ext cx="820" cy="306771"/>
           </a:xfrm>
           <a:prstGeom prst="straightConnector1">
@@ -22994,7 +22994,7 @@
         </p:nvSpPr>
         <p:spPr>
           <a:xfrm>
-            <a:off x="27211370" y="7069517"/>
+            <a:off x="24587944" y="6939844"/>
             <a:ext cx="926325" cy="540000"/>
           </a:xfrm>
           <a:prstGeom prst="rect">
@@ -23046,7 +23046,7 @@
         </p:nvCxnSpPr>
         <p:spPr>
           <a:xfrm rot="5400000">
-            <a:off x="28032282" y="6457010"/>
+            <a:off x="25408856" y="6327337"/>
             <a:ext cx="254758" cy="970256"/>
           </a:xfrm>
           <a:prstGeom prst="bentConnector3">
@@ -23084,7 +23084,7 @@
         </p:nvCxnSpPr>
         <p:spPr>
           <a:xfrm rot="5400000">
-            <a:off x="28021969" y="7250236"/>
+            <a:off x="25398543" y="7120563"/>
             <a:ext cx="264379" cy="980761"/>
           </a:xfrm>
           <a:prstGeom prst="bentConnector3">
@@ -23122,7 +23122,7 @@
         </p:nvCxnSpPr>
         <p:spPr>
           <a:xfrm rot="16200000" flipH="1">
-            <a:off x="29017928" y="7235037"/>
+            <a:off x="26394502" y="7105364"/>
             <a:ext cx="270290" cy="1017070"/>
           </a:xfrm>
           <a:prstGeom prst="bentConnector3">
@@ -23160,7 +23160,7 @@
         </p:nvCxnSpPr>
         <p:spPr>
           <a:xfrm>
-            <a:off x="28644538" y="7608427"/>
+            <a:off x="26021112" y="7478754"/>
             <a:ext cx="384" cy="262104"/>
           </a:xfrm>
           <a:prstGeom prst="straightConnector1">
@@ -23196,7 +23196,7 @@
         </p:nvCxnSpPr>
         <p:spPr>
           <a:xfrm rot="16200000" flipH="1">
-            <a:off x="32298802" y="5022493"/>
+            <a:off x="29675376" y="4892820"/>
             <a:ext cx="291063" cy="506106"/>
           </a:xfrm>
           <a:prstGeom prst="bentConnector3">
@@ -23234,7 +23234,7 @@
         </p:nvCxnSpPr>
         <p:spPr>
           <a:xfrm rot="5400000">
-            <a:off x="31788710" y="5014619"/>
+            <a:off x="29165284" y="4884946"/>
             <a:ext cx="287175" cy="517967"/>
           </a:xfrm>
           <a:prstGeom prst="bentConnector3">
@@ -23305,7 +23305,7 @@
         </p:nvSpPr>
         <p:spPr>
           <a:xfrm>
-            <a:off x="29202118" y="6281222"/>
+            <a:off x="26578692" y="6151549"/>
             <a:ext cx="926325" cy="540000"/>
           </a:xfrm>
           <a:prstGeom prst="rect">
@@ -23357,7 +23357,7 @@
         </p:nvCxnSpPr>
         <p:spPr>
           <a:xfrm>
-            <a:off x="29665280" y="5965233"/>
+            <a:off x="27041854" y="5835560"/>
             <a:ext cx="1" cy="315989"/>
           </a:xfrm>
           <a:prstGeom prst="straightConnector1">
@@ -23393,7 +23393,7 @@
         </p:nvCxnSpPr>
         <p:spPr>
           <a:xfrm rot="5400000">
-            <a:off x="34601363" y="7227210"/>
+            <a:off x="31977937" y="7097537"/>
             <a:ext cx="279246" cy="1040928"/>
           </a:xfrm>
           <a:prstGeom prst="bentConnector3">
@@ -23431,7 +23431,7 @@
         </p:nvCxnSpPr>
         <p:spPr>
           <a:xfrm rot="5400000">
-            <a:off x="35111164" y="6715135"/>
+            <a:off x="32487738" y="6585462"/>
             <a:ext cx="281521" cy="2062803"/>
           </a:xfrm>
           <a:prstGeom prst="bentConnector3">
@@ -23466,7 +23466,7 @@
         </p:nvSpPr>
         <p:spPr>
           <a:xfrm>
-            <a:off x="30699986" y="7066707"/>
+            <a:off x="28076560" y="6937034"/>
             <a:ext cx="926325" cy="540000"/>
           </a:xfrm>
           <a:prstGeom prst="rect">
@@ -23520,7 +23520,7 @@
         </p:nvCxnSpPr>
         <p:spPr>
           <a:xfrm rot="5400000">
-            <a:off x="32052615" y="5922657"/>
+            <a:off x="29429189" y="5792984"/>
             <a:ext cx="254584" cy="2033516"/>
           </a:xfrm>
           <a:prstGeom prst="bentConnector3">
@@ -23555,7 +23555,7 @@
         </p:nvSpPr>
         <p:spPr>
           <a:xfrm>
-            <a:off x="31754559" y="9433943"/>
+            <a:off x="29131133" y="9304270"/>
             <a:ext cx="926325" cy="540000"/>
           </a:xfrm>
           <a:prstGeom prst="rect">
@@ -23600,7 +23600,7 @@
         </p:nvCxnSpPr>
         <p:spPr>
           <a:xfrm rot="16200000" flipH="1">
-            <a:off x="31860309" y="9076529"/>
+            <a:off x="29236883" y="8946856"/>
             <a:ext cx="206165" cy="508662"/>
           </a:xfrm>
           <a:prstGeom prst="bentConnector3">
@@ -23635,7 +23635,7 @@
         </p:nvSpPr>
         <p:spPr>
           <a:xfrm>
-            <a:off x="30743175" y="9437902"/>
+            <a:off x="28119749" y="9308229"/>
             <a:ext cx="926325" cy="540000"/>
           </a:xfrm>
           <a:prstGeom prst="rect">
@@ -23685,7 +23685,7 @@
         </p:nvCxnSpPr>
         <p:spPr>
           <a:xfrm rot="5400000">
-            <a:off x="31352637" y="9081479"/>
+            <a:off x="28729211" y="8951806"/>
             <a:ext cx="210124" cy="502722"/>
           </a:xfrm>
           <a:prstGeom prst="bentConnector3">
@@ -23720,7 +23720,7 @@
         </p:nvSpPr>
         <p:spPr>
           <a:xfrm>
-            <a:off x="31251835" y="10089065"/>
+            <a:off x="28628409" y="9959392"/>
             <a:ext cx="926325" cy="540000"/>
           </a:xfrm>
           <a:prstGeom prst="rect">
@@ -23765,7 +23765,7 @@
         </p:nvCxnSpPr>
         <p:spPr>
           <a:xfrm>
-            <a:off x="31709060" y="9227778"/>
+            <a:off x="29085634" y="9098105"/>
             <a:ext cx="5938" cy="861287"/>
           </a:xfrm>
           <a:prstGeom prst="straightConnector1">
@@ -23882,7 +23882,7 @@
         </p:nvSpPr>
         <p:spPr>
           <a:xfrm>
-            <a:off x="29196466" y="8690198"/>
+            <a:off x="26573040" y="8560525"/>
             <a:ext cx="926325" cy="540000"/>
           </a:xfrm>
           <a:prstGeom prst="rect">
@@ -23934,7 +23934,7 @@
         </p:nvCxnSpPr>
         <p:spPr>
           <a:xfrm flipH="1">
-            <a:off x="29659629" y="8418717"/>
+            <a:off x="27036203" y="8289044"/>
             <a:ext cx="1979" cy="271481"/>
           </a:xfrm>
           <a:prstGeom prst="straightConnector1">
@@ -23967,7 +23967,7 @@
         </p:nvSpPr>
         <p:spPr>
           <a:xfrm>
-            <a:off x="27201411" y="8691084"/>
+            <a:off x="24577985" y="8561411"/>
             <a:ext cx="926325" cy="540000"/>
           </a:xfrm>
           <a:prstGeom prst="rect">
@@ -24019,7 +24019,7 @@
         </p:nvCxnSpPr>
         <p:spPr>
           <a:xfrm>
-            <a:off x="27663777" y="8412806"/>
+            <a:off x="25040351" y="8283133"/>
             <a:ext cx="797" cy="278278"/>
           </a:xfrm>
           <a:prstGeom prst="straightConnector1">
@@ -24052,7 +24052,7 @@
         </p:nvSpPr>
         <p:spPr>
           <a:xfrm>
-            <a:off x="29200138" y="7063015"/>
+            <a:off x="26576712" y="6933342"/>
             <a:ext cx="926325" cy="540000"/>
           </a:xfrm>
           <a:prstGeom prst="rect">
@@ -24104,7 +24104,7 @@
         </p:nvCxnSpPr>
         <p:spPr>
           <a:xfrm flipH="1">
-            <a:off x="29663301" y="6821222"/>
+            <a:off x="27039875" y="6691549"/>
             <a:ext cx="1980" cy="241793"/>
           </a:xfrm>
           <a:prstGeom prst="straightConnector1">
@@ -24137,7 +24137,7 @@
         </p:nvSpPr>
         <p:spPr>
           <a:xfrm>
-            <a:off x="21304573" y="5404481"/>
+            <a:off x="18681147" y="5274808"/>
             <a:ext cx="926325" cy="540000"/>
           </a:xfrm>
           <a:prstGeom prst="rect">
@@ -24186,7 +24186,7 @@
         </p:nvSpPr>
         <p:spPr>
           <a:xfrm>
-            <a:off x="21303693" y="6269848"/>
+            <a:off x="18680267" y="6140175"/>
             <a:ext cx="926325" cy="540000"/>
           </a:xfrm>
           <a:prstGeom prst="rect">
@@ -24235,7 +24235,7 @@
         </p:nvSpPr>
         <p:spPr>
           <a:xfrm>
-            <a:off x="20224828" y="6268446"/>
+            <a:off x="18118747" y="6950510"/>
             <a:ext cx="926325" cy="540000"/>
           </a:xfrm>
           <a:prstGeom prst="rect">
@@ -24287,7 +24287,7 @@
         </p:nvCxnSpPr>
         <p:spPr>
           <a:xfrm rot="16200000" flipH="1">
-            <a:off x="22158865" y="4732837"/>
+            <a:off x="19535439" y="4603164"/>
             <a:ext cx="280744" cy="1063689"/>
           </a:xfrm>
           <a:prstGeom prst="bentConnector3">
@@ -24325,7 +24325,7 @@
         </p:nvCxnSpPr>
         <p:spPr>
           <a:xfrm rot="5400000">
-            <a:off x="22136572" y="5575338"/>
+            <a:off x="19513146" y="5445665"/>
             <a:ext cx="324794" cy="1064226"/>
           </a:xfrm>
           <a:prstGeom prst="bentConnector3">
@@ -24363,8 +24363,1539 @@
         </p:nvCxnSpPr>
         <p:spPr>
           <a:xfrm rot="5400000">
-            <a:off x="21065882" y="5566591"/>
-            <a:ext cx="323965" cy="1079745"/>
+            <a:off x="18295259" y="6101459"/>
+            <a:ext cx="1135702" cy="562400"/>
+          </a:xfrm>
+          <a:prstGeom prst="bentConnector3">
+            <a:avLst>
+              <a:gd name="adj1" fmla="val 14937"/>
+            </a:avLst>
+          </a:prstGeom>
+          <a:ln w="19050">
+            <a:tailEnd type="arrow"/>
+          </a:ln>
+        </p:spPr>
+        <p:style>
+          <a:lnRef idx="1">
+            <a:schemeClr val="accent1"/>
+          </a:lnRef>
+          <a:fillRef idx="0">
+            <a:schemeClr val="accent1"/>
+          </a:fillRef>
+          <a:effectRef idx="0">
+            <a:schemeClr val="accent1"/>
+          </a:effectRef>
+          <a:fontRef idx="minor">
+            <a:schemeClr val="tx1"/>
+          </a:fontRef>
+        </p:style>
+      </p:cxnSp>
+      <p:cxnSp>
+        <p:nvCxnSpPr>
+          <p:cNvPr id="628" name="Прямая со стрелкой 627"/>
+          <p:cNvCxnSpPr>
+            <a:stCxn id="547" idx="2"/>
+            <a:endCxn id="548" idx="0"/>
+          </p:cNvCxnSpPr>
+          <p:nvPr/>
+        </p:nvCxnSpPr>
+        <p:spPr>
+          <a:xfrm flipH="1">
+            <a:off x="19143430" y="5814808"/>
+            <a:ext cx="880" cy="325367"/>
+          </a:xfrm>
+          <a:prstGeom prst="straightConnector1">
+            <a:avLst/>
+          </a:prstGeom>
+          <a:ln w="19050">
+            <a:tailEnd type="arrow"/>
+          </a:ln>
+        </p:spPr>
+        <p:style>
+          <a:lnRef idx="1">
+            <a:schemeClr val="accent1"/>
+          </a:lnRef>
+          <a:fillRef idx="0">
+            <a:schemeClr val="accent1"/>
+          </a:fillRef>
+          <a:effectRef idx="0">
+            <a:schemeClr val="accent1"/>
+          </a:effectRef>
+          <a:fontRef idx="minor">
+            <a:schemeClr val="tx1"/>
+          </a:fontRef>
+        </p:style>
+      </p:cxnSp>
+      <p:cxnSp>
+        <p:nvCxnSpPr>
+          <p:cNvPr id="636" name="Прямая со стрелкой 635"/>
+          <p:cNvCxnSpPr>
+            <a:stCxn id="287" idx="2"/>
+            <a:endCxn id="577" idx="0"/>
+          </p:cNvCxnSpPr>
+          <p:nvPr/>
+        </p:nvCxnSpPr>
+        <p:spPr>
+          <a:xfrm flipH="1">
+            <a:off x="20207654" y="5815381"/>
+            <a:ext cx="2" cy="324343"/>
+          </a:xfrm>
+          <a:prstGeom prst="straightConnector1">
+            <a:avLst/>
+          </a:prstGeom>
+          <a:ln w="19050">
+            <a:tailEnd type="arrow"/>
+          </a:ln>
+        </p:spPr>
+        <p:style>
+          <a:lnRef idx="1">
+            <a:schemeClr val="accent1"/>
+          </a:lnRef>
+          <a:fillRef idx="0">
+            <a:schemeClr val="accent1"/>
+          </a:fillRef>
+          <a:effectRef idx="0">
+            <a:schemeClr val="accent1"/>
+          </a:effectRef>
+          <a:fontRef idx="minor">
+            <a:schemeClr val="tx1"/>
+          </a:fontRef>
+        </p:style>
+      </p:cxnSp>
+      <p:cxnSp>
+        <p:nvCxnSpPr>
+          <p:cNvPr id="643" name="Прямая соединительная линия 642"/>
+          <p:cNvCxnSpPr>
+            <a:stCxn id="646" idx="3"/>
+            <a:endCxn id="689" idx="1"/>
+          </p:cNvCxnSpPr>
+          <p:nvPr/>
+        </p:nvCxnSpPr>
+        <p:spPr>
+          <a:xfrm>
+            <a:off x="10936126" y="4730258"/>
+            <a:ext cx="4994228" cy="9876"/>
+          </a:xfrm>
+          <a:prstGeom prst="line">
+            <a:avLst/>
+          </a:prstGeom>
+          <a:ln w="19050">
+            <a:solidFill>
+              <a:srgbClr val="FF0000"/>
+            </a:solidFill>
+          </a:ln>
+        </p:spPr>
+        <p:style>
+          <a:lnRef idx="1">
+            <a:schemeClr val="accent1"/>
+          </a:lnRef>
+          <a:fillRef idx="0">
+            <a:schemeClr val="accent1"/>
+          </a:fillRef>
+          <a:effectRef idx="0">
+            <a:schemeClr val="accent1"/>
+          </a:effectRef>
+          <a:fontRef idx="minor">
+            <a:schemeClr val="tx1"/>
+          </a:fontRef>
+        </p:style>
+      </p:cxnSp>
+      <p:sp>
+        <p:nvSpPr>
+          <p:cNvPr id="646" name="Прямоугольник 645"/>
+          <p:cNvSpPr/>
+          <p:nvPr/>
+        </p:nvSpPr>
+        <p:spPr>
+          <a:xfrm>
+            <a:off x="10009801" y="4460258"/>
+            <a:ext cx="926325" cy="540000"/>
+          </a:xfrm>
+          <a:prstGeom prst="rect">
+            <a:avLst/>
+          </a:prstGeom>
+          <a:solidFill>
+            <a:srgbClr val="7030A0"/>
+          </a:solidFill>
+          <a:ln w="19050">
+            <a:solidFill>
+              <a:srgbClr val="00B050"/>
+            </a:solidFill>
+          </a:ln>
+        </p:spPr>
+        <p:style>
+          <a:lnRef idx="2">
+            <a:schemeClr val="accent1"/>
+          </a:lnRef>
+          <a:fillRef idx="1">
+            <a:schemeClr val="lt1"/>
+          </a:fillRef>
+          <a:effectRef idx="0">
+            <a:schemeClr val="accent1"/>
+          </a:effectRef>
+          <a:fontRef idx="minor">
+            <a:schemeClr val="dk1"/>
+          </a:fontRef>
+        </p:style>
+        <p:txBody>
+          <a:bodyPr lIns="124733" tIns="62367" rIns="124733" bIns="62367" rtlCol="0" anchor="ctr"/>
+          <a:lstStyle/>
+          <a:p>
+            <a:pPr algn="ctr"/>
+            <a:r>
+              <a:rPr lang="ru-RU" sz="700" dirty="0"/>
+              <a:t>Восстановлении монархии (только для </a:t>
+            </a:r>
+            <a:r>
+              <a:rPr lang="ru-RU" sz="700" dirty="0" err="1"/>
+              <a:t>авторитаристов</a:t>
+            </a:r>
+            <a:r>
+              <a:rPr lang="ru-RU" sz="700" dirty="0"/>
+              <a:t>)</a:t>
+            </a:r>
+          </a:p>
+        </p:txBody>
+      </p:sp>
+      <p:sp>
+        <p:nvSpPr>
+          <p:cNvPr id="650" name="Прямоугольник 649"/>
+          <p:cNvSpPr/>
+          <p:nvPr/>
+        </p:nvSpPr>
+        <p:spPr>
+          <a:xfrm>
+            <a:off x="7353760" y="5290940"/>
+            <a:ext cx="926325" cy="540000"/>
+          </a:xfrm>
+          <a:prstGeom prst="rect">
+            <a:avLst/>
+          </a:prstGeom>
+          <a:noFill/>
+          <a:ln w="19050">
+            <a:solidFill>
+              <a:srgbClr val="00B050"/>
+            </a:solidFill>
+          </a:ln>
+        </p:spPr>
+        <p:style>
+          <a:lnRef idx="2">
+            <a:schemeClr val="accent1"/>
+          </a:lnRef>
+          <a:fillRef idx="1">
+            <a:schemeClr val="lt1"/>
+          </a:fillRef>
+          <a:effectRef idx="0">
+            <a:schemeClr val="accent1"/>
+          </a:effectRef>
+          <a:fontRef idx="minor">
+            <a:schemeClr val="dk1"/>
+          </a:fontRef>
+        </p:style>
+        <p:txBody>
+          <a:bodyPr lIns="124733" tIns="62367" rIns="124733" bIns="62367" rtlCol="0" anchor="ctr"/>
+          <a:lstStyle/>
+          <a:p>
+            <a:pPr algn="ctr"/>
+            <a:r>
+              <a:rPr lang="ru-RU" sz="700" dirty="0"/>
+              <a:t>Пригласить на престол </a:t>
+            </a:r>
+            <a:r>
+              <a:rPr lang="ru-RU" sz="700" dirty="0" err="1"/>
+              <a:t>Дуарте</a:t>
+            </a:r>
+            <a:r>
+              <a:rPr lang="ru-RU" sz="700" dirty="0"/>
+              <a:t> </a:t>
+            </a:r>
+            <a:r>
+              <a:rPr lang="en-US" sz="700" dirty="0"/>
+              <a:t>II</a:t>
+            </a:r>
+            <a:endParaRPr lang="ru-RU" sz="700" dirty="0"/>
+          </a:p>
+        </p:txBody>
+      </p:sp>
+      <p:sp>
+        <p:nvSpPr>
+          <p:cNvPr id="652" name="Прямоугольник 651"/>
+          <p:cNvSpPr/>
+          <p:nvPr/>
+        </p:nvSpPr>
+        <p:spPr>
+          <a:xfrm>
+            <a:off x="8425989" y="6099522"/>
+            <a:ext cx="926325" cy="540000"/>
+          </a:xfrm>
+          <a:prstGeom prst="rect">
+            <a:avLst/>
+          </a:prstGeom>
+          <a:solidFill>
+            <a:srgbClr val="7030A0"/>
+          </a:solidFill>
+          <a:ln w="19050">
+            <a:solidFill>
+              <a:srgbClr val="FFFF00"/>
+            </a:solidFill>
+          </a:ln>
+        </p:spPr>
+        <p:style>
+          <a:lnRef idx="2">
+            <a:schemeClr val="accent1"/>
+          </a:lnRef>
+          <a:fillRef idx="1">
+            <a:schemeClr val="lt1"/>
+          </a:fillRef>
+          <a:effectRef idx="0">
+            <a:schemeClr val="accent1"/>
+          </a:effectRef>
+          <a:fontRef idx="minor">
+            <a:schemeClr val="dk1"/>
+          </a:fontRef>
+        </p:style>
+        <p:txBody>
+          <a:bodyPr lIns="124733" tIns="62367" rIns="124733" bIns="62367" rtlCol="0" anchor="ctr"/>
+          <a:lstStyle/>
+          <a:p>
+            <a:pPr algn="ctr"/>
+            <a:r>
+              <a:rPr lang="ru-RU" sz="700" dirty="0"/>
+              <a:t>Объединить обе ветви </a:t>
+            </a:r>
+            <a:r>
+              <a:rPr lang="ru-RU" sz="700" dirty="0" err="1"/>
+              <a:t>Брагансов</a:t>
+            </a:r>
+            <a:endParaRPr lang="ru-RU" sz="700" dirty="0"/>
+          </a:p>
+        </p:txBody>
+      </p:sp>
+      <p:sp>
+        <p:nvSpPr>
+          <p:cNvPr id="667" name="Прямоугольник 666"/>
+          <p:cNvSpPr/>
+          <p:nvPr/>
+        </p:nvSpPr>
+        <p:spPr>
+          <a:xfrm>
+            <a:off x="13192172" y="3682734"/>
+            <a:ext cx="926325" cy="540000"/>
+          </a:xfrm>
+          <a:prstGeom prst="rect">
+            <a:avLst/>
+          </a:prstGeom>
+          <a:solidFill>
+            <a:srgbClr val="FF0000"/>
+          </a:solidFill>
+          <a:ln w="19050"/>
+        </p:spPr>
+        <p:style>
+          <a:lnRef idx="2">
+            <a:schemeClr val="accent1"/>
+          </a:lnRef>
+          <a:fillRef idx="1">
+            <a:schemeClr val="lt1"/>
+          </a:fillRef>
+          <a:effectRef idx="0">
+            <a:schemeClr val="accent1"/>
+          </a:effectRef>
+          <a:fontRef idx="minor">
+            <a:schemeClr val="dk1"/>
+          </a:fontRef>
+        </p:style>
+        <p:txBody>
+          <a:bodyPr lIns="124733" tIns="62367" rIns="124733" bIns="62367" rtlCol="0" anchor="ctr"/>
+          <a:lstStyle/>
+          <a:p>
+            <a:pPr algn="ctr"/>
+            <a:r>
+              <a:rPr lang="ru-RU" sz="700" dirty="0"/>
+              <a:t>Формирование Народного Фронта (</a:t>
+            </a:r>
+            <a:r>
+              <a:rPr lang="en-US" sz="700" dirty="0" err="1"/>
+              <a:t>Revolta</a:t>
+            </a:r>
+            <a:r>
+              <a:rPr lang="en-US" sz="700" dirty="0"/>
+              <a:t> dos </a:t>
+            </a:r>
+            <a:r>
+              <a:rPr lang="en-US" sz="700" dirty="0" err="1"/>
+              <a:t>marinheiros</a:t>
+            </a:r>
+            <a:r>
+              <a:rPr lang="ru-RU" sz="700" dirty="0"/>
+              <a:t>)</a:t>
+            </a:r>
+            <a:endParaRPr lang="ru-RU" sz="400" dirty="0"/>
+          </a:p>
+        </p:txBody>
+      </p:sp>
+      <p:cxnSp>
+        <p:nvCxnSpPr>
+          <p:cNvPr id="668" name="Прямая соединительная линия 667"/>
+          <p:cNvCxnSpPr>
+            <a:stCxn id="667" idx="3"/>
+            <a:endCxn id="268" idx="1"/>
+          </p:cNvCxnSpPr>
+          <p:nvPr/>
+        </p:nvCxnSpPr>
+        <p:spPr>
+          <a:xfrm>
+            <a:off x="14118497" y="3952734"/>
+            <a:ext cx="7774094" cy="841"/>
+          </a:xfrm>
+          <a:prstGeom prst="line">
+            <a:avLst/>
+          </a:prstGeom>
+          <a:ln w="19050">
+            <a:solidFill>
+              <a:srgbClr val="FF0000"/>
+            </a:solidFill>
+          </a:ln>
+        </p:spPr>
+        <p:style>
+          <a:lnRef idx="1">
+            <a:schemeClr val="accent1"/>
+          </a:lnRef>
+          <a:fillRef idx="0">
+            <a:schemeClr val="accent1"/>
+          </a:fillRef>
+          <a:effectRef idx="0">
+            <a:schemeClr val="accent1"/>
+          </a:effectRef>
+          <a:fontRef idx="minor">
+            <a:schemeClr val="tx1"/>
+          </a:fontRef>
+        </p:style>
+      </p:cxnSp>
+      <p:sp>
+        <p:nvSpPr>
+          <p:cNvPr id="671" name="Прямоугольник 670"/>
+          <p:cNvSpPr/>
+          <p:nvPr/>
+        </p:nvSpPr>
+        <p:spPr>
+          <a:xfrm>
+            <a:off x="15932279" y="5298867"/>
+            <a:ext cx="926325" cy="540000"/>
+          </a:xfrm>
+          <a:prstGeom prst="rect">
+            <a:avLst/>
+          </a:prstGeom>
+          <a:solidFill>
+            <a:srgbClr val="FF0000"/>
+          </a:solidFill>
+          <a:ln w="19050"/>
+        </p:spPr>
+        <p:style>
+          <a:lnRef idx="2">
+            <a:schemeClr val="accent1"/>
+          </a:lnRef>
+          <a:fillRef idx="1">
+            <a:schemeClr val="lt1"/>
+          </a:fillRef>
+          <a:effectRef idx="0">
+            <a:schemeClr val="accent1"/>
+          </a:effectRef>
+          <a:fontRef idx="minor">
+            <a:schemeClr val="dk1"/>
+          </a:fontRef>
+        </p:style>
+        <p:txBody>
+          <a:bodyPr lIns="124733" tIns="62367" rIns="124733" bIns="62367" rtlCol="0" anchor="ctr"/>
+          <a:lstStyle/>
+          <a:p>
+            <a:pPr algn="ctr"/>
+            <a:r>
+              <a:rPr lang="ru-RU" sz="700" dirty="0"/>
+              <a:t>Поддержать республиканцев (поддержка в испанской </a:t>
+            </a:r>
+            <a:r>
+              <a:rPr lang="ru-RU" sz="700" dirty="0" err="1"/>
+              <a:t>гв</a:t>
+            </a:r>
+            <a:r>
+              <a:rPr lang="ru-RU" sz="700" dirty="0"/>
+              <a:t>) (ваниль)</a:t>
+            </a:r>
+            <a:endParaRPr lang="ru-RU" sz="400" dirty="0"/>
+          </a:p>
+        </p:txBody>
+      </p:sp>
+      <p:sp>
+        <p:nvSpPr>
+          <p:cNvPr id="647" name="Прямоугольник 646"/>
+          <p:cNvSpPr/>
+          <p:nvPr/>
+        </p:nvSpPr>
+        <p:spPr>
+          <a:xfrm>
+            <a:off x="15930144" y="6950415"/>
+            <a:ext cx="926325" cy="540000"/>
+          </a:xfrm>
+          <a:prstGeom prst="rect">
+            <a:avLst/>
+          </a:prstGeom>
+          <a:solidFill>
+            <a:srgbClr val="FF0000"/>
+          </a:solidFill>
+          <a:ln w="19050"/>
+        </p:spPr>
+        <p:style>
+          <a:lnRef idx="2">
+            <a:schemeClr val="accent1"/>
+          </a:lnRef>
+          <a:fillRef idx="1">
+            <a:schemeClr val="lt1"/>
+          </a:fillRef>
+          <a:effectRef idx="0">
+            <a:schemeClr val="accent1"/>
+          </a:effectRef>
+          <a:fontRef idx="minor">
+            <a:schemeClr val="dk1"/>
+          </a:fontRef>
+        </p:style>
+        <p:txBody>
+          <a:bodyPr lIns="124733" tIns="62367" rIns="124733" bIns="62367" rtlCol="0" anchor="ctr"/>
+          <a:lstStyle/>
+          <a:p>
+            <a:pPr algn="ctr"/>
+            <a:r>
+              <a:rPr lang="ru-RU" sz="700" dirty="0"/>
+              <a:t>Союз с Испанией (Испания левая)</a:t>
+            </a:r>
+            <a:r>
+              <a:rPr lang="ru-RU" sz="600" dirty="0"/>
+              <a:t> (наше)</a:t>
+            </a:r>
+            <a:endParaRPr lang="ru-RU" sz="400" dirty="0"/>
+          </a:p>
+        </p:txBody>
+      </p:sp>
+      <p:sp>
+        <p:nvSpPr>
+          <p:cNvPr id="649" name="Прямоугольник 648"/>
+          <p:cNvSpPr/>
+          <p:nvPr/>
+        </p:nvSpPr>
+        <p:spPr>
+          <a:xfrm>
+            <a:off x="14885525" y="6142314"/>
+            <a:ext cx="926325" cy="540000"/>
+          </a:xfrm>
+          <a:prstGeom prst="rect">
+            <a:avLst/>
+          </a:prstGeom>
+          <a:solidFill>
+            <a:srgbClr val="FF0000"/>
+          </a:solidFill>
+          <a:ln w="19050">
+            <a:solidFill>
+              <a:srgbClr val="FFFF00"/>
+            </a:solidFill>
+          </a:ln>
+        </p:spPr>
+        <p:style>
+          <a:lnRef idx="2">
+            <a:schemeClr val="accent1"/>
+          </a:lnRef>
+          <a:fillRef idx="1">
+            <a:schemeClr val="lt1"/>
+          </a:fillRef>
+          <a:effectRef idx="0">
+            <a:schemeClr val="accent1"/>
+          </a:effectRef>
+          <a:fontRef idx="minor">
+            <a:schemeClr val="dk1"/>
+          </a:fontRef>
+        </p:style>
+        <p:txBody>
+          <a:bodyPr lIns="124733" tIns="62367" rIns="124733" bIns="62367" rtlCol="0" anchor="ctr"/>
+          <a:lstStyle/>
+          <a:p>
+            <a:pPr algn="ctr"/>
+            <a:r>
+              <a:rPr lang="ru-RU" sz="700" dirty="0"/>
+              <a:t>Вступить в </a:t>
+            </a:r>
+            <a:r>
+              <a:rPr lang="ru-RU" sz="700" dirty="0" err="1"/>
+              <a:t>коминтерн</a:t>
+            </a:r>
+            <a:r>
+              <a:rPr lang="ru-RU" sz="600" dirty="0"/>
+              <a:t> (наше) (миссия в Москве не должна </a:t>
+            </a:r>
+            <a:r>
+              <a:rPr lang="ru-RU" sz="600" dirty="0" err="1"/>
+              <a:t>обосраться</a:t>
+            </a:r>
+            <a:r>
+              <a:rPr lang="ru-RU" sz="600" dirty="0"/>
+              <a:t>)</a:t>
+            </a:r>
+            <a:endParaRPr lang="ru-RU" sz="400" dirty="0"/>
+          </a:p>
+        </p:txBody>
+      </p:sp>
+      <p:sp>
+        <p:nvSpPr>
+          <p:cNvPr id="672" name="Прямоугольник 671"/>
+          <p:cNvSpPr/>
+          <p:nvPr/>
+        </p:nvSpPr>
+        <p:spPr>
+          <a:xfrm>
+            <a:off x="14884909" y="6953766"/>
+            <a:ext cx="926325" cy="540000"/>
+          </a:xfrm>
+          <a:prstGeom prst="rect">
+            <a:avLst/>
+          </a:prstGeom>
+          <a:solidFill>
+            <a:srgbClr val="FF0000"/>
+          </a:solidFill>
+          <a:ln w="19050">
+            <a:solidFill>
+              <a:srgbClr val="FFFF00"/>
+            </a:solidFill>
+          </a:ln>
+        </p:spPr>
+        <p:style>
+          <a:lnRef idx="2">
+            <a:schemeClr val="accent1"/>
+          </a:lnRef>
+          <a:fillRef idx="1">
+            <a:schemeClr val="lt1"/>
+          </a:fillRef>
+          <a:effectRef idx="0">
+            <a:schemeClr val="accent1"/>
+          </a:effectRef>
+          <a:fontRef idx="minor">
+            <a:schemeClr val="dk1"/>
+          </a:fontRef>
+        </p:style>
+        <p:txBody>
+          <a:bodyPr lIns="124733" tIns="62367" rIns="124733" bIns="62367" rtlCol="0" anchor="ctr"/>
+          <a:lstStyle/>
+          <a:p>
+            <a:pPr algn="ctr"/>
+            <a:r>
+              <a:rPr lang="ru-RU" sz="700" dirty="0"/>
+              <a:t>Вступить в научную группу Коминтерна</a:t>
+            </a:r>
+            <a:r>
+              <a:rPr lang="ru-RU" sz="600" dirty="0"/>
+              <a:t> (наше)</a:t>
+            </a:r>
+            <a:endParaRPr lang="ru-RU" sz="400" dirty="0"/>
+          </a:p>
+        </p:txBody>
+      </p:sp>
+      <p:sp>
+        <p:nvSpPr>
+          <p:cNvPr id="674" name="Прямоугольник 673"/>
+          <p:cNvSpPr/>
+          <p:nvPr/>
+        </p:nvSpPr>
+        <p:spPr>
+          <a:xfrm>
+            <a:off x="13774939" y="5314356"/>
+            <a:ext cx="926325" cy="540000"/>
+          </a:xfrm>
+          <a:prstGeom prst="rect">
+            <a:avLst/>
+          </a:prstGeom>
+          <a:solidFill>
+            <a:srgbClr val="FF0000"/>
+          </a:solidFill>
+          <a:ln w="19050">
+            <a:solidFill>
+              <a:srgbClr val="00B050"/>
+            </a:solidFill>
+          </a:ln>
+        </p:spPr>
+        <p:style>
+          <a:lnRef idx="2">
+            <a:schemeClr val="accent1"/>
+          </a:lnRef>
+          <a:fillRef idx="1">
+            <a:schemeClr val="lt1"/>
+          </a:fillRef>
+          <a:effectRef idx="0">
+            <a:schemeClr val="accent1"/>
+          </a:effectRef>
+          <a:fontRef idx="minor">
+            <a:schemeClr val="dk1"/>
+          </a:fontRef>
+        </p:style>
+        <p:txBody>
+          <a:bodyPr lIns="124733" tIns="62367" rIns="124733" bIns="62367" rtlCol="0" anchor="ctr"/>
+          <a:lstStyle/>
+          <a:p>
+            <a:pPr algn="ctr"/>
+            <a:r>
+              <a:rPr lang="ru-RU" sz="700" dirty="0"/>
+              <a:t>Создание Португальских союзных республик в Африке</a:t>
+            </a:r>
+            <a:endParaRPr lang="ru-RU" sz="400" dirty="0"/>
+          </a:p>
+        </p:txBody>
+      </p:sp>
+      <p:sp>
+        <p:nvSpPr>
+          <p:cNvPr id="675" name="Прямоугольник 674"/>
+          <p:cNvSpPr/>
+          <p:nvPr/>
+        </p:nvSpPr>
+        <p:spPr>
+          <a:xfrm>
+            <a:off x="14336935" y="7699640"/>
+            <a:ext cx="926325" cy="540000"/>
+          </a:xfrm>
+          <a:prstGeom prst="rect">
+            <a:avLst/>
+          </a:prstGeom>
+          <a:solidFill>
+            <a:srgbClr val="FF0000"/>
+          </a:solidFill>
+          <a:ln w="19050">
+            <a:solidFill>
+              <a:srgbClr val="00B050"/>
+            </a:solidFill>
+          </a:ln>
+        </p:spPr>
+        <p:style>
+          <a:lnRef idx="2">
+            <a:schemeClr val="accent1"/>
+          </a:lnRef>
+          <a:fillRef idx="1">
+            <a:schemeClr val="lt1"/>
+          </a:fillRef>
+          <a:effectRef idx="0">
+            <a:schemeClr val="accent1"/>
+          </a:effectRef>
+          <a:fontRef idx="minor">
+            <a:schemeClr val="dk1"/>
+          </a:fontRef>
+        </p:style>
+        <p:txBody>
+          <a:bodyPr lIns="124733" tIns="62367" rIns="124733" bIns="62367" rtlCol="0" anchor="ctr"/>
+          <a:lstStyle/>
+          <a:p>
+            <a:pPr algn="ctr"/>
+            <a:r>
+              <a:rPr lang="ru-RU" sz="700" dirty="0"/>
+              <a:t>Укрепление Португальской культуры в </a:t>
+            </a:r>
+            <a:r>
+              <a:rPr lang="ru-RU" sz="700" dirty="0" err="1"/>
+              <a:t>Гоа</a:t>
+            </a:r>
+            <a:r>
+              <a:rPr lang="ru-RU" sz="600" dirty="0"/>
+              <a:t> (наше)</a:t>
+            </a:r>
+            <a:endParaRPr lang="ru-RU" sz="400" dirty="0"/>
+          </a:p>
+        </p:txBody>
+      </p:sp>
+      <p:sp>
+        <p:nvSpPr>
+          <p:cNvPr id="677" name="Прямоугольник 676"/>
+          <p:cNvSpPr/>
+          <p:nvPr/>
+        </p:nvSpPr>
+        <p:spPr>
+          <a:xfrm>
+            <a:off x="17040602" y="10157694"/>
+            <a:ext cx="926325" cy="540000"/>
+          </a:xfrm>
+          <a:prstGeom prst="rect">
+            <a:avLst/>
+          </a:prstGeom>
+          <a:solidFill>
+            <a:srgbClr val="FF0000"/>
+          </a:solidFill>
+          <a:ln w="19050">
+            <a:solidFill>
+              <a:srgbClr val="00B050"/>
+            </a:solidFill>
+          </a:ln>
+        </p:spPr>
+        <p:style>
+          <a:lnRef idx="2">
+            <a:schemeClr val="accent1"/>
+          </a:lnRef>
+          <a:fillRef idx="1">
+            <a:schemeClr val="lt1"/>
+          </a:fillRef>
+          <a:effectRef idx="0">
+            <a:schemeClr val="accent1"/>
+          </a:effectRef>
+          <a:fontRef idx="minor">
+            <a:schemeClr val="dk1"/>
+          </a:fontRef>
+        </p:style>
+        <p:txBody>
+          <a:bodyPr lIns="124733" tIns="62367" rIns="124733" bIns="62367" rtlCol="0" anchor="ctr"/>
+          <a:lstStyle/>
+          <a:p>
+            <a:pPr algn="ctr"/>
+            <a:r>
+              <a:rPr lang="ru-RU" sz="700" dirty="0"/>
+              <a:t>Национализация церковных земель</a:t>
+            </a:r>
+            <a:r>
+              <a:rPr lang="ru-RU" sz="600" dirty="0"/>
+              <a:t> (наше)</a:t>
+            </a:r>
+            <a:endParaRPr lang="ru-RU" sz="400" dirty="0"/>
+          </a:p>
+        </p:txBody>
+      </p:sp>
+      <p:sp>
+        <p:nvSpPr>
+          <p:cNvPr id="678" name="Прямоугольник 677"/>
+          <p:cNvSpPr/>
+          <p:nvPr/>
+        </p:nvSpPr>
+        <p:spPr>
+          <a:xfrm>
+            <a:off x="18114418" y="9402103"/>
+            <a:ext cx="926325" cy="540000"/>
+          </a:xfrm>
+          <a:prstGeom prst="rect">
+            <a:avLst/>
+          </a:prstGeom>
+          <a:solidFill>
+            <a:srgbClr val="FF0000"/>
+          </a:solidFill>
+          <a:ln w="19050">
+            <a:solidFill>
+              <a:srgbClr val="FFFF00"/>
+            </a:solidFill>
+          </a:ln>
+        </p:spPr>
+        <p:style>
+          <a:lnRef idx="2">
+            <a:schemeClr val="accent1"/>
+          </a:lnRef>
+          <a:fillRef idx="1">
+            <a:schemeClr val="lt1"/>
+          </a:fillRef>
+          <a:effectRef idx="0">
+            <a:schemeClr val="accent1"/>
+          </a:effectRef>
+          <a:fontRef idx="minor">
+            <a:schemeClr val="dk1"/>
+          </a:fontRef>
+        </p:style>
+        <p:txBody>
+          <a:bodyPr lIns="124733" tIns="62367" rIns="124733" bIns="62367" rtlCol="0" anchor="ctr"/>
+          <a:lstStyle/>
+          <a:p>
+            <a:pPr algn="ctr"/>
+            <a:r>
+              <a:rPr lang="ru-RU" sz="700" dirty="0"/>
+              <a:t>Пятилетний план</a:t>
+            </a:r>
+            <a:r>
+              <a:rPr lang="ru-RU" sz="600" dirty="0"/>
+              <a:t> (наше)</a:t>
+            </a:r>
+            <a:endParaRPr lang="ru-RU" sz="400" dirty="0"/>
+          </a:p>
+        </p:txBody>
+      </p:sp>
+      <p:sp>
+        <p:nvSpPr>
+          <p:cNvPr id="680" name="Прямоугольник 679"/>
+          <p:cNvSpPr/>
+          <p:nvPr/>
+        </p:nvSpPr>
+        <p:spPr>
+          <a:xfrm>
+            <a:off x="16483421" y="10849664"/>
+            <a:ext cx="926325" cy="540000"/>
+          </a:xfrm>
+          <a:prstGeom prst="rect">
+            <a:avLst/>
+          </a:prstGeom>
+          <a:solidFill>
+            <a:srgbClr val="FF0000"/>
+          </a:solidFill>
+          <a:ln w="19050">
+            <a:solidFill>
+              <a:srgbClr val="FFFF00"/>
+            </a:solidFill>
+          </a:ln>
+        </p:spPr>
+        <p:style>
+          <a:lnRef idx="2">
+            <a:schemeClr val="accent1"/>
+          </a:lnRef>
+          <a:fillRef idx="1">
+            <a:schemeClr val="lt1"/>
+          </a:fillRef>
+          <a:effectRef idx="0">
+            <a:schemeClr val="accent1"/>
+          </a:effectRef>
+          <a:fontRef idx="minor">
+            <a:schemeClr val="dk1"/>
+          </a:fontRef>
+        </p:style>
+        <p:txBody>
+          <a:bodyPr lIns="124733" tIns="62367" rIns="124733" bIns="62367" rtlCol="0" anchor="ctr"/>
+          <a:lstStyle/>
+          <a:p>
+            <a:pPr algn="ctr"/>
+            <a:r>
+              <a:rPr lang="ru-RU" sz="700" dirty="0"/>
+              <a:t>Крестьянская реформа</a:t>
+            </a:r>
+            <a:r>
+              <a:rPr lang="ru-RU" sz="600" dirty="0"/>
+              <a:t> (наше)</a:t>
+            </a:r>
+            <a:endParaRPr lang="ru-RU" sz="400" dirty="0"/>
+          </a:p>
+        </p:txBody>
+      </p:sp>
+      <p:sp>
+        <p:nvSpPr>
+          <p:cNvPr id="681" name="Прямоугольник 680"/>
+          <p:cNvSpPr/>
+          <p:nvPr/>
+        </p:nvSpPr>
+        <p:spPr>
+          <a:xfrm>
+            <a:off x="13190328" y="8547420"/>
+            <a:ext cx="926325" cy="540000"/>
+          </a:xfrm>
+          <a:prstGeom prst="rect">
+            <a:avLst/>
+          </a:prstGeom>
+          <a:solidFill>
+            <a:srgbClr val="FF0000"/>
+          </a:solidFill>
+          <a:ln w="19050">
+            <a:solidFill>
+              <a:srgbClr val="00B050"/>
+            </a:solidFill>
+          </a:ln>
+        </p:spPr>
+        <p:style>
+          <a:lnRef idx="2">
+            <a:schemeClr val="accent1"/>
+          </a:lnRef>
+          <a:fillRef idx="1">
+            <a:schemeClr val="lt1"/>
+          </a:fillRef>
+          <a:effectRef idx="0">
+            <a:schemeClr val="accent1"/>
+          </a:effectRef>
+          <a:fontRef idx="minor">
+            <a:schemeClr val="dk1"/>
+          </a:fontRef>
+        </p:style>
+        <p:txBody>
+          <a:bodyPr lIns="124733" tIns="62367" rIns="124733" bIns="62367" rtlCol="0" anchor="ctr"/>
+          <a:lstStyle/>
+          <a:p>
+            <a:pPr algn="ctr"/>
+            <a:r>
+              <a:rPr lang="ru-RU" sz="700" dirty="0"/>
+              <a:t>Освободить Африку</a:t>
+            </a:r>
+            <a:r>
+              <a:rPr lang="ru-RU" sz="600" dirty="0"/>
+              <a:t> (наше)</a:t>
+            </a:r>
+            <a:endParaRPr lang="ru-RU" sz="400" dirty="0"/>
+          </a:p>
+        </p:txBody>
+      </p:sp>
+      <p:sp>
+        <p:nvSpPr>
+          <p:cNvPr id="683" name="Прямоугольник 682"/>
+          <p:cNvSpPr/>
+          <p:nvPr/>
+        </p:nvSpPr>
+        <p:spPr>
+          <a:xfrm>
+            <a:off x="14341892" y="8559108"/>
+            <a:ext cx="926325" cy="540000"/>
+          </a:xfrm>
+          <a:prstGeom prst="rect">
+            <a:avLst/>
+          </a:prstGeom>
+          <a:solidFill>
+            <a:srgbClr val="FF0000"/>
+          </a:solidFill>
+          <a:ln w="19050">
+            <a:solidFill>
+              <a:srgbClr val="00B050"/>
+            </a:solidFill>
+          </a:ln>
+        </p:spPr>
+        <p:style>
+          <a:lnRef idx="2">
+            <a:schemeClr val="accent1"/>
+          </a:lnRef>
+          <a:fillRef idx="1">
+            <a:schemeClr val="lt1"/>
+          </a:fillRef>
+          <a:effectRef idx="0">
+            <a:schemeClr val="accent1"/>
+          </a:effectRef>
+          <a:fontRef idx="minor">
+            <a:schemeClr val="dk1"/>
+          </a:fontRef>
+        </p:style>
+        <p:txBody>
+          <a:bodyPr lIns="124733" tIns="62367" rIns="124733" bIns="62367" rtlCol="0" anchor="ctr"/>
+          <a:lstStyle/>
+          <a:p>
+            <a:pPr algn="ctr"/>
+            <a:r>
+              <a:rPr lang="ru-RU" sz="700" dirty="0"/>
+              <a:t>Освободить Индию (наше)</a:t>
+            </a:r>
+            <a:endParaRPr lang="ru-RU" sz="400" dirty="0"/>
+          </a:p>
+        </p:txBody>
+      </p:sp>
+      <p:sp>
+        <p:nvSpPr>
+          <p:cNvPr id="684" name="Прямоугольник 683"/>
+          <p:cNvSpPr/>
+          <p:nvPr/>
+        </p:nvSpPr>
+        <p:spPr>
+          <a:xfrm>
+            <a:off x="17020800" y="6142314"/>
+            <a:ext cx="926325" cy="540000"/>
+          </a:xfrm>
+          <a:prstGeom prst="rect">
+            <a:avLst/>
+          </a:prstGeom>
+          <a:solidFill>
+            <a:srgbClr val="FF0000"/>
+          </a:solidFill>
+          <a:ln w="19050">
+            <a:solidFill>
+              <a:srgbClr val="00B050"/>
+            </a:solidFill>
+          </a:ln>
+        </p:spPr>
+        <p:style>
+          <a:lnRef idx="2">
+            <a:schemeClr val="accent1"/>
+          </a:lnRef>
+          <a:fillRef idx="1">
+            <a:schemeClr val="lt1"/>
+          </a:fillRef>
+          <a:effectRef idx="0">
+            <a:schemeClr val="accent1"/>
+          </a:effectRef>
+          <a:fontRef idx="minor">
+            <a:schemeClr val="dk1"/>
+          </a:fontRef>
+        </p:style>
+        <p:txBody>
+          <a:bodyPr lIns="124733" tIns="62367" rIns="124733" bIns="62367" rtlCol="0" anchor="ctr"/>
+          <a:lstStyle/>
+          <a:p>
+            <a:pPr algn="ctr"/>
+            <a:r>
+              <a:rPr lang="ru-RU" sz="700" dirty="0"/>
+              <a:t>Вторжение в Испанию (Испания НЕ левая)</a:t>
+            </a:r>
+            <a:r>
+              <a:rPr lang="ru-RU" sz="600" dirty="0"/>
+              <a:t> (ваниль)</a:t>
+            </a:r>
+            <a:endParaRPr lang="ru-RU" sz="400" dirty="0"/>
+          </a:p>
+        </p:txBody>
+      </p:sp>
+      <p:sp>
+        <p:nvSpPr>
+          <p:cNvPr id="686" name="Прямоугольник 685"/>
+          <p:cNvSpPr/>
+          <p:nvPr/>
+        </p:nvSpPr>
+        <p:spPr>
+          <a:xfrm>
+            <a:off x="15931473" y="6140640"/>
+            <a:ext cx="926325" cy="540000"/>
+          </a:xfrm>
+          <a:prstGeom prst="rect">
+            <a:avLst/>
+          </a:prstGeom>
+          <a:solidFill>
+            <a:srgbClr val="FF0000"/>
+          </a:solidFill>
+          <a:ln w="19050">
+            <a:solidFill>
+              <a:srgbClr val="FFFF00"/>
+            </a:solidFill>
+          </a:ln>
+        </p:spPr>
+        <p:style>
+          <a:lnRef idx="2">
+            <a:schemeClr val="accent1"/>
+          </a:lnRef>
+          <a:fillRef idx="1">
+            <a:schemeClr val="lt1"/>
+          </a:fillRef>
+          <a:effectRef idx="0">
+            <a:schemeClr val="accent1"/>
+          </a:effectRef>
+          <a:fontRef idx="minor">
+            <a:schemeClr val="dk1"/>
+          </a:fontRef>
+        </p:style>
+        <p:txBody>
+          <a:bodyPr lIns="124733" tIns="62367" rIns="124733" bIns="62367" rtlCol="0" anchor="ctr"/>
+          <a:lstStyle/>
+          <a:p>
+            <a:pPr algn="ctr"/>
+            <a:r>
+              <a:rPr lang="ru-RU" sz="700" dirty="0"/>
+              <a:t>Рабочие Иберии – объединяйтесь!(вступить в испанскую </a:t>
+            </a:r>
+            <a:r>
+              <a:rPr lang="ru-RU" sz="700" dirty="0" err="1"/>
+              <a:t>гв</a:t>
+            </a:r>
+            <a:r>
+              <a:rPr lang="ru-RU" sz="700" dirty="0"/>
+              <a:t>) (ваниль)</a:t>
+            </a:r>
+            <a:endParaRPr lang="ru-RU" sz="400" dirty="0"/>
+          </a:p>
+        </p:txBody>
+      </p:sp>
+      <p:cxnSp>
+        <p:nvCxnSpPr>
+          <p:cNvPr id="687" name="Прямая соединительная линия 686"/>
+          <p:cNvCxnSpPr>
+            <a:stCxn id="649" idx="3"/>
+            <a:endCxn id="686" idx="1"/>
+          </p:cNvCxnSpPr>
+          <p:nvPr/>
+        </p:nvCxnSpPr>
+        <p:spPr>
+          <a:xfrm flipV="1">
+            <a:off x="15811850" y="6410640"/>
+            <a:ext cx="119623" cy="1674"/>
+          </a:xfrm>
+          <a:prstGeom prst="line">
+            <a:avLst/>
+          </a:prstGeom>
+          <a:ln w="19050">
+            <a:solidFill>
+              <a:srgbClr val="FF0000"/>
+            </a:solidFill>
+          </a:ln>
+        </p:spPr>
+        <p:style>
+          <a:lnRef idx="1">
+            <a:schemeClr val="accent1"/>
+          </a:lnRef>
+          <a:fillRef idx="0">
+            <a:schemeClr val="accent1"/>
+          </a:fillRef>
+          <a:effectRef idx="0">
+            <a:schemeClr val="accent1"/>
+          </a:effectRef>
+          <a:fontRef idx="minor">
+            <a:schemeClr val="tx1"/>
+          </a:fontRef>
+        </p:style>
+      </p:cxnSp>
+      <p:cxnSp>
+        <p:nvCxnSpPr>
+          <p:cNvPr id="691" name="Прямая соединительная линия 690"/>
+          <p:cNvCxnSpPr>
+            <a:stCxn id="686" idx="3"/>
+            <a:endCxn id="684" idx="1"/>
+          </p:cNvCxnSpPr>
+          <p:nvPr/>
+        </p:nvCxnSpPr>
+        <p:spPr>
+          <a:xfrm>
+            <a:off x="16857798" y="6410640"/>
+            <a:ext cx="163002" cy="1674"/>
+          </a:xfrm>
+          <a:prstGeom prst="line">
+            <a:avLst/>
+          </a:prstGeom>
+          <a:ln w="19050">
+            <a:solidFill>
+              <a:srgbClr val="FF0000"/>
+            </a:solidFill>
+          </a:ln>
+        </p:spPr>
+        <p:style>
+          <a:lnRef idx="1">
+            <a:schemeClr val="accent1"/>
+          </a:lnRef>
+          <a:fillRef idx="0">
+            <a:schemeClr val="accent1"/>
+          </a:fillRef>
+          <a:effectRef idx="0">
+            <a:schemeClr val="accent1"/>
+          </a:effectRef>
+          <a:fontRef idx="minor">
+            <a:schemeClr val="tx1"/>
+          </a:fontRef>
+        </p:style>
+      </p:cxnSp>
+      <p:cxnSp>
+        <p:nvCxnSpPr>
+          <p:cNvPr id="694" name="Прямая со стрелкой 693"/>
+          <p:cNvCxnSpPr>
+            <a:stCxn id="686" idx="2"/>
+            <a:endCxn id="647" idx="0"/>
+          </p:cNvCxnSpPr>
+          <p:nvPr/>
+        </p:nvCxnSpPr>
+        <p:spPr>
+          <a:xfrm flipH="1">
+            <a:off x="16393307" y="6680640"/>
+            <a:ext cx="1329" cy="269775"/>
+          </a:xfrm>
+          <a:prstGeom prst="straightConnector1">
+            <a:avLst/>
+          </a:prstGeom>
+          <a:ln w="19050">
+            <a:tailEnd type="arrow"/>
+          </a:ln>
+        </p:spPr>
+        <p:style>
+          <a:lnRef idx="1">
+            <a:schemeClr val="accent1"/>
+          </a:lnRef>
+          <a:fillRef idx="0">
+            <a:schemeClr val="accent1"/>
+          </a:fillRef>
+          <a:effectRef idx="0">
+            <a:schemeClr val="accent1"/>
+          </a:effectRef>
+          <a:fontRef idx="minor">
+            <a:schemeClr val="tx1"/>
+          </a:fontRef>
+        </p:style>
+      </p:cxnSp>
+      <p:cxnSp>
+        <p:nvCxnSpPr>
+          <p:cNvPr id="697" name="Прямая со стрелкой 696"/>
+          <p:cNvCxnSpPr>
+            <a:stCxn id="649" idx="2"/>
+            <a:endCxn id="672" idx="0"/>
+          </p:cNvCxnSpPr>
+          <p:nvPr/>
+        </p:nvCxnSpPr>
+        <p:spPr>
+          <a:xfrm flipH="1">
+            <a:off x="15348072" y="6682314"/>
+            <a:ext cx="616" cy="271452"/>
+          </a:xfrm>
+          <a:prstGeom prst="straightConnector1">
+            <a:avLst/>
+          </a:prstGeom>
+          <a:ln w="19050">
+            <a:tailEnd type="arrow"/>
+          </a:ln>
+        </p:spPr>
+        <p:style>
+          <a:lnRef idx="1">
+            <a:schemeClr val="accent1"/>
+          </a:lnRef>
+          <a:fillRef idx="0">
+            <a:schemeClr val="accent1"/>
+          </a:fillRef>
+          <a:effectRef idx="0">
+            <a:schemeClr val="accent1"/>
+          </a:effectRef>
+          <a:fontRef idx="minor">
+            <a:schemeClr val="tx1"/>
+          </a:fontRef>
+        </p:style>
+      </p:cxnSp>
+      <p:sp>
+        <p:nvSpPr>
+          <p:cNvPr id="701" name="Прямоугольник 700"/>
+          <p:cNvSpPr/>
+          <p:nvPr/>
+        </p:nvSpPr>
+        <p:spPr>
+          <a:xfrm>
+            <a:off x="17585983" y="5284413"/>
+            <a:ext cx="926325" cy="540000"/>
+          </a:xfrm>
+          <a:prstGeom prst="rect">
+            <a:avLst/>
+          </a:prstGeom>
+          <a:solidFill>
+            <a:srgbClr val="FF0000"/>
+          </a:solidFill>
+          <a:ln w="19050">
+            <a:solidFill>
+              <a:srgbClr val="00B050"/>
+            </a:solidFill>
+          </a:ln>
+        </p:spPr>
+        <p:style>
+          <a:lnRef idx="2">
+            <a:schemeClr val="accent1"/>
+          </a:lnRef>
+          <a:fillRef idx="1">
+            <a:schemeClr val="lt1"/>
+          </a:fillRef>
+          <a:effectRef idx="0">
+            <a:schemeClr val="accent1"/>
+          </a:effectRef>
+          <a:fontRef idx="minor">
+            <a:schemeClr val="dk1"/>
+          </a:fontRef>
+        </p:style>
+        <p:txBody>
+          <a:bodyPr lIns="124733" tIns="62367" rIns="124733" bIns="62367" rtlCol="0" anchor="ctr"/>
+          <a:lstStyle/>
+          <a:p>
+            <a:pPr algn="ctr"/>
+            <a:r>
+              <a:rPr lang="ru-RU" sz="700" dirty="0"/>
+              <a:t>Введение однопартийной системы</a:t>
+            </a:r>
+            <a:endParaRPr lang="ru-RU" sz="400" dirty="0"/>
+          </a:p>
+        </p:txBody>
+      </p:sp>
+      <p:sp>
+        <p:nvSpPr>
+          <p:cNvPr id="703" name="Прямоугольник 702"/>
+          <p:cNvSpPr/>
+          <p:nvPr/>
+        </p:nvSpPr>
+        <p:spPr>
+          <a:xfrm>
+            <a:off x="14929743" y="5298127"/>
+            <a:ext cx="926325" cy="540000"/>
+          </a:xfrm>
+          <a:prstGeom prst="rect">
+            <a:avLst/>
+          </a:prstGeom>
+          <a:solidFill>
+            <a:srgbClr val="FF0000"/>
+          </a:solidFill>
+          <a:ln w="19050">
+            <a:solidFill>
+              <a:srgbClr val="00B050"/>
+            </a:solidFill>
+          </a:ln>
+        </p:spPr>
+        <p:style>
+          <a:lnRef idx="2">
+            <a:schemeClr val="accent1"/>
+          </a:lnRef>
+          <a:fillRef idx="1">
+            <a:schemeClr val="lt1"/>
+          </a:fillRef>
+          <a:effectRef idx="0">
+            <a:schemeClr val="accent1"/>
+          </a:effectRef>
+          <a:fontRef idx="minor">
+            <a:schemeClr val="dk1"/>
+          </a:fontRef>
+        </p:style>
+        <p:txBody>
+          <a:bodyPr lIns="124733" tIns="62367" rIns="124733" bIns="62367" rtlCol="0" anchor="ctr"/>
+          <a:lstStyle/>
+          <a:p>
+            <a:pPr algn="ctr"/>
+            <a:r>
+              <a:rPr lang="ru-RU" sz="600" dirty="0"/>
+              <a:t>Молодёжное крыло ПКП </a:t>
+            </a:r>
+            <a:r>
+              <a:rPr lang="ru-RU" sz="400" dirty="0"/>
+              <a:t>(ваниль)</a:t>
+            </a:r>
+            <a:endParaRPr lang="ru-RU" sz="300" dirty="0"/>
+          </a:p>
+        </p:txBody>
+      </p:sp>
+      <p:sp>
+        <p:nvSpPr>
+          <p:cNvPr id="704" name="Прямоугольник 703"/>
+          <p:cNvSpPr/>
+          <p:nvPr/>
+        </p:nvSpPr>
+        <p:spPr>
+          <a:xfrm>
+            <a:off x="13779347" y="6168092"/>
+            <a:ext cx="926325" cy="540000"/>
+          </a:xfrm>
+          <a:prstGeom prst="rect">
+            <a:avLst/>
+          </a:prstGeom>
+          <a:solidFill>
+            <a:srgbClr val="FF0000"/>
+          </a:solidFill>
+          <a:ln w="19050">
+            <a:solidFill>
+              <a:srgbClr val="00B050"/>
+            </a:solidFill>
+          </a:ln>
+        </p:spPr>
+        <p:style>
+          <a:lnRef idx="2">
+            <a:schemeClr val="accent1"/>
+          </a:lnRef>
+          <a:fillRef idx="1">
+            <a:schemeClr val="lt1"/>
+          </a:fillRef>
+          <a:effectRef idx="0">
+            <a:schemeClr val="accent1"/>
+          </a:effectRef>
+          <a:fontRef idx="minor">
+            <a:schemeClr val="dk1"/>
+          </a:fontRef>
+        </p:style>
+        <p:txBody>
+          <a:bodyPr lIns="124733" tIns="62367" rIns="124733" bIns="62367" rtlCol="0" anchor="ctr"/>
+          <a:lstStyle/>
+          <a:p>
+            <a:pPr algn="ctr"/>
+            <a:r>
+              <a:rPr lang="ru-RU" sz="700" dirty="0"/>
+              <a:t>Форсирование коммунизма в Бразилии (наше)</a:t>
+            </a:r>
+            <a:endParaRPr lang="ru-RU" sz="400" dirty="0"/>
+          </a:p>
+        </p:txBody>
+      </p:sp>
+      <p:sp>
+        <p:nvSpPr>
+          <p:cNvPr id="705" name="Прямоугольник 704"/>
+          <p:cNvSpPr/>
+          <p:nvPr/>
+        </p:nvSpPr>
+        <p:spPr>
+          <a:xfrm>
+            <a:off x="13784743" y="6930888"/>
+            <a:ext cx="926325" cy="540000"/>
+          </a:xfrm>
+          <a:prstGeom prst="rect">
+            <a:avLst/>
+          </a:prstGeom>
+          <a:solidFill>
+            <a:srgbClr val="FF0000"/>
+          </a:solidFill>
+          <a:ln w="19050">
+            <a:solidFill>
+              <a:srgbClr val="00B050"/>
+            </a:solidFill>
+          </a:ln>
+        </p:spPr>
+        <p:style>
+          <a:lnRef idx="2">
+            <a:schemeClr val="accent1"/>
+          </a:lnRef>
+          <a:fillRef idx="1">
+            <a:schemeClr val="lt1"/>
+          </a:fillRef>
+          <a:effectRef idx="0">
+            <a:schemeClr val="accent1"/>
+          </a:effectRef>
+          <a:fontRef idx="minor">
+            <a:schemeClr val="dk1"/>
+          </a:fontRef>
+        </p:style>
+        <p:txBody>
+          <a:bodyPr lIns="124733" tIns="62367" rIns="124733" bIns="62367" rtlCol="0" anchor="ctr"/>
+          <a:lstStyle/>
+          <a:p>
+            <a:pPr algn="ctr"/>
+            <a:r>
+              <a:rPr lang="ru-RU" sz="700" dirty="0"/>
+              <a:t>Поддержать восстание в Бразилии (наше)</a:t>
+            </a:r>
+            <a:endParaRPr lang="ru-RU" sz="400" dirty="0"/>
+          </a:p>
+        </p:txBody>
+      </p:sp>
+      <p:sp>
+        <p:nvSpPr>
+          <p:cNvPr id="689" name="Прямоугольник 688"/>
+          <p:cNvSpPr/>
+          <p:nvPr/>
+        </p:nvSpPr>
+        <p:spPr>
+          <a:xfrm>
+            <a:off x="15930354" y="4470134"/>
+            <a:ext cx="926325" cy="540000"/>
+          </a:xfrm>
+          <a:prstGeom prst="rect">
+            <a:avLst/>
+          </a:prstGeom>
+          <a:solidFill>
+            <a:srgbClr val="FF0000"/>
+          </a:solidFill>
+          <a:ln w="19050">
+            <a:solidFill>
+              <a:srgbClr val="00B050"/>
+            </a:solidFill>
+          </a:ln>
+        </p:spPr>
+        <p:style>
+          <a:lnRef idx="2">
+            <a:schemeClr val="accent1"/>
+          </a:lnRef>
+          <a:fillRef idx="1">
+            <a:schemeClr val="lt1"/>
+          </a:fillRef>
+          <a:effectRef idx="0">
+            <a:schemeClr val="accent1"/>
+          </a:effectRef>
+          <a:fontRef idx="minor">
+            <a:schemeClr val="dk1"/>
+          </a:fontRef>
+        </p:style>
+        <p:txBody>
+          <a:bodyPr lIns="124733" tIns="62367" rIns="124733" bIns="62367" rtlCol="0" anchor="ctr"/>
+          <a:lstStyle/>
+          <a:p>
+            <a:pPr algn="ctr"/>
+            <a:r>
+              <a:rPr lang="ru-RU" sz="700" dirty="0"/>
+              <a:t>Победа Коммунистической Партии Португалии</a:t>
+            </a:r>
+            <a:endParaRPr lang="ru-RU" sz="400" dirty="0"/>
+          </a:p>
+        </p:txBody>
+      </p:sp>
+      <p:cxnSp>
+        <p:nvCxnSpPr>
+          <p:cNvPr id="695" name="Соединительная линия уступом 694"/>
+          <p:cNvCxnSpPr>
+            <a:stCxn id="689" idx="2"/>
+            <a:endCxn id="703" idx="0"/>
+          </p:cNvCxnSpPr>
+          <p:nvPr/>
+        </p:nvCxnSpPr>
+        <p:spPr>
+          <a:xfrm rot="5400000">
+            <a:off x="15749216" y="4653825"/>
+            <a:ext cx="287993" cy="1000611"/>
           </a:xfrm>
           <a:prstGeom prst="bentConnector3">
             <a:avLst>
@@ -24392,1564 +25923,17 @@
       </p:cxnSp>
       <p:cxnSp>
         <p:nvCxnSpPr>
-          <p:cNvPr id="628" name="Прямая со стрелкой 627"/>
-          <p:cNvCxnSpPr>
-            <a:stCxn id="547" idx="2"/>
-            <a:endCxn id="548" idx="0"/>
-          </p:cNvCxnSpPr>
-          <p:nvPr/>
-        </p:nvCxnSpPr>
-        <p:spPr>
-          <a:xfrm flipH="1">
-            <a:off x="21766856" y="5944481"/>
-            <a:ext cx="880" cy="325367"/>
-          </a:xfrm>
-          <a:prstGeom prst="straightConnector1">
-            <a:avLst/>
-          </a:prstGeom>
-          <a:ln w="19050">
-            <a:tailEnd type="arrow"/>
-          </a:ln>
-        </p:spPr>
-        <p:style>
-          <a:lnRef idx="1">
-            <a:schemeClr val="accent1"/>
-          </a:lnRef>
-          <a:fillRef idx="0">
-            <a:schemeClr val="accent1"/>
-          </a:fillRef>
-          <a:effectRef idx="0">
-            <a:schemeClr val="accent1"/>
-          </a:effectRef>
-          <a:fontRef idx="minor">
-            <a:schemeClr val="tx1"/>
-          </a:fontRef>
-        </p:style>
-      </p:cxnSp>
-      <p:cxnSp>
-        <p:nvCxnSpPr>
-          <p:cNvPr id="636" name="Прямая со стрелкой 635"/>
-          <p:cNvCxnSpPr>
-            <a:stCxn id="287" idx="2"/>
-            <a:endCxn id="577" idx="0"/>
-          </p:cNvCxnSpPr>
-          <p:nvPr/>
-        </p:nvCxnSpPr>
-        <p:spPr>
-          <a:xfrm flipH="1">
-            <a:off x="22831080" y="5945054"/>
-            <a:ext cx="2" cy="324343"/>
-          </a:xfrm>
-          <a:prstGeom prst="straightConnector1">
-            <a:avLst/>
-          </a:prstGeom>
-          <a:ln w="19050">
-            <a:tailEnd type="arrow"/>
-          </a:ln>
-        </p:spPr>
-        <p:style>
-          <a:lnRef idx="1">
-            <a:schemeClr val="accent1"/>
-          </a:lnRef>
-          <a:fillRef idx="0">
-            <a:schemeClr val="accent1"/>
-          </a:fillRef>
-          <a:effectRef idx="0">
-            <a:schemeClr val="accent1"/>
-          </a:effectRef>
-          <a:fontRef idx="minor">
-            <a:schemeClr val="tx1"/>
-          </a:fontRef>
-        </p:style>
-      </p:cxnSp>
-      <p:cxnSp>
-        <p:nvCxnSpPr>
-          <p:cNvPr id="643" name="Прямая соединительная линия 642"/>
-          <p:cNvCxnSpPr>
-            <a:stCxn id="646" idx="3"/>
-            <a:endCxn id="689" idx="1"/>
-          </p:cNvCxnSpPr>
-          <p:nvPr/>
-        </p:nvCxnSpPr>
-        <p:spPr>
-          <a:xfrm>
-            <a:off x="11730720" y="4859931"/>
-            <a:ext cx="6314556" cy="3119"/>
-          </a:xfrm>
-          <a:prstGeom prst="line">
-            <a:avLst/>
-          </a:prstGeom>
-          <a:ln w="19050">
-            <a:solidFill>
-              <a:srgbClr val="FF0000"/>
-            </a:solidFill>
-          </a:ln>
-        </p:spPr>
-        <p:style>
-          <a:lnRef idx="1">
-            <a:schemeClr val="accent1"/>
-          </a:lnRef>
-          <a:fillRef idx="0">
-            <a:schemeClr val="accent1"/>
-          </a:fillRef>
-          <a:effectRef idx="0">
-            <a:schemeClr val="accent1"/>
-          </a:effectRef>
-          <a:fontRef idx="minor">
-            <a:schemeClr val="tx1"/>
-          </a:fontRef>
-        </p:style>
-      </p:cxnSp>
-      <p:sp>
-        <p:nvSpPr>
-          <p:cNvPr id="646" name="Прямоугольник 645"/>
-          <p:cNvSpPr/>
-          <p:nvPr/>
-        </p:nvSpPr>
-        <p:spPr>
-          <a:xfrm>
-            <a:off x="10804395" y="4589931"/>
-            <a:ext cx="926325" cy="540000"/>
-          </a:xfrm>
-          <a:prstGeom prst="rect">
-            <a:avLst/>
-          </a:prstGeom>
-          <a:solidFill>
-            <a:srgbClr val="7030A0"/>
-          </a:solidFill>
-          <a:ln w="19050">
-            <a:solidFill>
-              <a:srgbClr val="00B050"/>
-            </a:solidFill>
-          </a:ln>
-        </p:spPr>
-        <p:style>
-          <a:lnRef idx="2">
-            <a:schemeClr val="accent1"/>
-          </a:lnRef>
-          <a:fillRef idx="1">
-            <a:schemeClr val="lt1"/>
-          </a:fillRef>
-          <a:effectRef idx="0">
-            <a:schemeClr val="accent1"/>
-          </a:effectRef>
-          <a:fontRef idx="minor">
-            <a:schemeClr val="dk1"/>
-          </a:fontRef>
-        </p:style>
-        <p:txBody>
-          <a:bodyPr lIns="124733" tIns="62367" rIns="124733" bIns="62367" rtlCol="0" anchor="ctr"/>
-          <a:lstStyle/>
-          <a:p>
-            <a:pPr algn="ctr"/>
-            <a:r>
-              <a:rPr lang="ru-RU" sz="700" dirty="0"/>
-              <a:t>Восстановлении монархии (только для </a:t>
-            </a:r>
-            <a:r>
-              <a:rPr lang="ru-RU" sz="700" dirty="0" err="1"/>
-              <a:t>авторитаристов</a:t>
-            </a:r>
-            <a:r>
-              <a:rPr lang="ru-RU" sz="700" dirty="0"/>
-              <a:t>)</a:t>
-            </a:r>
-          </a:p>
-        </p:txBody>
-      </p:sp>
-      <p:sp>
-        <p:nvSpPr>
-          <p:cNvPr id="650" name="Прямоугольник 649"/>
-          <p:cNvSpPr/>
-          <p:nvPr/>
-        </p:nvSpPr>
-        <p:spPr>
-          <a:xfrm>
-            <a:off x="8148354" y="5420613"/>
-            <a:ext cx="926325" cy="540000"/>
-          </a:xfrm>
-          <a:prstGeom prst="rect">
-            <a:avLst/>
-          </a:prstGeom>
-          <a:noFill/>
-          <a:ln w="19050">
-            <a:solidFill>
-              <a:srgbClr val="00B050"/>
-            </a:solidFill>
-          </a:ln>
-        </p:spPr>
-        <p:style>
-          <a:lnRef idx="2">
-            <a:schemeClr val="accent1"/>
-          </a:lnRef>
-          <a:fillRef idx="1">
-            <a:schemeClr val="lt1"/>
-          </a:fillRef>
-          <a:effectRef idx="0">
-            <a:schemeClr val="accent1"/>
-          </a:effectRef>
-          <a:fontRef idx="minor">
-            <a:schemeClr val="dk1"/>
-          </a:fontRef>
-        </p:style>
-        <p:txBody>
-          <a:bodyPr lIns="124733" tIns="62367" rIns="124733" bIns="62367" rtlCol="0" anchor="ctr"/>
-          <a:lstStyle/>
-          <a:p>
-            <a:pPr algn="ctr"/>
-            <a:r>
-              <a:rPr lang="ru-RU" sz="700" dirty="0"/>
-              <a:t>Пригласить на престол </a:t>
-            </a:r>
-            <a:r>
-              <a:rPr lang="ru-RU" sz="700" dirty="0" err="1"/>
-              <a:t>Дуарте</a:t>
-            </a:r>
-            <a:r>
-              <a:rPr lang="ru-RU" sz="700" dirty="0"/>
-              <a:t> </a:t>
-            </a:r>
-            <a:r>
-              <a:rPr lang="en-US" sz="700" dirty="0"/>
-              <a:t>II</a:t>
-            </a:r>
-            <a:endParaRPr lang="ru-RU" sz="700" dirty="0"/>
-          </a:p>
-        </p:txBody>
-      </p:sp>
-      <p:sp>
-        <p:nvSpPr>
-          <p:cNvPr id="652" name="Прямоугольник 651"/>
-          <p:cNvSpPr/>
-          <p:nvPr/>
-        </p:nvSpPr>
-        <p:spPr>
-          <a:xfrm>
-            <a:off x="9220583" y="6229195"/>
-            <a:ext cx="926325" cy="540000"/>
-          </a:xfrm>
-          <a:prstGeom prst="rect">
-            <a:avLst/>
-          </a:prstGeom>
-          <a:solidFill>
-            <a:srgbClr val="7030A0"/>
-          </a:solidFill>
-          <a:ln w="19050">
-            <a:solidFill>
-              <a:srgbClr val="FFFF00"/>
-            </a:solidFill>
-          </a:ln>
-        </p:spPr>
-        <p:style>
-          <a:lnRef idx="2">
-            <a:schemeClr val="accent1"/>
-          </a:lnRef>
-          <a:fillRef idx="1">
-            <a:schemeClr val="lt1"/>
-          </a:fillRef>
-          <a:effectRef idx="0">
-            <a:schemeClr val="accent1"/>
-          </a:effectRef>
-          <a:fontRef idx="minor">
-            <a:schemeClr val="dk1"/>
-          </a:fontRef>
-        </p:style>
-        <p:txBody>
-          <a:bodyPr lIns="124733" tIns="62367" rIns="124733" bIns="62367" rtlCol="0" anchor="ctr"/>
-          <a:lstStyle/>
-          <a:p>
-            <a:pPr algn="ctr"/>
-            <a:r>
-              <a:rPr lang="ru-RU" sz="700" dirty="0"/>
-              <a:t>Объединить обе ветви </a:t>
-            </a:r>
-            <a:r>
-              <a:rPr lang="ru-RU" sz="700" dirty="0" err="1"/>
-              <a:t>Брагансов</a:t>
-            </a:r>
-            <a:endParaRPr lang="ru-RU" sz="700" dirty="0"/>
-          </a:p>
-        </p:txBody>
-      </p:sp>
-      <p:sp>
-        <p:nvSpPr>
-          <p:cNvPr id="667" name="Прямоугольник 666"/>
-          <p:cNvSpPr/>
-          <p:nvPr/>
-        </p:nvSpPr>
-        <p:spPr>
-          <a:xfrm>
-            <a:off x="14877495" y="3812855"/>
-            <a:ext cx="926325" cy="540000"/>
-          </a:xfrm>
-          <a:prstGeom prst="rect">
-            <a:avLst/>
-          </a:prstGeom>
-          <a:solidFill>
-            <a:srgbClr val="FF0000"/>
-          </a:solidFill>
-          <a:ln w="19050"/>
-        </p:spPr>
-        <p:style>
-          <a:lnRef idx="2">
-            <a:schemeClr val="accent1"/>
-          </a:lnRef>
-          <a:fillRef idx="1">
-            <a:schemeClr val="lt1"/>
-          </a:fillRef>
-          <a:effectRef idx="0">
-            <a:schemeClr val="accent1"/>
-          </a:effectRef>
-          <a:fontRef idx="minor">
-            <a:schemeClr val="dk1"/>
-          </a:fontRef>
-        </p:style>
-        <p:txBody>
-          <a:bodyPr lIns="124733" tIns="62367" rIns="124733" bIns="62367" rtlCol="0" anchor="ctr"/>
-          <a:lstStyle/>
-          <a:p>
-            <a:pPr algn="ctr"/>
-            <a:r>
-              <a:rPr lang="ru-RU" sz="700" dirty="0"/>
-              <a:t>Формирование Народного Фронта (</a:t>
-            </a:r>
-            <a:r>
-              <a:rPr lang="en-US" sz="700" dirty="0" err="1"/>
-              <a:t>Revolta</a:t>
-            </a:r>
-            <a:r>
-              <a:rPr lang="en-US" sz="700" dirty="0"/>
-              <a:t> dos </a:t>
-            </a:r>
-            <a:r>
-              <a:rPr lang="en-US" sz="700" dirty="0" err="1"/>
-              <a:t>marinheiros</a:t>
-            </a:r>
-            <a:r>
-              <a:rPr lang="ru-RU" sz="700" dirty="0"/>
-              <a:t>)</a:t>
-            </a:r>
-            <a:endParaRPr lang="ru-RU" sz="400" dirty="0"/>
-          </a:p>
-        </p:txBody>
-      </p:sp>
-      <p:cxnSp>
-        <p:nvCxnSpPr>
-          <p:cNvPr id="668" name="Прямая соединительная линия 667"/>
-          <p:cNvCxnSpPr>
-            <a:stCxn id="667" idx="3"/>
-            <a:endCxn id="268" idx="1"/>
-          </p:cNvCxnSpPr>
-          <p:nvPr/>
-        </p:nvCxnSpPr>
-        <p:spPr>
-          <a:xfrm>
-            <a:off x="15803820" y="4082855"/>
-            <a:ext cx="8712197" cy="393"/>
-          </a:xfrm>
-          <a:prstGeom prst="line">
-            <a:avLst/>
-          </a:prstGeom>
-          <a:ln w="19050">
-            <a:solidFill>
-              <a:srgbClr val="FF0000"/>
-            </a:solidFill>
-          </a:ln>
-        </p:spPr>
-        <p:style>
-          <a:lnRef idx="1">
-            <a:schemeClr val="accent1"/>
-          </a:lnRef>
-          <a:fillRef idx="0">
-            <a:schemeClr val="accent1"/>
-          </a:fillRef>
-          <a:effectRef idx="0">
-            <a:schemeClr val="accent1"/>
-          </a:effectRef>
-          <a:fontRef idx="minor">
-            <a:schemeClr val="tx1"/>
-          </a:fontRef>
-        </p:style>
-      </p:cxnSp>
-      <p:sp>
-        <p:nvSpPr>
-          <p:cNvPr id="671" name="Прямоугольник 670"/>
-          <p:cNvSpPr/>
-          <p:nvPr/>
-        </p:nvSpPr>
-        <p:spPr>
-          <a:xfrm>
-            <a:off x="18046569" y="5406364"/>
-            <a:ext cx="926325" cy="540000"/>
-          </a:xfrm>
-          <a:prstGeom prst="rect">
-            <a:avLst/>
-          </a:prstGeom>
-          <a:solidFill>
-            <a:srgbClr val="FF0000"/>
-          </a:solidFill>
-          <a:ln w="19050"/>
-        </p:spPr>
-        <p:style>
-          <a:lnRef idx="2">
-            <a:schemeClr val="accent1"/>
-          </a:lnRef>
-          <a:fillRef idx="1">
-            <a:schemeClr val="lt1"/>
-          </a:fillRef>
-          <a:effectRef idx="0">
-            <a:schemeClr val="accent1"/>
-          </a:effectRef>
-          <a:fontRef idx="minor">
-            <a:schemeClr val="dk1"/>
-          </a:fontRef>
-        </p:style>
-        <p:txBody>
-          <a:bodyPr lIns="124733" tIns="62367" rIns="124733" bIns="62367" rtlCol="0" anchor="ctr"/>
-          <a:lstStyle/>
-          <a:p>
-            <a:pPr algn="ctr"/>
-            <a:r>
-              <a:rPr lang="ru-RU" sz="700" dirty="0"/>
-              <a:t>Поддержать республиканцев (поддержка в испанской </a:t>
-            </a:r>
-            <a:r>
-              <a:rPr lang="ru-RU" sz="700" dirty="0" err="1"/>
-              <a:t>гв</a:t>
-            </a:r>
-            <a:r>
-              <a:rPr lang="ru-RU" sz="700" dirty="0"/>
-              <a:t>) (ваниль)</a:t>
-            </a:r>
-            <a:endParaRPr lang="ru-RU" sz="400" dirty="0"/>
-          </a:p>
-        </p:txBody>
-      </p:sp>
-      <p:sp>
-        <p:nvSpPr>
-          <p:cNvPr id="647" name="Прямоугольник 646"/>
-          <p:cNvSpPr/>
-          <p:nvPr/>
-        </p:nvSpPr>
-        <p:spPr>
-          <a:xfrm>
-            <a:off x="18045066" y="7073331"/>
-            <a:ext cx="926325" cy="540000"/>
-          </a:xfrm>
-          <a:prstGeom prst="rect">
-            <a:avLst/>
-          </a:prstGeom>
-          <a:solidFill>
-            <a:srgbClr val="FF0000"/>
-          </a:solidFill>
-          <a:ln w="19050"/>
-        </p:spPr>
-        <p:style>
-          <a:lnRef idx="2">
-            <a:schemeClr val="accent1"/>
-          </a:lnRef>
-          <a:fillRef idx="1">
-            <a:schemeClr val="lt1"/>
-          </a:fillRef>
-          <a:effectRef idx="0">
-            <a:schemeClr val="accent1"/>
-          </a:effectRef>
-          <a:fontRef idx="minor">
-            <a:schemeClr val="dk1"/>
-          </a:fontRef>
-        </p:style>
-        <p:txBody>
-          <a:bodyPr lIns="124733" tIns="62367" rIns="124733" bIns="62367" rtlCol="0" anchor="ctr"/>
-          <a:lstStyle/>
-          <a:p>
-            <a:pPr algn="ctr"/>
-            <a:r>
-              <a:rPr lang="ru-RU" sz="700" dirty="0"/>
-              <a:t>Союз с Испанией (Испания левая)</a:t>
-            </a:r>
-            <a:r>
-              <a:rPr lang="ru-RU" sz="600" dirty="0"/>
-              <a:t> (наше)</a:t>
-            </a:r>
-            <a:endParaRPr lang="ru-RU" sz="400" dirty="0"/>
-          </a:p>
-        </p:txBody>
-      </p:sp>
-      <p:sp>
-        <p:nvSpPr>
-          <p:cNvPr id="649" name="Прямоугольник 648"/>
-          <p:cNvSpPr/>
-          <p:nvPr/>
-        </p:nvSpPr>
-        <p:spPr>
-          <a:xfrm>
-            <a:off x="17000447" y="6265230"/>
-            <a:ext cx="926325" cy="540000"/>
-          </a:xfrm>
-          <a:prstGeom prst="rect">
-            <a:avLst/>
-          </a:prstGeom>
-          <a:solidFill>
-            <a:srgbClr val="FF0000"/>
-          </a:solidFill>
-          <a:ln w="19050">
-            <a:solidFill>
-              <a:srgbClr val="FFFF00"/>
-            </a:solidFill>
-          </a:ln>
-        </p:spPr>
-        <p:style>
-          <a:lnRef idx="2">
-            <a:schemeClr val="accent1"/>
-          </a:lnRef>
-          <a:fillRef idx="1">
-            <a:schemeClr val="lt1"/>
-          </a:fillRef>
-          <a:effectRef idx="0">
-            <a:schemeClr val="accent1"/>
-          </a:effectRef>
-          <a:fontRef idx="minor">
-            <a:schemeClr val="dk1"/>
-          </a:fontRef>
-        </p:style>
-        <p:txBody>
-          <a:bodyPr lIns="124733" tIns="62367" rIns="124733" bIns="62367" rtlCol="0" anchor="ctr"/>
-          <a:lstStyle/>
-          <a:p>
-            <a:pPr algn="ctr"/>
-            <a:r>
-              <a:rPr lang="ru-RU" sz="700" dirty="0"/>
-              <a:t>Вступить в </a:t>
-            </a:r>
-            <a:r>
-              <a:rPr lang="ru-RU" sz="700" dirty="0" err="1"/>
-              <a:t>коминтерн</a:t>
-            </a:r>
-            <a:r>
-              <a:rPr lang="ru-RU" sz="600" dirty="0"/>
-              <a:t> (наше) (миссия в Москве не должна </a:t>
-            </a:r>
-            <a:r>
-              <a:rPr lang="ru-RU" sz="600" dirty="0" err="1"/>
-              <a:t>обосраться</a:t>
-            </a:r>
-            <a:r>
-              <a:rPr lang="ru-RU" sz="600" dirty="0"/>
-              <a:t>)</a:t>
-            </a:r>
-            <a:endParaRPr lang="ru-RU" sz="400" dirty="0"/>
-          </a:p>
-        </p:txBody>
-      </p:sp>
-      <p:sp>
-        <p:nvSpPr>
-          <p:cNvPr id="672" name="Прямоугольник 671"/>
-          <p:cNvSpPr/>
-          <p:nvPr/>
-        </p:nvSpPr>
-        <p:spPr>
-          <a:xfrm>
-            <a:off x="16999831" y="7076682"/>
-            <a:ext cx="926325" cy="540000"/>
-          </a:xfrm>
-          <a:prstGeom prst="rect">
-            <a:avLst/>
-          </a:prstGeom>
-          <a:solidFill>
-            <a:srgbClr val="FF0000"/>
-          </a:solidFill>
-          <a:ln w="19050">
-            <a:solidFill>
-              <a:srgbClr val="FFFF00"/>
-            </a:solidFill>
-          </a:ln>
-        </p:spPr>
-        <p:style>
-          <a:lnRef idx="2">
-            <a:schemeClr val="accent1"/>
-          </a:lnRef>
-          <a:fillRef idx="1">
-            <a:schemeClr val="lt1"/>
-          </a:fillRef>
-          <a:effectRef idx="0">
-            <a:schemeClr val="accent1"/>
-          </a:effectRef>
-          <a:fontRef idx="minor">
-            <a:schemeClr val="dk1"/>
-          </a:fontRef>
-        </p:style>
-        <p:txBody>
-          <a:bodyPr lIns="124733" tIns="62367" rIns="124733" bIns="62367" rtlCol="0" anchor="ctr"/>
-          <a:lstStyle/>
-          <a:p>
-            <a:pPr algn="ctr"/>
-            <a:r>
-              <a:rPr lang="ru-RU" sz="700" dirty="0"/>
-              <a:t>Вступить в научную группу Коминтерна</a:t>
-            </a:r>
-            <a:r>
-              <a:rPr lang="ru-RU" sz="600" dirty="0"/>
-              <a:t> (наше)</a:t>
-            </a:r>
-            <a:endParaRPr lang="ru-RU" sz="400" dirty="0"/>
-          </a:p>
-        </p:txBody>
-      </p:sp>
-      <p:sp>
-        <p:nvSpPr>
-          <p:cNvPr id="674" name="Прямоугольник 673"/>
-          <p:cNvSpPr/>
-          <p:nvPr/>
-        </p:nvSpPr>
-        <p:spPr>
-          <a:xfrm>
-            <a:off x="14908383" y="5406886"/>
-            <a:ext cx="926325" cy="540000"/>
-          </a:xfrm>
-          <a:prstGeom prst="rect">
-            <a:avLst/>
-          </a:prstGeom>
-          <a:solidFill>
-            <a:srgbClr val="FF0000"/>
-          </a:solidFill>
-          <a:ln w="19050">
-            <a:solidFill>
-              <a:srgbClr val="00B050"/>
-            </a:solidFill>
-          </a:ln>
-        </p:spPr>
-        <p:style>
-          <a:lnRef idx="2">
-            <a:schemeClr val="accent1"/>
-          </a:lnRef>
-          <a:fillRef idx="1">
-            <a:schemeClr val="lt1"/>
-          </a:fillRef>
-          <a:effectRef idx="0">
-            <a:schemeClr val="accent1"/>
-          </a:effectRef>
-          <a:fontRef idx="minor">
-            <a:schemeClr val="dk1"/>
-          </a:fontRef>
-        </p:style>
-        <p:txBody>
-          <a:bodyPr lIns="124733" tIns="62367" rIns="124733" bIns="62367" rtlCol="0" anchor="ctr"/>
-          <a:lstStyle/>
-          <a:p>
-            <a:pPr algn="ctr"/>
-            <a:r>
-              <a:rPr lang="ru-RU" sz="700" dirty="0"/>
-              <a:t>Создание Португальских союзных республик в Африке</a:t>
-            </a:r>
-            <a:endParaRPr lang="ru-RU" sz="400" dirty="0"/>
-          </a:p>
-        </p:txBody>
-      </p:sp>
-      <p:sp>
-        <p:nvSpPr>
-          <p:cNvPr id="675" name="Прямоугольник 674"/>
-          <p:cNvSpPr/>
-          <p:nvPr/>
-        </p:nvSpPr>
-        <p:spPr>
-          <a:xfrm>
-            <a:off x="16012362" y="5411375"/>
-            <a:ext cx="926325" cy="540000"/>
-          </a:xfrm>
-          <a:prstGeom prst="rect">
-            <a:avLst/>
-          </a:prstGeom>
-          <a:solidFill>
-            <a:srgbClr val="FF0000"/>
-          </a:solidFill>
-          <a:ln w="19050">
-            <a:solidFill>
-              <a:srgbClr val="00B050"/>
-            </a:solidFill>
-          </a:ln>
-        </p:spPr>
-        <p:style>
-          <a:lnRef idx="2">
-            <a:schemeClr val="accent1"/>
-          </a:lnRef>
-          <a:fillRef idx="1">
-            <a:schemeClr val="lt1"/>
-          </a:fillRef>
-          <a:effectRef idx="0">
-            <a:schemeClr val="accent1"/>
-          </a:effectRef>
-          <a:fontRef idx="minor">
-            <a:schemeClr val="dk1"/>
-          </a:fontRef>
-        </p:style>
-        <p:txBody>
-          <a:bodyPr lIns="124733" tIns="62367" rIns="124733" bIns="62367" rtlCol="0" anchor="ctr"/>
-          <a:lstStyle/>
-          <a:p>
-            <a:pPr algn="ctr"/>
-            <a:r>
-              <a:rPr lang="ru-RU" sz="700" dirty="0"/>
-              <a:t>Укрепление Португальской культуры в </a:t>
-            </a:r>
-            <a:r>
-              <a:rPr lang="ru-RU" sz="700" dirty="0" err="1"/>
-              <a:t>Гоа</a:t>
-            </a:r>
-            <a:r>
-              <a:rPr lang="ru-RU" sz="600" dirty="0"/>
-              <a:t> (наше)</a:t>
-            </a:r>
-            <a:endParaRPr lang="ru-RU" sz="400" dirty="0"/>
-          </a:p>
-        </p:txBody>
-      </p:sp>
-      <p:sp>
-        <p:nvSpPr>
-          <p:cNvPr id="677" name="Прямоугольник 676"/>
-          <p:cNvSpPr/>
-          <p:nvPr/>
-        </p:nvSpPr>
-        <p:spPr>
-          <a:xfrm>
-            <a:off x="19169870" y="9517963"/>
-            <a:ext cx="926325" cy="540000"/>
-          </a:xfrm>
-          <a:prstGeom prst="rect">
-            <a:avLst/>
-          </a:prstGeom>
-          <a:solidFill>
-            <a:srgbClr val="FF0000"/>
-          </a:solidFill>
-          <a:ln w="19050">
-            <a:solidFill>
-              <a:srgbClr val="00B050"/>
-            </a:solidFill>
-          </a:ln>
-        </p:spPr>
-        <p:style>
-          <a:lnRef idx="2">
-            <a:schemeClr val="accent1"/>
-          </a:lnRef>
-          <a:fillRef idx="1">
-            <a:schemeClr val="lt1"/>
-          </a:fillRef>
-          <a:effectRef idx="0">
-            <a:schemeClr val="accent1"/>
-          </a:effectRef>
-          <a:fontRef idx="minor">
-            <a:schemeClr val="dk1"/>
-          </a:fontRef>
-        </p:style>
-        <p:txBody>
-          <a:bodyPr lIns="124733" tIns="62367" rIns="124733" bIns="62367" rtlCol="0" anchor="ctr"/>
-          <a:lstStyle/>
-          <a:p>
-            <a:pPr algn="ctr"/>
-            <a:r>
-              <a:rPr lang="ru-RU" sz="700" dirty="0"/>
-              <a:t>Национализация церковных земель</a:t>
-            </a:r>
-            <a:r>
-              <a:rPr lang="ru-RU" sz="600" dirty="0"/>
-              <a:t> (наше)</a:t>
-            </a:r>
-            <a:endParaRPr lang="ru-RU" sz="400" dirty="0"/>
-          </a:p>
-        </p:txBody>
-      </p:sp>
-      <p:sp>
-        <p:nvSpPr>
-          <p:cNvPr id="678" name="Прямоугольник 677"/>
-          <p:cNvSpPr/>
-          <p:nvPr/>
-        </p:nvSpPr>
-        <p:spPr>
-          <a:xfrm>
-            <a:off x="20222055" y="9514801"/>
-            <a:ext cx="926325" cy="540000"/>
-          </a:xfrm>
-          <a:prstGeom prst="rect">
-            <a:avLst/>
-          </a:prstGeom>
-          <a:solidFill>
-            <a:srgbClr val="FF0000"/>
-          </a:solidFill>
-          <a:ln w="19050">
-            <a:solidFill>
-              <a:srgbClr val="FFFF00"/>
-            </a:solidFill>
-          </a:ln>
-        </p:spPr>
-        <p:style>
-          <a:lnRef idx="2">
-            <a:schemeClr val="accent1"/>
-          </a:lnRef>
-          <a:fillRef idx="1">
-            <a:schemeClr val="lt1"/>
-          </a:fillRef>
-          <a:effectRef idx="0">
-            <a:schemeClr val="accent1"/>
-          </a:effectRef>
-          <a:fontRef idx="minor">
-            <a:schemeClr val="dk1"/>
-          </a:fontRef>
-        </p:style>
-        <p:txBody>
-          <a:bodyPr lIns="124733" tIns="62367" rIns="124733" bIns="62367" rtlCol="0" anchor="ctr"/>
-          <a:lstStyle/>
-          <a:p>
-            <a:pPr algn="ctr"/>
-            <a:r>
-              <a:rPr lang="ru-RU" sz="700" dirty="0"/>
-              <a:t>Пятилетний план</a:t>
-            </a:r>
-            <a:r>
-              <a:rPr lang="ru-RU" sz="600" dirty="0"/>
-              <a:t> (наше)</a:t>
-            </a:r>
-            <a:endParaRPr lang="ru-RU" sz="400" dirty="0"/>
-          </a:p>
-        </p:txBody>
-      </p:sp>
-      <p:sp>
-        <p:nvSpPr>
-          <p:cNvPr id="680" name="Прямоугольник 679"/>
-          <p:cNvSpPr/>
-          <p:nvPr/>
-        </p:nvSpPr>
-        <p:spPr>
-          <a:xfrm>
-            <a:off x="19168626" y="10276228"/>
-            <a:ext cx="926325" cy="540000"/>
-          </a:xfrm>
-          <a:prstGeom prst="rect">
-            <a:avLst/>
-          </a:prstGeom>
-          <a:solidFill>
-            <a:srgbClr val="FF0000"/>
-          </a:solidFill>
-          <a:ln w="19050">
-            <a:solidFill>
-              <a:srgbClr val="FFFF00"/>
-            </a:solidFill>
-          </a:ln>
-        </p:spPr>
-        <p:style>
-          <a:lnRef idx="2">
-            <a:schemeClr val="accent1"/>
-          </a:lnRef>
-          <a:fillRef idx="1">
-            <a:schemeClr val="lt1"/>
-          </a:fillRef>
-          <a:effectRef idx="0">
-            <a:schemeClr val="accent1"/>
-          </a:effectRef>
-          <a:fontRef idx="minor">
-            <a:schemeClr val="dk1"/>
-          </a:fontRef>
-        </p:style>
-        <p:txBody>
-          <a:bodyPr lIns="124733" tIns="62367" rIns="124733" bIns="62367" rtlCol="0" anchor="ctr"/>
-          <a:lstStyle/>
-          <a:p>
-            <a:pPr algn="ctr"/>
-            <a:r>
-              <a:rPr lang="ru-RU" sz="700" dirty="0"/>
-              <a:t>Крестьянская реформа</a:t>
-            </a:r>
-            <a:r>
-              <a:rPr lang="ru-RU" sz="600" dirty="0"/>
-              <a:t> (наше)</a:t>
-            </a:r>
-            <a:endParaRPr lang="ru-RU" sz="400" dirty="0"/>
-          </a:p>
-        </p:txBody>
-      </p:sp>
-      <p:sp>
-        <p:nvSpPr>
-          <p:cNvPr id="681" name="Прямоугольник 680"/>
-          <p:cNvSpPr/>
-          <p:nvPr/>
-        </p:nvSpPr>
-        <p:spPr>
-          <a:xfrm>
-            <a:off x="13889534" y="6255422"/>
-            <a:ext cx="926325" cy="540000"/>
-          </a:xfrm>
-          <a:prstGeom prst="rect">
-            <a:avLst/>
-          </a:prstGeom>
-          <a:solidFill>
-            <a:srgbClr val="FF0000"/>
-          </a:solidFill>
-          <a:ln w="19050">
-            <a:solidFill>
-              <a:srgbClr val="00B050"/>
-            </a:solidFill>
-          </a:ln>
-        </p:spPr>
-        <p:style>
-          <a:lnRef idx="2">
-            <a:schemeClr val="accent1"/>
-          </a:lnRef>
-          <a:fillRef idx="1">
-            <a:schemeClr val="lt1"/>
-          </a:fillRef>
-          <a:effectRef idx="0">
-            <a:schemeClr val="accent1"/>
-          </a:effectRef>
-          <a:fontRef idx="minor">
-            <a:schemeClr val="dk1"/>
-          </a:fontRef>
-        </p:style>
-        <p:txBody>
-          <a:bodyPr lIns="124733" tIns="62367" rIns="124733" bIns="62367" rtlCol="0" anchor="ctr"/>
-          <a:lstStyle/>
-          <a:p>
-            <a:pPr algn="ctr"/>
-            <a:r>
-              <a:rPr lang="ru-RU" sz="700" dirty="0"/>
-              <a:t>Освободить Африку</a:t>
-            </a:r>
-            <a:r>
-              <a:rPr lang="ru-RU" sz="600" dirty="0"/>
-              <a:t> (наше)</a:t>
-            </a:r>
-            <a:endParaRPr lang="ru-RU" sz="400" dirty="0"/>
-          </a:p>
-        </p:txBody>
-      </p:sp>
-      <p:sp>
-        <p:nvSpPr>
-          <p:cNvPr id="683" name="Прямоугольник 682"/>
-          <p:cNvSpPr/>
-          <p:nvPr/>
-        </p:nvSpPr>
-        <p:spPr>
-          <a:xfrm>
-            <a:off x="16017319" y="6270843"/>
-            <a:ext cx="926325" cy="540000"/>
-          </a:xfrm>
-          <a:prstGeom prst="rect">
-            <a:avLst/>
-          </a:prstGeom>
-          <a:solidFill>
-            <a:srgbClr val="FF0000"/>
-          </a:solidFill>
-          <a:ln w="19050">
-            <a:solidFill>
-              <a:srgbClr val="00B050"/>
-            </a:solidFill>
-          </a:ln>
-        </p:spPr>
-        <p:style>
-          <a:lnRef idx="2">
-            <a:schemeClr val="accent1"/>
-          </a:lnRef>
-          <a:fillRef idx="1">
-            <a:schemeClr val="lt1"/>
-          </a:fillRef>
-          <a:effectRef idx="0">
-            <a:schemeClr val="accent1"/>
-          </a:effectRef>
-          <a:fontRef idx="minor">
-            <a:schemeClr val="dk1"/>
-          </a:fontRef>
-        </p:style>
-        <p:txBody>
-          <a:bodyPr lIns="124733" tIns="62367" rIns="124733" bIns="62367" rtlCol="0" anchor="ctr"/>
-          <a:lstStyle/>
-          <a:p>
-            <a:pPr algn="ctr"/>
-            <a:r>
-              <a:rPr lang="ru-RU" sz="700" dirty="0"/>
-              <a:t>Освободить Индию (наше)</a:t>
-            </a:r>
-            <a:endParaRPr lang="ru-RU" sz="400" dirty="0"/>
-          </a:p>
-        </p:txBody>
-      </p:sp>
-      <p:sp>
-        <p:nvSpPr>
-          <p:cNvPr id="684" name="Прямоугольник 683"/>
-          <p:cNvSpPr/>
-          <p:nvPr/>
-        </p:nvSpPr>
-        <p:spPr>
-          <a:xfrm>
-            <a:off x="19135722" y="6265230"/>
-            <a:ext cx="926325" cy="540000"/>
-          </a:xfrm>
-          <a:prstGeom prst="rect">
-            <a:avLst/>
-          </a:prstGeom>
-          <a:solidFill>
-            <a:srgbClr val="FF0000"/>
-          </a:solidFill>
-          <a:ln w="19050">
-            <a:solidFill>
-              <a:srgbClr val="00B050"/>
-            </a:solidFill>
-          </a:ln>
-        </p:spPr>
-        <p:style>
-          <a:lnRef idx="2">
-            <a:schemeClr val="accent1"/>
-          </a:lnRef>
-          <a:fillRef idx="1">
-            <a:schemeClr val="lt1"/>
-          </a:fillRef>
-          <a:effectRef idx="0">
-            <a:schemeClr val="accent1"/>
-          </a:effectRef>
-          <a:fontRef idx="minor">
-            <a:schemeClr val="dk1"/>
-          </a:fontRef>
-        </p:style>
-        <p:txBody>
-          <a:bodyPr lIns="124733" tIns="62367" rIns="124733" bIns="62367" rtlCol="0" anchor="ctr"/>
-          <a:lstStyle/>
-          <a:p>
-            <a:pPr algn="ctr"/>
-            <a:r>
-              <a:rPr lang="ru-RU" sz="700" dirty="0"/>
-              <a:t>Вторжение в Испанию (Испания НЕ левая)</a:t>
-            </a:r>
-            <a:r>
-              <a:rPr lang="ru-RU" sz="600" dirty="0"/>
-              <a:t> (ваниль)</a:t>
-            </a:r>
-            <a:endParaRPr lang="ru-RU" sz="400" dirty="0"/>
-          </a:p>
-        </p:txBody>
-      </p:sp>
-      <p:sp>
-        <p:nvSpPr>
-          <p:cNvPr id="686" name="Прямоугольник 685"/>
-          <p:cNvSpPr/>
-          <p:nvPr/>
-        </p:nvSpPr>
-        <p:spPr>
-          <a:xfrm>
-            <a:off x="18046395" y="6263556"/>
-            <a:ext cx="926325" cy="540000"/>
-          </a:xfrm>
-          <a:prstGeom prst="rect">
-            <a:avLst/>
-          </a:prstGeom>
-          <a:solidFill>
-            <a:srgbClr val="FF0000"/>
-          </a:solidFill>
-          <a:ln w="19050">
-            <a:solidFill>
-              <a:srgbClr val="FFFF00"/>
-            </a:solidFill>
-          </a:ln>
-        </p:spPr>
-        <p:style>
-          <a:lnRef idx="2">
-            <a:schemeClr val="accent1"/>
-          </a:lnRef>
-          <a:fillRef idx="1">
-            <a:schemeClr val="lt1"/>
-          </a:fillRef>
-          <a:effectRef idx="0">
-            <a:schemeClr val="accent1"/>
-          </a:effectRef>
-          <a:fontRef idx="minor">
-            <a:schemeClr val="dk1"/>
-          </a:fontRef>
-        </p:style>
-        <p:txBody>
-          <a:bodyPr lIns="124733" tIns="62367" rIns="124733" bIns="62367" rtlCol="0" anchor="ctr"/>
-          <a:lstStyle/>
-          <a:p>
-            <a:pPr algn="ctr"/>
-            <a:r>
-              <a:rPr lang="ru-RU" sz="700" dirty="0"/>
-              <a:t>Рабочие Иберии – объединяйтесь!(вступить в испанскую </a:t>
-            </a:r>
-            <a:r>
-              <a:rPr lang="ru-RU" sz="700" dirty="0" err="1"/>
-              <a:t>гв</a:t>
-            </a:r>
-            <a:r>
-              <a:rPr lang="ru-RU" sz="700" dirty="0"/>
-              <a:t>) (ваниль)</a:t>
-            </a:r>
-            <a:endParaRPr lang="ru-RU" sz="400" dirty="0"/>
-          </a:p>
-        </p:txBody>
-      </p:sp>
-      <p:cxnSp>
-        <p:nvCxnSpPr>
-          <p:cNvPr id="687" name="Прямая соединительная линия 686"/>
-          <p:cNvCxnSpPr>
-            <a:stCxn id="649" idx="3"/>
-            <a:endCxn id="686" idx="1"/>
-          </p:cNvCxnSpPr>
-          <p:nvPr/>
-        </p:nvCxnSpPr>
-        <p:spPr>
-          <a:xfrm flipV="1">
-            <a:off x="17926772" y="6533556"/>
-            <a:ext cx="119623" cy="1674"/>
-          </a:xfrm>
-          <a:prstGeom prst="line">
-            <a:avLst/>
-          </a:prstGeom>
-          <a:ln w="19050">
-            <a:solidFill>
-              <a:srgbClr val="FF0000"/>
-            </a:solidFill>
-          </a:ln>
-        </p:spPr>
-        <p:style>
-          <a:lnRef idx="1">
-            <a:schemeClr val="accent1"/>
-          </a:lnRef>
-          <a:fillRef idx="0">
-            <a:schemeClr val="accent1"/>
-          </a:fillRef>
-          <a:effectRef idx="0">
-            <a:schemeClr val="accent1"/>
-          </a:effectRef>
-          <a:fontRef idx="minor">
-            <a:schemeClr val="tx1"/>
-          </a:fontRef>
-        </p:style>
-      </p:cxnSp>
-      <p:cxnSp>
-        <p:nvCxnSpPr>
-          <p:cNvPr id="691" name="Прямая соединительная линия 690"/>
-          <p:cNvCxnSpPr>
-            <a:stCxn id="686" idx="3"/>
-            <a:endCxn id="684" idx="1"/>
-          </p:cNvCxnSpPr>
-          <p:nvPr/>
-        </p:nvCxnSpPr>
-        <p:spPr>
-          <a:xfrm>
-            <a:off x="18972720" y="6533556"/>
-            <a:ext cx="163002" cy="1674"/>
-          </a:xfrm>
-          <a:prstGeom prst="line">
-            <a:avLst/>
-          </a:prstGeom>
-          <a:ln w="19050">
-            <a:solidFill>
-              <a:srgbClr val="FF0000"/>
-            </a:solidFill>
-          </a:ln>
-        </p:spPr>
-        <p:style>
-          <a:lnRef idx="1">
-            <a:schemeClr val="accent1"/>
-          </a:lnRef>
-          <a:fillRef idx="0">
-            <a:schemeClr val="accent1"/>
-          </a:fillRef>
-          <a:effectRef idx="0">
-            <a:schemeClr val="accent1"/>
-          </a:effectRef>
-          <a:fontRef idx="minor">
-            <a:schemeClr val="tx1"/>
-          </a:fontRef>
-        </p:style>
-      </p:cxnSp>
-      <p:cxnSp>
-        <p:nvCxnSpPr>
-          <p:cNvPr id="694" name="Прямая со стрелкой 693"/>
-          <p:cNvCxnSpPr>
-            <a:stCxn id="686" idx="2"/>
-            <a:endCxn id="647" idx="0"/>
-          </p:cNvCxnSpPr>
-          <p:nvPr/>
-        </p:nvCxnSpPr>
-        <p:spPr>
-          <a:xfrm flipH="1">
-            <a:off x="18508229" y="6803556"/>
-            <a:ext cx="1329" cy="269775"/>
-          </a:xfrm>
-          <a:prstGeom prst="straightConnector1">
-            <a:avLst/>
-          </a:prstGeom>
-          <a:ln w="19050">
-            <a:tailEnd type="arrow"/>
-          </a:ln>
-        </p:spPr>
-        <p:style>
-          <a:lnRef idx="1">
-            <a:schemeClr val="accent1"/>
-          </a:lnRef>
-          <a:fillRef idx="0">
-            <a:schemeClr val="accent1"/>
-          </a:fillRef>
-          <a:effectRef idx="0">
-            <a:schemeClr val="accent1"/>
-          </a:effectRef>
-          <a:fontRef idx="minor">
-            <a:schemeClr val="tx1"/>
-          </a:fontRef>
-        </p:style>
-      </p:cxnSp>
-      <p:cxnSp>
-        <p:nvCxnSpPr>
-          <p:cNvPr id="697" name="Прямая со стрелкой 696"/>
-          <p:cNvCxnSpPr>
-            <a:stCxn id="649" idx="2"/>
-            <a:endCxn id="672" idx="0"/>
-          </p:cNvCxnSpPr>
-          <p:nvPr/>
-        </p:nvCxnSpPr>
-        <p:spPr>
-          <a:xfrm flipH="1">
-            <a:off x="17462994" y="6805230"/>
-            <a:ext cx="616" cy="271452"/>
-          </a:xfrm>
-          <a:prstGeom prst="straightConnector1">
-            <a:avLst/>
-          </a:prstGeom>
-          <a:ln w="19050">
-            <a:tailEnd type="arrow"/>
-          </a:ln>
-        </p:spPr>
-        <p:style>
-          <a:lnRef idx="1">
-            <a:schemeClr val="accent1"/>
-          </a:lnRef>
-          <a:fillRef idx="0">
-            <a:schemeClr val="accent1"/>
-          </a:fillRef>
-          <a:effectRef idx="0">
-            <a:schemeClr val="accent1"/>
-          </a:effectRef>
-          <a:fontRef idx="minor">
-            <a:schemeClr val="tx1"/>
-          </a:fontRef>
-        </p:style>
-      </p:cxnSp>
-      <p:sp>
-        <p:nvSpPr>
-          <p:cNvPr id="701" name="Прямоугольник 700"/>
-          <p:cNvSpPr/>
-          <p:nvPr/>
-        </p:nvSpPr>
-        <p:spPr>
-          <a:xfrm>
-            <a:off x="19139956" y="5423096"/>
-            <a:ext cx="926325" cy="540000"/>
-          </a:xfrm>
-          <a:prstGeom prst="rect">
-            <a:avLst/>
-          </a:prstGeom>
-          <a:solidFill>
-            <a:srgbClr val="FF0000"/>
-          </a:solidFill>
-          <a:ln w="19050">
-            <a:solidFill>
-              <a:srgbClr val="00B050"/>
-            </a:solidFill>
-          </a:ln>
-        </p:spPr>
-        <p:style>
-          <a:lnRef idx="2">
-            <a:schemeClr val="accent1"/>
-          </a:lnRef>
-          <a:fillRef idx="1">
-            <a:schemeClr val="lt1"/>
-          </a:fillRef>
-          <a:effectRef idx="0">
-            <a:schemeClr val="accent1"/>
-          </a:effectRef>
-          <a:fontRef idx="minor">
-            <a:schemeClr val="dk1"/>
-          </a:fontRef>
-        </p:style>
-        <p:txBody>
-          <a:bodyPr lIns="124733" tIns="62367" rIns="124733" bIns="62367" rtlCol="0" anchor="ctr"/>
-          <a:lstStyle/>
-          <a:p>
-            <a:pPr algn="ctr"/>
-            <a:r>
-              <a:rPr lang="ru-RU" sz="700" dirty="0"/>
-              <a:t>Введение однопартийной системы</a:t>
-            </a:r>
-            <a:endParaRPr lang="ru-RU" sz="400" dirty="0"/>
-          </a:p>
-        </p:txBody>
-      </p:sp>
-      <p:sp>
-        <p:nvSpPr>
-          <p:cNvPr id="702" name="Прямоугольник 701"/>
-          <p:cNvSpPr/>
-          <p:nvPr/>
-        </p:nvSpPr>
-        <p:spPr>
-          <a:xfrm>
-            <a:off x="19690354" y="8740903"/>
-            <a:ext cx="926325" cy="540000"/>
-          </a:xfrm>
-          <a:prstGeom prst="rect">
-            <a:avLst/>
-          </a:prstGeom>
-          <a:solidFill>
-            <a:srgbClr val="FF0000"/>
-          </a:solidFill>
-          <a:ln w="19050">
-            <a:solidFill>
-              <a:srgbClr val="00B050"/>
-            </a:solidFill>
-          </a:ln>
-        </p:spPr>
-        <p:style>
-          <a:lnRef idx="2">
-            <a:schemeClr val="accent1"/>
-          </a:lnRef>
-          <a:fillRef idx="1">
-            <a:schemeClr val="lt1"/>
-          </a:fillRef>
-          <a:effectRef idx="0">
-            <a:schemeClr val="accent1"/>
-          </a:effectRef>
-          <a:fontRef idx="minor">
-            <a:schemeClr val="dk1"/>
-          </a:fontRef>
-        </p:style>
-        <p:txBody>
-          <a:bodyPr lIns="124733" tIns="62367" rIns="124733" bIns="62367" rtlCol="0" anchor="ctr"/>
-          <a:lstStyle/>
-          <a:p>
-            <a:pPr algn="ctr"/>
-            <a:r>
-              <a:rPr lang="ru-RU" sz="700" dirty="0"/>
-              <a:t>Национализация промышленности </a:t>
-            </a:r>
-            <a:r>
-              <a:rPr lang="ru-RU" sz="500" dirty="0"/>
-              <a:t>(ваниль)</a:t>
-            </a:r>
-            <a:endParaRPr lang="ru-RU" sz="400" dirty="0"/>
-          </a:p>
-        </p:txBody>
-      </p:sp>
-      <p:sp>
-        <p:nvSpPr>
-          <p:cNvPr id="703" name="Прямоугольник 702"/>
-          <p:cNvSpPr/>
-          <p:nvPr/>
-        </p:nvSpPr>
-        <p:spPr>
-          <a:xfrm>
-            <a:off x="20208471" y="5407249"/>
-            <a:ext cx="926325" cy="540000"/>
-          </a:xfrm>
-          <a:prstGeom prst="rect">
-            <a:avLst/>
-          </a:prstGeom>
-          <a:solidFill>
-            <a:srgbClr val="FF0000"/>
-          </a:solidFill>
-          <a:ln w="19050">
-            <a:solidFill>
-              <a:srgbClr val="00B050"/>
-            </a:solidFill>
-          </a:ln>
-        </p:spPr>
-        <p:style>
-          <a:lnRef idx="2">
-            <a:schemeClr val="accent1"/>
-          </a:lnRef>
-          <a:fillRef idx="1">
-            <a:schemeClr val="lt1"/>
-          </a:fillRef>
-          <a:effectRef idx="0">
-            <a:schemeClr val="accent1"/>
-          </a:effectRef>
-          <a:fontRef idx="minor">
-            <a:schemeClr val="dk1"/>
-          </a:fontRef>
-        </p:style>
-        <p:txBody>
-          <a:bodyPr lIns="124733" tIns="62367" rIns="124733" bIns="62367" rtlCol="0" anchor="ctr"/>
-          <a:lstStyle/>
-          <a:p>
-            <a:pPr algn="ctr"/>
-            <a:r>
-              <a:rPr lang="ru-RU" sz="600" dirty="0"/>
-              <a:t>Молодёжное крыло ПКП </a:t>
-            </a:r>
-            <a:r>
-              <a:rPr lang="ru-RU" sz="400" dirty="0"/>
-              <a:t>(ваниль)</a:t>
-            </a:r>
-            <a:endParaRPr lang="ru-RU" sz="300" dirty="0"/>
-          </a:p>
-        </p:txBody>
-      </p:sp>
-      <p:sp>
-        <p:nvSpPr>
-          <p:cNvPr id="704" name="Прямоугольник 703"/>
-          <p:cNvSpPr/>
-          <p:nvPr/>
-        </p:nvSpPr>
-        <p:spPr>
-          <a:xfrm>
-            <a:off x="14912791" y="6260622"/>
-            <a:ext cx="926325" cy="540000"/>
-          </a:xfrm>
-          <a:prstGeom prst="rect">
-            <a:avLst/>
-          </a:prstGeom>
-          <a:solidFill>
-            <a:srgbClr val="FF0000"/>
-          </a:solidFill>
-          <a:ln w="19050">
-            <a:solidFill>
-              <a:srgbClr val="00B050"/>
-            </a:solidFill>
-          </a:ln>
-        </p:spPr>
-        <p:style>
-          <a:lnRef idx="2">
-            <a:schemeClr val="accent1"/>
-          </a:lnRef>
-          <a:fillRef idx="1">
-            <a:schemeClr val="lt1"/>
-          </a:fillRef>
-          <a:effectRef idx="0">
-            <a:schemeClr val="accent1"/>
-          </a:effectRef>
-          <a:fontRef idx="minor">
-            <a:schemeClr val="dk1"/>
-          </a:fontRef>
-        </p:style>
-        <p:txBody>
-          <a:bodyPr lIns="124733" tIns="62367" rIns="124733" bIns="62367" rtlCol="0" anchor="ctr"/>
-          <a:lstStyle/>
-          <a:p>
-            <a:pPr algn="ctr"/>
-            <a:r>
-              <a:rPr lang="ru-RU" sz="700" dirty="0"/>
-              <a:t>Форсирование коммунизма в Бразилии (наше)</a:t>
-            </a:r>
-            <a:endParaRPr lang="ru-RU" sz="400" dirty="0"/>
-          </a:p>
-        </p:txBody>
-      </p:sp>
-      <p:sp>
-        <p:nvSpPr>
-          <p:cNvPr id="705" name="Прямоугольник 704"/>
-          <p:cNvSpPr/>
-          <p:nvPr/>
-        </p:nvSpPr>
-        <p:spPr>
-          <a:xfrm>
-            <a:off x="14917199" y="6970786"/>
-            <a:ext cx="926325" cy="540000"/>
-          </a:xfrm>
-          <a:prstGeom prst="rect">
-            <a:avLst/>
-          </a:prstGeom>
-          <a:solidFill>
-            <a:srgbClr val="FF0000"/>
-          </a:solidFill>
-          <a:ln w="19050">
-            <a:solidFill>
-              <a:srgbClr val="00B050"/>
-            </a:solidFill>
-          </a:ln>
-        </p:spPr>
-        <p:style>
-          <a:lnRef idx="2">
-            <a:schemeClr val="accent1"/>
-          </a:lnRef>
-          <a:fillRef idx="1">
-            <a:schemeClr val="lt1"/>
-          </a:fillRef>
-          <a:effectRef idx="0">
-            <a:schemeClr val="accent1"/>
-          </a:effectRef>
-          <a:fontRef idx="minor">
-            <a:schemeClr val="dk1"/>
-          </a:fontRef>
-        </p:style>
-        <p:txBody>
-          <a:bodyPr lIns="124733" tIns="62367" rIns="124733" bIns="62367" rtlCol="0" anchor="ctr"/>
-          <a:lstStyle/>
-          <a:p>
-            <a:pPr algn="ctr"/>
-            <a:r>
-              <a:rPr lang="ru-RU" sz="700" dirty="0"/>
-              <a:t>Поддержать восстание в Бразилии (наше)</a:t>
-            </a:r>
-            <a:endParaRPr lang="ru-RU" sz="400" dirty="0"/>
-          </a:p>
-        </p:txBody>
-      </p:sp>
-      <p:sp>
-        <p:nvSpPr>
-          <p:cNvPr id="689" name="Прямоугольник 688"/>
-          <p:cNvSpPr/>
-          <p:nvPr/>
-        </p:nvSpPr>
-        <p:spPr>
-          <a:xfrm>
-            <a:off x="18045276" y="4593050"/>
-            <a:ext cx="926325" cy="540000"/>
-          </a:xfrm>
-          <a:prstGeom prst="rect">
-            <a:avLst/>
-          </a:prstGeom>
-          <a:solidFill>
-            <a:srgbClr val="FF0000"/>
-          </a:solidFill>
-          <a:ln w="19050">
-            <a:solidFill>
-              <a:srgbClr val="00B050"/>
-            </a:solidFill>
-          </a:ln>
-        </p:spPr>
-        <p:style>
-          <a:lnRef idx="2">
-            <a:schemeClr val="accent1"/>
-          </a:lnRef>
-          <a:fillRef idx="1">
-            <a:schemeClr val="lt1"/>
-          </a:fillRef>
-          <a:effectRef idx="0">
-            <a:schemeClr val="accent1"/>
-          </a:effectRef>
-          <a:fontRef idx="minor">
-            <a:schemeClr val="dk1"/>
-          </a:fontRef>
-        </p:style>
-        <p:txBody>
-          <a:bodyPr lIns="124733" tIns="62367" rIns="124733" bIns="62367" rtlCol="0" anchor="ctr"/>
-          <a:lstStyle/>
-          <a:p>
-            <a:pPr algn="ctr"/>
-            <a:r>
-              <a:rPr lang="ru-RU" sz="700" dirty="0"/>
-              <a:t>Победа Коммунистической Партии Португалии</a:t>
-            </a:r>
-            <a:endParaRPr lang="ru-RU" sz="400" dirty="0"/>
-          </a:p>
-        </p:txBody>
-      </p:sp>
-      <p:cxnSp>
-        <p:nvCxnSpPr>
-          <p:cNvPr id="695" name="Соединительная линия уступом 694"/>
+          <p:cNvPr id="699" name="Соединительная линия уступом 698"/>
           <p:cNvCxnSpPr>
             <a:stCxn id="689" idx="2"/>
-            <a:endCxn id="703" idx="0"/>
+            <a:endCxn id="701" idx="0"/>
           </p:cNvCxnSpPr>
           <p:nvPr/>
         </p:nvCxnSpPr>
         <p:spPr>
           <a:xfrm rot="16200000" flipH="1">
-            <a:off x="19452937" y="4188551"/>
-            <a:ext cx="274199" cy="2163195"/>
+            <a:off x="17084192" y="4319458"/>
+            <a:ext cx="274279" cy="1655629"/>
           </a:xfrm>
           <a:prstGeom prst="bentConnector3">
             <a:avLst>
@@ -25977,17 +25961,55 @@
       </p:cxnSp>
       <p:cxnSp>
         <p:nvCxnSpPr>
-          <p:cNvPr id="699" name="Соединительная линия уступом 698"/>
+          <p:cNvPr id="707" name="Соединительная линия уступом 706"/>
           <p:cNvCxnSpPr>
             <a:stCxn id="689" idx="2"/>
-            <a:endCxn id="701" idx="0"/>
-          </p:cNvCxnSpPr>
-          <p:nvPr/>
-        </p:nvCxnSpPr>
-        <p:spPr>
-          <a:xfrm rot="16200000" flipH="1">
-            <a:off x="18910756" y="4730733"/>
-            <a:ext cx="290046" cy="1094680"/>
+            <a:endCxn id="675" idx="0"/>
+          </p:cNvCxnSpPr>
+          <p:nvPr/>
+        </p:nvCxnSpPr>
+        <p:spPr>
+          <a:xfrm rot="5400000">
+            <a:off x="14252055" y="5558178"/>
+            <a:ext cx="2689506" cy="1593419"/>
+          </a:xfrm>
+          <a:prstGeom prst="bentConnector3">
+            <a:avLst>
+              <a:gd name="adj1" fmla="val 5582"/>
+            </a:avLst>
+          </a:prstGeom>
+          <a:ln w="19050">
+            <a:tailEnd type="arrow"/>
+          </a:ln>
+        </p:spPr>
+        <p:style>
+          <a:lnRef idx="1">
+            <a:schemeClr val="accent1"/>
+          </a:lnRef>
+          <a:fillRef idx="0">
+            <a:schemeClr val="accent1"/>
+          </a:fillRef>
+          <a:effectRef idx="0">
+            <a:schemeClr val="accent1"/>
+          </a:effectRef>
+          <a:fontRef idx="minor">
+            <a:schemeClr val="tx1"/>
+          </a:fontRef>
+        </p:style>
+      </p:cxnSp>
+      <p:cxnSp>
+        <p:nvCxnSpPr>
+          <p:cNvPr id="711" name="Соединительная линия уступом 710"/>
+          <p:cNvCxnSpPr>
+            <a:stCxn id="689" idx="2"/>
+            <a:endCxn id="674" idx="0"/>
+          </p:cNvCxnSpPr>
+          <p:nvPr/>
+        </p:nvCxnSpPr>
+        <p:spPr>
+          <a:xfrm rot="5400000">
+            <a:off x="15163699" y="4084538"/>
+            <a:ext cx="304222" cy="2155415"/>
           </a:xfrm>
           <a:prstGeom prst="bentConnector3">
             <a:avLst>
@@ -26015,17 +26037,18 @@
       </p:cxnSp>
       <p:cxnSp>
         <p:nvCxnSpPr>
-          <p:cNvPr id="707" name="Соединительная линия уступом 706"/>
-          <p:cNvCxnSpPr>
-            <a:stCxn id="689" idx="2"/>
-            <a:endCxn id="675" idx="0"/>
+          <p:cNvPr id="723" name="Соединительная линия уступом 722"/>
+          <p:cNvCxnSpPr>
+            <a:cxnSpLocks/>
+            <a:stCxn id="820" idx="2"/>
+            <a:endCxn id="826" idx="0"/>
           </p:cNvCxnSpPr>
           <p:nvPr/>
         </p:nvCxnSpPr>
         <p:spPr>
           <a:xfrm rot="5400000">
-            <a:off x="17352820" y="4255755"/>
-            <a:ext cx="278325" cy="2032914"/>
+            <a:off x="17660147" y="9009897"/>
+            <a:ext cx="227982" cy="551526"/>
           </a:xfrm>
           <a:prstGeom prst="bentConnector3">
             <a:avLst>
@@ -26053,17 +26076,17 @@
       </p:cxnSp>
       <p:cxnSp>
         <p:nvCxnSpPr>
-          <p:cNvPr id="711" name="Соединительная линия уступом 710"/>
-          <p:cNvCxnSpPr>
-            <a:stCxn id="689" idx="2"/>
-            <a:endCxn id="674" idx="0"/>
-          </p:cNvCxnSpPr>
-          <p:nvPr/>
-        </p:nvCxnSpPr>
-        <p:spPr>
-          <a:xfrm rot="5400000">
-            <a:off x="16803075" y="3701522"/>
-            <a:ext cx="273836" cy="3136893"/>
+          <p:cNvPr id="726" name="Соединительная линия уступом 725"/>
+          <p:cNvCxnSpPr>
+            <a:cxnSpLocks/>
+            <a:endCxn id="678" idx="0"/>
+          </p:cNvCxnSpPr>
+          <p:nvPr/>
+        </p:nvCxnSpPr>
+        <p:spPr>
+          <a:xfrm rot="16200000" flipH="1">
+            <a:off x="18194781" y="9019303"/>
+            <a:ext cx="233898" cy="531701"/>
           </a:xfrm>
           <a:prstGeom prst="bentConnector3">
             <a:avLst>
@@ -26091,17 +26114,54 @@
       </p:cxnSp>
       <p:cxnSp>
         <p:nvCxnSpPr>
-          <p:cNvPr id="723" name="Соединительная линия уступом 722"/>
-          <p:cNvCxnSpPr>
-            <a:stCxn id="702" idx="2"/>
-            <a:endCxn id="677" idx="0"/>
-          </p:cNvCxnSpPr>
-          <p:nvPr/>
-        </p:nvCxnSpPr>
-        <p:spPr>
-          <a:xfrm rot="5400000">
-            <a:off x="19774745" y="9139191"/>
-            <a:ext cx="237060" cy="520484"/>
+          <p:cNvPr id="729" name="Прямая со стрелкой 728"/>
+          <p:cNvCxnSpPr>
+            <a:cxnSpLocks/>
+            <a:stCxn id="832" idx="2"/>
+            <a:endCxn id="961" idx="0"/>
+          </p:cNvCxnSpPr>
+          <p:nvPr/>
+        </p:nvCxnSpPr>
+        <p:spPr>
+          <a:xfrm>
+            <a:off x="16400592" y="9930333"/>
+            <a:ext cx="0" cy="228482"/>
+          </a:xfrm>
+          <a:prstGeom prst="straightConnector1">
+            <a:avLst/>
+          </a:prstGeom>
+          <a:ln w="19050">
+            <a:tailEnd type="arrow"/>
+          </a:ln>
+        </p:spPr>
+        <p:style>
+          <a:lnRef idx="1">
+            <a:schemeClr val="accent1"/>
+          </a:lnRef>
+          <a:fillRef idx="0">
+            <a:schemeClr val="accent1"/>
+          </a:fillRef>
+          <a:effectRef idx="0">
+            <a:schemeClr val="accent1"/>
+          </a:effectRef>
+          <a:fontRef idx="minor">
+            <a:schemeClr val="tx1"/>
+          </a:fontRef>
+        </p:style>
+      </p:cxnSp>
+      <p:cxnSp>
+        <p:nvCxnSpPr>
+          <p:cNvPr id="737" name="Соединительная линия уступом 736"/>
+          <p:cNvCxnSpPr>
+            <a:stCxn id="671" idx="2"/>
+            <a:endCxn id="684" idx="0"/>
+          </p:cNvCxnSpPr>
+          <p:nvPr/>
+        </p:nvCxnSpPr>
+        <p:spPr>
+          <a:xfrm rot="16200000" flipH="1">
+            <a:off x="16787979" y="5446329"/>
+            <a:ext cx="303447" cy="1088521"/>
           </a:xfrm>
           <a:prstGeom prst="bentConnector3">
             <a:avLst>
@@ -26129,17 +26189,17 @@
       </p:cxnSp>
       <p:cxnSp>
         <p:nvCxnSpPr>
-          <p:cNvPr id="726" name="Соединительная линия уступом 725"/>
-          <p:cNvCxnSpPr>
-            <a:stCxn id="702" idx="2"/>
-            <a:endCxn id="678" idx="0"/>
-          </p:cNvCxnSpPr>
-          <p:nvPr/>
-        </p:nvCxnSpPr>
-        <p:spPr>
-          <a:xfrm rot="16200000" flipH="1">
-            <a:off x="20302418" y="9132001"/>
-            <a:ext cx="233898" cy="531701"/>
+          <p:cNvPr id="740" name="Соединительная линия уступом 739"/>
+          <p:cNvCxnSpPr>
+            <a:stCxn id="671" idx="2"/>
+            <a:endCxn id="649" idx="0"/>
+          </p:cNvCxnSpPr>
+          <p:nvPr/>
+        </p:nvCxnSpPr>
+        <p:spPr>
+          <a:xfrm rot="5400000">
+            <a:off x="15720342" y="5467213"/>
+            <a:ext cx="303447" cy="1046754"/>
           </a:xfrm>
           <a:prstGeom prst="bentConnector3">
             <a:avLst>
@@ -26167,17 +26227,17 @@
       </p:cxnSp>
       <p:cxnSp>
         <p:nvCxnSpPr>
-          <p:cNvPr id="729" name="Прямая со стрелкой 728"/>
-          <p:cNvCxnSpPr>
-            <a:stCxn id="677" idx="2"/>
-            <a:endCxn id="680" idx="0"/>
+          <p:cNvPr id="743" name="Прямая со стрелкой 742"/>
+          <p:cNvCxnSpPr>
+            <a:stCxn id="671" idx="2"/>
+            <a:endCxn id="686" idx="0"/>
           </p:cNvCxnSpPr>
           <p:nvPr/>
         </p:nvCxnSpPr>
         <p:spPr>
           <a:xfrm flipH="1">
-            <a:off x="19631789" y="10057963"/>
-            <a:ext cx="1244" cy="218265"/>
+            <a:off x="16394636" y="5838867"/>
+            <a:ext cx="806" cy="301773"/>
           </a:xfrm>
           <a:prstGeom prst="straightConnector1">
             <a:avLst/>
@@ -26203,241 +26263,129 @@
       </p:cxnSp>
       <p:cxnSp>
         <p:nvCxnSpPr>
-          <p:cNvPr id="737" name="Соединительная линия уступом 736"/>
-          <p:cNvCxnSpPr>
-            <a:stCxn id="671" idx="2"/>
-            <a:endCxn id="684" idx="0"/>
-          </p:cNvCxnSpPr>
-          <p:nvPr/>
-        </p:nvCxnSpPr>
-        <p:spPr>
-          <a:xfrm rot="16200000" flipH="1">
-            <a:off x="18894875" y="5561220"/>
-            <a:ext cx="318866" cy="1089153"/>
+          <p:cNvPr id="746" name="Прямая со стрелкой 745"/>
+          <p:cNvCxnSpPr>
+            <a:stCxn id="674" idx="2"/>
+            <a:endCxn id="704" idx="0"/>
+          </p:cNvCxnSpPr>
+          <p:nvPr/>
+        </p:nvCxnSpPr>
+        <p:spPr>
+          <a:xfrm>
+            <a:off x="14238102" y="5854356"/>
+            <a:ext cx="4408" cy="313736"/>
+          </a:xfrm>
+          <a:prstGeom prst="straightConnector1">
+            <a:avLst/>
+          </a:prstGeom>
+          <a:ln w="19050">
+            <a:tailEnd type="arrow"/>
+          </a:ln>
+        </p:spPr>
+        <p:style>
+          <a:lnRef idx="1">
+            <a:schemeClr val="accent1"/>
+          </a:lnRef>
+          <a:fillRef idx="0">
+            <a:schemeClr val="accent1"/>
+          </a:fillRef>
+          <a:effectRef idx="0">
+            <a:schemeClr val="accent1"/>
+          </a:effectRef>
+          <a:fontRef idx="minor">
+            <a:schemeClr val="tx1"/>
+          </a:fontRef>
+        </p:style>
+      </p:cxnSp>
+      <p:cxnSp>
+        <p:nvCxnSpPr>
+          <p:cNvPr id="749" name="Прямая со стрелкой 748"/>
+          <p:cNvCxnSpPr>
+            <a:stCxn id="675" idx="2"/>
+            <a:endCxn id="683" idx="0"/>
+          </p:cNvCxnSpPr>
+          <p:nvPr/>
+        </p:nvCxnSpPr>
+        <p:spPr>
+          <a:xfrm>
+            <a:off x="14800098" y="8239640"/>
+            <a:ext cx="4957" cy="319468"/>
+          </a:xfrm>
+          <a:prstGeom prst="straightConnector1">
+            <a:avLst/>
+          </a:prstGeom>
+          <a:ln w="19050">
+            <a:tailEnd type="arrow"/>
+          </a:ln>
+        </p:spPr>
+        <p:style>
+          <a:lnRef idx="1">
+            <a:schemeClr val="accent1"/>
+          </a:lnRef>
+          <a:fillRef idx="0">
+            <a:schemeClr val="accent1"/>
+          </a:fillRef>
+          <a:effectRef idx="0">
+            <a:schemeClr val="accent1"/>
+          </a:effectRef>
+          <a:fontRef idx="minor">
+            <a:schemeClr val="tx1"/>
+          </a:fontRef>
+        </p:style>
+      </p:cxnSp>
+      <p:cxnSp>
+        <p:nvCxnSpPr>
+          <p:cNvPr id="752" name="Прямая со стрелкой 751"/>
+          <p:cNvCxnSpPr>
+            <a:stCxn id="704" idx="2"/>
+            <a:endCxn id="705" idx="0"/>
+          </p:cNvCxnSpPr>
+          <p:nvPr/>
+        </p:nvCxnSpPr>
+        <p:spPr>
+          <a:xfrm>
+            <a:off x="14242510" y="6708092"/>
+            <a:ext cx="5396" cy="222796"/>
+          </a:xfrm>
+          <a:prstGeom prst="straightConnector1">
+            <a:avLst/>
+          </a:prstGeom>
+          <a:ln w="19050">
+            <a:tailEnd type="arrow"/>
+          </a:ln>
+        </p:spPr>
+        <p:style>
+          <a:lnRef idx="1">
+            <a:schemeClr val="accent1"/>
+          </a:lnRef>
+          <a:fillRef idx="0">
+            <a:schemeClr val="accent1"/>
+          </a:fillRef>
+          <a:effectRef idx="0">
+            <a:schemeClr val="accent1"/>
+          </a:effectRef>
+          <a:fontRef idx="minor">
+            <a:schemeClr val="tx1"/>
+          </a:fontRef>
+        </p:style>
+      </p:cxnSp>
+      <p:cxnSp>
+        <p:nvCxnSpPr>
+          <p:cNvPr id="755" name="Соединительная линия уступом 754"/>
+          <p:cNvCxnSpPr>
+            <a:stCxn id="674" idx="2"/>
+            <a:endCxn id="681" idx="0"/>
+          </p:cNvCxnSpPr>
+          <p:nvPr/>
+        </p:nvCxnSpPr>
+        <p:spPr>
+          <a:xfrm rot="5400000">
+            <a:off x="12599265" y="6908583"/>
+            <a:ext cx="2693064" cy="584611"/>
           </a:xfrm>
           <a:prstGeom prst="bentConnector3">
             <a:avLst>
-              <a:gd name="adj1" fmla="val 50000"/>
-            </a:avLst>
-          </a:prstGeom>
-          <a:ln w="19050">
-            <a:tailEnd type="arrow"/>
-          </a:ln>
-        </p:spPr>
-        <p:style>
-          <a:lnRef idx="1">
-            <a:schemeClr val="accent1"/>
-          </a:lnRef>
-          <a:fillRef idx="0">
-            <a:schemeClr val="accent1"/>
-          </a:fillRef>
-          <a:effectRef idx="0">
-            <a:schemeClr val="accent1"/>
-          </a:effectRef>
-          <a:fontRef idx="minor">
-            <a:schemeClr val="tx1"/>
-          </a:fontRef>
-        </p:style>
-      </p:cxnSp>
-      <p:cxnSp>
-        <p:nvCxnSpPr>
-          <p:cNvPr id="740" name="Соединительная линия уступом 739"/>
-          <p:cNvCxnSpPr>
-            <a:stCxn id="671" idx="2"/>
-            <a:endCxn id="649" idx="0"/>
-          </p:cNvCxnSpPr>
-          <p:nvPr/>
-        </p:nvCxnSpPr>
-        <p:spPr>
-          <a:xfrm rot="5400000">
-            <a:off x="17827238" y="5582736"/>
-            <a:ext cx="318866" cy="1046122"/>
-          </a:xfrm>
-          <a:prstGeom prst="bentConnector3">
-            <a:avLst>
-              <a:gd name="adj1" fmla="val 50000"/>
-            </a:avLst>
-          </a:prstGeom>
-          <a:ln w="19050">
-            <a:tailEnd type="arrow"/>
-          </a:ln>
-        </p:spPr>
-        <p:style>
-          <a:lnRef idx="1">
-            <a:schemeClr val="accent1"/>
-          </a:lnRef>
-          <a:fillRef idx="0">
-            <a:schemeClr val="accent1"/>
-          </a:fillRef>
-          <a:effectRef idx="0">
-            <a:schemeClr val="accent1"/>
-          </a:effectRef>
-          <a:fontRef idx="minor">
-            <a:schemeClr val="tx1"/>
-          </a:fontRef>
-        </p:style>
-      </p:cxnSp>
-      <p:cxnSp>
-        <p:nvCxnSpPr>
-          <p:cNvPr id="743" name="Прямая со стрелкой 742"/>
-          <p:cNvCxnSpPr>
-            <a:stCxn id="671" idx="2"/>
-            <a:endCxn id="686" idx="0"/>
-          </p:cNvCxnSpPr>
-          <p:nvPr/>
-        </p:nvCxnSpPr>
-        <p:spPr>
-          <a:xfrm flipH="1">
-            <a:off x="18509558" y="5946364"/>
-            <a:ext cx="174" cy="317192"/>
-          </a:xfrm>
-          <a:prstGeom prst="straightConnector1">
-            <a:avLst/>
-          </a:prstGeom>
-          <a:ln w="19050">
-            <a:tailEnd type="arrow"/>
-          </a:ln>
-        </p:spPr>
-        <p:style>
-          <a:lnRef idx="1">
-            <a:schemeClr val="accent1"/>
-          </a:lnRef>
-          <a:fillRef idx="0">
-            <a:schemeClr val="accent1"/>
-          </a:fillRef>
-          <a:effectRef idx="0">
-            <a:schemeClr val="accent1"/>
-          </a:effectRef>
-          <a:fontRef idx="minor">
-            <a:schemeClr val="tx1"/>
-          </a:fontRef>
-        </p:style>
-      </p:cxnSp>
-      <p:cxnSp>
-        <p:nvCxnSpPr>
-          <p:cNvPr id="746" name="Прямая со стрелкой 745"/>
-          <p:cNvCxnSpPr>
-            <a:stCxn id="674" idx="2"/>
-            <a:endCxn id="704" idx="0"/>
-          </p:cNvCxnSpPr>
-          <p:nvPr/>
-        </p:nvCxnSpPr>
-        <p:spPr>
-          <a:xfrm>
-            <a:off x="15371546" y="5946886"/>
-            <a:ext cx="4408" cy="313736"/>
-          </a:xfrm>
-          <a:prstGeom prst="straightConnector1">
-            <a:avLst/>
-          </a:prstGeom>
-          <a:ln w="19050">
-            <a:tailEnd type="arrow"/>
-          </a:ln>
-        </p:spPr>
-        <p:style>
-          <a:lnRef idx="1">
-            <a:schemeClr val="accent1"/>
-          </a:lnRef>
-          <a:fillRef idx="0">
-            <a:schemeClr val="accent1"/>
-          </a:fillRef>
-          <a:effectRef idx="0">
-            <a:schemeClr val="accent1"/>
-          </a:effectRef>
-          <a:fontRef idx="minor">
-            <a:schemeClr val="tx1"/>
-          </a:fontRef>
-        </p:style>
-      </p:cxnSp>
-      <p:cxnSp>
-        <p:nvCxnSpPr>
-          <p:cNvPr id="749" name="Прямая со стрелкой 748"/>
-          <p:cNvCxnSpPr>
-            <a:stCxn id="675" idx="2"/>
-            <a:endCxn id="683" idx="0"/>
-          </p:cNvCxnSpPr>
-          <p:nvPr/>
-        </p:nvCxnSpPr>
-        <p:spPr>
-          <a:xfrm>
-            <a:off x="16475525" y="5951375"/>
-            <a:ext cx="4957" cy="319468"/>
-          </a:xfrm>
-          <a:prstGeom prst="straightConnector1">
-            <a:avLst/>
-          </a:prstGeom>
-          <a:ln w="19050">
-            <a:tailEnd type="arrow"/>
-          </a:ln>
-        </p:spPr>
-        <p:style>
-          <a:lnRef idx="1">
-            <a:schemeClr val="accent1"/>
-          </a:lnRef>
-          <a:fillRef idx="0">
-            <a:schemeClr val="accent1"/>
-          </a:fillRef>
-          <a:effectRef idx="0">
-            <a:schemeClr val="accent1"/>
-          </a:effectRef>
-          <a:fontRef idx="minor">
-            <a:schemeClr val="tx1"/>
-          </a:fontRef>
-        </p:style>
-      </p:cxnSp>
-      <p:cxnSp>
-        <p:nvCxnSpPr>
-          <p:cNvPr id="752" name="Прямая со стрелкой 751"/>
-          <p:cNvCxnSpPr>
-            <a:stCxn id="704" idx="2"/>
-            <a:endCxn id="705" idx="0"/>
-          </p:cNvCxnSpPr>
-          <p:nvPr/>
-        </p:nvCxnSpPr>
-        <p:spPr>
-          <a:xfrm>
-            <a:off x="15375954" y="6800622"/>
-            <a:ext cx="4408" cy="170164"/>
-          </a:xfrm>
-          <a:prstGeom prst="straightConnector1">
-            <a:avLst/>
-          </a:prstGeom>
-          <a:ln w="19050">
-            <a:tailEnd type="arrow"/>
-          </a:ln>
-        </p:spPr>
-        <p:style>
-          <a:lnRef idx="1">
-            <a:schemeClr val="accent1"/>
-          </a:lnRef>
-          <a:fillRef idx="0">
-            <a:schemeClr val="accent1"/>
-          </a:fillRef>
-          <a:effectRef idx="0">
-            <a:schemeClr val="accent1"/>
-          </a:effectRef>
-          <a:fontRef idx="minor">
-            <a:schemeClr val="tx1"/>
-          </a:fontRef>
-        </p:style>
-      </p:cxnSp>
-      <p:cxnSp>
-        <p:nvCxnSpPr>
-          <p:cNvPr id="755" name="Соединительная линия уступом 754"/>
-          <p:cNvCxnSpPr>
-            <a:stCxn id="674" idx="2"/>
-            <a:endCxn id="681" idx="0"/>
-          </p:cNvCxnSpPr>
-          <p:nvPr/>
-        </p:nvCxnSpPr>
-        <p:spPr>
-          <a:xfrm rot="5400000">
-            <a:off x="14707854" y="5591730"/>
-            <a:ext cx="308536" cy="1018849"/>
-          </a:xfrm>
-          <a:prstGeom prst="bentConnector3">
-            <a:avLst>
-              <a:gd name="adj1" fmla="val 50000"/>
+              <a:gd name="adj1" fmla="val 4546"/>
             </a:avLst>
           </a:prstGeom>
           <a:ln w="19050">
@@ -26470,7 +26418,7 @@
         </p:nvCxnSpPr>
         <p:spPr>
           <a:xfrm>
-            <a:off x="29107435" y="4858423"/>
+            <a:off x="26484009" y="4728750"/>
             <a:ext cx="2620682" cy="1592"/>
           </a:xfrm>
           <a:prstGeom prst="line">
@@ -26505,7 +26453,7 @@
         </p:nvSpPr>
         <p:spPr>
           <a:xfrm>
-            <a:off x="29196466" y="9422094"/>
+            <a:off x="26573040" y="9292421"/>
             <a:ext cx="926325" cy="540000"/>
           </a:xfrm>
           <a:prstGeom prst="rect">
@@ -26557,7 +26505,7 @@
         </p:nvCxnSpPr>
         <p:spPr>
           <a:xfrm rot="5400000">
-            <a:off x="30067434" y="8822248"/>
+            <a:off x="27444008" y="8692575"/>
             <a:ext cx="192042" cy="1007651"/>
           </a:xfrm>
           <a:prstGeom prst="bentConnector3">
@@ -26595,7 +26543,7 @@
         </p:nvCxnSpPr>
         <p:spPr>
           <a:xfrm>
-            <a:off x="29659629" y="9230198"/>
+            <a:off x="27036203" y="9100525"/>
             <a:ext cx="0" cy="191896"/>
           </a:xfrm>
           <a:prstGeom prst="straightConnector1">
@@ -26631,8 +26579,8 @@
         </p:nvCxnSpPr>
         <p:spPr>
           <a:xfrm rot="16200000" flipH="1">
-            <a:off x="21874681" y="-2181169"/>
-            <a:ext cx="235568" cy="13303615"/>
+            <a:off x="19720083" y="-1842014"/>
+            <a:ext cx="236016" cy="12365512"/>
           </a:xfrm>
           <a:prstGeom prst="bentConnector3">
             <a:avLst>
@@ -26670,8 +26618,8 @@
         </p:nvCxnSpPr>
         <p:spPr>
           <a:xfrm rot="16200000" flipH="1">
-            <a:off x="27778192" y="-8084680"/>
-            <a:ext cx="252232" cy="25127301"/>
+            <a:off x="25623594" y="-7745525"/>
+            <a:ext cx="252680" cy="24189198"/>
           </a:xfrm>
           <a:prstGeom prst="bentConnector3">
             <a:avLst>
@@ -26709,8 +26657,8 @@
         </p:nvCxnSpPr>
         <p:spPr>
           <a:xfrm>
-            <a:off x="18508439" y="5133050"/>
-            <a:ext cx="1293" cy="273314"/>
+            <a:off x="16393517" y="5010134"/>
+            <a:ext cx="1925" cy="288733"/>
           </a:xfrm>
           <a:prstGeom prst="straightConnector1">
             <a:avLst/>
@@ -26742,7 +26690,7 @@
         </p:nvSpPr>
         <p:spPr>
           <a:xfrm>
-            <a:off x="4534943" y="4592562"/>
+            <a:off x="3740349" y="4462889"/>
             <a:ext cx="926325" cy="540000"/>
           </a:xfrm>
           <a:prstGeom prst="rect">
@@ -26802,7 +26750,7 @@
         </p:nvSpPr>
         <p:spPr>
           <a:xfrm>
-            <a:off x="6084405" y="5427733"/>
+            <a:off x="5289811" y="5298060"/>
             <a:ext cx="926325" cy="540000"/>
           </a:xfrm>
           <a:prstGeom prst="rect">
@@ -26853,7 +26801,7 @@
         </p:nvSpPr>
         <p:spPr>
           <a:xfrm>
-            <a:off x="7100481" y="5426506"/>
+            <a:off x="6305887" y="5296833"/>
             <a:ext cx="926325" cy="540000"/>
           </a:xfrm>
           <a:prstGeom prst="rect">
@@ -26904,7 +26852,7 @@
         </p:nvSpPr>
         <p:spPr>
           <a:xfrm>
-            <a:off x="1508588" y="6969990"/>
+            <a:off x="713994" y="6840317"/>
             <a:ext cx="926325" cy="540000"/>
           </a:xfrm>
           <a:prstGeom prst="rect">
@@ -26951,7 +26899,7 @@
         </p:nvSpPr>
         <p:spPr>
           <a:xfrm>
-            <a:off x="28180631" y="8691616"/>
+            <a:off x="25557205" y="8561943"/>
             <a:ext cx="926325" cy="540000"/>
           </a:xfrm>
           <a:prstGeom prst="rect">
@@ -27027,7 +26975,7 @@
         </p:nvSpPr>
         <p:spPr>
           <a:xfrm>
-            <a:off x="2005419" y="5433332"/>
+            <a:off x="1210825" y="5303659"/>
             <a:ext cx="926325" cy="540000"/>
           </a:xfrm>
           <a:prstGeom prst="rect">
@@ -27074,7 +27022,7 @@
         </p:nvSpPr>
         <p:spPr>
           <a:xfrm>
-            <a:off x="2991318" y="5432413"/>
+            <a:off x="2196724" y="5302740"/>
             <a:ext cx="926325" cy="540000"/>
           </a:xfrm>
           <a:prstGeom prst="rect">
@@ -27125,7 +27073,7 @@
         </p:nvSpPr>
         <p:spPr>
           <a:xfrm>
-            <a:off x="7102205" y="6222758"/>
+            <a:off x="6307611" y="6093085"/>
             <a:ext cx="926325" cy="540000"/>
           </a:xfrm>
           <a:prstGeom prst="rect">
@@ -27179,8 +27127,8 @@
         </p:nvCxnSpPr>
         <p:spPr>
           <a:xfrm rot="5400000">
-            <a:off x="13185570" y="2434843"/>
-            <a:ext cx="237076" cy="4073100"/>
+            <a:off x="11945388" y="2750311"/>
+            <a:ext cx="237524" cy="3182371"/>
           </a:xfrm>
           <a:prstGeom prst="bentConnector3">
             <a:avLst>
@@ -27214,7 +27162,7 @@
         </p:nvSpPr>
         <p:spPr>
           <a:xfrm>
-            <a:off x="2493144" y="6971247"/>
+            <a:off x="1698550" y="6841574"/>
             <a:ext cx="926325" cy="540000"/>
           </a:xfrm>
           <a:prstGeom prst="rect">
@@ -27261,7 +27209,7 @@
         </p:nvSpPr>
         <p:spPr>
           <a:xfrm>
-            <a:off x="1505003" y="6222630"/>
+            <a:off x="710409" y="6092957"/>
             <a:ext cx="926325" cy="540000"/>
           </a:xfrm>
           <a:prstGeom prst="rect">
@@ -27308,7 +27256,7 @@
         </p:nvSpPr>
         <p:spPr>
           <a:xfrm>
-            <a:off x="4015631" y="5427865"/>
+            <a:off x="3221037" y="5298192"/>
             <a:ext cx="926325" cy="540000"/>
           </a:xfrm>
           <a:prstGeom prst="rect">
@@ -27359,7 +27307,7 @@
         </p:nvSpPr>
         <p:spPr>
           <a:xfrm>
-            <a:off x="5054400" y="5427865"/>
+            <a:off x="4259806" y="5298192"/>
             <a:ext cx="926325" cy="540000"/>
           </a:xfrm>
           <a:prstGeom prst="rect">
@@ -27413,7 +27361,7 @@
         </p:nvCxnSpPr>
         <p:spPr>
           <a:xfrm>
-            <a:off x="4941956" y="5697865"/>
+            <a:off x="4147362" y="5568192"/>
             <a:ext cx="112444" cy="0"/>
           </a:xfrm>
           <a:prstGeom prst="line">
@@ -27448,7 +27396,7 @@
         </p:nvSpPr>
         <p:spPr>
           <a:xfrm>
-            <a:off x="4016815" y="6972336"/>
+            <a:off x="3222221" y="6842663"/>
             <a:ext cx="926325" cy="540000"/>
           </a:xfrm>
           <a:prstGeom prst="rect">
@@ -27499,7 +27447,7 @@
         </p:nvSpPr>
         <p:spPr>
           <a:xfrm>
-            <a:off x="2992097" y="6222630"/>
+            <a:off x="2197503" y="6092957"/>
             <a:ext cx="926325" cy="540000"/>
           </a:xfrm>
           <a:prstGeom prst="rect">
@@ -27555,7 +27503,7 @@
         </p:nvSpPr>
         <p:spPr>
           <a:xfrm>
-            <a:off x="6074620" y="6223434"/>
+            <a:off x="5280026" y="6093761"/>
             <a:ext cx="926325" cy="540000"/>
           </a:xfrm>
           <a:prstGeom prst="rect">
@@ -27609,7 +27557,7 @@
         </p:nvCxnSpPr>
         <p:spPr>
           <a:xfrm>
-            <a:off x="3918422" y="6492630"/>
+            <a:off x="3123828" y="6362957"/>
             <a:ext cx="102381" cy="477"/>
           </a:xfrm>
           <a:prstGeom prst="line">
@@ -27647,7 +27595,7 @@
         </p:nvCxnSpPr>
         <p:spPr>
           <a:xfrm rot="5400000">
-            <a:off x="4590799" y="5020557"/>
+            <a:off x="3796205" y="4890884"/>
             <a:ext cx="295303" cy="519312"/>
           </a:xfrm>
           <a:prstGeom prst="bentConnector3">
@@ -27685,7 +27633,7 @@
         </p:nvCxnSpPr>
         <p:spPr>
           <a:xfrm rot="16200000" flipH="1">
-            <a:off x="5110183" y="5020484"/>
+            <a:off x="4315589" y="4890811"/>
             <a:ext cx="295303" cy="519457"/>
           </a:xfrm>
           <a:prstGeom prst="bentConnector3">
@@ -27723,7 +27671,7 @@
         </p:nvCxnSpPr>
         <p:spPr>
           <a:xfrm rot="16200000" flipH="1">
-            <a:off x="5625252" y="4505416"/>
+            <a:off x="4830658" y="4375743"/>
             <a:ext cx="295171" cy="1549462"/>
           </a:xfrm>
           <a:prstGeom prst="bentConnector3">
@@ -27761,7 +27709,7 @@
         </p:nvCxnSpPr>
         <p:spPr>
           <a:xfrm rot="5400000">
-            <a:off x="3582959" y="4018185"/>
+            <a:off x="2788365" y="3888512"/>
             <a:ext cx="300770" cy="2529524"/>
           </a:xfrm>
           <a:prstGeom prst="bentConnector3">
@@ -27799,7 +27747,7 @@
         </p:nvCxnSpPr>
         <p:spPr>
           <a:xfrm rot="5400000">
-            <a:off x="4076369" y="4510675"/>
+            <a:off x="3281775" y="4381002"/>
             <a:ext cx="299851" cy="1543625"/>
           </a:xfrm>
           <a:prstGeom prst="bentConnector3">
@@ -27837,7 +27785,7 @@
         </p:nvCxnSpPr>
         <p:spPr>
           <a:xfrm rot="16200000" flipH="1">
-            <a:off x="6133903" y="3996765"/>
+            <a:off x="5339309" y="3867092"/>
             <a:ext cx="293944" cy="2565538"/>
           </a:xfrm>
           <a:prstGeom prst="bentConnector3">
@@ -27875,7 +27823,7 @@
         </p:nvCxnSpPr>
         <p:spPr>
           <a:xfrm rot="16200000" flipH="1">
-            <a:off x="7436380" y="6093770"/>
+            <a:off x="6641786" y="5964097"/>
             <a:ext cx="256252" cy="1724"/>
           </a:xfrm>
           <a:prstGeom prst="bentConnector3">
@@ -27913,7 +27861,7 @@
         </p:nvCxnSpPr>
         <p:spPr>
           <a:xfrm rot="5400000">
-            <a:off x="2093725" y="5847773"/>
+            <a:off x="1299131" y="5718100"/>
             <a:ext cx="249298" cy="500416"/>
           </a:xfrm>
           <a:prstGeom prst="bentConnector3">
@@ -27951,7 +27899,7 @@
         </p:nvCxnSpPr>
         <p:spPr>
           <a:xfrm rot="16200000" flipH="1">
-            <a:off x="2213487" y="6228426"/>
+            <a:off x="1418893" y="6098753"/>
             <a:ext cx="997915" cy="487725"/>
           </a:xfrm>
           <a:prstGeom prst="bentConnector3">
@@ -27986,7 +27934,7 @@
         </p:nvSpPr>
         <p:spPr>
           <a:xfrm>
-            <a:off x="5050576" y="6974610"/>
+            <a:off x="4255982" y="6844937"/>
             <a:ext cx="926325" cy="540000"/>
           </a:xfrm>
           <a:prstGeom prst="rect">
@@ -28040,7 +27988,7 @@
         </p:nvCxnSpPr>
         <p:spPr>
           <a:xfrm rot="5400000">
-            <a:off x="4359030" y="5064096"/>
+            <a:off x="3564436" y="4934423"/>
             <a:ext cx="254765" cy="2062303"/>
           </a:xfrm>
           <a:prstGeom prst="bentConnector3">
@@ -28079,7 +28027,7 @@
         </p:nvCxnSpPr>
         <p:spPr>
           <a:xfrm rot="16200000" flipH="1">
-            <a:off x="5899889" y="5585539"/>
+            <a:off x="5105295" y="5455866"/>
             <a:ext cx="255569" cy="1020220"/>
           </a:xfrm>
           <a:prstGeom prst="bentConnector3">
@@ -28118,7 +28066,7 @@
         </p:nvCxnSpPr>
         <p:spPr>
           <a:xfrm rot="5400000">
-            <a:off x="3839645" y="5583480"/>
+            <a:off x="3045051" y="5453807"/>
             <a:ext cx="254765" cy="1023534"/>
           </a:xfrm>
           <a:prstGeom prst="bentConnector3">
@@ -28157,7 +28105,7 @@
         </p:nvCxnSpPr>
         <p:spPr>
           <a:xfrm rot="16200000" flipH="1">
-            <a:off x="5380504" y="5066154"/>
+            <a:off x="4585910" y="4936481"/>
             <a:ext cx="255569" cy="2058989"/>
           </a:xfrm>
           <a:prstGeom prst="bentConnector3">
@@ -28193,7 +28141,7 @@
         </p:nvSpPr>
         <p:spPr>
           <a:xfrm>
-            <a:off x="7627003" y="6993245"/>
+            <a:off x="6832409" y="6863572"/>
             <a:ext cx="926325" cy="540000"/>
           </a:xfrm>
           <a:prstGeom prst="rect">
@@ -28243,7 +28191,7 @@
         </p:nvCxnSpPr>
         <p:spPr>
           <a:xfrm>
-            <a:off x="1968166" y="6762630"/>
+            <a:off x="1173572" y="6632957"/>
             <a:ext cx="3585" cy="207360"/>
           </a:xfrm>
           <a:prstGeom prst="straightConnector1">
@@ -28276,7 +28224,7 @@
         </p:nvSpPr>
         <p:spPr>
           <a:xfrm>
-            <a:off x="8143582" y="8501463"/>
+            <a:off x="7348988" y="8371790"/>
             <a:ext cx="926325" cy="540000"/>
           </a:xfrm>
           <a:prstGeom prst="rect">
@@ -28323,7 +28271,7 @@
         </p:nvSpPr>
         <p:spPr>
           <a:xfrm>
-            <a:off x="9244503" y="9297511"/>
+            <a:off x="8449909" y="9167838"/>
             <a:ext cx="926325" cy="540000"/>
           </a:xfrm>
           <a:prstGeom prst="rect">
@@ -28366,7 +28314,7 @@
         </p:nvSpPr>
         <p:spPr>
           <a:xfrm>
-            <a:off x="4020803" y="6223107"/>
+            <a:off x="3226209" y="6093434"/>
             <a:ext cx="926325" cy="540000"/>
           </a:xfrm>
           <a:prstGeom prst="rect">
@@ -28420,7 +28368,7 @@
         </p:nvCxnSpPr>
         <p:spPr>
           <a:xfrm>
-            <a:off x="5984731" y="6491880"/>
+            <a:off x="5190137" y="6362207"/>
             <a:ext cx="89889" cy="1554"/>
           </a:xfrm>
           <a:prstGeom prst="line">
@@ -28458,7 +28406,7 @@
         </p:nvCxnSpPr>
         <p:spPr>
           <a:xfrm rot="16200000" flipH="1">
-            <a:off x="4893101" y="6353971"/>
+            <a:off x="4098507" y="6224298"/>
             <a:ext cx="211503" cy="1029773"/>
           </a:xfrm>
           <a:prstGeom prst="bentConnector3">
@@ -28497,7 +28445,7 @@
         </p:nvCxnSpPr>
         <p:spPr>
           <a:xfrm rot="5400000">
-            <a:off x="4377358" y="6865727"/>
+            <a:off x="3582764" y="6736054"/>
             <a:ext cx="209229" cy="3988"/>
           </a:xfrm>
           <a:prstGeom prst="bentConnector3">
@@ -28533,7 +28481,7 @@
         </p:nvSpPr>
         <p:spPr>
           <a:xfrm>
-            <a:off x="8145857" y="9311159"/>
+            <a:off x="7351263" y="9181486"/>
             <a:ext cx="926325" cy="540000"/>
           </a:xfrm>
           <a:prstGeom prst="rect">
@@ -28576,7 +28524,7 @@
         </p:nvSpPr>
         <p:spPr>
           <a:xfrm>
-            <a:off x="7081332" y="10014018"/>
+            <a:off x="6286738" y="9884345"/>
             <a:ext cx="926325" cy="540000"/>
           </a:xfrm>
           <a:prstGeom prst="rect">
@@ -28627,7 +28575,7 @@
         </p:nvSpPr>
         <p:spPr>
           <a:xfrm>
-            <a:off x="10315179" y="9299786"/>
+            <a:off x="9520585" y="9170113"/>
             <a:ext cx="926325" cy="540000"/>
           </a:xfrm>
           <a:prstGeom prst="rect">
@@ -28674,7 +28622,7 @@
         </p:nvSpPr>
         <p:spPr>
           <a:xfrm>
-            <a:off x="11345274" y="8507373"/>
+            <a:off x="10550680" y="8377700"/>
             <a:ext cx="926325" cy="540000"/>
           </a:xfrm>
           <a:prstGeom prst="rect">
@@ -28726,7 +28674,7 @@
         </p:nvCxnSpPr>
         <p:spPr>
           <a:xfrm rot="16200000" flipH="1">
-            <a:off x="7712524" y="6615602"/>
+            <a:off x="6917930" y="6485929"/>
             <a:ext cx="230487" cy="524798"/>
           </a:xfrm>
           <a:prstGeom prst="bentConnector3">
@@ -28765,7 +28713,7 @@
         </p:nvCxnSpPr>
         <p:spPr>
           <a:xfrm rot="16200000" flipH="1">
-            <a:off x="6048798" y="5943515"/>
+            <a:off x="5254204" y="5813842"/>
             <a:ext cx="989127" cy="4126767"/>
           </a:xfrm>
           <a:prstGeom prst="bentConnector3">
@@ -28804,7 +28752,7 @@
         </p:nvCxnSpPr>
         <p:spPr>
           <a:xfrm rot="16200000" flipH="1">
-            <a:off x="6566816" y="6461533"/>
+            <a:off x="5772222" y="6331860"/>
             <a:ext cx="986853" cy="3093006"/>
           </a:xfrm>
           <a:prstGeom prst="bentConnector3">
@@ -28843,7 +28791,7 @@
         </p:nvCxnSpPr>
         <p:spPr>
           <a:xfrm rot="5400000">
-            <a:off x="5920173" y="6357000"/>
+            <a:off x="5125579" y="6227327"/>
             <a:ext cx="211176" cy="1024044"/>
           </a:xfrm>
           <a:prstGeom prst="bentConnector3">
@@ -28881,7 +28829,7 @@
         </p:nvCxnSpPr>
         <p:spPr>
           <a:xfrm rot="16200000" flipH="1">
-            <a:off x="3862766" y="6355124"/>
+            <a:off x="3068172" y="6225451"/>
             <a:ext cx="209706" cy="1024718"/>
           </a:xfrm>
           <a:prstGeom prst="bentConnector3">
@@ -28916,7 +28864,7 @@
         </p:nvSpPr>
         <p:spPr>
           <a:xfrm>
-            <a:off x="9246777" y="10002645"/>
+            <a:off x="8452183" y="9872972"/>
             <a:ext cx="926325" cy="540000"/>
           </a:xfrm>
           <a:prstGeom prst="rect">
@@ -28959,7 +28907,7 @@
         </p:nvSpPr>
         <p:spPr>
           <a:xfrm>
-            <a:off x="8148132" y="10002646"/>
+            <a:off x="7353538" y="9872973"/>
             <a:ext cx="926325" cy="540000"/>
           </a:xfrm>
           <a:prstGeom prst="rect">
@@ -29002,7 +28950,7 @@
         </p:nvSpPr>
         <p:spPr>
           <a:xfrm>
-            <a:off x="8150406" y="10680486"/>
+            <a:off x="7355812" y="10550813"/>
             <a:ext cx="926325" cy="540000"/>
           </a:xfrm>
           <a:prstGeom prst="rect">
@@ -29045,7 +28993,7 @@
         </p:nvSpPr>
         <p:spPr>
           <a:xfrm>
-            <a:off x="7076783" y="9299786"/>
+            <a:off x="6282189" y="9170113"/>
             <a:ext cx="926325" cy="540000"/>
           </a:xfrm>
           <a:prstGeom prst="rect">
@@ -29088,7 +29036,7 @@
         </p:nvSpPr>
         <p:spPr>
           <a:xfrm>
-            <a:off x="6014532" y="9302060"/>
+            <a:off x="5219938" y="9172387"/>
             <a:ext cx="926325" cy="540000"/>
           </a:xfrm>
           <a:prstGeom prst="rect">
@@ -29143,7 +29091,7 @@
         </p:nvCxnSpPr>
         <p:spPr>
           <a:xfrm rot="16200000" flipH="1">
-            <a:off x="6660786" y="3469881"/>
+            <a:off x="5866192" y="3340208"/>
             <a:ext cx="288051" cy="3613411"/>
           </a:xfrm>
           <a:prstGeom prst="bentConnector3">
@@ -29182,7 +29130,7 @@
         </p:nvCxnSpPr>
         <p:spPr>
           <a:xfrm rot="5400000">
-            <a:off x="9794197" y="3947252"/>
+            <a:off x="8999603" y="3817579"/>
             <a:ext cx="290682" cy="2656041"/>
           </a:xfrm>
           <a:prstGeom prst="bentConnector3">
@@ -29221,7 +29169,7 @@
         </p:nvCxnSpPr>
         <p:spPr>
           <a:xfrm rot="5400000">
-            <a:off x="7411922" y="8107236"/>
+            <a:off x="6617328" y="7977563"/>
             <a:ext cx="260597" cy="2129050"/>
           </a:xfrm>
           <a:prstGeom prst="bentConnector3">
@@ -29259,7 +29207,7 @@
         </p:nvCxnSpPr>
         <p:spPr>
           <a:xfrm rot="16200000" flipH="1">
-            <a:off x="9563382" y="8084825"/>
+            <a:off x="8768788" y="7955152"/>
             <a:ext cx="258323" cy="2171597"/>
           </a:xfrm>
           <a:prstGeom prst="bentConnector3">
@@ -29297,7 +29245,7 @@
         </p:nvCxnSpPr>
         <p:spPr>
           <a:xfrm rot="5400000">
-            <a:off x="7944185" y="8637225"/>
+            <a:off x="7149591" y="8507552"/>
             <a:ext cx="258323" cy="1066799"/>
           </a:xfrm>
           <a:prstGeom prst="bentConnector3">
@@ -29335,7 +29283,7 @@
         </p:nvCxnSpPr>
         <p:spPr>
           <a:xfrm rot="16200000" flipH="1">
-            <a:off x="9029181" y="8619026"/>
+            <a:off x="8234587" y="8489353"/>
             <a:ext cx="256048" cy="1100921"/>
           </a:xfrm>
           <a:prstGeom prst="bentConnector3">
@@ -29373,7 +29321,7 @@
         </p:nvCxnSpPr>
         <p:spPr>
           <a:xfrm>
-            <a:off x="8606745" y="9041463"/>
+            <a:off x="7812151" y="8911790"/>
             <a:ext cx="2275" cy="269696"/>
           </a:xfrm>
           <a:prstGeom prst="straightConnector1">
@@ -29409,7 +29357,7 @@
         </p:nvCxnSpPr>
         <p:spPr>
           <a:xfrm>
-            <a:off x="7539946" y="9839786"/>
+            <a:off x="6745352" y="9710113"/>
             <a:ext cx="4549" cy="174232"/>
           </a:xfrm>
           <a:prstGeom prst="straightConnector1">
@@ -29445,7 +29393,7 @@
         </p:nvCxnSpPr>
         <p:spPr>
           <a:xfrm>
-            <a:off x="8609020" y="9851159"/>
+            <a:off x="7814426" y="9721486"/>
             <a:ext cx="2275" cy="151487"/>
           </a:xfrm>
           <a:prstGeom prst="straightConnector1">
@@ -29481,7 +29429,7 @@
         </p:nvCxnSpPr>
         <p:spPr>
           <a:xfrm>
-            <a:off x="9707666" y="9837511"/>
+            <a:off x="8913072" y="9707838"/>
             <a:ext cx="2274" cy="165134"/>
           </a:xfrm>
           <a:prstGeom prst="straightConnector1">
@@ -29517,7 +29465,7 @@
         </p:nvCxnSpPr>
         <p:spPr>
           <a:xfrm>
-            <a:off x="8611295" y="10542646"/>
+            <a:off x="7816701" y="10412973"/>
             <a:ext cx="2274" cy="137840"/>
           </a:xfrm>
           <a:prstGeom prst="straightConnector1">
@@ -29553,8 +29501,8 @@
         </p:nvCxnSpPr>
         <p:spPr>
           <a:xfrm rot="16200000" flipH="1">
-            <a:off x="16804451" y="2889061"/>
-            <a:ext cx="240195" cy="3167781"/>
+            <a:off x="14900726" y="2977343"/>
+            <a:ext cx="247400" cy="2738182"/>
           </a:xfrm>
           <a:prstGeom prst="bentConnector3">
             <a:avLst>
@@ -29588,7 +29536,7 @@
         </p:nvSpPr>
         <p:spPr>
           <a:xfrm>
-            <a:off x="5058406" y="6221880"/>
+            <a:off x="4263812" y="6092207"/>
             <a:ext cx="926325" cy="540000"/>
           </a:xfrm>
           <a:prstGeom prst="rect">
@@ -29638,7 +29586,7 @@
         </p:nvCxnSpPr>
         <p:spPr>
           <a:xfrm flipV="1">
-            <a:off x="4947128" y="6491880"/>
+            <a:off x="4152534" y="6362207"/>
             <a:ext cx="111278" cy="1227"/>
           </a:xfrm>
           <a:prstGeom prst="line">
@@ -29676,7 +29624,7 @@
         </p:nvCxnSpPr>
         <p:spPr>
           <a:xfrm rot="5400000">
-            <a:off x="4895546" y="6346313"/>
+            <a:off x="4100952" y="6216640"/>
             <a:ext cx="210456" cy="1041591"/>
           </a:xfrm>
           <a:prstGeom prst="bentConnector3">
@@ -29715,7 +29663,7 @@
         </p:nvCxnSpPr>
         <p:spPr>
           <a:xfrm rot="5400000">
-            <a:off x="4873144" y="5578688"/>
+            <a:off x="4078550" y="5449015"/>
             <a:ext cx="255242" cy="1033597"/>
           </a:xfrm>
           <a:prstGeom prst="bentConnector3">
@@ -29754,7 +29702,7 @@
         </p:nvCxnSpPr>
         <p:spPr>
           <a:xfrm rot="16200000" flipH="1">
-            <a:off x="4873174" y="5573484"/>
+            <a:off x="4078580" y="5443811"/>
             <a:ext cx="254015" cy="1042775"/>
           </a:xfrm>
           <a:prstGeom prst="bentConnector3">
@@ -29793,7 +29741,7 @@
         </p:nvCxnSpPr>
         <p:spPr>
           <a:xfrm rot="5400000">
-            <a:off x="5411289" y="6864330"/>
+            <a:off x="4616695" y="6734657"/>
             <a:ext cx="212730" cy="7830"/>
           </a:xfrm>
           <a:prstGeom prst="bentConnector3">
@@ -29829,7 +29777,7 @@
         </p:nvSpPr>
         <p:spPr>
           <a:xfrm>
-            <a:off x="2001440" y="7763094"/>
+            <a:off x="1206846" y="7633421"/>
             <a:ext cx="926325" cy="540000"/>
           </a:xfrm>
           <a:prstGeom prst="rect">
@@ -29880,7 +29828,7 @@
         </p:nvCxnSpPr>
         <p:spPr>
           <a:xfrm rot="5400000">
-            <a:off x="2584532" y="7391318"/>
+            <a:off x="1789938" y="7261645"/>
             <a:ext cx="251847" cy="491704"/>
           </a:xfrm>
           <a:prstGeom prst="bentConnector3">
@@ -29918,7 +29866,7 @@
         </p:nvCxnSpPr>
         <p:spPr>
           <a:xfrm rot="16200000" flipH="1">
-            <a:off x="2091625" y="7390116"/>
+            <a:off x="1297031" y="7260443"/>
             <a:ext cx="253104" cy="492852"/>
           </a:xfrm>
           <a:prstGeom prst="bentConnector3">
@@ -29953,7 +29901,7 @@
         </p:nvSpPr>
         <p:spPr>
           <a:xfrm>
-            <a:off x="500941" y="6970185"/>
+            <a:off x="106858" y="7630922"/>
             <a:ext cx="926325" cy="540000"/>
           </a:xfrm>
           <a:prstGeom prst="rect">
@@ -30007,12 +29955,12 @@
         </p:nvCxnSpPr>
         <p:spPr>
           <a:xfrm rot="5400000">
-            <a:off x="1362358" y="6364376"/>
-            <a:ext cx="207555" cy="1004062"/>
+            <a:off x="372815" y="6830164"/>
+            <a:ext cx="997965" cy="603551"/>
           </a:xfrm>
           <a:prstGeom prst="bentConnector3">
             <a:avLst>
-              <a:gd name="adj1" fmla="val 50000"/>
+              <a:gd name="adj1" fmla="val 7241"/>
             </a:avLst>
           </a:prstGeom>
           <a:ln w="19050">
@@ -30042,7 +29990,7 @@
         </p:nvSpPr>
         <p:spPr>
           <a:xfrm>
-            <a:off x="498401" y="7762023"/>
+            <a:off x="104318" y="8422760"/>
             <a:ext cx="926325" cy="540000"/>
           </a:xfrm>
           <a:prstGeom prst="rect">
@@ -30093,7 +30041,7 @@
         </p:nvCxnSpPr>
         <p:spPr>
           <a:xfrm flipH="1">
-            <a:off x="961564" y="7510185"/>
+            <a:off x="567481" y="8170922"/>
             <a:ext cx="2540" cy="251838"/>
           </a:xfrm>
           <a:prstGeom prst="straightConnector1">
@@ -30126,7 +30074,7 @@
         </p:nvSpPr>
         <p:spPr>
           <a:xfrm>
-            <a:off x="4533204" y="3811544"/>
+            <a:off x="3738610" y="3681871"/>
             <a:ext cx="926325" cy="540000"/>
           </a:xfrm>
           <a:prstGeom prst="rect">
@@ -30188,7 +30136,7 @@
         </p:nvCxnSpPr>
         <p:spPr>
           <a:xfrm>
-            <a:off x="4996367" y="4351544"/>
+            <a:off x="4201773" y="4221871"/>
             <a:ext cx="1739" cy="241018"/>
           </a:xfrm>
           <a:prstGeom prst="straightConnector1">
@@ -30224,8 +30172,8 @@
         </p:nvCxnSpPr>
         <p:spPr>
           <a:xfrm>
-            <a:off x="5459529" y="4081544"/>
-            <a:ext cx="9417966" cy="1311"/>
+            <a:off x="4664935" y="3951871"/>
+            <a:ext cx="8527237" cy="863"/>
           </a:xfrm>
           <a:prstGeom prst="line">
             <a:avLst/>
@@ -30262,7 +30210,7 @@
         </p:nvCxnSpPr>
         <p:spPr>
           <a:xfrm flipH="1">
-            <a:off x="28643794" y="8410531"/>
+            <a:off x="26020368" y="8280858"/>
             <a:ext cx="1128" cy="281085"/>
           </a:xfrm>
           <a:prstGeom prst="straightConnector1">
@@ -30295,7 +30243,7 @@
         </p:nvSpPr>
         <p:spPr>
           <a:xfrm>
-            <a:off x="3506567" y="7756611"/>
+            <a:off x="2711973" y="7626938"/>
             <a:ext cx="926325" cy="540000"/>
           </a:xfrm>
           <a:prstGeom prst="rect">
@@ -30349,7 +30297,7 @@
         </p:nvCxnSpPr>
         <p:spPr>
           <a:xfrm rot="5400000">
-            <a:off x="3329889" y="6607706"/>
+            <a:off x="2535295" y="6478033"/>
             <a:ext cx="1788746" cy="509064"/>
           </a:xfrm>
           <a:prstGeom prst="bentConnector3">
@@ -30384,7 +30332,7 @@
         </p:nvSpPr>
         <p:spPr>
           <a:xfrm>
-            <a:off x="21843149" y="7081454"/>
+            <a:off x="19219723" y="6951781"/>
             <a:ext cx="926325" cy="540000"/>
           </a:xfrm>
           <a:prstGeom prst="rect">
@@ -30436,7 +30384,7 @@
         </p:nvCxnSpPr>
         <p:spPr>
           <a:xfrm rot="16200000" flipH="1">
-            <a:off x="21900781" y="6675923"/>
+            <a:off x="19277355" y="6546250"/>
             <a:ext cx="271606" cy="539456"/>
           </a:xfrm>
           <a:prstGeom prst="bentConnector3">
@@ -30474,7 +30422,7 @@
         </p:nvCxnSpPr>
         <p:spPr>
           <a:xfrm rot="5400000">
-            <a:off x="22432668" y="6683041"/>
+            <a:off x="19809242" y="6553368"/>
             <a:ext cx="272057" cy="524768"/>
           </a:xfrm>
           <a:prstGeom prst="bentConnector3">
@@ -30512,7 +30460,7 @@
         </p:nvCxnSpPr>
         <p:spPr>
           <a:xfrm flipV="1">
-            <a:off x="22769474" y="7349701"/>
+            <a:off x="20146048" y="7220028"/>
             <a:ext cx="121814" cy="1753"/>
           </a:xfrm>
           <a:prstGeom prst="line">
@@ -30547,7 +30495,7 @@
         </p:nvSpPr>
         <p:spPr>
           <a:xfrm>
-            <a:off x="24493128" y="5407329"/>
+            <a:off x="21869702" y="5277656"/>
             <a:ext cx="926325" cy="540000"/>
           </a:xfrm>
           <a:prstGeom prst="rect">
@@ -30595,7 +30543,7 @@
         </p:nvSpPr>
         <p:spPr>
           <a:xfrm>
-            <a:off x="24495402" y="6261165"/>
+            <a:off x="21871976" y="6131492"/>
             <a:ext cx="926325" cy="540000"/>
           </a:xfrm>
           <a:prstGeom prst="rect">
@@ -30646,7 +30594,7 @@
         </p:nvCxnSpPr>
         <p:spPr>
           <a:xfrm>
-            <a:off x="24956291" y="5947329"/>
+            <a:off x="22332865" y="5817656"/>
             <a:ext cx="2274" cy="313836"/>
           </a:xfrm>
           <a:prstGeom prst="straightConnector1">
@@ -30682,7 +30630,7 @@
         </p:nvCxnSpPr>
         <p:spPr>
           <a:xfrm rot="5400000">
-            <a:off x="24034456" y="4997276"/>
+            <a:off x="21411030" y="4867603"/>
             <a:ext cx="276461" cy="539095"/>
           </a:xfrm>
           <a:prstGeom prst="bentConnector3">
@@ -30720,7 +30668,7 @@
         </p:nvCxnSpPr>
         <p:spPr>
           <a:xfrm rot="16200000" flipH="1">
-            <a:off x="24559894" y="5010932"/>
+            <a:off x="21936468" y="4881259"/>
             <a:ext cx="278736" cy="514058"/>
           </a:xfrm>
           <a:prstGeom prst="bentConnector3">
@@ -30758,7 +30706,7 @@
         </p:nvCxnSpPr>
         <p:spPr>
           <a:xfrm rot="5400000">
-            <a:off x="24273689" y="5580795"/>
+            <a:off x="21650263" y="5451122"/>
             <a:ext cx="316069" cy="1049137"/>
           </a:xfrm>
           <a:prstGeom prst="bentConnector3">
@@ -30793,7 +30741,7 @@
         </p:nvSpPr>
         <p:spPr>
           <a:xfrm>
-            <a:off x="12876906" y="5416032"/>
+            <a:off x="12082312" y="5286359"/>
             <a:ext cx="926325" cy="540000"/>
           </a:xfrm>
           <a:prstGeom prst="rect">
@@ -30853,7 +30801,7 @@
         </p:nvCxnSpPr>
         <p:spPr>
           <a:xfrm rot="16200000" flipH="1">
-            <a:off x="9013340" y="5558789"/>
+            <a:off x="8218746" y="5429116"/>
             <a:ext cx="268582" cy="1072229"/>
           </a:xfrm>
           <a:prstGeom prst="bentConnector3">
@@ -30888,7 +30836,7 @@
         </p:nvSpPr>
         <p:spPr>
           <a:xfrm>
-            <a:off x="9218141" y="6972908"/>
+            <a:off x="8423547" y="6843235"/>
             <a:ext cx="926325" cy="540000"/>
           </a:xfrm>
           <a:prstGeom prst="rect">
@@ -30937,7 +30885,7 @@
         </p:nvSpPr>
         <p:spPr>
           <a:xfrm>
-            <a:off x="9216922" y="7754416"/>
+            <a:off x="8422328" y="7624743"/>
             <a:ext cx="926325" cy="540000"/>
           </a:xfrm>
           <a:prstGeom prst="rect">
@@ -30990,7 +30938,7 @@
         </p:nvCxnSpPr>
         <p:spPr>
           <a:xfrm rot="5400000">
-            <a:off x="8236742" y="6623242"/>
+            <a:off x="7442148" y="6493569"/>
             <a:ext cx="223427" cy="516578"/>
           </a:xfrm>
           <a:prstGeom prst="bentConnector3">
@@ -31029,7 +30977,7 @@
         </p:nvCxnSpPr>
         <p:spPr>
           <a:xfrm rot="5400000">
-            <a:off x="9572683" y="7334575"/>
+            <a:off x="8778089" y="7204902"/>
             <a:ext cx="200951" cy="2132825"/>
           </a:xfrm>
           <a:prstGeom prst="bentConnector3">
@@ -31065,7 +31013,7 @@
         </p:nvSpPr>
         <p:spPr>
           <a:xfrm>
-            <a:off x="12875687" y="6248705"/>
+            <a:off x="12081093" y="6119032"/>
             <a:ext cx="926325" cy="540000"/>
           </a:xfrm>
           <a:prstGeom prst="rect">
@@ -31118,7 +31066,7 @@
         </p:nvSpPr>
         <p:spPr>
           <a:xfrm>
-            <a:off x="12362435" y="6964376"/>
+            <a:off x="11567841" y="6834703"/>
             <a:ext cx="926325" cy="540000"/>
           </a:xfrm>
           <a:prstGeom prst="rect">
@@ -31180,7 +31128,7 @@
         </p:nvSpPr>
         <p:spPr>
           <a:xfrm>
-            <a:off x="13408509" y="6964375"/>
+            <a:off x="12613915" y="6834702"/>
             <a:ext cx="926325" cy="540000"/>
           </a:xfrm>
           <a:prstGeom prst="rect">
@@ -31248,7 +31196,7 @@
         </p:nvCxnSpPr>
         <p:spPr>
           <a:xfrm flipH="1">
-            <a:off x="13338850" y="5956032"/>
+            <a:off x="12544256" y="5826359"/>
             <a:ext cx="1219" cy="292673"/>
           </a:xfrm>
           <a:prstGeom prst="straightConnector1">
@@ -31284,7 +31232,7 @@
         </p:nvCxnSpPr>
         <p:spPr>
           <a:xfrm rot="16200000" flipH="1">
-            <a:off x="13517426" y="6610129"/>
+            <a:off x="12722832" y="6480456"/>
             <a:ext cx="175670" cy="532822"/>
           </a:xfrm>
           <a:prstGeom prst="bentConnector3">
@@ -31322,7 +31270,7 @@
         </p:nvCxnSpPr>
         <p:spPr>
           <a:xfrm rot="5400000">
-            <a:off x="12994389" y="6619914"/>
+            <a:off x="12199795" y="6490241"/>
             <a:ext cx="175671" cy="513252"/>
           </a:xfrm>
           <a:prstGeom prst="bentConnector3">
@@ -31360,7 +31308,7 @@
         </p:nvCxnSpPr>
         <p:spPr>
           <a:xfrm flipH="1">
-            <a:off x="13288760" y="7234375"/>
+            <a:off x="12494166" y="7104702"/>
             <a:ext cx="119749" cy="1"/>
           </a:xfrm>
           <a:prstGeom prst="line">
@@ -31398,7 +31346,7 @@
         </p:nvCxnSpPr>
         <p:spPr>
           <a:xfrm flipH="1">
-            <a:off x="9681304" y="6769195"/>
+            <a:off x="8886710" y="6639522"/>
             <a:ext cx="2442" cy="203713"/>
           </a:xfrm>
           <a:prstGeom prst="straightConnector1">
@@ -31434,7 +31382,7 @@
         </p:nvCxnSpPr>
         <p:spPr>
           <a:xfrm flipH="1">
-            <a:off x="9680085" y="7512908"/>
+            <a:off x="8885491" y="7383235"/>
             <a:ext cx="1219" cy="241508"/>
           </a:xfrm>
           <a:prstGeom prst="straightConnector1">
@@ -31467,7 +31415,7 @@
         </p:nvSpPr>
         <p:spPr>
           <a:xfrm>
-            <a:off x="10276407" y="7760512"/>
+            <a:off x="9481813" y="7630839"/>
             <a:ext cx="926325" cy="540000"/>
           </a:xfrm>
           <a:prstGeom prst="rect">
@@ -31519,7 +31467,7 @@
         </p:nvCxnSpPr>
         <p:spPr>
           <a:xfrm rot="16200000" flipH="1">
-            <a:off x="10086635" y="7107577"/>
+            <a:off x="9292041" y="6977904"/>
             <a:ext cx="247604" cy="1058266"/>
           </a:xfrm>
           <a:prstGeom prst="bentConnector3">
@@ -31557,7 +31505,7 @@
         </p:nvCxnSpPr>
         <p:spPr>
           <a:xfrm rot="16200000" flipH="1">
-            <a:off x="12160763" y="4236725"/>
+            <a:off x="11366169" y="4107052"/>
             <a:ext cx="286101" cy="2072511"/>
           </a:xfrm>
           <a:prstGeom prst="bentConnector3">
@@ -31592,7 +31540,7 @@
         </p:nvSpPr>
         <p:spPr>
           <a:xfrm>
-            <a:off x="9218085" y="5422129"/>
+            <a:off x="8423491" y="5292456"/>
             <a:ext cx="926325" cy="540000"/>
           </a:xfrm>
           <a:prstGeom prst="rect">
@@ -31644,7 +31592,7 @@
         </p:nvCxnSpPr>
         <p:spPr>
           <a:xfrm rot="5400000">
-            <a:off x="10328304" y="4482875"/>
+            <a:off x="9533710" y="4353202"/>
             <a:ext cx="292198" cy="1586310"/>
           </a:xfrm>
           <a:prstGeom prst="bentConnector3">
@@ -31679,7 +31627,7 @@
         </p:nvSpPr>
         <p:spPr>
           <a:xfrm>
-            <a:off x="10280068" y="6227975"/>
+            <a:off x="9485474" y="6098302"/>
             <a:ext cx="926325" cy="540000"/>
           </a:xfrm>
           <a:prstGeom prst="rect">
@@ -31731,7 +31679,7 @@
         </p:nvCxnSpPr>
         <p:spPr>
           <a:xfrm rot="16200000" flipH="1">
-            <a:off x="9543693" y="5028437"/>
+            <a:off x="8749099" y="4898764"/>
             <a:ext cx="267362" cy="2131714"/>
           </a:xfrm>
           <a:prstGeom prst="bentConnector3">
@@ -31766,7 +31714,7 @@
         </p:nvSpPr>
         <p:spPr>
           <a:xfrm>
-            <a:off x="10278849" y="6965591"/>
+            <a:off x="9484255" y="6835918"/>
             <a:ext cx="926325" cy="540000"/>
           </a:xfrm>
           <a:prstGeom prst="rect">
@@ -31818,7 +31766,7 @@
         </p:nvCxnSpPr>
         <p:spPr>
           <a:xfrm flipH="1">
-            <a:off x="10742012" y="6767975"/>
+            <a:off x="9947418" y="6638302"/>
             <a:ext cx="1219" cy="197616"/>
           </a:xfrm>
           <a:prstGeom prst="straightConnector1">
@@ -31851,7 +31799,7 @@
         </p:nvSpPr>
         <p:spPr>
           <a:xfrm>
-            <a:off x="10278535" y="5414086"/>
+            <a:off x="9483941" y="5284413"/>
             <a:ext cx="926325" cy="540000"/>
           </a:xfrm>
           <a:prstGeom prst="rect">
@@ -31908,7 +31856,7 @@
         </p:nvCxnSpPr>
         <p:spPr>
           <a:xfrm rot="5400000">
-            <a:off x="10862551" y="5009078"/>
+            <a:off x="10067957" y="4879405"/>
             <a:ext cx="284155" cy="525860"/>
           </a:xfrm>
           <a:prstGeom prst="bentConnector3">
@@ -31943,7 +31891,7 @@
         </p:nvSpPr>
         <p:spPr>
           <a:xfrm>
-            <a:off x="12361216" y="7760512"/>
+            <a:off x="11566622" y="7630839"/>
             <a:ext cx="926325" cy="540000"/>
           </a:xfrm>
           <a:prstGeom prst="rect">
@@ -31991,7 +31939,7 @@
         </p:nvCxnSpPr>
         <p:spPr>
           <a:xfrm flipH="1">
-            <a:off x="12824379" y="7504376"/>
+            <a:off x="12029785" y="7374703"/>
             <a:ext cx="1219" cy="256136"/>
           </a:xfrm>
           <a:prstGeom prst="straightConnector1">
@@ -32024,7 +31972,7 @@
         </p:nvSpPr>
         <p:spPr>
           <a:xfrm>
-            <a:off x="13413388" y="7766608"/>
+            <a:off x="12618794" y="7636935"/>
             <a:ext cx="926325" cy="540000"/>
           </a:xfrm>
           <a:prstGeom prst="rect">
@@ -32072,7 +32020,7 @@
         </p:nvCxnSpPr>
         <p:spPr>
           <a:xfrm>
-            <a:off x="13871672" y="7504375"/>
+            <a:off x="13077078" y="7374702"/>
             <a:ext cx="4879" cy="262233"/>
           </a:xfrm>
           <a:prstGeom prst="straightConnector1">
@@ -32105,7 +32053,7 @@
         </p:nvSpPr>
         <p:spPr>
           <a:xfrm>
-            <a:off x="11338526" y="6965634"/>
+            <a:off x="10543932" y="6835961"/>
             <a:ext cx="926325" cy="540000"/>
           </a:xfrm>
           <a:prstGeom prst="rect">
@@ -32154,7 +32102,7 @@
         </p:nvSpPr>
         <p:spPr>
           <a:xfrm>
-            <a:off x="11335891" y="7759293"/>
+            <a:off x="10541297" y="7629620"/>
             <a:ext cx="926325" cy="540000"/>
           </a:xfrm>
           <a:prstGeom prst="rect">
@@ -32211,7 +32159,7 @@
         </p:nvSpPr>
         <p:spPr>
           <a:xfrm>
-            <a:off x="11337307" y="5421399"/>
+            <a:off x="10542713" y="5291726"/>
             <a:ext cx="926325" cy="540000"/>
           </a:xfrm>
           <a:prstGeom prst="rect">
@@ -32263,7 +32211,7 @@
         </p:nvCxnSpPr>
         <p:spPr>
           <a:xfrm flipH="1">
-            <a:off x="11799054" y="7505634"/>
+            <a:off x="11004460" y="7375961"/>
             <a:ext cx="2635" cy="253659"/>
           </a:xfrm>
           <a:prstGeom prst="straightConnector1">
@@ -32299,7 +32247,7 @@
         </p:nvCxnSpPr>
         <p:spPr>
           <a:xfrm rot="16200000" flipH="1">
-            <a:off x="11388280" y="5009209"/>
+            <a:off x="10593686" y="4879536"/>
             <a:ext cx="291468" cy="532912"/>
           </a:xfrm>
           <a:prstGeom prst="bentConnector3">
@@ -32334,7 +32282,7 @@
         </p:nvSpPr>
         <p:spPr>
           <a:xfrm>
-            <a:off x="11338589" y="6226756"/>
+            <a:off x="10543995" y="6097083"/>
             <a:ext cx="926325" cy="540000"/>
           </a:xfrm>
           <a:prstGeom prst="rect">
@@ -32386,7 +32334,7 @@
         </p:nvCxnSpPr>
         <p:spPr>
           <a:xfrm>
-            <a:off x="11800470" y="5961399"/>
+            <a:off x="11005876" y="5831726"/>
             <a:ext cx="1282" cy="265357"/>
           </a:xfrm>
           <a:prstGeom prst="straightConnector1">
@@ -32422,7 +32370,7 @@
         </p:nvCxnSpPr>
         <p:spPr>
           <a:xfrm flipH="1">
-            <a:off x="11801689" y="6766756"/>
+            <a:off x="11007095" y="6637083"/>
             <a:ext cx="63" cy="198878"/>
           </a:xfrm>
           <a:prstGeom prst="straightConnector1">
@@ -32459,7 +32407,7 @@
         </p:nvCxnSpPr>
         <p:spPr>
           <a:xfrm rot="16200000" flipH="1">
-            <a:off x="11170573" y="7869508"/>
+            <a:off x="10375979" y="7739835"/>
             <a:ext cx="206861" cy="1068867"/>
           </a:xfrm>
           <a:prstGeom prst="bentConnector3">
@@ -32498,7 +32446,7 @@
         </p:nvCxnSpPr>
         <p:spPr>
           <a:xfrm rot="5400000">
-            <a:off x="12212978" y="7895971"/>
+            <a:off x="11418384" y="7766298"/>
             <a:ext cx="206861" cy="1015942"/>
           </a:xfrm>
           <a:prstGeom prst="bentConnector3">
@@ -32533,7 +32481,7 @@
         </p:nvSpPr>
         <p:spPr>
           <a:xfrm>
-            <a:off x="9215703" y="8499347"/>
+            <a:off x="8421109" y="8369674"/>
             <a:ext cx="926325" cy="540000"/>
           </a:xfrm>
           <a:prstGeom prst="rect">
@@ -32585,7 +32533,7 @@
         </p:nvCxnSpPr>
         <p:spPr>
           <a:xfrm flipH="1">
-            <a:off x="9678866" y="8294416"/>
+            <a:off x="8884272" y="8164743"/>
             <a:ext cx="1219" cy="204931"/>
           </a:xfrm>
           <a:prstGeom prst="straightConnector1">
@@ -32618,7 +32566,7 @@
         </p:nvSpPr>
         <p:spPr>
           <a:xfrm>
-            <a:off x="10282503" y="8505443"/>
+            <a:off x="9487909" y="8375770"/>
             <a:ext cx="926325" cy="540000"/>
           </a:xfrm>
           <a:prstGeom prst="rect">
@@ -32670,7 +32618,7 @@
         </p:nvCxnSpPr>
         <p:spPr>
           <a:xfrm rot="16200000" flipH="1">
-            <a:off x="10107362" y="7867138"/>
+            <a:off x="9312768" y="7737465"/>
             <a:ext cx="211027" cy="1065581"/>
           </a:xfrm>
           <a:prstGeom prst="bentConnector3">
@@ -32708,7 +32656,7 @@
         </p:nvCxnSpPr>
         <p:spPr>
           <a:xfrm rot="5400000">
-            <a:off x="10075168" y="5562664"/>
+            <a:off x="9280574" y="5432991"/>
             <a:ext cx="275109" cy="1057952"/>
           </a:xfrm>
           <a:prstGeom prst="bentConnector3">
@@ -32746,7 +32694,7 @@
         </p:nvCxnSpPr>
         <p:spPr>
           <a:xfrm>
-            <a:off x="10741698" y="5954086"/>
+            <a:off x="9947104" y="5824413"/>
             <a:ext cx="1533" cy="273889"/>
           </a:xfrm>
           <a:prstGeom prst="straightConnector1">
@@ -32775,19 +32723,20 @@
         <p:nvCxnSpPr>
           <p:cNvPr id="771" name="Соединительная линия уступом 770"/>
           <p:cNvCxnSpPr>
+            <a:cxnSpLocks/>
             <a:stCxn id="701" idx="2"/>
-            <a:endCxn id="702" idx="0"/>
+            <a:endCxn id="820" idx="0"/>
           </p:cNvCxnSpPr>
           <p:nvPr/>
         </p:nvCxnSpPr>
         <p:spPr>
           <a:xfrm rot="16200000" flipH="1">
-            <a:off x="18489415" y="7076800"/>
-            <a:ext cx="2777807" cy="550398"/>
+            <a:off x="16645895" y="7227663"/>
+            <a:ext cx="2807256" cy="755"/>
           </a:xfrm>
           <a:prstGeom prst="bentConnector3">
             <a:avLst>
-              <a:gd name="adj1" fmla="val 5325"/>
+              <a:gd name="adj1" fmla="val 50000"/>
             </a:avLst>
           </a:prstGeom>
           <a:ln w="19050">
@@ -32938,7 +32887,7 @@
         </p:nvSpPr>
         <p:spPr>
           <a:xfrm>
-            <a:off x="22891288" y="7079701"/>
+            <a:off x="20267862" y="6950028"/>
             <a:ext cx="926325" cy="540000"/>
           </a:xfrm>
           <a:prstGeom prst="rect">
@@ -32988,7 +32937,7 @@
         </p:nvSpPr>
         <p:spPr>
           <a:xfrm>
-            <a:off x="22892962" y="7875197"/>
+            <a:off x="20269536" y="7745524"/>
             <a:ext cx="926325" cy="540000"/>
           </a:xfrm>
           <a:prstGeom prst="rect">
@@ -33038,7 +32987,7 @@
         </p:nvSpPr>
         <p:spPr>
           <a:xfrm>
-            <a:off x="21847933" y="7875196"/>
+            <a:off x="19224507" y="7745523"/>
             <a:ext cx="926325" cy="540000"/>
           </a:xfrm>
           <a:prstGeom prst="rect">
@@ -33095,7 +33044,7 @@
         </p:nvCxnSpPr>
         <p:spPr>
           <a:xfrm>
-            <a:off x="23817613" y="7349701"/>
+            <a:off x="21194187" y="7220028"/>
             <a:ext cx="157037" cy="1753"/>
           </a:xfrm>
           <a:prstGeom prst="line">
@@ -33126,15 +33075,16 @@
         <p:nvCxnSpPr>
           <p:cNvPr id="815" name="Соединительная линия уступом 814"/>
           <p:cNvCxnSpPr>
+            <a:cxnSpLocks/>
             <a:stCxn id="811" idx="2"/>
-            <a:endCxn id="702" idx="0"/>
+            <a:endCxn id="820" idx="0"/>
           </p:cNvCxnSpPr>
           <p:nvPr/>
         </p:nvCxnSpPr>
         <p:spPr>
           <a:xfrm rot="5400000">
-            <a:off x="20525170" y="8036846"/>
-            <a:ext cx="332405" cy="1075709"/>
+            <a:off x="18151429" y="8177298"/>
+            <a:ext cx="352844" cy="555899"/>
           </a:xfrm>
           <a:prstGeom prst="bentConnector3">
             <a:avLst>
@@ -33172,7 +33122,7 @@
         </p:nvCxnSpPr>
         <p:spPr>
           <a:xfrm>
-            <a:off x="23354451" y="7619701"/>
+            <a:off x="20731025" y="7490028"/>
             <a:ext cx="1674" cy="255496"/>
           </a:xfrm>
           <a:prstGeom prst="straightConnector1">
@@ -33208,7 +33158,7 @@
         </p:nvCxnSpPr>
         <p:spPr>
           <a:xfrm rot="5400000">
-            <a:off x="25082831" y="5081883"/>
+            <a:off x="22459405" y="4952210"/>
             <a:ext cx="269438" cy="3726198"/>
           </a:xfrm>
           <a:prstGeom prst="bentConnector3">
@@ -33247,7 +33197,7 @@
         </p:nvCxnSpPr>
         <p:spPr>
           <a:xfrm rot="5400000">
-            <a:off x="24550719" y="5613995"/>
+            <a:off x="21927293" y="5484322"/>
             <a:ext cx="269438" cy="2661974"/>
           </a:xfrm>
           <a:prstGeom prst="bentConnector3">
@@ -33286,7 +33236,7 @@
         </p:nvCxnSpPr>
         <p:spPr>
           <a:xfrm rot="5400000">
-            <a:off x="22705027" y="7225771"/>
+            <a:off x="20081601" y="7096098"/>
             <a:ext cx="255495" cy="1043355"/>
           </a:xfrm>
           <a:prstGeom prst="bentConnector3">
@@ -33321,7 +33271,7 @@
         </p:nvSpPr>
         <p:spPr>
           <a:xfrm>
-            <a:off x="22367100" y="8736005"/>
+            <a:off x="19743674" y="8606332"/>
             <a:ext cx="926325" cy="540000"/>
           </a:xfrm>
           <a:prstGeom prst="rect">
@@ -33367,7 +33317,7 @@
         </p:nvSpPr>
         <p:spPr>
           <a:xfrm>
-            <a:off x="23438921" y="8732656"/>
+            <a:off x="20815495" y="8602983"/>
             <a:ext cx="926325" cy="540000"/>
           </a:xfrm>
           <a:prstGeom prst="rect">
@@ -33416,7 +33366,7 @@
         </p:nvCxnSpPr>
         <p:spPr>
           <a:xfrm rot="5400000">
-            <a:off x="22932790" y="8312670"/>
+            <a:off x="20309364" y="8182997"/>
             <a:ext cx="320808" cy="525862"/>
           </a:xfrm>
           <a:prstGeom prst="bentConnector3">
@@ -33454,7 +33404,7 @@
         </p:nvCxnSpPr>
         <p:spPr>
           <a:xfrm rot="16200000" flipH="1">
-            <a:off x="23470375" y="8300946"/>
+            <a:off x="20846949" y="8171273"/>
             <a:ext cx="317459" cy="545959"/>
           </a:xfrm>
           <a:prstGeom prst="bentConnector3">
@@ -33492,7 +33442,7 @@
         </p:nvCxnSpPr>
         <p:spPr>
           <a:xfrm flipV="1">
-            <a:off x="23293425" y="9002656"/>
+            <a:off x="20669999" y="8872983"/>
             <a:ext cx="145496" cy="3349"/>
           </a:xfrm>
           <a:prstGeom prst="line">
@@ -33527,7 +33477,7 @@
         </p:nvSpPr>
         <p:spPr>
           <a:xfrm>
-            <a:off x="22909709" y="9504704"/>
+            <a:off x="20286283" y="9375031"/>
             <a:ext cx="926325" cy="540000"/>
           </a:xfrm>
           <a:prstGeom prst="rect">
@@ -33573,7 +33523,7 @@
         </p:nvSpPr>
         <p:spPr>
           <a:xfrm>
-            <a:off x="24008328" y="9513077"/>
+            <a:off x="21384902" y="9383404"/>
             <a:ext cx="926325" cy="540000"/>
           </a:xfrm>
           <a:prstGeom prst="rect">
@@ -33619,7 +33569,7 @@
         </p:nvSpPr>
         <p:spPr>
           <a:xfrm>
-            <a:off x="23442273" y="10275233"/>
+            <a:off x="20818847" y="10145560"/>
             <a:ext cx="926325" cy="540000"/>
           </a:xfrm>
           <a:prstGeom prst="rect">
@@ -33665,7 +33615,7 @@
         </p:nvSpPr>
         <p:spPr>
           <a:xfrm>
-            <a:off x="20766063" y="7868498"/>
+            <a:off x="18142637" y="7738825"/>
             <a:ext cx="926325" cy="540000"/>
           </a:xfrm>
           <a:prstGeom prst="rect">
@@ -33718,7 +33668,7 @@
         </p:nvCxnSpPr>
         <p:spPr>
           <a:xfrm rot="5400000">
-            <a:off x="22167441" y="6681487"/>
+            <a:off x="19544015" y="6551814"/>
             <a:ext cx="248797" cy="2125225"/>
           </a:xfrm>
           <a:prstGeom prst="bentConnector3">
@@ -33753,7 +33703,7 @@
         </p:nvSpPr>
         <p:spPr>
           <a:xfrm>
-            <a:off x="22375169" y="10274376"/>
+            <a:off x="19751743" y="10144703"/>
             <a:ext cx="926325" cy="540000"/>
           </a:xfrm>
           <a:prstGeom prst="rect">
@@ -33802,7 +33752,7 @@
         </p:nvCxnSpPr>
         <p:spPr>
           <a:xfrm rot="5400000">
-            <a:off x="23521454" y="9124074"/>
+            <a:off x="20898028" y="8994401"/>
             <a:ext cx="232048" cy="529212"/>
           </a:xfrm>
           <a:prstGeom prst="bentConnector3">
@@ -33841,7 +33791,7 @@
         </p:nvCxnSpPr>
         <p:spPr>
           <a:xfrm rot="16200000" flipH="1">
-            <a:off x="22987218" y="9119049"/>
+            <a:off x="20363792" y="8989376"/>
             <a:ext cx="228699" cy="542609"/>
           </a:xfrm>
           <a:prstGeom prst="bentConnector3">
@@ -33880,7 +33830,7 @@
         </p:nvCxnSpPr>
         <p:spPr>
           <a:xfrm>
-            <a:off x="23902084" y="9272656"/>
+            <a:off x="21278658" y="9142983"/>
             <a:ext cx="3352" cy="1002577"/>
           </a:xfrm>
           <a:prstGeom prst="straightConnector1">
@@ -33916,7 +33866,7 @@
         </p:nvCxnSpPr>
         <p:spPr>
           <a:xfrm rot="16200000" flipH="1">
-            <a:off x="24066577" y="9108162"/>
+            <a:off x="21443151" y="8978489"/>
             <a:ext cx="240421" cy="569407"/>
           </a:xfrm>
           <a:prstGeom prst="bentConnector3">
@@ -33954,7 +33904,7 @@
         </p:nvCxnSpPr>
         <p:spPr>
           <a:xfrm rot="16200000" flipH="1">
-            <a:off x="23498418" y="6142058"/>
+            <a:off x="20874992" y="6012385"/>
             <a:ext cx="272057" cy="1606733"/>
           </a:xfrm>
           <a:prstGeom prst="bentConnector3">
@@ -33993,7 +33943,7 @@
         </p:nvCxnSpPr>
         <p:spPr>
           <a:xfrm rot="16200000" flipH="1">
-            <a:off x="24040917" y="5599559"/>
+            <a:off x="21417491" y="5469886"/>
             <a:ext cx="269783" cy="2689457"/>
           </a:xfrm>
           <a:prstGeom prst="bentConnector3">
@@ -34032,7 +33982,7 @@
         </p:nvCxnSpPr>
         <p:spPr>
           <a:xfrm rot="16200000" flipH="1">
-            <a:off x="24603887" y="5036589"/>
+            <a:off x="21980461" y="4906916"/>
             <a:ext cx="272058" cy="3817673"/>
           </a:xfrm>
           <a:prstGeom prst="bentConnector3">
@@ -34071,7 +34021,7 @@
         </p:nvCxnSpPr>
         <p:spPr>
           <a:xfrm rot="16200000" flipH="1">
-            <a:off x="22957613" y="6682863"/>
+            <a:off x="20334187" y="6553190"/>
             <a:ext cx="270304" cy="523371"/>
           </a:xfrm>
           <a:prstGeom prst="bentConnector3">
@@ -34107,7 +34057,7 @@
         </p:nvSpPr>
         <p:spPr>
           <a:xfrm>
-            <a:off x="21303649" y="8737680"/>
+            <a:off x="18680223" y="8608007"/>
             <a:ext cx="926325" cy="540000"/>
           </a:xfrm>
           <a:prstGeom prst="rect">
@@ -34156,7 +34106,7 @@
         </p:nvCxnSpPr>
         <p:spPr>
           <a:xfrm rot="16200000" flipH="1">
-            <a:off x="21333428" y="8304296"/>
+            <a:off x="18710002" y="8174623"/>
             <a:ext cx="329182" cy="537586"/>
           </a:xfrm>
           <a:prstGeom prst="bentConnector3">
@@ -34188,6 +34138,7 @@
         <p:nvCxnSpPr>
           <p:cNvPr id="900" name="Соединительная линия уступом 899"/>
           <p:cNvCxnSpPr>
+            <a:cxnSpLocks/>
             <a:stCxn id="791" idx="2"/>
             <a:endCxn id="891" idx="0"/>
           </p:cNvCxnSpPr>
@@ -34195,7 +34146,7 @@
         </p:nvCxnSpPr>
         <p:spPr>
           <a:xfrm rot="5400000">
-            <a:off x="21877712" y="8304296"/>
+            <a:off x="19254286" y="8174623"/>
             <a:ext cx="322484" cy="544284"/>
           </a:xfrm>
           <a:prstGeom prst="bentConnector3">
@@ -34231,7 +34182,7 @@
         </p:nvSpPr>
         <p:spPr>
           <a:xfrm>
-            <a:off x="21841234" y="9506379"/>
+            <a:off x="19217808" y="9376706"/>
             <a:ext cx="926325" cy="540000"/>
           </a:xfrm>
           <a:prstGeom prst="rect">
@@ -34280,7 +34231,7 @@
         </p:nvCxnSpPr>
         <p:spPr>
           <a:xfrm rot="5400000">
-            <a:off x="22452143" y="9128259"/>
+            <a:off x="19828717" y="8998586"/>
             <a:ext cx="230374" cy="525866"/>
           </a:xfrm>
           <a:prstGeom prst="bentConnector3">
@@ -34318,7 +34269,7 @@
         </p:nvCxnSpPr>
         <p:spPr>
           <a:xfrm flipV="1">
-            <a:off x="22767559" y="9774704"/>
+            <a:off x="20144133" y="9645031"/>
             <a:ext cx="142150" cy="1675"/>
           </a:xfrm>
           <a:prstGeom prst="line">
@@ -34353,7 +34304,7 @@
         </p:nvSpPr>
         <p:spPr>
           <a:xfrm>
-            <a:off x="24512422" y="8730982"/>
+            <a:off x="21888996" y="8601309"/>
             <a:ext cx="926325" cy="540000"/>
           </a:xfrm>
           <a:prstGeom prst="rect">
@@ -34402,7 +34353,7 @@
         </p:nvCxnSpPr>
         <p:spPr>
           <a:xfrm rot="16200000" flipH="1">
-            <a:off x="24007963" y="7763359"/>
+            <a:off x="21384537" y="7633686"/>
             <a:ext cx="315785" cy="1619460"/>
           </a:xfrm>
           <a:prstGeom prst="bentConnector3">
@@ -34437,7 +34388,7 @@
         </p:nvSpPr>
         <p:spPr>
           <a:xfrm>
-            <a:off x="20767731" y="10281780"/>
+            <a:off x="18673525" y="10144703"/>
             <a:ext cx="926325" cy="540000"/>
           </a:xfrm>
           <a:prstGeom prst="rect">
@@ -34486,8 +34437,8 @@
         </p:nvCxnSpPr>
         <p:spPr>
           <a:xfrm rot="5400000">
-            <a:off x="21649946" y="9627328"/>
-            <a:ext cx="235401" cy="1073503"/>
+            <a:off x="19294832" y="9758563"/>
+            <a:ext cx="227997" cy="544283"/>
           </a:xfrm>
           <a:prstGeom prst="bentConnector3">
             <a:avLst>
@@ -34524,8 +34475,8 @@
         </p:nvCxnSpPr>
         <p:spPr>
           <a:xfrm rot="16200000" flipH="1">
-            <a:off x="20844567" y="9895452"/>
-            <a:ext cx="226979" cy="545676"/>
+            <a:off x="18755834" y="9763849"/>
+            <a:ext cx="202600" cy="559107"/>
           </a:xfrm>
           <a:prstGeom prst="bentConnector3">
             <a:avLst>
@@ -34559,7 +34510,7 @@
         </p:nvSpPr>
         <p:spPr>
           <a:xfrm>
-            <a:off x="19694231" y="10961716"/>
+            <a:off x="17586594" y="10849018"/>
             <a:ext cx="926325" cy="540000"/>
           </a:xfrm>
           <a:prstGeom prst="rect">
@@ -34617,15 +34568,16 @@
         <p:nvCxnSpPr>
           <p:cNvPr id="944" name="Прямая со стрелкой 943"/>
           <p:cNvCxnSpPr>
-            <a:stCxn id="702" idx="2"/>
+            <a:cxnSpLocks/>
+            <a:stCxn id="820" idx="2"/>
             <a:endCxn id="943" idx="0"/>
           </p:cNvCxnSpPr>
           <p:nvPr/>
         </p:nvCxnSpPr>
         <p:spPr>
-          <a:xfrm>
-            <a:off x="20153517" y="9280903"/>
-            <a:ext cx="3877" cy="1680813"/>
+          <a:xfrm flipH="1">
+            <a:off x="18049757" y="9171669"/>
+            <a:ext cx="144" cy="1677349"/>
           </a:xfrm>
           <a:prstGeom prst="straightConnector1">
             <a:avLst/>
@@ -34657,7 +34609,7 @@
         </p:nvSpPr>
         <p:spPr>
           <a:xfrm>
-            <a:off x="25644536" y="8727633"/>
+            <a:off x="23021110" y="8597960"/>
             <a:ext cx="926325" cy="540000"/>
           </a:xfrm>
           <a:prstGeom prst="rect">
@@ -34706,7 +34658,7 @@
         </p:nvCxnSpPr>
         <p:spPr>
           <a:xfrm rot="16200000" flipH="1">
-            <a:off x="24575694" y="7195628"/>
+            <a:off x="21952268" y="7065955"/>
             <a:ext cx="312436" cy="2751574"/>
           </a:xfrm>
           <a:prstGeom prst="bentConnector3">
@@ -34741,7 +34693,7 @@
         </p:nvSpPr>
         <p:spPr>
           <a:xfrm>
-            <a:off x="25083504" y="9508055"/>
+            <a:off x="22460078" y="9378382"/>
             <a:ext cx="926325" cy="540000"/>
           </a:xfrm>
           <a:prstGeom prst="rect">
@@ -34790,7 +34742,7 @@
         </p:nvCxnSpPr>
         <p:spPr>
           <a:xfrm rot="16200000" flipH="1">
-            <a:off x="25142590" y="9103977"/>
+            <a:off x="22519164" y="8974304"/>
             <a:ext cx="237073" cy="571082"/>
           </a:xfrm>
           <a:prstGeom prst="bentConnector3">
@@ -34825,7 +34777,7 @@
         </p:nvSpPr>
         <p:spPr>
           <a:xfrm>
-            <a:off x="26203895" y="9503031"/>
+            <a:off x="23580469" y="9373358"/>
             <a:ext cx="926325" cy="540000"/>
           </a:xfrm>
           <a:prstGeom prst="rect">
@@ -34874,7 +34826,7 @@
         </p:nvCxnSpPr>
         <p:spPr>
           <a:xfrm rot="16200000" flipH="1">
-            <a:off x="26269679" y="9105652"/>
+            <a:off x="23646253" y="8975979"/>
             <a:ext cx="235398" cy="559359"/>
           </a:xfrm>
           <a:prstGeom prst="bentConnector3">
@@ -34909,7 +34861,7 @@
         </p:nvSpPr>
         <p:spPr>
           <a:xfrm>
-            <a:off x="18104390" y="9521325"/>
+            <a:off x="15937429" y="10158815"/>
             <a:ext cx="926325" cy="540000"/>
           </a:xfrm>
           <a:prstGeom prst="rect">
@@ -34955,15 +34907,16 @@
         <p:nvCxnSpPr>
           <p:cNvPr id="962" name="Соединительная линия уступом 961"/>
           <p:cNvCxnSpPr>
-            <a:stCxn id="702" idx="2"/>
-            <a:endCxn id="961" idx="0"/>
+            <a:cxnSpLocks/>
+            <a:stCxn id="820" idx="2"/>
+            <a:endCxn id="832" idx="0"/>
           </p:cNvCxnSpPr>
           <p:nvPr/>
         </p:nvCxnSpPr>
         <p:spPr>
           <a:xfrm rot="5400000">
-            <a:off x="19240324" y="8608132"/>
-            <a:ext cx="240422" cy="1585964"/>
+            <a:off x="17115915" y="8456347"/>
+            <a:ext cx="218664" cy="1649309"/>
           </a:xfrm>
           <a:prstGeom prst="bentConnector3">
             <a:avLst>
@@ -35000,7 +34953,7 @@
         </p:nvCxnSpPr>
         <p:spPr>
           <a:xfrm>
-            <a:off x="22830263" y="9276005"/>
+            <a:off x="20206837" y="9146332"/>
             <a:ext cx="8069" cy="998371"/>
           </a:xfrm>
           <a:prstGeom prst="straightConnector1">
@@ -35033,7 +34986,7 @@
         </p:nvSpPr>
         <p:spPr>
           <a:xfrm>
-            <a:off x="21840454" y="10928903"/>
+            <a:off x="19217028" y="10799230"/>
             <a:ext cx="926325" cy="540000"/>
           </a:xfrm>
           <a:prstGeom prst="rect">
@@ -35083,7 +35036,7 @@
         </p:nvCxnSpPr>
         <p:spPr>
           <a:xfrm rot="5400000">
-            <a:off x="22396146" y="9952176"/>
+            <a:off x="19772720" y="9822503"/>
             <a:ext cx="884199" cy="1069255"/>
           </a:xfrm>
           <a:prstGeom prst="bentConnector3">
@@ -35122,7 +35075,7 @@
         </p:nvCxnSpPr>
         <p:spPr>
           <a:xfrm flipH="1">
-            <a:off x="22303617" y="10046379"/>
+            <a:off x="19680191" y="9916706"/>
             <a:ext cx="780" cy="882524"/>
           </a:xfrm>
           <a:prstGeom prst="straightConnector1">
@@ -35156,7 +35109,7 @@
         </p:nvSpPr>
         <p:spPr>
           <a:xfrm>
-            <a:off x="22903546" y="10930922"/>
+            <a:off x="20280120" y="10801249"/>
             <a:ext cx="926325" cy="540000"/>
           </a:xfrm>
           <a:prstGeom prst="rect">
@@ -35206,7 +35159,7 @@
         </p:nvCxnSpPr>
         <p:spPr>
           <a:xfrm rot="16200000" flipH="1">
-            <a:off x="22393282" y="9957494"/>
+            <a:off x="19769856" y="9827821"/>
             <a:ext cx="884543" cy="1062312"/>
           </a:xfrm>
           <a:prstGeom prst="bentConnector3">
@@ -35246,7 +35199,7 @@
         </p:nvCxnSpPr>
         <p:spPr>
           <a:xfrm flipH="1">
-            <a:off x="23366709" y="10044704"/>
+            <a:off x="20743283" y="9915031"/>
             <a:ext cx="6163" cy="886218"/>
           </a:xfrm>
           <a:prstGeom prst="straightConnector1">
@@ -35283,7 +35236,7 @@
         </p:nvCxnSpPr>
         <p:spPr>
           <a:xfrm>
-            <a:off x="22766779" y="11198903"/>
+            <a:off x="20143353" y="11069230"/>
             <a:ext cx="136767" cy="2019"/>
           </a:xfrm>
           <a:prstGeom prst="line">
@@ -35318,7 +35271,7 @@
         </p:nvSpPr>
         <p:spPr>
           <a:xfrm>
-            <a:off x="43212652" y="7058342"/>
+            <a:off x="40589226" y="6928669"/>
             <a:ext cx="926325" cy="540000"/>
           </a:xfrm>
           <a:prstGeom prst="rect">
@@ -35370,7 +35323,7 @@
         </p:nvCxnSpPr>
         <p:spPr>
           <a:xfrm rot="16200000" flipH="1">
-            <a:off x="42755598" y="6138125"/>
+            <a:off x="40132172" y="6008452"/>
             <a:ext cx="240700" cy="1599733"/>
           </a:xfrm>
           <a:prstGeom prst="bentConnector3">
@@ -35405,7 +35358,7 @@
         </p:nvSpPr>
         <p:spPr>
           <a:xfrm>
-            <a:off x="43213587" y="7878310"/>
+            <a:off x="40590161" y="7748637"/>
             <a:ext cx="926325" cy="540000"/>
           </a:xfrm>
           <a:prstGeom prst="rect">
@@ -35454,7 +35407,7 @@
         </p:nvSpPr>
         <p:spPr>
           <a:xfrm>
-            <a:off x="42675045" y="8680514"/>
+            <a:off x="40051619" y="8550841"/>
             <a:ext cx="926325" cy="540000"/>
           </a:xfrm>
           <a:prstGeom prst="rect">
@@ -35506,7 +35459,7 @@
         </p:nvCxnSpPr>
         <p:spPr>
           <a:xfrm rot="5400000">
-            <a:off x="42865926" y="7870625"/>
+            <a:off x="40242500" y="7740952"/>
             <a:ext cx="1082172" cy="537607"/>
           </a:xfrm>
           <a:prstGeom prst="bentConnector3">
@@ -35544,7 +35497,7 @@
         </p:nvCxnSpPr>
         <p:spPr>
           <a:xfrm rot="16200000" flipH="1">
-            <a:off x="43536298" y="7737858"/>
+            <a:off x="40912872" y="7608185"/>
             <a:ext cx="279968" cy="935"/>
           </a:xfrm>
           <a:prstGeom prst="bentConnector3">
@@ -35585,7 +35538,7 @@
         </p:nvSpPr>
         <p:spPr>
           <a:xfrm>
-            <a:off x="8143581" y="6229818"/>
+            <a:off x="7348987" y="6100145"/>
             <a:ext cx="926325" cy="540000"/>
           </a:xfrm>
           <a:prstGeom prst="rect">
@@ -35648,7 +35601,7 @@
         </p:nvCxnSpPr>
         <p:spPr>
           <a:xfrm rot="5400000">
-            <a:off x="9536355" y="5024475"/>
+            <a:off x="8741761" y="4894802"/>
             <a:ext cx="275732" cy="2134954"/>
           </a:xfrm>
           <a:prstGeom prst="bentConnector3">
@@ -35693,7 +35646,7 @@
         </p:nvCxnSpPr>
         <p:spPr>
           <a:xfrm rot="5400000">
-            <a:off x="8474529" y="6092829"/>
+            <a:off x="7679935" y="5963156"/>
             <a:ext cx="269205" cy="4773"/>
           </a:xfrm>
           <a:prstGeom prst="bentConnector3">
@@ -35734,7 +35687,7 @@
         </p:nvSpPr>
         <p:spPr>
           <a:xfrm>
-            <a:off x="16944313" y="8759197"/>
+            <a:off x="17586738" y="8631669"/>
             <a:ext cx="926325" cy="540000"/>
           </a:xfrm>
           <a:prstGeom prst="rect">
@@ -35769,13 +35722,8 @@
             <a:pPr algn="ctr"/>
             <a:r>
               <a:rPr lang="ru-RU" sz="700" dirty="0"/>
-              <a:t>Начать борьбу с буржуазией в стране </a:t>
-            </a:r>
-            <a:r>
-              <a:rPr lang="ru-RU" sz="200" dirty="0"/>
-              <a:t>(для борьбы с буржуазией во всех ее секторах, от самых реакционных и провозглашенных фашистских и милитаристских диктатур до социалистов и анархо-синдикалистов, наших самых ярые враги и самые решительные сторонники капитала)</a:t>
-            </a:r>
-            <a:endParaRPr lang="ru-RU" sz="700" dirty="0"/>
+              <a:t>Начать борьбу с буржуазией в стране</a:t>
+            </a:r>
           </a:p>
         </p:txBody>
       </p:sp>
@@ -35793,7 +35741,7 @@
         </p:nvSpPr>
         <p:spPr>
           <a:xfrm>
-            <a:off x="15838367" y="9521325"/>
+            <a:off x="17035212" y="9399651"/>
             <a:ext cx="926325" cy="540000"/>
           </a:xfrm>
           <a:prstGeom prst="rect">
@@ -35828,13 +35776,8 @@
             <a:pPr algn="ctr"/>
             <a:r>
               <a:rPr lang="ru-RU" sz="700" dirty="0"/>
-              <a:t>Коллективизация частной собственности </a:t>
-            </a:r>
-            <a:r>
-              <a:rPr lang="ru-RU" sz="200" dirty="0"/>
-              <a:t>(Что касается программы экономических и социальных преобразований, то речь идет о борьбе «за обобществление всех средств производства и обмена, за превращение частной собственности в собственность коллективную.</a:t>
-            </a:r>
-            <a:endParaRPr lang="ru-RU" sz="700" dirty="0"/>
+              <a:t>Коллективизация частной собственности</a:t>
+            </a:r>
           </a:p>
         </p:txBody>
       </p:sp>
@@ -35852,7 +35795,7 @@
         </p:nvSpPr>
         <p:spPr>
           <a:xfrm>
-            <a:off x="16946803" y="9521325"/>
+            <a:off x="15937429" y="9390333"/>
             <a:ext cx="926325" cy="540000"/>
           </a:xfrm>
           <a:prstGeom prst="rect">
@@ -35889,11 +35832,6 @@
               <a:rPr lang="ru-RU" sz="700" dirty="0"/>
               <a:t>Обобществление всех средств производства</a:t>
             </a:r>
-            <a:r>
-              <a:rPr lang="ru-RU" sz="200" dirty="0"/>
-              <a:t>(Что касается программы экономических и социальных преобразований, то речь идет о борьбе «за обобществление всех средств производства и обмена, за превращение частной собственности в собственность коллективную.</a:t>
-            </a:r>
-            <a:endParaRPr lang="ru-RU" sz="700" dirty="0"/>
           </a:p>
         </p:txBody>
       </p:sp>
@@ -35911,7 +35849,7 @@
         </p:nvSpPr>
         <p:spPr>
           <a:xfrm>
-            <a:off x="19136675" y="7076682"/>
+            <a:off x="17021753" y="6953766"/>
             <a:ext cx="926325" cy="540000"/>
           </a:xfrm>
           <a:prstGeom prst="rect">
@@ -35946,33 +35884,8 @@
             <a:pPr algn="ctr"/>
             <a:r>
               <a:rPr lang="ru-RU" sz="700" dirty="0"/>
-              <a:t>Союз Республик Иберийских Советов </a:t>
-            </a:r>
-            <a:r>
-              <a:rPr lang="ru-RU" sz="100" dirty="0" err="1"/>
-              <a:t>Diário</a:t>
-            </a:r>
-            <a:r>
-              <a:rPr lang="ru-RU" sz="100" dirty="0"/>
-              <a:t> </a:t>
-            </a:r>
-            <a:r>
-              <a:rPr lang="ru-RU" sz="100" dirty="0" err="1"/>
-              <a:t>de</a:t>
-            </a:r>
-            <a:r>
-              <a:rPr lang="ru-RU" sz="100" dirty="0"/>
-              <a:t> </a:t>
-            </a:r>
-            <a:r>
-              <a:rPr lang="ru-RU" sz="100" dirty="0" err="1"/>
-              <a:t>Notícias</a:t>
-            </a:r>
-            <a:r>
-              <a:rPr lang="ru-RU" sz="100" dirty="0"/>
-              <a:t> также публикует 3 мая с указанием, что Министерство образования направило его в печать, манифест, подписанный «Академической фракцией ПК и JCP и Союзом академических ядер, сочувствующих коммунизму и Союз Советский», о подлинности которых надо сделать оговорку, так как других указаний на существование такой «Фракции» или таких «Ядер» у нас нет. Он развивает яростную критику республиканских студентов и завершается призывом к созданию «Союза Республик Иберийских Советов». Попутно констатируется, что «в настоящее время в Академии 722 мы являемся единственной организованной силой».</a:t>
-            </a:r>
-            <a:endParaRPr lang="ru-RU" sz="700" dirty="0"/>
+              <a:t>Союз Республик Иберийских Советов</a:t>
+            </a:r>
           </a:p>
         </p:txBody>
       </p:sp>
@@ -35994,7 +35907,7 @@
         </p:nvCxnSpPr>
         <p:spPr>
           <a:xfrm>
-            <a:off x="19598885" y="6805230"/>
+            <a:off x="17483963" y="6682314"/>
             <a:ext cx="953" cy="271452"/>
           </a:xfrm>
           <a:prstGeom prst="straightConnector1">
@@ -36021,10 +35934,10 @@
       </p:cxnSp>
       <p:sp>
         <p:nvSpPr>
-          <p:cNvPr id="842" name="Прямоугольник 841">
+          <p:cNvPr id="845" name="Прямоугольник 844">
             <a:extLst>
               <a:ext uri="{FF2B5EF4-FFF2-40B4-BE49-F238E27FC236}">
-                <a16:creationId xmlns:a16="http://schemas.microsoft.com/office/drawing/2014/main" id="{C992E1F8-24DC-40F3-842D-1B696945FCCA}"/>
+                <a16:creationId xmlns:a16="http://schemas.microsoft.com/office/drawing/2014/main" id="{2F982291-23C9-40D2-8BFF-548D9BC81589}"/>
               </a:ext>
             </a:extLst>
           </p:cNvPr>
@@ -36033,7 +35946,7 @@
         </p:nvSpPr>
         <p:spPr>
           <a:xfrm>
-            <a:off x="18207105" y="8010726"/>
+            <a:off x="37379927" y="6175581"/>
             <a:ext cx="926325" cy="540000"/>
           </a:xfrm>
           <a:prstGeom prst="rect">
@@ -36068,13 +35981,528 @@
             <a:pPr algn="ctr"/>
             <a:r>
               <a:rPr lang="ru-RU" sz="700" dirty="0"/>
-              <a:t>Социальная трансформация республики </a:t>
-            </a:r>
-            <a:r>
-              <a:rPr lang="ru-RU" sz="200" dirty="0"/>
-              <a:t>Иными словами: двигалась идея о том, что социальная трансформация республики зависит уже не от республиканских партий, а главным образом от появления другой политической силы.— которая уже имела социальное существование, хотя и рассеянное, и что было бы необходимо наделить ее теоретической и органической связью, чтобы она могла быть голосом народной воли, еще не имеющей политического выражения</a:t>
+              <a:t>Программа социальной реорганизации </a:t>
+            </a:r>
+            <a:r>
+              <a:rPr lang="ru-RU" sz="100" dirty="0"/>
+              <a:t>В № 2 еженедельника </a:t>
+            </a:r>
+            <a:r>
+              <a:rPr lang="ru-RU" sz="100" dirty="0" err="1"/>
+              <a:t>Bandeira</a:t>
+            </a:r>
+            <a:r>
+              <a:rPr lang="ru-RU" sz="100" dirty="0"/>
+              <a:t> </a:t>
+            </a:r>
+            <a:r>
+              <a:rPr lang="ru-RU" sz="100" dirty="0" err="1"/>
+              <a:t>Vermelha</a:t>
+            </a:r>
+            <a:r>
+              <a:rPr lang="ru-RU" sz="100" dirty="0"/>
+              <a:t> максималисты запускают программу социальной реорганизации, в которой они обрисовывают будущее максималистского общества. Первой мерой, которая должна быть принята, была бы отмена частной собственности и права производства и потребления для всех. Другие его предложения включали «отмену наследства, отмену налогов, отмену государственного долга, отмену проституции, бесплатное медицинское обслуживание, запрет на продажу алкогольных напитков, отмену азартных игр и осуществление религиозных свобода и отправление культа»</a:t>
             </a:r>
             <a:endParaRPr lang="ru-RU" sz="700" dirty="0"/>
+          </a:p>
+        </p:txBody>
+      </p:sp>
+      <p:cxnSp>
+        <p:nvCxnSpPr>
+          <p:cNvPr id="846" name="Соединительная линия уступом 722">
+            <a:extLst>
+              <a:ext uri="{FF2B5EF4-FFF2-40B4-BE49-F238E27FC236}">
+                <a16:creationId xmlns:a16="http://schemas.microsoft.com/office/drawing/2014/main" id="{2317C8F7-F623-42EA-8837-7D2F89FA102A}"/>
+              </a:ext>
+            </a:extLst>
+          </p:cNvPr>
+          <p:cNvCxnSpPr>
+            <a:cxnSpLocks/>
+            <a:stCxn id="677" idx="2"/>
+            <a:endCxn id="680" idx="0"/>
+          </p:cNvCxnSpPr>
+          <p:nvPr/>
+        </p:nvCxnSpPr>
+        <p:spPr>
+          <a:xfrm rot="5400000">
+            <a:off x="17149190" y="10495089"/>
+            <a:ext cx="151970" cy="557181"/>
+          </a:xfrm>
+          <a:prstGeom prst="bentConnector3">
+            <a:avLst>
+              <a:gd name="adj1" fmla="val 50000"/>
+            </a:avLst>
+          </a:prstGeom>
+          <a:ln w="19050">
+            <a:tailEnd type="arrow"/>
+          </a:ln>
+        </p:spPr>
+        <p:style>
+          <a:lnRef idx="1">
+            <a:schemeClr val="accent1"/>
+          </a:lnRef>
+          <a:fillRef idx="0">
+            <a:schemeClr val="accent1"/>
+          </a:fillRef>
+          <a:effectRef idx="0">
+            <a:schemeClr val="accent1"/>
+          </a:effectRef>
+          <a:fontRef idx="minor">
+            <a:schemeClr val="tx1"/>
+          </a:fontRef>
+        </p:style>
+      </p:cxnSp>
+      <p:cxnSp>
+        <p:nvCxnSpPr>
+          <p:cNvPr id="850" name="Прямая со стрелкой 849">
+            <a:extLst>
+              <a:ext uri="{FF2B5EF4-FFF2-40B4-BE49-F238E27FC236}">
+                <a16:creationId xmlns:a16="http://schemas.microsoft.com/office/drawing/2014/main" id="{AB2DB38E-4E5A-40F8-A2FF-B397BCB92560}"/>
+              </a:ext>
+            </a:extLst>
+          </p:cNvPr>
+          <p:cNvCxnSpPr>
+            <a:cxnSpLocks/>
+            <a:stCxn id="826" idx="2"/>
+            <a:endCxn id="677" idx="0"/>
+          </p:cNvCxnSpPr>
+          <p:nvPr/>
+        </p:nvCxnSpPr>
+        <p:spPr>
+          <a:xfrm>
+            <a:off x="17498375" y="9939651"/>
+            <a:ext cx="5390" cy="218043"/>
+          </a:xfrm>
+          <a:prstGeom prst="straightConnector1">
+            <a:avLst/>
+          </a:prstGeom>
+          <a:ln w="19050">
+            <a:tailEnd type="arrow"/>
+          </a:ln>
+        </p:spPr>
+        <p:style>
+          <a:lnRef idx="1">
+            <a:schemeClr val="accent1"/>
+          </a:lnRef>
+          <a:fillRef idx="0">
+            <a:schemeClr val="accent1"/>
+          </a:fillRef>
+          <a:effectRef idx="0">
+            <a:schemeClr val="accent1"/>
+          </a:effectRef>
+          <a:fontRef idx="minor">
+            <a:schemeClr val="tx1"/>
+          </a:fontRef>
+        </p:style>
+      </p:cxnSp>
+      <p:sp>
+        <p:nvSpPr>
+          <p:cNvPr id="842" name="Прямоугольник 841">
+            <a:extLst>
+              <a:ext uri="{FF2B5EF4-FFF2-40B4-BE49-F238E27FC236}">
+                <a16:creationId xmlns:a16="http://schemas.microsoft.com/office/drawing/2014/main" id="{40E88270-9EE1-4C4D-9C4F-F602AED7CEDA}"/>
+              </a:ext>
+            </a:extLst>
+          </p:cNvPr>
+          <p:cNvSpPr/>
+          <p:nvPr/>
+        </p:nvSpPr>
+        <p:spPr>
+          <a:xfrm>
+            <a:off x="15380248" y="10849018"/>
+            <a:ext cx="926325" cy="540000"/>
+          </a:xfrm>
+          <a:prstGeom prst="rect">
+            <a:avLst/>
+          </a:prstGeom>
+          <a:solidFill>
+            <a:schemeClr val="accent4">
+              <a:lumMod val="60000"/>
+              <a:lumOff val="40000"/>
+            </a:schemeClr>
+          </a:solidFill>
+          <a:ln w="19050"/>
+        </p:spPr>
+        <p:style>
+          <a:lnRef idx="2">
+            <a:schemeClr val="accent1"/>
+          </a:lnRef>
+          <a:fillRef idx="1">
+            <a:schemeClr val="lt1"/>
+          </a:fillRef>
+          <a:effectRef idx="0">
+            <a:schemeClr val="accent1"/>
+          </a:effectRef>
+          <a:fontRef idx="minor">
+            <a:schemeClr val="dk1"/>
+          </a:fontRef>
+        </p:style>
+        <p:txBody>
+          <a:bodyPr lIns="124733" tIns="62367" rIns="124733" bIns="62367" rtlCol="0" anchor="ctr"/>
+          <a:lstStyle/>
+          <a:p>
+            <a:pPr algn="ctr"/>
+            <a:r>
+              <a:rPr lang="ru-RU" sz="700" dirty="0"/>
+              <a:t>Переместить радио партии в Лиссабон</a:t>
+            </a:r>
+          </a:p>
+        </p:txBody>
+      </p:sp>
+      <p:cxnSp>
+        <p:nvCxnSpPr>
+          <p:cNvPr id="851" name="Соединительная линия уступом 961">
+            <a:extLst>
+              <a:ext uri="{FF2B5EF4-FFF2-40B4-BE49-F238E27FC236}">
+                <a16:creationId xmlns:a16="http://schemas.microsoft.com/office/drawing/2014/main" id="{83E104F9-DF3D-451A-A836-30E6DFEE01BE}"/>
+              </a:ext>
+            </a:extLst>
+          </p:cNvPr>
+          <p:cNvCxnSpPr>
+            <a:cxnSpLocks/>
+            <a:stCxn id="820" idx="2"/>
+            <a:endCxn id="842" idx="0"/>
+          </p:cNvCxnSpPr>
+          <p:nvPr/>
+        </p:nvCxnSpPr>
+        <p:spPr>
+          <a:xfrm rot="5400000">
+            <a:off x="16107982" y="8907098"/>
+            <a:ext cx="1677349" cy="2206490"/>
+          </a:xfrm>
+          <a:prstGeom prst="bentConnector3">
+            <a:avLst>
+              <a:gd name="adj1" fmla="val 6463"/>
+            </a:avLst>
+          </a:prstGeom>
+          <a:ln w="19050">
+            <a:tailEnd type="arrow"/>
+          </a:ln>
+        </p:spPr>
+        <p:style>
+          <a:lnRef idx="1">
+            <a:schemeClr val="accent1"/>
+          </a:lnRef>
+          <a:fillRef idx="0">
+            <a:schemeClr val="accent1"/>
+          </a:fillRef>
+          <a:effectRef idx="0">
+            <a:schemeClr val="accent1"/>
+          </a:effectRef>
+          <a:fontRef idx="minor">
+            <a:schemeClr val="tx1"/>
+          </a:fontRef>
+        </p:style>
+      </p:cxnSp>
+      <p:sp>
+        <p:nvSpPr>
+          <p:cNvPr id="853" name="Прямоугольник 852">
+            <a:extLst>
+              <a:ext uri="{FF2B5EF4-FFF2-40B4-BE49-F238E27FC236}">
+                <a16:creationId xmlns:a16="http://schemas.microsoft.com/office/drawing/2014/main" id="{3B3152CE-6CFA-4192-B298-F23C2FBE51CA}"/>
+              </a:ext>
+            </a:extLst>
+          </p:cNvPr>
+          <p:cNvSpPr/>
+          <p:nvPr/>
+        </p:nvSpPr>
+        <p:spPr>
+          <a:xfrm>
+            <a:off x="17653281" y="6138918"/>
+            <a:ext cx="486698" cy="231064"/>
+          </a:xfrm>
+          <a:prstGeom prst="rect">
+            <a:avLst/>
+          </a:prstGeom>
+          <a:ln w="28575"/>
+        </p:spPr>
+        <p:style>
+          <a:lnRef idx="2">
+            <a:schemeClr val="accent1"/>
+          </a:lnRef>
+          <a:fillRef idx="1">
+            <a:schemeClr val="lt1"/>
+          </a:fillRef>
+          <a:effectRef idx="0">
+            <a:schemeClr val="accent1"/>
+          </a:effectRef>
+          <a:fontRef idx="minor">
+            <a:schemeClr val="dk1"/>
+          </a:fontRef>
+        </p:style>
+        <p:txBody>
+          <a:bodyPr lIns="124733" tIns="62367" rIns="124733" bIns="62367" rtlCol="0" anchor="ctr"/>
+          <a:lstStyle/>
+          <a:p>
+            <a:pPr algn="ctr"/>
+            <a:r>
+              <a:rPr lang="ru-RU" sz="1400" b="1" dirty="0">
+                <a:solidFill>
+                  <a:srgbClr val="C00000"/>
+                </a:solidFill>
+              </a:rPr>
+              <a:t>20</a:t>
+            </a:r>
+          </a:p>
+        </p:txBody>
+      </p:sp>
+      <p:sp>
+        <p:nvSpPr>
+          <p:cNvPr id="854" name="Прямоугольник 853">
+            <a:extLst>
+              <a:ext uri="{FF2B5EF4-FFF2-40B4-BE49-F238E27FC236}">
+                <a16:creationId xmlns:a16="http://schemas.microsoft.com/office/drawing/2014/main" id="{E0B217E3-D1FC-4EB6-A06D-F64E441DC7A1}"/>
+              </a:ext>
+            </a:extLst>
+          </p:cNvPr>
+          <p:cNvSpPr/>
+          <p:nvPr/>
+        </p:nvSpPr>
+        <p:spPr>
+          <a:xfrm>
+            <a:off x="16516363" y="6131143"/>
+            <a:ext cx="486698" cy="231064"/>
+          </a:xfrm>
+          <a:prstGeom prst="rect">
+            <a:avLst/>
+          </a:prstGeom>
+          <a:ln w="28575"/>
+        </p:spPr>
+        <p:style>
+          <a:lnRef idx="2">
+            <a:schemeClr val="accent1"/>
+          </a:lnRef>
+          <a:fillRef idx="1">
+            <a:schemeClr val="lt1"/>
+          </a:fillRef>
+          <a:effectRef idx="0">
+            <a:schemeClr val="accent1"/>
+          </a:effectRef>
+          <a:fontRef idx="minor">
+            <a:schemeClr val="dk1"/>
+          </a:fontRef>
+        </p:style>
+        <p:txBody>
+          <a:bodyPr lIns="124733" tIns="62367" rIns="124733" bIns="62367" rtlCol="0" anchor="ctr"/>
+          <a:lstStyle/>
+          <a:p>
+            <a:pPr algn="ctr"/>
+            <a:r>
+              <a:rPr lang="ru-RU" sz="1400" b="1" dirty="0">
+                <a:solidFill>
+                  <a:srgbClr val="C00000"/>
+                </a:solidFill>
+              </a:rPr>
+              <a:t>10</a:t>
+            </a:r>
+          </a:p>
+        </p:txBody>
+      </p:sp>
+      <p:sp>
+        <p:nvSpPr>
+          <p:cNvPr id="857" name="Прямоугольник 856">
+            <a:extLst>
+              <a:ext uri="{FF2B5EF4-FFF2-40B4-BE49-F238E27FC236}">
+                <a16:creationId xmlns:a16="http://schemas.microsoft.com/office/drawing/2014/main" id="{6F1C8480-147C-434E-A50C-2F7AAB2A97F4}"/>
+              </a:ext>
+            </a:extLst>
+          </p:cNvPr>
+          <p:cNvSpPr/>
+          <p:nvPr/>
+        </p:nvSpPr>
+        <p:spPr>
+          <a:xfrm>
+            <a:off x="13505605" y="6170428"/>
+            <a:ext cx="486698" cy="231064"/>
+          </a:xfrm>
+          <a:prstGeom prst="rect">
+            <a:avLst/>
+          </a:prstGeom>
+          <a:ln w="28575"/>
+        </p:spPr>
+        <p:style>
+          <a:lnRef idx="2">
+            <a:schemeClr val="accent1"/>
+          </a:lnRef>
+          <a:fillRef idx="1">
+            <a:schemeClr val="lt1"/>
+          </a:fillRef>
+          <a:effectRef idx="0">
+            <a:schemeClr val="accent1"/>
+          </a:effectRef>
+          <a:fontRef idx="minor">
+            <a:schemeClr val="dk1"/>
+          </a:fontRef>
+        </p:style>
+        <p:txBody>
+          <a:bodyPr lIns="124733" tIns="62367" rIns="124733" bIns="62367" rtlCol="0" anchor="ctr"/>
+          <a:lstStyle/>
+          <a:p>
+            <a:pPr algn="ctr"/>
+            <a:r>
+              <a:rPr lang="ru-RU" sz="1400" b="1" dirty="0">
+                <a:solidFill>
+                  <a:srgbClr val="C00000"/>
+                </a:solidFill>
+              </a:rPr>
+              <a:t>10</a:t>
+            </a:r>
+          </a:p>
+        </p:txBody>
+      </p:sp>
+      <p:sp>
+        <p:nvSpPr>
+          <p:cNvPr id="858" name="Прямоугольник 857">
+            <a:extLst>
+              <a:ext uri="{FF2B5EF4-FFF2-40B4-BE49-F238E27FC236}">
+                <a16:creationId xmlns:a16="http://schemas.microsoft.com/office/drawing/2014/main" id="{54675529-FDF3-4CCC-B239-90BF6915F3FD}"/>
+              </a:ext>
+            </a:extLst>
+          </p:cNvPr>
+          <p:cNvSpPr/>
+          <p:nvPr/>
+        </p:nvSpPr>
+        <p:spPr>
+          <a:xfrm>
+            <a:off x="13513582" y="6926562"/>
+            <a:ext cx="486698" cy="231064"/>
+          </a:xfrm>
+          <a:prstGeom prst="rect">
+            <a:avLst/>
+          </a:prstGeom>
+          <a:ln w="28575"/>
+        </p:spPr>
+        <p:style>
+          <a:lnRef idx="2">
+            <a:schemeClr val="accent1"/>
+          </a:lnRef>
+          <a:fillRef idx="1">
+            <a:schemeClr val="lt1"/>
+          </a:fillRef>
+          <a:effectRef idx="0">
+            <a:schemeClr val="accent1"/>
+          </a:effectRef>
+          <a:fontRef idx="minor">
+            <a:schemeClr val="dk1"/>
+          </a:fontRef>
+        </p:style>
+        <p:txBody>
+          <a:bodyPr lIns="124733" tIns="62367" rIns="124733" bIns="62367" rtlCol="0" anchor="ctr"/>
+          <a:lstStyle/>
+          <a:p>
+            <a:pPr algn="ctr"/>
+            <a:r>
+              <a:rPr lang="ru-RU" sz="1400" b="1" dirty="0">
+                <a:solidFill>
+                  <a:srgbClr val="C00000"/>
+                </a:solidFill>
+              </a:rPr>
+              <a:t>20</a:t>
+            </a:r>
+          </a:p>
+        </p:txBody>
+      </p:sp>
+      <p:sp>
+        <p:nvSpPr>
+          <p:cNvPr id="862" name="Прямоугольник 861">
+            <a:extLst>
+              <a:ext uri="{FF2B5EF4-FFF2-40B4-BE49-F238E27FC236}">
+                <a16:creationId xmlns:a16="http://schemas.microsoft.com/office/drawing/2014/main" id="{F46601F4-8B4B-412F-81BF-34629A976B54}"/>
+              </a:ext>
+            </a:extLst>
+          </p:cNvPr>
+          <p:cNvSpPr/>
+          <p:nvPr/>
+        </p:nvSpPr>
+        <p:spPr>
+          <a:xfrm>
+            <a:off x="15049107" y="8582559"/>
+            <a:ext cx="486698" cy="231064"/>
+          </a:xfrm>
+          <a:prstGeom prst="rect">
+            <a:avLst/>
+          </a:prstGeom>
+          <a:ln w="28575"/>
+        </p:spPr>
+        <p:style>
+          <a:lnRef idx="2">
+            <a:schemeClr val="accent1"/>
+          </a:lnRef>
+          <a:fillRef idx="1">
+            <a:schemeClr val="lt1"/>
+          </a:fillRef>
+          <a:effectRef idx="0">
+            <a:schemeClr val="accent1"/>
+          </a:effectRef>
+          <a:fontRef idx="minor">
+            <a:schemeClr val="dk1"/>
+          </a:fontRef>
+        </p:style>
+        <p:txBody>
+          <a:bodyPr lIns="124733" tIns="62367" rIns="124733" bIns="62367" rtlCol="0" anchor="ctr"/>
+          <a:lstStyle/>
+          <a:p>
+            <a:pPr algn="ctr"/>
+            <a:r>
+              <a:rPr lang="ru-RU" sz="1400" b="1" dirty="0">
+                <a:solidFill>
+                  <a:srgbClr val="C00000"/>
+                </a:solidFill>
+              </a:rPr>
+              <a:t>20</a:t>
+            </a:r>
+          </a:p>
+        </p:txBody>
+      </p:sp>
+      <p:sp>
+        <p:nvSpPr>
+          <p:cNvPr id="872" name="Прямоугольник 871">
+            <a:extLst>
+              <a:ext uri="{FF2B5EF4-FFF2-40B4-BE49-F238E27FC236}">
+                <a16:creationId xmlns:a16="http://schemas.microsoft.com/office/drawing/2014/main" id="{0FE00B3F-CC73-4C3F-92C2-2A41859768A4}"/>
+              </a:ext>
+            </a:extLst>
+          </p:cNvPr>
+          <p:cNvSpPr/>
+          <p:nvPr/>
+        </p:nvSpPr>
+        <p:spPr>
+          <a:xfrm>
+            <a:off x="12890729" y="8545988"/>
+            <a:ext cx="486698" cy="231064"/>
+          </a:xfrm>
+          <a:prstGeom prst="rect">
+            <a:avLst/>
+          </a:prstGeom>
+          <a:ln w="28575"/>
+        </p:spPr>
+        <p:style>
+          <a:lnRef idx="2">
+            <a:schemeClr val="accent1"/>
+          </a:lnRef>
+          <a:fillRef idx="1">
+            <a:schemeClr val="lt1"/>
+          </a:fillRef>
+          <a:effectRef idx="0">
+            <a:schemeClr val="accent1"/>
+          </a:effectRef>
+          <a:fontRef idx="minor">
+            <a:schemeClr val="dk1"/>
+          </a:fontRef>
+        </p:style>
+        <p:txBody>
+          <a:bodyPr lIns="124733" tIns="62367" rIns="124733" bIns="62367" rtlCol="0" anchor="ctr"/>
+          <a:lstStyle/>
+          <a:p>
+            <a:pPr algn="ctr"/>
+            <a:r>
+              <a:rPr lang="ru-RU" sz="1400" b="1" dirty="0">
+                <a:solidFill>
+                  <a:srgbClr val="C00000"/>
+                </a:solidFill>
+              </a:rPr>
+              <a:t>20</a:t>
+            </a:r>
           </a:p>
         </p:txBody>
       </p:sp>

--- a/Наработки/диздоки/Португалия/Португалия общая.pptx
+++ b/Наработки/диздоки/Португалия/Португалия общая.pptx
@@ -209,7 +209,7 @@
             <a:fld id="{33E3D7F9-E251-484C-A6FF-FA958879DF69}" type="datetimeFigureOut">
               <a:rPr lang="ru-RU" smtClean="0"/>
               <a:pPr/>
-              <a:t>30.05.2023</a:t>
+              <a:t>31.05.2023</a:t>
             </a:fld>
             <a:endParaRPr lang="ru-RU"/>
           </a:p>
@@ -699,7 +699,7 @@
             <a:fld id="{85A5DE44-605B-4D3B-B2B7-94543DF81A36}" type="datetimeFigureOut">
               <a:rPr lang="ru-RU" smtClean="0"/>
               <a:pPr/>
-              <a:t>30.05.2023</a:t>
+              <a:t>31.05.2023</a:t>
             </a:fld>
             <a:endParaRPr lang="ru-RU"/>
           </a:p>
@@ -871,7 +871,7 @@
             <a:fld id="{85A5DE44-605B-4D3B-B2B7-94543DF81A36}" type="datetimeFigureOut">
               <a:rPr lang="ru-RU" smtClean="0"/>
               <a:pPr/>
-              <a:t>30.05.2023</a:t>
+              <a:t>31.05.2023</a:t>
             </a:fld>
             <a:endParaRPr lang="ru-RU"/>
           </a:p>
@@ -1053,7 +1053,7 @@
             <a:fld id="{85A5DE44-605B-4D3B-B2B7-94543DF81A36}" type="datetimeFigureOut">
               <a:rPr lang="ru-RU" smtClean="0"/>
               <a:pPr/>
-              <a:t>30.05.2023</a:t>
+              <a:t>31.05.2023</a:t>
             </a:fld>
             <a:endParaRPr lang="ru-RU"/>
           </a:p>
@@ -1225,7 +1225,7 @@
             <a:fld id="{85A5DE44-605B-4D3B-B2B7-94543DF81A36}" type="datetimeFigureOut">
               <a:rPr lang="ru-RU" smtClean="0"/>
               <a:pPr/>
-              <a:t>30.05.2023</a:t>
+              <a:t>31.05.2023</a:t>
             </a:fld>
             <a:endParaRPr lang="ru-RU"/>
           </a:p>
@@ -1473,7 +1473,7 @@
             <a:fld id="{85A5DE44-605B-4D3B-B2B7-94543DF81A36}" type="datetimeFigureOut">
               <a:rPr lang="ru-RU" smtClean="0"/>
               <a:pPr/>
-              <a:t>30.05.2023</a:t>
+              <a:t>31.05.2023</a:t>
             </a:fld>
             <a:endParaRPr lang="ru-RU"/>
           </a:p>
@@ -1707,7 +1707,7 @@
             <a:fld id="{85A5DE44-605B-4D3B-B2B7-94543DF81A36}" type="datetimeFigureOut">
               <a:rPr lang="ru-RU" smtClean="0"/>
               <a:pPr/>
-              <a:t>30.05.2023</a:t>
+              <a:t>31.05.2023</a:t>
             </a:fld>
             <a:endParaRPr lang="ru-RU"/>
           </a:p>
@@ -2076,7 +2076,7 @@
             <a:fld id="{85A5DE44-605B-4D3B-B2B7-94543DF81A36}" type="datetimeFigureOut">
               <a:rPr lang="ru-RU" smtClean="0"/>
               <a:pPr/>
-              <a:t>30.05.2023</a:t>
+              <a:t>31.05.2023</a:t>
             </a:fld>
             <a:endParaRPr lang="ru-RU"/>
           </a:p>
@@ -2196,7 +2196,7 @@
             <a:fld id="{85A5DE44-605B-4D3B-B2B7-94543DF81A36}" type="datetimeFigureOut">
               <a:rPr lang="ru-RU" smtClean="0"/>
               <a:pPr/>
-              <a:t>30.05.2023</a:t>
+              <a:t>31.05.2023</a:t>
             </a:fld>
             <a:endParaRPr lang="ru-RU"/>
           </a:p>
@@ -2293,7 +2293,7 @@
             <a:fld id="{85A5DE44-605B-4D3B-B2B7-94543DF81A36}" type="datetimeFigureOut">
               <a:rPr lang="ru-RU" smtClean="0"/>
               <a:pPr/>
-              <a:t>30.05.2023</a:t>
+              <a:t>31.05.2023</a:t>
             </a:fld>
             <a:endParaRPr lang="ru-RU"/>
           </a:p>
@@ -2572,7 +2572,7 @@
             <a:fld id="{85A5DE44-605B-4D3B-B2B7-94543DF81A36}" type="datetimeFigureOut">
               <a:rPr lang="ru-RU" smtClean="0"/>
               <a:pPr/>
-              <a:t>30.05.2023</a:t>
+              <a:t>31.05.2023</a:t>
             </a:fld>
             <a:endParaRPr lang="ru-RU"/>
           </a:p>
@@ -2831,7 +2831,7 @@
             <a:fld id="{85A5DE44-605B-4D3B-B2B7-94543DF81A36}" type="datetimeFigureOut">
               <a:rPr lang="ru-RU" smtClean="0"/>
               <a:pPr/>
-              <a:t>30.05.2023</a:t>
+              <a:t>31.05.2023</a:t>
             </a:fld>
             <a:endParaRPr lang="ru-RU"/>
           </a:p>
@@ -3046,7 +3046,7 @@
             <a:fld id="{85A5DE44-605B-4D3B-B2B7-94543DF81A36}" type="datetimeFigureOut">
               <a:rPr lang="ru-RU" smtClean="0"/>
               <a:pPr/>
-              <a:t>30.05.2023</a:t>
+              <a:t>31.05.2023</a:t>
             </a:fld>
             <a:endParaRPr lang="ru-RU"/>
           </a:p>
@@ -36075,105 +36075,6 @@
           </a:xfrm>
           <a:prstGeom prst="straightConnector1">
             <a:avLst/>
-          </a:prstGeom>
-          <a:ln w="19050">
-            <a:tailEnd type="arrow"/>
-          </a:ln>
-        </p:spPr>
-        <p:style>
-          <a:lnRef idx="1">
-            <a:schemeClr val="accent1"/>
-          </a:lnRef>
-          <a:fillRef idx="0">
-            <a:schemeClr val="accent1"/>
-          </a:fillRef>
-          <a:effectRef idx="0">
-            <a:schemeClr val="accent1"/>
-          </a:effectRef>
-          <a:fontRef idx="minor">
-            <a:schemeClr val="tx1"/>
-          </a:fontRef>
-        </p:style>
-      </p:cxnSp>
-      <p:sp>
-        <p:nvSpPr>
-          <p:cNvPr id="842" name="Прямоугольник 841">
-            <a:extLst>
-              <a:ext uri="{FF2B5EF4-FFF2-40B4-BE49-F238E27FC236}">
-                <a16:creationId xmlns:a16="http://schemas.microsoft.com/office/drawing/2014/main" id="{40E88270-9EE1-4C4D-9C4F-F602AED7CEDA}"/>
-              </a:ext>
-            </a:extLst>
-          </p:cNvPr>
-          <p:cNvSpPr/>
-          <p:nvPr/>
-        </p:nvSpPr>
-        <p:spPr>
-          <a:xfrm>
-            <a:off x="15380248" y="10849018"/>
-            <a:ext cx="926325" cy="540000"/>
-          </a:xfrm>
-          <a:prstGeom prst="rect">
-            <a:avLst/>
-          </a:prstGeom>
-          <a:solidFill>
-            <a:schemeClr val="accent4">
-              <a:lumMod val="60000"/>
-              <a:lumOff val="40000"/>
-            </a:schemeClr>
-          </a:solidFill>
-          <a:ln w="19050"/>
-        </p:spPr>
-        <p:style>
-          <a:lnRef idx="2">
-            <a:schemeClr val="accent1"/>
-          </a:lnRef>
-          <a:fillRef idx="1">
-            <a:schemeClr val="lt1"/>
-          </a:fillRef>
-          <a:effectRef idx="0">
-            <a:schemeClr val="accent1"/>
-          </a:effectRef>
-          <a:fontRef idx="minor">
-            <a:schemeClr val="dk1"/>
-          </a:fontRef>
-        </p:style>
-        <p:txBody>
-          <a:bodyPr lIns="124733" tIns="62367" rIns="124733" bIns="62367" rtlCol="0" anchor="ctr"/>
-          <a:lstStyle/>
-          <a:p>
-            <a:pPr algn="ctr"/>
-            <a:r>
-              <a:rPr lang="ru-RU" sz="700" dirty="0"/>
-              <a:t>Переместить радио партии в Лиссабон</a:t>
-            </a:r>
-          </a:p>
-        </p:txBody>
-      </p:sp>
-      <p:cxnSp>
-        <p:nvCxnSpPr>
-          <p:cNvPr id="851" name="Соединительная линия уступом 961">
-            <a:extLst>
-              <a:ext uri="{FF2B5EF4-FFF2-40B4-BE49-F238E27FC236}">
-                <a16:creationId xmlns:a16="http://schemas.microsoft.com/office/drawing/2014/main" id="{83E104F9-DF3D-451A-A836-30E6DFEE01BE}"/>
-              </a:ext>
-            </a:extLst>
-          </p:cNvPr>
-          <p:cNvCxnSpPr>
-            <a:cxnSpLocks/>
-            <a:stCxn id="820" idx="2"/>
-            <a:endCxn id="842" idx="0"/>
-          </p:cNvCxnSpPr>
-          <p:nvPr/>
-        </p:nvCxnSpPr>
-        <p:spPr>
-          <a:xfrm rot="5400000">
-            <a:off x="16107982" y="8907098"/>
-            <a:ext cx="1677349" cy="2206490"/>
-          </a:xfrm>
-          <a:prstGeom prst="bentConnector3">
-            <a:avLst>
-              <a:gd name="adj1" fmla="val 6463"/>
-            </a:avLst>
           </a:prstGeom>
           <a:ln w="19050">
             <a:tailEnd type="arrow"/>

--- a/Наработки/диздоки/Португалия/Португалия общая.pptx
+++ b/Наработки/диздоки/Португалия/Португалия общая.pptx
@@ -209,7 +209,7 @@
             <a:fld id="{33E3D7F9-E251-484C-A6FF-FA958879DF69}" type="datetimeFigureOut">
               <a:rPr lang="ru-RU" smtClean="0"/>
               <a:pPr/>
-              <a:t>31.05.2023</a:t>
+              <a:t>05.06.2023</a:t>
             </a:fld>
             <a:endParaRPr lang="ru-RU"/>
           </a:p>
@@ -699,7 +699,7 @@
             <a:fld id="{85A5DE44-605B-4D3B-B2B7-94543DF81A36}" type="datetimeFigureOut">
               <a:rPr lang="ru-RU" smtClean="0"/>
               <a:pPr/>
-              <a:t>31.05.2023</a:t>
+              <a:t>05.06.2023</a:t>
             </a:fld>
             <a:endParaRPr lang="ru-RU"/>
           </a:p>
@@ -871,7 +871,7 @@
             <a:fld id="{85A5DE44-605B-4D3B-B2B7-94543DF81A36}" type="datetimeFigureOut">
               <a:rPr lang="ru-RU" smtClean="0"/>
               <a:pPr/>
-              <a:t>31.05.2023</a:t>
+              <a:t>05.06.2023</a:t>
             </a:fld>
             <a:endParaRPr lang="ru-RU"/>
           </a:p>
@@ -1053,7 +1053,7 @@
             <a:fld id="{85A5DE44-605B-4D3B-B2B7-94543DF81A36}" type="datetimeFigureOut">
               <a:rPr lang="ru-RU" smtClean="0"/>
               <a:pPr/>
-              <a:t>31.05.2023</a:t>
+              <a:t>05.06.2023</a:t>
             </a:fld>
             <a:endParaRPr lang="ru-RU"/>
           </a:p>
@@ -1225,7 +1225,7 @@
             <a:fld id="{85A5DE44-605B-4D3B-B2B7-94543DF81A36}" type="datetimeFigureOut">
               <a:rPr lang="ru-RU" smtClean="0"/>
               <a:pPr/>
-              <a:t>31.05.2023</a:t>
+              <a:t>05.06.2023</a:t>
             </a:fld>
             <a:endParaRPr lang="ru-RU"/>
           </a:p>
@@ -1473,7 +1473,7 @@
             <a:fld id="{85A5DE44-605B-4D3B-B2B7-94543DF81A36}" type="datetimeFigureOut">
               <a:rPr lang="ru-RU" smtClean="0"/>
               <a:pPr/>
-              <a:t>31.05.2023</a:t>
+              <a:t>05.06.2023</a:t>
             </a:fld>
             <a:endParaRPr lang="ru-RU"/>
           </a:p>
@@ -1707,7 +1707,7 @@
             <a:fld id="{85A5DE44-605B-4D3B-B2B7-94543DF81A36}" type="datetimeFigureOut">
               <a:rPr lang="ru-RU" smtClean="0"/>
               <a:pPr/>
-              <a:t>31.05.2023</a:t>
+              <a:t>05.06.2023</a:t>
             </a:fld>
             <a:endParaRPr lang="ru-RU"/>
           </a:p>
@@ -2076,7 +2076,7 @@
             <a:fld id="{85A5DE44-605B-4D3B-B2B7-94543DF81A36}" type="datetimeFigureOut">
               <a:rPr lang="ru-RU" smtClean="0"/>
               <a:pPr/>
-              <a:t>31.05.2023</a:t>
+              <a:t>05.06.2023</a:t>
             </a:fld>
             <a:endParaRPr lang="ru-RU"/>
           </a:p>
@@ -2196,7 +2196,7 @@
             <a:fld id="{85A5DE44-605B-4D3B-B2B7-94543DF81A36}" type="datetimeFigureOut">
               <a:rPr lang="ru-RU" smtClean="0"/>
               <a:pPr/>
-              <a:t>31.05.2023</a:t>
+              <a:t>05.06.2023</a:t>
             </a:fld>
             <a:endParaRPr lang="ru-RU"/>
           </a:p>
@@ -2293,7 +2293,7 @@
             <a:fld id="{85A5DE44-605B-4D3B-B2B7-94543DF81A36}" type="datetimeFigureOut">
               <a:rPr lang="ru-RU" smtClean="0"/>
               <a:pPr/>
-              <a:t>31.05.2023</a:t>
+              <a:t>05.06.2023</a:t>
             </a:fld>
             <a:endParaRPr lang="ru-RU"/>
           </a:p>
@@ -2572,7 +2572,7 @@
             <a:fld id="{85A5DE44-605B-4D3B-B2B7-94543DF81A36}" type="datetimeFigureOut">
               <a:rPr lang="ru-RU" smtClean="0"/>
               <a:pPr/>
-              <a:t>31.05.2023</a:t>
+              <a:t>05.06.2023</a:t>
             </a:fld>
             <a:endParaRPr lang="ru-RU"/>
           </a:p>
@@ -2831,7 +2831,7 @@
             <a:fld id="{85A5DE44-605B-4D3B-B2B7-94543DF81A36}" type="datetimeFigureOut">
               <a:rPr lang="ru-RU" smtClean="0"/>
               <a:pPr/>
-              <a:t>31.05.2023</a:t>
+              <a:t>05.06.2023</a:t>
             </a:fld>
             <a:endParaRPr lang="ru-RU"/>
           </a:p>
@@ -3046,7 +3046,7 @@
             <a:fld id="{85A5DE44-605B-4D3B-B2B7-94543DF81A36}" type="datetimeFigureOut">
               <a:rPr lang="ru-RU" smtClean="0"/>
               <a:pPr/>
-              <a:t>31.05.2023</a:t>
+              <a:t>05.06.2023</a:t>
             </a:fld>
             <a:endParaRPr lang="ru-RU"/>
           </a:p>
@@ -31576,7 +31576,7 @@
             <a:pPr algn="ctr"/>
             <a:r>
               <a:rPr lang="ru-RU" sz="700" dirty="0"/>
-              <a:t>Назначить советников короля (типа кабинета короля)</a:t>
+              <a:t>Назначить советников короля</a:t>
             </a:r>
           </a:p>
         </p:txBody>
@@ -31835,13 +31835,8 @@
             <a:pPr algn="ctr"/>
             <a:r>
               <a:rPr lang="ru-RU" sz="700" dirty="0"/>
-              <a:t>Восстановить дворянские титулы </a:t>
-            </a:r>
-            <a:r>
-              <a:rPr lang="ru-RU" sz="300" dirty="0"/>
-              <a:t>(Вернуть верных короне генералов)</a:t>
-            </a:r>
-            <a:endParaRPr lang="ru-RU" sz="700" dirty="0"/>
+              <a:t>Восстановить дворянские титулы</a:t>
+            </a:r>
           </a:p>
         </p:txBody>
       </p:sp>
@@ -35573,13 +35568,8 @@
             <a:pPr algn="ctr"/>
             <a:r>
               <a:rPr lang="ru-RU" sz="700" dirty="0"/>
-              <a:t>Церковь – духовный партнёр короны </a:t>
-            </a:r>
-            <a:r>
-              <a:rPr lang="ru-RU" sz="300" dirty="0"/>
-              <a:t>(Что касается духовных вопросов, то католической церкви доверяли как привилегированному партнеру политической власти.)</a:t>
-            </a:r>
-            <a:endParaRPr lang="ru-RU" sz="700" dirty="0"/>
+              <a:t>Церковь – духовный партнёр короны</a:t>
+            </a:r>
           </a:p>
         </p:txBody>
       </p:sp>

--- a/Наработки/диздоки/Португалия/Португалия общая.pptx
+++ b/Наработки/диздоки/Португалия/Португалия общая.pptx
@@ -209,7 +209,7 @@
             <a:fld id="{33E3D7F9-E251-484C-A6FF-FA958879DF69}" type="datetimeFigureOut">
               <a:rPr lang="ru-RU" smtClean="0"/>
               <a:pPr/>
-              <a:t>05.06.2023</a:t>
+              <a:t>06.06.2023</a:t>
             </a:fld>
             <a:endParaRPr lang="ru-RU"/>
           </a:p>
@@ -699,7 +699,7 @@
             <a:fld id="{85A5DE44-605B-4D3B-B2B7-94543DF81A36}" type="datetimeFigureOut">
               <a:rPr lang="ru-RU" smtClean="0"/>
               <a:pPr/>
-              <a:t>05.06.2023</a:t>
+              <a:t>06.06.2023</a:t>
             </a:fld>
             <a:endParaRPr lang="ru-RU"/>
           </a:p>
@@ -871,7 +871,7 @@
             <a:fld id="{85A5DE44-605B-4D3B-B2B7-94543DF81A36}" type="datetimeFigureOut">
               <a:rPr lang="ru-RU" smtClean="0"/>
               <a:pPr/>
-              <a:t>05.06.2023</a:t>
+              <a:t>06.06.2023</a:t>
             </a:fld>
             <a:endParaRPr lang="ru-RU"/>
           </a:p>
@@ -1053,7 +1053,7 @@
             <a:fld id="{85A5DE44-605B-4D3B-B2B7-94543DF81A36}" type="datetimeFigureOut">
               <a:rPr lang="ru-RU" smtClean="0"/>
               <a:pPr/>
-              <a:t>05.06.2023</a:t>
+              <a:t>06.06.2023</a:t>
             </a:fld>
             <a:endParaRPr lang="ru-RU"/>
           </a:p>
@@ -1225,7 +1225,7 @@
             <a:fld id="{85A5DE44-605B-4D3B-B2B7-94543DF81A36}" type="datetimeFigureOut">
               <a:rPr lang="ru-RU" smtClean="0"/>
               <a:pPr/>
-              <a:t>05.06.2023</a:t>
+              <a:t>06.06.2023</a:t>
             </a:fld>
             <a:endParaRPr lang="ru-RU"/>
           </a:p>
@@ -1473,7 +1473,7 @@
             <a:fld id="{85A5DE44-605B-4D3B-B2B7-94543DF81A36}" type="datetimeFigureOut">
               <a:rPr lang="ru-RU" smtClean="0"/>
               <a:pPr/>
-              <a:t>05.06.2023</a:t>
+              <a:t>06.06.2023</a:t>
             </a:fld>
             <a:endParaRPr lang="ru-RU"/>
           </a:p>
@@ -1707,7 +1707,7 @@
             <a:fld id="{85A5DE44-605B-4D3B-B2B7-94543DF81A36}" type="datetimeFigureOut">
               <a:rPr lang="ru-RU" smtClean="0"/>
               <a:pPr/>
-              <a:t>05.06.2023</a:t>
+              <a:t>06.06.2023</a:t>
             </a:fld>
             <a:endParaRPr lang="ru-RU"/>
           </a:p>
@@ -2076,7 +2076,7 @@
             <a:fld id="{85A5DE44-605B-4D3B-B2B7-94543DF81A36}" type="datetimeFigureOut">
               <a:rPr lang="ru-RU" smtClean="0"/>
               <a:pPr/>
-              <a:t>05.06.2023</a:t>
+              <a:t>06.06.2023</a:t>
             </a:fld>
             <a:endParaRPr lang="ru-RU"/>
           </a:p>
@@ -2196,7 +2196,7 @@
             <a:fld id="{85A5DE44-605B-4D3B-B2B7-94543DF81A36}" type="datetimeFigureOut">
               <a:rPr lang="ru-RU" smtClean="0"/>
               <a:pPr/>
-              <a:t>05.06.2023</a:t>
+              <a:t>06.06.2023</a:t>
             </a:fld>
             <a:endParaRPr lang="ru-RU"/>
           </a:p>
@@ -2293,7 +2293,7 @@
             <a:fld id="{85A5DE44-605B-4D3B-B2B7-94543DF81A36}" type="datetimeFigureOut">
               <a:rPr lang="ru-RU" smtClean="0"/>
               <a:pPr/>
-              <a:t>05.06.2023</a:t>
+              <a:t>06.06.2023</a:t>
             </a:fld>
             <a:endParaRPr lang="ru-RU"/>
           </a:p>
@@ -2572,7 +2572,7 @@
             <a:fld id="{85A5DE44-605B-4D3B-B2B7-94543DF81A36}" type="datetimeFigureOut">
               <a:rPr lang="ru-RU" smtClean="0"/>
               <a:pPr/>
-              <a:t>05.06.2023</a:t>
+              <a:t>06.06.2023</a:t>
             </a:fld>
             <a:endParaRPr lang="ru-RU"/>
           </a:p>
@@ -2831,7 +2831,7 @@
             <a:fld id="{85A5DE44-605B-4D3B-B2B7-94543DF81A36}" type="datetimeFigureOut">
               <a:rPr lang="ru-RU" smtClean="0"/>
               <a:pPr/>
-              <a:t>05.06.2023</a:t>
+              <a:t>06.06.2023</a:t>
             </a:fld>
             <a:endParaRPr lang="ru-RU"/>
           </a:p>
@@ -3046,7 +3046,7 @@
             <a:fld id="{85A5DE44-605B-4D3B-B2B7-94543DF81A36}" type="datetimeFigureOut">
               <a:rPr lang="ru-RU" smtClean="0"/>
               <a:pPr/>
-              <a:t>05.06.2023</a:t>
+              <a:t>06.06.2023</a:t>
             </a:fld>
             <a:endParaRPr lang="ru-RU"/>
           </a:p>
@@ -5660,7 +5660,7 @@
         </p:nvSpPr>
         <p:spPr>
           <a:xfrm>
-            <a:off x="9491441" y="13063311"/>
+            <a:off x="10041177" y="13095916"/>
             <a:ext cx="926325" cy="540000"/>
           </a:xfrm>
           <a:prstGeom prst="rect">
@@ -5704,9 +5704,9 @@
           <p:nvPr/>
         </p:nvCxnSpPr>
         <p:spPr>
-          <a:xfrm rot="5400000">
-            <a:off x="10114695" y="12682355"/>
-            <a:ext cx="220865" cy="541046"/>
+          <a:xfrm rot="16200000" flipH="1">
+            <a:off x="10373260" y="12964836"/>
+            <a:ext cx="253470" cy="8690"/>
           </a:xfrm>
           <a:prstGeom prst="bentConnector3">
             <a:avLst>
@@ -5743,8 +5743,8 @@
         </p:nvCxnSpPr>
         <p:spPr>
           <a:xfrm rot="16200000" flipH="1">
-            <a:off x="9577510" y="12686216"/>
-            <a:ext cx="220865" cy="533323"/>
+            <a:off x="9836075" y="12427651"/>
+            <a:ext cx="253470" cy="1083059"/>
           </a:xfrm>
           <a:prstGeom prst="bentConnector3">
             <a:avLst>
@@ -7154,7 +7154,7 @@
         </p:nvSpPr>
         <p:spPr>
           <a:xfrm>
-            <a:off x="5815563" y="13077464"/>
+            <a:off x="7914396" y="13082306"/>
             <a:ext cx="926325" cy="540000"/>
           </a:xfrm>
           <a:prstGeom prst="rect">
@@ -7196,7 +7196,7 @@
         </p:nvSpPr>
         <p:spPr>
           <a:xfrm>
-            <a:off x="5815563" y="12302446"/>
+            <a:off x="7910199" y="12317795"/>
             <a:ext cx="926325" cy="540000"/>
           </a:xfrm>
           <a:prstGeom prst="rect">
@@ -7246,7 +7246,7 @@
         </p:nvSpPr>
         <p:spPr>
           <a:xfrm>
-            <a:off x="6874023" y="11520677"/>
+            <a:off x="6858121" y="11520677"/>
             <a:ext cx="926325" cy="540000"/>
           </a:xfrm>
           <a:prstGeom prst="rect">
@@ -7370,7 +7370,7 @@
         </p:nvSpPr>
         <p:spPr>
           <a:xfrm>
-            <a:off x="7917745" y="12302282"/>
+            <a:off x="6862260" y="12318574"/>
             <a:ext cx="926325" cy="540000"/>
           </a:xfrm>
           <a:prstGeom prst="rect">
@@ -7413,7 +7413,7 @@
         </p:nvSpPr>
         <p:spPr>
           <a:xfrm>
-            <a:off x="6874021" y="12302036"/>
+            <a:off x="5815484" y="12302703"/>
             <a:ext cx="926325" cy="540000"/>
           </a:xfrm>
           <a:prstGeom prst="rect">
@@ -7468,7 +7468,7 @@
         </p:nvSpPr>
         <p:spPr>
           <a:xfrm>
-            <a:off x="7919183" y="13075189"/>
+            <a:off x="8973264" y="13075024"/>
             <a:ext cx="926325" cy="540000"/>
           </a:xfrm>
           <a:prstGeom prst="rect">
@@ -7598,7 +7598,7 @@
         </p:nvSpPr>
         <p:spPr>
           <a:xfrm>
-            <a:off x="6874020" y="13075189"/>
+            <a:off x="5815483" y="13075856"/>
             <a:ext cx="926325" cy="540000"/>
           </a:xfrm>
           <a:prstGeom prst="rect">
@@ -7652,7 +7652,7 @@
         </p:nvSpPr>
         <p:spPr>
           <a:xfrm>
-            <a:off x="6874023" y="13885240"/>
+            <a:off x="5815486" y="13885907"/>
             <a:ext cx="926325" cy="540000"/>
           </a:xfrm>
           <a:prstGeom prst="rect">
@@ -7706,8 +7706,8 @@
         </p:nvCxnSpPr>
         <p:spPr>
           <a:xfrm rot="16200000" flipH="1">
-            <a:off x="8265174" y="12958016"/>
-            <a:ext cx="232907" cy="1438"/>
+            <a:off x="8272700" y="11911297"/>
+            <a:ext cx="216450" cy="2111004"/>
           </a:xfrm>
           <a:prstGeom prst="bentConnector3">
             <a:avLst>
@@ -7743,47 +7743,9 @@
           <p:nvPr/>
         </p:nvCxnSpPr>
         <p:spPr>
-          <a:xfrm rot="5400000">
-            <a:off x="8785443" y="12439350"/>
-            <a:ext cx="232743" cy="1038935"/>
-          </a:xfrm>
-          <a:prstGeom prst="bentConnector3">
-            <a:avLst>
-              <a:gd name="adj1" fmla="val 39769"/>
-            </a:avLst>
-          </a:prstGeom>
-          <a:ln w="19050">
-            <a:tailEnd type="arrow"/>
-          </a:ln>
-        </p:spPr>
-        <p:style>
-          <a:lnRef idx="1">
-            <a:schemeClr val="accent1"/>
-          </a:lnRef>
-          <a:fillRef idx="0">
-            <a:schemeClr val="accent1"/>
-          </a:fillRef>
-          <a:effectRef idx="0">
-            <a:schemeClr val="accent1"/>
-          </a:effectRef>
-          <a:fontRef idx="minor">
-            <a:schemeClr val="tx1"/>
-          </a:fontRef>
-        </p:style>
-      </p:cxnSp>
-      <p:cxnSp>
-        <p:nvCxnSpPr>
-          <p:cNvPr id="137" name="Соединительная линия уступом 136"/>
-          <p:cNvCxnSpPr>
-            <a:stCxn id="125" idx="2"/>
-            <a:endCxn id="127" idx="0"/>
-          </p:cNvCxnSpPr>
-          <p:nvPr/>
-        </p:nvCxnSpPr>
-        <p:spPr>
           <a:xfrm rot="16200000" flipH="1">
-            <a:off x="7738245" y="11659618"/>
-            <a:ext cx="241605" cy="1043722"/>
+            <a:off x="9312565" y="12951162"/>
+            <a:ext cx="232578" cy="15146"/>
           </a:xfrm>
           <a:prstGeom prst="bentConnector3">
             <a:avLst>
@@ -7811,17 +7773,17 @@
       </p:cxnSp>
       <p:cxnSp>
         <p:nvCxnSpPr>
-          <p:cNvPr id="140" name="Соединительная линия уступом 139"/>
+          <p:cNvPr id="137" name="Соединительная линия уступом 136"/>
           <p:cNvCxnSpPr>
             <a:stCxn id="125" idx="2"/>
-            <a:endCxn id="123" idx="0"/>
-          </p:cNvCxnSpPr>
-          <p:nvPr/>
-        </p:nvCxnSpPr>
-        <p:spPr>
-          <a:xfrm rot="5400000">
-            <a:off x="6687072" y="11652331"/>
-            <a:ext cx="241769" cy="1058460"/>
+            <a:endCxn id="127" idx="0"/>
+          </p:cNvCxnSpPr>
+          <p:nvPr/>
+        </p:nvCxnSpPr>
+        <p:spPr>
+          <a:xfrm rot="16200000" flipH="1">
+            <a:off x="7194405" y="12187555"/>
+            <a:ext cx="257897" cy="4139"/>
           </a:xfrm>
           <a:prstGeom prst="bentConnector3">
             <a:avLst>
@@ -7849,168 +7811,17 @@
       </p:cxnSp>
       <p:cxnSp>
         <p:nvCxnSpPr>
-          <p:cNvPr id="144" name="Прямая со стрелкой 143"/>
-          <p:cNvCxnSpPr>
-            <a:stCxn id="123" idx="2"/>
-            <a:endCxn id="122" idx="0"/>
-          </p:cNvCxnSpPr>
-          <p:nvPr/>
-        </p:nvCxnSpPr>
-        <p:spPr>
-          <a:xfrm>
-            <a:off x="6278726" y="12842446"/>
-            <a:ext cx="0" cy="235018"/>
-          </a:xfrm>
-          <a:prstGeom prst="straightConnector1">
-            <a:avLst/>
-          </a:prstGeom>
-          <a:ln w="19050">
-            <a:tailEnd type="arrow"/>
-          </a:ln>
-        </p:spPr>
-        <p:style>
-          <a:lnRef idx="1">
-            <a:schemeClr val="accent1"/>
-          </a:lnRef>
-          <a:fillRef idx="0">
-            <a:schemeClr val="accent1"/>
-          </a:fillRef>
-          <a:effectRef idx="0">
-            <a:schemeClr val="accent1"/>
-          </a:effectRef>
-          <a:fontRef idx="minor">
-            <a:schemeClr val="tx1"/>
-          </a:fontRef>
-        </p:style>
-      </p:cxnSp>
-      <p:cxnSp>
-        <p:nvCxnSpPr>
-          <p:cNvPr id="148" name="Прямая со стрелкой 147"/>
-          <p:cNvCxnSpPr>
-            <a:stCxn id="128" idx="2"/>
-            <a:endCxn id="132" idx="0"/>
-          </p:cNvCxnSpPr>
-          <p:nvPr/>
-        </p:nvCxnSpPr>
-        <p:spPr>
-          <a:xfrm flipH="1">
-            <a:off x="7337183" y="12842036"/>
-            <a:ext cx="1" cy="233153"/>
-          </a:xfrm>
-          <a:prstGeom prst="straightConnector1">
-            <a:avLst/>
-          </a:prstGeom>
-          <a:ln w="19050">
-            <a:tailEnd type="arrow"/>
-          </a:ln>
-        </p:spPr>
-        <p:style>
-          <a:lnRef idx="1">
-            <a:schemeClr val="accent1"/>
-          </a:lnRef>
-          <a:fillRef idx="0">
-            <a:schemeClr val="accent1"/>
-          </a:fillRef>
-          <a:effectRef idx="0">
-            <a:schemeClr val="accent1"/>
-          </a:effectRef>
-          <a:fontRef idx="minor">
-            <a:schemeClr val="tx1"/>
-          </a:fontRef>
-        </p:style>
-      </p:cxnSp>
-      <p:cxnSp>
-        <p:nvCxnSpPr>
-          <p:cNvPr id="150" name="Прямая со стрелкой 149"/>
-          <p:cNvCxnSpPr>
-            <a:stCxn id="132" idx="2"/>
-            <a:endCxn id="133" idx="0"/>
-          </p:cNvCxnSpPr>
-          <p:nvPr/>
-        </p:nvCxnSpPr>
-        <p:spPr>
-          <a:xfrm>
-            <a:off x="7337183" y="13615189"/>
-            <a:ext cx="3" cy="270051"/>
-          </a:xfrm>
-          <a:prstGeom prst="straightConnector1">
-            <a:avLst/>
-          </a:prstGeom>
-          <a:ln w="19050">
-            <a:tailEnd type="arrow"/>
-          </a:ln>
-        </p:spPr>
-        <p:style>
-          <a:lnRef idx="1">
-            <a:schemeClr val="accent1"/>
-          </a:lnRef>
-          <a:fillRef idx="0">
-            <a:schemeClr val="accent1"/>
-          </a:fillRef>
-          <a:effectRef idx="0">
-            <a:schemeClr val="accent1"/>
-          </a:effectRef>
-          <a:fontRef idx="minor">
-            <a:schemeClr val="tx1"/>
-          </a:fontRef>
-        </p:style>
-      </p:cxnSp>
-      <p:sp>
-        <p:nvSpPr>
-          <p:cNvPr id="153" name="Прямоугольник 152"/>
-          <p:cNvSpPr/>
-          <p:nvPr/>
-        </p:nvSpPr>
-        <p:spPr>
-          <a:xfrm>
-            <a:off x="48606949" y="34446641"/>
-            <a:ext cx="926325" cy="540000"/>
-          </a:xfrm>
-          <a:prstGeom prst="rect">
-            <a:avLst/>
-          </a:prstGeom>
-          <a:ln w="19050"/>
-        </p:spPr>
-        <p:style>
-          <a:lnRef idx="2">
-            <a:schemeClr val="accent1"/>
-          </a:lnRef>
-          <a:fillRef idx="1">
-            <a:schemeClr val="lt1"/>
-          </a:fillRef>
-          <a:effectRef idx="0">
-            <a:schemeClr val="accent1"/>
-          </a:effectRef>
-          <a:fontRef idx="minor">
-            <a:schemeClr val="dk1"/>
-          </a:fontRef>
-        </p:style>
-        <p:txBody>
-          <a:bodyPr lIns="124733" tIns="62367" rIns="124733" bIns="62367" rtlCol="0" anchor="ctr"/>
-          <a:lstStyle/>
-          <a:p>
-            <a:pPr algn="ctr"/>
-            <a:r>
-              <a:rPr lang="ru-RU" sz="800" dirty="0"/>
-              <a:t>Оккупировать Португальский Тимор</a:t>
-            </a:r>
-            <a:endParaRPr lang="ru-RU" sz="500" dirty="0"/>
-          </a:p>
-        </p:txBody>
-      </p:sp>
-      <p:cxnSp>
-        <p:nvCxnSpPr>
-          <p:cNvPr id="154" name="Соединительная линия уступом 153"/>
-          <p:cNvCxnSpPr>
-            <a:stCxn id="153" idx="2"/>
-            <a:endCxn id="130" idx="0"/>
-          </p:cNvCxnSpPr>
-          <p:nvPr/>
-        </p:nvCxnSpPr>
-        <p:spPr>
-          <a:xfrm rot="5400000">
-            <a:off x="48526413" y="34681776"/>
-            <a:ext cx="238834" cy="848564"/>
+          <p:cNvPr id="140" name="Соединительная линия уступом 139"/>
+          <p:cNvCxnSpPr>
+            <a:stCxn id="125" idx="2"/>
+            <a:endCxn id="123" idx="0"/>
+          </p:cNvCxnSpPr>
+          <p:nvPr/>
+        </p:nvCxnSpPr>
+        <p:spPr>
+          <a:xfrm rot="16200000" flipH="1">
+            <a:off x="7718764" y="11663197"/>
+            <a:ext cx="257118" cy="1052078"/>
           </a:xfrm>
           <a:prstGeom prst="bentConnector3">
             <a:avLst>
@@ -8038,17 +7849,132 @@
       </p:cxnSp>
       <p:cxnSp>
         <p:nvCxnSpPr>
-          <p:cNvPr id="157" name="Соединительная линия уступом 156"/>
+          <p:cNvPr id="148" name="Прямая со стрелкой 147"/>
+          <p:cNvCxnSpPr>
+            <a:stCxn id="128" idx="2"/>
+            <a:endCxn id="132" idx="0"/>
+          </p:cNvCxnSpPr>
+          <p:nvPr/>
+        </p:nvCxnSpPr>
+        <p:spPr>
+          <a:xfrm flipH="1">
+            <a:off x="6278646" y="12842703"/>
+            <a:ext cx="1" cy="233153"/>
+          </a:xfrm>
+          <a:prstGeom prst="straightConnector1">
+            <a:avLst/>
+          </a:prstGeom>
+          <a:ln w="19050">
+            <a:tailEnd type="arrow"/>
+          </a:ln>
+        </p:spPr>
+        <p:style>
+          <a:lnRef idx="1">
+            <a:schemeClr val="accent1"/>
+          </a:lnRef>
+          <a:fillRef idx="0">
+            <a:schemeClr val="accent1"/>
+          </a:fillRef>
+          <a:effectRef idx="0">
+            <a:schemeClr val="accent1"/>
+          </a:effectRef>
+          <a:fontRef idx="minor">
+            <a:schemeClr val="tx1"/>
+          </a:fontRef>
+        </p:style>
+      </p:cxnSp>
+      <p:cxnSp>
+        <p:nvCxnSpPr>
+          <p:cNvPr id="150" name="Прямая со стрелкой 149"/>
+          <p:cNvCxnSpPr>
+            <a:stCxn id="132" idx="2"/>
+            <a:endCxn id="133" idx="0"/>
+          </p:cNvCxnSpPr>
+          <p:nvPr/>
+        </p:nvCxnSpPr>
+        <p:spPr>
+          <a:xfrm>
+            <a:off x="6278646" y="13615856"/>
+            <a:ext cx="3" cy="270051"/>
+          </a:xfrm>
+          <a:prstGeom prst="straightConnector1">
+            <a:avLst/>
+          </a:prstGeom>
+          <a:ln w="19050">
+            <a:tailEnd type="arrow"/>
+          </a:ln>
+        </p:spPr>
+        <p:style>
+          <a:lnRef idx="1">
+            <a:schemeClr val="accent1"/>
+          </a:lnRef>
+          <a:fillRef idx="0">
+            <a:schemeClr val="accent1"/>
+          </a:fillRef>
+          <a:effectRef idx="0">
+            <a:schemeClr val="accent1"/>
+          </a:effectRef>
+          <a:fontRef idx="minor">
+            <a:schemeClr val="tx1"/>
+          </a:fontRef>
+        </p:style>
+      </p:cxnSp>
+      <p:sp>
+        <p:nvSpPr>
+          <p:cNvPr id="153" name="Прямоугольник 152"/>
+          <p:cNvSpPr/>
+          <p:nvPr/>
+        </p:nvSpPr>
+        <p:spPr>
+          <a:xfrm>
+            <a:off x="48606949" y="34446641"/>
+            <a:ext cx="926325" cy="540000"/>
+          </a:xfrm>
+          <a:prstGeom prst="rect">
+            <a:avLst/>
+          </a:prstGeom>
+          <a:ln w="19050"/>
+        </p:spPr>
+        <p:style>
+          <a:lnRef idx="2">
+            <a:schemeClr val="accent1"/>
+          </a:lnRef>
+          <a:fillRef idx="1">
+            <a:schemeClr val="lt1"/>
+          </a:fillRef>
+          <a:effectRef idx="0">
+            <a:schemeClr val="accent1"/>
+          </a:effectRef>
+          <a:fontRef idx="minor">
+            <a:schemeClr val="dk1"/>
+          </a:fontRef>
+        </p:style>
+        <p:txBody>
+          <a:bodyPr lIns="124733" tIns="62367" rIns="124733" bIns="62367" rtlCol="0" anchor="ctr"/>
+          <a:lstStyle/>
+          <a:p>
+            <a:pPr algn="ctr"/>
+            <a:r>
+              <a:rPr lang="ru-RU" sz="800" dirty="0"/>
+              <a:t>Оккупировать Португальский Тимор</a:t>
+            </a:r>
+            <a:endParaRPr lang="ru-RU" sz="500" dirty="0"/>
+          </a:p>
+        </p:txBody>
+      </p:sp>
+      <p:cxnSp>
+        <p:nvCxnSpPr>
+          <p:cNvPr id="154" name="Соединительная линия уступом 153"/>
           <p:cNvCxnSpPr>
             <a:stCxn id="153" idx="2"/>
-            <a:endCxn id="131" idx="0"/>
-          </p:cNvCxnSpPr>
-          <p:nvPr/>
-        </p:nvCxnSpPr>
-        <p:spPr>
-          <a:xfrm rot="16200000" flipH="1">
-            <a:off x="49447955" y="34608797"/>
-            <a:ext cx="238049" cy="993735"/>
+            <a:endCxn id="130" idx="0"/>
+          </p:cNvCxnSpPr>
+          <p:nvPr/>
+        </p:nvCxnSpPr>
+        <p:spPr>
+          <a:xfrm rot="5400000">
+            <a:off x="48526413" y="34681776"/>
+            <a:ext cx="238834" cy="848564"/>
           </a:xfrm>
           <a:prstGeom prst="bentConnector3">
             <a:avLst>
@@ -8076,779 +8002,17 @@
       </p:cxnSp>
       <p:cxnSp>
         <p:nvCxnSpPr>
-          <p:cNvPr id="160" name="Прямая со стрелкой 159"/>
-          <p:cNvCxnSpPr>
-            <a:stCxn id="126" idx="2"/>
-            <a:endCxn id="153" idx="0"/>
-          </p:cNvCxnSpPr>
-          <p:nvPr/>
-        </p:nvCxnSpPr>
-        <p:spPr>
-          <a:xfrm>
-            <a:off x="49070112" y="33840900"/>
-            <a:ext cx="0" cy="605741"/>
-          </a:xfrm>
-          <a:prstGeom prst="straightConnector1">
-            <a:avLst/>
-          </a:prstGeom>
-          <a:ln w="19050">
-            <a:tailEnd type="arrow"/>
-          </a:ln>
-        </p:spPr>
-        <p:style>
-          <a:lnRef idx="1">
-            <a:schemeClr val="accent1"/>
-          </a:lnRef>
-          <a:fillRef idx="0">
-            <a:schemeClr val="accent1"/>
-          </a:fillRef>
-          <a:effectRef idx="0">
-            <a:schemeClr val="accent1"/>
-          </a:effectRef>
-          <a:fontRef idx="minor">
-            <a:schemeClr val="tx1"/>
-          </a:fontRef>
-        </p:style>
-      </p:cxnSp>
-      <p:sp>
-        <p:nvSpPr>
-          <p:cNvPr id="173" name="Прямоугольник 172"/>
-          <p:cNvSpPr/>
-          <p:nvPr/>
-        </p:nvSpPr>
-        <p:spPr>
-          <a:xfrm>
-            <a:off x="8957021" y="14718126"/>
-            <a:ext cx="926325" cy="540000"/>
-          </a:xfrm>
-          <a:prstGeom prst="rect">
-            <a:avLst/>
-          </a:prstGeom>
-          <a:ln w="19050">
-            <a:solidFill>
-              <a:srgbClr val="00B050"/>
-            </a:solidFill>
-          </a:ln>
-        </p:spPr>
-        <p:style>
-          <a:lnRef idx="2">
-            <a:schemeClr val="accent1"/>
-          </a:lnRef>
-          <a:fillRef idx="1">
-            <a:schemeClr val="lt1"/>
-          </a:fillRef>
-          <a:effectRef idx="0">
-            <a:schemeClr val="accent1"/>
-          </a:effectRef>
-          <a:fontRef idx="minor">
-            <a:schemeClr val="dk1"/>
-          </a:fontRef>
-        </p:style>
-        <p:txBody>
-          <a:bodyPr lIns="124733" tIns="62367" rIns="124733" bIns="62367" rtlCol="0" anchor="ctr"/>
-          <a:lstStyle/>
-          <a:p>
-            <a:pPr algn="ctr"/>
-            <a:r>
-              <a:rPr lang="ru-RU" sz="700" dirty="0"/>
-              <a:t>Колониальное управление Макао</a:t>
-            </a:r>
-          </a:p>
-        </p:txBody>
-      </p:sp>
-      <p:sp>
-        <p:nvSpPr>
-          <p:cNvPr id="174" name="Прямоугольник 173"/>
-          <p:cNvSpPr/>
-          <p:nvPr/>
-        </p:nvSpPr>
-        <p:spPr>
-          <a:xfrm>
-            <a:off x="9503317" y="16347003"/>
-            <a:ext cx="926325" cy="540000"/>
-          </a:xfrm>
-          <a:prstGeom prst="rect">
-            <a:avLst/>
-          </a:prstGeom>
-          <a:ln w="19050"/>
-        </p:spPr>
-        <p:style>
-          <a:lnRef idx="2">
-            <a:schemeClr val="accent1"/>
-          </a:lnRef>
-          <a:fillRef idx="1">
-            <a:schemeClr val="lt1"/>
-          </a:fillRef>
-          <a:effectRef idx="0">
-            <a:schemeClr val="accent1"/>
-          </a:effectRef>
-          <a:fontRef idx="minor">
-            <a:schemeClr val="dk1"/>
-          </a:fontRef>
-        </p:style>
-        <p:txBody>
-          <a:bodyPr lIns="124733" tIns="62367" rIns="124733" bIns="62367" rtlCol="0" anchor="ctr"/>
-          <a:lstStyle/>
-          <a:p>
-            <a:pPr algn="ctr"/>
-            <a:r>
-              <a:rPr lang="ru-RU" sz="700" dirty="0"/>
-              <a:t>Красный рынок (1936)</a:t>
-            </a:r>
-          </a:p>
-        </p:txBody>
-      </p:sp>
-      <p:sp>
-        <p:nvSpPr>
-          <p:cNvPr id="175" name="Прямоугольник 174"/>
-          <p:cNvSpPr/>
-          <p:nvPr/>
-        </p:nvSpPr>
-        <p:spPr>
-          <a:xfrm>
-            <a:off x="8444856" y="16347003"/>
-            <a:ext cx="926325" cy="540000"/>
-          </a:xfrm>
-          <a:prstGeom prst="rect">
-            <a:avLst/>
-          </a:prstGeom>
-          <a:ln w="19050"/>
-        </p:spPr>
-        <p:style>
-          <a:lnRef idx="2">
-            <a:schemeClr val="accent1"/>
-          </a:lnRef>
-          <a:fillRef idx="1">
-            <a:schemeClr val="lt1"/>
-          </a:fillRef>
-          <a:effectRef idx="0">
-            <a:schemeClr val="accent1"/>
-          </a:effectRef>
-          <a:fontRef idx="minor">
-            <a:schemeClr val="dk1"/>
-          </a:fontRef>
-        </p:style>
-        <p:txBody>
-          <a:bodyPr lIns="124733" tIns="62367" rIns="124733" bIns="62367" rtlCol="0" anchor="ctr"/>
-          <a:lstStyle/>
-          <a:p>
-            <a:pPr algn="ctr"/>
-            <a:r>
-              <a:rPr lang="ru-RU" sz="700" dirty="0"/>
-              <a:t>Западная линия </a:t>
-            </a:r>
-            <a:r>
-              <a:rPr lang="ru-RU" sz="700" dirty="0" err="1"/>
-              <a:t>Цигуаньского</a:t>
-            </a:r>
-            <a:r>
-              <a:rPr lang="ru-RU" sz="700" dirty="0"/>
-              <a:t> шоссе (1936)</a:t>
-            </a:r>
-          </a:p>
-        </p:txBody>
-      </p:sp>
-      <p:sp>
-        <p:nvSpPr>
-          <p:cNvPr id="176" name="Прямоугольник 175"/>
-          <p:cNvSpPr/>
-          <p:nvPr/>
-        </p:nvSpPr>
-        <p:spPr>
-          <a:xfrm>
-            <a:off x="10547039" y="16347003"/>
-            <a:ext cx="926325" cy="540000"/>
-          </a:xfrm>
-          <a:prstGeom prst="rect">
-            <a:avLst/>
-          </a:prstGeom>
-          <a:ln w="19050"/>
-        </p:spPr>
-        <p:style>
-          <a:lnRef idx="2">
-            <a:schemeClr val="accent1"/>
-          </a:lnRef>
-          <a:fillRef idx="1">
-            <a:schemeClr val="lt1"/>
-          </a:fillRef>
-          <a:effectRef idx="0">
-            <a:schemeClr val="accent1"/>
-          </a:effectRef>
-          <a:fontRef idx="minor">
-            <a:schemeClr val="dk1"/>
-          </a:fontRef>
-        </p:style>
-        <p:txBody>
-          <a:bodyPr lIns="124733" tIns="62367" rIns="124733" bIns="62367" rtlCol="0" anchor="ctr"/>
-          <a:lstStyle/>
-          <a:p>
-            <a:pPr algn="ctr"/>
-            <a:r>
-              <a:rPr lang="ru-RU" sz="700" dirty="0"/>
-              <a:t>Модернизация крепостей под современную войну</a:t>
-            </a:r>
-          </a:p>
-        </p:txBody>
-      </p:sp>
-      <p:sp>
-        <p:nvSpPr>
-          <p:cNvPr id="177" name="Прямоугольник 176"/>
-          <p:cNvSpPr/>
-          <p:nvPr/>
-        </p:nvSpPr>
-        <p:spPr>
-          <a:xfrm>
-            <a:off x="7919182" y="13885239"/>
-            <a:ext cx="926325" cy="540000"/>
-          </a:xfrm>
-          <a:prstGeom prst="rect">
-            <a:avLst/>
-          </a:prstGeom>
-          <a:ln w="19050"/>
-        </p:spPr>
-        <p:style>
-          <a:lnRef idx="2">
-            <a:schemeClr val="accent1"/>
-          </a:lnRef>
-          <a:fillRef idx="1">
-            <a:schemeClr val="lt1"/>
-          </a:fillRef>
-          <a:effectRef idx="0">
-            <a:schemeClr val="accent1"/>
-          </a:effectRef>
-          <a:fontRef idx="minor">
-            <a:schemeClr val="dk1"/>
-          </a:fontRef>
-        </p:style>
-        <p:txBody>
-          <a:bodyPr lIns="124733" tIns="62367" rIns="124733" bIns="62367" rtlCol="0" anchor="ctr"/>
-          <a:lstStyle/>
-          <a:p>
-            <a:pPr algn="ctr"/>
-            <a:r>
-              <a:rPr lang="ru-RU" sz="700" dirty="0"/>
-              <a:t>Призвать </a:t>
-            </a:r>
-            <a:r>
-              <a:rPr lang="ru-RU" sz="700" dirty="0" err="1"/>
-              <a:t>Тиморский</a:t>
-            </a:r>
-            <a:r>
-              <a:rPr lang="ru-RU" sz="700" dirty="0"/>
-              <a:t> гарнизон</a:t>
-            </a:r>
-          </a:p>
-        </p:txBody>
-      </p:sp>
-      <p:cxnSp>
-        <p:nvCxnSpPr>
-          <p:cNvPr id="178" name="Прямая со стрелкой 177"/>
-          <p:cNvCxnSpPr>
-            <a:stCxn id="129" idx="2"/>
-            <a:endCxn id="177" idx="0"/>
-          </p:cNvCxnSpPr>
-          <p:nvPr/>
-        </p:nvCxnSpPr>
-        <p:spPr>
-          <a:xfrm flipH="1">
-            <a:off x="8382345" y="13615189"/>
-            <a:ext cx="1" cy="270050"/>
-          </a:xfrm>
-          <a:prstGeom prst="straightConnector1">
-            <a:avLst/>
-          </a:prstGeom>
-          <a:ln w="19050">
-            <a:tailEnd type="arrow"/>
-          </a:ln>
-        </p:spPr>
-        <p:style>
-          <a:lnRef idx="1">
-            <a:schemeClr val="accent1"/>
-          </a:lnRef>
-          <a:fillRef idx="0">
-            <a:schemeClr val="accent1"/>
-          </a:fillRef>
-          <a:effectRef idx="0">
-            <a:schemeClr val="accent1"/>
-          </a:effectRef>
-          <a:fontRef idx="minor">
-            <a:schemeClr val="tx1"/>
-          </a:fontRef>
-        </p:style>
-      </p:cxnSp>
-      <p:sp>
-        <p:nvSpPr>
-          <p:cNvPr id="184" name="Прямоугольник 183"/>
-          <p:cNvSpPr/>
-          <p:nvPr/>
-        </p:nvSpPr>
-        <p:spPr>
-          <a:xfrm>
-            <a:off x="7395884" y="16332056"/>
-            <a:ext cx="926325" cy="540000"/>
-          </a:xfrm>
-          <a:prstGeom prst="rect">
-            <a:avLst/>
-          </a:prstGeom>
-          <a:ln w="19050"/>
-        </p:spPr>
-        <p:style>
-          <a:lnRef idx="2">
-            <a:schemeClr val="accent1"/>
-          </a:lnRef>
-          <a:fillRef idx="1">
-            <a:schemeClr val="lt1"/>
-          </a:fillRef>
-          <a:effectRef idx="0">
-            <a:schemeClr val="accent1"/>
-          </a:effectRef>
-          <a:fontRef idx="minor">
-            <a:schemeClr val="dk1"/>
-          </a:fontRef>
-        </p:style>
-        <p:txBody>
-          <a:bodyPr lIns="124733" tIns="62367" rIns="124733" bIns="62367" rtlCol="0" anchor="ctr"/>
-          <a:lstStyle/>
-          <a:p>
-            <a:pPr algn="ctr"/>
-            <a:r>
-              <a:rPr lang="en-US" sz="800" dirty="0"/>
-              <a:t>NRP</a:t>
-            </a:r>
-            <a:r>
-              <a:rPr lang="ru-RU" sz="800" dirty="0"/>
-              <a:t> «</a:t>
-            </a:r>
-            <a:r>
-              <a:rPr lang="en-US" sz="800" i="1" dirty="0" err="1"/>
-              <a:t>João</a:t>
-            </a:r>
-            <a:r>
-              <a:rPr lang="en-US" sz="800" i="1" dirty="0"/>
-              <a:t> de </a:t>
-            </a:r>
-            <a:r>
-              <a:rPr lang="en-US" sz="800" i="1" dirty="0" err="1"/>
-              <a:t>Lisboa</a:t>
-            </a:r>
-            <a:r>
-              <a:rPr lang="ru-RU" sz="800" i="1" dirty="0"/>
-              <a:t>» (+1эсминец)</a:t>
-            </a:r>
-            <a:endParaRPr lang="ru-RU" sz="700" dirty="0"/>
-          </a:p>
-        </p:txBody>
-      </p:sp>
-      <p:sp>
-        <p:nvSpPr>
-          <p:cNvPr id="185" name="Прямоугольник 184"/>
-          <p:cNvSpPr/>
-          <p:nvPr/>
-        </p:nvSpPr>
-        <p:spPr>
-          <a:xfrm>
-            <a:off x="10027628" y="17146265"/>
-            <a:ext cx="926325" cy="540000"/>
-          </a:xfrm>
-          <a:prstGeom prst="rect">
-            <a:avLst/>
-          </a:prstGeom>
-          <a:ln w="19050"/>
-        </p:spPr>
-        <p:style>
-          <a:lnRef idx="2">
-            <a:schemeClr val="accent1"/>
-          </a:lnRef>
-          <a:fillRef idx="1">
-            <a:schemeClr val="lt1"/>
-          </a:fillRef>
-          <a:effectRef idx="0">
-            <a:schemeClr val="accent1"/>
-          </a:effectRef>
-          <a:fontRef idx="minor">
-            <a:schemeClr val="dk1"/>
-          </a:fontRef>
-        </p:style>
-        <p:txBody>
-          <a:bodyPr lIns="124733" tIns="62367" rIns="124733" bIns="62367" rtlCol="0" anchor="ctr"/>
-          <a:lstStyle/>
-          <a:p>
-            <a:pPr algn="ctr"/>
-            <a:r>
-              <a:rPr lang="ru-RU" sz="800" dirty="0"/>
-              <a:t>Ассоциация помощи бедствиям в четырех кругах</a:t>
-            </a:r>
-            <a:endParaRPr lang="ru-RU" sz="100" dirty="0"/>
-          </a:p>
-        </p:txBody>
-      </p:sp>
-      <p:sp>
-        <p:nvSpPr>
-          <p:cNvPr id="187" name="Прямоугольник 186"/>
-          <p:cNvSpPr/>
-          <p:nvPr/>
-        </p:nvSpPr>
-        <p:spPr>
-          <a:xfrm>
-            <a:off x="8958120" y="17143323"/>
-            <a:ext cx="926325" cy="540000"/>
-          </a:xfrm>
-          <a:prstGeom prst="rect">
-            <a:avLst/>
-          </a:prstGeom>
-          <a:ln w="19050">
-            <a:solidFill>
-              <a:srgbClr val="00B050"/>
-            </a:solidFill>
-          </a:ln>
-        </p:spPr>
-        <p:style>
-          <a:lnRef idx="2">
-            <a:schemeClr val="accent1"/>
-          </a:lnRef>
-          <a:fillRef idx="1">
-            <a:schemeClr val="lt1"/>
-          </a:fillRef>
-          <a:effectRef idx="0">
-            <a:schemeClr val="accent1"/>
-          </a:effectRef>
-          <a:fontRef idx="minor">
-            <a:schemeClr val="dk1"/>
-          </a:fontRef>
-        </p:style>
-        <p:txBody>
-          <a:bodyPr lIns="124733" tIns="62367" rIns="124733" bIns="62367" rtlCol="0" anchor="ctr"/>
-          <a:lstStyle/>
-          <a:p>
-            <a:pPr algn="ctr"/>
-            <a:r>
-              <a:rPr lang="ru-RU" sz="700" dirty="0"/>
-              <a:t>Организовать центр торговли золотом</a:t>
-            </a:r>
-          </a:p>
-        </p:txBody>
-      </p:sp>
-      <p:sp>
-        <p:nvSpPr>
-          <p:cNvPr id="188" name="Прямоугольник 187"/>
-          <p:cNvSpPr/>
-          <p:nvPr/>
-        </p:nvSpPr>
-        <p:spPr>
-          <a:xfrm>
-            <a:off x="7917746" y="17145365"/>
-            <a:ext cx="926325" cy="540000"/>
-          </a:xfrm>
-          <a:prstGeom prst="rect">
-            <a:avLst/>
-          </a:prstGeom>
-          <a:ln w="19050">
-            <a:solidFill>
-              <a:srgbClr val="00B050"/>
-            </a:solidFill>
-          </a:ln>
-        </p:spPr>
-        <p:style>
-          <a:lnRef idx="2">
-            <a:schemeClr val="accent1"/>
-          </a:lnRef>
-          <a:fillRef idx="1">
-            <a:schemeClr val="lt1"/>
-          </a:fillRef>
-          <a:effectRef idx="0">
-            <a:schemeClr val="accent1"/>
-          </a:effectRef>
-          <a:fontRef idx="minor">
-            <a:schemeClr val="dk1"/>
-          </a:fontRef>
-        </p:style>
-        <p:txBody>
-          <a:bodyPr lIns="124733" tIns="62367" rIns="124733" bIns="62367" rtlCol="0" anchor="ctr"/>
-          <a:lstStyle/>
-          <a:p>
-            <a:pPr algn="ctr"/>
-            <a:r>
-              <a:rPr lang="ru-RU" sz="700" dirty="0"/>
-              <a:t>Торговля китайскими рабочими</a:t>
-            </a:r>
-            <a:endParaRPr lang="ru-RU" sz="100" dirty="0"/>
-          </a:p>
-        </p:txBody>
-      </p:sp>
-      <p:sp>
-        <p:nvSpPr>
-          <p:cNvPr id="189" name="Прямоугольник 188"/>
-          <p:cNvSpPr/>
-          <p:nvPr/>
-        </p:nvSpPr>
-        <p:spPr>
-          <a:xfrm>
-            <a:off x="10032488" y="15526703"/>
-            <a:ext cx="926325" cy="540000"/>
-          </a:xfrm>
-          <a:prstGeom prst="rect">
-            <a:avLst/>
-          </a:prstGeom>
-          <a:ln w="19050">
-            <a:solidFill>
-              <a:srgbClr val="00B050"/>
-            </a:solidFill>
-          </a:ln>
-        </p:spPr>
-        <p:style>
-          <a:lnRef idx="2">
-            <a:schemeClr val="accent1"/>
-          </a:lnRef>
-          <a:fillRef idx="1">
-            <a:schemeClr val="lt1"/>
-          </a:fillRef>
-          <a:effectRef idx="0">
-            <a:schemeClr val="accent1"/>
-          </a:effectRef>
-          <a:fontRef idx="minor">
-            <a:schemeClr val="dk1"/>
-          </a:fontRef>
-        </p:style>
-        <p:txBody>
-          <a:bodyPr lIns="124733" tIns="62367" rIns="124733" bIns="62367" rtlCol="0" anchor="ctr"/>
-          <a:lstStyle/>
-          <a:p>
-            <a:pPr algn="ctr"/>
-            <a:r>
-              <a:rPr lang="ru-RU" sz="700" dirty="0"/>
-              <a:t>Торговля китайским опиумом</a:t>
-            </a:r>
-          </a:p>
-        </p:txBody>
-      </p:sp>
-      <p:sp>
-        <p:nvSpPr>
-          <p:cNvPr id="190" name="Прямоугольник 189"/>
-          <p:cNvSpPr/>
-          <p:nvPr/>
-        </p:nvSpPr>
-        <p:spPr>
-          <a:xfrm>
-            <a:off x="8958119" y="15527199"/>
-            <a:ext cx="926325" cy="540000"/>
-          </a:xfrm>
-          <a:prstGeom prst="rect">
-            <a:avLst/>
-          </a:prstGeom>
-          <a:ln w="19050">
-            <a:solidFill>
-              <a:srgbClr val="00B050"/>
-            </a:solidFill>
-          </a:ln>
-        </p:spPr>
-        <p:style>
-          <a:lnRef idx="2">
-            <a:schemeClr val="accent1"/>
-          </a:lnRef>
-          <a:fillRef idx="1">
-            <a:schemeClr val="lt1"/>
-          </a:fillRef>
-          <a:effectRef idx="0">
-            <a:schemeClr val="accent1"/>
-          </a:effectRef>
-          <a:fontRef idx="minor">
-            <a:schemeClr val="dk1"/>
-          </a:fontRef>
-        </p:style>
-        <p:txBody>
-          <a:bodyPr lIns="124733" tIns="62367" rIns="124733" bIns="62367" rtlCol="0" anchor="ctr"/>
-          <a:lstStyle/>
-          <a:p>
-            <a:pPr algn="ctr"/>
-            <a:r>
-              <a:rPr lang="ru-RU" sz="700" dirty="0"/>
-              <a:t>Запретить торговлю опиумом</a:t>
-            </a:r>
-          </a:p>
-        </p:txBody>
-      </p:sp>
-      <p:sp>
-        <p:nvSpPr>
-          <p:cNvPr id="191" name="Прямоугольник 190"/>
-          <p:cNvSpPr/>
-          <p:nvPr/>
-        </p:nvSpPr>
-        <p:spPr>
-          <a:xfrm>
-            <a:off x="6865306" y="15526701"/>
-            <a:ext cx="926325" cy="540000"/>
-          </a:xfrm>
-          <a:prstGeom prst="rect">
-            <a:avLst/>
-          </a:prstGeom>
-          <a:ln w="19050"/>
-        </p:spPr>
-        <p:style>
-          <a:lnRef idx="2">
-            <a:schemeClr val="accent1"/>
-          </a:lnRef>
-          <a:fillRef idx="1">
-            <a:schemeClr val="lt1"/>
-          </a:fillRef>
-          <a:effectRef idx="0">
-            <a:schemeClr val="accent1"/>
-          </a:effectRef>
-          <a:fontRef idx="minor">
-            <a:schemeClr val="dk1"/>
-          </a:fontRef>
-        </p:style>
-        <p:txBody>
-          <a:bodyPr lIns="124733" tIns="62367" rIns="124733" bIns="62367" rtlCol="0" anchor="ctr"/>
-          <a:lstStyle/>
-          <a:p>
-            <a:pPr algn="ctr"/>
-            <a:r>
-              <a:rPr lang="ru-RU" sz="700" dirty="0"/>
-              <a:t>Колониальный флот Португалии</a:t>
-            </a:r>
-          </a:p>
-        </p:txBody>
-      </p:sp>
-      <p:sp>
-        <p:nvSpPr>
-          <p:cNvPr id="192" name="Прямоугольник 191"/>
-          <p:cNvSpPr/>
-          <p:nvPr/>
-        </p:nvSpPr>
-        <p:spPr>
-          <a:xfrm>
-            <a:off x="7917746" y="15528272"/>
-            <a:ext cx="926325" cy="540000"/>
-          </a:xfrm>
-          <a:prstGeom prst="rect">
-            <a:avLst/>
-          </a:prstGeom>
-          <a:ln w="19050"/>
-        </p:spPr>
-        <p:style>
-          <a:lnRef idx="2">
-            <a:schemeClr val="accent1"/>
-          </a:lnRef>
-          <a:fillRef idx="1">
-            <a:schemeClr val="lt1"/>
-          </a:fillRef>
-          <a:effectRef idx="0">
-            <a:schemeClr val="accent1"/>
-          </a:effectRef>
-          <a:fontRef idx="minor">
-            <a:schemeClr val="dk1"/>
-          </a:fontRef>
-        </p:style>
-        <p:txBody>
-          <a:bodyPr lIns="124733" tIns="62367" rIns="124733" bIns="62367" rtlCol="0" anchor="ctr"/>
-          <a:lstStyle/>
-          <a:p>
-            <a:pPr algn="ctr"/>
-            <a:r>
-              <a:rPr lang="ru-RU" sz="700" dirty="0"/>
-              <a:t>Оккупация прилегающих островов</a:t>
-            </a:r>
-            <a:endParaRPr lang="ru-RU" sz="100" dirty="0"/>
-          </a:p>
-        </p:txBody>
-      </p:sp>
-      <p:sp>
-        <p:nvSpPr>
-          <p:cNvPr id="195" name="Прямоугольник 194"/>
-          <p:cNvSpPr/>
-          <p:nvPr/>
-        </p:nvSpPr>
-        <p:spPr>
-          <a:xfrm>
-            <a:off x="9495303" y="17894472"/>
-            <a:ext cx="926325" cy="540000"/>
-          </a:xfrm>
-          <a:prstGeom prst="rect">
-            <a:avLst/>
-          </a:prstGeom>
-          <a:ln w="19050"/>
-        </p:spPr>
-        <p:style>
-          <a:lnRef idx="2">
-            <a:schemeClr val="accent1"/>
-          </a:lnRef>
-          <a:fillRef idx="1">
-            <a:schemeClr val="lt1"/>
-          </a:fillRef>
-          <a:effectRef idx="0">
-            <a:schemeClr val="accent1"/>
-          </a:effectRef>
-          <a:fontRef idx="minor">
-            <a:schemeClr val="dk1"/>
-          </a:fontRef>
-        </p:style>
-        <p:txBody>
-          <a:bodyPr lIns="124733" tIns="62367" rIns="124733" bIns="62367" rtlCol="0" anchor="ctr"/>
-          <a:lstStyle/>
-          <a:p>
-            <a:pPr algn="ctr"/>
-            <a:r>
-              <a:rPr lang="ru-RU" sz="700" dirty="0"/>
-              <a:t>Национализация продуктов питания (чтобы отсрочить голод)</a:t>
-            </a:r>
-          </a:p>
-        </p:txBody>
-      </p:sp>
-      <p:sp>
-        <p:nvSpPr>
-          <p:cNvPr id="196" name="Прямоугольник 195"/>
-          <p:cNvSpPr/>
-          <p:nvPr/>
-        </p:nvSpPr>
-        <p:spPr>
-          <a:xfrm>
-            <a:off x="10538422" y="17895063"/>
-            <a:ext cx="926325" cy="540000"/>
-          </a:xfrm>
-          <a:prstGeom prst="rect">
-            <a:avLst/>
-          </a:prstGeom>
-          <a:ln w="19050"/>
-        </p:spPr>
-        <p:style>
-          <a:lnRef idx="2">
-            <a:schemeClr val="accent1"/>
-          </a:lnRef>
-          <a:fillRef idx="1">
-            <a:schemeClr val="lt1"/>
-          </a:fillRef>
-          <a:effectRef idx="0">
-            <a:schemeClr val="accent1"/>
-          </a:effectRef>
-          <a:fontRef idx="minor">
-            <a:schemeClr val="dk1"/>
-          </a:fontRef>
-        </p:style>
-        <p:txBody>
-          <a:bodyPr lIns="124733" tIns="62367" rIns="124733" bIns="62367" rtlCol="0" anchor="ctr"/>
-          <a:lstStyle/>
-          <a:p>
-            <a:pPr algn="ctr"/>
-            <a:r>
-              <a:rPr lang="ru-RU" sz="700" dirty="0"/>
-              <a:t>Отправить помощь из метрополии</a:t>
-            </a:r>
-          </a:p>
-        </p:txBody>
-      </p:sp>
-      <p:cxnSp>
-        <p:nvCxnSpPr>
-          <p:cNvPr id="197" name="Соединительная линия уступом 196"/>
-          <p:cNvCxnSpPr>
-            <a:stCxn id="191" idx="2"/>
-            <a:endCxn id="184" idx="0"/>
+          <p:cNvPr id="157" name="Соединительная линия уступом 156"/>
+          <p:cNvCxnSpPr>
+            <a:stCxn id="153" idx="2"/>
+            <a:endCxn id="131" idx="0"/>
           </p:cNvCxnSpPr>
           <p:nvPr/>
         </p:nvCxnSpPr>
         <p:spPr>
           <a:xfrm rot="16200000" flipH="1">
-            <a:off x="7461081" y="15934089"/>
-            <a:ext cx="265355" cy="530578"/>
+            <a:off x="49447955" y="34608797"/>
+            <a:ext cx="238049" cy="993735"/>
           </a:xfrm>
           <a:prstGeom prst="bentConnector3">
             <a:avLst>
@@ -8876,17 +8040,779 @@
       </p:cxnSp>
       <p:cxnSp>
         <p:nvCxnSpPr>
-          <p:cNvPr id="201" name="Соединительная линия уступом 200"/>
-          <p:cNvCxnSpPr>
-            <a:stCxn id="192" idx="2"/>
+          <p:cNvPr id="160" name="Прямая со стрелкой 159"/>
+          <p:cNvCxnSpPr>
+            <a:stCxn id="126" idx="2"/>
+            <a:endCxn id="153" idx="0"/>
+          </p:cNvCxnSpPr>
+          <p:nvPr/>
+        </p:nvCxnSpPr>
+        <p:spPr>
+          <a:xfrm>
+            <a:off x="49070112" y="33840900"/>
+            <a:ext cx="0" cy="605741"/>
+          </a:xfrm>
+          <a:prstGeom prst="straightConnector1">
+            <a:avLst/>
+          </a:prstGeom>
+          <a:ln w="19050">
+            <a:tailEnd type="arrow"/>
+          </a:ln>
+        </p:spPr>
+        <p:style>
+          <a:lnRef idx="1">
+            <a:schemeClr val="accent1"/>
+          </a:lnRef>
+          <a:fillRef idx="0">
+            <a:schemeClr val="accent1"/>
+          </a:fillRef>
+          <a:effectRef idx="0">
+            <a:schemeClr val="accent1"/>
+          </a:effectRef>
+          <a:fontRef idx="minor">
+            <a:schemeClr val="tx1"/>
+          </a:fontRef>
+        </p:style>
+      </p:cxnSp>
+      <p:sp>
+        <p:nvSpPr>
+          <p:cNvPr id="173" name="Прямоугольник 172"/>
+          <p:cNvSpPr/>
+          <p:nvPr/>
+        </p:nvSpPr>
+        <p:spPr>
+          <a:xfrm>
+            <a:off x="8957021" y="14718126"/>
+            <a:ext cx="926325" cy="540000"/>
+          </a:xfrm>
+          <a:prstGeom prst="rect">
+            <a:avLst/>
+          </a:prstGeom>
+          <a:ln w="19050">
+            <a:solidFill>
+              <a:srgbClr val="00B050"/>
+            </a:solidFill>
+          </a:ln>
+        </p:spPr>
+        <p:style>
+          <a:lnRef idx="2">
+            <a:schemeClr val="accent1"/>
+          </a:lnRef>
+          <a:fillRef idx="1">
+            <a:schemeClr val="lt1"/>
+          </a:fillRef>
+          <a:effectRef idx="0">
+            <a:schemeClr val="accent1"/>
+          </a:effectRef>
+          <a:fontRef idx="minor">
+            <a:schemeClr val="dk1"/>
+          </a:fontRef>
+        </p:style>
+        <p:txBody>
+          <a:bodyPr lIns="124733" tIns="62367" rIns="124733" bIns="62367" rtlCol="0" anchor="ctr"/>
+          <a:lstStyle/>
+          <a:p>
+            <a:pPr algn="ctr"/>
+            <a:r>
+              <a:rPr lang="ru-RU" sz="700" dirty="0"/>
+              <a:t>Колониальное управление Макао</a:t>
+            </a:r>
+          </a:p>
+        </p:txBody>
+      </p:sp>
+      <p:sp>
+        <p:nvSpPr>
+          <p:cNvPr id="174" name="Прямоугольник 173"/>
+          <p:cNvSpPr/>
+          <p:nvPr/>
+        </p:nvSpPr>
+        <p:spPr>
+          <a:xfrm>
+            <a:off x="9503317" y="16347003"/>
+            <a:ext cx="926325" cy="540000"/>
+          </a:xfrm>
+          <a:prstGeom prst="rect">
+            <a:avLst/>
+          </a:prstGeom>
+          <a:ln w="19050"/>
+        </p:spPr>
+        <p:style>
+          <a:lnRef idx="2">
+            <a:schemeClr val="accent1"/>
+          </a:lnRef>
+          <a:fillRef idx="1">
+            <a:schemeClr val="lt1"/>
+          </a:fillRef>
+          <a:effectRef idx="0">
+            <a:schemeClr val="accent1"/>
+          </a:effectRef>
+          <a:fontRef idx="minor">
+            <a:schemeClr val="dk1"/>
+          </a:fontRef>
+        </p:style>
+        <p:txBody>
+          <a:bodyPr lIns="124733" tIns="62367" rIns="124733" bIns="62367" rtlCol="0" anchor="ctr"/>
+          <a:lstStyle/>
+          <a:p>
+            <a:pPr algn="ctr"/>
+            <a:r>
+              <a:rPr lang="ru-RU" sz="700" dirty="0"/>
+              <a:t>Красный рынок (1936)</a:t>
+            </a:r>
+          </a:p>
+        </p:txBody>
+      </p:sp>
+      <p:sp>
+        <p:nvSpPr>
+          <p:cNvPr id="175" name="Прямоугольник 174"/>
+          <p:cNvSpPr/>
+          <p:nvPr/>
+        </p:nvSpPr>
+        <p:spPr>
+          <a:xfrm>
+            <a:off x="8444856" y="16347003"/>
+            <a:ext cx="926325" cy="540000"/>
+          </a:xfrm>
+          <a:prstGeom prst="rect">
+            <a:avLst/>
+          </a:prstGeom>
+          <a:ln w="19050"/>
+        </p:spPr>
+        <p:style>
+          <a:lnRef idx="2">
+            <a:schemeClr val="accent1"/>
+          </a:lnRef>
+          <a:fillRef idx="1">
+            <a:schemeClr val="lt1"/>
+          </a:fillRef>
+          <a:effectRef idx="0">
+            <a:schemeClr val="accent1"/>
+          </a:effectRef>
+          <a:fontRef idx="minor">
+            <a:schemeClr val="dk1"/>
+          </a:fontRef>
+        </p:style>
+        <p:txBody>
+          <a:bodyPr lIns="124733" tIns="62367" rIns="124733" bIns="62367" rtlCol="0" anchor="ctr"/>
+          <a:lstStyle/>
+          <a:p>
+            <a:pPr algn="ctr"/>
+            <a:r>
+              <a:rPr lang="ru-RU" sz="700" dirty="0"/>
+              <a:t>Западная линия </a:t>
+            </a:r>
+            <a:r>
+              <a:rPr lang="ru-RU" sz="700" dirty="0" err="1"/>
+              <a:t>Цигуаньского</a:t>
+            </a:r>
+            <a:r>
+              <a:rPr lang="ru-RU" sz="700" dirty="0"/>
+              <a:t> шоссе (1936)</a:t>
+            </a:r>
+          </a:p>
+        </p:txBody>
+      </p:sp>
+      <p:sp>
+        <p:nvSpPr>
+          <p:cNvPr id="176" name="Прямоугольник 175"/>
+          <p:cNvSpPr/>
+          <p:nvPr/>
+        </p:nvSpPr>
+        <p:spPr>
+          <a:xfrm>
+            <a:off x="10547039" y="16347003"/>
+            <a:ext cx="926325" cy="540000"/>
+          </a:xfrm>
+          <a:prstGeom prst="rect">
+            <a:avLst/>
+          </a:prstGeom>
+          <a:ln w="19050"/>
+        </p:spPr>
+        <p:style>
+          <a:lnRef idx="2">
+            <a:schemeClr val="accent1"/>
+          </a:lnRef>
+          <a:fillRef idx="1">
+            <a:schemeClr val="lt1"/>
+          </a:fillRef>
+          <a:effectRef idx="0">
+            <a:schemeClr val="accent1"/>
+          </a:effectRef>
+          <a:fontRef idx="minor">
+            <a:schemeClr val="dk1"/>
+          </a:fontRef>
+        </p:style>
+        <p:txBody>
+          <a:bodyPr lIns="124733" tIns="62367" rIns="124733" bIns="62367" rtlCol="0" anchor="ctr"/>
+          <a:lstStyle/>
+          <a:p>
+            <a:pPr algn="ctr"/>
+            <a:r>
+              <a:rPr lang="ru-RU" sz="700" dirty="0"/>
+              <a:t>Модернизация крепостей под современную войну</a:t>
+            </a:r>
+          </a:p>
+        </p:txBody>
+      </p:sp>
+      <p:sp>
+        <p:nvSpPr>
+          <p:cNvPr id="177" name="Прямоугольник 176"/>
+          <p:cNvSpPr/>
+          <p:nvPr/>
+        </p:nvSpPr>
+        <p:spPr>
+          <a:xfrm>
+            <a:off x="8972810" y="13884843"/>
+            <a:ext cx="926325" cy="540000"/>
+          </a:xfrm>
+          <a:prstGeom prst="rect">
+            <a:avLst/>
+          </a:prstGeom>
+          <a:ln w="19050"/>
+        </p:spPr>
+        <p:style>
+          <a:lnRef idx="2">
+            <a:schemeClr val="accent1"/>
+          </a:lnRef>
+          <a:fillRef idx="1">
+            <a:schemeClr val="lt1"/>
+          </a:fillRef>
+          <a:effectRef idx="0">
+            <a:schemeClr val="accent1"/>
+          </a:effectRef>
+          <a:fontRef idx="minor">
+            <a:schemeClr val="dk1"/>
+          </a:fontRef>
+        </p:style>
+        <p:txBody>
+          <a:bodyPr lIns="124733" tIns="62367" rIns="124733" bIns="62367" rtlCol="0" anchor="ctr"/>
+          <a:lstStyle/>
+          <a:p>
+            <a:pPr algn="ctr"/>
+            <a:r>
+              <a:rPr lang="ru-RU" sz="700" dirty="0"/>
+              <a:t>Призвать </a:t>
+            </a:r>
+            <a:r>
+              <a:rPr lang="ru-RU" sz="700" dirty="0" err="1"/>
+              <a:t>Тиморский</a:t>
+            </a:r>
+            <a:r>
+              <a:rPr lang="ru-RU" sz="700" dirty="0"/>
+              <a:t> гарнизон</a:t>
+            </a:r>
+          </a:p>
+        </p:txBody>
+      </p:sp>
+      <p:cxnSp>
+        <p:nvCxnSpPr>
+          <p:cNvPr id="178" name="Прямая со стрелкой 177"/>
+          <p:cNvCxnSpPr>
+            <a:stCxn id="129" idx="2"/>
+            <a:endCxn id="177" idx="0"/>
+          </p:cNvCxnSpPr>
+          <p:nvPr/>
+        </p:nvCxnSpPr>
+        <p:spPr>
+          <a:xfrm flipH="1">
+            <a:off x="9435973" y="13615024"/>
+            <a:ext cx="454" cy="269819"/>
+          </a:xfrm>
+          <a:prstGeom prst="straightConnector1">
+            <a:avLst/>
+          </a:prstGeom>
+          <a:ln w="19050">
+            <a:tailEnd type="arrow"/>
+          </a:ln>
+        </p:spPr>
+        <p:style>
+          <a:lnRef idx="1">
+            <a:schemeClr val="accent1"/>
+          </a:lnRef>
+          <a:fillRef idx="0">
+            <a:schemeClr val="accent1"/>
+          </a:fillRef>
+          <a:effectRef idx="0">
+            <a:schemeClr val="accent1"/>
+          </a:effectRef>
+          <a:fontRef idx="minor">
+            <a:schemeClr val="tx1"/>
+          </a:fontRef>
+        </p:style>
+      </p:cxnSp>
+      <p:sp>
+        <p:nvSpPr>
+          <p:cNvPr id="184" name="Прямоугольник 183"/>
+          <p:cNvSpPr/>
+          <p:nvPr/>
+        </p:nvSpPr>
+        <p:spPr>
+          <a:xfrm>
+            <a:off x="7395884" y="16332056"/>
+            <a:ext cx="926325" cy="540000"/>
+          </a:xfrm>
+          <a:prstGeom prst="rect">
+            <a:avLst/>
+          </a:prstGeom>
+          <a:ln w="19050"/>
+        </p:spPr>
+        <p:style>
+          <a:lnRef idx="2">
+            <a:schemeClr val="accent1"/>
+          </a:lnRef>
+          <a:fillRef idx="1">
+            <a:schemeClr val="lt1"/>
+          </a:fillRef>
+          <a:effectRef idx="0">
+            <a:schemeClr val="accent1"/>
+          </a:effectRef>
+          <a:fontRef idx="minor">
+            <a:schemeClr val="dk1"/>
+          </a:fontRef>
+        </p:style>
+        <p:txBody>
+          <a:bodyPr lIns="124733" tIns="62367" rIns="124733" bIns="62367" rtlCol="0" anchor="ctr"/>
+          <a:lstStyle/>
+          <a:p>
+            <a:pPr algn="ctr"/>
+            <a:r>
+              <a:rPr lang="en-US" sz="800" dirty="0"/>
+              <a:t>NRP</a:t>
+            </a:r>
+            <a:r>
+              <a:rPr lang="ru-RU" sz="800" dirty="0"/>
+              <a:t> «</a:t>
+            </a:r>
+            <a:r>
+              <a:rPr lang="en-US" sz="800" i="1" dirty="0" err="1"/>
+              <a:t>João</a:t>
+            </a:r>
+            <a:r>
+              <a:rPr lang="en-US" sz="800" i="1" dirty="0"/>
+              <a:t> de </a:t>
+            </a:r>
+            <a:r>
+              <a:rPr lang="en-US" sz="800" i="1" dirty="0" err="1"/>
+              <a:t>Lisboa</a:t>
+            </a:r>
+            <a:r>
+              <a:rPr lang="ru-RU" sz="800" i="1" dirty="0"/>
+              <a:t>» (+1эсминец)</a:t>
+            </a:r>
+            <a:endParaRPr lang="ru-RU" sz="700" dirty="0"/>
+          </a:p>
+        </p:txBody>
+      </p:sp>
+      <p:sp>
+        <p:nvSpPr>
+          <p:cNvPr id="185" name="Прямоугольник 184"/>
+          <p:cNvSpPr/>
+          <p:nvPr/>
+        </p:nvSpPr>
+        <p:spPr>
+          <a:xfrm>
+            <a:off x="10027628" y="17146265"/>
+            <a:ext cx="926325" cy="540000"/>
+          </a:xfrm>
+          <a:prstGeom prst="rect">
+            <a:avLst/>
+          </a:prstGeom>
+          <a:ln w="19050"/>
+        </p:spPr>
+        <p:style>
+          <a:lnRef idx="2">
+            <a:schemeClr val="accent1"/>
+          </a:lnRef>
+          <a:fillRef idx="1">
+            <a:schemeClr val="lt1"/>
+          </a:fillRef>
+          <a:effectRef idx="0">
+            <a:schemeClr val="accent1"/>
+          </a:effectRef>
+          <a:fontRef idx="minor">
+            <a:schemeClr val="dk1"/>
+          </a:fontRef>
+        </p:style>
+        <p:txBody>
+          <a:bodyPr lIns="124733" tIns="62367" rIns="124733" bIns="62367" rtlCol="0" anchor="ctr"/>
+          <a:lstStyle/>
+          <a:p>
+            <a:pPr algn="ctr"/>
+            <a:r>
+              <a:rPr lang="ru-RU" sz="800" dirty="0"/>
+              <a:t>Ассоциация помощи бедствиям в четырех кругах</a:t>
+            </a:r>
+            <a:endParaRPr lang="ru-RU" sz="100" dirty="0"/>
+          </a:p>
+        </p:txBody>
+      </p:sp>
+      <p:sp>
+        <p:nvSpPr>
+          <p:cNvPr id="187" name="Прямоугольник 186"/>
+          <p:cNvSpPr/>
+          <p:nvPr/>
+        </p:nvSpPr>
+        <p:spPr>
+          <a:xfrm>
+            <a:off x="8958120" y="17143323"/>
+            <a:ext cx="926325" cy="540000"/>
+          </a:xfrm>
+          <a:prstGeom prst="rect">
+            <a:avLst/>
+          </a:prstGeom>
+          <a:ln w="19050">
+            <a:solidFill>
+              <a:srgbClr val="00B050"/>
+            </a:solidFill>
+          </a:ln>
+        </p:spPr>
+        <p:style>
+          <a:lnRef idx="2">
+            <a:schemeClr val="accent1"/>
+          </a:lnRef>
+          <a:fillRef idx="1">
+            <a:schemeClr val="lt1"/>
+          </a:fillRef>
+          <a:effectRef idx="0">
+            <a:schemeClr val="accent1"/>
+          </a:effectRef>
+          <a:fontRef idx="minor">
+            <a:schemeClr val="dk1"/>
+          </a:fontRef>
+        </p:style>
+        <p:txBody>
+          <a:bodyPr lIns="124733" tIns="62367" rIns="124733" bIns="62367" rtlCol="0" anchor="ctr"/>
+          <a:lstStyle/>
+          <a:p>
+            <a:pPr algn="ctr"/>
+            <a:r>
+              <a:rPr lang="ru-RU" sz="700" dirty="0"/>
+              <a:t>Организовать центр торговли золотом</a:t>
+            </a:r>
+          </a:p>
+        </p:txBody>
+      </p:sp>
+      <p:sp>
+        <p:nvSpPr>
+          <p:cNvPr id="188" name="Прямоугольник 187"/>
+          <p:cNvSpPr/>
+          <p:nvPr/>
+        </p:nvSpPr>
+        <p:spPr>
+          <a:xfrm>
+            <a:off x="7917746" y="17145365"/>
+            <a:ext cx="926325" cy="540000"/>
+          </a:xfrm>
+          <a:prstGeom prst="rect">
+            <a:avLst/>
+          </a:prstGeom>
+          <a:ln w="19050">
+            <a:solidFill>
+              <a:srgbClr val="00B050"/>
+            </a:solidFill>
+          </a:ln>
+        </p:spPr>
+        <p:style>
+          <a:lnRef idx="2">
+            <a:schemeClr val="accent1"/>
+          </a:lnRef>
+          <a:fillRef idx="1">
+            <a:schemeClr val="lt1"/>
+          </a:fillRef>
+          <a:effectRef idx="0">
+            <a:schemeClr val="accent1"/>
+          </a:effectRef>
+          <a:fontRef idx="minor">
+            <a:schemeClr val="dk1"/>
+          </a:fontRef>
+        </p:style>
+        <p:txBody>
+          <a:bodyPr lIns="124733" tIns="62367" rIns="124733" bIns="62367" rtlCol="0" anchor="ctr"/>
+          <a:lstStyle/>
+          <a:p>
+            <a:pPr algn="ctr"/>
+            <a:r>
+              <a:rPr lang="ru-RU" sz="700" dirty="0"/>
+              <a:t>Торговля китайскими рабочими</a:t>
+            </a:r>
+            <a:endParaRPr lang="ru-RU" sz="100" dirty="0"/>
+          </a:p>
+        </p:txBody>
+      </p:sp>
+      <p:sp>
+        <p:nvSpPr>
+          <p:cNvPr id="189" name="Прямоугольник 188"/>
+          <p:cNvSpPr/>
+          <p:nvPr/>
+        </p:nvSpPr>
+        <p:spPr>
+          <a:xfrm>
+            <a:off x="10032488" y="15526703"/>
+            <a:ext cx="926325" cy="540000"/>
+          </a:xfrm>
+          <a:prstGeom prst="rect">
+            <a:avLst/>
+          </a:prstGeom>
+          <a:ln w="19050">
+            <a:solidFill>
+              <a:srgbClr val="00B050"/>
+            </a:solidFill>
+          </a:ln>
+        </p:spPr>
+        <p:style>
+          <a:lnRef idx="2">
+            <a:schemeClr val="accent1"/>
+          </a:lnRef>
+          <a:fillRef idx="1">
+            <a:schemeClr val="lt1"/>
+          </a:fillRef>
+          <a:effectRef idx="0">
+            <a:schemeClr val="accent1"/>
+          </a:effectRef>
+          <a:fontRef idx="minor">
+            <a:schemeClr val="dk1"/>
+          </a:fontRef>
+        </p:style>
+        <p:txBody>
+          <a:bodyPr lIns="124733" tIns="62367" rIns="124733" bIns="62367" rtlCol="0" anchor="ctr"/>
+          <a:lstStyle/>
+          <a:p>
+            <a:pPr algn="ctr"/>
+            <a:r>
+              <a:rPr lang="ru-RU" sz="700" dirty="0"/>
+              <a:t>Торговля китайским опиумом</a:t>
+            </a:r>
+          </a:p>
+        </p:txBody>
+      </p:sp>
+      <p:sp>
+        <p:nvSpPr>
+          <p:cNvPr id="190" name="Прямоугольник 189"/>
+          <p:cNvSpPr/>
+          <p:nvPr/>
+        </p:nvSpPr>
+        <p:spPr>
+          <a:xfrm>
+            <a:off x="8958119" y="15527199"/>
+            <a:ext cx="926325" cy="540000"/>
+          </a:xfrm>
+          <a:prstGeom prst="rect">
+            <a:avLst/>
+          </a:prstGeom>
+          <a:ln w="19050">
+            <a:solidFill>
+              <a:srgbClr val="00B050"/>
+            </a:solidFill>
+          </a:ln>
+        </p:spPr>
+        <p:style>
+          <a:lnRef idx="2">
+            <a:schemeClr val="accent1"/>
+          </a:lnRef>
+          <a:fillRef idx="1">
+            <a:schemeClr val="lt1"/>
+          </a:fillRef>
+          <a:effectRef idx="0">
+            <a:schemeClr val="accent1"/>
+          </a:effectRef>
+          <a:fontRef idx="minor">
+            <a:schemeClr val="dk1"/>
+          </a:fontRef>
+        </p:style>
+        <p:txBody>
+          <a:bodyPr lIns="124733" tIns="62367" rIns="124733" bIns="62367" rtlCol="0" anchor="ctr"/>
+          <a:lstStyle/>
+          <a:p>
+            <a:pPr algn="ctr"/>
+            <a:r>
+              <a:rPr lang="ru-RU" sz="700" dirty="0"/>
+              <a:t>Запретить торговлю опиумом</a:t>
+            </a:r>
+          </a:p>
+        </p:txBody>
+      </p:sp>
+      <p:sp>
+        <p:nvSpPr>
+          <p:cNvPr id="191" name="Прямоугольник 190"/>
+          <p:cNvSpPr/>
+          <p:nvPr/>
+        </p:nvSpPr>
+        <p:spPr>
+          <a:xfrm>
+            <a:off x="6865306" y="15526701"/>
+            <a:ext cx="926325" cy="540000"/>
+          </a:xfrm>
+          <a:prstGeom prst="rect">
+            <a:avLst/>
+          </a:prstGeom>
+          <a:ln w="19050"/>
+        </p:spPr>
+        <p:style>
+          <a:lnRef idx="2">
+            <a:schemeClr val="accent1"/>
+          </a:lnRef>
+          <a:fillRef idx="1">
+            <a:schemeClr val="lt1"/>
+          </a:fillRef>
+          <a:effectRef idx="0">
+            <a:schemeClr val="accent1"/>
+          </a:effectRef>
+          <a:fontRef idx="minor">
+            <a:schemeClr val="dk1"/>
+          </a:fontRef>
+        </p:style>
+        <p:txBody>
+          <a:bodyPr lIns="124733" tIns="62367" rIns="124733" bIns="62367" rtlCol="0" anchor="ctr"/>
+          <a:lstStyle/>
+          <a:p>
+            <a:pPr algn="ctr"/>
+            <a:r>
+              <a:rPr lang="ru-RU" sz="700" dirty="0"/>
+              <a:t>Колониальный флот Португалии</a:t>
+            </a:r>
+          </a:p>
+        </p:txBody>
+      </p:sp>
+      <p:sp>
+        <p:nvSpPr>
+          <p:cNvPr id="192" name="Прямоугольник 191"/>
+          <p:cNvSpPr/>
+          <p:nvPr/>
+        </p:nvSpPr>
+        <p:spPr>
+          <a:xfrm>
+            <a:off x="7917746" y="15528272"/>
+            <a:ext cx="926325" cy="540000"/>
+          </a:xfrm>
+          <a:prstGeom prst="rect">
+            <a:avLst/>
+          </a:prstGeom>
+          <a:ln w="19050"/>
+        </p:spPr>
+        <p:style>
+          <a:lnRef idx="2">
+            <a:schemeClr val="accent1"/>
+          </a:lnRef>
+          <a:fillRef idx="1">
+            <a:schemeClr val="lt1"/>
+          </a:fillRef>
+          <a:effectRef idx="0">
+            <a:schemeClr val="accent1"/>
+          </a:effectRef>
+          <a:fontRef idx="minor">
+            <a:schemeClr val="dk1"/>
+          </a:fontRef>
+        </p:style>
+        <p:txBody>
+          <a:bodyPr lIns="124733" tIns="62367" rIns="124733" bIns="62367" rtlCol="0" anchor="ctr"/>
+          <a:lstStyle/>
+          <a:p>
+            <a:pPr algn="ctr"/>
+            <a:r>
+              <a:rPr lang="ru-RU" sz="700" dirty="0"/>
+              <a:t>Оккупация прилегающих островов</a:t>
+            </a:r>
+            <a:endParaRPr lang="ru-RU" sz="100" dirty="0"/>
+          </a:p>
+        </p:txBody>
+      </p:sp>
+      <p:sp>
+        <p:nvSpPr>
+          <p:cNvPr id="195" name="Прямоугольник 194"/>
+          <p:cNvSpPr/>
+          <p:nvPr/>
+        </p:nvSpPr>
+        <p:spPr>
+          <a:xfrm>
+            <a:off x="9495303" y="17894472"/>
+            <a:ext cx="926325" cy="540000"/>
+          </a:xfrm>
+          <a:prstGeom prst="rect">
+            <a:avLst/>
+          </a:prstGeom>
+          <a:ln w="19050"/>
+        </p:spPr>
+        <p:style>
+          <a:lnRef idx="2">
+            <a:schemeClr val="accent1"/>
+          </a:lnRef>
+          <a:fillRef idx="1">
+            <a:schemeClr val="lt1"/>
+          </a:fillRef>
+          <a:effectRef idx="0">
+            <a:schemeClr val="accent1"/>
+          </a:effectRef>
+          <a:fontRef idx="minor">
+            <a:schemeClr val="dk1"/>
+          </a:fontRef>
+        </p:style>
+        <p:txBody>
+          <a:bodyPr lIns="124733" tIns="62367" rIns="124733" bIns="62367" rtlCol="0" anchor="ctr"/>
+          <a:lstStyle/>
+          <a:p>
+            <a:pPr algn="ctr"/>
+            <a:r>
+              <a:rPr lang="ru-RU" sz="700" dirty="0"/>
+              <a:t>Национализация продуктов питания (чтобы отсрочить голод)</a:t>
+            </a:r>
+          </a:p>
+        </p:txBody>
+      </p:sp>
+      <p:sp>
+        <p:nvSpPr>
+          <p:cNvPr id="196" name="Прямоугольник 195"/>
+          <p:cNvSpPr/>
+          <p:nvPr/>
+        </p:nvSpPr>
+        <p:spPr>
+          <a:xfrm>
+            <a:off x="10538422" y="17895063"/>
+            <a:ext cx="926325" cy="540000"/>
+          </a:xfrm>
+          <a:prstGeom prst="rect">
+            <a:avLst/>
+          </a:prstGeom>
+          <a:ln w="19050"/>
+        </p:spPr>
+        <p:style>
+          <a:lnRef idx="2">
+            <a:schemeClr val="accent1"/>
+          </a:lnRef>
+          <a:fillRef idx="1">
+            <a:schemeClr val="lt1"/>
+          </a:fillRef>
+          <a:effectRef idx="0">
+            <a:schemeClr val="accent1"/>
+          </a:effectRef>
+          <a:fontRef idx="minor">
+            <a:schemeClr val="dk1"/>
+          </a:fontRef>
+        </p:style>
+        <p:txBody>
+          <a:bodyPr lIns="124733" tIns="62367" rIns="124733" bIns="62367" rtlCol="0" anchor="ctr"/>
+          <a:lstStyle/>
+          <a:p>
+            <a:pPr algn="ctr"/>
+            <a:r>
+              <a:rPr lang="ru-RU" sz="700" dirty="0"/>
+              <a:t>Отправить помощь из метрополии</a:t>
+            </a:r>
+          </a:p>
+        </p:txBody>
+      </p:sp>
+      <p:cxnSp>
+        <p:nvCxnSpPr>
+          <p:cNvPr id="197" name="Соединительная линия уступом 196"/>
+          <p:cNvCxnSpPr>
+            <a:stCxn id="191" idx="2"/>
             <a:endCxn id="184" idx="0"/>
           </p:cNvCxnSpPr>
           <p:nvPr/>
         </p:nvCxnSpPr>
         <p:spPr>
-          <a:xfrm rot="5400000">
-            <a:off x="7988086" y="15939233"/>
-            <a:ext cx="263784" cy="521862"/>
+          <a:xfrm rot="16200000" flipH="1">
+            <a:off x="7461081" y="15934089"/>
+            <a:ext cx="265355" cy="530578"/>
           </a:xfrm>
           <a:prstGeom prst="bentConnector3">
             <a:avLst>
@@ -8914,17 +8840,17 @@
       </p:cxnSp>
       <p:cxnSp>
         <p:nvCxnSpPr>
-          <p:cNvPr id="210" name="Соединительная линия уступом 209"/>
-          <p:cNvCxnSpPr>
-            <a:stCxn id="173" idx="2"/>
-            <a:endCxn id="192" idx="0"/>
+          <p:cNvPr id="201" name="Соединительная линия уступом 200"/>
+          <p:cNvCxnSpPr>
+            <a:stCxn id="192" idx="2"/>
+            <a:endCxn id="184" idx="0"/>
           </p:cNvCxnSpPr>
           <p:nvPr/>
         </p:nvCxnSpPr>
         <p:spPr>
           <a:xfrm rot="5400000">
-            <a:off x="8765474" y="14873562"/>
-            <a:ext cx="270146" cy="1039275"/>
+            <a:off x="7988086" y="15939233"/>
+            <a:ext cx="263784" cy="521862"/>
           </a:xfrm>
           <a:prstGeom prst="bentConnector3">
             <a:avLst>
@@ -8952,17 +8878,17 @@
       </p:cxnSp>
       <p:cxnSp>
         <p:nvCxnSpPr>
-          <p:cNvPr id="213" name="Соединительная линия уступом 212"/>
+          <p:cNvPr id="210" name="Соединительная линия уступом 209"/>
           <p:cNvCxnSpPr>
             <a:stCxn id="173" idx="2"/>
-            <a:endCxn id="190" idx="0"/>
-          </p:cNvCxnSpPr>
-          <p:nvPr/>
-        </p:nvCxnSpPr>
-        <p:spPr>
-          <a:xfrm rot="16200000" flipH="1">
-            <a:off x="9286197" y="15392113"/>
-            <a:ext cx="269073" cy="1098"/>
+            <a:endCxn id="192" idx="0"/>
+          </p:cNvCxnSpPr>
+          <p:nvPr/>
+        </p:nvCxnSpPr>
+        <p:spPr>
+          <a:xfrm rot="5400000">
+            <a:off x="8765474" y="14873562"/>
+            <a:ext cx="270146" cy="1039275"/>
           </a:xfrm>
           <a:prstGeom prst="bentConnector3">
             <a:avLst>
@@ -8990,17 +8916,17 @@
       </p:cxnSp>
       <p:cxnSp>
         <p:nvCxnSpPr>
-          <p:cNvPr id="214" name="Соединительная линия уступом 213"/>
+          <p:cNvPr id="213" name="Соединительная линия уступом 212"/>
           <p:cNvCxnSpPr>
             <a:stCxn id="173" idx="2"/>
-            <a:endCxn id="189" idx="0"/>
+            <a:endCxn id="190" idx="0"/>
           </p:cNvCxnSpPr>
           <p:nvPr/>
         </p:nvCxnSpPr>
         <p:spPr>
           <a:xfrm rot="16200000" flipH="1">
-            <a:off x="9823629" y="14854680"/>
-            <a:ext cx="268577" cy="1075467"/>
+            <a:off x="9286197" y="15392113"/>
+            <a:ext cx="269073" cy="1098"/>
           </a:xfrm>
           <a:prstGeom prst="bentConnector3">
             <a:avLst>
@@ -9028,17 +8954,17 @@
       </p:cxnSp>
       <p:cxnSp>
         <p:nvCxnSpPr>
-          <p:cNvPr id="215" name="Соединительная линия уступом 214"/>
-          <p:cNvCxnSpPr>
-            <a:stCxn id="175" idx="2"/>
-            <a:endCxn id="188" idx="0"/>
-          </p:cNvCxnSpPr>
-          <p:nvPr/>
-        </p:nvCxnSpPr>
-        <p:spPr>
-          <a:xfrm rot="5400000">
-            <a:off x="8515283" y="16752629"/>
-            <a:ext cx="258362" cy="527110"/>
+          <p:cNvPr id="214" name="Соединительная линия уступом 213"/>
+          <p:cNvCxnSpPr>
+            <a:stCxn id="173" idx="2"/>
+            <a:endCxn id="189" idx="0"/>
+          </p:cNvCxnSpPr>
+          <p:nvPr/>
+        </p:nvCxnSpPr>
+        <p:spPr>
+          <a:xfrm rot="16200000" flipH="1">
+            <a:off x="9823629" y="14854680"/>
+            <a:ext cx="268577" cy="1075467"/>
           </a:xfrm>
           <a:prstGeom prst="bentConnector3">
             <a:avLst>
@@ -9066,17 +8992,17 @@
       </p:cxnSp>
       <p:cxnSp>
         <p:nvCxnSpPr>
-          <p:cNvPr id="216" name="Соединительная линия уступом 215"/>
+          <p:cNvPr id="215" name="Соединительная линия уступом 214"/>
           <p:cNvCxnSpPr>
             <a:stCxn id="175" idx="2"/>
-            <a:endCxn id="187" idx="0"/>
-          </p:cNvCxnSpPr>
-          <p:nvPr/>
-        </p:nvCxnSpPr>
-        <p:spPr>
-          <a:xfrm rot="16200000" flipH="1">
-            <a:off x="9036491" y="16758531"/>
-            <a:ext cx="256320" cy="513264"/>
+            <a:endCxn id="188" idx="0"/>
+          </p:cNvCxnSpPr>
+          <p:nvPr/>
+        </p:nvCxnSpPr>
+        <p:spPr>
+          <a:xfrm rot="5400000">
+            <a:off x="8515283" y="16752629"/>
+            <a:ext cx="258362" cy="527110"/>
           </a:xfrm>
           <a:prstGeom prst="bentConnector3">
             <a:avLst>
@@ -9104,17 +9030,17 @@
       </p:cxnSp>
       <p:cxnSp>
         <p:nvCxnSpPr>
-          <p:cNvPr id="220" name="Соединительная линия уступом 219"/>
-          <p:cNvCxnSpPr>
-            <a:stCxn id="174" idx="2"/>
+          <p:cNvPr id="216" name="Соединительная линия уступом 215"/>
+          <p:cNvCxnSpPr>
+            <a:stCxn id="175" idx="2"/>
             <a:endCxn id="187" idx="0"/>
           </p:cNvCxnSpPr>
           <p:nvPr/>
         </p:nvCxnSpPr>
         <p:spPr>
-          <a:xfrm rot="5400000">
-            <a:off x="9565722" y="16742565"/>
-            <a:ext cx="256320" cy="545197"/>
+          <a:xfrm rot="16200000" flipH="1">
+            <a:off x="9036491" y="16758531"/>
+            <a:ext cx="256320" cy="513264"/>
           </a:xfrm>
           <a:prstGeom prst="bentConnector3">
             <a:avLst>
@@ -9142,17 +9068,17 @@
       </p:cxnSp>
       <p:cxnSp>
         <p:nvCxnSpPr>
-          <p:cNvPr id="221" name="Соединительная линия уступом 220"/>
+          <p:cNvPr id="220" name="Соединительная линия уступом 219"/>
           <p:cNvCxnSpPr>
             <a:stCxn id="174" idx="2"/>
-            <a:endCxn id="185" idx="0"/>
-          </p:cNvCxnSpPr>
-          <p:nvPr/>
-        </p:nvCxnSpPr>
-        <p:spPr>
-          <a:xfrm rot="16200000" flipH="1">
-            <a:off x="10099004" y="16754478"/>
-            <a:ext cx="259262" cy="524311"/>
+            <a:endCxn id="187" idx="0"/>
+          </p:cNvCxnSpPr>
+          <p:nvPr/>
+        </p:nvCxnSpPr>
+        <p:spPr>
+          <a:xfrm rot="5400000">
+            <a:off x="9565722" y="16742565"/>
+            <a:ext cx="256320" cy="545197"/>
           </a:xfrm>
           <a:prstGeom prst="bentConnector3">
             <a:avLst>
@@ -9180,17 +9106,17 @@
       </p:cxnSp>
       <p:cxnSp>
         <p:nvCxnSpPr>
-          <p:cNvPr id="258" name="Соединительная линия уступом 257"/>
-          <p:cNvCxnSpPr>
-            <a:stCxn id="190" idx="2"/>
-            <a:endCxn id="175" idx="0"/>
-          </p:cNvCxnSpPr>
-          <p:nvPr/>
-        </p:nvCxnSpPr>
-        <p:spPr>
-          <a:xfrm rot="5400000">
-            <a:off x="9024749" y="15950470"/>
-            <a:ext cx="279804" cy="513263"/>
+          <p:cNvPr id="221" name="Соединительная линия уступом 220"/>
+          <p:cNvCxnSpPr>
+            <a:stCxn id="174" idx="2"/>
+            <a:endCxn id="185" idx="0"/>
+          </p:cNvCxnSpPr>
+          <p:nvPr/>
+        </p:nvCxnSpPr>
+        <p:spPr>
+          <a:xfrm rot="16200000" flipH="1">
+            <a:off x="10099004" y="16754478"/>
+            <a:ext cx="259262" cy="524311"/>
           </a:xfrm>
           <a:prstGeom prst="bentConnector3">
             <a:avLst>
@@ -9198,38 +9124,37 @@
             </a:avLst>
           </a:prstGeom>
           <a:ln w="19050">
-            <a:prstDash val="dash"/>
-            <a:tailEnd type="arrow"/>
-          </a:ln>
-        </p:spPr>
-        <p:style>
-          <a:lnRef idx="1">
-            <a:schemeClr val="accent1"/>
-          </a:lnRef>
-          <a:fillRef idx="0">
-            <a:schemeClr val="accent1"/>
-          </a:fillRef>
-          <a:effectRef idx="0">
-            <a:schemeClr val="accent1"/>
-          </a:effectRef>
-          <a:fontRef idx="minor">
-            <a:schemeClr val="tx1"/>
-          </a:fontRef>
-        </p:style>
-      </p:cxnSp>
-      <p:cxnSp>
-        <p:nvCxnSpPr>
-          <p:cNvPr id="260" name="Соединительная линия уступом 259"/>
-          <p:cNvCxnSpPr>
-            <a:stCxn id="189" idx="2"/>
-            <a:endCxn id="174" idx="0"/>
+            <a:tailEnd type="arrow"/>
+          </a:ln>
+        </p:spPr>
+        <p:style>
+          <a:lnRef idx="1">
+            <a:schemeClr val="accent1"/>
+          </a:lnRef>
+          <a:fillRef idx="0">
+            <a:schemeClr val="accent1"/>
+          </a:fillRef>
+          <a:effectRef idx="0">
+            <a:schemeClr val="accent1"/>
+          </a:effectRef>
+          <a:fontRef idx="minor">
+            <a:schemeClr val="tx1"/>
+          </a:fontRef>
+        </p:style>
+      </p:cxnSp>
+      <p:cxnSp>
+        <p:nvCxnSpPr>
+          <p:cNvPr id="258" name="Соединительная линия уступом 257"/>
+          <p:cNvCxnSpPr>
+            <a:stCxn id="190" idx="2"/>
+            <a:endCxn id="175" idx="0"/>
           </p:cNvCxnSpPr>
           <p:nvPr/>
         </p:nvCxnSpPr>
         <p:spPr>
           <a:xfrm rot="5400000">
-            <a:off x="10090916" y="15942268"/>
-            <a:ext cx="280300" cy="529171"/>
+            <a:off x="9024749" y="15950470"/>
+            <a:ext cx="279804" cy="513263"/>
           </a:xfrm>
           <a:prstGeom prst="bentConnector3">
             <a:avLst>
@@ -9258,17 +9183,17 @@
       </p:cxnSp>
       <p:cxnSp>
         <p:nvCxnSpPr>
-          <p:cNvPr id="261" name="Соединительная линия уступом 260"/>
-          <p:cNvCxnSpPr>
-            <a:stCxn id="190" idx="2"/>
+          <p:cNvPr id="260" name="Соединительная линия уступом 259"/>
+          <p:cNvCxnSpPr>
+            <a:stCxn id="189" idx="2"/>
             <a:endCxn id="174" idx="0"/>
           </p:cNvCxnSpPr>
           <p:nvPr/>
         </p:nvCxnSpPr>
         <p:spPr>
-          <a:xfrm rot="16200000" flipH="1">
-            <a:off x="9553979" y="15934502"/>
-            <a:ext cx="279804" cy="545198"/>
+          <a:xfrm rot="5400000">
+            <a:off x="10090916" y="15942268"/>
+            <a:ext cx="280300" cy="529171"/>
           </a:xfrm>
           <a:prstGeom prst="bentConnector3">
             <a:avLst>
@@ -9297,17 +9222,17 @@
       </p:cxnSp>
       <p:cxnSp>
         <p:nvCxnSpPr>
-          <p:cNvPr id="267" name="Соединительная линия уступом 266"/>
+          <p:cNvPr id="261" name="Соединительная линия уступом 260"/>
           <p:cNvCxnSpPr>
             <a:stCxn id="190" idx="2"/>
-            <a:endCxn id="176" idx="0"/>
+            <a:endCxn id="174" idx="0"/>
           </p:cNvCxnSpPr>
           <p:nvPr/>
         </p:nvCxnSpPr>
         <p:spPr>
           <a:xfrm rot="16200000" flipH="1">
-            <a:off x="10075840" y="15412641"/>
-            <a:ext cx="279804" cy="1588920"/>
+            <a:off x="9553979" y="15934502"/>
+            <a:ext cx="279804" cy="545198"/>
           </a:xfrm>
           <a:prstGeom prst="bentConnector3">
             <a:avLst>
@@ -9336,17 +9261,17 @@
       </p:cxnSp>
       <p:cxnSp>
         <p:nvCxnSpPr>
-          <p:cNvPr id="271" name="Соединительная линия уступом 270"/>
-          <p:cNvCxnSpPr>
-            <a:stCxn id="189" idx="2"/>
+          <p:cNvPr id="267" name="Соединительная линия уступом 266"/>
+          <p:cNvCxnSpPr>
+            <a:stCxn id="190" idx="2"/>
             <a:endCxn id="176" idx="0"/>
           </p:cNvCxnSpPr>
           <p:nvPr/>
         </p:nvCxnSpPr>
         <p:spPr>
           <a:xfrm rot="16200000" flipH="1">
-            <a:off x="10612776" y="15949577"/>
-            <a:ext cx="280300" cy="514551"/>
+            <a:off x="10075840" y="15412641"/>
+            <a:ext cx="279804" cy="1588920"/>
           </a:xfrm>
           <a:prstGeom prst="bentConnector3">
             <a:avLst>
@@ -9375,17 +9300,17 @@
       </p:cxnSp>
       <p:cxnSp>
         <p:nvCxnSpPr>
-          <p:cNvPr id="275" name="Соединительная линия уступом 274"/>
+          <p:cNvPr id="271" name="Соединительная линия уступом 270"/>
           <p:cNvCxnSpPr>
             <a:stCxn id="189" idx="2"/>
-            <a:endCxn id="175" idx="0"/>
-          </p:cNvCxnSpPr>
-          <p:nvPr/>
-        </p:nvCxnSpPr>
-        <p:spPr>
-          <a:xfrm rot="5400000">
-            <a:off x="9561685" y="15413037"/>
-            <a:ext cx="280300" cy="1587632"/>
+            <a:endCxn id="176" idx="0"/>
+          </p:cNvCxnSpPr>
+          <p:nvPr/>
+        </p:nvCxnSpPr>
+        <p:spPr>
+          <a:xfrm rot="16200000" flipH="1">
+            <a:off x="10612776" y="15949577"/>
+            <a:ext cx="280300" cy="514551"/>
           </a:xfrm>
           <a:prstGeom prst="bentConnector3">
             <a:avLst>
@@ -9414,93 +9339,17 @@
       </p:cxnSp>
       <p:cxnSp>
         <p:nvCxnSpPr>
-          <p:cNvPr id="284" name="Прямая соединительная линия 283"/>
-          <p:cNvCxnSpPr>
-            <a:stCxn id="190" idx="3"/>
-            <a:endCxn id="189" idx="1"/>
-          </p:cNvCxnSpPr>
-          <p:nvPr/>
-        </p:nvCxnSpPr>
-        <p:spPr>
-          <a:xfrm flipV="1">
-            <a:off x="9884444" y="15796703"/>
-            <a:ext cx="148044" cy="496"/>
-          </a:xfrm>
-          <a:prstGeom prst="line">
-            <a:avLst/>
-          </a:prstGeom>
-          <a:ln w="19050">
-            <a:solidFill>
-              <a:srgbClr val="FF0000"/>
-            </a:solidFill>
-          </a:ln>
-        </p:spPr>
-        <p:style>
-          <a:lnRef idx="1">
-            <a:schemeClr val="accent1"/>
-          </a:lnRef>
-          <a:fillRef idx="0">
-            <a:schemeClr val="accent1"/>
-          </a:fillRef>
-          <a:effectRef idx="0">
-            <a:schemeClr val="accent1"/>
-          </a:effectRef>
-          <a:fontRef idx="minor">
-            <a:schemeClr val="tx1"/>
-          </a:fontRef>
-        </p:style>
-      </p:cxnSp>
-      <p:cxnSp>
-        <p:nvCxnSpPr>
-          <p:cNvPr id="285" name="Прямая соединительная линия 284"/>
-          <p:cNvCxnSpPr>
-            <a:stCxn id="195" idx="3"/>
-            <a:endCxn id="196" idx="1"/>
-          </p:cNvCxnSpPr>
-          <p:nvPr/>
-        </p:nvCxnSpPr>
-        <p:spPr>
-          <a:xfrm>
-            <a:off x="10421628" y="18164472"/>
-            <a:ext cx="116794" cy="591"/>
-          </a:xfrm>
-          <a:prstGeom prst="line">
-            <a:avLst/>
-          </a:prstGeom>
-          <a:ln w="19050">
-            <a:solidFill>
-              <a:srgbClr val="FF0000"/>
-            </a:solidFill>
-          </a:ln>
-        </p:spPr>
-        <p:style>
-          <a:lnRef idx="1">
-            <a:schemeClr val="accent1"/>
-          </a:lnRef>
-          <a:fillRef idx="0">
-            <a:schemeClr val="accent1"/>
-          </a:fillRef>
-          <a:effectRef idx="0">
-            <a:schemeClr val="accent1"/>
-          </a:effectRef>
-          <a:fontRef idx="minor">
-            <a:schemeClr val="tx1"/>
-          </a:fontRef>
-        </p:style>
-      </p:cxnSp>
-      <p:cxnSp>
-        <p:nvCxnSpPr>
-          <p:cNvPr id="288" name="Соединительная линия уступом 287"/>
-          <p:cNvCxnSpPr>
-            <a:stCxn id="185" idx="2"/>
-            <a:endCxn id="196" idx="0"/>
-          </p:cNvCxnSpPr>
-          <p:nvPr/>
-        </p:nvCxnSpPr>
-        <p:spPr>
-          <a:xfrm rot="16200000" flipH="1">
-            <a:off x="10641789" y="17535267"/>
-            <a:ext cx="208798" cy="510794"/>
+          <p:cNvPr id="275" name="Соединительная линия уступом 274"/>
+          <p:cNvCxnSpPr>
+            <a:stCxn id="189" idx="2"/>
+            <a:endCxn id="175" idx="0"/>
+          </p:cNvCxnSpPr>
+          <p:nvPr/>
+        </p:nvCxnSpPr>
+        <p:spPr>
+          <a:xfrm rot="5400000">
+            <a:off x="9561685" y="15413037"/>
+            <a:ext cx="280300" cy="1587632"/>
           </a:xfrm>
           <a:prstGeom prst="bentConnector3">
             <a:avLst>
@@ -9529,17 +9378,93 @@
       </p:cxnSp>
       <p:cxnSp>
         <p:nvCxnSpPr>
-          <p:cNvPr id="290" name="Соединительная линия уступом 289"/>
+          <p:cNvPr id="284" name="Прямая соединительная линия 283"/>
+          <p:cNvCxnSpPr>
+            <a:stCxn id="190" idx="3"/>
+            <a:endCxn id="189" idx="1"/>
+          </p:cNvCxnSpPr>
+          <p:nvPr/>
+        </p:nvCxnSpPr>
+        <p:spPr>
+          <a:xfrm flipV="1">
+            <a:off x="9884444" y="15796703"/>
+            <a:ext cx="148044" cy="496"/>
+          </a:xfrm>
+          <a:prstGeom prst="line">
+            <a:avLst/>
+          </a:prstGeom>
+          <a:ln w="19050">
+            <a:solidFill>
+              <a:srgbClr val="FF0000"/>
+            </a:solidFill>
+          </a:ln>
+        </p:spPr>
+        <p:style>
+          <a:lnRef idx="1">
+            <a:schemeClr val="accent1"/>
+          </a:lnRef>
+          <a:fillRef idx="0">
+            <a:schemeClr val="accent1"/>
+          </a:fillRef>
+          <a:effectRef idx="0">
+            <a:schemeClr val="accent1"/>
+          </a:effectRef>
+          <a:fontRef idx="minor">
+            <a:schemeClr val="tx1"/>
+          </a:fontRef>
+        </p:style>
+      </p:cxnSp>
+      <p:cxnSp>
+        <p:nvCxnSpPr>
+          <p:cNvPr id="285" name="Прямая соединительная линия 284"/>
+          <p:cNvCxnSpPr>
+            <a:stCxn id="195" idx="3"/>
+            <a:endCxn id="196" idx="1"/>
+          </p:cNvCxnSpPr>
+          <p:nvPr/>
+        </p:nvCxnSpPr>
+        <p:spPr>
+          <a:xfrm>
+            <a:off x="10421628" y="18164472"/>
+            <a:ext cx="116794" cy="591"/>
+          </a:xfrm>
+          <a:prstGeom prst="line">
+            <a:avLst/>
+          </a:prstGeom>
+          <a:ln w="19050">
+            <a:solidFill>
+              <a:srgbClr val="FF0000"/>
+            </a:solidFill>
+          </a:ln>
+        </p:spPr>
+        <p:style>
+          <a:lnRef idx="1">
+            <a:schemeClr val="accent1"/>
+          </a:lnRef>
+          <a:fillRef idx="0">
+            <a:schemeClr val="accent1"/>
+          </a:fillRef>
+          <a:effectRef idx="0">
+            <a:schemeClr val="accent1"/>
+          </a:effectRef>
+          <a:fontRef idx="minor">
+            <a:schemeClr val="tx1"/>
+          </a:fontRef>
+        </p:style>
+      </p:cxnSp>
+      <p:cxnSp>
+        <p:nvCxnSpPr>
+          <p:cNvPr id="288" name="Соединительная линия уступом 287"/>
           <p:cNvCxnSpPr>
             <a:stCxn id="185" idx="2"/>
-            <a:endCxn id="195" idx="0"/>
-          </p:cNvCxnSpPr>
-          <p:nvPr/>
-        </p:nvCxnSpPr>
-        <p:spPr>
-          <a:xfrm rot="5400000">
-            <a:off x="10120526" y="17524206"/>
-            <a:ext cx="208207" cy="532325"/>
+            <a:endCxn id="196" idx="0"/>
+          </p:cNvCxnSpPr>
+          <p:nvPr/>
+        </p:nvCxnSpPr>
+        <p:spPr>
+          <a:xfrm rot="16200000" flipH="1">
+            <a:off x="10641789" y="17535267"/>
+            <a:ext cx="208798" cy="510794"/>
           </a:xfrm>
           <a:prstGeom prst="bentConnector3">
             <a:avLst>
@@ -9566,352 +9491,19 @@
           </a:fontRef>
         </p:style>
       </p:cxnSp>
-      <p:sp>
-        <p:nvSpPr>
-          <p:cNvPr id="327" name="Прямоугольник 326"/>
-          <p:cNvSpPr/>
-          <p:nvPr/>
-        </p:nvSpPr>
-        <p:spPr>
-          <a:xfrm>
-            <a:off x="4722098" y="12299272"/>
-            <a:ext cx="926325" cy="540000"/>
-          </a:xfrm>
-          <a:prstGeom prst="rect">
-            <a:avLst/>
-          </a:prstGeom>
-          <a:ln w="19050"/>
-        </p:spPr>
-        <p:style>
-          <a:lnRef idx="2">
-            <a:schemeClr val="accent1"/>
-          </a:lnRef>
-          <a:fillRef idx="1">
-            <a:schemeClr val="lt1"/>
-          </a:fillRef>
-          <a:effectRef idx="0">
-            <a:schemeClr val="accent1"/>
-          </a:effectRef>
-          <a:fontRef idx="minor">
-            <a:schemeClr val="dk1"/>
-          </a:fontRef>
-        </p:style>
-        <p:txBody>
-          <a:bodyPr lIns="124733" tIns="62367" rIns="124733" bIns="62367" rtlCol="0" anchor="ctr"/>
-          <a:lstStyle/>
-          <a:p>
-            <a:pPr algn="ctr"/>
-            <a:r>
-              <a:rPr lang="ru-RU" sz="700" dirty="0"/>
-              <a:t>Интеграция традиционных властей</a:t>
-            </a:r>
-          </a:p>
-        </p:txBody>
-      </p:sp>
-      <p:sp>
-        <p:nvSpPr>
-          <p:cNvPr id="329" name="Прямоугольник 328"/>
-          <p:cNvSpPr/>
-          <p:nvPr/>
-        </p:nvSpPr>
-        <p:spPr>
-          <a:xfrm>
-            <a:off x="4721682" y="13077464"/>
-            <a:ext cx="926325" cy="540000"/>
-          </a:xfrm>
-          <a:prstGeom prst="rect">
-            <a:avLst/>
-          </a:prstGeom>
-          <a:ln w="19050">
-            <a:solidFill>
-              <a:srgbClr val="00B050"/>
-            </a:solidFill>
-          </a:ln>
-        </p:spPr>
-        <p:style>
-          <a:lnRef idx="2">
-            <a:schemeClr val="accent1"/>
-          </a:lnRef>
-          <a:fillRef idx="1">
-            <a:schemeClr val="lt1"/>
-          </a:fillRef>
-          <a:effectRef idx="0">
-            <a:schemeClr val="accent1"/>
-          </a:effectRef>
-          <a:fontRef idx="minor">
-            <a:schemeClr val="dk1"/>
-          </a:fontRef>
-        </p:style>
-        <p:txBody>
-          <a:bodyPr lIns="124733" tIns="62367" rIns="124733" bIns="62367" rtlCol="0" anchor="ctr"/>
-          <a:lstStyle/>
-          <a:p>
-            <a:pPr algn="ctr"/>
-            <a:r>
-              <a:rPr lang="ru-RU" sz="700" dirty="0"/>
-              <a:t>Провинциальный декрет Португалии № 5.639</a:t>
-            </a:r>
-            <a:endParaRPr lang="ru-RU" sz="100" dirty="0"/>
-          </a:p>
-        </p:txBody>
-      </p:sp>
-      <p:sp>
-        <p:nvSpPr>
-          <p:cNvPr id="330" name="Прямоугольник 329"/>
-          <p:cNvSpPr/>
-          <p:nvPr/>
-        </p:nvSpPr>
-        <p:spPr>
-          <a:xfrm>
-            <a:off x="1527183" y="13884333"/>
-            <a:ext cx="926325" cy="540000"/>
-          </a:xfrm>
-          <a:prstGeom prst="rect">
-            <a:avLst/>
-          </a:prstGeom>
-          <a:ln w="19050"/>
-        </p:spPr>
-        <p:style>
-          <a:lnRef idx="2">
-            <a:schemeClr val="accent1"/>
-          </a:lnRef>
-          <a:fillRef idx="1">
-            <a:schemeClr val="lt1"/>
-          </a:fillRef>
-          <a:effectRef idx="0">
-            <a:schemeClr val="accent1"/>
-          </a:effectRef>
-          <a:fontRef idx="minor">
-            <a:schemeClr val="dk1"/>
-          </a:fontRef>
-        </p:style>
-        <p:txBody>
-          <a:bodyPr lIns="124733" tIns="62367" rIns="124733" bIns="62367" rtlCol="0" anchor="ctr"/>
-          <a:lstStyle/>
-          <a:p>
-            <a:pPr algn="ctr"/>
-            <a:r>
-              <a:rPr lang="ru-RU" sz="800" dirty="0"/>
-              <a:t>Экспорт чая в Метрополию</a:t>
-            </a:r>
-          </a:p>
-        </p:txBody>
-      </p:sp>
-      <p:sp>
-        <p:nvSpPr>
-          <p:cNvPr id="332" name="Прямоугольник 331"/>
-          <p:cNvSpPr/>
-          <p:nvPr/>
-        </p:nvSpPr>
-        <p:spPr>
-          <a:xfrm>
-            <a:off x="440066" y="13889566"/>
-            <a:ext cx="926325" cy="540000"/>
-          </a:xfrm>
-          <a:prstGeom prst="rect">
-            <a:avLst/>
-          </a:prstGeom>
-          <a:ln w="19050"/>
-        </p:spPr>
-        <p:style>
-          <a:lnRef idx="2">
-            <a:schemeClr val="accent1"/>
-          </a:lnRef>
-          <a:fillRef idx="1">
-            <a:schemeClr val="lt1"/>
-          </a:fillRef>
-          <a:effectRef idx="0">
-            <a:schemeClr val="accent1"/>
-          </a:effectRef>
-          <a:fontRef idx="minor">
-            <a:schemeClr val="dk1"/>
-          </a:fontRef>
-        </p:style>
-        <p:txBody>
-          <a:bodyPr lIns="124733" tIns="62367" rIns="124733" bIns="62367" rtlCol="0" anchor="ctr"/>
-          <a:lstStyle/>
-          <a:p>
-            <a:pPr algn="ctr"/>
-            <a:r>
-              <a:rPr lang="ru-RU" sz="800" dirty="0"/>
-              <a:t>Экспорт кешью в Метрополию</a:t>
-            </a:r>
-          </a:p>
-        </p:txBody>
-      </p:sp>
-      <p:sp>
-        <p:nvSpPr>
-          <p:cNvPr id="333" name="Прямоугольник 332"/>
-          <p:cNvSpPr/>
-          <p:nvPr/>
-        </p:nvSpPr>
-        <p:spPr>
-          <a:xfrm>
-            <a:off x="3680509" y="13072237"/>
-            <a:ext cx="926325" cy="540000"/>
-          </a:xfrm>
-          <a:prstGeom prst="rect">
-            <a:avLst/>
-          </a:prstGeom>
-          <a:ln w="19050"/>
-        </p:spPr>
-        <p:style>
-          <a:lnRef idx="2">
-            <a:schemeClr val="accent1"/>
-          </a:lnRef>
-          <a:fillRef idx="1">
-            <a:schemeClr val="lt1"/>
-          </a:fillRef>
-          <a:effectRef idx="0">
-            <a:schemeClr val="accent1"/>
-          </a:effectRef>
-          <a:fontRef idx="minor">
-            <a:schemeClr val="dk1"/>
-          </a:fontRef>
-        </p:style>
-        <p:txBody>
-          <a:bodyPr lIns="124733" tIns="62367" rIns="124733" bIns="62367" rtlCol="0" anchor="ctr"/>
-          <a:lstStyle/>
-          <a:p>
-            <a:pPr algn="ctr"/>
-            <a:r>
-              <a:rPr lang="ru-RU" sz="800" dirty="0"/>
-              <a:t>Расширить доступ к образованию</a:t>
-            </a:r>
-          </a:p>
-        </p:txBody>
-      </p:sp>
-      <p:sp>
-        <p:nvSpPr>
-          <p:cNvPr id="334" name="Прямоугольник 333"/>
-          <p:cNvSpPr/>
-          <p:nvPr/>
-        </p:nvSpPr>
-        <p:spPr>
-          <a:xfrm>
-            <a:off x="3680510" y="12299273"/>
-            <a:ext cx="926325" cy="540000"/>
-          </a:xfrm>
-          <a:prstGeom prst="rect">
-            <a:avLst/>
-          </a:prstGeom>
-          <a:ln w="19050">
-            <a:solidFill>
-              <a:srgbClr val="00B050"/>
-            </a:solidFill>
-          </a:ln>
-        </p:spPr>
-        <p:style>
-          <a:lnRef idx="2">
-            <a:schemeClr val="accent1"/>
-          </a:lnRef>
-          <a:fillRef idx="1">
-            <a:schemeClr val="lt1"/>
-          </a:fillRef>
-          <a:effectRef idx="0">
-            <a:schemeClr val="accent1"/>
-          </a:effectRef>
-          <a:fontRef idx="minor">
-            <a:schemeClr val="dk1"/>
-          </a:fontRef>
-        </p:style>
-        <p:txBody>
-          <a:bodyPr lIns="124733" tIns="62367" rIns="124733" bIns="62367" rtlCol="0" anchor="ctr"/>
-          <a:lstStyle/>
-          <a:p>
-            <a:pPr algn="ctr"/>
-            <a:r>
-              <a:rPr lang="ru-RU" sz="800" dirty="0"/>
-              <a:t>Модернизация городов Мозамбика</a:t>
-            </a:r>
-          </a:p>
-        </p:txBody>
-      </p:sp>
-      <p:cxnSp>
-        <p:nvCxnSpPr>
-          <p:cNvPr id="335" name="Прямая со стрелкой 334"/>
-          <p:cNvCxnSpPr>
-            <a:stCxn id="327" idx="2"/>
-            <a:endCxn id="329" idx="0"/>
-          </p:cNvCxnSpPr>
-          <p:nvPr/>
-        </p:nvCxnSpPr>
-        <p:spPr>
-          <a:xfrm flipH="1">
-            <a:off x="5184845" y="12839272"/>
-            <a:ext cx="416" cy="238192"/>
-          </a:xfrm>
-          <a:prstGeom prst="straightConnector1">
-            <a:avLst/>
-          </a:prstGeom>
-          <a:ln w="19050">
-            <a:tailEnd type="arrow"/>
-          </a:ln>
-        </p:spPr>
-        <p:style>
-          <a:lnRef idx="1">
-            <a:schemeClr val="accent1"/>
-          </a:lnRef>
-          <a:fillRef idx="0">
-            <a:schemeClr val="accent1"/>
-          </a:fillRef>
-          <a:effectRef idx="0">
-            <a:schemeClr val="accent1"/>
-          </a:effectRef>
-          <a:fontRef idx="minor">
-            <a:schemeClr val="tx1"/>
-          </a:fontRef>
-        </p:style>
-      </p:cxnSp>
-      <p:cxnSp>
-        <p:nvCxnSpPr>
-          <p:cNvPr id="336" name="Прямая со стрелкой 335"/>
-          <p:cNvCxnSpPr>
-            <a:stCxn id="118" idx="2"/>
-            <a:endCxn id="330" idx="0"/>
-          </p:cNvCxnSpPr>
-          <p:nvPr/>
-        </p:nvCxnSpPr>
-        <p:spPr>
-          <a:xfrm>
-            <a:off x="1990346" y="13612237"/>
-            <a:ext cx="0" cy="272096"/>
-          </a:xfrm>
-          <a:prstGeom prst="straightConnector1">
-            <a:avLst/>
-          </a:prstGeom>
-          <a:ln w="19050">
-            <a:tailEnd type="arrow"/>
-          </a:ln>
-        </p:spPr>
-        <p:style>
-          <a:lnRef idx="1">
-            <a:schemeClr val="accent1"/>
-          </a:lnRef>
-          <a:fillRef idx="0">
-            <a:schemeClr val="accent1"/>
-          </a:fillRef>
-          <a:effectRef idx="0">
-            <a:schemeClr val="accent1"/>
-          </a:effectRef>
-          <a:fontRef idx="minor">
-            <a:schemeClr val="tx1"/>
-          </a:fontRef>
-        </p:style>
-      </p:cxnSp>
-      <p:cxnSp>
-        <p:nvCxnSpPr>
-          <p:cNvPr id="337" name="Соединительная линия уступом 336"/>
-          <p:cNvCxnSpPr>
-            <a:stCxn id="113" idx="2"/>
-            <a:endCxn id="327" idx="0"/>
-          </p:cNvCxnSpPr>
-          <p:nvPr/>
-        </p:nvCxnSpPr>
-        <p:spPr>
-          <a:xfrm rot="16200000" flipH="1">
-            <a:off x="4548707" y="11662717"/>
-            <a:ext cx="231523" cy="1041586"/>
+      <p:cxnSp>
+        <p:nvCxnSpPr>
+          <p:cNvPr id="290" name="Соединительная линия уступом 289"/>
+          <p:cNvCxnSpPr>
+            <a:stCxn id="185" idx="2"/>
+            <a:endCxn id="195" idx="0"/>
+          </p:cNvCxnSpPr>
+          <p:nvPr/>
+        </p:nvCxnSpPr>
+        <p:spPr>
+          <a:xfrm rot="5400000">
+            <a:off x="10120526" y="17524206"/>
+            <a:ext cx="208207" cy="532325"/>
           </a:xfrm>
           <a:prstGeom prst="bentConnector3">
             <a:avLst>
@@ -9919,37 +9511,371 @@
             </a:avLst>
           </a:prstGeom>
           <a:ln w="19050">
-            <a:tailEnd type="arrow"/>
-          </a:ln>
-        </p:spPr>
-        <p:style>
-          <a:lnRef idx="1">
-            <a:schemeClr val="accent1"/>
-          </a:lnRef>
-          <a:fillRef idx="0">
-            <a:schemeClr val="accent1"/>
-          </a:fillRef>
-          <a:effectRef idx="0">
-            <a:schemeClr val="accent1"/>
-          </a:effectRef>
-          <a:fontRef idx="minor">
-            <a:schemeClr val="tx1"/>
-          </a:fontRef>
-        </p:style>
-      </p:cxnSp>
-      <p:cxnSp>
-        <p:nvCxnSpPr>
-          <p:cNvPr id="338" name="Соединительная линия уступом 337"/>
+            <a:prstDash val="dash"/>
+            <a:tailEnd type="arrow"/>
+          </a:ln>
+        </p:spPr>
+        <p:style>
+          <a:lnRef idx="1">
+            <a:schemeClr val="accent1"/>
+          </a:lnRef>
+          <a:fillRef idx="0">
+            <a:schemeClr val="accent1"/>
+          </a:fillRef>
+          <a:effectRef idx="0">
+            <a:schemeClr val="accent1"/>
+          </a:effectRef>
+          <a:fontRef idx="minor">
+            <a:schemeClr val="tx1"/>
+          </a:fontRef>
+        </p:style>
+      </p:cxnSp>
+      <p:sp>
+        <p:nvSpPr>
+          <p:cNvPr id="327" name="Прямоугольник 326"/>
+          <p:cNvSpPr/>
+          <p:nvPr/>
+        </p:nvSpPr>
+        <p:spPr>
+          <a:xfrm>
+            <a:off x="4722098" y="12299272"/>
+            <a:ext cx="926325" cy="540000"/>
+          </a:xfrm>
+          <a:prstGeom prst="rect">
+            <a:avLst/>
+          </a:prstGeom>
+          <a:ln w="19050"/>
+        </p:spPr>
+        <p:style>
+          <a:lnRef idx="2">
+            <a:schemeClr val="accent1"/>
+          </a:lnRef>
+          <a:fillRef idx="1">
+            <a:schemeClr val="lt1"/>
+          </a:fillRef>
+          <a:effectRef idx="0">
+            <a:schemeClr val="accent1"/>
+          </a:effectRef>
+          <a:fontRef idx="minor">
+            <a:schemeClr val="dk1"/>
+          </a:fontRef>
+        </p:style>
+        <p:txBody>
+          <a:bodyPr lIns="124733" tIns="62367" rIns="124733" bIns="62367" rtlCol="0" anchor="ctr"/>
+          <a:lstStyle/>
+          <a:p>
+            <a:pPr algn="ctr"/>
+            <a:r>
+              <a:rPr lang="ru-RU" sz="700" dirty="0"/>
+              <a:t>Интеграция традиционных властей</a:t>
+            </a:r>
+          </a:p>
+        </p:txBody>
+      </p:sp>
+      <p:sp>
+        <p:nvSpPr>
+          <p:cNvPr id="329" name="Прямоугольник 328"/>
+          <p:cNvSpPr/>
+          <p:nvPr/>
+        </p:nvSpPr>
+        <p:spPr>
+          <a:xfrm>
+            <a:off x="4721682" y="13077464"/>
+            <a:ext cx="926325" cy="540000"/>
+          </a:xfrm>
+          <a:prstGeom prst="rect">
+            <a:avLst/>
+          </a:prstGeom>
+          <a:ln w="19050">
+            <a:solidFill>
+              <a:srgbClr val="00B050"/>
+            </a:solidFill>
+          </a:ln>
+        </p:spPr>
+        <p:style>
+          <a:lnRef idx="2">
+            <a:schemeClr val="accent1"/>
+          </a:lnRef>
+          <a:fillRef idx="1">
+            <a:schemeClr val="lt1"/>
+          </a:fillRef>
+          <a:effectRef idx="0">
+            <a:schemeClr val="accent1"/>
+          </a:effectRef>
+          <a:fontRef idx="minor">
+            <a:schemeClr val="dk1"/>
+          </a:fontRef>
+        </p:style>
+        <p:txBody>
+          <a:bodyPr lIns="124733" tIns="62367" rIns="124733" bIns="62367" rtlCol="0" anchor="ctr"/>
+          <a:lstStyle/>
+          <a:p>
+            <a:pPr algn="ctr"/>
+            <a:r>
+              <a:rPr lang="ru-RU" sz="700" dirty="0"/>
+              <a:t>Провинциальный декрет Португалии № 5.639</a:t>
+            </a:r>
+            <a:endParaRPr lang="ru-RU" sz="100" dirty="0"/>
+          </a:p>
+        </p:txBody>
+      </p:sp>
+      <p:sp>
+        <p:nvSpPr>
+          <p:cNvPr id="330" name="Прямоугольник 329"/>
+          <p:cNvSpPr/>
+          <p:nvPr/>
+        </p:nvSpPr>
+        <p:spPr>
+          <a:xfrm>
+            <a:off x="1527183" y="13884333"/>
+            <a:ext cx="926325" cy="540000"/>
+          </a:xfrm>
+          <a:prstGeom prst="rect">
+            <a:avLst/>
+          </a:prstGeom>
+          <a:ln w="19050"/>
+        </p:spPr>
+        <p:style>
+          <a:lnRef idx="2">
+            <a:schemeClr val="accent1"/>
+          </a:lnRef>
+          <a:fillRef idx="1">
+            <a:schemeClr val="lt1"/>
+          </a:fillRef>
+          <a:effectRef idx="0">
+            <a:schemeClr val="accent1"/>
+          </a:effectRef>
+          <a:fontRef idx="minor">
+            <a:schemeClr val="dk1"/>
+          </a:fontRef>
+        </p:style>
+        <p:txBody>
+          <a:bodyPr lIns="124733" tIns="62367" rIns="124733" bIns="62367" rtlCol="0" anchor="ctr"/>
+          <a:lstStyle/>
+          <a:p>
+            <a:pPr algn="ctr"/>
+            <a:r>
+              <a:rPr lang="ru-RU" sz="800" dirty="0"/>
+              <a:t>Экспорт чая в Метрополию</a:t>
+            </a:r>
+          </a:p>
+        </p:txBody>
+      </p:sp>
+      <p:sp>
+        <p:nvSpPr>
+          <p:cNvPr id="332" name="Прямоугольник 331"/>
+          <p:cNvSpPr/>
+          <p:nvPr/>
+        </p:nvSpPr>
+        <p:spPr>
+          <a:xfrm>
+            <a:off x="440066" y="13889566"/>
+            <a:ext cx="926325" cy="540000"/>
+          </a:xfrm>
+          <a:prstGeom prst="rect">
+            <a:avLst/>
+          </a:prstGeom>
+          <a:ln w="19050"/>
+        </p:spPr>
+        <p:style>
+          <a:lnRef idx="2">
+            <a:schemeClr val="accent1"/>
+          </a:lnRef>
+          <a:fillRef idx="1">
+            <a:schemeClr val="lt1"/>
+          </a:fillRef>
+          <a:effectRef idx="0">
+            <a:schemeClr val="accent1"/>
+          </a:effectRef>
+          <a:fontRef idx="minor">
+            <a:schemeClr val="dk1"/>
+          </a:fontRef>
+        </p:style>
+        <p:txBody>
+          <a:bodyPr lIns="124733" tIns="62367" rIns="124733" bIns="62367" rtlCol="0" anchor="ctr"/>
+          <a:lstStyle/>
+          <a:p>
+            <a:pPr algn="ctr"/>
+            <a:r>
+              <a:rPr lang="ru-RU" sz="800" dirty="0"/>
+              <a:t>Экспорт кешью в Метрополию</a:t>
+            </a:r>
+          </a:p>
+        </p:txBody>
+      </p:sp>
+      <p:sp>
+        <p:nvSpPr>
+          <p:cNvPr id="333" name="Прямоугольник 332"/>
+          <p:cNvSpPr/>
+          <p:nvPr/>
+        </p:nvSpPr>
+        <p:spPr>
+          <a:xfrm>
+            <a:off x="3680509" y="13072237"/>
+            <a:ext cx="926325" cy="540000"/>
+          </a:xfrm>
+          <a:prstGeom prst="rect">
+            <a:avLst/>
+          </a:prstGeom>
+          <a:ln w="19050"/>
+        </p:spPr>
+        <p:style>
+          <a:lnRef idx="2">
+            <a:schemeClr val="accent1"/>
+          </a:lnRef>
+          <a:fillRef idx="1">
+            <a:schemeClr val="lt1"/>
+          </a:fillRef>
+          <a:effectRef idx="0">
+            <a:schemeClr val="accent1"/>
+          </a:effectRef>
+          <a:fontRef idx="minor">
+            <a:schemeClr val="dk1"/>
+          </a:fontRef>
+        </p:style>
+        <p:txBody>
+          <a:bodyPr lIns="124733" tIns="62367" rIns="124733" bIns="62367" rtlCol="0" anchor="ctr"/>
+          <a:lstStyle/>
+          <a:p>
+            <a:pPr algn="ctr"/>
+            <a:r>
+              <a:rPr lang="ru-RU" sz="800" dirty="0"/>
+              <a:t>Расширить доступ к образованию</a:t>
+            </a:r>
+          </a:p>
+        </p:txBody>
+      </p:sp>
+      <p:sp>
+        <p:nvSpPr>
+          <p:cNvPr id="334" name="Прямоугольник 333"/>
+          <p:cNvSpPr/>
+          <p:nvPr/>
+        </p:nvSpPr>
+        <p:spPr>
+          <a:xfrm>
+            <a:off x="3680510" y="12299273"/>
+            <a:ext cx="926325" cy="540000"/>
+          </a:xfrm>
+          <a:prstGeom prst="rect">
+            <a:avLst/>
+          </a:prstGeom>
+          <a:ln w="19050">
+            <a:solidFill>
+              <a:srgbClr val="00B050"/>
+            </a:solidFill>
+          </a:ln>
+        </p:spPr>
+        <p:style>
+          <a:lnRef idx="2">
+            <a:schemeClr val="accent1"/>
+          </a:lnRef>
+          <a:fillRef idx="1">
+            <a:schemeClr val="lt1"/>
+          </a:fillRef>
+          <a:effectRef idx="0">
+            <a:schemeClr val="accent1"/>
+          </a:effectRef>
+          <a:fontRef idx="minor">
+            <a:schemeClr val="dk1"/>
+          </a:fontRef>
+        </p:style>
+        <p:txBody>
+          <a:bodyPr lIns="124733" tIns="62367" rIns="124733" bIns="62367" rtlCol="0" anchor="ctr"/>
+          <a:lstStyle/>
+          <a:p>
+            <a:pPr algn="ctr"/>
+            <a:r>
+              <a:rPr lang="ru-RU" sz="800" dirty="0"/>
+              <a:t>Модернизация городов Мозамбика</a:t>
+            </a:r>
+          </a:p>
+        </p:txBody>
+      </p:sp>
+      <p:cxnSp>
+        <p:nvCxnSpPr>
+          <p:cNvPr id="335" name="Прямая со стрелкой 334"/>
+          <p:cNvCxnSpPr>
+            <a:stCxn id="327" idx="2"/>
+            <a:endCxn id="329" idx="0"/>
+          </p:cNvCxnSpPr>
+          <p:nvPr/>
+        </p:nvCxnSpPr>
+        <p:spPr>
+          <a:xfrm flipH="1">
+            <a:off x="5184845" y="12839272"/>
+            <a:ext cx="416" cy="238192"/>
+          </a:xfrm>
+          <a:prstGeom prst="straightConnector1">
+            <a:avLst/>
+          </a:prstGeom>
+          <a:ln w="19050">
+            <a:tailEnd type="arrow"/>
+          </a:ln>
+        </p:spPr>
+        <p:style>
+          <a:lnRef idx="1">
+            <a:schemeClr val="accent1"/>
+          </a:lnRef>
+          <a:fillRef idx="0">
+            <a:schemeClr val="accent1"/>
+          </a:fillRef>
+          <a:effectRef idx="0">
+            <a:schemeClr val="accent1"/>
+          </a:effectRef>
+          <a:fontRef idx="minor">
+            <a:schemeClr val="tx1"/>
+          </a:fontRef>
+        </p:style>
+      </p:cxnSp>
+      <p:cxnSp>
+        <p:nvCxnSpPr>
+          <p:cNvPr id="336" name="Прямая со стрелкой 335"/>
+          <p:cNvCxnSpPr>
+            <a:stCxn id="118" idx="2"/>
+            <a:endCxn id="330" idx="0"/>
+          </p:cNvCxnSpPr>
+          <p:nvPr/>
+        </p:nvCxnSpPr>
+        <p:spPr>
+          <a:xfrm>
+            <a:off x="1990346" y="13612237"/>
+            <a:ext cx="0" cy="272096"/>
+          </a:xfrm>
+          <a:prstGeom prst="straightConnector1">
+            <a:avLst/>
+          </a:prstGeom>
+          <a:ln w="19050">
+            <a:tailEnd type="arrow"/>
+          </a:ln>
+        </p:spPr>
+        <p:style>
+          <a:lnRef idx="1">
+            <a:schemeClr val="accent1"/>
+          </a:lnRef>
+          <a:fillRef idx="0">
+            <a:schemeClr val="accent1"/>
+          </a:fillRef>
+          <a:effectRef idx="0">
+            <a:schemeClr val="accent1"/>
+          </a:effectRef>
+          <a:fontRef idx="minor">
+            <a:schemeClr val="tx1"/>
+          </a:fontRef>
+        </p:style>
+      </p:cxnSp>
+      <p:cxnSp>
+        <p:nvCxnSpPr>
+          <p:cNvPr id="337" name="Соединительная линия уступом 336"/>
           <p:cNvCxnSpPr>
             <a:stCxn id="113" idx="2"/>
-            <a:endCxn id="117" idx="0"/>
-          </p:cNvCxnSpPr>
-          <p:nvPr/>
-        </p:nvCxnSpPr>
-        <p:spPr>
-          <a:xfrm rot="5400000">
-            <a:off x="3484211" y="11635503"/>
-            <a:ext cx="227218" cy="1091710"/>
+            <a:endCxn id="327" idx="0"/>
+          </p:cNvCxnSpPr>
+          <p:nvPr/>
+        </p:nvCxnSpPr>
+        <p:spPr>
+          <a:xfrm rot="16200000" flipH="1">
+            <a:off x="4548707" y="11662717"/>
+            <a:ext cx="231523" cy="1041586"/>
           </a:xfrm>
           <a:prstGeom prst="bentConnector3">
             <a:avLst>
@@ -9977,17 +9903,17 @@
       </p:cxnSp>
       <p:cxnSp>
         <p:nvCxnSpPr>
-          <p:cNvPr id="339" name="Соединительная линия уступом 338"/>
-          <p:cNvCxnSpPr>
-            <a:stCxn id="117" idx="2"/>
-            <a:endCxn id="118" idx="0"/>
+          <p:cNvPr id="338" name="Соединительная линия уступом 337"/>
+          <p:cNvCxnSpPr>
+            <a:stCxn id="113" idx="2"/>
+            <a:endCxn id="117" idx="0"/>
           </p:cNvCxnSpPr>
           <p:nvPr/>
         </p:nvCxnSpPr>
         <p:spPr>
           <a:xfrm rot="5400000">
-            <a:off x="2402521" y="12422793"/>
-            <a:ext cx="237270" cy="1061619"/>
+            <a:off x="3484211" y="11635503"/>
+            <a:ext cx="227218" cy="1091710"/>
           </a:xfrm>
           <a:prstGeom prst="bentConnector3">
             <a:avLst>
@@ -10015,17 +9941,17 @@
       </p:cxnSp>
       <p:cxnSp>
         <p:nvCxnSpPr>
-          <p:cNvPr id="340" name="Соединительная линия уступом 339"/>
-          <p:cNvCxnSpPr>
-            <a:stCxn id="113" idx="2"/>
-            <a:endCxn id="334" idx="0"/>
+          <p:cNvPr id="339" name="Соединительная линия уступом 338"/>
+          <p:cNvCxnSpPr>
+            <a:stCxn id="117" idx="2"/>
+            <a:endCxn id="118" idx="0"/>
           </p:cNvCxnSpPr>
           <p:nvPr/>
         </p:nvCxnSpPr>
         <p:spPr>
           <a:xfrm rot="5400000">
-            <a:off x="4027912" y="12183510"/>
-            <a:ext cx="231524" cy="2"/>
+            <a:off x="2402521" y="12422793"/>
+            <a:ext cx="237270" cy="1061619"/>
           </a:xfrm>
           <a:prstGeom prst="bentConnector3">
             <a:avLst>
@@ -10053,17 +9979,17 @@
       </p:cxnSp>
       <p:cxnSp>
         <p:nvCxnSpPr>
-          <p:cNvPr id="343" name="Соединительная линия уступом 342"/>
-          <p:cNvCxnSpPr>
-            <a:stCxn id="118" idx="2"/>
-            <a:endCxn id="120" idx="0"/>
-          </p:cNvCxnSpPr>
-          <p:nvPr/>
-        </p:nvCxnSpPr>
-        <p:spPr>
-          <a:xfrm rot="16200000" flipH="1">
-            <a:off x="2385108" y="13217475"/>
-            <a:ext cx="272096" cy="1061620"/>
+          <p:cNvPr id="340" name="Соединительная линия уступом 339"/>
+          <p:cNvCxnSpPr>
+            <a:stCxn id="113" idx="2"/>
+            <a:endCxn id="334" idx="0"/>
+          </p:cNvCxnSpPr>
+          <p:nvPr/>
+        </p:nvCxnSpPr>
+        <p:spPr>
+          <a:xfrm rot="5400000">
+            <a:off x="4027912" y="12183510"/>
+            <a:ext cx="231524" cy="2"/>
           </a:xfrm>
           <a:prstGeom prst="bentConnector3">
             <a:avLst>
@@ -10091,17 +10017,17 @@
       </p:cxnSp>
       <p:cxnSp>
         <p:nvCxnSpPr>
-          <p:cNvPr id="346" name="Соединительная линия уступом 345"/>
+          <p:cNvPr id="343" name="Соединительная линия уступом 342"/>
           <p:cNvCxnSpPr>
             <a:stCxn id="118" idx="2"/>
-            <a:endCxn id="332" idx="0"/>
-          </p:cNvCxnSpPr>
-          <p:nvPr/>
-        </p:nvCxnSpPr>
-        <p:spPr>
-          <a:xfrm rot="5400000">
-            <a:off x="1308124" y="13207343"/>
-            <a:ext cx="277329" cy="1087117"/>
+            <a:endCxn id="120" idx="0"/>
+          </p:cNvCxnSpPr>
+          <p:nvPr/>
+        </p:nvCxnSpPr>
+        <p:spPr>
+          <a:xfrm rot="16200000" flipH="1">
+            <a:off x="2385108" y="13217475"/>
+            <a:ext cx="272096" cy="1061620"/>
           </a:xfrm>
           <a:prstGeom prst="bentConnector3">
             <a:avLst>
@@ -10129,17 +10055,17 @@
       </p:cxnSp>
       <p:cxnSp>
         <p:nvCxnSpPr>
-          <p:cNvPr id="349" name="Соединительная линия уступом 348"/>
-          <p:cNvCxnSpPr>
-            <a:stCxn id="334" idx="2"/>
-            <a:endCxn id="121" idx="0"/>
+          <p:cNvPr id="346" name="Соединительная линия уступом 345"/>
+          <p:cNvCxnSpPr>
+            <a:stCxn id="118" idx="2"/>
+            <a:endCxn id="332" idx="0"/>
           </p:cNvCxnSpPr>
           <p:nvPr/>
         </p:nvCxnSpPr>
         <p:spPr>
           <a:xfrm rot="5400000">
-            <a:off x="3481338" y="12409902"/>
-            <a:ext cx="232964" cy="1091707"/>
+            <a:off x="1308124" y="13207343"/>
+            <a:ext cx="277329" cy="1087117"/>
           </a:xfrm>
           <a:prstGeom prst="bentConnector3">
             <a:avLst>
@@ -10167,289 +10093,17 @@
       </p:cxnSp>
       <p:cxnSp>
         <p:nvCxnSpPr>
-          <p:cNvPr id="352" name="Прямая со стрелкой 351"/>
+          <p:cNvPr id="349" name="Соединительная линия уступом 348"/>
           <p:cNvCxnSpPr>
             <a:stCxn id="334" idx="2"/>
-            <a:endCxn id="333" idx="0"/>
-          </p:cNvCxnSpPr>
-          <p:nvPr/>
-        </p:nvCxnSpPr>
-        <p:spPr>
-          <a:xfrm flipH="1">
-            <a:off x="4143672" y="12839273"/>
-            <a:ext cx="1" cy="232964"/>
-          </a:xfrm>
-          <a:prstGeom prst="straightConnector1">
-            <a:avLst/>
-          </a:prstGeom>
-          <a:ln w="19050">
-            <a:tailEnd type="arrow"/>
-          </a:ln>
-        </p:spPr>
-        <p:style>
-          <a:lnRef idx="1">
-            <a:schemeClr val="accent1"/>
-          </a:lnRef>
-          <a:fillRef idx="0">
-            <a:schemeClr val="accent1"/>
-          </a:fillRef>
-          <a:effectRef idx="0">
-            <a:schemeClr val="accent1"/>
-          </a:effectRef>
-          <a:fontRef idx="minor">
-            <a:schemeClr val="tx1"/>
-          </a:fontRef>
-        </p:style>
-      </p:cxnSp>
-      <p:cxnSp>
-        <p:nvCxnSpPr>
-          <p:cNvPr id="356" name="Прямая со стрелкой 355"/>
-          <p:cNvCxnSpPr>
-            <a:stCxn id="117" idx="2"/>
             <a:endCxn id="121" idx="0"/>
           </p:cNvCxnSpPr>
           <p:nvPr/>
         </p:nvCxnSpPr>
         <p:spPr>
-          <a:xfrm>
-            <a:off x="3051965" y="12834967"/>
-            <a:ext cx="1" cy="237270"/>
-          </a:xfrm>
-          <a:prstGeom prst="straightConnector1">
-            <a:avLst/>
-          </a:prstGeom>
-          <a:ln w="19050">
-            <a:tailEnd type="arrow"/>
-          </a:ln>
-        </p:spPr>
-        <p:style>
-          <a:lnRef idx="1">
-            <a:schemeClr val="accent1"/>
-          </a:lnRef>
-          <a:fillRef idx="0">
-            <a:schemeClr val="accent1"/>
-          </a:fillRef>
-          <a:effectRef idx="0">
-            <a:schemeClr val="accent1"/>
-          </a:effectRef>
-          <a:fontRef idx="minor">
-            <a:schemeClr val="tx1"/>
-          </a:fontRef>
-        </p:style>
-      </p:cxnSp>
-      <p:sp>
-        <p:nvSpPr>
-          <p:cNvPr id="359" name="Прямоугольник 358"/>
-          <p:cNvSpPr/>
-          <p:nvPr/>
-        </p:nvSpPr>
-        <p:spPr>
-          <a:xfrm>
-            <a:off x="3680508" y="13877627"/>
-            <a:ext cx="926325" cy="540000"/>
-          </a:xfrm>
-          <a:prstGeom prst="rect">
-            <a:avLst/>
-          </a:prstGeom>
-          <a:ln w="19050">
-            <a:solidFill>
-              <a:srgbClr val="00B050"/>
-            </a:solidFill>
-          </a:ln>
-        </p:spPr>
-        <p:style>
-          <a:lnRef idx="2">
-            <a:schemeClr val="accent1"/>
-          </a:lnRef>
-          <a:fillRef idx="1">
-            <a:schemeClr val="lt1"/>
-          </a:fillRef>
-          <a:effectRef idx="0">
-            <a:schemeClr val="accent1"/>
-          </a:effectRef>
-          <a:fontRef idx="minor">
-            <a:schemeClr val="dk1"/>
-          </a:fontRef>
-        </p:style>
-        <p:txBody>
-          <a:bodyPr lIns="124733" tIns="62367" rIns="124733" bIns="62367" rtlCol="0" anchor="ctr"/>
-          <a:lstStyle/>
-          <a:p>
-            <a:pPr algn="ctr"/>
-            <a:r>
-              <a:rPr lang="ru-RU" sz="800" dirty="0"/>
-              <a:t>Забрать территории </a:t>
-            </a:r>
-            <a:r>
-              <a:rPr lang="en-US" sz="800" dirty="0"/>
-              <a:t>Mozambique Company</a:t>
-            </a:r>
-            <a:r>
-              <a:rPr lang="ru-RU" sz="800" dirty="0"/>
-              <a:t> </a:t>
-            </a:r>
-            <a:r>
-              <a:rPr lang="ru-RU" sz="400" dirty="0"/>
-              <a:t>(июль 1942)</a:t>
-            </a:r>
-            <a:endParaRPr lang="ru-RU" sz="200" dirty="0"/>
-          </a:p>
-        </p:txBody>
-      </p:sp>
-      <p:cxnSp>
-        <p:nvCxnSpPr>
-          <p:cNvPr id="360" name="Прямая со стрелкой 359"/>
-          <p:cNvCxnSpPr>
-            <a:stCxn id="333" idx="2"/>
-            <a:endCxn id="359" idx="0"/>
-          </p:cNvCxnSpPr>
-          <p:nvPr/>
-        </p:nvCxnSpPr>
-        <p:spPr>
-          <a:xfrm flipH="1">
-            <a:off x="4143671" y="13612237"/>
-            <a:ext cx="1" cy="265390"/>
-          </a:xfrm>
-          <a:prstGeom prst="straightConnector1">
-            <a:avLst/>
-          </a:prstGeom>
-          <a:ln w="19050">
-            <a:tailEnd type="arrow"/>
-          </a:ln>
-        </p:spPr>
-        <p:style>
-          <a:lnRef idx="1">
-            <a:schemeClr val="accent1"/>
-          </a:lnRef>
-          <a:fillRef idx="0">
-            <a:schemeClr val="accent1"/>
-          </a:fillRef>
-          <a:effectRef idx="0">
-            <a:schemeClr val="accent1"/>
-          </a:effectRef>
-          <a:fontRef idx="minor">
-            <a:schemeClr val="tx1"/>
-          </a:fontRef>
-        </p:style>
-      </p:cxnSp>
-      <p:sp>
-        <p:nvSpPr>
-          <p:cNvPr id="363" name="Прямоугольник 362"/>
-          <p:cNvSpPr/>
-          <p:nvPr/>
-        </p:nvSpPr>
-        <p:spPr>
-          <a:xfrm>
-            <a:off x="4722099" y="13877627"/>
-            <a:ext cx="926325" cy="540000"/>
-          </a:xfrm>
-          <a:prstGeom prst="rect">
-            <a:avLst/>
-          </a:prstGeom>
-          <a:ln w="19050"/>
-        </p:spPr>
-        <p:style>
-          <a:lnRef idx="2">
-            <a:schemeClr val="accent1"/>
-          </a:lnRef>
-          <a:fillRef idx="1">
-            <a:schemeClr val="lt1"/>
-          </a:fillRef>
-          <a:effectRef idx="0">
-            <a:schemeClr val="accent1"/>
-          </a:effectRef>
-          <a:fontRef idx="minor">
-            <a:schemeClr val="dk1"/>
-          </a:fontRef>
-        </p:style>
-        <p:txBody>
-          <a:bodyPr lIns="124733" tIns="62367" rIns="124733" bIns="62367" rtlCol="0" anchor="ctr"/>
-          <a:lstStyle/>
-          <a:p>
-            <a:pPr algn="ctr"/>
-            <a:r>
-              <a:rPr lang="ru-RU" sz="800" dirty="0"/>
-              <a:t>Вернуть управление Мозамбиком кампаниям </a:t>
-            </a:r>
-            <a:r>
-              <a:rPr lang="ru-RU" sz="500" dirty="0"/>
-              <a:t>(только для монархии)</a:t>
-            </a:r>
-            <a:endParaRPr lang="ru-RU" sz="200" dirty="0"/>
-          </a:p>
-        </p:txBody>
-      </p:sp>
-      <p:sp>
-        <p:nvSpPr>
-          <p:cNvPr id="364" name="Прямоугольник 363"/>
-          <p:cNvSpPr/>
-          <p:nvPr/>
-        </p:nvSpPr>
-        <p:spPr>
-          <a:xfrm>
-            <a:off x="4722099" y="14718123"/>
-            <a:ext cx="926325" cy="540000"/>
-          </a:xfrm>
-          <a:prstGeom prst="rect">
-            <a:avLst/>
-          </a:prstGeom>
-          <a:ln w="19050"/>
-        </p:spPr>
-        <p:style>
-          <a:lnRef idx="2">
-            <a:schemeClr val="accent1"/>
-          </a:lnRef>
-          <a:fillRef idx="1">
-            <a:schemeClr val="lt1"/>
-          </a:fillRef>
-          <a:effectRef idx="0">
-            <a:schemeClr val="accent1"/>
-          </a:effectRef>
-          <a:fontRef idx="minor">
-            <a:schemeClr val="dk1"/>
-          </a:fontRef>
-        </p:style>
-        <p:txBody>
-          <a:bodyPr lIns="124733" tIns="62367" rIns="124733" bIns="62367" rtlCol="0" anchor="ctr"/>
-          <a:lstStyle/>
-          <a:p>
-            <a:pPr algn="ctr"/>
-            <a:r>
-              <a:rPr lang="ru-RU" sz="900" dirty="0"/>
-              <a:t>Восстановить </a:t>
-            </a:r>
-            <a:r>
-              <a:rPr lang="en-US" sz="900" dirty="0" err="1"/>
-              <a:t>Niassa</a:t>
-            </a:r>
-            <a:r>
-              <a:rPr lang="en-US" sz="900" dirty="0"/>
-              <a:t> Company</a:t>
-            </a:r>
-            <a:r>
-              <a:rPr lang="ru-RU" sz="900" dirty="0"/>
-              <a:t> </a:t>
-            </a:r>
-            <a:r>
-              <a:rPr lang="ru-RU" sz="500" dirty="0"/>
-              <a:t>(королевская кампания, только для монархии)</a:t>
-            </a:r>
-          </a:p>
-        </p:txBody>
-      </p:sp>
-      <p:cxnSp>
-        <p:nvCxnSpPr>
-          <p:cNvPr id="365" name="Соединительная линия уступом 364"/>
-          <p:cNvCxnSpPr>
-            <a:stCxn id="333" idx="2"/>
-            <a:endCxn id="363" idx="0"/>
-          </p:cNvCxnSpPr>
-          <p:nvPr/>
-        </p:nvCxnSpPr>
-        <p:spPr>
-          <a:xfrm rot="16200000" flipH="1">
-            <a:off x="4531772" y="13224137"/>
-            <a:ext cx="265390" cy="1041590"/>
+          <a:xfrm rot="5400000">
+            <a:off x="3481338" y="12409902"/>
+            <a:ext cx="232964" cy="1091707"/>
           </a:xfrm>
           <a:prstGeom prst="bentConnector3">
             <a:avLst>
@@ -10477,17 +10131,17 @@
       </p:cxnSp>
       <p:cxnSp>
         <p:nvCxnSpPr>
-          <p:cNvPr id="368" name="Прямая со стрелкой 367"/>
-          <p:cNvCxnSpPr>
-            <a:stCxn id="363" idx="2"/>
-            <a:endCxn id="364" idx="0"/>
-          </p:cNvCxnSpPr>
-          <p:nvPr/>
-        </p:nvCxnSpPr>
-        <p:spPr>
-          <a:xfrm>
-            <a:off x="5185262" y="14417627"/>
-            <a:ext cx="0" cy="300496"/>
+          <p:cNvPr id="352" name="Прямая со стрелкой 351"/>
+          <p:cNvCxnSpPr>
+            <a:stCxn id="334" idx="2"/>
+            <a:endCxn id="333" idx="0"/>
+          </p:cNvCxnSpPr>
+          <p:nvPr/>
+        </p:nvCxnSpPr>
+        <p:spPr>
+          <a:xfrm flipH="1">
+            <a:off x="4143672" y="12839273"/>
+            <a:ext cx="1" cy="232964"/>
           </a:xfrm>
           <a:prstGeom prst="straightConnector1">
             <a:avLst/>
@@ -10511,21 +10165,61 @@
           </a:fontRef>
         </p:style>
       </p:cxnSp>
-      <p:sp>
-        <p:nvSpPr>
-          <p:cNvPr id="217" name="Прямоугольник 216"/>
+      <p:cxnSp>
+        <p:nvCxnSpPr>
+          <p:cNvPr id="356" name="Прямая со стрелкой 355"/>
+          <p:cNvCxnSpPr>
+            <a:stCxn id="117" idx="2"/>
+            <a:endCxn id="121" idx="0"/>
+          </p:cNvCxnSpPr>
+          <p:nvPr/>
+        </p:nvCxnSpPr>
+        <p:spPr>
+          <a:xfrm>
+            <a:off x="3051965" y="12834967"/>
+            <a:ext cx="1" cy="237270"/>
+          </a:xfrm>
+          <a:prstGeom prst="straightConnector1">
+            <a:avLst/>
+          </a:prstGeom>
+          <a:ln w="19050">
+            <a:tailEnd type="arrow"/>
+          </a:ln>
+        </p:spPr>
+        <p:style>
+          <a:lnRef idx="1">
+            <a:schemeClr val="accent1"/>
+          </a:lnRef>
+          <a:fillRef idx="0">
+            <a:schemeClr val="accent1"/>
+          </a:fillRef>
+          <a:effectRef idx="0">
+            <a:schemeClr val="accent1"/>
+          </a:effectRef>
+          <a:fontRef idx="minor">
+            <a:schemeClr val="tx1"/>
+          </a:fontRef>
+        </p:style>
+      </p:cxnSp>
+      <p:sp>
+        <p:nvSpPr>
+          <p:cNvPr id="359" name="Прямоугольник 358"/>
           <p:cNvSpPr/>
           <p:nvPr/>
         </p:nvSpPr>
         <p:spPr>
           <a:xfrm>
-            <a:off x="5815563" y="13877627"/>
+            <a:off x="3680508" y="13877627"/>
             <a:ext cx="926325" cy="540000"/>
           </a:xfrm>
           <a:prstGeom prst="rect">
             <a:avLst/>
           </a:prstGeom>
-          <a:ln w="19050"/>
+          <a:ln w="19050">
+            <a:solidFill>
+              <a:srgbClr val="00B050"/>
+            </a:solidFill>
+          </a:ln>
         </p:spPr>
         <p:style>
           <a:lnRef idx="2">
@@ -10548,25 +10242,178 @@
             <a:pPr algn="ctr"/>
             <a:r>
               <a:rPr lang="ru-RU" sz="800" dirty="0"/>
-              <a:t>Приступить к восстановлению сельского хозяйства</a:t>
-            </a:r>
-            <a:endParaRPr lang="ru-RU" sz="300" dirty="0"/>
-          </a:p>
-        </p:txBody>
-      </p:sp>
-      <p:cxnSp>
-        <p:nvCxnSpPr>
-          <p:cNvPr id="222" name="Соединительная линия уступом 221"/>
-          <p:cNvCxnSpPr>
-            <a:stCxn id="132" idx="2"/>
-            <a:endCxn id="217" idx="0"/>
-          </p:cNvCxnSpPr>
-          <p:nvPr/>
-        </p:nvCxnSpPr>
-        <p:spPr>
-          <a:xfrm rot="5400000">
-            <a:off x="6676736" y="13217180"/>
-            <a:ext cx="262438" cy="1058457"/>
+              <a:t>Забрать территории </a:t>
+            </a:r>
+            <a:r>
+              <a:rPr lang="en-US" sz="800" dirty="0"/>
+              <a:t>Mozambique Company</a:t>
+            </a:r>
+            <a:r>
+              <a:rPr lang="ru-RU" sz="800" dirty="0"/>
+              <a:t> </a:t>
+            </a:r>
+            <a:r>
+              <a:rPr lang="ru-RU" sz="400" dirty="0"/>
+              <a:t>(июль 1942)</a:t>
+            </a:r>
+            <a:endParaRPr lang="ru-RU" sz="200" dirty="0"/>
+          </a:p>
+        </p:txBody>
+      </p:sp>
+      <p:cxnSp>
+        <p:nvCxnSpPr>
+          <p:cNvPr id="360" name="Прямая со стрелкой 359"/>
+          <p:cNvCxnSpPr>
+            <a:stCxn id="333" idx="2"/>
+            <a:endCxn id="359" idx="0"/>
+          </p:cNvCxnSpPr>
+          <p:nvPr/>
+        </p:nvCxnSpPr>
+        <p:spPr>
+          <a:xfrm flipH="1">
+            <a:off x="4143671" y="13612237"/>
+            <a:ext cx="1" cy="265390"/>
+          </a:xfrm>
+          <a:prstGeom prst="straightConnector1">
+            <a:avLst/>
+          </a:prstGeom>
+          <a:ln w="19050">
+            <a:tailEnd type="arrow"/>
+          </a:ln>
+        </p:spPr>
+        <p:style>
+          <a:lnRef idx="1">
+            <a:schemeClr val="accent1"/>
+          </a:lnRef>
+          <a:fillRef idx="0">
+            <a:schemeClr val="accent1"/>
+          </a:fillRef>
+          <a:effectRef idx="0">
+            <a:schemeClr val="accent1"/>
+          </a:effectRef>
+          <a:fontRef idx="minor">
+            <a:schemeClr val="tx1"/>
+          </a:fontRef>
+        </p:style>
+      </p:cxnSp>
+      <p:sp>
+        <p:nvSpPr>
+          <p:cNvPr id="363" name="Прямоугольник 362"/>
+          <p:cNvSpPr/>
+          <p:nvPr/>
+        </p:nvSpPr>
+        <p:spPr>
+          <a:xfrm>
+            <a:off x="4722099" y="13877627"/>
+            <a:ext cx="926325" cy="540000"/>
+          </a:xfrm>
+          <a:prstGeom prst="rect">
+            <a:avLst/>
+          </a:prstGeom>
+          <a:ln w="19050"/>
+        </p:spPr>
+        <p:style>
+          <a:lnRef idx="2">
+            <a:schemeClr val="accent1"/>
+          </a:lnRef>
+          <a:fillRef idx="1">
+            <a:schemeClr val="lt1"/>
+          </a:fillRef>
+          <a:effectRef idx="0">
+            <a:schemeClr val="accent1"/>
+          </a:effectRef>
+          <a:fontRef idx="minor">
+            <a:schemeClr val="dk1"/>
+          </a:fontRef>
+        </p:style>
+        <p:txBody>
+          <a:bodyPr lIns="124733" tIns="62367" rIns="124733" bIns="62367" rtlCol="0" anchor="ctr"/>
+          <a:lstStyle/>
+          <a:p>
+            <a:pPr algn="ctr"/>
+            <a:r>
+              <a:rPr lang="ru-RU" sz="800" dirty="0"/>
+              <a:t>Вернуть управление Мозамбиком кампаниям </a:t>
+            </a:r>
+            <a:r>
+              <a:rPr lang="ru-RU" sz="500" dirty="0"/>
+              <a:t>(только для монархии)</a:t>
+            </a:r>
+            <a:endParaRPr lang="ru-RU" sz="200" dirty="0"/>
+          </a:p>
+        </p:txBody>
+      </p:sp>
+      <p:sp>
+        <p:nvSpPr>
+          <p:cNvPr id="364" name="Прямоугольник 363"/>
+          <p:cNvSpPr/>
+          <p:nvPr/>
+        </p:nvSpPr>
+        <p:spPr>
+          <a:xfrm>
+            <a:off x="4722099" y="14718123"/>
+            <a:ext cx="926325" cy="540000"/>
+          </a:xfrm>
+          <a:prstGeom prst="rect">
+            <a:avLst/>
+          </a:prstGeom>
+          <a:ln w="19050"/>
+        </p:spPr>
+        <p:style>
+          <a:lnRef idx="2">
+            <a:schemeClr val="accent1"/>
+          </a:lnRef>
+          <a:fillRef idx="1">
+            <a:schemeClr val="lt1"/>
+          </a:fillRef>
+          <a:effectRef idx="0">
+            <a:schemeClr val="accent1"/>
+          </a:effectRef>
+          <a:fontRef idx="minor">
+            <a:schemeClr val="dk1"/>
+          </a:fontRef>
+        </p:style>
+        <p:txBody>
+          <a:bodyPr lIns="124733" tIns="62367" rIns="124733" bIns="62367" rtlCol="0" anchor="ctr"/>
+          <a:lstStyle/>
+          <a:p>
+            <a:pPr algn="ctr"/>
+            <a:r>
+              <a:rPr lang="ru-RU" sz="900" dirty="0"/>
+              <a:t>Восстановить </a:t>
+            </a:r>
+            <a:r>
+              <a:rPr lang="en-US" sz="900" dirty="0" err="1"/>
+              <a:t>Niassa</a:t>
+            </a:r>
+            <a:r>
+              <a:rPr lang="en-US" sz="900" dirty="0"/>
+              <a:t> Company</a:t>
+            </a:r>
+            <a:r>
+              <a:rPr lang="ru-RU" sz="900" dirty="0"/>
+              <a:t> </a:t>
+            </a:r>
+            <a:r>
+              <a:rPr lang="ru-RU" sz="500" dirty="0"/>
+              <a:t>(королевская кампания, только для монархии)</a:t>
+            </a:r>
+          </a:p>
+        </p:txBody>
+      </p:sp>
+      <p:cxnSp>
+        <p:nvCxnSpPr>
+          <p:cNvPr id="365" name="Соединительная линия уступом 364"/>
+          <p:cNvCxnSpPr>
+            <a:stCxn id="333" idx="2"/>
+            <a:endCxn id="363" idx="0"/>
+          </p:cNvCxnSpPr>
+          <p:nvPr/>
+        </p:nvCxnSpPr>
+        <p:spPr>
+          <a:xfrm rot="16200000" flipH="1">
+            <a:off x="4531772" y="13224137"/>
+            <a:ext cx="265390" cy="1041590"/>
           </a:xfrm>
           <a:prstGeom prst="bentConnector3">
             <a:avLst>
@@ -10594,17 +10441,17 @@
       </p:cxnSp>
       <p:cxnSp>
         <p:nvCxnSpPr>
-          <p:cNvPr id="224" name="Прямая со стрелкой 223"/>
-          <p:cNvCxnSpPr>
-            <a:stCxn id="122" idx="2"/>
-            <a:endCxn id="217" idx="0"/>
-          </p:cNvCxnSpPr>
-          <p:nvPr/>
-        </p:nvCxnSpPr>
-        <p:spPr>
-          <a:xfrm>
-            <a:off x="6278726" y="13617464"/>
-            <a:ext cx="0" cy="260163"/>
+          <p:cNvPr id="368" name="Прямая со стрелкой 367"/>
+          <p:cNvCxnSpPr>
+            <a:stCxn id="363" idx="2"/>
+            <a:endCxn id="364" idx="0"/>
+          </p:cNvCxnSpPr>
+          <p:nvPr/>
+        </p:nvCxnSpPr>
+        <p:spPr>
+          <a:xfrm>
+            <a:off x="5185262" y="14417627"/>
+            <a:ext cx="0" cy="300496"/>
           </a:xfrm>
           <a:prstGeom prst="straightConnector1">
             <a:avLst/>
@@ -10628,6 +10475,49 @@
           </a:fontRef>
         </p:style>
       </p:cxnSp>
+      <p:sp>
+        <p:nvSpPr>
+          <p:cNvPr id="217" name="Прямоугольник 216"/>
+          <p:cNvSpPr/>
+          <p:nvPr/>
+        </p:nvSpPr>
+        <p:spPr>
+          <a:xfrm>
+            <a:off x="7381996" y="14729886"/>
+            <a:ext cx="926325" cy="540000"/>
+          </a:xfrm>
+          <a:prstGeom prst="rect">
+            <a:avLst/>
+          </a:prstGeom>
+          <a:ln w="19050"/>
+        </p:spPr>
+        <p:style>
+          <a:lnRef idx="2">
+            <a:schemeClr val="accent1"/>
+          </a:lnRef>
+          <a:fillRef idx="1">
+            <a:schemeClr val="lt1"/>
+          </a:fillRef>
+          <a:effectRef idx="0">
+            <a:schemeClr val="accent1"/>
+          </a:effectRef>
+          <a:fontRef idx="minor">
+            <a:schemeClr val="dk1"/>
+          </a:fontRef>
+        </p:style>
+        <p:txBody>
+          <a:bodyPr lIns="124733" tIns="62367" rIns="124733" bIns="62367" rtlCol="0" anchor="ctr"/>
+          <a:lstStyle/>
+          <a:p>
+            <a:pPr algn="ctr"/>
+            <a:r>
+              <a:rPr lang="ru-RU" sz="800" dirty="0"/>
+              <a:t>Приступить к восстановлению сельского хозяйства</a:t>
+            </a:r>
+            <a:endParaRPr lang="ru-RU" sz="300" dirty="0"/>
+          </a:p>
+        </p:txBody>
+      </p:sp>
       <p:sp>
         <p:nvSpPr>
           <p:cNvPr id="229" name="Прямоугольник 228"/>
@@ -11010,12 +10900,12 @@
         </p:nvCxnSpPr>
         <p:spPr>
           <a:xfrm rot="5400000">
-            <a:off x="7742593" y="12436873"/>
-            <a:ext cx="232907" cy="1043725"/>
+            <a:off x="6693394" y="12443827"/>
+            <a:ext cx="217282" cy="1046777"/>
           </a:xfrm>
           <a:prstGeom prst="bentConnector3">
             <a:avLst>
-              <a:gd name="adj1" fmla="val 25462"/>
+              <a:gd name="adj1" fmla="val 50000"/>
             </a:avLst>
           </a:prstGeom>
           <a:ln w="19050">
@@ -11337,7 +11227,7 @@
         </p:nvSpPr>
         <p:spPr>
           <a:xfrm>
-            <a:off x="8968099" y="13879839"/>
+            <a:off x="10041023" y="13884093"/>
             <a:ext cx="926325" cy="540000"/>
           </a:xfrm>
           <a:prstGeom prst="rect">
@@ -15378,7 +15268,7 @@
         </p:nvSpPr>
         <p:spPr>
           <a:xfrm>
-            <a:off x="6344792" y="14722723"/>
+            <a:off x="5827771" y="14718123"/>
             <a:ext cx="926325" cy="540000"/>
           </a:xfrm>
           <a:prstGeom prst="rect">
@@ -15431,8 +15321,8 @@
         </p:nvCxnSpPr>
         <p:spPr>
           <a:xfrm rot="16200000" flipH="1">
-            <a:off x="6936223" y="15134455"/>
-            <a:ext cx="263978" cy="520514"/>
+            <a:off x="6675412" y="14873644"/>
+            <a:ext cx="268578" cy="1037535"/>
           </a:xfrm>
           <a:prstGeom prst="bentConnector3">
             <a:avLst>
@@ -17121,15 +17011,16 @@
         <p:nvCxnSpPr>
           <p:cNvPr id="472" name="Прямая со стрелкой 471"/>
           <p:cNvCxnSpPr>
-            <a:stCxn id="207" idx="2"/>
+            <a:cxnSpLocks/>
+            <a:stCxn id="226" idx="2"/>
             <a:endCxn id="274" idx="0"/>
           </p:cNvCxnSpPr>
           <p:nvPr/>
         </p:nvCxnSpPr>
         <p:spPr>
-          <a:xfrm>
-            <a:off x="9421281" y="12842446"/>
-            <a:ext cx="9981" cy="1037393"/>
+          <a:xfrm flipH="1">
+            <a:off x="10504186" y="13635916"/>
+            <a:ext cx="154" cy="248177"/>
           </a:xfrm>
           <a:prstGeom prst="straightConnector1">
             <a:avLst/>
@@ -17205,9 +17096,9 @@
           <p:nvPr/>
         </p:nvCxnSpPr>
         <p:spPr>
-          <a:xfrm rot="5400000">
-            <a:off x="6418765" y="15137295"/>
-            <a:ext cx="263763" cy="514618"/>
+          <a:xfrm rot="16200000" flipH="1">
+            <a:off x="6157954" y="15391102"/>
+            <a:ext cx="268363" cy="2403"/>
           </a:xfrm>
           <a:prstGeom prst="bentConnector3">
             <a:avLst>
@@ -23241,42 +23132,6 @@
             <a:avLst>
               <a:gd name="adj1" fmla="val 50000"/>
             </a:avLst>
-          </a:prstGeom>
-          <a:ln w="19050">
-            <a:tailEnd type="arrow"/>
-          </a:ln>
-        </p:spPr>
-        <p:style>
-          <a:lnRef idx="1">
-            <a:schemeClr val="accent1"/>
-          </a:lnRef>
-          <a:fillRef idx="0">
-            <a:schemeClr val="accent1"/>
-          </a:fillRef>
-          <a:effectRef idx="0">
-            <a:schemeClr val="accent1"/>
-          </a:effectRef>
-          <a:fontRef idx="minor">
-            <a:schemeClr val="tx1"/>
-          </a:fontRef>
-        </p:style>
-      </p:cxnSp>
-      <p:cxnSp>
-        <p:nvCxnSpPr>
-          <p:cNvPr id="531" name="Прямая со стрелкой 530"/>
-          <p:cNvCxnSpPr>
-            <a:stCxn id="125" idx="2"/>
-            <a:endCxn id="128" idx="0"/>
-          </p:cNvCxnSpPr>
-          <p:nvPr/>
-        </p:nvCxnSpPr>
-        <p:spPr>
-          <a:xfrm flipH="1">
-            <a:off x="7337184" y="12060677"/>
-            <a:ext cx="2" cy="241359"/>
-          </a:xfrm>
-          <a:prstGeom prst="straightConnector1">
-            <a:avLst/>
           </a:prstGeom>
           <a:ln w="19050">
             <a:tailEnd type="arrow"/>
@@ -36397,6 +36252,559 @@
           </a:p>
         </p:txBody>
       </p:sp>
+      <p:sp>
+        <p:nvSpPr>
+          <p:cNvPr id="842" name="Прямоугольник 841">
+            <a:extLst>
+              <a:ext uri="{FF2B5EF4-FFF2-40B4-BE49-F238E27FC236}">
+                <a16:creationId xmlns:a16="http://schemas.microsoft.com/office/drawing/2014/main" id="{7FBC1AA2-A5F5-4899-834E-3EEBF793A1ED}"/>
+              </a:ext>
+            </a:extLst>
+          </p:cNvPr>
+          <p:cNvSpPr/>
+          <p:nvPr/>
+        </p:nvSpPr>
+        <p:spPr>
+          <a:xfrm>
+            <a:off x="6865699" y="13884093"/>
+            <a:ext cx="926325" cy="540000"/>
+          </a:xfrm>
+          <a:prstGeom prst="rect">
+            <a:avLst/>
+          </a:prstGeom>
+          <a:solidFill>
+            <a:schemeClr val="accent4">
+              <a:lumMod val="60000"/>
+              <a:lumOff val="40000"/>
+            </a:schemeClr>
+          </a:solidFill>
+          <a:ln w="19050"/>
+        </p:spPr>
+        <p:style>
+          <a:lnRef idx="2">
+            <a:schemeClr val="accent1"/>
+          </a:lnRef>
+          <a:fillRef idx="1">
+            <a:schemeClr val="lt1"/>
+          </a:fillRef>
+          <a:effectRef idx="0">
+            <a:schemeClr val="accent1"/>
+          </a:effectRef>
+          <a:fontRef idx="minor">
+            <a:schemeClr val="dk1"/>
+          </a:fontRef>
+        </p:style>
+        <p:txBody>
+          <a:bodyPr lIns="124733" tIns="62367" rIns="124733" bIns="62367" rtlCol="0" anchor="ctr"/>
+          <a:lstStyle/>
+          <a:p>
+            <a:pPr algn="ctr"/>
+            <a:r>
+              <a:rPr lang="ru-RU" sz="700" dirty="0"/>
+              <a:t>Наладить аграрное производство </a:t>
+            </a:r>
+            <a:r>
+              <a:rPr lang="ru-RU" sz="200" dirty="0"/>
+              <a:t>(Во-первых, </a:t>
+            </a:r>
+            <a:r>
+              <a:rPr lang="ru-RU" sz="200" dirty="0" err="1"/>
+              <a:t>провести«зачистку</a:t>
+            </a:r>
+            <a:r>
+              <a:rPr lang="ru-RU" sz="200" dirty="0"/>
+              <a:t>» земельных угодий для португальских переселенцев в </a:t>
+            </a:r>
+            <a:r>
+              <a:rPr lang="ru-RU" sz="200" dirty="0" err="1"/>
+              <a:t>интересахналаживания</a:t>
+            </a:r>
+            <a:r>
+              <a:rPr lang="ru-RU" sz="200" dirty="0"/>
+              <a:t> аграрного производства.)</a:t>
+            </a:r>
+            <a:endParaRPr lang="ru-RU" sz="700" dirty="0"/>
+          </a:p>
+        </p:txBody>
+      </p:sp>
+      <p:sp>
+        <p:nvSpPr>
+          <p:cNvPr id="851" name="Прямоугольник 850">
+            <a:extLst>
+              <a:ext uri="{FF2B5EF4-FFF2-40B4-BE49-F238E27FC236}">
+                <a16:creationId xmlns:a16="http://schemas.microsoft.com/office/drawing/2014/main" id="{15A824E6-4C04-49D6-905B-2136EE103B31}"/>
+              </a:ext>
+            </a:extLst>
+          </p:cNvPr>
+          <p:cNvSpPr/>
+          <p:nvPr/>
+        </p:nvSpPr>
+        <p:spPr>
+          <a:xfrm>
+            <a:off x="6864645" y="13073807"/>
+            <a:ext cx="926325" cy="540000"/>
+          </a:xfrm>
+          <a:prstGeom prst="rect">
+            <a:avLst/>
+          </a:prstGeom>
+          <a:solidFill>
+            <a:schemeClr val="accent4">
+              <a:lumMod val="60000"/>
+              <a:lumOff val="40000"/>
+            </a:schemeClr>
+          </a:solidFill>
+          <a:ln w="19050"/>
+        </p:spPr>
+        <p:style>
+          <a:lnRef idx="2">
+            <a:schemeClr val="accent1"/>
+          </a:lnRef>
+          <a:fillRef idx="1">
+            <a:schemeClr val="lt1"/>
+          </a:fillRef>
+          <a:effectRef idx="0">
+            <a:schemeClr val="accent1"/>
+          </a:effectRef>
+          <a:fontRef idx="minor">
+            <a:schemeClr val="dk1"/>
+          </a:fontRef>
+        </p:style>
+        <p:txBody>
+          <a:bodyPr lIns="124733" tIns="62367" rIns="124733" bIns="62367" rtlCol="0" anchor="ctr"/>
+          <a:lstStyle/>
+          <a:p>
+            <a:pPr algn="ctr"/>
+            <a:r>
+              <a:rPr lang="ru-RU" sz="700" dirty="0"/>
+              <a:t>Продолжить создание «туземных деревень» </a:t>
+            </a:r>
+            <a:r>
+              <a:rPr lang="ru-RU" sz="200" dirty="0"/>
+              <a:t>(декрет о де-</a:t>
+            </a:r>
+            <a:r>
+              <a:rPr lang="ru-RU" sz="200" dirty="0" err="1"/>
+              <a:t>фактосгоне</a:t>
+            </a:r>
+            <a:r>
+              <a:rPr lang="ru-RU" sz="200" dirty="0"/>
+              <a:t> коренного населения с традиционных мест проживания в </a:t>
+            </a:r>
+            <a:r>
+              <a:rPr lang="ru-RU" sz="200" dirty="0" err="1"/>
+              <a:t>новые«туземные</a:t>
+            </a:r>
+            <a:r>
+              <a:rPr lang="ru-RU" sz="200" dirty="0"/>
+              <a:t> деревни». Это начинание продолжил губернатор </a:t>
+            </a:r>
+            <a:r>
+              <a:rPr lang="ru-RU" sz="200" dirty="0" err="1"/>
+              <a:t>АлваруНевиш</a:t>
+            </a:r>
+            <a:r>
+              <a:rPr lang="ru-RU" sz="200" dirty="0"/>
+              <a:t> да </a:t>
+            </a:r>
+            <a:r>
+              <a:rPr lang="ru-RU" sz="200" dirty="0" err="1"/>
+              <a:t>Фонтура</a:t>
+            </a:r>
+            <a:r>
+              <a:rPr lang="ru-RU" sz="200" dirty="0"/>
+              <a:t> (1937-1939 гг.).)</a:t>
+            </a:r>
+            <a:endParaRPr lang="ru-RU" sz="700" dirty="0"/>
+          </a:p>
+        </p:txBody>
+      </p:sp>
+      <p:cxnSp>
+        <p:nvCxnSpPr>
+          <p:cNvPr id="875" name="Соединительная линия уступом 139">
+            <a:extLst>
+              <a:ext uri="{FF2B5EF4-FFF2-40B4-BE49-F238E27FC236}">
+                <a16:creationId xmlns:a16="http://schemas.microsoft.com/office/drawing/2014/main" id="{A467CA0E-7A05-41F6-AE2E-B47A67C10404}"/>
+              </a:ext>
+            </a:extLst>
+          </p:cNvPr>
+          <p:cNvCxnSpPr>
+            <a:cxnSpLocks/>
+            <a:stCxn id="125" idx="2"/>
+            <a:endCxn id="128" idx="0"/>
+          </p:cNvCxnSpPr>
+          <p:nvPr/>
+        </p:nvCxnSpPr>
+        <p:spPr>
+          <a:xfrm rot="5400000">
+            <a:off x="6678953" y="11660372"/>
+            <a:ext cx="242026" cy="1042637"/>
+          </a:xfrm>
+          <a:prstGeom prst="bentConnector3">
+            <a:avLst>
+              <a:gd name="adj1" fmla="val 50000"/>
+            </a:avLst>
+          </a:prstGeom>
+          <a:ln w="19050">
+            <a:tailEnd type="arrow"/>
+          </a:ln>
+        </p:spPr>
+        <p:style>
+          <a:lnRef idx="1">
+            <a:schemeClr val="accent1"/>
+          </a:lnRef>
+          <a:fillRef idx="0">
+            <a:schemeClr val="accent1"/>
+          </a:fillRef>
+          <a:effectRef idx="0">
+            <a:schemeClr val="accent1"/>
+          </a:effectRef>
+          <a:fontRef idx="minor">
+            <a:schemeClr val="tx1"/>
+          </a:fontRef>
+        </p:style>
+      </p:cxnSp>
+      <p:sp>
+        <p:nvSpPr>
+          <p:cNvPr id="885" name="Прямоугольник 884">
+            <a:extLst>
+              <a:ext uri="{FF2B5EF4-FFF2-40B4-BE49-F238E27FC236}">
+                <a16:creationId xmlns:a16="http://schemas.microsoft.com/office/drawing/2014/main" id="{47C3F43D-8E7D-457C-AA9B-C6113F99781A}"/>
+              </a:ext>
+            </a:extLst>
+          </p:cNvPr>
+          <p:cNvSpPr/>
+          <p:nvPr/>
+        </p:nvSpPr>
+        <p:spPr>
+          <a:xfrm>
+            <a:off x="7914159" y="13887469"/>
+            <a:ext cx="926325" cy="540000"/>
+          </a:xfrm>
+          <a:prstGeom prst="rect">
+            <a:avLst/>
+          </a:prstGeom>
+          <a:solidFill>
+            <a:schemeClr val="accent4">
+              <a:lumMod val="60000"/>
+              <a:lumOff val="40000"/>
+            </a:schemeClr>
+          </a:solidFill>
+          <a:ln w="19050"/>
+        </p:spPr>
+        <p:style>
+          <a:lnRef idx="2">
+            <a:schemeClr val="accent1"/>
+          </a:lnRef>
+          <a:fillRef idx="1">
+            <a:schemeClr val="lt1"/>
+          </a:fillRef>
+          <a:effectRef idx="0">
+            <a:schemeClr val="accent1"/>
+          </a:effectRef>
+          <a:fontRef idx="minor">
+            <a:schemeClr val="dk1"/>
+          </a:fontRef>
+        </p:style>
+        <p:txBody>
+          <a:bodyPr lIns="124733" tIns="62367" rIns="124733" bIns="62367" rtlCol="0" anchor="ctr"/>
+          <a:lstStyle/>
+          <a:p>
+            <a:pPr algn="ctr"/>
+            <a:r>
+              <a:rPr lang="ru-RU" sz="700" dirty="0"/>
+              <a:t>Усилить административный контроль </a:t>
+            </a:r>
+            <a:r>
+              <a:rPr lang="ru-RU" sz="100" dirty="0"/>
+              <a:t>(Во-вторых, </a:t>
+            </a:r>
+            <a:r>
+              <a:rPr lang="ru-RU" sz="100" dirty="0" err="1"/>
+              <a:t>обеспечитьбольшую</a:t>
+            </a:r>
+            <a:r>
+              <a:rPr lang="ru-RU" sz="100" dirty="0"/>
+              <a:t> концентрацию «туземного» населения, что </a:t>
+            </a:r>
+            <a:r>
+              <a:rPr lang="ru-RU" sz="100" dirty="0" err="1"/>
+              <a:t>позволялобы</a:t>
+            </a:r>
+            <a:r>
+              <a:rPr lang="ru-RU" sz="100" dirty="0"/>
+              <a:t> усилить административный контроль: повысить </a:t>
+            </a:r>
+            <a:r>
+              <a:rPr lang="ru-RU" sz="100" dirty="0" err="1"/>
+              <a:t>собираемостьналогов</a:t>
+            </a:r>
+            <a:r>
+              <a:rPr lang="ru-RU" sz="100" dirty="0"/>
+              <a:t>, облегчить мобилизацию рабочей силы на </a:t>
+            </a:r>
+            <a:r>
+              <a:rPr lang="ru-RU" sz="100" dirty="0" err="1"/>
+              <a:t>общественныеработы</a:t>
+            </a:r>
+            <a:r>
+              <a:rPr lang="ru-RU" sz="100" dirty="0"/>
+              <a:t> и призыв новобранцев в колониальную армию. Однако </a:t>
+            </a:r>
+            <a:r>
+              <a:rPr lang="ru-RU" sz="100" dirty="0" err="1"/>
+              <a:t>ужепервые</a:t>
+            </a:r>
+            <a:r>
+              <a:rPr lang="ru-RU" sz="100" dirty="0"/>
+              <a:t> шаги по «зачистке территории» столкнулись с </a:t>
+            </a:r>
+            <a:r>
+              <a:rPr lang="ru-RU" sz="100" dirty="0" err="1"/>
+              <a:t>подспудныможесточенным</a:t>
+            </a:r>
+            <a:r>
+              <a:rPr lang="ru-RU" sz="100" dirty="0"/>
+              <a:t> сопротивлением населения, не желавшего </a:t>
+            </a:r>
+            <a:r>
+              <a:rPr lang="ru-RU" sz="100" dirty="0" err="1"/>
+              <a:t>покидатьземли</a:t>
+            </a:r>
+            <a:r>
+              <a:rPr lang="ru-RU" sz="100" dirty="0"/>
+              <a:t> предков, особенно перебираться в деревни, строившиеся в </a:t>
+            </a:r>
+            <a:r>
+              <a:rPr lang="ru-RU" sz="100" dirty="0" err="1"/>
+              <a:t>низинныхмалярийных</a:t>
+            </a:r>
+            <a:r>
+              <a:rPr lang="ru-RU" sz="100" dirty="0"/>
+              <a:t> местностях.</a:t>
+            </a:r>
+            <a:endParaRPr lang="ru-RU" sz="700" dirty="0"/>
+          </a:p>
+        </p:txBody>
+      </p:sp>
+      <p:cxnSp>
+        <p:nvCxnSpPr>
+          <p:cNvPr id="894" name="Прямая со стрелкой 893">
+            <a:extLst>
+              <a:ext uri="{FF2B5EF4-FFF2-40B4-BE49-F238E27FC236}">
+                <a16:creationId xmlns:a16="http://schemas.microsoft.com/office/drawing/2014/main" id="{710852AD-54E5-450A-A72B-9B7E712DAF79}"/>
+              </a:ext>
+            </a:extLst>
+          </p:cNvPr>
+          <p:cNvCxnSpPr>
+            <a:cxnSpLocks/>
+            <a:stCxn id="127" idx="2"/>
+            <a:endCxn id="851" idx="0"/>
+          </p:cNvCxnSpPr>
+          <p:nvPr/>
+        </p:nvCxnSpPr>
+        <p:spPr>
+          <a:xfrm>
+            <a:off x="7325423" y="12858574"/>
+            <a:ext cx="2385" cy="215233"/>
+          </a:xfrm>
+          <a:prstGeom prst="straightConnector1">
+            <a:avLst/>
+          </a:prstGeom>
+          <a:ln w="19050">
+            <a:tailEnd type="arrow"/>
+          </a:ln>
+        </p:spPr>
+        <p:style>
+          <a:lnRef idx="1">
+            <a:schemeClr val="accent1"/>
+          </a:lnRef>
+          <a:fillRef idx="0">
+            <a:schemeClr val="accent1"/>
+          </a:fillRef>
+          <a:effectRef idx="0">
+            <a:schemeClr val="accent1"/>
+          </a:effectRef>
+          <a:fontRef idx="minor">
+            <a:schemeClr val="tx1"/>
+          </a:fontRef>
+        </p:style>
+      </p:cxnSp>
+      <p:cxnSp>
+        <p:nvCxnSpPr>
+          <p:cNvPr id="899" name="Прямая со стрелкой 898">
+            <a:extLst>
+              <a:ext uri="{FF2B5EF4-FFF2-40B4-BE49-F238E27FC236}">
+                <a16:creationId xmlns:a16="http://schemas.microsoft.com/office/drawing/2014/main" id="{BE2359D9-8F27-419E-A922-6445F32BC67D}"/>
+              </a:ext>
+            </a:extLst>
+          </p:cNvPr>
+          <p:cNvCxnSpPr>
+            <a:cxnSpLocks/>
+            <a:stCxn id="851" idx="2"/>
+            <a:endCxn id="842" idx="0"/>
+          </p:cNvCxnSpPr>
+          <p:nvPr/>
+        </p:nvCxnSpPr>
+        <p:spPr>
+          <a:xfrm>
+            <a:off x="7327808" y="13613807"/>
+            <a:ext cx="1054" cy="270286"/>
+          </a:xfrm>
+          <a:prstGeom prst="straightConnector1">
+            <a:avLst/>
+          </a:prstGeom>
+          <a:ln w="19050">
+            <a:tailEnd type="arrow"/>
+          </a:ln>
+        </p:spPr>
+        <p:style>
+          <a:lnRef idx="1">
+            <a:schemeClr val="accent1"/>
+          </a:lnRef>
+          <a:fillRef idx="0">
+            <a:schemeClr val="accent1"/>
+          </a:fillRef>
+          <a:effectRef idx="0">
+            <a:schemeClr val="accent1"/>
+          </a:effectRef>
+          <a:fontRef idx="minor">
+            <a:schemeClr val="tx1"/>
+          </a:fontRef>
+        </p:style>
+      </p:cxnSp>
+      <p:cxnSp>
+        <p:nvCxnSpPr>
+          <p:cNvPr id="906" name="Соединительная линия уступом 134">
+            <a:extLst>
+              <a:ext uri="{FF2B5EF4-FFF2-40B4-BE49-F238E27FC236}">
+                <a16:creationId xmlns:a16="http://schemas.microsoft.com/office/drawing/2014/main" id="{46640716-D19F-4857-8ABE-A29016070486}"/>
+              </a:ext>
+            </a:extLst>
+          </p:cNvPr>
+          <p:cNvCxnSpPr>
+            <a:cxnSpLocks/>
+            <a:stCxn id="122" idx="2"/>
+            <a:endCxn id="217" idx="0"/>
+          </p:cNvCxnSpPr>
+          <p:nvPr/>
+        </p:nvCxnSpPr>
+        <p:spPr>
+          <a:xfrm rot="5400000">
+            <a:off x="7557569" y="13909896"/>
+            <a:ext cx="1107580" cy="532400"/>
+          </a:xfrm>
+          <a:prstGeom prst="bentConnector3">
+            <a:avLst>
+              <a:gd name="adj1" fmla="val 11801"/>
+            </a:avLst>
+          </a:prstGeom>
+          <a:ln w="19050">
+            <a:tailEnd type="arrow"/>
+          </a:ln>
+        </p:spPr>
+        <p:style>
+          <a:lnRef idx="1">
+            <a:schemeClr val="accent1"/>
+          </a:lnRef>
+          <a:fillRef idx="0">
+            <a:schemeClr val="accent1"/>
+          </a:fillRef>
+          <a:effectRef idx="0">
+            <a:schemeClr val="accent1"/>
+          </a:effectRef>
+          <a:fontRef idx="minor">
+            <a:schemeClr val="tx1"/>
+          </a:fontRef>
+        </p:style>
+      </p:cxnSp>
+      <p:cxnSp>
+        <p:nvCxnSpPr>
+          <p:cNvPr id="913" name="Прямая со стрелкой 912">
+            <a:extLst>
+              <a:ext uri="{FF2B5EF4-FFF2-40B4-BE49-F238E27FC236}">
+                <a16:creationId xmlns:a16="http://schemas.microsoft.com/office/drawing/2014/main" id="{E4E5BB4B-CBC3-46C9-BE51-740D27A5D0F2}"/>
+              </a:ext>
+            </a:extLst>
+          </p:cNvPr>
+          <p:cNvCxnSpPr>
+            <a:cxnSpLocks/>
+            <a:stCxn id="123" idx="2"/>
+            <a:endCxn id="122" idx="0"/>
+          </p:cNvCxnSpPr>
+          <p:nvPr/>
+        </p:nvCxnSpPr>
+        <p:spPr>
+          <a:xfrm>
+            <a:off x="8373362" y="12857795"/>
+            <a:ext cx="4197" cy="224511"/>
+          </a:xfrm>
+          <a:prstGeom prst="straightConnector1">
+            <a:avLst/>
+          </a:prstGeom>
+          <a:ln w="19050">
+            <a:tailEnd type="arrow"/>
+          </a:ln>
+        </p:spPr>
+        <p:style>
+          <a:lnRef idx="1">
+            <a:schemeClr val="accent1"/>
+          </a:lnRef>
+          <a:fillRef idx="0">
+            <a:schemeClr val="accent1"/>
+          </a:fillRef>
+          <a:effectRef idx="0">
+            <a:schemeClr val="accent1"/>
+          </a:effectRef>
+          <a:fontRef idx="minor">
+            <a:schemeClr val="tx1"/>
+          </a:fontRef>
+        </p:style>
+      </p:cxnSp>
+      <p:cxnSp>
+        <p:nvCxnSpPr>
+          <p:cNvPr id="915" name="Соединительная линия уступом 134">
+            <a:extLst>
+              <a:ext uri="{FF2B5EF4-FFF2-40B4-BE49-F238E27FC236}">
+                <a16:creationId xmlns:a16="http://schemas.microsoft.com/office/drawing/2014/main" id="{63492FEE-30AA-471D-AA00-C6DE74C1BF61}"/>
+              </a:ext>
+            </a:extLst>
+          </p:cNvPr>
+          <p:cNvCxnSpPr>
+            <a:cxnSpLocks/>
+            <a:stCxn id="851" idx="2"/>
+            <a:endCxn id="885" idx="0"/>
+          </p:cNvCxnSpPr>
+          <p:nvPr/>
+        </p:nvCxnSpPr>
+        <p:spPr>
+          <a:xfrm rot="16200000" flipH="1">
+            <a:off x="7715734" y="13225881"/>
+            <a:ext cx="273662" cy="1049514"/>
+          </a:xfrm>
+          <a:prstGeom prst="bentConnector3">
+            <a:avLst>
+              <a:gd name="adj1" fmla="val 50000"/>
+            </a:avLst>
+          </a:prstGeom>
+          <a:ln w="19050">
+            <a:tailEnd type="arrow"/>
+          </a:ln>
+        </p:spPr>
+        <p:style>
+          <a:lnRef idx="1">
+            <a:schemeClr val="accent1"/>
+          </a:lnRef>
+          <a:fillRef idx="0">
+            <a:schemeClr val="accent1"/>
+          </a:fillRef>
+          <a:effectRef idx="0">
+            <a:schemeClr val="accent1"/>
+          </a:effectRef>
+          <a:fontRef idx="minor">
+            <a:schemeClr val="tx1"/>
+          </a:fontRef>
+        </p:style>
+      </p:cxnSp>
     </p:spTree>
     <p:extLst>
       <p:ext uri="{BB962C8B-B14F-4D97-AF65-F5344CB8AC3E}">

--- a/Наработки/диздоки/Португалия/Португалия общая.pptx
+++ b/Наработки/диздоки/Португалия/Португалия общая.pptx
@@ -209,7 +209,7 @@
             <a:fld id="{33E3D7F9-E251-484C-A6FF-FA958879DF69}" type="datetimeFigureOut">
               <a:rPr lang="ru-RU" smtClean="0"/>
               <a:pPr/>
-              <a:t>06.06.2023</a:t>
+              <a:t>16.06.2023</a:t>
             </a:fld>
             <a:endParaRPr lang="ru-RU"/>
           </a:p>
@@ -699,7 +699,7 @@
             <a:fld id="{85A5DE44-605B-4D3B-B2B7-94543DF81A36}" type="datetimeFigureOut">
               <a:rPr lang="ru-RU" smtClean="0"/>
               <a:pPr/>
-              <a:t>06.06.2023</a:t>
+              <a:t>16.06.2023</a:t>
             </a:fld>
             <a:endParaRPr lang="ru-RU"/>
           </a:p>
@@ -871,7 +871,7 @@
             <a:fld id="{85A5DE44-605B-4D3B-B2B7-94543DF81A36}" type="datetimeFigureOut">
               <a:rPr lang="ru-RU" smtClean="0"/>
               <a:pPr/>
-              <a:t>06.06.2023</a:t>
+              <a:t>16.06.2023</a:t>
             </a:fld>
             <a:endParaRPr lang="ru-RU"/>
           </a:p>
@@ -1053,7 +1053,7 @@
             <a:fld id="{85A5DE44-605B-4D3B-B2B7-94543DF81A36}" type="datetimeFigureOut">
               <a:rPr lang="ru-RU" smtClean="0"/>
               <a:pPr/>
-              <a:t>06.06.2023</a:t>
+              <a:t>16.06.2023</a:t>
             </a:fld>
             <a:endParaRPr lang="ru-RU"/>
           </a:p>
@@ -1225,7 +1225,7 @@
             <a:fld id="{85A5DE44-605B-4D3B-B2B7-94543DF81A36}" type="datetimeFigureOut">
               <a:rPr lang="ru-RU" smtClean="0"/>
               <a:pPr/>
-              <a:t>06.06.2023</a:t>
+              <a:t>16.06.2023</a:t>
             </a:fld>
             <a:endParaRPr lang="ru-RU"/>
           </a:p>
@@ -1473,7 +1473,7 @@
             <a:fld id="{85A5DE44-605B-4D3B-B2B7-94543DF81A36}" type="datetimeFigureOut">
               <a:rPr lang="ru-RU" smtClean="0"/>
               <a:pPr/>
-              <a:t>06.06.2023</a:t>
+              <a:t>16.06.2023</a:t>
             </a:fld>
             <a:endParaRPr lang="ru-RU"/>
           </a:p>
@@ -1707,7 +1707,7 @@
             <a:fld id="{85A5DE44-605B-4D3B-B2B7-94543DF81A36}" type="datetimeFigureOut">
               <a:rPr lang="ru-RU" smtClean="0"/>
               <a:pPr/>
-              <a:t>06.06.2023</a:t>
+              <a:t>16.06.2023</a:t>
             </a:fld>
             <a:endParaRPr lang="ru-RU"/>
           </a:p>
@@ -2076,7 +2076,7 @@
             <a:fld id="{85A5DE44-605B-4D3B-B2B7-94543DF81A36}" type="datetimeFigureOut">
               <a:rPr lang="ru-RU" smtClean="0"/>
               <a:pPr/>
-              <a:t>06.06.2023</a:t>
+              <a:t>16.06.2023</a:t>
             </a:fld>
             <a:endParaRPr lang="ru-RU"/>
           </a:p>
@@ -2196,7 +2196,7 @@
             <a:fld id="{85A5DE44-605B-4D3B-B2B7-94543DF81A36}" type="datetimeFigureOut">
               <a:rPr lang="ru-RU" smtClean="0"/>
               <a:pPr/>
-              <a:t>06.06.2023</a:t>
+              <a:t>16.06.2023</a:t>
             </a:fld>
             <a:endParaRPr lang="ru-RU"/>
           </a:p>
@@ -2293,7 +2293,7 @@
             <a:fld id="{85A5DE44-605B-4D3B-B2B7-94543DF81A36}" type="datetimeFigureOut">
               <a:rPr lang="ru-RU" smtClean="0"/>
               <a:pPr/>
-              <a:t>06.06.2023</a:t>
+              <a:t>16.06.2023</a:t>
             </a:fld>
             <a:endParaRPr lang="ru-RU"/>
           </a:p>
@@ -2572,7 +2572,7 @@
             <a:fld id="{85A5DE44-605B-4D3B-B2B7-94543DF81A36}" type="datetimeFigureOut">
               <a:rPr lang="ru-RU" smtClean="0"/>
               <a:pPr/>
-              <a:t>06.06.2023</a:t>
+              <a:t>16.06.2023</a:t>
             </a:fld>
             <a:endParaRPr lang="ru-RU"/>
           </a:p>
@@ -2831,7 +2831,7 @@
             <a:fld id="{85A5DE44-605B-4D3B-B2B7-94543DF81A36}" type="datetimeFigureOut">
               <a:rPr lang="ru-RU" smtClean="0"/>
               <a:pPr/>
-              <a:t>06.06.2023</a:t>
+              <a:t>16.06.2023</a:t>
             </a:fld>
             <a:endParaRPr lang="ru-RU"/>
           </a:p>
@@ -3046,7 +3046,7 @@
             <a:fld id="{85A5DE44-605B-4D3B-B2B7-94543DF81A36}" type="datetimeFigureOut">
               <a:rPr lang="ru-RU" smtClean="0"/>
               <a:pPr/>
-              <a:t>06.06.2023</a:t>
+              <a:t>16.06.2023</a:t>
             </a:fld>
             <a:endParaRPr lang="ru-RU"/>
           </a:p>
@@ -3586,7 +3586,7 @@
         </p:nvSpPr>
         <p:spPr>
           <a:xfrm>
-            <a:off x="11080405" y="13077464"/>
+            <a:off x="10541297" y="13071997"/>
             <a:ext cx="926325" cy="540000"/>
           </a:xfrm>
           <a:prstGeom prst="rect">
@@ -3637,7 +3637,7 @@
         </p:nvSpPr>
         <p:spPr>
           <a:xfrm>
-            <a:off x="14308386" y="13075189"/>
+            <a:off x="14301562" y="13075189"/>
             <a:ext cx="926325" cy="540000"/>
           </a:xfrm>
           <a:prstGeom prst="rect">
@@ -3691,7 +3691,7 @@
         </p:nvSpPr>
         <p:spPr>
           <a:xfrm>
-            <a:off x="12686107" y="12302036"/>
+            <a:off x="12679283" y="12302036"/>
             <a:ext cx="926325" cy="540000"/>
           </a:xfrm>
           <a:prstGeom prst="rect">
@@ -3733,7 +3733,7 @@
         </p:nvSpPr>
         <p:spPr>
           <a:xfrm>
-            <a:off x="12144805" y="13075189"/>
+            <a:off x="12137981" y="13075189"/>
             <a:ext cx="926325" cy="540000"/>
           </a:xfrm>
           <a:prstGeom prst="rect">
@@ -3811,7 +3811,7 @@
         </p:nvSpPr>
         <p:spPr>
           <a:xfrm>
-            <a:off x="14301563" y="13889566"/>
+            <a:off x="14294739" y="13889566"/>
             <a:ext cx="926325" cy="540000"/>
           </a:xfrm>
           <a:prstGeom prst="rect">
@@ -3853,7 +3853,7 @@
         </p:nvSpPr>
         <p:spPr>
           <a:xfrm>
-            <a:off x="13233475" y="13077464"/>
+            <a:off x="13226651" y="13077464"/>
             <a:ext cx="926325" cy="540000"/>
           </a:xfrm>
           <a:prstGeom prst="rect">
@@ -3903,7 +3903,7 @@
         </p:nvSpPr>
         <p:spPr>
           <a:xfrm>
-            <a:off x="13235617" y="13885240"/>
+            <a:off x="13228793" y="13885240"/>
             <a:ext cx="926325" cy="540000"/>
           </a:xfrm>
           <a:prstGeom prst="rect">
@@ -3991,7 +3991,7 @@
         </p:nvSpPr>
         <p:spPr>
           <a:xfrm>
-            <a:off x="12695206" y="14718128"/>
+            <a:off x="12688382" y="14718128"/>
             <a:ext cx="926325" cy="540000"/>
           </a:xfrm>
           <a:prstGeom prst="rect">
@@ -4036,7 +4036,7 @@
         </p:nvCxnSpPr>
         <p:spPr>
           <a:xfrm rot="5400000">
-            <a:off x="12762043" y="12687961"/>
+            <a:off x="12755219" y="12687961"/>
             <a:ext cx="233153" cy="541302"/>
           </a:xfrm>
           <a:prstGeom prst="bentConnector3">
@@ -4074,7 +4074,7 @@
         </p:nvCxnSpPr>
         <p:spPr>
           <a:xfrm rot="16200000" flipH="1">
-            <a:off x="13305240" y="12686066"/>
+            <a:off x="13298416" y="12686066"/>
             <a:ext cx="235428" cy="547368"/>
           </a:xfrm>
           <a:prstGeom prst="bentConnector3">
@@ -4112,7 +4112,7 @@
         </p:nvCxnSpPr>
         <p:spPr>
           <a:xfrm rot="16200000" flipH="1">
-            <a:off x="14094631" y="13219471"/>
+            <a:off x="14087807" y="13219471"/>
             <a:ext cx="272102" cy="1068088"/>
           </a:xfrm>
           <a:prstGeom prst="bentConnector3">
@@ -4150,7 +4150,7 @@
         </p:nvCxnSpPr>
         <p:spPr>
           <a:xfrm>
-            <a:off x="13696638" y="13617464"/>
+            <a:off x="13689814" y="13617464"/>
             <a:ext cx="2142" cy="267776"/>
           </a:xfrm>
           <a:prstGeom prst="straightConnector1">
@@ -4186,7 +4186,7 @@
         </p:nvCxnSpPr>
         <p:spPr>
           <a:xfrm>
-            <a:off x="13149270" y="12842036"/>
+            <a:off x="13142446" y="12842036"/>
             <a:ext cx="9099" cy="1876092"/>
           </a:xfrm>
           <a:prstGeom prst="straightConnector1">
@@ -4222,7 +4222,7 @@
         </p:nvCxnSpPr>
         <p:spPr>
           <a:xfrm rot="5400000">
-            <a:off x="13282131" y="14301479"/>
+            <a:off x="13275307" y="14301479"/>
             <a:ext cx="292888" cy="540411"/>
           </a:xfrm>
           <a:prstGeom prst="bentConnector3">
@@ -4260,8 +4260,8 @@
         </p:nvCxnSpPr>
         <p:spPr>
           <a:xfrm rot="16200000" flipH="1">
-            <a:off x="13828896" y="14587600"/>
-            <a:ext cx="274925" cy="1615979"/>
+            <a:off x="13825484" y="14584188"/>
+            <a:ext cx="274925" cy="1622803"/>
           </a:xfrm>
           <a:prstGeom prst="bentConnector3">
             <a:avLst>
@@ -4299,8 +4299,8 @@
         </p:nvCxnSpPr>
         <p:spPr>
           <a:xfrm rot="5400000">
-            <a:off x="12215899" y="14585798"/>
-            <a:ext cx="270141" cy="1614801"/>
+            <a:off x="12212487" y="14589210"/>
+            <a:ext cx="270141" cy="1607977"/>
           </a:xfrm>
           <a:prstGeom prst="bentConnector3">
             <a:avLst>
@@ -4338,8 +4338,8 @@
         </p:nvCxnSpPr>
         <p:spPr>
           <a:xfrm rot="16200000" flipH="1">
-            <a:off x="13297700" y="15118797"/>
-            <a:ext cx="268575" cy="547236"/>
+            <a:off x="13294288" y="15115385"/>
+            <a:ext cx="268575" cy="554060"/>
           </a:xfrm>
           <a:prstGeom prst="bentConnector3">
             <a:avLst>
@@ -4377,8 +4377,8 @@
         </p:nvCxnSpPr>
         <p:spPr>
           <a:xfrm rot="5400000">
-            <a:off x="12748099" y="15117998"/>
-            <a:ext cx="270141" cy="550400"/>
+            <a:off x="12744687" y="15121410"/>
+            <a:ext cx="270141" cy="543576"/>
           </a:xfrm>
           <a:prstGeom prst="bentConnector3">
             <a:avLst>
@@ -4413,7 +4413,7 @@
         </p:nvSpPr>
         <p:spPr>
           <a:xfrm>
-            <a:off x="13766791" y="14718129"/>
+            <a:off x="13759967" y="14718129"/>
             <a:ext cx="926325" cy="540000"/>
           </a:xfrm>
           <a:prstGeom prst="rect">
@@ -4458,7 +4458,7 @@
         </p:nvCxnSpPr>
         <p:spPr>
           <a:xfrm rot="16200000" flipH="1">
-            <a:off x="13817923" y="14306097"/>
+            <a:off x="13811099" y="14306097"/>
             <a:ext cx="292889" cy="531174"/>
           </a:xfrm>
           <a:prstGeom prst="bentConnector3">
@@ -4496,7 +4496,7 @@
         </p:nvCxnSpPr>
         <p:spPr>
           <a:xfrm rot="5400000">
-            <a:off x="14353059" y="14306461"/>
+            <a:off x="14346235" y="14306461"/>
             <a:ext cx="288563" cy="534772"/>
           </a:xfrm>
           <a:prstGeom prst="bentConnector3">
@@ -4531,7 +4531,7 @@
         </p:nvSpPr>
         <p:spPr>
           <a:xfrm>
-            <a:off x="11607078" y="13889566"/>
+            <a:off x="11086698" y="13889231"/>
             <a:ext cx="926325" cy="540000"/>
           </a:xfrm>
           <a:prstGeom prst="rect">
@@ -4582,7 +4582,7 @@
         </p:nvSpPr>
         <p:spPr>
           <a:xfrm>
-            <a:off x="11607078" y="14718128"/>
+            <a:off x="11086698" y="14717793"/>
             <a:ext cx="926325" cy="540000"/>
           </a:xfrm>
           <a:prstGeom prst="rect">
@@ -4624,7 +4624,7 @@
         </p:nvSpPr>
         <p:spPr>
           <a:xfrm>
-            <a:off x="16370687" y="12299273"/>
+            <a:off x="16363863" y="12299273"/>
             <a:ext cx="926325" cy="540000"/>
           </a:xfrm>
           <a:prstGeom prst="rect">
@@ -4666,7 +4666,7 @@
         </p:nvSpPr>
         <p:spPr>
           <a:xfrm>
-            <a:off x="16370704" y="13075189"/>
+            <a:off x="16363880" y="13075189"/>
             <a:ext cx="926325" cy="540000"/>
           </a:xfrm>
           <a:prstGeom prst="rect">
@@ -4708,7 +4708,7 @@
         </p:nvSpPr>
         <p:spPr>
           <a:xfrm>
-            <a:off x="17409811" y="13077464"/>
+            <a:off x="17402987" y="13077464"/>
             <a:ext cx="926325" cy="540000"/>
           </a:xfrm>
           <a:prstGeom prst="rect">
@@ -4750,7 +4750,7 @@
         </p:nvSpPr>
         <p:spPr>
           <a:xfrm>
-            <a:off x="14311184" y="12294967"/>
+            <a:off x="14304360" y="12294967"/>
             <a:ext cx="926325" cy="540000"/>
           </a:xfrm>
           <a:prstGeom prst="rect">
@@ -4792,7 +4792,7 @@
         </p:nvSpPr>
         <p:spPr>
           <a:xfrm>
-            <a:off x="11080406" y="12285625"/>
+            <a:off x="10541298" y="12300630"/>
             <a:ext cx="926325" cy="540000"/>
           </a:xfrm>
           <a:prstGeom prst="rect">
@@ -4892,7 +4892,7 @@
         </p:nvSpPr>
         <p:spPr>
           <a:xfrm>
-            <a:off x="17409810" y="13889566"/>
+            <a:off x="17402986" y="13889566"/>
             <a:ext cx="926325" cy="540000"/>
           </a:xfrm>
           <a:prstGeom prst="rect">
@@ -4975,8 +4975,8 @@
         </p:nvCxnSpPr>
         <p:spPr>
           <a:xfrm flipH="1">
-            <a:off x="11543568" y="12825625"/>
-            <a:ext cx="1" cy="251839"/>
+            <a:off x="11004460" y="12840630"/>
+            <a:ext cx="1" cy="231367"/>
           </a:xfrm>
           <a:prstGeom prst="straightConnector1">
             <a:avLst/>
@@ -5326,7 +5326,7 @@
         </p:nvSpPr>
         <p:spPr>
           <a:xfrm>
-            <a:off x="15333043" y="13077464"/>
+            <a:off x="15326219" y="13077464"/>
             <a:ext cx="926325" cy="540000"/>
           </a:xfrm>
           <a:prstGeom prst="rect">
@@ -5410,7 +5410,7 @@
         </p:nvSpPr>
         <p:spPr>
           <a:xfrm>
-            <a:off x="10032487" y="11527749"/>
+            <a:off x="9479581" y="11507277"/>
             <a:ext cx="926325" cy="540000"/>
           </a:xfrm>
           <a:prstGeom prst="rect">
@@ -5456,7 +5456,7 @@
         </p:nvSpPr>
         <p:spPr>
           <a:xfrm>
-            <a:off x="10032487" y="12302446"/>
+            <a:off x="9486405" y="12295622"/>
             <a:ext cx="926325" cy="540000"/>
           </a:xfrm>
           <a:prstGeom prst="rect">
@@ -5502,7 +5502,7 @@
         </p:nvSpPr>
         <p:spPr>
           <a:xfrm>
-            <a:off x="8958118" y="12302446"/>
+            <a:off x="8358199" y="12301791"/>
             <a:ext cx="926325" cy="540000"/>
           </a:xfrm>
           <a:prstGeom prst="rect">
@@ -5551,8 +5551,8 @@
         </p:nvCxnSpPr>
         <p:spPr>
           <a:xfrm rot="16200000" flipH="1">
-            <a:off x="10910671" y="11652727"/>
-            <a:ext cx="217876" cy="1047919"/>
+            <a:off x="10346926" y="11643094"/>
+            <a:ext cx="253353" cy="1061717"/>
           </a:xfrm>
           <a:prstGeom prst="bentConnector3">
             <a:avLst>
@@ -5589,8 +5589,8 @@
         </p:nvCxnSpPr>
         <p:spPr>
           <a:xfrm rot="5400000">
-            <a:off x="9841118" y="11647913"/>
-            <a:ext cx="234697" cy="1074369"/>
+            <a:off x="9254796" y="11613843"/>
+            <a:ext cx="254514" cy="1121382"/>
           </a:xfrm>
           <a:prstGeom prst="bentConnector3">
             <a:avLst>
@@ -5627,8 +5627,8 @@
         </p:nvCxnSpPr>
         <p:spPr>
           <a:xfrm>
-            <a:off x="10495650" y="12067749"/>
-            <a:ext cx="0" cy="234697"/>
+            <a:off x="9942744" y="12047277"/>
+            <a:ext cx="6824" cy="248345"/>
           </a:xfrm>
           <a:prstGeom prst="straightConnector1">
             <a:avLst/>
@@ -5660,7 +5660,7 @@
         </p:nvSpPr>
         <p:spPr>
           <a:xfrm>
-            <a:off x="10041177" y="13095916"/>
+            <a:off x="9488271" y="13082268"/>
             <a:ext cx="926325" cy="540000"/>
           </a:xfrm>
           <a:prstGeom prst="rect">
@@ -5705,8 +5705,8 @@
         </p:nvCxnSpPr>
         <p:spPr>
           <a:xfrm rot="16200000" flipH="1">
-            <a:off x="10373260" y="12964836"/>
-            <a:ext cx="253470" cy="8690"/>
+            <a:off x="9827178" y="12958012"/>
+            <a:ext cx="246646" cy="1866"/>
           </a:xfrm>
           <a:prstGeom prst="bentConnector3">
             <a:avLst>
@@ -5743,8 +5743,8 @@
         </p:nvCxnSpPr>
         <p:spPr>
           <a:xfrm rot="16200000" flipH="1">
-            <a:off x="9836075" y="12427651"/>
-            <a:ext cx="253470" cy="1083059"/>
+            <a:off x="9266160" y="12396993"/>
+            <a:ext cx="240477" cy="1130072"/>
           </a:xfrm>
           <a:prstGeom prst="bentConnector3">
             <a:avLst>
@@ -6402,7 +6402,7 @@
         </p:nvSpPr>
         <p:spPr>
           <a:xfrm>
-            <a:off x="14311183" y="11520678"/>
+            <a:off x="14304359" y="11520678"/>
             <a:ext cx="926325" cy="540000"/>
           </a:xfrm>
           <a:prstGeom prst="rect">
@@ -6451,7 +6451,7 @@
         </p:nvCxnSpPr>
         <p:spPr>
           <a:xfrm rot="5400000">
-            <a:off x="13841129" y="11368819"/>
+            <a:off x="13834305" y="11368819"/>
             <a:ext cx="241358" cy="1625076"/>
           </a:xfrm>
           <a:prstGeom prst="bentConnector3">
@@ -6489,8 +6489,8 @@
         </p:nvCxnSpPr>
         <p:spPr>
           <a:xfrm rot="16200000" flipH="1">
-            <a:off x="11670853" y="13490178"/>
-            <a:ext cx="272102" cy="526673"/>
+            <a:off x="11138543" y="13477913"/>
+            <a:ext cx="277234" cy="545401"/>
           </a:xfrm>
           <a:prstGeom prst="bentConnector3">
             <a:avLst>
@@ -6528,8 +6528,8 @@
         </p:nvCxnSpPr>
         <p:spPr>
           <a:xfrm rot="5400000">
-            <a:off x="12201917" y="13483514"/>
-            <a:ext cx="274377" cy="537727"/>
+            <a:off x="11938482" y="13226569"/>
+            <a:ext cx="274042" cy="1051283"/>
           </a:xfrm>
           <a:prstGeom prst="bentConnector3">
             <a:avLst>
@@ -6566,7 +6566,7 @@
         </p:nvCxnSpPr>
         <p:spPr>
           <a:xfrm>
-            <a:off x="12070241" y="14429566"/>
+            <a:off x="11549861" y="14429231"/>
             <a:ext cx="0" cy="288562"/>
           </a:xfrm>
           <a:prstGeom prst="straightConnector1">
@@ -6602,7 +6602,7 @@
         </p:nvCxnSpPr>
         <p:spPr>
           <a:xfrm>
-            <a:off x="14774346" y="12060678"/>
+            <a:off x="14767522" y="12060678"/>
             <a:ext cx="1" cy="234289"/>
           </a:xfrm>
           <a:prstGeom prst="straightConnector1">
@@ -6635,7 +6635,7 @@
         </p:nvSpPr>
         <p:spPr>
           <a:xfrm>
-            <a:off x="15334111" y="13877431"/>
+            <a:off x="15327287" y="13877431"/>
             <a:ext cx="926325" cy="540000"/>
           </a:xfrm>
           <a:prstGeom prst="rect">
@@ -6680,7 +6680,7 @@
         </p:nvCxnSpPr>
         <p:spPr>
           <a:xfrm flipH="1">
-            <a:off x="14771549" y="12834967"/>
+            <a:off x="14764725" y="12834967"/>
             <a:ext cx="2798" cy="240222"/>
           </a:xfrm>
           <a:prstGeom prst="straightConnector1">
@@ -6716,7 +6716,7 @@
         </p:nvCxnSpPr>
         <p:spPr>
           <a:xfrm rot="16200000" flipH="1">
-            <a:off x="15684801" y="11150223"/>
+            <a:off x="15677977" y="11150223"/>
             <a:ext cx="238595" cy="2059504"/>
           </a:xfrm>
           <a:prstGeom prst="bentConnector3">
@@ -6754,7 +6754,7 @@
         </p:nvCxnSpPr>
         <p:spPr>
           <a:xfrm rot="5400000">
-            <a:off x="16195933" y="12439546"/>
+            <a:off x="16189109" y="12439546"/>
             <a:ext cx="238191" cy="1037644"/>
           </a:xfrm>
           <a:prstGeom prst="bentConnector3">
@@ -6792,7 +6792,7 @@
         </p:nvCxnSpPr>
         <p:spPr>
           <a:xfrm rot="16200000" flipH="1">
-            <a:off x="17234317" y="12438806"/>
+            <a:off x="17227493" y="12438806"/>
             <a:ext cx="238191" cy="1039124"/>
           </a:xfrm>
           <a:prstGeom prst="bentConnector3">
@@ -6830,7 +6830,7 @@
         </p:nvCxnSpPr>
         <p:spPr>
           <a:xfrm>
-            <a:off x="15796206" y="13617464"/>
+            <a:off x="15789382" y="13617464"/>
             <a:ext cx="1068" cy="259967"/>
           </a:xfrm>
           <a:prstGeom prst="straightConnector1">
@@ -6866,7 +6866,7 @@
         </p:nvCxnSpPr>
         <p:spPr>
           <a:xfrm flipH="1">
-            <a:off x="17872973" y="13617464"/>
+            <a:off x="17866149" y="13617464"/>
             <a:ext cx="1" cy="272102"/>
           </a:xfrm>
           <a:prstGeom prst="straightConnector1">
@@ -6902,7 +6902,7 @@
         </p:nvCxnSpPr>
         <p:spPr>
           <a:xfrm>
-            <a:off x="16833850" y="12839273"/>
+            <a:off x="16827026" y="12839273"/>
             <a:ext cx="17" cy="235916"/>
           </a:xfrm>
           <a:prstGeom prst="straightConnector1">
@@ -6935,7 +6935,7 @@
         </p:nvSpPr>
         <p:spPr>
           <a:xfrm>
-            <a:off x="3680512" y="11527749"/>
+            <a:off x="2614709" y="11527749"/>
             <a:ext cx="926325" cy="540000"/>
           </a:xfrm>
           <a:prstGeom prst="rect">
@@ -6981,7 +6981,7 @@
         </p:nvSpPr>
         <p:spPr>
           <a:xfrm>
-            <a:off x="2588802" y="12294967"/>
+            <a:off x="2614709" y="12310463"/>
             <a:ext cx="926325" cy="540000"/>
           </a:xfrm>
           <a:prstGeom prst="rect">
@@ -7028,7 +7028,7 @@
         </p:nvSpPr>
         <p:spPr>
           <a:xfrm>
-            <a:off x="1527183" y="13072237"/>
+            <a:off x="1557364" y="13872662"/>
             <a:ext cx="926325" cy="540000"/>
           </a:xfrm>
           <a:prstGeom prst="rect">
@@ -7070,7 +7070,7 @@
         </p:nvSpPr>
         <p:spPr>
           <a:xfrm>
-            <a:off x="2588803" y="13884333"/>
+            <a:off x="2637820" y="14718122"/>
             <a:ext cx="926325" cy="540000"/>
           </a:xfrm>
           <a:prstGeom prst="rect">
@@ -7112,7 +7112,7 @@
         </p:nvSpPr>
         <p:spPr>
           <a:xfrm>
-            <a:off x="2588803" y="13072237"/>
+            <a:off x="1561514" y="13073450"/>
             <a:ext cx="926325" cy="540000"/>
           </a:xfrm>
           <a:prstGeom prst="rect">
@@ -7154,7 +7154,7 @@
         </p:nvSpPr>
         <p:spPr>
           <a:xfrm>
-            <a:off x="7914396" y="13082306"/>
+            <a:off x="4727948" y="13081979"/>
             <a:ext cx="926325" cy="540000"/>
           </a:xfrm>
           <a:prstGeom prst="rect">
@@ -7196,7 +7196,7 @@
         </p:nvSpPr>
         <p:spPr>
           <a:xfrm>
-            <a:off x="7910199" y="12317795"/>
+            <a:off x="4723751" y="12317468"/>
             <a:ext cx="926325" cy="540000"/>
           </a:xfrm>
           <a:prstGeom prst="rect">
@@ -7413,7 +7413,7 @@
         </p:nvSpPr>
         <p:spPr>
           <a:xfrm>
-            <a:off x="5815484" y="12302703"/>
+            <a:off x="5827771" y="13884093"/>
             <a:ext cx="926325" cy="540000"/>
           </a:xfrm>
           <a:prstGeom prst="rect">
@@ -7468,7 +7468,7 @@
         </p:nvSpPr>
         <p:spPr>
           <a:xfrm>
-            <a:off x="8973264" y="13075024"/>
+            <a:off x="8373345" y="13074369"/>
             <a:ext cx="926325" cy="540000"/>
           </a:xfrm>
           <a:prstGeom prst="rect">
@@ -7598,7 +7598,7 @@
         </p:nvSpPr>
         <p:spPr>
           <a:xfrm>
-            <a:off x="5815483" y="13075856"/>
+            <a:off x="5821921" y="12324839"/>
             <a:ext cx="926325" cy="540000"/>
           </a:xfrm>
           <a:prstGeom prst="rect">
@@ -7652,7 +7652,7 @@
         </p:nvSpPr>
         <p:spPr>
           <a:xfrm>
-            <a:off x="5815486" y="13885907"/>
+            <a:off x="5821923" y="13081979"/>
             <a:ext cx="926325" cy="540000"/>
           </a:xfrm>
           <a:prstGeom prst="rect">
@@ -7706,8 +7706,8 @@
         </p:nvCxnSpPr>
         <p:spPr>
           <a:xfrm rot="16200000" flipH="1">
-            <a:off x="8272700" y="11911297"/>
-            <a:ext cx="216450" cy="2111004"/>
+            <a:off x="7973068" y="12210928"/>
+            <a:ext cx="215795" cy="1511085"/>
           </a:xfrm>
           <a:prstGeom prst="bentConnector3">
             <a:avLst>
@@ -7744,7 +7744,7 @@
         </p:nvCxnSpPr>
         <p:spPr>
           <a:xfrm rot="16200000" flipH="1">
-            <a:off x="9312565" y="12951162"/>
+            <a:off x="8712646" y="12950507"/>
             <a:ext cx="232578" cy="15146"/>
           </a:xfrm>
           <a:prstGeom prst="bentConnector3">
@@ -7819,9 +7819,9 @@
           <p:nvPr/>
         </p:nvCxnSpPr>
         <p:spPr>
-          <a:xfrm rot="16200000" flipH="1">
-            <a:off x="7718764" y="11663197"/>
-            <a:ext cx="257118" cy="1052078"/>
+          <a:xfrm rot="5400000">
+            <a:off x="6125704" y="11121887"/>
+            <a:ext cx="256791" cy="2134370"/>
           </a:xfrm>
           <a:prstGeom prst="bentConnector3">
             <a:avLst>
@@ -7849,42 +7849,6 @@
       </p:cxnSp>
       <p:cxnSp>
         <p:nvCxnSpPr>
-          <p:cNvPr id="148" name="Прямая со стрелкой 147"/>
-          <p:cNvCxnSpPr>
-            <a:stCxn id="128" idx="2"/>
-            <a:endCxn id="132" idx="0"/>
-          </p:cNvCxnSpPr>
-          <p:nvPr/>
-        </p:nvCxnSpPr>
-        <p:spPr>
-          <a:xfrm flipH="1">
-            <a:off x="6278646" y="12842703"/>
-            <a:ext cx="1" cy="233153"/>
-          </a:xfrm>
-          <a:prstGeom prst="straightConnector1">
-            <a:avLst/>
-          </a:prstGeom>
-          <a:ln w="19050">
-            <a:tailEnd type="arrow"/>
-          </a:ln>
-        </p:spPr>
-        <p:style>
-          <a:lnRef idx="1">
-            <a:schemeClr val="accent1"/>
-          </a:lnRef>
-          <a:fillRef idx="0">
-            <a:schemeClr val="accent1"/>
-          </a:fillRef>
-          <a:effectRef idx="0">
-            <a:schemeClr val="accent1"/>
-          </a:effectRef>
-          <a:fontRef idx="minor">
-            <a:schemeClr val="tx1"/>
-          </a:fontRef>
-        </p:style>
-      </p:cxnSp>
-      <p:cxnSp>
-        <p:nvCxnSpPr>
           <p:cNvPr id="150" name="Прямая со стрелкой 149"/>
           <p:cNvCxnSpPr>
             <a:stCxn id="132" idx="2"/>
@@ -7894,8 +7858,8 @@
         </p:nvCxnSpPr>
         <p:spPr>
           <a:xfrm>
-            <a:off x="6278646" y="13615856"/>
-            <a:ext cx="3" cy="270051"/>
+            <a:off x="6285084" y="12864839"/>
+            <a:ext cx="2" cy="217140"/>
           </a:xfrm>
           <a:prstGeom prst="straightConnector1">
             <a:avLst/>
@@ -8304,42 +8268,6 @@
           </a:p>
         </p:txBody>
       </p:sp>
-      <p:cxnSp>
-        <p:nvCxnSpPr>
-          <p:cNvPr id="178" name="Прямая со стрелкой 177"/>
-          <p:cNvCxnSpPr>
-            <a:stCxn id="129" idx="2"/>
-            <a:endCxn id="177" idx="0"/>
-          </p:cNvCxnSpPr>
-          <p:nvPr/>
-        </p:nvCxnSpPr>
-        <p:spPr>
-          <a:xfrm flipH="1">
-            <a:off x="9435973" y="13615024"/>
-            <a:ext cx="454" cy="269819"/>
-          </a:xfrm>
-          <a:prstGeom prst="straightConnector1">
-            <a:avLst/>
-          </a:prstGeom>
-          <a:ln w="19050">
-            <a:tailEnd type="arrow"/>
-          </a:ln>
-        </p:spPr>
-        <p:style>
-          <a:lnRef idx="1">
-            <a:schemeClr val="accent1"/>
-          </a:lnRef>
-          <a:fillRef idx="0">
-            <a:schemeClr val="accent1"/>
-          </a:fillRef>
-          <a:effectRef idx="0">
-            <a:schemeClr val="accent1"/>
-          </a:effectRef>
-          <a:fontRef idx="minor">
-            <a:schemeClr val="tx1"/>
-          </a:fontRef>
-        </p:style>
-      </p:cxnSp>
       <p:sp>
         <p:nvSpPr>
           <p:cNvPr id="184" name="Прямоугольник 183"/>
@@ -9538,7 +9466,7 @@
         </p:nvSpPr>
         <p:spPr>
           <a:xfrm>
-            <a:off x="4722098" y="12299272"/>
+            <a:off x="2620974" y="13074935"/>
             <a:ext cx="926325" cy="540000"/>
           </a:xfrm>
           <a:prstGeom prst="rect">
@@ -9580,7 +9508,7 @@
         </p:nvSpPr>
         <p:spPr>
           <a:xfrm>
-            <a:off x="4721682" y="13077464"/>
+            <a:off x="2620737" y="13872662"/>
             <a:ext cx="926325" cy="540000"/>
           </a:xfrm>
           <a:prstGeom prst="rect">
@@ -9627,7 +9555,7 @@
         </p:nvSpPr>
         <p:spPr>
           <a:xfrm>
-            <a:off x="1527183" y="13884333"/>
+            <a:off x="1555563" y="14725097"/>
             <a:ext cx="926325" cy="540000"/>
           </a:xfrm>
           <a:prstGeom prst="rect">
@@ -9669,7 +9597,7 @@
         </p:nvSpPr>
         <p:spPr>
           <a:xfrm>
-            <a:off x="440066" y="13889566"/>
+            <a:off x="1061266" y="15518052"/>
             <a:ext cx="926325" cy="540000"/>
           </a:xfrm>
           <a:prstGeom prst="rect">
@@ -9711,7 +9639,7 @@
         </p:nvSpPr>
         <p:spPr>
           <a:xfrm>
-            <a:off x="3680509" y="13072237"/>
+            <a:off x="3679388" y="13872662"/>
             <a:ext cx="926325" cy="540000"/>
           </a:xfrm>
           <a:prstGeom prst="rect">
@@ -9753,7 +9681,7 @@
         </p:nvSpPr>
         <p:spPr>
           <a:xfrm>
-            <a:off x="3680510" y="12299273"/>
+            <a:off x="3689078" y="12317504"/>
             <a:ext cx="926325" cy="540000"/>
           </a:xfrm>
           <a:prstGeom prst="rect">
@@ -9802,8 +9730,8 @@
         </p:nvCxnSpPr>
         <p:spPr>
           <a:xfrm flipH="1">
-            <a:off x="5184845" y="12839272"/>
-            <a:ext cx="416" cy="238192"/>
+            <a:off x="3083900" y="13614935"/>
+            <a:ext cx="237" cy="257727"/>
           </a:xfrm>
           <a:prstGeom prst="straightConnector1">
             <a:avLst/>
@@ -9837,9 +9765,9 @@
           <p:nvPr/>
         </p:nvCxnSpPr>
         <p:spPr>
-          <a:xfrm>
-            <a:off x="1990346" y="13612237"/>
-            <a:ext cx="0" cy="272096"/>
+          <a:xfrm flipH="1">
+            <a:off x="2018726" y="14412662"/>
+            <a:ext cx="1801" cy="312435"/>
           </a:xfrm>
           <a:prstGeom prst="straightConnector1">
             <a:avLst/>
@@ -9865,17 +9793,17 @@
       </p:cxnSp>
       <p:cxnSp>
         <p:nvCxnSpPr>
-          <p:cNvPr id="337" name="Соединительная линия уступом 336"/>
-          <p:cNvCxnSpPr>
-            <a:stCxn id="113" idx="2"/>
-            <a:endCxn id="327" idx="0"/>
+          <p:cNvPr id="343" name="Соединительная линия уступом 342"/>
+          <p:cNvCxnSpPr>
+            <a:stCxn id="118" idx="2"/>
+            <a:endCxn id="120" idx="0"/>
           </p:cNvCxnSpPr>
           <p:nvPr/>
         </p:nvCxnSpPr>
         <p:spPr>
           <a:xfrm rot="16200000" flipH="1">
-            <a:off x="4548707" y="11662717"/>
-            <a:ext cx="231523" cy="1041586"/>
+            <a:off x="2408025" y="14025164"/>
+            <a:ext cx="305460" cy="1080456"/>
           </a:xfrm>
           <a:prstGeom prst="bentConnector3">
             <a:avLst>
@@ -9903,17 +9831,340 @@
       </p:cxnSp>
       <p:cxnSp>
         <p:nvCxnSpPr>
-          <p:cNvPr id="338" name="Соединительная линия уступом 337"/>
-          <p:cNvCxnSpPr>
-            <a:stCxn id="113" idx="2"/>
-            <a:endCxn id="117" idx="0"/>
+          <p:cNvPr id="346" name="Соединительная линия уступом 345"/>
+          <p:cNvCxnSpPr>
+            <a:stCxn id="118" idx="2"/>
+            <a:endCxn id="332" idx="0"/>
           </p:cNvCxnSpPr>
           <p:nvPr/>
         </p:nvCxnSpPr>
         <p:spPr>
           <a:xfrm rot="5400000">
-            <a:off x="3484211" y="11635503"/>
-            <a:ext cx="227218" cy="1091710"/>
+            <a:off x="1219783" y="14717308"/>
+            <a:ext cx="1105390" cy="496098"/>
+          </a:xfrm>
+          <a:prstGeom prst="bentConnector3">
+            <a:avLst>
+              <a:gd name="adj1" fmla="val 13578"/>
+            </a:avLst>
+          </a:prstGeom>
+          <a:ln w="19050">
+            <a:tailEnd type="arrow"/>
+          </a:ln>
+        </p:spPr>
+        <p:style>
+          <a:lnRef idx="1">
+            <a:schemeClr val="accent1"/>
+          </a:lnRef>
+          <a:fillRef idx="0">
+            <a:schemeClr val="accent1"/>
+          </a:fillRef>
+          <a:effectRef idx="0">
+            <a:schemeClr val="accent1"/>
+          </a:effectRef>
+          <a:fontRef idx="minor">
+            <a:schemeClr val="tx1"/>
+          </a:fontRef>
+        </p:style>
+      </p:cxnSp>
+      <p:sp>
+        <p:nvSpPr>
+          <p:cNvPr id="359" name="Прямоугольник 358"/>
+          <p:cNvSpPr/>
+          <p:nvPr/>
+        </p:nvSpPr>
+        <p:spPr>
+          <a:xfrm>
+            <a:off x="3681096" y="13077015"/>
+            <a:ext cx="926325" cy="540000"/>
+          </a:xfrm>
+          <a:prstGeom prst="rect">
+            <a:avLst/>
+          </a:prstGeom>
+          <a:ln w="19050">
+            <a:solidFill>
+              <a:srgbClr val="00B050"/>
+            </a:solidFill>
+          </a:ln>
+        </p:spPr>
+        <p:style>
+          <a:lnRef idx="2">
+            <a:schemeClr val="accent1"/>
+          </a:lnRef>
+          <a:fillRef idx="1">
+            <a:schemeClr val="lt1"/>
+          </a:fillRef>
+          <a:effectRef idx="0">
+            <a:schemeClr val="accent1"/>
+          </a:effectRef>
+          <a:fontRef idx="minor">
+            <a:schemeClr val="dk1"/>
+          </a:fontRef>
+        </p:style>
+        <p:txBody>
+          <a:bodyPr lIns="124733" tIns="62367" rIns="124733" bIns="62367" rtlCol="0" anchor="ctr"/>
+          <a:lstStyle/>
+          <a:p>
+            <a:pPr algn="ctr"/>
+            <a:r>
+              <a:rPr lang="ru-RU" sz="800" dirty="0"/>
+              <a:t>Забрать территории </a:t>
+            </a:r>
+            <a:r>
+              <a:rPr lang="en-US" sz="800" dirty="0"/>
+              <a:t>Mozambique Company</a:t>
+            </a:r>
+            <a:r>
+              <a:rPr lang="ru-RU" sz="800" dirty="0"/>
+              <a:t> </a:t>
+            </a:r>
+            <a:r>
+              <a:rPr lang="ru-RU" sz="400" dirty="0"/>
+              <a:t>(июль 1942)</a:t>
+            </a:r>
+            <a:endParaRPr lang="ru-RU" sz="200" dirty="0"/>
+          </a:p>
+        </p:txBody>
+      </p:sp>
+      <p:sp>
+        <p:nvSpPr>
+          <p:cNvPr id="363" name="Прямоугольник 362"/>
+          <p:cNvSpPr/>
+          <p:nvPr/>
+        </p:nvSpPr>
+        <p:spPr>
+          <a:xfrm>
+            <a:off x="4722099" y="13877627"/>
+            <a:ext cx="926325" cy="540000"/>
+          </a:xfrm>
+          <a:prstGeom prst="rect">
+            <a:avLst/>
+          </a:prstGeom>
+          <a:ln w="19050"/>
+        </p:spPr>
+        <p:style>
+          <a:lnRef idx="2">
+            <a:schemeClr val="accent1"/>
+          </a:lnRef>
+          <a:fillRef idx="1">
+            <a:schemeClr val="lt1"/>
+          </a:fillRef>
+          <a:effectRef idx="0">
+            <a:schemeClr val="accent1"/>
+          </a:effectRef>
+          <a:fontRef idx="minor">
+            <a:schemeClr val="dk1"/>
+          </a:fontRef>
+        </p:style>
+        <p:txBody>
+          <a:bodyPr lIns="124733" tIns="62367" rIns="124733" bIns="62367" rtlCol="0" anchor="ctr"/>
+          <a:lstStyle/>
+          <a:p>
+            <a:pPr algn="ctr"/>
+            <a:r>
+              <a:rPr lang="ru-RU" sz="800" dirty="0"/>
+              <a:t>Вернуть управление Мозамбиком кампаниям </a:t>
+            </a:r>
+            <a:r>
+              <a:rPr lang="ru-RU" sz="500" dirty="0"/>
+              <a:t>(только для монархии)</a:t>
+            </a:r>
+            <a:endParaRPr lang="ru-RU" sz="200" dirty="0"/>
+          </a:p>
+        </p:txBody>
+      </p:sp>
+      <p:sp>
+        <p:nvSpPr>
+          <p:cNvPr id="364" name="Прямоугольник 363"/>
+          <p:cNvSpPr/>
+          <p:nvPr/>
+        </p:nvSpPr>
+        <p:spPr>
+          <a:xfrm>
+            <a:off x="4722099" y="14718123"/>
+            <a:ext cx="926325" cy="540000"/>
+          </a:xfrm>
+          <a:prstGeom prst="rect">
+            <a:avLst/>
+          </a:prstGeom>
+          <a:ln w="19050"/>
+        </p:spPr>
+        <p:style>
+          <a:lnRef idx="2">
+            <a:schemeClr val="accent1"/>
+          </a:lnRef>
+          <a:fillRef idx="1">
+            <a:schemeClr val="lt1"/>
+          </a:fillRef>
+          <a:effectRef idx="0">
+            <a:schemeClr val="accent1"/>
+          </a:effectRef>
+          <a:fontRef idx="minor">
+            <a:schemeClr val="dk1"/>
+          </a:fontRef>
+        </p:style>
+        <p:txBody>
+          <a:bodyPr lIns="124733" tIns="62367" rIns="124733" bIns="62367" rtlCol="0" anchor="ctr"/>
+          <a:lstStyle/>
+          <a:p>
+            <a:pPr algn="ctr"/>
+            <a:r>
+              <a:rPr lang="ru-RU" sz="900" dirty="0"/>
+              <a:t>Восстановить </a:t>
+            </a:r>
+            <a:r>
+              <a:rPr lang="en-US" sz="900" dirty="0" err="1"/>
+              <a:t>Niassa</a:t>
+            </a:r>
+            <a:r>
+              <a:rPr lang="en-US" sz="900" dirty="0"/>
+              <a:t> Company</a:t>
+            </a:r>
+            <a:r>
+              <a:rPr lang="ru-RU" sz="900" dirty="0"/>
+              <a:t> </a:t>
+            </a:r>
+            <a:r>
+              <a:rPr lang="ru-RU" sz="500" dirty="0"/>
+              <a:t>(королевская кампания, только для монархии)</a:t>
+            </a:r>
+          </a:p>
+        </p:txBody>
+      </p:sp>
+      <p:cxnSp>
+        <p:nvCxnSpPr>
+          <p:cNvPr id="368" name="Прямая со стрелкой 367"/>
+          <p:cNvCxnSpPr>
+            <a:stCxn id="363" idx="2"/>
+            <a:endCxn id="364" idx="0"/>
+          </p:cNvCxnSpPr>
+          <p:nvPr/>
+        </p:nvCxnSpPr>
+        <p:spPr>
+          <a:xfrm>
+            <a:off x="5185262" y="14417627"/>
+            <a:ext cx="0" cy="300496"/>
+          </a:xfrm>
+          <a:prstGeom prst="straightConnector1">
+            <a:avLst/>
+          </a:prstGeom>
+          <a:ln w="19050">
+            <a:tailEnd type="arrow"/>
+          </a:ln>
+        </p:spPr>
+        <p:style>
+          <a:lnRef idx="1">
+            <a:schemeClr val="accent1"/>
+          </a:lnRef>
+          <a:fillRef idx="0">
+            <a:schemeClr val="accent1"/>
+          </a:fillRef>
+          <a:effectRef idx="0">
+            <a:schemeClr val="accent1"/>
+          </a:effectRef>
+          <a:fontRef idx="minor">
+            <a:schemeClr val="tx1"/>
+          </a:fontRef>
+        </p:style>
+      </p:cxnSp>
+      <p:sp>
+        <p:nvSpPr>
+          <p:cNvPr id="217" name="Прямоугольник 216"/>
+          <p:cNvSpPr/>
+          <p:nvPr/>
+        </p:nvSpPr>
+        <p:spPr>
+          <a:xfrm>
+            <a:off x="6869026" y="14724586"/>
+            <a:ext cx="926325" cy="540000"/>
+          </a:xfrm>
+          <a:prstGeom prst="rect">
+            <a:avLst/>
+          </a:prstGeom>
+          <a:ln w="19050"/>
+        </p:spPr>
+        <p:style>
+          <a:lnRef idx="2">
+            <a:schemeClr val="accent1"/>
+          </a:lnRef>
+          <a:fillRef idx="1">
+            <a:schemeClr val="lt1"/>
+          </a:fillRef>
+          <a:effectRef idx="0">
+            <a:schemeClr val="accent1"/>
+          </a:effectRef>
+          <a:fontRef idx="minor">
+            <a:schemeClr val="dk1"/>
+          </a:fontRef>
+        </p:style>
+        <p:txBody>
+          <a:bodyPr lIns="124733" tIns="62367" rIns="124733" bIns="62367" rtlCol="0" anchor="ctr"/>
+          <a:lstStyle/>
+          <a:p>
+            <a:pPr algn="ctr"/>
+            <a:r>
+              <a:rPr lang="ru-RU" sz="800" dirty="0"/>
+              <a:t>Приступить к восстановлению сельского хозяйства</a:t>
+            </a:r>
+            <a:endParaRPr lang="ru-RU" sz="300" dirty="0"/>
+          </a:p>
+        </p:txBody>
+      </p:sp>
+      <p:sp>
+        <p:nvSpPr>
+          <p:cNvPr id="229" name="Прямоугольник 228"/>
+          <p:cNvSpPr/>
+          <p:nvPr/>
+        </p:nvSpPr>
+        <p:spPr>
+          <a:xfrm>
+            <a:off x="14822995" y="14720753"/>
+            <a:ext cx="926325" cy="540000"/>
+          </a:xfrm>
+          <a:prstGeom prst="rect">
+            <a:avLst/>
+          </a:prstGeom>
+          <a:ln w="19050"/>
+        </p:spPr>
+        <p:style>
+          <a:lnRef idx="2">
+            <a:schemeClr val="accent1"/>
+          </a:lnRef>
+          <a:fillRef idx="1">
+            <a:schemeClr val="lt1"/>
+          </a:fillRef>
+          <a:effectRef idx="0">
+            <a:schemeClr val="accent1"/>
+          </a:effectRef>
+          <a:fontRef idx="minor">
+            <a:schemeClr val="dk1"/>
+          </a:fontRef>
+        </p:style>
+        <p:txBody>
+          <a:bodyPr lIns="124733" tIns="62367" rIns="124733" bIns="62367" rtlCol="0" anchor="ctr"/>
+          <a:lstStyle/>
+          <a:p>
+            <a:pPr algn="ctr"/>
+            <a:r>
+              <a:rPr lang="ru-RU" sz="700" dirty="0"/>
+              <a:t>Разработка Ангольского марганца</a:t>
+            </a:r>
+          </a:p>
+        </p:txBody>
+      </p:sp>
+      <p:cxnSp>
+        <p:nvCxnSpPr>
+          <p:cNvPr id="230" name="Соединительная линия уступом 229"/>
+          <p:cNvCxnSpPr>
+            <a:stCxn id="35" idx="2"/>
+            <a:endCxn id="229" idx="0"/>
+          </p:cNvCxnSpPr>
+          <p:nvPr/>
+        </p:nvCxnSpPr>
+        <p:spPr>
+          <a:xfrm rot="16200000" flipH="1">
+            <a:off x="14876437" y="14311031"/>
+            <a:ext cx="291187" cy="528256"/>
           </a:xfrm>
           <a:prstGeom prst="bentConnector3">
             <a:avLst>
@@ -9939,19 +10190,162 @@
           </a:fontRef>
         </p:style>
       </p:cxnSp>
-      <p:cxnSp>
-        <p:nvCxnSpPr>
-          <p:cNvPr id="339" name="Соединительная линия уступом 338"/>
-          <p:cNvCxnSpPr>
-            <a:stCxn id="117" idx="2"/>
-            <a:endCxn id="118" idx="0"/>
+      <p:sp>
+        <p:nvSpPr>
+          <p:cNvPr id="233" name="Прямоугольник 232"/>
+          <p:cNvSpPr/>
+          <p:nvPr/>
+        </p:nvSpPr>
+        <p:spPr>
+          <a:xfrm>
+            <a:off x="1546181" y="12302036"/>
+            <a:ext cx="926325" cy="540000"/>
+          </a:xfrm>
+          <a:prstGeom prst="rect">
+            <a:avLst/>
+          </a:prstGeom>
+          <a:ln w="19050"/>
+        </p:spPr>
+        <p:style>
+          <a:lnRef idx="2">
+            <a:schemeClr val="accent1"/>
+          </a:lnRef>
+          <a:fillRef idx="1">
+            <a:schemeClr val="lt1"/>
+          </a:fillRef>
+          <a:effectRef idx="0">
+            <a:schemeClr val="accent1"/>
+          </a:effectRef>
+          <a:fontRef idx="minor">
+            <a:schemeClr val="dk1"/>
+          </a:fontRef>
+        </p:style>
+        <p:txBody>
+          <a:bodyPr lIns="124733" tIns="62367" rIns="124733" bIns="62367" rtlCol="0" anchor="ctr"/>
+          <a:lstStyle/>
+          <a:p>
+            <a:pPr algn="ctr"/>
+            <a:r>
+              <a:rPr lang="ru-RU" sz="700" dirty="0"/>
+              <a:t>Разработка угля в Мозамбике</a:t>
+            </a:r>
+          </a:p>
+        </p:txBody>
+      </p:sp>
+      <p:sp>
+        <p:nvSpPr>
+          <p:cNvPr id="236" name="Прямоугольник 235"/>
+          <p:cNvSpPr/>
+          <p:nvPr/>
+        </p:nvSpPr>
+        <p:spPr>
+          <a:xfrm>
+            <a:off x="3680513" y="14718123"/>
+            <a:ext cx="926325" cy="540000"/>
+          </a:xfrm>
+          <a:prstGeom prst="rect">
+            <a:avLst/>
+          </a:prstGeom>
+          <a:ln w="19050">
+            <a:solidFill>
+              <a:srgbClr val="00B050"/>
+            </a:solidFill>
+          </a:ln>
+        </p:spPr>
+        <p:style>
+          <a:lnRef idx="2">
+            <a:schemeClr val="accent1"/>
+          </a:lnRef>
+          <a:fillRef idx="1">
+            <a:schemeClr val="lt1"/>
+          </a:fillRef>
+          <a:effectRef idx="0">
+            <a:schemeClr val="accent1"/>
+          </a:effectRef>
+          <a:fontRef idx="minor">
+            <a:schemeClr val="dk1"/>
+          </a:fontRef>
+        </p:style>
+        <p:txBody>
+          <a:bodyPr lIns="124733" tIns="62367" rIns="124733" bIns="62367" rtlCol="0" anchor="ctr"/>
+          <a:lstStyle/>
+          <a:p>
+            <a:pPr algn="ctr"/>
+            <a:r>
+              <a:rPr lang="ru-RU" sz="800" dirty="0"/>
+              <a:t>Вернуть территории </a:t>
+            </a:r>
+            <a:r>
+              <a:rPr lang="en-US" sz="800" dirty="0"/>
+              <a:t>Mozambique Company</a:t>
+            </a:r>
+            <a:endParaRPr lang="ru-RU" sz="200" dirty="0"/>
+          </a:p>
+        </p:txBody>
+      </p:sp>
+      <p:sp>
+        <p:nvSpPr>
+          <p:cNvPr id="244" name="Прямоугольник 243"/>
+          <p:cNvSpPr/>
+          <p:nvPr/>
+        </p:nvSpPr>
+        <p:spPr>
+          <a:xfrm>
+            <a:off x="4722099" y="15526702"/>
+            <a:ext cx="926325" cy="540000"/>
+          </a:xfrm>
+          <a:prstGeom prst="rect">
+            <a:avLst/>
+          </a:prstGeom>
+          <a:ln w="19050"/>
+        </p:spPr>
+        <p:style>
+          <a:lnRef idx="2">
+            <a:schemeClr val="accent1"/>
+          </a:lnRef>
+          <a:fillRef idx="1">
+            <a:schemeClr val="lt1"/>
+          </a:fillRef>
+          <a:effectRef idx="0">
+            <a:schemeClr val="accent1"/>
+          </a:effectRef>
+          <a:fontRef idx="minor">
+            <a:schemeClr val="dk1"/>
+          </a:fontRef>
+        </p:style>
+        <p:txBody>
+          <a:bodyPr lIns="124733" tIns="62367" rIns="124733" bIns="62367" rtlCol="0" anchor="ctr"/>
+          <a:lstStyle/>
+          <a:p>
+            <a:pPr algn="ctr"/>
+            <a:r>
+              <a:rPr lang="ru-RU" sz="800" dirty="0"/>
+              <a:t>Железная дорога </a:t>
+            </a:r>
+            <a:r>
+              <a:rPr lang="ru-RU" sz="800" dirty="0" err="1"/>
+              <a:t>Амелия</a:t>
+            </a:r>
+            <a:r>
+              <a:rPr lang="ru-RU" sz="800" dirty="0"/>
+              <a:t> - Ньяса</a:t>
+            </a:r>
+          </a:p>
+        </p:txBody>
+      </p:sp>
+      <p:cxnSp>
+        <p:nvCxnSpPr>
+          <p:cNvPr id="247" name="Соединительная линия уступом 246"/>
+          <p:cNvCxnSpPr>
+            <a:stCxn id="363" idx="2"/>
+            <a:endCxn id="236" idx="0"/>
           </p:cNvCxnSpPr>
           <p:nvPr/>
         </p:nvCxnSpPr>
         <p:spPr>
           <a:xfrm rot="5400000">
-            <a:off x="2402521" y="12422793"/>
-            <a:ext cx="237270" cy="1061619"/>
+            <a:off x="4514221" y="14047082"/>
+            <a:ext cx="300496" cy="1041586"/>
           </a:xfrm>
           <a:prstGeom prst="bentConnector3">
             <a:avLst>
@@ -9979,857 +10373,18 @@
       </p:cxnSp>
       <p:cxnSp>
         <p:nvCxnSpPr>
-          <p:cNvPr id="340" name="Соединительная линия уступом 339"/>
-          <p:cNvCxnSpPr>
-            <a:stCxn id="113" idx="2"/>
-            <a:endCxn id="334" idx="0"/>
-          </p:cNvCxnSpPr>
-          <p:nvPr/>
-        </p:nvCxnSpPr>
-        <p:spPr>
-          <a:xfrm rot="5400000">
-            <a:off x="4027912" y="12183510"/>
-            <a:ext cx="231524" cy="2"/>
-          </a:xfrm>
-          <a:prstGeom prst="bentConnector3">
-            <a:avLst>
-              <a:gd name="adj1" fmla="val 50000"/>
-            </a:avLst>
-          </a:prstGeom>
-          <a:ln w="19050">
-            <a:tailEnd type="arrow"/>
-          </a:ln>
-        </p:spPr>
-        <p:style>
-          <a:lnRef idx="1">
-            <a:schemeClr val="accent1"/>
-          </a:lnRef>
-          <a:fillRef idx="0">
-            <a:schemeClr val="accent1"/>
-          </a:fillRef>
-          <a:effectRef idx="0">
-            <a:schemeClr val="accent1"/>
-          </a:effectRef>
-          <a:fontRef idx="minor">
-            <a:schemeClr val="tx1"/>
-          </a:fontRef>
-        </p:style>
-      </p:cxnSp>
-      <p:cxnSp>
-        <p:nvCxnSpPr>
-          <p:cNvPr id="343" name="Соединительная линия уступом 342"/>
-          <p:cNvCxnSpPr>
-            <a:stCxn id="118" idx="2"/>
-            <a:endCxn id="120" idx="0"/>
-          </p:cNvCxnSpPr>
-          <p:nvPr/>
-        </p:nvCxnSpPr>
-        <p:spPr>
-          <a:xfrm rot="16200000" flipH="1">
-            <a:off x="2385108" y="13217475"/>
-            <a:ext cx="272096" cy="1061620"/>
-          </a:xfrm>
-          <a:prstGeom prst="bentConnector3">
-            <a:avLst>
-              <a:gd name="adj1" fmla="val 50000"/>
-            </a:avLst>
-          </a:prstGeom>
-          <a:ln w="19050">
-            <a:tailEnd type="arrow"/>
-          </a:ln>
-        </p:spPr>
-        <p:style>
-          <a:lnRef idx="1">
-            <a:schemeClr val="accent1"/>
-          </a:lnRef>
-          <a:fillRef idx="0">
-            <a:schemeClr val="accent1"/>
-          </a:fillRef>
-          <a:effectRef idx="0">
-            <a:schemeClr val="accent1"/>
-          </a:effectRef>
-          <a:fontRef idx="minor">
-            <a:schemeClr val="tx1"/>
-          </a:fontRef>
-        </p:style>
-      </p:cxnSp>
-      <p:cxnSp>
-        <p:nvCxnSpPr>
-          <p:cNvPr id="346" name="Соединительная линия уступом 345"/>
-          <p:cNvCxnSpPr>
-            <a:stCxn id="118" idx="2"/>
-            <a:endCxn id="332" idx="0"/>
-          </p:cNvCxnSpPr>
-          <p:nvPr/>
-        </p:nvCxnSpPr>
-        <p:spPr>
-          <a:xfrm rot="5400000">
-            <a:off x="1308124" y="13207343"/>
-            <a:ext cx="277329" cy="1087117"/>
-          </a:xfrm>
-          <a:prstGeom prst="bentConnector3">
-            <a:avLst>
-              <a:gd name="adj1" fmla="val 50000"/>
-            </a:avLst>
-          </a:prstGeom>
-          <a:ln w="19050">
-            <a:tailEnd type="arrow"/>
-          </a:ln>
-        </p:spPr>
-        <p:style>
-          <a:lnRef idx="1">
-            <a:schemeClr val="accent1"/>
-          </a:lnRef>
-          <a:fillRef idx="0">
-            <a:schemeClr val="accent1"/>
-          </a:fillRef>
-          <a:effectRef idx="0">
-            <a:schemeClr val="accent1"/>
-          </a:effectRef>
-          <a:fontRef idx="minor">
-            <a:schemeClr val="tx1"/>
-          </a:fontRef>
-        </p:style>
-      </p:cxnSp>
-      <p:cxnSp>
-        <p:nvCxnSpPr>
-          <p:cNvPr id="349" name="Соединительная линия уступом 348"/>
-          <p:cNvCxnSpPr>
-            <a:stCxn id="334" idx="2"/>
-            <a:endCxn id="121" idx="0"/>
-          </p:cNvCxnSpPr>
-          <p:nvPr/>
-        </p:nvCxnSpPr>
-        <p:spPr>
-          <a:xfrm rot="5400000">
-            <a:off x="3481338" y="12409902"/>
-            <a:ext cx="232964" cy="1091707"/>
-          </a:xfrm>
-          <a:prstGeom prst="bentConnector3">
-            <a:avLst>
-              <a:gd name="adj1" fmla="val 50000"/>
-            </a:avLst>
-          </a:prstGeom>
-          <a:ln w="19050">
-            <a:tailEnd type="arrow"/>
-          </a:ln>
-        </p:spPr>
-        <p:style>
-          <a:lnRef idx="1">
-            <a:schemeClr val="accent1"/>
-          </a:lnRef>
-          <a:fillRef idx="0">
-            <a:schemeClr val="accent1"/>
-          </a:fillRef>
-          <a:effectRef idx="0">
-            <a:schemeClr val="accent1"/>
-          </a:effectRef>
-          <a:fontRef idx="minor">
-            <a:schemeClr val="tx1"/>
-          </a:fontRef>
-        </p:style>
-      </p:cxnSp>
-      <p:cxnSp>
-        <p:nvCxnSpPr>
-          <p:cNvPr id="352" name="Прямая со стрелкой 351"/>
-          <p:cNvCxnSpPr>
-            <a:stCxn id="334" idx="2"/>
-            <a:endCxn id="333" idx="0"/>
-          </p:cNvCxnSpPr>
-          <p:nvPr/>
-        </p:nvCxnSpPr>
-        <p:spPr>
-          <a:xfrm flipH="1">
-            <a:off x="4143672" y="12839273"/>
-            <a:ext cx="1" cy="232964"/>
-          </a:xfrm>
-          <a:prstGeom prst="straightConnector1">
-            <a:avLst/>
-          </a:prstGeom>
-          <a:ln w="19050">
-            <a:tailEnd type="arrow"/>
-          </a:ln>
-        </p:spPr>
-        <p:style>
-          <a:lnRef idx="1">
-            <a:schemeClr val="accent1"/>
-          </a:lnRef>
-          <a:fillRef idx="0">
-            <a:schemeClr val="accent1"/>
-          </a:fillRef>
-          <a:effectRef idx="0">
-            <a:schemeClr val="accent1"/>
-          </a:effectRef>
-          <a:fontRef idx="minor">
-            <a:schemeClr val="tx1"/>
-          </a:fontRef>
-        </p:style>
-      </p:cxnSp>
-      <p:cxnSp>
-        <p:nvCxnSpPr>
-          <p:cNvPr id="356" name="Прямая со стрелкой 355"/>
-          <p:cNvCxnSpPr>
-            <a:stCxn id="117" idx="2"/>
-            <a:endCxn id="121" idx="0"/>
-          </p:cNvCxnSpPr>
-          <p:nvPr/>
-        </p:nvCxnSpPr>
-        <p:spPr>
-          <a:xfrm>
-            <a:off x="3051965" y="12834967"/>
-            <a:ext cx="1" cy="237270"/>
-          </a:xfrm>
-          <a:prstGeom prst="straightConnector1">
-            <a:avLst/>
-          </a:prstGeom>
-          <a:ln w="19050">
-            <a:tailEnd type="arrow"/>
-          </a:ln>
-        </p:spPr>
-        <p:style>
-          <a:lnRef idx="1">
-            <a:schemeClr val="accent1"/>
-          </a:lnRef>
-          <a:fillRef idx="0">
-            <a:schemeClr val="accent1"/>
-          </a:fillRef>
-          <a:effectRef idx="0">
-            <a:schemeClr val="accent1"/>
-          </a:effectRef>
-          <a:fontRef idx="minor">
-            <a:schemeClr val="tx1"/>
-          </a:fontRef>
-        </p:style>
-      </p:cxnSp>
-      <p:sp>
-        <p:nvSpPr>
-          <p:cNvPr id="359" name="Прямоугольник 358"/>
-          <p:cNvSpPr/>
-          <p:nvPr/>
-        </p:nvSpPr>
-        <p:spPr>
-          <a:xfrm>
-            <a:off x="3680508" y="13877627"/>
-            <a:ext cx="926325" cy="540000"/>
-          </a:xfrm>
-          <a:prstGeom prst="rect">
-            <a:avLst/>
-          </a:prstGeom>
-          <a:ln w="19050">
-            <a:solidFill>
-              <a:srgbClr val="00B050"/>
-            </a:solidFill>
-          </a:ln>
-        </p:spPr>
-        <p:style>
-          <a:lnRef idx="2">
-            <a:schemeClr val="accent1"/>
-          </a:lnRef>
-          <a:fillRef idx="1">
-            <a:schemeClr val="lt1"/>
-          </a:fillRef>
-          <a:effectRef idx="0">
-            <a:schemeClr val="accent1"/>
-          </a:effectRef>
-          <a:fontRef idx="minor">
-            <a:schemeClr val="dk1"/>
-          </a:fontRef>
-        </p:style>
-        <p:txBody>
-          <a:bodyPr lIns="124733" tIns="62367" rIns="124733" bIns="62367" rtlCol="0" anchor="ctr"/>
-          <a:lstStyle/>
-          <a:p>
-            <a:pPr algn="ctr"/>
-            <a:r>
-              <a:rPr lang="ru-RU" sz="800" dirty="0"/>
-              <a:t>Забрать территории </a:t>
-            </a:r>
-            <a:r>
-              <a:rPr lang="en-US" sz="800" dirty="0"/>
-              <a:t>Mozambique Company</a:t>
-            </a:r>
-            <a:r>
-              <a:rPr lang="ru-RU" sz="800" dirty="0"/>
-              <a:t> </a:t>
-            </a:r>
-            <a:r>
-              <a:rPr lang="ru-RU" sz="400" dirty="0"/>
-              <a:t>(июль 1942)</a:t>
-            </a:r>
-            <a:endParaRPr lang="ru-RU" sz="200" dirty="0"/>
-          </a:p>
-        </p:txBody>
-      </p:sp>
-      <p:cxnSp>
-        <p:nvCxnSpPr>
-          <p:cNvPr id="360" name="Прямая со стрелкой 359"/>
-          <p:cNvCxnSpPr>
+          <p:cNvPr id="248" name="Прямая со стрелкой 247"/>
+          <p:cNvCxnSpPr>
+            <a:cxnSpLocks/>
             <a:stCxn id="333" idx="2"/>
-            <a:endCxn id="359" idx="0"/>
-          </p:cNvCxnSpPr>
-          <p:nvPr/>
-        </p:nvCxnSpPr>
-        <p:spPr>
-          <a:xfrm flipH="1">
-            <a:off x="4143671" y="13612237"/>
-            <a:ext cx="1" cy="265390"/>
-          </a:xfrm>
-          <a:prstGeom prst="straightConnector1">
-            <a:avLst/>
-          </a:prstGeom>
-          <a:ln w="19050">
-            <a:tailEnd type="arrow"/>
-          </a:ln>
-        </p:spPr>
-        <p:style>
-          <a:lnRef idx="1">
-            <a:schemeClr val="accent1"/>
-          </a:lnRef>
-          <a:fillRef idx="0">
-            <a:schemeClr val="accent1"/>
-          </a:fillRef>
-          <a:effectRef idx="0">
-            <a:schemeClr val="accent1"/>
-          </a:effectRef>
-          <a:fontRef idx="minor">
-            <a:schemeClr val="tx1"/>
-          </a:fontRef>
-        </p:style>
-      </p:cxnSp>
-      <p:sp>
-        <p:nvSpPr>
-          <p:cNvPr id="363" name="Прямоугольник 362"/>
-          <p:cNvSpPr/>
-          <p:nvPr/>
-        </p:nvSpPr>
-        <p:spPr>
-          <a:xfrm>
-            <a:off x="4722099" y="13877627"/>
-            <a:ext cx="926325" cy="540000"/>
-          </a:xfrm>
-          <a:prstGeom prst="rect">
-            <a:avLst/>
-          </a:prstGeom>
-          <a:ln w="19050"/>
-        </p:spPr>
-        <p:style>
-          <a:lnRef idx="2">
-            <a:schemeClr val="accent1"/>
-          </a:lnRef>
-          <a:fillRef idx="1">
-            <a:schemeClr val="lt1"/>
-          </a:fillRef>
-          <a:effectRef idx="0">
-            <a:schemeClr val="accent1"/>
-          </a:effectRef>
-          <a:fontRef idx="minor">
-            <a:schemeClr val="dk1"/>
-          </a:fontRef>
-        </p:style>
-        <p:txBody>
-          <a:bodyPr lIns="124733" tIns="62367" rIns="124733" bIns="62367" rtlCol="0" anchor="ctr"/>
-          <a:lstStyle/>
-          <a:p>
-            <a:pPr algn="ctr"/>
-            <a:r>
-              <a:rPr lang="ru-RU" sz="800" dirty="0"/>
-              <a:t>Вернуть управление Мозамбиком кампаниям </a:t>
-            </a:r>
-            <a:r>
-              <a:rPr lang="ru-RU" sz="500" dirty="0"/>
-              <a:t>(только для монархии)</a:t>
-            </a:r>
-            <a:endParaRPr lang="ru-RU" sz="200" dirty="0"/>
-          </a:p>
-        </p:txBody>
-      </p:sp>
-      <p:sp>
-        <p:nvSpPr>
-          <p:cNvPr id="364" name="Прямоугольник 363"/>
-          <p:cNvSpPr/>
-          <p:nvPr/>
-        </p:nvSpPr>
-        <p:spPr>
-          <a:xfrm>
-            <a:off x="4722099" y="14718123"/>
-            <a:ext cx="926325" cy="540000"/>
-          </a:xfrm>
-          <a:prstGeom prst="rect">
-            <a:avLst/>
-          </a:prstGeom>
-          <a:ln w="19050"/>
-        </p:spPr>
-        <p:style>
-          <a:lnRef idx="2">
-            <a:schemeClr val="accent1"/>
-          </a:lnRef>
-          <a:fillRef idx="1">
-            <a:schemeClr val="lt1"/>
-          </a:fillRef>
-          <a:effectRef idx="0">
-            <a:schemeClr val="accent1"/>
-          </a:effectRef>
-          <a:fontRef idx="minor">
-            <a:schemeClr val="dk1"/>
-          </a:fontRef>
-        </p:style>
-        <p:txBody>
-          <a:bodyPr lIns="124733" tIns="62367" rIns="124733" bIns="62367" rtlCol="0" anchor="ctr"/>
-          <a:lstStyle/>
-          <a:p>
-            <a:pPr algn="ctr"/>
-            <a:r>
-              <a:rPr lang="ru-RU" sz="900" dirty="0"/>
-              <a:t>Восстановить </a:t>
-            </a:r>
-            <a:r>
-              <a:rPr lang="en-US" sz="900" dirty="0" err="1"/>
-              <a:t>Niassa</a:t>
-            </a:r>
-            <a:r>
-              <a:rPr lang="en-US" sz="900" dirty="0"/>
-              <a:t> Company</a:t>
-            </a:r>
-            <a:r>
-              <a:rPr lang="ru-RU" sz="900" dirty="0"/>
-              <a:t> </a:t>
-            </a:r>
-            <a:r>
-              <a:rPr lang="ru-RU" sz="500" dirty="0"/>
-              <a:t>(королевская кампания, только для монархии)</a:t>
-            </a:r>
-          </a:p>
-        </p:txBody>
-      </p:sp>
-      <p:cxnSp>
-        <p:nvCxnSpPr>
-          <p:cNvPr id="365" name="Соединительная линия уступом 364"/>
-          <p:cNvCxnSpPr>
-            <a:stCxn id="333" idx="2"/>
-            <a:endCxn id="363" idx="0"/>
-          </p:cNvCxnSpPr>
-          <p:nvPr/>
-        </p:nvCxnSpPr>
-        <p:spPr>
-          <a:xfrm rot="16200000" flipH="1">
-            <a:off x="4531772" y="13224137"/>
-            <a:ext cx="265390" cy="1041590"/>
-          </a:xfrm>
-          <a:prstGeom prst="bentConnector3">
-            <a:avLst>
-              <a:gd name="adj1" fmla="val 50000"/>
-            </a:avLst>
-          </a:prstGeom>
-          <a:ln w="19050">
-            <a:tailEnd type="arrow"/>
-          </a:ln>
-        </p:spPr>
-        <p:style>
-          <a:lnRef idx="1">
-            <a:schemeClr val="accent1"/>
-          </a:lnRef>
-          <a:fillRef idx="0">
-            <a:schemeClr val="accent1"/>
-          </a:fillRef>
-          <a:effectRef idx="0">
-            <a:schemeClr val="accent1"/>
-          </a:effectRef>
-          <a:fontRef idx="minor">
-            <a:schemeClr val="tx1"/>
-          </a:fontRef>
-        </p:style>
-      </p:cxnSp>
-      <p:cxnSp>
-        <p:nvCxnSpPr>
-          <p:cNvPr id="368" name="Прямая со стрелкой 367"/>
-          <p:cNvCxnSpPr>
-            <a:stCxn id="363" idx="2"/>
-            <a:endCxn id="364" idx="0"/>
-          </p:cNvCxnSpPr>
-          <p:nvPr/>
-        </p:nvCxnSpPr>
-        <p:spPr>
-          <a:xfrm>
-            <a:off x="5185262" y="14417627"/>
-            <a:ext cx="0" cy="300496"/>
-          </a:xfrm>
-          <a:prstGeom prst="straightConnector1">
-            <a:avLst/>
-          </a:prstGeom>
-          <a:ln w="19050">
-            <a:tailEnd type="arrow"/>
-          </a:ln>
-        </p:spPr>
-        <p:style>
-          <a:lnRef idx="1">
-            <a:schemeClr val="accent1"/>
-          </a:lnRef>
-          <a:fillRef idx="0">
-            <a:schemeClr val="accent1"/>
-          </a:fillRef>
-          <a:effectRef idx="0">
-            <a:schemeClr val="accent1"/>
-          </a:effectRef>
-          <a:fontRef idx="minor">
-            <a:schemeClr val="tx1"/>
-          </a:fontRef>
-        </p:style>
-      </p:cxnSp>
-      <p:sp>
-        <p:nvSpPr>
-          <p:cNvPr id="217" name="Прямоугольник 216"/>
-          <p:cNvSpPr/>
-          <p:nvPr/>
-        </p:nvSpPr>
-        <p:spPr>
-          <a:xfrm>
-            <a:off x="7381996" y="14729886"/>
-            <a:ext cx="926325" cy="540000"/>
-          </a:xfrm>
-          <a:prstGeom prst="rect">
-            <a:avLst/>
-          </a:prstGeom>
-          <a:ln w="19050"/>
-        </p:spPr>
-        <p:style>
-          <a:lnRef idx="2">
-            <a:schemeClr val="accent1"/>
-          </a:lnRef>
-          <a:fillRef idx="1">
-            <a:schemeClr val="lt1"/>
-          </a:fillRef>
-          <a:effectRef idx="0">
-            <a:schemeClr val="accent1"/>
-          </a:effectRef>
-          <a:fontRef idx="minor">
-            <a:schemeClr val="dk1"/>
-          </a:fontRef>
-        </p:style>
-        <p:txBody>
-          <a:bodyPr lIns="124733" tIns="62367" rIns="124733" bIns="62367" rtlCol="0" anchor="ctr"/>
-          <a:lstStyle/>
-          <a:p>
-            <a:pPr algn="ctr"/>
-            <a:r>
-              <a:rPr lang="ru-RU" sz="800" dirty="0"/>
-              <a:t>Приступить к восстановлению сельского хозяйства</a:t>
-            </a:r>
-            <a:endParaRPr lang="ru-RU" sz="300" dirty="0"/>
-          </a:p>
-        </p:txBody>
-      </p:sp>
-      <p:sp>
-        <p:nvSpPr>
-          <p:cNvPr id="229" name="Прямоугольник 228"/>
-          <p:cNvSpPr/>
-          <p:nvPr/>
-        </p:nvSpPr>
-        <p:spPr>
-          <a:xfrm>
-            <a:off x="14829819" y="14720753"/>
-            <a:ext cx="926325" cy="540000"/>
-          </a:xfrm>
-          <a:prstGeom prst="rect">
-            <a:avLst/>
-          </a:prstGeom>
-          <a:ln w="19050"/>
-        </p:spPr>
-        <p:style>
-          <a:lnRef idx="2">
-            <a:schemeClr val="accent1"/>
-          </a:lnRef>
-          <a:fillRef idx="1">
-            <a:schemeClr val="lt1"/>
-          </a:fillRef>
-          <a:effectRef idx="0">
-            <a:schemeClr val="accent1"/>
-          </a:effectRef>
-          <a:fontRef idx="minor">
-            <a:schemeClr val="dk1"/>
-          </a:fontRef>
-        </p:style>
-        <p:txBody>
-          <a:bodyPr lIns="124733" tIns="62367" rIns="124733" bIns="62367" rtlCol="0" anchor="ctr"/>
-          <a:lstStyle/>
-          <a:p>
-            <a:pPr algn="ctr"/>
-            <a:r>
-              <a:rPr lang="ru-RU" sz="700" dirty="0"/>
-              <a:t>Разработка Ангольского марганца</a:t>
-            </a:r>
-          </a:p>
-        </p:txBody>
-      </p:sp>
-      <p:cxnSp>
-        <p:nvCxnSpPr>
-          <p:cNvPr id="230" name="Соединительная линия уступом 229"/>
-          <p:cNvCxnSpPr>
-            <a:stCxn id="35" idx="2"/>
-            <a:endCxn id="229" idx="0"/>
-          </p:cNvCxnSpPr>
-          <p:nvPr/>
-        </p:nvCxnSpPr>
-        <p:spPr>
-          <a:xfrm rot="16200000" flipH="1">
-            <a:off x="14883261" y="14311031"/>
-            <a:ext cx="291187" cy="528256"/>
-          </a:xfrm>
-          <a:prstGeom prst="bentConnector3">
-            <a:avLst>
-              <a:gd name="adj1" fmla="val 50000"/>
-            </a:avLst>
-          </a:prstGeom>
-          <a:ln w="19050">
-            <a:tailEnd type="arrow"/>
-          </a:ln>
-        </p:spPr>
-        <p:style>
-          <a:lnRef idx="1">
-            <a:schemeClr val="accent1"/>
-          </a:lnRef>
-          <a:fillRef idx="0">
-            <a:schemeClr val="accent1"/>
-          </a:fillRef>
-          <a:effectRef idx="0">
-            <a:schemeClr val="accent1"/>
-          </a:effectRef>
-          <a:fontRef idx="minor">
-            <a:schemeClr val="tx1"/>
-          </a:fontRef>
-        </p:style>
-      </p:cxnSp>
-      <p:sp>
-        <p:nvSpPr>
-          <p:cNvPr id="233" name="Прямоугольник 232"/>
-          <p:cNvSpPr/>
-          <p:nvPr/>
-        </p:nvSpPr>
-        <p:spPr>
-          <a:xfrm>
-            <a:off x="1527184" y="12291235"/>
-            <a:ext cx="926325" cy="540000"/>
-          </a:xfrm>
-          <a:prstGeom prst="rect">
-            <a:avLst/>
-          </a:prstGeom>
-          <a:ln w="19050"/>
-        </p:spPr>
-        <p:style>
-          <a:lnRef idx="2">
-            <a:schemeClr val="accent1"/>
-          </a:lnRef>
-          <a:fillRef idx="1">
-            <a:schemeClr val="lt1"/>
-          </a:fillRef>
-          <a:effectRef idx="0">
-            <a:schemeClr val="accent1"/>
-          </a:effectRef>
-          <a:fontRef idx="minor">
-            <a:schemeClr val="dk1"/>
-          </a:fontRef>
-        </p:style>
-        <p:txBody>
-          <a:bodyPr lIns="124733" tIns="62367" rIns="124733" bIns="62367" rtlCol="0" anchor="ctr"/>
-          <a:lstStyle/>
-          <a:p>
-            <a:pPr algn="ctr"/>
-            <a:r>
-              <a:rPr lang="ru-RU" sz="700" dirty="0"/>
-              <a:t>Разработка угля в Мозамбике</a:t>
-            </a:r>
-          </a:p>
-        </p:txBody>
-      </p:sp>
-      <p:cxnSp>
-        <p:nvCxnSpPr>
-          <p:cNvPr id="234" name="Соединительная линия уступом 233"/>
-          <p:cNvCxnSpPr>
-            <a:stCxn id="113" idx="2"/>
-            <a:endCxn id="233" idx="0"/>
-          </p:cNvCxnSpPr>
-          <p:nvPr/>
-        </p:nvCxnSpPr>
-        <p:spPr>
-          <a:xfrm rot="5400000">
-            <a:off x="2955268" y="11102828"/>
-            <a:ext cx="223486" cy="2153328"/>
-          </a:xfrm>
-          <a:prstGeom prst="bentConnector3">
-            <a:avLst>
-              <a:gd name="adj1" fmla="val 50000"/>
-            </a:avLst>
-          </a:prstGeom>
-          <a:ln w="19050">
-            <a:tailEnd type="arrow"/>
-          </a:ln>
-        </p:spPr>
-        <p:style>
-          <a:lnRef idx="1">
-            <a:schemeClr val="accent1"/>
-          </a:lnRef>
-          <a:fillRef idx="0">
-            <a:schemeClr val="accent1"/>
-          </a:fillRef>
-          <a:effectRef idx="0">
-            <a:schemeClr val="accent1"/>
-          </a:effectRef>
-          <a:fontRef idx="minor">
-            <a:schemeClr val="tx1"/>
-          </a:fontRef>
-        </p:style>
-      </p:cxnSp>
-      <p:sp>
-        <p:nvSpPr>
-          <p:cNvPr id="236" name="Прямоугольник 235"/>
-          <p:cNvSpPr/>
-          <p:nvPr/>
-        </p:nvSpPr>
-        <p:spPr>
-          <a:xfrm>
-            <a:off x="3680513" y="14718123"/>
-            <a:ext cx="926325" cy="540000"/>
-          </a:xfrm>
-          <a:prstGeom prst="rect">
-            <a:avLst/>
-          </a:prstGeom>
-          <a:ln w="19050">
-            <a:solidFill>
-              <a:srgbClr val="00B050"/>
-            </a:solidFill>
-          </a:ln>
-        </p:spPr>
-        <p:style>
-          <a:lnRef idx="2">
-            <a:schemeClr val="accent1"/>
-          </a:lnRef>
-          <a:fillRef idx="1">
-            <a:schemeClr val="lt1"/>
-          </a:fillRef>
-          <a:effectRef idx="0">
-            <a:schemeClr val="accent1"/>
-          </a:effectRef>
-          <a:fontRef idx="minor">
-            <a:schemeClr val="dk1"/>
-          </a:fontRef>
-        </p:style>
-        <p:txBody>
-          <a:bodyPr lIns="124733" tIns="62367" rIns="124733" bIns="62367" rtlCol="0" anchor="ctr"/>
-          <a:lstStyle/>
-          <a:p>
-            <a:pPr algn="ctr"/>
-            <a:r>
-              <a:rPr lang="ru-RU" sz="800" dirty="0"/>
-              <a:t>Вернуть территории </a:t>
-            </a:r>
-            <a:r>
-              <a:rPr lang="en-US" sz="800" dirty="0"/>
-              <a:t>Mozambique Company</a:t>
-            </a:r>
-            <a:endParaRPr lang="ru-RU" sz="200" dirty="0"/>
-          </a:p>
-        </p:txBody>
-      </p:sp>
-      <p:sp>
-        <p:nvSpPr>
-          <p:cNvPr id="244" name="Прямоугольник 243"/>
-          <p:cNvSpPr/>
-          <p:nvPr/>
-        </p:nvSpPr>
-        <p:spPr>
-          <a:xfrm>
-            <a:off x="4722099" y="15526702"/>
-            <a:ext cx="926325" cy="540000"/>
-          </a:xfrm>
-          <a:prstGeom prst="rect">
-            <a:avLst/>
-          </a:prstGeom>
-          <a:ln w="19050"/>
-        </p:spPr>
-        <p:style>
-          <a:lnRef idx="2">
-            <a:schemeClr val="accent1"/>
-          </a:lnRef>
-          <a:fillRef idx="1">
-            <a:schemeClr val="lt1"/>
-          </a:fillRef>
-          <a:effectRef idx="0">
-            <a:schemeClr val="accent1"/>
-          </a:effectRef>
-          <a:fontRef idx="minor">
-            <a:schemeClr val="dk1"/>
-          </a:fontRef>
-        </p:style>
-        <p:txBody>
-          <a:bodyPr lIns="124733" tIns="62367" rIns="124733" bIns="62367" rtlCol="0" anchor="ctr"/>
-          <a:lstStyle/>
-          <a:p>
-            <a:pPr algn="ctr"/>
-            <a:r>
-              <a:rPr lang="ru-RU" sz="800" dirty="0"/>
-              <a:t>Железная дорога </a:t>
-            </a:r>
-            <a:r>
-              <a:rPr lang="ru-RU" sz="800" dirty="0" err="1"/>
-              <a:t>Амелия</a:t>
-            </a:r>
-            <a:r>
-              <a:rPr lang="ru-RU" sz="800" dirty="0"/>
-              <a:t> - Ньяса</a:t>
-            </a:r>
-          </a:p>
-        </p:txBody>
-      </p:sp>
-      <p:cxnSp>
-        <p:nvCxnSpPr>
-          <p:cNvPr id="247" name="Соединительная линия уступом 246"/>
-          <p:cNvCxnSpPr>
-            <a:stCxn id="363" idx="2"/>
             <a:endCxn id="236" idx="0"/>
           </p:cNvCxnSpPr>
           <p:nvPr/>
         </p:nvCxnSpPr>
         <p:spPr>
-          <a:xfrm rot="5400000">
-            <a:off x="4514221" y="14047082"/>
-            <a:ext cx="300496" cy="1041586"/>
-          </a:xfrm>
-          <a:prstGeom prst="bentConnector3">
-            <a:avLst>
-              <a:gd name="adj1" fmla="val 50000"/>
-            </a:avLst>
-          </a:prstGeom>
-          <a:ln w="19050">
-            <a:tailEnd type="arrow"/>
-          </a:ln>
-        </p:spPr>
-        <p:style>
-          <a:lnRef idx="1">
-            <a:schemeClr val="accent1"/>
-          </a:lnRef>
-          <a:fillRef idx="0">
-            <a:schemeClr val="accent1"/>
-          </a:fillRef>
-          <a:effectRef idx="0">
-            <a:schemeClr val="accent1"/>
-          </a:effectRef>
-          <a:fontRef idx="minor">
-            <a:schemeClr val="tx1"/>
-          </a:fontRef>
-        </p:style>
-      </p:cxnSp>
-      <p:cxnSp>
-        <p:nvCxnSpPr>
-          <p:cNvPr id="248" name="Прямая со стрелкой 247"/>
-          <p:cNvCxnSpPr>
-            <a:stCxn id="359" idx="2"/>
-            <a:endCxn id="236" idx="0"/>
-          </p:cNvCxnSpPr>
-          <p:nvPr/>
-        </p:nvCxnSpPr>
-        <p:spPr>
-          <a:xfrm>
-            <a:off x="4143671" y="14417627"/>
-            <a:ext cx="5" cy="300496"/>
+          <a:xfrm>
+            <a:off x="4142551" y="14412662"/>
+            <a:ext cx="1125" cy="305461"/>
           </a:xfrm>
           <a:prstGeom prst="straightConnector1">
             <a:avLst/>
@@ -10893,15 +10448,16 @@
         <p:nvCxnSpPr>
           <p:cNvPr id="252" name="Соединительная линия уступом 251"/>
           <p:cNvCxnSpPr>
-            <a:stCxn id="127" idx="2"/>
+            <a:cxnSpLocks/>
+            <a:stCxn id="125" idx="2"/>
             <a:endCxn id="132" idx="0"/>
           </p:cNvCxnSpPr>
           <p:nvPr/>
         </p:nvCxnSpPr>
         <p:spPr>
           <a:xfrm rot="5400000">
-            <a:off x="6693394" y="12443827"/>
-            <a:ext cx="217282" cy="1046777"/>
+            <a:off x="6671103" y="11674658"/>
+            <a:ext cx="264162" cy="1036200"/>
           </a:xfrm>
           <a:prstGeom prst="bentConnector3">
             <a:avLst>
@@ -17007,43 +16563,6 @@
           </a:p>
         </p:txBody>
       </p:sp>
-      <p:cxnSp>
-        <p:nvCxnSpPr>
-          <p:cNvPr id="472" name="Прямая со стрелкой 471"/>
-          <p:cNvCxnSpPr>
-            <a:cxnSpLocks/>
-            <a:stCxn id="226" idx="2"/>
-            <a:endCxn id="274" idx="0"/>
-          </p:cNvCxnSpPr>
-          <p:nvPr/>
-        </p:nvCxnSpPr>
-        <p:spPr>
-          <a:xfrm flipH="1">
-            <a:off x="10504186" y="13635916"/>
-            <a:ext cx="154" cy="248177"/>
-          </a:xfrm>
-          <a:prstGeom prst="straightConnector1">
-            <a:avLst/>
-          </a:prstGeom>
-          <a:ln w="19050">
-            <a:tailEnd type="arrow"/>
-          </a:ln>
-        </p:spPr>
-        <p:style>
-          <a:lnRef idx="1">
-            <a:schemeClr val="accent1"/>
-          </a:lnRef>
-          <a:fillRef idx="0">
-            <a:schemeClr val="accent1"/>
-          </a:fillRef>
-          <a:effectRef idx="0">
-            <a:schemeClr val="accent1"/>
-          </a:effectRef>
-          <a:fontRef idx="minor">
-            <a:schemeClr val="tx1"/>
-          </a:fontRef>
-        </p:style>
-      </p:cxnSp>
       <p:sp>
         <p:nvSpPr>
           <p:cNvPr id="477" name="Прямоугольник 476"/>
@@ -26707,7 +26226,7 @@
         </p:nvSpPr>
         <p:spPr>
           <a:xfrm>
-            <a:off x="713994" y="6840317"/>
+            <a:off x="1178007" y="6840906"/>
             <a:ext cx="926325" cy="540000"/>
           </a:xfrm>
           <a:prstGeom prst="rect">
@@ -26830,7 +26349,7 @@
         </p:nvSpPr>
         <p:spPr>
           <a:xfrm>
-            <a:off x="1210825" y="5303659"/>
+            <a:off x="1172725" y="5303659"/>
             <a:ext cx="926325" cy="540000"/>
           </a:xfrm>
           <a:prstGeom prst="rect">
@@ -27017,7 +26536,7 @@
         </p:nvSpPr>
         <p:spPr>
           <a:xfrm>
-            <a:off x="1698550" y="6841574"/>
+            <a:off x="2193705" y="6092207"/>
             <a:ext cx="926325" cy="540000"/>
           </a:xfrm>
           <a:prstGeom prst="rect">
@@ -27064,7 +26583,7 @@
         </p:nvSpPr>
         <p:spPr>
           <a:xfrm>
-            <a:off x="710409" y="6092957"/>
+            <a:off x="1174422" y="6093546"/>
             <a:ext cx="926325" cy="540000"/>
           </a:xfrm>
           <a:prstGeom prst="rect">
@@ -27302,7 +26821,7 @@
         </p:nvSpPr>
         <p:spPr>
           <a:xfrm>
-            <a:off x="2197503" y="6092957"/>
+            <a:off x="3233769" y="6093443"/>
             <a:ext cx="926325" cy="540000"/>
           </a:xfrm>
           <a:prstGeom prst="rect">
@@ -27403,44 +26922,6 @@
       </p:sp>
       <p:cxnSp>
         <p:nvCxnSpPr>
-          <p:cNvPr id="741" name="Прямая соединительная линия 740"/>
-          <p:cNvCxnSpPr>
-            <a:stCxn id="738" idx="3"/>
-            <a:endCxn id="808" idx="1"/>
-          </p:cNvCxnSpPr>
-          <p:nvPr/>
-        </p:nvCxnSpPr>
-        <p:spPr>
-          <a:xfrm>
-            <a:off x="3123828" y="6362957"/>
-            <a:ext cx="102381" cy="477"/>
-          </a:xfrm>
-          <a:prstGeom prst="line">
-            <a:avLst/>
-          </a:prstGeom>
-          <a:ln w="19050">
-            <a:solidFill>
-              <a:srgbClr val="FF0000"/>
-            </a:solidFill>
-          </a:ln>
-        </p:spPr>
-        <p:style>
-          <a:lnRef idx="1">
-            <a:schemeClr val="accent1"/>
-          </a:lnRef>
-          <a:fillRef idx="0">
-            <a:schemeClr val="accent1"/>
-          </a:fillRef>
-          <a:effectRef idx="0">
-            <a:schemeClr val="accent1"/>
-          </a:effectRef>
-          <a:fontRef idx="minor">
-            <a:schemeClr val="tx1"/>
-          </a:fontRef>
-        </p:style>
-      </p:cxnSp>
-      <p:cxnSp>
-        <p:nvCxnSpPr>
           <p:cNvPr id="745" name="Соединительная линия уступом 744"/>
           <p:cNvCxnSpPr>
             <a:stCxn id="700" idx="2"/>
@@ -27564,8 +27045,8 @@
         </p:nvCxnSpPr>
         <p:spPr>
           <a:xfrm rot="5400000">
-            <a:off x="2788365" y="3888512"/>
-            <a:ext cx="300770" cy="2529524"/>
+            <a:off x="2769315" y="3869462"/>
+            <a:ext cx="300770" cy="2567624"/>
           </a:xfrm>
           <a:prstGeom prst="bentConnector3">
             <a:avLst>
@@ -27715,9 +27196,9 @@
           <p:nvPr/>
         </p:nvCxnSpPr>
         <p:spPr>
-          <a:xfrm rot="5400000">
-            <a:off x="1299131" y="5718100"/>
-            <a:ext cx="249298" cy="500416"/>
+          <a:xfrm rot="16200000" flipH="1">
+            <a:off x="1511793" y="5967753"/>
+            <a:ext cx="249887" cy="1697"/>
           </a:xfrm>
           <a:prstGeom prst="bentConnector3">
             <a:avLst>
@@ -27754,12 +27235,12 @@
         </p:nvCxnSpPr>
         <p:spPr>
           <a:xfrm rot="16200000" flipH="1">
-            <a:off x="1418893" y="6098753"/>
-            <a:ext cx="997915" cy="487725"/>
+            <a:off x="2022104" y="5457443"/>
+            <a:ext cx="248548" cy="1020980"/>
           </a:xfrm>
           <a:prstGeom prst="bentConnector3">
             <a:avLst>
-              <a:gd name="adj1" fmla="val 12615"/>
+              <a:gd name="adj1" fmla="val 50000"/>
             </a:avLst>
           </a:prstGeom>
           <a:ln w="19050">
@@ -27843,8 +27324,8 @@
         </p:nvCxnSpPr>
         <p:spPr>
           <a:xfrm rot="5400000">
-            <a:off x="3564436" y="4934423"/>
-            <a:ext cx="254765" cy="2062303"/>
+            <a:off x="4082326" y="5452799"/>
+            <a:ext cx="255251" cy="1026037"/>
           </a:xfrm>
           <a:prstGeom prst="bentConnector3">
             <a:avLst>
@@ -27914,15 +27395,16 @@
         <p:nvCxnSpPr>
           <p:cNvPr id="786" name="Соединительная линия уступом 785"/>
           <p:cNvCxnSpPr>
+            <a:cxnSpLocks/>
             <a:stCxn id="725" idx="2"/>
             <a:endCxn id="738" idx="0"/>
           </p:cNvCxnSpPr>
           <p:nvPr/>
         </p:nvCxnSpPr>
         <p:spPr>
-          <a:xfrm rot="5400000">
-            <a:off x="3045051" y="5453807"/>
-            <a:ext cx="254765" cy="1023534"/>
+          <a:xfrm rot="16200000" flipH="1">
+            <a:off x="3562941" y="5959451"/>
+            <a:ext cx="255251" cy="12732"/>
           </a:xfrm>
           <a:prstGeom prst="bentConnector3">
             <a:avLst>
@@ -28046,7 +27528,7 @@
         </p:nvCxnSpPr>
         <p:spPr>
           <a:xfrm>
-            <a:off x="1173572" y="6632957"/>
+            <a:off x="1637585" y="6633546"/>
             <a:ext cx="3585" cy="207360"/>
           </a:xfrm>
           <a:prstGeom prst="straightConnector1">
@@ -28161,24 +27643,201 @@
           </a:p>
         </p:txBody>
       </p:sp>
-      <p:sp>
-        <p:nvSpPr>
-          <p:cNvPr id="808" name="Прямоугольник 807"/>
+      <p:cxnSp>
+        <p:nvCxnSpPr>
+          <p:cNvPr id="810" name="Прямая соединительная линия 809"/>
+          <p:cNvCxnSpPr>
+            <a:stCxn id="690" idx="3"/>
+            <a:endCxn id="739" idx="1"/>
+          </p:cNvCxnSpPr>
+          <p:nvPr/>
+        </p:nvCxnSpPr>
+        <p:spPr>
+          <a:xfrm>
+            <a:off x="5190137" y="6362207"/>
+            <a:ext cx="89889" cy="1554"/>
+          </a:xfrm>
+          <a:prstGeom prst="line">
+            <a:avLst/>
+          </a:prstGeom>
+          <a:ln w="19050">
+            <a:solidFill>
+              <a:srgbClr val="FF0000"/>
+            </a:solidFill>
+          </a:ln>
+        </p:spPr>
+        <p:style>
+          <a:lnRef idx="1">
+            <a:schemeClr val="accent1"/>
+          </a:lnRef>
+          <a:fillRef idx="0">
+            <a:schemeClr val="accent1"/>
+          </a:fillRef>
+          <a:effectRef idx="0">
+            <a:schemeClr val="accent1"/>
+          </a:effectRef>
+          <a:fontRef idx="minor">
+            <a:schemeClr val="tx1"/>
+          </a:fontRef>
+        </p:style>
+      </p:cxnSp>
+      <p:sp>
+        <p:nvSpPr>
+          <p:cNvPr id="828" name="Прямоугольник 827"/>
           <p:cNvSpPr/>
           <p:nvPr/>
         </p:nvSpPr>
         <p:spPr>
           <a:xfrm>
-            <a:off x="3226209" y="6093434"/>
+            <a:off x="7351263" y="9181486"/>
             <a:ext cx="926325" cy="540000"/>
           </a:xfrm>
           <a:prstGeom prst="rect">
             <a:avLst/>
           </a:prstGeom>
+          <a:noFill/>
+          <a:ln w="19050"/>
+        </p:spPr>
+        <p:style>
+          <a:lnRef idx="2">
+            <a:schemeClr val="accent1"/>
+          </a:lnRef>
+          <a:fillRef idx="1">
+            <a:schemeClr val="lt1"/>
+          </a:fillRef>
+          <a:effectRef idx="0">
+            <a:schemeClr val="accent1"/>
+          </a:effectRef>
+          <a:fontRef idx="minor">
+            <a:schemeClr val="dk1"/>
+          </a:fontRef>
+        </p:style>
+        <p:txBody>
+          <a:bodyPr lIns="124733" tIns="62367" rIns="124733" bIns="62367" rtlCol="0" anchor="ctr"/>
+          <a:lstStyle/>
+          <a:p>
+            <a:pPr algn="ctr"/>
+            <a:r>
+              <a:rPr lang="ru-RU" sz="700" dirty="0"/>
+              <a:t>Вернуть Ост-Индию (ваниль)</a:t>
+            </a:r>
+          </a:p>
+        </p:txBody>
+      </p:sp>
+      <p:sp>
+        <p:nvSpPr>
+          <p:cNvPr id="829" name="Прямоугольник 828"/>
+          <p:cNvSpPr/>
+          <p:nvPr/>
+        </p:nvSpPr>
+        <p:spPr>
+          <a:xfrm>
+            <a:off x="6286738" y="9884345"/>
+            <a:ext cx="926325" cy="540000"/>
+          </a:xfrm>
+          <a:prstGeom prst="rect">
+            <a:avLst/>
+          </a:prstGeom>
+          <a:noFill/>
+          <a:ln w="19050"/>
+        </p:spPr>
+        <p:style>
+          <a:lnRef idx="2">
+            <a:schemeClr val="accent1"/>
+          </a:lnRef>
+          <a:fillRef idx="1">
+            <a:schemeClr val="lt1"/>
+          </a:fillRef>
+          <a:effectRef idx="0">
+            <a:schemeClr val="accent1"/>
+          </a:effectRef>
+          <a:fontRef idx="minor">
+            <a:schemeClr val="dk1"/>
+          </a:fontRef>
+        </p:style>
+        <p:txBody>
+          <a:bodyPr lIns="124733" tIns="62367" rIns="124733" bIns="62367" rtlCol="0" anchor="ctr"/>
+          <a:lstStyle/>
+          <a:p>
+            <a:pPr algn="ctr"/>
+            <a:r>
+              <a:rPr lang="ru-RU" sz="700" dirty="0"/>
+              <a:t>Вернуть владение чайными плантациями (аннексия против </a:t>
+            </a:r>
+            <a:r>
+              <a:rPr lang="ru-RU" sz="700" dirty="0" err="1"/>
+              <a:t>цейлона</a:t>
+            </a:r>
+            <a:r>
+              <a:rPr lang="ru-RU" sz="700" dirty="0"/>
+              <a:t>)</a:t>
+            </a:r>
+          </a:p>
+        </p:txBody>
+      </p:sp>
+      <p:sp>
+        <p:nvSpPr>
+          <p:cNvPr id="830" name="Прямоугольник 829"/>
+          <p:cNvSpPr/>
+          <p:nvPr/>
+        </p:nvSpPr>
+        <p:spPr>
+          <a:xfrm>
+            <a:off x="9520585" y="9170113"/>
+            <a:ext cx="926325" cy="540000"/>
+          </a:xfrm>
+          <a:prstGeom prst="rect">
+            <a:avLst/>
+          </a:prstGeom>
+          <a:noFill/>
+          <a:ln w="19050">
+            <a:solidFill>
+              <a:srgbClr val="00B050"/>
+            </a:solidFill>
+          </a:ln>
+        </p:spPr>
+        <p:style>
+          <a:lnRef idx="2">
+            <a:schemeClr val="accent1"/>
+          </a:lnRef>
+          <a:fillRef idx="1">
+            <a:schemeClr val="lt1"/>
+          </a:fillRef>
+          <a:effectRef idx="0">
+            <a:schemeClr val="accent1"/>
+          </a:effectRef>
+          <a:fontRef idx="minor">
+            <a:schemeClr val="dk1"/>
+          </a:fontRef>
+        </p:style>
+        <p:txBody>
+          <a:bodyPr lIns="124733" tIns="62367" rIns="124733" bIns="62367" rtlCol="0" anchor="ctr"/>
+          <a:lstStyle/>
+          <a:p>
+            <a:pPr algn="ctr"/>
+            <a:r>
+              <a:rPr lang="ru-RU" sz="700" dirty="0"/>
+              <a:t>Вернуть финиковые сады Омана</a:t>
+            </a:r>
+          </a:p>
+        </p:txBody>
+      </p:sp>
+      <p:sp>
+        <p:nvSpPr>
+          <p:cNvPr id="835" name="Прямоугольник 834"/>
+          <p:cNvSpPr/>
+          <p:nvPr/>
+        </p:nvSpPr>
+        <p:spPr>
+          <a:xfrm>
+            <a:off x="10550680" y="8377700"/>
+            <a:ext cx="926325" cy="540000"/>
+          </a:xfrm>
+          <a:prstGeom prst="rect">
+            <a:avLst/>
+          </a:prstGeom>
           <a:solidFill>
-            <a:schemeClr val="accent2">
-              <a:lumMod val="75000"/>
-            </a:schemeClr>
+            <a:srgbClr val="7030A0"/>
           </a:solidFill>
           <a:ln w="19050">
             <a:solidFill>
@@ -28207,62 +27866,24 @@
             <a:pPr algn="ctr"/>
             <a:r>
               <a:rPr lang="ru-RU" sz="700" dirty="0"/>
-              <a:t>Присоединиться к Италии</a:t>
-            </a:r>
-          </a:p>
-        </p:txBody>
-      </p:sp>
-      <p:cxnSp>
-        <p:nvCxnSpPr>
-          <p:cNvPr id="810" name="Прямая соединительная линия 809"/>
-          <p:cNvCxnSpPr>
-            <a:stCxn id="690" idx="3"/>
-            <a:endCxn id="739" idx="1"/>
-          </p:cNvCxnSpPr>
-          <p:nvPr/>
-        </p:nvCxnSpPr>
-        <p:spPr>
-          <a:xfrm>
-            <a:off x="5190137" y="6362207"/>
-            <a:ext cx="89889" cy="1554"/>
-          </a:xfrm>
-          <a:prstGeom prst="line">
-            <a:avLst/>
-          </a:prstGeom>
-          <a:ln w="19050">
-            <a:solidFill>
-              <a:srgbClr val="FF0000"/>
-            </a:solidFill>
-          </a:ln>
-        </p:spPr>
-        <p:style>
-          <a:lnRef idx="1">
-            <a:schemeClr val="accent1"/>
-          </a:lnRef>
-          <a:fillRef idx="0">
-            <a:schemeClr val="accent1"/>
-          </a:fillRef>
-          <a:effectRef idx="0">
-            <a:schemeClr val="accent1"/>
-          </a:effectRef>
-          <a:fontRef idx="minor">
-            <a:schemeClr val="tx1"/>
-          </a:fontRef>
-        </p:style>
-      </p:cxnSp>
-      <p:cxnSp>
-        <p:nvCxnSpPr>
-          <p:cNvPr id="813" name="Соединительная линия уступом 812"/>
-          <p:cNvCxnSpPr>
-            <a:stCxn id="808" idx="2"/>
-            <a:endCxn id="779" idx="0"/>
+              <a:t>Пятая империя (ваниль)</a:t>
+            </a:r>
+          </a:p>
+        </p:txBody>
+      </p:sp>
+      <p:cxnSp>
+        <p:nvCxnSpPr>
+          <p:cNvPr id="843" name="Соединительная линия уступом 842"/>
+          <p:cNvCxnSpPr>
+            <a:stCxn id="716" idx="2"/>
+            <a:endCxn id="792" idx="0"/>
           </p:cNvCxnSpPr>
           <p:nvPr/>
         </p:nvCxnSpPr>
         <p:spPr>
           <a:xfrm rot="16200000" flipH="1">
-            <a:off x="4098507" y="6224298"/>
-            <a:ext cx="211503" cy="1029773"/>
+            <a:off x="6917930" y="6485929"/>
+            <a:ext cx="230487" cy="524798"/>
           </a:xfrm>
           <a:prstGeom prst="bentConnector3">
             <a:avLst>
@@ -28291,17 +27912,95 @@
       </p:cxnSp>
       <p:cxnSp>
         <p:nvCxnSpPr>
-          <p:cNvPr id="816" name="Соединительная линия уступом 815"/>
-          <p:cNvCxnSpPr>
-            <a:stCxn id="808" idx="2"/>
-            <a:endCxn id="736" idx="0"/>
+          <p:cNvPr id="852" name="Соединительная линия уступом 851"/>
+          <p:cNvCxnSpPr>
+            <a:stCxn id="736" idx="2"/>
+            <a:endCxn id="805" idx="0"/>
+          </p:cNvCxnSpPr>
+          <p:nvPr/>
+        </p:nvCxnSpPr>
+        <p:spPr>
+          <a:xfrm rot="16200000" flipH="1">
+            <a:off x="5254204" y="5813842"/>
+            <a:ext cx="989127" cy="4126767"/>
+          </a:xfrm>
+          <a:prstGeom prst="bentConnector3">
+            <a:avLst>
+              <a:gd name="adj1" fmla="val 10064"/>
+            </a:avLst>
+          </a:prstGeom>
+          <a:ln w="19050">
+            <a:prstDash val="sysDash"/>
+            <a:tailEnd type="arrow"/>
+          </a:ln>
+        </p:spPr>
+        <p:style>
+          <a:lnRef idx="1">
+            <a:schemeClr val="accent1"/>
+          </a:lnRef>
+          <a:fillRef idx="0">
+            <a:schemeClr val="accent1"/>
+          </a:fillRef>
+          <a:effectRef idx="0">
+            <a:schemeClr val="accent1"/>
+          </a:effectRef>
+          <a:fontRef idx="minor">
+            <a:schemeClr val="tx1"/>
+          </a:fontRef>
+        </p:style>
+      </p:cxnSp>
+      <p:cxnSp>
+        <p:nvCxnSpPr>
+          <p:cNvPr id="855" name="Соединительная линия уступом 854"/>
+          <p:cNvCxnSpPr>
+            <a:stCxn id="779" idx="2"/>
+            <a:endCxn id="805" idx="0"/>
+          </p:cNvCxnSpPr>
+          <p:nvPr/>
+        </p:nvCxnSpPr>
+        <p:spPr>
+          <a:xfrm rot="16200000" flipH="1">
+            <a:off x="5772222" y="6331860"/>
+            <a:ext cx="986853" cy="3093006"/>
+          </a:xfrm>
+          <a:prstGeom prst="bentConnector3">
+            <a:avLst>
+              <a:gd name="adj1" fmla="val 9972"/>
+            </a:avLst>
+          </a:prstGeom>
+          <a:ln w="19050">
+            <a:prstDash val="sysDash"/>
+            <a:tailEnd type="arrow"/>
+          </a:ln>
+        </p:spPr>
+        <p:style>
+          <a:lnRef idx="1">
+            <a:schemeClr val="accent1"/>
+          </a:lnRef>
+          <a:fillRef idx="0">
+            <a:schemeClr val="accent1"/>
+          </a:fillRef>
+          <a:effectRef idx="0">
+            <a:schemeClr val="accent1"/>
+          </a:effectRef>
+          <a:fontRef idx="minor">
+            <a:schemeClr val="tx1"/>
+          </a:fontRef>
+        </p:style>
+      </p:cxnSp>
+      <p:cxnSp>
+        <p:nvCxnSpPr>
+          <p:cNvPr id="860" name="Соединительная линия уступом 859"/>
+          <p:cNvCxnSpPr>
+            <a:stCxn id="739" idx="2"/>
+            <a:endCxn id="779" idx="0"/>
           </p:cNvCxnSpPr>
           <p:nvPr/>
         </p:nvCxnSpPr>
         <p:spPr>
           <a:xfrm rot="5400000">
-            <a:off x="3582764" y="6736054"/>
-            <a:ext cx="209229" cy="3988"/>
+            <a:off x="5125579" y="6227327"/>
+            <a:ext cx="211176" cy="1024044"/>
           </a:xfrm>
           <a:prstGeom prst="bentConnector3">
             <a:avLst>
@@ -28309,228 +28008,37 @@
             </a:avLst>
           </a:prstGeom>
           <a:ln w="19050">
-            <a:prstDash val="sysDash"/>
-            <a:tailEnd type="arrow"/>
-          </a:ln>
-        </p:spPr>
-        <p:style>
-          <a:lnRef idx="1">
-            <a:schemeClr val="accent1"/>
-          </a:lnRef>
-          <a:fillRef idx="0">
-            <a:schemeClr val="accent1"/>
-          </a:fillRef>
-          <a:effectRef idx="0">
-            <a:schemeClr val="accent1"/>
-          </a:effectRef>
-          <a:fontRef idx="minor">
-            <a:schemeClr val="tx1"/>
-          </a:fontRef>
-        </p:style>
-      </p:cxnSp>
-      <p:sp>
-        <p:nvSpPr>
-          <p:cNvPr id="828" name="Прямоугольник 827"/>
-          <p:cNvSpPr/>
-          <p:nvPr/>
-        </p:nvSpPr>
-        <p:spPr>
-          <a:xfrm>
-            <a:off x="7351263" y="9181486"/>
-            <a:ext cx="926325" cy="540000"/>
-          </a:xfrm>
-          <a:prstGeom prst="rect">
-            <a:avLst/>
-          </a:prstGeom>
-          <a:noFill/>
-          <a:ln w="19050"/>
-        </p:spPr>
-        <p:style>
-          <a:lnRef idx="2">
-            <a:schemeClr val="accent1"/>
-          </a:lnRef>
-          <a:fillRef idx="1">
-            <a:schemeClr val="lt1"/>
-          </a:fillRef>
-          <a:effectRef idx="0">
-            <a:schemeClr val="accent1"/>
-          </a:effectRef>
-          <a:fontRef idx="minor">
-            <a:schemeClr val="dk1"/>
-          </a:fontRef>
-        </p:style>
-        <p:txBody>
-          <a:bodyPr lIns="124733" tIns="62367" rIns="124733" bIns="62367" rtlCol="0" anchor="ctr"/>
-          <a:lstStyle/>
-          <a:p>
-            <a:pPr algn="ctr"/>
-            <a:r>
-              <a:rPr lang="ru-RU" sz="700" dirty="0"/>
-              <a:t>Вернуть Ост-Индию (ваниль)</a:t>
-            </a:r>
-          </a:p>
-        </p:txBody>
-      </p:sp>
-      <p:sp>
-        <p:nvSpPr>
-          <p:cNvPr id="829" name="Прямоугольник 828"/>
-          <p:cNvSpPr/>
-          <p:nvPr/>
-        </p:nvSpPr>
-        <p:spPr>
-          <a:xfrm>
-            <a:off x="6286738" y="9884345"/>
-            <a:ext cx="926325" cy="540000"/>
-          </a:xfrm>
-          <a:prstGeom prst="rect">
-            <a:avLst/>
-          </a:prstGeom>
-          <a:noFill/>
-          <a:ln w="19050"/>
-        </p:spPr>
-        <p:style>
-          <a:lnRef idx="2">
-            <a:schemeClr val="accent1"/>
-          </a:lnRef>
-          <a:fillRef idx="1">
-            <a:schemeClr val="lt1"/>
-          </a:fillRef>
-          <a:effectRef idx="0">
-            <a:schemeClr val="accent1"/>
-          </a:effectRef>
-          <a:fontRef idx="minor">
-            <a:schemeClr val="dk1"/>
-          </a:fontRef>
-        </p:style>
-        <p:txBody>
-          <a:bodyPr lIns="124733" tIns="62367" rIns="124733" bIns="62367" rtlCol="0" anchor="ctr"/>
-          <a:lstStyle/>
-          <a:p>
-            <a:pPr algn="ctr"/>
-            <a:r>
-              <a:rPr lang="ru-RU" sz="700" dirty="0"/>
-              <a:t>Вернуть владение чайными плантациями (аннексия против </a:t>
-            </a:r>
-            <a:r>
-              <a:rPr lang="ru-RU" sz="700" dirty="0" err="1"/>
-              <a:t>цейлона</a:t>
-            </a:r>
-            <a:r>
-              <a:rPr lang="ru-RU" sz="700" dirty="0"/>
-              <a:t>)</a:t>
-            </a:r>
-          </a:p>
-        </p:txBody>
-      </p:sp>
-      <p:sp>
-        <p:nvSpPr>
-          <p:cNvPr id="830" name="Прямоугольник 829"/>
-          <p:cNvSpPr/>
-          <p:nvPr/>
-        </p:nvSpPr>
-        <p:spPr>
-          <a:xfrm>
-            <a:off x="9520585" y="9170113"/>
-            <a:ext cx="926325" cy="540000"/>
-          </a:xfrm>
-          <a:prstGeom prst="rect">
-            <a:avLst/>
-          </a:prstGeom>
-          <a:noFill/>
-          <a:ln w="19050">
-            <a:solidFill>
-              <a:srgbClr val="00B050"/>
-            </a:solidFill>
-          </a:ln>
-        </p:spPr>
-        <p:style>
-          <a:lnRef idx="2">
-            <a:schemeClr val="accent1"/>
-          </a:lnRef>
-          <a:fillRef idx="1">
-            <a:schemeClr val="lt1"/>
-          </a:fillRef>
-          <a:effectRef idx="0">
-            <a:schemeClr val="accent1"/>
-          </a:effectRef>
-          <a:fontRef idx="minor">
-            <a:schemeClr val="dk1"/>
-          </a:fontRef>
-        </p:style>
-        <p:txBody>
-          <a:bodyPr lIns="124733" tIns="62367" rIns="124733" bIns="62367" rtlCol="0" anchor="ctr"/>
-          <a:lstStyle/>
-          <a:p>
-            <a:pPr algn="ctr"/>
-            <a:r>
-              <a:rPr lang="ru-RU" sz="700" dirty="0"/>
-              <a:t>Вернуть финиковые сады Омана</a:t>
-            </a:r>
-          </a:p>
-        </p:txBody>
-      </p:sp>
-      <p:sp>
-        <p:nvSpPr>
-          <p:cNvPr id="835" name="Прямоугольник 834"/>
-          <p:cNvSpPr/>
-          <p:nvPr/>
-        </p:nvSpPr>
-        <p:spPr>
-          <a:xfrm>
-            <a:off x="10550680" y="8377700"/>
-            <a:ext cx="926325" cy="540000"/>
-          </a:xfrm>
-          <a:prstGeom prst="rect">
-            <a:avLst/>
-          </a:prstGeom>
-          <a:solidFill>
-            <a:srgbClr val="7030A0"/>
-          </a:solidFill>
-          <a:ln w="19050">
-            <a:solidFill>
-              <a:srgbClr val="FFFF00"/>
-            </a:solidFill>
-          </a:ln>
-        </p:spPr>
-        <p:style>
-          <a:lnRef idx="2">
-            <a:schemeClr val="accent1"/>
-          </a:lnRef>
-          <a:fillRef idx="1">
-            <a:schemeClr val="lt1"/>
-          </a:fillRef>
-          <a:effectRef idx="0">
-            <a:schemeClr val="accent1"/>
-          </a:effectRef>
-          <a:fontRef idx="minor">
-            <a:schemeClr val="dk1"/>
-          </a:fontRef>
-        </p:style>
-        <p:txBody>
-          <a:bodyPr lIns="124733" tIns="62367" rIns="124733" bIns="62367" rtlCol="0" anchor="ctr"/>
-          <a:lstStyle/>
-          <a:p>
-            <a:pPr algn="ctr"/>
-            <a:r>
-              <a:rPr lang="ru-RU" sz="700" dirty="0"/>
-              <a:t>Пятая империя (ваниль)</a:t>
-            </a:r>
-          </a:p>
-        </p:txBody>
-      </p:sp>
-      <p:cxnSp>
-        <p:nvCxnSpPr>
-          <p:cNvPr id="843" name="Соединительная линия уступом 842"/>
-          <p:cNvCxnSpPr>
-            <a:stCxn id="716" idx="2"/>
-            <a:endCxn id="792" idx="0"/>
-          </p:cNvCxnSpPr>
-          <p:nvPr/>
-        </p:nvCxnSpPr>
-        <p:spPr>
-          <a:xfrm rot="16200000" flipH="1">
-            <a:off x="6917930" y="6485929"/>
-            <a:ext cx="230487" cy="524798"/>
+            <a:tailEnd type="arrow"/>
+          </a:ln>
+        </p:spPr>
+        <p:style>
+          <a:lnRef idx="1">
+            <a:schemeClr val="accent1"/>
+          </a:lnRef>
+          <a:fillRef idx="0">
+            <a:schemeClr val="accent1"/>
+          </a:fillRef>
+          <a:effectRef idx="0">
+            <a:schemeClr val="accent1"/>
+          </a:effectRef>
+          <a:fontRef idx="minor">
+            <a:schemeClr val="tx1"/>
+          </a:fontRef>
+        </p:style>
+      </p:cxnSp>
+      <p:cxnSp>
+        <p:nvCxnSpPr>
+          <p:cNvPr id="863" name="Соединительная линия уступом 862"/>
+          <p:cNvCxnSpPr>
+            <a:stCxn id="738" idx="2"/>
+            <a:endCxn id="736" idx="0"/>
+          </p:cNvCxnSpPr>
+          <p:nvPr/>
+        </p:nvCxnSpPr>
+        <p:spPr>
+          <a:xfrm rot="5400000">
+            <a:off x="3586548" y="6732279"/>
+            <a:ext cx="209220" cy="11548"/>
           </a:xfrm>
           <a:prstGeom prst="bentConnector3">
             <a:avLst>
@@ -28538,116 +28046,261 @@
             </a:avLst>
           </a:prstGeom>
           <a:ln w="19050">
-            <a:prstDash val="sysDash"/>
-            <a:tailEnd type="arrow"/>
-          </a:ln>
-        </p:spPr>
-        <p:style>
-          <a:lnRef idx="1">
-            <a:schemeClr val="accent1"/>
-          </a:lnRef>
-          <a:fillRef idx="0">
-            <a:schemeClr val="accent1"/>
-          </a:fillRef>
-          <a:effectRef idx="0">
-            <a:schemeClr val="accent1"/>
-          </a:effectRef>
-          <a:fontRef idx="minor">
-            <a:schemeClr val="tx1"/>
-          </a:fontRef>
-        </p:style>
-      </p:cxnSp>
-      <p:cxnSp>
-        <p:nvCxnSpPr>
-          <p:cNvPr id="852" name="Соединительная линия уступом 851"/>
-          <p:cNvCxnSpPr>
-            <a:stCxn id="736" idx="2"/>
-            <a:endCxn id="805" idx="0"/>
+            <a:tailEnd type="arrow"/>
+          </a:ln>
+        </p:spPr>
+        <p:style>
+          <a:lnRef idx="1">
+            <a:schemeClr val="accent1"/>
+          </a:lnRef>
+          <a:fillRef idx="0">
+            <a:schemeClr val="accent1"/>
+          </a:fillRef>
+          <a:effectRef idx="0">
+            <a:schemeClr val="accent1"/>
+          </a:effectRef>
+          <a:fontRef idx="minor">
+            <a:schemeClr val="tx1"/>
+          </a:fontRef>
+        </p:style>
+      </p:cxnSp>
+      <p:sp>
+        <p:nvSpPr>
+          <p:cNvPr id="866" name="Прямоугольник 865"/>
+          <p:cNvSpPr/>
+          <p:nvPr/>
+        </p:nvSpPr>
+        <p:spPr>
+          <a:xfrm>
+            <a:off x="8452183" y="9872972"/>
+            <a:ext cx="926325" cy="540000"/>
+          </a:xfrm>
+          <a:prstGeom prst="rect">
+            <a:avLst/>
+          </a:prstGeom>
+          <a:noFill/>
+          <a:ln w="19050"/>
+        </p:spPr>
+        <p:style>
+          <a:lnRef idx="2">
+            <a:schemeClr val="accent1"/>
+          </a:lnRef>
+          <a:fillRef idx="1">
+            <a:schemeClr val="lt1"/>
+          </a:fillRef>
+          <a:effectRef idx="0">
+            <a:schemeClr val="accent1"/>
+          </a:effectRef>
+          <a:fontRef idx="minor">
+            <a:schemeClr val="dk1"/>
+          </a:fontRef>
+        </p:style>
+        <p:txBody>
+          <a:bodyPr lIns="124733" tIns="62367" rIns="124733" bIns="62367" rtlCol="0" anchor="ctr"/>
+          <a:lstStyle/>
+          <a:p>
+            <a:pPr algn="ctr"/>
+            <a:r>
+              <a:rPr lang="ru-RU" sz="700" dirty="0"/>
+              <a:t>Вернуть Парагвай</a:t>
+            </a:r>
+          </a:p>
+        </p:txBody>
+      </p:sp>
+      <p:sp>
+        <p:nvSpPr>
+          <p:cNvPr id="867" name="Прямоугольник 866"/>
+          <p:cNvSpPr/>
+          <p:nvPr/>
+        </p:nvSpPr>
+        <p:spPr>
+          <a:xfrm>
+            <a:off x="7353538" y="9872973"/>
+            <a:ext cx="926325" cy="540000"/>
+          </a:xfrm>
+          <a:prstGeom prst="rect">
+            <a:avLst/>
+          </a:prstGeom>
+          <a:noFill/>
+          <a:ln w="19050"/>
+        </p:spPr>
+        <p:style>
+          <a:lnRef idx="2">
+            <a:schemeClr val="accent1"/>
+          </a:lnRef>
+          <a:fillRef idx="1">
+            <a:schemeClr val="lt1"/>
+          </a:fillRef>
+          <a:effectRef idx="0">
+            <a:schemeClr val="accent1"/>
+          </a:effectRef>
+          <a:fontRef idx="minor">
+            <a:schemeClr val="dk1"/>
+          </a:fontRef>
+        </p:style>
+        <p:txBody>
+          <a:bodyPr lIns="124733" tIns="62367" rIns="124733" bIns="62367" rtlCol="0" anchor="ctr"/>
+          <a:lstStyle/>
+          <a:p>
+            <a:pPr algn="ctr"/>
+            <a:r>
+              <a:rPr lang="ru-RU" sz="700" dirty="0"/>
+              <a:t>Расширить территорию в Китае (ваниль)</a:t>
+            </a:r>
+          </a:p>
+        </p:txBody>
+      </p:sp>
+      <p:sp>
+        <p:nvSpPr>
+          <p:cNvPr id="868" name="Прямоугольник 867"/>
+          <p:cNvSpPr/>
+          <p:nvPr/>
+        </p:nvSpPr>
+        <p:spPr>
+          <a:xfrm>
+            <a:off x="7355812" y="10550813"/>
+            <a:ext cx="926325" cy="540000"/>
+          </a:xfrm>
+          <a:prstGeom prst="rect">
+            <a:avLst/>
+          </a:prstGeom>
+          <a:noFill/>
+          <a:ln w="19050"/>
+        </p:spPr>
+        <p:style>
+          <a:lnRef idx="2">
+            <a:schemeClr val="accent1"/>
+          </a:lnRef>
+          <a:fillRef idx="1">
+            <a:schemeClr val="lt1"/>
+          </a:fillRef>
+          <a:effectRef idx="0">
+            <a:schemeClr val="accent1"/>
+          </a:effectRef>
+          <a:fontRef idx="minor">
+            <a:schemeClr val="dk1"/>
+          </a:fontRef>
+        </p:style>
+        <p:txBody>
+          <a:bodyPr lIns="124733" tIns="62367" rIns="124733" bIns="62367" rtlCol="0" anchor="ctr"/>
+          <a:lstStyle/>
+          <a:p>
+            <a:pPr algn="ctr"/>
+            <a:r>
+              <a:rPr lang="ru-RU" sz="700" dirty="0"/>
+              <a:t>Разделаться с Японской угрозой (ваниль)</a:t>
+            </a:r>
+          </a:p>
+        </p:txBody>
+      </p:sp>
+      <p:sp>
+        <p:nvSpPr>
+          <p:cNvPr id="869" name="Прямоугольник 868"/>
+          <p:cNvSpPr/>
+          <p:nvPr/>
+        </p:nvSpPr>
+        <p:spPr>
+          <a:xfrm>
+            <a:off x="6282189" y="9170113"/>
+            <a:ext cx="926325" cy="540000"/>
+          </a:xfrm>
+          <a:prstGeom prst="rect">
+            <a:avLst/>
+          </a:prstGeom>
+          <a:noFill/>
+          <a:ln w="19050"/>
+        </p:spPr>
+        <p:style>
+          <a:lnRef idx="2">
+            <a:schemeClr val="accent1"/>
+          </a:lnRef>
+          <a:fillRef idx="1">
+            <a:schemeClr val="lt1"/>
+          </a:fillRef>
+          <a:effectRef idx="0">
+            <a:schemeClr val="accent1"/>
+          </a:effectRef>
+          <a:fontRef idx="minor">
+            <a:schemeClr val="dk1"/>
+          </a:fontRef>
+        </p:style>
+        <p:txBody>
+          <a:bodyPr lIns="124733" tIns="62367" rIns="124733" bIns="62367" rtlCol="0" anchor="ctr"/>
+          <a:lstStyle/>
+          <a:p>
+            <a:pPr algn="ctr"/>
+            <a:r>
+              <a:rPr lang="ru-RU" sz="700" dirty="0"/>
+              <a:t>Сделать Индию своей (ваниль)</a:t>
+            </a:r>
+          </a:p>
+        </p:txBody>
+      </p:sp>
+      <p:sp>
+        <p:nvSpPr>
+          <p:cNvPr id="870" name="Прямоугольник 869"/>
+          <p:cNvSpPr/>
+          <p:nvPr/>
+        </p:nvSpPr>
+        <p:spPr>
+          <a:xfrm>
+            <a:off x="5219938" y="9172387"/>
+            <a:ext cx="926325" cy="540000"/>
+          </a:xfrm>
+          <a:prstGeom prst="rect">
+            <a:avLst/>
+          </a:prstGeom>
+          <a:noFill/>
+          <a:ln w="19050">
+            <a:solidFill>
+              <a:srgbClr val="00B050"/>
+            </a:solidFill>
+          </a:ln>
+        </p:spPr>
+        <p:style>
+          <a:lnRef idx="2">
+            <a:schemeClr val="accent1"/>
+          </a:lnRef>
+          <a:fillRef idx="1">
+            <a:schemeClr val="lt1"/>
+          </a:fillRef>
+          <a:effectRef idx="0">
+            <a:schemeClr val="accent1"/>
+          </a:effectRef>
+          <a:fontRef idx="minor">
+            <a:schemeClr val="dk1"/>
+          </a:fontRef>
+        </p:style>
+        <p:txBody>
+          <a:bodyPr lIns="124733" tIns="62367" rIns="124733" bIns="62367" rtlCol="0" anchor="ctr"/>
+          <a:lstStyle/>
+          <a:p>
+            <a:pPr algn="ctr"/>
+            <a:r>
+              <a:rPr lang="ru-RU" sz="700" dirty="0"/>
+              <a:t>Вернуть Португальское </a:t>
+            </a:r>
+            <a:r>
+              <a:rPr lang="ru-RU" sz="700" dirty="0" err="1"/>
+              <a:t>Морокко</a:t>
+            </a:r>
+            <a:endParaRPr lang="ru-RU" sz="700" dirty="0"/>
+          </a:p>
+        </p:txBody>
+      </p:sp>
+      <p:cxnSp>
+        <p:nvCxnSpPr>
+          <p:cNvPr id="871" name="Соединительная линия уступом 870"/>
+          <p:cNvCxnSpPr>
+            <a:stCxn id="700" idx="2"/>
+            <a:endCxn id="650" idx="0"/>
           </p:cNvCxnSpPr>
           <p:nvPr/>
         </p:nvCxnSpPr>
         <p:spPr>
           <a:xfrm rot="16200000" flipH="1">
-            <a:off x="5254204" y="5813842"/>
-            <a:ext cx="989127" cy="4126767"/>
-          </a:xfrm>
-          <a:prstGeom prst="bentConnector3">
-            <a:avLst>
-              <a:gd name="adj1" fmla="val 10064"/>
-            </a:avLst>
-          </a:prstGeom>
-          <a:ln w="19050">
-            <a:prstDash val="sysDash"/>
-            <a:tailEnd type="arrow"/>
-          </a:ln>
-        </p:spPr>
-        <p:style>
-          <a:lnRef idx="1">
-            <a:schemeClr val="accent1"/>
-          </a:lnRef>
-          <a:fillRef idx="0">
-            <a:schemeClr val="accent1"/>
-          </a:fillRef>
-          <a:effectRef idx="0">
-            <a:schemeClr val="accent1"/>
-          </a:effectRef>
-          <a:fontRef idx="minor">
-            <a:schemeClr val="tx1"/>
-          </a:fontRef>
-        </p:style>
-      </p:cxnSp>
-      <p:cxnSp>
-        <p:nvCxnSpPr>
-          <p:cNvPr id="855" name="Соединительная линия уступом 854"/>
-          <p:cNvCxnSpPr>
-            <a:stCxn id="779" idx="2"/>
-            <a:endCxn id="805" idx="0"/>
-          </p:cNvCxnSpPr>
-          <p:nvPr/>
-        </p:nvCxnSpPr>
-        <p:spPr>
-          <a:xfrm rot="16200000" flipH="1">
-            <a:off x="5772222" y="6331860"/>
-            <a:ext cx="986853" cy="3093006"/>
-          </a:xfrm>
-          <a:prstGeom prst="bentConnector3">
-            <a:avLst>
-              <a:gd name="adj1" fmla="val 9972"/>
-            </a:avLst>
-          </a:prstGeom>
-          <a:ln w="19050">
-            <a:prstDash val="sysDash"/>
-            <a:tailEnd type="arrow"/>
-          </a:ln>
-        </p:spPr>
-        <p:style>
-          <a:lnRef idx="1">
-            <a:schemeClr val="accent1"/>
-          </a:lnRef>
-          <a:fillRef idx="0">
-            <a:schemeClr val="accent1"/>
-          </a:fillRef>
-          <a:effectRef idx="0">
-            <a:schemeClr val="accent1"/>
-          </a:effectRef>
-          <a:fontRef idx="minor">
-            <a:schemeClr val="tx1"/>
-          </a:fontRef>
-        </p:style>
-      </p:cxnSp>
-      <p:cxnSp>
-        <p:nvCxnSpPr>
-          <p:cNvPr id="860" name="Соединительная линия уступом 859"/>
-          <p:cNvCxnSpPr>
-            <a:stCxn id="739" idx="2"/>
-            <a:endCxn id="779" idx="0"/>
-          </p:cNvCxnSpPr>
-          <p:nvPr/>
-        </p:nvCxnSpPr>
-        <p:spPr>
-          <a:xfrm rot="5400000">
-            <a:off x="5125579" y="6227327"/>
-            <a:ext cx="211176" cy="1024044"/>
+            <a:off x="5866192" y="3340208"/>
+            <a:ext cx="288051" cy="3613411"/>
           </a:xfrm>
           <a:prstGeom prst="bentConnector3">
             <a:avLst>
@@ -28655,37 +28308,38 @@
             </a:avLst>
           </a:prstGeom>
           <a:ln w="19050">
-            <a:tailEnd type="arrow"/>
-          </a:ln>
-        </p:spPr>
-        <p:style>
-          <a:lnRef idx="1">
-            <a:schemeClr val="accent1"/>
-          </a:lnRef>
-          <a:fillRef idx="0">
-            <a:schemeClr val="accent1"/>
-          </a:fillRef>
-          <a:effectRef idx="0">
-            <a:schemeClr val="accent1"/>
-          </a:effectRef>
-          <a:fontRef idx="minor">
-            <a:schemeClr val="tx1"/>
-          </a:fontRef>
-        </p:style>
-      </p:cxnSp>
-      <p:cxnSp>
-        <p:nvCxnSpPr>
-          <p:cNvPr id="863" name="Соединительная линия уступом 862"/>
-          <p:cNvCxnSpPr>
-            <a:stCxn id="738" idx="2"/>
-            <a:endCxn id="736" idx="0"/>
-          </p:cNvCxnSpPr>
-          <p:nvPr/>
-        </p:nvCxnSpPr>
-        <p:spPr>
-          <a:xfrm rot="16200000" flipH="1">
-            <a:off x="3068172" y="6225451"/>
-            <a:ext cx="209706" cy="1024718"/>
+            <a:prstDash val="sysDash"/>
+            <a:tailEnd type="arrow"/>
+          </a:ln>
+        </p:spPr>
+        <p:style>
+          <a:lnRef idx="1">
+            <a:schemeClr val="accent1"/>
+          </a:lnRef>
+          <a:fillRef idx="0">
+            <a:schemeClr val="accent1"/>
+          </a:fillRef>
+          <a:effectRef idx="0">
+            <a:schemeClr val="accent1"/>
+          </a:effectRef>
+          <a:fontRef idx="minor">
+            <a:schemeClr val="tx1"/>
+          </a:fontRef>
+        </p:style>
+      </p:cxnSp>
+      <p:cxnSp>
+        <p:nvCxnSpPr>
+          <p:cNvPr id="874" name="Соединительная линия уступом 873"/>
+          <p:cNvCxnSpPr>
+            <a:stCxn id="646" idx="2"/>
+            <a:endCxn id="650" idx="0"/>
+          </p:cNvCxnSpPr>
+          <p:nvPr/>
+        </p:nvCxnSpPr>
+        <p:spPr>
+          <a:xfrm rot="5400000">
+            <a:off x="8999603" y="3817579"/>
+            <a:ext cx="290682" cy="2656041"/>
           </a:xfrm>
           <a:prstGeom prst="bentConnector3">
             <a:avLst>
@@ -28693,261 +28347,38 @@
             </a:avLst>
           </a:prstGeom>
           <a:ln w="19050">
-            <a:tailEnd type="arrow"/>
-          </a:ln>
-        </p:spPr>
-        <p:style>
-          <a:lnRef idx="1">
-            <a:schemeClr val="accent1"/>
-          </a:lnRef>
-          <a:fillRef idx="0">
-            <a:schemeClr val="accent1"/>
-          </a:fillRef>
-          <a:effectRef idx="0">
-            <a:schemeClr val="accent1"/>
-          </a:effectRef>
-          <a:fontRef idx="minor">
-            <a:schemeClr val="tx1"/>
-          </a:fontRef>
-        </p:style>
-      </p:cxnSp>
-      <p:sp>
-        <p:nvSpPr>
-          <p:cNvPr id="866" name="Прямоугольник 865"/>
-          <p:cNvSpPr/>
-          <p:nvPr/>
-        </p:nvSpPr>
-        <p:spPr>
-          <a:xfrm>
-            <a:off x="8452183" y="9872972"/>
-            <a:ext cx="926325" cy="540000"/>
-          </a:xfrm>
-          <a:prstGeom prst="rect">
-            <a:avLst/>
-          </a:prstGeom>
-          <a:noFill/>
-          <a:ln w="19050"/>
-        </p:spPr>
-        <p:style>
-          <a:lnRef idx="2">
-            <a:schemeClr val="accent1"/>
-          </a:lnRef>
-          <a:fillRef idx="1">
-            <a:schemeClr val="lt1"/>
-          </a:fillRef>
-          <a:effectRef idx="0">
-            <a:schemeClr val="accent1"/>
-          </a:effectRef>
-          <a:fontRef idx="minor">
-            <a:schemeClr val="dk1"/>
-          </a:fontRef>
-        </p:style>
-        <p:txBody>
-          <a:bodyPr lIns="124733" tIns="62367" rIns="124733" bIns="62367" rtlCol="0" anchor="ctr"/>
-          <a:lstStyle/>
-          <a:p>
-            <a:pPr algn="ctr"/>
-            <a:r>
-              <a:rPr lang="ru-RU" sz="700" dirty="0"/>
-              <a:t>Вернуть Парагвай</a:t>
-            </a:r>
-          </a:p>
-        </p:txBody>
-      </p:sp>
-      <p:sp>
-        <p:nvSpPr>
-          <p:cNvPr id="867" name="Прямоугольник 866"/>
-          <p:cNvSpPr/>
-          <p:nvPr/>
-        </p:nvSpPr>
-        <p:spPr>
-          <a:xfrm>
-            <a:off x="7353538" y="9872973"/>
-            <a:ext cx="926325" cy="540000"/>
-          </a:xfrm>
-          <a:prstGeom prst="rect">
-            <a:avLst/>
-          </a:prstGeom>
-          <a:noFill/>
-          <a:ln w="19050"/>
-        </p:spPr>
-        <p:style>
-          <a:lnRef idx="2">
-            <a:schemeClr val="accent1"/>
-          </a:lnRef>
-          <a:fillRef idx="1">
-            <a:schemeClr val="lt1"/>
-          </a:fillRef>
-          <a:effectRef idx="0">
-            <a:schemeClr val="accent1"/>
-          </a:effectRef>
-          <a:fontRef idx="minor">
-            <a:schemeClr val="dk1"/>
-          </a:fontRef>
-        </p:style>
-        <p:txBody>
-          <a:bodyPr lIns="124733" tIns="62367" rIns="124733" bIns="62367" rtlCol="0" anchor="ctr"/>
-          <a:lstStyle/>
-          <a:p>
-            <a:pPr algn="ctr"/>
-            <a:r>
-              <a:rPr lang="ru-RU" sz="700" dirty="0"/>
-              <a:t>Расширить территорию в Китае (ваниль)</a:t>
-            </a:r>
-          </a:p>
-        </p:txBody>
-      </p:sp>
-      <p:sp>
-        <p:nvSpPr>
-          <p:cNvPr id="868" name="Прямоугольник 867"/>
-          <p:cNvSpPr/>
-          <p:nvPr/>
-        </p:nvSpPr>
-        <p:spPr>
-          <a:xfrm>
-            <a:off x="7355812" y="10550813"/>
-            <a:ext cx="926325" cy="540000"/>
-          </a:xfrm>
-          <a:prstGeom prst="rect">
-            <a:avLst/>
-          </a:prstGeom>
-          <a:noFill/>
-          <a:ln w="19050"/>
-        </p:spPr>
-        <p:style>
-          <a:lnRef idx="2">
-            <a:schemeClr val="accent1"/>
-          </a:lnRef>
-          <a:fillRef idx="1">
-            <a:schemeClr val="lt1"/>
-          </a:fillRef>
-          <a:effectRef idx="0">
-            <a:schemeClr val="accent1"/>
-          </a:effectRef>
-          <a:fontRef idx="minor">
-            <a:schemeClr val="dk1"/>
-          </a:fontRef>
-        </p:style>
-        <p:txBody>
-          <a:bodyPr lIns="124733" tIns="62367" rIns="124733" bIns="62367" rtlCol="0" anchor="ctr"/>
-          <a:lstStyle/>
-          <a:p>
-            <a:pPr algn="ctr"/>
-            <a:r>
-              <a:rPr lang="ru-RU" sz="700" dirty="0"/>
-              <a:t>Разделаться с Японской угрозой (ваниль)</a:t>
-            </a:r>
-          </a:p>
-        </p:txBody>
-      </p:sp>
-      <p:sp>
-        <p:nvSpPr>
-          <p:cNvPr id="869" name="Прямоугольник 868"/>
-          <p:cNvSpPr/>
-          <p:nvPr/>
-        </p:nvSpPr>
-        <p:spPr>
-          <a:xfrm>
-            <a:off x="6282189" y="9170113"/>
-            <a:ext cx="926325" cy="540000"/>
-          </a:xfrm>
-          <a:prstGeom prst="rect">
-            <a:avLst/>
-          </a:prstGeom>
-          <a:noFill/>
-          <a:ln w="19050"/>
-        </p:spPr>
-        <p:style>
-          <a:lnRef idx="2">
-            <a:schemeClr val="accent1"/>
-          </a:lnRef>
-          <a:fillRef idx="1">
-            <a:schemeClr val="lt1"/>
-          </a:fillRef>
-          <a:effectRef idx="0">
-            <a:schemeClr val="accent1"/>
-          </a:effectRef>
-          <a:fontRef idx="minor">
-            <a:schemeClr val="dk1"/>
-          </a:fontRef>
-        </p:style>
-        <p:txBody>
-          <a:bodyPr lIns="124733" tIns="62367" rIns="124733" bIns="62367" rtlCol="0" anchor="ctr"/>
-          <a:lstStyle/>
-          <a:p>
-            <a:pPr algn="ctr"/>
-            <a:r>
-              <a:rPr lang="ru-RU" sz="700" dirty="0"/>
-              <a:t>Сделать Индию своей (ваниль)</a:t>
-            </a:r>
-          </a:p>
-        </p:txBody>
-      </p:sp>
-      <p:sp>
-        <p:nvSpPr>
-          <p:cNvPr id="870" name="Прямоугольник 869"/>
-          <p:cNvSpPr/>
-          <p:nvPr/>
-        </p:nvSpPr>
-        <p:spPr>
-          <a:xfrm>
-            <a:off x="5219938" y="9172387"/>
-            <a:ext cx="926325" cy="540000"/>
-          </a:xfrm>
-          <a:prstGeom prst="rect">
-            <a:avLst/>
-          </a:prstGeom>
-          <a:noFill/>
-          <a:ln w="19050">
-            <a:solidFill>
-              <a:srgbClr val="00B050"/>
-            </a:solidFill>
-          </a:ln>
-        </p:spPr>
-        <p:style>
-          <a:lnRef idx="2">
-            <a:schemeClr val="accent1"/>
-          </a:lnRef>
-          <a:fillRef idx="1">
-            <a:schemeClr val="lt1"/>
-          </a:fillRef>
-          <a:effectRef idx="0">
-            <a:schemeClr val="accent1"/>
-          </a:effectRef>
-          <a:fontRef idx="minor">
-            <a:schemeClr val="dk1"/>
-          </a:fontRef>
-        </p:style>
-        <p:txBody>
-          <a:bodyPr lIns="124733" tIns="62367" rIns="124733" bIns="62367" rtlCol="0" anchor="ctr"/>
-          <a:lstStyle/>
-          <a:p>
-            <a:pPr algn="ctr"/>
-            <a:r>
-              <a:rPr lang="ru-RU" sz="700" dirty="0"/>
-              <a:t>Вернуть Португальское </a:t>
-            </a:r>
-            <a:r>
-              <a:rPr lang="ru-RU" sz="700" dirty="0" err="1"/>
-              <a:t>Морокко</a:t>
-            </a:r>
-            <a:endParaRPr lang="ru-RU" sz="700" dirty="0"/>
-          </a:p>
-        </p:txBody>
-      </p:sp>
-      <p:cxnSp>
-        <p:nvCxnSpPr>
-          <p:cNvPr id="871" name="Соединительная линия уступом 870"/>
-          <p:cNvCxnSpPr>
-            <a:stCxn id="700" idx="2"/>
-            <a:endCxn id="650" idx="0"/>
-          </p:cNvCxnSpPr>
-          <p:nvPr/>
-        </p:nvCxnSpPr>
-        <p:spPr>
-          <a:xfrm rot="16200000" flipH="1">
-            <a:off x="5866192" y="3340208"/>
-            <a:ext cx="288051" cy="3613411"/>
+            <a:prstDash val="sysDash"/>
+            <a:tailEnd type="arrow"/>
+          </a:ln>
+        </p:spPr>
+        <p:style>
+          <a:lnRef idx="1">
+            <a:schemeClr val="accent1"/>
+          </a:lnRef>
+          <a:fillRef idx="0">
+            <a:schemeClr val="accent1"/>
+          </a:fillRef>
+          <a:effectRef idx="0">
+            <a:schemeClr val="accent1"/>
+          </a:effectRef>
+          <a:fontRef idx="minor">
+            <a:schemeClr val="tx1"/>
+          </a:fontRef>
+        </p:style>
+      </p:cxnSp>
+      <p:cxnSp>
+        <p:nvCxnSpPr>
+          <p:cNvPr id="877" name="Соединительная линия уступом 876"/>
+          <p:cNvCxnSpPr>
+            <a:stCxn id="805" idx="2"/>
+            <a:endCxn id="870" idx="0"/>
+          </p:cNvCxnSpPr>
+          <p:nvPr/>
+        </p:nvCxnSpPr>
+        <p:spPr>
+          <a:xfrm rot="5400000">
+            <a:off x="6617328" y="7977563"/>
+            <a:ext cx="260597" cy="2129050"/>
           </a:xfrm>
           <a:prstGeom prst="bentConnector3">
             <a:avLst>
@@ -28955,38 +28386,37 @@
             </a:avLst>
           </a:prstGeom>
           <a:ln w="19050">
-            <a:prstDash val="sysDash"/>
-            <a:tailEnd type="arrow"/>
-          </a:ln>
-        </p:spPr>
-        <p:style>
-          <a:lnRef idx="1">
-            <a:schemeClr val="accent1"/>
-          </a:lnRef>
-          <a:fillRef idx="0">
-            <a:schemeClr val="accent1"/>
-          </a:fillRef>
-          <a:effectRef idx="0">
-            <a:schemeClr val="accent1"/>
-          </a:effectRef>
-          <a:fontRef idx="minor">
-            <a:schemeClr val="tx1"/>
-          </a:fontRef>
-        </p:style>
-      </p:cxnSp>
-      <p:cxnSp>
-        <p:nvCxnSpPr>
-          <p:cNvPr id="874" name="Соединительная линия уступом 873"/>
-          <p:cNvCxnSpPr>
-            <a:stCxn id="646" idx="2"/>
-            <a:endCxn id="650" idx="0"/>
-          </p:cNvCxnSpPr>
-          <p:nvPr/>
-        </p:nvCxnSpPr>
-        <p:spPr>
-          <a:xfrm rot="5400000">
-            <a:off x="8999603" y="3817579"/>
-            <a:ext cx="290682" cy="2656041"/>
+            <a:tailEnd type="arrow"/>
+          </a:ln>
+        </p:spPr>
+        <p:style>
+          <a:lnRef idx="1">
+            <a:schemeClr val="accent1"/>
+          </a:lnRef>
+          <a:fillRef idx="0">
+            <a:schemeClr val="accent1"/>
+          </a:fillRef>
+          <a:effectRef idx="0">
+            <a:schemeClr val="accent1"/>
+          </a:effectRef>
+          <a:fontRef idx="minor">
+            <a:schemeClr val="tx1"/>
+          </a:fontRef>
+        </p:style>
+      </p:cxnSp>
+      <p:cxnSp>
+        <p:nvCxnSpPr>
+          <p:cNvPr id="880" name="Соединительная линия уступом 879"/>
+          <p:cNvCxnSpPr>
+            <a:stCxn id="805" idx="2"/>
+            <a:endCxn id="830" idx="0"/>
+          </p:cNvCxnSpPr>
+          <p:nvPr/>
+        </p:nvCxnSpPr>
+        <p:spPr>
+          <a:xfrm rot="16200000" flipH="1">
+            <a:off x="8768788" y="7955152"/>
+            <a:ext cx="258323" cy="2171597"/>
           </a:xfrm>
           <a:prstGeom prst="bentConnector3">
             <a:avLst>
@@ -28994,38 +28424,37 @@
             </a:avLst>
           </a:prstGeom>
           <a:ln w="19050">
-            <a:prstDash val="sysDash"/>
-            <a:tailEnd type="arrow"/>
-          </a:ln>
-        </p:spPr>
-        <p:style>
-          <a:lnRef idx="1">
-            <a:schemeClr val="accent1"/>
-          </a:lnRef>
-          <a:fillRef idx="0">
-            <a:schemeClr val="accent1"/>
-          </a:fillRef>
-          <a:effectRef idx="0">
-            <a:schemeClr val="accent1"/>
-          </a:effectRef>
-          <a:fontRef idx="minor">
-            <a:schemeClr val="tx1"/>
-          </a:fontRef>
-        </p:style>
-      </p:cxnSp>
-      <p:cxnSp>
-        <p:nvCxnSpPr>
-          <p:cNvPr id="877" name="Соединительная линия уступом 876"/>
+            <a:tailEnd type="arrow"/>
+          </a:ln>
+        </p:spPr>
+        <p:style>
+          <a:lnRef idx="1">
+            <a:schemeClr val="accent1"/>
+          </a:lnRef>
+          <a:fillRef idx="0">
+            <a:schemeClr val="accent1"/>
+          </a:fillRef>
+          <a:effectRef idx="0">
+            <a:schemeClr val="accent1"/>
+          </a:effectRef>
+          <a:fontRef idx="minor">
+            <a:schemeClr val="tx1"/>
+          </a:fontRef>
+        </p:style>
+      </p:cxnSp>
+      <p:cxnSp>
+        <p:nvCxnSpPr>
+          <p:cNvPr id="883" name="Соединительная линия уступом 882"/>
           <p:cNvCxnSpPr>
             <a:stCxn id="805" idx="2"/>
-            <a:endCxn id="870" idx="0"/>
+            <a:endCxn id="869" idx="0"/>
           </p:cNvCxnSpPr>
           <p:nvPr/>
         </p:nvCxnSpPr>
         <p:spPr>
           <a:xfrm rot="5400000">
-            <a:off x="6617328" y="7977563"/>
-            <a:ext cx="260597" cy="2129050"/>
+            <a:off x="7149591" y="8507552"/>
+            <a:ext cx="258323" cy="1066799"/>
           </a:xfrm>
           <a:prstGeom prst="bentConnector3">
             <a:avLst>
@@ -29053,17 +28482,17 @@
       </p:cxnSp>
       <p:cxnSp>
         <p:nvCxnSpPr>
-          <p:cNvPr id="880" name="Соединительная линия уступом 879"/>
+          <p:cNvPr id="886" name="Соединительная линия уступом 885"/>
           <p:cNvCxnSpPr>
             <a:stCxn id="805" idx="2"/>
-            <a:endCxn id="830" idx="0"/>
+            <a:endCxn id="806" idx="0"/>
           </p:cNvCxnSpPr>
           <p:nvPr/>
         </p:nvCxnSpPr>
         <p:spPr>
           <a:xfrm rot="16200000" flipH="1">
-            <a:off x="8768788" y="7955152"/>
-            <a:ext cx="258323" cy="2171597"/>
+            <a:off x="8234587" y="8489353"/>
+            <a:ext cx="256048" cy="1100921"/>
           </a:xfrm>
           <a:prstGeom prst="bentConnector3">
             <a:avLst>
@@ -29091,17 +28520,197 @@
       </p:cxnSp>
       <p:cxnSp>
         <p:nvCxnSpPr>
-          <p:cNvPr id="883" name="Соединительная линия уступом 882"/>
+          <p:cNvPr id="889" name="Прямая со стрелкой 888"/>
           <p:cNvCxnSpPr>
             <a:stCxn id="805" idx="2"/>
-            <a:endCxn id="869" idx="0"/>
-          </p:cNvCxnSpPr>
-          <p:nvPr/>
-        </p:nvCxnSpPr>
-        <p:spPr>
-          <a:xfrm rot="5400000">
-            <a:off x="7149591" y="8507552"/>
-            <a:ext cx="258323" cy="1066799"/>
+            <a:endCxn id="828" idx="0"/>
+          </p:cNvCxnSpPr>
+          <p:nvPr/>
+        </p:nvCxnSpPr>
+        <p:spPr>
+          <a:xfrm>
+            <a:off x="7812151" y="8911790"/>
+            <a:ext cx="2275" cy="269696"/>
+          </a:xfrm>
+          <a:prstGeom prst="straightConnector1">
+            <a:avLst/>
+          </a:prstGeom>
+          <a:ln w="19050">
+            <a:tailEnd type="arrow"/>
+          </a:ln>
+        </p:spPr>
+        <p:style>
+          <a:lnRef idx="1">
+            <a:schemeClr val="accent1"/>
+          </a:lnRef>
+          <a:fillRef idx="0">
+            <a:schemeClr val="accent1"/>
+          </a:fillRef>
+          <a:effectRef idx="0">
+            <a:schemeClr val="accent1"/>
+          </a:effectRef>
+          <a:fontRef idx="minor">
+            <a:schemeClr val="tx1"/>
+          </a:fontRef>
+        </p:style>
+      </p:cxnSp>
+      <p:cxnSp>
+        <p:nvCxnSpPr>
+          <p:cNvPr id="892" name="Прямая со стрелкой 891"/>
+          <p:cNvCxnSpPr>
+            <a:stCxn id="869" idx="2"/>
+            <a:endCxn id="829" idx="0"/>
+          </p:cNvCxnSpPr>
+          <p:nvPr/>
+        </p:nvCxnSpPr>
+        <p:spPr>
+          <a:xfrm>
+            <a:off x="6745352" y="9710113"/>
+            <a:ext cx="4549" cy="174232"/>
+          </a:xfrm>
+          <a:prstGeom prst="straightConnector1">
+            <a:avLst/>
+          </a:prstGeom>
+          <a:ln w="19050">
+            <a:tailEnd type="arrow"/>
+          </a:ln>
+        </p:spPr>
+        <p:style>
+          <a:lnRef idx="1">
+            <a:schemeClr val="accent1"/>
+          </a:lnRef>
+          <a:fillRef idx="0">
+            <a:schemeClr val="accent1"/>
+          </a:fillRef>
+          <a:effectRef idx="0">
+            <a:schemeClr val="accent1"/>
+          </a:effectRef>
+          <a:fontRef idx="minor">
+            <a:schemeClr val="tx1"/>
+          </a:fontRef>
+        </p:style>
+      </p:cxnSp>
+      <p:cxnSp>
+        <p:nvCxnSpPr>
+          <p:cNvPr id="895" name="Прямая со стрелкой 894"/>
+          <p:cNvCxnSpPr>
+            <a:stCxn id="828" idx="2"/>
+            <a:endCxn id="867" idx="0"/>
+          </p:cNvCxnSpPr>
+          <p:nvPr/>
+        </p:nvCxnSpPr>
+        <p:spPr>
+          <a:xfrm>
+            <a:off x="7814426" y="9721486"/>
+            <a:ext cx="2275" cy="151487"/>
+          </a:xfrm>
+          <a:prstGeom prst="straightConnector1">
+            <a:avLst/>
+          </a:prstGeom>
+          <a:ln w="19050">
+            <a:tailEnd type="arrow"/>
+          </a:ln>
+        </p:spPr>
+        <p:style>
+          <a:lnRef idx="1">
+            <a:schemeClr val="accent1"/>
+          </a:lnRef>
+          <a:fillRef idx="0">
+            <a:schemeClr val="accent1"/>
+          </a:fillRef>
+          <a:effectRef idx="0">
+            <a:schemeClr val="accent1"/>
+          </a:effectRef>
+          <a:fontRef idx="minor">
+            <a:schemeClr val="tx1"/>
+          </a:fontRef>
+        </p:style>
+      </p:cxnSp>
+      <p:cxnSp>
+        <p:nvCxnSpPr>
+          <p:cNvPr id="898" name="Прямая со стрелкой 897"/>
+          <p:cNvCxnSpPr>
+            <a:stCxn id="806" idx="2"/>
+            <a:endCxn id="866" idx="0"/>
+          </p:cNvCxnSpPr>
+          <p:nvPr/>
+        </p:nvCxnSpPr>
+        <p:spPr>
+          <a:xfrm>
+            <a:off x="8913072" y="9707838"/>
+            <a:ext cx="2274" cy="165134"/>
+          </a:xfrm>
+          <a:prstGeom prst="straightConnector1">
+            <a:avLst/>
+          </a:prstGeom>
+          <a:ln w="19050">
+            <a:tailEnd type="arrow"/>
+          </a:ln>
+        </p:spPr>
+        <p:style>
+          <a:lnRef idx="1">
+            <a:schemeClr val="accent1"/>
+          </a:lnRef>
+          <a:fillRef idx="0">
+            <a:schemeClr val="accent1"/>
+          </a:fillRef>
+          <a:effectRef idx="0">
+            <a:schemeClr val="accent1"/>
+          </a:effectRef>
+          <a:fontRef idx="minor">
+            <a:schemeClr val="tx1"/>
+          </a:fontRef>
+        </p:style>
+      </p:cxnSp>
+      <p:cxnSp>
+        <p:nvCxnSpPr>
+          <p:cNvPr id="901" name="Прямая со стрелкой 900"/>
+          <p:cNvCxnSpPr>
+            <a:stCxn id="867" idx="2"/>
+            <a:endCxn id="868" idx="0"/>
+          </p:cNvCxnSpPr>
+          <p:nvPr/>
+        </p:nvCxnSpPr>
+        <p:spPr>
+          <a:xfrm>
+            <a:off x="7816701" y="10412973"/>
+            <a:ext cx="2274" cy="137840"/>
+          </a:xfrm>
+          <a:prstGeom prst="straightConnector1">
+            <a:avLst/>
+          </a:prstGeom>
+          <a:ln w="19050">
+            <a:tailEnd type="arrow"/>
+          </a:ln>
+        </p:spPr>
+        <p:style>
+          <a:lnRef idx="1">
+            <a:schemeClr val="accent1"/>
+          </a:lnRef>
+          <a:fillRef idx="0">
+            <a:schemeClr val="accent1"/>
+          </a:fillRef>
+          <a:effectRef idx="0">
+            <a:schemeClr val="accent1"/>
+          </a:effectRef>
+          <a:fontRef idx="minor">
+            <a:schemeClr val="tx1"/>
+          </a:fontRef>
+        </p:style>
+      </p:cxnSp>
+      <p:cxnSp>
+        <p:nvCxnSpPr>
+          <p:cNvPr id="904" name="Соединительная линия уступом 903"/>
+          <p:cNvCxnSpPr>
+            <a:stCxn id="667" idx="2"/>
+            <a:endCxn id="689" idx="0"/>
+          </p:cNvCxnSpPr>
+          <p:nvPr/>
+        </p:nvCxnSpPr>
+        <p:spPr>
+          <a:xfrm rot="16200000" flipH="1">
+            <a:off x="14900726" y="2977343"/>
+            <a:ext cx="247400" cy="2738182"/>
           </a:xfrm>
           <a:prstGeom prst="bentConnector3">
             <a:avLst>
@@ -29127,19 +28736,148 @@
           </a:fontRef>
         </p:style>
       </p:cxnSp>
-      <p:cxnSp>
-        <p:nvCxnSpPr>
-          <p:cNvPr id="886" name="Соединительная линия уступом 885"/>
-          <p:cNvCxnSpPr>
-            <a:stCxn id="805" idx="2"/>
-            <a:endCxn id="806" idx="0"/>
-          </p:cNvCxnSpPr>
-          <p:nvPr/>
-        </p:nvCxnSpPr>
-        <p:spPr>
-          <a:xfrm rot="16200000" flipH="1">
-            <a:off x="8234587" y="8489353"/>
-            <a:ext cx="256048" cy="1100921"/>
+      <p:sp>
+        <p:nvSpPr>
+          <p:cNvPr id="690" name="Прямоугольник 689"/>
+          <p:cNvSpPr/>
+          <p:nvPr/>
+        </p:nvSpPr>
+        <p:spPr>
+          <a:xfrm>
+            <a:off x="4263812" y="6092207"/>
+            <a:ext cx="926325" cy="540000"/>
+          </a:xfrm>
+          <a:prstGeom prst="rect">
+            <a:avLst/>
+          </a:prstGeom>
+          <a:solidFill>
+            <a:srgbClr val="FFC000"/>
+          </a:solidFill>
+          <a:ln w="19050"/>
+        </p:spPr>
+        <p:style>
+          <a:lnRef idx="2">
+            <a:schemeClr val="accent1"/>
+          </a:lnRef>
+          <a:fillRef idx="1">
+            <a:schemeClr val="lt1"/>
+          </a:fillRef>
+          <a:effectRef idx="0">
+            <a:schemeClr val="accent1"/>
+          </a:effectRef>
+          <a:fontRef idx="minor">
+            <a:schemeClr val="dk1"/>
+          </a:fontRef>
+        </p:style>
+        <p:txBody>
+          <a:bodyPr lIns="124733" tIns="62367" rIns="124733" bIns="62367" rtlCol="0" anchor="ctr"/>
+          <a:lstStyle/>
+          <a:p>
+            <a:pPr algn="ctr"/>
+            <a:r>
+              <a:rPr lang="ru-RU" sz="700" dirty="0"/>
+              <a:t>Торжество латинского порядка </a:t>
+            </a:r>
+            <a:r>
+              <a:rPr lang="ru-RU" sz="100" dirty="0"/>
+              <a:t>(В письме к </a:t>
+            </a:r>
+            <a:r>
+              <a:rPr lang="ru-RU" sz="100" dirty="0" err="1"/>
+              <a:t>Коррадини</a:t>
+            </a:r>
+            <a:r>
+              <a:rPr lang="ru-RU" sz="100" dirty="0"/>
+              <a:t>, которое он опубликует в 1920 году, </a:t>
+            </a:r>
+            <a:r>
+              <a:rPr lang="ru-RU" sz="100" dirty="0" err="1"/>
+              <a:t>Прето</a:t>
+            </a:r>
+            <a:r>
+              <a:rPr lang="ru-RU" sz="100" dirty="0"/>
+              <a:t> показал, что верит в возрождение этого нового антидемократического национализма, который возродит новую классическую эру в латинских странах. «Мы должны верить, — писал он, — в торжество латинского порядка, классического порядка, который охватит и объединит всех наследников римской цивилизации — Францию, Испанию, Италию и Португалию». </a:t>
+            </a:r>
+            <a:r>
+              <a:rPr lang="ru-RU" sz="100" dirty="0" err="1"/>
+              <a:t>Прето</a:t>
+            </a:r>
+            <a:r>
+              <a:rPr lang="ru-RU" sz="100" dirty="0"/>
+              <a:t> навсегда останется в культурной сфере этого латинского </a:t>
+            </a:r>
+            <a:r>
+              <a:rPr lang="ru-RU" sz="100" dirty="0" err="1"/>
+              <a:t>неонационализма</a:t>
+            </a:r>
+            <a:r>
+              <a:rPr lang="ru-RU" sz="100" dirty="0"/>
+              <a:t>, глубоко отмеченного имперской и цивилизационной мифологией народов, унаследовавших латынь, тружеников открытия мира, «колонизаторов и воинов». Однако его первые статьи для газеты </a:t>
+            </a:r>
+            <a:r>
+              <a:rPr lang="ru-RU" sz="100" dirty="0" err="1"/>
+              <a:t>Integalista</a:t>
+            </a:r>
+            <a:r>
+              <a:rPr lang="ru-RU" sz="100" dirty="0"/>
+              <a:t> были гораздо более ориентированы на непосредственное, стремясь увидеть в войне подтверждение авторитарного национализма как единственное решение для нового мира, вытекающего из нее.)</a:t>
+            </a:r>
+            <a:endParaRPr lang="ru-RU" sz="700" dirty="0"/>
+          </a:p>
+        </p:txBody>
+      </p:sp>
+      <p:cxnSp>
+        <p:nvCxnSpPr>
+          <p:cNvPr id="730" name="Прямая соединительная линия 729"/>
+          <p:cNvCxnSpPr>
+            <a:cxnSpLocks/>
+            <a:stCxn id="738" idx="3"/>
+            <a:endCxn id="690" idx="1"/>
+          </p:cNvCxnSpPr>
+          <p:nvPr/>
+        </p:nvCxnSpPr>
+        <p:spPr>
+          <a:xfrm flipV="1">
+            <a:off x="4160094" y="6362207"/>
+            <a:ext cx="103718" cy="1236"/>
+          </a:xfrm>
+          <a:prstGeom prst="line">
+            <a:avLst/>
+          </a:prstGeom>
+          <a:ln w="19050">
+            <a:solidFill>
+              <a:srgbClr val="FF0000"/>
+            </a:solidFill>
+          </a:ln>
+        </p:spPr>
+        <p:style>
+          <a:lnRef idx="1">
+            <a:schemeClr val="accent1"/>
+          </a:lnRef>
+          <a:fillRef idx="0">
+            <a:schemeClr val="accent1"/>
+          </a:fillRef>
+          <a:effectRef idx="0">
+            <a:schemeClr val="accent1"/>
+          </a:effectRef>
+          <a:fontRef idx="minor">
+            <a:schemeClr val="tx1"/>
+          </a:fontRef>
+        </p:style>
+      </p:cxnSp>
+      <p:cxnSp>
+        <p:nvCxnSpPr>
+          <p:cNvPr id="731" name="Соединительная линия уступом 730"/>
+          <p:cNvCxnSpPr>
+            <a:stCxn id="690" idx="2"/>
+            <a:endCxn id="736" idx="0"/>
+          </p:cNvCxnSpPr>
+          <p:nvPr/>
+        </p:nvCxnSpPr>
+        <p:spPr>
+          <a:xfrm rot="5400000">
+            <a:off x="4100952" y="6216640"/>
+            <a:ext cx="210456" cy="1041591"/>
           </a:xfrm>
           <a:prstGeom prst="bentConnector3">
             <a:avLst>
@@ -29147,217 +28885,38 @@
             </a:avLst>
           </a:prstGeom>
           <a:ln w="19050">
-            <a:tailEnd type="arrow"/>
-          </a:ln>
-        </p:spPr>
-        <p:style>
-          <a:lnRef idx="1">
-            <a:schemeClr val="accent1"/>
-          </a:lnRef>
-          <a:fillRef idx="0">
-            <a:schemeClr val="accent1"/>
-          </a:fillRef>
-          <a:effectRef idx="0">
-            <a:schemeClr val="accent1"/>
-          </a:effectRef>
-          <a:fontRef idx="minor">
-            <a:schemeClr val="tx1"/>
-          </a:fontRef>
-        </p:style>
-      </p:cxnSp>
-      <p:cxnSp>
-        <p:nvCxnSpPr>
-          <p:cNvPr id="889" name="Прямая со стрелкой 888"/>
-          <p:cNvCxnSpPr>
-            <a:stCxn id="805" idx="2"/>
-            <a:endCxn id="828" idx="0"/>
-          </p:cNvCxnSpPr>
-          <p:nvPr/>
-        </p:nvCxnSpPr>
-        <p:spPr>
-          <a:xfrm>
-            <a:off x="7812151" y="8911790"/>
-            <a:ext cx="2275" cy="269696"/>
-          </a:xfrm>
-          <a:prstGeom prst="straightConnector1">
-            <a:avLst/>
-          </a:prstGeom>
-          <a:ln w="19050">
-            <a:tailEnd type="arrow"/>
-          </a:ln>
-        </p:spPr>
-        <p:style>
-          <a:lnRef idx="1">
-            <a:schemeClr val="accent1"/>
-          </a:lnRef>
-          <a:fillRef idx="0">
-            <a:schemeClr val="accent1"/>
-          </a:fillRef>
-          <a:effectRef idx="0">
-            <a:schemeClr val="accent1"/>
-          </a:effectRef>
-          <a:fontRef idx="minor">
-            <a:schemeClr val="tx1"/>
-          </a:fontRef>
-        </p:style>
-      </p:cxnSp>
-      <p:cxnSp>
-        <p:nvCxnSpPr>
-          <p:cNvPr id="892" name="Прямая со стрелкой 891"/>
-          <p:cNvCxnSpPr>
-            <a:stCxn id="869" idx="2"/>
-            <a:endCxn id="829" idx="0"/>
-          </p:cNvCxnSpPr>
-          <p:nvPr/>
-        </p:nvCxnSpPr>
-        <p:spPr>
-          <a:xfrm>
-            <a:off x="6745352" y="9710113"/>
-            <a:ext cx="4549" cy="174232"/>
-          </a:xfrm>
-          <a:prstGeom prst="straightConnector1">
-            <a:avLst/>
-          </a:prstGeom>
-          <a:ln w="19050">
-            <a:tailEnd type="arrow"/>
-          </a:ln>
-        </p:spPr>
-        <p:style>
-          <a:lnRef idx="1">
-            <a:schemeClr val="accent1"/>
-          </a:lnRef>
-          <a:fillRef idx="0">
-            <a:schemeClr val="accent1"/>
-          </a:fillRef>
-          <a:effectRef idx="0">
-            <a:schemeClr val="accent1"/>
-          </a:effectRef>
-          <a:fontRef idx="minor">
-            <a:schemeClr val="tx1"/>
-          </a:fontRef>
-        </p:style>
-      </p:cxnSp>
-      <p:cxnSp>
-        <p:nvCxnSpPr>
-          <p:cNvPr id="895" name="Прямая со стрелкой 894"/>
-          <p:cNvCxnSpPr>
-            <a:stCxn id="828" idx="2"/>
-            <a:endCxn id="867" idx="0"/>
-          </p:cNvCxnSpPr>
-          <p:nvPr/>
-        </p:nvCxnSpPr>
-        <p:spPr>
-          <a:xfrm>
-            <a:off x="7814426" y="9721486"/>
-            <a:ext cx="2275" cy="151487"/>
-          </a:xfrm>
-          <a:prstGeom prst="straightConnector1">
-            <a:avLst/>
-          </a:prstGeom>
-          <a:ln w="19050">
-            <a:tailEnd type="arrow"/>
-          </a:ln>
-        </p:spPr>
-        <p:style>
-          <a:lnRef idx="1">
-            <a:schemeClr val="accent1"/>
-          </a:lnRef>
-          <a:fillRef idx="0">
-            <a:schemeClr val="accent1"/>
-          </a:fillRef>
-          <a:effectRef idx="0">
-            <a:schemeClr val="accent1"/>
-          </a:effectRef>
-          <a:fontRef idx="minor">
-            <a:schemeClr val="tx1"/>
-          </a:fontRef>
-        </p:style>
-      </p:cxnSp>
-      <p:cxnSp>
-        <p:nvCxnSpPr>
-          <p:cNvPr id="898" name="Прямая со стрелкой 897"/>
-          <p:cNvCxnSpPr>
-            <a:stCxn id="806" idx="2"/>
-            <a:endCxn id="866" idx="0"/>
-          </p:cNvCxnSpPr>
-          <p:nvPr/>
-        </p:nvCxnSpPr>
-        <p:spPr>
-          <a:xfrm>
-            <a:off x="8913072" y="9707838"/>
-            <a:ext cx="2274" cy="165134"/>
-          </a:xfrm>
-          <a:prstGeom prst="straightConnector1">
-            <a:avLst/>
-          </a:prstGeom>
-          <a:ln w="19050">
-            <a:tailEnd type="arrow"/>
-          </a:ln>
-        </p:spPr>
-        <p:style>
-          <a:lnRef idx="1">
-            <a:schemeClr val="accent1"/>
-          </a:lnRef>
-          <a:fillRef idx="0">
-            <a:schemeClr val="accent1"/>
-          </a:fillRef>
-          <a:effectRef idx="0">
-            <a:schemeClr val="accent1"/>
-          </a:effectRef>
-          <a:fontRef idx="minor">
-            <a:schemeClr val="tx1"/>
-          </a:fontRef>
-        </p:style>
-      </p:cxnSp>
-      <p:cxnSp>
-        <p:nvCxnSpPr>
-          <p:cNvPr id="901" name="Прямая со стрелкой 900"/>
-          <p:cNvCxnSpPr>
-            <a:stCxn id="867" idx="2"/>
-            <a:endCxn id="868" idx="0"/>
-          </p:cNvCxnSpPr>
-          <p:nvPr/>
-        </p:nvCxnSpPr>
-        <p:spPr>
-          <a:xfrm>
-            <a:off x="7816701" y="10412973"/>
-            <a:ext cx="2274" cy="137840"/>
-          </a:xfrm>
-          <a:prstGeom prst="straightConnector1">
-            <a:avLst/>
-          </a:prstGeom>
-          <a:ln w="19050">
-            <a:tailEnd type="arrow"/>
-          </a:ln>
-        </p:spPr>
-        <p:style>
-          <a:lnRef idx="1">
-            <a:schemeClr val="accent1"/>
-          </a:lnRef>
-          <a:fillRef idx="0">
-            <a:schemeClr val="accent1"/>
-          </a:fillRef>
-          <a:effectRef idx="0">
-            <a:schemeClr val="accent1"/>
-          </a:effectRef>
-          <a:fontRef idx="minor">
-            <a:schemeClr val="tx1"/>
-          </a:fontRef>
-        </p:style>
-      </p:cxnSp>
-      <p:cxnSp>
-        <p:nvCxnSpPr>
-          <p:cNvPr id="904" name="Соединительная линия уступом 903"/>
-          <p:cNvCxnSpPr>
-            <a:stCxn id="667" idx="2"/>
-            <a:endCxn id="689" idx="0"/>
+            <a:prstDash val="sysDash"/>
+            <a:tailEnd type="arrow"/>
+          </a:ln>
+        </p:spPr>
+        <p:style>
+          <a:lnRef idx="1">
+            <a:schemeClr val="accent1"/>
+          </a:lnRef>
+          <a:fillRef idx="0">
+            <a:schemeClr val="accent1"/>
+          </a:fillRef>
+          <a:effectRef idx="0">
+            <a:schemeClr val="accent1"/>
+          </a:effectRef>
+          <a:fontRef idx="minor">
+            <a:schemeClr val="tx1"/>
+          </a:fontRef>
+        </p:style>
+      </p:cxnSp>
+      <p:cxnSp>
+        <p:nvCxnSpPr>
+          <p:cNvPr id="733" name="Соединительная линия уступом 732"/>
+          <p:cNvCxnSpPr>
+            <a:stCxn id="725" idx="2"/>
+            <a:endCxn id="690" idx="0"/>
           </p:cNvCxnSpPr>
           <p:nvPr/>
         </p:nvCxnSpPr>
         <p:spPr>
           <a:xfrm rot="16200000" flipH="1">
-            <a:off x="14900726" y="2977343"/>
-            <a:ext cx="247400" cy="2738182"/>
+            <a:off x="4078580" y="5443811"/>
+            <a:ext cx="254015" cy="1042775"/>
           </a:xfrm>
           <a:prstGeom prst="bentConnector3">
             <a:avLst>
@@ -29365,33 +28924,73 @@
             </a:avLst>
           </a:prstGeom>
           <a:ln w="19050">
-            <a:tailEnd type="arrow"/>
-          </a:ln>
-        </p:spPr>
-        <p:style>
-          <a:lnRef idx="1">
-            <a:schemeClr val="accent1"/>
-          </a:lnRef>
-          <a:fillRef idx="0">
-            <a:schemeClr val="accent1"/>
-          </a:fillRef>
-          <a:effectRef idx="0">
-            <a:schemeClr val="accent1"/>
-          </a:effectRef>
-          <a:fontRef idx="minor">
-            <a:schemeClr val="tx1"/>
-          </a:fontRef>
-        </p:style>
-      </p:cxnSp>
-      <p:sp>
-        <p:nvSpPr>
-          <p:cNvPr id="690" name="Прямоугольник 689"/>
+            <a:prstDash val="sysDash"/>
+            <a:tailEnd type="arrow"/>
+          </a:ln>
+        </p:spPr>
+        <p:style>
+          <a:lnRef idx="1">
+            <a:schemeClr val="accent1"/>
+          </a:lnRef>
+          <a:fillRef idx="0">
+            <a:schemeClr val="accent1"/>
+          </a:fillRef>
+          <a:effectRef idx="0">
+            <a:schemeClr val="accent1"/>
+          </a:effectRef>
+          <a:fontRef idx="minor">
+            <a:schemeClr val="tx1"/>
+          </a:fontRef>
+        </p:style>
+      </p:cxnSp>
+      <p:cxnSp>
+        <p:nvCxnSpPr>
+          <p:cNvPr id="734" name="Соединительная линия уступом 733"/>
+          <p:cNvCxnSpPr>
+            <a:stCxn id="690" idx="2"/>
+            <a:endCxn id="779" idx="0"/>
+          </p:cNvCxnSpPr>
+          <p:nvPr/>
+        </p:nvCxnSpPr>
+        <p:spPr>
+          <a:xfrm rot="5400000">
+            <a:off x="4616695" y="6734657"/>
+            <a:ext cx="212730" cy="7830"/>
+          </a:xfrm>
+          <a:prstGeom prst="bentConnector3">
+            <a:avLst>
+              <a:gd name="adj1" fmla="val 50000"/>
+            </a:avLst>
+          </a:prstGeom>
+          <a:ln w="19050">
+            <a:prstDash val="sysDash"/>
+            <a:tailEnd type="arrow"/>
+          </a:ln>
+        </p:spPr>
+        <p:style>
+          <a:lnRef idx="1">
+            <a:schemeClr val="accent1"/>
+          </a:lnRef>
+          <a:fillRef idx="0">
+            <a:schemeClr val="accent1"/>
+          </a:fillRef>
+          <a:effectRef idx="0">
+            <a:schemeClr val="accent1"/>
+          </a:effectRef>
+          <a:fontRef idx="minor">
+            <a:schemeClr val="tx1"/>
+          </a:fontRef>
+        </p:style>
+      </p:cxnSp>
+      <p:sp>
+        <p:nvSpPr>
+          <p:cNvPr id="735" name="Прямоугольник 734"/>
           <p:cNvSpPr/>
           <p:nvPr/>
         </p:nvSpPr>
         <p:spPr>
           <a:xfrm>
-            <a:off x="4263812" y="6092207"/>
+            <a:off x="1703182" y="7643840"/>
             <a:ext cx="926325" cy="540000"/>
           </a:xfrm>
           <a:prstGeom prst="rect">
@@ -29425,62 +29024,65 @@
             <a:pPr algn="ctr"/>
             <a:r>
               <a:rPr lang="ru-RU" sz="700" dirty="0"/>
-              <a:t>Свой путь</a:t>
-            </a:r>
-          </a:p>
-        </p:txBody>
-      </p:sp>
-      <p:cxnSp>
-        <p:nvCxnSpPr>
-          <p:cNvPr id="730" name="Прямая соединительная линия 729"/>
-          <p:cNvCxnSpPr>
-            <a:stCxn id="808" idx="3"/>
-            <a:endCxn id="690" idx="1"/>
-          </p:cNvCxnSpPr>
-          <p:nvPr/>
-        </p:nvCxnSpPr>
-        <p:spPr>
-          <a:xfrm flipV="1">
-            <a:off x="4152534" y="6362207"/>
-            <a:ext cx="111278" cy="1227"/>
-          </a:xfrm>
-          <a:prstGeom prst="line">
-            <a:avLst/>
-          </a:prstGeom>
-          <a:ln w="19050">
-            <a:solidFill>
-              <a:srgbClr val="FF0000"/>
-            </a:solidFill>
-          </a:ln>
-        </p:spPr>
-        <p:style>
-          <a:lnRef idx="1">
-            <a:schemeClr val="accent1"/>
-          </a:lnRef>
-          <a:fillRef idx="0">
-            <a:schemeClr val="accent1"/>
-          </a:fillRef>
-          <a:effectRef idx="0">
-            <a:schemeClr val="accent1"/>
-          </a:effectRef>
-          <a:fontRef idx="minor">
-            <a:schemeClr val="tx1"/>
-          </a:fontRef>
-        </p:style>
-      </p:cxnSp>
-      <p:cxnSp>
-        <p:nvCxnSpPr>
-          <p:cNvPr id="731" name="Соединительная линия уступом 730"/>
-          <p:cNvCxnSpPr>
-            <a:stCxn id="690" idx="2"/>
-            <a:endCxn id="736" idx="0"/>
+              <a:t>Рабочие суды</a:t>
+            </a:r>
+            <a:endParaRPr lang="ru-RU" sz="200" dirty="0"/>
+          </a:p>
+        </p:txBody>
+      </p:sp>
+      <p:cxnSp>
+        <p:nvCxnSpPr>
+          <p:cNvPr id="744" name="Соединительная линия уступом 743"/>
+          <p:cNvCxnSpPr>
+            <a:cxnSpLocks/>
+            <a:stCxn id="722" idx="2"/>
+            <a:endCxn id="735" idx="0"/>
           </p:cNvCxnSpPr>
           <p:nvPr/>
         </p:nvCxnSpPr>
         <p:spPr>
           <a:xfrm rot="5400000">
-            <a:off x="4100952" y="6216640"/>
-            <a:ext cx="210456" cy="1041591"/>
+            <a:off x="1905791" y="6892762"/>
+            <a:ext cx="1011633" cy="490523"/>
+          </a:xfrm>
+          <a:prstGeom prst="bentConnector3">
+            <a:avLst>
+              <a:gd name="adj1" fmla="val 10455"/>
+            </a:avLst>
+          </a:prstGeom>
+          <a:ln w="19050">
+            <a:tailEnd type="arrow"/>
+          </a:ln>
+        </p:spPr>
+        <p:style>
+          <a:lnRef idx="1">
+            <a:schemeClr val="accent1"/>
+          </a:lnRef>
+          <a:fillRef idx="0">
+            <a:schemeClr val="accent1"/>
+          </a:fillRef>
+          <a:effectRef idx="0">
+            <a:schemeClr val="accent1"/>
+          </a:effectRef>
+          <a:fontRef idx="minor">
+            <a:schemeClr val="tx1"/>
+          </a:fontRef>
+        </p:style>
+      </p:cxnSp>
+      <p:cxnSp>
+        <p:nvCxnSpPr>
+          <p:cNvPr id="747" name="Соединительная линия уступом 746"/>
+          <p:cNvCxnSpPr>
+            <a:cxnSpLocks/>
+            <a:stCxn id="709" idx="2"/>
+            <a:endCxn id="735" idx="0"/>
+          </p:cNvCxnSpPr>
+          <p:nvPr/>
+        </p:nvCxnSpPr>
+        <p:spPr>
+          <a:xfrm rot="16200000" flipH="1">
+            <a:off x="1772290" y="7249785"/>
+            <a:ext cx="262934" cy="525175"/>
           </a:xfrm>
           <a:prstGeom prst="bentConnector3">
             <a:avLst>
@@ -29488,151 +29090,123 @@
             </a:avLst>
           </a:prstGeom>
           <a:ln w="19050">
-            <a:prstDash val="sysDash"/>
-            <a:tailEnd type="arrow"/>
-          </a:ln>
-        </p:spPr>
-        <p:style>
-          <a:lnRef idx="1">
-            <a:schemeClr val="accent1"/>
-          </a:lnRef>
-          <a:fillRef idx="0">
-            <a:schemeClr val="accent1"/>
-          </a:fillRef>
-          <a:effectRef idx="0">
-            <a:schemeClr val="accent1"/>
-          </a:effectRef>
-          <a:fontRef idx="minor">
-            <a:schemeClr val="tx1"/>
-          </a:fontRef>
-        </p:style>
-      </p:cxnSp>
-      <p:cxnSp>
-        <p:nvCxnSpPr>
-          <p:cNvPr id="732" name="Соединительная линия уступом 731"/>
-          <p:cNvCxnSpPr>
-            <a:stCxn id="727" idx="2"/>
-            <a:endCxn id="808" idx="0"/>
+            <a:tailEnd type="arrow"/>
+          </a:ln>
+        </p:spPr>
+        <p:style>
+          <a:lnRef idx="1">
+            <a:schemeClr val="accent1"/>
+          </a:lnRef>
+          <a:fillRef idx="0">
+            <a:schemeClr val="accent1"/>
+          </a:fillRef>
+          <a:effectRef idx="0">
+            <a:schemeClr val="accent1"/>
+          </a:effectRef>
+          <a:fontRef idx="minor">
+            <a:schemeClr val="tx1"/>
+          </a:fontRef>
+        </p:style>
+      </p:cxnSp>
+      <p:sp>
+        <p:nvSpPr>
+          <p:cNvPr id="748" name="Прямоугольник 747"/>
+          <p:cNvSpPr/>
+          <p:nvPr/>
+        </p:nvSpPr>
+        <p:spPr>
+          <a:xfrm>
+            <a:off x="576792" y="7642604"/>
+            <a:ext cx="926325" cy="540000"/>
+          </a:xfrm>
+          <a:prstGeom prst="rect">
+            <a:avLst/>
+          </a:prstGeom>
+          <a:solidFill>
+            <a:schemeClr val="accent2">
+              <a:lumMod val="75000"/>
+            </a:schemeClr>
+          </a:solidFill>
+          <a:ln w="19050">
+            <a:solidFill>
+              <a:srgbClr val="00B050"/>
+            </a:solidFill>
+          </a:ln>
+        </p:spPr>
+        <p:style>
+          <a:lnRef idx="2">
+            <a:schemeClr val="accent1"/>
+          </a:lnRef>
+          <a:fillRef idx="1">
+            <a:schemeClr val="lt1"/>
+          </a:fillRef>
+          <a:effectRef idx="0">
+            <a:schemeClr val="accent1"/>
+          </a:effectRef>
+          <a:fontRef idx="minor">
+            <a:schemeClr val="dk1"/>
+          </a:fontRef>
+        </p:style>
+        <p:txBody>
+          <a:bodyPr lIns="124733" tIns="62367" rIns="124733" bIns="62367" rtlCol="0" anchor="ctr"/>
+          <a:lstStyle/>
+          <a:p>
+            <a:pPr algn="ctr"/>
+            <a:r>
+              <a:rPr lang="ru-RU" sz="700" dirty="0"/>
+              <a:t>Применить 12 принципов выпуска промышленной продукции</a:t>
+            </a:r>
+          </a:p>
+        </p:txBody>
+      </p:sp>
+      <p:cxnSp>
+        <p:nvCxnSpPr>
+          <p:cNvPr id="751" name="Соединительная линия уступом 750"/>
+          <p:cNvCxnSpPr>
+            <a:cxnSpLocks/>
+            <a:stCxn id="724" idx="2"/>
+            <a:endCxn id="748" idx="0"/>
           </p:cNvCxnSpPr>
           <p:nvPr/>
         </p:nvCxnSpPr>
         <p:spPr>
           <a:xfrm rot="5400000">
-            <a:off x="4078550" y="5449015"/>
-            <a:ext cx="255242" cy="1033597"/>
+            <a:off x="834241" y="6839260"/>
+            <a:ext cx="1009058" cy="597630"/>
           </a:xfrm>
           <a:prstGeom prst="bentConnector3">
             <a:avLst>
-              <a:gd name="adj1" fmla="val 50000"/>
+              <a:gd name="adj1" fmla="val 7837"/>
             </a:avLst>
           </a:prstGeom>
           <a:ln w="19050">
-            <a:prstDash val="sysDash"/>
-            <a:tailEnd type="arrow"/>
-          </a:ln>
-        </p:spPr>
-        <p:style>
-          <a:lnRef idx="1">
-            <a:schemeClr val="accent1"/>
-          </a:lnRef>
-          <a:fillRef idx="0">
-            <a:schemeClr val="accent1"/>
-          </a:fillRef>
-          <a:effectRef idx="0">
-            <a:schemeClr val="accent1"/>
-          </a:effectRef>
-          <a:fontRef idx="minor">
-            <a:schemeClr val="tx1"/>
-          </a:fontRef>
-        </p:style>
-      </p:cxnSp>
-      <p:cxnSp>
-        <p:nvCxnSpPr>
-          <p:cNvPr id="733" name="Соединительная линия уступом 732"/>
-          <p:cNvCxnSpPr>
-            <a:stCxn id="725" idx="2"/>
-            <a:endCxn id="690" idx="0"/>
-          </p:cNvCxnSpPr>
-          <p:nvPr/>
-        </p:nvCxnSpPr>
-        <p:spPr>
-          <a:xfrm rot="16200000" flipH="1">
-            <a:off x="4078580" y="5443811"/>
-            <a:ext cx="254015" cy="1042775"/>
-          </a:xfrm>
-          <a:prstGeom prst="bentConnector3">
-            <a:avLst>
-              <a:gd name="adj1" fmla="val 50000"/>
-            </a:avLst>
-          </a:prstGeom>
-          <a:ln w="19050">
-            <a:prstDash val="sysDash"/>
-            <a:tailEnd type="arrow"/>
-          </a:ln>
-        </p:spPr>
-        <p:style>
-          <a:lnRef idx="1">
-            <a:schemeClr val="accent1"/>
-          </a:lnRef>
-          <a:fillRef idx="0">
-            <a:schemeClr val="accent1"/>
-          </a:fillRef>
-          <a:effectRef idx="0">
-            <a:schemeClr val="accent1"/>
-          </a:effectRef>
-          <a:fontRef idx="minor">
-            <a:schemeClr val="tx1"/>
-          </a:fontRef>
-        </p:style>
-      </p:cxnSp>
-      <p:cxnSp>
-        <p:nvCxnSpPr>
-          <p:cNvPr id="734" name="Соединительная линия уступом 733"/>
-          <p:cNvCxnSpPr>
-            <a:stCxn id="690" idx="2"/>
-            <a:endCxn id="779" idx="0"/>
-          </p:cNvCxnSpPr>
-          <p:nvPr/>
-        </p:nvCxnSpPr>
-        <p:spPr>
-          <a:xfrm rot="5400000">
-            <a:off x="4616695" y="6734657"/>
-            <a:ext cx="212730" cy="7830"/>
-          </a:xfrm>
-          <a:prstGeom prst="bentConnector3">
-            <a:avLst>
-              <a:gd name="adj1" fmla="val 50000"/>
-            </a:avLst>
-          </a:prstGeom>
-          <a:ln w="19050">
-            <a:prstDash val="sysDash"/>
-            <a:tailEnd type="arrow"/>
-          </a:ln>
-        </p:spPr>
-        <p:style>
-          <a:lnRef idx="1">
-            <a:schemeClr val="accent1"/>
-          </a:lnRef>
-          <a:fillRef idx="0">
-            <a:schemeClr val="accent1"/>
-          </a:fillRef>
-          <a:effectRef idx="0">
-            <a:schemeClr val="accent1"/>
-          </a:effectRef>
-          <a:fontRef idx="minor">
-            <a:schemeClr val="tx1"/>
-          </a:fontRef>
-        </p:style>
-      </p:cxnSp>
-      <p:sp>
-        <p:nvSpPr>
-          <p:cNvPr id="735" name="Прямоугольник 734"/>
+            <a:tailEnd type="arrow"/>
+          </a:ln>
+        </p:spPr>
+        <p:style>
+          <a:lnRef idx="1">
+            <a:schemeClr val="accent1"/>
+          </a:lnRef>
+          <a:fillRef idx="0">
+            <a:schemeClr val="accent1"/>
+          </a:fillRef>
+          <a:effectRef idx="0">
+            <a:schemeClr val="accent1"/>
+          </a:effectRef>
+          <a:fontRef idx="minor">
+            <a:schemeClr val="tx1"/>
+          </a:fontRef>
+        </p:style>
+      </p:cxnSp>
+      <p:sp>
+        <p:nvSpPr>
+          <p:cNvPr id="753" name="Прямоугольник 752"/>
           <p:cNvSpPr/>
           <p:nvPr/>
         </p:nvSpPr>
         <p:spPr>
           <a:xfrm>
-            <a:off x="1206846" y="7633421"/>
+            <a:off x="575188" y="8423348"/>
             <a:ext cx="926325" cy="540000"/>
           </a:xfrm>
           <a:prstGeom prst="rect">
@@ -29666,97 +29240,57 @@
             <a:pPr algn="ctr"/>
             <a:r>
               <a:rPr lang="ru-RU" sz="700" dirty="0"/>
-              <a:t>Рабочие суды</a:t>
-            </a:r>
-            <a:endParaRPr lang="ru-RU" sz="200" dirty="0"/>
-          </a:p>
-        </p:txBody>
-      </p:sp>
-      <p:cxnSp>
-        <p:nvCxnSpPr>
-          <p:cNvPr id="744" name="Соединительная линия уступом 743"/>
-          <p:cNvCxnSpPr>
-            <a:stCxn id="722" idx="2"/>
-            <a:endCxn id="735" idx="0"/>
-          </p:cNvCxnSpPr>
-          <p:nvPr/>
-        </p:nvCxnSpPr>
-        <p:spPr>
-          <a:xfrm rot="5400000">
-            <a:off x="1789938" y="7261645"/>
-            <a:ext cx="251847" cy="491704"/>
-          </a:xfrm>
-          <a:prstGeom prst="bentConnector3">
-            <a:avLst>
-              <a:gd name="adj1" fmla="val 50000"/>
-            </a:avLst>
-          </a:prstGeom>
-          <a:ln w="19050">
-            <a:tailEnd type="arrow"/>
-          </a:ln>
-        </p:spPr>
-        <p:style>
-          <a:lnRef idx="1">
-            <a:schemeClr val="accent1"/>
-          </a:lnRef>
-          <a:fillRef idx="0">
-            <a:schemeClr val="accent1"/>
-          </a:fillRef>
-          <a:effectRef idx="0">
-            <a:schemeClr val="accent1"/>
-          </a:effectRef>
-          <a:fontRef idx="minor">
-            <a:schemeClr val="tx1"/>
-          </a:fontRef>
-        </p:style>
-      </p:cxnSp>
-      <p:cxnSp>
-        <p:nvCxnSpPr>
-          <p:cNvPr id="747" name="Соединительная линия уступом 746"/>
-          <p:cNvCxnSpPr>
-            <a:stCxn id="709" idx="2"/>
-            <a:endCxn id="735" idx="0"/>
-          </p:cNvCxnSpPr>
-          <p:nvPr/>
-        </p:nvCxnSpPr>
-        <p:spPr>
-          <a:xfrm rot="16200000" flipH="1">
-            <a:off x="1297031" y="7260443"/>
-            <a:ext cx="253104" cy="492852"/>
-          </a:xfrm>
-          <a:prstGeom prst="bentConnector3">
-            <a:avLst>
-              <a:gd name="adj1" fmla="val 50000"/>
-            </a:avLst>
-          </a:prstGeom>
-          <a:ln w="19050">
-            <a:tailEnd type="arrow"/>
-          </a:ln>
-        </p:spPr>
-        <p:style>
-          <a:lnRef idx="1">
-            <a:schemeClr val="accent1"/>
-          </a:lnRef>
-          <a:fillRef idx="0">
-            <a:schemeClr val="accent1"/>
-          </a:fillRef>
-          <a:effectRef idx="0">
-            <a:schemeClr val="accent1"/>
-          </a:effectRef>
-          <a:fontRef idx="minor">
-            <a:schemeClr val="tx1"/>
-          </a:fontRef>
-        </p:style>
-      </p:cxnSp>
-      <p:sp>
-        <p:nvSpPr>
-          <p:cNvPr id="748" name="Прямоугольник 747"/>
+              <a:t>Общество мелких собственников</a:t>
+            </a:r>
+            <a:endParaRPr lang="ru-RU" sz="300" dirty="0"/>
+          </a:p>
+        </p:txBody>
+      </p:sp>
+      <p:cxnSp>
+        <p:nvCxnSpPr>
+          <p:cNvPr id="756" name="Прямая со стрелкой 755"/>
+          <p:cNvCxnSpPr>
+            <a:cxnSpLocks/>
+            <a:endCxn id="753" idx="0"/>
+          </p:cNvCxnSpPr>
+          <p:nvPr/>
+        </p:nvCxnSpPr>
+        <p:spPr>
+          <a:xfrm>
+            <a:off x="1034034" y="8171511"/>
+            <a:ext cx="4317" cy="251837"/>
+          </a:xfrm>
+          <a:prstGeom prst="straightConnector1">
+            <a:avLst/>
+          </a:prstGeom>
+          <a:ln w="19050">
+            <a:tailEnd type="arrow"/>
+          </a:ln>
+        </p:spPr>
+        <p:style>
+          <a:lnRef idx="1">
+            <a:schemeClr val="accent1"/>
+          </a:lnRef>
+          <a:fillRef idx="0">
+            <a:schemeClr val="accent1"/>
+          </a:fillRef>
+          <a:effectRef idx="0">
+            <a:schemeClr val="accent1"/>
+          </a:effectRef>
+          <a:fontRef idx="minor">
+            <a:schemeClr val="tx1"/>
+          </a:fontRef>
+        </p:style>
+      </p:cxnSp>
+      <p:sp>
+        <p:nvSpPr>
+          <p:cNvPr id="759" name="Прямоугольник 758"/>
           <p:cNvSpPr/>
           <p:nvPr/>
         </p:nvSpPr>
         <p:spPr>
           <a:xfrm>
-            <a:off x="106858" y="7630922"/>
+            <a:off x="3738610" y="3681871"/>
             <a:ext cx="926325" cy="540000"/>
           </a:xfrm>
           <a:prstGeom prst="rect">
@@ -29794,58 +29328,138 @@
             <a:pPr algn="ctr"/>
             <a:r>
               <a:rPr lang="ru-RU" sz="700" dirty="0"/>
-              <a:t>Применить 12 принципов выпуска промышленной продукции</a:t>
-            </a:r>
-          </a:p>
-        </p:txBody>
-      </p:sp>
-      <p:cxnSp>
-        <p:nvCxnSpPr>
-          <p:cNvPr id="751" name="Соединительная линия уступом 750"/>
-          <p:cNvCxnSpPr>
-            <a:stCxn id="724" idx="2"/>
-            <a:endCxn id="748" idx="0"/>
-          </p:cNvCxnSpPr>
-          <p:nvPr/>
-        </p:nvCxnSpPr>
-        <p:spPr>
-          <a:xfrm rot="5400000">
-            <a:off x="372815" y="6830164"/>
-            <a:ext cx="997965" cy="603551"/>
-          </a:xfrm>
-          <a:prstGeom prst="bentConnector3">
-            <a:avLst>
-              <a:gd name="adj1" fmla="val 7241"/>
-            </a:avLst>
-          </a:prstGeom>
-          <a:ln w="19050">
-            <a:tailEnd type="arrow"/>
-          </a:ln>
-        </p:spPr>
-        <p:style>
-          <a:lnRef idx="1">
-            <a:schemeClr val="accent1"/>
-          </a:lnRef>
-          <a:fillRef idx="0">
-            <a:schemeClr val="accent1"/>
-          </a:fillRef>
-          <a:effectRef idx="0">
-            <a:schemeClr val="accent1"/>
-          </a:effectRef>
-          <a:fontRef idx="minor">
-            <a:schemeClr val="tx1"/>
-          </a:fontRef>
-        </p:style>
-      </p:cxnSp>
-      <p:sp>
-        <p:nvSpPr>
-          <p:cNvPr id="753" name="Прямоугольник 752"/>
+              <a:t>Восстание против </a:t>
+            </a:r>
+            <a:r>
+              <a:rPr lang="ru-RU" sz="700" dirty="0" err="1"/>
+              <a:t>Салазарского</a:t>
+            </a:r>
+            <a:r>
+              <a:rPr lang="ru-RU" sz="700" dirty="0"/>
+              <a:t> режима</a:t>
+            </a:r>
+          </a:p>
+        </p:txBody>
+      </p:sp>
+      <p:cxnSp>
+        <p:nvCxnSpPr>
+          <p:cNvPr id="760" name="Прямая со стрелкой 759"/>
+          <p:cNvCxnSpPr>
+            <a:stCxn id="759" idx="2"/>
+            <a:endCxn id="700" idx="0"/>
+          </p:cNvCxnSpPr>
+          <p:nvPr/>
+        </p:nvCxnSpPr>
+        <p:spPr>
+          <a:xfrm>
+            <a:off x="4201773" y="4221871"/>
+            <a:ext cx="1739" cy="241018"/>
+          </a:xfrm>
+          <a:prstGeom prst="straightConnector1">
+            <a:avLst/>
+          </a:prstGeom>
+          <a:ln w="19050">
+            <a:tailEnd type="arrow"/>
+          </a:ln>
+        </p:spPr>
+        <p:style>
+          <a:lnRef idx="1">
+            <a:schemeClr val="accent1"/>
+          </a:lnRef>
+          <a:fillRef idx="0">
+            <a:schemeClr val="accent1"/>
+          </a:fillRef>
+          <a:effectRef idx="0">
+            <a:schemeClr val="accent1"/>
+          </a:effectRef>
+          <a:fontRef idx="minor">
+            <a:schemeClr val="tx1"/>
+          </a:fontRef>
+        </p:style>
+      </p:cxnSp>
+      <p:cxnSp>
+        <p:nvCxnSpPr>
+          <p:cNvPr id="762" name="Прямая соединительная линия 761"/>
+          <p:cNvCxnSpPr>
+            <a:stCxn id="759" idx="3"/>
+            <a:endCxn id="667" idx="1"/>
+          </p:cNvCxnSpPr>
+          <p:nvPr/>
+        </p:nvCxnSpPr>
+        <p:spPr>
+          <a:xfrm>
+            <a:off x="4664935" y="3951871"/>
+            <a:ext cx="8527237" cy="863"/>
+          </a:xfrm>
+          <a:prstGeom prst="line">
+            <a:avLst/>
+          </a:prstGeom>
+          <a:ln w="19050">
+            <a:solidFill>
+              <a:srgbClr val="FF0000"/>
+            </a:solidFill>
+          </a:ln>
+        </p:spPr>
+        <p:style>
+          <a:lnRef idx="1">
+            <a:schemeClr val="accent1"/>
+          </a:lnRef>
+          <a:fillRef idx="0">
+            <a:schemeClr val="accent1"/>
+          </a:fillRef>
+          <a:effectRef idx="0">
+            <a:schemeClr val="accent1"/>
+          </a:effectRef>
+          <a:fontRef idx="minor">
+            <a:schemeClr val="tx1"/>
+          </a:fontRef>
+        </p:style>
+      </p:cxnSp>
+      <p:cxnSp>
+        <p:nvCxnSpPr>
+          <p:cNvPr id="720" name="Прямая со стрелкой 719"/>
+          <p:cNvCxnSpPr>
+            <a:stCxn id="502" idx="2"/>
+            <a:endCxn id="712" idx="0"/>
+          </p:cNvCxnSpPr>
+          <p:nvPr/>
+        </p:nvCxnSpPr>
+        <p:spPr>
+          <a:xfrm flipH="1">
+            <a:off x="26020368" y="8280858"/>
+            <a:ext cx="1128" cy="281085"/>
+          </a:xfrm>
+          <a:prstGeom prst="straightConnector1">
+            <a:avLst/>
+          </a:prstGeom>
+          <a:ln w="19050">
+            <a:tailEnd type="arrow"/>
+          </a:ln>
+        </p:spPr>
+        <p:style>
+          <a:lnRef idx="1">
+            <a:schemeClr val="accent1"/>
+          </a:lnRef>
+          <a:fillRef idx="0">
+            <a:schemeClr val="accent1"/>
+          </a:fillRef>
+          <a:effectRef idx="0">
+            <a:schemeClr val="accent1"/>
+          </a:effectRef>
+          <a:fontRef idx="minor">
+            <a:schemeClr val="tx1"/>
+          </a:fontRef>
+        </p:style>
+      </p:cxnSp>
+      <p:sp>
+        <p:nvSpPr>
+          <p:cNvPr id="742" name="Прямоугольник 741"/>
           <p:cNvSpPr/>
           <p:nvPr/>
         </p:nvSpPr>
         <p:spPr>
           <a:xfrm>
-            <a:off x="104318" y="8422760"/>
+            <a:off x="2706710" y="7637692"/>
             <a:ext cx="926325" cy="540000"/>
           </a:xfrm>
           <a:prstGeom prst="rect">
@@ -29856,90 +29470,6 @@
               <a:lumMod val="75000"/>
             </a:schemeClr>
           </a:solidFill>
-          <a:ln w="19050"/>
-        </p:spPr>
-        <p:style>
-          <a:lnRef idx="2">
-            <a:schemeClr val="accent1"/>
-          </a:lnRef>
-          <a:fillRef idx="1">
-            <a:schemeClr val="lt1"/>
-          </a:fillRef>
-          <a:effectRef idx="0">
-            <a:schemeClr val="accent1"/>
-          </a:effectRef>
-          <a:fontRef idx="minor">
-            <a:schemeClr val="dk1"/>
-          </a:fontRef>
-        </p:style>
-        <p:txBody>
-          <a:bodyPr lIns="124733" tIns="62367" rIns="124733" bIns="62367" rtlCol="0" anchor="ctr"/>
-          <a:lstStyle/>
-          <a:p>
-            <a:pPr algn="ctr"/>
-            <a:r>
-              <a:rPr lang="ru-RU" sz="700" dirty="0"/>
-              <a:t>Общество мелких собственников</a:t>
-            </a:r>
-            <a:endParaRPr lang="ru-RU" sz="300" dirty="0"/>
-          </a:p>
-        </p:txBody>
-      </p:sp>
-      <p:cxnSp>
-        <p:nvCxnSpPr>
-          <p:cNvPr id="756" name="Прямая со стрелкой 755"/>
-          <p:cNvCxnSpPr>
-            <a:stCxn id="748" idx="2"/>
-            <a:endCxn id="753" idx="0"/>
-          </p:cNvCxnSpPr>
-          <p:nvPr/>
-        </p:nvCxnSpPr>
-        <p:spPr>
-          <a:xfrm flipH="1">
-            <a:off x="567481" y="8170922"/>
-            <a:ext cx="2540" cy="251838"/>
-          </a:xfrm>
-          <a:prstGeom prst="straightConnector1">
-            <a:avLst/>
-          </a:prstGeom>
-          <a:ln w="19050">
-            <a:tailEnd type="arrow"/>
-          </a:ln>
-        </p:spPr>
-        <p:style>
-          <a:lnRef idx="1">
-            <a:schemeClr val="accent1"/>
-          </a:lnRef>
-          <a:fillRef idx="0">
-            <a:schemeClr val="accent1"/>
-          </a:fillRef>
-          <a:effectRef idx="0">
-            <a:schemeClr val="accent1"/>
-          </a:effectRef>
-          <a:fontRef idx="minor">
-            <a:schemeClr val="tx1"/>
-          </a:fontRef>
-        </p:style>
-      </p:cxnSp>
-      <p:sp>
-        <p:nvSpPr>
-          <p:cNvPr id="759" name="Прямоугольник 758"/>
-          <p:cNvSpPr/>
-          <p:nvPr/>
-        </p:nvSpPr>
-        <p:spPr>
-          <a:xfrm>
-            <a:off x="3738610" y="3681871"/>
-            <a:ext cx="926325" cy="540000"/>
-          </a:xfrm>
-          <a:prstGeom prst="rect">
-            <a:avLst/>
-          </a:prstGeom>
-          <a:solidFill>
-            <a:schemeClr val="accent2">
-              <a:lumMod val="75000"/>
-            </a:schemeClr>
-          </a:solidFill>
           <a:ln w="19050">
             <a:solidFill>
               <a:srgbClr val="00B050"/>
@@ -29967,175 +29497,6 @@
             <a:pPr algn="ctr"/>
             <a:r>
               <a:rPr lang="ru-RU" sz="700" dirty="0"/>
-              <a:t>Восстание против </a:t>
-            </a:r>
-            <a:r>
-              <a:rPr lang="ru-RU" sz="700" dirty="0" err="1"/>
-              <a:t>Салазарского</a:t>
-            </a:r>
-            <a:r>
-              <a:rPr lang="ru-RU" sz="700" dirty="0"/>
-              <a:t> режима</a:t>
-            </a:r>
-          </a:p>
-        </p:txBody>
-      </p:sp>
-      <p:cxnSp>
-        <p:nvCxnSpPr>
-          <p:cNvPr id="760" name="Прямая со стрелкой 759"/>
-          <p:cNvCxnSpPr>
-            <a:stCxn id="759" idx="2"/>
-            <a:endCxn id="700" idx="0"/>
-          </p:cNvCxnSpPr>
-          <p:nvPr/>
-        </p:nvCxnSpPr>
-        <p:spPr>
-          <a:xfrm>
-            <a:off x="4201773" y="4221871"/>
-            <a:ext cx="1739" cy="241018"/>
-          </a:xfrm>
-          <a:prstGeom prst="straightConnector1">
-            <a:avLst/>
-          </a:prstGeom>
-          <a:ln w="19050">
-            <a:tailEnd type="arrow"/>
-          </a:ln>
-        </p:spPr>
-        <p:style>
-          <a:lnRef idx="1">
-            <a:schemeClr val="accent1"/>
-          </a:lnRef>
-          <a:fillRef idx="0">
-            <a:schemeClr val="accent1"/>
-          </a:fillRef>
-          <a:effectRef idx="0">
-            <a:schemeClr val="accent1"/>
-          </a:effectRef>
-          <a:fontRef idx="minor">
-            <a:schemeClr val="tx1"/>
-          </a:fontRef>
-        </p:style>
-      </p:cxnSp>
-      <p:cxnSp>
-        <p:nvCxnSpPr>
-          <p:cNvPr id="762" name="Прямая соединительная линия 761"/>
-          <p:cNvCxnSpPr>
-            <a:stCxn id="759" idx="3"/>
-            <a:endCxn id="667" idx="1"/>
-          </p:cNvCxnSpPr>
-          <p:nvPr/>
-        </p:nvCxnSpPr>
-        <p:spPr>
-          <a:xfrm>
-            <a:off x="4664935" y="3951871"/>
-            <a:ext cx="8527237" cy="863"/>
-          </a:xfrm>
-          <a:prstGeom prst="line">
-            <a:avLst/>
-          </a:prstGeom>
-          <a:ln w="19050">
-            <a:solidFill>
-              <a:srgbClr val="FF0000"/>
-            </a:solidFill>
-          </a:ln>
-        </p:spPr>
-        <p:style>
-          <a:lnRef idx="1">
-            <a:schemeClr val="accent1"/>
-          </a:lnRef>
-          <a:fillRef idx="0">
-            <a:schemeClr val="accent1"/>
-          </a:fillRef>
-          <a:effectRef idx="0">
-            <a:schemeClr val="accent1"/>
-          </a:effectRef>
-          <a:fontRef idx="minor">
-            <a:schemeClr val="tx1"/>
-          </a:fontRef>
-        </p:style>
-      </p:cxnSp>
-      <p:cxnSp>
-        <p:nvCxnSpPr>
-          <p:cNvPr id="720" name="Прямая со стрелкой 719"/>
-          <p:cNvCxnSpPr>
-            <a:stCxn id="502" idx="2"/>
-            <a:endCxn id="712" idx="0"/>
-          </p:cNvCxnSpPr>
-          <p:nvPr/>
-        </p:nvCxnSpPr>
-        <p:spPr>
-          <a:xfrm flipH="1">
-            <a:off x="26020368" y="8280858"/>
-            <a:ext cx="1128" cy="281085"/>
-          </a:xfrm>
-          <a:prstGeom prst="straightConnector1">
-            <a:avLst/>
-          </a:prstGeom>
-          <a:ln w="19050">
-            <a:tailEnd type="arrow"/>
-          </a:ln>
-        </p:spPr>
-        <p:style>
-          <a:lnRef idx="1">
-            <a:schemeClr val="accent1"/>
-          </a:lnRef>
-          <a:fillRef idx="0">
-            <a:schemeClr val="accent1"/>
-          </a:fillRef>
-          <a:effectRef idx="0">
-            <a:schemeClr val="accent1"/>
-          </a:effectRef>
-          <a:fontRef idx="minor">
-            <a:schemeClr val="tx1"/>
-          </a:fontRef>
-        </p:style>
-      </p:cxnSp>
-      <p:sp>
-        <p:nvSpPr>
-          <p:cNvPr id="742" name="Прямоугольник 741"/>
-          <p:cNvSpPr/>
-          <p:nvPr/>
-        </p:nvSpPr>
-        <p:spPr>
-          <a:xfrm>
-            <a:off x="2711973" y="7626938"/>
-            <a:ext cx="926325" cy="540000"/>
-          </a:xfrm>
-          <a:prstGeom prst="rect">
-            <a:avLst/>
-          </a:prstGeom>
-          <a:solidFill>
-            <a:schemeClr val="accent2">
-              <a:lumMod val="75000"/>
-            </a:schemeClr>
-          </a:solidFill>
-          <a:ln w="19050">
-            <a:solidFill>
-              <a:srgbClr val="00B050"/>
-            </a:solidFill>
-          </a:ln>
-        </p:spPr>
-        <p:style>
-          <a:lnRef idx="2">
-            <a:schemeClr val="accent1"/>
-          </a:lnRef>
-          <a:fillRef idx="1">
-            <a:schemeClr val="lt1"/>
-          </a:fillRef>
-          <a:effectRef idx="0">
-            <a:schemeClr val="accent1"/>
-          </a:effectRef>
-          <a:fontRef idx="minor">
-            <a:schemeClr val="dk1"/>
-          </a:fontRef>
-        </p:style>
-        <p:txBody>
-          <a:bodyPr lIns="124733" tIns="62367" rIns="124733" bIns="62367" rtlCol="0" anchor="ctr"/>
-          <a:lstStyle/>
-          <a:p>
-            <a:pPr algn="ctr"/>
-            <a:r>
-              <a:rPr lang="ru-RU" sz="700" dirty="0"/>
               <a:t>Признать язык Галисии вторым официальным</a:t>
             </a:r>
           </a:p>
@@ -30145,6 +29506,7 @@
         <p:nvCxnSpPr>
           <p:cNvPr id="763" name="Соединительная линия уступом 762"/>
           <p:cNvCxnSpPr>
+            <a:cxnSpLocks/>
             <a:stCxn id="725" idx="2"/>
             <a:endCxn id="742" idx="0"/>
           </p:cNvCxnSpPr>
@@ -30152,12 +29514,12 @@
         </p:nvCxnSpPr>
         <p:spPr>
           <a:xfrm rot="5400000">
-            <a:off x="2535295" y="6478033"/>
-            <a:ext cx="1788746" cy="509064"/>
+            <a:off x="2527287" y="6480779"/>
+            <a:ext cx="1799500" cy="514327"/>
           </a:xfrm>
           <a:prstGeom prst="bentConnector3">
             <a:avLst>
-              <a:gd name="adj1" fmla="val 7273"/>
+              <a:gd name="adj1" fmla="val 7302"/>
             </a:avLst>
           </a:prstGeom>
           <a:ln w="19050">
@@ -35395,10 +34757,7 @@
             <a:avLst/>
           </a:prstGeom>
           <a:solidFill>
-            <a:schemeClr val="accent4">
-              <a:lumMod val="60000"/>
-              <a:lumOff val="40000"/>
-            </a:schemeClr>
+            <a:srgbClr val="7030A0"/>
           </a:solidFill>
           <a:ln w="19050"/>
         </p:spPr>
@@ -36418,51 +35777,6 @@
           </a:p>
         </p:txBody>
       </p:sp>
-      <p:cxnSp>
-        <p:nvCxnSpPr>
-          <p:cNvPr id="875" name="Соединительная линия уступом 139">
-            <a:extLst>
-              <a:ext uri="{FF2B5EF4-FFF2-40B4-BE49-F238E27FC236}">
-                <a16:creationId xmlns:a16="http://schemas.microsoft.com/office/drawing/2014/main" id="{A467CA0E-7A05-41F6-AE2E-B47A67C10404}"/>
-              </a:ext>
-            </a:extLst>
-          </p:cNvPr>
-          <p:cNvCxnSpPr>
-            <a:cxnSpLocks/>
-            <a:stCxn id="125" idx="2"/>
-            <a:endCxn id="128" idx="0"/>
-          </p:cNvCxnSpPr>
-          <p:nvPr/>
-        </p:nvCxnSpPr>
-        <p:spPr>
-          <a:xfrm rot="5400000">
-            <a:off x="6678953" y="11660372"/>
-            <a:ext cx="242026" cy="1042637"/>
-          </a:xfrm>
-          <a:prstGeom prst="bentConnector3">
-            <a:avLst>
-              <a:gd name="adj1" fmla="val 50000"/>
-            </a:avLst>
-          </a:prstGeom>
-          <a:ln w="19050">
-            <a:tailEnd type="arrow"/>
-          </a:ln>
-        </p:spPr>
-        <p:style>
-          <a:lnRef idx="1">
-            <a:schemeClr val="accent1"/>
-          </a:lnRef>
-          <a:fillRef idx="0">
-            <a:schemeClr val="accent1"/>
-          </a:fillRef>
-          <a:effectRef idx="0">
-            <a:schemeClr val="accent1"/>
-          </a:effectRef>
-          <a:fontRef idx="minor">
-            <a:schemeClr val="tx1"/>
-          </a:fontRef>
-        </p:style>
-      </p:cxnSp>
       <p:sp>
         <p:nvSpPr>
           <p:cNvPr id="885" name="Прямоугольник 884">
@@ -36674,51 +35988,6 @@
       </p:cxnSp>
       <p:cxnSp>
         <p:nvCxnSpPr>
-          <p:cNvPr id="906" name="Соединительная линия уступом 134">
-            <a:extLst>
-              <a:ext uri="{FF2B5EF4-FFF2-40B4-BE49-F238E27FC236}">
-                <a16:creationId xmlns:a16="http://schemas.microsoft.com/office/drawing/2014/main" id="{46640716-D19F-4857-8ABE-A29016070486}"/>
-              </a:ext>
-            </a:extLst>
-          </p:cNvPr>
-          <p:cNvCxnSpPr>
-            <a:cxnSpLocks/>
-            <a:stCxn id="122" idx="2"/>
-            <a:endCxn id="217" idx="0"/>
-          </p:cNvCxnSpPr>
-          <p:nvPr/>
-        </p:nvCxnSpPr>
-        <p:spPr>
-          <a:xfrm rot="5400000">
-            <a:off x="7557569" y="13909896"/>
-            <a:ext cx="1107580" cy="532400"/>
-          </a:xfrm>
-          <a:prstGeom prst="bentConnector3">
-            <a:avLst>
-              <a:gd name="adj1" fmla="val 11801"/>
-            </a:avLst>
-          </a:prstGeom>
-          <a:ln w="19050">
-            <a:tailEnd type="arrow"/>
-          </a:ln>
-        </p:spPr>
-        <p:style>
-          <a:lnRef idx="1">
-            <a:schemeClr val="accent1"/>
-          </a:lnRef>
-          <a:fillRef idx="0">
-            <a:schemeClr val="accent1"/>
-          </a:fillRef>
-          <a:effectRef idx="0">
-            <a:schemeClr val="accent1"/>
-          </a:effectRef>
-          <a:fontRef idx="minor">
-            <a:schemeClr val="tx1"/>
-          </a:fontRef>
-        </p:style>
-      </p:cxnSp>
-      <p:cxnSp>
-        <p:nvCxnSpPr>
           <p:cNvPr id="913" name="Прямая со стрелкой 912">
             <a:extLst>
               <a:ext uri="{FF2B5EF4-FFF2-40B4-BE49-F238E27FC236}">
@@ -36735,7 +36004,7 @@
         </p:nvCxnSpPr>
         <p:spPr>
           <a:xfrm>
-            <a:off x="8373362" y="12857795"/>
+            <a:off x="5186914" y="12857468"/>
             <a:ext cx="4197" cy="224511"/>
           </a:xfrm>
           <a:prstGeom prst="straightConnector1">
@@ -36780,6 +36049,965 @@
           <a:xfrm rot="16200000" flipH="1">
             <a:off x="7715734" y="13225881"/>
             <a:ext cx="273662" cy="1049514"/>
+          </a:xfrm>
+          <a:prstGeom prst="bentConnector3">
+            <a:avLst>
+              <a:gd name="adj1" fmla="val 50000"/>
+            </a:avLst>
+          </a:prstGeom>
+          <a:ln w="19050">
+            <a:tailEnd type="arrow"/>
+          </a:ln>
+        </p:spPr>
+        <p:style>
+          <a:lnRef idx="1">
+            <a:schemeClr val="accent1"/>
+          </a:lnRef>
+          <a:fillRef idx="0">
+            <a:schemeClr val="accent1"/>
+          </a:fillRef>
+          <a:effectRef idx="0">
+            <a:schemeClr val="accent1"/>
+          </a:effectRef>
+          <a:fontRef idx="minor">
+            <a:schemeClr val="tx1"/>
+          </a:fontRef>
+        </p:style>
+      </p:cxnSp>
+      <p:sp>
+        <p:nvSpPr>
+          <p:cNvPr id="887" name="Прямоугольник 886">
+            <a:extLst>
+              <a:ext uri="{FF2B5EF4-FFF2-40B4-BE49-F238E27FC236}">
+                <a16:creationId xmlns:a16="http://schemas.microsoft.com/office/drawing/2014/main" id="{20041EBA-41B2-4DC4-810D-92538CA97719}"/>
+              </a:ext>
+            </a:extLst>
+          </p:cNvPr>
+          <p:cNvSpPr/>
+          <p:nvPr/>
+        </p:nvSpPr>
+        <p:spPr>
+          <a:xfrm>
+            <a:off x="873849" y="8491048"/>
+            <a:ext cx="2136259" cy="2843278"/>
+          </a:xfrm>
+          <a:prstGeom prst="rect">
+            <a:avLst/>
+          </a:prstGeom>
+          <a:solidFill>
+            <a:schemeClr val="accent2">
+              <a:lumMod val="75000"/>
+            </a:schemeClr>
+          </a:solidFill>
+          <a:ln w="19050"/>
+        </p:spPr>
+        <p:style>
+          <a:lnRef idx="2">
+            <a:schemeClr val="accent1"/>
+          </a:lnRef>
+          <a:fillRef idx="1">
+            <a:schemeClr val="lt1"/>
+          </a:fillRef>
+          <a:effectRef idx="0">
+            <a:schemeClr val="accent1"/>
+          </a:effectRef>
+          <a:fontRef idx="minor">
+            <a:schemeClr val="dk1"/>
+          </a:fontRef>
+        </p:style>
+        <p:txBody>
+          <a:bodyPr lIns="124733" tIns="62367" rIns="124733" bIns="62367" rtlCol="0" anchor="ctr"/>
+          <a:lstStyle/>
+          <a:p>
+            <a:pPr algn="ctr"/>
+            <a:r>
+              <a:rPr lang="ru-RU" sz="300" dirty="0"/>
+              <a:t>Программа «Органического синдикализма» вытекала из «интегрально-корпоративной» модели, которая должна была заменить классические механизмы репрезентации либерализма. Новой утопией, предложенной IL мелкой буржуазии и особенно рабочему классу, была утопия «органического общества», которое усилит «нацию». Некоторые элементы </a:t>
+            </a:r>
+            <a:r>
+              <a:rPr lang="ru-RU" sz="300" dirty="0" err="1"/>
+              <a:t>интегралистского</a:t>
+            </a:r>
+            <a:r>
+              <a:rPr lang="ru-RU" sz="300" dirty="0"/>
+              <a:t> </a:t>
+            </a:r>
+            <a:r>
+              <a:rPr lang="ru-RU" sz="300" dirty="0" err="1"/>
+              <a:t>антикапитализма</a:t>
+            </a:r>
+            <a:r>
+              <a:rPr lang="ru-RU" sz="300" dirty="0"/>
+              <a:t> использовались для оправдания противоядия: растущая «денационализация» капитализма, центральные части которого не знали границ и угрожали разрушить национальные реалии; дикая индустриализация, породившая жалкий пролетариат, которым манипулируют социалистические и революционные идеологии; политический класс, развращенный международным капиталом. Это противоядие, таким образом, сопровождалось «социальным» дискурсом защиты рабочего класса, ограничением эксплуатации и признанием его символического места в «национальном </a:t>
+            </a:r>
+            <a:r>
+              <a:rPr lang="ru-RU" sz="300" dirty="0" err="1"/>
+              <a:t>производстве».Провозглашая</a:t>
+            </a:r>
+            <a:r>
+              <a:rPr lang="ru-RU" sz="300" dirty="0"/>
+              <a:t> «вечную нацию первой причиной нашего общественного существования», именно «высшие интересы этого» определили отмену свободной конкуренции, усиление государственного экономического вмешательства, корпоративную организацию собственников и рабочих в «союзы». которые представляли и регулировали интересы сторон. «Мы отрицаем, — говорил </a:t>
+            </a:r>
+            <a:r>
+              <a:rPr lang="ru-RU" sz="300" dirty="0" err="1"/>
+              <a:t>Прето</a:t>
+            </a:r>
+            <a:r>
+              <a:rPr lang="ru-RU" sz="300" dirty="0"/>
+              <a:t> в своих «двенадцати принципах производства», — разобщение элементов национального производства, то есть мы отрицаем изолированное существование классов, уловку, которая ставит под сомнение необходимые компоненты одного весь". Некоторые принципы до-</a:t>
+            </a:r>
+            <a:r>
+              <a:rPr lang="ru-RU" sz="300" dirty="0" err="1"/>
+              <a:t>антикапитализма</a:t>
+            </a:r>
+            <a:r>
+              <a:rPr lang="ru-RU" sz="300" dirty="0"/>
+              <a:t> И.Л. выступили тогда как морализирующие и защитные меры для самих рабочих. «Мы осуждаем», — говорится в IV принципе, — «свободу труда, свободную конкуренцию, свободу торговли, как противоречащие производству. Мы не рассматриваем права без обязательств»</a:t>
+            </a:r>
+            <a:br>
+              <a:rPr lang="ru-RU" sz="300" dirty="0"/>
+            </a:br>
+            <a:r>
+              <a:rPr lang="ru-RU" sz="300" dirty="0"/>
+              <a:t>В отличие от капитализма, который игнорировал социальную напряженность, и социализма, который использовал один класс для уничтожения других, «</a:t>
+            </a:r>
+            <a:r>
+              <a:rPr lang="ru-RU" sz="300" dirty="0" err="1"/>
+              <a:t>символ¬органический</a:t>
+            </a:r>
+            <a:r>
+              <a:rPr lang="ru-RU" sz="300" dirty="0"/>
+              <a:t> </a:t>
+            </a:r>
+            <a:r>
+              <a:rPr lang="ru-RU" sz="300" dirty="0" err="1"/>
+              <a:t>дикализм</a:t>
+            </a:r>
+            <a:r>
+              <a:rPr lang="ru-RU" sz="300" dirty="0"/>
+              <a:t>» установил «баланс» между ними, </a:t>
+            </a:r>
+            <a:r>
+              <a:rPr lang="ru-RU" sz="300" dirty="0" err="1"/>
+              <a:t>используядля</a:t>
+            </a:r>
+            <a:r>
+              <a:rPr lang="ru-RU" sz="300" dirty="0"/>
+              <a:t> этой цели «хорошие профсоюзные и корпоративные формулы, чье прошлое уходит корнями в лучшие времена социальной гармонии и национальной работы».. На эту программу «национального </a:t>
+            </a:r>
+            <a:r>
+              <a:rPr lang="ru-RU" sz="300" dirty="0" err="1"/>
+              <a:t>юнионизма</a:t>
+            </a:r>
+            <a:r>
+              <a:rPr lang="ru-RU" sz="300" dirty="0"/>
+              <a:t>», а также на ее неразрывную связь с мифологией «нации» оказал влияние и итальянский национализм </a:t>
+            </a:r>
+            <a:r>
+              <a:rPr lang="ru-RU" sz="300" dirty="0" err="1"/>
+              <a:t>Коррадини</a:t>
+            </a:r>
+            <a:r>
+              <a:rPr lang="ru-RU" sz="300" dirty="0"/>
+              <a:t> и </a:t>
+            </a:r>
+            <a:r>
+              <a:rPr lang="ru-RU" sz="300" dirty="0" err="1"/>
+              <a:t>Рокко</a:t>
+            </a:r>
+            <a:r>
+              <a:rPr lang="ru-RU" sz="300" dirty="0"/>
+              <a:t>.</a:t>
+            </a:r>
+            <a:br>
+              <a:rPr lang="ru-RU" sz="300" dirty="0"/>
+            </a:br>
+            <a:r>
+              <a:rPr lang="ru-RU" sz="300" dirty="0"/>
+              <a:t>Корпоративный проект МП, разработанный </a:t>
+            </a:r>
+            <a:r>
+              <a:rPr lang="ru-RU" sz="300" dirty="0" err="1"/>
+              <a:t>Прето</a:t>
+            </a:r>
+            <a:r>
+              <a:rPr lang="ru-RU" sz="300" dirty="0"/>
+              <a:t>, предусматривал обширный набор профсоюзных институтов для рабочих и боссов на региональной основе и по сфере производства, дополненный «палатами профсоюзов», которые регулировали бы заработную плату, разрешали трудовые конфликты и представляли соответствующих секторов в высших организмах системы. Было бы утомительно (и почти невозможно, учитывая многообразие вариантов) подробно обращаться ко всем организационным схемам проекта, который отныне составит программную платформу первых </a:t>
+            </a:r>
+            <a:r>
+              <a:rPr lang="ru-RU" sz="300" dirty="0" err="1"/>
+              <a:t>интегралистских</a:t>
+            </a:r>
+            <a:r>
+              <a:rPr lang="ru-RU" sz="300" dirty="0"/>
+              <a:t> союзов. Первоначально расплывчатая и очень схематичная, она будет постоянно переделываться в 1920-х годах, а в 1930-х годах будет адаптирована и сильно развита, когда станет центральной платформой национал-синдикализма. Он был, однако,</a:t>
+            </a:r>
+            <a:endParaRPr lang="ru-RU" sz="100" dirty="0"/>
+          </a:p>
+        </p:txBody>
+      </p:sp>
+      <p:sp>
+        <p:nvSpPr>
+          <p:cNvPr id="905" name="Прямоугольник 904">
+            <a:extLst>
+              <a:ext uri="{FF2B5EF4-FFF2-40B4-BE49-F238E27FC236}">
+                <a16:creationId xmlns:a16="http://schemas.microsoft.com/office/drawing/2014/main" id="{BA54A035-A779-4B26-91B8-6C3F47C3C728}"/>
+              </a:ext>
+            </a:extLst>
+          </p:cNvPr>
+          <p:cNvSpPr/>
+          <p:nvPr/>
+        </p:nvSpPr>
+        <p:spPr>
+          <a:xfrm>
+            <a:off x="4444461" y="7939664"/>
+            <a:ext cx="926325" cy="540000"/>
+          </a:xfrm>
+          <a:prstGeom prst="rect">
+            <a:avLst/>
+          </a:prstGeom>
+          <a:solidFill>
+            <a:srgbClr val="FFC000"/>
+          </a:solidFill>
+          <a:ln w="19050"/>
+        </p:spPr>
+        <p:style>
+          <a:lnRef idx="2">
+            <a:schemeClr val="accent1"/>
+          </a:lnRef>
+          <a:fillRef idx="1">
+            <a:schemeClr val="lt1"/>
+          </a:fillRef>
+          <a:effectRef idx="0">
+            <a:schemeClr val="accent1"/>
+          </a:effectRef>
+          <a:fontRef idx="minor">
+            <a:schemeClr val="dk1"/>
+          </a:fontRef>
+        </p:style>
+        <p:txBody>
+          <a:bodyPr lIns="124733" tIns="62367" rIns="124733" bIns="62367" rtlCol="0" anchor="ctr"/>
+          <a:lstStyle/>
+          <a:p>
+            <a:pPr algn="ctr"/>
+            <a:r>
+              <a:rPr lang="ru-RU" sz="700" dirty="0"/>
+              <a:t>Создание фашистской милиции </a:t>
+            </a:r>
+          </a:p>
+          <a:p>
+            <a:pPr algn="ctr"/>
+            <a:r>
+              <a:rPr lang="ru-RU" sz="100" dirty="0"/>
+              <a:t>(были восторженными для объединений предпринимателей: «национальная диктатура; восстановление смертной казни, упразднение ГНР», объявив, что «во всех городах будет создана фашистская милиция, состоящая из добровольцев без какого-либо вознаграждения», в ответ на «преступления профсоюзных активистов и коммунистов»</a:t>
+            </a:r>
+            <a:endParaRPr lang="ru-RU" sz="700" dirty="0"/>
+          </a:p>
+        </p:txBody>
+      </p:sp>
+      <p:sp>
+        <p:nvSpPr>
+          <p:cNvPr id="919" name="Прямоугольник 918">
+            <a:extLst>
+              <a:ext uri="{FF2B5EF4-FFF2-40B4-BE49-F238E27FC236}">
+                <a16:creationId xmlns:a16="http://schemas.microsoft.com/office/drawing/2014/main" id="{8BF2E5AF-52BC-4B48-AA39-9FFA7B66BC9F}"/>
+              </a:ext>
+            </a:extLst>
+          </p:cNvPr>
+          <p:cNvSpPr/>
+          <p:nvPr/>
+        </p:nvSpPr>
+        <p:spPr>
+          <a:xfrm>
+            <a:off x="3937902" y="8562567"/>
+            <a:ext cx="926325" cy="540000"/>
+          </a:xfrm>
+          <a:prstGeom prst="rect">
+            <a:avLst/>
+          </a:prstGeom>
+          <a:solidFill>
+            <a:srgbClr val="FFC000"/>
+          </a:solidFill>
+          <a:ln w="19050"/>
+        </p:spPr>
+        <p:style>
+          <a:lnRef idx="2">
+            <a:schemeClr val="accent1"/>
+          </a:lnRef>
+          <a:fillRef idx="1">
+            <a:schemeClr val="lt1"/>
+          </a:fillRef>
+          <a:effectRef idx="0">
+            <a:schemeClr val="accent1"/>
+          </a:effectRef>
+          <a:fontRef idx="minor">
+            <a:schemeClr val="dk1"/>
+          </a:fontRef>
+        </p:style>
+        <p:txBody>
+          <a:bodyPr lIns="124733" tIns="62367" rIns="124733" bIns="62367" rtlCol="0" anchor="ctr"/>
+          <a:lstStyle/>
+          <a:p>
+            <a:pPr algn="ctr"/>
+            <a:r>
+              <a:rPr lang="ru-RU" sz="700" dirty="0"/>
+              <a:t>Армия национальной обороны</a:t>
+            </a:r>
+          </a:p>
+          <a:p>
+            <a:pPr algn="ctr"/>
+            <a:r>
+              <a:rPr lang="ru-RU" sz="100" dirty="0"/>
+              <a:t>чтобы армия была усилена и достойна для национальной обороны; чтобы собственность была защищена в своих правах и была принуждена выполнять свои обязанности по отношению к нации и особенно по отношению к рабочим, [приверженцы обязуются] встать на сторону любого португальского правительства против иностранной агрессии и большевизма</a:t>
+            </a:r>
+            <a:endParaRPr lang="ru-RU" sz="700" dirty="0"/>
+          </a:p>
+        </p:txBody>
+      </p:sp>
+      <p:cxnSp>
+        <p:nvCxnSpPr>
+          <p:cNvPr id="808" name="Соединительная линия уступом 251">
+            <a:extLst>
+              <a:ext uri="{FF2B5EF4-FFF2-40B4-BE49-F238E27FC236}">
+                <a16:creationId xmlns:a16="http://schemas.microsoft.com/office/drawing/2014/main" id="{C6B1EA63-F320-46A2-B593-1D5DB86E5D96}"/>
+              </a:ext>
+            </a:extLst>
+          </p:cNvPr>
+          <p:cNvCxnSpPr>
+            <a:cxnSpLocks/>
+            <a:stCxn id="127" idx="2"/>
+            <a:endCxn id="133" idx="0"/>
+          </p:cNvCxnSpPr>
+          <p:nvPr/>
+        </p:nvCxnSpPr>
+        <p:spPr>
+          <a:xfrm rot="5400000">
+            <a:off x="6693553" y="12450108"/>
+            <a:ext cx="223405" cy="1040337"/>
+          </a:xfrm>
+          <a:prstGeom prst="bentConnector3">
+            <a:avLst>
+              <a:gd name="adj1" fmla="val 50000"/>
+            </a:avLst>
+          </a:prstGeom>
+          <a:ln w="19050">
+            <a:tailEnd type="arrow"/>
+          </a:ln>
+        </p:spPr>
+        <p:style>
+          <a:lnRef idx="1">
+            <a:schemeClr val="accent1"/>
+          </a:lnRef>
+          <a:fillRef idx="0">
+            <a:schemeClr val="accent1"/>
+          </a:fillRef>
+          <a:effectRef idx="0">
+            <a:schemeClr val="accent1"/>
+          </a:effectRef>
+          <a:fontRef idx="minor">
+            <a:schemeClr val="tx1"/>
+          </a:fontRef>
+        </p:style>
+      </p:cxnSp>
+      <p:cxnSp>
+        <p:nvCxnSpPr>
+          <p:cNvPr id="813" name="Соединительная линия уступом 134">
+            <a:extLst>
+              <a:ext uri="{FF2B5EF4-FFF2-40B4-BE49-F238E27FC236}">
+                <a16:creationId xmlns:a16="http://schemas.microsoft.com/office/drawing/2014/main" id="{6E4BFBE0-B28B-49AF-AE7A-C08192ABEC1F}"/>
+              </a:ext>
+            </a:extLst>
+          </p:cNvPr>
+          <p:cNvCxnSpPr>
+            <a:cxnSpLocks/>
+            <a:stCxn id="851" idx="2"/>
+            <a:endCxn id="128" idx="0"/>
+          </p:cNvCxnSpPr>
+          <p:nvPr/>
+        </p:nvCxnSpPr>
+        <p:spPr>
+          <a:xfrm rot="5400000">
+            <a:off x="6674228" y="13230513"/>
+            <a:ext cx="270286" cy="1036874"/>
+          </a:xfrm>
+          <a:prstGeom prst="bentConnector3">
+            <a:avLst>
+              <a:gd name="adj1" fmla="val 50000"/>
+            </a:avLst>
+          </a:prstGeom>
+          <a:ln w="19050">
+            <a:tailEnd type="arrow"/>
+          </a:ln>
+        </p:spPr>
+        <p:style>
+          <a:lnRef idx="1">
+            <a:schemeClr val="accent1"/>
+          </a:lnRef>
+          <a:fillRef idx="0">
+            <a:schemeClr val="accent1"/>
+          </a:fillRef>
+          <a:effectRef idx="0">
+            <a:schemeClr val="accent1"/>
+          </a:effectRef>
+          <a:fontRef idx="minor">
+            <a:schemeClr val="tx1"/>
+          </a:fontRef>
+        </p:style>
+      </p:cxnSp>
+      <p:cxnSp>
+        <p:nvCxnSpPr>
+          <p:cNvPr id="879" name="Соединительная линия уступом 251">
+            <a:extLst>
+              <a:ext uri="{FF2B5EF4-FFF2-40B4-BE49-F238E27FC236}">
+                <a16:creationId xmlns:a16="http://schemas.microsoft.com/office/drawing/2014/main" id="{061E5844-1D5C-4BD1-B178-6C2B17BF99E1}"/>
+              </a:ext>
+            </a:extLst>
+          </p:cNvPr>
+          <p:cNvCxnSpPr>
+            <a:cxnSpLocks/>
+            <a:stCxn id="113" idx="2"/>
+            <a:endCxn id="233" idx="0"/>
+          </p:cNvCxnSpPr>
+          <p:nvPr/>
+        </p:nvCxnSpPr>
+        <p:spPr>
+          <a:xfrm rot="5400000">
+            <a:off x="2426465" y="11650628"/>
+            <a:ext cx="234287" cy="1068528"/>
+          </a:xfrm>
+          <a:prstGeom prst="bentConnector3">
+            <a:avLst>
+              <a:gd name="adj1" fmla="val 50000"/>
+            </a:avLst>
+          </a:prstGeom>
+          <a:ln w="19050">
+            <a:tailEnd type="arrow"/>
+          </a:ln>
+        </p:spPr>
+        <p:style>
+          <a:lnRef idx="1">
+            <a:schemeClr val="accent1"/>
+          </a:lnRef>
+          <a:fillRef idx="0">
+            <a:schemeClr val="accent1"/>
+          </a:fillRef>
+          <a:effectRef idx="0">
+            <a:schemeClr val="accent1"/>
+          </a:effectRef>
+          <a:fontRef idx="minor">
+            <a:schemeClr val="tx1"/>
+          </a:fontRef>
+        </p:style>
+      </p:cxnSp>
+      <p:cxnSp>
+        <p:nvCxnSpPr>
+          <p:cNvPr id="920" name="Соединительная линия уступом 251">
+            <a:extLst>
+              <a:ext uri="{FF2B5EF4-FFF2-40B4-BE49-F238E27FC236}">
+                <a16:creationId xmlns:a16="http://schemas.microsoft.com/office/drawing/2014/main" id="{169A078A-B270-4C6E-9D8A-B122B705C9DB}"/>
+              </a:ext>
+            </a:extLst>
+          </p:cNvPr>
+          <p:cNvCxnSpPr>
+            <a:cxnSpLocks/>
+            <a:stCxn id="113" idx="2"/>
+            <a:endCxn id="334" idx="0"/>
+          </p:cNvCxnSpPr>
+          <p:nvPr/>
+        </p:nvCxnSpPr>
+        <p:spPr>
+          <a:xfrm rot="16200000" flipH="1">
+            <a:off x="3490179" y="11655441"/>
+            <a:ext cx="249755" cy="1074369"/>
+          </a:xfrm>
+          <a:prstGeom prst="bentConnector3">
+            <a:avLst>
+              <a:gd name="adj1" fmla="val 50000"/>
+            </a:avLst>
+          </a:prstGeom>
+          <a:ln w="19050">
+            <a:tailEnd type="arrow"/>
+          </a:ln>
+        </p:spPr>
+        <p:style>
+          <a:lnRef idx="1">
+            <a:schemeClr val="accent1"/>
+          </a:lnRef>
+          <a:fillRef idx="0">
+            <a:schemeClr val="accent1"/>
+          </a:fillRef>
+          <a:effectRef idx="0">
+            <a:schemeClr val="accent1"/>
+          </a:effectRef>
+          <a:fontRef idx="minor">
+            <a:schemeClr val="tx1"/>
+          </a:fontRef>
+        </p:style>
+      </p:cxnSp>
+      <p:cxnSp>
+        <p:nvCxnSpPr>
+          <p:cNvPr id="924" name="Соединительная линия уступом 251">
+            <a:extLst>
+              <a:ext uri="{FF2B5EF4-FFF2-40B4-BE49-F238E27FC236}">
+                <a16:creationId xmlns:a16="http://schemas.microsoft.com/office/drawing/2014/main" id="{AEF685CE-C5D4-4FFB-99D6-A0D31393F111}"/>
+              </a:ext>
+            </a:extLst>
+          </p:cNvPr>
+          <p:cNvCxnSpPr>
+            <a:cxnSpLocks/>
+            <a:stCxn id="117" idx="2"/>
+            <a:endCxn id="359" idx="0"/>
+          </p:cNvCxnSpPr>
+          <p:nvPr/>
+        </p:nvCxnSpPr>
+        <p:spPr>
+          <a:xfrm rot="16200000" flipH="1">
+            <a:off x="3497789" y="12430545"/>
+            <a:ext cx="226552" cy="1066387"/>
+          </a:xfrm>
+          <a:prstGeom prst="bentConnector3">
+            <a:avLst>
+              <a:gd name="adj1" fmla="val 50000"/>
+            </a:avLst>
+          </a:prstGeom>
+          <a:ln w="19050">
+            <a:tailEnd type="arrow"/>
+          </a:ln>
+        </p:spPr>
+        <p:style>
+          <a:lnRef idx="1">
+            <a:schemeClr val="accent1"/>
+          </a:lnRef>
+          <a:fillRef idx="0">
+            <a:schemeClr val="accent1"/>
+          </a:fillRef>
+          <a:effectRef idx="0">
+            <a:schemeClr val="accent1"/>
+          </a:effectRef>
+          <a:fontRef idx="minor">
+            <a:schemeClr val="tx1"/>
+          </a:fontRef>
+        </p:style>
+      </p:cxnSp>
+      <p:cxnSp>
+        <p:nvCxnSpPr>
+          <p:cNvPr id="925" name="Соединительная линия уступом 251">
+            <a:extLst>
+              <a:ext uri="{FF2B5EF4-FFF2-40B4-BE49-F238E27FC236}">
+                <a16:creationId xmlns:a16="http://schemas.microsoft.com/office/drawing/2014/main" id="{4EC07048-102F-4BBF-8581-D7DB530D3590}"/>
+              </a:ext>
+            </a:extLst>
+          </p:cNvPr>
+          <p:cNvCxnSpPr>
+            <a:cxnSpLocks/>
+            <a:stCxn id="117" idx="2"/>
+            <a:endCxn id="121" idx="0"/>
+          </p:cNvCxnSpPr>
+          <p:nvPr/>
+        </p:nvCxnSpPr>
+        <p:spPr>
+          <a:xfrm rot="5400000">
+            <a:off x="2439782" y="12435359"/>
+            <a:ext cx="222987" cy="1053195"/>
+          </a:xfrm>
+          <a:prstGeom prst="bentConnector3">
+            <a:avLst>
+              <a:gd name="adj1" fmla="val 50000"/>
+            </a:avLst>
+          </a:prstGeom>
+          <a:ln w="19050">
+            <a:tailEnd type="arrow"/>
+          </a:ln>
+        </p:spPr>
+        <p:style>
+          <a:lnRef idx="1">
+            <a:schemeClr val="accent1"/>
+          </a:lnRef>
+          <a:fillRef idx="0">
+            <a:schemeClr val="accent1"/>
+          </a:fillRef>
+          <a:effectRef idx="0">
+            <a:schemeClr val="accent1"/>
+          </a:effectRef>
+          <a:fontRef idx="minor">
+            <a:schemeClr val="tx1"/>
+          </a:fontRef>
+        </p:style>
+      </p:cxnSp>
+      <p:cxnSp>
+        <p:nvCxnSpPr>
+          <p:cNvPr id="928" name="Соединительная линия уступом 251">
+            <a:extLst>
+              <a:ext uri="{FF2B5EF4-FFF2-40B4-BE49-F238E27FC236}">
+                <a16:creationId xmlns:a16="http://schemas.microsoft.com/office/drawing/2014/main" id="{2F7C3FA1-5453-4B7F-AAFE-AD9E118C851B}"/>
+              </a:ext>
+            </a:extLst>
+          </p:cNvPr>
+          <p:cNvCxnSpPr>
+            <a:cxnSpLocks/>
+            <a:stCxn id="327" idx="2"/>
+            <a:endCxn id="118" idx="0"/>
+          </p:cNvCxnSpPr>
+          <p:nvPr/>
+        </p:nvCxnSpPr>
+        <p:spPr>
+          <a:xfrm rot="5400000">
+            <a:off x="2423469" y="13211993"/>
+            <a:ext cx="257727" cy="1063610"/>
+          </a:xfrm>
+          <a:prstGeom prst="bentConnector3">
+            <a:avLst>
+              <a:gd name="adj1" fmla="val 50000"/>
+            </a:avLst>
+          </a:prstGeom>
+          <a:ln w="19050">
+            <a:tailEnd type="arrow"/>
+          </a:ln>
+        </p:spPr>
+        <p:style>
+          <a:lnRef idx="1">
+            <a:schemeClr val="accent1"/>
+          </a:lnRef>
+          <a:fillRef idx="0">
+            <a:schemeClr val="accent1"/>
+          </a:fillRef>
+          <a:effectRef idx="0">
+            <a:schemeClr val="accent1"/>
+          </a:effectRef>
+          <a:fontRef idx="minor">
+            <a:schemeClr val="tx1"/>
+          </a:fontRef>
+        </p:style>
+      </p:cxnSp>
+      <p:cxnSp>
+        <p:nvCxnSpPr>
+          <p:cNvPr id="930" name="Прямая со стрелкой 929">
+            <a:extLst>
+              <a:ext uri="{FF2B5EF4-FFF2-40B4-BE49-F238E27FC236}">
+                <a16:creationId xmlns:a16="http://schemas.microsoft.com/office/drawing/2014/main" id="{E8F075D8-A2DC-4358-BEBE-09B7B7E7D601}"/>
+              </a:ext>
+            </a:extLst>
+          </p:cNvPr>
+          <p:cNvCxnSpPr>
+            <a:cxnSpLocks/>
+            <a:stCxn id="117" idx="2"/>
+            <a:endCxn id="327" idx="0"/>
+          </p:cNvCxnSpPr>
+          <p:nvPr/>
+        </p:nvCxnSpPr>
+        <p:spPr>
+          <a:xfrm>
+            <a:off x="3077872" y="12850463"/>
+            <a:ext cx="6265" cy="224472"/>
+          </a:xfrm>
+          <a:prstGeom prst="straightConnector1">
+            <a:avLst/>
+          </a:prstGeom>
+          <a:ln w="19050">
+            <a:tailEnd type="arrow"/>
+          </a:ln>
+        </p:spPr>
+        <p:style>
+          <a:lnRef idx="1">
+            <a:schemeClr val="accent1"/>
+          </a:lnRef>
+          <a:fillRef idx="0">
+            <a:schemeClr val="accent1"/>
+          </a:fillRef>
+          <a:effectRef idx="0">
+            <a:schemeClr val="accent1"/>
+          </a:effectRef>
+          <a:fontRef idx="minor">
+            <a:schemeClr val="tx1"/>
+          </a:fontRef>
+        </p:style>
+      </p:cxnSp>
+      <p:cxnSp>
+        <p:nvCxnSpPr>
+          <p:cNvPr id="931" name="Прямая со стрелкой 930">
+            <a:extLst>
+              <a:ext uri="{FF2B5EF4-FFF2-40B4-BE49-F238E27FC236}">
+                <a16:creationId xmlns:a16="http://schemas.microsoft.com/office/drawing/2014/main" id="{27D0E60A-212A-491A-A4FB-97059D556B0E}"/>
+              </a:ext>
+            </a:extLst>
+          </p:cNvPr>
+          <p:cNvCxnSpPr>
+            <a:cxnSpLocks/>
+            <a:stCxn id="113" idx="2"/>
+            <a:endCxn id="117" idx="0"/>
+          </p:cNvCxnSpPr>
+          <p:nvPr/>
+        </p:nvCxnSpPr>
+        <p:spPr>
+          <a:xfrm>
+            <a:off x="3077872" y="12067749"/>
+            <a:ext cx="0" cy="242714"/>
+          </a:xfrm>
+          <a:prstGeom prst="straightConnector1">
+            <a:avLst/>
+          </a:prstGeom>
+          <a:ln w="19050">
+            <a:tailEnd type="arrow"/>
+          </a:ln>
+        </p:spPr>
+        <p:style>
+          <a:lnRef idx="1">
+            <a:schemeClr val="accent1"/>
+          </a:lnRef>
+          <a:fillRef idx="0">
+            <a:schemeClr val="accent1"/>
+          </a:fillRef>
+          <a:effectRef idx="0">
+            <a:schemeClr val="accent1"/>
+          </a:effectRef>
+          <a:fontRef idx="minor">
+            <a:schemeClr val="tx1"/>
+          </a:fontRef>
+        </p:style>
+      </p:cxnSp>
+      <p:cxnSp>
+        <p:nvCxnSpPr>
+          <p:cNvPr id="933" name="Соединительная линия уступом 251">
+            <a:extLst>
+              <a:ext uri="{FF2B5EF4-FFF2-40B4-BE49-F238E27FC236}">
+                <a16:creationId xmlns:a16="http://schemas.microsoft.com/office/drawing/2014/main" id="{D6CBA428-3FBE-4F62-A676-B787B487A731}"/>
+              </a:ext>
+            </a:extLst>
+          </p:cNvPr>
+          <p:cNvCxnSpPr>
+            <a:cxnSpLocks/>
+            <a:stCxn id="359" idx="2"/>
+            <a:endCxn id="333" idx="0"/>
+          </p:cNvCxnSpPr>
+          <p:nvPr/>
+        </p:nvCxnSpPr>
+        <p:spPr>
+          <a:xfrm rot="5400000">
+            <a:off x="4015582" y="13743984"/>
+            <a:ext cx="255647" cy="1708"/>
+          </a:xfrm>
+          <a:prstGeom prst="bentConnector3">
+            <a:avLst>
+              <a:gd name="adj1" fmla="val 50000"/>
+            </a:avLst>
+          </a:prstGeom>
+          <a:ln w="19050">
+            <a:tailEnd type="arrow"/>
+          </a:ln>
+        </p:spPr>
+        <p:style>
+          <a:lnRef idx="1">
+            <a:schemeClr val="accent1"/>
+          </a:lnRef>
+          <a:fillRef idx="0">
+            <a:schemeClr val="accent1"/>
+          </a:fillRef>
+          <a:effectRef idx="0">
+            <a:schemeClr val="accent1"/>
+          </a:effectRef>
+          <a:fontRef idx="minor">
+            <a:schemeClr val="tx1"/>
+          </a:fontRef>
+        </p:style>
+      </p:cxnSp>
+      <p:cxnSp>
+        <p:nvCxnSpPr>
+          <p:cNvPr id="936" name="Соединительная линия уступом 251">
+            <a:extLst>
+              <a:ext uri="{FF2B5EF4-FFF2-40B4-BE49-F238E27FC236}">
+                <a16:creationId xmlns:a16="http://schemas.microsoft.com/office/drawing/2014/main" id="{FEB720CD-BF9A-4D1F-B7CE-CA534E6E7890}"/>
+              </a:ext>
+            </a:extLst>
+          </p:cNvPr>
+          <p:cNvCxnSpPr>
+            <a:cxnSpLocks/>
+            <a:stCxn id="359" idx="2"/>
+            <a:endCxn id="363" idx="0"/>
+          </p:cNvCxnSpPr>
+          <p:nvPr/>
+        </p:nvCxnSpPr>
+        <p:spPr>
+          <a:xfrm rot="16200000" flipH="1">
+            <a:off x="4534454" y="13226819"/>
+            <a:ext cx="260612" cy="1041003"/>
+          </a:xfrm>
+          <a:prstGeom prst="bentConnector3">
+            <a:avLst>
+              <a:gd name="adj1" fmla="val 50000"/>
+            </a:avLst>
+          </a:prstGeom>
+          <a:ln w="19050">
+            <a:tailEnd type="arrow"/>
+          </a:ln>
+        </p:spPr>
+        <p:style>
+          <a:lnRef idx="1">
+            <a:schemeClr val="accent1"/>
+          </a:lnRef>
+          <a:fillRef idx="0">
+            <a:schemeClr val="accent1"/>
+          </a:fillRef>
+          <a:effectRef idx="0">
+            <a:schemeClr val="accent1"/>
+          </a:effectRef>
+          <a:fontRef idx="minor">
+            <a:schemeClr val="tx1"/>
+          </a:fontRef>
+        </p:style>
+      </p:cxnSp>
+      <p:cxnSp>
+        <p:nvCxnSpPr>
+          <p:cNvPr id="940" name="Прямая со стрелкой 939">
+            <a:extLst>
+              <a:ext uri="{FF2B5EF4-FFF2-40B4-BE49-F238E27FC236}">
+                <a16:creationId xmlns:a16="http://schemas.microsoft.com/office/drawing/2014/main" id="{2063E696-D134-451E-96FA-DDC675773EB0}"/>
+              </a:ext>
+            </a:extLst>
+          </p:cNvPr>
+          <p:cNvCxnSpPr>
+            <a:cxnSpLocks/>
+            <a:stCxn id="842" idx="2"/>
+            <a:endCxn id="217" idx="0"/>
+          </p:cNvCxnSpPr>
+          <p:nvPr/>
+        </p:nvCxnSpPr>
+        <p:spPr>
+          <a:xfrm>
+            <a:off x="7328862" y="14424093"/>
+            <a:ext cx="3327" cy="300493"/>
+          </a:xfrm>
+          <a:prstGeom prst="straightConnector1">
+            <a:avLst/>
+          </a:prstGeom>
+          <a:ln w="19050">
+            <a:tailEnd type="arrow"/>
+          </a:ln>
+        </p:spPr>
+        <p:style>
+          <a:lnRef idx="1">
+            <a:schemeClr val="accent1"/>
+          </a:lnRef>
+          <a:fillRef idx="0">
+            <a:schemeClr val="accent1"/>
+          </a:fillRef>
+          <a:effectRef idx="0">
+            <a:schemeClr val="accent1"/>
+          </a:effectRef>
+          <a:fontRef idx="minor">
+            <a:schemeClr val="tx1"/>
+          </a:fontRef>
+        </p:style>
+      </p:cxnSp>
+      <p:cxnSp>
+        <p:nvCxnSpPr>
+          <p:cNvPr id="941" name="Соединительная линия уступом 230">
+            <a:extLst>
+              <a:ext uri="{FF2B5EF4-FFF2-40B4-BE49-F238E27FC236}">
+                <a16:creationId xmlns:a16="http://schemas.microsoft.com/office/drawing/2014/main" id="{E0AF97CB-64E9-4241-8BA7-98D061DFF553}"/>
+              </a:ext>
+            </a:extLst>
+          </p:cNvPr>
+          <p:cNvCxnSpPr>
+            <a:cxnSpLocks/>
+            <a:stCxn id="129" idx="2"/>
+            <a:endCxn id="177" idx="0"/>
+          </p:cNvCxnSpPr>
+          <p:nvPr/>
+        </p:nvCxnSpPr>
+        <p:spPr>
+          <a:xfrm rot="16200000" flipH="1">
+            <a:off x="9001003" y="13449873"/>
+            <a:ext cx="270474" cy="599465"/>
+          </a:xfrm>
+          <a:prstGeom prst="bentConnector3">
+            <a:avLst>
+              <a:gd name="adj1" fmla="val 50000"/>
+            </a:avLst>
+          </a:prstGeom>
+          <a:ln w="19050">
+            <a:tailEnd type="arrow"/>
+          </a:ln>
+        </p:spPr>
+        <p:style>
+          <a:lnRef idx="1">
+            <a:schemeClr val="accent1"/>
+          </a:lnRef>
+          <a:fillRef idx="0">
+            <a:schemeClr val="accent1"/>
+          </a:fillRef>
+          <a:effectRef idx="0">
+            <a:schemeClr val="accent1"/>
+          </a:effectRef>
+          <a:fontRef idx="minor">
+            <a:schemeClr val="tx1"/>
+          </a:fontRef>
+        </p:style>
+      </p:cxnSp>
+      <p:cxnSp>
+        <p:nvCxnSpPr>
+          <p:cNvPr id="942" name="Соединительная линия уступом 230">
+            <a:extLst>
+              <a:ext uri="{FF2B5EF4-FFF2-40B4-BE49-F238E27FC236}">
+                <a16:creationId xmlns:a16="http://schemas.microsoft.com/office/drawing/2014/main" id="{D9769541-1096-41FD-B92D-AED2FE8C9E74}"/>
+              </a:ext>
+            </a:extLst>
+          </p:cNvPr>
+          <p:cNvCxnSpPr>
+            <a:cxnSpLocks/>
+            <a:stCxn id="226" idx="2"/>
+            <a:endCxn id="177" idx="0"/>
+          </p:cNvCxnSpPr>
+          <p:nvPr/>
+        </p:nvCxnSpPr>
+        <p:spPr>
+          <a:xfrm rot="5400000">
+            <a:off x="9562417" y="13495825"/>
+            <a:ext cx="262575" cy="515461"/>
+          </a:xfrm>
+          <a:prstGeom prst="bentConnector3">
+            <a:avLst>
+              <a:gd name="adj1" fmla="val 50000"/>
+            </a:avLst>
+          </a:prstGeom>
+          <a:ln w="19050">
+            <a:tailEnd type="arrow"/>
+          </a:ln>
+        </p:spPr>
+        <p:style>
+          <a:lnRef idx="1">
+            <a:schemeClr val="accent1"/>
+          </a:lnRef>
+          <a:fillRef idx="0">
+            <a:schemeClr val="accent1"/>
+          </a:fillRef>
+          <a:effectRef idx="0">
+            <a:schemeClr val="accent1"/>
+          </a:effectRef>
+          <a:fontRef idx="minor">
+            <a:schemeClr val="tx1"/>
+          </a:fontRef>
+        </p:style>
+      </p:cxnSp>
+      <p:cxnSp>
+        <p:nvCxnSpPr>
+          <p:cNvPr id="945" name="Соединительная линия уступом 230">
+            <a:extLst>
+              <a:ext uri="{FF2B5EF4-FFF2-40B4-BE49-F238E27FC236}">
+                <a16:creationId xmlns:a16="http://schemas.microsoft.com/office/drawing/2014/main" id="{463AC108-ADF3-4B96-9A39-503A78B5E1CC}"/>
+              </a:ext>
+            </a:extLst>
+          </p:cNvPr>
+          <p:cNvCxnSpPr>
+            <a:cxnSpLocks/>
+            <a:stCxn id="226" idx="2"/>
+            <a:endCxn id="274" idx="0"/>
+          </p:cNvCxnSpPr>
+          <p:nvPr/>
+        </p:nvCxnSpPr>
+        <p:spPr>
+          <a:xfrm rot="16200000" flipH="1">
+            <a:off x="10096898" y="13476804"/>
+            <a:ext cx="261825" cy="552752"/>
           </a:xfrm>
           <a:prstGeom prst="bentConnector3">
             <a:avLst>

--- a/Наработки/диздоки/Португалия/Португалия общая.pptx
+++ b/Наработки/диздоки/Португалия/Португалия общая.pptx
@@ -209,7 +209,7 @@
             <a:fld id="{33E3D7F9-E251-484C-A6FF-FA958879DF69}" type="datetimeFigureOut">
               <a:rPr lang="ru-RU" smtClean="0"/>
               <a:pPr/>
-              <a:t>16.06.2023</a:t>
+              <a:t>18.06.2023</a:t>
             </a:fld>
             <a:endParaRPr lang="ru-RU"/>
           </a:p>
@@ -699,7 +699,7 @@
             <a:fld id="{85A5DE44-605B-4D3B-B2B7-94543DF81A36}" type="datetimeFigureOut">
               <a:rPr lang="ru-RU" smtClean="0"/>
               <a:pPr/>
-              <a:t>16.06.2023</a:t>
+              <a:t>18.06.2023</a:t>
             </a:fld>
             <a:endParaRPr lang="ru-RU"/>
           </a:p>
@@ -871,7 +871,7 @@
             <a:fld id="{85A5DE44-605B-4D3B-B2B7-94543DF81A36}" type="datetimeFigureOut">
               <a:rPr lang="ru-RU" smtClean="0"/>
               <a:pPr/>
-              <a:t>16.06.2023</a:t>
+              <a:t>18.06.2023</a:t>
             </a:fld>
             <a:endParaRPr lang="ru-RU"/>
           </a:p>
@@ -1053,7 +1053,7 @@
             <a:fld id="{85A5DE44-605B-4D3B-B2B7-94543DF81A36}" type="datetimeFigureOut">
               <a:rPr lang="ru-RU" smtClean="0"/>
               <a:pPr/>
-              <a:t>16.06.2023</a:t>
+              <a:t>18.06.2023</a:t>
             </a:fld>
             <a:endParaRPr lang="ru-RU"/>
           </a:p>
@@ -1225,7 +1225,7 @@
             <a:fld id="{85A5DE44-605B-4D3B-B2B7-94543DF81A36}" type="datetimeFigureOut">
               <a:rPr lang="ru-RU" smtClean="0"/>
               <a:pPr/>
-              <a:t>16.06.2023</a:t>
+              <a:t>18.06.2023</a:t>
             </a:fld>
             <a:endParaRPr lang="ru-RU"/>
           </a:p>
@@ -1473,7 +1473,7 @@
             <a:fld id="{85A5DE44-605B-4D3B-B2B7-94543DF81A36}" type="datetimeFigureOut">
               <a:rPr lang="ru-RU" smtClean="0"/>
               <a:pPr/>
-              <a:t>16.06.2023</a:t>
+              <a:t>18.06.2023</a:t>
             </a:fld>
             <a:endParaRPr lang="ru-RU"/>
           </a:p>
@@ -1707,7 +1707,7 @@
             <a:fld id="{85A5DE44-605B-4D3B-B2B7-94543DF81A36}" type="datetimeFigureOut">
               <a:rPr lang="ru-RU" smtClean="0"/>
               <a:pPr/>
-              <a:t>16.06.2023</a:t>
+              <a:t>18.06.2023</a:t>
             </a:fld>
             <a:endParaRPr lang="ru-RU"/>
           </a:p>
@@ -2076,7 +2076,7 @@
             <a:fld id="{85A5DE44-605B-4D3B-B2B7-94543DF81A36}" type="datetimeFigureOut">
               <a:rPr lang="ru-RU" smtClean="0"/>
               <a:pPr/>
-              <a:t>16.06.2023</a:t>
+              <a:t>18.06.2023</a:t>
             </a:fld>
             <a:endParaRPr lang="ru-RU"/>
           </a:p>
@@ -2196,7 +2196,7 @@
             <a:fld id="{85A5DE44-605B-4D3B-B2B7-94543DF81A36}" type="datetimeFigureOut">
               <a:rPr lang="ru-RU" smtClean="0"/>
               <a:pPr/>
-              <a:t>16.06.2023</a:t>
+              <a:t>18.06.2023</a:t>
             </a:fld>
             <a:endParaRPr lang="ru-RU"/>
           </a:p>
@@ -2293,7 +2293,7 @@
             <a:fld id="{85A5DE44-605B-4D3B-B2B7-94543DF81A36}" type="datetimeFigureOut">
               <a:rPr lang="ru-RU" smtClean="0"/>
               <a:pPr/>
-              <a:t>16.06.2023</a:t>
+              <a:t>18.06.2023</a:t>
             </a:fld>
             <a:endParaRPr lang="ru-RU"/>
           </a:p>
@@ -2572,7 +2572,7 @@
             <a:fld id="{85A5DE44-605B-4D3B-B2B7-94543DF81A36}" type="datetimeFigureOut">
               <a:rPr lang="ru-RU" smtClean="0"/>
               <a:pPr/>
-              <a:t>16.06.2023</a:t>
+              <a:t>18.06.2023</a:t>
             </a:fld>
             <a:endParaRPr lang="ru-RU"/>
           </a:p>
@@ -2831,7 +2831,7 @@
             <a:fld id="{85A5DE44-605B-4D3B-B2B7-94543DF81A36}" type="datetimeFigureOut">
               <a:rPr lang="ru-RU" smtClean="0"/>
               <a:pPr/>
-              <a:t>16.06.2023</a:t>
+              <a:t>18.06.2023</a:t>
             </a:fld>
             <a:endParaRPr lang="ru-RU"/>
           </a:p>
@@ -3046,7 +3046,7 @@
             <a:fld id="{85A5DE44-605B-4D3B-B2B7-94543DF81A36}" type="datetimeFigureOut">
               <a:rPr lang="ru-RU" smtClean="0"/>
               <a:pPr/>
-              <a:t>16.06.2023</a:t>
+              <a:t>18.06.2023</a:t>
             </a:fld>
             <a:endParaRPr lang="ru-RU"/>
           </a:p>
@@ -3637,7 +3637,7 @@
         </p:nvSpPr>
         <p:spPr>
           <a:xfrm>
-            <a:off x="14301562" y="13075189"/>
+            <a:off x="13790339" y="12288700"/>
             <a:ext cx="926325" cy="540000"/>
           </a:xfrm>
           <a:prstGeom prst="rect">
@@ -3691,7 +3691,7 @@
         </p:nvSpPr>
         <p:spPr>
           <a:xfrm>
-            <a:off x="12679283" y="12302036"/>
+            <a:off x="12148917" y="12288700"/>
             <a:ext cx="926325" cy="540000"/>
           </a:xfrm>
           <a:prstGeom prst="rect">
@@ -3733,7 +3733,7 @@
         </p:nvSpPr>
         <p:spPr>
           <a:xfrm>
-            <a:off x="12137981" y="13075189"/>
+            <a:off x="11661196" y="13074935"/>
             <a:ext cx="926325" cy="540000"/>
           </a:xfrm>
           <a:prstGeom prst="rect">
@@ -3811,7 +3811,7 @@
         </p:nvSpPr>
         <p:spPr>
           <a:xfrm>
-            <a:off x="14294739" y="13889566"/>
+            <a:off x="13790340" y="13889566"/>
             <a:ext cx="926325" cy="540000"/>
           </a:xfrm>
           <a:prstGeom prst="rect">
@@ -3853,7 +3853,7 @@
         </p:nvSpPr>
         <p:spPr>
           <a:xfrm>
-            <a:off x="13226651" y="13077464"/>
+            <a:off x="12708965" y="13081979"/>
             <a:ext cx="926325" cy="540000"/>
           </a:xfrm>
           <a:prstGeom prst="rect">
@@ -3903,7 +3903,7 @@
         </p:nvSpPr>
         <p:spPr>
           <a:xfrm>
-            <a:off x="13228793" y="13885240"/>
+            <a:off x="12711107" y="13889755"/>
             <a:ext cx="926325" cy="540000"/>
           </a:xfrm>
           <a:prstGeom prst="rect">
@@ -3991,7 +3991,7 @@
         </p:nvSpPr>
         <p:spPr>
           <a:xfrm>
-            <a:off x="12688382" y="14718128"/>
+            <a:off x="12155445" y="14718128"/>
             <a:ext cx="926325" cy="540000"/>
           </a:xfrm>
           <a:prstGeom prst="rect">
@@ -4027,17 +4027,17 @@
       </p:sp>
       <p:cxnSp>
         <p:nvCxnSpPr>
-          <p:cNvPr id="52" name="Соединительная линия уступом 51"/>
-          <p:cNvCxnSpPr>
-            <a:stCxn id="33" idx="2"/>
-            <a:endCxn id="34" idx="0"/>
-          </p:cNvCxnSpPr>
-          <p:nvPr/>
-        </p:nvCxnSpPr>
-        <p:spPr>
-          <a:xfrm rot="5400000">
-            <a:off x="12755219" y="12687961"/>
-            <a:ext cx="233153" cy="541302"/>
+          <p:cNvPr id="59" name="Соединительная линия уступом 58"/>
+          <p:cNvCxnSpPr>
+            <a:stCxn id="37" idx="2"/>
+            <a:endCxn id="35" idx="0"/>
+          </p:cNvCxnSpPr>
+          <p:nvPr/>
+        </p:nvCxnSpPr>
+        <p:spPr>
+          <a:xfrm rot="16200000" flipH="1">
+            <a:off x="13579022" y="13215084"/>
+            <a:ext cx="267587" cy="1081375"/>
           </a:xfrm>
           <a:prstGeom prst="bentConnector3">
             <a:avLst>
@@ -4065,17 +4065,53 @@
       </p:cxnSp>
       <p:cxnSp>
         <p:nvCxnSpPr>
-          <p:cNvPr id="55" name="Соединительная линия уступом 54"/>
-          <p:cNvCxnSpPr>
-            <a:stCxn id="33" idx="2"/>
-            <a:endCxn id="37" idx="0"/>
-          </p:cNvCxnSpPr>
-          <p:nvPr/>
-        </p:nvCxnSpPr>
-        <p:spPr>
-          <a:xfrm rot="16200000" flipH="1">
-            <a:off x="13298416" y="12686066"/>
-            <a:ext cx="235428" cy="547368"/>
+          <p:cNvPr id="62" name="Прямая со стрелкой 61"/>
+          <p:cNvCxnSpPr>
+            <a:stCxn id="37" idx="2"/>
+            <a:endCxn id="38" idx="0"/>
+          </p:cNvCxnSpPr>
+          <p:nvPr/>
+        </p:nvCxnSpPr>
+        <p:spPr>
+          <a:xfrm>
+            <a:off x="13172128" y="13621979"/>
+            <a:ext cx="2142" cy="267776"/>
+          </a:xfrm>
+          <a:prstGeom prst="straightConnector1">
+            <a:avLst/>
+          </a:prstGeom>
+          <a:ln w="19050">
+            <a:tailEnd type="arrow"/>
+          </a:ln>
+        </p:spPr>
+        <p:style>
+          <a:lnRef idx="1">
+            <a:schemeClr val="accent1"/>
+          </a:lnRef>
+          <a:fillRef idx="0">
+            <a:schemeClr val="accent1"/>
+          </a:fillRef>
+          <a:effectRef idx="0">
+            <a:schemeClr val="accent1"/>
+          </a:effectRef>
+          <a:fontRef idx="minor">
+            <a:schemeClr val="tx1"/>
+          </a:fontRef>
+        </p:style>
+      </p:cxnSp>
+      <p:cxnSp>
+        <p:nvCxnSpPr>
+          <p:cNvPr id="68" name="Соединительная линия уступом 67"/>
+          <p:cNvCxnSpPr>
+            <a:stCxn id="38" idx="2"/>
+            <a:endCxn id="51" idx="0"/>
+          </p:cNvCxnSpPr>
+          <p:nvPr/>
+        </p:nvCxnSpPr>
+        <p:spPr>
+          <a:xfrm rot="5400000">
+            <a:off x="12752253" y="14296110"/>
+            <a:ext cx="288373" cy="555662"/>
           </a:xfrm>
           <a:prstGeom prst="bentConnector3">
             <a:avLst>
@@ -4103,17 +4139,17 @@
       </p:cxnSp>
       <p:cxnSp>
         <p:nvCxnSpPr>
-          <p:cNvPr id="59" name="Соединительная линия уступом 58"/>
-          <p:cNvCxnSpPr>
-            <a:stCxn id="37" idx="2"/>
-            <a:endCxn id="35" idx="0"/>
+          <p:cNvPr id="71" name="Соединительная линия уступом 70"/>
+          <p:cNvCxnSpPr>
+            <a:stCxn id="51" idx="2"/>
+            <a:endCxn id="39" idx="0"/>
           </p:cNvCxnSpPr>
           <p:nvPr/>
         </p:nvCxnSpPr>
         <p:spPr>
           <a:xfrm rot="16200000" flipH="1">
-            <a:off x="14087807" y="13219471"/>
-            <a:ext cx="272102" cy="1068088"/>
+            <a:off x="13559016" y="14317720"/>
+            <a:ext cx="274925" cy="2155740"/>
           </a:xfrm>
           <a:prstGeom prst="bentConnector3">
             <a:avLst>
@@ -4121,109 +4157,38 @@
             </a:avLst>
           </a:prstGeom>
           <a:ln w="19050">
-            <a:tailEnd type="arrow"/>
-          </a:ln>
-        </p:spPr>
-        <p:style>
-          <a:lnRef idx="1">
-            <a:schemeClr val="accent1"/>
-          </a:lnRef>
-          <a:fillRef idx="0">
-            <a:schemeClr val="accent1"/>
-          </a:fillRef>
-          <a:effectRef idx="0">
-            <a:schemeClr val="accent1"/>
-          </a:effectRef>
-          <a:fontRef idx="minor">
-            <a:schemeClr val="tx1"/>
-          </a:fontRef>
-        </p:style>
-      </p:cxnSp>
-      <p:cxnSp>
-        <p:nvCxnSpPr>
-          <p:cNvPr id="62" name="Прямая со стрелкой 61"/>
-          <p:cNvCxnSpPr>
-            <a:stCxn id="37" idx="2"/>
-            <a:endCxn id="38" idx="0"/>
-          </p:cNvCxnSpPr>
-          <p:nvPr/>
-        </p:nvCxnSpPr>
-        <p:spPr>
-          <a:xfrm>
-            <a:off x="13689814" y="13617464"/>
-            <a:ext cx="2142" cy="267776"/>
-          </a:xfrm>
-          <a:prstGeom prst="straightConnector1">
-            <a:avLst/>
-          </a:prstGeom>
-          <a:ln w="19050">
-            <a:tailEnd type="arrow"/>
-          </a:ln>
-        </p:spPr>
-        <p:style>
-          <a:lnRef idx="1">
-            <a:schemeClr val="accent1"/>
-          </a:lnRef>
-          <a:fillRef idx="0">
-            <a:schemeClr val="accent1"/>
-          </a:fillRef>
-          <a:effectRef idx="0">
-            <a:schemeClr val="accent1"/>
-          </a:effectRef>
-          <a:fontRef idx="minor">
-            <a:schemeClr val="tx1"/>
-          </a:fontRef>
-        </p:style>
-      </p:cxnSp>
-      <p:cxnSp>
-        <p:nvCxnSpPr>
-          <p:cNvPr id="65" name="Прямая со стрелкой 64"/>
-          <p:cNvCxnSpPr>
-            <a:stCxn id="33" idx="2"/>
-            <a:endCxn id="51" idx="0"/>
-          </p:cNvCxnSpPr>
-          <p:nvPr/>
-        </p:nvCxnSpPr>
-        <p:spPr>
-          <a:xfrm>
-            <a:off x="13142446" y="12842036"/>
-            <a:ext cx="9099" cy="1876092"/>
-          </a:xfrm>
-          <a:prstGeom prst="straightConnector1">
-            <a:avLst/>
-          </a:prstGeom>
-          <a:ln w="19050">
-            <a:tailEnd type="arrow"/>
-          </a:ln>
-        </p:spPr>
-        <p:style>
-          <a:lnRef idx="1">
-            <a:schemeClr val="accent1"/>
-          </a:lnRef>
-          <a:fillRef idx="0">
-            <a:schemeClr val="accent1"/>
-          </a:fillRef>
-          <a:effectRef idx="0">
-            <a:schemeClr val="accent1"/>
-          </a:effectRef>
-          <a:fontRef idx="minor">
-            <a:schemeClr val="tx1"/>
-          </a:fontRef>
-        </p:style>
-      </p:cxnSp>
-      <p:cxnSp>
-        <p:nvCxnSpPr>
-          <p:cNvPr id="68" name="Соединительная линия уступом 67"/>
-          <p:cNvCxnSpPr>
-            <a:stCxn id="38" idx="2"/>
-            <a:endCxn id="51" idx="0"/>
+            <a:prstDash val="dash"/>
+            <a:tailEnd type="arrow"/>
+          </a:ln>
+        </p:spPr>
+        <p:style>
+          <a:lnRef idx="1">
+            <a:schemeClr val="accent1"/>
+          </a:lnRef>
+          <a:fillRef idx="0">
+            <a:schemeClr val="accent1"/>
+          </a:fillRef>
+          <a:effectRef idx="0">
+            <a:schemeClr val="accent1"/>
+          </a:effectRef>
+          <a:fontRef idx="minor">
+            <a:schemeClr val="tx1"/>
+          </a:fontRef>
+        </p:style>
+      </p:cxnSp>
+      <p:cxnSp>
+        <p:nvCxnSpPr>
+          <p:cNvPr id="74" name="Соединительная линия уступом 73"/>
+          <p:cNvCxnSpPr>
+            <a:stCxn id="51" idx="2"/>
+            <a:endCxn id="28" idx="0"/>
           </p:cNvCxnSpPr>
           <p:nvPr/>
         </p:nvCxnSpPr>
         <p:spPr>
           <a:xfrm rot="5400000">
-            <a:off x="13275307" y="14301479"/>
-            <a:ext cx="292888" cy="540411"/>
+            <a:off x="11946018" y="14855678"/>
+            <a:ext cx="270141" cy="1075040"/>
           </a:xfrm>
           <a:prstGeom prst="bentConnector3">
             <a:avLst>
@@ -4231,37 +4196,38 @@
             </a:avLst>
           </a:prstGeom>
           <a:ln w="19050">
-            <a:tailEnd type="arrow"/>
-          </a:ln>
-        </p:spPr>
-        <p:style>
-          <a:lnRef idx="1">
-            <a:schemeClr val="accent1"/>
-          </a:lnRef>
-          <a:fillRef idx="0">
-            <a:schemeClr val="accent1"/>
-          </a:fillRef>
-          <a:effectRef idx="0">
-            <a:schemeClr val="accent1"/>
-          </a:effectRef>
-          <a:fontRef idx="minor">
-            <a:schemeClr val="tx1"/>
-          </a:fontRef>
-        </p:style>
-      </p:cxnSp>
-      <p:cxnSp>
-        <p:nvCxnSpPr>
-          <p:cNvPr id="71" name="Соединительная линия уступом 70"/>
+            <a:prstDash val="dash"/>
+            <a:tailEnd type="arrow"/>
+          </a:ln>
+        </p:spPr>
+        <p:style>
+          <a:lnRef idx="1">
+            <a:schemeClr val="accent1"/>
+          </a:lnRef>
+          <a:fillRef idx="0">
+            <a:schemeClr val="accent1"/>
+          </a:fillRef>
+          <a:effectRef idx="0">
+            <a:schemeClr val="accent1"/>
+          </a:effectRef>
+          <a:fontRef idx="minor">
+            <a:schemeClr val="tx1"/>
+          </a:fontRef>
+        </p:style>
+      </p:cxnSp>
+      <p:cxnSp>
+        <p:nvCxnSpPr>
+          <p:cNvPr id="77" name="Соединительная линия уступом 76"/>
           <p:cNvCxnSpPr>
             <a:stCxn id="51" idx="2"/>
-            <a:endCxn id="39" idx="0"/>
+            <a:endCxn id="29" idx="0"/>
           </p:cNvCxnSpPr>
           <p:nvPr/>
         </p:nvCxnSpPr>
         <p:spPr>
           <a:xfrm rot="16200000" flipH="1">
-            <a:off x="13825484" y="14584188"/>
-            <a:ext cx="274925" cy="1622803"/>
+            <a:off x="13027819" y="14848916"/>
+            <a:ext cx="268575" cy="1086997"/>
           </a:xfrm>
           <a:prstGeom prst="bentConnector3">
             <a:avLst>
@@ -4290,17 +4256,17 @@
       </p:cxnSp>
       <p:cxnSp>
         <p:nvCxnSpPr>
-          <p:cNvPr id="74" name="Соединительная линия уступом 73"/>
+          <p:cNvPr id="80" name="Соединительная линия уступом 79"/>
           <p:cNvCxnSpPr>
             <a:stCxn id="51" idx="2"/>
-            <a:endCxn id="28" idx="0"/>
+            <a:endCxn id="27" idx="0"/>
           </p:cNvCxnSpPr>
           <p:nvPr/>
         </p:nvCxnSpPr>
         <p:spPr>
           <a:xfrm rot="5400000">
-            <a:off x="12212487" y="14589210"/>
-            <a:ext cx="270141" cy="1607977"/>
+            <a:off x="12478219" y="15387879"/>
+            <a:ext cx="270141" cy="10639"/>
           </a:xfrm>
           <a:prstGeom prst="bentConnector3">
             <a:avLst>
@@ -4327,19 +4293,61 @@
           </a:fontRef>
         </p:style>
       </p:cxnSp>
-      <p:cxnSp>
-        <p:nvCxnSpPr>
-          <p:cNvPr id="77" name="Соединительная линия уступом 76"/>
-          <p:cNvCxnSpPr>
-            <a:stCxn id="51" idx="2"/>
-            <a:endCxn id="29" idx="0"/>
+      <p:sp>
+        <p:nvSpPr>
+          <p:cNvPr id="83" name="Прямоугольник 82"/>
+          <p:cNvSpPr/>
+          <p:nvPr/>
+        </p:nvSpPr>
+        <p:spPr>
+          <a:xfrm>
+            <a:off x="13255568" y="14718129"/>
+            <a:ext cx="926325" cy="540000"/>
+          </a:xfrm>
+          <a:prstGeom prst="rect">
+            <a:avLst/>
+          </a:prstGeom>
+          <a:ln w="19050"/>
+        </p:spPr>
+        <p:style>
+          <a:lnRef idx="2">
+            <a:schemeClr val="accent1"/>
+          </a:lnRef>
+          <a:fillRef idx="1">
+            <a:schemeClr val="lt1"/>
+          </a:fillRef>
+          <a:effectRef idx="0">
+            <a:schemeClr val="accent1"/>
+          </a:effectRef>
+          <a:fontRef idx="minor">
+            <a:schemeClr val="dk1"/>
+          </a:fontRef>
+        </p:style>
+        <p:txBody>
+          <a:bodyPr lIns="124733" tIns="62367" rIns="124733" bIns="62367" rtlCol="0" anchor="ctr"/>
+          <a:lstStyle/>
+          <a:p>
+            <a:pPr algn="ctr"/>
+            <a:r>
+              <a:rPr lang="ru-RU" sz="700" dirty="0"/>
+              <a:t>Расширить каучуковые фермы</a:t>
+            </a:r>
+          </a:p>
+        </p:txBody>
+      </p:sp>
+      <p:cxnSp>
+        <p:nvCxnSpPr>
+          <p:cNvPr id="84" name="Соединительная линия уступом 83"/>
+          <p:cNvCxnSpPr>
+            <a:stCxn id="38" idx="2"/>
+            <a:endCxn id="83" idx="0"/>
           </p:cNvCxnSpPr>
           <p:nvPr/>
         </p:nvCxnSpPr>
         <p:spPr>
           <a:xfrm rot="16200000" flipH="1">
-            <a:off x="13294288" y="15115385"/>
-            <a:ext cx="268575" cy="554060"/>
+            <a:off x="13302313" y="14301711"/>
+            <a:ext cx="288374" cy="544461"/>
           </a:xfrm>
           <a:prstGeom prst="bentConnector3">
             <a:avLst>
@@ -4347,38 +4355,37 @@
             </a:avLst>
           </a:prstGeom>
           <a:ln w="19050">
-            <a:prstDash val="dash"/>
-            <a:tailEnd type="arrow"/>
-          </a:ln>
-        </p:spPr>
-        <p:style>
-          <a:lnRef idx="1">
-            <a:schemeClr val="accent1"/>
-          </a:lnRef>
-          <a:fillRef idx="0">
-            <a:schemeClr val="accent1"/>
-          </a:fillRef>
-          <a:effectRef idx="0">
-            <a:schemeClr val="accent1"/>
-          </a:effectRef>
-          <a:fontRef idx="minor">
-            <a:schemeClr val="tx1"/>
-          </a:fontRef>
-        </p:style>
-      </p:cxnSp>
-      <p:cxnSp>
-        <p:nvCxnSpPr>
-          <p:cNvPr id="80" name="Соединительная линия уступом 79"/>
-          <p:cNvCxnSpPr>
-            <a:stCxn id="51" idx="2"/>
-            <a:endCxn id="27" idx="0"/>
+            <a:tailEnd type="arrow"/>
+          </a:ln>
+        </p:spPr>
+        <p:style>
+          <a:lnRef idx="1">
+            <a:schemeClr val="accent1"/>
+          </a:lnRef>
+          <a:fillRef idx="0">
+            <a:schemeClr val="accent1"/>
+          </a:fillRef>
+          <a:effectRef idx="0">
+            <a:schemeClr val="accent1"/>
+          </a:effectRef>
+          <a:fontRef idx="minor">
+            <a:schemeClr val="tx1"/>
+          </a:fontRef>
+        </p:style>
+      </p:cxnSp>
+      <p:cxnSp>
+        <p:nvCxnSpPr>
+          <p:cNvPr id="88" name="Соединительная линия уступом 87"/>
+          <p:cNvCxnSpPr>
+            <a:stCxn id="35" idx="2"/>
+            <a:endCxn id="83" idx="0"/>
           </p:cNvCxnSpPr>
           <p:nvPr/>
         </p:nvCxnSpPr>
         <p:spPr>
           <a:xfrm rot="5400000">
-            <a:off x="12744687" y="15121410"/>
-            <a:ext cx="270141" cy="543576"/>
+            <a:off x="13841836" y="14306461"/>
+            <a:ext cx="288563" cy="534772"/>
           </a:xfrm>
           <a:prstGeom prst="bentConnector3">
             <a:avLst>
@@ -4386,125 +4393,6 @@
             </a:avLst>
           </a:prstGeom>
           <a:ln w="19050">
-            <a:prstDash val="dash"/>
-            <a:tailEnd type="arrow"/>
-          </a:ln>
-        </p:spPr>
-        <p:style>
-          <a:lnRef idx="1">
-            <a:schemeClr val="accent1"/>
-          </a:lnRef>
-          <a:fillRef idx="0">
-            <a:schemeClr val="accent1"/>
-          </a:fillRef>
-          <a:effectRef idx="0">
-            <a:schemeClr val="accent1"/>
-          </a:effectRef>
-          <a:fontRef idx="minor">
-            <a:schemeClr val="tx1"/>
-          </a:fontRef>
-        </p:style>
-      </p:cxnSp>
-      <p:sp>
-        <p:nvSpPr>
-          <p:cNvPr id="83" name="Прямоугольник 82"/>
-          <p:cNvSpPr/>
-          <p:nvPr/>
-        </p:nvSpPr>
-        <p:spPr>
-          <a:xfrm>
-            <a:off x="13759967" y="14718129"/>
-            <a:ext cx="926325" cy="540000"/>
-          </a:xfrm>
-          <a:prstGeom prst="rect">
-            <a:avLst/>
-          </a:prstGeom>
-          <a:ln w="19050"/>
-        </p:spPr>
-        <p:style>
-          <a:lnRef idx="2">
-            <a:schemeClr val="accent1"/>
-          </a:lnRef>
-          <a:fillRef idx="1">
-            <a:schemeClr val="lt1"/>
-          </a:fillRef>
-          <a:effectRef idx="0">
-            <a:schemeClr val="accent1"/>
-          </a:effectRef>
-          <a:fontRef idx="minor">
-            <a:schemeClr val="dk1"/>
-          </a:fontRef>
-        </p:style>
-        <p:txBody>
-          <a:bodyPr lIns="124733" tIns="62367" rIns="124733" bIns="62367" rtlCol="0" anchor="ctr"/>
-          <a:lstStyle/>
-          <a:p>
-            <a:pPr algn="ctr"/>
-            <a:r>
-              <a:rPr lang="ru-RU" sz="700" dirty="0"/>
-              <a:t>Расширить каучуковые фермы</a:t>
-            </a:r>
-          </a:p>
-        </p:txBody>
-      </p:sp>
-      <p:cxnSp>
-        <p:nvCxnSpPr>
-          <p:cNvPr id="84" name="Соединительная линия уступом 83"/>
-          <p:cNvCxnSpPr>
-            <a:stCxn id="38" idx="2"/>
-            <a:endCxn id="83" idx="0"/>
-          </p:cNvCxnSpPr>
-          <p:nvPr/>
-        </p:nvCxnSpPr>
-        <p:spPr>
-          <a:xfrm rot="16200000" flipH="1">
-            <a:off x="13811099" y="14306097"/>
-            <a:ext cx="292889" cy="531174"/>
-          </a:xfrm>
-          <a:prstGeom prst="bentConnector3">
-            <a:avLst>
-              <a:gd name="adj1" fmla="val 50000"/>
-            </a:avLst>
-          </a:prstGeom>
-          <a:ln w="19050">
-            <a:tailEnd type="arrow"/>
-          </a:ln>
-        </p:spPr>
-        <p:style>
-          <a:lnRef idx="1">
-            <a:schemeClr val="accent1"/>
-          </a:lnRef>
-          <a:fillRef idx="0">
-            <a:schemeClr val="accent1"/>
-          </a:fillRef>
-          <a:effectRef idx="0">
-            <a:schemeClr val="accent1"/>
-          </a:effectRef>
-          <a:fontRef idx="minor">
-            <a:schemeClr val="tx1"/>
-          </a:fontRef>
-        </p:style>
-      </p:cxnSp>
-      <p:cxnSp>
-        <p:nvCxnSpPr>
-          <p:cNvPr id="88" name="Соединительная линия уступом 87"/>
-          <p:cNvCxnSpPr>
-            <a:stCxn id="35" idx="2"/>
-            <a:endCxn id="83" idx="0"/>
-          </p:cNvCxnSpPr>
-          <p:nvPr/>
-        </p:nvCxnSpPr>
-        <p:spPr>
-          <a:xfrm rot="5400000">
-            <a:off x="14346235" y="14306461"/>
-            <a:ext cx="288563" cy="534772"/>
-          </a:xfrm>
-          <a:prstGeom prst="bentConnector3">
-            <a:avLst>
-              <a:gd name="adj1" fmla="val 50000"/>
-            </a:avLst>
-          </a:prstGeom>
-          <a:ln w="19050">
             <a:tailEnd type="arrow"/>
           </a:ln>
         </p:spPr>
@@ -4624,7 +4512,7 @@
         </p:nvSpPr>
         <p:spPr>
           <a:xfrm>
-            <a:off x="16363863" y="12299273"/>
+            <a:off x="15440716" y="12295622"/>
             <a:ext cx="926325" cy="540000"/>
           </a:xfrm>
           <a:prstGeom prst="rect">
@@ -4666,7 +4554,7 @@
         </p:nvSpPr>
         <p:spPr>
           <a:xfrm>
-            <a:off x="16363880" y="13075189"/>
+            <a:off x="15440717" y="13076244"/>
             <a:ext cx="926325" cy="540000"/>
           </a:xfrm>
           <a:prstGeom prst="rect">
@@ -4708,7 +4596,7 @@
         </p:nvSpPr>
         <p:spPr>
           <a:xfrm>
-            <a:off x="17402987" y="13077464"/>
+            <a:off x="15967002" y="13886310"/>
             <a:ext cx="926325" cy="540000"/>
           </a:xfrm>
           <a:prstGeom prst="rect">
@@ -4750,7 +4638,7 @@
         </p:nvSpPr>
         <p:spPr>
           <a:xfrm>
-            <a:off x="14304360" y="12294967"/>
+            <a:off x="15440716" y="14724586"/>
             <a:ext cx="926325" cy="540000"/>
           </a:xfrm>
           <a:prstGeom prst="rect">
@@ -4892,7 +4780,7 @@
         </p:nvSpPr>
         <p:spPr>
           <a:xfrm>
-            <a:off x="17402986" y="13889566"/>
+            <a:off x="16497267" y="13081979"/>
             <a:ext cx="926325" cy="540000"/>
           </a:xfrm>
           <a:prstGeom prst="rect">
@@ -5326,7 +5214,7 @@
         </p:nvSpPr>
         <p:spPr>
           <a:xfrm>
-            <a:off x="15326219" y="13077464"/>
+            <a:off x="14349977" y="13077502"/>
             <a:ext cx="926325" cy="540000"/>
           </a:xfrm>
           <a:prstGeom prst="rect">
@@ -6402,7 +6290,7 @@
         </p:nvSpPr>
         <p:spPr>
           <a:xfrm>
-            <a:off x="14304359" y="11520678"/>
+            <a:off x="13788869" y="11502690"/>
             <a:ext cx="926325" cy="540000"/>
           </a:xfrm>
           <a:prstGeom prst="rect">
@@ -6442,17 +6330,17 @@
       </p:sp>
       <p:cxnSp>
         <p:nvCxnSpPr>
-          <p:cNvPr id="162" name="Соединительная линия уступом 161"/>
-          <p:cNvCxnSpPr>
-            <a:stCxn id="161" idx="2"/>
-            <a:endCxn id="33" idx="0"/>
-          </p:cNvCxnSpPr>
-          <p:nvPr/>
-        </p:nvCxnSpPr>
-        <p:spPr>
-          <a:xfrm rot="5400000">
-            <a:off x="13834305" y="11368819"/>
-            <a:ext cx="241358" cy="1625076"/>
+          <p:cNvPr id="204" name="Соединительная линия уступом 203"/>
+          <p:cNvCxnSpPr>
+            <a:stCxn id="30" idx="2"/>
+            <a:endCxn id="93" idx="0"/>
+          </p:cNvCxnSpPr>
+          <p:nvPr/>
+        </p:nvCxnSpPr>
+        <p:spPr>
+          <a:xfrm rot="16200000" flipH="1">
+            <a:off x="11138543" y="13477913"/>
+            <a:ext cx="277234" cy="545401"/>
           </a:xfrm>
           <a:prstGeom prst="bentConnector3">
             <a:avLst>
@@ -6480,17 +6368,18 @@
       </p:cxnSp>
       <p:cxnSp>
         <p:nvCxnSpPr>
-          <p:cNvPr id="204" name="Соединительная линия уступом 203"/>
-          <p:cNvCxnSpPr>
-            <a:stCxn id="30" idx="2"/>
+          <p:cNvPr id="209" name="Соединительная линия уступом 208"/>
+          <p:cNvCxnSpPr>
+            <a:cxnSpLocks/>
+            <a:stCxn id="34" idx="2"/>
             <a:endCxn id="93" idx="0"/>
           </p:cNvCxnSpPr>
           <p:nvPr/>
         </p:nvCxnSpPr>
         <p:spPr>
-          <a:xfrm rot="16200000" flipH="1">
-            <a:off x="11138543" y="13477913"/>
-            <a:ext cx="277234" cy="545401"/>
+          <a:xfrm rot="5400000">
+            <a:off x="11699962" y="13464834"/>
+            <a:ext cx="274296" cy="574498"/>
           </a:xfrm>
           <a:prstGeom prst="bentConnector3">
             <a:avLst>
@@ -6518,18 +6407,863 @@
       </p:cxnSp>
       <p:cxnSp>
         <p:nvCxnSpPr>
-          <p:cNvPr id="209" name="Соединительная линия уступом 208"/>
-          <p:cNvCxnSpPr>
-            <a:cxnSpLocks/>
-            <a:stCxn id="34" idx="2"/>
-            <a:endCxn id="93" idx="0"/>
-          </p:cNvCxnSpPr>
-          <p:nvPr/>
-        </p:nvCxnSpPr>
-        <p:spPr>
-          <a:xfrm rot="5400000">
-            <a:off x="11938482" y="13226569"/>
-            <a:ext cx="274042" cy="1051283"/>
+          <p:cNvPr id="212" name="Прямая со стрелкой 211"/>
+          <p:cNvCxnSpPr>
+            <a:stCxn id="93" idx="2"/>
+            <a:endCxn id="95" idx="0"/>
+          </p:cNvCxnSpPr>
+          <p:nvPr/>
+        </p:nvCxnSpPr>
+        <p:spPr>
+          <a:xfrm>
+            <a:off x="11549861" y="14429231"/>
+            <a:ext cx="0" cy="288562"/>
+          </a:xfrm>
+          <a:prstGeom prst="straightConnector1">
+            <a:avLst/>
+          </a:prstGeom>
+          <a:ln w="19050">
+            <a:tailEnd type="arrow"/>
+          </a:ln>
+        </p:spPr>
+        <p:style>
+          <a:lnRef idx="1">
+            <a:schemeClr val="accent1"/>
+          </a:lnRef>
+          <a:fillRef idx="0">
+            <a:schemeClr val="accent1"/>
+          </a:fillRef>
+          <a:effectRef idx="0">
+            <a:schemeClr val="accent1"/>
+          </a:effectRef>
+          <a:fontRef idx="minor">
+            <a:schemeClr val="tx1"/>
+          </a:fontRef>
+        </p:style>
+      </p:cxnSp>
+      <p:sp>
+        <p:nvSpPr>
+          <p:cNvPr id="102" name="Прямоугольник 101"/>
+          <p:cNvSpPr/>
+          <p:nvPr/>
+        </p:nvSpPr>
+        <p:spPr>
+          <a:xfrm>
+            <a:off x="14903693" y="13891170"/>
+            <a:ext cx="926325" cy="540000"/>
+          </a:xfrm>
+          <a:prstGeom prst="rect">
+            <a:avLst/>
+          </a:prstGeom>
+          <a:ln w="19050"/>
+        </p:spPr>
+        <p:style>
+          <a:lnRef idx="2">
+            <a:schemeClr val="accent1"/>
+          </a:lnRef>
+          <a:fillRef idx="1">
+            <a:schemeClr val="lt1"/>
+          </a:fillRef>
+          <a:effectRef idx="0">
+            <a:schemeClr val="accent1"/>
+          </a:effectRef>
+          <a:fontRef idx="minor">
+            <a:schemeClr val="dk1"/>
+          </a:fontRef>
+        </p:style>
+        <p:txBody>
+          <a:bodyPr lIns="124733" tIns="62367" rIns="124733" bIns="62367" rtlCol="0" anchor="ctr"/>
+          <a:lstStyle/>
+          <a:p>
+            <a:pPr algn="ctr"/>
+            <a:r>
+              <a:rPr lang="ru-RU" sz="700" dirty="0"/>
+              <a:t>Создание спортивных сооружений (1940)</a:t>
+            </a:r>
+          </a:p>
+        </p:txBody>
+      </p:sp>
+      <p:sp>
+        <p:nvSpPr>
+          <p:cNvPr id="113" name="Прямоугольник 112"/>
+          <p:cNvSpPr/>
+          <p:nvPr/>
+        </p:nvSpPr>
+        <p:spPr>
+          <a:xfrm>
+            <a:off x="2614709" y="11527749"/>
+            <a:ext cx="926325" cy="540000"/>
+          </a:xfrm>
+          <a:prstGeom prst="rect">
+            <a:avLst/>
+          </a:prstGeom>
+          <a:ln w="19050">
+            <a:solidFill>
+              <a:srgbClr val="00B050"/>
+            </a:solidFill>
+          </a:ln>
+        </p:spPr>
+        <p:style>
+          <a:lnRef idx="2">
+            <a:schemeClr val="accent1"/>
+          </a:lnRef>
+          <a:fillRef idx="1">
+            <a:schemeClr val="lt1"/>
+          </a:fillRef>
+          <a:effectRef idx="0">
+            <a:schemeClr val="accent1"/>
+          </a:effectRef>
+          <a:fontRef idx="minor">
+            <a:schemeClr val="dk1"/>
+          </a:fontRef>
+        </p:style>
+        <p:txBody>
+          <a:bodyPr lIns="124733" tIns="62367" rIns="124733" bIns="62367" rtlCol="0" anchor="ctr"/>
+          <a:lstStyle/>
+          <a:p>
+            <a:pPr algn="ctr"/>
+            <a:r>
+              <a:rPr lang="ru-RU" sz="700" dirty="0"/>
+              <a:t>Колониальное управление Мозамбика</a:t>
+            </a:r>
+          </a:p>
+        </p:txBody>
+      </p:sp>
+      <p:sp>
+        <p:nvSpPr>
+          <p:cNvPr id="117" name="Прямоугольник 116"/>
+          <p:cNvSpPr/>
+          <p:nvPr/>
+        </p:nvSpPr>
+        <p:spPr>
+          <a:xfrm>
+            <a:off x="2614709" y="12310463"/>
+            <a:ext cx="926325" cy="540000"/>
+          </a:xfrm>
+          <a:prstGeom prst="rect">
+            <a:avLst/>
+          </a:prstGeom>
+          <a:ln w="19050"/>
+        </p:spPr>
+        <p:style>
+          <a:lnRef idx="2">
+            <a:schemeClr val="accent1"/>
+          </a:lnRef>
+          <a:fillRef idx="1">
+            <a:schemeClr val="lt1"/>
+          </a:fillRef>
+          <a:effectRef idx="0">
+            <a:schemeClr val="accent1"/>
+          </a:effectRef>
+          <a:fontRef idx="minor">
+            <a:schemeClr val="dk1"/>
+          </a:fontRef>
+        </p:style>
+        <p:txBody>
+          <a:bodyPr lIns="124733" tIns="62367" rIns="124733" bIns="62367" rtlCol="0" anchor="ctr"/>
+          <a:lstStyle/>
+          <a:p>
+            <a:pPr algn="ctr"/>
+            <a:r>
+              <a:rPr lang="ru-RU" sz="700" dirty="0"/>
+              <a:t>Продолжить плановую экономику </a:t>
+            </a:r>
+            <a:r>
+              <a:rPr lang="ru-RU" sz="700" dirty="0" err="1"/>
+              <a:t>Салазара</a:t>
+            </a:r>
+            <a:endParaRPr lang="ru-RU" sz="200" dirty="0"/>
+          </a:p>
+        </p:txBody>
+      </p:sp>
+      <p:sp>
+        <p:nvSpPr>
+          <p:cNvPr id="118" name="Прямоугольник 117"/>
+          <p:cNvSpPr/>
+          <p:nvPr/>
+        </p:nvSpPr>
+        <p:spPr>
+          <a:xfrm>
+            <a:off x="1557364" y="13872662"/>
+            <a:ext cx="926325" cy="540000"/>
+          </a:xfrm>
+          <a:prstGeom prst="rect">
+            <a:avLst/>
+          </a:prstGeom>
+          <a:ln w="19050"/>
+        </p:spPr>
+        <p:style>
+          <a:lnRef idx="2">
+            <a:schemeClr val="accent1"/>
+          </a:lnRef>
+          <a:fillRef idx="1">
+            <a:schemeClr val="lt1"/>
+          </a:fillRef>
+          <a:effectRef idx="0">
+            <a:schemeClr val="accent1"/>
+          </a:effectRef>
+          <a:fontRef idx="minor">
+            <a:schemeClr val="dk1"/>
+          </a:fontRef>
+        </p:style>
+        <p:txBody>
+          <a:bodyPr lIns="124733" tIns="62367" rIns="124733" bIns="62367" rtlCol="0" anchor="ctr"/>
+          <a:lstStyle/>
+          <a:p>
+            <a:pPr algn="ctr"/>
+            <a:r>
+              <a:rPr lang="ru-RU" sz="800" dirty="0"/>
+              <a:t>Возобновить полугодовые отработки</a:t>
+            </a:r>
+          </a:p>
+        </p:txBody>
+      </p:sp>
+      <p:sp>
+        <p:nvSpPr>
+          <p:cNvPr id="120" name="Прямоугольник 119"/>
+          <p:cNvSpPr/>
+          <p:nvPr/>
+        </p:nvSpPr>
+        <p:spPr>
+          <a:xfrm>
+            <a:off x="2637820" y="14718122"/>
+            <a:ext cx="926325" cy="540000"/>
+          </a:xfrm>
+          <a:prstGeom prst="rect">
+            <a:avLst/>
+          </a:prstGeom>
+          <a:ln w="19050"/>
+        </p:spPr>
+        <p:style>
+          <a:lnRef idx="2">
+            <a:schemeClr val="accent1"/>
+          </a:lnRef>
+          <a:fillRef idx="1">
+            <a:schemeClr val="lt1"/>
+          </a:fillRef>
+          <a:effectRef idx="0">
+            <a:schemeClr val="accent1"/>
+          </a:effectRef>
+          <a:fontRef idx="minor">
+            <a:schemeClr val="dk1"/>
+          </a:fontRef>
+        </p:style>
+        <p:txBody>
+          <a:bodyPr lIns="124733" tIns="62367" rIns="124733" bIns="62367" rtlCol="0" anchor="ctr"/>
+          <a:lstStyle/>
+          <a:p>
+            <a:pPr algn="ctr"/>
+            <a:r>
+              <a:rPr lang="ru-RU" sz="800" dirty="0"/>
+              <a:t>Экспорт риса в Метрополию</a:t>
+            </a:r>
+          </a:p>
+        </p:txBody>
+      </p:sp>
+      <p:sp>
+        <p:nvSpPr>
+          <p:cNvPr id="121" name="Прямоугольник 120"/>
+          <p:cNvSpPr/>
+          <p:nvPr/>
+        </p:nvSpPr>
+        <p:spPr>
+          <a:xfrm>
+            <a:off x="1561514" y="13073450"/>
+            <a:ext cx="926325" cy="540000"/>
+          </a:xfrm>
+          <a:prstGeom prst="rect">
+            <a:avLst/>
+          </a:prstGeom>
+          <a:ln w="19050"/>
+        </p:spPr>
+        <p:style>
+          <a:lnRef idx="2">
+            <a:schemeClr val="accent1"/>
+          </a:lnRef>
+          <a:fillRef idx="1">
+            <a:schemeClr val="lt1"/>
+          </a:fillRef>
+          <a:effectRef idx="0">
+            <a:schemeClr val="accent1"/>
+          </a:effectRef>
+          <a:fontRef idx="minor">
+            <a:schemeClr val="dk1"/>
+          </a:fontRef>
+        </p:style>
+        <p:txBody>
+          <a:bodyPr lIns="124733" tIns="62367" rIns="124733" bIns="62367" rtlCol="0" anchor="ctr"/>
+          <a:lstStyle/>
+          <a:p>
+            <a:pPr algn="ctr"/>
+            <a:r>
+              <a:rPr lang="ru-RU" sz="800" dirty="0"/>
+              <a:t>Увеличить производства хлопка (+1фабрика)</a:t>
+            </a:r>
+          </a:p>
+        </p:txBody>
+      </p:sp>
+      <p:sp>
+        <p:nvSpPr>
+          <p:cNvPr id="122" name="Прямоугольник 121"/>
+          <p:cNvSpPr/>
+          <p:nvPr/>
+        </p:nvSpPr>
+        <p:spPr>
+          <a:xfrm>
+            <a:off x="4727948" y="13081979"/>
+            <a:ext cx="926325" cy="540000"/>
+          </a:xfrm>
+          <a:prstGeom prst="rect">
+            <a:avLst/>
+          </a:prstGeom>
+          <a:ln w="19050"/>
+        </p:spPr>
+        <p:style>
+          <a:lnRef idx="2">
+            <a:schemeClr val="accent1"/>
+          </a:lnRef>
+          <a:fillRef idx="1">
+            <a:schemeClr val="lt1"/>
+          </a:fillRef>
+          <a:effectRef idx="0">
+            <a:schemeClr val="accent1"/>
+          </a:effectRef>
+          <a:fontRef idx="minor">
+            <a:schemeClr val="dk1"/>
+          </a:fontRef>
+        </p:style>
+        <p:txBody>
+          <a:bodyPr lIns="124733" tIns="62367" rIns="124733" bIns="62367" rtlCol="0" anchor="ctr"/>
+          <a:lstStyle/>
+          <a:p>
+            <a:pPr algn="ctr"/>
+            <a:r>
+              <a:rPr lang="ru-RU" sz="800" dirty="0"/>
+              <a:t>Экспорт сандала</a:t>
+            </a:r>
+          </a:p>
+        </p:txBody>
+      </p:sp>
+      <p:sp>
+        <p:nvSpPr>
+          <p:cNvPr id="123" name="Прямоугольник 122"/>
+          <p:cNvSpPr/>
+          <p:nvPr/>
+        </p:nvSpPr>
+        <p:spPr>
+          <a:xfrm>
+            <a:off x="4723751" y="12317468"/>
+            <a:ext cx="926325" cy="540000"/>
+          </a:xfrm>
+          <a:prstGeom prst="rect">
+            <a:avLst/>
+          </a:prstGeom>
+          <a:ln w="19050"/>
+        </p:spPr>
+        <p:style>
+          <a:lnRef idx="2">
+            <a:schemeClr val="accent1"/>
+          </a:lnRef>
+          <a:fillRef idx="1">
+            <a:schemeClr val="lt1"/>
+          </a:fillRef>
+          <a:effectRef idx="0">
+            <a:schemeClr val="accent1"/>
+          </a:effectRef>
+          <a:fontRef idx="minor">
+            <a:schemeClr val="dk1"/>
+          </a:fontRef>
+        </p:style>
+        <p:txBody>
+          <a:bodyPr lIns="124733" tIns="62367" rIns="124733" bIns="62367" rtlCol="0" anchor="ctr"/>
+          <a:lstStyle/>
+          <a:p>
+            <a:pPr algn="ctr"/>
+            <a:r>
+              <a:rPr lang="ru-RU" sz="800" dirty="0"/>
+              <a:t>Экспорт </a:t>
+            </a:r>
+            <a:r>
+              <a:rPr lang="ru-RU" sz="800" dirty="0" err="1"/>
+              <a:t>Тиморского</a:t>
+            </a:r>
+            <a:r>
+              <a:rPr lang="ru-RU" sz="800" dirty="0"/>
+              <a:t> кофе</a:t>
+            </a:r>
+          </a:p>
+        </p:txBody>
+      </p:sp>
+      <p:sp>
+        <p:nvSpPr>
+          <p:cNvPr id="125" name="Прямоугольник 124"/>
+          <p:cNvSpPr/>
+          <p:nvPr/>
+        </p:nvSpPr>
+        <p:spPr>
+          <a:xfrm>
+            <a:off x="6858121" y="11520677"/>
+            <a:ext cx="926325" cy="540000"/>
+          </a:xfrm>
+          <a:prstGeom prst="rect">
+            <a:avLst/>
+          </a:prstGeom>
+          <a:ln w="19050">
+            <a:solidFill>
+              <a:srgbClr val="00B050"/>
+            </a:solidFill>
+          </a:ln>
+        </p:spPr>
+        <p:style>
+          <a:lnRef idx="2">
+            <a:schemeClr val="accent1"/>
+          </a:lnRef>
+          <a:fillRef idx="1">
+            <a:schemeClr val="lt1"/>
+          </a:fillRef>
+          <a:effectRef idx="0">
+            <a:schemeClr val="accent1"/>
+          </a:effectRef>
+          <a:fontRef idx="minor">
+            <a:schemeClr val="dk1"/>
+          </a:fontRef>
+        </p:style>
+        <p:txBody>
+          <a:bodyPr lIns="124733" tIns="62367" rIns="124733" bIns="62367" rtlCol="0" anchor="ctr"/>
+          <a:lstStyle/>
+          <a:p>
+            <a:pPr algn="ctr"/>
+            <a:r>
+              <a:rPr lang="ru-RU" sz="700" dirty="0"/>
+              <a:t>Колониальное управление Тимора</a:t>
+            </a:r>
+          </a:p>
+        </p:txBody>
+      </p:sp>
+      <p:sp>
+        <p:nvSpPr>
+          <p:cNvPr id="126" name="Прямоугольник 125"/>
+          <p:cNvSpPr/>
+          <p:nvPr/>
+        </p:nvSpPr>
+        <p:spPr>
+          <a:xfrm>
+            <a:off x="48606949" y="33300900"/>
+            <a:ext cx="926325" cy="540000"/>
+          </a:xfrm>
+          <a:prstGeom prst="rect">
+            <a:avLst/>
+          </a:prstGeom>
+          <a:ln w="19050"/>
+        </p:spPr>
+        <p:style>
+          <a:lnRef idx="2">
+            <a:schemeClr val="accent1"/>
+          </a:lnRef>
+          <a:fillRef idx="1">
+            <a:schemeClr val="lt1"/>
+          </a:fillRef>
+          <a:effectRef idx="0">
+            <a:schemeClr val="accent1"/>
+          </a:effectRef>
+          <a:fontRef idx="minor">
+            <a:schemeClr val="dk1"/>
+          </a:fontRef>
+        </p:style>
+        <p:txBody>
+          <a:bodyPr lIns="124733" tIns="62367" rIns="124733" bIns="62367" rtlCol="0" anchor="ctr"/>
+          <a:lstStyle/>
+          <a:p>
+            <a:pPr algn="ctr"/>
+            <a:r>
+              <a:rPr lang="ru-RU" sz="800" dirty="0"/>
+              <a:t>Вложения </a:t>
+            </a:r>
+            <a:r>
+              <a:rPr lang="en-US" sz="800" dirty="0" err="1"/>
+              <a:t>Nan'y</a:t>
+            </a:r>
+            <a:r>
+              <a:rPr lang="en-US" sz="800" dirty="0"/>
+              <a:t> </a:t>
+            </a:r>
+            <a:r>
+              <a:rPr lang="en-US" sz="800" dirty="0" err="1"/>
+              <a:t>Kōhatsu</a:t>
+            </a:r>
+            <a:r>
+              <a:rPr lang="ru-RU" sz="800" dirty="0"/>
+              <a:t> в плантации Тимора (доступно если Португалия продала акции САПТ в 1937) </a:t>
+            </a:r>
+            <a:r>
+              <a:rPr lang="ru-RU" sz="100" dirty="0"/>
+              <a:t>(японская полугосударственная девелоперская компания </a:t>
+            </a:r>
+            <a:r>
+              <a:rPr lang="ru-RU" sz="100" dirty="0" err="1"/>
+              <a:t>Nan'yō</a:t>
+            </a:r>
+            <a:r>
+              <a:rPr lang="ru-RU" sz="100" dirty="0"/>
+              <a:t> </a:t>
+            </a:r>
+            <a:r>
+              <a:rPr lang="ru-RU" sz="100" dirty="0" err="1"/>
+              <a:t>Kōhatsu</a:t>
+            </a:r>
+            <a:r>
+              <a:rPr lang="ru-RU" sz="100" dirty="0"/>
+              <a:t> при тайном спонсорстве Императорского флота Японии вложила значительные средства в совместное предприятие с SAPT, ведущей плантационной компанией португальского Тимора. Совместное предприятие эффективно контролировало импорт и экспорт на остров к середине 1930-х годов, и расширение интересов Японии сильно обеспокоило британские, голландские и австралийские власти)</a:t>
+            </a:r>
+          </a:p>
+        </p:txBody>
+      </p:sp>
+      <p:sp>
+        <p:nvSpPr>
+          <p:cNvPr id="127" name="Прямоугольник 126"/>
+          <p:cNvSpPr/>
+          <p:nvPr/>
+        </p:nvSpPr>
+        <p:spPr>
+          <a:xfrm>
+            <a:off x="6862260" y="12318574"/>
+            <a:ext cx="926325" cy="540000"/>
+          </a:xfrm>
+          <a:prstGeom prst="rect">
+            <a:avLst/>
+          </a:prstGeom>
+          <a:ln w="19050"/>
+        </p:spPr>
+        <p:style>
+          <a:lnRef idx="2">
+            <a:schemeClr val="accent1"/>
+          </a:lnRef>
+          <a:fillRef idx="1">
+            <a:schemeClr val="lt1"/>
+          </a:fillRef>
+          <a:effectRef idx="0">
+            <a:schemeClr val="accent1"/>
+          </a:effectRef>
+          <a:fontRef idx="minor">
+            <a:schemeClr val="dk1"/>
+          </a:fontRef>
+        </p:style>
+        <p:txBody>
+          <a:bodyPr lIns="124733" tIns="62367" rIns="124733" bIns="62367" rtlCol="0" anchor="ctr"/>
+          <a:lstStyle/>
+          <a:p>
+            <a:pPr algn="ctr"/>
+            <a:r>
+              <a:rPr lang="ru-RU" sz="800" dirty="0"/>
+              <a:t>Принудить к работам местных</a:t>
+            </a:r>
+            <a:endParaRPr lang="ru-RU" sz="300" dirty="0"/>
+          </a:p>
+        </p:txBody>
+      </p:sp>
+      <p:sp>
+        <p:nvSpPr>
+          <p:cNvPr id="128" name="Прямоугольник 127"/>
+          <p:cNvSpPr/>
+          <p:nvPr/>
+        </p:nvSpPr>
+        <p:spPr>
+          <a:xfrm>
+            <a:off x="5827771" y="13884093"/>
+            <a:ext cx="926325" cy="540000"/>
+          </a:xfrm>
+          <a:prstGeom prst="rect">
+            <a:avLst/>
+          </a:prstGeom>
+          <a:ln w="19050">
+            <a:solidFill>
+              <a:srgbClr val="00B050"/>
+            </a:solidFill>
+          </a:ln>
+        </p:spPr>
+        <p:style>
+          <a:lnRef idx="2">
+            <a:schemeClr val="accent1"/>
+          </a:lnRef>
+          <a:fillRef idx="1">
+            <a:schemeClr val="lt1"/>
+          </a:fillRef>
+          <a:effectRef idx="0">
+            <a:schemeClr val="accent1"/>
+          </a:effectRef>
+          <a:fontRef idx="minor">
+            <a:schemeClr val="dk1"/>
+          </a:fontRef>
+        </p:style>
+        <p:txBody>
+          <a:bodyPr lIns="124733" tIns="62367" rIns="124733" bIns="62367" rtlCol="0" anchor="ctr"/>
+          <a:lstStyle/>
+          <a:p>
+            <a:pPr algn="ctr"/>
+            <a:r>
+              <a:rPr lang="ru-RU" sz="800" dirty="0"/>
+              <a:t>Передать образование </a:t>
+            </a:r>
+            <a:r>
+              <a:rPr lang="ru-RU" sz="800" dirty="0" err="1"/>
+              <a:t>тиморцев</a:t>
+            </a:r>
+            <a:r>
+              <a:rPr lang="ru-RU" sz="800" dirty="0"/>
+              <a:t> церкви</a:t>
+            </a:r>
+            <a:endParaRPr lang="ru-RU" sz="400" dirty="0"/>
+          </a:p>
+        </p:txBody>
+      </p:sp>
+      <p:sp>
+        <p:nvSpPr>
+          <p:cNvPr id="129" name="Прямоугольник 128"/>
+          <p:cNvSpPr/>
+          <p:nvPr/>
+        </p:nvSpPr>
+        <p:spPr>
+          <a:xfrm>
+            <a:off x="8373345" y="13074369"/>
+            <a:ext cx="926325" cy="540000"/>
+          </a:xfrm>
+          <a:prstGeom prst="rect">
+            <a:avLst/>
+          </a:prstGeom>
+          <a:ln w="19050"/>
+        </p:spPr>
+        <p:style>
+          <a:lnRef idx="2">
+            <a:schemeClr val="accent1"/>
+          </a:lnRef>
+          <a:fillRef idx="1">
+            <a:schemeClr val="lt1"/>
+          </a:fillRef>
+          <a:effectRef idx="0">
+            <a:schemeClr val="accent1"/>
+          </a:effectRef>
+          <a:fontRef idx="minor">
+            <a:schemeClr val="dk1"/>
+          </a:fontRef>
+        </p:style>
+        <p:txBody>
+          <a:bodyPr lIns="124733" tIns="62367" rIns="124733" bIns="62367" rtlCol="0" anchor="ctr"/>
+          <a:lstStyle/>
+          <a:p>
+            <a:pPr algn="ctr"/>
+            <a:r>
+              <a:rPr lang="ru-RU" sz="700" dirty="0"/>
+              <a:t>Добровольческие отряды Тимора (1939)</a:t>
+            </a:r>
+          </a:p>
+        </p:txBody>
+      </p:sp>
+      <p:sp>
+        <p:nvSpPr>
+          <p:cNvPr id="130" name="Прямоугольник 129"/>
+          <p:cNvSpPr/>
+          <p:nvPr/>
+        </p:nvSpPr>
+        <p:spPr>
+          <a:xfrm>
+            <a:off x="47758385" y="35225475"/>
+            <a:ext cx="926325" cy="540000"/>
+          </a:xfrm>
+          <a:prstGeom prst="rect">
+            <a:avLst/>
+          </a:prstGeom>
+          <a:ln w="19050"/>
+        </p:spPr>
+        <p:style>
+          <a:lnRef idx="2">
+            <a:schemeClr val="accent1"/>
+          </a:lnRef>
+          <a:fillRef idx="1">
+            <a:schemeClr val="lt1"/>
+          </a:fillRef>
+          <a:effectRef idx="0">
+            <a:schemeClr val="accent1"/>
+          </a:effectRef>
+          <a:fontRef idx="minor">
+            <a:schemeClr val="dk1"/>
+          </a:fontRef>
+        </p:style>
+        <p:txBody>
+          <a:bodyPr lIns="124733" tIns="62367" rIns="124733" bIns="62367" rtlCol="0" anchor="ctr"/>
+          <a:lstStyle/>
+          <a:p>
+            <a:pPr algn="ctr"/>
+            <a:r>
+              <a:rPr lang="ru-RU" sz="800" dirty="0"/>
+              <a:t>Воздушное сообщение с Японией через Палау</a:t>
+            </a:r>
+          </a:p>
+        </p:txBody>
+      </p:sp>
+      <p:sp>
+        <p:nvSpPr>
+          <p:cNvPr id="131" name="Прямоугольник 130"/>
+          <p:cNvSpPr/>
+          <p:nvPr/>
+        </p:nvSpPr>
+        <p:spPr>
+          <a:xfrm>
+            <a:off x="49600684" y="35224690"/>
+            <a:ext cx="926325" cy="540000"/>
+          </a:xfrm>
+          <a:prstGeom prst="rect">
+            <a:avLst/>
+          </a:prstGeom>
+          <a:ln w="19050"/>
+        </p:spPr>
+        <p:style>
+          <a:lnRef idx="2">
+            <a:schemeClr val="accent1"/>
+          </a:lnRef>
+          <a:fillRef idx="1">
+            <a:schemeClr val="lt1"/>
+          </a:fillRef>
+          <a:effectRef idx="0">
+            <a:schemeClr val="accent1"/>
+          </a:effectRef>
+          <a:fontRef idx="minor">
+            <a:schemeClr val="dk1"/>
+          </a:fontRef>
+        </p:style>
+        <p:txBody>
+          <a:bodyPr lIns="124733" tIns="62367" rIns="124733" bIns="62367" rtlCol="0" anchor="ctr"/>
+          <a:lstStyle/>
+          <a:p>
+            <a:pPr algn="ctr"/>
+            <a:r>
+              <a:rPr lang="ru-RU" sz="800" dirty="0"/>
+              <a:t>Сахарные и солевые концессии </a:t>
+            </a:r>
+            <a:r>
+              <a:rPr lang="ru-RU" sz="500" dirty="0"/>
+              <a:t>(Японцы ищут соли и сахарные концессии в Тиморе)</a:t>
+            </a:r>
+          </a:p>
+        </p:txBody>
+      </p:sp>
+      <p:sp>
+        <p:nvSpPr>
+          <p:cNvPr id="132" name="Прямоугольник 131"/>
+          <p:cNvSpPr/>
+          <p:nvPr/>
+        </p:nvSpPr>
+        <p:spPr>
+          <a:xfrm>
+            <a:off x="5821921" y="12324839"/>
+            <a:ext cx="926325" cy="540000"/>
+          </a:xfrm>
+          <a:prstGeom prst="rect">
+            <a:avLst/>
+          </a:prstGeom>
+          <a:ln w="19050">
+            <a:solidFill>
+              <a:srgbClr val="00B050"/>
+            </a:solidFill>
+          </a:ln>
+        </p:spPr>
+        <p:style>
+          <a:lnRef idx="2">
+            <a:schemeClr val="accent1"/>
+          </a:lnRef>
+          <a:fillRef idx="1">
+            <a:schemeClr val="lt1"/>
+          </a:fillRef>
+          <a:effectRef idx="0">
+            <a:schemeClr val="accent1"/>
+          </a:effectRef>
+          <a:fontRef idx="minor">
+            <a:schemeClr val="dk1"/>
+          </a:fontRef>
+        </p:style>
+        <p:txBody>
+          <a:bodyPr lIns="124733" tIns="62367" rIns="124733" bIns="62367" rtlCol="0" anchor="ctr"/>
+          <a:lstStyle/>
+          <a:p>
+            <a:pPr algn="ctr"/>
+            <a:r>
+              <a:rPr lang="ru-RU" sz="800" dirty="0"/>
+              <a:t>Продажа акций </a:t>
+            </a:r>
+            <a:r>
+              <a:rPr lang="en-US" sz="800" dirty="0"/>
+              <a:t>SAPT </a:t>
+            </a:r>
+            <a:r>
+              <a:rPr lang="ru-RU" sz="800" dirty="0"/>
+              <a:t>Японии(в 1937)</a:t>
+            </a:r>
+          </a:p>
+        </p:txBody>
+      </p:sp>
+      <p:sp>
+        <p:nvSpPr>
+          <p:cNvPr id="133" name="Прямоугольник 132"/>
+          <p:cNvSpPr/>
+          <p:nvPr/>
+        </p:nvSpPr>
+        <p:spPr>
+          <a:xfrm>
+            <a:off x="5821923" y="13081979"/>
+            <a:ext cx="926325" cy="540000"/>
+          </a:xfrm>
+          <a:prstGeom prst="rect">
+            <a:avLst/>
+          </a:prstGeom>
+          <a:ln w="19050">
+            <a:solidFill>
+              <a:srgbClr val="00B050"/>
+            </a:solidFill>
+          </a:ln>
+        </p:spPr>
+        <p:style>
+          <a:lnRef idx="2">
+            <a:schemeClr val="accent1"/>
+          </a:lnRef>
+          <a:fillRef idx="1">
+            <a:schemeClr val="lt1"/>
+          </a:fillRef>
+          <a:effectRef idx="0">
+            <a:schemeClr val="accent1"/>
+          </a:effectRef>
+          <a:fontRef idx="minor">
+            <a:schemeClr val="dk1"/>
+          </a:fontRef>
+        </p:style>
+        <p:txBody>
+          <a:bodyPr lIns="124733" tIns="62367" rIns="124733" bIns="62367" rtlCol="0" anchor="ctr"/>
+          <a:lstStyle/>
+          <a:p>
+            <a:pPr algn="ctr"/>
+            <a:r>
+              <a:rPr lang="ru-RU" sz="800" dirty="0"/>
+              <a:t>Выращивание каучука </a:t>
+            </a:r>
+            <a:r>
+              <a:rPr lang="en-US" sz="800" dirty="0"/>
+              <a:t>SAPT</a:t>
+            </a:r>
+            <a:endParaRPr lang="ru-RU" sz="800" dirty="0"/>
+          </a:p>
+        </p:txBody>
+      </p:sp>
+      <p:cxnSp>
+        <p:nvCxnSpPr>
+          <p:cNvPr id="135" name="Соединительная линия уступом 134"/>
+          <p:cNvCxnSpPr>
+            <a:stCxn id="127" idx="2"/>
+            <a:endCxn id="129" idx="0"/>
+          </p:cNvCxnSpPr>
+          <p:nvPr/>
+        </p:nvCxnSpPr>
+        <p:spPr>
+          <a:xfrm rot="16200000" flipH="1">
+            <a:off x="7973068" y="12210928"/>
+            <a:ext cx="215795" cy="1511085"/>
           </a:xfrm>
           <a:prstGeom prst="bentConnector3">
             <a:avLst>
@@ -6557,167 +7291,17 @@
       </p:cxnSp>
       <p:cxnSp>
         <p:nvCxnSpPr>
-          <p:cNvPr id="212" name="Прямая со стрелкой 211"/>
-          <p:cNvCxnSpPr>
-            <a:stCxn id="93" idx="2"/>
-            <a:endCxn id="95" idx="0"/>
-          </p:cNvCxnSpPr>
-          <p:nvPr/>
-        </p:nvCxnSpPr>
-        <p:spPr>
-          <a:xfrm>
-            <a:off x="11549861" y="14429231"/>
-            <a:ext cx="0" cy="288562"/>
-          </a:xfrm>
-          <a:prstGeom prst="straightConnector1">
-            <a:avLst/>
-          </a:prstGeom>
-          <a:ln w="19050">
-            <a:tailEnd type="arrow"/>
-          </a:ln>
-        </p:spPr>
-        <p:style>
-          <a:lnRef idx="1">
-            <a:schemeClr val="accent1"/>
-          </a:lnRef>
-          <a:fillRef idx="0">
-            <a:schemeClr val="accent1"/>
-          </a:fillRef>
-          <a:effectRef idx="0">
-            <a:schemeClr val="accent1"/>
-          </a:effectRef>
-          <a:fontRef idx="minor">
-            <a:schemeClr val="tx1"/>
-          </a:fontRef>
-        </p:style>
-      </p:cxnSp>
-      <p:cxnSp>
-        <p:nvCxnSpPr>
-          <p:cNvPr id="219" name="Прямая со стрелкой 218"/>
-          <p:cNvCxnSpPr>
-            <a:stCxn id="161" idx="2"/>
-            <a:endCxn id="60" idx="0"/>
-          </p:cNvCxnSpPr>
-          <p:nvPr/>
-        </p:nvCxnSpPr>
-        <p:spPr>
-          <a:xfrm>
-            <a:off x="14767522" y="12060678"/>
-            <a:ext cx="1" cy="234289"/>
-          </a:xfrm>
-          <a:prstGeom prst="straightConnector1">
-            <a:avLst/>
-          </a:prstGeom>
-          <a:ln w="19050">
-            <a:tailEnd type="arrow"/>
-          </a:ln>
-        </p:spPr>
-        <p:style>
-          <a:lnRef idx="1">
-            <a:schemeClr val="accent1"/>
-          </a:lnRef>
-          <a:fillRef idx="0">
-            <a:schemeClr val="accent1"/>
-          </a:fillRef>
-          <a:effectRef idx="0">
-            <a:schemeClr val="accent1"/>
-          </a:effectRef>
-          <a:fontRef idx="minor">
-            <a:schemeClr val="tx1"/>
-          </a:fontRef>
-        </p:style>
-      </p:cxnSp>
-      <p:sp>
-        <p:nvSpPr>
-          <p:cNvPr id="102" name="Прямоугольник 101"/>
-          <p:cNvSpPr/>
-          <p:nvPr/>
-        </p:nvSpPr>
-        <p:spPr>
-          <a:xfrm>
-            <a:off x="15327287" y="13877431"/>
-            <a:ext cx="926325" cy="540000"/>
-          </a:xfrm>
-          <a:prstGeom prst="rect">
-            <a:avLst/>
-          </a:prstGeom>
-          <a:ln w="19050"/>
-        </p:spPr>
-        <p:style>
-          <a:lnRef idx="2">
-            <a:schemeClr val="accent1"/>
-          </a:lnRef>
-          <a:fillRef idx="1">
-            <a:schemeClr val="lt1"/>
-          </a:fillRef>
-          <a:effectRef idx="0">
-            <a:schemeClr val="accent1"/>
-          </a:effectRef>
-          <a:fontRef idx="minor">
-            <a:schemeClr val="dk1"/>
-          </a:fontRef>
-        </p:style>
-        <p:txBody>
-          <a:bodyPr lIns="124733" tIns="62367" rIns="124733" bIns="62367" rtlCol="0" anchor="ctr"/>
-          <a:lstStyle/>
-          <a:p>
-            <a:pPr algn="ctr"/>
-            <a:r>
-              <a:rPr lang="ru-RU" sz="700" dirty="0"/>
-              <a:t>Создание спортивных сооружений (1940)</a:t>
-            </a:r>
-          </a:p>
-        </p:txBody>
-      </p:sp>
-      <p:cxnSp>
-        <p:nvCxnSpPr>
-          <p:cNvPr id="223" name="Прямая со стрелкой 222"/>
-          <p:cNvCxnSpPr>
-            <a:stCxn id="60" idx="2"/>
-            <a:endCxn id="32" idx="0"/>
-          </p:cNvCxnSpPr>
-          <p:nvPr/>
-        </p:nvCxnSpPr>
-        <p:spPr>
-          <a:xfrm flipH="1">
-            <a:off x="14764725" y="12834967"/>
-            <a:ext cx="2798" cy="240222"/>
-          </a:xfrm>
-          <a:prstGeom prst="straightConnector1">
-            <a:avLst/>
-          </a:prstGeom>
-          <a:ln w="19050">
-            <a:tailEnd type="arrow"/>
-          </a:ln>
-        </p:spPr>
-        <p:style>
-          <a:lnRef idx="1">
-            <a:schemeClr val="accent1"/>
-          </a:lnRef>
-          <a:fillRef idx="0">
-            <a:schemeClr val="accent1"/>
-          </a:fillRef>
-          <a:effectRef idx="0">
-            <a:schemeClr val="accent1"/>
-          </a:effectRef>
-          <a:fontRef idx="minor">
-            <a:schemeClr val="tx1"/>
-          </a:fontRef>
-        </p:style>
-      </p:cxnSp>
-      <p:cxnSp>
-        <p:nvCxnSpPr>
-          <p:cNvPr id="225" name="Соединительная линия уступом 224"/>
-          <p:cNvCxnSpPr>
-            <a:stCxn id="161" idx="2"/>
-            <a:endCxn id="103" idx="0"/>
+          <p:cNvPr id="136" name="Соединительная линия уступом 135"/>
+          <p:cNvCxnSpPr>
+            <a:stCxn id="207" idx="2"/>
+            <a:endCxn id="129" idx="0"/>
           </p:cNvCxnSpPr>
           <p:nvPr/>
         </p:nvCxnSpPr>
         <p:spPr>
           <a:xfrm rot="16200000" flipH="1">
-            <a:off x="15677977" y="11150223"/>
-            <a:ext cx="238595" cy="2059504"/>
+            <a:off x="8712646" y="12950507"/>
+            <a:ext cx="232578" cy="15146"/>
           </a:xfrm>
           <a:prstGeom prst="bentConnector3">
             <a:avLst>
@@ -6745,17 +7329,17 @@
       </p:cxnSp>
       <p:cxnSp>
         <p:nvCxnSpPr>
-          <p:cNvPr id="228" name="Соединительная линия уступом 227"/>
-          <p:cNvCxnSpPr>
-            <a:stCxn id="103" idx="2"/>
-            <a:endCxn id="186" idx="0"/>
-          </p:cNvCxnSpPr>
-          <p:nvPr/>
-        </p:nvCxnSpPr>
-        <p:spPr>
-          <a:xfrm rot="5400000">
-            <a:off x="16189109" y="12439546"/>
-            <a:ext cx="238191" cy="1037644"/>
+          <p:cNvPr id="137" name="Соединительная линия уступом 136"/>
+          <p:cNvCxnSpPr>
+            <a:stCxn id="125" idx="2"/>
+            <a:endCxn id="127" idx="0"/>
+          </p:cNvCxnSpPr>
+          <p:nvPr/>
+        </p:nvCxnSpPr>
+        <p:spPr>
+          <a:xfrm rot="16200000" flipH="1">
+            <a:off x="7194405" y="12187555"/>
+            <a:ext cx="257897" cy="4139"/>
           </a:xfrm>
           <a:prstGeom prst="bentConnector3">
             <a:avLst>
@@ -6783,17 +7367,17 @@
       </p:cxnSp>
       <p:cxnSp>
         <p:nvCxnSpPr>
-          <p:cNvPr id="232" name="Соединительная линия уступом 231"/>
-          <p:cNvCxnSpPr>
-            <a:stCxn id="103" idx="2"/>
-            <a:endCxn id="105" idx="0"/>
-          </p:cNvCxnSpPr>
-          <p:nvPr/>
-        </p:nvCxnSpPr>
-        <p:spPr>
-          <a:xfrm rot="16200000" flipH="1">
-            <a:off x="17227493" y="12438806"/>
-            <a:ext cx="238191" cy="1039124"/>
+          <p:cNvPr id="140" name="Соединительная линия уступом 139"/>
+          <p:cNvCxnSpPr>
+            <a:stCxn id="125" idx="2"/>
+            <a:endCxn id="123" idx="0"/>
+          </p:cNvCxnSpPr>
+          <p:nvPr/>
+        </p:nvCxnSpPr>
+        <p:spPr>
+          <a:xfrm rot="5400000">
+            <a:off x="6125704" y="11121887"/>
+            <a:ext cx="256791" cy="2134370"/>
           </a:xfrm>
           <a:prstGeom prst="bentConnector3">
             <a:avLst>
@@ -6821,17 +7405,17 @@
       </p:cxnSp>
       <p:cxnSp>
         <p:nvCxnSpPr>
-          <p:cNvPr id="235" name="Прямая со стрелкой 234"/>
-          <p:cNvCxnSpPr>
-            <a:stCxn id="186" idx="2"/>
-            <a:endCxn id="102" idx="0"/>
-          </p:cNvCxnSpPr>
-          <p:nvPr/>
-        </p:nvCxnSpPr>
-        <p:spPr>
-          <a:xfrm>
-            <a:off x="15789382" y="13617464"/>
-            <a:ext cx="1068" cy="259967"/>
+          <p:cNvPr id="150" name="Прямая со стрелкой 149"/>
+          <p:cNvCxnSpPr>
+            <a:stCxn id="132" idx="2"/>
+            <a:endCxn id="133" idx="0"/>
+          </p:cNvCxnSpPr>
+          <p:nvPr/>
+        </p:nvCxnSpPr>
+        <p:spPr>
+          <a:xfrm>
+            <a:off x="6285084" y="12864839"/>
+            <a:ext cx="2" cy="217140"/>
           </a:xfrm>
           <a:prstGeom prst="straightConnector1">
             <a:avLst/>
@@ -6855,97 +7439,21 @@
           </a:fontRef>
         </p:style>
       </p:cxnSp>
-      <p:cxnSp>
-        <p:nvCxnSpPr>
-          <p:cNvPr id="243" name="Прямая со стрелкой 242"/>
-          <p:cNvCxnSpPr>
-            <a:stCxn id="105" idx="2"/>
-            <a:endCxn id="75" idx="0"/>
-          </p:cNvCxnSpPr>
-          <p:nvPr/>
-        </p:nvCxnSpPr>
-        <p:spPr>
-          <a:xfrm flipH="1">
-            <a:off x="17866149" y="13617464"/>
-            <a:ext cx="1" cy="272102"/>
-          </a:xfrm>
-          <a:prstGeom prst="straightConnector1">
-            <a:avLst/>
-          </a:prstGeom>
-          <a:ln w="19050">
-            <a:tailEnd type="arrow"/>
-          </a:ln>
-        </p:spPr>
-        <p:style>
-          <a:lnRef idx="1">
-            <a:schemeClr val="accent1"/>
-          </a:lnRef>
-          <a:fillRef idx="0">
-            <a:schemeClr val="accent1"/>
-          </a:fillRef>
-          <a:effectRef idx="0">
-            <a:schemeClr val="accent1"/>
-          </a:effectRef>
-          <a:fontRef idx="minor">
-            <a:schemeClr val="tx1"/>
-          </a:fontRef>
-        </p:style>
-      </p:cxnSp>
-      <p:cxnSp>
-        <p:nvCxnSpPr>
-          <p:cNvPr id="245" name="Прямая со стрелкой 244"/>
-          <p:cNvCxnSpPr>
-            <a:stCxn id="103" idx="2"/>
-            <a:endCxn id="104" idx="0"/>
-          </p:cNvCxnSpPr>
-          <p:nvPr/>
-        </p:nvCxnSpPr>
-        <p:spPr>
-          <a:xfrm>
-            <a:off x="16827026" y="12839273"/>
-            <a:ext cx="17" cy="235916"/>
-          </a:xfrm>
-          <a:prstGeom prst="straightConnector1">
-            <a:avLst/>
-          </a:prstGeom>
-          <a:ln w="19050">
-            <a:tailEnd type="arrow"/>
-          </a:ln>
-        </p:spPr>
-        <p:style>
-          <a:lnRef idx="1">
-            <a:schemeClr val="accent1"/>
-          </a:lnRef>
-          <a:fillRef idx="0">
-            <a:schemeClr val="accent1"/>
-          </a:fillRef>
-          <a:effectRef idx="0">
-            <a:schemeClr val="accent1"/>
-          </a:effectRef>
-          <a:fontRef idx="minor">
-            <a:schemeClr val="tx1"/>
-          </a:fontRef>
-        </p:style>
-      </p:cxnSp>
-      <p:sp>
-        <p:nvSpPr>
-          <p:cNvPr id="113" name="Прямоугольник 112"/>
+      <p:sp>
+        <p:nvSpPr>
+          <p:cNvPr id="153" name="Прямоугольник 152"/>
           <p:cNvSpPr/>
           <p:nvPr/>
         </p:nvSpPr>
         <p:spPr>
           <a:xfrm>
-            <a:off x="2614709" y="11527749"/>
+            <a:off x="48606949" y="34446641"/>
             <a:ext cx="926325" cy="540000"/>
           </a:xfrm>
           <a:prstGeom prst="rect">
             <a:avLst/>
           </a:prstGeom>
-          <a:ln w="19050">
-            <a:solidFill>
-              <a:srgbClr val="00B050"/>
-            </a:solidFill>
-          </a:ln>
+          <a:ln w="19050"/>
         </p:spPr>
         <p:style>
           <a:lnRef idx="2">
@@ -6967,747 +7475,26 @@
           <a:p>
             <a:pPr algn="ctr"/>
             <a:r>
-              <a:rPr lang="ru-RU" sz="700" dirty="0"/>
-              <a:t>Колониальное управление Мозамбика</a:t>
-            </a:r>
-          </a:p>
-        </p:txBody>
-      </p:sp>
-      <p:sp>
-        <p:nvSpPr>
-          <p:cNvPr id="117" name="Прямоугольник 116"/>
-          <p:cNvSpPr/>
-          <p:nvPr/>
-        </p:nvSpPr>
-        <p:spPr>
-          <a:xfrm>
-            <a:off x="2614709" y="12310463"/>
-            <a:ext cx="926325" cy="540000"/>
-          </a:xfrm>
-          <a:prstGeom prst="rect">
-            <a:avLst/>
-          </a:prstGeom>
-          <a:ln w="19050"/>
-        </p:spPr>
-        <p:style>
-          <a:lnRef idx="2">
-            <a:schemeClr val="accent1"/>
-          </a:lnRef>
-          <a:fillRef idx="1">
-            <a:schemeClr val="lt1"/>
-          </a:fillRef>
-          <a:effectRef idx="0">
-            <a:schemeClr val="accent1"/>
-          </a:effectRef>
-          <a:fontRef idx="minor">
-            <a:schemeClr val="dk1"/>
-          </a:fontRef>
-        </p:style>
-        <p:txBody>
-          <a:bodyPr lIns="124733" tIns="62367" rIns="124733" bIns="62367" rtlCol="0" anchor="ctr"/>
-          <a:lstStyle/>
-          <a:p>
-            <a:pPr algn="ctr"/>
-            <a:r>
-              <a:rPr lang="ru-RU" sz="700" dirty="0"/>
-              <a:t>Продолжить плановую экономику </a:t>
-            </a:r>
-            <a:r>
-              <a:rPr lang="ru-RU" sz="700" dirty="0" err="1"/>
-              <a:t>Салазара</a:t>
-            </a:r>
-            <a:endParaRPr lang="ru-RU" sz="200" dirty="0"/>
-          </a:p>
-        </p:txBody>
-      </p:sp>
-      <p:sp>
-        <p:nvSpPr>
-          <p:cNvPr id="118" name="Прямоугольник 117"/>
-          <p:cNvSpPr/>
-          <p:nvPr/>
-        </p:nvSpPr>
-        <p:spPr>
-          <a:xfrm>
-            <a:off x="1557364" y="13872662"/>
-            <a:ext cx="926325" cy="540000"/>
-          </a:xfrm>
-          <a:prstGeom prst="rect">
-            <a:avLst/>
-          </a:prstGeom>
-          <a:ln w="19050"/>
-        </p:spPr>
-        <p:style>
-          <a:lnRef idx="2">
-            <a:schemeClr val="accent1"/>
-          </a:lnRef>
-          <a:fillRef idx="1">
-            <a:schemeClr val="lt1"/>
-          </a:fillRef>
-          <a:effectRef idx="0">
-            <a:schemeClr val="accent1"/>
-          </a:effectRef>
-          <a:fontRef idx="minor">
-            <a:schemeClr val="dk1"/>
-          </a:fontRef>
-        </p:style>
-        <p:txBody>
-          <a:bodyPr lIns="124733" tIns="62367" rIns="124733" bIns="62367" rtlCol="0" anchor="ctr"/>
-          <a:lstStyle/>
-          <a:p>
-            <a:pPr algn="ctr"/>
-            <a:r>
               <a:rPr lang="ru-RU" sz="800" dirty="0"/>
-              <a:t>Возобновить полугодовые отработки</a:t>
-            </a:r>
-          </a:p>
-        </p:txBody>
-      </p:sp>
-      <p:sp>
-        <p:nvSpPr>
-          <p:cNvPr id="120" name="Прямоугольник 119"/>
-          <p:cNvSpPr/>
-          <p:nvPr/>
-        </p:nvSpPr>
-        <p:spPr>
-          <a:xfrm>
-            <a:off x="2637820" y="14718122"/>
-            <a:ext cx="926325" cy="540000"/>
-          </a:xfrm>
-          <a:prstGeom prst="rect">
-            <a:avLst/>
-          </a:prstGeom>
-          <a:ln w="19050"/>
-        </p:spPr>
-        <p:style>
-          <a:lnRef idx="2">
-            <a:schemeClr val="accent1"/>
-          </a:lnRef>
-          <a:fillRef idx="1">
-            <a:schemeClr val="lt1"/>
-          </a:fillRef>
-          <a:effectRef idx="0">
-            <a:schemeClr val="accent1"/>
-          </a:effectRef>
-          <a:fontRef idx="minor">
-            <a:schemeClr val="dk1"/>
-          </a:fontRef>
-        </p:style>
-        <p:txBody>
-          <a:bodyPr lIns="124733" tIns="62367" rIns="124733" bIns="62367" rtlCol="0" anchor="ctr"/>
-          <a:lstStyle/>
-          <a:p>
-            <a:pPr algn="ctr"/>
-            <a:r>
-              <a:rPr lang="ru-RU" sz="800" dirty="0"/>
-              <a:t>Экспорт риса в Метрополию</a:t>
-            </a:r>
-          </a:p>
-        </p:txBody>
-      </p:sp>
-      <p:sp>
-        <p:nvSpPr>
-          <p:cNvPr id="121" name="Прямоугольник 120"/>
-          <p:cNvSpPr/>
-          <p:nvPr/>
-        </p:nvSpPr>
-        <p:spPr>
-          <a:xfrm>
-            <a:off x="1561514" y="13073450"/>
-            <a:ext cx="926325" cy="540000"/>
-          </a:xfrm>
-          <a:prstGeom prst="rect">
-            <a:avLst/>
-          </a:prstGeom>
-          <a:ln w="19050"/>
-        </p:spPr>
-        <p:style>
-          <a:lnRef idx="2">
-            <a:schemeClr val="accent1"/>
-          </a:lnRef>
-          <a:fillRef idx="1">
-            <a:schemeClr val="lt1"/>
-          </a:fillRef>
-          <a:effectRef idx="0">
-            <a:schemeClr val="accent1"/>
-          </a:effectRef>
-          <a:fontRef idx="minor">
-            <a:schemeClr val="dk1"/>
-          </a:fontRef>
-        </p:style>
-        <p:txBody>
-          <a:bodyPr lIns="124733" tIns="62367" rIns="124733" bIns="62367" rtlCol="0" anchor="ctr"/>
-          <a:lstStyle/>
-          <a:p>
-            <a:pPr algn="ctr"/>
-            <a:r>
-              <a:rPr lang="ru-RU" sz="800" dirty="0"/>
-              <a:t>Увеличить производства хлопка (+1фабрика)</a:t>
-            </a:r>
-          </a:p>
-        </p:txBody>
-      </p:sp>
-      <p:sp>
-        <p:nvSpPr>
-          <p:cNvPr id="122" name="Прямоугольник 121"/>
-          <p:cNvSpPr/>
-          <p:nvPr/>
-        </p:nvSpPr>
-        <p:spPr>
-          <a:xfrm>
-            <a:off x="4727948" y="13081979"/>
-            <a:ext cx="926325" cy="540000"/>
-          </a:xfrm>
-          <a:prstGeom prst="rect">
-            <a:avLst/>
-          </a:prstGeom>
-          <a:ln w="19050"/>
-        </p:spPr>
-        <p:style>
-          <a:lnRef idx="2">
-            <a:schemeClr val="accent1"/>
-          </a:lnRef>
-          <a:fillRef idx="1">
-            <a:schemeClr val="lt1"/>
-          </a:fillRef>
-          <a:effectRef idx="0">
-            <a:schemeClr val="accent1"/>
-          </a:effectRef>
-          <a:fontRef idx="minor">
-            <a:schemeClr val="dk1"/>
-          </a:fontRef>
-        </p:style>
-        <p:txBody>
-          <a:bodyPr lIns="124733" tIns="62367" rIns="124733" bIns="62367" rtlCol="0" anchor="ctr"/>
-          <a:lstStyle/>
-          <a:p>
-            <a:pPr algn="ctr"/>
-            <a:r>
-              <a:rPr lang="ru-RU" sz="800" dirty="0"/>
-              <a:t>Экспорт сандала</a:t>
-            </a:r>
-          </a:p>
-        </p:txBody>
-      </p:sp>
-      <p:sp>
-        <p:nvSpPr>
-          <p:cNvPr id="123" name="Прямоугольник 122"/>
-          <p:cNvSpPr/>
-          <p:nvPr/>
-        </p:nvSpPr>
-        <p:spPr>
-          <a:xfrm>
-            <a:off x="4723751" y="12317468"/>
-            <a:ext cx="926325" cy="540000"/>
-          </a:xfrm>
-          <a:prstGeom prst="rect">
-            <a:avLst/>
-          </a:prstGeom>
-          <a:ln w="19050"/>
-        </p:spPr>
-        <p:style>
-          <a:lnRef idx="2">
-            <a:schemeClr val="accent1"/>
-          </a:lnRef>
-          <a:fillRef idx="1">
-            <a:schemeClr val="lt1"/>
-          </a:fillRef>
-          <a:effectRef idx="0">
-            <a:schemeClr val="accent1"/>
-          </a:effectRef>
-          <a:fontRef idx="minor">
-            <a:schemeClr val="dk1"/>
-          </a:fontRef>
-        </p:style>
-        <p:txBody>
-          <a:bodyPr lIns="124733" tIns="62367" rIns="124733" bIns="62367" rtlCol="0" anchor="ctr"/>
-          <a:lstStyle/>
-          <a:p>
-            <a:pPr algn="ctr"/>
-            <a:r>
-              <a:rPr lang="ru-RU" sz="800" dirty="0"/>
-              <a:t>Экспорт </a:t>
-            </a:r>
-            <a:r>
-              <a:rPr lang="ru-RU" sz="800" dirty="0" err="1"/>
-              <a:t>Тиморского</a:t>
-            </a:r>
-            <a:r>
-              <a:rPr lang="ru-RU" sz="800" dirty="0"/>
-              <a:t> кофе</a:t>
-            </a:r>
-          </a:p>
-        </p:txBody>
-      </p:sp>
-      <p:sp>
-        <p:nvSpPr>
-          <p:cNvPr id="125" name="Прямоугольник 124"/>
-          <p:cNvSpPr/>
-          <p:nvPr/>
-        </p:nvSpPr>
-        <p:spPr>
-          <a:xfrm>
-            <a:off x="6858121" y="11520677"/>
-            <a:ext cx="926325" cy="540000"/>
-          </a:xfrm>
-          <a:prstGeom prst="rect">
-            <a:avLst/>
-          </a:prstGeom>
-          <a:ln w="19050">
-            <a:solidFill>
-              <a:srgbClr val="00B050"/>
-            </a:solidFill>
-          </a:ln>
-        </p:spPr>
-        <p:style>
-          <a:lnRef idx="2">
-            <a:schemeClr val="accent1"/>
-          </a:lnRef>
-          <a:fillRef idx="1">
-            <a:schemeClr val="lt1"/>
-          </a:fillRef>
-          <a:effectRef idx="0">
-            <a:schemeClr val="accent1"/>
-          </a:effectRef>
-          <a:fontRef idx="minor">
-            <a:schemeClr val="dk1"/>
-          </a:fontRef>
-        </p:style>
-        <p:txBody>
-          <a:bodyPr lIns="124733" tIns="62367" rIns="124733" bIns="62367" rtlCol="0" anchor="ctr"/>
-          <a:lstStyle/>
-          <a:p>
-            <a:pPr algn="ctr"/>
-            <a:r>
-              <a:rPr lang="ru-RU" sz="700" dirty="0"/>
-              <a:t>Колониальное управление Тимора</a:t>
-            </a:r>
-          </a:p>
-        </p:txBody>
-      </p:sp>
-      <p:sp>
-        <p:nvSpPr>
-          <p:cNvPr id="126" name="Прямоугольник 125"/>
-          <p:cNvSpPr/>
-          <p:nvPr/>
-        </p:nvSpPr>
-        <p:spPr>
-          <a:xfrm>
-            <a:off x="48606949" y="33300900"/>
-            <a:ext cx="926325" cy="540000"/>
-          </a:xfrm>
-          <a:prstGeom prst="rect">
-            <a:avLst/>
-          </a:prstGeom>
-          <a:ln w="19050"/>
-        </p:spPr>
-        <p:style>
-          <a:lnRef idx="2">
-            <a:schemeClr val="accent1"/>
-          </a:lnRef>
-          <a:fillRef idx="1">
-            <a:schemeClr val="lt1"/>
-          </a:fillRef>
-          <a:effectRef idx="0">
-            <a:schemeClr val="accent1"/>
-          </a:effectRef>
-          <a:fontRef idx="minor">
-            <a:schemeClr val="dk1"/>
-          </a:fontRef>
-        </p:style>
-        <p:txBody>
-          <a:bodyPr lIns="124733" tIns="62367" rIns="124733" bIns="62367" rtlCol="0" anchor="ctr"/>
-          <a:lstStyle/>
-          <a:p>
-            <a:pPr algn="ctr"/>
-            <a:r>
-              <a:rPr lang="ru-RU" sz="800" dirty="0"/>
-              <a:t>Вложения </a:t>
-            </a:r>
-            <a:r>
-              <a:rPr lang="en-US" sz="800" dirty="0" err="1"/>
-              <a:t>Nan'y</a:t>
-            </a:r>
-            <a:r>
-              <a:rPr lang="en-US" sz="800" dirty="0"/>
-              <a:t> </a:t>
-            </a:r>
-            <a:r>
-              <a:rPr lang="en-US" sz="800" dirty="0" err="1"/>
-              <a:t>Kōhatsu</a:t>
-            </a:r>
-            <a:r>
-              <a:rPr lang="ru-RU" sz="800" dirty="0"/>
-              <a:t> в плантации Тимора (доступно если Португалия продала акции САПТ в 1937) </a:t>
-            </a:r>
-            <a:r>
-              <a:rPr lang="ru-RU" sz="100" dirty="0"/>
-              <a:t>(японская полугосударственная девелоперская компания </a:t>
-            </a:r>
-            <a:r>
-              <a:rPr lang="ru-RU" sz="100" dirty="0" err="1"/>
-              <a:t>Nan'yō</a:t>
-            </a:r>
-            <a:r>
-              <a:rPr lang="ru-RU" sz="100" dirty="0"/>
-              <a:t> </a:t>
-            </a:r>
-            <a:r>
-              <a:rPr lang="ru-RU" sz="100" dirty="0" err="1"/>
-              <a:t>Kōhatsu</a:t>
-            </a:r>
-            <a:r>
-              <a:rPr lang="ru-RU" sz="100" dirty="0"/>
-              <a:t> при тайном спонсорстве Императорского флота Японии вложила значительные средства в совместное предприятие с SAPT, ведущей плантационной компанией португальского Тимора. Совместное предприятие эффективно контролировало импорт и экспорт на остров к середине 1930-х годов, и расширение интересов Японии сильно обеспокоило британские, голландские и австралийские власти)</a:t>
-            </a:r>
-          </a:p>
-        </p:txBody>
-      </p:sp>
-      <p:sp>
-        <p:nvSpPr>
-          <p:cNvPr id="127" name="Прямоугольник 126"/>
-          <p:cNvSpPr/>
-          <p:nvPr/>
-        </p:nvSpPr>
-        <p:spPr>
-          <a:xfrm>
-            <a:off x="6862260" y="12318574"/>
-            <a:ext cx="926325" cy="540000"/>
-          </a:xfrm>
-          <a:prstGeom prst="rect">
-            <a:avLst/>
-          </a:prstGeom>
-          <a:ln w="19050"/>
-        </p:spPr>
-        <p:style>
-          <a:lnRef idx="2">
-            <a:schemeClr val="accent1"/>
-          </a:lnRef>
-          <a:fillRef idx="1">
-            <a:schemeClr val="lt1"/>
-          </a:fillRef>
-          <a:effectRef idx="0">
-            <a:schemeClr val="accent1"/>
-          </a:effectRef>
-          <a:fontRef idx="minor">
-            <a:schemeClr val="dk1"/>
-          </a:fontRef>
-        </p:style>
-        <p:txBody>
-          <a:bodyPr lIns="124733" tIns="62367" rIns="124733" bIns="62367" rtlCol="0" anchor="ctr"/>
-          <a:lstStyle/>
-          <a:p>
-            <a:pPr algn="ctr"/>
-            <a:r>
-              <a:rPr lang="ru-RU" sz="800" dirty="0"/>
-              <a:t>Принудить к работам местных</a:t>
-            </a:r>
-            <a:endParaRPr lang="ru-RU" sz="300" dirty="0"/>
-          </a:p>
-        </p:txBody>
-      </p:sp>
-      <p:sp>
-        <p:nvSpPr>
-          <p:cNvPr id="128" name="Прямоугольник 127"/>
-          <p:cNvSpPr/>
-          <p:nvPr/>
-        </p:nvSpPr>
-        <p:spPr>
-          <a:xfrm>
-            <a:off x="5827771" y="13884093"/>
-            <a:ext cx="926325" cy="540000"/>
-          </a:xfrm>
-          <a:prstGeom prst="rect">
-            <a:avLst/>
-          </a:prstGeom>
-          <a:ln w="19050">
-            <a:solidFill>
-              <a:srgbClr val="00B050"/>
-            </a:solidFill>
-          </a:ln>
-        </p:spPr>
-        <p:style>
-          <a:lnRef idx="2">
-            <a:schemeClr val="accent1"/>
-          </a:lnRef>
-          <a:fillRef idx="1">
-            <a:schemeClr val="lt1"/>
-          </a:fillRef>
-          <a:effectRef idx="0">
-            <a:schemeClr val="accent1"/>
-          </a:effectRef>
-          <a:fontRef idx="minor">
-            <a:schemeClr val="dk1"/>
-          </a:fontRef>
-        </p:style>
-        <p:txBody>
-          <a:bodyPr lIns="124733" tIns="62367" rIns="124733" bIns="62367" rtlCol="0" anchor="ctr"/>
-          <a:lstStyle/>
-          <a:p>
-            <a:pPr algn="ctr"/>
-            <a:r>
-              <a:rPr lang="ru-RU" sz="800" dirty="0"/>
-              <a:t>Передать образование </a:t>
-            </a:r>
-            <a:r>
-              <a:rPr lang="ru-RU" sz="800" dirty="0" err="1"/>
-              <a:t>тиморцев</a:t>
-            </a:r>
-            <a:r>
-              <a:rPr lang="ru-RU" sz="800" dirty="0"/>
-              <a:t> церкви</a:t>
-            </a:r>
-            <a:endParaRPr lang="ru-RU" sz="400" dirty="0"/>
-          </a:p>
-        </p:txBody>
-      </p:sp>
-      <p:sp>
-        <p:nvSpPr>
-          <p:cNvPr id="129" name="Прямоугольник 128"/>
-          <p:cNvSpPr/>
-          <p:nvPr/>
-        </p:nvSpPr>
-        <p:spPr>
-          <a:xfrm>
-            <a:off x="8373345" y="13074369"/>
-            <a:ext cx="926325" cy="540000"/>
-          </a:xfrm>
-          <a:prstGeom prst="rect">
-            <a:avLst/>
-          </a:prstGeom>
-          <a:ln w="19050"/>
-        </p:spPr>
-        <p:style>
-          <a:lnRef idx="2">
-            <a:schemeClr val="accent1"/>
-          </a:lnRef>
-          <a:fillRef idx="1">
-            <a:schemeClr val="lt1"/>
-          </a:fillRef>
-          <a:effectRef idx="0">
-            <a:schemeClr val="accent1"/>
-          </a:effectRef>
-          <a:fontRef idx="minor">
-            <a:schemeClr val="dk1"/>
-          </a:fontRef>
-        </p:style>
-        <p:txBody>
-          <a:bodyPr lIns="124733" tIns="62367" rIns="124733" bIns="62367" rtlCol="0" anchor="ctr"/>
-          <a:lstStyle/>
-          <a:p>
-            <a:pPr algn="ctr"/>
-            <a:r>
-              <a:rPr lang="ru-RU" sz="700" dirty="0"/>
-              <a:t>Добровольческие отряды Тимора (1939)</a:t>
-            </a:r>
-          </a:p>
-        </p:txBody>
-      </p:sp>
-      <p:sp>
-        <p:nvSpPr>
-          <p:cNvPr id="130" name="Прямоугольник 129"/>
-          <p:cNvSpPr/>
-          <p:nvPr/>
-        </p:nvSpPr>
-        <p:spPr>
-          <a:xfrm>
-            <a:off x="47758385" y="35225475"/>
-            <a:ext cx="926325" cy="540000"/>
-          </a:xfrm>
-          <a:prstGeom prst="rect">
-            <a:avLst/>
-          </a:prstGeom>
-          <a:ln w="19050"/>
-        </p:spPr>
-        <p:style>
-          <a:lnRef idx="2">
-            <a:schemeClr val="accent1"/>
-          </a:lnRef>
-          <a:fillRef idx="1">
-            <a:schemeClr val="lt1"/>
-          </a:fillRef>
-          <a:effectRef idx="0">
-            <a:schemeClr val="accent1"/>
-          </a:effectRef>
-          <a:fontRef idx="minor">
-            <a:schemeClr val="dk1"/>
-          </a:fontRef>
-        </p:style>
-        <p:txBody>
-          <a:bodyPr lIns="124733" tIns="62367" rIns="124733" bIns="62367" rtlCol="0" anchor="ctr"/>
-          <a:lstStyle/>
-          <a:p>
-            <a:pPr algn="ctr"/>
-            <a:r>
-              <a:rPr lang="ru-RU" sz="800" dirty="0"/>
-              <a:t>Воздушное сообщение с Японией через Палау</a:t>
-            </a:r>
-          </a:p>
-        </p:txBody>
-      </p:sp>
-      <p:sp>
-        <p:nvSpPr>
-          <p:cNvPr id="131" name="Прямоугольник 130"/>
-          <p:cNvSpPr/>
-          <p:nvPr/>
-        </p:nvSpPr>
-        <p:spPr>
-          <a:xfrm>
-            <a:off x="49600684" y="35224690"/>
-            <a:ext cx="926325" cy="540000"/>
-          </a:xfrm>
-          <a:prstGeom prst="rect">
-            <a:avLst/>
-          </a:prstGeom>
-          <a:ln w="19050"/>
-        </p:spPr>
-        <p:style>
-          <a:lnRef idx="2">
-            <a:schemeClr val="accent1"/>
-          </a:lnRef>
-          <a:fillRef idx="1">
-            <a:schemeClr val="lt1"/>
-          </a:fillRef>
-          <a:effectRef idx="0">
-            <a:schemeClr val="accent1"/>
-          </a:effectRef>
-          <a:fontRef idx="minor">
-            <a:schemeClr val="dk1"/>
-          </a:fontRef>
-        </p:style>
-        <p:txBody>
-          <a:bodyPr lIns="124733" tIns="62367" rIns="124733" bIns="62367" rtlCol="0" anchor="ctr"/>
-          <a:lstStyle/>
-          <a:p>
-            <a:pPr algn="ctr"/>
-            <a:r>
-              <a:rPr lang="ru-RU" sz="800" dirty="0"/>
-              <a:t>Сахарные и солевые концессии </a:t>
-            </a:r>
-            <a:r>
-              <a:rPr lang="ru-RU" sz="500" dirty="0"/>
-              <a:t>(Японцы ищут соли и сахарные концессии в Тиморе)</a:t>
-            </a:r>
-          </a:p>
-        </p:txBody>
-      </p:sp>
-      <p:sp>
-        <p:nvSpPr>
-          <p:cNvPr id="132" name="Прямоугольник 131"/>
-          <p:cNvSpPr/>
-          <p:nvPr/>
-        </p:nvSpPr>
-        <p:spPr>
-          <a:xfrm>
-            <a:off x="5821921" y="12324839"/>
-            <a:ext cx="926325" cy="540000"/>
-          </a:xfrm>
-          <a:prstGeom prst="rect">
-            <a:avLst/>
-          </a:prstGeom>
-          <a:ln w="19050">
-            <a:solidFill>
-              <a:srgbClr val="00B050"/>
-            </a:solidFill>
-          </a:ln>
-        </p:spPr>
-        <p:style>
-          <a:lnRef idx="2">
-            <a:schemeClr val="accent1"/>
-          </a:lnRef>
-          <a:fillRef idx="1">
-            <a:schemeClr val="lt1"/>
-          </a:fillRef>
-          <a:effectRef idx="0">
-            <a:schemeClr val="accent1"/>
-          </a:effectRef>
-          <a:fontRef idx="minor">
-            <a:schemeClr val="dk1"/>
-          </a:fontRef>
-        </p:style>
-        <p:txBody>
-          <a:bodyPr lIns="124733" tIns="62367" rIns="124733" bIns="62367" rtlCol="0" anchor="ctr"/>
-          <a:lstStyle/>
-          <a:p>
-            <a:pPr algn="ctr"/>
-            <a:r>
-              <a:rPr lang="ru-RU" sz="800" dirty="0"/>
-              <a:t>Продажа акций </a:t>
-            </a:r>
-            <a:r>
-              <a:rPr lang="en-US" sz="800" dirty="0"/>
-              <a:t>SAPT </a:t>
-            </a:r>
-            <a:r>
-              <a:rPr lang="ru-RU" sz="800" dirty="0"/>
-              <a:t>Японии(в 1937)</a:t>
-            </a:r>
-          </a:p>
-        </p:txBody>
-      </p:sp>
-      <p:sp>
-        <p:nvSpPr>
-          <p:cNvPr id="133" name="Прямоугольник 132"/>
-          <p:cNvSpPr/>
-          <p:nvPr/>
-        </p:nvSpPr>
-        <p:spPr>
-          <a:xfrm>
-            <a:off x="5821923" y="13081979"/>
-            <a:ext cx="926325" cy="540000"/>
-          </a:xfrm>
-          <a:prstGeom prst="rect">
-            <a:avLst/>
-          </a:prstGeom>
-          <a:ln w="19050">
-            <a:solidFill>
-              <a:srgbClr val="00B050"/>
-            </a:solidFill>
-          </a:ln>
-        </p:spPr>
-        <p:style>
-          <a:lnRef idx="2">
-            <a:schemeClr val="accent1"/>
-          </a:lnRef>
-          <a:fillRef idx="1">
-            <a:schemeClr val="lt1"/>
-          </a:fillRef>
-          <a:effectRef idx="0">
-            <a:schemeClr val="accent1"/>
-          </a:effectRef>
-          <a:fontRef idx="minor">
-            <a:schemeClr val="dk1"/>
-          </a:fontRef>
-        </p:style>
-        <p:txBody>
-          <a:bodyPr lIns="124733" tIns="62367" rIns="124733" bIns="62367" rtlCol="0" anchor="ctr"/>
-          <a:lstStyle/>
-          <a:p>
-            <a:pPr algn="ctr"/>
-            <a:r>
-              <a:rPr lang="ru-RU" sz="800" dirty="0"/>
-              <a:t>Выращивание каучука </a:t>
-            </a:r>
-            <a:r>
-              <a:rPr lang="en-US" sz="800" dirty="0"/>
-              <a:t>SAPT</a:t>
-            </a:r>
-            <a:endParaRPr lang="ru-RU" sz="800" dirty="0"/>
-          </a:p>
-        </p:txBody>
-      </p:sp>
-      <p:cxnSp>
-        <p:nvCxnSpPr>
-          <p:cNvPr id="135" name="Соединительная линия уступом 134"/>
-          <p:cNvCxnSpPr>
-            <a:stCxn id="127" idx="2"/>
-            <a:endCxn id="129" idx="0"/>
-          </p:cNvCxnSpPr>
-          <p:nvPr/>
-        </p:nvCxnSpPr>
-        <p:spPr>
-          <a:xfrm rot="16200000" flipH="1">
-            <a:off x="7973068" y="12210928"/>
-            <a:ext cx="215795" cy="1511085"/>
+              <a:t>Оккупировать Португальский Тимор</a:t>
+            </a:r>
+            <a:endParaRPr lang="ru-RU" sz="500" dirty="0"/>
+          </a:p>
+        </p:txBody>
+      </p:sp>
+      <p:cxnSp>
+        <p:nvCxnSpPr>
+          <p:cNvPr id="154" name="Соединительная линия уступом 153"/>
+          <p:cNvCxnSpPr>
+            <a:stCxn id="153" idx="2"/>
+            <a:endCxn id="130" idx="0"/>
+          </p:cNvCxnSpPr>
+          <p:nvPr/>
+        </p:nvCxnSpPr>
+        <p:spPr>
+          <a:xfrm rot="5400000">
+            <a:off x="48526413" y="34681776"/>
+            <a:ext cx="238834" cy="848564"/>
           </a:xfrm>
           <a:prstGeom prst="bentConnector3">
             <a:avLst>
@@ -7735,17 +7522,17 @@
       </p:cxnSp>
       <p:cxnSp>
         <p:nvCxnSpPr>
-          <p:cNvPr id="136" name="Соединительная линия уступом 135"/>
-          <p:cNvCxnSpPr>
-            <a:stCxn id="207" idx="2"/>
-            <a:endCxn id="129" idx="0"/>
+          <p:cNvPr id="157" name="Соединительная линия уступом 156"/>
+          <p:cNvCxnSpPr>
+            <a:stCxn id="153" idx="2"/>
+            <a:endCxn id="131" idx="0"/>
           </p:cNvCxnSpPr>
           <p:nvPr/>
         </p:nvCxnSpPr>
         <p:spPr>
           <a:xfrm rot="16200000" flipH="1">
-            <a:off x="8712646" y="12950507"/>
-            <a:ext cx="232578" cy="15146"/>
+            <a:off x="49447955" y="34608797"/>
+            <a:ext cx="238049" cy="993735"/>
           </a:xfrm>
           <a:prstGeom prst="bentConnector3">
             <a:avLst>
@@ -7773,17 +7560,743 @@
       </p:cxnSp>
       <p:cxnSp>
         <p:nvCxnSpPr>
-          <p:cNvPr id="137" name="Соединительная линия уступом 136"/>
-          <p:cNvCxnSpPr>
-            <a:stCxn id="125" idx="2"/>
-            <a:endCxn id="127" idx="0"/>
+          <p:cNvPr id="160" name="Прямая со стрелкой 159"/>
+          <p:cNvCxnSpPr>
+            <a:stCxn id="126" idx="2"/>
+            <a:endCxn id="153" idx="0"/>
+          </p:cNvCxnSpPr>
+          <p:nvPr/>
+        </p:nvCxnSpPr>
+        <p:spPr>
+          <a:xfrm>
+            <a:off x="49070112" y="33840900"/>
+            <a:ext cx="0" cy="605741"/>
+          </a:xfrm>
+          <a:prstGeom prst="straightConnector1">
+            <a:avLst/>
+          </a:prstGeom>
+          <a:ln w="19050">
+            <a:tailEnd type="arrow"/>
+          </a:ln>
+        </p:spPr>
+        <p:style>
+          <a:lnRef idx="1">
+            <a:schemeClr val="accent1"/>
+          </a:lnRef>
+          <a:fillRef idx="0">
+            <a:schemeClr val="accent1"/>
+          </a:fillRef>
+          <a:effectRef idx="0">
+            <a:schemeClr val="accent1"/>
+          </a:effectRef>
+          <a:fontRef idx="minor">
+            <a:schemeClr val="tx1"/>
+          </a:fontRef>
+        </p:style>
+      </p:cxnSp>
+      <p:sp>
+        <p:nvSpPr>
+          <p:cNvPr id="173" name="Прямоугольник 172"/>
+          <p:cNvSpPr/>
+          <p:nvPr/>
+        </p:nvSpPr>
+        <p:spPr>
+          <a:xfrm>
+            <a:off x="8957021" y="14718126"/>
+            <a:ext cx="926325" cy="540000"/>
+          </a:xfrm>
+          <a:prstGeom prst="rect">
+            <a:avLst/>
+          </a:prstGeom>
+          <a:ln w="19050">
+            <a:solidFill>
+              <a:srgbClr val="00B050"/>
+            </a:solidFill>
+          </a:ln>
+        </p:spPr>
+        <p:style>
+          <a:lnRef idx="2">
+            <a:schemeClr val="accent1"/>
+          </a:lnRef>
+          <a:fillRef idx="1">
+            <a:schemeClr val="lt1"/>
+          </a:fillRef>
+          <a:effectRef idx="0">
+            <a:schemeClr val="accent1"/>
+          </a:effectRef>
+          <a:fontRef idx="minor">
+            <a:schemeClr val="dk1"/>
+          </a:fontRef>
+        </p:style>
+        <p:txBody>
+          <a:bodyPr lIns="124733" tIns="62367" rIns="124733" bIns="62367" rtlCol="0" anchor="ctr"/>
+          <a:lstStyle/>
+          <a:p>
+            <a:pPr algn="ctr"/>
+            <a:r>
+              <a:rPr lang="ru-RU" sz="700" dirty="0"/>
+              <a:t>Колониальное управление Макао</a:t>
+            </a:r>
+          </a:p>
+        </p:txBody>
+      </p:sp>
+      <p:sp>
+        <p:nvSpPr>
+          <p:cNvPr id="174" name="Прямоугольник 173"/>
+          <p:cNvSpPr/>
+          <p:nvPr/>
+        </p:nvSpPr>
+        <p:spPr>
+          <a:xfrm>
+            <a:off x="9503317" y="16347003"/>
+            <a:ext cx="926325" cy="540000"/>
+          </a:xfrm>
+          <a:prstGeom prst="rect">
+            <a:avLst/>
+          </a:prstGeom>
+          <a:ln w="19050"/>
+        </p:spPr>
+        <p:style>
+          <a:lnRef idx="2">
+            <a:schemeClr val="accent1"/>
+          </a:lnRef>
+          <a:fillRef idx="1">
+            <a:schemeClr val="lt1"/>
+          </a:fillRef>
+          <a:effectRef idx="0">
+            <a:schemeClr val="accent1"/>
+          </a:effectRef>
+          <a:fontRef idx="minor">
+            <a:schemeClr val="dk1"/>
+          </a:fontRef>
+        </p:style>
+        <p:txBody>
+          <a:bodyPr lIns="124733" tIns="62367" rIns="124733" bIns="62367" rtlCol="0" anchor="ctr"/>
+          <a:lstStyle/>
+          <a:p>
+            <a:pPr algn="ctr"/>
+            <a:r>
+              <a:rPr lang="ru-RU" sz="700" dirty="0"/>
+              <a:t>Красный рынок (1936)</a:t>
+            </a:r>
+          </a:p>
+        </p:txBody>
+      </p:sp>
+      <p:sp>
+        <p:nvSpPr>
+          <p:cNvPr id="175" name="Прямоугольник 174"/>
+          <p:cNvSpPr/>
+          <p:nvPr/>
+        </p:nvSpPr>
+        <p:spPr>
+          <a:xfrm>
+            <a:off x="8444856" y="16347003"/>
+            <a:ext cx="926325" cy="540000"/>
+          </a:xfrm>
+          <a:prstGeom prst="rect">
+            <a:avLst/>
+          </a:prstGeom>
+          <a:ln w="19050"/>
+        </p:spPr>
+        <p:style>
+          <a:lnRef idx="2">
+            <a:schemeClr val="accent1"/>
+          </a:lnRef>
+          <a:fillRef idx="1">
+            <a:schemeClr val="lt1"/>
+          </a:fillRef>
+          <a:effectRef idx="0">
+            <a:schemeClr val="accent1"/>
+          </a:effectRef>
+          <a:fontRef idx="minor">
+            <a:schemeClr val="dk1"/>
+          </a:fontRef>
+        </p:style>
+        <p:txBody>
+          <a:bodyPr lIns="124733" tIns="62367" rIns="124733" bIns="62367" rtlCol="0" anchor="ctr"/>
+          <a:lstStyle/>
+          <a:p>
+            <a:pPr algn="ctr"/>
+            <a:r>
+              <a:rPr lang="ru-RU" sz="700" dirty="0"/>
+              <a:t>Западная линия </a:t>
+            </a:r>
+            <a:r>
+              <a:rPr lang="ru-RU" sz="700" dirty="0" err="1"/>
+              <a:t>Цигуаньского</a:t>
+            </a:r>
+            <a:r>
+              <a:rPr lang="ru-RU" sz="700" dirty="0"/>
+              <a:t> шоссе (1936)</a:t>
+            </a:r>
+          </a:p>
+        </p:txBody>
+      </p:sp>
+      <p:sp>
+        <p:nvSpPr>
+          <p:cNvPr id="176" name="Прямоугольник 175"/>
+          <p:cNvSpPr/>
+          <p:nvPr/>
+        </p:nvSpPr>
+        <p:spPr>
+          <a:xfrm>
+            <a:off x="10547039" y="16347003"/>
+            <a:ext cx="926325" cy="540000"/>
+          </a:xfrm>
+          <a:prstGeom prst="rect">
+            <a:avLst/>
+          </a:prstGeom>
+          <a:ln w="19050"/>
+        </p:spPr>
+        <p:style>
+          <a:lnRef idx="2">
+            <a:schemeClr val="accent1"/>
+          </a:lnRef>
+          <a:fillRef idx="1">
+            <a:schemeClr val="lt1"/>
+          </a:fillRef>
+          <a:effectRef idx="0">
+            <a:schemeClr val="accent1"/>
+          </a:effectRef>
+          <a:fontRef idx="minor">
+            <a:schemeClr val="dk1"/>
+          </a:fontRef>
+        </p:style>
+        <p:txBody>
+          <a:bodyPr lIns="124733" tIns="62367" rIns="124733" bIns="62367" rtlCol="0" anchor="ctr"/>
+          <a:lstStyle/>
+          <a:p>
+            <a:pPr algn="ctr"/>
+            <a:r>
+              <a:rPr lang="ru-RU" sz="700" dirty="0"/>
+              <a:t>Модернизация крепостей под современную войну</a:t>
+            </a:r>
+          </a:p>
+        </p:txBody>
+      </p:sp>
+      <p:sp>
+        <p:nvSpPr>
+          <p:cNvPr id="177" name="Прямоугольник 176"/>
+          <p:cNvSpPr/>
+          <p:nvPr/>
+        </p:nvSpPr>
+        <p:spPr>
+          <a:xfrm>
+            <a:off x="8972810" y="13884843"/>
+            <a:ext cx="926325" cy="540000"/>
+          </a:xfrm>
+          <a:prstGeom prst="rect">
+            <a:avLst/>
+          </a:prstGeom>
+          <a:ln w="19050"/>
+        </p:spPr>
+        <p:style>
+          <a:lnRef idx="2">
+            <a:schemeClr val="accent1"/>
+          </a:lnRef>
+          <a:fillRef idx="1">
+            <a:schemeClr val="lt1"/>
+          </a:fillRef>
+          <a:effectRef idx="0">
+            <a:schemeClr val="accent1"/>
+          </a:effectRef>
+          <a:fontRef idx="minor">
+            <a:schemeClr val="dk1"/>
+          </a:fontRef>
+        </p:style>
+        <p:txBody>
+          <a:bodyPr lIns="124733" tIns="62367" rIns="124733" bIns="62367" rtlCol="0" anchor="ctr"/>
+          <a:lstStyle/>
+          <a:p>
+            <a:pPr algn="ctr"/>
+            <a:r>
+              <a:rPr lang="ru-RU" sz="700" dirty="0"/>
+              <a:t>Призвать </a:t>
+            </a:r>
+            <a:r>
+              <a:rPr lang="ru-RU" sz="700" dirty="0" err="1"/>
+              <a:t>Тиморский</a:t>
+            </a:r>
+            <a:r>
+              <a:rPr lang="ru-RU" sz="700" dirty="0"/>
+              <a:t> гарнизон</a:t>
+            </a:r>
+          </a:p>
+        </p:txBody>
+      </p:sp>
+      <p:sp>
+        <p:nvSpPr>
+          <p:cNvPr id="184" name="Прямоугольник 183"/>
+          <p:cNvSpPr/>
+          <p:nvPr/>
+        </p:nvSpPr>
+        <p:spPr>
+          <a:xfrm>
+            <a:off x="7395884" y="16332056"/>
+            <a:ext cx="926325" cy="540000"/>
+          </a:xfrm>
+          <a:prstGeom prst="rect">
+            <a:avLst/>
+          </a:prstGeom>
+          <a:ln w="19050"/>
+        </p:spPr>
+        <p:style>
+          <a:lnRef idx="2">
+            <a:schemeClr val="accent1"/>
+          </a:lnRef>
+          <a:fillRef idx="1">
+            <a:schemeClr val="lt1"/>
+          </a:fillRef>
+          <a:effectRef idx="0">
+            <a:schemeClr val="accent1"/>
+          </a:effectRef>
+          <a:fontRef idx="minor">
+            <a:schemeClr val="dk1"/>
+          </a:fontRef>
+        </p:style>
+        <p:txBody>
+          <a:bodyPr lIns="124733" tIns="62367" rIns="124733" bIns="62367" rtlCol="0" anchor="ctr"/>
+          <a:lstStyle/>
+          <a:p>
+            <a:pPr algn="ctr"/>
+            <a:r>
+              <a:rPr lang="en-US" sz="800" dirty="0"/>
+              <a:t>NRP</a:t>
+            </a:r>
+            <a:r>
+              <a:rPr lang="ru-RU" sz="800" dirty="0"/>
+              <a:t> «</a:t>
+            </a:r>
+            <a:r>
+              <a:rPr lang="en-US" sz="800" i="1" dirty="0" err="1"/>
+              <a:t>João</a:t>
+            </a:r>
+            <a:r>
+              <a:rPr lang="en-US" sz="800" i="1" dirty="0"/>
+              <a:t> de </a:t>
+            </a:r>
+            <a:r>
+              <a:rPr lang="en-US" sz="800" i="1" dirty="0" err="1"/>
+              <a:t>Lisboa</a:t>
+            </a:r>
+            <a:r>
+              <a:rPr lang="ru-RU" sz="800" i="1" dirty="0"/>
+              <a:t>» (+1эсминец)</a:t>
+            </a:r>
+            <a:endParaRPr lang="ru-RU" sz="700" dirty="0"/>
+          </a:p>
+        </p:txBody>
+      </p:sp>
+      <p:sp>
+        <p:nvSpPr>
+          <p:cNvPr id="185" name="Прямоугольник 184"/>
+          <p:cNvSpPr/>
+          <p:nvPr/>
+        </p:nvSpPr>
+        <p:spPr>
+          <a:xfrm>
+            <a:off x="10027628" y="17146265"/>
+            <a:ext cx="926325" cy="540000"/>
+          </a:xfrm>
+          <a:prstGeom prst="rect">
+            <a:avLst/>
+          </a:prstGeom>
+          <a:ln w="19050"/>
+        </p:spPr>
+        <p:style>
+          <a:lnRef idx="2">
+            <a:schemeClr val="accent1"/>
+          </a:lnRef>
+          <a:fillRef idx="1">
+            <a:schemeClr val="lt1"/>
+          </a:fillRef>
+          <a:effectRef idx="0">
+            <a:schemeClr val="accent1"/>
+          </a:effectRef>
+          <a:fontRef idx="minor">
+            <a:schemeClr val="dk1"/>
+          </a:fontRef>
+        </p:style>
+        <p:txBody>
+          <a:bodyPr lIns="124733" tIns="62367" rIns="124733" bIns="62367" rtlCol="0" anchor="ctr"/>
+          <a:lstStyle/>
+          <a:p>
+            <a:pPr algn="ctr"/>
+            <a:r>
+              <a:rPr lang="ru-RU" sz="800" dirty="0"/>
+              <a:t>Ассоциация помощи бедствиям в четырех кругах</a:t>
+            </a:r>
+            <a:endParaRPr lang="ru-RU" sz="100" dirty="0"/>
+          </a:p>
+        </p:txBody>
+      </p:sp>
+      <p:sp>
+        <p:nvSpPr>
+          <p:cNvPr id="187" name="Прямоугольник 186"/>
+          <p:cNvSpPr/>
+          <p:nvPr/>
+        </p:nvSpPr>
+        <p:spPr>
+          <a:xfrm>
+            <a:off x="8958120" y="17143323"/>
+            <a:ext cx="926325" cy="540000"/>
+          </a:xfrm>
+          <a:prstGeom prst="rect">
+            <a:avLst/>
+          </a:prstGeom>
+          <a:ln w="19050">
+            <a:solidFill>
+              <a:srgbClr val="00B050"/>
+            </a:solidFill>
+          </a:ln>
+        </p:spPr>
+        <p:style>
+          <a:lnRef idx="2">
+            <a:schemeClr val="accent1"/>
+          </a:lnRef>
+          <a:fillRef idx="1">
+            <a:schemeClr val="lt1"/>
+          </a:fillRef>
+          <a:effectRef idx="0">
+            <a:schemeClr val="accent1"/>
+          </a:effectRef>
+          <a:fontRef idx="minor">
+            <a:schemeClr val="dk1"/>
+          </a:fontRef>
+        </p:style>
+        <p:txBody>
+          <a:bodyPr lIns="124733" tIns="62367" rIns="124733" bIns="62367" rtlCol="0" anchor="ctr"/>
+          <a:lstStyle/>
+          <a:p>
+            <a:pPr algn="ctr"/>
+            <a:r>
+              <a:rPr lang="ru-RU" sz="700" dirty="0"/>
+              <a:t>Организовать центр торговли золотом</a:t>
+            </a:r>
+          </a:p>
+        </p:txBody>
+      </p:sp>
+      <p:sp>
+        <p:nvSpPr>
+          <p:cNvPr id="188" name="Прямоугольник 187"/>
+          <p:cNvSpPr/>
+          <p:nvPr/>
+        </p:nvSpPr>
+        <p:spPr>
+          <a:xfrm>
+            <a:off x="7917746" y="17145365"/>
+            <a:ext cx="926325" cy="540000"/>
+          </a:xfrm>
+          <a:prstGeom prst="rect">
+            <a:avLst/>
+          </a:prstGeom>
+          <a:ln w="19050">
+            <a:solidFill>
+              <a:srgbClr val="00B050"/>
+            </a:solidFill>
+          </a:ln>
+        </p:spPr>
+        <p:style>
+          <a:lnRef idx="2">
+            <a:schemeClr val="accent1"/>
+          </a:lnRef>
+          <a:fillRef idx="1">
+            <a:schemeClr val="lt1"/>
+          </a:fillRef>
+          <a:effectRef idx="0">
+            <a:schemeClr val="accent1"/>
+          </a:effectRef>
+          <a:fontRef idx="minor">
+            <a:schemeClr val="dk1"/>
+          </a:fontRef>
+        </p:style>
+        <p:txBody>
+          <a:bodyPr lIns="124733" tIns="62367" rIns="124733" bIns="62367" rtlCol="0" anchor="ctr"/>
+          <a:lstStyle/>
+          <a:p>
+            <a:pPr algn="ctr"/>
+            <a:r>
+              <a:rPr lang="ru-RU" sz="700" dirty="0"/>
+              <a:t>Торговля китайскими рабочими</a:t>
+            </a:r>
+            <a:endParaRPr lang="ru-RU" sz="100" dirty="0"/>
+          </a:p>
+        </p:txBody>
+      </p:sp>
+      <p:sp>
+        <p:nvSpPr>
+          <p:cNvPr id="189" name="Прямоугольник 188"/>
+          <p:cNvSpPr/>
+          <p:nvPr/>
+        </p:nvSpPr>
+        <p:spPr>
+          <a:xfrm>
+            <a:off x="10032488" y="15526703"/>
+            <a:ext cx="926325" cy="540000"/>
+          </a:xfrm>
+          <a:prstGeom prst="rect">
+            <a:avLst/>
+          </a:prstGeom>
+          <a:ln w="19050">
+            <a:solidFill>
+              <a:srgbClr val="00B050"/>
+            </a:solidFill>
+          </a:ln>
+        </p:spPr>
+        <p:style>
+          <a:lnRef idx="2">
+            <a:schemeClr val="accent1"/>
+          </a:lnRef>
+          <a:fillRef idx="1">
+            <a:schemeClr val="lt1"/>
+          </a:fillRef>
+          <a:effectRef idx="0">
+            <a:schemeClr val="accent1"/>
+          </a:effectRef>
+          <a:fontRef idx="minor">
+            <a:schemeClr val="dk1"/>
+          </a:fontRef>
+        </p:style>
+        <p:txBody>
+          <a:bodyPr lIns="124733" tIns="62367" rIns="124733" bIns="62367" rtlCol="0" anchor="ctr"/>
+          <a:lstStyle/>
+          <a:p>
+            <a:pPr algn="ctr"/>
+            <a:r>
+              <a:rPr lang="ru-RU" sz="700" dirty="0"/>
+              <a:t>Торговля китайским опиумом</a:t>
+            </a:r>
+          </a:p>
+        </p:txBody>
+      </p:sp>
+      <p:sp>
+        <p:nvSpPr>
+          <p:cNvPr id="190" name="Прямоугольник 189"/>
+          <p:cNvSpPr/>
+          <p:nvPr/>
+        </p:nvSpPr>
+        <p:spPr>
+          <a:xfrm>
+            <a:off x="8958119" y="15527199"/>
+            <a:ext cx="926325" cy="540000"/>
+          </a:xfrm>
+          <a:prstGeom prst="rect">
+            <a:avLst/>
+          </a:prstGeom>
+          <a:ln w="19050">
+            <a:solidFill>
+              <a:srgbClr val="00B050"/>
+            </a:solidFill>
+          </a:ln>
+        </p:spPr>
+        <p:style>
+          <a:lnRef idx="2">
+            <a:schemeClr val="accent1"/>
+          </a:lnRef>
+          <a:fillRef idx="1">
+            <a:schemeClr val="lt1"/>
+          </a:fillRef>
+          <a:effectRef idx="0">
+            <a:schemeClr val="accent1"/>
+          </a:effectRef>
+          <a:fontRef idx="minor">
+            <a:schemeClr val="dk1"/>
+          </a:fontRef>
+        </p:style>
+        <p:txBody>
+          <a:bodyPr lIns="124733" tIns="62367" rIns="124733" bIns="62367" rtlCol="0" anchor="ctr"/>
+          <a:lstStyle/>
+          <a:p>
+            <a:pPr algn="ctr"/>
+            <a:r>
+              <a:rPr lang="ru-RU" sz="700" dirty="0"/>
+              <a:t>Запретить торговлю опиумом</a:t>
+            </a:r>
+          </a:p>
+        </p:txBody>
+      </p:sp>
+      <p:sp>
+        <p:nvSpPr>
+          <p:cNvPr id="191" name="Прямоугольник 190"/>
+          <p:cNvSpPr/>
+          <p:nvPr/>
+        </p:nvSpPr>
+        <p:spPr>
+          <a:xfrm>
+            <a:off x="6865306" y="15526701"/>
+            <a:ext cx="926325" cy="540000"/>
+          </a:xfrm>
+          <a:prstGeom prst="rect">
+            <a:avLst/>
+          </a:prstGeom>
+          <a:ln w="19050"/>
+        </p:spPr>
+        <p:style>
+          <a:lnRef idx="2">
+            <a:schemeClr val="accent1"/>
+          </a:lnRef>
+          <a:fillRef idx="1">
+            <a:schemeClr val="lt1"/>
+          </a:fillRef>
+          <a:effectRef idx="0">
+            <a:schemeClr val="accent1"/>
+          </a:effectRef>
+          <a:fontRef idx="minor">
+            <a:schemeClr val="dk1"/>
+          </a:fontRef>
+        </p:style>
+        <p:txBody>
+          <a:bodyPr lIns="124733" tIns="62367" rIns="124733" bIns="62367" rtlCol="0" anchor="ctr"/>
+          <a:lstStyle/>
+          <a:p>
+            <a:pPr algn="ctr"/>
+            <a:r>
+              <a:rPr lang="ru-RU" sz="700" dirty="0"/>
+              <a:t>Колониальный флот Португалии</a:t>
+            </a:r>
+          </a:p>
+        </p:txBody>
+      </p:sp>
+      <p:sp>
+        <p:nvSpPr>
+          <p:cNvPr id="192" name="Прямоугольник 191"/>
+          <p:cNvSpPr/>
+          <p:nvPr/>
+        </p:nvSpPr>
+        <p:spPr>
+          <a:xfrm>
+            <a:off x="7917746" y="15528272"/>
+            <a:ext cx="926325" cy="540000"/>
+          </a:xfrm>
+          <a:prstGeom prst="rect">
+            <a:avLst/>
+          </a:prstGeom>
+          <a:ln w="19050"/>
+        </p:spPr>
+        <p:style>
+          <a:lnRef idx="2">
+            <a:schemeClr val="accent1"/>
+          </a:lnRef>
+          <a:fillRef idx="1">
+            <a:schemeClr val="lt1"/>
+          </a:fillRef>
+          <a:effectRef idx="0">
+            <a:schemeClr val="accent1"/>
+          </a:effectRef>
+          <a:fontRef idx="minor">
+            <a:schemeClr val="dk1"/>
+          </a:fontRef>
+        </p:style>
+        <p:txBody>
+          <a:bodyPr lIns="124733" tIns="62367" rIns="124733" bIns="62367" rtlCol="0" anchor="ctr"/>
+          <a:lstStyle/>
+          <a:p>
+            <a:pPr algn="ctr"/>
+            <a:r>
+              <a:rPr lang="ru-RU" sz="700" dirty="0"/>
+              <a:t>Оккупация прилегающих островов</a:t>
+            </a:r>
+            <a:endParaRPr lang="ru-RU" sz="100" dirty="0"/>
+          </a:p>
+        </p:txBody>
+      </p:sp>
+      <p:sp>
+        <p:nvSpPr>
+          <p:cNvPr id="195" name="Прямоугольник 194"/>
+          <p:cNvSpPr/>
+          <p:nvPr/>
+        </p:nvSpPr>
+        <p:spPr>
+          <a:xfrm>
+            <a:off x="9495303" y="17894472"/>
+            <a:ext cx="926325" cy="540000"/>
+          </a:xfrm>
+          <a:prstGeom prst="rect">
+            <a:avLst/>
+          </a:prstGeom>
+          <a:ln w="19050"/>
+        </p:spPr>
+        <p:style>
+          <a:lnRef idx="2">
+            <a:schemeClr val="accent1"/>
+          </a:lnRef>
+          <a:fillRef idx="1">
+            <a:schemeClr val="lt1"/>
+          </a:fillRef>
+          <a:effectRef idx="0">
+            <a:schemeClr val="accent1"/>
+          </a:effectRef>
+          <a:fontRef idx="minor">
+            <a:schemeClr val="dk1"/>
+          </a:fontRef>
+        </p:style>
+        <p:txBody>
+          <a:bodyPr lIns="124733" tIns="62367" rIns="124733" bIns="62367" rtlCol="0" anchor="ctr"/>
+          <a:lstStyle/>
+          <a:p>
+            <a:pPr algn="ctr"/>
+            <a:r>
+              <a:rPr lang="ru-RU" sz="700" dirty="0"/>
+              <a:t>Национализация продуктов питания (чтобы отсрочить голод)</a:t>
+            </a:r>
+          </a:p>
+        </p:txBody>
+      </p:sp>
+      <p:sp>
+        <p:nvSpPr>
+          <p:cNvPr id="196" name="Прямоугольник 195"/>
+          <p:cNvSpPr/>
+          <p:nvPr/>
+        </p:nvSpPr>
+        <p:spPr>
+          <a:xfrm>
+            <a:off x="10538422" y="17895063"/>
+            <a:ext cx="926325" cy="540000"/>
+          </a:xfrm>
+          <a:prstGeom prst="rect">
+            <a:avLst/>
+          </a:prstGeom>
+          <a:ln w="19050"/>
+        </p:spPr>
+        <p:style>
+          <a:lnRef idx="2">
+            <a:schemeClr val="accent1"/>
+          </a:lnRef>
+          <a:fillRef idx="1">
+            <a:schemeClr val="lt1"/>
+          </a:fillRef>
+          <a:effectRef idx="0">
+            <a:schemeClr val="accent1"/>
+          </a:effectRef>
+          <a:fontRef idx="minor">
+            <a:schemeClr val="dk1"/>
+          </a:fontRef>
+        </p:style>
+        <p:txBody>
+          <a:bodyPr lIns="124733" tIns="62367" rIns="124733" bIns="62367" rtlCol="0" anchor="ctr"/>
+          <a:lstStyle/>
+          <a:p>
+            <a:pPr algn="ctr"/>
+            <a:r>
+              <a:rPr lang="ru-RU" sz="700" dirty="0"/>
+              <a:t>Отправить помощь из метрополии</a:t>
+            </a:r>
+          </a:p>
+        </p:txBody>
+      </p:sp>
+      <p:cxnSp>
+        <p:nvCxnSpPr>
+          <p:cNvPr id="197" name="Соединительная линия уступом 196"/>
+          <p:cNvCxnSpPr>
+            <a:stCxn id="191" idx="2"/>
+            <a:endCxn id="184" idx="0"/>
           </p:cNvCxnSpPr>
           <p:nvPr/>
         </p:nvCxnSpPr>
         <p:spPr>
           <a:xfrm rot="16200000" flipH="1">
-            <a:off x="7194405" y="12187555"/>
-            <a:ext cx="257897" cy="4139"/>
+            <a:off x="7461081" y="15934089"/>
+            <a:ext cx="265355" cy="530578"/>
           </a:xfrm>
           <a:prstGeom prst="bentConnector3">
             <a:avLst>
@@ -7811,17 +8324,17 @@
       </p:cxnSp>
       <p:cxnSp>
         <p:nvCxnSpPr>
-          <p:cNvPr id="140" name="Соединительная линия уступом 139"/>
-          <p:cNvCxnSpPr>
-            <a:stCxn id="125" idx="2"/>
-            <a:endCxn id="123" idx="0"/>
+          <p:cNvPr id="201" name="Соединительная линия уступом 200"/>
+          <p:cNvCxnSpPr>
+            <a:stCxn id="192" idx="2"/>
+            <a:endCxn id="184" idx="0"/>
           </p:cNvCxnSpPr>
           <p:nvPr/>
         </p:nvCxnSpPr>
         <p:spPr>
           <a:xfrm rot="5400000">
-            <a:off x="6125704" y="11121887"/>
-            <a:ext cx="256791" cy="2134370"/>
+            <a:off x="7988086" y="15939233"/>
+            <a:ext cx="263784" cy="521862"/>
           </a:xfrm>
           <a:prstGeom prst="bentConnector3">
             <a:avLst>
@@ -7849,96 +8362,17 @@
       </p:cxnSp>
       <p:cxnSp>
         <p:nvCxnSpPr>
-          <p:cNvPr id="150" name="Прямая со стрелкой 149"/>
-          <p:cNvCxnSpPr>
-            <a:stCxn id="132" idx="2"/>
-            <a:endCxn id="133" idx="0"/>
-          </p:cNvCxnSpPr>
-          <p:nvPr/>
-        </p:nvCxnSpPr>
-        <p:spPr>
-          <a:xfrm>
-            <a:off x="6285084" y="12864839"/>
-            <a:ext cx="2" cy="217140"/>
-          </a:xfrm>
-          <a:prstGeom prst="straightConnector1">
-            <a:avLst/>
-          </a:prstGeom>
-          <a:ln w="19050">
-            <a:tailEnd type="arrow"/>
-          </a:ln>
-        </p:spPr>
-        <p:style>
-          <a:lnRef idx="1">
-            <a:schemeClr val="accent1"/>
-          </a:lnRef>
-          <a:fillRef idx="0">
-            <a:schemeClr val="accent1"/>
-          </a:fillRef>
-          <a:effectRef idx="0">
-            <a:schemeClr val="accent1"/>
-          </a:effectRef>
-          <a:fontRef idx="minor">
-            <a:schemeClr val="tx1"/>
-          </a:fontRef>
-        </p:style>
-      </p:cxnSp>
-      <p:sp>
-        <p:nvSpPr>
-          <p:cNvPr id="153" name="Прямоугольник 152"/>
-          <p:cNvSpPr/>
-          <p:nvPr/>
-        </p:nvSpPr>
-        <p:spPr>
-          <a:xfrm>
-            <a:off x="48606949" y="34446641"/>
-            <a:ext cx="926325" cy="540000"/>
-          </a:xfrm>
-          <a:prstGeom prst="rect">
-            <a:avLst/>
-          </a:prstGeom>
-          <a:ln w="19050"/>
-        </p:spPr>
-        <p:style>
-          <a:lnRef idx="2">
-            <a:schemeClr val="accent1"/>
-          </a:lnRef>
-          <a:fillRef idx="1">
-            <a:schemeClr val="lt1"/>
-          </a:fillRef>
-          <a:effectRef idx="0">
-            <a:schemeClr val="accent1"/>
-          </a:effectRef>
-          <a:fontRef idx="minor">
-            <a:schemeClr val="dk1"/>
-          </a:fontRef>
-        </p:style>
-        <p:txBody>
-          <a:bodyPr lIns="124733" tIns="62367" rIns="124733" bIns="62367" rtlCol="0" anchor="ctr"/>
-          <a:lstStyle/>
-          <a:p>
-            <a:pPr algn="ctr"/>
-            <a:r>
-              <a:rPr lang="ru-RU" sz="800" dirty="0"/>
-              <a:t>Оккупировать Португальский Тимор</a:t>
-            </a:r>
-            <a:endParaRPr lang="ru-RU" sz="500" dirty="0"/>
-          </a:p>
-        </p:txBody>
-      </p:sp>
-      <p:cxnSp>
-        <p:nvCxnSpPr>
-          <p:cNvPr id="154" name="Соединительная линия уступом 153"/>
-          <p:cNvCxnSpPr>
-            <a:stCxn id="153" idx="2"/>
-            <a:endCxn id="130" idx="0"/>
+          <p:cNvPr id="210" name="Соединительная линия уступом 209"/>
+          <p:cNvCxnSpPr>
+            <a:stCxn id="173" idx="2"/>
+            <a:endCxn id="192" idx="0"/>
           </p:cNvCxnSpPr>
           <p:nvPr/>
         </p:nvCxnSpPr>
         <p:spPr>
           <a:xfrm rot="5400000">
-            <a:off x="48526413" y="34681776"/>
-            <a:ext cx="238834" cy="848564"/>
+            <a:off x="8765474" y="14873562"/>
+            <a:ext cx="270146" cy="1039275"/>
           </a:xfrm>
           <a:prstGeom prst="bentConnector3">
             <a:avLst>
@@ -7966,17 +8400,17 @@
       </p:cxnSp>
       <p:cxnSp>
         <p:nvCxnSpPr>
-          <p:cNvPr id="157" name="Соединительная линия уступом 156"/>
-          <p:cNvCxnSpPr>
-            <a:stCxn id="153" idx="2"/>
-            <a:endCxn id="131" idx="0"/>
+          <p:cNvPr id="213" name="Соединительная линия уступом 212"/>
+          <p:cNvCxnSpPr>
+            <a:stCxn id="173" idx="2"/>
+            <a:endCxn id="190" idx="0"/>
           </p:cNvCxnSpPr>
           <p:nvPr/>
         </p:nvCxnSpPr>
         <p:spPr>
           <a:xfrm rot="16200000" flipH="1">
-            <a:off x="49447955" y="34608797"/>
-            <a:ext cx="238049" cy="993735"/>
+            <a:off x="9286197" y="15392113"/>
+            <a:ext cx="269073" cy="1098"/>
           </a:xfrm>
           <a:prstGeom prst="bentConnector3">
             <a:avLst>
@@ -8004,743 +8438,17 @@
       </p:cxnSp>
       <p:cxnSp>
         <p:nvCxnSpPr>
-          <p:cNvPr id="160" name="Прямая со стрелкой 159"/>
-          <p:cNvCxnSpPr>
-            <a:stCxn id="126" idx="2"/>
-            <a:endCxn id="153" idx="0"/>
-          </p:cNvCxnSpPr>
-          <p:nvPr/>
-        </p:nvCxnSpPr>
-        <p:spPr>
-          <a:xfrm>
-            <a:off x="49070112" y="33840900"/>
-            <a:ext cx="0" cy="605741"/>
-          </a:xfrm>
-          <a:prstGeom prst="straightConnector1">
-            <a:avLst/>
-          </a:prstGeom>
-          <a:ln w="19050">
-            <a:tailEnd type="arrow"/>
-          </a:ln>
-        </p:spPr>
-        <p:style>
-          <a:lnRef idx="1">
-            <a:schemeClr val="accent1"/>
-          </a:lnRef>
-          <a:fillRef idx="0">
-            <a:schemeClr val="accent1"/>
-          </a:fillRef>
-          <a:effectRef idx="0">
-            <a:schemeClr val="accent1"/>
-          </a:effectRef>
-          <a:fontRef idx="minor">
-            <a:schemeClr val="tx1"/>
-          </a:fontRef>
-        </p:style>
-      </p:cxnSp>
-      <p:sp>
-        <p:nvSpPr>
-          <p:cNvPr id="173" name="Прямоугольник 172"/>
-          <p:cNvSpPr/>
-          <p:nvPr/>
-        </p:nvSpPr>
-        <p:spPr>
-          <a:xfrm>
-            <a:off x="8957021" y="14718126"/>
-            <a:ext cx="926325" cy="540000"/>
-          </a:xfrm>
-          <a:prstGeom prst="rect">
-            <a:avLst/>
-          </a:prstGeom>
-          <a:ln w="19050">
-            <a:solidFill>
-              <a:srgbClr val="00B050"/>
-            </a:solidFill>
-          </a:ln>
-        </p:spPr>
-        <p:style>
-          <a:lnRef idx="2">
-            <a:schemeClr val="accent1"/>
-          </a:lnRef>
-          <a:fillRef idx="1">
-            <a:schemeClr val="lt1"/>
-          </a:fillRef>
-          <a:effectRef idx="0">
-            <a:schemeClr val="accent1"/>
-          </a:effectRef>
-          <a:fontRef idx="minor">
-            <a:schemeClr val="dk1"/>
-          </a:fontRef>
-        </p:style>
-        <p:txBody>
-          <a:bodyPr lIns="124733" tIns="62367" rIns="124733" bIns="62367" rtlCol="0" anchor="ctr"/>
-          <a:lstStyle/>
-          <a:p>
-            <a:pPr algn="ctr"/>
-            <a:r>
-              <a:rPr lang="ru-RU" sz="700" dirty="0"/>
-              <a:t>Колониальное управление Макао</a:t>
-            </a:r>
-          </a:p>
-        </p:txBody>
-      </p:sp>
-      <p:sp>
-        <p:nvSpPr>
-          <p:cNvPr id="174" name="Прямоугольник 173"/>
-          <p:cNvSpPr/>
-          <p:nvPr/>
-        </p:nvSpPr>
-        <p:spPr>
-          <a:xfrm>
-            <a:off x="9503317" y="16347003"/>
-            <a:ext cx="926325" cy="540000"/>
-          </a:xfrm>
-          <a:prstGeom prst="rect">
-            <a:avLst/>
-          </a:prstGeom>
-          <a:ln w="19050"/>
-        </p:spPr>
-        <p:style>
-          <a:lnRef idx="2">
-            <a:schemeClr val="accent1"/>
-          </a:lnRef>
-          <a:fillRef idx="1">
-            <a:schemeClr val="lt1"/>
-          </a:fillRef>
-          <a:effectRef idx="0">
-            <a:schemeClr val="accent1"/>
-          </a:effectRef>
-          <a:fontRef idx="minor">
-            <a:schemeClr val="dk1"/>
-          </a:fontRef>
-        </p:style>
-        <p:txBody>
-          <a:bodyPr lIns="124733" tIns="62367" rIns="124733" bIns="62367" rtlCol="0" anchor="ctr"/>
-          <a:lstStyle/>
-          <a:p>
-            <a:pPr algn="ctr"/>
-            <a:r>
-              <a:rPr lang="ru-RU" sz="700" dirty="0"/>
-              <a:t>Красный рынок (1936)</a:t>
-            </a:r>
-          </a:p>
-        </p:txBody>
-      </p:sp>
-      <p:sp>
-        <p:nvSpPr>
-          <p:cNvPr id="175" name="Прямоугольник 174"/>
-          <p:cNvSpPr/>
-          <p:nvPr/>
-        </p:nvSpPr>
-        <p:spPr>
-          <a:xfrm>
-            <a:off x="8444856" y="16347003"/>
-            <a:ext cx="926325" cy="540000"/>
-          </a:xfrm>
-          <a:prstGeom prst="rect">
-            <a:avLst/>
-          </a:prstGeom>
-          <a:ln w="19050"/>
-        </p:spPr>
-        <p:style>
-          <a:lnRef idx="2">
-            <a:schemeClr val="accent1"/>
-          </a:lnRef>
-          <a:fillRef idx="1">
-            <a:schemeClr val="lt1"/>
-          </a:fillRef>
-          <a:effectRef idx="0">
-            <a:schemeClr val="accent1"/>
-          </a:effectRef>
-          <a:fontRef idx="minor">
-            <a:schemeClr val="dk1"/>
-          </a:fontRef>
-        </p:style>
-        <p:txBody>
-          <a:bodyPr lIns="124733" tIns="62367" rIns="124733" bIns="62367" rtlCol="0" anchor="ctr"/>
-          <a:lstStyle/>
-          <a:p>
-            <a:pPr algn="ctr"/>
-            <a:r>
-              <a:rPr lang="ru-RU" sz="700" dirty="0"/>
-              <a:t>Западная линия </a:t>
-            </a:r>
-            <a:r>
-              <a:rPr lang="ru-RU" sz="700" dirty="0" err="1"/>
-              <a:t>Цигуаньского</a:t>
-            </a:r>
-            <a:r>
-              <a:rPr lang="ru-RU" sz="700" dirty="0"/>
-              <a:t> шоссе (1936)</a:t>
-            </a:r>
-          </a:p>
-        </p:txBody>
-      </p:sp>
-      <p:sp>
-        <p:nvSpPr>
-          <p:cNvPr id="176" name="Прямоугольник 175"/>
-          <p:cNvSpPr/>
-          <p:nvPr/>
-        </p:nvSpPr>
-        <p:spPr>
-          <a:xfrm>
-            <a:off x="10547039" y="16347003"/>
-            <a:ext cx="926325" cy="540000"/>
-          </a:xfrm>
-          <a:prstGeom prst="rect">
-            <a:avLst/>
-          </a:prstGeom>
-          <a:ln w="19050"/>
-        </p:spPr>
-        <p:style>
-          <a:lnRef idx="2">
-            <a:schemeClr val="accent1"/>
-          </a:lnRef>
-          <a:fillRef idx="1">
-            <a:schemeClr val="lt1"/>
-          </a:fillRef>
-          <a:effectRef idx="0">
-            <a:schemeClr val="accent1"/>
-          </a:effectRef>
-          <a:fontRef idx="minor">
-            <a:schemeClr val="dk1"/>
-          </a:fontRef>
-        </p:style>
-        <p:txBody>
-          <a:bodyPr lIns="124733" tIns="62367" rIns="124733" bIns="62367" rtlCol="0" anchor="ctr"/>
-          <a:lstStyle/>
-          <a:p>
-            <a:pPr algn="ctr"/>
-            <a:r>
-              <a:rPr lang="ru-RU" sz="700" dirty="0"/>
-              <a:t>Модернизация крепостей под современную войну</a:t>
-            </a:r>
-          </a:p>
-        </p:txBody>
-      </p:sp>
-      <p:sp>
-        <p:nvSpPr>
-          <p:cNvPr id="177" name="Прямоугольник 176"/>
-          <p:cNvSpPr/>
-          <p:nvPr/>
-        </p:nvSpPr>
-        <p:spPr>
-          <a:xfrm>
-            <a:off x="8972810" y="13884843"/>
-            <a:ext cx="926325" cy="540000"/>
-          </a:xfrm>
-          <a:prstGeom prst="rect">
-            <a:avLst/>
-          </a:prstGeom>
-          <a:ln w="19050"/>
-        </p:spPr>
-        <p:style>
-          <a:lnRef idx="2">
-            <a:schemeClr val="accent1"/>
-          </a:lnRef>
-          <a:fillRef idx="1">
-            <a:schemeClr val="lt1"/>
-          </a:fillRef>
-          <a:effectRef idx="0">
-            <a:schemeClr val="accent1"/>
-          </a:effectRef>
-          <a:fontRef idx="minor">
-            <a:schemeClr val="dk1"/>
-          </a:fontRef>
-        </p:style>
-        <p:txBody>
-          <a:bodyPr lIns="124733" tIns="62367" rIns="124733" bIns="62367" rtlCol="0" anchor="ctr"/>
-          <a:lstStyle/>
-          <a:p>
-            <a:pPr algn="ctr"/>
-            <a:r>
-              <a:rPr lang="ru-RU" sz="700" dirty="0"/>
-              <a:t>Призвать </a:t>
-            </a:r>
-            <a:r>
-              <a:rPr lang="ru-RU" sz="700" dirty="0" err="1"/>
-              <a:t>Тиморский</a:t>
-            </a:r>
-            <a:r>
-              <a:rPr lang="ru-RU" sz="700" dirty="0"/>
-              <a:t> гарнизон</a:t>
-            </a:r>
-          </a:p>
-        </p:txBody>
-      </p:sp>
-      <p:sp>
-        <p:nvSpPr>
-          <p:cNvPr id="184" name="Прямоугольник 183"/>
-          <p:cNvSpPr/>
-          <p:nvPr/>
-        </p:nvSpPr>
-        <p:spPr>
-          <a:xfrm>
-            <a:off x="7395884" y="16332056"/>
-            <a:ext cx="926325" cy="540000"/>
-          </a:xfrm>
-          <a:prstGeom prst="rect">
-            <a:avLst/>
-          </a:prstGeom>
-          <a:ln w="19050"/>
-        </p:spPr>
-        <p:style>
-          <a:lnRef idx="2">
-            <a:schemeClr val="accent1"/>
-          </a:lnRef>
-          <a:fillRef idx="1">
-            <a:schemeClr val="lt1"/>
-          </a:fillRef>
-          <a:effectRef idx="0">
-            <a:schemeClr val="accent1"/>
-          </a:effectRef>
-          <a:fontRef idx="minor">
-            <a:schemeClr val="dk1"/>
-          </a:fontRef>
-        </p:style>
-        <p:txBody>
-          <a:bodyPr lIns="124733" tIns="62367" rIns="124733" bIns="62367" rtlCol="0" anchor="ctr"/>
-          <a:lstStyle/>
-          <a:p>
-            <a:pPr algn="ctr"/>
-            <a:r>
-              <a:rPr lang="en-US" sz="800" dirty="0"/>
-              <a:t>NRP</a:t>
-            </a:r>
-            <a:r>
-              <a:rPr lang="ru-RU" sz="800" dirty="0"/>
-              <a:t> «</a:t>
-            </a:r>
-            <a:r>
-              <a:rPr lang="en-US" sz="800" i="1" dirty="0" err="1"/>
-              <a:t>João</a:t>
-            </a:r>
-            <a:r>
-              <a:rPr lang="en-US" sz="800" i="1" dirty="0"/>
-              <a:t> de </a:t>
-            </a:r>
-            <a:r>
-              <a:rPr lang="en-US" sz="800" i="1" dirty="0" err="1"/>
-              <a:t>Lisboa</a:t>
-            </a:r>
-            <a:r>
-              <a:rPr lang="ru-RU" sz="800" i="1" dirty="0"/>
-              <a:t>» (+1эсминец)</a:t>
-            </a:r>
-            <a:endParaRPr lang="ru-RU" sz="700" dirty="0"/>
-          </a:p>
-        </p:txBody>
-      </p:sp>
-      <p:sp>
-        <p:nvSpPr>
-          <p:cNvPr id="185" name="Прямоугольник 184"/>
-          <p:cNvSpPr/>
-          <p:nvPr/>
-        </p:nvSpPr>
-        <p:spPr>
-          <a:xfrm>
-            <a:off x="10027628" y="17146265"/>
-            <a:ext cx="926325" cy="540000"/>
-          </a:xfrm>
-          <a:prstGeom prst="rect">
-            <a:avLst/>
-          </a:prstGeom>
-          <a:ln w="19050"/>
-        </p:spPr>
-        <p:style>
-          <a:lnRef idx="2">
-            <a:schemeClr val="accent1"/>
-          </a:lnRef>
-          <a:fillRef idx="1">
-            <a:schemeClr val="lt1"/>
-          </a:fillRef>
-          <a:effectRef idx="0">
-            <a:schemeClr val="accent1"/>
-          </a:effectRef>
-          <a:fontRef idx="minor">
-            <a:schemeClr val="dk1"/>
-          </a:fontRef>
-        </p:style>
-        <p:txBody>
-          <a:bodyPr lIns="124733" tIns="62367" rIns="124733" bIns="62367" rtlCol="0" anchor="ctr"/>
-          <a:lstStyle/>
-          <a:p>
-            <a:pPr algn="ctr"/>
-            <a:r>
-              <a:rPr lang="ru-RU" sz="800" dirty="0"/>
-              <a:t>Ассоциация помощи бедствиям в четырех кругах</a:t>
-            </a:r>
-            <a:endParaRPr lang="ru-RU" sz="100" dirty="0"/>
-          </a:p>
-        </p:txBody>
-      </p:sp>
-      <p:sp>
-        <p:nvSpPr>
-          <p:cNvPr id="187" name="Прямоугольник 186"/>
-          <p:cNvSpPr/>
-          <p:nvPr/>
-        </p:nvSpPr>
-        <p:spPr>
-          <a:xfrm>
-            <a:off x="8958120" y="17143323"/>
-            <a:ext cx="926325" cy="540000"/>
-          </a:xfrm>
-          <a:prstGeom prst="rect">
-            <a:avLst/>
-          </a:prstGeom>
-          <a:ln w="19050">
-            <a:solidFill>
-              <a:srgbClr val="00B050"/>
-            </a:solidFill>
-          </a:ln>
-        </p:spPr>
-        <p:style>
-          <a:lnRef idx="2">
-            <a:schemeClr val="accent1"/>
-          </a:lnRef>
-          <a:fillRef idx="1">
-            <a:schemeClr val="lt1"/>
-          </a:fillRef>
-          <a:effectRef idx="0">
-            <a:schemeClr val="accent1"/>
-          </a:effectRef>
-          <a:fontRef idx="minor">
-            <a:schemeClr val="dk1"/>
-          </a:fontRef>
-        </p:style>
-        <p:txBody>
-          <a:bodyPr lIns="124733" tIns="62367" rIns="124733" bIns="62367" rtlCol="0" anchor="ctr"/>
-          <a:lstStyle/>
-          <a:p>
-            <a:pPr algn="ctr"/>
-            <a:r>
-              <a:rPr lang="ru-RU" sz="700" dirty="0"/>
-              <a:t>Организовать центр торговли золотом</a:t>
-            </a:r>
-          </a:p>
-        </p:txBody>
-      </p:sp>
-      <p:sp>
-        <p:nvSpPr>
-          <p:cNvPr id="188" name="Прямоугольник 187"/>
-          <p:cNvSpPr/>
-          <p:nvPr/>
-        </p:nvSpPr>
-        <p:spPr>
-          <a:xfrm>
-            <a:off x="7917746" y="17145365"/>
-            <a:ext cx="926325" cy="540000"/>
-          </a:xfrm>
-          <a:prstGeom prst="rect">
-            <a:avLst/>
-          </a:prstGeom>
-          <a:ln w="19050">
-            <a:solidFill>
-              <a:srgbClr val="00B050"/>
-            </a:solidFill>
-          </a:ln>
-        </p:spPr>
-        <p:style>
-          <a:lnRef idx="2">
-            <a:schemeClr val="accent1"/>
-          </a:lnRef>
-          <a:fillRef idx="1">
-            <a:schemeClr val="lt1"/>
-          </a:fillRef>
-          <a:effectRef idx="0">
-            <a:schemeClr val="accent1"/>
-          </a:effectRef>
-          <a:fontRef idx="minor">
-            <a:schemeClr val="dk1"/>
-          </a:fontRef>
-        </p:style>
-        <p:txBody>
-          <a:bodyPr lIns="124733" tIns="62367" rIns="124733" bIns="62367" rtlCol="0" anchor="ctr"/>
-          <a:lstStyle/>
-          <a:p>
-            <a:pPr algn="ctr"/>
-            <a:r>
-              <a:rPr lang="ru-RU" sz="700" dirty="0"/>
-              <a:t>Торговля китайскими рабочими</a:t>
-            </a:r>
-            <a:endParaRPr lang="ru-RU" sz="100" dirty="0"/>
-          </a:p>
-        </p:txBody>
-      </p:sp>
-      <p:sp>
-        <p:nvSpPr>
-          <p:cNvPr id="189" name="Прямоугольник 188"/>
-          <p:cNvSpPr/>
-          <p:nvPr/>
-        </p:nvSpPr>
-        <p:spPr>
-          <a:xfrm>
-            <a:off x="10032488" y="15526703"/>
-            <a:ext cx="926325" cy="540000"/>
-          </a:xfrm>
-          <a:prstGeom prst="rect">
-            <a:avLst/>
-          </a:prstGeom>
-          <a:ln w="19050">
-            <a:solidFill>
-              <a:srgbClr val="00B050"/>
-            </a:solidFill>
-          </a:ln>
-        </p:spPr>
-        <p:style>
-          <a:lnRef idx="2">
-            <a:schemeClr val="accent1"/>
-          </a:lnRef>
-          <a:fillRef idx="1">
-            <a:schemeClr val="lt1"/>
-          </a:fillRef>
-          <a:effectRef idx="0">
-            <a:schemeClr val="accent1"/>
-          </a:effectRef>
-          <a:fontRef idx="minor">
-            <a:schemeClr val="dk1"/>
-          </a:fontRef>
-        </p:style>
-        <p:txBody>
-          <a:bodyPr lIns="124733" tIns="62367" rIns="124733" bIns="62367" rtlCol="0" anchor="ctr"/>
-          <a:lstStyle/>
-          <a:p>
-            <a:pPr algn="ctr"/>
-            <a:r>
-              <a:rPr lang="ru-RU" sz="700" dirty="0"/>
-              <a:t>Торговля китайским опиумом</a:t>
-            </a:r>
-          </a:p>
-        </p:txBody>
-      </p:sp>
-      <p:sp>
-        <p:nvSpPr>
-          <p:cNvPr id="190" name="Прямоугольник 189"/>
-          <p:cNvSpPr/>
-          <p:nvPr/>
-        </p:nvSpPr>
-        <p:spPr>
-          <a:xfrm>
-            <a:off x="8958119" y="15527199"/>
-            <a:ext cx="926325" cy="540000"/>
-          </a:xfrm>
-          <a:prstGeom prst="rect">
-            <a:avLst/>
-          </a:prstGeom>
-          <a:ln w="19050">
-            <a:solidFill>
-              <a:srgbClr val="00B050"/>
-            </a:solidFill>
-          </a:ln>
-        </p:spPr>
-        <p:style>
-          <a:lnRef idx="2">
-            <a:schemeClr val="accent1"/>
-          </a:lnRef>
-          <a:fillRef idx="1">
-            <a:schemeClr val="lt1"/>
-          </a:fillRef>
-          <a:effectRef idx="0">
-            <a:schemeClr val="accent1"/>
-          </a:effectRef>
-          <a:fontRef idx="minor">
-            <a:schemeClr val="dk1"/>
-          </a:fontRef>
-        </p:style>
-        <p:txBody>
-          <a:bodyPr lIns="124733" tIns="62367" rIns="124733" bIns="62367" rtlCol="0" anchor="ctr"/>
-          <a:lstStyle/>
-          <a:p>
-            <a:pPr algn="ctr"/>
-            <a:r>
-              <a:rPr lang="ru-RU" sz="700" dirty="0"/>
-              <a:t>Запретить торговлю опиумом</a:t>
-            </a:r>
-          </a:p>
-        </p:txBody>
-      </p:sp>
-      <p:sp>
-        <p:nvSpPr>
-          <p:cNvPr id="191" name="Прямоугольник 190"/>
-          <p:cNvSpPr/>
-          <p:nvPr/>
-        </p:nvSpPr>
-        <p:spPr>
-          <a:xfrm>
-            <a:off x="6865306" y="15526701"/>
-            <a:ext cx="926325" cy="540000"/>
-          </a:xfrm>
-          <a:prstGeom prst="rect">
-            <a:avLst/>
-          </a:prstGeom>
-          <a:ln w="19050"/>
-        </p:spPr>
-        <p:style>
-          <a:lnRef idx="2">
-            <a:schemeClr val="accent1"/>
-          </a:lnRef>
-          <a:fillRef idx="1">
-            <a:schemeClr val="lt1"/>
-          </a:fillRef>
-          <a:effectRef idx="0">
-            <a:schemeClr val="accent1"/>
-          </a:effectRef>
-          <a:fontRef idx="minor">
-            <a:schemeClr val="dk1"/>
-          </a:fontRef>
-        </p:style>
-        <p:txBody>
-          <a:bodyPr lIns="124733" tIns="62367" rIns="124733" bIns="62367" rtlCol="0" anchor="ctr"/>
-          <a:lstStyle/>
-          <a:p>
-            <a:pPr algn="ctr"/>
-            <a:r>
-              <a:rPr lang="ru-RU" sz="700" dirty="0"/>
-              <a:t>Колониальный флот Португалии</a:t>
-            </a:r>
-          </a:p>
-        </p:txBody>
-      </p:sp>
-      <p:sp>
-        <p:nvSpPr>
-          <p:cNvPr id="192" name="Прямоугольник 191"/>
-          <p:cNvSpPr/>
-          <p:nvPr/>
-        </p:nvSpPr>
-        <p:spPr>
-          <a:xfrm>
-            <a:off x="7917746" y="15528272"/>
-            <a:ext cx="926325" cy="540000"/>
-          </a:xfrm>
-          <a:prstGeom prst="rect">
-            <a:avLst/>
-          </a:prstGeom>
-          <a:ln w="19050"/>
-        </p:spPr>
-        <p:style>
-          <a:lnRef idx="2">
-            <a:schemeClr val="accent1"/>
-          </a:lnRef>
-          <a:fillRef idx="1">
-            <a:schemeClr val="lt1"/>
-          </a:fillRef>
-          <a:effectRef idx="0">
-            <a:schemeClr val="accent1"/>
-          </a:effectRef>
-          <a:fontRef idx="minor">
-            <a:schemeClr val="dk1"/>
-          </a:fontRef>
-        </p:style>
-        <p:txBody>
-          <a:bodyPr lIns="124733" tIns="62367" rIns="124733" bIns="62367" rtlCol="0" anchor="ctr"/>
-          <a:lstStyle/>
-          <a:p>
-            <a:pPr algn="ctr"/>
-            <a:r>
-              <a:rPr lang="ru-RU" sz="700" dirty="0"/>
-              <a:t>Оккупация прилегающих островов</a:t>
-            </a:r>
-            <a:endParaRPr lang="ru-RU" sz="100" dirty="0"/>
-          </a:p>
-        </p:txBody>
-      </p:sp>
-      <p:sp>
-        <p:nvSpPr>
-          <p:cNvPr id="195" name="Прямоугольник 194"/>
-          <p:cNvSpPr/>
-          <p:nvPr/>
-        </p:nvSpPr>
-        <p:spPr>
-          <a:xfrm>
-            <a:off x="9495303" y="17894472"/>
-            <a:ext cx="926325" cy="540000"/>
-          </a:xfrm>
-          <a:prstGeom prst="rect">
-            <a:avLst/>
-          </a:prstGeom>
-          <a:ln w="19050"/>
-        </p:spPr>
-        <p:style>
-          <a:lnRef idx="2">
-            <a:schemeClr val="accent1"/>
-          </a:lnRef>
-          <a:fillRef idx="1">
-            <a:schemeClr val="lt1"/>
-          </a:fillRef>
-          <a:effectRef idx="0">
-            <a:schemeClr val="accent1"/>
-          </a:effectRef>
-          <a:fontRef idx="minor">
-            <a:schemeClr val="dk1"/>
-          </a:fontRef>
-        </p:style>
-        <p:txBody>
-          <a:bodyPr lIns="124733" tIns="62367" rIns="124733" bIns="62367" rtlCol="0" anchor="ctr"/>
-          <a:lstStyle/>
-          <a:p>
-            <a:pPr algn="ctr"/>
-            <a:r>
-              <a:rPr lang="ru-RU" sz="700" dirty="0"/>
-              <a:t>Национализация продуктов питания (чтобы отсрочить голод)</a:t>
-            </a:r>
-          </a:p>
-        </p:txBody>
-      </p:sp>
-      <p:sp>
-        <p:nvSpPr>
-          <p:cNvPr id="196" name="Прямоугольник 195"/>
-          <p:cNvSpPr/>
-          <p:nvPr/>
-        </p:nvSpPr>
-        <p:spPr>
-          <a:xfrm>
-            <a:off x="10538422" y="17895063"/>
-            <a:ext cx="926325" cy="540000"/>
-          </a:xfrm>
-          <a:prstGeom prst="rect">
-            <a:avLst/>
-          </a:prstGeom>
-          <a:ln w="19050"/>
-        </p:spPr>
-        <p:style>
-          <a:lnRef idx="2">
-            <a:schemeClr val="accent1"/>
-          </a:lnRef>
-          <a:fillRef idx="1">
-            <a:schemeClr val="lt1"/>
-          </a:fillRef>
-          <a:effectRef idx="0">
-            <a:schemeClr val="accent1"/>
-          </a:effectRef>
-          <a:fontRef idx="minor">
-            <a:schemeClr val="dk1"/>
-          </a:fontRef>
-        </p:style>
-        <p:txBody>
-          <a:bodyPr lIns="124733" tIns="62367" rIns="124733" bIns="62367" rtlCol="0" anchor="ctr"/>
-          <a:lstStyle/>
-          <a:p>
-            <a:pPr algn="ctr"/>
-            <a:r>
-              <a:rPr lang="ru-RU" sz="700" dirty="0"/>
-              <a:t>Отправить помощь из метрополии</a:t>
-            </a:r>
-          </a:p>
-        </p:txBody>
-      </p:sp>
-      <p:cxnSp>
-        <p:nvCxnSpPr>
-          <p:cNvPr id="197" name="Соединительная линия уступом 196"/>
-          <p:cNvCxnSpPr>
-            <a:stCxn id="191" idx="2"/>
-            <a:endCxn id="184" idx="0"/>
+          <p:cNvPr id="214" name="Соединительная линия уступом 213"/>
+          <p:cNvCxnSpPr>
+            <a:stCxn id="173" idx="2"/>
+            <a:endCxn id="189" idx="0"/>
           </p:cNvCxnSpPr>
           <p:nvPr/>
         </p:nvCxnSpPr>
         <p:spPr>
           <a:xfrm rot="16200000" flipH="1">
-            <a:off x="7461081" y="15934089"/>
-            <a:ext cx="265355" cy="530578"/>
+            <a:off x="9823629" y="14854680"/>
+            <a:ext cx="268577" cy="1075467"/>
           </a:xfrm>
           <a:prstGeom prst="bentConnector3">
             <a:avLst>
@@ -8768,17 +8476,17 @@
       </p:cxnSp>
       <p:cxnSp>
         <p:nvCxnSpPr>
-          <p:cNvPr id="201" name="Соединительная линия уступом 200"/>
-          <p:cNvCxnSpPr>
-            <a:stCxn id="192" idx="2"/>
-            <a:endCxn id="184" idx="0"/>
+          <p:cNvPr id="215" name="Соединительная линия уступом 214"/>
+          <p:cNvCxnSpPr>
+            <a:stCxn id="175" idx="2"/>
+            <a:endCxn id="188" idx="0"/>
           </p:cNvCxnSpPr>
           <p:nvPr/>
         </p:nvCxnSpPr>
         <p:spPr>
           <a:xfrm rot="5400000">
-            <a:off x="7988086" y="15939233"/>
-            <a:ext cx="263784" cy="521862"/>
+            <a:off x="8515283" y="16752629"/>
+            <a:ext cx="258362" cy="527110"/>
           </a:xfrm>
           <a:prstGeom prst="bentConnector3">
             <a:avLst>
@@ -8806,17 +8514,17 @@
       </p:cxnSp>
       <p:cxnSp>
         <p:nvCxnSpPr>
-          <p:cNvPr id="210" name="Соединительная линия уступом 209"/>
-          <p:cNvCxnSpPr>
-            <a:stCxn id="173" idx="2"/>
-            <a:endCxn id="192" idx="0"/>
-          </p:cNvCxnSpPr>
-          <p:nvPr/>
-        </p:nvCxnSpPr>
-        <p:spPr>
-          <a:xfrm rot="5400000">
-            <a:off x="8765474" y="14873562"/>
-            <a:ext cx="270146" cy="1039275"/>
+          <p:cNvPr id="216" name="Соединительная линия уступом 215"/>
+          <p:cNvCxnSpPr>
+            <a:stCxn id="175" idx="2"/>
+            <a:endCxn id="187" idx="0"/>
+          </p:cNvCxnSpPr>
+          <p:nvPr/>
+        </p:nvCxnSpPr>
+        <p:spPr>
+          <a:xfrm rot="16200000" flipH="1">
+            <a:off x="9036491" y="16758531"/>
+            <a:ext cx="256320" cy="513264"/>
           </a:xfrm>
           <a:prstGeom prst="bentConnector3">
             <a:avLst>
@@ -8844,17 +8552,17 @@
       </p:cxnSp>
       <p:cxnSp>
         <p:nvCxnSpPr>
-          <p:cNvPr id="213" name="Соединительная линия уступом 212"/>
-          <p:cNvCxnSpPr>
-            <a:stCxn id="173" idx="2"/>
-            <a:endCxn id="190" idx="0"/>
-          </p:cNvCxnSpPr>
-          <p:nvPr/>
-        </p:nvCxnSpPr>
-        <p:spPr>
-          <a:xfrm rot="16200000" flipH="1">
-            <a:off x="9286197" y="15392113"/>
-            <a:ext cx="269073" cy="1098"/>
+          <p:cNvPr id="220" name="Соединительная линия уступом 219"/>
+          <p:cNvCxnSpPr>
+            <a:stCxn id="174" idx="2"/>
+            <a:endCxn id="187" idx="0"/>
+          </p:cNvCxnSpPr>
+          <p:nvPr/>
+        </p:nvCxnSpPr>
+        <p:spPr>
+          <a:xfrm rot="5400000">
+            <a:off x="9565722" y="16742565"/>
+            <a:ext cx="256320" cy="545197"/>
           </a:xfrm>
           <a:prstGeom prst="bentConnector3">
             <a:avLst>
@@ -8882,17 +8590,17 @@
       </p:cxnSp>
       <p:cxnSp>
         <p:nvCxnSpPr>
-          <p:cNvPr id="214" name="Соединительная линия уступом 213"/>
-          <p:cNvCxnSpPr>
-            <a:stCxn id="173" idx="2"/>
-            <a:endCxn id="189" idx="0"/>
+          <p:cNvPr id="221" name="Соединительная линия уступом 220"/>
+          <p:cNvCxnSpPr>
+            <a:stCxn id="174" idx="2"/>
+            <a:endCxn id="185" idx="0"/>
           </p:cNvCxnSpPr>
           <p:nvPr/>
         </p:nvCxnSpPr>
         <p:spPr>
           <a:xfrm rot="16200000" flipH="1">
-            <a:off x="9823629" y="14854680"/>
-            <a:ext cx="268577" cy="1075467"/>
+            <a:off x="10099004" y="16754478"/>
+            <a:ext cx="259262" cy="524311"/>
           </a:xfrm>
           <a:prstGeom prst="bentConnector3">
             <a:avLst>
@@ -8920,17 +8628,17 @@
       </p:cxnSp>
       <p:cxnSp>
         <p:nvCxnSpPr>
-          <p:cNvPr id="215" name="Соединительная линия уступом 214"/>
-          <p:cNvCxnSpPr>
-            <a:stCxn id="175" idx="2"/>
-            <a:endCxn id="188" idx="0"/>
+          <p:cNvPr id="258" name="Соединительная линия уступом 257"/>
+          <p:cNvCxnSpPr>
+            <a:stCxn id="190" idx="2"/>
+            <a:endCxn id="175" idx="0"/>
           </p:cNvCxnSpPr>
           <p:nvPr/>
         </p:nvCxnSpPr>
         <p:spPr>
           <a:xfrm rot="5400000">
-            <a:off x="8515283" y="16752629"/>
-            <a:ext cx="258362" cy="527110"/>
+            <a:off x="9024749" y="15950470"/>
+            <a:ext cx="279804" cy="513263"/>
           </a:xfrm>
           <a:prstGeom prst="bentConnector3">
             <a:avLst>
@@ -8938,37 +8646,38 @@
             </a:avLst>
           </a:prstGeom>
           <a:ln w="19050">
-            <a:tailEnd type="arrow"/>
-          </a:ln>
-        </p:spPr>
-        <p:style>
-          <a:lnRef idx="1">
-            <a:schemeClr val="accent1"/>
-          </a:lnRef>
-          <a:fillRef idx="0">
-            <a:schemeClr val="accent1"/>
-          </a:fillRef>
-          <a:effectRef idx="0">
-            <a:schemeClr val="accent1"/>
-          </a:effectRef>
-          <a:fontRef idx="minor">
-            <a:schemeClr val="tx1"/>
-          </a:fontRef>
-        </p:style>
-      </p:cxnSp>
-      <p:cxnSp>
-        <p:nvCxnSpPr>
-          <p:cNvPr id="216" name="Соединительная линия уступом 215"/>
-          <p:cNvCxnSpPr>
-            <a:stCxn id="175" idx="2"/>
-            <a:endCxn id="187" idx="0"/>
-          </p:cNvCxnSpPr>
-          <p:nvPr/>
-        </p:nvCxnSpPr>
-        <p:spPr>
-          <a:xfrm rot="16200000" flipH="1">
-            <a:off x="9036491" y="16758531"/>
-            <a:ext cx="256320" cy="513264"/>
+            <a:prstDash val="dash"/>
+            <a:tailEnd type="arrow"/>
+          </a:ln>
+        </p:spPr>
+        <p:style>
+          <a:lnRef idx="1">
+            <a:schemeClr val="accent1"/>
+          </a:lnRef>
+          <a:fillRef idx="0">
+            <a:schemeClr val="accent1"/>
+          </a:fillRef>
+          <a:effectRef idx="0">
+            <a:schemeClr val="accent1"/>
+          </a:effectRef>
+          <a:fontRef idx="minor">
+            <a:schemeClr val="tx1"/>
+          </a:fontRef>
+        </p:style>
+      </p:cxnSp>
+      <p:cxnSp>
+        <p:nvCxnSpPr>
+          <p:cNvPr id="260" name="Соединительная линия уступом 259"/>
+          <p:cNvCxnSpPr>
+            <a:stCxn id="189" idx="2"/>
+            <a:endCxn id="174" idx="0"/>
+          </p:cNvCxnSpPr>
+          <p:nvPr/>
+        </p:nvCxnSpPr>
+        <p:spPr>
+          <a:xfrm rot="5400000">
+            <a:off x="10090916" y="15942268"/>
+            <a:ext cx="280300" cy="529171"/>
           </a:xfrm>
           <a:prstGeom prst="bentConnector3">
             <a:avLst>
@@ -8976,37 +8685,38 @@
             </a:avLst>
           </a:prstGeom>
           <a:ln w="19050">
-            <a:tailEnd type="arrow"/>
-          </a:ln>
-        </p:spPr>
-        <p:style>
-          <a:lnRef idx="1">
-            <a:schemeClr val="accent1"/>
-          </a:lnRef>
-          <a:fillRef idx="0">
-            <a:schemeClr val="accent1"/>
-          </a:fillRef>
-          <a:effectRef idx="0">
-            <a:schemeClr val="accent1"/>
-          </a:effectRef>
-          <a:fontRef idx="minor">
-            <a:schemeClr val="tx1"/>
-          </a:fontRef>
-        </p:style>
-      </p:cxnSp>
-      <p:cxnSp>
-        <p:nvCxnSpPr>
-          <p:cNvPr id="220" name="Соединительная линия уступом 219"/>
-          <p:cNvCxnSpPr>
-            <a:stCxn id="174" idx="2"/>
-            <a:endCxn id="187" idx="0"/>
-          </p:cNvCxnSpPr>
-          <p:nvPr/>
-        </p:nvCxnSpPr>
-        <p:spPr>
-          <a:xfrm rot="5400000">
-            <a:off x="9565722" y="16742565"/>
-            <a:ext cx="256320" cy="545197"/>
+            <a:prstDash val="dash"/>
+            <a:tailEnd type="arrow"/>
+          </a:ln>
+        </p:spPr>
+        <p:style>
+          <a:lnRef idx="1">
+            <a:schemeClr val="accent1"/>
+          </a:lnRef>
+          <a:fillRef idx="0">
+            <a:schemeClr val="accent1"/>
+          </a:fillRef>
+          <a:effectRef idx="0">
+            <a:schemeClr val="accent1"/>
+          </a:effectRef>
+          <a:fontRef idx="minor">
+            <a:schemeClr val="tx1"/>
+          </a:fontRef>
+        </p:style>
+      </p:cxnSp>
+      <p:cxnSp>
+        <p:nvCxnSpPr>
+          <p:cNvPr id="261" name="Соединительная линия уступом 260"/>
+          <p:cNvCxnSpPr>
+            <a:stCxn id="190" idx="2"/>
+            <a:endCxn id="174" idx="0"/>
+          </p:cNvCxnSpPr>
+          <p:nvPr/>
+        </p:nvCxnSpPr>
+        <p:spPr>
+          <a:xfrm rot="16200000" flipH="1">
+            <a:off x="9553979" y="15934502"/>
+            <a:ext cx="279804" cy="545198"/>
           </a:xfrm>
           <a:prstGeom prst="bentConnector3">
             <a:avLst>
@@ -9014,37 +8724,38 @@
             </a:avLst>
           </a:prstGeom>
           <a:ln w="19050">
-            <a:tailEnd type="arrow"/>
-          </a:ln>
-        </p:spPr>
-        <p:style>
-          <a:lnRef idx="1">
-            <a:schemeClr val="accent1"/>
-          </a:lnRef>
-          <a:fillRef idx="0">
-            <a:schemeClr val="accent1"/>
-          </a:fillRef>
-          <a:effectRef idx="0">
-            <a:schemeClr val="accent1"/>
-          </a:effectRef>
-          <a:fontRef idx="minor">
-            <a:schemeClr val="tx1"/>
-          </a:fontRef>
-        </p:style>
-      </p:cxnSp>
-      <p:cxnSp>
-        <p:nvCxnSpPr>
-          <p:cNvPr id="221" name="Соединительная линия уступом 220"/>
-          <p:cNvCxnSpPr>
-            <a:stCxn id="174" idx="2"/>
-            <a:endCxn id="185" idx="0"/>
+            <a:prstDash val="dash"/>
+            <a:tailEnd type="arrow"/>
+          </a:ln>
+        </p:spPr>
+        <p:style>
+          <a:lnRef idx="1">
+            <a:schemeClr val="accent1"/>
+          </a:lnRef>
+          <a:fillRef idx="0">
+            <a:schemeClr val="accent1"/>
+          </a:fillRef>
+          <a:effectRef idx="0">
+            <a:schemeClr val="accent1"/>
+          </a:effectRef>
+          <a:fontRef idx="minor">
+            <a:schemeClr val="tx1"/>
+          </a:fontRef>
+        </p:style>
+      </p:cxnSp>
+      <p:cxnSp>
+        <p:nvCxnSpPr>
+          <p:cNvPr id="267" name="Соединительная линия уступом 266"/>
+          <p:cNvCxnSpPr>
+            <a:stCxn id="190" idx="2"/>
+            <a:endCxn id="176" idx="0"/>
           </p:cNvCxnSpPr>
           <p:nvPr/>
         </p:nvCxnSpPr>
         <p:spPr>
           <a:xfrm rot="16200000" flipH="1">
-            <a:off x="10099004" y="16754478"/>
-            <a:ext cx="259262" cy="524311"/>
+            <a:off x="10075840" y="15412641"/>
+            <a:ext cx="279804" cy="1588920"/>
           </a:xfrm>
           <a:prstGeom prst="bentConnector3">
             <a:avLst>
@@ -9052,37 +8763,38 @@
             </a:avLst>
           </a:prstGeom>
           <a:ln w="19050">
-            <a:tailEnd type="arrow"/>
-          </a:ln>
-        </p:spPr>
-        <p:style>
-          <a:lnRef idx="1">
-            <a:schemeClr val="accent1"/>
-          </a:lnRef>
-          <a:fillRef idx="0">
-            <a:schemeClr val="accent1"/>
-          </a:fillRef>
-          <a:effectRef idx="0">
-            <a:schemeClr val="accent1"/>
-          </a:effectRef>
-          <a:fontRef idx="minor">
-            <a:schemeClr val="tx1"/>
-          </a:fontRef>
-        </p:style>
-      </p:cxnSp>
-      <p:cxnSp>
-        <p:nvCxnSpPr>
-          <p:cNvPr id="258" name="Соединительная линия уступом 257"/>
-          <p:cNvCxnSpPr>
-            <a:stCxn id="190" idx="2"/>
-            <a:endCxn id="175" idx="0"/>
-          </p:cNvCxnSpPr>
-          <p:nvPr/>
-        </p:nvCxnSpPr>
-        <p:spPr>
-          <a:xfrm rot="5400000">
-            <a:off x="9024749" y="15950470"/>
-            <a:ext cx="279804" cy="513263"/>
+            <a:prstDash val="dash"/>
+            <a:tailEnd type="arrow"/>
+          </a:ln>
+        </p:spPr>
+        <p:style>
+          <a:lnRef idx="1">
+            <a:schemeClr val="accent1"/>
+          </a:lnRef>
+          <a:fillRef idx="0">
+            <a:schemeClr val="accent1"/>
+          </a:fillRef>
+          <a:effectRef idx="0">
+            <a:schemeClr val="accent1"/>
+          </a:effectRef>
+          <a:fontRef idx="minor">
+            <a:schemeClr val="tx1"/>
+          </a:fontRef>
+        </p:style>
+      </p:cxnSp>
+      <p:cxnSp>
+        <p:nvCxnSpPr>
+          <p:cNvPr id="271" name="Соединительная линия уступом 270"/>
+          <p:cNvCxnSpPr>
+            <a:stCxn id="189" idx="2"/>
+            <a:endCxn id="176" idx="0"/>
+          </p:cNvCxnSpPr>
+          <p:nvPr/>
+        </p:nvCxnSpPr>
+        <p:spPr>
+          <a:xfrm rot="16200000" flipH="1">
+            <a:off x="10612776" y="15949577"/>
+            <a:ext cx="280300" cy="514551"/>
           </a:xfrm>
           <a:prstGeom prst="bentConnector3">
             <a:avLst>
@@ -9111,17 +8823,17 @@
       </p:cxnSp>
       <p:cxnSp>
         <p:nvCxnSpPr>
-          <p:cNvPr id="260" name="Соединительная линия уступом 259"/>
+          <p:cNvPr id="275" name="Соединительная линия уступом 274"/>
           <p:cNvCxnSpPr>
             <a:stCxn id="189" idx="2"/>
-            <a:endCxn id="174" idx="0"/>
+            <a:endCxn id="175" idx="0"/>
           </p:cNvCxnSpPr>
           <p:nvPr/>
         </p:nvCxnSpPr>
         <p:spPr>
           <a:xfrm rot="5400000">
-            <a:off x="10090916" y="15942268"/>
-            <a:ext cx="280300" cy="529171"/>
+            <a:off x="9561685" y="15413037"/>
+            <a:ext cx="280300" cy="1587632"/>
           </a:xfrm>
           <a:prstGeom prst="bentConnector3">
             <a:avLst>
@@ -9150,17 +8862,93 @@
       </p:cxnSp>
       <p:cxnSp>
         <p:nvCxnSpPr>
-          <p:cNvPr id="261" name="Соединительная линия уступом 260"/>
-          <p:cNvCxnSpPr>
-            <a:stCxn id="190" idx="2"/>
-            <a:endCxn id="174" idx="0"/>
+          <p:cNvPr id="284" name="Прямая соединительная линия 283"/>
+          <p:cNvCxnSpPr>
+            <a:stCxn id="190" idx="3"/>
+            <a:endCxn id="189" idx="1"/>
+          </p:cNvCxnSpPr>
+          <p:nvPr/>
+        </p:nvCxnSpPr>
+        <p:spPr>
+          <a:xfrm flipV="1">
+            <a:off x="9884444" y="15796703"/>
+            <a:ext cx="148044" cy="496"/>
+          </a:xfrm>
+          <a:prstGeom prst="line">
+            <a:avLst/>
+          </a:prstGeom>
+          <a:ln w="19050">
+            <a:solidFill>
+              <a:srgbClr val="FF0000"/>
+            </a:solidFill>
+          </a:ln>
+        </p:spPr>
+        <p:style>
+          <a:lnRef idx="1">
+            <a:schemeClr val="accent1"/>
+          </a:lnRef>
+          <a:fillRef idx="0">
+            <a:schemeClr val="accent1"/>
+          </a:fillRef>
+          <a:effectRef idx="0">
+            <a:schemeClr val="accent1"/>
+          </a:effectRef>
+          <a:fontRef idx="minor">
+            <a:schemeClr val="tx1"/>
+          </a:fontRef>
+        </p:style>
+      </p:cxnSp>
+      <p:cxnSp>
+        <p:nvCxnSpPr>
+          <p:cNvPr id="285" name="Прямая соединительная линия 284"/>
+          <p:cNvCxnSpPr>
+            <a:stCxn id="195" idx="3"/>
+            <a:endCxn id="196" idx="1"/>
+          </p:cNvCxnSpPr>
+          <p:nvPr/>
+        </p:nvCxnSpPr>
+        <p:spPr>
+          <a:xfrm>
+            <a:off x="10421628" y="18164472"/>
+            <a:ext cx="116794" cy="591"/>
+          </a:xfrm>
+          <a:prstGeom prst="line">
+            <a:avLst/>
+          </a:prstGeom>
+          <a:ln w="19050">
+            <a:solidFill>
+              <a:srgbClr val="FF0000"/>
+            </a:solidFill>
+          </a:ln>
+        </p:spPr>
+        <p:style>
+          <a:lnRef idx="1">
+            <a:schemeClr val="accent1"/>
+          </a:lnRef>
+          <a:fillRef idx="0">
+            <a:schemeClr val="accent1"/>
+          </a:fillRef>
+          <a:effectRef idx="0">
+            <a:schemeClr val="accent1"/>
+          </a:effectRef>
+          <a:fontRef idx="minor">
+            <a:schemeClr val="tx1"/>
+          </a:fontRef>
+        </p:style>
+      </p:cxnSp>
+      <p:cxnSp>
+        <p:nvCxnSpPr>
+          <p:cNvPr id="288" name="Соединительная линия уступом 287"/>
+          <p:cNvCxnSpPr>
+            <a:stCxn id="185" idx="2"/>
+            <a:endCxn id="196" idx="0"/>
           </p:cNvCxnSpPr>
           <p:nvPr/>
         </p:nvCxnSpPr>
         <p:spPr>
           <a:xfrm rot="16200000" flipH="1">
-            <a:off x="9553979" y="15934502"/>
-            <a:ext cx="279804" cy="545198"/>
+            <a:off x="10641789" y="17535267"/>
+            <a:ext cx="208798" cy="510794"/>
           </a:xfrm>
           <a:prstGeom prst="bentConnector3">
             <a:avLst>
@@ -9189,17 +8977,17 @@
       </p:cxnSp>
       <p:cxnSp>
         <p:nvCxnSpPr>
-          <p:cNvPr id="267" name="Соединительная линия уступом 266"/>
-          <p:cNvCxnSpPr>
-            <a:stCxn id="190" idx="2"/>
-            <a:endCxn id="176" idx="0"/>
-          </p:cNvCxnSpPr>
-          <p:nvPr/>
-        </p:nvCxnSpPr>
-        <p:spPr>
-          <a:xfrm rot="16200000" flipH="1">
-            <a:off x="10075840" y="15412641"/>
-            <a:ext cx="279804" cy="1588920"/>
+          <p:cNvPr id="290" name="Соединительная линия уступом 289"/>
+          <p:cNvCxnSpPr>
+            <a:stCxn id="185" idx="2"/>
+            <a:endCxn id="195" idx="0"/>
+          </p:cNvCxnSpPr>
+          <p:nvPr/>
+        </p:nvCxnSpPr>
+        <p:spPr>
+          <a:xfrm rot="5400000">
+            <a:off x="10120526" y="17524206"/>
+            <a:ext cx="208207" cy="532325"/>
           </a:xfrm>
           <a:prstGeom prst="bentConnector3">
             <a:avLst>
@@ -9226,19 +9014,352 @@
           </a:fontRef>
         </p:style>
       </p:cxnSp>
-      <p:cxnSp>
-        <p:nvCxnSpPr>
-          <p:cNvPr id="271" name="Соединительная линия уступом 270"/>
-          <p:cNvCxnSpPr>
-            <a:stCxn id="189" idx="2"/>
-            <a:endCxn id="176" idx="0"/>
+      <p:sp>
+        <p:nvSpPr>
+          <p:cNvPr id="327" name="Прямоугольник 326"/>
+          <p:cNvSpPr/>
+          <p:nvPr/>
+        </p:nvSpPr>
+        <p:spPr>
+          <a:xfrm>
+            <a:off x="2620974" y="13074935"/>
+            <a:ext cx="926325" cy="540000"/>
+          </a:xfrm>
+          <a:prstGeom prst="rect">
+            <a:avLst/>
+          </a:prstGeom>
+          <a:ln w="19050"/>
+        </p:spPr>
+        <p:style>
+          <a:lnRef idx="2">
+            <a:schemeClr val="accent1"/>
+          </a:lnRef>
+          <a:fillRef idx="1">
+            <a:schemeClr val="lt1"/>
+          </a:fillRef>
+          <a:effectRef idx="0">
+            <a:schemeClr val="accent1"/>
+          </a:effectRef>
+          <a:fontRef idx="minor">
+            <a:schemeClr val="dk1"/>
+          </a:fontRef>
+        </p:style>
+        <p:txBody>
+          <a:bodyPr lIns="124733" tIns="62367" rIns="124733" bIns="62367" rtlCol="0" anchor="ctr"/>
+          <a:lstStyle/>
+          <a:p>
+            <a:pPr algn="ctr"/>
+            <a:r>
+              <a:rPr lang="ru-RU" sz="700" dirty="0"/>
+              <a:t>Интеграция традиционных властей</a:t>
+            </a:r>
+          </a:p>
+        </p:txBody>
+      </p:sp>
+      <p:sp>
+        <p:nvSpPr>
+          <p:cNvPr id="329" name="Прямоугольник 328"/>
+          <p:cNvSpPr/>
+          <p:nvPr/>
+        </p:nvSpPr>
+        <p:spPr>
+          <a:xfrm>
+            <a:off x="2620737" y="13872662"/>
+            <a:ext cx="926325" cy="540000"/>
+          </a:xfrm>
+          <a:prstGeom prst="rect">
+            <a:avLst/>
+          </a:prstGeom>
+          <a:ln w="19050">
+            <a:solidFill>
+              <a:srgbClr val="00B050"/>
+            </a:solidFill>
+          </a:ln>
+        </p:spPr>
+        <p:style>
+          <a:lnRef idx="2">
+            <a:schemeClr val="accent1"/>
+          </a:lnRef>
+          <a:fillRef idx="1">
+            <a:schemeClr val="lt1"/>
+          </a:fillRef>
+          <a:effectRef idx="0">
+            <a:schemeClr val="accent1"/>
+          </a:effectRef>
+          <a:fontRef idx="minor">
+            <a:schemeClr val="dk1"/>
+          </a:fontRef>
+        </p:style>
+        <p:txBody>
+          <a:bodyPr lIns="124733" tIns="62367" rIns="124733" bIns="62367" rtlCol="0" anchor="ctr"/>
+          <a:lstStyle/>
+          <a:p>
+            <a:pPr algn="ctr"/>
+            <a:r>
+              <a:rPr lang="ru-RU" sz="700" dirty="0"/>
+              <a:t>Провинциальный декрет Португалии № 5.639</a:t>
+            </a:r>
+            <a:endParaRPr lang="ru-RU" sz="100" dirty="0"/>
+          </a:p>
+        </p:txBody>
+      </p:sp>
+      <p:sp>
+        <p:nvSpPr>
+          <p:cNvPr id="330" name="Прямоугольник 329"/>
+          <p:cNvSpPr/>
+          <p:nvPr/>
+        </p:nvSpPr>
+        <p:spPr>
+          <a:xfrm>
+            <a:off x="1555563" y="14725097"/>
+            <a:ext cx="926325" cy="540000"/>
+          </a:xfrm>
+          <a:prstGeom prst="rect">
+            <a:avLst/>
+          </a:prstGeom>
+          <a:ln w="19050"/>
+        </p:spPr>
+        <p:style>
+          <a:lnRef idx="2">
+            <a:schemeClr val="accent1"/>
+          </a:lnRef>
+          <a:fillRef idx="1">
+            <a:schemeClr val="lt1"/>
+          </a:fillRef>
+          <a:effectRef idx="0">
+            <a:schemeClr val="accent1"/>
+          </a:effectRef>
+          <a:fontRef idx="minor">
+            <a:schemeClr val="dk1"/>
+          </a:fontRef>
+        </p:style>
+        <p:txBody>
+          <a:bodyPr lIns="124733" tIns="62367" rIns="124733" bIns="62367" rtlCol="0" anchor="ctr"/>
+          <a:lstStyle/>
+          <a:p>
+            <a:pPr algn="ctr"/>
+            <a:r>
+              <a:rPr lang="ru-RU" sz="800" dirty="0"/>
+              <a:t>Экспорт чая в Метрополию</a:t>
+            </a:r>
+          </a:p>
+        </p:txBody>
+      </p:sp>
+      <p:sp>
+        <p:nvSpPr>
+          <p:cNvPr id="332" name="Прямоугольник 331"/>
+          <p:cNvSpPr/>
+          <p:nvPr/>
+        </p:nvSpPr>
+        <p:spPr>
+          <a:xfrm>
+            <a:off x="1061266" y="15518052"/>
+            <a:ext cx="926325" cy="540000"/>
+          </a:xfrm>
+          <a:prstGeom prst="rect">
+            <a:avLst/>
+          </a:prstGeom>
+          <a:ln w="19050"/>
+        </p:spPr>
+        <p:style>
+          <a:lnRef idx="2">
+            <a:schemeClr val="accent1"/>
+          </a:lnRef>
+          <a:fillRef idx="1">
+            <a:schemeClr val="lt1"/>
+          </a:fillRef>
+          <a:effectRef idx="0">
+            <a:schemeClr val="accent1"/>
+          </a:effectRef>
+          <a:fontRef idx="minor">
+            <a:schemeClr val="dk1"/>
+          </a:fontRef>
+        </p:style>
+        <p:txBody>
+          <a:bodyPr lIns="124733" tIns="62367" rIns="124733" bIns="62367" rtlCol="0" anchor="ctr"/>
+          <a:lstStyle/>
+          <a:p>
+            <a:pPr algn="ctr"/>
+            <a:r>
+              <a:rPr lang="ru-RU" sz="800" dirty="0"/>
+              <a:t>Экспорт кешью в Метрополию</a:t>
+            </a:r>
+          </a:p>
+        </p:txBody>
+      </p:sp>
+      <p:sp>
+        <p:nvSpPr>
+          <p:cNvPr id="333" name="Прямоугольник 332"/>
+          <p:cNvSpPr/>
+          <p:nvPr/>
+        </p:nvSpPr>
+        <p:spPr>
+          <a:xfrm>
+            <a:off x="3679388" y="13872662"/>
+            <a:ext cx="926325" cy="540000"/>
+          </a:xfrm>
+          <a:prstGeom prst="rect">
+            <a:avLst/>
+          </a:prstGeom>
+          <a:ln w="19050"/>
+        </p:spPr>
+        <p:style>
+          <a:lnRef idx="2">
+            <a:schemeClr val="accent1"/>
+          </a:lnRef>
+          <a:fillRef idx="1">
+            <a:schemeClr val="lt1"/>
+          </a:fillRef>
+          <a:effectRef idx="0">
+            <a:schemeClr val="accent1"/>
+          </a:effectRef>
+          <a:fontRef idx="minor">
+            <a:schemeClr val="dk1"/>
+          </a:fontRef>
+        </p:style>
+        <p:txBody>
+          <a:bodyPr lIns="124733" tIns="62367" rIns="124733" bIns="62367" rtlCol="0" anchor="ctr"/>
+          <a:lstStyle/>
+          <a:p>
+            <a:pPr algn="ctr"/>
+            <a:r>
+              <a:rPr lang="ru-RU" sz="800" dirty="0"/>
+              <a:t>Расширить доступ к образованию</a:t>
+            </a:r>
+          </a:p>
+        </p:txBody>
+      </p:sp>
+      <p:sp>
+        <p:nvSpPr>
+          <p:cNvPr id="334" name="Прямоугольник 333"/>
+          <p:cNvSpPr/>
+          <p:nvPr/>
+        </p:nvSpPr>
+        <p:spPr>
+          <a:xfrm>
+            <a:off x="3689078" y="12317504"/>
+            <a:ext cx="926325" cy="540000"/>
+          </a:xfrm>
+          <a:prstGeom prst="rect">
+            <a:avLst/>
+          </a:prstGeom>
+          <a:ln w="19050">
+            <a:solidFill>
+              <a:srgbClr val="00B050"/>
+            </a:solidFill>
+          </a:ln>
+        </p:spPr>
+        <p:style>
+          <a:lnRef idx="2">
+            <a:schemeClr val="accent1"/>
+          </a:lnRef>
+          <a:fillRef idx="1">
+            <a:schemeClr val="lt1"/>
+          </a:fillRef>
+          <a:effectRef idx="0">
+            <a:schemeClr val="accent1"/>
+          </a:effectRef>
+          <a:fontRef idx="minor">
+            <a:schemeClr val="dk1"/>
+          </a:fontRef>
+        </p:style>
+        <p:txBody>
+          <a:bodyPr lIns="124733" tIns="62367" rIns="124733" bIns="62367" rtlCol="0" anchor="ctr"/>
+          <a:lstStyle/>
+          <a:p>
+            <a:pPr algn="ctr"/>
+            <a:r>
+              <a:rPr lang="ru-RU" sz="800" dirty="0"/>
+              <a:t>Модернизация городов Мозамбика</a:t>
+            </a:r>
+          </a:p>
+        </p:txBody>
+      </p:sp>
+      <p:cxnSp>
+        <p:nvCxnSpPr>
+          <p:cNvPr id="335" name="Прямая со стрелкой 334"/>
+          <p:cNvCxnSpPr>
+            <a:stCxn id="327" idx="2"/>
+            <a:endCxn id="329" idx="0"/>
+          </p:cNvCxnSpPr>
+          <p:nvPr/>
+        </p:nvCxnSpPr>
+        <p:spPr>
+          <a:xfrm flipH="1">
+            <a:off x="3083900" y="13614935"/>
+            <a:ext cx="237" cy="257727"/>
+          </a:xfrm>
+          <a:prstGeom prst="straightConnector1">
+            <a:avLst/>
+          </a:prstGeom>
+          <a:ln w="19050">
+            <a:tailEnd type="arrow"/>
+          </a:ln>
+        </p:spPr>
+        <p:style>
+          <a:lnRef idx="1">
+            <a:schemeClr val="accent1"/>
+          </a:lnRef>
+          <a:fillRef idx="0">
+            <a:schemeClr val="accent1"/>
+          </a:fillRef>
+          <a:effectRef idx="0">
+            <a:schemeClr val="accent1"/>
+          </a:effectRef>
+          <a:fontRef idx="minor">
+            <a:schemeClr val="tx1"/>
+          </a:fontRef>
+        </p:style>
+      </p:cxnSp>
+      <p:cxnSp>
+        <p:nvCxnSpPr>
+          <p:cNvPr id="336" name="Прямая со стрелкой 335"/>
+          <p:cNvCxnSpPr>
+            <a:stCxn id="118" idx="2"/>
+            <a:endCxn id="330" idx="0"/>
+          </p:cNvCxnSpPr>
+          <p:nvPr/>
+        </p:nvCxnSpPr>
+        <p:spPr>
+          <a:xfrm flipH="1">
+            <a:off x="2018726" y="14412662"/>
+            <a:ext cx="1801" cy="312435"/>
+          </a:xfrm>
+          <a:prstGeom prst="straightConnector1">
+            <a:avLst/>
+          </a:prstGeom>
+          <a:ln w="19050">
+            <a:tailEnd type="arrow"/>
+          </a:ln>
+        </p:spPr>
+        <p:style>
+          <a:lnRef idx="1">
+            <a:schemeClr val="accent1"/>
+          </a:lnRef>
+          <a:fillRef idx="0">
+            <a:schemeClr val="accent1"/>
+          </a:fillRef>
+          <a:effectRef idx="0">
+            <a:schemeClr val="accent1"/>
+          </a:effectRef>
+          <a:fontRef idx="minor">
+            <a:schemeClr val="tx1"/>
+          </a:fontRef>
+        </p:style>
+      </p:cxnSp>
+      <p:cxnSp>
+        <p:nvCxnSpPr>
+          <p:cNvPr id="343" name="Соединительная линия уступом 342"/>
+          <p:cNvCxnSpPr>
+            <a:stCxn id="118" idx="2"/>
+            <a:endCxn id="120" idx="0"/>
           </p:cNvCxnSpPr>
           <p:nvPr/>
         </p:nvCxnSpPr>
         <p:spPr>
           <a:xfrm rot="16200000" flipH="1">
-            <a:off x="10612776" y="15949577"/>
-            <a:ext cx="280300" cy="514551"/>
+            <a:off x="2408025" y="14025164"/>
+            <a:ext cx="305460" cy="1080456"/>
           </a:xfrm>
           <a:prstGeom prst="bentConnector3">
             <a:avLst>
@@ -9246,38 +9367,360 @@
             </a:avLst>
           </a:prstGeom>
           <a:ln w="19050">
-            <a:prstDash val="dash"/>
-            <a:tailEnd type="arrow"/>
-          </a:ln>
-        </p:spPr>
-        <p:style>
-          <a:lnRef idx="1">
-            <a:schemeClr val="accent1"/>
-          </a:lnRef>
-          <a:fillRef idx="0">
-            <a:schemeClr val="accent1"/>
-          </a:fillRef>
-          <a:effectRef idx="0">
-            <a:schemeClr val="accent1"/>
-          </a:effectRef>
-          <a:fontRef idx="minor">
-            <a:schemeClr val="tx1"/>
-          </a:fontRef>
-        </p:style>
-      </p:cxnSp>
-      <p:cxnSp>
-        <p:nvCxnSpPr>
-          <p:cNvPr id="275" name="Соединительная линия уступом 274"/>
-          <p:cNvCxnSpPr>
-            <a:stCxn id="189" idx="2"/>
-            <a:endCxn id="175" idx="0"/>
+            <a:tailEnd type="arrow"/>
+          </a:ln>
+        </p:spPr>
+        <p:style>
+          <a:lnRef idx="1">
+            <a:schemeClr val="accent1"/>
+          </a:lnRef>
+          <a:fillRef idx="0">
+            <a:schemeClr val="accent1"/>
+          </a:fillRef>
+          <a:effectRef idx="0">
+            <a:schemeClr val="accent1"/>
+          </a:effectRef>
+          <a:fontRef idx="minor">
+            <a:schemeClr val="tx1"/>
+          </a:fontRef>
+        </p:style>
+      </p:cxnSp>
+      <p:cxnSp>
+        <p:nvCxnSpPr>
+          <p:cNvPr id="346" name="Соединительная линия уступом 345"/>
+          <p:cNvCxnSpPr>
+            <a:stCxn id="118" idx="2"/>
+            <a:endCxn id="332" idx="0"/>
           </p:cNvCxnSpPr>
           <p:nvPr/>
         </p:nvCxnSpPr>
         <p:spPr>
           <a:xfrm rot="5400000">
-            <a:off x="9561685" y="15413037"/>
-            <a:ext cx="280300" cy="1587632"/>
+            <a:off x="1219783" y="14717308"/>
+            <a:ext cx="1105390" cy="496098"/>
+          </a:xfrm>
+          <a:prstGeom prst="bentConnector3">
+            <a:avLst>
+              <a:gd name="adj1" fmla="val 13578"/>
+            </a:avLst>
+          </a:prstGeom>
+          <a:ln w="19050">
+            <a:tailEnd type="arrow"/>
+          </a:ln>
+        </p:spPr>
+        <p:style>
+          <a:lnRef idx="1">
+            <a:schemeClr val="accent1"/>
+          </a:lnRef>
+          <a:fillRef idx="0">
+            <a:schemeClr val="accent1"/>
+          </a:fillRef>
+          <a:effectRef idx="0">
+            <a:schemeClr val="accent1"/>
+          </a:effectRef>
+          <a:fontRef idx="minor">
+            <a:schemeClr val="tx1"/>
+          </a:fontRef>
+        </p:style>
+      </p:cxnSp>
+      <p:sp>
+        <p:nvSpPr>
+          <p:cNvPr id="359" name="Прямоугольник 358"/>
+          <p:cNvSpPr/>
+          <p:nvPr/>
+        </p:nvSpPr>
+        <p:spPr>
+          <a:xfrm>
+            <a:off x="3681096" y="13077015"/>
+            <a:ext cx="926325" cy="540000"/>
+          </a:xfrm>
+          <a:prstGeom prst="rect">
+            <a:avLst/>
+          </a:prstGeom>
+          <a:ln w="19050">
+            <a:solidFill>
+              <a:srgbClr val="00B050"/>
+            </a:solidFill>
+          </a:ln>
+        </p:spPr>
+        <p:style>
+          <a:lnRef idx="2">
+            <a:schemeClr val="accent1"/>
+          </a:lnRef>
+          <a:fillRef idx="1">
+            <a:schemeClr val="lt1"/>
+          </a:fillRef>
+          <a:effectRef idx="0">
+            <a:schemeClr val="accent1"/>
+          </a:effectRef>
+          <a:fontRef idx="minor">
+            <a:schemeClr val="dk1"/>
+          </a:fontRef>
+        </p:style>
+        <p:txBody>
+          <a:bodyPr lIns="124733" tIns="62367" rIns="124733" bIns="62367" rtlCol="0" anchor="ctr"/>
+          <a:lstStyle/>
+          <a:p>
+            <a:pPr algn="ctr"/>
+            <a:r>
+              <a:rPr lang="ru-RU" sz="800" dirty="0"/>
+              <a:t>Забрать территории </a:t>
+            </a:r>
+            <a:r>
+              <a:rPr lang="en-US" sz="800" dirty="0"/>
+              <a:t>Mozambique Company</a:t>
+            </a:r>
+            <a:r>
+              <a:rPr lang="ru-RU" sz="800" dirty="0"/>
+              <a:t> </a:t>
+            </a:r>
+            <a:r>
+              <a:rPr lang="ru-RU" sz="400" dirty="0"/>
+              <a:t>(июль 1942)</a:t>
+            </a:r>
+            <a:endParaRPr lang="ru-RU" sz="200" dirty="0"/>
+          </a:p>
+        </p:txBody>
+      </p:sp>
+      <p:sp>
+        <p:nvSpPr>
+          <p:cNvPr id="363" name="Прямоугольник 362"/>
+          <p:cNvSpPr/>
+          <p:nvPr/>
+        </p:nvSpPr>
+        <p:spPr>
+          <a:xfrm>
+            <a:off x="4722099" y="13877627"/>
+            <a:ext cx="926325" cy="540000"/>
+          </a:xfrm>
+          <a:prstGeom prst="rect">
+            <a:avLst/>
+          </a:prstGeom>
+          <a:ln w="19050"/>
+        </p:spPr>
+        <p:style>
+          <a:lnRef idx="2">
+            <a:schemeClr val="accent1"/>
+          </a:lnRef>
+          <a:fillRef idx="1">
+            <a:schemeClr val="lt1"/>
+          </a:fillRef>
+          <a:effectRef idx="0">
+            <a:schemeClr val="accent1"/>
+          </a:effectRef>
+          <a:fontRef idx="minor">
+            <a:schemeClr val="dk1"/>
+          </a:fontRef>
+        </p:style>
+        <p:txBody>
+          <a:bodyPr lIns="124733" tIns="62367" rIns="124733" bIns="62367" rtlCol="0" anchor="ctr"/>
+          <a:lstStyle/>
+          <a:p>
+            <a:pPr algn="ctr"/>
+            <a:r>
+              <a:rPr lang="ru-RU" sz="800" dirty="0"/>
+              <a:t>Вернуть управление Мозамбиком кампаниям </a:t>
+            </a:r>
+            <a:r>
+              <a:rPr lang="ru-RU" sz="500" dirty="0"/>
+              <a:t>(только для монархии)</a:t>
+            </a:r>
+            <a:endParaRPr lang="ru-RU" sz="200" dirty="0"/>
+          </a:p>
+        </p:txBody>
+      </p:sp>
+      <p:sp>
+        <p:nvSpPr>
+          <p:cNvPr id="364" name="Прямоугольник 363"/>
+          <p:cNvSpPr/>
+          <p:nvPr/>
+        </p:nvSpPr>
+        <p:spPr>
+          <a:xfrm>
+            <a:off x="4722099" y="14718123"/>
+            <a:ext cx="926325" cy="540000"/>
+          </a:xfrm>
+          <a:prstGeom prst="rect">
+            <a:avLst/>
+          </a:prstGeom>
+          <a:ln w="19050"/>
+        </p:spPr>
+        <p:style>
+          <a:lnRef idx="2">
+            <a:schemeClr val="accent1"/>
+          </a:lnRef>
+          <a:fillRef idx="1">
+            <a:schemeClr val="lt1"/>
+          </a:fillRef>
+          <a:effectRef idx="0">
+            <a:schemeClr val="accent1"/>
+          </a:effectRef>
+          <a:fontRef idx="minor">
+            <a:schemeClr val="dk1"/>
+          </a:fontRef>
+        </p:style>
+        <p:txBody>
+          <a:bodyPr lIns="124733" tIns="62367" rIns="124733" bIns="62367" rtlCol="0" anchor="ctr"/>
+          <a:lstStyle/>
+          <a:p>
+            <a:pPr algn="ctr"/>
+            <a:r>
+              <a:rPr lang="ru-RU" sz="900" dirty="0"/>
+              <a:t>Восстановить </a:t>
+            </a:r>
+            <a:r>
+              <a:rPr lang="en-US" sz="900" dirty="0" err="1"/>
+              <a:t>Niassa</a:t>
+            </a:r>
+            <a:r>
+              <a:rPr lang="en-US" sz="900" dirty="0"/>
+              <a:t> Company</a:t>
+            </a:r>
+            <a:r>
+              <a:rPr lang="ru-RU" sz="900" dirty="0"/>
+              <a:t> </a:t>
+            </a:r>
+            <a:r>
+              <a:rPr lang="ru-RU" sz="500" dirty="0"/>
+              <a:t>(королевская кампания, только для монархии)</a:t>
+            </a:r>
+          </a:p>
+        </p:txBody>
+      </p:sp>
+      <p:cxnSp>
+        <p:nvCxnSpPr>
+          <p:cNvPr id="368" name="Прямая со стрелкой 367"/>
+          <p:cNvCxnSpPr>
+            <a:stCxn id="363" idx="2"/>
+            <a:endCxn id="364" idx="0"/>
+          </p:cNvCxnSpPr>
+          <p:nvPr/>
+        </p:nvCxnSpPr>
+        <p:spPr>
+          <a:xfrm>
+            <a:off x="5185262" y="14417627"/>
+            <a:ext cx="0" cy="300496"/>
+          </a:xfrm>
+          <a:prstGeom prst="straightConnector1">
+            <a:avLst/>
+          </a:prstGeom>
+          <a:ln w="19050">
+            <a:tailEnd type="arrow"/>
+          </a:ln>
+        </p:spPr>
+        <p:style>
+          <a:lnRef idx="1">
+            <a:schemeClr val="accent1"/>
+          </a:lnRef>
+          <a:fillRef idx="0">
+            <a:schemeClr val="accent1"/>
+          </a:fillRef>
+          <a:effectRef idx="0">
+            <a:schemeClr val="accent1"/>
+          </a:effectRef>
+          <a:fontRef idx="minor">
+            <a:schemeClr val="tx1"/>
+          </a:fontRef>
+        </p:style>
+      </p:cxnSp>
+      <p:sp>
+        <p:nvSpPr>
+          <p:cNvPr id="217" name="Прямоугольник 216"/>
+          <p:cNvSpPr/>
+          <p:nvPr/>
+        </p:nvSpPr>
+        <p:spPr>
+          <a:xfrm>
+            <a:off x="6869026" y="14724586"/>
+            <a:ext cx="926325" cy="540000"/>
+          </a:xfrm>
+          <a:prstGeom prst="rect">
+            <a:avLst/>
+          </a:prstGeom>
+          <a:ln w="19050"/>
+        </p:spPr>
+        <p:style>
+          <a:lnRef idx="2">
+            <a:schemeClr val="accent1"/>
+          </a:lnRef>
+          <a:fillRef idx="1">
+            <a:schemeClr val="lt1"/>
+          </a:fillRef>
+          <a:effectRef idx="0">
+            <a:schemeClr val="accent1"/>
+          </a:effectRef>
+          <a:fontRef idx="minor">
+            <a:schemeClr val="dk1"/>
+          </a:fontRef>
+        </p:style>
+        <p:txBody>
+          <a:bodyPr lIns="124733" tIns="62367" rIns="124733" bIns="62367" rtlCol="0" anchor="ctr"/>
+          <a:lstStyle/>
+          <a:p>
+            <a:pPr algn="ctr"/>
+            <a:r>
+              <a:rPr lang="ru-RU" sz="800" dirty="0"/>
+              <a:t>Приступить к восстановлению сельского хозяйства</a:t>
+            </a:r>
+            <a:endParaRPr lang="ru-RU" sz="300" dirty="0"/>
+          </a:p>
+        </p:txBody>
+      </p:sp>
+      <p:sp>
+        <p:nvSpPr>
+          <p:cNvPr id="229" name="Прямоугольник 228"/>
+          <p:cNvSpPr/>
+          <p:nvPr/>
+        </p:nvSpPr>
+        <p:spPr>
+          <a:xfrm>
+            <a:off x="14318596" y="14720753"/>
+            <a:ext cx="926325" cy="540000"/>
+          </a:xfrm>
+          <a:prstGeom prst="rect">
+            <a:avLst/>
+          </a:prstGeom>
+          <a:ln w="19050"/>
+        </p:spPr>
+        <p:style>
+          <a:lnRef idx="2">
+            <a:schemeClr val="accent1"/>
+          </a:lnRef>
+          <a:fillRef idx="1">
+            <a:schemeClr val="lt1"/>
+          </a:fillRef>
+          <a:effectRef idx="0">
+            <a:schemeClr val="accent1"/>
+          </a:effectRef>
+          <a:fontRef idx="minor">
+            <a:schemeClr val="dk1"/>
+          </a:fontRef>
+        </p:style>
+        <p:txBody>
+          <a:bodyPr lIns="124733" tIns="62367" rIns="124733" bIns="62367" rtlCol="0" anchor="ctr"/>
+          <a:lstStyle/>
+          <a:p>
+            <a:pPr algn="ctr"/>
+            <a:r>
+              <a:rPr lang="ru-RU" sz="700" dirty="0"/>
+              <a:t>Разработка Ангольского марганца</a:t>
+            </a:r>
+          </a:p>
+        </p:txBody>
+      </p:sp>
+      <p:cxnSp>
+        <p:nvCxnSpPr>
+          <p:cNvPr id="230" name="Соединительная линия уступом 229"/>
+          <p:cNvCxnSpPr>
+            <a:stCxn id="35" idx="2"/>
+            <a:endCxn id="229" idx="0"/>
+          </p:cNvCxnSpPr>
+          <p:nvPr/>
+        </p:nvCxnSpPr>
+        <p:spPr>
+          <a:xfrm rot="16200000" flipH="1">
+            <a:off x="14372038" y="14311031"/>
+            <a:ext cx="291187" cy="528256"/>
           </a:xfrm>
           <a:prstGeom prst="bentConnector3">
             <a:avLst>
@@ -9285,114 +9728,180 @@
             </a:avLst>
           </a:prstGeom>
           <a:ln w="19050">
-            <a:prstDash val="dash"/>
-            <a:tailEnd type="arrow"/>
-          </a:ln>
-        </p:spPr>
-        <p:style>
-          <a:lnRef idx="1">
-            <a:schemeClr val="accent1"/>
-          </a:lnRef>
-          <a:fillRef idx="0">
-            <a:schemeClr val="accent1"/>
-          </a:fillRef>
-          <a:effectRef idx="0">
-            <a:schemeClr val="accent1"/>
-          </a:effectRef>
-          <a:fontRef idx="minor">
-            <a:schemeClr val="tx1"/>
-          </a:fontRef>
-        </p:style>
-      </p:cxnSp>
-      <p:cxnSp>
-        <p:nvCxnSpPr>
-          <p:cNvPr id="284" name="Прямая соединительная линия 283"/>
-          <p:cNvCxnSpPr>
-            <a:stCxn id="190" idx="3"/>
-            <a:endCxn id="189" idx="1"/>
-          </p:cNvCxnSpPr>
-          <p:nvPr/>
-        </p:nvCxnSpPr>
-        <p:spPr>
-          <a:xfrm flipV="1">
-            <a:off x="9884444" y="15796703"/>
-            <a:ext cx="148044" cy="496"/>
-          </a:xfrm>
-          <a:prstGeom prst="line">
+            <a:tailEnd type="arrow"/>
+          </a:ln>
+        </p:spPr>
+        <p:style>
+          <a:lnRef idx="1">
+            <a:schemeClr val="accent1"/>
+          </a:lnRef>
+          <a:fillRef idx="0">
+            <a:schemeClr val="accent1"/>
+          </a:fillRef>
+          <a:effectRef idx="0">
+            <a:schemeClr val="accent1"/>
+          </a:effectRef>
+          <a:fontRef idx="minor">
+            <a:schemeClr val="tx1"/>
+          </a:fontRef>
+        </p:style>
+      </p:cxnSp>
+      <p:sp>
+        <p:nvSpPr>
+          <p:cNvPr id="233" name="Прямоугольник 232"/>
+          <p:cNvSpPr/>
+          <p:nvPr/>
+        </p:nvSpPr>
+        <p:spPr>
+          <a:xfrm>
+            <a:off x="1546181" y="12302036"/>
+            <a:ext cx="926325" cy="540000"/>
+          </a:xfrm>
+          <a:prstGeom prst="rect">
+            <a:avLst/>
+          </a:prstGeom>
+          <a:ln w="19050"/>
+        </p:spPr>
+        <p:style>
+          <a:lnRef idx="2">
+            <a:schemeClr val="accent1"/>
+          </a:lnRef>
+          <a:fillRef idx="1">
+            <a:schemeClr val="lt1"/>
+          </a:fillRef>
+          <a:effectRef idx="0">
+            <a:schemeClr val="accent1"/>
+          </a:effectRef>
+          <a:fontRef idx="minor">
+            <a:schemeClr val="dk1"/>
+          </a:fontRef>
+        </p:style>
+        <p:txBody>
+          <a:bodyPr lIns="124733" tIns="62367" rIns="124733" bIns="62367" rtlCol="0" anchor="ctr"/>
+          <a:lstStyle/>
+          <a:p>
+            <a:pPr algn="ctr"/>
+            <a:r>
+              <a:rPr lang="ru-RU" sz="700" dirty="0"/>
+              <a:t>Разработка угля в Мозамбике</a:t>
+            </a:r>
+          </a:p>
+        </p:txBody>
+      </p:sp>
+      <p:sp>
+        <p:nvSpPr>
+          <p:cNvPr id="236" name="Прямоугольник 235"/>
+          <p:cNvSpPr/>
+          <p:nvPr/>
+        </p:nvSpPr>
+        <p:spPr>
+          <a:xfrm>
+            <a:off x="3680513" y="14718123"/>
+            <a:ext cx="926325" cy="540000"/>
+          </a:xfrm>
+          <a:prstGeom prst="rect">
             <a:avLst/>
           </a:prstGeom>
           <a:ln w="19050">
             <a:solidFill>
-              <a:srgbClr val="FF0000"/>
+              <a:srgbClr val="00B050"/>
             </a:solidFill>
           </a:ln>
         </p:spPr>
         <p:style>
-          <a:lnRef idx="1">
-            <a:schemeClr val="accent1"/>
-          </a:lnRef>
-          <a:fillRef idx="0">
-            <a:schemeClr val="accent1"/>
-          </a:fillRef>
-          <a:effectRef idx="0">
-            <a:schemeClr val="accent1"/>
-          </a:effectRef>
-          <a:fontRef idx="minor">
-            <a:schemeClr val="tx1"/>
-          </a:fontRef>
-        </p:style>
-      </p:cxnSp>
-      <p:cxnSp>
-        <p:nvCxnSpPr>
-          <p:cNvPr id="285" name="Прямая соединительная линия 284"/>
-          <p:cNvCxnSpPr>
-            <a:stCxn id="195" idx="3"/>
-            <a:endCxn id="196" idx="1"/>
-          </p:cNvCxnSpPr>
-          <p:nvPr/>
-        </p:nvCxnSpPr>
-        <p:spPr>
-          <a:xfrm>
-            <a:off x="10421628" y="18164472"/>
-            <a:ext cx="116794" cy="591"/>
-          </a:xfrm>
-          <a:prstGeom prst="line">
-            <a:avLst/>
-          </a:prstGeom>
-          <a:ln w="19050">
-            <a:solidFill>
-              <a:srgbClr val="FF0000"/>
-            </a:solidFill>
-          </a:ln>
-        </p:spPr>
-        <p:style>
-          <a:lnRef idx="1">
-            <a:schemeClr val="accent1"/>
-          </a:lnRef>
-          <a:fillRef idx="0">
-            <a:schemeClr val="accent1"/>
-          </a:fillRef>
-          <a:effectRef idx="0">
-            <a:schemeClr val="accent1"/>
-          </a:effectRef>
-          <a:fontRef idx="minor">
-            <a:schemeClr val="tx1"/>
-          </a:fontRef>
-        </p:style>
-      </p:cxnSp>
-      <p:cxnSp>
-        <p:nvCxnSpPr>
-          <p:cNvPr id="288" name="Соединительная линия уступом 287"/>
-          <p:cNvCxnSpPr>
-            <a:stCxn id="185" idx="2"/>
-            <a:endCxn id="196" idx="0"/>
-          </p:cNvCxnSpPr>
-          <p:nvPr/>
-        </p:nvCxnSpPr>
-        <p:spPr>
-          <a:xfrm rot="16200000" flipH="1">
-            <a:off x="10641789" y="17535267"/>
-            <a:ext cx="208798" cy="510794"/>
+          <a:lnRef idx="2">
+            <a:schemeClr val="accent1"/>
+          </a:lnRef>
+          <a:fillRef idx="1">
+            <a:schemeClr val="lt1"/>
+          </a:fillRef>
+          <a:effectRef idx="0">
+            <a:schemeClr val="accent1"/>
+          </a:effectRef>
+          <a:fontRef idx="minor">
+            <a:schemeClr val="dk1"/>
+          </a:fontRef>
+        </p:style>
+        <p:txBody>
+          <a:bodyPr lIns="124733" tIns="62367" rIns="124733" bIns="62367" rtlCol="0" anchor="ctr"/>
+          <a:lstStyle/>
+          <a:p>
+            <a:pPr algn="ctr"/>
+            <a:r>
+              <a:rPr lang="ru-RU" sz="800" dirty="0"/>
+              <a:t>Вернуть территории </a:t>
+            </a:r>
+            <a:r>
+              <a:rPr lang="en-US" sz="800" dirty="0"/>
+              <a:t>Mozambique Company</a:t>
+            </a:r>
+            <a:endParaRPr lang="ru-RU" sz="200" dirty="0"/>
+          </a:p>
+        </p:txBody>
+      </p:sp>
+      <p:sp>
+        <p:nvSpPr>
+          <p:cNvPr id="244" name="Прямоугольник 243"/>
+          <p:cNvSpPr/>
+          <p:nvPr/>
+        </p:nvSpPr>
+        <p:spPr>
+          <a:xfrm>
+            <a:off x="4722099" y="15526702"/>
+            <a:ext cx="926325" cy="540000"/>
+          </a:xfrm>
+          <a:prstGeom prst="rect">
+            <a:avLst/>
+          </a:prstGeom>
+          <a:ln w="19050"/>
+        </p:spPr>
+        <p:style>
+          <a:lnRef idx="2">
+            <a:schemeClr val="accent1"/>
+          </a:lnRef>
+          <a:fillRef idx="1">
+            <a:schemeClr val="lt1"/>
+          </a:fillRef>
+          <a:effectRef idx="0">
+            <a:schemeClr val="accent1"/>
+          </a:effectRef>
+          <a:fontRef idx="minor">
+            <a:schemeClr val="dk1"/>
+          </a:fontRef>
+        </p:style>
+        <p:txBody>
+          <a:bodyPr lIns="124733" tIns="62367" rIns="124733" bIns="62367" rtlCol="0" anchor="ctr"/>
+          <a:lstStyle/>
+          <a:p>
+            <a:pPr algn="ctr"/>
+            <a:r>
+              <a:rPr lang="ru-RU" sz="800" dirty="0"/>
+              <a:t>Железная дорога </a:t>
+            </a:r>
+            <a:r>
+              <a:rPr lang="ru-RU" sz="800" dirty="0" err="1"/>
+              <a:t>Амелия</a:t>
+            </a:r>
+            <a:r>
+              <a:rPr lang="ru-RU" sz="800" dirty="0"/>
+              <a:t> - Ньяса</a:t>
+            </a:r>
+          </a:p>
+        </p:txBody>
+      </p:sp>
+      <p:cxnSp>
+        <p:nvCxnSpPr>
+          <p:cNvPr id="247" name="Соединительная линия уступом 246"/>
+          <p:cNvCxnSpPr>
+            <a:stCxn id="363" idx="2"/>
+            <a:endCxn id="236" idx="0"/>
+          </p:cNvCxnSpPr>
+          <p:nvPr/>
+        </p:nvCxnSpPr>
+        <p:spPr>
+          <a:xfrm rot="5400000">
+            <a:off x="4514221" y="14047082"/>
+            <a:ext cx="300496" cy="1041586"/>
           </a:xfrm>
           <a:prstGeom prst="bentConnector3">
             <a:avLst>
@@ -9400,38 +9909,111 @@
             </a:avLst>
           </a:prstGeom>
           <a:ln w="19050">
-            <a:prstDash val="dash"/>
-            <a:tailEnd type="arrow"/>
-          </a:ln>
-        </p:spPr>
-        <p:style>
-          <a:lnRef idx="1">
-            <a:schemeClr val="accent1"/>
-          </a:lnRef>
-          <a:fillRef idx="0">
-            <a:schemeClr val="accent1"/>
-          </a:fillRef>
-          <a:effectRef idx="0">
-            <a:schemeClr val="accent1"/>
-          </a:effectRef>
-          <a:fontRef idx="minor">
-            <a:schemeClr val="tx1"/>
-          </a:fontRef>
-        </p:style>
-      </p:cxnSp>
-      <p:cxnSp>
-        <p:nvCxnSpPr>
-          <p:cNvPr id="290" name="Соединительная линия уступом 289"/>
-          <p:cNvCxnSpPr>
-            <a:stCxn id="185" idx="2"/>
-            <a:endCxn id="195" idx="0"/>
+            <a:tailEnd type="arrow"/>
+          </a:ln>
+        </p:spPr>
+        <p:style>
+          <a:lnRef idx="1">
+            <a:schemeClr val="accent1"/>
+          </a:lnRef>
+          <a:fillRef idx="0">
+            <a:schemeClr val="accent1"/>
+          </a:fillRef>
+          <a:effectRef idx="0">
+            <a:schemeClr val="accent1"/>
+          </a:effectRef>
+          <a:fontRef idx="minor">
+            <a:schemeClr val="tx1"/>
+          </a:fontRef>
+        </p:style>
+      </p:cxnSp>
+      <p:cxnSp>
+        <p:nvCxnSpPr>
+          <p:cNvPr id="248" name="Прямая со стрелкой 247"/>
+          <p:cNvCxnSpPr>
+            <a:cxnSpLocks/>
+            <a:stCxn id="333" idx="2"/>
+            <a:endCxn id="236" idx="0"/>
+          </p:cNvCxnSpPr>
+          <p:nvPr/>
+        </p:nvCxnSpPr>
+        <p:spPr>
+          <a:xfrm>
+            <a:off x="4142551" y="14412662"/>
+            <a:ext cx="1125" cy="305461"/>
+          </a:xfrm>
+          <a:prstGeom prst="straightConnector1">
+            <a:avLst/>
+          </a:prstGeom>
+          <a:ln w="19050">
+            <a:tailEnd type="arrow"/>
+          </a:ln>
+        </p:spPr>
+        <p:style>
+          <a:lnRef idx="1">
+            <a:schemeClr val="accent1"/>
+          </a:lnRef>
+          <a:fillRef idx="0">
+            <a:schemeClr val="accent1"/>
+          </a:fillRef>
+          <a:effectRef idx="0">
+            <a:schemeClr val="accent1"/>
+          </a:effectRef>
+          <a:fontRef idx="minor">
+            <a:schemeClr val="tx1"/>
+          </a:fontRef>
+        </p:style>
+      </p:cxnSp>
+      <p:cxnSp>
+        <p:nvCxnSpPr>
+          <p:cNvPr id="251" name="Прямая со стрелкой 250"/>
+          <p:cNvCxnSpPr>
+            <a:stCxn id="364" idx="2"/>
+            <a:endCxn id="244" idx="0"/>
+          </p:cNvCxnSpPr>
+          <p:nvPr/>
+        </p:nvCxnSpPr>
+        <p:spPr>
+          <a:xfrm>
+            <a:off x="5185262" y="15258123"/>
+            <a:ext cx="0" cy="268579"/>
+          </a:xfrm>
+          <a:prstGeom prst="straightConnector1">
+            <a:avLst/>
+          </a:prstGeom>
+          <a:ln w="19050">
+            <a:tailEnd type="arrow"/>
+          </a:ln>
+        </p:spPr>
+        <p:style>
+          <a:lnRef idx="1">
+            <a:schemeClr val="accent1"/>
+          </a:lnRef>
+          <a:fillRef idx="0">
+            <a:schemeClr val="accent1"/>
+          </a:fillRef>
+          <a:effectRef idx="0">
+            <a:schemeClr val="accent1"/>
+          </a:effectRef>
+          <a:fontRef idx="minor">
+            <a:schemeClr val="tx1"/>
+          </a:fontRef>
+        </p:style>
+      </p:cxnSp>
+      <p:cxnSp>
+        <p:nvCxnSpPr>
+          <p:cNvPr id="252" name="Соединительная линия уступом 251"/>
+          <p:cNvCxnSpPr>
+            <a:cxnSpLocks/>
+            <a:stCxn id="125" idx="2"/>
+            <a:endCxn id="132" idx="0"/>
           </p:cNvCxnSpPr>
           <p:nvPr/>
         </p:nvCxnSpPr>
         <p:spPr>
           <a:xfrm rot="5400000">
-            <a:off x="10120526" y="17524206"/>
-            <a:ext cx="208207" cy="532325"/>
+            <a:off x="6671103" y="11674658"/>
+            <a:ext cx="264162" cy="1036200"/>
           </a:xfrm>
           <a:prstGeom prst="bentConnector3">
             <a:avLst>
@@ -9439,1032 +10021,6 @@
             </a:avLst>
           </a:prstGeom>
           <a:ln w="19050">
-            <a:prstDash val="dash"/>
-            <a:tailEnd type="arrow"/>
-          </a:ln>
-        </p:spPr>
-        <p:style>
-          <a:lnRef idx="1">
-            <a:schemeClr val="accent1"/>
-          </a:lnRef>
-          <a:fillRef idx="0">
-            <a:schemeClr val="accent1"/>
-          </a:fillRef>
-          <a:effectRef idx="0">
-            <a:schemeClr val="accent1"/>
-          </a:effectRef>
-          <a:fontRef idx="minor">
-            <a:schemeClr val="tx1"/>
-          </a:fontRef>
-        </p:style>
-      </p:cxnSp>
-      <p:sp>
-        <p:nvSpPr>
-          <p:cNvPr id="327" name="Прямоугольник 326"/>
-          <p:cNvSpPr/>
-          <p:nvPr/>
-        </p:nvSpPr>
-        <p:spPr>
-          <a:xfrm>
-            <a:off x="2620974" y="13074935"/>
-            <a:ext cx="926325" cy="540000"/>
-          </a:xfrm>
-          <a:prstGeom prst="rect">
-            <a:avLst/>
-          </a:prstGeom>
-          <a:ln w="19050"/>
-        </p:spPr>
-        <p:style>
-          <a:lnRef idx="2">
-            <a:schemeClr val="accent1"/>
-          </a:lnRef>
-          <a:fillRef idx="1">
-            <a:schemeClr val="lt1"/>
-          </a:fillRef>
-          <a:effectRef idx="0">
-            <a:schemeClr val="accent1"/>
-          </a:effectRef>
-          <a:fontRef idx="minor">
-            <a:schemeClr val="dk1"/>
-          </a:fontRef>
-        </p:style>
-        <p:txBody>
-          <a:bodyPr lIns="124733" tIns="62367" rIns="124733" bIns="62367" rtlCol="0" anchor="ctr"/>
-          <a:lstStyle/>
-          <a:p>
-            <a:pPr algn="ctr"/>
-            <a:r>
-              <a:rPr lang="ru-RU" sz="700" dirty="0"/>
-              <a:t>Интеграция традиционных властей</a:t>
-            </a:r>
-          </a:p>
-        </p:txBody>
-      </p:sp>
-      <p:sp>
-        <p:nvSpPr>
-          <p:cNvPr id="329" name="Прямоугольник 328"/>
-          <p:cNvSpPr/>
-          <p:nvPr/>
-        </p:nvSpPr>
-        <p:spPr>
-          <a:xfrm>
-            <a:off x="2620737" y="13872662"/>
-            <a:ext cx="926325" cy="540000"/>
-          </a:xfrm>
-          <a:prstGeom prst="rect">
-            <a:avLst/>
-          </a:prstGeom>
-          <a:ln w="19050">
-            <a:solidFill>
-              <a:srgbClr val="00B050"/>
-            </a:solidFill>
-          </a:ln>
-        </p:spPr>
-        <p:style>
-          <a:lnRef idx="2">
-            <a:schemeClr val="accent1"/>
-          </a:lnRef>
-          <a:fillRef idx="1">
-            <a:schemeClr val="lt1"/>
-          </a:fillRef>
-          <a:effectRef idx="0">
-            <a:schemeClr val="accent1"/>
-          </a:effectRef>
-          <a:fontRef idx="minor">
-            <a:schemeClr val="dk1"/>
-          </a:fontRef>
-        </p:style>
-        <p:txBody>
-          <a:bodyPr lIns="124733" tIns="62367" rIns="124733" bIns="62367" rtlCol="0" anchor="ctr"/>
-          <a:lstStyle/>
-          <a:p>
-            <a:pPr algn="ctr"/>
-            <a:r>
-              <a:rPr lang="ru-RU" sz="700" dirty="0"/>
-              <a:t>Провинциальный декрет Португалии № 5.639</a:t>
-            </a:r>
-            <a:endParaRPr lang="ru-RU" sz="100" dirty="0"/>
-          </a:p>
-        </p:txBody>
-      </p:sp>
-      <p:sp>
-        <p:nvSpPr>
-          <p:cNvPr id="330" name="Прямоугольник 329"/>
-          <p:cNvSpPr/>
-          <p:nvPr/>
-        </p:nvSpPr>
-        <p:spPr>
-          <a:xfrm>
-            <a:off x="1555563" y="14725097"/>
-            <a:ext cx="926325" cy="540000"/>
-          </a:xfrm>
-          <a:prstGeom prst="rect">
-            <a:avLst/>
-          </a:prstGeom>
-          <a:ln w="19050"/>
-        </p:spPr>
-        <p:style>
-          <a:lnRef idx="2">
-            <a:schemeClr val="accent1"/>
-          </a:lnRef>
-          <a:fillRef idx="1">
-            <a:schemeClr val="lt1"/>
-          </a:fillRef>
-          <a:effectRef idx="0">
-            <a:schemeClr val="accent1"/>
-          </a:effectRef>
-          <a:fontRef idx="minor">
-            <a:schemeClr val="dk1"/>
-          </a:fontRef>
-        </p:style>
-        <p:txBody>
-          <a:bodyPr lIns="124733" tIns="62367" rIns="124733" bIns="62367" rtlCol="0" anchor="ctr"/>
-          <a:lstStyle/>
-          <a:p>
-            <a:pPr algn="ctr"/>
-            <a:r>
-              <a:rPr lang="ru-RU" sz="800" dirty="0"/>
-              <a:t>Экспорт чая в Метрополию</a:t>
-            </a:r>
-          </a:p>
-        </p:txBody>
-      </p:sp>
-      <p:sp>
-        <p:nvSpPr>
-          <p:cNvPr id="332" name="Прямоугольник 331"/>
-          <p:cNvSpPr/>
-          <p:nvPr/>
-        </p:nvSpPr>
-        <p:spPr>
-          <a:xfrm>
-            <a:off x="1061266" y="15518052"/>
-            <a:ext cx="926325" cy="540000"/>
-          </a:xfrm>
-          <a:prstGeom prst="rect">
-            <a:avLst/>
-          </a:prstGeom>
-          <a:ln w="19050"/>
-        </p:spPr>
-        <p:style>
-          <a:lnRef idx="2">
-            <a:schemeClr val="accent1"/>
-          </a:lnRef>
-          <a:fillRef idx="1">
-            <a:schemeClr val="lt1"/>
-          </a:fillRef>
-          <a:effectRef idx="0">
-            <a:schemeClr val="accent1"/>
-          </a:effectRef>
-          <a:fontRef idx="minor">
-            <a:schemeClr val="dk1"/>
-          </a:fontRef>
-        </p:style>
-        <p:txBody>
-          <a:bodyPr lIns="124733" tIns="62367" rIns="124733" bIns="62367" rtlCol="0" anchor="ctr"/>
-          <a:lstStyle/>
-          <a:p>
-            <a:pPr algn="ctr"/>
-            <a:r>
-              <a:rPr lang="ru-RU" sz="800" dirty="0"/>
-              <a:t>Экспорт кешью в Метрополию</a:t>
-            </a:r>
-          </a:p>
-        </p:txBody>
-      </p:sp>
-      <p:sp>
-        <p:nvSpPr>
-          <p:cNvPr id="333" name="Прямоугольник 332"/>
-          <p:cNvSpPr/>
-          <p:nvPr/>
-        </p:nvSpPr>
-        <p:spPr>
-          <a:xfrm>
-            <a:off x="3679388" y="13872662"/>
-            <a:ext cx="926325" cy="540000"/>
-          </a:xfrm>
-          <a:prstGeom prst="rect">
-            <a:avLst/>
-          </a:prstGeom>
-          <a:ln w="19050"/>
-        </p:spPr>
-        <p:style>
-          <a:lnRef idx="2">
-            <a:schemeClr val="accent1"/>
-          </a:lnRef>
-          <a:fillRef idx="1">
-            <a:schemeClr val="lt1"/>
-          </a:fillRef>
-          <a:effectRef idx="0">
-            <a:schemeClr val="accent1"/>
-          </a:effectRef>
-          <a:fontRef idx="minor">
-            <a:schemeClr val="dk1"/>
-          </a:fontRef>
-        </p:style>
-        <p:txBody>
-          <a:bodyPr lIns="124733" tIns="62367" rIns="124733" bIns="62367" rtlCol="0" anchor="ctr"/>
-          <a:lstStyle/>
-          <a:p>
-            <a:pPr algn="ctr"/>
-            <a:r>
-              <a:rPr lang="ru-RU" sz="800" dirty="0"/>
-              <a:t>Расширить доступ к образованию</a:t>
-            </a:r>
-          </a:p>
-        </p:txBody>
-      </p:sp>
-      <p:sp>
-        <p:nvSpPr>
-          <p:cNvPr id="334" name="Прямоугольник 333"/>
-          <p:cNvSpPr/>
-          <p:nvPr/>
-        </p:nvSpPr>
-        <p:spPr>
-          <a:xfrm>
-            <a:off x="3689078" y="12317504"/>
-            <a:ext cx="926325" cy="540000"/>
-          </a:xfrm>
-          <a:prstGeom prst="rect">
-            <a:avLst/>
-          </a:prstGeom>
-          <a:ln w="19050">
-            <a:solidFill>
-              <a:srgbClr val="00B050"/>
-            </a:solidFill>
-          </a:ln>
-        </p:spPr>
-        <p:style>
-          <a:lnRef idx="2">
-            <a:schemeClr val="accent1"/>
-          </a:lnRef>
-          <a:fillRef idx="1">
-            <a:schemeClr val="lt1"/>
-          </a:fillRef>
-          <a:effectRef idx="0">
-            <a:schemeClr val="accent1"/>
-          </a:effectRef>
-          <a:fontRef idx="minor">
-            <a:schemeClr val="dk1"/>
-          </a:fontRef>
-        </p:style>
-        <p:txBody>
-          <a:bodyPr lIns="124733" tIns="62367" rIns="124733" bIns="62367" rtlCol="0" anchor="ctr"/>
-          <a:lstStyle/>
-          <a:p>
-            <a:pPr algn="ctr"/>
-            <a:r>
-              <a:rPr lang="ru-RU" sz="800" dirty="0"/>
-              <a:t>Модернизация городов Мозамбика</a:t>
-            </a:r>
-          </a:p>
-        </p:txBody>
-      </p:sp>
-      <p:cxnSp>
-        <p:nvCxnSpPr>
-          <p:cNvPr id="335" name="Прямая со стрелкой 334"/>
-          <p:cNvCxnSpPr>
-            <a:stCxn id="327" idx="2"/>
-            <a:endCxn id="329" idx="0"/>
-          </p:cNvCxnSpPr>
-          <p:nvPr/>
-        </p:nvCxnSpPr>
-        <p:spPr>
-          <a:xfrm flipH="1">
-            <a:off x="3083900" y="13614935"/>
-            <a:ext cx="237" cy="257727"/>
-          </a:xfrm>
-          <a:prstGeom prst="straightConnector1">
-            <a:avLst/>
-          </a:prstGeom>
-          <a:ln w="19050">
-            <a:tailEnd type="arrow"/>
-          </a:ln>
-        </p:spPr>
-        <p:style>
-          <a:lnRef idx="1">
-            <a:schemeClr val="accent1"/>
-          </a:lnRef>
-          <a:fillRef idx="0">
-            <a:schemeClr val="accent1"/>
-          </a:fillRef>
-          <a:effectRef idx="0">
-            <a:schemeClr val="accent1"/>
-          </a:effectRef>
-          <a:fontRef idx="minor">
-            <a:schemeClr val="tx1"/>
-          </a:fontRef>
-        </p:style>
-      </p:cxnSp>
-      <p:cxnSp>
-        <p:nvCxnSpPr>
-          <p:cNvPr id="336" name="Прямая со стрелкой 335"/>
-          <p:cNvCxnSpPr>
-            <a:stCxn id="118" idx="2"/>
-            <a:endCxn id="330" idx="0"/>
-          </p:cNvCxnSpPr>
-          <p:nvPr/>
-        </p:nvCxnSpPr>
-        <p:spPr>
-          <a:xfrm flipH="1">
-            <a:off x="2018726" y="14412662"/>
-            <a:ext cx="1801" cy="312435"/>
-          </a:xfrm>
-          <a:prstGeom prst="straightConnector1">
-            <a:avLst/>
-          </a:prstGeom>
-          <a:ln w="19050">
-            <a:tailEnd type="arrow"/>
-          </a:ln>
-        </p:spPr>
-        <p:style>
-          <a:lnRef idx="1">
-            <a:schemeClr val="accent1"/>
-          </a:lnRef>
-          <a:fillRef idx="0">
-            <a:schemeClr val="accent1"/>
-          </a:fillRef>
-          <a:effectRef idx="0">
-            <a:schemeClr val="accent1"/>
-          </a:effectRef>
-          <a:fontRef idx="minor">
-            <a:schemeClr val="tx1"/>
-          </a:fontRef>
-        </p:style>
-      </p:cxnSp>
-      <p:cxnSp>
-        <p:nvCxnSpPr>
-          <p:cNvPr id="343" name="Соединительная линия уступом 342"/>
-          <p:cNvCxnSpPr>
-            <a:stCxn id="118" idx="2"/>
-            <a:endCxn id="120" idx="0"/>
-          </p:cNvCxnSpPr>
-          <p:nvPr/>
-        </p:nvCxnSpPr>
-        <p:spPr>
-          <a:xfrm rot="16200000" flipH="1">
-            <a:off x="2408025" y="14025164"/>
-            <a:ext cx="305460" cy="1080456"/>
-          </a:xfrm>
-          <a:prstGeom prst="bentConnector3">
-            <a:avLst>
-              <a:gd name="adj1" fmla="val 50000"/>
-            </a:avLst>
-          </a:prstGeom>
-          <a:ln w="19050">
-            <a:tailEnd type="arrow"/>
-          </a:ln>
-        </p:spPr>
-        <p:style>
-          <a:lnRef idx="1">
-            <a:schemeClr val="accent1"/>
-          </a:lnRef>
-          <a:fillRef idx="0">
-            <a:schemeClr val="accent1"/>
-          </a:fillRef>
-          <a:effectRef idx="0">
-            <a:schemeClr val="accent1"/>
-          </a:effectRef>
-          <a:fontRef idx="minor">
-            <a:schemeClr val="tx1"/>
-          </a:fontRef>
-        </p:style>
-      </p:cxnSp>
-      <p:cxnSp>
-        <p:nvCxnSpPr>
-          <p:cNvPr id="346" name="Соединительная линия уступом 345"/>
-          <p:cNvCxnSpPr>
-            <a:stCxn id="118" idx="2"/>
-            <a:endCxn id="332" idx="0"/>
-          </p:cNvCxnSpPr>
-          <p:nvPr/>
-        </p:nvCxnSpPr>
-        <p:spPr>
-          <a:xfrm rot="5400000">
-            <a:off x="1219783" y="14717308"/>
-            <a:ext cx="1105390" cy="496098"/>
-          </a:xfrm>
-          <a:prstGeom prst="bentConnector3">
-            <a:avLst>
-              <a:gd name="adj1" fmla="val 13578"/>
-            </a:avLst>
-          </a:prstGeom>
-          <a:ln w="19050">
-            <a:tailEnd type="arrow"/>
-          </a:ln>
-        </p:spPr>
-        <p:style>
-          <a:lnRef idx="1">
-            <a:schemeClr val="accent1"/>
-          </a:lnRef>
-          <a:fillRef idx="0">
-            <a:schemeClr val="accent1"/>
-          </a:fillRef>
-          <a:effectRef idx="0">
-            <a:schemeClr val="accent1"/>
-          </a:effectRef>
-          <a:fontRef idx="minor">
-            <a:schemeClr val="tx1"/>
-          </a:fontRef>
-        </p:style>
-      </p:cxnSp>
-      <p:sp>
-        <p:nvSpPr>
-          <p:cNvPr id="359" name="Прямоугольник 358"/>
-          <p:cNvSpPr/>
-          <p:nvPr/>
-        </p:nvSpPr>
-        <p:spPr>
-          <a:xfrm>
-            <a:off x="3681096" y="13077015"/>
-            <a:ext cx="926325" cy="540000"/>
-          </a:xfrm>
-          <a:prstGeom prst="rect">
-            <a:avLst/>
-          </a:prstGeom>
-          <a:ln w="19050">
-            <a:solidFill>
-              <a:srgbClr val="00B050"/>
-            </a:solidFill>
-          </a:ln>
-        </p:spPr>
-        <p:style>
-          <a:lnRef idx="2">
-            <a:schemeClr val="accent1"/>
-          </a:lnRef>
-          <a:fillRef idx="1">
-            <a:schemeClr val="lt1"/>
-          </a:fillRef>
-          <a:effectRef idx="0">
-            <a:schemeClr val="accent1"/>
-          </a:effectRef>
-          <a:fontRef idx="minor">
-            <a:schemeClr val="dk1"/>
-          </a:fontRef>
-        </p:style>
-        <p:txBody>
-          <a:bodyPr lIns="124733" tIns="62367" rIns="124733" bIns="62367" rtlCol="0" anchor="ctr"/>
-          <a:lstStyle/>
-          <a:p>
-            <a:pPr algn="ctr"/>
-            <a:r>
-              <a:rPr lang="ru-RU" sz="800" dirty="0"/>
-              <a:t>Забрать территории </a:t>
-            </a:r>
-            <a:r>
-              <a:rPr lang="en-US" sz="800" dirty="0"/>
-              <a:t>Mozambique Company</a:t>
-            </a:r>
-            <a:r>
-              <a:rPr lang="ru-RU" sz="800" dirty="0"/>
-              <a:t> </a:t>
-            </a:r>
-            <a:r>
-              <a:rPr lang="ru-RU" sz="400" dirty="0"/>
-              <a:t>(июль 1942)</a:t>
-            </a:r>
-            <a:endParaRPr lang="ru-RU" sz="200" dirty="0"/>
-          </a:p>
-        </p:txBody>
-      </p:sp>
-      <p:sp>
-        <p:nvSpPr>
-          <p:cNvPr id="363" name="Прямоугольник 362"/>
-          <p:cNvSpPr/>
-          <p:nvPr/>
-        </p:nvSpPr>
-        <p:spPr>
-          <a:xfrm>
-            <a:off x="4722099" y="13877627"/>
-            <a:ext cx="926325" cy="540000"/>
-          </a:xfrm>
-          <a:prstGeom prst="rect">
-            <a:avLst/>
-          </a:prstGeom>
-          <a:ln w="19050"/>
-        </p:spPr>
-        <p:style>
-          <a:lnRef idx="2">
-            <a:schemeClr val="accent1"/>
-          </a:lnRef>
-          <a:fillRef idx="1">
-            <a:schemeClr val="lt1"/>
-          </a:fillRef>
-          <a:effectRef idx="0">
-            <a:schemeClr val="accent1"/>
-          </a:effectRef>
-          <a:fontRef idx="minor">
-            <a:schemeClr val="dk1"/>
-          </a:fontRef>
-        </p:style>
-        <p:txBody>
-          <a:bodyPr lIns="124733" tIns="62367" rIns="124733" bIns="62367" rtlCol="0" anchor="ctr"/>
-          <a:lstStyle/>
-          <a:p>
-            <a:pPr algn="ctr"/>
-            <a:r>
-              <a:rPr lang="ru-RU" sz="800" dirty="0"/>
-              <a:t>Вернуть управление Мозамбиком кампаниям </a:t>
-            </a:r>
-            <a:r>
-              <a:rPr lang="ru-RU" sz="500" dirty="0"/>
-              <a:t>(только для монархии)</a:t>
-            </a:r>
-            <a:endParaRPr lang="ru-RU" sz="200" dirty="0"/>
-          </a:p>
-        </p:txBody>
-      </p:sp>
-      <p:sp>
-        <p:nvSpPr>
-          <p:cNvPr id="364" name="Прямоугольник 363"/>
-          <p:cNvSpPr/>
-          <p:nvPr/>
-        </p:nvSpPr>
-        <p:spPr>
-          <a:xfrm>
-            <a:off x="4722099" y="14718123"/>
-            <a:ext cx="926325" cy="540000"/>
-          </a:xfrm>
-          <a:prstGeom prst="rect">
-            <a:avLst/>
-          </a:prstGeom>
-          <a:ln w="19050"/>
-        </p:spPr>
-        <p:style>
-          <a:lnRef idx="2">
-            <a:schemeClr val="accent1"/>
-          </a:lnRef>
-          <a:fillRef idx="1">
-            <a:schemeClr val="lt1"/>
-          </a:fillRef>
-          <a:effectRef idx="0">
-            <a:schemeClr val="accent1"/>
-          </a:effectRef>
-          <a:fontRef idx="minor">
-            <a:schemeClr val="dk1"/>
-          </a:fontRef>
-        </p:style>
-        <p:txBody>
-          <a:bodyPr lIns="124733" tIns="62367" rIns="124733" bIns="62367" rtlCol="0" anchor="ctr"/>
-          <a:lstStyle/>
-          <a:p>
-            <a:pPr algn="ctr"/>
-            <a:r>
-              <a:rPr lang="ru-RU" sz="900" dirty="0"/>
-              <a:t>Восстановить </a:t>
-            </a:r>
-            <a:r>
-              <a:rPr lang="en-US" sz="900" dirty="0" err="1"/>
-              <a:t>Niassa</a:t>
-            </a:r>
-            <a:r>
-              <a:rPr lang="en-US" sz="900" dirty="0"/>
-              <a:t> Company</a:t>
-            </a:r>
-            <a:r>
-              <a:rPr lang="ru-RU" sz="900" dirty="0"/>
-              <a:t> </a:t>
-            </a:r>
-            <a:r>
-              <a:rPr lang="ru-RU" sz="500" dirty="0"/>
-              <a:t>(королевская кампания, только для монархии)</a:t>
-            </a:r>
-          </a:p>
-        </p:txBody>
-      </p:sp>
-      <p:cxnSp>
-        <p:nvCxnSpPr>
-          <p:cNvPr id="368" name="Прямая со стрелкой 367"/>
-          <p:cNvCxnSpPr>
-            <a:stCxn id="363" idx="2"/>
-            <a:endCxn id="364" idx="0"/>
-          </p:cNvCxnSpPr>
-          <p:nvPr/>
-        </p:nvCxnSpPr>
-        <p:spPr>
-          <a:xfrm>
-            <a:off x="5185262" y="14417627"/>
-            <a:ext cx="0" cy="300496"/>
-          </a:xfrm>
-          <a:prstGeom prst="straightConnector1">
-            <a:avLst/>
-          </a:prstGeom>
-          <a:ln w="19050">
-            <a:tailEnd type="arrow"/>
-          </a:ln>
-        </p:spPr>
-        <p:style>
-          <a:lnRef idx="1">
-            <a:schemeClr val="accent1"/>
-          </a:lnRef>
-          <a:fillRef idx="0">
-            <a:schemeClr val="accent1"/>
-          </a:fillRef>
-          <a:effectRef idx="0">
-            <a:schemeClr val="accent1"/>
-          </a:effectRef>
-          <a:fontRef idx="minor">
-            <a:schemeClr val="tx1"/>
-          </a:fontRef>
-        </p:style>
-      </p:cxnSp>
-      <p:sp>
-        <p:nvSpPr>
-          <p:cNvPr id="217" name="Прямоугольник 216"/>
-          <p:cNvSpPr/>
-          <p:nvPr/>
-        </p:nvSpPr>
-        <p:spPr>
-          <a:xfrm>
-            <a:off x="6869026" y="14724586"/>
-            <a:ext cx="926325" cy="540000"/>
-          </a:xfrm>
-          <a:prstGeom prst="rect">
-            <a:avLst/>
-          </a:prstGeom>
-          <a:ln w="19050"/>
-        </p:spPr>
-        <p:style>
-          <a:lnRef idx="2">
-            <a:schemeClr val="accent1"/>
-          </a:lnRef>
-          <a:fillRef idx="1">
-            <a:schemeClr val="lt1"/>
-          </a:fillRef>
-          <a:effectRef idx="0">
-            <a:schemeClr val="accent1"/>
-          </a:effectRef>
-          <a:fontRef idx="minor">
-            <a:schemeClr val="dk1"/>
-          </a:fontRef>
-        </p:style>
-        <p:txBody>
-          <a:bodyPr lIns="124733" tIns="62367" rIns="124733" bIns="62367" rtlCol="0" anchor="ctr"/>
-          <a:lstStyle/>
-          <a:p>
-            <a:pPr algn="ctr"/>
-            <a:r>
-              <a:rPr lang="ru-RU" sz="800" dirty="0"/>
-              <a:t>Приступить к восстановлению сельского хозяйства</a:t>
-            </a:r>
-            <a:endParaRPr lang="ru-RU" sz="300" dirty="0"/>
-          </a:p>
-        </p:txBody>
-      </p:sp>
-      <p:sp>
-        <p:nvSpPr>
-          <p:cNvPr id="229" name="Прямоугольник 228"/>
-          <p:cNvSpPr/>
-          <p:nvPr/>
-        </p:nvSpPr>
-        <p:spPr>
-          <a:xfrm>
-            <a:off x="14822995" y="14720753"/>
-            <a:ext cx="926325" cy="540000"/>
-          </a:xfrm>
-          <a:prstGeom prst="rect">
-            <a:avLst/>
-          </a:prstGeom>
-          <a:ln w="19050"/>
-        </p:spPr>
-        <p:style>
-          <a:lnRef idx="2">
-            <a:schemeClr val="accent1"/>
-          </a:lnRef>
-          <a:fillRef idx="1">
-            <a:schemeClr val="lt1"/>
-          </a:fillRef>
-          <a:effectRef idx="0">
-            <a:schemeClr val="accent1"/>
-          </a:effectRef>
-          <a:fontRef idx="minor">
-            <a:schemeClr val="dk1"/>
-          </a:fontRef>
-        </p:style>
-        <p:txBody>
-          <a:bodyPr lIns="124733" tIns="62367" rIns="124733" bIns="62367" rtlCol="0" anchor="ctr"/>
-          <a:lstStyle/>
-          <a:p>
-            <a:pPr algn="ctr"/>
-            <a:r>
-              <a:rPr lang="ru-RU" sz="700" dirty="0"/>
-              <a:t>Разработка Ангольского марганца</a:t>
-            </a:r>
-          </a:p>
-        </p:txBody>
-      </p:sp>
-      <p:cxnSp>
-        <p:nvCxnSpPr>
-          <p:cNvPr id="230" name="Соединительная линия уступом 229"/>
-          <p:cNvCxnSpPr>
-            <a:stCxn id="35" idx="2"/>
-            <a:endCxn id="229" idx="0"/>
-          </p:cNvCxnSpPr>
-          <p:nvPr/>
-        </p:nvCxnSpPr>
-        <p:spPr>
-          <a:xfrm rot="16200000" flipH="1">
-            <a:off x="14876437" y="14311031"/>
-            <a:ext cx="291187" cy="528256"/>
-          </a:xfrm>
-          <a:prstGeom prst="bentConnector3">
-            <a:avLst>
-              <a:gd name="adj1" fmla="val 50000"/>
-            </a:avLst>
-          </a:prstGeom>
-          <a:ln w="19050">
-            <a:tailEnd type="arrow"/>
-          </a:ln>
-        </p:spPr>
-        <p:style>
-          <a:lnRef idx="1">
-            <a:schemeClr val="accent1"/>
-          </a:lnRef>
-          <a:fillRef idx="0">
-            <a:schemeClr val="accent1"/>
-          </a:fillRef>
-          <a:effectRef idx="0">
-            <a:schemeClr val="accent1"/>
-          </a:effectRef>
-          <a:fontRef idx="minor">
-            <a:schemeClr val="tx1"/>
-          </a:fontRef>
-        </p:style>
-      </p:cxnSp>
-      <p:sp>
-        <p:nvSpPr>
-          <p:cNvPr id="233" name="Прямоугольник 232"/>
-          <p:cNvSpPr/>
-          <p:nvPr/>
-        </p:nvSpPr>
-        <p:spPr>
-          <a:xfrm>
-            <a:off x="1546181" y="12302036"/>
-            <a:ext cx="926325" cy="540000"/>
-          </a:xfrm>
-          <a:prstGeom prst="rect">
-            <a:avLst/>
-          </a:prstGeom>
-          <a:ln w="19050"/>
-        </p:spPr>
-        <p:style>
-          <a:lnRef idx="2">
-            <a:schemeClr val="accent1"/>
-          </a:lnRef>
-          <a:fillRef idx="1">
-            <a:schemeClr val="lt1"/>
-          </a:fillRef>
-          <a:effectRef idx="0">
-            <a:schemeClr val="accent1"/>
-          </a:effectRef>
-          <a:fontRef idx="minor">
-            <a:schemeClr val="dk1"/>
-          </a:fontRef>
-        </p:style>
-        <p:txBody>
-          <a:bodyPr lIns="124733" tIns="62367" rIns="124733" bIns="62367" rtlCol="0" anchor="ctr"/>
-          <a:lstStyle/>
-          <a:p>
-            <a:pPr algn="ctr"/>
-            <a:r>
-              <a:rPr lang="ru-RU" sz="700" dirty="0"/>
-              <a:t>Разработка угля в Мозамбике</a:t>
-            </a:r>
-          </a:p>
-        </p:txBody>
-      </p:sp>
-      <p:sp>
-        <p:nvSpPr>
-          <p:cNvPr id="236" name="Прямоугольник 235"/>
-          <p:cNvSpPr/>
-          <p:nvPr/>
-        </p:nvSpPr>
-        <p:spPr>
-          <a:xfrm>
-            <a:off x="3680513" y="14718123"/>
-            <a:ext cx="926325" cy="540000"/>
-          </a:xfrm>
-          <a:prstGeom prst="rect">
-            <a:avLst/>
-          </a:prstGeom>
-          <a:ln w="19050">
-            <a:solidFill>
-              <a:srgbClr val="00B050"/>
-            </a:solidFill>
-          </a:ln>
-        </p:spPr>
-        <p:style>
-          <a:lnRef idx="2">
-            <a:schemeClr val="accent1"/>
-          </a:lnRef>
-          <a:fillRef idx="1">
-            <a:schemeClr val="lt1"/>
-          </a:fillRef>
-          <a:effectRef idx="0">
-            <a:schemeClr val="accent1"/>
-          </a:effectRef>
-          <a:fontRef idx="minor">
-            <a:schemeClr val="dk1"/>
-          </a:fontRef>
-        </p:style>
-        <p:txBody>
-          <a:bodyPr lIns="124733" tIns="62367" rIns="124733" bIns="62367" rtlCol="0" anchor="ctr"/>
-          <a:lstStyle/>
-          <a:p>
-            <a:pPr algn="ctr"/>
-            <a:r>
-              <a:rPr lang="ru-RU" sz="800" dirty="0"/>
-              <a:t>Вернуть территории </a:t>
-            </a:r>
-            <a:r>
-              <a:rPr lang="en-US" sz="800" dirty="0"/>
-              <a:t>Mozambique Company</a:t>
-            </a:r>
-            <a:endParaRPr lang="ru-RU" sz="200" dirty="0"/>
-          </a:p>
-        </p:txBody>
-      </p:sp>
-      <p:sp>
-        <p:nvSpPr>
-          <p:cNvPr id="244" name="Прямоугольник 243"/>
-          <p:cNvSpPr/>
-          <p:nvPr/>
-        </p:nvSpPr>
-        <p:spPr>
-          <a:xfrm>
-            <a:off x="4722099" y="15526702"/>
-            <a:ext cx="926325" cy="540000"/>
-          </a:xfrm>
-          <a:prstGeom prst="rect">
-            <a:avLst/>
-          </a:prstGeom>
-          <a:ln w="19050"/>
-        </p:spPr>
-        <p:style>
-          <a:lnRef idx="2">
-            <a:schemeClr val="accent1"/>
-          </a:lnRef>
-          <a:fillRef idx="1">
-            <a:schemeClr val="lt1"/>
-          </a:fillRef>
-          <a:effectRef idx="0">
-            <a:schemeClr val="accent1"/>
-          </a:effectRef>
-          <a:fontRef idx="minor">
-            <a:schemeClr val="dk1"/>
-          </a:fontRef>
-        </p:style>
-        <p:txBody>
-          <a:bodyPr lIns="124733" tIns="62367" rIns="124733" bIns="62367" rtlCol="0" anchor="ctr"/>
-          <a:lstStyle/>
-          <a:p>
-            <a:pPr algn="ctr"/>
-            <a:r>
-              <a:rPr lang="ru-RU" sz="800" dirty="0"/>
-              <a:t>Железная дорога </a:t>
-            </a:r>
-            <a:r>
-              <a:rPr lang="ru-RU" sz="800" dirty="0" err="1"/>
-              <a:t>Амелия</a:t>
-            </a:r>
-            <a:r>
-              <a:rPr lang="ru-RU" sz="800" dirty="0"/>
-              <a:t> - Ньяса</a:t>
-            </a:r>
-          </a:p>
-        </p:txBody>
-      </p:sp>
-      <p:cxnSp>
-        <p:nvCxnSpPr>
-          <p:cNvPr id="247" name="Соединительная линия уступом 246"/>
-          <p:cNvCxnSpPr>
-            <a:stCxn id="363" idx="2"/>
-            <a:endCxn id="236" idx="0"/>
-          </p:cNvCxnSpPr>
-          <p:nvPr/>
-        </p:nvCxnSpPr>
-        <p:spPr>
-          <a:xfrm rot="5400000">
-            <a:off x="4514221" y="14047082"/>
-            <a:ext cx="300496" cy="1041586"/>
-          </a:xfrm>
-          <a:prstGeom prst="bentConnector3">
-            <a:avLst>
-              <a:gd name="adj1" fmla="val 50000"/>
-            </a:avLst>
-          </a:prstGeom>
-          <a:ln w="19050">
-            <a:tailEnd type="arrow"/>
-          </a:ln>
-        </p:spPr>
-        <p:style>
-          <a:lnRef idx="1">
-            <a:schemeClr val="accent1"/>
-          </a:lnRef>
-          <a:fillRef idx="0">
-            <a:schemeClr val="accent1"/>
-          </a:fillRef>
-          <a:effectRef idx="0">
-            <a:schemeClr val="accent1"/>
-          </a:effectRef>
-          <a:fontRef idx="minor">
-            <a:schemeClr val="tx1"/>
-          </a:fontRef>
-        </p:style>
-      </p:cxnSp>
-      <p:cxnSp>
-        <p:nvCxnSpPr>
-          <p:cNvPr id="248" name="Прямая со стрелкой 247"/>
-          <p:cNvCxnSpPr>
-            <a:cxnSpLocks/>
-            <a:stCxn id="333" idx="2"/>
-            <a:endCxn id="236" idx="0"/>
-          </p:cNvCxnSpPr>
-          <p:nvPr/>
-        </p:nvCxnSpPr>
-        <p:spPr>
-          <a:xfrm>
-            <a:off x="4142551" y="14412662"/>
-            <a:ext cx="1125" cy="305461"/>
-          </a:xfrm>
-          <a:prstGeom prst="straightConnector1">
-            <a:avLst/>
-          </a:prstGeom>
-          <a:ln w="19050">
-            <a:tailEnd type="arrow"/>
-          </a:ln>
-        </p:spPr>
-        <p:style>
-          <a:lnRef idx="1">
-            <a:schemeClr val="accent1"/>
-          </a:lnRef>
-          <a:fillRef idx="0">
-            <a:schemeClr val="accent1"/>
-          </a:fillRef>
-          <a:effectRef idx="0">
-            <a:schemeClr val="accent1"/>
-          </a:effectRef>
-          <a:fontRef idx="minor">
-            <a:schemeClr val="tx1"/>
-          </a:fontRef>
-        </p:style>
-      </p:cxnSp>
-      <p:cxnSp>
-        <p:nvCxnSpPr>
-          <p:cNvPr id="251" name="Прямая со стрелкой 250"/>
-          <p:cNvCxnSpPr>
-            <a:stCxn id="364" idx="2"/>
-            <a:endCxn id="244" idx="0"/>
-          </p:cNvCxnSpPr>
-          <p:nvPr/>
-        </p:nvCxnSpPr>
-        <p:spPr>
-          <a:xfrm>
-            <a:off x="5185262" y="15258123"/>
-            <a:ext cx="0" cy="268579"/>
-          </a:xfrm>
-          <a:prstGeom prst="straightConnector1">
-            <a:avLst/>
-          </a:prstGeom>
-          <a:ln w="19050">
-            <a:tailEnd type="arrow"/>
-          </a:ln>
-        </p:spPr>
-        <p:style>
-          <a:lnRef idx="1">
-            <a:schemeClr val="accent1"/>
-          </a:lnRef>
-          <a:fillRef idx="0">
-            <a:schemeClr val="accent1"/>
-          </a:fillRef>
-          <a:effectRef idx="0">
-            <a:schemeClr val="accent1"/>
-          </a:effectRef>
-          <a:fontRef idx="minor">
-            <a:schemeClr val="tx1"/>
-          </a:fontRef>
-        </p:style>
-      </p:cxnSp>
-      <p:cxnSp>
-        <p:nvCxnSpPr>
-          <p:cNvPr id="252" name="Соединительная линия уступом 251"/>
-          <p:cNvCxnSpPr>
-            <a:cxnSpLocks/>
-            <a:stCxn id="125" idx="2"/>
-            <a:endCxn id="132" idx="0"/>
-          </p:cNvCxnSpPr>
-          <p:nvPr/>
-        </p:nvCxnSpPr>
-        <p:spPr>
-          <a:xfrm rot="5400000">
-            <a:off x="6671103" y="11674658"/>
-            <a:ext cx="264162" cy="1036200"/>
-          </a:xfrm>
-          <a:prstGeom prst="bentConnector3">
-            <a:avLst>
-              <a:gd name="adj1" fmla="val 50000"/>
-            </a:avLst>
-          </a:prstGeom>
-          <a:ln w="19050">
             <a:tailEnd type="arrow"/>
           </a:ln>
         </p:spPr>
@@ -10491,7 +10047,7 @@
         </p:nvSpPr>
         <p:spPr>
           <a:xfrm>
-            <a:off x="20504997" y="14710946"/>
+            <a:off x="19647099" y="14748141"/>
             <a:ext cx="926325" cy="540000"/>
           </a:xfrm>
           <a:prstGeom prst="rect">
@@ -14960,7 +14516,7 @@
         </p:nvSpPr>
         <p:spPr>
           <a:xfrm>
-            <a:off x="22001366" y="13888453"/>
+            <a:off x="21143468" y="13925648"/>
             <a:ext cx="926325" cy="540000"/>
           </a:xfrm>
           <a:prstGeom prst="rect">
@@ -15006,7 +14562,7 @@
         </p:nvSpPr>
         <p:spPr>
           <a:xfrm>
-            <a:off x="22002380" y="14729886"/>
+            <a:off x="21144482" y="14767081"/>
             <a:ext cx="926325" cy="540000"/>
           </a:xfrm>
           <a:prstGeom prst="rect">
@@ -15240,7 +14796,7 @@
         </p:nvSpPr>
         <p:spPr>
           <a:xfrm>
-            <a:off x="20490471" y="12298277"/>
+            <a:off x="19632573" y="12335472"/>
             <a:ext cx="926325" cy="540000"/>
           </a:xfrm>
           <a:prstGeom prst="rect">
@@ -18332,7 +17888,7 @@
         </p:nvSpPr>
         <p:spPr>
           <a:xfrm>
-            <a:off x="22513650" y="12297395"/>
+            <a:off x="21655752" y="12334590"/>
             <a:ext cx="926325" cy="540000"/>
           </a:xfrm>
           <a:prstGeom prst="rect">
@@ -18398,7 +17954,7 @@
         </p:nvSpPr>
         <p:spPr>
           <a:xfrm>
-            <a:off x="20998073" y="13887469"/>
+            <a:off x="20140175" y="13924664"/>
             <a:ext cx="926325" cy="540000"/>
           </a:xfrm>
           <a:prstGeom prst="rect">
@@ -18447,7 +18003,7 @@
         </p:nvSpPr>
         <p:spPr>
           <a:xfrm>
-            <a:off x="22512768" y="13068207"/>
+            <a:off x="21654870" y="13105402"/>
             <a:ext cx="926325" cy="540000"/>
           </a:xfrm>
           <a:prstGeom prst="rect">
@@ -18500,7 +18056,7 @@
         </p:nvSpPr>
         <p:spPr>
           <a:xfrm>
-            <a:off x="21507318" y="11518660"/>
+            <a:off x="20649420" y="11555855"/>
             <a:ext cx="926325" cy="540000"/>
           </a:xfrm>
           <a:prstGeom prst="rect">
@@ -18549,7 +18105,7 @@
         </p:nvSpPr>
         <p:spPr>
           <a:xfrm>
-            <a:off x="18429211" y="13890112"/>
+            <a:off x="17571313" y="13927307"/>
             <a:ext cx="926325" cy="540000"/>
           </a:xfrm>
           <a:prstGeom prst="rect">
@@ -18599,7 +18155,7 @@
         </p:nvSpPr>
         <p:spPr>
           <a:xfrm>
-            <a:off x="19475376" y="13889232"/>
+            <a:off x="18617478" y="13926427"/>
             <a:ext cx="926325" cy="540000"/>
           </a:xfrm>
           <a:prstGeom prst="rect">
@@ -18653,7 +18209,7 @@
         </p:nvSpPr>
         <p:spPr>
           <a:xfrm>
-            <a:off x="20489313" y="13074370"/>
+            <a:off x="19631415" y="13111565"/>
             <a:ext cx="926325" cy="540000"/>
           </a:xfrm>
           <a:prstGeom prst="rect">
@@ -18702,7 +18258,7 @@
         </p:nvSpPr>
         <p:spPr>
           <a:xfrm>
-            <a:off x="21503244" y="13068204"/>
+            <a:off x="20645346" y="13105399"/>
             <a:ext cx="926325" cy="540000"/>
           </a:xfrm>
           <a:prstGeom prst="rect">
@@ -18751,7 +18307,7 @@
         </p:nvSpPr>
         <p:spPr>
           <a:xfrm>
-            <a:off x="21502363" y="12295631"/>
+            <a:off x="20644465" y="12332826"/>
             <a:ext cx="926325" cy="540000"/>
           </a:xfrm>
           <a:prstGeom prst="rect">
@@ -18800,7 +18356,7 @@
         </p:nvSpPr>
         <p:spPr>
           <a:xfrm>
-            <a:off x="18943305" y="13077015"/>
+            <a:off x="18085407" y="13114210"/>
             <a:ext cx="926325" cy="540000"/>
           </a:xfrm>
           <a:prstGeom prst="rect">
@@ -18865,7 +18421,7 @@
         </p:nvCxnSpPr>
         <p:spPr>
           <a:xfrm rot="5400000">
-            <a:off x="21342250" y="11670045"/>
+            <a:off x="20484352" y="11707240"/>
             <a:ext cx="239617" cy="1016847"/>
           </a:xfrm>
           <a:prstGeom prst="bentConnector3">
@@ -18903,7 +18459,7 @@
         </p:nvCxnSpPr>
         <p:spPr>
           <a:xfrm rot="16200000" flipH="1">
-            <a:off x="22354280" y="11674861"/>
+            <a:off x="21496382" y="11712056"/>
             <a:ext cx="238735" cy="1006332"/>
           </a:xfrm>
           <a:prstGeom prst="bentConnector3">
@@ -18941,7 +18497,7 @@
         </p:nvCxnSpPr>
         <p:spPr>
           <a:xfrm rot="16200000" flipH="1">
-            <a:off x="22075344" y="13499267"/>
+            <a:off x="21217446" y="13536462"/>
             <a:ext cx="280249" cy="498122"/>
           </a:xfrm>
           <a:prstGeom prst="bentConnector3">
@@ -18979,7 +18535,7 @@
         </p:nvCxnSpPr>
         <p:spPr>
           <a:xfrm rot="5400000">
-            <a:off x="22580107" y="13492629"/>
+            <a:off x="21722209" y="13529824"/>
             <a:ext cx="280246" cy="511402"/>
           </a:xfrm>
           <a:prstGeom prst="bentConnector3">
@@ -19017,7 +18573,7 @@
         </p:nvCxnSpPr>
         <p:spPr>
           <a:xfrm rot="16200000" flipH="1">
-            <a:off x="22314320" y="14578662"/>
+            <a:off x="21456422" y="14615857"/>
             <a:ext cx="301433" cy="1014"/>
           </a:xfrm>
           <a:prstGeom prst="bentConnector3">
@@ -19055,7 +18611,7 @@
         </p:nvCxnSpPr>
         <p:spPr>
           <a:xfrm rot="16200000" flipH="1">
-            <a:off x="21812181" y="14076523"/>
+            <a:off x="20954283" y="14113718"/>
             <a:ext cx="302417" cy="1004307"/>
           </a:xfrm>
           <a:prstGeom prst="bentConnector3">
@@ -19093,7 +18649,7 @@
         </p:nvCxnSpPr>
         <p:spPr>
           <a:xfrm rot="5400000">
-            <a:off x="19012873" y="13496516"/>
+            <a:off x="18154975" y="13533711"/>
             <a:ext cx="273097" cy="514094"/>
           </a:xfrm>
           <a:prstGeom prst="bentConnector3">
@@ -19131,7 +18687,7 @@
         </p:nvCxnSpPr>
         <p:spPr>
           <a:xfrm rot="5400000">
-            <a:off x="20060682" y="12184063"/>
+            <a:off x="19202784" y="12221258"/>
             <a:ext cx="238738" cy="1547166"/>
           </a:xfrm>
           <a:prstGeom prst="bentConnector3">
@@ -19169,7 +18725,7 @@
         </p:nvCxnSpPr>
         <p:spPr>
           <a:xfrm rot="16200000" flipH="1">
-            <a:off x="19536395" y="13487087"/>
+            <a:off x="18678497" y="13524282"/>
             <a:ext cx="272217" cy="532071"/>
           </a:xfrm>
           <a:prstGeom prst="bentConnector3">
@@ -19207,7 +18763,7 @@
         </p:nvCxnSpPr>
         <p:spPr>
           <a:xfrm flipH="1">
-            <a:off x="20952476" y="12838277"/>
+            <a:off x="20094578" y="12875472"/>
             <a:ext cx="1158" cy="236093"/>
           </a:xfrm>
           <a:prstGeom prst="straightConnector1">
@@ -19243,7 +18799,7 @@
         </p:nvCxnSpPr>
         <p:spPr>
           <a:xfrm flipH="1">
-            <a:off x="21965526" y="12058660"/>
+            <a:off x="21107628" y="12095855"/>
             <a:ext cx="4955" cy="236971"/>
           </a:xfrm>
           <a:prstGeom prst="straightConnector1">
@@ -19279,7 +18835,7 @@
         </p:nvCxnSpPr>
         <p:spPr>
           <a:xfrm>
-            <a:off x="21965526" y="12835631"/>
+            <a:off x="21107628" y="12872826"/>
             <a:ext cx="881" cy="232573"/>
           </a:xfrm>
           <a:prstGeom prst="straightConnector1">
@@ -19315,7 +18871,7 @@
         </p:nvCxnSpPr>
         <p:spPr>
           <a:xfrm flipH="1">
-            <a:off x="22975931" y="12837395"/>
+            <a:off x="22118033" y="12874590"/>
             <a:ext cx="882" cy="230812"/>
           </a:xfrm>
           <a:prstGeom prst="straightConnector1">
@@ -19348,7 +18904,7 @@
         </p:nvSpPr>
         <p:spPr>
           <a:xfrm>
-            <a:off x="18431992" y="14707942"/>
+            <a:off x="17574094" y="14745137"/>
             <a:ext cx="926325" cy="540000"/>
           </a:xfrm>
           <a:prstGeom prst="rect">
@@ -19397,7 +18953,7 @@
         </p:nvSpPr>
         <p:spPr>
           <a:xfrm>
-            <a:off x="19477668" y="14703415"/>
+            <a:off x="18619770" y="14740610"/>
             <a:ext cx="926325" cy="540000"/>
           </a:xfrm>
           <a:prstGeom prst="rect">
@@ -19446,7 +19002,7 @@
         </p:nvSpPr>
         <p:spPr>
           <a:xfrm>
-            <a:off x="17411968" y="14706433"/>
+            <a:off x="16554070" y="14743628"/>
             <a:ext cx="926325" cy="540000"/>
           </a:xfrm>
           <a:prstGeom prst="rect">
@@ -19495,7 +19051,7 @@
         </p:nvSpPr>
         <p:spPr>
           <a:xfrm>
-            <a:off x="18435010" y="15537122"/>
+            <a:off x="17577112" y="15574317"/>
             <a:ext cx="926325" cy="540000"/>
           </a:xfrm>
           <a:prstGeom prst="rect">
@@ -19544,7 +19100,7 @@
         </p:nvSpPr>
         <p:spPr>
           <a:xfrm>
-            <a:off x="17415025" y="15533383"/>
+            <a:off x="16557127" y="15570578"/>
             <a:ext cx="926325" cy="540000"/>
           </a:xfrm>
           <a:prstGeom prst="rect">
@@ -19593,7 +19149,7 @@
         </p:nvSpPr>
         <p:spPr>
           <a:xfrm>
-            <a:off x="19479174" y="15540139"/>
+            <a:off x="18621276" y="15577334"/>
             <a:ext cx="926325" cy="540000"/>
           </a:xfrm>
           <a:prstGeom prst="rect">
@@ -19642,7 +19198,7 @@
         </p:nvSpPr>
         <p:spPr>
           <a:xfrm>
-            <a:off x="18440411" y="16344142"/>
+            <a:off x="17582513" y="16381337"/>
             <a:ext cx="926325" cy="540000"/>
           </a:xfrm>
           <a:prstGeom prst="rect">
@@ -19691,7 +19247,7 @@
         </p:nvSpPr>
         <p:spPr>
           <a:xfrm>
-            <a:off x="19479894" y="16342566"/>
+            <a:off x="18621996" y="16379761"/>
             <a:ext cx="926325" cy="540000"/>
           </a:xfrm>
           <a:prstGeom prst="rect">
@@ -19743,7 +19299,7 @@
         </p:nvCxnSpPr>
         <p:spPr>
           <a:xfrm>
-            <a:off x="19938539" y="14429232"/>
+            <a:off x="19080641" y="14466427"/>
             <a:ext cx="2292" cy="274183"/>
           </a:xfrm>
           <a:prstGeom prst="straightConnector1">
@@ -19779,7 +19335,7 @@
         </p:nvCxnSpPr>
         <p:spPr>
           <a:xfrm>
-            <a:off x="19940831" y="15243415"/>
+            <a:off x="19082933" y="15280610"/>
             <a:ext cx="1506" cy="296724"/>
           </a:xfrm>
           <a:prstGeom prst="straightConnector1">
@@ -19815,7 +19371,7 @@
         </p:nvCxnSpPr>
         <p:spPr>
           <a:xfrm>
-            <a:off x="19942337" y="16080139"/>
+            <a:off x="19084439" y="16117334"/>
             <a:ext cx="720" cy="262427"/>
           </a:xfrm>
           <a:prstGeom prst="straightConnector1">
@@ -19851,7 +19407,7 @@
         </p:nvCxnSpPr>
         <p:spPr>
           <a:xfrm>
-            <a:off x="18892374" y="14430112"/>
+            <a:off x="18034476" y="14467307"/>
             <a:ext cx="2781" cy="277830"/>
           </a:xfrm>
           <a:prstGeom prst="straightConnector1">
@@ -19887,7 +19443,7 @@
         </p:nvCxnSpPr>
         <p:spPr>
           <a:xfrm>
-            <a:off x="18895155" y="15247942"/>
+            <a:off x="18037257" y="15285137"/>
             <a:ext cx="3018" cy="289180"/>
           </a:xfrm>
           <a:prstGeom prst="straightConnector1">
@@ -19923,7 +19479,7 @@
         </p:nvCxnSpPr>
         <p:spPr>
           <a:xfrm>
-            <a:off x="18898173" y="16077122"/>
+            <a:off x="18040275" y="16114317"/>
             <a:ext cx="5401" cy="267020"/>
           </a:xfrm>
           <a:prstGeom prst="straightConnector1">
@@ -19959,7 +19515,7 @@
         </p:nvCxnSpPr>
         <p:spPr>
           <a:xfrm rot="5400000">
-            <a:off x="18245593" y="14059651"/>
+            <a:off x="17387695" y="14096846"/>
             <a:ext cx="276321" cy="1017243"/>
           </a:xfrm>
           <a:prstGeom prst="bentConnector3">
@@ -19997,7 +19553,7 @@
         </p:nvCxnSpPr>
         <p:spPr>
           <a:xfrm>
-            <a:off x="17875131" y="15246433"/>
+            <a:off x="17017233" y="15283628"/>
             <a:ext cx="3057" cy="286950"/>
           </a:xfrm>
           <a:prstGeom prst="straightConnector1">
@@ -20033,7 +19589,7 @@
         </p:nvCxnSpPr>
         <p:spPr>
           <a:xfrm>
-            <a:off x="19361335" y="15807122"/>
+            <a:off x="18503437" y="15844317"/>
             <a:ext cx="117839" cy="3017"/>
           </a:xfrm>
           <a:prstGeom prst="line">
@@ -20071,7 +19627,7 @@
         </p:nvCxnSpPr>
         <p:spPr>
           <a:xfrm rot="16200000" flipH="1">
-            <a:off x="21070307" y="13496539"/>
+            <a:off x="20212409" y="13533734"/>
             <a:ext cx="273099" cy="508760"/>
           </a:xfrm>
           <a:prstGeom prst="bentConnector3">
@@ -20109,7 +19665,7 @@
         </p:nvCxnSpPr>
         <p:spPr>
           <a:xfrm rot="16200000" flipH="1">
-            <a:off x="20312492" y="14055278"/>
+            <a:off x="19454594" y="14092473"/>
             <a:ext cx="281714" cy="1029621"/>
           </a:xfrm>
           <a:prstGeom prst="bentConnector3">
@@ -35660,29 +35216,8 @@
             <a:pPr algn="ctr"/>
             <a:r>
               <a:rPr lang="ru-RU" sz="700" dirty="0"/>
-              <a:t>Наладить аграрное производство </a:t>
-            </a:r>
-            <a:r>
-              <a:rPr lang="ru-RU" sz="200" dirty="0"/>
-              <a:t>(Во-первых, </a:t>
-            </a:r>
-            <a:r>
-              <a:rPr lang="ru-RU" sz="200" dirty="0" err="1"/>
-              <a:t>провести«зачистку</a:t>
-            </a:r>
-            <a:r>
-              <a:rPr lang="ru-RU" sz="200" dirty="0"/>
-              <a:t>» земельных угодий для португальских переселенцев в </a:t>
-            </a:r>
-            <a:r>
-              <a:rPr lang="ru-RU" sz="200" dirty="0" err="1"/>
-              <a:t>интересахналаживания</a:t>
-            </a:r>
-            <a:r>
-              <a:rPr lang="ru-RU" sz="200" dirty="0"/>
-              <a:t> аграрного производства.)</a:t>
-            </a:r>
-            <a:endParaRPr lang="ru-RU" sz="700" dirty="0"/>
+              <a:t>Наладить аграрное производство</a:t>
+            </a:r>
           </a:p>
         </p:txBody>
       </p:sp>
@@ -35735,45 +35270,8 @@
             <a:pPr algn="ctr"/>
             <a:r>
               <a:rPr lang="ru-RU" sz="700" dirty="0"/>
-              <a:t>Продолжить создание «туземных деревень» </a:t>
-            </a:r>
-            <a:r>
-              <a:rPr lang="ru-RU" sz="200" dirty="0"/>
-              <a:t>(декрет о де-</a:t>
-            </a:r>
-            <a:r>
-              <a:rPr lang="ru-RU" sz="200" dirty="0" err="1"/>
-              <a:t>фактосгоне</a:t>
-            </a:r>
-            <a:r>
-              <a:rPr lang="ru-RU" sz="200" dirty="0"/>
-              <a:t> коренного населения с традиционных мест проживания в </a:t>
-            </a:r>
-            <a:r>
-              <a:rPr lang="ru-RU" sz="200" dirty="0" err="1"/>
-              <a:t>новые«туземные</a:t>
-            </a:r>
-            <a:r>
-              <a:rPr lang="ru-RU" sz="200" dirty="0"/>
-              <a:t> деревни». Это начинание продолжил губернатор </a:t>
-            </a:r>
-            <a:r>
-              <a:rPr lang="ru-RU" sz="200" dirty="0" err="1"/>
-              <a:t>АлваруНевиш</a:t>
-            </a:r>
-            <a:r>
-              <a:rPr lang="ru-RU" sz="200" dirty="0"/>
-              <a:t> да </a:t>
-            </a:r>
-            <a:r>
-              <a:rPr lang="ru-RU" sz="200" dirty="0" err="1"/>
-              <a:t>Фонтура</a:t>
-            </a:r>
-            <a:r>
-              <a:rPr lang="ru-RU" sz="200" dirty="0"/>
-              <a:t> (1937-1939 гг.).)</a:t>
-            </a:r>
-            <a:endParaRPr lang="ru-RU" sz="700" dirty="0"/>
+              <a:t>Продолжить создание «туземных деревень»</a:t>
+            </a:r>
           </a:p>
         </p:txBody>
       </p:sp>
@@ -35826,77 +35324,8 @@
             <a:pPr algn="ctr"/>
             <a:r>
               <a:rPr lang="ru-RU" sz="700" dirty="0"/>
-              <a:t>Усилить административный контроль </a:t>
-            </a:r>
-            <a:r>
-              <a:rPr lang="ru-RU" sz="100" dirty="0"/>
-              <a:t>(Во-вторых, </a:t>
-            </a:r>
-            <a:r>
-              <a:rPr lang="ru-RU" sz="100" dirty="0" err="1"/>
-              <a:t>обеспечитьбольшую</a:t>
-            </a:r>
-            <a:r>
-              <a:rPr lang="ru-RU" sz="100" dirty="0"/>
-              <a:t> концентрацию «туземного» населения, что </a:t>
-            </a:r>
-            <a:r>
-              <a:rPr lang="ru-RU" sz="100" dirty="0" err="1"/>
-              <a:t>позволялобы</a:t>
-            </a:r>
-            <a:r>
-              <a:rPr lang="ru-RU" sz="100" dirty="0"/>
-              <a:t> усилить административный контроль: повысить </a:t>
-            </a:r>
-            <a:r>
-              <a:rPr lang="ru-RU" sz="100" dirty="0" err="1"/>
-              <a:t>собираемостьналогов</a:t>
-            </a:r>
-            <a:r>
-              <a:rPr lang="ru-RU" sz="100" dirty="0"/>
-              <a:t>, облегчить мобилизацию рабочей силы на </a:t>
-            </a:r>
-            <a:r>
-              <a:rPr lang="ru-RU" sz="100" dirty="0" err="1"/>
-              <a:t>общественныеработы</a:t>
-            </a:r>
-            <a:r>
-              <a:rPr lang="ru-RU" sz="100" dirty="0"/>
-              <a:t> и призыв новобранцев в колониальную армию. Однако </a:t>
-            </a:r>
-            <a:r>
-              <a:rPr lang="ru-RU" sz="100" dirty="0" err="1"/>
-              <a:t>ужепервые</a:t>
-            </a:r>
-            <a:r>
-              <a:rPr lang="ru-RU" sz="100" dirty="0"/>
-              <a:t> шаги по «зачистке территории» столкнулись с </a:t>
-            </a:r>
-            <a:r>
-              <a:rPr lang="ru-RU" sz="100" dirty="0" err="1"/>
-              <a:t>подспудныможесточенным</a:t>
-            </a:r>
-            <a:r>
-              <a:rPr lang="ru-RU" sz="100" dirty="0"/>
-              <a:t> сопротивлением населения, не желавшего </a:t>
-            </a:r>
-            <a:r>
-              <a:rPr lang="ru-RU" sz="100" dirty="0" err="1"/>
-              <a:t>покидатьземли</a:t>
-            </a:r>
-            <a:r>
-              <a:rPr lang="ru-RU" sz="100" dirty="0"/>
-              <a:t> предков, особенно перебираться в деревни, строившиеся в </a:t>
-            </a:r>
-            <a:r>
-              <a:rPr lang="ru-RU" sz="100" dirty="0" err="1"/>
-              <a:t>низинныхмалярийных</a:t>
-            </a:r>
-            <a:r>
-              <a:rPr lang="ru-RU" sz="100" dirty="0"/>
-              <a:t> местностях.</a:t>
-            </a:r>
-            <a:endParaRPr lang="ru-RU" sz="700" dirty="0"/>
+              <a:t>Усилить административный контроль</a:t>
+            </a:r>
           </a:p>
         </p:txBody>
       </p:sp>
@@ -37013,6 +36442,677 @@
             <a:avLst>
               <a:gd name="adj1" fmla="val 50000"/>
             </a:avLst>
+          </a:prstGeom>
+          <a:ln w="19050">
+            <a:tailEnd type="arrow"/>
+          </a:ln>
+        </p:spPr>
+        <p:style>
+          <a:lnRef idx="1">
+            <a:schemeClr val="accent1"/>
+          </a:lnRef>
+          <a:fillRef idx="0">
+            <a:schemeClr val="accent1"/>
+          </a:fillRef>
+          <a:effectRef idx="0">
+            <a:schemeClr val="accent1"/>
+          </a:effectRef>
+          <a:fontRef idx="minor">
+            <a:schemeClr val="tx1"/>
+          </a:fontRef>
+        </p:style>
+      </p:cxnSp>
+      <p:cxnSp>
+        <p:nvCxnSpPr>
+          <p:cNvPr id="816" name="Соединительная линия уступом 251">
+            <a:extLst>
+              <a:ext uri="{FF2B5EF4-FFF2-40B4-BE49-F238E27FC236}">
+                <a16:creationId xmlns:a16="http://schemas.microsoft.com/office/drawing/2014/main" id="{972E16C9-C0DB-4FBB-A876-CBDD4C71F90A}"/>
+              </a:ext>
+            </a:extLst>
+          </p:cNvPr>
+          <p:cNvCxnSpPr>
+            <a:cxnSpLocks/>
+            <a:stCxn id="132" idx="2"/>
+            <a:endCxn id="851" idx="0"/>
+          </p:cNvCxnSpPr>
+          <p:nvPr/>
+        </p:nvCxnSpPr>
+        <p:spPr>
+          <a:xfrm rot="16200000" flipH="1">
+            <a:off x="6701962" y="12447961"/>
+            <a:ext cx="208968" cy="1042724"/>
+          </a:xfrm>
+          <a:prstGeom prst="bentConnector3">
+            <a:avLst>
+              <a:gd name="adj1" fmla="val 50000"/>
+            </a:avLst>
+          </a:prstGeom>
+          <a:ln w="19050">
+            <a:tailEnd type="arrow"/>
+          </a:ln>
+        </p:spPr>
+        <p:style>
+          <a:lnRef idx="1">
+            <a:schemeClr val="accent1"/>
+          </a:lnRef>
+          <a:fillRef idx="0">
+            <a:schemeClr val="accent1"/>
+          </a:fillRef>
+          <a:effectRef idx="0">
+            <a:schemeClr val="accent1"/>
+          </a:effectRef>
+          <a:fontRef idx="minor">
+            <a:schemeClr val="tx1"/>
+          </a:fontRef>
+        </p:style>
+      </p:cxnSp>
+      <p:cxnSp>
+        <p:nvCxnSpPr>
+          <p:cNvPr id="875" name="Соединительная линия уступом 505">
+            <a:extLst>
+              <a:ext uri="{FF2B5EF4-FFF2-40B4-BE49-F238E27FC236}">
+                <a16:creationId xmlns:a16="http://schemas.microsoft.com/office/drawing/2014/main" id="{4F190FB3-3B6D-4F02-9EEA-FE98ADAD1A68}"/>
+              </a:ext>
+            </a:extLst>
+          </p:cNvPr>
+          <p:cNvCxnSpPr>
+            <a:cxnSpLocks/>
+            <a:stCxn id="75" idx="2"/>
+            <a:endCxn id="105" idx="0"/>
+          </p:cNvCxnSpPr>
+          <p:nvPr/>
+        </p:nvCxnSpPr>
+        <p:spPr>
+          <a:xfrm rot="5400000">
+            <a:off x="16563133" y="13489012"/>
+            <a:ext cx="264331" cy="530265"/>
+          </a:xfrm>
+          <a:prstGeom prst="bentConnector3">
+            <a:avLst>
+              <a:gd name="adj1" fmla="val 50000"/>
+            </a:avLst>
+          </a:prstGeom>
+          <a:ln w="19050">
+            <a:tailEnd type="arrow"/>
+          </a:ln>
+        </p:spPr>
+        <p:style>
+          <a:lnRef idx="1">
+            <a:schemeClr val="accent1"/>
+          </a:lnRef>
+          <a:fillRef idx="0">
+            <a:schemeClr val="accent1"/>
+          </a:fillRef>
+          <a:effectRef idx="0">
+            <a:schemeClr val="accent1"/>
+          </a:effectRef>
+          <a:fontRef idx="minor">
+            <a:schemeClr val="tx1"/>
+          </a:fontRef>
+        </p:style>
+      </p:cxnSp>
+      <p:cxnSp>
+        <p:nvCxnSpPr>
+          <p:cNvPr id="906" name="Соединительная линия уступом 505">
+            <a:extLst>
+              <a:ext uri="{FF2B5EF4-FFF2-40B4-BE49-F238E27FC236}">
+                <a16:creationId xmlns:a16="http://schemas.microsoft.com/office/drawing/2014/main" id="{B9A821B6-D2BB-46B3-A6D4-C9200F61E404}"/>
+              </a:ext>
+            </a:extLst>
+          </p:cNvPr>
+          <p:cNvCxnSpPr>
+            <a:cxnSpLocks/>
+            <a:stCxn id="105" idx="2"/>
+            <a:endCxn id="60" idx="0"/>
+          </p:cNvCxnSpPr>
+          <p:nvPr/>
+        </p:nvCxnSpPr>
+        <p:spPr>
+          <a:xfrm rot="5400000">
+            <a:off x="16017884" y="14312305"/>
+            <a:ext cx="298276" cy="526286"/>
+          </a:xfrm>
+          <a:prstGeom prst="bentConnector3">
+            <a:avLst>
+              <a:gd name="adj1" fmla="val 50000"/>
+            </a:avLst>
+          </a:prstGeom>
+          <a:ln w="19050">
+            <a:tailEnd type="arrow"/>
+          </a:ln>
+        </p:spPr>
+        <p:style>
+          <a:lnRef idx="1">
+            <a:schemeClr val="accent1"/>
+          </a:lnRef>
+          <a:fillRef idx="0">
+            <a:schemeClr val="accent1"/>
+          </a:fillRef>
+          <a:effectRef idx="0">
+            <a:schemeClr val="accent1"/>
+          </a:effectRef>
+          <a:fontRef idx="minor">
+            <a:schemeClr val="tx1"/>
+          </a:fontRef>
+        </p:style>
+      </p:cxnSp>
+      <p:cxnSp>
+        <p:nvCxnSpPr>
+          <p:cNvPr id="946" name="Соединительная линия уступом 505">
+            <a:extLst>
+              <a:ext uri="{FF2B5EF4-FFF2-40B4-BE49-F238E27FC236}">
+                <a16:creationId xmlns:a16="http://schemas.microsoft.com/office/drawing/2014/main" id="{9F99F544-4A1E-4151-BEBA-0C2743127CA2}"/>
+              </a:ext>
+            </a:extLst>
+          </p:cNvPr>
+          <p:cNvCxnSpPr>
+            <a:cxnSpLocks/>
+            <a:stCxn id="102" idx="2"/>
+            <a:endCxn id="60" idx="0"/>
+          </p:cNvCxnSpPr>
+          <p:nvPr/>
+        </p:nvCxnSpPr>
+        <p:spPr>
+          <a:xfrm rot="16200000" flipH="1">
+            <a:off x="15488659" y="14309366"/>
+            <a:ext cx="293416" cy="537023"/>
+          </a:xfrm>
+          <a:prstGeom prst="bentConnector3">
+            <a:avLst>
+              <a:gd name="adj1" fmla="val 50000"/>
+            </a:avLst>
+          </a:prstGeom>
+          <a:ln w="19050">
+            <a:tailEnd type="arrow"/>
+          </a:ln>
+        </p:spPr>
+        <p:style>
+          <a:lnRef idx="1">
+            <a:schemeClr val="accent1"/>
+          </a:lnRef>
+          <a:fillRef idx="0">
+            <a:schemeClr val="accent1"/>
+          </a:fillRef>
+          <a:effectRef idx="0">
+            <a:schemeClr val="accent1"/>
+          </a:effectRef>
+          <a:fontRef idx="minor">
+            <a:schemeClr val="tx1"/>
+          </a:fontRef>
+        </p:style>
+      </p:cxnSp>
+      <p:cxnSp>
+        <p:nvCxnSpPr>
+          <p:cNvPr id="949" name="Соединительная линия уступом 505">
+            <a:extLst>
+              <a:ext uri="{FF2B5EF4-FFF2-40B4-BE49-F238E27FC236}">
+                <a16:creationId xmlns:a16="http://schemas.microsoft.com/office/drawing/2014/main" id="{06A661F2-468D-4758-96B5-83BC0E7CA573}"/>
+              </a:ext>
+            </a:extLst>
+          </p:cNvPr>
+          <p:cNvCxnSpPr>
+            <a:cxnSpLocks/>
+            <a:stCxn id="186" idx="2"/>
+            <a:endCxn id="102" idx="0"/>
+          </p:cNvCxnSpPr>
+          <p:nvPr/>
+        </p:nvCxnSpPr>
+        <p:spPr>
+          <a:xfrm rot="16200000" flipH="1">
+            <a:off x="14953164" y="13477478"/>
+            <a:ext cx="273668" cy="553716"/>
+          </a:xfrm>
+          <a:prstGeom prst="bentConnector3">
+            <a:avLst>
+              <a:gd name="adj1" fmla="val 50000"/>
+            </a:avLst>
+          </a:prstGeom>
+          <a:ln w="19050">
+            <a:tailEnd type="arrow"/>
+          </a:ln>
+        </p:spPr>
+        <p:style>
+          <a:lnRef idx="1">
+            <a:schemeClr val="accent1"/>
+          </a:lnRef>
+          <a:fillRef idx="0">
+            <a:schemeClr val="accent1"/>
+          </a:fillRef>
+          <a:effectRef idx="0">
+            <a:schemeClr val="accent1"/>
+          </a:effectRef>
+          <a:fontRef idx="minor">
+            <a:schemeClr val="tx1"/>
+          </a:fontRef>
+        </p:style>
+      </p:cxnSp>
+      <p:cxnSp>
+        <p:nvCxnSpPr>
+          <p:cNvPr id="950" name="Соединительная линия уступом 505">
+            <a:extLst>
+              <a:ext uri="{FF2B5EF4-FFF2-40B4-BE49-F238E27FC236}">
+                <a16:creationId xmlns:a16="http://schemas.microsoft.com/office/drawing/2014/main" id="{E24D5E44-707A-4039-AC17-ED9263F4A895}"/>
+              </a:ext>
+            </a:extLst>
+          </p:cNvPr>
+          <p:cNvCxnSpPr>
+            <a:cxnSpLocks/>
+            <a:stCxn id="104" idx="2"/>
+            <a:endCxn id="102" idx="0"/>
+          </p:cNvCxnSpPr>
+          <p:nvPr/>
+        </p:nvCxnSpPr>
+        <p:spPr>
+          <a:xfrm rot="5400000">
+            <a:off x="15497905" y="13485195"/>
+            <a:ext cx="274926" cy="537024"/>
+          </a:xfrm>
+          <a:prstGeom prst="bentConnector3">
+            <a:avLst>
+              <a:gd name="adj1" fmla="val 50000"/>
+            </a:avLst>
+          </a:prstGeom>
+          <a:ln w="19050">
+            <a:tailEnd type="arrow"/>
+          </a:ln>
+        </p:spPr>
+        <p:style>
+          <a:lnRef idx="1">
+            <a:schemeClr val="accent1"/>
+          </a:lnRef>
+          <a:fillRef idx="0">
+            <a:schemeClr val="accent1"/>
+          </a:fillRef>
+          <a:effectRef idx="0">
+            <a:schemeClr val="accent1"/>
+          </a:effectRef>
+          <a:fontRef idx="minor">
+            <a:schemeClr val="tx1"/>
+          </a:fontRef>
+        </p:style>
+      </p:cxnSp>
+      <p:cxnSp>
+        <p:nvCxnSpPr>
+          <p:cNvPr id="951" name="Соединительная линия уступом 505">
+            <a:extLst>
+              <a:ext uri="{FF2B5EF4-FFF2-40B4-BE49-F238E27FC236}">
+                <a16:creationId xmlns:a16="http://schemas.microsoft.com/office/drawing/2014/main" id="{6FA0A369-5477-475F-8CA2-802355DD508C}"/>
+              </a:ext>
+            </a:extLst>
+          </p:cNvPr>
+          <p:cNvCxnSpPr>
+            <a:cxnSpLocks/>
+            <a:stCxn id="104" idx="2"/>
+            <a:endCxn id="105" idx="0"/>
+          </p:cNvCxnSpPr>
+          <p:nvPr/>
+        </p:nvCxnSpPr>
+        <p:spPr>
+          <a:xfrm rot="16200000" flipH="1">
+            <a:off x="16031989" y="13488134"/>
+            <a:ext cx="270066" cy="526285"/>
+          </a:xfrm>
+          <a:prstGeom prst="bentConnector3">
+            <a:avLst>
+              <a:gd name="adj1" fmla="val 50000"/>
+            </a:avLst>
+          </a:prstGeom>
+          <a:ln w="19050">
+            <a:tailEnd type="arrow"/>
+          </a:ln>
+        </p:spPr>
+        <p:style>
+          <a:lnRef idx="1">
+            <a:schemeClr val="accent1"/>
+          </a:lnRef>
+          <a:fillRef idx="0">
+            <a:schemeClr val="accent1"/>
+          </a:fillRef>
+          <a:effectRef idx="0">
+            <a:schemeClr val="accent1"/>
+          </a:effectRef>
+          <a:fontRef idx="minor">
+            <a:schemeClr val="tx1"/>
+          </a:fontRef>
+        </p:style>
+      </p:cxnSp>
+      <p:cxnSp>
+        <p:nvCxnSpPr>
+          <p:cNvPr id="954" name="Соединительная линия уступом 505">
+            <a:extLst>
+              <a:ext uri="{FF2B5EF4-FFF2-40B4-BE49-F238E27FC236}">
+                <a16:creationId xmlns:a16="http://schemas.microsoft.com/office/drawing/2014/main" id="{E7C7895B-7363-4CF6-8161-21E6498F9614}"/>
+              </a:ext>
+            </a:extLst>
+          </p:cNvPr>
+          <p:cNvCxnSpPr>
+            <a:cxnSpLocks/>
+            <a:stCxn id="103" idx="2"/>
+            <a:endCxn id="186" idx="0"/>
+          </p:cNvCxnSpPr>
+          <p:nvPr/>
+        </p:nvCxnSpPr>
+        <p:spPr>
+          <a:xfrm rot="5400000">
+            <a:off x="15237570" y="12411193"/>
+            <a:ext cx="241880" cy="1090739"/>
+          </a:xfrm>
+          <a:prstGeom prst="bentConnector3">
+            <a:avLst>
+              <a:gd name="adj1" fmla="val 50000"/>
+            </a:avLst>
+          </a:prstGeom>
+          <a:ln w="19050">
+            <a:tailEnd type="arrow"/>
+          </a:ln>
+        </p:spPr>
+        <p:style>
+          <a:lnRef idx="1">
+            <a:schemeClr val="accent1"/>
+          </a:lnRef>
+          <a:fillRef idx="0">
+            <a:schemeClr val="accent1"/>
+          </a:fillRef>
+          <a:effectRef idx="0">
+            <a:schemeClr val="accent1"/>
+          </a:effectRef>
+          <a:fontRef idx="minor">
+            <a:schemeClr val="tx1"/>
+          </a:fontRef>
+        </p:style>
+      </p:cxnSp>
+      <p:cxnSp>
+        <p:nvCxnSpPr>
+          <p:cNvPr id="955" name="Соединительная линия уступом 505">
+            <a:extLst>
+              <a:ext uri="{FF2B5EF4-FFF2-40B4-BE49-F238E27FC236}">
+                <a16:creationId xmlns:a16="http://schemas.microsoft.com/office/drawing/2014/main" id="{B8DE9549-B9D0-4430-BA5C-9AE2CC09687E}"/>
+              </a:ext>
+            </a:extLst>
+          </p:cNvPr>
+          <p:cNvCxnSpPr>
+            <a:cxnSpLocks/>
+            <a:stCxn id="103" idx="2"/>
+            <a:endCxn id="75" idx="0"/>
+          </p:cNvCxnSpPr>
+          <p:nvPr/>
+        </p:nvCxnSpPr>
+        <p:spPr>
+          <a:xfrm rot="16200000" flipH="1">
+            <a:off x="16308976" y="12430524"/>
+            <a:ext cx="246357" cy="1056551"/>
+          </a:xfrm>
+          <a:prstGeom prst="bentConnector3">
+            <a:avLst>
+              <a:gd name="adj1" fmla="val 50000"/>
+            </a:avLst>
+          </a:prstGeom>
+          <a:ln w="19050">
+            <a:tailEnd type="arrow"/>
+          </a:ln>
+        </p:spPr>
+        <p:style>
+          <a:lnRef idx="1">
+            <a:schemeClr val="accent1"/>
+          </a:lnRef>
+          <a:fillRef idx="0">
+            <a:schemeClr val="accent1"/>
+          </a:fillRef>
+          <a:effectRef idx="0">
+            <a:schemeClr val="accent1"/>
+          </a:effectRef>
+          <a:fontRef idx="minor">
+            <a:schemeClr val="tx1"/>
+          </a:fontRef>
+        </p:style>
+      </p:cxnSp>
+      <p:cxnSp>
+        <p:nvCxnSpPr>
+          <p:cNvPr id="956" name="Прямая со стрелкой 955">
+            <a:extLst>
+              <a:ext uri="{FF2B5EF4-FFF2-40B4-BE49-F238E27FC236}">
+                <a16:creationId xmlns:a16="http://schemas.microsoft.com/office/drawing/2014/main" id="{1DA9096B-60AD-4B90-BCEA-FB30451EBA83}"/>
+              </a:ext>
+            </a:extLst>
+          </p:cNvPr>
+          <p:cNvCxnSpPr>
+            <a:cxnSpLocks/>
+            <a:stCxn id="103" idx="2"/>
+            <a:endCxn id="104" idx="0"/>
+          </p:cNvCxnSpPr>
+          <p:nvPr/>
+        </p:nvCxnSpPr>
+        <p:spPr>
+          <a:xfrm>
+            <a:off x="15903879" y="12835622"/>
+            <a:ext cx="1" cy="240622"/>
+          </a:xfrm>
+          <a:prstGeom prst="straightConnector1">
+            <a:avLst/>
+          </a:prstGeom>
+          <a:ln w="19050">
+            <a:tailEnd type="arrow"/>
+          </a:ln>
+        </p:spPr>
+        <p:style>
+          <a:lnRef idx="1">
+            <a:schemeClr val="accent1"/>
+          </a:lnRef>
+          <a:fillRef idx="0">
+            <a:schemeClr val="accent1"/>
+          </a:fillRef>
+          <a:effectRef idx="0">
+            <a:schemeClr val="accent1"/>
+          </a:effectRef>
+          <a:fontRef idx="minor">
+            <a:schemeClr val="tx1"/>
+          </a:fontRef>
+        </p:style>
+      </p:cxnSp>
+      <p:cxnSp>
+        <p:nvCxnSpPr>
+          <p:cNvPr id="959" name="Соединительная линия уступом 505">
+            <a:extLst>
+              <a:ext uri="{FF2B5EF4-FFF2-40B4-BE49-F238E27FC236}">
+                <a16:creationId xmlns:a16="http://schemas.microsoft.com/office/drawing/2014/main" id="{DA3649BF-04D0-48A8-9CEC-A7B3D4821A18}"/>
+              </a:ext>
+            </a:extLst>
+          </p:cNvPr>
+          <p:cNvCxnSpPr>
+            <a:cxnSpLocks/>
+            <a:stCxn id="161" idx="2"/>
+            <a:endCxn id="103" idx="0"/>
+          </p:cNvCxnSpPr>
+          <p:nvPr/>
+        </p:nvCxnSpPr>
+        <p:spPr>
+          <a:xfrm rot="16200000" flipH="1">
+            <a:off x="14951489" y="11343232"/>
+            <a:ext cx="252932" cy="1651847"/>
+          </a:xfrm>
+          <a:prstGeom prst="bentConnector3">
+            <a:avLst>
+              <a:gd name="adj1" fmla="val 50000"/>
+            </a:avLst>
+          </a:prstGeom>
+          <a:ln w="19050">
+            <a:tailEnd type="arrow"/>
+          </a:ln>
+        </p:spPr>
+        <p:style>
+          <a:lnRef idx="1">
+            <a:schemeClr val="accent1"/>
+          </a:lnRef>
+          <a:fillRef idx="0">
+            <a:schemeClr val="accent1"/>
+          </a:fillRef>
+          <a:effectRef idx="0">
+            <a:schemeClr val="accent1"/>
+          </a:effectRef>
+          <a:fontRef idx="minor">
+            <a:schemeClr val="tx1"/>
+          </a:fontRef>
+        </p:style>
+      </p:cxnSp>
+      <p:cxnSp>
+        <p:nvCxnSpPr>
+          <p:cNvPr id="960" name="Соединительная линия уступом 505">
+            <a:extLst>
+              <a:ext uri="{FF2B5EF4-FFF2-40B4-BE49-F238E27FC236}">
+                <a16:creationId xmlns:a16="http://schemas.microsoft.com/office/drawing/2014/main" id="{BC8BA646-28E8-45A6-B90F-13B26DB38A53}"/>
+              </a:ext>
+            </a:extLst>
+          </p:cNvPr>
+          <p:cNvCxnSpPr>
+            <a:cxnSpLocks/>
+            <a:stCxn id="161" idx="2"/>
+            <a:endCxn id="33" idx="0"/>
+          </p:cNvCxnSpPr>
+          <p:nvPr/>
+        </p:nvCxnSpPr>
+        <p:spPr>
+          <a:xfrm rot="5400000">
+            <a:off x="13309051" y="11345719"/>
+            <a:ext cx="246010" cy="1639952"/>
+          </a:xfrm>
+          <a:prstGeom prst="bentConnector3">
+            <a:avLst>
+              <a:gd name="adj1" fmla="val 50000"/>
+            </a:avLst>
+          </a:prstGeom>
+          <a:ln w="19050">
+            <a:tailEnd type="arrow"/>
+          </a:ln>
+        </p:spPr>
+        <p:style>
+          <a:lnRef idx="1">
+            <a:schemeClr val="accent1"/>
+          </a:lnRef>
+          <a:fillRef idx="0">
+            <a:schemeClr val="accent1"/>
+          </a:fillRef>
+          <a:effectRef idx="0">
+            <a:schemeClr val="accent1"/>
+          </a:effectRef>
+          <a:fontRef idx="minor">
+            <a:schemeClr val="tx1"/>
+          </a:fontRef>
+        </p:style>
+      </p:cxnSp>
+      <p:cxnSp>
+        <p:nvCxnSpPr>
+          <p:cNvPr id="963" name="Соединительная линия уступом 505">
+            <a:extLst>
+              <a:ext uri="{FF2B5EF4-FFF2-40B4-BE49-F238E27FC236}">
+                <a16:creationId xmlns:a16="http://schemas.microsoft.com/office/drawing/2014/main" id="{E488295D-9476-4708-A3E0-49C8D1F8C448}"/>
+              </a:ext>
+            </a:extLst>
+          </p:cNvPr>
+          <p:cNvCxnSpPr>
+            <a:cxnSpLocks/>
+            <a:stCxn id="33" idx="2"/>
+            <a:endCxn id="34" idx="0"/>
+          </p:cNvCxnSpPr>
+          <p:nvPr/>
+        </p:nvCxnSpPr>
+        <p:spPr>
+          <a:xfrm rot="5400000">
+            <a:off x="12245103" y="12707957"/>
+            <a:ext cx="246235" cy="487721"/>
+          </a:xfrm>
+          <a:prstGeom prst="bentConnector3">
+            <a:avLst>
+              <a:gd name="adj1" fmla="val 50000"/>
+            </a:avLst>
+          </a:prstGeom>
+          <a:ln w="19050">
+            <a:tailEnd type="arrow"/>
+          </a:ln>
+        </p:spPr>
+        <p:style>
+          <a:lnRef idx="1">
+            <a:schemeClr val="accent1"/>
+          </a:lnRef>
+          <a:fillRef idx="0">
+            <a:schemeClr val="accent1"/>
+          </a:fillRef>
+          <a:effectRef idx="0">
+            <a:schemeClr val="accent1"/>
+          </a:effectRef>
+          <a:fontRef idx="minor">
+            <a:schemeClr val="tx1"/>
+          </a:fontRef>
+        </p:style>
+      </p:cxnSp>
+      <p:cxnSp>
+        <p:nvCxnSpPr>
+          <p:cNvPr id="964" name="Соединительная линия уступом 505">
+            <a:extLst>
+              <a:ext uri="{FF2B5EF4-FFF2-40B4-BE49-F238E27FC236}">
+                <a16:creationId xmlns:a16="http://schemas.microsoft.com/office/drawing/2014/main" id="{17CC2250-8220-4F4F-A2C9-4F91B4C36E4D}"/>
+              </a:ext>
+            </a:extLst>
+          </p:cNvPr>
+          <p:cNvCxnSpPr>
+            <a:cxnSpLocks/>
+            <a:stCxn id="33" idx="2"/>
+            <a:endCxn id="37" idx="0"/>
+          </p:cNvCxnSpPr>
+          <p:nvPr/>
+        </p:nvCxnSpPr>
+        <p:spPr>
+          <a:xfrm rot="16200000" flipH="1">
+            <a:off x="12765465" y="12675315"/>
+            <a:ext cx="253279" cy="560048"/>
+          </a:xfrm>
+          <a:prstGeom prst="bentConnector3">
+            <a:avLst>
+              <a:gd name="adj1" fmla="val 50000"/>
+            </a:avLst>
+          </a:prstGeom>
+          <a:ln w="19050">
+            <a:tailEnd type="arrow"/>
+          </a:ln>
+        </p:spPr>
+        <p:style>
+          <a:lnRef idx="1">
+            <a:schemeClr val="accent1"/>
+          </a:lnRef>
+          <a:fillRef idx="0">
+            <a:schemeClr val="accent1"/>
+          </a:fillRef>
+          <a:effectRef idx="0">
+            <a:schemeClr val="accent1"/>
+          </a:effectRef>
+          <a:fontRef idx="minor">
+            <a:schemeClr val="tx1"/>
+          </a:fontRef>
+        </p:style>
+      </p:cxnSp>
+      <p:cxnSp>
+        <p:nvCxnSpPr>
+          <p:cNvPr id="966" name="Прямая со стрелкой 965">
+            <a:extLst>
+              <a:ext uri="{FF2B5EF4-FFF2-40B4-BE49-F238E27FC236}">
+                <a16:creationId xmlns:a16="http://schemas.microsoft.com/office/drawing/2014/main" id="{2C4941E2-7859-4703-AD14-2FD5A03858D3}"/>
+              </a:ext>
+            </a:extLst>
+          </p:cNvPr>
+          <p:cNvCxnSpPr>
+            <a:cxnSpLocks/>
+            <a:stCxn id="161" idx="2"/>
+            <a:endCxn id="32" idx="0"/>
+          </p:cNvCxnSpPr>
+          <p:nvPr/>
+        </p:nvCxnSpPr>
+        <p:spPr>
+          <a:xfrm>
+            <a:off x="14252032" y="12042690"/>
+            <a:ext cx="1470" cy="246010"/>
+          </a:xfrm>
+          <a:prstGeom prst="straightConnector1">
+            <a:avLst/>
           </a:prstGeom>
           <a:ln w="19050">
             <a:tailEnd type="arrow"/>

--- a/Наработки/диздоки/Португалия/Португалия общая.pptx
+++ b/Наработки/диздоки/Португалия/Португалия общая.pptx
@@ -209,7 +209,7 @@
             <a:fld id="{33E3D7F9-E251-484C-A6FF-FA958879DF69}" type="datetimeFigureOut">
               <a:rPr lang="ru-RU" smtClean="0"/>
               <a:pPr/>
-              <a:t>19.06.2023</a:t>
+              <a:t>20.06.2023</a:t>
             </a:fld>
             <a:endParaRPr lang="ru-RU"/>
           </a:p>
@@ -699,7 +699,7 @@
             <a:fld id="{85A5DE44-605B-4D3B-B2B7-94543DF81A36}" type="datetimeFigureOut">
               <a:rPr lang="ru-RU" smtClean="0"/>
               <a:pPr/>
-              <a:t>19.06.2023</a:t>
+              <a:t>20.06.2023</a:t>
             </a:fld>
             <a:endParaRPr lang="ru-RU"/>
           </a:p>
@@ -871,7 +871,7 @@
             <a:fld id="{85A5DE44-605B-4D3B-B2B7-94543DF81A36}" type="datetimeFigureOut">
               <a:rPr lang="ru-RU" smtClean="0"/>
               <a:pPr/>
-              <a:t>19.06.2023</a:t>
+              <a:t>20.06.2023</a:t>
             </a:fld>
             <a:endParaRPr lang="ru-RU"/>
           </a:p>
@@ -1053,7 +1053,7 @@
             <a:fld id="{85A5DE44-605B-4D3B-B2B7-94543DF81A36}" type="datetimeFigureOut">
               <a:rPr lang="ru-RU" smtClean="0"/>
               <a:pPr/>
-              <a:t>19.06.2023</a:t>
+              <a:t>20.06.2023</a:t>
             </a:fld>
             <a:endParaRPr lang="ru-RU"/>
           </a:p>
@@ -1225,7 +1225,7 @@
             <a:fld id="{85A5DE44-605B-4D3B-B2B7-94543DF81A36}" type="datetimeFigureOut">
               <a:rPr lang="ru-RU" smtClean="0"/>
               <a:pPr/>
-              <a:t>19.06.2023</a:t>
+              <a:t>20.06.2023</a:t>
             </a:fld>
             <a:endParaRPr lang="ru-RU"/>
           </a:p>
@@ -1473,7 +1473,7 @@
             <a:fld id="{85A5DE44-605B-4D3B-B2B7-94543DF81A36}" type="datetimeFigureOut">
               <a:rPr lang="ru-RU" smtClean="0"/>
               <a:pPr/>
-              <a:t>19.06.2023</a:t>
+              <a:t>20.06.2023</a:t>
             </a:fld>
             <a:endParaRPr lang="ru-RU"/>
           </a:p>
@@ -1707,7 +1707,7 @@
             <a:fld id="{85A5DE44-605B-4D3B-B2B7-94543DF81A36}" type="datetimeFigureOut">
               <a:rPr lang="ru-RU" smtClean="0"/>
               <a:pPr/>
-              <a:t>19.06.2023</a:t>
+              <a:t>20.06.2023</a:t>
             </a:fld>
             <a:endParaRPr lang="ru-RU"/>
           </a:p>
@@ -2076,7 +2076,7 @@
             <a:fld id="{85A5DE44-605B-4D3B-B2B7-94543DF81A36}" type="datetimeFigureOut">
               <a:rPr lang="ru-RU" smtClean="0"/>
               <a:pPr/>
-              <a:t>19.06.2023</a:t>
+              <a:t>20.06.2023</a:t>
             </a:fld>
             <a:endParaRPr lang="ru-RU"/>
           </a:p>
@@ -2196,7 +2196,7 @@
             <a:fld id="{85A5DE44-605B-4D3B-B2B7-94543DF81A36}" type="datetimeFigureOut">
               <a:rPr lang="ru-RU" smtClean="0"/>
               <a:pPr/>
-              <a:t>19.06.2023</a:t>
+              <a:t>20.06.2023</a:t>
             </a:fld>
             <a:endParaRPr lang="ru-RU"/>
           </a:p>
@@ -2293,7 +2293,7 @@
             <a:fld id="{85A5DE44-605B-4D3B-B2B7-94543DF81A36}" type="datetimeFigureOut">
               <a:rPr lang="ru-RU" smtClean="0"/>
               <a:pPr/>
-              <a:t>19.06.2023</a:t>
+              <a:t>20.06.2023</a:t>
             </a:fld>
             <a:endParaRPr lang="ru-RU"/>
           </a:p>
@@ -2572,7 +2572,7 @@
             <a:fld id="{85A5DE44-605B-4D3B-B2B7-94543DF81A36}" type="datetimeFigureOut">
               <a:rPr lang="ru-RU" smtClean="0"/>
               <a:pPr/>
-              <a:t>19.06.2023</a:t>
+              <a:t>20.06.2023</a:t>
             </a:fld>
             <a:endParaRPr lang="ru-RU"/>
           </a:p>
@@ -2831,7 +2831,7 @@
             <a:fld id="{85A5DE44-605B-4D3B-B2B7-94543DF81A36}" type="datetimeFigureOut">
               <a:rPr lang="ru-RU" smtClean="0"/>
               <a:pPr/>
-              <a:t>19.06.2023</a:t>
+              <a:t>20.06.2023</a:t>
             </a:fld>
             <a:endParaRPr lang="ru-RU"/>
           </a:p>
@@ -3046,7 +3046,7 @@
             <a:fld id="{85A5DE44-605B-4D3B-B2B7-94543DF81A36}" type="datetimeFigureOut">
               <a:rPr lang="ru-RU" smtClean="0"/>
               <a:pPr/>
-              <a:t>19.06.2023</a:t>
+              <a:t>20.06.2023</a:t>
             </a:fld>
             <a:endParaRPr lang="ru-RU"/>
           </a:p>
@@ -26709,7 +26709,7 @@
         </p:nvSpPr>
         <p:spPr>
           <a:xfrm>
-            <a:off x="3979597" y="6864743"/>
+            <a:off x="3973987" y="6864743"/>
             <a:ext cx="926325" cy="540000"/>
           </a:xfrm>
           <a:prstGeom prst="rect">
@@ -27285,8 +27285,8 @@
         </p:nvCxnSpPr>
         <p:spPr>
           <a:xfrm rot="16200000" flipH="1">
-            <a:off x="5118299" y="6729204"/>
-            <a:ext cx="219109" cy="1570186"/>
+            <a:off x="5115494" y="6726399"/>
+            <a:ext cx="219109" cy="1575796"/>
           </a:xfrm>
           <a:prstGeom prst="bentConnector3">
             <a:avLst>
@@ -28064,53 +28064,8 @@
             <a:pPr algn="ctr"/>
             <a:r>
               <a:rPr lang="ru-RU" sz="700" dirty="0"/>
-              <a:t>Торжество латинского порядка </a:t>
-            </a:r>
-            <a:r>
-              <a:rPr lang="ru-RU" sz="100" dirty="0"/>
-              <a:t>(В письме к </a:t>
-            </a:r>
-            <a:r>
-              <a:rPr lang="ru-RU" sz="100" dirty="0" err="1"/>
-              <a:t>Коррадини</a:t>
-            </a:r>
-            <a:r>
-              <a:rPr lang="ru-RU" sz="100" dirty="0"/>
-              <a:t>, которое он опубликует в 1920 году, </a:t>
-            </a:r>
-            <a:r>
-              <a:rPr lang="ru-RU" sz="100" dirty="0" err="1"/>
-              <a:t>Прето</a:t>
-            </a:r>
-            <a:r>
-              <a:rPr lang="ru-RU" sz="100" dirty="0"/>
-              <a:t> показал, что верит в возрождение этого нового антидемократического национализма, который возродит новую классическую эру в латинских странах. «Мы должны верить, — писал он, — в торжество латинского порядка, классического порядка, который охватит и объединит всех наследников римской цивилизации — Францию, Испанию, Италию и Португалию». </a:t>
-            </a:r>
-            <a:r>
-              <a:rPr lang="ru-RU" sz="100" dirty="0" err="1"/>
-              <a:t>Прето</a:t>
-            </a:r>
-            <a:r>
-              <a:rPr lang="ru-RU" sz="100" dirty="0"/>
-              <a:t> навсегда останется в культурной сфере этого латинского </a:t>
-            </a:r>
-            <a:r>
-              <a:rPr lang="ru-RU" sz="100" dirty="0" err="1"/>
-              <a:t>неонационализма</a:t>
-            </a:r>
-            <a:r>
-              <a:rPr lang="ru-RU" sz="100" dirty="0"/>
-              <a:t>, глубоко отмеченного имперской и цивилизационной мифологией народов, унаследовавших латынь, тружеников открытия мира, «колонизаторов и воинов». Однако его первые статьи для газеты </a:t>
-            </a:r>
-            <a:r>
-              <a:rPr lang="ru-RU" sz="100" dirty="0" err="1"/>
-              <a:t>Integalista</a:t>
-            </a:r>
-            <a:r>
-              <a:rPr lang="ru-RU" sz="100" dirty="0"/>
-              <a:t> были гораздо более ориентированы на непосредственное, стремясь увидеть в войне подтверждение авторитарного национализма как единственное решение для нового мира, вытекающего из нее.)</a:t>
-            </a:r>
-            <a:endParaRPr lang="ru-RU" sz="700" dirty="0"/>
+              <a:t>Торжество латинского порядка</a:t>
+            </a:r>
           </a:p>
         </p:txBody>
       </p:sp>
@@ -28242,8 +28197,8 @@
         </p:nvCxnSpPr>
         <p:spPr>
           <a:xfrm rot="16200000" flipH="1">
-            <a:off x="4325811" y="6747794"/>
-            <a:ext cx="224512" cy="9385"/>
+            <a:off x="4323006" y="6750599"/>
+            <a:ext cx="224512" cy="3775"/>
           </a:xfrm>
           <a:prstGeom prst="bentConnector3">
             <a:avLst>
@@ -35454,16 +35409,8 @@
             <a:pPr algn="ctr"/>
             <a:r>
               <a:rPr lang="ru-RU" sz="700" dirty="0"/>
-              <a:t>Создание фашистской милиции </a:t>
-            </a:r>
-          </a:p>
-          <a:p>
-            <a:pPr algn="ctr"/>
-            <a:r>
-              <a:rPr lang="ru-RU" sz="100" dirty="0"/>
-              <a:t>(были восторженными для объединений предпринимателей: «национальная диктатура; восстановление смертной казни, упразднение ГНР», объявив, что «во всех городах будет создана фашистская милиция, состоящая из добровольцев без какого-либо вознаграждения», в ответ на «преступления профсоюзных активистов и коммунистов»</a:t>
-            </a:r>
-            <a:endParaRPr lang="ru-RU" sz="700" dirty="0"/>
+              <a:t>Создание фашистской милиции</a:t>
+            </a:r>
           </a:p>
         </p:txBody>
       </p:sp>
@@ -37289,8 +37236,8 @@
         </p:nvCxnSpPr>
         <p:spPr>
           <a:xfrm rot="5400000">
-            <a:off x="4064803" y="7273570"/>
-            <a:ext cx="246784" cy="509131"/>
+            <a:off x="4061998" y="7276375"/>
+            <a:ext cx="246784" cy="503521"/>
           </a:xfrm>
           <a:prstGeom prst="bentConnector3">
             <a:avLst>

--- a/Наработки/диздоки/Португалия/Португалия общая.pptx
+++ b/Наработки/диздоки/Португалия/Португалия общая.pptx
@@ -209,7 +209,7 @@
             <a:fld id="{33E3D7F9-E251-484C-A6FF-FA958879DF69}" type="datetimeFigureOut">
               <a:rPr lang="ru-RU" smtClean="0"/>
               <a:pPr/>
-              <a:t>20.06.2023</a:t>
+              <a:t>21.06.2023</a:t>
             </a:fld>
             <a:endParaRPr lang="ru-RU"/>
           </a:p>
@@ -699,7 +699,7 @@
             <a:fld id="{85A5DE44-605B-4D3B-B2B7-94543DF81A36}" type="datetimeFigureOut">
               <a:rPr lang="ru-RU" smtClean="0"/>
               <a:pPr/>
-              <a:t>20.06.2023</a:t>
+              <a:t>21.06.2023</a:t>
             </a:fld>
             <a:endParaRPr lang="ru-RU"/>
           </a:p>
@@ -871,7 +871,7 @@
             <a:fld id="{85A5DE44-605B-4D3B-B2B7-94543DF81A36}" type="datetimeFigureOut">
               <a:rPr lang="ru-RU" smtClean="0"/>
               <a:pPr/>
-              <a:t>20.06.2023</a:t>
+              <a:t>21.06.2023</a:t>
             </a:fld>
             <a:endParaRPr lang="ru-RU"/>
           </a:p>
@@ -1053,7 +1053,7 @@
             <a:fld id="{85A5DE44-605B-4D3B-B2B7-94543DF81A36}" type="datetimeFigureOut">
               <a:rPr lang="ru-RU" smtClean="0"/>
               <a:pPr/>
-              <a:t>20.06.2023</a:t>
+              <a:t>21.06.2023</a:t>
             </a:fld>
             <a:endParaRPr lang="ru-RU"/>
           </a:p>
@@ -1225,7 +1225,7 @@
             <a:fld id="{85A5DE44-605B-4D3B-B2B7-94543DF81A36}" type="datetimeFigureOut">
               <a:rPr lang="ru-RU" smtClean="0"/>
               <a:pPr/>
-              <a:t>20.06.2023</a:t>
+              <a:t>21.06.2023</a:t>
             </a:fld>
             <a:endParaRPr lang="ru-RU"/>
           </a:p>
@@ -1473,7 +1473,7 @@
             <a:fld id="{85A5DE44-605B-4D3B-B2B7-94543DF81A36}" type="datetimeFigureOut">
               <a:rPr lang="ru-RU" smtClean="0"/>
               <a:pPr/>
-              <a:t>20.06.2023</a:t>
+              <a:t>21.06.2023</a:t>
             </a:fld>
             <a:endParaRPr lang="ru-RU"/>
           </a:p>
@@ -1707,7 +1707,7 @@
             <a:fld id="{85A5DE44-605B-4D3B-B2B7-94543DF81A36}" type="datetimeFigureOut">
               <a:rPr lang="ru-RU" smtClean="0"/>
               <a:pPr/>
-              <a:t>20.06.2023</a:t>
+              <a:t>21.06.2023</a:t>
             </a:fld>
             <a:endParaRPr lang="ru-RU"/>
           </a:p>
@@ -2076,7 +2076,7 @@
             <a:fld id="{85A5DE44-605B-4D3B-B2B7-94543DF81A36}" type="datetimeFigureOut">
               <a:rPr lang="ru-RU" smtClean="0"/>
               <a:pPr/>
-              <a:t>20.06.2023</a:t>
+              <a:t>21.06.2023</a:t>
             </a:fld>
             <a:endParaRPr lang="ru-RU"/>
           </a:p>
@@ -2196,7 +2196,7 @@
             <a:fld id="{85A5DE44-605B-4D3B-B2B7-94543DF81A36}" type="datetimeFigureOut">
               <a:rPr lang="ru-RU" smtClean="0"/>
               <a:pPr/>
-              <a:t>20.06.2023</a:t>
+              <a:t>21.06.2023</a:t>
             </a:fld>
             <a:endParaRPr lang="ru-RU"/>
           </a:p>
@@ -2293,7 +2293,7 @@
             <a:fld id="{85A5DE44-605B-4D3B-B2B7-94543DF81A36}" type="datetimeFigureOut">
               <a:rPr lang="ru-RU" smtClean="0"/>
               <a:pPr/>
-              <a:t>20.06.2023</a:t>
+              <a:t>21.06.2023</a:t>
             </a:fld>
             <a:endParaRPr lang="ru-RU"/>
           </a:p>
@@ -2572,7 +2572,7 @@
             <a:fld id="{85A5DE44-605B-4D3B-B2B7-94543DF81A36}" type="datetimeFigureOut">
               <a:rPr lang="ru-RU" smtClean="0"/>
               <a:pPr/>
-              <a:t>20.06.2023</a:t>
+              <a:t>21.06.2023</a:t>
             </a:fld>
             <a:endParaRPr lang="ru-RU"/>
           </a:p>
@@ -2831,7 +2831,7 @@
             <a:fld id="{85A5DE44-605B-4D3B-B2B7-94543DF81A36}" type="datetimeFigureOut">
               <a:rPr lang="ru-RU" smtClean="0"/>
               <a:pPr/>
-              <a:t>20.06.2023</a:t>
+              <a:t>21.06.2023</a:t>
             </a:fld>
             <a:endParaRPr lang="ru-RU"/>
           </a:p>
@@ -3046,7 +3046,7 @@
             <a:fld id="{85A5DE44-605B-4D3B-B2B7-94543DF81A36}" type="datetimeFigureOut">
               <a:rPr lang="ru-RU" smtClean="0"/>
               <a:pPr/>
-              <a:t>20.06.2023</a:t>
+              <a:t>21.06.2023</a:t>
             </a:fld>
             <a:endParaRPr lang="ru-RU"/>
           </a:p>
@@ -27085,15 +27085,7 @@
             <a:pPr algn="ctr"/>
             <a:r>
               <a:rPr lang="ru-RU" sz="700" dirty="0"/>
-              <a:t>Вернуть владение чайными плантациями (аннексия против </a:t>
-            </a:r>
-            <a:r>
-              <a:rPr lang="ru-RU" sz="700" dirty="0" err="1"/>
-              <a:t>цейлона</a:t>
-            </a:r>
-            <a:r>
-              <a:rPr lang="ru-RU" sz="700" dirty="0"/>
-              <a:t>)</a:t>
+              <a:t>Вернуть владение чайными плантациями</a:t>
             </a:r>
           </a:p>
         </p:txBody>
@@ -35463,14 +35455,6 @@
               <a:t>Армия национальной обороны</a:t>
             </a:r>
           </a:p>
-          <a:p>
-            <a:pPr algn="ctr"/>
-            <a:r>
-              <a:rPr lang="ru-RU" sz="100" dirty="0"/>
-              <a:t>чтобы армия была усилена и достойна для национальной обороны; чтобы собственность была защищена в своих правах и была принуждена выполнять свои обязанности по отношению к нации и особенно по отношению к рабочим, [приверженцы обязуются] встать на сторону любого португальского правительства против иностранной агрессии и большевизма</a:t>
-            </a:r>
-            <a:endParaRPr lang="ru-RU" sz="700" dirty="0"/>
-          </a:p>
         </p:txBody>
       </p:sp>
       <p:cxnSp>
@@ -36827,7 +36811,7 @@
         </p:nvSpPr>
         <p:spPr>
           <a:xfrm>
-            <a:off x="3470466" y="7651527"/>
+            <a:off x="3470466" y="7627623"/>
             <a:ext cx="926325" cy="540000"/>
           </a:xfrm>
           <a:prstGeom prst="rect">
@@ -36861,14 +36845,6 @@
               <a:rPr lang="ru-RU" sz="700" dirty="0"/>
               <a:t>Устранение коммунистической угрозы</a:t>
             </a:r>
-          </a:p>
-          <a:p>
-            <a:pPr algn="ctr"/>
-            <a:r>
-              <a:rPr lang="ru-RU" sz="100" dirty="0"/>
-              <a:t>ON/S рассматривала коммунистическую и социалистическую угрозу как главную и добавляла к ней вызов «национализации» «лишенных капитализма».</a:t>
-            </a:r>
-            <a:endParaRPr lang="ru-RU" sz="700" dirty="0"/>
           </a:p>
         </p:txBody>
       </p:sp>
@@ -37027,37 +37003,6 @@
               <a:t>Имперское возрождение</a:t>
             </a:r>
           </a:p>
-          <a:p>
-            <a:pPr algn="ctr"/>
-            <a:r>
-              <a:rPr lang="ru-RU" sz="200" dirty="0"/>
-              <a:t>Однако больше, чем </a:t>
-            </a:r>
-            <a:r>
-              <a:rPr lang="ru-RU" sz="200" dirty="0" err="1"/>
-              <a:t>интегралисты</a:t>
-            </a:r>
-            <a:r>
-              <a:rPr lang="ru-RU" sz="200" dirty="0"/>
-              <a:t>, озабоченные исторической легитимацией своего ультранационализма, </a:t>
-            </a:r>
-            <a:r>
-              <a:rPr lang="ru-RU" sz="200" dirty="0" err="1"/>
-              <a:t>Прето</a:t>
-            </a:r>
-            <a:r>
-              <a:rPr lang="ru-RU" sz="200" dirty="0"/>
-              <a:t> был ориентирован на будущее и считал, что национализм должен быть ключевым элементом. национальное и «имперское» возрождение. Он даже иронизировал над «</a:t>
-            </a:r>
-            <a:r>
-              <a:rPr lang="ru-RU" sz="200" dirty="0" err="1"/>
-              <a:t>саудосистами</a:t>
-            </a:r>
-            <a:r>
-              <a:rPr lang="ru-RU" sz="200" dirty="0"/>
-              <a:t>» истории, заявив, что «боль и страсть Португалии на этапах ее имперской истории всегда проистекают из этой фатальности ее судьбы: усилия страны никогда не совпадали с мышлением тогдашнего национального главы.</a:t>
-            </a:r>
-          </a:p>
         </p:txBody>
       </p:sp>
       <p:sp>
@@ -37109,21 +37054,6 @@
               <a:t>Ввести государственное регулирование</a:t>
             </a:r>
           </a:p>
-          <a:p>
-            <a:pPr algn="ctr"/>
-            <a:r>
-              <a:rPr lang="ru-RU" sz="100" dirty="0"/>
-              <a:t>Предусматривалось, что «государственная и частная национальная экономика должна дисциплинироваться и направляться государством, которое должно направлять ее и вмешиваться в нее всякий раз, когда эта необходимость навязывает себя общему или коллективному благу, равновесию или социальной справедливости». Государство, организованное таким образом «как руководитель национального производства», не станет устанавливать «новую тиранию», напротив, «</a:t>
-            </a:r>
-            <a:r>
-              <a:rPr lang="ru-RU" sz="100" dirty="0" err="1"/>
-              <a:t>вдохновленнуюво</a:t>
-            </a:r>
-            <a:r>
-              <a:rPr lang="ru-RU" sz="100" dirty="0"/>
-              <a:t> имя общего блага», в национал-синдикалистском режиме государство «является всей экономической и социальной нацией, организованной в соответствии с моральными и материальными интересами и представляющей через свою иерархию работу и гражданскую жизнь нации»</a:t>
-            </a:r>
-          </a:p>
         </p:txBody>
       </p:sp>
       <p:cxnSp>
@@ -37190,8 +37120,8 @@
         </p:nvCxnSpPr>
         <p:spPr>
           <a:xfrm rot="16200000" flipH="1">
-            <a:off x="3546785" y="7264683"/>
-            <a:ext cx="249058" cy="524630"/>
+            <a:off x="3558737" y="7252731"/>
+            <a:ext cx="225154" cy="524630"/>
           </a:xfrm>
           <a:prstGeom prst="bentConnector3">
             <a:avLst>
@@ -37236,8 +37166,8 @@
         </p:nvCxnSpPr>
         <p:spPr>
           <a:xfrm rot="5400000">
-            <a:off x="4061998" y="7276375"/>
-            <a:ext cx="246784" cy="503521"/>
+            <a:off x="4073950" y="7264423"/>
+            <a:ext cx="222880" cy="503521"/>
           </a:xfrm>
           <a:prstGeom prst="bentConnector3">
             <a:avLst>
@@ -37312,14 +37242,6 @@
               <a:rPr lang="ru-RU" sz="700" dirty="0"/>
               <a:t>Социальная политика к рабочим</a:t>
             </a:r>
-            <a:br>
-              <a:rPr lang="en-US" sz="700" dirty="0"/>
-            </a:br>
-            <a:r>
-              <a:rPr lang="ru-RU" sz="200" dirty="0"/>
-              <a:t>установление минимальной социальной заработной платы (которая защищает семью и уважает роль женщины в семье) и страхование по инвалидности и болезни, социальная помощь материнству и ребенку, достойные реформы и государственная политика социальные кварталы</a:t>
-            </a:r>
-            <a:endParaRPr lang="ru-RU" sz="700" dirty="0"/>
           </a:p>
         </p:txBody>
       </p:sp>
@@ -37687,29 +37609,27 @@
       </p:sp>
       <p:cxnSp>
         <p:nvCxnSpPr>
-          <p:cNvPr id="991" name="Соединительная линия уступом 744">
+          <p:cNvPr id="789" name="Прямая со стрелкой 788">
             <a:extLst>
               <a:ext uri="{FF2B5EF4-FFF2-40B4-BE49-F238E27FC236}">
-                <a16:creationId xmlns:a16="http://schemas.microsoft.com/office/drawing/2014/main" id="{6CDA600B-1368-4A85-B868-0869E94315C7}"/>
+                <a16:creationId xmlns:a16="http://schemas.microsoft.com/office/drawing/2014/main" id="{29D5556F-5912-4C04-B044-B75C08FD26DD}"/>
               </a:ext>
             </a:extLst>
           </p:cNvPr>
           <p:cNvCxnSpPr>
             <a:cxnSpLocks/>
-            <a:stCxn id="919" idx="2"/>
+            <a:stCxn id="715" idx="2"/>
             <a:endCxn id="990" idx="0"/>
           </p:cNvCxnSpPr>
           <p:nvPr/>
         </p:nvCxnSpPr>
         <p:spPr>
-          <a:xfrm rot="16200000" flipH="1">
-            <a:off x="1459864" y="6490454"/>
-            <a:ext cx="235973" cy="544994"/>
-          </a:xfrm>
-          <a:prstGeom prst="bentConnector3">
-            <a:avLst>
-              <a:gd name="adj1" fmla="val 50000"/>
-            </a:avLst>
+          <a:xfrm flipH="1">
+            <a:off x="1850347" y="5009333"/>
+            <a:ext cx="2000" cy="1871605"/>
+          </a:xfrm>
+          <a:prstGeom prst="straightConnector1">
+            <a:avLst/>
           </a:prstGeom>
           <a:ln w="19050">
             <a:tailEnd type="arrow"/>

--- a/Наработки/диздоки/Португалия/Португалия общая.pptx
+++ b/Наработки/диздоки/Португалия/Португалия общая.pptx
@@ -209,7 +209,7 @@
             <a:fld id="{33E3D7F9-E251-484C-A6FF-FA958879DF69}" type="datetimeFigureOut">
               <a:rPr lang="ru-RU" smtClean="0"/>
               <a:pPr/>
-              <a:t>21.06.2023</a:t>
+              <a:t>22.06.2023</a:t>
             </a:fld>
             <a:endParaRPr lang="ru-RU"/>
           </a:p>
@@ -699,7 +699,7 @@
             <a:fld id="{85A5DE44-605B-4D3B-B2B7-94543DF81A36}" type="datetimeFigureOut">
               <a:rPr lang="ru-RU" smtClean="0"/>
               <a:pPr/>
-              <a:t>21.06.2023</a:t>
+              <a:t>22.06.2023</a:t>
             </a:fld>
             <a:endParaRPr lang="ru-RU"/>
           </a:p>
@@ -871,7 +871,7 @@
             <a:fld id="{85A5DE44-605B-4D3B-B2B7-94543DF81A36}" type="datetimeFigureOut">
               <a:rPr lang="ru-RU" smtClean="0"/>
               <a:pPr/>
-              <a:t>21.06.2023</a:t>
+              <a:t>22.06.2023</a:t>
             </a:fld>
             <a:endParaRPr lang="ru-RU"/>
           </a:p>
@@ -1053,7 +1053,7 @@
             <a:fld id="{85A5DE44-605B-4D3B-B2B7-94543DF81A36}" type="datetimeFigureOut">
               <a:rPr lang="ru-RU" smtClean="0"/>
               <a:pPr/>
-              <a:t>21.06.2023</a:t>
+              <a:t>22.06.2023</a:t>
             </a:fld>
             <a:endParaRPr lang="ru-RU"/>
           </a:p>
@@ -1225,7 +1225,7 @@
             <a:fld id="{85A5DE44-605B-4D3B-B2B7-94543DF81A36}" type="datetimeFigureOut">
               <a:rPr lang="ru-RU" smtClean="0"/>
               <a:pPr/>
-              <a:t>21.06.2023</a:t>
+              <a:t>22.06.2023</a:t>
             </a:fld>
             <a:endParaRPr lang="ru-RU"/>
           </a:p>
@@ -1473,7 +1473,7 @@
             <a:fld id="{85A5DE44-605B-4D3B-B2B7-94543DF81A36}" type="datetimeFigureOut">
               <a:rPr lang="ru-RU" smtClean="0"/>
               <a:pPr/>
-              <a:t>21.06.2023</a:t>
+              <a:t>22.06.2023</a:t>
             </a:fld>
             <a:endParaRPr lang="ru-RU"/>
           </a:p>
@@ -1707,7 +1707,7 @@
             <a:fld id="{85A5DE44-605B-4D3B-B2B7-94543DF81A36}" type="datetimeFigureOut">
               <a:rPr lang="ru-RU" smtClean="0"/>
               <a:pPr/>
-              <a:t>21.06.2023</a:t>
+              <a:t>22.06.2023</a:t>
             </a:fld>
             <a:endParaRPr lang="ru-RU"/>
           </a:p>
@@ -2076,7 +2076,7 @@
             <a:fld id="{85A5DE44-605B-4D3B-B2B7-94543DF81A36}" type="datetimeFigureOut">
               <a:rPr lang="ru-RU" smtClean="0"/>
               <a:pPr/>
-              <a:t>21.06.2023</a:t>
+              <a:t>22.06.2023</a:t>
             </a:fld>
             <a:endParaRPr lang="ru-RU"/>
           </a:p>
@@ -2196,7 +2196,7 @@
             <a:fld id="{85A5DE44-605B-4D3B-B2B7-94543DF81A36}" type="datetimeFigureOut">
               <a:rPr lang="ru-RU" smtClean="0"/>
               <a:pPr/>
-              <a:t>21.06.2023</a:t>
+              <a:t>22.06.2023</a:t>
             </a:fld>
             <a:endParaRPr lang="ru-RU"/>
           </a:p>
@@ -2293,7 +2293,7 @@
             <a:fld id="{85A5DE44-605B-4D3B-B2B7-94543DF81A36}" type="datetimeFigureOut">
               <a:rPr lang="ru-RU" smtClean="0"/>
               <a:pPr/>
-              <a:t>21.06.2023</a:t>
+              <a:t>22.06.2023</a:t>
             </a:fld>
             <a:endParaRPr lang="ru-RU"/>
           </a:p>
@@ -2572,7 +2572,7 @@
             <a:fld id="{85A5DE44-605B-4D3B-B2B7-94543DF81A36}" type="datetimeFigureOut">
               <a:rPr lang="ru-RU" smtClean="0"/>
               <a:pPr/>
-              <a:t>21.06.2023</a:t>
+              <a:t>22.06.2023</a:t>
             </a:fld>
             <a:endParaRPr lang="ru-RU"/>
           </a:p>
@@ -2831,7 +2831,7 @@
             <a:fld id="{85A5DE44-605B-4D3B-B2B7-94543DF81A36}" type="datetimeFigureOut">
               <a:rPr lang="ru-RU" smtClean="0"/>
               <a:pPr/>
-              <a:t>21.06.2023</a:t>
+              <a:t>22.06.2023</a:t>
             </a:fld>
             <a:endParaRPr lang="ru-RU"/>
           </a:p>
@@ -3046,7 +3046,7 @@
             <a:fld id="{85A5DE44-605B-4D3B-B2B7-94543DF81A36}" type="datetimeFigureOut">
               <a:rPr lang="ru-RU" smtClean="0"/>
               <a:pPr/>
-              <a:t>21.06.2023</a:t>
+              <a:t>22.06.2023</a:t>
             </a:fld>
             <a:endParaRPr lang="ru-RU"/>
           </a:p>

--- a/Наработки/диздоки/Португалия/Португалия общая.pptx
+++ b/Наработки/диздоки/Португалия/Португалия общая.pptx
@@ -209,7 +209,7 @@
             <a:fld id="{33E3D7F9-E251-484C-A6FF-FA958879DF69}" type="datetimeFigureOut">
               <a:rPr lang="ru-RU" smtClean="0"/>
               <a:pPr/>
-              <a:t>22.06.2023</a:t>
+              <a:t>05.07.2023</a:t>
             </a:fld>
             <a:endParaRPr lang="ru-RU"/>
           </a:p>
@@ -699,7 +699,7 @@
             <a:fld id="{85A5DE44-605B-4D3B-B2B7-94543DF81A36}" type="datetimeFigureOut">
               <a:rPr lang="ru-RU" smtClean="0"/>
               <a:pPr/>
-              <a:t>22.06.2023</a:t>
+              <a:t>05.07.2023</a:t>
             </a:fld>
             <a:endParaRPr lang="ru-RU"/>
           </a:p>
@@ -871,7 +871,7 @@
             <a:fld id="{85A5DE44-605B-4D3B-B2B7-94543DF81A36}" type="datetimeFigureOut">
               <a:rPr lang="ru-RU" smtClean="0"/>
               <a:pPr/>
-              <a:t>22.06.2023</a:t>
+              <a:t>05.07.2023</a:t>
             </a:fld>
             <a:endParaRPr lang="ru-RU"/>
           </a:p>
@@ -1053,7 +1053,7 @@
             <a:fld id="{85A5DE44-605B-4D3B-B2B7-94543DF81A36}" type="datetimeFigureOut">
               <a:rPr lang="ru-RU" smtClean="0"/>
               <a:pPr/>
-              <a:t>22.06.2023</a:t>
+              <a:t>05.07.2023</a:t>
             </a:fld>
             <a:endParaRPr lang="ru-RU"/>
           </a:p>
@@ -1225,7 +1225,7 @@
             <a:fld id="{85A5DE44-605B-4D3B-B2B7-94543DF81A36}" type="datetimeFigureOut">
               <a:rPr lang="ru-RU" smtClean="0"/>
               <a:pPr/>
-              <a:t>22.06.2023</a:t>
+              <a:t>05.07.2023</a:t>
             </a:fld>
             <a:endParaRPr lang="ru-RU"/>
           </a:p>
@@ -1473,7 +1473,7 @@
             <a:fld id="{85A5DE44-605B-4D3B-B2B7-94543DF81A36}" type="datetimeFigureOut">
               <a:rPr lang="ru-RU" smtClean="0"/>
               <a:pPr/>
-              <a:t>22.06.2023</a:t>
+              <a:t>05.07.2023</a:t>
             </a:fld>
             <a:endParaRPr lang="ru-RU"/>
           </a:p>
@@ -1707,7 +1707,7 @@
             <a:fld id="{85A5DE44-605B-4D3B-B2B7-94543DF81A36}" type="datetimeFigureOut">
               <a:rPr lang="ru-RU" smtClean="0"/>
               <a:pPr/>
-              <a:t>22.06.2023</a:t>
+              <a:t>05.07.2023</a:t>
             </a:fld>
             <a:endParaRPr lang="ru-RU"/>
           </a:p>
@@ -2076,7 +2076,7 @@
             <a:fld id="{85A5DE44-605B-4D3B-B2B7-94543DF81A36}" type="datetimeFigureOut">
               <a:rPr lang="ru-RU" smtClean="0"/>
               <a:pPr/>
-              <a:t>22.06.2023</a:t>
+              <a:t>05.07.2023</a:t>
             </a:fld>
             <a:endParaRPr lang="ru-RU"/>
           </a:p>
@@ -2196,7 +2196,7 @@
             <a:fld id="{85A5DE44-605B-4D3B-B2B7-94543DF81A36}" type="datetimeFigureOut">
               <a:rPr lang="ru-RU" smtClean="0"/>
               <a:pPr/>
-              <a:t>22.06.2023</a:t>
+              <a:t>05.07.2023</a:t>
             </a:fld>
             <a:endParaRPr lang="ru-RU"/>
           </a:p>
@@ -2293,7 +2293,7 @@
             <a:fld id="{85A5DE44-605B-4D3B-B2B7-94543DF81A36}" type="datetimeFigureOut">
               <a:rPr lang="ru-RU" smtClean="0"/>
               <a:pPr/>
-              <a:t>22.06.2023</a:t>
+              <a:t>05.07.2023</a:t>
             </a:fld>
             <a:endParaRPr lang="ru-RU"/>
           </a:p>
@@ -2572,7 +2572,7 @@
             <a:fld id="{85A5DE44-605B-4D3B-B2B7-94543DF81A36}" type="datetimeFigureOut">
               <a:rPr lang="ru-RU" smtClean="0"/>
               <a:pPr/>
-              <a:t>22.06.2023</a:t>
+              <a:t>05.07.2023</a:t>
             </a:fld>
             <a:endParaRPr lang="ru-RU"/>
           </a:p>
@@ -2831,7 +2831,7 @@
             <a:fld id="{85A5DE44-605B-4D3B-B2B7-94543DF81A36}" type="datetimeFigureOut">
               <a:rPr lang="ru-RU" smtClean="0"/>
               <a:pPr/>
-              <a:t>22.06.2023</a:t>
+              <a:t>05.07.2023</a:t>
             </a:fld>
             <a:endParaRPr lang="ru-RU"/>
           </a:p>
@@ -3046,7 +3046,7 @@
             <a:fld id="{85A5DE44-605B-4D3B-B2B7-94543DF81A36}" type="datetimeFigureOut">
               <a:rPr lang="ru-RU" smtClean="0"/>
               <a:pPr/>
-              <a:t>22.06.2023</a:t>
+              <a:t>05.07.2023</a:t>
             </a:fld>
             <a:endParaRPr lang="ru-RU"/>
           </a:p>
@@ -21398,6 +21398,7 @@
         <p:nvCxnSpPr>
           <p:cNvPr id="670" name="Прямая соединительная линия 669"/>
           <p:cNvCxnSpPr>
+            <a:cxnSpLocks/>
             <a:stCxn id="669" idx="3"/>
             <a:endCxn id="662" idx="1"/>
           </p:cNvCxnSpPr>
@@ -21474,6 +21475,7 @@
         <p:nvCxnSpPr>
           <p:cNvPr id="676" name="Соединительная линия уступом 675"/>
           <p:cNvCxnSpPr>
+            <a:cxnSpLocks/>
             <a:stCxn id="661" idx="2"/>
             <a:endCxn id="662" idx="0"/>
           </p:cNvCxnSpPr>
@@ -21664,73 +21666,6 @@
           </a:fontRef>
         </p:style>
       </p:cxnSp>
-      <p:sp>
-        <p:nvSpPr>
-          <p:cNvPr id="492" name="Прямоугольник 491"/>
-          <p:cNvSpPr/>
-          <p:nvPr/>
-        </p:nvSpPr>
-        <p:spPr>
-          <a:xfrm>
-            <a:off x="23303558" y="7743133"/>
-            <a:ext cx="926325" cy="540000"/>
-          </a:xfrm>
-          <a:prstGeom prst="rect">
-            <a:avLst/>
-          </a:prstGeom>
-          <a:solidFill>
-            <a:schemeClr val="accent1">
-              <a:lumMod val="60000"/>
-              <a:lumOff val="40000"/>
-            </a:schemeClr>
-          </a:solidFill>
-          <a:ln w="19050">
-            <a:solidFill>
-              <a:srgbClr val="00B050"/>
-            </a:solidFill>
-          </a:ln>
-        </p:spPr>
-        <p:style>
-          <a:lnRef idx="2">
-            <a:schemeClr val="accent1"/>
-          </a:lnRef>
-          <a:fillRef idx="1">
-            <a:schemeClr val="lt1"/>
-          </a:fillRef>
-          <a:effectRef idx="0">
-            <a:schemeClr val="accent1"/>
-          </a:effectRef>
-          <a:fontRef idx="minor">
-            <a:schemeClr val="dk1"/>
-          </a:fontRef>
-        </p:style>
-        <p:txBody>
-          <a:bodyPr lIns="124733" tIns="62367" rIns="124733" bIns="62367" rtlCol="0" anchor="ctr"/>
-          <a:lstStyle/>
-          <a:p>
-            <a:pPr algn="ctr"/>
-            <a:r>
-              <a:rPr lang="ru-RU" sz="700" dirty="0"/>
-              <a:t>Лишить церковь всякого влияния</a:t>
-            </a:r>
-            <a:br>
-              <a:rPr lang="ru-RU" sz="700" dirty="0"/>
-            </a:br>
-            <a:r>
-              <a:rPr lang="ru-RU" sz="100" dirty="0"/>
-              <a:t>(10 октября - через пять дней после инаугурации республики - новое правительство постановило, что все монастыри, монастыри и религиозные организации будут запрещены. Все жители религиозных учреждений были изгнаны, а их имущество конфисковано. Иезуиты были вынуждены лишиться португальского гражданства. Серия антикатолических законов и указов следовала одна за другой в быстрой последовательности. 3 ноября был принят закон о разводе, а затем были приняты законы о признании законности детей, рожденных вне </a:t>
-            </a:r>
-            <a:r>
-              <a:rPr lang="ru-RU" sz="100" dirty="0" err="1"/>
-              <a:t>брака.разрешить</a:t>
-            </a:r>
-            <a:r>
-              <a:rPr lang="ru-RU" sz="100" dirty="0"/>
-              <a:t> кремацию, секуляризировать кладбища, запретить религиозное образование в школах и запретить использование рясы.)</a:t>
-            </a:r>
-          </a:p>
-        </p:txBody>
-      </p:sp>
       <p:sp>
         <p:nvSpPr>
           <p:cNvPr id="502" name="Прямоугольник 501"/>
@@ -22043,20 +21978,18 @@
         <p:nvCxnSpPr>
           <p:cNvPr id="580" name="Соединительная линия уступом 579"/>
           <p:cNvCxnSpPr>
+            <a:cxnSpLocks/>
             <a:stCxn id="566" idx="2"/>
-            <a:endCxn id="492" idx="0"/>
           </p:cNvCxnSpPr>
           <p:nvPr/>
         </p:nvCxnSpPr>
         <p:spPr>
           <a:xfrm rot="5400000">
-            <a:off x="24124913" y="7120563"/>
-            <a:ext cx="264379" cy="980761"/>
-          </a:xfrm>
-          <a:prstGeom prst="bentConnector3">
-            <a:avLst>
-              <a:gd name="adj1" fmla="val 50000"/>
-            </a:avLst>
+            <a:off x="24146869" y="7027009"/>
+            <a:ext cx="148869" cy="1052359"/>
+          </a:xfrm>
+          <a:prstGeom prst="bentConnector2">
+            <a:avLst/>
           </a:prstGeom>
           <a:ln w="19050">
             <a:tailEnd type="arrow"/>
@@ -22523,6 +22456,7 @@
         <p:nvCxnSpPr>
           <p:cNvPr id="515" name="Соединительная линия уступом 514"/>
           <p:cNvCxnSpPr>
+            <a:cxnSpLocks/>
             <a:stCxn id="662" idx="2"/>
             <a:endCxn id="511" idx="0"/>
           </p:cNvCxnSpPr>
@@ -22608,6 +22542,7 @@
         <p:nvCxnSpPr>
           <p:cNvPr id="600" name="Соединительная линия уступом 599"/>
           <p:cNvCxnSpPr>
+            <a:cxnSpLocks/>
             <a:stCxn id="662" idx="2"/>
             <a:endCxn id="591" idx="0"/>
           </p:cNvCxnSpPr>
@@ -22688,6 +22623,7 @@
         <p:nvCxnSpPr>
           <p:cNvPr id="609" name="Прямая со стрелкой 608"/>
           <p:cNvCxnSpPr>
+            <a:cxnSpLocks/>
             <a:stCxn id="662" idx="2"/>
             <a:endCxn id="608" idx="0"/>
           </p:cNvCxnSpPr>
@@ -22942,15 +22878,15 @@
         <p:nvCxnSpPr>
           <p:cNvPr id="624" name="Прямая со стрелкой 623"/>
           <p:cNvCxnSpPr>
-            <a:stCxn id="492" idx="2"/>
+            <a:cxnSpLocks/>
             <a:endCxn id="622" idx="0"/>
           </p:cNvCxnSpPr>
           <p:nvPr/>
         </p:nvCxnSpPr>
         <p:spPr>
-          <a:xfrm>
-            <a:off x="23766721" y="8283133"/>
-            <a:ext cx="797" cy="278278"/>
+          <a:xfrm flipH="1">
+            <a:off x="23767518" y="8455247"/>
+            <a:ext cx="462764" cy="106164"/>
           </a:xfrm>
           <a:prstGeom prst="straightConnector1">
             <a:avLst/>
@@ -37650,6 +37586,844 @@
           </a:fontRef>
         </p:style>
       </p:cxnSp>
+      <p:sp>
+        <p:nvSpPr>
+          <p:cNvPr id="783" name="Прямоугольник 782">
+            <a:extLst>
+              <a:ext uri="{FF2B5EF4-FFF2-40B4-BE49-F238E27FC236}">
+                <a16:creationId xmlns:a16="http://schemas.microsoft.com/office/drawing/2014/main" id="{2E8C6E5D-81D1-47EF-87E0-3B782A41B479}"/>
+              </a:ext>
+            </a:extLst>
+          </p:cNvPr>
+          <p:cNvSpPr/>
+          <p:nvPr/>
+        </p:nvSpPr>
+        <p:spPr>
+          <a:xfrm>
+            <a:off x="22532366" y="10137927"/>
+            <a:ext cx="926325" cy="540000"/>
+          </a:xfrm>
+          <a:prstGeom prst="rect">
+            <a:avLst/>
+          </a:prstGeom>
+          <a:solidFill>
+            <a:schemeClr val="accent1">
+              <a:lumMod val="60000"/>
+              <a:lumOff val="40000"/>
+            </a:schemeClr>
+          </a:solidFill>
+          <a:ln w="19050"/>
+        </p:spPr>
+        <p:style>
+          <a:lnRef idx="2">
+            <a:schemeClr val="accent1"/>
+          </a:lnRef>
+          <a:fillRef idx="1">
+            <a:schemeClr val="lt1"/>
+          </a:fillRef>
+          <a:effectRef idx="0">
+            <a:schemeClr val="accent1"/>
+          </a:effectRef>
+          <a:fontRef idx="minor">
+            <a:schemeClr val="dk1"/>
+          </a:fontRef>
+        </p:style>
+        <p:txBody>
+          <a:bodyPr lIns="124733" tIns="62367" rIns="124733" bIns="62367" rtlCol="0" anchor="ctr"/>
+          <a:lstStyle/>
+          <a:p>
+            <a:pPr algn="ctr"/>
+            <a:r>
+              <a:rPr lang="ru-RU" sz="700" dirty="0"/>
+              <a:t>Парижский кабинет (смешанная партия)</a:t>
+            </a:r>
+            <a:endParaRPr lang="ru-RU" sz="200" dirty="0"/>
+          </a:p>
+        </p:txBody>
+      </p:sp>
+      <p:sp>
+        <p:nvSpPr>
+          <p:cNvPr id="810" name="Прямоугольник 809">
+            <a:extLst>
+              <a:ext uri="{FF2B5EF4-FFF2-40B4-BE49-F238E27FC236}">
+                <a16:creationId xmlns:a16="http://schemas.microsoft.com/office/drawing/2014/main" id="{43DD9C5D-2A3C-4BFD-A327-BFAD0C6712EA}"/>
+              </a:ext>
+            </a:extLst>
+          </p:cNvPr>
+          <p:cNvSpPr/>
+          <p:nvPr/>
+        </p:nvSpPr>
+        <p:spPr>
+          <a:xfrm>
+            <a:off x="22513905" y="11549079"/>
+            <a:ext cx="926325" cy="540000"/>
+          </a:xfrm>
+          <a:prstGeom prst="rect">
+            <a:avLst/>
+          </a:prstGeom>
+          <a:solidFill>
+            <a:schemeClr val="accent1">
+              <a:lumMod val="60000"/>
+              <a:lumOff val="40000"/>
+            </a:schemeClr>
+          </a:solidFill>
+          <a:ln w="19050"/>
+        </p:spPr>
+        <p:style>
+          <a:lnRef idx="2">
+            <a:schemeClr val="accent1"/>
+          </a:lnRef>
+          <a:fillRef idx="1">
+            <a:schemeClr val="lt1"/>
+          </a:fillRef>
+          <a:effectRef idx="0">
+            <a:schemeClr val="accent1"/>
+          </a:effectRef>
+          <a:fontRef idx="minor">
+            <a:schemeClr val="dk1"/>
+          </a:fontRef>
+        </p:style>
+        <p:txBody>
+          <a:bodyPr lIns="124733" tIns="62367" rIns="124733" bIns="62367" rtlCol="0" anchor="ctr"/>
+          <a:lstStyle/>
+          <a:p>
+            <a:pPr algn="ctr"/>
+            <a:r>
+              <a:rPr lang="ru-RU" sz="700" dirty="0"/>
+              <a:t>Закон об отделении государства от церквей </a:t>
+            </a:r>
+            <a:r>
+              <a:rPr lang="ru-RU" sz="100" dirty="0"/>
+              <a:t>(Закон об отделении государства церквей был утвержден декретом Временного правительства Португальской Республики от 20 апреля 1911 г. [ 1 ] и опубликован в Правительственном вестнике от 21 числа того же месяца. . Имущество католической церкви было национализировано, а публичные богослужения стали контролироваться. В ответ Святой Престол разрывает дипломатические отношения с Португалией.)</a:t>
+            </a:r>
+            <a:endParaRPr lang="ru-RU" sz="200" dirty="0"/>
+          </a:p>
+        </p:txBody>
+      </p:sp>
+      <p:sp>
+        <p:nvSpPr>
+          <p:cNvPr id="860" name="Прямоугольник 859">
+            <a:extLst>
+              <a:ext uri="{FF2B5EF4-FFF2-40B4-BE49-F238E27FC236}">
+                <a16:creationId xmlns:a16="http://schemas.microsoft.com/office/drawing/2014/main" id="{C0678907-8C01-4CF9-8E54-EB39DDFF371F}"/>
+              </a:ext>
+            </a:extLst>
+          </p:cNvPr>
+          <p:cNvSpPr/>
+          <p:nvPr/>
+        </p:nvSpPr>
+        <p:spPr>
+          <a:xfrm>
+            <a:off x="21934471" y="12345264"/>
+            <a:ext cx="926325" cy="540000"/>
+          </a:xfrm>
+          <a:prstGeom prst="rect">
+            <a:avLst/>
+          </a:prstGeom>
+          <a:solidFill>
+            <a:schemeClr val="accent1">
+              <a:lumMod val="60000"/>
+              <a:lumOff val="40000"/>
+            </a:schemeClr>
+          </a:solidFill>
+          <a:ln w="19050"/>
+        </p:spPr>
+        <p:style>
+          <a:lnRef idx="2">
+            <a:schemeClr val="accent1"/>
+          </a:lnRef>
+          <a:fillRef idx="1">
+            <a:schemeClr val="lt1"/>
+          </a:fillRef>
+          <a:effectRef idx="0">
+            <a:schemeClr val="accent1"/>
+          </a:effectRef>
+          <a:fontRef idx="minor">
+            <a:schemeClr val="dk1"/>
+          </a:fontRef>
+        </p:style>
+        <p:txBody>
+          <a:bodyPr lIns="124733" tIns="62367" rIns="124733" bIns="62367" rtlCol="0" anchor="ctr"/>
+          <a:lstStyle/>
+          <a:p>
+            <a:pPr algn="ctr"/>
+            <a:r>
+              <a:rPr lang="ru-RU" sz="700" dirty="0"/>
+              <a:t>Приватизировать имущество католических церквей</a:t>
+            </a:r>
+            <a:endParaRPr lang="ru-RU" sz="200" dirty="0"/>
+          </a:p>
+        </p:txBody>
+      </p:sp>
+      <p:sp>
+        <p:nvSpPr>
+          <p:cNvPr id="987" name="Прямоугольник 986">
+            <a:extLst>
+              <a:ext uri="{FF2B5EF4-FFF2-40B4-BE49-F238E27FC236}">
+                <a16:creationId xmlns:a16="http://schemas.microsoft.com/office/drawing/2014/main" id="{6C67B5D2-1E66-4D36-9E1E-8EE9FC7213A8}"/>
+              </a:ext>
+            </a:extLst>
+          </p:cNvPr>
+          <p:cNvSpPr/>
+          <p:nvPr/>
+        </p:nvSpPr>
+        <p:spPr>
+          <a:xfrm>
+            <a:off x="22940811" y="12345264"/>
+            <a:ext cx="926325" cy="540000"/>
+          </a:xfrm>
+          <a:prstGeom prst="rect">
+            <a:avLst/>
+          </a:prstGeom>
+          <a:solidFill>
+            <a:schemeClr val="accent1">
+              <a:lumMod val="60000"/>
+              <a:lumOff val="40000"/>
+            </a:schemeClr>
+          </a:solidFill>
+          <a:ln w="19050"/>
+        </p:spPr>
+        <p:style>
+          <a:lnRef idx="2">
+            <a:schemeClr val="accent1"/>
+          </a:lnRef>
+          <a:fillRef idx="1">
+            <a:schemeClr val="lt1"/>
+          </a:fillRef>
+          <a:effectRef idx="0">
+            <a:schemeClr val="accent1"/>
+          </a:effectRef>
+          <a:fontRef idx="minor">
+            <a:schemeClr val="dk1"/>
+          </a:fontRef>
+        </p:style>
+        <p:txBody>
+          <a:bodyPr lIns="124733" tIns="62367" rIns="124733" bIns="62367" rtlCol="0" anchor="ctr"/>
+          <a:lstStyle/>
+          <a:p>
+            <a:pPr algn="ctr"/>
+            <a:r>
+              <a:rPr lang="ru-RU" sz="700" dirty="0"/>
+              <a:t>Легализация некатолических религиозных общин</a:t>
+            </a:r>
+            <a:endParaRPr lang="ru-RU" sz="200" dirty="0"/>
+          </a:p>
+        </p:txBody>
+      </p:sp>
+      <p:sp>
+        <p:nvSpPr>
+          <p:cNvPr id="991" name="Прямоугольник 990">
+            <a:extLst>
+              <a:ext uri="{FF2B5EF4-FFF2-40B4-BE49-F238E27FC236}">
+                <a16:creationId xmlns:a16="http://schemas.microsoft.com/office/drawing/2014/main" id="{AADC99F5-96CB-4EAD-9EA4-9896CE0B2940}"/>
+              </a:ext>
+            </a:extLst>
+          </p:cNvPr>
+          <p:cNvSpPr/>
+          <p:nvPr/>
+        </p:nvSpPr>
+        <p:spPr>
+          <a:xfrm>
+            <a:off x="21929980" y="10842242"/>
+            <a:ext cx="926325" cy="540000"/>
+          </a:xfrm>
+          <a:prstGeom prst="rect">
+            <a:avLst/>
+          </a:prstGeom>
+          <a:solidFill>
+            <a:schemeClr val="accent1">
+              <a:lumMod val="60000"/>
+              <a:lumOff val="40000"/>
+            </a:schemeClr>
+          </a:solidFill>
+          <a:ln w="19050"/>
+        </p:spPr>
+        <p:style>
+          <a:lnRef idx="2">
+            <a:schemeClr val="accent1"/>
+          </a:lnRef>
+          <a:fillRef idx="1">
+            <a:schemeClr val="lt1"/>
+          </a:fillRef>
+          <a:effectRef idx="0">
+            <a:schemeClr val="accent1"/>
+          </a:effectRef>
+          <a:fontRef idx="minor">
+            <a:schemeClr val="dk1"/>
+          </a:fontRef>
+        </p:style>
+        <p:txBody>
+          <a:bodyPr lIns="124733" tIns="62367" rIns="124733" bIns="62367" rtlCol="0" anchor="ctr"/>
+          <a:lstStyle/>
+          <a:p>
+            <a:pPr algn="ctr"/>
+            <a:r>
+              <a:rPr lang="ru-RU" sz="700" dirty="0"/>
+              <a:t>Защита интересов предпринимателей</a:t>
+            </a:r>
+            <a:br>
+              <a:rPr lang="ru-RU" sz="700" dirty="0"/>
+            </a:br>
+            <a:r>
+              <a:rPr lang="ru-RU" sz="100" dirty="0"/>
+              <a:t>(</a:t>
+            </a:r>
+            <a:r>
+              <a:rPr lang="ru-RU" sz="100" dirty="0" err="1"/>
+              <a:t>União</a:t>
+            </a:r>
+            <a:r>
+              <a:rPr lang="ru-RU" sz="100" dirty="0"/>
+              <a:t> </a:t>
+            </a:r>
+            <a:r>
+              <a:rPr lang="ru-RU" sz="100" dirty="0" err="1"/>
+              <a:t>dos</a:t>
+            </a:r>
+            <a:r>
+              <a:rPr lang="ru-RU" sz="100" dirty="0"/>
+              <a:t> </a:t>
+            </a:r>
+            <a:r>
+              <a:rPr lang="ru-RU" sz="100" dirty="0" err="1"/>
+              <a:t>Interesses</a:t>
+            </a:r>
+            <a:r>
+              <a:rPr lang="ru-RU" sz="100" dirty="0"/>
+              <a:t> </a:t>
+            </a:r>
+            <a:r>
+              <a:rPr lang="ru-RU" sz="100" dirty="0" err="1"/>
+              <a:t>Económicos</a:t>
+            </a:r>
+            <a:r>
+              <a:rPr lang="ru-RU" sz="100" dirty="0"/>
+              <a:t> (UIE) — политическая партия , созданная ассоциациями работодателей 28 сентября 1924 года, в заключительный период Первой португальской республики , с целью защиты интересов предпринимателей, особенно в табачном секторе , который Государство намеревалось, введя высокие налоги на ввозимый табак, защитить монополию группы </a:t>
+            </a:r>
+            <a:r>
+              <a:rPr lang="ru-RU" sz="100" dirty="0" err="1"/>
+              <a:t>Бернея</a:t>
+            </a:r>
+            <a:r>
+              <a:rPr lang="ru-RU" sz="100" dirty="0"/>
+              <a:t>.)</a:t>
+            </a:r>
+            <a:endParaRPr lang="ru-RU" sz="200" dirty="0"/>
+          </a:p>
+        </p:txBody>
+      </p:sp>
+      <p:sp>
+        <p:nvSpPr>
+          <p:cNvPr id="994" name="Прямоугольник 993">
+            <a:extLst>
+              <a:ext uri="{FF2B5EF4-FFF2-40B4-BE49-F238E27FC236}">
+                <a16:creationId xmlns:a16="http://schemas.microsoft.com/office/drawing/2014/main" id="{140AC416-CA9E-4E65-9649-CD163B83017C}"/>
+              </a:ext>
+            </a:extLst>
+          </p:cNvPr>
+          <p:cNvSpPr/>
+          <p:nvPr/>
+        </p:nvSpPr>
+        <p:spPr>
+          <a:xfrm>
+            <a:off x="23008993" y="10842242"/>
+            <a:ext cx="926325" cy="540000"/>
+          </a:xfrm>
+          <a:prstGeom prst="rect">
+            <a:avLst/>
+          </a:prstGeom>
+          <a:solidFill>
+            <a:schemeClr val="accent1">
+              <a:lumMod val="60000"/>
+              <a:lumOff val="40000"/>
+            </a:schemeClr>
+          </a:solidFill>
+          <a:ln w="19050"/>
+        </p:spPr>
+        <p:style>
+          <a:lnRef idx="2">
+            <a:schemeClr val="accent1"/>
+          </a:lnRef>
+          <a:fillRef idx="1">
+            <a:schemeClr val="lt1"/>
+          </a:fillRef>
+          <a:effectRef idx="0">
+            <a:schemeClr val="accent1"/>
+          </a:effectRef>
+          <a:fontRef idx="minor">
+            <a:schemeClr val="dk1"/>
+          </a:fontRef>
+        </p:style>
+        <p:txBody>
+          <a:bodyPr lIns="124733" tIns="62367" rIns="124733" bIns="62367" rtlCol="0" anchor="ctr"/>
+          <a:lstStyle/>
+          <a:p>
+            <a:pPr algn="ctr"/>
+            <a:r>
+              <a:rPr lang="ru-RU" sz="700" dirty="0"/>
+              <a:t>Ликвидировать монополии и подразделения латифундий </a:t>
+            </a:r>
+            <a:r>
+              <a:rPr lang="ru-RU" sz="100" dirty="0"/>
+              <a:t>(Этот разрыв расширился до такой степени, что партия раскололась, отказавшись от «левых», которые во главе с Хосе </a:t>
+            </a:r>
+            <a:r>
+              <a:rPr lang="ru-RU" sz="100" dirty="0" err="1"/>
+              <a:t>Домингешем</a:t>
+            </a:r>
+            <a:r>
+              <a:rPr lang="ru-RU" sz="100" dirty="0"/>
+              <a:t> душ </a:t>
+            </a:r>
+            <a:r>
+              <a:rPr lang="ru-RU" sz="100" dirty="0" err="1"/>
+              <a:t>Сантушем</a:t>
+            </a:r>
+            <a:r>
+              <a:rPr lang="ru-RU" sz="100" dirty="0"/>
+              <a:t> в августе основали Республиканскую партию демократических левых и поставили среди своих целей ликвидацию монополий и подразделение латифундий . Новая партия выбрала «Трибуну» в качестве основного средства массовой информации.)</a:t>
+            </a:r>
+            <a:endParaRPr lang="ru-RU" sz="200" dirty="0"/>
+          </a:p>
+        </p:txBody>
+      </p:sp>
+      <p:sp>
+        <p:nvSpPr>
+          <p:cNvPr id="996" name="Прямоугольник 995">
+            <a:extLst>
+              <a:ext uri="{FF2B5EF4-FFF2-40B4-BE49-F238E27FC236}">
+                <a16:creationId xmlns:a16="http://schemas.microsoft.com/office/drawing/2014/main" id="{7149FE3D-4F45-42CC-828F-B9E050461A69}"/>
+              </a:ext>
+            </a:extLst>
+          </p:cNvPr>
+          <p:cNvSpPr/>
+          <p:nvPr/>
+        </p:nvSpPr>
+        <p:spPr>
+          <a:xfrm>
+            <a:off x="24636926" y="10126064"/>
+            <a:ext cx="926325" cy="540000"/>
+          </a:xfrm>
+          <a:prstGeom prst="rect">
+            <a:avLst/>
+          </a:prstGeom>
+          <a:solidFill>
+            <a:schemeClr val="accent1">
+              <a:lumMod val="60000"/>
+              <a:lumOff val="40000"/>
+            </a:schemeClr>
+          </a:solidFill>
+          <a:ln w="19050"/>
+        </p:spPr>
+        <p:style>
+          <a:lnRef idx="2">
+            <a:schemeClr val="accent1"/>
+          </a:lnRef>
+          <a:fillRef idx="1">
+            <a:schemeClr val="lt1"/>
+          </a:fillRef>
+          <a:effectRef idx="0">
+            <a:schemeClr val="accent1"/>
+          </a:effectRef>
+          <a:fontRef idx="minor">
+            <a:schemeClr val="dk1"/>
+          </a:fontRef>
+        </p:style>
+        <p:txBody>
+          <a:bodyPr lIns="124733" tIns="62367" rIns="124733" bIns="62367" rtlCol="0" anchor="ctr"/>
+          <a:lstStyle/>
+          <a:p>
+            <a:pPr algn="ctr"/>
+            <a:r>
+              <a:rPr lang="ru-RU" sz="700" dirty="0"/>
+              <a:t>Мадридский кабинет (смешанная партия)</a:t>
+            </a:r>
+            <a:endParaRPr lang="ru-RU" sz="200" dirty="0"/>
+          </a:p>
+        </p:txBody>
+      </p:sp>
+      <p:sp>
+        <p:nvSpPr>
+          <p:cNvPr id="998" name="Прямоугольник 997">
+            <a:extLst>
+              <a:ext uri="{FF2B5EF4-FFF2-40B4-BE49-F238E27FC236}">
+                <a16:creationId xmlns:a16="http://schemas.microsoft.com/office/drawing/2014/main" id="{8BF779F4-410F-4EBB-931E-B7D35F491E47}"/>
+              </a:ext>
+            </a:extLst>
+          </p:cNvPr>
+          <p:cNvSpPr/>
+          <p:nvPr/>
+        </p:nvSpPr>
+        <p:spPr>
+          <a:xfrm>
+            <a:off x="25239143" y="10833817"/>
+            <a:ext cx="926325" cy="540000"/>
+          </a:xfrm>
+          <a:prstGeom prst="rect">
+            <a:avLst/>
+          </a:prstGeom>
+          <a:solidFill>
+            <a:schemeClr val="accent1">
+              <a:lumMod val="60000"/>
+              <a:lumOff val="40000"/>
+            </a:schemeClr>
+          </a:solidFill>
+          <a:ln w="19050"/>
+        </p:spPr>
+        <p:style>
+          <a:lnRef idx="2">
+            <a:schemeClr val="accent1"/>
+          </a:lnRef>
+          <a:fillRef idx="1">
+            <a:schemeClr val="lt1"/>
+          </a:fillRef>
+          <a:effectRef idx="0">
+            <a:schemeClr val="accent1"/>
+          </a:effectRef>
+          <a:fontRef idx="minor">
+            <a:schemeClr val="dk1"/>
+          </a:fontRef>
+        </p:style>
+        <p:txBody>
+          <a:bodyPr lIns="124733" tIns="62367" rIns="124733" bIns="62367" rtlCol="0" anchor="ctr"/>
+          <a:lstStyle/>
+          <a:p>
+            <a:pPr algn="ctr"/>
+            <a:r>
+              <a:rPr lang="ru-RU" sz="700" dirty="0"/>
+              <a:t>Восстановить высший совет колоний </a:t>
+            </a:r>
+            <a:r>
+              <a:rPr lang="ru-RU" sz="300" dirty="0"/>
+              <a:t>(Только в октябре 1926 года он согласился присоединиться к Высшему совету колоний)</a:t>
+            </a:r>
+            <a:endParaRPr lang="ru-RU" sz="200" dirty="0"/>
+          </a:p>
+        </p:txBody>
+      </p:sp>
+      <p:sp>
+        <p:nvSpPr>
+          <p:cNvPr id="999" name="Прямоугольник 998">
+            <a:extLst>
+              <a:ext uri="{FF2B5EF4-FFF2-40B4-BE49-F238E27FC236}">
+                <a16:creationId xmlns:a16="http://schemas.microsoft.com/office/drawing/2014/main" id="{0DEE4641-C4EF-4DF3-BEA2-3417617B9D01}"/>
+              </a:ext>
+            </a:extLst>
+          </p:cNvPr>
+          <p:cNvSpPr/>
+          <p:nvPr/>
+        </p:nvSpPr>
+        <p:spPr>
+          <a:xfrm>
+            <a:off x="24014391" y="10833817"/>
+            <a:ext cx="926325" cy="540000"/>
+          </a:xfrm>
+          <a:prstGeom prst="rect">
+            <a:avLst/>
+          </a:prstGeom>
+          <a:solidFill>
+            <a:schemeClr val="accent1">
+              <a:lumMod val="60000"/>
+              <a:lumOff val="40000"/>
+            </a:schemeClr>
+          </a:solidFill>
+          <a:ln w="19050"/>
+        </p:spPr>
+        <p:style>
+          <a:lnRef idx="2">
+            <a:schemeClr val="accent1"/>
+          </a:lnRef>
+          <a:fillRef idx="1">
+            <a:schemeClr val="lt1"/>
+          </a:fillRef>
+          <a:effectRef idx="0">
+            <a:schemeClr val="accent1"/>
+          </a:effectRef>
+          <a:fontRef idx="minor">
+            <a:schemeClr val="dk1"/>
+          </a:fontRef>
+        </p:style>
+        <p:txBody>
+          <a:bodyPr lIns="124733" tIns="62367" rIns="124733" bIns="62367" rtlCol="0" anchor="ctr"/>
+          <a:lstStyle/>
+          <a:p>
+            <a:pPr algn="ctr"/>
+            <a:r>
+              <a:rPr lang="ru-RU" sz="700" dirty="0"/>
+              <a:t>Легализовать контрабандистские каналы </a:t>
+            </a:r>
+            <a:r>
+              <a:rPr lang="ru-RU" sz="200" dirty="0"/>
+              <a:t>(Освободившись, он тайно переправился во Францию , страну, где с 1935 года действовал ордер на его арест в результате контрабанды оружия.)</a:t>
+            </a:r>
+          </a:p>
+        </p:txBody>
+      </p:sp>
+      <p:sp>
+        <p:nvSpPr>
+          <p:cNvPr id="1000" name="Прямоугольник 999">
+            <a:extLst>
+              <a:ext uri="{FF2B5EF4-FFF2-40B4-BE49-F238E27FC236}">
+                <a16:creationId xmlns:a16="http://schemas.microsoft.com/office/drawing/2014/main" id="{C60BF5F2-4540-492C-A38C-98D308AD42A6}"/>
+              </a:ext>
+            </a:extLst>
+          </p:cNvPr>
+          <p:cNvSpPr/>
+          <p:nvPr/>
+        </p:nvSpPr>
+        <p:spPr>
+          <a:xfrm>
+            <a:off x="25239143" y="11540654"/>
+            <a:ext cx="926325" cy="540000"/>
+          </a:xfrm>
+          <a:prstGeom prst="rect">
+            <a:avLst/>
+          </a:prstGeom>
+          <a:solidFill>
+            <a:schemeClr val="accent1">
+              <a:lumMod val="60000"/>
+              <a:lumOff val="40000"/>
+            </a:schemeClr>
+          </a:solidFill>
+          <a:ln w="19050"/>
+        </p:spPr>
+        <p:style>
+          <a:lnRef idx="2">
+            <a:schemeClr val="accent1"/>
+          </a:lnRef>
+          <a:fillRef idx="1">
+            <a:schemeClr val="lt1"/>
+          </a:fillRef>
+          <a:effectRef idx="0">
+            <a:schemeClr val="accent1"/>
+          </a:effectRef>
+          <a:fontRef idx="minor">
+            <a:schemeClr val="dk1"/>
+          </a:fontRef>
+        </p:style>
+        <p:txBody>
+          <a:bodyPr lIns="124733" tIns="62367" rIns="124733" bIns="62367" rtlCol="0" anchor="ctr"/>
+          <a:lstStyle/>
+          <a:p>
+            <a:pPr algn="ctr"/>
+            <a:r>
+              <a:rPr lang="ru-RU" sz="700" dirty="0"/>
+              <a:t>Развитие сельского хозяйства в колониях </a:t>
+            </a:r>
+            <a:endParaRPr lang="ru-RU" sz="200" dirty="0"/>
+          </a:p>
+        </p:txBody>
+      </p:sp>
+      <p:sp>
+        <p:nvSpPr>
+          <p:cNvPr id="1003" name="Прямоугольник 1002">
+            <a:extLst>
+              <a:ext uri="{FF2B5EF4-FFF2-40B4-BE49-F238E27FC236}">
+                <a16:creationId xmlns:a16="http://schemas.microsoft.com/office/drawing/2014/main" id="{BBA4A6F2-F49A-4BF3-96E3-E4653D23A059}"/>
+              </a:ext>
+            </a:extLst>
+          </p:cNvPr>
+          <p:cNvSpPr/>
+          <p:nvPr/>
+        </p:nvSpPr>
+        <p:spPr>
+          <a:xfrm>
+            <a:off x="24014391" y="11540654"/>
+            <a:ext cx="926325" cy="540000"/>
+          </a:xfrm>
+          <a:prstGeom prst="rect">
+            <a:avLst/>
+          </a:prstGeom>
+          <a:solidFill>
+            <a:schemeClr val="accent1">
+              <a:lumMod val="60000"/>
+              <a:lumOff val="40000"/>
+            </a:schemeClr>
+          </a:solidFill>
+          <a:ln w="19050"/>
+        </p:spPr>
+        <p:style>
+          <a:lnRef idx="2">
+            <a:schemeClr val="accent1"/>
+          </a:lnRef>
+          <a:fillRef idx="1">
+            <a:schemeClr val="lt1"/>
+          </a:fillRef>
+          <a:effectRef idx="0">
+            <a:schemeClr val="accent1"/>
+          </a:effectRef>
+          <a:fontRef idx="minor">
+            <a:schemeClr val="dk1"/>
+          </a:fontRef>
+        </p:style>
+        <p:txBody>
+          <a:bodyPr lIns="124733" tIns="62367" rIns="124733" bIns="62367" rtlCol="0" anchor="ctr"/>
+          <a:lstStyle/>
+          <a:p>
+            <a:pPr algn="ctr"/>
+            <a:r>
+              <a:rPr lang="ru-RU" sz="700" dirty="0"/>
+              <a:t>Дополнительное финансирование флота</a:t>
+            </a:r>
+            <a:endParaRPr lang="ru-RU" sz="200" dirty="0"/>
+          </a:p>
+        </p:txBody>
+      </p:sp>
+      <p:sp>
+        <p:nvSpPr>
+          <p:cNvPr id="1004" name="Прямоугольник 1003">
+            <a:extLst>
+              <a:ext uri="{FF2B5EF4-FFF2-40B4-BE49-F238E27FC236}">
+                <a16:creationId xmlns:a16="http://schemas.microsoft.com/office/drawing/2014/main" id="{50CBF9C0-CF4E-4FD7-952B-630E25436357}"/>
+              </a:ext>
+            </a:extLst>
+          </p:cNvPr>
+          <p:cNvSpPr/>
+          <p:nvPr/>
+        </p:nvSpPr>
+        <p:spPr>
+          <a:xfrm>
+            <a:off x="24636925" y="12317625"/>
+            <a:ext cx="926325" cy="540000"/>
+          </a:xfrm>
+          <a:prstGeom prst="rect">
+            <a:avLst/>
+          </a:prstGeom>
+          <a:solidFill>
+            <a:schemeClr val="accent1">
+              <a:lumMod val="60000"/>
+              <a:lumOff val="40000"/>
+            </a:schemeClr>
+          </a:solidFill>
+          <a:ln w="19050"/>
+        </p:spPr>
+        <p:style>
+          <a:lnRef idx="2">
+            <a:schemeClr val="accent1"/>
+          </a:lnRef>
+          <a:fillRef idx="1">
+            <a:schemeClr val="lt1"/>
+          </a:fillRef>
+          <a:effectRef idx="0">
+            <a:schemeClr val="accent1"/>
+          </a:effectRef>
+          <a:fontRef idx="minor">
+            <a:schemeClr val="dk1"/>
+          </a:fontRef>
+        </p:style>
+        <p:txBody>
+          <a:bodyPr lIns="124733" tIns="62367" rIns="124733" bIns="62367" rtlCol="0" anchor="ctr"/>
+          <a:lstStyle/>
+          <a:p>
+            <a:pPr algn="ctr"/>
+            <a:r>
+              <a:rPr lang="ru-RU" sz="700" dirty="0"/>
+              <a:t>Крейсерская программа</a:t>
+            </a:r>
+            <a:endParaRPr lang="ru-RU" sz="200" dirty="0"/>
+          </a:p>
+        </p:txBody>
+      </p:sp>
+      <p:cxnSp>
+        <p:nvCxnSpPr>
+          <p:cNvPr id="1006" name="Прямая соединительная линия 1005">
+            <a:extLst>
+              <a:ext uri="{FF2B5EF4-FFF2-40B4-BE49-F238E27FC236}">
+                <a16:creationId xmlns:a16="http://schemas.microsoft.com/office/drawing/2014/main" id="{29C7D0D0-31C1-46CF-9BDB-0B1F334D357A}"/>
+              </a:ext>
+            </a:extLst>
+          </p:cNvPr>
+          <p:cNvCxnSpPr>
+            <a:cxnSpLocks/>
+            <a:stCxn id="991" idx="3"/>
+            <a:endCxn id="994" idx="1"/>
+          </p:cNvCxnSpPr>
+          <p:nvPr/>
+        </p:nvCxnSpPr>
+        <p:spPr>
+          <a:xfrm>
+            <a:off x="22856305" y="11112242"/>
+            <a:ext cx="152688" cy="0"/>
+          </a:xfrm>
+          <a:prstGeom prst="line">
+            <a:avLst/>
+          </a:prstGeom>
+          <a:ln w="19050">
+            <a:solidFill>
+              <a:srgbClr val="FF0000"/>
+            </a:solidFill>
+          </a:ln>
+        </p:spPr>
+        <p:style>
+          <a:lnRef idx="1">
+            <a:schemeClr val="accent1"/>
+          </a:lnRef>
+          <a:fillRef idx="0">
+            <a:schemeClr val="accent1"/>
+          </a:fillRef>
+          <a:effectRef idx="0">
+            <a:schemeClr val="accent1"/>
+          </a:effectRef>
+          <a:fontRef idx="minor">
+            <a:schemeClr val="tx1"/>
+          </a:fontRef>
+        </p:style>
+      </p:cxnSp>
+      <p:sp>
+        <p:nvSpPr>
+          <p:cNvPr id="1007" name="Прямоугольник 1006">
+            <a:extLst>
+              <a:ext uri="{FF2B5EF4-FFF2-40B4-BE49-F238E27FC236}">
+                <a16:creationId xmlns:a16="http://schemas.microsoft.com/office/drawing/2014/main" id="{F728A23C-DF34-4822-B28C-8D08437013D4}"/>
+              </a:ext>
+            </a:extLst>
+          </p:cNvPr>
+          <p:cNvSpPr/>
+          <p:nvPr/>
+        </p:nvSpPr>
+        <p:spPr>
+          <a:xfrm>
+            <a:off x="26307061" y="10141265"/>
+            <a:ext cx="926325" cy="540000"/>
+          </a:xfrm>
+          <a:prstGeom prst="rect">
+            <a:avLst/>
+          </a:prstGeom>
+          <a:solidFill>
+            <a:schemeClr val="accent1">
+              <a:lumMod val="60000"/>
+              <a:lumOff val="40000"/>
+            </a:schemeClr>
+          </a:solidFill>
+          <a:ln w="19050"/>
+        </p:spPr>
+        <p:style>
+          <a:lnRef idx="2">
+            <a:schemeClr val="accent1"/>
+          </a:lnRef>
+          <a:fillRef idx="1">
+            <a:schemeClr val="lt1"/>
+          </a:fillRef>
+          <a:effectRef idx="0">
+            <a:schemeClr val="accent1"/>
+          </a:effectRef>
+          <a:fontRef idx="minor">
+            <a:schemeClr val="dk1"/>
+          </a:fontRef>
+        </p:style>
+        <p:txBody>
+          <a:bodyPr lIns="124733" tIns="62367" rIns="124733" bIns="62367" rtlCol="0" anchor="ctr"/>
+          <a:lstStyle/>
+          <a:p>
+            <a:pPr algn="ctr"/>
+            <a:r>
+              <a:rPr lang="ru-RU" sz="700" dirty="0"/>
+              <a:t>Кабинет Республиканской партии</a:t>
+            </a:r>
+            <a:endParaRPr lang="ru-RU" sz="200" dirty="0"/>
+          </a:p>
+        </p:txBody>
+      </p:sp>
     </p:spTree>
     <p:extLst>
       <p:ext uri="{BB962C8B-B14F-4D97-AF65-F5344CB8AC3E}">

--- a/Наработки/диздоки/Португалия/Португалия общая.pptx
+++ b/Наработки/диздоки/Португалия/Португалия общая.pptx
@@ -209,7 +209,7 @@
             <a:fld id="{33E3D7F9-E251-484C-A6FF-FA958879DF69}" type="datetimeFigureOut">
               <a:rPr lang="ru-RU" smtClean="0"/>
               <a:pPr/>
-              <a:t>06.07.2023</a:t>
+              <a:t>18.07.2023</a:t>
             </a:fld>
             <a:endParaRPr lang="ru-RU"/>
           </a:p>
@@ -699,7 +699,7 @@
             <a:fld id="{85A5DE44-605B-4D3B-B2B7-94543DF81A36}" type="datetimeFigureOut">
               <a:rPr lang="ru-RU" smtClean="0"/>
               <a:pPr/>
-              <a:t>06.07.2023</a:t>
+              <a:t>18.07.2023</a:t>
             </a:fld>
             <a:endParaRPr lang="ru-RU"/>
           </a:p>
@@ -871,7 +871,7 @@
             <a:fld id="{85A5DE44-605B-4D3B-B2B7-94543DF81A36}" type="datetimeFigureOut">
               <a:rPr lang="ru-RU" smtClean="0"/>
               <a:pPr/>
-              <a:t>06.07.2023</a:t>
+              <a:t>18.07.2023</a:t>
             </a:fld>
             <a:endParaRPr lang="ru-RU"/>
           </a:p>
@@ -1053,7 +1053,7 @@
             <a:fld id="{85A5DE44-605B-4D3B-B2B7-94543DF81A36}" type="datetimeFigureOut">
               <a:rPr lang="ru-RU" smtClean="0"/>
               <a:pPr/>
-              <a:t>06.07.2023</a:t>
+              <a:t>18.07.2023</a:t>
             </a:fld>
             <a:endParaRPr lang="ru-RU"/>
           </a:p>
@@ -1225,7 +1225,7 @@
             <a:fld id="{85A5DE44-605B-4D3B-B2B7-94543DF81A36}" type="datetimeFigureOut">
               <a:rPr lang="ru-RU" smtClean="0"/>
               <a:pPr/>
-              <a:t>06.07.2023</a:t>
+              <a:t>18.07.2023</a:t>
             </a:fld>
             <a:endParaRPr lang="ru-RU"/>
           </a:p>
@@ -1473,7 +1473,7 @@
             <a:fld id="{85A5DE44-605B-4D3B-B2B7-94543DF81A36}" type="datetimeFigureOut">
               <a:rPr lang="ru-RU" smtClean="0"/>
               <a:pPr/>
-              <a:t>06.07.2023</a:t>
+              <a:t>18.07.2023</a:t>
             </a:fld>
             <a:endParaRPr lang="ru-RU"/>
           </a:p>
@@ -1707,7 +1707,7 @@
             <a:fld id="{85A5DE44-605B-4D3B-B2B7-94543DF81A36}" type="datetimeFigureOut">
               <a:rPr lang="ru-RU" smtClean="0"/>
               <a:pPr/>
-              <a:t>06.07.2023</a:t>
+              <a:t>18.07.2023</a:t>
             </a:fld>
             <a:endParaRPr lang="ru-RU"/>
           </a:p>
@@ -2076,7 +2076,7 @@
             <a:fld id="{85A5DE44-605B-4D3B-B2B7-94543DF81A36}" type="datetimeFigureOut">
               <a:rPr lang="ru-RU" smtClean="0"/>
               <a:pPr/>
-              <a:t>06.07.2023</a:t>
+              <a:t>18.07.2023</a:t>
             </a:fld>
             <a:endParaRPr lang="ru-RU"/>
           </a:p>
@@ -2196,7 +2196,7 @@
             <a:fld id="{85A5DE44-605B-4D3B-B2B7-94543DF81A36}" type="datetimeFigureOut">
               <a:rPr lang="ru-RU" smtClean="0"/>
               <a:pPr/>
-              <a:t>06.07.2023</a:t>
+              <a:t>18.07.2023</a:t>
             </a:fld>
             <a:endParaRPr lang="ru-RU"/>
           </a:p>
@@ -2293,7 +2293,7 @@
             <a:fld id="{85A5DE44-605B-4D3B-B2B7-94543DF81A36}" type="datetimeFigureOut">
               <a:rPr lang="ru-RU" smtClean="0"/>
               <a:pPr/>
-              <a:t>06.07.2023</a:t>
+              <a:t>18.07.2023</a:t>
             </a:fld>
             <a:endParaRPr lang="ru-RU"/>
           </a:p>
@@ -2572,7 +2572,7 @@
             <a:fld id="{85A5DE44-605B-4D3B-B2B7-94543DF81A36}" type="datetimeFigureOut">
               <a:rPr lang="ru-RU" smtClean="0"/>
               <a:pPr/>
-              <a:t>06.07.2023</a:t>
+              <a:t>18.07.2023</a:t>
             </a:fld>
             <a:endParaRPr lang="ru-RU"/>
           </a:p>
@@ -2831,7 +2831,7 @@
             <a:fld id="{85A5DE44-605B-4D3B-B2B7-94543DF81A36}" type="datetimeFigureOut">
               <a:rPr lang="ru-RU" smtClean="0"/>
               <a:pPr/>
-              <a:t>06.07.2023</a:t>
+              <a:t>18.07.2023</a:t>
             </a:fld>
             <a:endParaRPr lang="ru-RU"/>
           </a:p>
@@ -3046,7 +3046,7 @@
             <a:fld id="{85A5DE44-605B-4D3B-B2B7-94543DF81A36}" type="datetimeFigureOut">
               <a:rPr lang="ru-RU" smtClean="0"/>
               <a:pPr/>
-              <a:t>06.07.2023</a:t>
+              <a:t>18.07.2023</a:t>
             </a:fld>
             <a:endParaRPr lang="ru-RU"/>
           </a:p>
@@ -10240,7 +10240,7 @@
         </p:nvSpPr>
         <p:spPr>
           <a:xfrm>
-            <a:off x="30217494" y="5287728"/>
+            <a:off x="29700505" y="5287728"/>
             <a:ext cx="926325" cy="540000"/>
           </a:xfrm>
           <a:prstGeom prst="rect">
@@ -10394,7 +10394,7 @@
         </p:nvSpPr>
         <p:spPr>
           <a:xfrm>
-            <a:off x="31241567" y="5291616"/>
+            <a:off x="28679498" y="5291701"/>
             <a:ext cx="926325" cy="540000"/>
           </a:xfrm>
           <a:prstGeom prst="rect">
@@ -10445,7 +10445,7 @@
         </p:nvSpPr>
         <p:spPr>
           <a:xfrm>
-            <a:off x="30735461" y="4460553"/>
+            <a:off x="29700504" y="4451069"/>
             <a:ext cx="926325" cy="540000"/>
           </a:xfrm>
           <a:prstGeom prst="rect">
@@ -14721,8 +14721,8 @@
         </p:nvCxnSpPr>
         <p:spPr>
           <a:xfrm rot="16200000" flipH="1">
-            <a:off x="26021885" y="-716186"/>
-            <a:ext cx="236978" cy="10116500"/>
+            <a:off x="25509148" y="-203450"/>
+            <a:ext cx="227494" cy="9081543"/>
           </a:xfrm>
           <a:prstGeom prst="bentConnector3">
             <a:avLst>
@@ -14760,8 +14760,8 @@
         </p:nvCxnSpPr>
         <p:spPr>
           <a:xfrm rot="5400000">
-            <a:off x="33883924" y="1536783"/>
-            <a:ext cx="238471" cy="5609069"/>
+            <a:off x="33371187" y="1014562"/>
+            <a:ext cx="228987" cy="6644026"/>
           </a:xfrm>
           <a:prstGeom prst="bentConnector3">
             <a:avLst>
@@ -17157,7 +17157,7 @@
         </p:nvSpPr>
         <p:spPr>
           <a:xfrm>
-            <a:off x="23919944" y="5290677"/>
+            <a:off x="23353865" y="5307115"/>
             <a:ext cx="926325" cy="540000"/>
           </a:xfrm>
           <a:prstGeom prst="rect">
@@ -17212,8 +17212,8 @@
         </p:nvCxnSpPr>
         <p:spPr>
           <a:xfrm rot="5400000">
-            <a:off x="24749498" y="4626396"/>
-            <a:ext cx="297890" cy="1030672"/>
+            <a:off x="24458240" y="4351576"/>
+            <a:ext cx="314328" cy="1596751"/>
           </a:xfrm>
           <a:prstGeom prst="bentConnector3">
             <a:avLst>
@@ -17247,7 +17247,7 @@
         </p:nvSpPr>
         <p:spPr>
           <a:xfrm>
-            <a:off x="24951132" y="6139123"/>
+            <a:off x="24951132" y="6124375"/>
             <a:ext cx="926325" cy="540000"/>
           </a:xfrm>
           <a:prstGeom prst="rect">
@@ -17334,7 +17334,7 @@
             <a:pPr algn="ctr"/>
             <a:r>
               <a:rPr lang="ru-RU" sz="700" dirty="0"/>
-              <a:t>Вторая Португальская Республика</a:t>
+              <a:t>Третья Португальская Республика (переименовать)</a:t>
             </a:r>
           </a:p>
         </p:txBody>
@@ -17347,7 +17347,7 @@
         </p:nvSpPr>
         <p:spPr>
           <a:xfrm>
-            <a:off x="25971623" y="5289597"/>
+            <a:off x="26529229" y="5305501"/>
             <a:ext cx="926325" cy="540000"/>
           </a:xfrm>
           <a:prstGeom prst="rect">
@@ -17399,8 +17399,8 @@
         </p:nvCxnSpPr>
         <p:spPr>
           <a:xfrm rot="16200000" flipH="1">
-            <a:off x="25775877" y="4630688"/>
-            <a:ext cx="296810" cy="1021007"/>
+            <a:off x="26046728" y="4359837"/>
+            <a:ext cx="312714" cy="1578613"/>
           </a:xfrm>
           <a:prstGeom prst="bentConnector3">
             <a:avLst>
@@ -17437,8 +17437,8 @@
         </p:nvCxnSpPr>
         <p:spPr>
           <a:xfrm rot="16200000" flipH="1">
-            <a:off x="24744478" y="5469306"/>
-            <a:ext cx="308446" cy="1031188"/>
+            <a:off x="24477031" y="5187111"/>
+            <a:ext cx="277260" cy="1597267"/>
           </a:xfrm>
           <a:prstGeom prst="bentConnector3">
             <a:avLst>
@@ -17466,44 +17466,6 @@
       </p:cxnSp>
       <p:cxnSp>
         <p:nvCxnSpPr>
-          <p:cNvPr id="584" name="Соединительная линия уступом 583"/>
-          <p:cNvCxnSpPr>
-            <a:stCxn id="571" idx="2"/>
-            <a:endCxn id="565" idx="0"/>
-          </p:cNvCxnSpPr>
-          <p:nvPr/>
-        </p:nvCxnSpPr>
-        <p:spPr>
-          <a:xfrm rot="5400000">
-            <a:off x="25769778" y="5474115"/>
-            <a:ext cx="309526" cy="1020491"/>
-          </a:xfrm>
-          <a:prstGeom prst="bentConnector3">
-            <a:avLst>
-              <a:gd name="adj1" fmla="val 50000"/>
-            </a:avLst>
-          </a:prstGeom>
-          <a:ln w="19050">
-            <a:tailEnd type="arrow"/>
-          </a:ln>
-        </p:spPr>
-        <p:style>
-          <a:lnRef idx="1">
-            <a:schemeClr val="accent1"/>
-          </a:lnRef>
-          <a:fillRef idx="0">
-            <a:schemeClr val="accent1"/>
-          </a:fillRef>
-          <a:effectRef idx="0">
-            <a:schemeClr val="accent1"/>
-          </a:effectRef>
-          <a:fontRef idx="minor">
-            <a:schemeClr val="tx1"/>
-          </a:fontRef>
-        </p:style>
-      </p:cxnSp>
-      <p:cxnSp>
-        <p:nvCxnSpPr>
           <p:cNvPr id="587" name="Прямая со стрелкой 586"/>
           <p:cNvCxnSpPr>
             <a:cxnSpLocks/>
@@ -17514,8 +17476,8 @@
         </p:nvCxnSpPr>
         <p:spPr>
           <a:xfrm flipH="1">
-            <a:off x="25413300" y="6679123"/>
-            <a:ext cx="995" cy="246617"/>
+            <a:off x="25413300" y="6664375"/>
+            <a:ext cx="995" cy="261365"/>
           </a:xfrm>
           <a:prstGeom prst="straightConnector1">
             <a:avLst/>
@@ -20866,8 +20828,8 @@
         </p:nvCxnSpPr>
         <p:spPr>
           <a:xfrm rot="16200000" flipH="1">
-            <a:off x="30779899" y="5728486"/>
-            <a:ext cx="319485" cy="517968"/>
+            <a:off x="30521404" y="5469991"/>
+            <a:ext cx="319485" cy="1034957"/>
           </a:xfrm>
           <a:prstGeom prst="bentConnector3">
             <a:avLst>
@@ -21166,9 +21128,9 @@
           <p:nvPr/>
         </p:nvCxnSpPr>
         <p:spPr>
-          <a:xfrm rot="5400000">
-            <a:off x="30264696" y="5733527"/>
-            <a:ext cx="321760" cy="510163"/>
+          <a:xfrm rot="16200000" flipH="1">
+            <a:off x="30006201" y="5985195"/>
+            <a:ext cx="321760" cy="6826"/>
           </a:xfrm>
           <a:prstGeom prst="bentConnector3">
             <a:avLst>
@@ -21780,7 +21742,7 @@
         </p:nvSpPr>
         <p:spPr>
           <a:xfrm>
-            <a:off x="24950312" y="5292352"/>
+            <a:off x="24403766" y="5307114"/>
             <a:ext cx="926325" cy="540000"/>
           </a:xfrm>
           <a:prstGeom prst="rect">
@@ -21820,78 +21782,6 @@
           </a:p>
         </p:txBody>
       </p:sp>
-      <p:cxnSp>
-        <p:nvCxnSpPr>
-          <p:cNvPr id="530" name="Прямая со стрелкой 529"/>
-          <p:cNvCxnSpPr>
-            <a:stCxn id="264" idx="2"/>
-            <a:endCxn id="526" idx="0"/>
-          </p:cNvCxnSpPr>
-          <p:nvPr/>
-        </p:nvCxnSpPr>
-        <p:spPr>
-          <a:xfrm flipH="1">
-            <a:off x="25413475" y="4992787"/>
-            <a:ext cx="304" cy="299565"/>
-          </a:xfrm>
-          <a:prstGeom prst="straightConnector1">
-            <a:avLst/>
-          </a:prstGeom>
-          <a:ln w="19050">
-            <a:tailEnd type="arrow"/>
-          </a:ln>
-        </p:spPr>
-        <p:style>
-          <a:lnRef idx="1">
-            <a:schemeClr val="accent1"/>
-          </a:lnRef>
-          <a:fillRef idx="0">
-            <a:schemeClr val="accent1"/>
-          </a:fillRef>
-          <a:effectRef idx="0">
-            <a:schemeClr val="accent1"/>
-          </a:effectRef>
-          <a:fontRef idx="minor">
-            <a:schemeClr val="tx1"/>
-          </a:fontRef>
-        </p:style>
-      </p:cxnSp>
-      <p:cxnSp>
-        <p:nvCxnSpPr>
-          <p:cNvPr id="539" name="Прямая со стрелкой 538"/>
-          <p:cNvCxnSpPr>
-            <a:stCxn id="526" idx="2"/>
-            <a:endCxn id="565" idx="0"/>
-          </p:cNvCxnSpPr>
-          <p:nvPr/>
-        </p:nvCxnSpPr>
-        <p:spPr>
-          <a:xfrm>
-            <a:off x="25413475" y="5832352"/>
-            <a:ext cx="820" cy="306771"/>
-          </a:xfrm>
-          <a:prstGeom prst="straightConnector1">
-            <a:avLst/>
-          </a:prstGeom>
-          <a:ln w="19050">
-            <a:tailEnd type="arrow"/>
-          </a:ln>
-        </p:spPr>
-        <p:style>
-          <a:lnRef idx="1">
-            <a:schemeClr val="accent1"/>
-          </a:lnRef>
-          <a:fillRef idx="0">
-            <a:schemeClr val="accent1"/>
-          </a:fillRef>
-          <a:effectRef idx="0">
-            <a:schemeClr val="accent1"/>
-          </a:effectRef>
-          <a:fontRef idx="minor">
-            <a:schemeClr val="tx1"/>
-          </a:fontRef>
-        </p:style>
-      </p:cxnSp>
       <p:sp>
         <p:nvSpPr>
           <p:cNvPr id="546" name="Прямоугольник 545"/>
@@ -21900,7 +21790,7 @@
         </p:nvSpPr>
         <p:spPr>
           <a:xfrm>
-            <a:off x="23925659" y="6140117"/>
+            <a:off x="23925659" y="6125369"/>
             <a:ext cx="926325" cy="540000"/>
           </a:xfrm>
           <a:prstGeom prst="rect">
@@ -21951,9 +21841,9 @@
           <p:nvPr/>
         </p:nvCxnSpPr>
         <p:spPr>
-          <a:xfrm rot="16200000" flipH="1">
-            <a:off x="31306146" y="4893031"/>
-            <a:ext cx="291063" cy="506106"/>
+          <a:xfrm rot="5400000">
+            <a:off x="29502848" y="4630882"/>
+            <a:ext cx="300632" cy="1021006"/>
           </a:xfrm>
           <a:prstGeom prst="bentConnector3">
             <a:avLst>
@@ -21989,9 +21879,9 @@
           <p:nvPr/>
         </p:nvCxnSpPr>
         <p:spPr>
-          <a:xfrm rot="5400000">
-            <a:off x="30796054" y="4885157"/>
-            <a:ext cx="287175" cy="517967"/>
+          <a:xfrm rot="16200000" flipH="1">
+            <a:off x="30015338" y="5139397"/>
+            <a:ext cx="296659" cy="1"/>
           </a:xfrm>
           <a:prstGeom prst="bentConnector3">
             <a:avLst>
@@ -25020,9 +24910,9 @@
           <p:nvPr/>
         </p:nvCxnSpPr>
         <p:spPr>
-          <a:xfrm>
-            <a:off x="25876941" y="4722787"/>
-            <a:ext cx="4858520" cy="7766"/>
+          <a:xfrm flipV="1">
+            <a:off x="25876941" y="4721069"/>
+            <a:ext cx="3823563" cy="1718"/>
           </a:xfrm>
           <a:prstGeom prst="line">
             <a:avLst/>
@@ -37222,7 +37112,7 @@
         </p:nvSpPr>
         <p:spPr>
           <a:xfrm>
-            <a:off x="24950104" y="8581853"/>
+            <a:off x="24956500" y="8537439"/>
             <a:ext cx="926325" cy="540000"/>
           </a:xfrm>
           <a:prstGeom prst="rect">
@@ -37568,7 +37458,7 @@
         </p:nvSpPr>
         <p:spPr>
           <a:xfrm>
-            <a:off x="27054929" y="6139286"/>
+            <a:off x="27054929" y="6124538"/>
             <a:ext cx="926325" cy="540000"/>
           </a:xfrm>
           <a:prstGeom prst="rect">
@@ -37740,7 +37630,7 @@
         </p:nvSpPr>
         <p:spPr>
           <a:xfrm>
-            <a:off x="23348769" y="8597959"/>
+            <a:off x="23350432" y="8537439"/>
             <a:ext cx="926325" cy="540000"/>
           </a:xfrm>
           <a:prstGeom prst="rect">
@@ -37883,49 +37773,6 @@
       </p:cxnSp>
       <p:cxnSp>
         <p:nvCxnSpPr>
-          <p:cNvPr id="1008" name="Прямая со стрелкой 1007">
-            <a:extLst>
-              <a:ext uri="{FF2B5EF4-FFF2-40B4-BE49-F238E27FC236}">
-                <a16:creationId xmlns:a16="http://schemas.microsoft.com/office/drawing/2014/main" id="{02D8627C-24EF-4FC0-A6C4-15BFC9515A58}"/>
-              </a:ext>
-            </a:extLst>
-          </p:cNvPr>
-          <p:cNvCxnSpPr>
-            <a:cxnSpLocks/>
-            <a:stCxn id="571" idx="2"/>
-            <a:endCxn id="504" idx="0"/>
-          </p:cNvCxnSpPr>
-          <p:nvPr/>
-        </p:nvCxnSpPr>
-        <p:spPr>
-          <a:xfrm>
-            <a:off x="26434786" y="5829597"/>
-            <a:ext cx="1064" cy="292590"/>
-          </a:xfrm>
-          <a:prstGeom prst="straightConnector1">
-            <a:avLst/>
-          </a:prstGeom>
-          <a:ln w="19050">
-            <a:tailEnd type="arrow"/>
-          </a:ln>
-        </p:spPr>
-        <p:style>
-          <a:lnRef idx="1">
-            <a:schemeClr val="accent1"/>
-          </a:lnRef>
-          <a:fillRef idx="0">
-            <a:schemeClr val="accent1"/>
-          </a:fillRef>
-          <a:effectRef idx="0">
-            <a:schemeClr val="accent1"/>
-          </a:effectRef>
-          <a:fontRef idx="minor">
-            <a:schemeClr val="tx1"/>
-          </a:fontRef>
-        </p:style>
-      </p:cxnSp>
-      <p:cxnSp>
-        <p:nvCxnSpPr>
           <p:cNvPr id="1009" name="Соединительная линия уступом 577">
             <a:extLst>
               <a:ext uri="{FF2B5EF4-FFF2-40B4-BE49-F238E27FC236}">
@@ -37942,56 +37789,13 @@
         </p:nvCxnSpPr>
         <p:spPr>
           <a:xfrm rot="5400000">
-            <a:off x="24747267" y="5473908"/>
-            <a:ext cx="307765" cy="1024653"/>
+            <a:off x="24488749" y="5747188"/>
+            <a:ext cx="278255" cy="478107"/>
           </a:xfrm>
           <a:prstGeom prst="bentConnector3">
             <a:avLst>
               <a:gd name="adj1" fmla="val 50000"/>
             </a:avLst>
-          </a:prstGeom>
-          <a:ln w="19050">
-            <a:tailEnd type="arrow"/>
-          </a:ln>
-        </p:spPr>
-        <p:style>
-          <a:lnRef idx="1">
-            <a:schemeClr val="accent1"/>
-          </a:lnRef>
-          <a:fillRef idx="0">
-            <a:schemeClr val="accent1"/>
-          </a:fillRef>
-          <a:effectRef idx="0">
-            <a:schemeClr val="accent1"/>
-          </a:effectRef>
-          <a:fontRef idx="minor">
-            <a:schemeClr val="tx1"/>
-          </a:fontRef>
-        </p:style>
-      </p:cxnSp>
-      <p:cxnSp>
-        <p:nvCxnSpPr>
-          <p:cNvPr id="1010" name="Прямая со стрелкой 1009">
-            <a:extLst>
-              <a:ext uri="{FF2B5EF4-FFF2-40B4-BE49-F238E27FC236}">
-                <a16:creationId xmlns:a16="http://schemas.microsoft.com/office/drawing/2014/main" id="{FA27A4DF-82B1-4EC2-ADEF-37A7F98DB368}"/>
-              </a:ext>
-            </a:extLst>
-          </p:cNvPr>
-          <p:cNvCxnSpPr>
-            <a:cxnSpLocks/>
-            <a:stCxn id="560" idx="2"/>
-            <a:endCxn id="546" idx="0"/>
-          </p:cNvCxnSpPr>
-          <p:nvPr/>
-        </p:nvCxnSpPr>
-        <p:spPr>
-          <a:xfrm>
-            <a:off x="24383107" y="5830677"/>
-            <a:ext cx="5715" cy="309440"/>
-          </a:xfrm>
-          <a:prstGeom prst="straightConnector1">
-            <a:avLst/>
           </a:prstGeom>
           <a:ln w="19050">
             <a:tailEnd type="arrow"/>
@@ -38073,8 +37877,8 @@
         </p:nvCxnSpPr>
         <p:spPr>
           <a:xfrm rot="5400000">
-            <a:off x="24776899" y="6284881"/>
-            <a:ext cx="243154" cy="1031638"/>
+            <a:off x="24769525" y="6277507"/>
+            <a:ext cx="257902" cy="1031638"/>
           </a:xfrm>
           <a:prstGeom prst="bentConnector3">
             <a:avLst>
@@ -38164,7 +37968,7 @@
         <p:spPr>
           <a:xfrm>
             <a:off x="23808655" y="8272330"/>
-            <a:ext cx="3277" cy="325629"/>
+            <a:ext cx="4940" cy="265109"/>
           </a:xfrm>
           <a:prstGeom prst="straightConnector1">
             <a:avLst/>
@@ -38206,8 +38010,8 @@
         </p:nvCxnSpPr>
         <p:spPr>
           <a:xfrm>
-            <a:off x="23811932" y="9137959"/>
-            <a:ext cx="1663" cy="230205"/>
+            <a:off x="23813595" y="9077439"/>
+            <a:ext cx="0" cy="290725"/>
           </a:xfrm>
           <a:prstGeom prst="straightConnector1">
             <a:avLst/>
@@ -38249,8 +38053,8 @@
         </p:nvCxnSpPr>
         <p:spPr>
           <a:xfrm>
-            <a:off x="27518092" y="6679286"/>
-            <a:ext cx="6786" cy="247068"/>
+            <a:off x="27518092" y="6664538"/>
+            <a:ext cx="6786" cy="261816"/>
           </a:xfrm>
           <a:prstGeom prst="straightConnector1">
             <a:avLst/>
@@ -38337,8 +38141,8 @@
         </p:nvCxnSpPr>
         <p:spPr>
           <a:xfrm rot="5400000">
-            <a:off x="25017489" y="8963581"/>
-            <a:ext cx="237507" cy="554051"/>
+            <a:off x="24998480" y="8938176"/>
+            <a:ext cx="281921" cy="560447"/>
           </a:xfrm>
           <a:prstGeom prst="bentConnector3">
             <a:avLst>
@@ -38382,8 +38186,8 @@
         </p:nvCxnSpPr>
         <p:spPr>
           <a:xfrm rot="16200000" flipH="1">
-            <a:off x="25556994" y="8978125"/>
-            <a:ext cx="237507" cy="524961"/>
+            <a:off x="25537985" y="8959116"/>
+            <a:ext cx="281921" cy="518565"/>
           </a:xfrm>
           <a:prstGeom prst="bentConnector3">
             <a:avLst>
@@ -38470,8 +38274,8 @@
         </p:nvCxnSpPr>
         <p:spPr>
           <a:xfrm rot="16200000" flipH="1">
-            <a:off x="26821595" y="5442788"/>
-            <a:ext cx="309689" cy="1083306"/>
+            <a:off x="27115724" y="5722169"/>
+            <a:ext cx="279037" cy="525700"/>
           </a:xfrm>
           <a:prstGeom prst="bentConnector3">
             <a:avLst>
@@ -38515,8 +38319,8 @@
         </p:nvCxnSpPr>
         <p:spPr>
           <a:xfrm rot="5400000">
-            <a:off x="26856236" y="6258070"/>
-            <a:ext cx="240641" cy="1083073"/>
+            <a:off x="26848862" y="6250696"/>
+            <a:ext cx="255389" cy="1083073"/>
           </a:xfrm>
           <a:prstGeom prst="bentConnector3">
             <a:avLst>
@@ -38561,7 +38365,7 @@
         <p:spPr>
           <a:xfrm>
             <a:off x="25411838" y="8262475"/>
-            <a:ext cx="1429" cy="319378"/>
+            <a:ext cx="7825" cy="274964"/>
           </a:xfrm>
           <a:prstGeom prst="straightConnector1">
             <a:avLst/>
@@ -38655,6 +38459,782 @@
             <a:avLst/>
           </a:prstGeom>
           <a:ln w="19050">
+            <a:tailEnd type="arrow"/>
+          </a:ln>
+        </p:spPr>
+        <p:style>
+          <a:lnRef idx="1">
+            <a:schemeClr val="accent1"/>
+          </a:lnRef>
+          <a:fillRef idx="0">
+            <a:schemeClr val="accent1"/>
+          </a:fillRef>
+          <a:effectRef idx="0">
+            <a:schemeClr val="accent1"/>
+          </a:effectRef>
+          <a:fontRef idx="minor">
+            <a:schemeClr val="tx1"/>
+          </a:fontRef>
+        </p:style>
+      </p:cxnSp>
+      <p:sp>
+        <p:nvSpPr>
+          <p:cNvPr id="995" name="Прямоугольник 994">
+            <a:extLst>
+              <a:ext uri="{FF2B5EF4-FFF2-40B4-BE49-F238E27FC236}">
+                <a16:creationId xmlns:a16="http://schemas.microsoft.com/office/drawing/2014/main" id="{2F2DBAD5-5508-41EC-84DC-F8B86847A9E6}"/>
+              </a:ext>
+            </a:extLst>
+          </p:cNvPr>
+          <p:cNvSpPr/>
+          <p:nvPr/>
+        </p:nvSpPr>
+        <p:spPr>
+          <a:xfrm>
+            <a:off x="27058871" y="8553692"/>
+            <a:ext cx="926325" cy="540000"/>
+          </a:xfrm>
+          <a:prstGeom prst="rect">
+            <a:avLst/>
+          </a:prstGeom>
+          <a:solidFill>
+            <a:schemeClr val="accent4">
+              <a:lumMod val="60000"/>
+              <a:lumOff val="40000"/>
+            </a:schemeClr>
+          </a:solidFill>
+          <a:ln w="19050"/>
+        </p:spPr>
+        <p:style>
+          <a:lnRef idx="2">
+            <a:schemeClr val="accent1"/>
+          </a:lnRef>
+          <a:fillRef idx="1">
+            <a:schemeClr val="lt1"/>
+          </a:fillRef>
+          <a:effectRef idx="0">
+            <a:schemeClr val="accent1"/>
+          </a:effectRef>
+          <a:fontRef idx="minor">
+            <a:schemeClr val="dk1"/>
+          </a:fontRef>
+        </p:style>
+        <p:txBody>
+          <a:bodyPr lIns="124733" tIns="62367" rIns="124733" bIns="62367" rtlCol="0" anchor="ctr"/>
+          <a:lstStyle/>
+          <a:p>
+            <a:pPr algn="ctr"/>
+            <a:r>
+              <a:rPr lang="ru-RU" sz="700" dirty="0"/>
+              <a:t>Использовать «Трибуну» как рупор пропаганды</a:t>
+            </a:r>
+            <a:endParaRPr lang="ru-RU" sz="200" dirty="0"/>
+          </a:p>
+        </p:txBody>
+      </p:sp>
+      <p:sp>
+        <p:nvSpPr>
+          <p:cNvPr id="996" name="Прямоугольник 995">
+            <a:extLst>
+              <a:ext uri="{FF2B5EF4-FFF2-40B4-BE49-F238E27FC236}">
+                <a16:creationId xmlns:a16="http://schemas.microsoft.com/office/drawing/2014/main" id="{4EA81F9C-76DD-4810-87A5-F21AC454478B}"/>
+              </a:ext>
+            </a:extLst>
+          </p:cNvPr>
+          <p:cNvSpPr/>
+          <p:nvPr/>
+        </p:nvSpPr>
+        <p:spPr>
+          <a:xfrm>
+            <a:off x="28165521" y="6933301"/>
+            <a:ext cx="926325" cy="540000"/>
+          </a:xfrm>
+          <a:prstGeom prst="rect">
+            <a:avLst/>
+          </a:prstGeom>
+          <a:solidFill>
+            <a:schemeClr val="accent4">
+              <a:lumMod val="60000"/>
+              <a:lumOff val="40000"/>
+            </a:schemeClr>
+          </a:solidFill>
+          <a:ln w="19050"/>
+        </p:spPr>
+        <p:style>
+          <a:lnRef idx="2">
+            <a:schemeClr val="accent1"/>
+          </a:lnRef>
+          <a:fillRef idx="1">
+            <a:schemeClr val="lt1"/>
+          </a:fillRef>
+          <a:effectRef idx="0">
+            <a:schemeClr val="accent1"/>
+          </a:effectRef>
+          <a:fontRef idx="minor">
+            <a:schemeClr val="dk1"/>
+          </a:fontRef>
+        </p:style>
+        <p:txBody>
+          <a:bodyPr lIns="124733" tIns="62367" rIns="124733" bIns="62367" rtlCol="0" anchor="ctr"/>
+          <a:lstStyle/>
+          <a:p>
+            <a:pPr algn="ctr"/>
+            <a:r>
+              <a:rPr lang="ru-RU" sz="700" dirty="0"/>
+              <a:t>Экспорт сахара с Мадейры </a:t>
+            </a:r>
+            <a:r>
+              <a:rPr lang="ru-RU" sz="300" dirty="0"/>
+              <a:t>(Он также опубликовал несколько работ юридического и политического характера, в том числе « Сахарный вопрос Мадейры»)</a:t>
+            </a:r>
+            <a:endParaRPr lang="ru-RU" sz="200" dirty="0"/>
+          </a:p>
+        </p:txBody>
+      </p:sp>
+      <p:cxnSp>
+        <p:nvCxnSpPr>
+          <p:cNvPr id="1007" name="Соединительная линия уступом 583">
+            <a:extLst>
+              <a:ext uri="{FF2B5EF4-FFF2-40B4-BE49-F238E27FC236}">
+                <a16:creationId xmlns:a16="http://schemas.microsoft.com/office/drawing/2014/main" id="{C8D99CFB-6CF7-4A9C-90A1-0DEB291C68BB}"/>
+              </a:ext>
+            </a:extLst>
+          </p:cNvPr>
+          <p:cNvCxnSpPr>
+            <a:cxnSpLocks/>
+            <a:stCxn id="998" idx="2"/>
+            <a:endCxn id="996" idx="0"/>
+          </p:cNvCxnSpPr>
+          <p:nvPr/>
+        </p:nvCxnSpPr>
+        <p:spPr>
+          <a:xfrm rot="16200000" flipH="1">
+            <a:off x="27939007" y="6243623"/>
+            <a:ext cx="268763" cy="1110592"/>
+          </a:xfrm>
+          <a:prstGeom prst="bentConnector3">
+            <a:avLst>
+              <a:gd name="adj1" fmla="val 50000"/>
+            </a:avLst>
+          </a:prstGeom>
+          <a:ln w="19050">
+            <a:tailEnd type="arrow"/>
+          </a:ln>
+        </p:spPr>
+        <p:style>
+          <a:lnRef idx="1">
+            <a:schemeClr val="accent1"/>
+          </a:lnRef>
+          <a:fillRef idx="0">
+            <a:schemeClr val="accent1"/>
+          </a:fillRef>
+          <a:effectRef idx="0">
+            <a:schemeClr val="accent1"/>
+          </a:effectRef>
+          <a:fontRef idx="minor">
+            <a:schemeClr val="tx1"/>
+          </a:fontRef>
+        </p:style>
+      </p:cxnSp>
+      <p:cxnSp>
+        <p:nvCxnSpPr>
+          <p:cNvPr id="1013" name="Прямая со стрелкой 1012">
+            <a:extLst>
+              <a:ext uri="{FF2B5EF4-FFF2-40B4-BE49-F238E27FC236}">
+                <a16:creationId xmlns:a16="http://schemas.microsoft.com/office/drawing/2014/main" id="{F6BE765D-293C-4499-90B8-F2F137755194}"/>
+              </a:ext>
+            </a:extLst>
+          </p:cNvPr>
+          <p:cNvCxnSpPr>
+            <a:cxnSpLocks/>
+            <a:stCxn id="994" idx="2"/>
+            <a:endCxn id="995" idx="0"/>
+          </p:cNvCxnSpPr>
+          <p:nvPr/>
+        </p:nvCxnSpPr>
+        <p:spPr>
+          <a:xfrm>
+            <a:off x="27518092" y="8288258"/>
+            <a:ext cx="3942" cy="265434"/>
+          </a:xfrm>
+          <a:prstGeom prst="straightConnector1">
+            <a:avLst/>
+          </a:prstGeom>
+          <a:ln w="19050">
+            <a:tailEnd type="arrow"/>
+          </a:ln>
+        </p:spPr>
+        <p:style>
+          <a:lnRef idx="1">
+            <a:schemeClr val="accent1"/>
+          </a:lnRef>
+          <a:fillRef idx="0">
+            <a:schemeClr val="accent1"/>
+          </a:fillRef>
+          <a:effectRef idx="0">
+            <a:schemeClr val="accent1"/>
+          </a:effectRef>
+          <a:fontRef idx="minor">
+            <a:schemeClr val="tx1"/>
+          </a:fontRef>
+        </p:style>
+      </p:cxnSp>
+      <p:sp>
+        <p:nvSpPr>
+          <p:cNvPr id="1014" name="Прямоугольник 1013">
+            <a:extLst>
+              <a:ext uri="{FF2B5EF4-FFF2-40B4-BE49-F238E27FC236}">
+                <a16:creationId xmlns:a16="http://schemas.microsoft.com/office/drawing/2014/main" id="{F9FB29D3-4E25-4DC3-9F03-97443DB99E98}"/>
+              </a:ext>
+            </a:extLst>
+          </p:cNvPr>
+          <p:cNvSpPr/>
+          <p:nvPr/>
+        </p:nvSpPr>
+        <p:spPr>
+          <a:xfrm>
+            <a:off x="25978764" y="8551052"/>
+            <a:ext cx="926325" cy="540000"/>
+          </a:xfrm>
+          <a:prstGeom prst="rect">
+            <a:avLst/>
+          </a:prstGeom>
+          <a:solidFill>
+            <a:schemeClr val="accent4">
+              <a:lumMod val="60000"/>
+              <a:lumOff val="40000"/>
+            </a:schemeClr>
+          </a:solidFill>
+          <a:ln w="19050"/>
+        </p:spPr>
+        <p:style>
+          <a:lnRef idx="2">
+            <a:schemeClr val="accent1"/>
+          </a:lnRef>
+          <a:fillRef idx="1">
+            <a:schemeClr val="lt1"/>
+          </a:fillRef>
+          <a:effectRef idx="0">
+            <a:schemeClr val="accent1"/>
+          </a:effectRef>
+          <a:fontRef idx="minor">
+            <a:schemeClr val="dk1"/>
+          </a:fontRef>
+        </p:style>
+        <p:txBody>
+          <a:bodyPr lIns="124733" tIns="62367" rIns="124733" bIns="62367" rtlCol="0" anchor="ctr"/>
+          <a:lstStyle/>
+          <a:p>
+            <a:pPr algn="ctr"/>
+            <a:r>
+              <a:rPr lang="ru-RU" sz="700" dirty="0"/>
+              <a:t>Включить корпоративное представительство в сенат </a:t>
+            </a:r>
+            <a:r>
+              <a:rPr lang="ru-RU" sz="300" dirty="0"/>
+              <a:t>(Реформа Сената , включая корпоративное представительство [ 1 ])</a:t>
+            </a:r>
+            <a:endParaRPr lang="ru-RU" sz="200" dirty="0"/>
+          </a:p>
+        </p:txBody>
+      </p:sp>
+      <p:cxnSp>
+        <p:nvCxnSpPr>
+          <p:cNvPr id="1015" name="Прямая со стрелкой 1014">
+            <a:extLst>
+              <a:ext uri="{FF2B5EF4-FFF2-40B4-BE49-F238E27FC236}">
+                <a16:creationId xmlns:a16="http://schemas.microsoft.com/office/drawing/2014/main" id="{559D33AC-05A9-416A-91BE-42EB1F142723}"/>
+              </a:ext>
+            </a:extLst>
+          </p:cNvPr>
+          <p:cNvCxnSpPr>
+            <a:cxnSpLocks/>
+            <a:stCxn id="991" idx="2"/>
+            <a:endCxn id="1014" idx="0"/>
+          </p:cNvCxnSpPr>
+          <p:nvPr/>
+        </p:nvCxnSpPr>
+        <p:spPr>
+          <a:xfrm>
+            <a:off x="26439079" y="8288258"/>
+            <a:ext cx="2848" cy="262794"/>
+          </a:xfrm>
+          <a:prstGeom prst="straightConnector1">
+            <a:avLst/>
+          </a:prstGeom>
+          <a:ln w="19050">
+            <a:tailEnd type="arrow"/>
+          </a:ln>
+        </p:spPr>
+        <p:style>
+          <a:lnRef idx="1">
+            <a:schemeClr val="accent1"/>
+          </a:lnRef>
+          <a:fillRef idx="0">
+            <a:schemeClr val="accent1"/>
+          </a:fillRef>
+          <a:effectRef idx="0">
+            <a:schemeClr val="accent1"/>
+          </a:effectRef>
+          <a:fontRef idx="minor">
+            <a:schemeClr val="tx1"/>
+          </a:fontRef>
+        </p:style>
+      </p:cxnSp>
+      <p:sp>
+        <p:nvSpPr>
+          <p:cNvPr id="1017" name="Прямоугольник 1016">
+            <a:extLst>
+              <a:ext uri="{FF2B5EF4-FFF2-40B4-BE49-F238E27FC236}">
+                <a16:creationId xmlns:a16="http://schemas.microsoft.com/office/drawing/2014/main" id="{2D5C01C9-434A-411E-A259-3A14B7E39E55}"/>
+              </a:ext>
+            </a:extLst>
+          </p:cNvPr>
+          <p:cNvSpPr/>
+          <p:nvPr/>
+        </p:nvSpPr>
+        <p:spPr>
+          <a:xfrm>
+            <a:off x="25491543" y="5310308"/>
+            <a:ext cx="926325" cy="540000"/>
+          </a:xfrm>
+          <a:prstGeom prst="rect">
+            <a:avLst/>
+          </a:prstGeom>
+          <a:solidFill>
+            <a:schemeClr val="accent4">
+              <a:lumMod val="60000"/>
+              <a:lumOff val="40000"/>
+            </a:schemeClr>
+          </a:solidFill>
+          <a:ln w="19050"/>
+        </p:spPr>
+        <p:style>
+          <a:lnRef idx="2">
+            <a:schemeClr val="accent1"/>
+          </a:lnRef>
+          <a:fillRef idx="1">
+            <a:schemeClr val="lt1"/>
+          </a:fillRef>
+          <a:effectRef idx="0">
+            <a:schemeClr val="accent1"/>
+          </a:effectRef>
+          <a:fontRef idx="minor">
+            <a:schemeClr val="dk1"/>
+          </a:fontRef>
+        </p:style>
+        <p:txBody>
+          <a:bodyPr lIns="124733" tIns="62367" rIns="124733" bIns="62367" rtlCol="0" anchor="ctr"/>
+          <a:lstStyle/>
+          <a:p>
+            <a:pPr algn="ctr"/>
+            <a:r>
+              <a:rPr lang="ru-RU" sz="700" dirty="0"/>
+              <a:t>Расширить избирательные права</a:t>
+            </a:r>
+            <a:endParaRPr lang="ru-RU" sz="200" dirty="0"/>
+          </a:p>
+        </p:txBody>
+      </p:sp>
+      <p:cxnSp>
+        <p:nvCxnSpPr>
+          <p:cNvPr id="1024" name="Соединительная линия уступом 583">
+            <a:extLst>
+              <a:ext uri="{FF2B5EF4-FFF2-40B4-BE49-F238E27FC236}">
+                <a16:creationId xmlns:a16="http://schemas.microsoft.com/office/drawing/2014/main" id="{5DEAFC90-C6EC-44F2-8721-4AD47D923747}"/>
+              </a:ext>
+            </a:extLst>
+          </p:cNvPr>
+          <p:cNvCxnSpPr>
+            <a:cxnSpLocks/>
+            <a:stCxn id="264" idx="2"/>
+            <a:endCxn id="1017" idx="0"/>
+          </p:cNvCxnSpPr>
+          <p:nvPr/>
+        </p:nvCxnSpPr>
+        <p:spPr>
+          <a:xfrm rot="16200000" flipH="1">
+            <a:off x="25525482" y="4881083"/>
+            <a:ext cx="317521" cy="540927"/>
+          </a:xfrm>
+          <a:prstGeom prst="bentConnector3">
+            <a:avLst>
+              <a:gd name="adj1" fmla="val 50000"/>
+            </a:avLst>
+          </a:prstGeom>
+          <a:ln w="19050">
+            <a:tailEnd type="arrow"/>
+          </a:ln>
+        </p:spPr>
+        <p:style>
+          <a:lnRef idx="1">
+            <a:schemeClr val="accent1"/>
+          </a:lnRef>
+          <a:fillRef idx="0">
+            <a:schemeClr val="accent1"/>
+          </a:fillRef>
+          <a:effectRef idx="0">
+            <a:schemeClr val="accent1"/>
+          </a:effectRef>
+          <a:fontRef idx="minor">
+            <a:schemeClr val="tx1"/>
+          </a:fontRef>
+        </p:style>
+      </p:cxnSp>
+      <p:cxnSp>
+        <p:nvCxnSpPr>
+          <p:cNvPr id="1025" name="Соединительная линия уступом 577">
+            <a:extLst>
+              <a:ext uri="{FF2B5EF4-FFF2-40B4-BE49-F238E27FC236}">
+                <a16:creationId xmlns:a16="http://schemas.microsoft.com/office/drawing/2014/main" id="{F1DA857E-CCB6-4808-94C2-7930AB6AD55D}"/>
+              </a:ext>
+            </a:extLst>
+          </p:cNvPr>
+          <p:cNvCxnSpPr>
+            <a:cxnSpLocks/>
+            <a:stCxn id="560" idx="2"/>
+            <a:endCxn id="546" idx="0"/>
+          </p:cNvCxnSpPr>
+          <p:nvPr/>
+        </p:nvCxnSpPr>
+        <p:spPr>
+          <a:xfrm rot="16200000" flipH="1">
+            <a:off x="23963798" y="5700345"/>
+            <a:ext cx="278254" cy="571794"/>
+          </a:xfrm>
+          <a:prstGeom prst="bentConnector3">
+            <a:avLst>
+              <a:gd name="adj1" fmla="val 50000"/>
+            </a:avLst>
+          </a:prstGeom>
+          <a:ln w="19050">
+            <a:tailEnd type="arrow"/>
+          </a:ln>
+        </p:spPr>
+        <p:style>
+          <a:lnRef idx="1">
+            <a:schemeClr val="accent1"/>
+          </a:lnRef>
+          <a:fillRef idx="0">
+            <a:schemeClr val="accent1"/>
+          </a:fillRef>
+          <a:effectRef idx="0">
+            <a:schemeClr val="accent1"/>
+          </a:effectRef>
+          <a:fontRef idx="minor">
+            <a:schemeClr val="tx1"/>
+          </a:fontRef>
+        </p:style>
+      </p:cxnSp>
+      <p:cxnSp>
+        <p:nvCxnSpPr>
+          <p:cNvPr id="1026" name="Соединительная линия уступом 583">
+            <a:extLst>
+              <a:ext uri="{FF2B5EF4-FFF2-40B4-BE49-F238E27FC236}">
+                <a16:creationId xmlns:a16="http://schemas.microsoft.com/office/drawing/2014/main" id="{31E1C602-EB8C-4CA4-89C1-45A9722ABEAF}"/>
+              </a:ext>
+            </a:extLst>
+          </p:cNvPr>
+          <p:cNvCxnSpPr>
+            <a:cxnSpLocks/>
+            <a:stCxn id="571" idx="2"/>
+            <a:endCxn id="504" idx="0"/>
+          </p:cNvCxnSpPr>
+          <p:nvPr/>
+        </p:nvCxnSpPr>
+        <p:spPr>
+          <a:xfrm rot="5400000">
+            <a:off x="26575778" y="5705573"/>
+            <a:ext cx="276686" cy="556542"/>
+          </a:xfrm>
+          <a:prstGeom prst="bentConnector3">
+            <a:avLst>
+              <a:gd name="adj1" fmla="val 50000"/>
+            </a:avLst>
+          </a:prstGeom>
+          <a:ln w="19050">
+            <a:tailEnd type="arrow"/>
+          </a:ln>
+        </p:spPr>
+        <p:style>
+          <a:lnRef idx="1">
+            <a:schemeClr val="accent1"/>
+          </a:lnRef>
+          <a:fillRef idx="0">
+            <a:schemeClr val="accent1"/>
+          </a:fillRef>
+          <a:effectRef idx="0">
+            <a:schemeClr val="accent1"/>
+          </a:effectRef>
+          <a:fontRef idx="minor">
+            <a:schemeClr val="tx1"/>
+          </a:fontRef>
+        </p:style>
+      </p:cxnSp>
+      <p:cxnSp>
+        <p:nvCxnSpPr>
+          <p:cNvPr id="1027" name="Соединительная линия уступом 583">
+            <a:extLst>
+              <a:ext uri="{FF2B5EF4-FFF2-40B4-BE49-F238E27FC236}">
+                <a16:creationId xmlns:a16="http://schemas.microsoft.com/office/drawing/2014/main" id="{7F282453-3A1B-4885-82B7-F9F17742A498}"/>
+              </a:ext>
+            </a:extLst>
+          </p:cNvPr>
+          <p:cNvCxnSpPr>
+            <a:cxnSpLocks/>
+            <a:stCxn id="1017" idx="2"/>
+            <a:endCxn id="565" idx="0"/>
+          </p:cNvCxnSpPr>
+          <p:nvPr/>
+        </p:nvCxnSpPr>
+        <p:spPr>
+          <a:xfrm rot="5400000">
+            <a:off x="25547468" y="5717136"/>
+            <a:ext cx="274067" cy="540411"/>
+          </a:xfrm>
+          <a:prstGeom prst="bentConnector3">
+            <a:avLst>
+              <a:gd name="adj1" fmla="val 50000"/>
+            </a:avLst>
+          </a:prstGeom>
+          <a:ln w="19050">
+            <a:tailEnd type="arrow"/>
+          </a:ln>
+        </p:spPr>
+        <p:style>
+          <a:lnRef idx="1">
+            <a:schemeClr val="accent1"/>
+          </a:lnRef>
+          <a:fillRef idx="0">
+            <a:schemeClr val="accent1"/>
+          </a:fillRef>
+          <a:effectRef idx="0">
+            <a:schemeClr val="accent1"/>
+          </a:effectRef>
+          <a:fontRef idx="minor">
+            <a:schemeClr val="tx1"/>
+          </a:fontRef>
+        </p:style>
+      </p:cxnSp>
+      <p:cxnSp>
+        <p:nvCxnSpPr>
+          <p:cNvPr id="1036" name="Соединительная линия уступом 583">
+            <a:extLst>
+              <a:ext uri="{FF2B5EF4-FFF2-40B4-BE49-F238E27FC236}">
+                <a16:creationId xmlns:a16="http://schemas.microsoft.com/office/drawing/2014/main" id="{5044FCAA-2469-482F-A5DC-40FB65440150}"/>
+              </a:ext>
+            </a:extLst>
+          </p:cNvPr>
+          <p:cNvCxnSpPr>
+            <a:cxnSpLocks/>
+            <a:stCxn id="526" idx="2"/>
+            <a:endCxn id="565" idx="0"/>
+          </p:cNvCxnSpPr>
+          <p:nvPr/>
+        </p:nvCxnSpPr>
+        <p:spPr>
+          <a:xfrm rot="16200000" flipH="1">
+            <a:off x="25001982" y="5712061"/>
+            <a:ext cx="277261" cy="547366"/>
+          </a:xfrm>
+          <a:prstGeom prst="bentConnector3">
+            <a:avLst>
+              <a:gd name="adj1" fmla="val 50000"/>
+            </a:avLst>
+          </a:prstGeom>
+          <a:ln w="19050">
+            <a:tailEnd type="arrow"/>
+          </a:ln>
+        </p:spPr>
+        <p:style>
+          <a:lnRef idx="1">
+            <a:schemeClr val="accent1"/>
+          </a:lnRef>
+          <a:fillRef idx="0">
+            <a:schemeClr val="accent1"/>
+          </a:fillRef>
+          <a:effectRef idx="0">
+            <a:schemeClr val="accent1"/>
+          </a:effectRef>
+          <a:fontRef idx="minor">
+            <a:schemeClr val="tx1"/>
+          </a:fontRef>
+        </p:style>
+      </p:cxnSp>
+      <p:cxnSp>
+        <p:nvCxnSpPr>
+          <p:cNvPr id="1037" name="Соединительная линия уступом 583">
+            <a:extLst>
+              <a:ext uri="{FF2B5EF4-FFF2-40B4-BE49-F238E27FC236}">
+                <a16:creationId xmlns:a16="http://schemas.microsoft.com/office/drawing/2014/main" id="{9D29C378-B573-49D2-90FC-C37C7878C183}"/>
+              </a:ext>
+            </a:extLst>
+          </p:cNvPr>
+          <p:cNvCxnSpPr>
+            <a:cxnSpLocks/>
+            <a:stCxn id="264" idx="2"/>
+            <a:endCxn id="526" idx="0"/>
+          </p:cNvCxnSpPr>
+          <p:nvPr/>
+        </p:nvCxnSpPr>
+        <p:spPr>
+          <a:xfrm rot="5400000">
+            <a:off x="24983191" y="4876525"/>
+            <a:ext cx="314327" cy="546850"/>
+          </a:xfrm>
+          <a:prstGeom prst="bentConnector3">
+            <a:avLst>
+              <a:gd name="adj1" fmla="val 50000"/>
+            </a:avLst>
+          </a:prstGeom>
+          <a:ln w="19050">
+            <a:tailEnd type="arrow"/>
+          </a:ln>
+        </p:spPr>
+        <p:style>
+          <a:lnRef idx="1">
+            <a:schemeClr val="accent1"/>
+          </a:lnRef>
+          <a:fillRef idx="0">
+            <a:schemeClr val="accent1"/>
+          </a:fillRef>
+          <a:effectRef idx="0">
+            <a:schemeClr val="accent1"/>
+          </a:effectRef>
+          <a:fontRef idx="minor">
+            <a:schemeClr val="tx1"/>
+          </a:fontRef>
+        </p:style>
+      </p:cxnSp>
+      <p:sp>
+        <p:nvSpPr>
+          <p:cNvPr id="1038" name="Прямоугольник 1037">
+            <a:extLst>
+              <a:ext uri="{FF2B5EF4-FFF2-40B4-BE49-F238E27FC236}">
+                <a16:creationId xmlns:a16="http://schemas.microsoft.com/office/drawing/2014/main" id="{FB143A09-B1F1-4129-980E-4D53B45BDD12}"/>
+              </a:ext>
+            </a:extLst>
+          </p:cNvPr>
+          <p:cNvSpPr/>
+          <p:nvPr/>
+        </p:nvSpPr>
+        <p:spPr>
+          <a:xfrm>
+            <a:off x="26535450" y="9348218"/>
+            <a:ext cx="926325" cy="540000"/>
+          </a:xfrm>
+          <a:prstGeom prst="rect">
+            <a:avLst/>
+          </a:prstGeom>
+          <a:solidFill>
+            <a:schemeClr val="accent4">
+              <a:lumMod val="60000"/>
+              <a:lumOff val="40000"/>
+            </a:schemeClr>
+          </a:solidFill>
+          <a:ln w="19050"/>
+        </p:spPr>
+        <p:style>
+          <a:lnRef idx="2">
+            <a:schemeClr val="accent1"/>
+          </a:lnRef>
+          <a:fillRef idx="1">
+            <a:schemeClr val="lt1"/>
+          </a:fillRef>
+          <a:effectRef idx="0">
+            <a:schemeClr val="accent1"/>
+          </a:effectRef>
+          <a:fontRef idx="minor">
+            <a:schemeClr val="dk1"/>
+          </a:fontRef>
+        </p:style>
+        <p:txBody>
+          <a:bodyPr lIns="124733" tIns="62367" rIns="124733" bIns="62367" rtlCol="0" anchor="ctr"/>
+          <a:lstStyle/>
+          <a:p>
+            <a:pPr algn="ctr"/>
+            <a:r>
+              <a:rPr lang="ru-RU" sz="700" dirty="0"/>
+              <a:t>Ввести обязательное общее образование</a:t>
+            </a:r>
+            <a:endParaRPr lang="ru-RU" sz="200" dirty="0"/>
+          </a:p>
+        </p:txBody>
+      </p:sp>
+      <p:cxnSp>
+        <p:nvCxnSpPr>
+          <p:cNvPr id="1040" name="Соединительная линия уступом 681">
+            <a:extLst>
+              <a:ext uri="{FF2B5EF4-FFF2-40B4-BE49-F238E27FC236}">
+                <a16:creationId xmlns:a16="http://schemas.microsoft.com/office/drawing/2014/main" id="{EA6B808C-66AC-4D52-94F4-C10A23C79285}"/>
+              </a:ext>
+            </a:extLst>
+          </p:cNvPr>
+          <p:cNvCxnSpPr>
+            <a:cxnSpLocks/>
+            <a:stCxn id="1014" idx="2"/>
+            <a:endCxn id="1038" idx="0"/>
+          </p:cNvCxnSpPr>
+          <p:nvPr/>
+        </p:nvCxnSpPr>
+        <p:spPr>
+          <a:xfrm rot="16200000" flipH="1">
+            <a:off x="26591687" y="8941292"/>
+            <a:ext cx="257166" cy="556686"/>
+          </a:xfrm>
+          <a:prstGeom prst="bentConnector3">
+            <a:avLst>
+              <a:gd name="adj1" fmla="val 50000"/>
+            </a:avLst>
+          </a:prstGeom>
+          <a:ln w="19050">
+            <a:prstDash val="dash"/>
+            <a:tailEnd type="arrow"/>
+          </a:ln>
+        </p:spPr>
+        <p:style>
+          <a:lnRef idx="1">
+            <a:schemeClr val="accent1"/>
+          </a:lnRef>
+          <a:fillRef idx="0">
+            <a:schemeClr val="accent1"/>
+          </a:fillRef>
+          <a:effectRef idx="0">
+            <a:schemeClr val="accent1"/>
+          </a:effectRef>
+          <a:fontRef idx="minor">
+            <a:schemeClr val="tx1"/>
+          </a:fontRef>
+        </p:style>
+      </p:cxnSp>
+      <p:cxnSp>
+        <p:nvCxnSpPr>
+          <p:cNvPr id="1041" name="Соединительная линия уступом 681">
+            <a:extLst>
+              <a:ext uri="{FF2B5EF4-FFF2-40B4-BE49-F238E27FC236}">
+                <a16:creationId xmlns:a16="http://schemas.microsoft.com/office/drawing/2014/main" id="{EA9AC473-6663-4CAC-937F-99FAA81BD838}"/>
+              </a:ext>
+            </a:extLst>
+          </p:cNvPr>
+          <p:cNvCxnSpPr>
+            <a:cxnSpLocks/>
+            <a:stCxn id="995" idx="2"/>
+            <a:endCxn id="1038" idx="0"/>
+          </p:cNvCxnSpPr>
+          <p:nvPr/>
+        </p:nvCxnSpPr>
+        <p:spPr>
+          <a:xfrm rot="5400000">
+            <a:off x="27133061" y="8959245"/>
+            <a:ext cx="254526" cy="523421"/>
+          </a:xfrm>
+          <a:prstGeom prst="bentConnector3">
+            <a:avLst>
+              <a:gd name="adj1" fmla="val 50000"/>
+            </a:avLst>
+          </a:prstGeom>
+          <a:ln w="19050">
+            <a:prstDash val="dash"/>
             <a:tailEnd type="arrow"/>
           </a:ln>
         </p:spPr>

--- a/Наработки/диздоки/Португалия/Португалия общая.pptx
+++ b/Наработки/диздоки/Португалия/Португалия общая.pptx
@@ -209,7 +209,7 @@
             <a:fld id="{33E3D7F9-E251-484C-A6FF-FA958879DF69}" type="datetimeFigureOut">
               <a:rPr lang="ru-RU" smtClean="0"/>
               <a:pPr/>
-              <a:t>18.07.2023</a:t>
+              <a:t>19.07.2023</a:t>
             </a:fld>
             <a:endParaRPr lang="ru-RU"/>
           </a:p>
@@ -699,7 +699,7 @@
             <a:fld id="{85A5DE44-605B-4D3B-B2B7-94543DF81A36}" type="datetimeFigureOut">
               <a:rPr lang="ru-RU" smtClean="0"/>
               <a:pPr/>
-              <a:t>18.07.2023</a:t>
+              <a:t>19.07.2023</a:t>
             </a:fld>
             <a:endParaRPr lang="ru-RU"/>
           </a:p>
@@ -871,7 +871,7 @@
             <a:fld id="{85A5DE44-605B-4D3B-B2B7-94543DF81A36}" type="datetimeFigureOut">
               <a:rPr lang="ru-RU" smtClean="0"/>
               <a:pPr/>
-              <a:t>18.07.2023</a:t>
+              <a:t>19.07.2023</a:t>
             </a:fld>
             <a:endParaRPr lang="ru-RU"/>
           </a:p>
@@ -1053,7 +1053,7 @@
             <a:fld id="{85A5DE44-605B-4D3B-B2B7-94543DF81A36}" type="datetimeFigureOut">
               <a:rPr lang="ru-RU" smtClean="0"/>
               <a:pPr/>
-              <a:t>18.07.2023</a:t>
+              <a:t>19.07.2023</a:t>
             </a:fld>
             <a:endParaRPr lang="ru-RU"/>
           </a:p>
@@ -1225,7 +1225,7 @@
             <a:fld id="{85A5DE44-605B-4D3B-B2B7-94543DF81A36}" type="datetimeFigureOut">
               <a:rPr lang="ru-RU" smtClean="0"/>
               <a:pPr/>
-              <a:t>18.07.2023</a:t>
+              <a:t>19.07.2023</a:t>
             </a:fld>
             <a:endParaRPr lang="ru-RU"/>
           </a:p>
@@ -1473,7 +1473,7 @@
             <a:fld id="{85A5DE44-605B-4D3B-B2B7-94543DF81A36}" type="datetimeFigureOut">
               <a:rPr lang="ru-RU" smtClean="0"/>
               <a:pPr/>
-              <a:t>18.07.2023</a:t>
+              <a:t>19.07.2023</a:t>
             </a:fld>
             <a:endParaRPr lang="ru-RU"/>
           </a:p>
@@ -1707,7 +1707,7 @@
             <a:fld id="{85A5DE44-605B-4D3B-B2B7-94543DF81A36}" type="datetimeFigureOut">
               <a:rPr lang="ru-RU" smtClean="0"/>
               <a:pPr/>
-              <a:t>18.07.2023</a:t>
+              <a:t>19.07.2023</a:t>
             </a:fld>
             <a:endParaRPr lang="ru-RU"/>
           </a:p>
@@ -2076,7 +2076,7 @@
             <a:fld id="{85A5DE44-605B-4D3B-B2B7-94543DF81A36}" type="datetimeFigureOut">
               <a:rPr lang="ru-RU" smtClean="0"/>
               <a:pPr/>
-              <a:t>18.07.2023</a:t>
+              <a:t>19.07.2023</a:t>
             </a:fld>
             <a:endParaRPr lang="ru-RU"/>
           </a:p>
@@ -2196,7 +2196,7 @@
             <a:fld id="{85A5DE44-605B-4D3B-B2B7-94543DF81A36}" type="datetimeFigureOut">
               <a:rPr lang="ru-RU" smtClean="0"/>
               <a:pPr/>
-              <a:t>18.07.2023</a:t>
+              <a:t>19.07.2023</a:t>
             </a:fld>
             <a:endParaRPr lang="ru-RU"/>
           </a:p>
@@ -2293,7 +2293,7 @@
             <a:fld id="{85A5DE44-605B-4D3B-B2B7-94543DF81A36}" type="datetimeFigureOut">
               <a:rPr lang="ru-RU" smtClean="0"/>
               <a:pPr/>
-              <a:t>18.07.2023</a:t>
+              <a:t>19.07.2023</a:t>
             </a:fld>
             <a:endParaRPr lang="ru-RU"/>
           </a:p>
@@ -2572,7 +2572,7 @@
             <a:fld id="{85A5DE44-605B-4D3B-B2B7-94543DF81A36}" type="datetimeFigureOut">
               <a:rPr lang="ru-RU" smtClean="0"/>
               <a:pPr/>
-              <a:t>18.07.2023</a:t>
+              <a:t>19.07.2023</a:t>
             </a:fld>
             <a:endParaRPr lang="ru-RU"/>
           </a:p>
@@ -2831,7 +2831,7 @@
             <a:fld id="{85A5DE44-605B-4D3B-B2B7-94543DF81A36}" type="datetimeFigureOut">
               <a:rPr lang="ru-RU" smtClean="0"/>
               <a:pPr/>
-              <a:t>18.07.2023</a:t>
+              <a:t>19.07.2023</a:t>
             </a:fld>
             <a:endParaRPr lang="ru-RU"/>
           </a:p>
@@ -3046,7 +3046,7 @@
             <a:fld id="{85A5DE44-605B-4D3B-B2B7-94543DF81A36}" type="datetimeFigureOut">
               <a:rPr lang="ru-RU" smtClean="0"/>
               <a:pPr/>
-              <a:t>18.07.2023</a:t>
+              <a:t>19.07.2023</a:t>
             </a:fld>
             <a:endParaRPr lang="ru-RU"/>
           </a:p>
@@ -5866,7 +5866,7 @@
         </p:nvSpPr>
         <p:spPr>
           <a:xfrm>
-            <a:off x="34829783" y="7760109"/>
+            <a:off x="34829783" y="7748889"/>
             <a:ext cx="926325" cy="540000"/>
           </a:xfrm>
           <a:prstGeom prst="rect">
@@ -5999,8 +5999,8 @@
         </p:nvCxnSpPr>
         <p:spPr>
           <a:xfrm rot="16200000" flipH="1">
-            <a:off x="34640110" y="7107273"/>
-            <a:ext cx="281520" cy="1024152"/>
+            <a:off x="34645720" y="7101663"/>
+            <a:ext cx="270300" cy="1024152"/>
           </a:xfrm>
           <a:prstGeom prst="bentConnector3">
             <a:avLst>
@@ -6038,7 +6038,7 @@
         <p:spPr>
           <a:xfrm>
             <a:off x="35290669" y="7476314"/>
-            <a:ext cx="2277" cy="283795"/>
+            <a:ext cx="2277" cy="272575"/>
           </a:xfrm>
           <a:prstGeom prst="straightConnector1">
             <a:avLst/>
@@ -20295,8 +20295,8 @@
         </p:nvCxnSpPr>
         <p:spPr>
           <a:xfrm rot="5400000">
-            <a:off x="34915978" y="8181785"/>
-            <a:ext cx="258644" cy="495292"/>
+            <a:off x="34910368" y="8176175"/>
+            <a:ext cx="269864" cy="495292"/>
           </a:xfrm>
           <a:prstGeom prst="bentConnector3">
             <a:avLst>
@@ -34205,7 +34205,7 @@
         </p:nvSpPr>
         <p:spPr>
           <a:xfrm>
-            <a:off x="13775477" y="8582559"/>
+            <a:off x="13775477" y="8565729"/>
             <a:ext cx="486698" cy="231064"/>
           </a:xfrm>
           <a:prstGeom prst="rect">
@@ -37112,7 +37112,7 @@
         </p:nvSpPr>
         <p:spPr>
           <a:xfrm>
-            <a:off x="24956500" y="8537439"/>
+            <a:off x="24950890" y="8537439"/>
             <a:ext cx="926325" cy="540000"/>
           </a:xfrm>
           <a:prstGeom prst="rect">
@@ -37147,11 +37147,7 @@
             <a:pPr algn="ctr"/>
             <a:r>
               <a:rPr lang="ru-RU" sz="700" dirty="0"/>
-              <a:t>Закон об отделении государства от церквей </a:t>
-            </a:r>
-            <a:r>
-              <a:rPr lang="ru-RU" sz="100" dirty="0"/>
-              <a:t>(Закон об отделении государства церквей был утвержден декретом Временного правительства Португальской Республики от 20 апреля 1911 г. [ 1 ] и опубликован в Правительственном вестнике от 21 числа того же месяца. . Имущество католической церкви было национализировано, а публичные богослужения стали контролироваться. В ответ Святой Престол разрывает дипломатические отношения с Португалией.)</a:t>
+              <a:t>Закон об отделении государства от церквей</a:t>
             </a:r>
             <a:endParaRPr lang="ru-RU" sz="200" dirty="0"/>
           </a:p>
@@ -37318,53 +37314,6 @@
               <a:rPr lang="ru-RU" sz="700" dirty="0"/>
               <a:t>Защита интересов предпринимателей</a:t>
             </a:r>
-            <a:br>
-              <a:rPr lang="ru-RU" sz="700" dirty="0"/>
-            </a:br>
-            <a:r>
-              <a:rPr lang="ru-RU" sz="100" dirty="0"/>
-              <a:t>(</a:t>
-            </a:r>
-            <a:r>
-              <a:rPr lang="ru-RU" sz="100" dirty="0" err="1"/>
-              <a:t>União</a:t>
-            </a:r>
-            <a:r>
-              <a:rPr lang="ru-RU" sz="100" dirty="0"/>
-              <a:t> </a:t>
-            </a:r>
-            <a:r>
-              <a:rPr lang="ru-RU" sz="100" dirty="0" err="1"/>
-              <a:t>dos</a:t>
-            </a:r>
-            <a:r>
-              <a:rPr lang="ru-RU" sz="100" dirty="0"/>
-              <a:t> </a:t>
-            </a:r>
-            <a:r>
-              <a:rPr lang="ru-RU" sz="100" dirty="0" err="1"/>
-              <a:t>Interesses</a:t>
-            </a:r>
-            <a:r>
-              <a:rPr lang="ru-RU" sz="100" dirty="0"/>
-              <a:t> </a:t>
-            </a:r>
-            <a:r>
-              <a:rPr lang="ru-RU" sz="100" dirty="0" err="1"/>
-              <a:t>Económicos</a:t>
-            </a:r>
-            <a:r>
-              <a:rPr lang="ru-RU" sz="100" dirty="0"/>
-              <a:t> (UIE) — политическая партия , созданная ассоциациями работодателей 28 сентября 1924 года, в заключительный период Первой португальской республики , с целью защиты интересов предпринимателей, особенно в табачном секторе , который Государство намеревалось, введя высокие налоги на ввозимый табак, защитить монополию группы </a:t>
-            </a:r>
-            <a:r>
-              <a:rPr lang="ru-RU" sz="100" dirty="0" err="1"/>
-              <a:t>Бернея</a:t>
-            </a:r>
-            <a:r>
-              <a:rPr lang="ru-RU" sz="100" dirty="0"/>
-              <a:t>.)</a:t>
-            </a:r>
             <a:endParaRPr lang="ru-RU" sz="200" dirty="0"/>
           </a:p>
         </p:txBody>
@@ -37418,27 +37367,7 @@
             <a:pPr algn="ctr"/>
             <a:r>
               <a:rPr lang="ru-RU" sz="700" dirty="0"/>
-              <a:t>Ликвидировать монополии и подразделения латифундий </a:t>
-            </a:r>
-            <a:r>
-              <a:rPr lang="ru-RU" sz="100" dirty="0"/>
-              <a:t>(Этот разрыв расширился до такой степени, что партия раскололась, отказавшись от «левых», которые во главе с Хосе </a:t>
-            </a:r>
-            <a:r>
-              <a:rPr lang="ru-RU" sz="100" dirty="0" err="1"/>
-              <a:t>Домингешем</a:t>
-            </a:r>
-            <a:r>
-              <a:rPr lang="ru-RU" sz="100" dirty="0"/>
-              <a:t> душ </a:t>
-            </a:r>
-            <a:r>
-              <a:rPr lang="ru-RU" sz="100" dirty="0" err="1"/>
-              <a:t>Сантушем</a:t>
-            </a:r>
-            <a:r>
-              <a:rPr lang="ru-RU" sz="100" dirty="0"/>
-              <a:t> в августе основали Республиканскую партию демократических левых и поставили среди своих целей ликвидацию монополий и подразделение латифундий . Новая партия выбрала «Трибуну» в качестве основного средства массовой информации.)</a:t>
+              <a:t>Ликвидировать монополии и подразделения латифундий</a:t>
             </a:r>
             <a:endParaRPr lang="ru-RU" sz="200" dirty="0"/>
           </a:p>
@@ -37493,11 +37422,7 @@
             <a:pPr algn="ctr"/>
             <a:r>
               <a:rPr lang="ru-RU" sz="700" dirty="0"/>
-              <a:t>Восстановить высший совет колоний </a:t>
-            </a:r>
-            <a:r>
-              <a:rPr lang="ru-RU" sz="300" dirty="0"/>
-              <a:t>(Только в октябре 1926 года он согласился присоединиться к Высшему совету колоний)</a:t>
+              <a:t>Восстановить высший совет колоний</a:t>
             </a:r>
             <a:endParaRPr lang="ru-RU" sz="200" dirty="0"/>
           </a:p>
@@ -37552,12 +37477,9 @@
             <a:pPr algn="ctr"/>
             <a:r>
               <a:rPr lang="ru-RU" sz="700" dirty="0"/>
-              <a:t>Легализовать контрабандистские каналы </a:t>
-            </a:r>
-            <a:r>
-              <a:rPr lang="ru-RU" sz="200" dirty="0"/>
-              <a:t>(Освободившись, он тайно переправился во Францию , страну, где с 1935 года действовал ордер на его арест в результате контрабанды оружия.)</a:t>
-            </a:r>
+              <a:t>Легализовать контрабандистские каналы</a:t>
+            </a:r>
+            <a:endParaRPr lang="ru-RU" sz="200" dirty="0"/>
           </a:p>
         </p:txBody>
       </p:sp>
@@ -38141,8 +38063,8 @@
         </p:nvCxnSpPr>
         <p:spPr>
           <a:xfrm rot="5400000">
-            <a:off x="24998480" y="8938176"/>
-            <a:ext cx="281921" cy="560447"/>
+            <a:off x="24995675" y="8940981"/>
+            <a:ext cx="281921" cy="554837"/>
           </a:xfrm>
           <a:prstGeom prst="bentConnector3">
             <a:avLst>
@@ -38186,8 +38108,8 @@
         </p:nvCxnSpPr>
         <p:spPr>
           <a:xfrm rot="16200000" flipH="1">
-            <a:off x="25537985" y="8959116"/>
-            <a:ext cx="281921" cy="518565"/>
+            <a:off x="25535180" y="8956311"/>
+            <a:ext cx="281921" cy="524175"/>
           </a:xfrm>
           <a:prstGeom prst="bentConnector3">
             <a:avLst>
@@ -38365,7 +38287,7 @@
         <p:spPr>
           <a:xfrm>
             <a:off x="25411838" y="8262475"/>
-            <a:ext cx="7825" cy="274964"/>
+            <a:ext cx="2215" cy="274964"/>
           </a:xfrm>
           <a:prstGeom prst="straightConnector1">
             <a:avLst/>
@@ -38546,7 +38468,7 @@
         </p:nvSpPr>
         <p:spPr>
           <a:xfrm>
-            <a:off x="28165521" y="6933301"/>
+            <a:off x="28165521" y="6922081"/>
             <a:ext cx="926325" cy="540000"/>
           </a:xfrm>
           <a:prstGeom prst="rect">
@@ -38581,11 +38503,7 @@
             <a:pPr algn="ctr"/>
             <a:r>
               <a:rPr lang="ru-RU" sz="700" dirty="0"/>
-              <a:t>Экспорт сахара с Мадейры </a:t>
-            </a:r>
-            <a:r>
-              <a:rPr lang="ru-RU" sz="300" dirty="0"/>
-              <a:t>(Он также опубликовал несколько работ юридического и политического характера, в том числе « Сахарный вопрос Мадейры»)</a:t>
+              <a:t>Экспорт сахара с Мадейры</a:t>
             </a:r>
             <a:endParaRPr lang="ru-RU" sz="200" dirty="0"/>
           </a:p>
@@ -38609,8 +38527,8 @@
         </p:nvCxnSpPr>
         <p:spPr>
           <a:xfrm rot="16200000" flipH="1">
-            <a:off x="27939007" y="6243623"/>
-            <a:ext cx="268763" cy="1110592"/>
+            <a:off x="27944617" y="6238013"/>
+            <a:ext cx="257543" cy="1110592"/>
           </a:xfrm>
           <a:prstGeom prst="bentConnector3">
             <a:avLst>
@@ -38728,11 +38646,7 @@
             <a:pPr algn="ctr"/>
             <a:r>
               <a:rPr lang="ru-RU" sz="700" dirty="0"/>
-              <a:t>Включить корпоративное представительство в сенат </a:t>
-            </a:r>
-            <a:r>
-              <a:rPr lang="ru-RU" sz="300" dirty="0"/>
-              <a:t>(Реформа Сената , включая корпоративное представительство [ 1 ])</a:t>
+              <a:t>Включить корпоративное представительство в сенат</a:t>
             </a:r>
             <a:endParaRPr lang="ru-RU" sz="200" dirty="0"/>
           </a:p>
@@ -39120,7 +39034,7 @@
         </p:nvSpPr>
         <p:spPr>
           <a:xfrm>
-            <a:off x="26535450" y="9348218"/>
+            <a:off x="26518620" y="9348218"/>
             <a:ext cx="926325" cy="540000"/>
           </a:xfrm>
           <a:prstGeom prst="rect">
@@ -39179,8 +39093,8 @@
         </p:nvCxnSpPr>
         <p:spPr>
           <a:xfrm rot="16200000" flipH="1">
-            <a:off x="26591687" y="8941292"/>
-            <a:ext cx="257166" cy="556686"/>
+            <a:off x="26583272" y="8949707"/>
+            <a:ext cx="257166" cy="539856"/>
           </a:xfrm>
           <a:prstGeom prst="bentConnector3">
             <a:avLst>
@@ -39225,8 +39139,8 @@
         </p:nvCxnSpPr>
         <p:spPr>
           <a:xfrm rot="5400000">
-            <a:off x="27133061" y="8959245"/>
-            <a:ext cx="254526" cy="523421"/>
+            <a:off x="27124646" y="8950830"/>
+            <a:ext cx="254526" cy="540251"/>
           </a:xfrm>
           <a:prstGeom prst="bentConnector3">
             <a:avLst>

--- a/Наработки/диздоки/Португалия/Португалия общая.pptx
+++ b/Наработки/диздоки/Португалия/Португалия общая.pptx
@@ -209,7 +209,7 @@
             <a:fld id="{33E3D7F9-E251-484C-A6FF-FA958879DF69}" type="datetimeFigureOut">
               <a:rPr lang="ru-RU" smtClean="0"/>
               <a:pPr/>
-              <a:t>19.07.2023</a:t>
+              <a:t>27.07.2023</a:t>
             </a:fld>
             <a:endParaRPr lang="ru-RU"/>
           </a:p>
@@ -699,7 +699,7 @@
             <a:fld id="{85A5DE44-605B-4D3B-B2B7-94543DF81A36}" type="datetimeFigureOut">
               <a:rPr lang="ru-RU" smtClean="0"/>
               <a:pPr/>
-              <a:t>19.07.2023</a:t>
+              <a:t>27.07.2023</a:t>
             </a:fld>
             <a:endParaRPr lang="ru-RU"/>
           </a:p>
@@ -871,7 +871,7 @@
             <a:fld id="{85A5DE44-605B-4D3B-B2B7-94543DF81A36}" type="datetimeFigureOut">
               <a:rPr lang="ru-RU" smtClean="0"/>
               <a:pPr/>
-              <a:t>19.07.2023</a:t>
+              <a:t>27.07.2023</a:t>
             </a:fld>
             <a:endParaRPr lang="ru-RU"/>
           </a:p>
@@ -1053,7 +1053,7 @@
             <a:fld id="{85A5DE44-605B-4D3B-B2B7-94543DF81A36}" type="datetimeFigureOut">
               <a:rPr lang="ru-RU" smtClean="0"/>
               <a:pPr/>
-              <a:t>19.07.2023</a:t>
+              <a:t>27.07.2023</a:t>
             </a:fld>
             <a:endParaRPr lang="ru-RU"/>
           </a:p>
@@ -1225,7 +1225,7 @@
             <a:fld id="{85A5DE44-605B-4D3B-B2B7-94543DF81A36}" type="datetimeFigureOut">
               <a:rPr lang="ru-RU" smtClean="0"/>
               <a:pPr/>
-              <a:t>19.07.2023</a:t>
+              <a:t>27.07.2023</a:t>
             </a:fld>
             <a:endParaRPr lang="ru-RU"/>
           </a:p>
@@ -1473,7 +1473,7 @@
             <a:fld id="{85A5DE44-605B-4D3B-B2B7-94543DF81A36}" type="datetimeFigureOut">
               <a:rPr lang="ru-RU" smtClean="0"/>
               <a:pPr/>
-              <a:t>19.07.2023</a:t>
+              <a:t>27.07.2023</a:t>
             </a:fld>
             <a:endParaRPr lang="ru-RU"/>
           </a:p>
@@ -1707,7 +1707,7 @@
             <a:fld id="{85A5DE44-605B-4D3B-B2B7-94543DF81A36}" type="datetimeFigureOut">
               <a:rPr lang="ru-RU" smtClean="0"/>
               <a:pPr/>
-              <a:t>19.07.2023</a:t>
+              <a:t>27.07.2023</a:t>
             </a:fld>
             <a:endParaRPr lang="ru-RU"/>
           </a:p>
@@ -2076,7 +2076,7 @@
             <a:fld id="{85A5DE44-605B-4D3B-B2B7-94543DF81A36}" type="datetimeFigureOut">
               <a:rPr lang="ru-RU" smtClean="0"/>
               <a:pPr/>
-              <a:t>19.07.2023</a:t>
+              <a:t>27.07.2023</a:t>
             </a:fld>
             <a:endParaRPr lang="ru-RU"/>
           </a:p>
@@ -2196,7 +2196,7 @@
             <a:fld id="{85A5DE44-605B-4D3B-B2B7-94543DF81A36}" type="datetimeFigureOut">
               <a:rPr lang="ru-RU" smtClean="0"/>
               <a:pPr/>
-              <a:t>19.07.2023</a:t>
+              <a:t>27.07.2023</a:t>
             </a:fld>
             <a:endParaRPr lang="ru-RU"/>
           </a:p>
@@ -2293,7 +2293,7 @@
             <a:fld id="{85A5DE44-605B-4D3B-B2B7-94543DF81A36}" type="datetimeFigureOut">
               <a:rPr lang="ru-RU" smtClean="0"/>
               <a:pPr/>
-              <a:t>19.07.2023</a:t>
+              <a:t>27.07.2023</a:t>
             </a:fld>
             <a:endParaRPr lang="ru-RU"/>
           </a:p>
@@ -2572,7 +2572,7 @@
             <a:fld id="{85A5DE44-605B-4D3B-B2B7-94543DF81A36}" type="datetimeFigureOut">
               <a:rPr lang="ru-RU" smtClean="0"/>
               <a:pPr/>
-              <a:t>19.07.2023</a:t>
+              <a:t>27.07.2023</a:t>
             </a:fld>
             <a:endParaRPr lang="ru-RU"/>
           </a:p>
@@ -2831,7 +2831,7 @@
             <a:fld id="{85A5DE44-605B-4D3B-B2B7-94543DF81A36}" type="datetimeFigureOut">
               <a:rPr lang="ru-RU" smtClean="0"/>
               <a:pPr/>
-              <a:t>19.07.2023</a:t>
+              <a:t>27.07.2023</a:t>
             </a:fld>
             <a:endParaRPr lang="ru-RU"/>
           </a:p>
@@ -3046,7 +3046,7 @@
             <a:fld id="{85A5DE44-605B-4D3B-B2B7-94543DF81A36}" type="datetimeFigureOut">
               <a:rPr lang="ru-RU" smtClean="0"/>
               <a:pPr/>
-              <a:t>19.07.2023</a:t>
+              <a:t>27.07.2023</a:t>
             </a:fld>
             <a:endParaRPr lang="ru-RU"/>
           </a:p>

--- a/Наработки/диздоки/Португалия/Португалия общая.pptx
+++ b/Наработки/диздоки/Португалия/Португалия общая.pptx
@@ -209,7 +209,7 @@
             <a:fld id="{33E3D7F9-E251-484C-A6FF-FA958879DF69}" type="datetimeFigureOut">
               <a:rPr lang="ru-RU" smtClean="0"/>
               <a:pPr/>
-              <a:t>27.07.2023</a:t>
+              <a:t>14.08.2023</a:t>
             </a:fld>
             <a:endParaRPr lang="ru-RU"/>
           </a:p>
@@ -699,7 +699,7 @@
             <a:fld id="{85A5DE44-605B-4D3B-B2B7-94543DF81A36}" type="datetimeFigureOut">
               <a:rPr lang="ru-RU" smtClean="0"/>
               <a:pPr/>
-              <a:t>27.07.2023</a:t>
+              <a:t>14.08.2023</a:t>
             </a:fld>
             <a:endParaRPr lang="ru-RU"/>
           </a:p>
@@ -871,7 +871,7 @@
             <a:fld id="{85A5DE44-605B-4D3B-B2B7-94543DF81A36}" type="datetimeFigureOut">
               <a:rPr lang="ru-RU" smtClean="0"/>
               <a:pPr/>
-              <a:t>27.07.2023</a:t>
+              <a:t>14.08.2023</a:t>
             </a:fld>
             <a:endParaRPr lang="ru-RU"/>
           </a:p>
@@ -1053,7 +1053,7 @@
             <a:fld id="{85A5DE44-605B-4D3B-B2B7-94543DF81A36}" type="datetimeFigureOut">
               <a:rPr lang="ru-RU" smtClean="0"/>
               <a:pPr/>
-              <a:t>27.07.2023</a:t>
+              <a:t>14.08.2023</a:t>
             </a:fld>
             <a:endParaRPr lang="ru-RU"/>
           </a:p>
@@ -1225,7 +1225,7 @@
             <a:fld id="{85A5DE44-605B-4D3B-B2B7-94543DF81A36}" type="datetimeFigureOut">
               <a:rPr lang="ru-RU" smtClean="0"/>
               <a:pPr/>
-              <a:t>27.07.2023</a:t>
+              <a:t>14.08.2023</a:t>
             </a:fld>
             <a:endParaRPr lang="ru-RU"/>
           </a:p>
@@ -1473,7 +1473,7 @@
             <a:fld id="{85A5DE44-605B-4D3B-B2B7-94543DF81A36}" type="datetimeFigureOut">
               <a:rPr lang="ru-RU" smtClean="0"/>
               <a:pPr/>
-              <a:t>27.07.2023</a:t>
+              <a:t>14.08.2023</a:t>
             </a:fld>
             <a:endParaRPr lang="ru-RU"/>
           </a:p>
@@ -1707,7 +1707,7 @@
             <a:fld id="{85A5DE44-605B-4D3B-B2B7-94543DF81A36}" type="datetimeFigureOut">
               <a:rPr lang="ru-RU" smtClean="0"/>
               <a:pPr/>
-              <a:t>27.07.2023</a:t>
+              <a:t>14.08.2023</a:t>
             </a:fld>
             <a:endParaRPr lang="ru-RU"/>
           </a:p>
@@ -2076,7 +2076,7 @@
             <a:fld id="{85A5DE44-605B-4D3B-B2B7-94543DF81A36}" type="datetimeFigureOut">
               <a:rPr lang="ru-RU" smtClean="0"/>
               <a:pPr/>
-              <a:t>27.07.2023</a:t>
+              <a:t>14.08.2023</a:t>
             </a:fld>
             <a:endParaRPr lang="ru-RU"/>
           </a:p>
@@ -2196,7 +2196,7 @@
             <a:fld id="{85A5DE44-605B-4D3B-B2B7-94543DF81A36}" type="datetimeFigureOut">
               <a:rPr lang="ru-RU" smtClean="0"/>
               <a:pPr/>
-              <a:t>27.07.2023</a:t>
+              <a:t>14.08.2023</a:t>
             </a:fld>
             <a:endParaRPr lang="ru-RU"/>
           </a:p>
@@ -2293,7 +2293,7 @@
             <a:fld id="{85A5DE44-605B-4D3B-B2B7-94543DF81A36}" type="datetimeFigureOut">
               <a:rPr lang="ru-RU" smtClean="0"/>
               <a:pPr/>
-              <a:t>27.07.2023</a:t>
+              <a:t>14.08.2023</a:t>
             </a:fld>
             <a:endParaRPr lang="ru-RU"/>
           </a:p>
@@ -2572,7 +2572,7 @@
             <a:fld id="{85A5DE44-605B-4D3B-B2B7-94543DF81A36}" type="datetimeFigureOut">
               <a:rPr lang="ru-RU" smtClean="0"/>
               <a:pPr/>
-              <a:t>27.07.2023</a:t>
+              <a:t>14.08.2023</a:t>
             </a:fld>
             <a:endParaRPr lang="ru-RU"/>
           </a:p>
@@ -2831,7 +2831,7 @@
             <a:fld id="{85A5DE44-605B-4D3B-B2B7-94543DF81A36}" type="datetimeFigureOut">
               <a:rPr lang="ru-RU" smtClean="0"/>
               <a:pPr/>
-              <a:t>27.07.2023</a:t>
+              <a:t>14.08.2023</a:t>
             </a:fld>
             <a:endParaRPr lang="ru-RU"/>
           </a:p>
@@ -3046,7 +3046,7 @@
             <a:fld id="{85A5DE44-605B-4D3B-B2B7-94543DF81A36}" type="datetimeFigureOut">
               <a:rPr lang="ru-RU" smtClean="0"/>
               <a:pPr/>
-              <a:t>27.07.2023</a:t>
+              <a:t>14.08.2023</a:t>
             </a:fld>
             <a:endParaRPr lang="ru-RU"/>
           </a:p>
@@ -11446,7 +11446,7 @@
         </p:nvSpPr>
         <p:spPr>
           <a:xfrm>
-            <a:off x="39012138" y="6931214"/>
+            <a:off x="39028086" y="6931214"/>
             <a:ext cx="926325" cy="540000"/>
           </a:xfrm>
           <a:prstGeom prst="rect">
@@ -11571,7 +11571,7 @@
         </p:nvSpPr>
         <p:spPr>
           <a:xfrm>
-            <a:off x="37974467" y="6143580"/>
+            <a:off x="37419007" y="6143896"/>
             <a:ext cx="926325" cy="540000"/>
           </a:xfrm>
           <a:prstGeom prst="rect">
@@ -11632,42 +11632,6 @@
           </a:p>
         </p:txBody>
       </p:sp>
-      <p:cxnSp>
-        <p:nvCxnSpPr>
-          <p:cNvPr id="317" name="Прямая со стрелкой 316"/>
-          <p:cNvCxnSpPr>
-            <a:stCxn id="281" idx="2"/>
-            <a:endCxn id="312" idx="0"/>
-          </p:cNvCxnSpPr>
-          <p:nvPr/>
-        </p:nvCxnSpPr>
-        <p:spPr>
-          <a:xfrm flipH="1">
-            <a:off x="39475301" y="5827726"/>
-            <a:ext cx="1" cy="1103488"/>
-          </a:xfrm>
-          <a:prstGeom prst="straightConnector1">
-            <a:avLst/>
-          </a:prstGeom>
-          <a:ln w="19050">
-            <a:tailEnd type="arrow"/>
-          </a:ln>
-        </p:spPr>
-        <p:style>
-          <a:lnRef idx="1">
-            <a:schemeClr val="accent1"/>
-          </a:lnRef>
-          <a:fillRef idx="0">
-            <a:schemeClr val="accent1"/>
-          </a:fillRef>
-          <a:effectRef idx="0">
-            <a:schemeClr val="accent1"/>
-          </a:effectRef>
-          <a:fontRef idx="minor">
-            <a:schemeClr val="tx1"/>
-          </a:fontRef>
-        </p:style>
-      </p:cxnSp>
       <p:sp>
         <p:nvSpPr>
           <p:cNvPr id="318" name="Прямоугольник 317"/>
@@ -11731,8 +11695,8 @@
         </p:nvCxnSpPr>
         <p:spPr>
           <a:xfrm rot="5400000">
-            <a:off x="38798539" y="5466817"/>
-            <a:ext cx="315854" cy="1037672"/>
+            <a:off x="38520651" y="5189245"/>
+            <a:ext cx="316170" cy="1593132"/>
           </a:xfrm>
           <a:prstGeom prst="bentConnector3">
             <a:avLst>
@@ -11989,7 +11953,7 @@
         </p:nvSpPr>
         <p:spPr>
           <a:xfrm>
-            <a:off x="39012140" y="7745165"/>
+            <a:off x="39028088" y="7745165"/>
             <a:ext cx="926325" cy="540000"/>
           </a:xfrm>
           <a:prstGeom prst="rect">
@@ -12217,7 +12181,7 @@
         </p:nvSpPr>
         <p:spPr>
           <a:xfrm>
-            <a:off x="39554071" y="8540284"/>
+            <a:off x="39563942" y="9393898"/>
             <a:ext cx="926325" cy="540000"/>
           </a:xfrm>
           <a:prstGeom prst="rect">
@@ -12278,7 +12242,7 @@
         </p:nvSpPr>
         <p:spPr>
           <a:xfrm>
-            <a:off x="38493303" y="8544426"/>
+            <a:off x="38503174" y="9392724"/>
             <a:ext cx="926325" cy="540000"/>
           </a:xfrm>
           <a:prstGeom prst="rect">
@@ -12363,7 +12327,7 @@
         </p:nvSpPr>
         <p:spPr>
           <a:xfrm>
-            <a:off x="37438018" y="8544426"/>
+            <a:off x="37442406" y="9400924"/>
             <a:ext cx="926325" cy="540000"/>
           </a:xfrm>
           <a:prstGeom prst="rect">
@@ -12424,7 +12388,7 @@
         </p:nvSpPr>
         <p:spPr>
           <a:xfrm>
-            <a:off x="36322584" y="8544425"/>
+            <a:off x="36326972" y="9400923"/>
             <a:ext cx="926325" cy="540000"/>
           </a:xfrm>
           <a:prstGeom prst="rect">
@@ -12485,7 +12449,7 @@
         </p:nvSpPr>
         <p:spPr>
           <a:xfrm>
-            <a:off x="39554070" y="9292633"/>
+            <a:off x="39563941" y="10140931"/>
             <a:ext cx="926325" cy="540000"/>
           </a:xfrm>
           <a:prstGeom prst="rect">
@@ -12546,7 +12510,7 @@
         </p:nvSpPr>
         <p:spPr>
           <a:xfrm>
-            <a:off x="38493302" y="9293224"/>
+            <a:off x="39028050" y="10849609"/>
             <a:ext cx="926325" cy="540000"/>
           </a:xfrm>
           <a:prstGeom prst="rect">
@@ -12607,7 +12571,7 @@
         </p:nvSpPr>
         <p:spPr>
           <a:xfrm>
-            <a:off x="37438017" y="9292633"/>
+            <a:off x="37972765" y="10849018"/>
             <a:ext cx="926325" cy="540000"/>
           </a:xfrm>
           <a:prstGeom prst="rect">
@@ -12668,7 +12632,7 @@
         </p:nvSpPr>
         <p:spPr>
           <a:xfrm>
-            <a:off x="40620264" y="9293224"/>
+            <a:off x="40630135" y="10141522"/>
             <a:ext cx="926325" cy="540000"/>
           </a:xfrm>
           <a:prstGeom prst="rect">
@@ -12732,8 +12696,8 @@
         </p:nvCxnSpPr>
         <p:spPr>
           <a:xfrm rot="5400000">
-            <a:off x="38824475" y="7094060"/>
-            <a:ext cx="273672" cy="1027980"/>
+            <a:off x="38832449" y="7086086"/>
+            <a:ext cx="273672" cy="1043928"/>
           </a:xfrm>
           <a:prstGeom prst="bentConnector3">
             <a:avLst>
@@ -12770,8 +12734,8 @@
         </p:nvCxnSpPr>
         <p:spPr>
           <a:xfrm rot="16200000" flipH="1">
-            <a:off x="39870713" y="7075801"/>
-            <a:ext cx="273672" cy="1064497"/>
+            <a:off x="39878687" y="7083775"/>
+            <a:ext cx="273672" cy="1048549"/>
           </a:xfrm>
           <a:prstGeom prst="bentConnector3">
             <a:avLst>
@@ -12808,7 +12772,7 @@
         </p:nvCxnSpPr>
         <p:spPr>
           <a:xfrm rot="16200000" flipH="1">
-            <a:off x="39338327" y="7608188"/>
+            <a:off x="39354275" y="7608188"/>
             <a:ext cx="273951" cy="2"/>
           </a:xfrm>
           <a:prstGeom prst="bentConnector3">
@@ -12846,8 +12810,8 @@
         </p:nvCxnSpPr>
         <p:spPr>
           <a:xfrm rot="5400000">
-            <a:off x="37778584" y="6272168"/>
-            <a:ext cx="247634" cy="1070459"/>
+            <a:off x="37501012" y="6550056"/>
+            <a:ext cx="247318" cy="514999"/>
           </a:xfrm>
           <a:prstGeom prst="bentConnector3">
             <a:avLst>
@@ -12911,42 +12875,6 @@
       </p:cxnSp>
       <p:cxnSp>
         <p:nvCxnSpPr>
-          <p:cNvPr id="373" name="Прямая со стрелкой 372"/>
-          <p:cNvCxnSpPr>
-            <a:stCxn id="315" idx="2"/>
-            <a:endCxn id="408" idx="0"/>
-          </p:cNvCxnSpPr>
-          <p:nvPr/>
-        </p:nvCxnSpPr>
-        <p:spPr>
-          <a:xfrm>
-            <a:off x="38437630" y="6683580"/>
-            <a:ext cx="6918" cy="246754"/>
-          </a:xfrm>
-          <a:prstGeom prst="straightConnector1">
-            <a:avLst/>
-          </a:prstGeom>
-          <a:ln w="19050">
-            <a:tailEnd type="arrow"/>
-          </a:ln>
-        </p:spPr>
-        <p:style>
-          <a:lnRef idx="1">
-            <a:schemeClr val="accent1"/>
-          </a:lnRef>
-          <a:fillRef idx="0">
-            <a:schemeClr val="accent1"/>
-          </a:fillRef>
-          <a:effectRef idx="0">
-            <a:schemeClr val="accent1"/>
-          </a:effectRef>
-          <a:fontRef idx="minor">
-            <a:schemeClr val="tx1"/>
-          </a:fontRef>
-        </p:style>
-      </p:cxnSp>
-      <p:cxnSp>
-        <p:nvCxnSpPr>
           <p:cNvPr id="374" name="Соединительная линия уступом 373"/>
           <p:cNvCxnSpPr>
             <a:stCxn id="311" idx="2"/>
@@ -13059,15 +12987,16 @@
         <p:nvCxnSpPr>
           <p:cNvPr id="378" name="Соединительная линия уступом 377"/>
           <p:cNvCxnSpPr>
-            <a:stCxn id="348" idx="2"/>
+            <a:cxnSpLocks/>
+            <a:stCxn id="1039" idx="2"/>
             <a:endCxn id="355" idx="0"/>
           </p:cNvCxnSpPr>
           <p:nvPr/>
         </p:nvCxnSpPr>
         <p:spPr>
           <a:xfrm rot="5400000">
-            <a:off x="36946830" y="8124083"/>
-            <a:ext cx="259260" cy="581425"/>
+            <a:off x="37979284" y="7888994"/>
+            <a:ext cx="322780" cy="2701078"/>
           </a:xfrm>
           <a:prstGeom prst="bentConnector3">
             <a:avLst>
@@ -13098,15 +13027,16 @@
         <p:nvCxnSpPr>
           <p:cNvPr id="381" name="Соединительная линия уступом 380"/>
           <p:cNvCxnSpPr>
-            <a:stCxn id="348" idx="2"/>
+            <a:cxnSpLocks/>
+            <a:stCxn id="1039" idx="2"/>
             <a:endCxn id="354" idx="0"/>
           </p:cNvCxnSpPr>
           <p:nvPr/>
         </p:nvCxnSpPr>
         <p:spPr>
-          <a:xfrm rot="16200000" flipH="1">
-            <a:off x="37504546" y="8147790"/>
-            <a:ext cx="259261" cy="534009"/>
+          <a:xfrm rot="5400000">
+            <a:off x="38537001" y="8446711"/>
+            <a:ext cx="322781" cy="1585644"/>
           </a:xfrm>
           <a:prstGeom prst="bentConnector3">
             <a:avLst>
@@ -13135,17 +13065,95 @@
       </p:cxnSp>
       <p:cxnSp>
         <p:nvCxnSpPr>
-          <p:cNvPr id="384" name="Соединительная линия уступом 383"/>
-          <p:cNvCxnSpPr>
-            <a:stCxn id="347" idx="2"/>
-            <a:endCxn id="355" idx="0"/>
+          <p:cNvPr id="416" name="Соединительная линия уступом 415"/>
+          <p:cNvCxnSpPr>
+            <a:stCxn id="353" idx="2"/>
+            <a:endCxn id="361" idx="0"/>
           </p:cNvCxnSpPr>
           <p:nvPr/>
         </p:nvCxnSpPr>
         <p:spPr>
           <a:xfrm rot="5400000">
-            <a:off x="37486765" y="7583868"/>
-            <a:ext cx="259539" cy="1661574"/>
+            <a:off x="38242986" y="10125667"/>
+            <a:ext cx="916294" cy="530409"/>
+          </a:xfrm>
+          <a:prstGeom prst="bentConnector3">
+            <a:avLst>
+              <a:gd name="adj1" fmla="val 11707"/>
+            </a:avLst>
+          </a:prstGeom>
+          <a:ln w="19050">
+            <a:prstDash val="dash"/>
+            <a:tailEnd type="arrow"/>
+          </a:ln>
+        </p:spPr>
+        <p:style>
+          <a:lnRef idx="1">
+            <a:schemeClr val="accent1"/>
+          </a:lnRef>
+          <a:fillRef idx="0">
+            <a:schemeClr val="accent1"/>
+          </a:fillRef>
+          <a:effectRef idx="0">
+            <a:schemeClr val="accent1"/>
+          </a:effectRef>
+          <a:fontRef idx="minor">
+            <a:schemeClr val="tx1"/>
+          </a:fontRef>
+        </p:style>
+      </p:cxnSp>
+      <p:cxnSp>
+        <p:nvCxnSpPr>
+          <p:cNvPr id="419" name="Соединительная линия уступом 418"/>
+          <p:cNvCxnSpPr>
+            <a:stCxn id="353" idx="2"/>
+            <a:endCxn id="358" idx="0"/>
+          </p:cNvCxnSpPr>
+          <p:nvPr/>
+        </p:nvCxnSpPr>
+        <p:spPr>
+          <a:xfrm rot="16200000" flipH="1">
+            <a:off x="38770333" y="10128728"/>
+            <a:ext cx="916885" cy="524876"/>
+          </a:xfrm>
+          <a:prstGeom prst="bentConnector3">
+            <a:avLst>
+              <a:gd name="adj1" fmla="val 11152"/>
+            </a:avLst>
+          </a:prstGeom>
+          <a:ln w="19050">
+            <a:prstDash val="dash"/>
+            <a:tailEnd type="arrow"/>
+          </a:ln>
+        </p:spPr>
+        <p:style>
+          <a:lnRef idx="1">
+            <a:schemeClr val="accent1"/>
+          </a:lnRef>
+          <a:fillRef idx="0">
+            <a:schemeClr val="accent1"/>
+          </a:fillRef>
+          <a:effectRef idx="0">
+            <a:schemeClr val="accent1"/>
+          </a:effectRef>
+          <a:fontRef idx="minor">
+            <a:schemeClr val="tx1"/>
+          </a:fontRef>
+        </p:style>
+      </p:cxnSp>
+      <p:cxnSp>
+        <p:nvCxnSpPr>
+          <p:cNvPr id="423" name="Соединительная линия уступом 422"/>
+          <p:cNvCxnSpPr>
+            <a:stCxn id="353" idx="2"/>
+            <a:endCxn id="357" idx="0"/>
+          </p:cNvCxnSpPr>
+          <p:nvPr/>
+        </p:nvCxnSpPr>
+        <p:spPr>
+          <a:xfrm rot="16200000" flipH="1">
+            <a:off x="39392617" y="9506443"/>
+            <a:ext cx="208207" cy="1060767"/>
           </a:xfrm>
           <a:prstGeom prst="bentConnector3">
             <a:avLst>
@@ -13174,17 +13182,17 @@
       </p:cxnSp>
       <p:cxnSp>
         <p:nvCxnSpPr>
-          <p:cNvPr id="385" name="Соединительная линия уступом 384"/>
-          <p:cNvCxnSpPr>
-            <a:stCxn id="347" idx="2"/>
-            <a:endCxn id="354" idx="0"/>
-          </p:cNvCxnSpPr>
-          <p:nvPr/>
-        </p:nvCxnSpPr>
-        <p:spPr>
-          <a:xfrm rot="5400000">
-            <a:off x="38044481" y="8141586"/>
-            <a:ext cx="259540" cy="546140"/>
+          <p:cNvPr id="426" name="Соединительная линия уступом 425"/>
+          <p:cNvCxnSpPr>
+            <a:stCxn id="353" idx="2"/>
+            <a:endCxn id="362" idx="0"/>
+          </p:cNvCxnSpPr>
+          <p:nvPr/>
+        </p:nvCxnSpPr>
+        <p:spPr>
+          <a:xfrm rot="16200000" flipH="1">
+            <a:off x="39925418" y="8973642"/>
+            <a:ext cx="208798" cy="2126961"/>
           </a:xfrm>
           <a:prstGeom prst="bentConnector3">
             <a:avLst>
@@ -13213,17 +13221,95 @@
       </p:cxnSp>
       <p:cxnSp>
         <p:nvCxnSpPr>
-          <p:cNvPr id="386" name="Соединительная линия уступом 385"/>
-          <p:cNvCxnSpPr>
-            <a:stCxn id="347" idx="2"/>
-            <a:endCxn id="353" idx="0"/>
-          </p:cNvCxnSpPr>
-          <p:nvPr/>
-        </p:nvCxnSpPr>
-        <p:spPr>
-          <a:xfrm rot="16200000" flipH="1">
-            <a:off x="38572123" y="8160083"/>
-            <a:ext cx="259540" cy="509145"/>
+          <p:cNvPr id="429" name="Соединительная линия уступом 428"/>
+          <p:cNvCxnSpPr>
+            <a:stCxn id="351" idx="2"/>
+            <a:endCxn id="361" idx="0"/>
+          </p:cNvCxnSpPr>
+          <p:nvPr/>
+        </p:nvCxnSpPr>
+        <p:spPr>
+          <a:xfrm rot="5400000">
+            <a:off x="38773957" y="9595870"/>
+            <a:ext cx="915120" cy="1591177"/>
+          </a:xfrm>
+          <a:prstGeom prst="bentConnector3">
+            <a:avLst>
+              <a:gd name="adj1" fmla="val 10496"/>
+            </a:avLst>
+          </a:prstGeom>
+          <a:ln w="19050">
+            <a:prstDash val="dash"/>
+            <a:tailEnd type="arrow"/>
+          </a:ln>
+        </p:spPr>
+        <p:style>
+          <a:lnRef idx="1">
+            <a:schemeClr val="accent1"/>
+          </a:lnRef>
+          <a:fillRef idx="0">
+            <a:schemeClr val="accent1"/>
+          </a:fillRef>
+          <a:effectRef idx="0">
+            <a:schemeClr val="accent1"/>
+          </a:effectRef>
+          <a:fontRef idx="minor">
+            <a:schemeClr val="tx1"/>
+          </a:fontRef>
+        </p:style>
+      </p:cxnSp>
+      <p:cxnSp>
+        <p:nvCxnSpPr>
+          <p:cNvPr id="432" name="Соединительная линия уступом 431"/>
+          <p:cNvCxnSpPr>
+            <a:stCxn id="351" idx="2"/>
+            <a:endCxn id="358" idx="0"/>
+          </p:cNvCxnSpPr>
+          <p:nvPr/>
+        </p:nvCxnSpPr>
+        <p:spPr>
+          <a:xfrm rot="5400000">
+            <a:off x="39301304" y="10123807"/>
+            <a:ext cx="915711" cy="535892"/>
+          </a:xfrm>
+          <a:prstGeom prst="bentConnector3">
+            <a:avLst>
+              <a:gd name="adj1" fmla="val 9941"/>
+            </a:avLst>
+          </a:prstGeom>
+          <a:ln w="19050">
+            <a:prstDash val="dash"/>
+            <a:tailEnd type="arrow"/>
+          </a:ln>
+        </p:spPr>
+        <p:style>
+          <a:lnRef idx="1">
+            <a:schemeClr val="accent1"/>
+          </a:lnRef>
+          <a:fillRef idx="0">
+            <a:schemeClr val="accent1"/>
+          </a:fillRef>
+          <a:effectRef idx="0">
+            <a:schemeClr val="accent1"/>
+          </a:effectRef>
+          <a:fontRef idx="minor">
+            <a:schemeClr val="tx1"/>
+          </a:fontRef>
+        </p:style>
+      </p:cxnSp>
+      <p:cxnSp>
+        <p:nvCxnSpPr>
+          <p:cNvPr id="435" name="Соединительная линия уступом 434"/>
+          <p:cNvCxnSpPr>
+            <a:stCxn id="351" idx="2"/>
+            <a:endCxn id="357" idx="0"/>
+          </p:cNvCxnSpPr>
+          <p:nvPr/>
+        </p:nvCxnSpPr>
+        <p:spPr>
+          <a:xfrm rot="5400000">
+            <a:off x="39923589" y="10037414"/>
+            <a:ext cx="207033" cy="1"/>
           </a:xfrm>
           <a:prstGeom prst="bentConnector3">
             <a:avLst>
@@ -13252,17 +13338,17 @@
       </p:cxnSp>
       <p:cxnSp>
         <p:nvCxnSpPr>
-          <p:cNvPr id="389" name="Соединительная линия уступом 388"/>
-          <p:cNvCxnSpPr>
-            <a:stCxn id="347" idx="2"/>
-            <a:endCxn id="351" idx="0"/>
+          <p:cNvPr id="438" name="Соединительная линия уступом 437"/>
+          <p:cNvCxnSpPr>
+            <a:stCxn id="351" idx="2"/>
+            <a:endCxn id="362" idx="0"/>
           </p:cNvCxnSpPr>
           <p:nvPr/>
         </p:nvCxnSpPr>
         <p:spPr>
           <a:xfrm rot="16200000" flipH="1">
-            <a:off x="39104578" y="7627628"/>
-            <a:ext cx="255398" cy="1569913"/>
+            <a:off x="40456389" y="9504613"/>
+            <a:ext cx="207624" cy="1066193"/>
           </a:xfrm>
           <a:prstGeom prst="bentConnector3">
             <a:avLst>
@@ -13291,630 +13377,6 @@
       </p:cxnSp>
       <p:cxnSp>
         <p:nvCxnSpPr>
-          <p:cNvPr id="392" name="Соединительная линия уступом 391"/>
-          <p:cNvCxnSpPr>
-            <a:stCxn id="345" idx="2"/>
-            <a:endCxn id="355" idx="0"/>
-          </p:cNvCxnSpPr>
-          <p:nvPr/>
-        </p:nvCxnSpPr>
-        <p:spPr>
-          <a:xfrm rot="5400000">
-            <a:off x="38000895" y="7070017"/>
-            <a:ext cx="259260" cy="2689556"/>
-          </a:xfrm>
-          <a:prstGeom prst="bentConnector3">
-            <a:avLst>
-              <a:gd name="adj1" fmla="val 50000"/>
-            </a:avLst>
-          </a:prstGeom>
-          <a:ln w="19050">
-            <a:prstDash val="dash"/>
-            <a:tailEnd type="arrow"/>
-          </a:ln>
-        </p:spPr>
-        <p:style>
-          <a:lnRef idx="1">
-            <a:schemeClr val="accent1"/>
-          </a:lnRef>
-          <a:fillRef idx="0">
-            <a:schemeClr val="accent1"/>
-          </a:fillRef>
-          <a:effectRef idx="0">
-            <a:schemeClr val="accent1"/>
-          </a:effectRef>
-          <a:fontRef idx="minor">
-            <a:schemeClr val="tx1"/>
-          </a:fontRef>
-        </p:style>
-      </p:cxnSp>
-      <p:cxnSp>
-        <p:nvCxnSpPr>
-          <p:cNvPr id="395" name="Соединительная линия уступом 394"/>
-          <p:cNvCxnSpPr>
-            <a:stCxn id="345" idx="2"/>
-            <a:endCxn id="354" idx="0"/>
-          </p:cNvCxnSpPr>
-          <p:nvPr/>
-        </p:nvCxnSpPr>
-        <p:spPr>
-          <a:xfrm rot="5400000">
-            <a:off x="38558612" y="7627734"/>
-            <a:ext cx="259261" cy="1574122"/>
-          </a:xfrm>
-          <a:prstGeom prst="bentConnector3">
-            <a:avLst>
-              <a:gd name="adj1" fmla="val 50000"/>
-            </a:avLst>
-          </a:prstGeom>
-          <a:ln w="19050">
-            <a:prstDash val="dash"/>
-            <a:tailEnd type="arrow"/>
-          </a:ln>
-        </p:spPr>
-        <p:style>
-          <a:lnRef idx="1">
-            <a:schemeClr val="accent1"/>
-          </a:lnRef>
-          <a:fillRef idx="0">
-            <a:schemeClr val="accent1"/>
-          </a:fillRef>
-          <a:effectRef idx="0">
-            <a:schemeClr val="accent1"/>
-          </a:effectRef>
-          <a:fontRef idx="minor">
-            <a:schemeClr val="tx1"/>
-          </a:fontRef>
-        </p:style>
-      </p:cxnSp>
-      <p:cxnSp>
-        <p:nvCxnSpPr>
-          <p:cNvPr id="398" name="Соединительная линия уступом 397"/>
-          <p:cNvCxnSpPr>
-            <a:stCxn id="345" idx="2"/>
-            <a:endCxn id="353" idx="0"/>
-          </p:cNvCxnSpPr>
-          <p:nvPr/>
-        </p:nvCxnSpPr>
-        <p:spPr>
-          <a:xfrm rot="5400000">
-            <a:off x="39086255" y="8155377"/>
-            <a:ext cx="259261" cy="518837"/>
-          </a:xfrm>
-          <a:prstGeom prst="bentConnector3">
-            <a:avLst>
-              <a:gd name="adj1" fmla="val 50000"/>
-            </a:avLst>
-          </a:prstGeom>
-          <a:ln w="19050">
-            <a:prstDash val="dash"/>
-            <a:tailEnd type="arrow"/>
-          </a:ln>
-        </p:spPr>
-        <p:style>
-          <a:lnRef idx="1">
-            <a:schemeClr val="accent1"/>
-          </a:lnRef>
-          <a:fillRef idx="0">
-            <a:schemeClr val="accent1"/>
-          </a:fillRef>
-          <a:effectRef idx="0">
-            <a:schemeClr val="accent1"/>
-          </a:effectRef>
-          <a:fontRef idx="minor">
-            <a:schemeClr val="tx1"/>
-          </a:fontRef>
-        </p:style>
-      </p:cxnSp>
-      <p:cxnSp>
-        <p:nvCxnSpPr>
-          <p:cNvPr id="401" name="Соединительная линия уступом 400"/>
-          <p:cNvCxnSpPr>
-            <a:stCxn id="345" idx="2"/>
-            <a:endCxn id="351" idx="0"/>
-          </p:cNvCxnSpPr>
-          <p:nvPr/>
-        </p:nvCxnSpPr>
-        <p:spPr>
-          <a:xfrm rot="16200000" flipH="1">
-            <a:off x="39618709" y="8141758"/>
-            <a:ext cx="255119" cy="541931"/>
-          </a:xfrm>
-          <a:prstGeom prst="bentConnector3">
-            <a:avLst>
-              <a:gd name="adj1" fmla="val 50000"/>
-            </a:avLst>
-          </a:prstGeom>
-          <a:ln w="19050">
-            <a:prstDash val="dash"/>
-            <a:tailEnd type="arrow"/>
-          </a:ln>
-        </p:spPr>
-        <p:style>
-          <a:lnRef idx="1">
-            <a:schemeClr val="accent1"/>
-          </a:lnRef>
-          <a:fillRef idx="0">
-            <a:schemeClr val="accent1"/>
-          </a:fillRef>
-          <a:effectRef idx="0">
-            <a:schemeClr val="accent1"/>
-          </a:effectRef>
-          <a:fontRef idx="minor">
-            <a:schemeClr val="tx1"/>
-          </a:fontRef>
-        </p:style>
-      </p:cxnSp>
-      <p:cxnSp>
-        <p:nvCxnSpPr>
-          <p:cNvPr id="404" name="Соединительная линия уступом 403"/>
-          <p:cNvCxnSpPr>
-            <a:stCxn id="344" idx="2"/>
-            <a:endCxn id="355" idx="0"/>
-          </p:cNvCxnSpPr>
-          <p:nvPr/>
-        </p:nvCxnSpPr>
-        <p:spPr>
-          <a:xfrm rot="5400000">
-            <a:off x="38533004" y="6537630"/>
-            <a:ext cx="259539" cy="3754051"/>
-          </a:xfrm>
-          <a:prstGeom prst="bentConnector3">
-            <a:avLst>
-              <a:gd name="adj1" fmla="val 50000"/>
-            </a:avLst>
-          </a:prstGeom>
-          <a:ln w="19050">
-            <a:prstDash val="dash"/>
-            <a:tailEnd type="arrow"/>
-          </a:ln>
-        </p:spPr>
-        <p:style>
-          <a:lnRef idx="1">
-            <a:schemeClr val="accent1"/>
-          </a:lnRef>
-          <a:fillRef idx="0">
-            <a:schemeClr val="accent1"/>
-          </a:fillRef>
-          <a:effectRef idx="0">
-            <a:schemeClr val="accent1"/>
-          </a:effectRef>
-          <a:fontRef idx="minor">
-            <a:schemeClr val="tx1"/>
-          </a:fontRef>
-        </p:style>
-      </p:cxnSp>
-      <p:cxnSp>
-        <p:nvCxnSpPr>
-          <p:cNvPr id="407" name="Соединительная линия уступом 406"/>
-          <p:cNvCxnSpPr>
-            <a:stCxn id="344" idx="2"/>
-            <a:endCxn id="354" idx="0"/>
-          </p:cNvCxnSpPr>
-          <p:nvPr/>
-        </p:nvCxnSpPr>
-        <p:spPr>
-          <a:xfrm rot="5400000">
-            <a:off x="39090720" y="7095348"/>
-            <a:ext cx="259540" cy="2638617"/>
-          </a:xfrm>
-          <a:prstGeom prst="bentConnector3">
-            <a:avLst>
-              <a:gd name="adj1" fmla="val 50000"/>
-            </a:avLst>
-          </a:prstGeom>
-          <a:ln w="19050">
-            <a:prstDash val="dash"/>
-            <a:tailEnd type="arrow"/>
-          </a:ln>
-        </p:spPr>
-        <p:style>
-          <a:lnRef idx="1">
-            <a:schemeClr val="accent1"/>
-          </a:lnRef>
-          <a:fillRef idx="0">
-            <a:schemeClr val="accent1"/>
-          </a:fillRef>
-          <a:effectRef idx="0">
-            <a:schemeClr val="accent1"/>
-          </a:effectRef>
-          <a:fontRef idx="minor">
-            <a:schemeClr val="tx1"/>
-          </a:fontRef>
-        </p:style>
-      </p:cxnSp>
-      <p:cxnSp>
-        <p:nvCxnSpPr>
-          <p:cNvPr id="410" name="Соединительная линия уступом 409"/>
-          <p:cNvCxnSpPr>
-            <a:stCxn id="344" idx="2"/>
-            <a:endCxn id="353" idx="0"/>
-          </p:cNvCxnSpPr>
-          <p:nvPr/>
-        </p:nvCxnSpPr>
-        <p:spPr>
-          <a:xfrm rot="5400000">
-            <a:off x="39618362" y="7622990"/>
-            <a:ext cx="259540" cy="1583332"/>
-          </a:xfrm>
-          <a:prstGeom prst="bentConnector3">
-            <a:avLst>
-              <a:gd name="adj1" fmla="val 50000"/>
-            </a:avLst>
-          </a:prstGeom>
-          <a:ln w="19050">
-            <a:prstDash val="dash"/>
-            <a:tailEnd type="arrow"/>
-          </a:ln>
-        </p:spPr>
-        <p:style>
-          <a:lnRef idx="1">
-            <a:schemeClr val="accent1"/>
-          </a:lnRef>
-          <a:fillRef idx="0">
-            <a:schemeClr val="accent1"/>
-          </a:fillRef>
-          <a:effectRef idx="0">
-            <a:schemeClr val="accent1"/>
-          </a:effectRef>
-          <a:fontRef idx="minor">
-            <a:schemeClr val="tx1"/>
-          </a:fontRef>
-        </p:style>
-      </p:cxnSp>
-      <p:cxnSp>
-        <p:nvCxnSpPr>
-          <p:cNvPr id="413" name="Соединительная линия уступом 412"/>
-          <p:cNvCxnSpPr>
-            <a:stCxn id="344" idx="2"/>
-            <a:endCxn id="351" idx="0"/>
-          </p:cNvCxnSpPr>
-          <p:nvPr/>
-        </p:nvCxnSpPr>
-        <p:spPr>
-          <a:xfrm rot="5400000">
-            <a:off x="40150817" y="8151303"/>
-            <a:ext cx="255398" cy="522564"/>
-          </a:xfrm>
-          <a:prstGeom prst="bentConnector3">
-            <a:avLst>
-              <a:gd name="adj1" fmla="val 50000"/>
-            </a:avLst>
-          </a:prstGeom>
-          <a:ln w="19050">
-            <a:prstDash val="dash"/>
-            <a:tailEnd type="arrow"/>
-          </a:ln>
-        </p:spPr>
-        <p:style>
-          <a:lnRef idx="1">
-            <a:schemeClr val="accent1"/>
-          </a:lnRef>
-          <a:fillRef idx="0">
-            <a:schemeClr val="accent1"/>
-          </a:fillRef>
-          <a:effectRef idx="0">
-            <a:schemeClr val="accent1"/>
-          </a:effectRef>
-          <a:fontRef idx="minor">
-            <a:schemeClr val="tx1"/>
-          </a:fontRef>
-        </p:style>
-      </p:cxnSp>
-      <p:cxnSp>
-        <p:nvCxnSpPr>
-          <p:cNvPr id="416" name="Соединительная линия уступом 415"/>
-          <p:cNvCxnSpPr>
-            <a:stCxn id="353" idx="2"/>
-            <a:endCxn id="361" idx="0"/>
-          </p:cNvCxnSpPr>
-          <p:nvPr/>
-        </p:nvCxnSpPr>
-        <p:spPr>
-          <a:xfrm rot="5400000">
-            <a:off x="38324720" y="8660886"/>
-            <a:ext cx="208207" cy="1055286"/>
-          </a:xfrm>
-          <a:prstGeom prst="bentConnector3">
-            <a:avLst>
-              <a:gd name="adj1" fmla="val 50000"/>
-            </a:avLst>
-          </a:prstGeom>
-          <a:ln w="19050">
-            <a:prstDash val="dash"/>
-            <a:tailEnd type="arrow"/>
-          </a:ln>
-        </p:spPr>
-        <p:style>
-          <a:lnRef idx="1">
-            <a:schemeClr val="accent1"/>
-          </a:lnRef>
-          <a:fillRef idx="0">
-            <a:schemeClr val="accent1"/>
-          </a:fillRef>
-          <a:effectRef idx="0">
-            <a:schemeClr val="accent1"/>
-          </a:effectRef>
-          <a:fontRef idx="minor">
-            <a:schemeClr val="tx1"/>
-          </a:fontRef>
-        </p:style>
-      </p:cxnSp>
-      <p:cxnSp>
-        <p:nvCxnSpPr>
-          <p:cNvPr id="419" name="Соединительная линия уступом 418"/>
-          <p:cNvCxnSpPr>
-            <a:stCxn id="353" idx="2"/>
-            <a:endCxn id="358" idx="0"/>
-          </p:cNvCxnSpPr>
-          <p:nvPr/>
-        </p:nvCxnSpPr>
-        <p:spPr>
-          <a:xfrm rot="5400000">
-            <a:off x="38852067" y="9188825"/>
-            <a:ext cx="208798" cy="1"/>
-          </a:xfrm>
-          <a:prstGeom prst="bentConnector3">
-            <a:avLst>
-              <a:gd name="adj1" fmla="val 50000"/>
-            </a:avLst>
-          </a:prstGeom>
-          <a:ln w="19050">
-            <a:prstDash val="dash"/>
-            <a:tailEnd type="arrow"/>
-          </a:ln>
-        </p:spPr>
-        <p:style>
-          <a:lnRef idx="1">
-            <a:schemeClr val="accent1"/>
-          </a:lnRef>
-          <a:fillRef idx="0">
-            <a:schemeClr val="accent1"/>
-          </a:fillRef>
-          <a:effectRef idx="0">
-            <a:schemeClr val="accent1"/>
-          </a:effectRef>
-          <a:fontRef idx="minor">
-            <a:schemeClr val="tx1"/>
-          </a:fontRef>
-        </p:style>
-      </p:cxnSp>
-      <p:cxnSp>
-        <p:nvCxnSpPr>
-          <p:cNvPr id="423" name="Соединительная линия уступом 422"/>
-          <p:cNvCxnSpPr>
-            <a:stCxn id="353" idx="2"/>
-            <a:endCxn id="357" idx="0"/>
-          </p:cNvCxnSpPr>
-          <p:nvPr/>
-        </p:nvCxnSpPr>
-        <p:spPr>
-          <a:xfrm rot="16200000" flipH="1">
-            <a:off x="39382746" y="8658145"/>
-            <a:ext cx="208207" cy="1060767"/>
-          </a:xfrm>
-          <a:prstGeom prst="bentConnector3">
-            <a:avLst>
-              <a:gd name="adj1" fmla="val 50000"/>
-            </a:avLst>
-          </a:prstGeom>
-          <a:ln w="19050">
-            <a:prstDash val="dash"/>
-            <a:tailEnd type="arrow"/>
-          </a:ln>
-        </p:spPr>
-        <p:style>
-          <a:lnRef idx="1">
-            <a:schemeClr val="accent1"/>
-          </a:lnRef>
-          <a:fillRef idx="0">
-            <a:schemeClr val="accent1"/>
-          </a:fillRef>
-          <a:effectRef idx="0">
-            <a:schemeClr val="accent1"/>
-          </a:effectRef>
-          <a:fontRef idx="minor">
-            <a:schemeClr val="tx1"/>
-          </a:fontRef>
-        </p:style>
-      </p:cxnSp>
-      <p:cxnSp>
-        <p:nvCxnSpPr>
-          <p:cNvPr id="426" name="Соединительная линия уступом 425"/>
-          <p:cNvCxnSpPr>
-            <a:stCxn id="353" idx="2"/>
-            <a:endCxn id="362" idx="0"/>
-          </p:cNvCxnSpPr>
-          <p:nvPr/>
-        </p:nvCxnSpPr>
-        <p:spPr>
-          <a:xfrm rot="16200000" flipH="1">
-            <a:off x="39915547" y="8125344"/>
-            <a:ext cx="208798" cy="2126961"/>
-          </a:xfrm>
-          <a:prstGeom prst="bentConnector3">
-            <a:avLst>
-              <a:gd name="adj1" fmla="val 50000"/>
-            </a:avLst>
-          </a:prstGeom>
-          <a:ln w="19050">
-            <a:prstDash val="dash"/>
-            <a:tailEnd type="arrow"/>
-          </a:ln>
-        </p:spPr>
-        <p:style>
-          <a:lnRef idx="1">
-            <a:schemeClr val="accent1"/>
-          </a:lnRef>
-          <a:fillRef idx="0">
-            <a:schemeClr val="accent1"/>
-          </a:fillRef>
-          <a:effectRef idx="0">
-            <a:schemeClr val="accent1"/>
-          </a:effectRef>
-          <a:fontRef idx="minor">
-            <a:schemeClr val="tx1"/>
-          </a:fontRef>
-        </p:style>
-      </p:cxnSp>
-      <p:cxnSp>
-        <p:nvCxnSpPr>
-          <p:cNvPr id="429" name="Соединительная линия уступом 428"/>
-          <p:cNvCxnSpPr>
-            <a:stCxn id="351" idx="2"/>
-            <a:endCxn id="361" idx="0"/>
-          </p:cNvCxnSpPr>
-          <p:nvPr/>
-        </p:nvCxnSpPr>
-        <p:spPr>
-          <a:xfrm rot="5400000">
-            <a:off x="38853033" y="8128431"/>
-            <a:ext cx="212349" cy="2116054"/>
-          </a:xfrm>
-          <a:prstGeom prst="bentConnector3">
-            <a:avLst>
-              <a:gd name="adj1" fmla="val 50000"/>
-            </a:avLst>
-          </a:prstGeom>
-          <a:ln w="19050">
-            <a:prstDash val="dash"/>
-            <a:tailEnd type="arrow"/>
-          </a:ln>
-        </p:spPr>
-        <p:style>
-          <a:lnRef idx="1">
-            <a:schemeClr val="accent1"/>
-          </a:lnRef>
-          <a:fillRef idx="0">
-            <a:schemeClr val="accent1"/>
-          </a:fillRef>
-          <a:effectRef idx="0">
-            <a:schemeClr val="accent1"/>
-          </a:effectRef>
-          <a:fontRef idx="minor">
-            <a:schemeClr val="tx1"/>
-          </a:fontRef>
-        </p:style>
-      </p:cxnSp>
-      <p:cxnSp>
-        <p:nvCxnSpPr>
-          <p:cNvPr id="432" name="Соединительная линия уступом 431"/>
-          <p:cNvCxnSpPr>
-            <a:stCxn id="351" idx="2"/>
-            <a:endCxn id="358" idx="0"/>
-          </p:cNvCxnSpPr>
-          <p:nvPr/>
-        </p:nvCxnSpPr>
-        <p:spPr>
-          <a:xfrm rot="5400000">
-            <a:off x="39380380" y="8656370"/>
-            <a:ext cx="212940" cy="1060769"/>
-          </a:xfrm>
-          <a:prstGeom prst="bentConnector3">
-            <a:avLst>
-              <a:gd name="adj1" fmla="val 50000"/>
-            </a:avLst>
-          </a:prstGeom>
-          <a:ln w="19050">
-            <a:prstDash val="dash"/>
-            <a:tailEnd type="arrow"/>
-          </a:ln>
-        </p:spPr>
-        <p:style>
-          <a:lnRef idx="1">
-            <a:schemeClr val="accent1"/>
-          </a:lnRef>
-          <a:fillRef idx="0">
-            <a:schemeClr val="accent1"/>
-          </a:fillRef>
-          <a:effectRef idx="0">
-            <a:schemeClr val="accent1"/>
-          </a:effectRef>
-          <a:fontRef idx="minor">
-            <a:schemeClr val="tx1"/>
-          </a:fontRef>
-        </p:style>
-      </p:cxnSp>
-      <p:cxnSp>
-        <p:nvCxnSpPr>
-          <p:cNvPr id="435" name="Соединительная линия уступом 434"/>
-          <p:cNvCxnSpPr>
-            <a:stCxn id="351" idx="2"/>
-            <a:endCxn id="357" idx="0"/>
-          </p:cNvCxnSpPr>
-          <p:nvPr/>
-        </p:nvCxnSpPr>
-        <p:spPr>
-          <a:xfrm rot="5400000">
-            <a:off x="39911060" y="9186458"/>
-            <a:ext cx="212349" cy="1"/>
-          </a:xfrm>
-          <a:prstGeom prst="bentConnector3">
-            <a:avLst>
-              <a:gd name="adj1" fmla="val 50000"/>
-            </a:avLst>
-          </a:prstGeom>
-          <a:ln w="19050">
-            <a:prstDash val="dash"/>
-            <a:tailEnd type="arrow"/>
-          </a:ln>
-        </p:spPr>
-        <p:style>
-          <a:lnRef idx="1">
-            <a:schemeClr val="accent1"/>
-          </a:lnRef>
-          <a:fillRef idx="0">
-            <a:schemeClr val="accent1"/>
-          </a:fillRef>
-          <a:effectRef idx="0">
-            <a:schemeClr val="accent1"/>
-          </a:effectRef>
-          <a:fontRef idx="minor">
-            <a:schemeClr val="tx1"/>
-          </a:fontRef>
-        </p:style>
-      </p:cxnSp>
-      <p:cxnSp>
-        <p:nvCxnSpPr>
-          <p:cNvPr id="438" name="Соединительная линия уступом 437"/>
-          <p:cNvCxnSpPr>
-            <a:stCxn id="351" idx="2"/>
-            <a:endCxn id="362" idx="0"/>
-          </p:cNvCxnSpPr>
-          <p:nvPr/>
-        </p:nvCxnSpPr>
-        <p:spPr>
-          <a:xfrm rot="16200000" flipH="1">
-            <a:off x="40443860" y="8653657"/>
-            <a:ext cx="212940" cy="1066193"/>
-          </a:xfrm>
-          <a:prstGeom prst="bentConnector3">
-            <a:avLst>
-              <a:gd name="adj1" fmla="val 50000"/>
-            </a:avLst>
-          </a:prstGeom>
-          <a:ln w="19050">
-            <a:prstDash val="dash"/>
-            <a:tailEnd type="arrow"/>
-          </a:ln>
-        </p:spPr>
-        <p:style>
-          <a:lnRef idx="1">
-            <a:schemeClr val="accent1"/>
-          </a:lnRef>
-          <a:fillRef idx="0">
-            <a:schemeClr val="accent1"/>
-          </a:fillRef>
-          <a:effectRef idx="0">
-            <a:schemeClr val="accent1"/>
-          </a:effectRef>
-          <a:fontRef idx="minor">
-            <a:schemeClr val="tx1"/>
-          </a:fontRef>
-        </p:style>
-      </p:cxnSp>
-      <p:cxnSp>
-        <p:nvCxnSpPr>
           <p:cNvPr id="441" name="Прямая соединительная линия 440"/>
           <p:cNvCxnSpPr>
             <a:stCxn id="355" idx="3"/>
@@ -13924,7 +13386,7 @@
         </p:nvCxnSpPr>
         <p:spPr>
           <a:xfrm>
-            <a:off x="37248909" y="8814425"/>
+            <a:off x="37253297" y="9670923"/>
             <a:ext cx="189109" cy="1"/>
           </a:xfrm>
           <a:prstGeom prst="line">
@@ -13961,9 +13423,9 @@
           <p:nvPr/>
         </p:nvCxnSpPr>
         <p:spPr>
-          <a:xfrm flipV="1">
-            <a:off x="39419628" y="8810284"/>
-            <a:ext cx="134443" cy="4142"/>
+          <a:xfrm>
+            <a:off x="39429499" y="9662724"/>
+            <a:ext cx="134443" cy="1174"/>
           </a:xfrm>
           <a:prstGeom prst="line">
             <a:avLst/>
@@ -14001,7 +13463,7 @@
         <p:spPr>
           <a:xfrm>
             <a:off x="38910483" y="8014886"/>
-            <a:ext cx="101657" cy="279"/>
+            <a:ext cx="117605" cy="279"/>
           </a:xfrm>
           <a:prstGeom prst="line">
             <a:avLst/>
@@ -14038,8 +13500,8 @@
         </p:nvCxnSpPr>
         <p:spPr>
           <a:xfrm flipV="1">
-            <a:off x="39938465" y="8014886"/>
-            <a:ext cx="138170" cy="279"/>
+            <a:off x="39954413" y="8014886"/>
+            <a:ext cx="122222" cy="279"/>
           </a:xfrm>
           <a:prstGeom prst="line">
             <a:avLst/>
@@ -14076,7 +13538,7 @@
         </p:nvCxnSpPr>
         <p:spPr>
           <a:xfrm>
-            <a:off x="38364342" y="9562633"/>
+            <a:off x="38899090" y="11119018"/>
             <a:ext cx="128960" cy="591"/>
           </a:xfrm>
           <a:prstGeom prst="line">
@@ -14114,7 +13576,7 @@
         </p:nvCxnSpPr>
         <p:spPr>
           <a:xfrm>
-            <a:off x="40480395" y="9562633"/>
+            <a:off x="40490266" y="10410931"/>
             <a:ext cx="139869" cy="591"/>
           </a:xfrm>
           <a:prstGeom prst="line">
@@ -20033,6 +19495,7 @@
         <p:nvCxnSpPr>
           <p:cNvPr id="582" name="Соединительная линия уступом 581"/>
           <p:cNvCxnSpPr>
+            <a:cxnSpLocks/>
             <a:stCxn id="146" idx="2"/>
             <a:endCxn id="424" idx="0"/>
           </p:cNvCxnSpPr>
@@ -33834,7 +33297,7 @@
         </p:nvSpPr>
         <p:spPr>
           <a:xfrm>
-            <a:off x="39010697" y="6175792"/>
+            <a:off x="38493338" y="6142019"/>
             <a:ext cx="926325" cy="540000"/>
           </a:xfrm>
           <a:prstGeom prst="rect">
@@ -39167,6 +38630,942 @@
           </a:fontRef>
         </p:style>
       </p:cxnSp>
+      <p:cxnSp>
+        <p:nvCxnSpPr>
+          <p:cNvPr id="1008" name="Соединительная линия уступом 369">
+            <a:extLst>
+              <a:ext uri="{FF2B5EF4-FFF2-40B4-BE49-F238E27FC236}">
+                <a16:creationId xmlns:a16="http://schemas.microsoft.com/office/drawing/2014/main" id="{6E96472F-EDC5-464C-95CA-9D9C3A697AAB}"/>
+              </a:ext>
+            </a:extLst>
+          </p:cNvPr>
+          <p:cNvCxnSpPr>
+            <a:cxnSpLocks/>
+            <a:stCxn id="315" idx="2"/>
+            <a:endCxn id="408" idx="0"/>
+          </p:cNvCxnSpPr>
+          <p:nvPr/>
+        </p:nvCxnSpPr>
+        <p:spPr>
+          <a:xfrm rot="16200000" flipH="1">
+            <a:off x="38040140" y="6525926"/>
+            <a:ext cx="246438" cy="562378"/>
+          </a:xfrm>
+          <a:prstGeom prst="bentConnector3">
+            <a:avLst>
+              <a:gd name="adj1" fmla="val 50000"/>
+            </a:avLst>
+          </a:prstGeom>
+          <a:ln w="19050">
+            <a:tailEnd type="arrow"/>
+          </a:ln>
+        </p:spPr>
+        <p:style>
+          <a:lnRef idx="1">
+            <a:schemeClr val="accent1"/>
+          </a:lnRef>
+          <a:fillRef idx="0">
+            <a:schemeClr val="accent1"/>
+          </a:fillRef>
+          <a:effectRef idx="0">
+            <a:schemeClr val="accent1"/>
+          </a:effectRef>
+          <a:fontRef idx="minor">
+            <a:schemeClr val="tx1"/>
+          </a:fontRef>
+        </p:style>
+      </p:cxnSp>
+      <p:sp>
+        <p:nvSpPr>
+          <p:cNvPr id="1010" name="Прямоугольник 1009">
+            <a:extLst>
+              <a:ext uri="{FF2B5EF4-FFF2-40B4-BE49-F238E27FC236}">
+                <a16:creationId xmlns:a16="http://schemas.microsoft.com/office/drawing/2014/main" id="{75862926-2257-407C-8C0E-F42DAC1BE797}"/>
+              </a:ext>
+            </a:extLst>
+          </p:cNvPr>
+          <p:cNvSpPr/>
+          <p:nvPr/>
+        </p:nvSpPr>
+        <p:spPr>
+          <a:xfrm>
+            <a:off x="39576796" y="6144210"/>
+            <a:ext cx="926325" cy="540000"/>
+          </a:xfrm>
+          <a:prstGeom prst="rect">
+            <a:avLst/>
+          </a:prstGeom>
+          <a:solidFill>
+            <a:schemeClr val="accent4">
+              <a:lumMod val="60000"/>
+              <a:lumOff val="40000"/>
+            </a:schemeClr>
+          </a:solidFill>
+          <a:ln w="19050"/>
+        </p:spPr>
+        <p:style>
+          <a:lnRef idx="2">
+            <a:schemeClr val="accent1"/>
+          </a:lnRef>
+          <a:fillRef idx="1">
+            <a:schemeClr val="lt1"/>
+          </a:fillRef>
+          <a:effectRef idx="0">
+            <a:schemeClr val="accent1"/>
+          </a:effectRef>
+          <a:fontRef idx="minor">
+            <a:schemeClr val="dk1"/>
+          </a:fontRef>
+        </p:style>
+        <p:txBody>
+          <a:bodyPr lIns="124733" tIns="62367" rIns="124733" bIns="62367" rtlCol="0" anchor="ctr"/>
+          <a:lstStyle/>
+          <a:p>
+            <a:pPr algn="ctr"/>
+            <a:r>
+              <a:rPr lang="ru-RU" sz="700" dirty="0"/>
+              <a:t>Программа социальной реорганизации </a:t>
+            </a:r>
+            <a:r>
+              <a:rPr lang="ru-RU" sz="100" dirty="0"/>
+              <a:t>В № 2 еженедельника </a:t>
+            </a:r>
+            <a:r>
+              <a:rPr lang="ru-RU" sz="100" dirty="0" err="1"/>
+              <a:t>Bandeira</a:t>
+            </a:r>
+            <a:r>
+              <a:rPr lang="ru-RU" sz="100" dirty="0"/>
+              <a:t> </a:t>
+            </a:r>
+            <a:r>
+              <a:rPr lang="ru-RU" sz="100" dirty="0" err="1"/>
+              <a:t>Vermelha</a:t>
+            </a:r>
+            <a:r>
+              <a:rPr lang="ru-RU" sz="100" dirty="0"/>
+              <a:t> максималисты запускают программу социальной реорганизации, в которой они обрисовывают будущее максималистского общества. Первой мерой, которая должна быть принята, была бы отмена частной собственности и права производства и потребления для всех. Другие его предложения включали «отмену наследства, отмену налогов, отмену государственного долга, отмену проституции, бесплатное медицинское обслуживание, запрет на продажу алкогольных напитков, отмену азартных игр и осуществление религиозных свобода и отправление культа»</a:t>
+            </a:r>
+            <a:endParaRPr lang="ru-RU" sz="700" dirty="0"/>
+          </a:p>
+        </p:txBody>
+      </p:sp>
+      <p:cxnSp>
+        <p:nvCxnSpPr>
+          <p:cNvPr id="1016" name="Соединительная линия уступом 319">
+            <a:extLst>
+              <a:ext uri="{FF2B5EF4-FFF2-40B4-BE49-F238E27FC236}">
+                <a16:creationId xmlns:a16="http://schemas.microsoft.com/office/drawing/2014/main" id="{29FC0B85-A65A-4BFA-B39E-545DD57BF288}"/>
+              </a:ext>
+            </a:extLst>
+          </p:cNvPr>
+          <p:cNvCxnSpPr>
+            <a:cxnSpLocks/>
+            <a:stCxn id="281" idx="2"/>
+            <a:endCxn id="1010" idx="0"/>
+          </p:cNvCxnSpPr>
+          <p:nvPr/>
+        </p:nvCxnSpPr>
+        <p:spPr>
+          <a:xfrm rot="16200000" flipH="1">
+            <a:off x="39599388" y="5703639"/>
+            <a:ext cx="316484" cy="564657"/>
+          </a:xfrm>
+          <a:prstGeom prst="bentConnector3">
+            <a:avLst>
+              <a:gd name="adj1" fmla="val 50000"/>
+            </a:avLst>
+          </a:prstGeom>
+          <a:ln w="19050">
+            <a:tailEnd type="arrow"/>
+          </a:ln>
+        </p:spPr>
+        <p:style>
+          <a:lnRef idx="1">
+            <a:schemeClr val="accent1"/>
+          </a:lnRef>
+          <a:fillRef idx="0">
+            <a:schemeClr val="accent1"/>
+          </a:fillRef>
+          <a:effectRef idx="0">
+            <a:schemeClr val="accent1"/>
+          </a:effectRef>
+          <a:fontRef idx="minor">
+            <a:schemeClr val="tx1"/>
+          </a:fontRef>
+        </p:style>
+      </p:cxnSp>
+      <p:cxnSp>
+        <p:nvCxnSpPr>
+          <p:cNvPr id="1019" name="Соединительная линия уступом 319">
+            <a:extLst>
+              <a:ext uri="{FF2B5EF4-FFF2-40B4-BE49-F238E27FC236}">
+                <a16:creationId xmlns:a16="http://schemas.microsoft.com/office/drawing/2014/main" id="{FF926016-CB4F-44FB-ABA7-D080727B2B03}"/>
+              </a:ext>
+            </a:extLst>
+          </p:cNvPr>
+          <p:cNvCxnSpPr>
+            <a:cxnSpLocks/>
+            <a:stCxn id="281" idx="2"/>
+            <a:endCxn id="845" idx="0"/>
+          </p:cNvCxnSpPr>
+          <p:nvPr/>
+        </p:nvCxnSpPr>
+        <p:spPr>
+          <a:xfrm rot="5400000">
+            <a:off x="39058756" y="5725472"/>
+            <a:ext cx="314293" cy="518801"/>
+          </a:xfrm>
+          <a:prstGeom prst="bentConnector3">
+            <a:avLst>
+              <a:gd name="adj1" fmla="val 50000"/>
+            </a:avLst>
+          </a:prstGeom>
+          <a:ln w="19050">
+            <a:tailEnd type="arrow"/>
+          </a:ln>
+        </p:spPr>
+        <p:style>
+          <a:lnRef idx="1">
+            <a:schemeClr val="accent1"/>
+          </a:lnRef>
+          <a:fillRef idx="0">
+            <a:schemeClr val="accent1"/>
+          </a:fillRef>
+          <a:effectRef idx="0">
+            <a:schemeClr val="accent1"/>
+          </a:effectRef>
+          <a:fontRef idx="minor">
+            <a:schemeClr val="tx1"/>
+          </a:fontRef>
+        </p:style>
+      </p:cxnSp>
+      <p:sp>
+        <p:nvSpPr>
+          <p:cNvPr id="1039" name="Прямоугольник 1038">
+            <a:extLst>
+              <a:ext uri="{FF2B5EF4-FFF2-40B4-BE49-F238E27FC236}">
+                <a16:creationId xmlns:a16="http://schemas.microsoft.com/office/drawing/2014/main" id="{652F8D1C-7D54-4279-AFBA-48E724625D42}"/>
+              </a:ext>
+            </a:extLst>
+          </p:cNvPr>
+          <p:cNvSpPr/>
+          <p:nvPr/>
+        </p:nvSpPr>
+        <p:spPr>
+          <a:xfrm>
+            <a:off x="39028050" y="8538143"/>
+            <a:ext cx="926325" cy="540000"/>
+          </a:xfrm>
+          <a:prstGeom prst="rect">
+            <a:avLst/>
+          </a:prstGeom>
+          <a:solidFill>
+            <a:schemeClr val="accent4">
+              <a:lumMod val="60000"/>
+              <a:lumOff val="40000"/>
+            </a:schemeClr>
+          </a:solidFill>
+          <a:ln w="19050"/>
+        </p:spPr>
+        <p:style>
+          <a:lnRef idx="2">
+            <a:schemeClr val="accent1"/>
+          </a:lnRef>
+          <a:fillRef idx="1">
+            <a:schemeClr val="lt1"/>
+          </a:fillRef>
+          <a:effectRef idx="0">
+            <a:schemeClr val="accent1"/>
+          </a:effectRef>
+          <a:fontRef idx="minor">
+            <a:schemeClr val="dk1"/>
+          </a:fontRef>
+        </p:style>
+        <p:txBody>
+          <a:bodyPr lIns="124733" tIns="62367" rIns="124733" bIns="62367" rtlCol="0" anchor="ctr"/>
+          <a:lstStyle/>
+          <a:p>
+            <a:pPr algn="ctr"/>
+            <a:r>
+              <a:rPr lang="ru-RU" sz="700" dirty="0"/>
+              <a:t>Установить солидарные отношения с рабочими центрами мира </a:t>
+            </a:r>
+            <a:r>
+              <a:rPr lang="ru-RU" sz="100" dirty="0"/>
+              <a:t>солидарные отношения со всеми рабочими центрами мира</a:t>
+            </a:r>
+            <a:endParaRPr lang="ru-RU" sz="700" dirty="0"/>
+          </a:p>
+        </p:txBody>
+      </p:sp>
+      <p:cxnSp>
+        <p:nvCxnSpPr>
+          <p:cNvPr id="1042" name="Соединительная линия уступом 406">
+            <a:extLst>
+              <a:ext uri="{FF2B5EF4-FFF2-40B4-BE49-F238E27FC236}">
+                <a16:creationId xmlns:a16="http://schemas.microsoft.com/office/drawing/2014/main" id="{B019799A-4229-4625-BC53-063C73AEC5E3}"/>
+              </a:ext>
+            </a:extLst>
+          </p:cNvPr>
+          <p:cNvCxnSpPr>
+            <a:cxnSpLocks/>
+            <a:stCxn id="344" idx="2"/>
+            <a:endCxn id="1039" idx="0"/>
+          </p:cNvCxnSpPr>
+          <p:nvPr/>
+        </p:nvCxnSpPr>
+        <p:spPr>
+          <a:xfrm rot="5400000">
+            <a:off x="39888878" y="7887222"/>
+            <a:ext cx="253257" cy="1048585"/>
+          </a:xfrm>
+          <a:prstGeom prst="bentConnector3">
+            <a:avLst>
+              <a:gd name="adj1" fmla="val 50000"/>
+            </a:avLst>
+          </a:prstGeom>
+          <a:ln w="19050">
+            <a:prstDash val="dash"/>
+            <a:tailEnd type="arrow"/>
+          </a:ln>
+        </p:spPr>
+        <p:style>
+          <a:lnRef idx="1">
+            <a:schemeClr val="accent1"/>
+          </a:lnRef>
+          <a:fillRef idx="0">
+            <a:schemeClr val="accent1"/>
+          </a:fillRef>
+          <a:effectRef idx="0">
+            <a:schemeClr val="accent1"/>
+          </a:effectRef>
+          <a:fontRef idx="minor">
+            <a:schemeClr val="tx1"/>
+          </a:fontRef>
+        </p:style>
+      </p:cxnSp>
+      <p:cxnSp>
+        <p:nvCxnSpPr>
+          <p:cNvPr id="1043" name="Соединительная линия уступом 406">
+            <a:extLst>
+              <a:ext uri="{FF2B5EF4-FFF2-40B4-BE49-F238E27FC236}">
+                <a16:creationId xmlns:a16="http://schemas.microsoft.com/office/drawing/2014/main" id="{4E66616C-7575-46DB-9391-8DDD97169532}"/>
+              </a:ext>
+            </a:extLst>
+          </p:cNvPr>
+          <p:cNvCxnSpPr>
+            <a:cxnSpLocks/>
+            <a:stCxn id="345" idx="2"/>
+            <a:endCxn id="1039" idx="0"/>
+          </p:cNvCxnSpPr>
+          <p:nvPr/>
+        </p:nvCxnSpPr>
+        <p:spPr>
+          <a:xfrm rot="5400000">
+            <a:off x="39364743" y="8411635"/>
+            <a:ext cx="252978" cy="38"/>
+          </a:xfrm>
+          <a:prstGeom prst="bentConnector3">
+            <a:avLst>
+              <a:gd name="adj1" fmla="val 50000"/>
+            </a:avLst>
+          </a:prstGeom>
+          <a:ln w="19050">
+            <a:prstDash val="dash"/>
+            <a:tailEnd type="arrow"/>
+          </a:ln>
+        </p:spPr>
+        <p:style>
+          <a:lnRef idx="1">
+            <a:schemeClr val="accent1"/>
+          </a:lnRef>
+          <a:fillRef idx="0">
+            <a:schemeClr val="accent1"/>
+          </a:fillRef>
+          <a:effectRef idx="0">
+            <a:schemeClr val="accent1"/>
+          </a:effectRef>
+          <a:fontRef idx="minor">
+            <a:schemeClr val="tx1"/>
+          </a:fontRef>
+        </p:style>
+      </p:cxnSp>
+      <p:cxnSp>
+        <p:nvCxnSpPr>
+          <p:cNvPr id="1044" name="Соединительная линия уступом 406">
+            <a:extLst>
+              <a:ext uri="{FF2B5EF4-FFF2-40B4-BE49-F238E27FC236}">
+                <a16:creationId xmlns:a16="http://schemas.microsoft.com/office/drawing/2014/main" id="{3CD09D77-E4DC-463F-893E-1C9C12A820EF}"/>
+              </a:ext>
+            </a:extLst>
+          </p:cNvPr>
+          <p:cNvCxnSpPr>
+            <a:cxnSpLocks/>
+            <a:stCxn id="347" idx="2"/>
+            <a:endCxn id="1039" idx="0"/>
+          </p:cNvCxnSpPr>
+          <p:nvPr/>
+        </p:nvCxnSpPr>
+        <p:spPr>
+          <a:xfrm rot="16200000" flipH="1">
+            <a:off x="38842639" y="7889568"/>
+            <a:ext cx="253257" cy="1043892"/>
+          </a:xfrm>
+          <a:prstGeom prst="bentConnector3">
+            <a:avLst>
+              <a:gd name="adj1" fmla="val 50000"/>
+            </a:avLst>
+          </a:prstGeom>
+          <a:ln w="19050">
+            <a:prstDash val="dash"/>
+            <a:tailEnd type="arrow"/>
+          </a:ln>
+        </p:spPr>
+        <p:style>
+          <a:lnRef idx="1">
+            <a:schemeClr val="accent1"/>
+          </a:lnRef>
+          <a:fillRef idx="0">
+            <a:schemeClr val="accent1"/>
+          </a:fillRef>
+          <a:effectRef idx="0">
+            <a:schemeClr val="accent1"/>
+          </a:effectRef>
+          <a:fontRef idx="minor">
+            <a:schemeClr val="tx1"/>
+          </a:fontRef>
+        </p:style>
+      </p:cxnSp>
+      <p:cxnSp>
+        <p:nvCxnSpPr>
+          <p:cNvPr id="1045" name="Соединительная линия уступом 421">
+            <a:extLst>
+              <a:ext uri="{FF2B5EF4-FFF2-40B4-BE49-F238E27FC236}">
+                <a16:creationId xmlns:a16="http://schemas.microsoft.com/office/drawing/2014/main" id="{C7AFB8F5-22E4-42E8-B8DD-ED74121FC072}"/>
+              </a:ext>
+            </a:extLst>
+          </p:cNvPr>
+          <p:cNvCxnSpPr>
+            <a:cxnSpLocks/>
+            <a:stCxn id="1039" idx="2"/>
+            <a:endCxn id="353" idx="0"/>
+          </p:cNvCxnSpPr>
+          <p:nvPr/>
+        </p:nvCxnSpPr>
+        <p:spPr>
+          <a:xfrm rot="5400000">
+            <a:off x="39071485" y="8972995"/>
+            <a:ext cx="314581" cy="524876"/>
+          </a:xfrm>
+          <a:prstGeom prst="bentConnector3">
+            <a:avLst>
+              <a:gd name="adj1" fmla="val 50000"/>
+            </a:avLst>
+          </a:prstGeom>
+          <a:ln w="19050">
+            <a:tailEnd type="arrow"/>
+          </a:ln>
+        </p:spPr>
+        <p:style>
+          <a:lnRef idx="1">
+            <a:schemeClr val="accent1"/>
+          </a:lnRef>
+          <a:fillRef idx="0">
+            <a:schemeClr val="accent1"/>
+          </a:fillRef>
+          <a:effectRef idx="0">
+            <a:schemeClr val="accent1"/>
+          </a:effectRef>
+          <a:fontRef idx="minor">
+            <a:schemeClr val="tx1"/>
+          </a:fontRef>
+        </p:style>
+      </p:cxnSp>
+      <p:cxnSp>
+        <p:nvCxnSpPr>
+          <p:cNvPr id="1046" name="Соединительная линия уступом 421">
+            <a:extLst>
+              <a:ext uri="{FF2B5EF4-FFF2-40B4-BE49-F238E27FC236}">
+                <a16:creationId xmlns:a16="http://schemas.microsoft.com/office/drawing/2014/main" id="{1FE68B96-518A-44CE-ABA4-F2C8382F96BF}"/>
+              </a:ext>
+            </a:extLst>
+          </p:cNvPr>
+          <p:cNvCxnSpPr>
+            <a:cxnSpLocks/>
+            <a:stCxn id="1039" idx="2"/>
+            <a:endCxn id="351" idx="0"/>
+          </p:cNvCxnSpPr>
+          <p:nvPr/>
+        </p:nvCxnSpPr>
+        <p:spPr>
+          <a:xfrm rot="16200000" flipH="1">
+            <a:off x="39601282" y="8968074"/>
+            <a:ext cx="315755" cy="535892"/>
+          </a:xfrm>
+          <a:prstGeom prst="bentConnector3">
+            <a:avLst>
+              <a:gd name="adj1" fmla="val 50000"/>
+            </a:avLst>
+          </a:prstGeom>
+          <a:ln w="19050">
+            <a:tailEnd type="arrow"/>
+          </a:ln>
+        </p:spPr>
+        <p:style>
+          <a:lnRef idx="1">
+            <a:schemeClr val="accent1"/>
+          </a:lnRef>
+          <a:fillRef idx="0">
+            <a:schemeClr val="accent1"/>
+          </a:fillRef>
+          <a:effectRef idx="0">
+            <a:schemeClr val="accent1"/>
+          </a:effectRef>
+          <a:fontRef idx="minor">
+            <a:schemeClr val="tx1"/>
+          </a:fontRef>
+        </p:style>
+      </p:cxnSp>
+      <p:cxnSp>
+        <p:nvCxnSpPr>
+          <p:cNvPr id="1048" name="Соединительная линия уступом 428">
+            <a:extLst>
+              <a:ext uri="{FF2B5EF4-FFF2-40B4-BE49-F238E27FC236}">
+                <a16:creationId xmlns:a16="http://schemas.microsoft.com/office/drawing/2014/main" id="{F0A0E572-89A2-413A-A431-0E6A7900BA0E}"/>
+              </a:ext>
+            </a:extLst>
+          </p:cNvPr>
+          <p:cNvCxnSpPr>
+            <a:cxnSpLocks/>
+            <a:stCxn id="355" idx="2"/>
+            <a:endCxn id="1050" idx="0"/>
+          </p:cNvCxnSpPr>
+          <p:nvPr/>
+        </p:nvCxnSpPr>
+        <p:spPr>
+          <a:xfrm rot="16200000" flipH="1">
+            <a:off x="36975823" y="9755235"/>
+            <a:ext cx="195028" cy="566404"/>
+          </a:xfrm>
+          <a:prstGeom prst="bentConnector3">
+            <a:avLst>
+              <a:gd name="adj1" fmla="val 50000"/>
+            </a:avLst>
+          </a:prstGeom>
+          <a:ln w="19050">
+            <a:prstDash val="dash"/>
+            <a:tailEnd type="arrow"/>
+          </a:ln>
+        </p:spPr>
+        <p:style>
+          <a:lnRef idx="1">
+            <a:schemeClr val="accent1"/>
+          </a:lnRef>
+          <a:fillRef idx="0">
+            <a:schemeClr val="accent1"/>
+          </a:fillRef>
+          <a:effectRef idx="0">
+            <a:schemeClr val="accent1"/>
+          </a:effectRef>
+          <a:fontRef idx="minor">
+            <a:schemeClr val="tx1"/>
+          </a:fontRef>
+        </p:style>
+      </p:cxnSp>
+      <p:cxnSp>
+        <p:nvCxnSpPr>
+          <p:cNvPr id="1049" name="Соединительная линия уступом 428">
+            <a:extLst>
+              <a:ext uri="{FF2B5EF4-FFF2-40B4-BE49-F238E27FC236}">
+                <a16:creationId xmlns:a16="http://schemas.microsoft.com/office/drawing/2014/main" id="{984CE3EC-ECFD-4166-81BA-0A046F30F57C}"/>
+              </a:ext>
+            </a:extLst>
+          </p:cNvPr>
+          <p:cNvCxnSpPr>
+            <a:cxnSpLocks/>
+            <a:stCxn id="354" idx="2"/>
+            <a:endCxn id="1050" idx="0"/>
+          </p:cNvCxnSpPr>
+          <p:nvPr/>
+        </p:nvCxnSpPr>
+        <p:spPr>
+          <a:xfrm rot="5400000">
+            <a:off x="37533541" y="9763922"/>
+            <a:ext cx="195027" cy="549030"/>
+          </a:xfrm>
+          <a:prstGeom prst="bentConnector3">
+            <a:avLst>
+              <a:gd name="adj1" fmla="val 50000"/>
+            </a:avLst>
+          </a:prstGeom>
+          <a:ln w="19050">
+            <a:prstDash val="dash"/>
+            <a:tailEnd type="arrow"/>
+          </a:ln>
+        </p:spPr>
+        <p:style>
+          <a:lnRef idx="1">
+            <a:schemeClr val="accent1"/>
+          </a:lnRef>
+          <a:fillRef idx="0">
+            <a:schemeClr val="accent1"/>
+          </a:fillRef>
+          <a:effectRef idx="0">
+            <a:schemeClr val="accent1"/>
+          </a:effectRef>
+          <a:fontRef idx="minor">
+            <a:schemeClr val="tx1"/>
+          </a:fontRef>
+        </p:style>
+      </p:cxnSp>
+      <p:sp>
+        <p:nvSpPr>
+          <p:cNvPr id="1050" name="Прямоугольник 1049">
+            <a:extLst>
+              <a:ext uri="{FF2B5EF4-FFF2-40B4-BE49-F238E27FC236}">
+                <a16:creationId xmlns:a16="http://schemas.microsoft.com/office/drawing/2014/main" id="{987DE8A3-D984-4068-8A4F-447055064B44}"/>
+              </a:ext>
+            </a:extLst>
+          </p:cNvPr>
+          <p:cNvSpPr/>
+          <p:nvPr/>
+        </p:nvSpPr>
+        <p:spPr>
+          <a:xfrm>
+            <a:off x="36893376" y="10135951"/>
+            <a:ext cx="926325" cy="540000"/>
+          </a:xfrm>
+          <a:prstGeom prst="rect">
+            <a:avLst/>
+          </a:prstGeom>
+          <a:solidFill>
+            <a:schemeClr val="accent4">
+              <a:lumMod val="60000"/>
+              <a:lumOff val="40000"/>
+            </a:schemeClr>
+          </a:solidFill>
+          <a:ln w="19050"/>
+        </p:spPr>
+        <p:style>
+          <a:lnRef idx="2">
+            <a:schemeClr val="accent1"/>
+          </a:lnRef>
+          <a:fillRef idx="1">
+            <a:schemeClr val="lt1"/>
+          </a:fillRef>
+          <a:effectRef idx="0">
+            <a:schemeClr val="accent1"/>
+          </a:effectRef>
+          <a:fontRef idx="minor">
+            <a:schemeClr val="dk1"/>
+          </a:fontRef>
+        </p:style>
+        <p:txBody>
+          <a:bodyPr lIns="124733" tIns="62367" rIns="124733" bIns="62367" rtlCol="0" anchor="ctr"/>
+          <a:lstStyle/>
+          <a:p>
+            <a:pPr algn="ctr"/>
+            <a:r>
+              <a:rPr lang="ru-RU" sz="700" dirty="0"/>
+              <a:t>Единая конфедерация труда </a:t>
+            </a:r>
+            <a:r>
+              <a:rPr lang="ru-RU" sz="100" dirty="0"/>
+              <a:t>солидарные отношения со всеми рабочими центрами мира</a:t>
+            </a:r>
+            <a:endParaRPr lang="ru-RU" sz="700" dirty="0"/>
+          </a:p>
+        </p:txBody>
+      </p:sp>
+      <p:cxnSp>
+        <p:nvCxnSpPr>
+          <p:cNvPr id="1051" name="Соединительная линия уступом 319">
+            <a:extLst>
+              <a:ext uri="{FF2B5EF4-FFF2-40B4-BE49-F238E27FC236}">
+                <a16:creationId xmlns:a16="http://schemas.microsoft.com/office/drawing/2014/main" id="{76175DE4-DBF0-4A76-880B-D37F37EE0696}"/>
+              </a:ext>
+            </a:extLst>
+          </p:cNvPr>
+          <p:cNvCxnSpPr>
+            <a:cxnSpLocks/>
+            <a:stCxn id="845" idx="2"/>
+            <a:endCxn id="312" idx="0"/>
+          </p:cNvCxnSpPr>
+          <p:nvPr/>
+        </p:nvCxnSpPr>
+        <p:spPr>
+          <a:xfrm rot="16200000" flipH="1">
+            <a:off x="39099278" y="6539242"/>
+            <a:ext cx="249195" cy="534748"/>
+          </a:xfrm>
+          <a:prstGeom prst="bentConnector3">
+            <a:avLst>
+              <a:gd name="adj1" fmla="val 50000"/>
+            </a:avLst>
+          </a:prstGeom>
+          <a:ln w="19050">
+            <a:tailEnd type="arrow"/>
+          </a:ln>
+        </p:spPr>
+        <p:style>
+          <a:lnRef idx="1">
+            <a:schemeClr val="accent1"/>
+          </a:lnRef>
+          <a:fillRef idx="0">
+            <a:schemeClr val="accent1"/>
+          </a:fillRef>
+          <a:effectRef idx="0">
+            <a:schemeClr val="accent1"/>
+          </a:effectRef>
+          <a:fontRef idx="minor">
+            <a:schemeClr val="tx1"/>
+          </a:fontRef>
+        </p:style>
+      </p:cxnSp>
+      <p:cxnSp>
+        <p:nvCxnSpPr>
+          <p:cNvPr id="1052" name="Соединительная линия уступом 319">
+            <a:extLst>
+              <a:ext uri="{FF2B5EF4-FFF2-40B4-BE49-F238E27FC236}">
+                <a16:creationId xmlns:a16="http://schemas.microsoft.com/office/drawing/2014/main" id="{8664257C-A68E-491B-BE04-799B25263FFB}"/>
+              </a:ext>
+            </a:extLst>
+          </p:cNvPr>
+          <p:cNvCxnSpPr>
+            <a:cxnSpLocks/>
+            <a:stCxn id="1010" idx="2"/>
+            <a:endCxn id="312" idx="0"/>
+          </p:cNvCxnSpPr>
+          <p:nvPr/>
+        </p:nvCxnSpPr>
+        <p:spPr>
+          <a:xfrm rot="5400000">
+            <a:off x="39642102" y="6533357"/>
+            <a:ext cx="247004" cy="548710"/>
+          </a:xfrm>
+          <a:prstGeom prst="bentConnector3">
+            <a:avLst>
+              <a:gd name="adj1" fmla="val 50000"/>
+            </a:avLst>
+          </a:prstGeom>
+          <a:ln w="19050">
+            <a:tailEnd type="arrow"/>
+          </a:ln>
+        </p:spPr>
+        <p:style>
+          <a:lnRef idx="1">
+            <a:schemeClr val="accent1"/>
+          </a:lnRef>
+          <a:fillRef idx="0">
+            <a:schemeClr val="accent1"/>
+          </a:fillRef>
+          <a:effectRef idx="0">
+            <a:schemeClr val="accent1"/>
+          </a:effectRef>
+          <a:fontRef idx="minor">
+            <a:schemeClr val="tx1"/>
+          </a:fontRef>
+        </p:style>
+      </p:cxnSp>
+      <p:sp>
+        <p:nvSpPr>
+          <p:cNvPr id="1053" name="Прямоугольник 1052">
+            <a:extLst>
+              <a:ext uri="{FF2B5EF4-FFF2-40B4-BE49-F238E27FC236}">
+                <a16:creationId xmlns:a16="http://schemas.microsoft.com/office/drawing/2014/main" id="{365796C7-D650-4BED-8625-D31C3C805814}"/>
+              </a:ext>
+            </a:extLst>
+          </p:cNvPr>
+          <p:cNvSpPr/>
+          <p:nvPr/>
+        </p:nvSpPr>
+        <p:spPr>
+          <a:xfrm>
+            <a:off x="36877882" y="8553766"/>
+            <a:ext cx="926325" cy="540000"/>
+          </a:xfrm>
+          <a:prstGeom prst="rect">
+            <a:avLst/>
+          </a:prstGeom>
+          <a:solidFill>
+            <a:schemeClr val="accent4">
+              <a:lumMod val="60000"/>
+              <a:lumOff val="40000"/>
+            </a:schemeClr>
+          </a:solidFill>
+          <a:ln w="19050"/>
+        </p:spPr>
+        <p:style>
+          <a:lnRef idx="2">
+            <a:schemeClr val="accent1"/>
+          </a:lnRef>
+          <a:fillRef idx="1">
+            <a:schemeClr val="lt1"/>
+          </a:fillRef>
+          <a:effectRef idx="0">
+            <a:schemeClr val="accent1"/>
+          </a:effectRef>
+          <a:fontRef idx="minor">
+            <a:schemeClr val="dk1"/>
+          </a:fontRef>
+        </p:style>
+        <p:txBody>
+          <a:bodyPr lIns="124733" tIns="62367" rIns="124733" bIns="62367" rtlCol="0" anchor="ctr"/>
+          <a:lstStyle/>
+          <a:p>
+            <a:pPr algn="ctr"/>
+            <a:r>
+              <a:rPr lang="ru-RU" sz="700" dirty="0"/>
+              <a:t>Эмансипация колоний </a:t>
+            </a:r>
+            <a:r>
+              <a:rPr lang="ru-RU" sz="200" dirty="0"/>
+              <a:t>(</a:t>
+            </a:r>
+            <a:r>
+              <a:rPr lang="ru-RU" sz="200" dirty="0" err="1"/>
+              <a:t>Либертарианская</a:t>
+            </a:r>
+            <a:r>
+              <a:rPr lang="ru-RU" sz="200" dirty="0"/>
+              <a:t> пресса, уделяя особое внимание «А </a:t>
+            </a:r>
+            <a:r>
+              <a:rPr lang="ru-RU" sz="200" dirty="0" err="1"/>
+              <a:t>Баталья</a:t>
+            </a:r>
+            <a:r>
+              <a:rPr lang="ru-RU" sz="200" dirty="0"/>
+              <a:t>», регулярно публиковала информацию о борьбе и положении рабочих и чернокожих в португальских колониях. Его точка зрения, как он настаивал на подчеркивании, была универсалистской, отвергающей патриотические предрассудки (А </a:t>
+            </a:r>
+            <a:r>
+              <a:rPr lang="ru-RU" sz="200" dirty="0" err="1"/>
+              <a:t>Баталья</a:t>
+            </a:r>
+            <a:r>
+              <a:rPr lang="ru-RU" sz="200" dirty="0"/>
+              <a:t>, 30.10.1926). В этом смысле, как и в Португалии, он призывал к эмансипации всех людей (32.1) и независимость самих колоний.)</a:t>
+            </a:r>
+            <a:endParaRPr lang="ru-RU" sz="700" dirty="0"/>
+          </a:p>
+        </p:txBody>
+      </p:sp>
+      <p:sp>
+        <p:nvSpPr>
+          <p:cNvPr id="1054" name="Прямоугольник 1053">
+            <a:extLst>
+              <a:ext uri="{FF2B5EF4-FFF2-40B4-BE49-F238E27FC236}">
+                <a16:creationId xmlns:a16="http://schemas.microsoft.com/office/drawing/2014/main" id="{5ECFB165-06C5-40ED-B4A5-51000D49D7B6}"/>
+              </a:ext>
+            </a:extLst>
+          </p:cNvPr>
+          <p:cNvSpPr/>
+          <p:nvPr/>
+        </p:nvSpPr>
+        <p:spPr>
+          <a:xfrm>
+            <a:off x="35813687" y="8558922"/>
+            <a:ext cx="926325" cy="540000"/>
+          </a:xfrm>
+          <a:prstGeom prst="rect">
+            <a:avLst/>
+          </a:prstGeom>
+          <a:solidFill>
+            <a:schemeClr val="accent4">
+              <a:lumMod val="60000"/>
+              <a:lumOff val="40000"/>
+            </a:schemeClr>
+          </a:solidFill>
+          <a:ln w="19050"/>
+        </p:spPr>
+        <p:style>
+          <a:lnRef idx="2">
+            <a:schemeClr val="accent1"/>
+          </a:lnRef>
+          <a:fillRef idx="1">
+            <a:schemeClr val="lt1"/>
+          </a:fillRef>
+          <a:effectRef idx="0">
+            <a:schemeClr val="accent1"/>
+          </a:effectRef>
+          <a:fontRef idx="minor">
+            <a:schemeClr val="dk1"/>
+          </a:fontRef>
+        </p:style>
+        <p:txBody>
+          <a:bodyPr lIns="124733" tIns="62367" rIns="124733" bIns="62367" rtlCol="0" anchor="ctr"/>
+          <a:lstStyle/>
+          <a:p>
+            <a:pPr algn="ctr"/>
+            <a:r>
+              <a:rPr lang="ru-RU" sz="700" dirty="0"/>
+              <a:t>Отмена дискриминации в колониях </a:t>
+            </a:r>
+            <a:r>
+              <a:rPr lang="ru-RU" sz="100" dirty="0"/>
+              <a:t>(Между 1930 и 1936 годами Пинту </a:t>
+            </a:r>
+            <a:r>
+              <a:rPr lang="ru-RU" sz="100" dirty="0" err="1"/>
+              <a:t>Куартим</a:t>
+            </a:r>
+            <a:r>
+              <a:rPr lang="ru-RU" sz="100" dirty="0"/>
+              <a:t> жил и работал в Анголе и почти сразу же начал борьбу против диктатуры на этой территории. Говорят, что он участвовал в восстании 1930 года против </a:t>
+            </a:r>
+            <a:r>
+              <a:rPr lang="ru-RU" sz="100" dirty="0" err="1"/>
+              <a:t>Салазара</a:t>
+            </a:r>
+            <a:r>
+              <a:rPr lang="ru-RU" sz="100" dirty="0"/>
+              <a:t>. В местной прессе он развил активную деятельность против расизма и колониализма, например, в газетах O </a:t>
+            </a:r>
+            <a:r>
+              <a:rPr lang="ru-RU" sz="100" dirty="0" err="1"/>
+              <a:t>Planalto</a:t>
+            </a:r>
+            <a:r>
+              <a:rPr lang="ru-RU" sz="100" dirty="0"/>
+              <a:t>, которыми он руководил с 1930 по 1932 год, в газетах провинции Ангола (1932–1933) и в других газетах. Он писал театральные пьесы. Он обращался к африканским проблемам в прессе Португалии, в таких публикациях, как O </a:t>
+            </a:r>
+            <a:r>
+              <a:rPr lang="ru-RU" sz="100" dirty="0" err="1"/>
+              <a:t>Diabo</a:t>
+            </a:r>
+            <a:r>
+              <a:rPr lang="ru-RU" sz="100" dirty="0"/>
+              <a:t>, </a:t>
+            </a:r>
+            <a:r>
+              <a:rPr lang="ru-RU" sz="100" dirty="0" err="1"/>
+              <a:t>Humanidade</a:t>
+            </a:r>
+            <a:r>
+              <a:rPr lang="ru-RU" sz="100" dirty="0"/>
+              <a:t> или в журнале </a:t>
+            </a:r>
+            <a:r>
+              <a:rPr lang="ru-RU" sz="100" dirty="0" err="1"/>
+              <a:t>Ver</a:t>
+            </a:r>
+            <a:r>
+              <a:rPr lang="ru-RU" sz="100" dirty="0"/>
+              <a:t> e </a:t>
+            </a:r>
+            <a:r>
+              <a:rPr lang="ru-RU" sz="100" dirty="0" err="1"/>
+              <a:t>Crer</a:t>
+            </a:r>
+            <a:r>
+              <a:rPr lang="ru-RU" sz="100" dirty="0"/>
+              <a:t>.(33). В 1936 году он работал над книгой под названием «Мулаты» (Комментарии к проблеме смешанных браков в Анголе), в которой осуждал дискриминацию, которой они подвергались в Анголе. Он исходит из того принципа, что смешение народов было не только неизбежным, но и было широко распространенным: «Тот самый германский народ, который считается чистыми арийцами, является одним из смешанных народов. Первые жители полуострова с их последовательными арийскими нашествия (индейцев), семитов и арабов?» (существующая рукопись в ICS HSS).)</a:t>
+            </a:r>
+            <a:endParaRPr lang="ru-RU" sz="700" dirty="0"/>
+          </a:p>
+        </p:txBody>
+      </p:sp>
     </p:spTree>
     <p:extLst>
       <p:ext uri="{BB962C8B-B14F-4D97-AF65-F5344CB8AC3E}">

--- a/Наработки/диздоки/Португалия/Португалия общая.pptx
+++ b/Наработки/диздоки/Португалия/Португалия общая.pptx
@@ -209,7 +209,7 @@
             <a:fld id="{33E3D7F9-E251-484C-A6FF-FA958879DF69}" type="datetimeFigureOut">
               <a:rPr lang="ru-RU" smtClean="0"/>
               <a:pPr/>
-              <a:t>14.08.2023</a:t>
+              <a:t>15.08.2023</a:t>
             </a:fld>
             <a:endParaRPr lang="ru-RU"/>
           </a:p>
@@ -699,7 +699,7 @@
             <a:fld id="{85A5DE44-605B-4D3B-B2B7-94543DF81A36}" type="datetimeFigureOut">
               <a:rPr lang="ru-RU" smtClean="0"/>
               <a:pPr/>
-              <a:t>14.08.2023</a:t>
+              <a:t>15.08.2023</a:t>
             </a:fld>
             <a:endParaRPr lang="ru-RU"/>
           </a:p>
@@ -871,7 +871,7 @@
             <a:fld id="{85A5DE44-605B-4D3B-B2B7-94543DF81A36}" type="datetimeFigureOut">
               <a:rPr lang="ru-RU" smtClean="0"/>
               <a:pPr/>
-              <a:t>14.08.2023</a:t>
+              <a:t>15.08.2023</a:t>
             </a:fld>
             <a:endParaRPr lang="ru-RU"/>
           </a:p>
@@ -1053,7 +1053,7 @@
             <a:fld id="{85A5DE44-605B-4D3B-B2B7-94543DF81A36}" type="datetimeFigureOut">
               <a:rPr lang="ru-RU" smtClean="0"/>
               <a:pPr/>
-              <a:t>14.08.2023</a:t>
+              <a:t>15.08.2023</a:t>
             </a:fld>
             <a:endParaRPr lang="ru-RU"/>
           </a:p>
@@ -1225,7 +1225,7 @@
             <a:fld id="{85A5DE44-605B-4D3B-B2B7-94543DF81A36}" type="datetimeFigureOut">
               <a:rPr lang="ru-RU" smtClean="0"/>
               <a:pPr/>
-              <a:t>14.08.2023</a:t>
+              <a:t>15.08.2023</a:t>
             </a:fld>
             <a:endParaRPr lang="ru-RU"/>
           </a:p>
@@ -1473,7 +1473,7 @@
             <a:fld id="{85A5DE44-605B-4D3B-B2B7-94543DF81A36}" type="datetimeFigureOut">
               <a:rPr lang="ru-RU" smtClean="0"/>
               <a:pPr/>
-              <a:t>14.08.2023</a:t>
+              <a:t>15.08.2023</a:t>
             </a:fld>
             <a:endParaRPr lang="ru-RU"/>
           </a:p>
@@ -1707,7 +1707,7 @@
             <a:fld id="{85A5DE44-605B-4D3B-B2B7-94543DF81A36}" type="datetimeFigureOut">
               <a:rPr lang="ru-RU" smtClean="0"/>
               <a:pPr/>
-              <a:t>14.08.2023</a:t>
+              <a:t>15.08.2023</a:t>
             </a:fld>
             <a:endParaRPr lang="ru-RU"/>
           </a:p>
@@ -2076,7 +2076,7 @@
             <a:fld id="{85A5DE44-605B-4D3B-B2B7-94543DF81A36}" type="datetimeFigureOut">
               <a:rPr lang="ru-RU" smtClean="0"/>
               <a:pPr/>
-              <a:t>14.08.2023</a:t>
+              <a:t>15.08.2023</a:t>
             </a:fld>
             <a:endParaRPr lang="ru-RU"/>
           </a:p>
@@ -2196,7 +2196,7 @@
             <a:fld id="{85A5DE44-605B-4D3B-B2B7-94543DF81A36}" type="datetimeFigureOut">
               <a:rPr lang="ru-RU" smtClean="0"/>
               <a:pPr/>
-              <a:t>14.08.2023</a:t>
+              <a:t>15.08.2023</a:t>
             </a:fld>
             <a:endParaRPr lang="ru-RU"/>
           </a:p>
@@ -2293,7 +2293,7 @@
             <a:fld id="{85A5DE44-605B-4D3B-B2B7-94543DF81A36}" type="datetimeFigureOut">
               <a:rPr lang="ru-RU" smtClean="0"/>
               <a:pPr/>
-              <a:t>14.08.2023</a:t>
+              <a:t>15.08.2023</a:t>
             </a:fld>
             <a:endParaRPr lang="ru-RU"/>
           </a:p>
@@ -2572,7 +2572,7 @@
             <a:fld id="{85A5DE44-605B-4D3B-B2B7-94543DF81A36}" type="datetimeFigureOut">
               <a:rPr lang="ru-RU" smtClean="0"/>
               <a:pPr/>
-              <a:t>14.08.2023</a:t>
+              <a:t>15.08.2023</a:t>
             </a:fld>
             <a:endParaRPr lang="ru-RU"/>
           </a:p>
@@ -2831,7 +2831,7 @@
             <a:fld id="{85A5DE44-605B-4D3B-B2B7-94543DF81A36}" type="datetimeFigureOut">
               <a:rPr lang="ru-RU" smtClean="0"/>
               <a:pPr/>
-              <a:t>14.08.2023</a:t>
+              <a:t>15.08.2023</a:t>
             </a:fld>
             <a:endParaRPr lang="ru-RU"/>
           </a:p>
@@ -3046,7 +3046,7 @@
             <a:fld id="{85A5DE44-605B-4D3B-B2B7-94543DF81A36}" type="datetimeFigureOut">
               <a:rPr lang="ru-RU" smtClean="0"/>
               <a:pPr/>
-              <a:t>14.08.2023</a:t>
+              <a:t>15.08.2023</a:t>
             </a:fld>
             <a:endParaRPr lang="ru-RU"/>
           </a:p>
@@ -4726,7 +4726,7 @@
         </p:nvSpPr>
         <p:spPr>
           <a:xfrm>
-            <a:off x="35836878" y="6929679"/>
+            <a:off x="33866543" y="7757645"/>
             <a:ext cx="926325" cy="540000"/>
           </a:xfrm>
           <a:prstGeom prst="rect">
@@ -4896,7 +4896,7 @@
         </p:nvSpPr>
         <p:spPr>
           <a:xfrm>
-            <a:off x="33765506" y="5281617"/>
+            <a:off x="31749418" y="5284412"/>
             <a:ext cx="926325" cy="540000"/>
           </a:xfrm>
           <a:prstGeom prst="rect">
@@ -5167,7 +5167,7 @@
         </p:nvSpPr>
         <p:spPr>
           <a:xfrm>
-            <a:off x="33806777" y="7758083"/>
+            <a:off x="32807490" y="10176237"/>
             <a:ext cx="926325" cy="540000"/>
           </a:xfrm>
           <a:prstGeom prst="rect">
@@ -5666,7 +5666,7 @@
         </p:nvSpPr>
         <p:spPr>
           <a:xfrm>
-            <a:off x="34311174" y="6147210"/>
+            <a:off x="33311887" y="8565364"/>
             <a:ext cx="926325" cy="540000"/>
           </a:xfrm>
           <a:prstGeom prst="rect">
@@ -5764,7 +5764,7 @@
         </p:nvSpPr>
         <p:spPr>
           <a:xfrm>
-            <a:off x="34827506" y="6936314"/>
+            <a:off x="33828219" y="9354468"/>
             <a:ext cx="926325" cy="540000"/>
           </a:xfrm>
           <a:prstGeom prst="rect">
@@ -5815,7 +5815,7 @@
         </p:nvSpPr>
         <p:spPr>
           <a:xfrm>
-            <a:off x="33805631" y="6938589"/>
+            <a:off x="32806344" y="9356743"/>
             <a:ext cx="926325" cy="540000"/>
           </a:xfrm>
           <a:prstGeom prst="rect">
@@ -5866,7 +5866,7 @@
         </p:nvSpPr>
         <p:spPr>
           <a:xfrm>
-            <a:off x="34829783" y="7748889"/>
+            <a:off x="33830496" y="10167043"/>
             <a:ext cx="926325" cy="540000"/>
           </a:xfrm>
           <a:prstGeom prst="rect">
@@ -5925,7 +5925,7 @@
         </p:nvCxnSpPr>
         <p:spPr>
           <a:xfrm rot="5400000">
-            <a:off x="34395877" y="6560128"/>
+            <a:off x="33396590" y="8978282"/>
             <a:ext cx="251379" cy="505543"/>
           </a:xfrm>
           <a:prstGeom prst="bentConnector3">
@@ -5999,7 +5999,7 @@
         </p:nvCxnSpPr>
         <p:spPr>
           <a:xfrm rot="16200000" flipH="1">
-            <a:off x="34645720" y="7101663"/>
+            <a:off x="33646433" y="9519817"/>
             <a:ext cx="270300" cy="1024152"/>
           </a:xfrm>
           <a:prstGeom prst="bentConnector3">
@@ -6037,7 +6037,7 @@
         </p:nvCxnSpPr>
         <p:spPr>
           <a:xfrm>
-            <a:off x="35290669" y="7476314"/>
+            <a:off x="34291382" y="9894468"/>
             <a:ext cx="2277" cy="272575"/>
           </a:xfrm>
           <a:prstGeom prst="straightConnector1">
@@ -6160,12 +6160,12 @@
         </p:nvCxnSpPr>
         <p:spPr>
           <a:xfrm rot="16200000" flipH="1">
-            <a:off x="34338707" y="5711579"/>
-            <a:ext cx="325593" cy="545668"/>
+            <a:off x="31623339" y="6413653"/>
+            <a:ext cx="2740952" cy="1562469"/>
           </a:xfrm>
           <a:prstGeom prst="bentConnector3">
             <a:avLst>
-              <a:gd name="adj1" fmla="val 50000"/>
+              <a:gd name="adj1" fmla="val 5867"/>
             </a:avLst>
           </a:prstGeom>
           <a:ln w="19050">
@@ -10496,7 +10496,7 @@
         </p:nvSpPr>
         <p:spPr>
           <a:xfrm>
-            <a:off x="39012139" y="5287726"/>
+            <a:off x="38174349" y="5295951"/>
             <a:ext cx="926325" cy="540000"/>
           </a:xfrm>
           <a:prstGeom prst="rect">
@@ -10741,7 +10741,7 @@
         </p:nvSpPr>
         <p:spPr>
           <a:xfrm>
-            <a:off x="36344530" y="3682082"/>
+            <a:off x="34918108" y="3707289"/>
             <a:ext cx="926325" cy="540000"/>
           </a:xfrm>
           <a:prstGeom prst="rect">
@@ -10971,9 +10971,9 @@
           <p:nvPr/>
         </p:nvCxnSpPr>
         <p:spPr>
-          <a:xfrm flipV="1">
-            <a:off x="21545286" y="3952082"/>
-            <a:ext cx="14799244" cy="1493"/>
+          <a:xfrm>
+            <a:off x="21545286" y="3953575"/>
+            <a:ext cx="13372822" cy="23714"/>
           </a:xfrm>
           <a:prstGeom prst="line">
             <a:avLst/>
@@ -11159,7 +11159,7 @@
         </p:nvSpPr>
         <p:spPr>
           <a:xfrm>
-            <a:off x="33766489" y="4482449"/>
+            <a:off x="31750401" y="4485244"/>
             <a:ext cx="926325" cy="540000"/>
           </a:xfrm>
           <a:prstGeom prst="rect">
@@ -11210,7 +11210,7 @@
         </p:nvSpPr>
         <p:spPr>
           <a:xfrm>
-            <a:off x="39012140" y="4475625"/>
+            <a:off x="38174350" y="4483850"/>
             <a:ext cx="926325" cy="540000"/>
           </a:xfrm>
           <a:prstGeom prst="rect">
@@ -11278,8 +11278,8 @@
         </p:nvCxnSpPr>
         <p:spPr>
           <a:xfrm flipV="1">
-            <a:off x="34692814" y="4745625"/>
-            <a:ext cx="4319326" cy="6824"/>
+            <a:off x="32676726" y="4753850"/>
+            <a:ext cx="5497624" cy="1394"/>
           </a:xfrm>
           <a:prstGeom prst="line">
             <a:avLst/>
@@ -11316,8 +11316,8 @@
         </p:nvCxnSpPr>
         <p:spPr>
           <a:xfrm rot="5400000">
-            <a:off x="35388490" y="3063245"/>
-            <a:ext cx="260367" cy="2578041"/>
+            <a:off x="33678441" y="2782413"/>
+            <a:ext cx="237955" cy="3167707"/>
           </a:xfrm>
           <a:prstGeom prst="bentConnector3">
             <a:avLst>
@@ -11354,8 +11354,8 @@
         </p:nvCxnSpPr>
         <p:spPr>
           <a:xfrm rot="16200000" flipH="1">
-            <a:off x="38014727" y="3015048"/>
-            <a:ext cx="253543" cy="2667610"/>
+            <a:off x="36891112" y="2737448"/>
+            <a:ext cx="236561" cy="3256242"/>
           </a:xfrm>
           <a:prstGeom prst="bentConnector3">
             <a:avLst>
@@ -11389,7 +11389,7 @@
         </p:nvSpPr>
         <p:spPr>
           <a:xfrm>
-            <a:off x="40076635" y="6931214"/>
+            <a:off x="39238845" y="6939439"/>
             <a:ext cx="926325" cy="540000"/>
           </a:xfrm>
           <a:prstGeom prst="rect">
@@ -11446,7 +11446,7 @@
         </p:nvSpPr>
         <p:spPr>
           <a:xfrm>
-            <a:off x="39028086" y="6931214"/>
+            <a:off x="38190296" y="6939439"/>
             <a:ext cx="926325" cy="540000"/>
           </a:xfrm>
           <a:prstGeom prst="rect">
@@ -11515,7 +11515,7 @@
         </p:nvSpPr>
         <p:spPr>
           <a:xfrm>
-            <a:off x="40620263" y="6148180"/>
+            <a:off x="40317568" y="6152121"/>
             <a:ext cx="926325" cy="540000"/>
           </a:xfrm>
           <a:prstGeom prst="rect">
@@ -11571,7 +11571,7 @@
         </p:nvSpPr>
         <p:spPr>
           <a:xfrm>
-            <a:off x="37419007" y="6143896"/>
+            <a:off x="36581217" y="6152121"/>
             <a:ext cx="926325" cy="540000"/>
           </a:xfrm>
           <a:prstGeom prst="rect">
@@ -11640,7 +11640,7 @@
         </p:nvSpPr>
         <p:spPr>
           <a:xfrm>
-            <a:off x="41155360" y="6930473"/>
+            <a:off x="40317570" y="6938698"/>
             <a:ext cx="926325" cy="540000"/>
           </a:xfrm>
           <a:prstGeom prst="rect">
@@ -11695,7 +11695,7 @@
         </p:nvCxnSpPr>
         <p:spPr>
           <a:xfrm rot="5400000">
-            <a:off x="38520651" y="5189245"/>
+            <a:off x="37682861" y="5197470"/>
             <a:ext cx="316170" cy="1593132"/>
           </a:xfrm>
           <a:prstGeom prst="bentConnector3">
@@ -11733,8 +11733,8 @@
         </p:nvCxnSpPr>
         <p:spPr>
           <a:xfrm rot="16200000" flipH="1">
-            <a:off x="40119137" y="5183891"/>
-            <a:ext cx="320454" cy="1608124"/>
+            <a:off x="39551036" y="4922426"/>
+            <a:ext cx="316170" cy="2143219"/>
           </a:xfrm>
           <a:prstGeom prst="bentConnector3">
             <a:avLst>
@@ -11771,8 +11771,8 @@
         </p:nvCxnSpPr>
         <p:spPr>
           <a:xfrm rot="5400000">
-            <a:off x="40690095" y="6537883"/>
-            <a:ext cx="243034" cy="543628"/>
+            <a:off x="40117711" y="6276419"/>
+            <a:ext cx="247318" cy="1078723"/>
           </a:xfrm>
           <a:prstGeom prst="bentConnector3">
             <a:avLst>
@@ -11809,8 +11809,8 @@
         </p:nvCxnSpPr>
         <p:spPr>
           <a:xfrm rot="16200000" flipH="1">
-            <a:off x="41229828" y="6541777"/>
-            <a:ext cx="242293" cy="535097"/>
+            <a:off x="40657444" y="6815408"/>
+            <a:ext cx="246577" cy="2"/>
           </a:xfrm>
           <a:prstGeom prst="bentConnector3">
             <a:avLst>
@@ -11844,7 +11844,7 @@
         </p:nvSpPr>
         <p:spPr>
           <a:xfrm>
-            <a:off x="41155359" y="7745160"/>
+            <a:off x="40317569" y="7753385"/>
             <a:ext cx="926325" cy="540000"/>
           </a:xfrm>
           <a:prstGeom prst="rect">
@@ -11896,7 +11896,7 @@
         </p:nvSpPr>
         <p:spPr>
           <a:xfrm>
-            <a:off x="40076635" y="7744886"/>
+            <a:off x="39238845" y="7753111"/>
             <a:ext cx="926325" cy="540000"/>
           </a:xfrm>
           <a:prstGeom prst="rect">
@@ -11953,7 +11953,7 @@
         </p:nvSpPr>
         <p:spPr>
           <a:xfrm>
-            <a:off x="39028088" y="7745165"/>
+            <a:off x="38190298" y="7753390"/>
             <a:ext cx="926325" cy="540000"/>
           </a:xfrm>
           <a:prstGeom prst="rect">
@@ -12010,7 +12010,7 @@
         </p:nvSpPr>
         <p:spPr>
           <a:xfrm>
-            <a:off x="37984158" y="7744886"/>
+            <a:off x="37146368" y="7753111"/>
             <a:ext cx="926325" cy="540000"/>
           </a:xfrm>
           <a:prstGeom prst="rect">
@@ -12067,7 +12067,7 @@
         </p:nvSpPr>
         <p:spPr>
           <a:xfrm>
-            <a:off x="36904009" y="7745165"/>
+            <a:off x="36066219" y="7753390"/>
             <a:ext cx="926325" cy="540000"/>
           </a:xfrm>
           <a:prstGeom prst="rect">
@@ -12124,7 +12124,7 @@
         </p:nvSpPr>
         <p:spPr>
           <a:xfrm>
-            <a:off x="36904008" y="6931214"/>
+            <a:off x="36066218" y="6939439"/>
             <a:ext cx="926325" cy="540000"/>
           </a:xfrm>
           <a:prstGeom prst="rect">
@@ -12181,7 +12181,7 @@
         </p:nvSpPr>
         <p:spPr>
           <a:xfrm>
-            <a:off x="39563942" y="9393898"/>
+            <a:off x="38726152" y="9402123"/>
             <a:ext cx="926325" cy="540000"/>
           </a:xfrm>
           <a:prstGeom prst="rect">
@@ -12242,7 +12242,7 @@
         </p:nvSpPr>
         <p:spPr>
           <a:xfrm>
-            <a:off x="38503174" y="9392724"/>
+            <a:off x="37665384" y="9400949"/>
             <a:ext cx="926325" cy="540000"/>
           </a:xfrm>
           <a:prstGeom prst="rect">
@@ -12327,7 +12327,7 @@
         </p:nvSpPr>
         <p:spPr>
           <a:xfrm>
-            <a:off x="37442406" y="9400924"/>
+            <a:off x="36604616" y="9409149"/>
             <a:ext cx="926325" cy="540000"/>
           </a:xfrm>
           <a:prstGeom prst="rect">
@@ -12388,7 +12388,7 @@
         </p:nvSpPr>
         <p:spPr>
           <a:xfrm>
-            <a:off x="36326972" y="9400923"/>
+            <a:off x="35489182" y="9409148"/>
             <a:ext cx="926325" cy="540000"/>
           </a:xfrm>
           <a:prstGeom prst="rect">
@@ -12449,7 +12449,7 @@
         </p:nvSpPr>
         <p:spPr>
           <a:xfrm>
-            <a:off x="39563941" y="10140931"/>
+            <a:off x="39800471" y="9394354"/>
             <a:ext cx="926325" cy="540000"/>
           </a:xfrm>
           <a:prstGeom prst="rect">
@@ -12510,7 +12510,7 @@
         </p:nvSpPr>
         <p:spPr>
           <a:xfrm>
-            <a:off x="39028050" y="10849609"/>
+            <a:off x="39782472" y="10181414"/>
             <a:ext cx="926325" cy="540000"/>
           </a:xfrm>
           <a:prstGeom prst="rect">
@@ -12571,7 +12571,7 @@
         </p:nvSpPr>
         <p:spPr>
           <a:xfrm>
-            <a:off x="37972765" y="10849018"/>
+            <a:off x="38727187" y="10180823"/>
             <a:ext cx="926325" cy="540000"/>
           </a:xfrm>
           <a:prstGeom prst="rect">
@@ -12632,7 +12632,7 @@
         </p:nvSpPr>
         <p:spPr>
           <a:xfrm>
-            <a:off x="40630135" y="10141522"/>
+            <a:off x="40844598" y="9395955"/>
             <a:ext cx="926325" cy="540000"/>
           </a:xfrm>
           <a:prstGeom prst="rect">
@@ -12696,7 +12696,7 @@
         </p:nvCxnSpPr>
         <p:spPr>
           <a:xfrm rot="5400000">
-            <a:off x="38832449" y="7086086"/>
+            <a:off x="37994659" y="7094311"/>
             <a:ext cx="273672" cy="1043928"/>
           </a:xfrm>
           <a:prstGeom prst="bentConnector3">
@@ -12734,7 +12734,7 @@
         </p:nvCxnSpPr>
         <p:spPr>
           <a:xfrm rot="16200000" flipH="1">
-            <a:off x="39878687" y="7083775"/>
+            <a:off x="39040897" y="7092000"/>
             <a:ext cx="273672" cy="1048549"/>
           </a:xfrm>
           <a:prstGeom prst="bentConnector3">
@@ -12772,7 +12772,7 @@
         </p:nvCxnSpPr>
         <p:spPr>
           <a:xfrm rot="16200000" flipH="1">
-            <a:off x="39354275" y="7608188"/>
+            <a:off x="38516485" y="7616413"/>
             <a:ext cx="273951" cy="2"/>
           </a:xfrm>
           <a:prstGeom prst="bentConnector3">
@@ -12810,7 +12810,7 @@
         </p:nvCxnSpPr>
         <p:spPr>
           <a:xfrm rot="5400000">
-            <a:off x="37501012" y="6550056"/>
+            <a:off x="36663222" y="6558281"/>
             <a:ext cx="247318" cy="514999"/>
           </a:xfrm>
           <a:prstGeom prst="bentConnector3">
@@ -12848,7 +12848,7 @@
         </p:nvCxnSpPr>
         <p:spPr>
           <a:xfrm>
-            <a:off x="37367171" y="7471214"/>
+            <a:off x="36529381" y="7479439"/>
             <a:ext cx="1" cy="273951"/>
           </a:xfrm>
           <a:prstGeom prst="straightConnector1">
@@ -12884,7 +12884,7 @@
         </p:nvCxnSpPr>
         <p:spPr>
           <a:xfrm rot="16200000" flipH="1">
-            <a:off x="40942187" y="7068825"/>
+            <a:off x="40104397" y="7077050"/>
             <a:ext cx="273946" cy="1078724"/>
           </a:xfrm>
           <a:prstGeom prst="bentConnector3">
@@ -12922,7 +12922,7 @@
         </p:nvCxnSpPr>
         <p:spPr>
           <a:xfrm>
-            <a:off x="40539798" y="7471214"/>
+            <a:off x="39702008" y="7479439"/>
             <a:ext cx="0" cy="273672"/>
           </a:xfrm>
           <a:prstGeom prst="straightConnector1">
@@ -12958,7 +12958,7 @@
         </p:nvCxnSpPr>
         <p:spPr>
           <a:xfrm flipH="1">
-            <a:off x="41618522" y="7470473"/>
+            <a:off x="40780732" y="7478698"/>
             <a:ext cx="1" cy="274687"/>
           </a:xfrm>
           <a:prstGeom prst="straightConnector1">
@@ -12995,7 +12995,7 @@
         </p:nvCxnSpPr>
         <p:spPr>
           <a:xfrm rot="5400000">
-            <a:off x="37979284" y="7888994"/>
+            <a:off x="37141494" y="7897219"/>
             <a:ext cx="322780" cy="2701078"/>
           </a:xfrm>
           <a:prstGeom prst="bentConnector3">
@@ -13035,7 +13035,7 @@
         </p:nvCxnSpPr>
         <p:spPr>
           <a:xfrm rot="5400000">
-            <a:off x="38537001" y="8446711"/>
+            <a:off x="37699211" y="8454936"/>
             <a:ext cx="322781" cy="1585644"/>
           </a:xfrm>
           <a:prstGeom prst="bentConnector3">
@@ -13073,87 +13073,9 @@
           <p:nvPr/>
         </p:nvCxnSpPr>
         <p:spPr>
-          <a:xfrm rot="5400000">
-            <a:off x="38242986" y="10125667"/>
-            <a:ext cx="916294" cy="530409"/>
-          </a:xfrm>
-          <a:prstGeom prst="bentConnector3">
-            <a:avLst>
-              <a:gd name="adj1" fmla="val 11707"/>
-            </a:avLst>
-          </a:prstGeom>
-          <a:ln w="19050">
-            <a:prstDash val="dash"/>
-            <a:tailEnd type="arrow"/>
-          </a:ln>
-        </p:spPr>
-        <p:style>
-          <a:lnRef idx="1">
-            <a:schemeClr val="accent1"/>
-          </a:lnRef>
-          <a:fillRef idx="0">
-            <a:schemeClr val="accent1"/>
-          </a:fillRef>
-          <a:effectRef idx="0">
-            <a:schemeClr val="accent1"/>
-          </a:effectRef>
-          <a:fontRef idx="minor">
-            <a:schemeClr val="tx1"/>
-          </a:fontRef>
-        </p:style>
-      </p:cxnSp>
-      <p:cxnSp>
-        <p:nvCxnSpPr>
-          <p:cNvPr id="419" name="Соединительная линия уступом 418"/>
-          <p:cNvCxnSpPr>
-            <a:stCxn id="353" idx="2"/>
-            <a:endCxn id="358" idx="0"/>
-          </p:cNvCxnSpPr>
-          <p:nvPr/>
-        </p:nvCxnSpPr>
-        <p:spPr>
           <a:xfrm rot="16200000" flipH="1">
-            <a:off x="38770333" y="10128728"/>
-            <a:ext cx="916885" cy="524876"/>
-          </a:xfrm>
-          <a:prstGeom prst="bentConnector3">
-            <a:avLst>
-              <a:gd name="adj1" fmla="val 11152"/>
-            </a:avLst>
-          </a:prstGeom>
-          <a:ln w="19050">
-            <a:prstDash val="dash"/>
-            <a:tailEnd type="arrow"/>
-          </a:ln>
-        </p:spPr>
-        <p:style>
-          <a:lnRef idx="1">
-            <a:schemeClr val="accent1"/>
-          </a:lnRef>
-          <a:fillRef idx="0">
-            <a:schemeClr val="accent1"/>
-          </a:fillRef>
-          <a:effectRef idx="0">
-            <a:schemeClr val="accent1"/>
-          </a:effectRef>
-          <a:fontRef idx="minor">
-            <a:schemeClr val="tx1"/>
-          </a:fontRef>
-        </p:style>
-      </p:cxnSp>
-      <p:cxnSp>
-        <p:nvCxnSpPr>
-          <p:cNvPr id="423" name="Соединительная линия уступом 422"/>
-          <p:cNvCxnSpPr>
-            <a:stCxn id="353" idx="2"/>
-            <a:endCxn id="357" idx="0"/>
-          </p:cNvCxnSpPr>
-          <p:nvPr/>
-        </p:nvCxnSpPr>
-        <p:spPr>
-          <a:xfrm rot="16200000" flipH="1">
-            <a:off x="39392617" y="9506443"/>
-            <a:ext cx="208207" cy="1060767"/>
+            <a:off x="38539511" y="9529984"/>
+            <a:ext cx="239874" cy="1061803"/>
           </a:xfrm>
           <a:prstGeom prst="bentConnector3">
             <a:avLst>
@@ -13182,17 +13104,17 @@
       </p:cxnSp>
       <p:cxnSp>
         <p:nvCxnSpPr>
-          <p:cNvPr id="426" name="Соединительная линия уступом 425"/>
+          <p:cNvPr id="419" name="Соединительная линия уступом 418"/>
           <p:cNvCxnSpPr>
             <a:stCxn id="353" idx="2"/>
-            <a:endCxn id="362" idx="0"/>
+            <a:endCxn id="358" idx="0"/>
           </p:cNvCxnSpPr>
           <p:nvPr/>
         </p:nvCxnSpPr>
         <p:spPr>
           <a:xfrm rot="16200000" flipH="1">
-            <a:off x="39925418" y="8973642"/>
-            <a:ext cx="208798" cy="2126961"/>
+            <a:off x="39066859" y="9002637"/>
+            <a:ext cx="240465" cy="2117088"/>
           </a:xfrm>
           <a:prstGeom prst="bentConnector3">
             <a:avLst>
@@ -13229,87 +13151,9 @@
           <p:nvPr/>
         </p:nvCxnSpPr>
         <p:spPr>
-          <a:xfrm rot="5400000">
-            <a:off x="38773957" y="9595870"/>
-            <a:ext cx="915120" cy="1591177"/>
-          </a:xfrm>
-          <a:prstGeom prst="bentConnector3">
-            <a:avLst>
-              <a:gd name="adj1" fmla="val 10496"/>
-            </a:avLst>
-          </a:prstGeom>
-          <a:ln w="19050">
-            <a:prstDash val="dash"/>
-            <a:tailEnd type="arrow"/>
-          </a:ln>
-        </p:spPr>
-        <p:style>
-          <a:lnRef idx="1">
-            <a:schemeClr val="accent1"/>
-          </a:lnRef>
-          <a:fillRef idx="0">
-            <a:schemeClr val="accent1"/>
-          </a:fillRef>
-          <a:effectRef idx="0">
-            <a:schemeClr val="accent1"/>
-          </a:effectRef>
-          <a:fontRef idx="minor">
-            <a:schemeClr val="tx1"/>
-          </a:fontRef>
-        </p:style>
-      </p:cxnSp>
-      <p:cxnSp>
-        <p:nvCxnSpPr>
-          <p:cNvPr id="432" name="Соединительная линия уступом 431"/>
-          <p:cNvCxnSpPr>
-            <a:stCxn id="351" idx="2"/>
-            <a:endCxn id="358" idx="0"/>
-          </p:cNvCxnSpPr>
-          <p:nvPr/>
-        </p:nvCxnSpPr>
-        <p:spPr>
-          <a:xfrm rot="5400000">
-            <a:off x="39301304" y="10123807"/>
-            <a:ext cx="915711" cy="535892"/>
-          </a:xfrm>
-          <a:prstGeom prst="bentConnector3">
-            <a:avLst>
-              <a:gd name="adj1" fmla="val 9941"/>
-            </a:avLst>
-          </a:prstGeom>
-          <a:ln w="19050">
-            <a:prstDash val="dash"/>
-            <a:tailEnd type="arrow"/>
-          </a:ln>
-        </p:spPr>
-        <p:style>
-          <a:lnRef idx="1">
-            <a:schemeClr val="accent1"/>
-          </a:lnRef>
-          <a:fillRef idx="0">
-            <a:schemeClr val="accent1"/>
-          </a:fillRef>
-          <a:effectRef idx="0">
-            <a:schemeClr val="accent1"/>
-          </a:effectRef>
-          <a:fontRef idx="minor">
-            <a:schemeClr val="tx1"/>
-          </a:fontRef>
-        </p:style>
-      </p:cxnSp>
-      <p:cxnSp>
-        <p:nvCxnSpPr>
-          <p:cNvPr id="435" name="Соединительная линия уступом 434"/>
-          <p:cNvCxnSpPr>
-            <a:stCxn id="351" idx="2"/>
-            <a:endCxn id="357" idx="0"/>
-          </p:cNvCxnSpPr>
-          <p:nvPr/>
-        </p:nvCxnSpPr>
-        <p:spPr>
-          <a:xfrm rot="5400000">
-            <a:off x="39923589" y="10037414"/>
-            <a:ext cx="207033" cy="1"/>
+          <a:xfrm rot="16200000" flipH="1">
+            <a:off x="39070482" y="10060955"/>
+            <a:ext cx="238700" cy="1035"/>
           </a:xfrm>
           <a:prstGeom prst="bentConnector3">
             <a:avLst>
@@ -13338,17 +13182,17 @@
       </p:cxnSp>
       <p:cxnSp>
         <p:nvCxnSpPr>
-          <p:cNvPr id="438" name="Соединительная линия уступом 437"/>
+          <p:cNvPr id="432" name="Соединительная линия уступом 431"/>
           <p:cNvCxnSpPr>
             <a:stCxn id="351" idx="2"/>
-            <a:endCxn id="362" idx="0"/>
+            <a:endCxn id="358" idx="0"/>
           </p:cNvCxnSpPr>
           <p:nvPr/>
         </p:nvCxnSpPr>
         <p:spPr>
           <a:xfrm rot="16200000" flipH="1">
-            <a:off x="40456389" y="9504613"/>
-            <a:ext cx="207624" cy="1066193"/>
+            <a:off x="39597830" y="9533608"/>
+            <a:ext cx="239291" cy="1056320"/>
           </a:xfrm>
           <a:prstGeom prst="bentConnector3">
             <a:avLst>
@@ -13377,6 +13221,86 @@
       </p:cxnSp>
       <p:cxnSp>
         <p:nvCxnSpPr>
+          <p:cNvPr id="435" name="Соединительная линия уступом 434"/>
+          <p:cNvCxnSpPr>
+            <a:cxnSpLocks/>
+            <a:stCxn id="1039" idx="2"/>
+            <a:endCxn id="357" idx="0"/>
+          </p:cNvCxnSpPr>
+          <p:nvPr/>
+        </p:nvCxnSpPr>
+        <p:spPr>
+          <a:xfrm rot="16200000" flipH="1">
+            <a:off x="39304535" y="8435255"/>
+            <a:ext cx="307986" cy="1610211"/>
+          </a:xfrm>
+          <a:prstGeom prst="bentConnector3">
+            <a:avLst>
+              <a:gd name="adj1" fmla="val 50000"/>
+            </a:avLst>
+          </a:prstGeom>
+          <a:ln w="19050">
+            <a:prstDash val="dash"/>
+            <a:tailEnd type="arrow"/>
+          </a:ln>
+        </p:spPr>
+        <p:style>
+          <a:lnRef idx="1">
+            <a:schemeClr val="accent1"/>
+          </a:lnRef>
+          <a:fillRef idx="0">
+            <a:schemeClr val="accent1"/>
+          </a:fillRef>
+          <a:effectRef idx="0">
+            <a:schemeClr val="accent1"/>
+          </a:effectRef>
+          <a:fontRef idx="minor">
+            <a:schemeClr val="tx1"/>
+          </a:fontRef>
+        </p:style>
+      </p:cxnSp>
+      <p:cxnSp>
+        <p:nvCxnSpPr>
+          <p:cNvPr id="438" name="Соединительная линия уступом 437"/>
+          <p:cNvCxnSpPr>
+            <a:cxnSpLocks/>
+            <a:stCxn id="1039" idx="2"/>
+            <a:endCxn id="362" idx="0"/>
+          </p:cNvCxnSpPr>
+          <p:nvPr/>
+        </p:nvCxnSpPr>
+        <p:spPr>
+          <a:xfrm rot="16200000" flipH="1">
+            <a:off x="39825799" y="7913992"/>
+            <a:ext cx="309587" cy="2654338"/>
+          </a:xfrm>
+          <a:prstGeom prst="bentConnector3">
+            <a:avLst>
+              <a:gd name="adj1" fmla="val 50000"/>
+            </a:avLst>
+          </a:prstGeom>
+          <a:ln w="19050">
+            <a:prstDash val="dash"/>
+            <a:tailEnd type="arrow"/>
+          </a:ln>
+        </p:spPr>
+        <p:style>
+          <a:lnRef idx="1">
+            <a:schemeClr val="accent1"/>
+          </a:lnRef>
+          <a:fillRef idx="0">
+            <a:schemeClr val="accent1"/>
+          </a:fillRef>
+          <a:effectRef idx="0">
+            <a:schemeClr val="accent1"/>
+          </a:effectRef>
+          <a:fontRef idx="minor">
+            <a:schemeClr val="tx1"/>
+          </a:fontRef>
+        </p:style>
+      </p:cxnSp>
+      <p:cxnSp>
+        <p:nvCxnSpPr>
           <p:cNvPr id="441" name="Прямая соединительная линия 440"/>
           <p:cNvCxnSpPr>
             <a:stCxn id="355" idx="3"/>
@@ -13386,7 +13310,7 @@
         </p:nvCxnSpPr>
         <p:spPr>
           <a:xfrm>
-            <a:off x="37253297" y="9670923"/>
+            <a:off x="36415507" y="9679148"/>
             <a:ext cx="189109" cy="1"/>
           </a:xfrm>
           <a:prstGeom prst="line">
@@ -13424,7 +13348,7 @@
         </p:nvCxnSpPr>
         <p:spPr>
           <a:xfrm>
-            <a:off x="39429499" y="9662724"/>
+            <a:off x="38591709" y="9670949"/>
             <a:ext cx="134443" cy="1174"/>
           </a:xfrm>
           <a:prstGeom prst="line">
@@ -13462,7 +13386,7 @@
         </p:nvCxnSpPr>
         <p:spPr>
           <a:xfrm>
-            <a:off x="38910483" y="8014886"/>
+            <a:off x="38072693" y="8023111"/>
             <a:ext cx="117605" cy="279"/>
           </a:xfrm>
           <a:prstGeom prst="line">
@@ -13500,7 +13424,7 @@
         </p:nvCxnSpPr>
         <p:spPr>
           <a:xfrm flipV="1">
-            <a:off x="39954413" y="8014886"/>
+            <a:off x="39116623" y="8023111"/>
             <a:ext cx="122222" cy="279"/>
           </a:xfrm>
           <a:prstGeom prst="line">
@@ -13538,7 +13462,7 @@
         </p:nvCxnSpPr>
         <p:spPr>
           <a:xfrm>
-            <a:off x="38899090" y="11119018"/>
+            <a:off x="39653512" y="10450823"/>
             <a:ext cx="128960" cy="591"/>
           </a:xfrm>
           <a:prstGeom prst="line">
@@ -13576,8 +13500,8 @@
         </p:nvCxnSpPr>
         <p:spPr>
           <a:xfrm>
-            <a:off x="40490266" y="10410931"/>
-            <a:ext cx="139869" cy="591"/>
+            <a:off x="40726796" y="9664354"/>
+            <a:ext cx="117802" cy="1601"/>
           </a:xfrm>
           <a:prstGeom prst="line">
             <a:avLst/>
@@ -13614,7 +13538,7 @@
         </p:nvCxnSpPr>
         <p:spPr>
           <a:xfrm flipH="1">
-            <a:off x="39475302" y="5015625"/>
+            <a:off x="38637512" y="5023850"/>
             <a:ext cx="1" cy="272101"/>
           </a:xfrm>
           <a:prstGeom prst="straightConnector1">
@@ -14222,8 +14146,8 @@
         </p:nvCxnSpPr>
         <p:spPr>
           <a:xfrm rot="5400000">
-            <a:off x="33371187" y="1014562"/>
-            <a:ext cx="228987" cy="6644026"/>
+            <a:off x="32670579" y="1740377"/>
+            <a:ext cx="203780" cy="5217604"/>
           </a:xfrm>
           <a:prstGeom prst="bentConnector3">
             <a:avLst>
@@ -16974,7 +16898,7 @@
         </p:nvCxnSpPr>
         <p:spPr>
           <a:xfrm flipH="1">
-            <a:off x="34228669" y="5022449"/>
+            <a:off x="32212581" y="5025244"/>
             <a:ext cx="983" cy="259168"/>
           </a:xfrm>
           <a:prstGeom prst="straightConnector1">
@@ -17003,15 +16927,16 @@
         <p:nvCxnSpPr>
           <p:cNvPr id="417" name="Соединительная линия уступом 416"/>
           <p:cNvCxnSpPr>
-            <a:stCxn id="281" idx="2"/>
+            <a:cxnSpLocks/>
+            <a:stCxn id="1054" idx="2"/>
             <a:endCxn id="424" idx="0"/>
           </p:cNvCxnSpPr>
           <p:nvPr/>
         </p:nvCxnSpPr>
         <p:spPr>
           <a:xfrm rot="5400000">
-            <a:off x="37726990" y="4395278"/>
-            <a:ext cx="315864" cy="3180761"/>
+            <a:off x="34461475" y="6551000"/>
+            <a:ext cx="283287" cy="557824"/>
           </a:xfrm>
           <a:prstGeom prst="bentConnector3">
             <a:avLst>
@@ -17046,7 +16971,7 @@
         </p:nvSpPr>
         <p:spPr>
           <a:xfrm>
-            <a:off x="37981385" y="6930334"/>
+            <a:off x="37143595" y="6938559"/>
             <a:ext cx="926325" cy="540000"/>
           </a:xfrm>
           <a:prstGeom prst="rect">
@@ -17106,7 +17031,7 @@
         </p:nvCxnSpPr>
         <p:spPr>
           <a:xfrm>
-            <a:off x="38444548" y="7470334"/>
+            <a:off x="37606758" y="7478559"/>
             <a:ext cx="2773" cy="274552"/>
           </a:xfrm>
           <a:prstGeom prst="straightConnector1">
@@ -17139,7 +17064,7 @@
         </p:nvSpPr>
         <p:spPr>
           <a:xfrm>
-            <a:off x="40620263" y="8551780"/>
+            <a:off x="39782473" y="8560005"/>
             <a:ext cx="926325" cy="540000"/>
           </a:xfrm>
           <a:prstGeom prst="rect">
@@ -17194,7 +17119,7 @@
         </p:nvCxnSpPr>
         <p:spPr>
           <a:xfrm rot="16200000" flipH="1">
-            <a:off x="40271329" y="7739683"/>
+            <a:off x="39433539" y="7747908"/>
             <a:ext cx="1080566" cy="543628"/>
           </a:xfrm>
           <a:prstGeom prst="bentConnector3">
@@ -17232,7 +17157,7 @@
         </p:nvCxnSpPr>
         <p:spPr>
           <a:xfrm rot="5400000">
-            <a:off x="40810322" y="7743578"/>
+            <a:off x="39972532" y="7751803"/>
             <a:ext cx="1081307" cy="535097"/>
           </a:xfrm>
           <a:prstGeom prst="bentConnector3">
@@ -17267,7 +17192,7 @@
         </p:nvSpPr>
         <p:spPr>
           <a:xfrm>
-            <a:off x="35831378" y="6143590"/>
+            <a:off x="33861043" y="6971556"/>
             <a:ext cx="926325" cy="540000"/>
           </a:xfrm>
           <a:prstGeom prst="rect">
@@ -19503,8 +19428,119 @@
         </p:nvCxnSpPr>
         <p:spPr>
           <a:xfrm rot="16200000" flipH="1">
-            <a:off x="35100619" y="4949667"/>
-            <a:ext cx="321973" cy="2065872"/>
+            <a:off x="32694821" y="5342171"/>
+            <a:ext cx="1147144" cy="2111625"/>
+          </a:xfrm>
+          <a:prstGeom prst="bentConnector3">
+            <a:avLst>
+              <a:gd name="adj1" fmla="val 13466"/>
+            </a:avLst>
+          </a:prstGeom>
+          <a:ln w="19050">
+            <a:prstDash val="dash"/>
+            <a:tailEnd type="arrow"/>
+          </a:ln>
+        </p:spPr>
+        <p:style>
+          <a:lnRef idx="1">
+            <a:schemeClr val="accent1"/>
+          </a:lnRef>
+          <a:fillRef idx="0">
+            <a:schemeClr val="accent1"/>
+          </a:fillRef>
+          <a:effectRef idx="0">
+            <a:schemeClr val="accent1"/>
+          </a:effectRef>
+          <a:fontRef idx="minor">
+            <a:schemeClr val="tx1"/>
+          </a:fontRef>
+        </p:style>
+      </p:cxnSp>
+      <p:cxnSp>
+        <p:nvCxnSpPr>
+          <p:cNvPr id="588" name="Прямая со стрелкой 587"/>
+          <p:cNvCxnSpPr>
+            <a:stCxn id="424" idx="2"/>
+            <a:endCxn id="64" idx="0"/>
+          </p:cNvCxnSpPr>
+          <p:nvPr/>
+        </p:nvCxnSpPr>
+        <p:spPr>
+          <a:xfrm>
+            <a:off x="34324206" y="7511556"/>
+            <a:ext cx="5500" cy="246089"/>
+          </a:xfrm>
+          <a:prstGeom prst="straightConnector1">
+            <a:avLst/>
+          </a:prstGeom>
+          <a:ln w="19050">
+            <a:tailEnd type="arrow"/>
+          </a:ln>
+        </p:spPr>
+        <p:style>
+          <a:lnRef idx="1">
+            <a:schemeClr val="accent1"/>
+          </a:lnRef>
+          <a:fillRef idx="0">
+            <a:schemeClr val="accent1"/>
+          </a:fillRef>
+          <a:effectRef idx="0">
+            <a:schemeClr val="accent1"/>
+          </a:effectRef>
+          <a:fontRef idx="minor">
+            <a:schemeClr val="tx1"/>
+          </a:fontRef>
+        </p:style>
+      </p:cxnSp>
+      <p:cxnSp>
+        <p:nvCxnSpPr>
+          <p:cNvPr id="594" name="Прямая со стрелкой 593"/>
+          <p:cNvCxnSpPr>
+            <a:stCxn id="240" idx="2"/>
+            <a:endCxn id="179" idx="0"/>
+          </p:cNvCxnSpPr>
+          <p:nvPr/>
+        </p:nvCxnSpPr>
+        <p:spPr>
+          <a:xfrm>
+            <a:off x="33269507" y="9896743"/>
+            <a:ext cx="1146" cy="279494"/>
+          </a:xfrm>
+          <a:prstGeom prst="straightConnector1">
+            <a:avLst/>
+          </a:prstGeom>
+          <a:ln w="19050">
+            <a:tailEnd type="arrow"/>
+          </a:ln>
+        </p:spPr>
+        <p:style>
+          <a:lnRef idx="1">
+            <a:schemeClr val="accent1"/>
+          </a:lnRef>
+          <a:fillRef idx="0">
+            <a:schemeClr val="accent1"/>
+          </a:fillRef>
+          <a:effectRef idx="0">
+            <a:schemeClr val="accent1"/>
+          </a:effectRef>
+          <a:fontRef idx="minor">
+            <a:schemeClr val="tx1"/>
+          </a:fontRef>
+        </p:style>
+      </p:cxnSp>
+      <p:cxnSp>
+        <p:nvCxnSpPr>
+          <p:cNvPr id="475" name="Соединительная линия уступом 474"/>
+          <p:cNvCxnSpPr>
+            <a:stCxn id="237" idx="2"/>
+            <a:endCxn id="239" idx="0"/>
+          </p:cNvCxnSpPr>
+          <p:nvPr/>
+        </p:nvCxnSpPr>
+        <p:spPr>
+          <a:xfrm rot="16200000" flipH="1">
+            <a:off x="33908664" y="8971750"/>
+            <a:ext cx="249104" cy="516332"/>
           </a:xfrm>
           <a:prstGeom prst="bentConnector3">
             <a:avLst>
@@ -19512,117 +19548,6 @@
             </a:avLst>
           </a:prstGeom>
           <a:ln w="19050">
-            <a:prstDash val="dash"/>
-            <a:tailEnd type="arrow"/>
-          </a:ln>
-        </p:spPr>
-        <p:style>
-          <a:lnRef idx="1">
-            <a:schemeClr val="accent1"/>
-          </a:lnRef>
-          <a:fillRef idx="0">
-            <a:schemeClr val="accent1"/>
-          </a:fillRef>
-          <a:effectRef idx="0">
-            <a:schemeClr val="accent1"/>
-          </a:effectRef>
-          <a:fontRef idx="minor">
-            <a:schemeClr val="tx1"/>
-          </a:fontRef>
-        </p:style>
-      </p:cxnSp>
-      <p:cxnSp>
-        <p:nvCxnSpPr>
-          <p:cNvPr id="588" name="Прямая со стрелкой 587"/>
-          <p:cNvCxnSpPr>
-            <a:stCxn id="424" idx="2"/>
-            <a:endCxn id="64" idx="0"/>
-          </p:cNvCxnSpPr>
-          <p:nvPr/>
-        </p:nvCxnSpPr>
-        <p:spPr>
-          <a:xfrm>
-            <a:off x="36294541" y="6683590"/>
-            <a:ext cx="5500" cy="246089"/>
-          </a:xfrm>
-          <a:prstGeom prst="straightConnector1">
-            <a:avLst/>
-          </a:prstGeom>
-          <a:ln w="19050">
-            <a:tailEnd type="arrow"/>
-          </a:ln>
-        </p:spPr>
-        <p:style>
-          <a:lnRef idx="1">
-            <a:schemeClr val="accent1"/>
-          </a:lnRef>
-          <a:fillRef idx="0">
-            <a:schemeClr val="accent1"/>
-          </a:fillRef>
-          <a:effectRef idx="0">
-            <a:schemeClr val="accent1"/>
-          </a:effectRef>
-          <a:fontRef idx="minor">
-            <a:schemeClr val="tx1"/>
-          </a:fontRef>
-        </p:style>
-      </p:cxnSp>
-      <p:cxnSp>
-        <p:nvCxnSpPr>
-          <p:cNvPr id="594" name="Прямая со стрелкой 593"/>
-          <p:cNvCxnSpPr>
-            <a:stCxn id="240" idx="2"/>
-            <a:endCxn id="179" idx="0"/>
-          </p:cNvCxnSpPr>
-          <p:nvPr/>
-        </p:nvCxnSpPr>
-        <p:spPr>
-          <a:xfrm>
-            <a:off x="34268794" y="7478589"/>
-            <a:ext cx="1146" cy="279494"/>
-          </a:xfrm>
-          <a:prstGeom prst="straightConnector1">
-            <a:avLst/>
-          </a:prstGeom>
-          <a:ln w="19050">
-            <a:tailEnd type="arrow"/>
-          </a:ln>
-        </p:spPr>
-        <p:style>
-          <a:lnRef idx="1">
-            <a:schemeClr val="accent1"/>
-          </a:lnRef>
-          <a:fillRef idx="0">
-            <a:schemeClr val="accent1"/>
-          </a:fillRef>
-          <a:effectRef idx="0">
-            <a:schemeClr val="accent1"/>
-          </a:effectRef>
-          <a:fontRef idx="minor">
-            <a:schemeClr val="tx1"/>
-          </a:fontRef>
-        </p:style>
-      </p:cxnSp>
-      <p:cxnSp>
-        <p:nvCxnSpPr>
-          <p:cNvPr id="475" name="Соединительная линия уступом 474"/>
-          <p:cNvCxnSpPr>
-            <a:stCxn id="237" idx="2"/>
-            <a:endCxn id="239" idx="0"/>
-          </p:cNvCxnSpPr>
-          <p:nvPr/>
-        </p:nvCxnSpPr>
-        <p:spPr>
-          <a:xfrm rot="16200000" flipH="1">
-            <a:off x="34907951" y="6553596"/>
-            <a:ext cx="249104" cy="516332"/>
-          </a:xfrm>
-          <a:prstGeom prst="bentConnector3">
-            <a:avLst>
-              <a:gd name="adj1" fmla="val 50000"/>
-            </a:avLst>
-          </a:prstGeom>
-          <a:ln w="19050">
             <a:tailEnd type="arrow"/>
           </a:ln>
         </p:spPr>
@@ -19649,7 +19574,7 @@
         </p:nvSpPr>
         <p:spPr>
           <a:xfrm>
-            <a:off x="34334491" y="8558753"/>
+            <a:off x="33335204" y="10976907"/>
             <a:ext cx="926325" cy="540000"/>
           </a:xfrm>
           <a:prstGeom prst="rect">
@@ -19720,7 +19645,7 @@
         </p:nvCxnSpPr>
         <p:spPr>
           <a:xfrm rot="16200000" flipH="1">
-            <a:off x="34403462" y="8164561"/>
+            <a:off x="33404175" y="10582715"/>
             <a:ext cx="260670" cy="527714"/>
           </a:xfrm>
           <a:prstGeom prst="bentConnector3">
@@ -19758,7 +19683,7 @@
         </p:nvCxnSpPr>
         <p:spPr>
           <a:xfrm rot="5400000">
-            <a:off x="34910368" y="8176175"/>
+            <a:off x="33911081" y="10594329"/>
             <a:ext cx="269864" cy="495292"/>
           </a:xfrm>
           <a:prstGeom prst="bentConnector3">
@@ -19795,9 +19720,9 @@
           <p:nvPr/>
         </p:nvCxnSpPr>
         <p:spPr>
-          <a:xfrm rot="5400000">
-            <a:off x="33563199" y="5486289"/>
-            <a:ext cx="330142" cy="1000799"/>
+          <a:xfrm rot="16200000" flipH="1">
+            <a:off x="32556552" y="5480440"/>
+            <a:ext cx="327347" cy="1015289"/>
           </a:xfrm>
           <a:prstGeom prst="bentConnector3">
             <a:avLst>
@@ -20215,8 +20140,8 @@
         </p:nvCxnSpPr>
         <p:spPr>
           <a:xfrm rot="5400000">
-            <a:off x="33055817" y="4969809"/>
-            <a:ext cx="321044" cy="2024660"/>
+            <a:off x="32049171" y="5979250"/>
+            <a:ext cx="318249" cy="8572"/>
           </a:xfrm>
           <a:prstGeom prst="bentConnector3">
             <a:avLst>
@@ -20253,8 +20178,8 @@
         </p:nvCxnSpPr>
         <p:spPr>
           <a:xfrm rot="5400000">
-            <a:off x="32550849" y="4469393"/>
-            <a:ext cx="325596" cy="3030044"/>
+            <a:off x="31544203" y="5478834"/>
+            <a:ext cx="322801" cy="1013956"/>
           </a:xfrm>
           <a:prstGeom prst="bentConnector3">
             <a:avLst>
@@ -20714,8 +20639,8 @@
         </p:nvCxnSpPr>
         <p:spPr>
           <a:xfrm rot="5400000">
-            <a:off x="32035647" y="3956465"/>
-            <a:ext cx="327871" cy="4058175"/>
+            <a:off x="31029000" y="4965907"/>
+            <a:ext cx="325076" cy="2042087"/>
           </a:xfrm>
           <a:prstGeom prst="bentConnector3">
             <a:avLst>
@@ -21419,82 +21344,6 @@
           </a:p>
         </p:txBody>
       </p:sp>
-      <p:cxnSp>
-        <p:nvCxnSpPr>
-          <p:cNvPr id="542" name="Соединительная линия уступом 541"/>
-          <p:cNvCxnSpPr>
-            <a:stCxn id="240" idx="2"/>
-            <a:endCxn id="265" idx="0"/>
-          </p:cNvCxnSpPr>
-          <p:nvPr/>
-        </p:nvCxnSpPr>
-        <p:spPr>
-          <a:xfrm rot="5400000">
-            <a:off x="33608707" y="7097748"/>
-            <a:ext cx="279246" cy="1040928"/>
-          </a:xfrm>
-          <a:prstGeom prst="bentConnector3">
-            <a:avLst>
-              <a:gd name="adj1" fmla="val 50000"/>
-            </a:avLst>
-          </a:prstGeom>
-          <a:ln w="19050">
-            <a:tailEnd type="arrow"/>
-          </a:ln>
-        </p:spPr>
-        <p:style>
-          <a:lnRef idx="1">
-            <a:schemeClr val="accent1"/>
-          </a:lnRef>
-          <a:fillRef idx="0">
-            <a:schemeClr val="accent1"/>
-          </a:fillRef>
-          <a:effectRef idx="0">
-            <a:schemeClr val="accent1"/>
-          </a:effectRef>
-          <a:fontRef idx="minor">
-            <a:schemeClr val="tx1"/>
-          </a:fontRef>
-        </p:style>
-      </p:cxnSp>
-      <p:cxnSp>
-        <p:nvCxnSpPr>
-          <p:cNvPr id="545" name="Соединительная линия уступом 544"/>
-          <p:cNvCxnSpPr>
-            <a:stCxn id="239" idx="2"/>
-            <a:endCxn id="265" idx="0"/>
-          </p:cNvCxnSpPr>
-          <p:nvPr/>
-        </p:nvCxnSpPr>
-        <p:spPr>
-          <a:xfrm rot="5400000">
-            <a:off x="34118508" y="6585673"/>
-            <a:ext cx="281521" cy="2062803"/>
-          </a:xfrm>
-          <a:prstGeom prst="bentConnector3">
-            <a:avLst>
-              <a:gd name="adj1" fmla="val 50000"/>
-            </a:avLst>
-          </a:prstGeom>
-          <a:ln w="19050">
-            <a:tailEnd type="arrow"/>
-          </a:ln>
-        </p:spPr>
-        <p:style>
-          <a:lnRef idx="1">
-            <a:schemeClr val="accent1"/>
-          </a:lnRef>
-          <a:fillRef idx="0">
-            <a:schemeClr val="accent1"/>
-          </a:fillRef>
-          <a:effectRef idx="0">
-            <a:schemeClr val="accent1"/>
-          </a:effectRef>
-          <a:fontRef idx="minor">
-            <a:schemeClr val="tx1"/>
-          </a:fontRef>
-        </p:style>
-      </p:cxnSp>
       <p:sp>
         <p:nvSpPr>
           <p:cNvPr id="552" name="Прямоугольник 551"/>
@@ -21759,7 +21608,7 @@
         </p:nvSpPr>
         <p:spPr>
           <a:xfrm>
-            <a:off x="30259179" y="10070917"/>
+            <a:off x="30259179" y="10157694"/>
             <a:ext cx="926325" cy="540000"/>
           </a:xfrm>
           <a:prstGeom prst="rect">
@@ -21806,7 +21655,7 @@
         <p:spPr>
           <a:xfrm>
             <a:off x="30716404" y="9098316"/>
-            <a:ext cx="5938" cy="972601"/>
+            <a:ext cx="5938" cy="1059378"/>
           </a:xfrm>
           <a:prstGeom prst="straightConnector1">
             <a:avLst/>
@@ -24409,7 +24258,7 @@
         </p:nvSpPr>
         <p:spPr>
           <a:xfrm>
-            <a:off x="29211461" y="10075155"/>
+            <a:off x="29211461" y="10161932"/>
             <a:ext cx="926325" cy="540000"/>
           </a:xfrm>
           <a:prstGeom prst="rect">
@@ -24495,8 +24344,8 @@
         </p:nvCxnSpPr>
         <p:spPr>
           <a:xfrm rot="16200000" flipH="1">
-            <a:off x="25802059" y="-9197620"/>
-            <a:ext cx="252891" cy="27093598"/>
+            <a:off x="25379051" y="-8774612"/>
+            <a:ext cx="261116" cy="26255808"/>
           </a:xfrm>
           <a:prstGeom prst="bentConnector3">
             <a:avLst>
@@ -32630,7 +32479,7 @@
         </p:nvSpPr>
         <p:spPr>
           <a:xfrm>
-            <a:off x="42219996" y="6928880"/>
+            <a:off x="41382206" y="6937105"/>
             <a:ext cx="926325" cy="540000"/>
           </a:xfrm>
           <a:prstGeom prst="rect">
@@ -32682,8 +32531,8 @@
         </p:nvCxnSpPr>
         <p:spPr>
           <a:xfrm rot="16200000" flipH="1">
-            <a:off x="41762942" y="6008663"/>
-            <a:ext cx="240700" cy="1599733"/>
+            <a:off x="41190558" y="6282294"/>
+            <a:ext cx="244984" cy="1064638"/>
           </a:xfrm>
           <a:prstGeom prst="bentConnector3">
             <a:avLst>
@@ -32717,7 +32566,7 @@
         </p:nvSpPr>
         <p:spPr>
           <a:xfrm>
-            <a:off x="42220931" y="7748848"/>
+            <a:off x="41383141" y="7757073"/>
             <a:ext cx="926325" cy="540000"/>
           </a:xfrm>
           <a:prstGeom prst="rect">
@@ -32766,7 +32615,7 @@
         </p:nvSpPr>
         <p:spPr>
           <a:xfrm>
-            <a:off x="41682389" y="8551052"/>
+            <a:off x="40844599" y="8559277"/>
             <a:ext cx="926325" cy="540000"/>
           </a:xfrm>
           <a:prstGeom prst="rect">
@@ -32818,7 +32667,7 @@
         </p:nvCxnSpPr>
         <p:spPr>
           <a:xfrm rot="5400000">
-            <a:off x="41873270" y="7741163"/>
+            <a:off x="41035480" y="7749388"/>
             <a:ext cx="1082172" cy="537607"/>
           </a:xfrm>
           <a:prstGeom prst="bentConnector3">
@@ -32856,7 +32705,7 @@
         </p:nvCxnSpPr>
         <p:spPr>
           <a:xfrm rot="16200000" flipH="1">
-            <a:off x="42543642" y="7608396"/>
+            <a:off x="41705852" y="7616621"/>
             <a:ext cx="279968" cy="935"/>
           </a:xfrm>
           <a:prstGeom prst="bentConnector3">
@@ -33297,7 +33146,7 @@
         </p:nvSpPr>
         <p:spPr>
           <a:xfrm>
-            <a:off x="38493338" y="6142019"/>
+            <a:off x="37655548" y="6150244"/>
             <a:ext cx="926325" cy="540000"/>
           </a:xfrm>
           <a:prstGeom prst="rect">
@@ -37838,7 +37687,7 @@
         <p:spPr>
           <a:xfrm>
             <a:off x="29674624" y="9100590"/>
-            <a:ext cx="0" cy="974565"/>
+            <a:ext cx="0" cy="1061342"/>
           </a:xfrm>
           <a:prstGeom prst="straightConnector1">
             <a:avLst/>
@@ -38648,7 +38497,7 @@
         </p:nvCxnSpPr>
         <p:spPr>
           <a:xfrm rot="16200000" flipH="1">
-            <a:off x="38040140" y="6525926"/>
+            <a:off x="37202350" y="6534151"/>
             <a:ext cx="246438" cy="562378"/>
           </a:xfrm>
           <a:prstGeom prst="bentConnector3">
@@ -38689,7 +38538,7 @@
         </p:nvSpPr>
         <p:spPr>
           <a:xfrm>
-            <a:off x="39576796" y="6144210"/>
+            <a:off x="38739006" y="6142910"/>
             <a:ext cx="926325" cy="540000"/>
           </a:xfrm>
           <a:prstGeom prst="rect">
@@ -38724,27 +38573,38 @@
             <a:pPr algn="ctr"/>
             <a:r>
               <a:rPr lang="ru-RU" sz="700" dirty="0"/>
-              <a:t>Программа социальной реорганизации </a:t>
-            </a:r>
+              <a:t>Борьба с пережитками корпоративизма</a:t>
+            </a:r>
+            <a:br>
+              <a:rPr lang="ru-RU" sz="700" dirty="0"/>
+            </a:br>
             <a:r>
               <a:rPr lang="ru-RU" sz="100" dirty="0"/>
-              <a:t>В № 2 еженедельника </a:t>
+              <a:t>Таким образом, ВКТП-ИН с момента своего основания является орудием вмешательства и борьбы рабочих, позволившим им вести и побеждать в бесчисленных битвах во времена фашистской диктатуры, в Апрельской революции, в строительстве демократического процесса и в освящении и защите основных прав и свобод наемных рабочих, а также в сопротивлении контрреволюционному наступлению на ликвидацию социальных и трудовых прав и восстановление </a:t>
             </a:r>
             <a:r>
               <a:rPr lang="ru-RU" sz="100" dirty="0" err="1"/>
-              <a:t>Bandeira</a:t>
+              <a:t>монополий.Ведомая</a:t>
             </a:r>
             <a:r>
               <a:rPr lang="ru-RU" sz="100" dirty="0"/>
-              <a:t> </a:t>
+              <a:t> многочисленной борьбой рабочих на полях, фабриках, в компаниях и сфере услуг, во второй половине прошлого века </a:t>
             </a:r>
             <a:r>
               <a:rPr lang="ru-RU" sz="100" dirty="0" err="1"/>
-              <a:t>Vermelha</a:t>
+              <a:t>Intersindical</a:t>
             </a:r>
             <a:r>
               <a:rPr lang="ru-RU" sz="100" dirty="0"/>
-              <a:t> максималисты запускают программу социальной реорганизации, в которой они обрисовывают будущее максималистского общества. Первой мерой, которая должна быть принята, была бы отмена частной собственности и права производства и потребления для всех. Другие его предложения включали «отмену наследства, отмену налогов, отмену государственного долга, отмену проституции, бесплатное медицинское обслуживание, запрет на продажу алкогольных напитков, отмену азартных игр и осуществление религиозных свобода и отправление культа»</a:t>
+              <a:t> объявила себя профсоюзным проектом, который боролся с </a:t>
+            </a:r>
+            <a:r>
+              <a:rPr lang="ru-RU" sz="100" dirty="0" err="1"/>
+              <a:t>корпоративистским</a:t>
+            </a:r>
+            <a:r>
+              <a:rPr lang="ru-RU" sz="100" dirty="0"/>
+              <a:t> профсоюзным движением и, с избранием унитарных директоров, которым доверяли рабочие, преобразовал некоторые из этих организаций в инструменты, предполагавшие сопротивление, борьбу и борьбу с фашизмом.</a:t>
             </a:r>
             <a:endParaRPr lang="ru-RU" sz="700" dirty="0"/>
           </a:p>
@@ -38768,8 +38628,8 @@
         </p:nvCxnSpPr>
         <p:spPr>
           <a:xfrm rot="16200000" flipH="1">
-            <a:off x="39599388" y="5703639"/>
-            <a:ext cx="316484" cy="564657"/>
+            <a:off x="38766361" y="5707101"/>
+            <a:ext cx="306959" cy="564657"/>
           </a:xfrm>
           <a:prstGeom prst="bentConnector3">
             <a:avLst>
@@ -38813,7 +38673,7 @@
         </p:nvCxnSpPr>
         <p:spPr>
           <a:xfrm rot="5400000">
-            <a:off x="39058756" y="5725472"/>
+            <a:off x="38220966" y="5733697"/>
             <a:ext cx="314293" cy="518801"/>
           </a:xfrm>
           <a:prstGeom prst="bentConnector3">
@@ -38854,7 +38714,7 @@
         </p:nvSpPr>
         <p:spPr>
           <a:xfrm>
-            <a:off x="39028050" y="8538143"/>
+            <a:off x="38190260" y="8546368"/>
             <a:ext cx="926325" cy="540000"/>
           </a:xfrm>
           <a:prstGeom prst="rect">
@@ -38917,7 +38777,7 @@
         </p:nvCxnSpPr>
         <p:spPr>
           <a:xfrm rot="5400000">
-            <a:off x="39888878" y="7887222"/>
+            <a:off x="39051088" y="7895447"/>
             <a:ext cx="253257" cy="1048585"/>
           </a:xfrm>
           <a:prstGeom prst="bentConnector3">
@@ -38963,7 +38823,7 @@
         </p:nvCxnSpPr>
         <p:spPr>
           <a:xfrm rot="5400000">
-            <a:off x="39364743" y="8411635"/>
+            <a:off x="38526953" y="8419860"/>
             <a:ext cx="252978" cy="38"/>
           </a:xfrm>
           <a:prstGeom prst="bentConnector3">
@@ -39009,7 +38869,7 @@
         </p:nvCxnSpPr>
         <p:spPr>
           <a:xfrm rot="16200000" flipH="1">
-            <a:off x="38842639" y="7889568"/>
+            <a:off x="38004849" y="7897793"/>
             <a:ext cx="253257" cy="1043892"/>
           </a:xfrm>
           <a:prstGeom prst="bentConnector3">
@@ -39055,7 +38915,7 @@
         </p:nvCxnSpPr>
         <p:spPr>
           <a:xfrm rot="5400000">
-            <a:off x="39071485" y="8972995"/>
+            <a:off x="38233695" y="8981220"/>
             <a:ext cx="314581" cy="524876"/>
           </a:xfrm>
           <a:prstGeom prst="bentConnector3">
@@ -39100,7 +38960,7 @@
         </p:nvCxnSpPr>
         <p:spPr>
           <a:xfrm rot="16200000" flipH="1">
-            <a:off x="39601282" y="8968074"/>
+            <a:off x="38763492" y="8976299"/>
             <a:ext cx="315755" cy="535892"/>
           </a:xfrm>
           <a:prstGeom prst="bentConnector3">
@@ -39145,8 +39005,8 @@
         </p:nvCxnSpPr>
         <p:spPr>
           <a:xfrm rot="16200000" flipH="1">
-            <a:off x="36975823" y="9755235"/>
-            <a:ext cx="195028" cy="566404"/>
+            <a:off x="35851829" y="10049664"/>
+            <a:ext cx="228208" cy="27176"/>
           </a:xfrm>
           <a:prstGeom prst="bentConnector3">
             <a:avLst>
@@ -39191,8 +39051,8 @@
         </p:nvCxnSpPr>
         <p:spPr>
           <a:xfrm rot="5400000">
-            <a:off x="37533541" y="9763922"/>
-            <a:ext cx="195027" cy="549030"/>
+            <a:off x="36409547" y="9519123"/>
+            <a:ext cx="228207" cy="1088258"/>
           </a:xfrm>
           <a:prstGeom prst="bentConnector3">
             <a:avLst>
@@ -39233,7 +39093,7 @@
         </p:nvSpPr>
         <p:spPr>
           <a:xfrm>
-            <a:off x="36893376" y="10135951"/>
+            <a:off x="35516358" y="10177356"/>
             <a:ext cx="926325" cy="540000"/>
           </a:xfrm>
           <a:prstGeom prst="rect">
@@ -39296,7 +39156,7 @@
         </p:nvCxnSpPr>
         <p:spPr>
           <a:xfrm rot="16200000" flipH="1">
-            <a:off x="39099278" y="6539242"/>
+            <a:off x="38261488" y="6547467"/>
             <a:ext cx="249195" cy="534748"/>
           </a:xfrm>
           <a:prstGeom prst="bentConnector3">
@@ -39341,8 +39201,8 @@
         </p:nvCxnSpPr>
         <p:spPr>
           <a:xfrm rot="5400000">
-            <a:off x="39642102" y="6533357"/>
-            <a:ext cx="247004" cy="548710"/>
+            <a:off x="38799550" y="6536819"/>
+            <a:ext cx="256529" cy="548710"/>
           </a:xfrm>
           <a:prstGeom prst="bentConnector3">
             <a:avLst>
@@ -39382,7 +39242,7 @@
         </p:nvSpPr>
         <p:spPr>
           <a:xfrm>
-            <a:off x="36877882" y="8553766"/>
+            <a:off x="35483062" y="6152638"/>
             <a:ext cx="926325" cy="540000"/>
           </a:xfrm>
           <a:prstGeom prst="rect">
@@ -39465,7 +39325,7 @@
         </p:nvSpPr>
         <p:spPr>
           <a:xfrm>
-            <a:off x="35813687" y="8558922"/>
+            <a:off x="34418867" y="6148269"/>
             <a:ext cx="926325" cy="540000"/>
           </a:xfrm>
           <a:prstGeom prst="rect">
@@ -39566,6 +39426,325 @@
           </a:p>
         </p:txBody>
       </p:sp>
+      <p:cxnSp>
+        <p:nvCxnSpPr>
+          <p:cNvPr id="1055" name="Соединительная линия уступом 318">
+            <a:extLst>
+              <a:ext uri="{FF2B5EF4-FFF2-40B4-BE49-F238E27FC236}">
+                <a16:creationId xmlns:a16="http://schemas.microsoft.com/office/drawing/2014/main" id="{BB5E4F99-4529-4A65-909F-5823B11BA2BB}"/>
+              </a:ext>
+            </a:extLst>
+          </p:cNvPr>
+          <p:cNvCxnSpPr>
+            <a:cxnSpLocks/>
+            <a:stCxn id="281" idx="2"/>
+            <a:endCxn id="1053" idx="0"/>
+          </p:cNvCxnSpPr>
+          <p:nvPr/>
+        </p:nvCxnSpPr>
+        <p:spPr>
+          <a:xfrm rot="5400000">
+            <a:off x="37133526" y="4648651"/>
+            <a:ext cx="316687" cy="2691287"/>
+          </a:xfrm>
+          <a:prstGeom prst="bentConnector3">
+            <a:avLst>
+              <a:gd name="adj1" fmla="val 50000"/>
+            </a:avLst>
+          </a:prstGeom>
+          <a:ln w="19050">
+            <a:tailEnd type="arrow"/>
+          </a:ln>
+        </p:spPr>
+        <p:style>
+          <a:lnRef idx="1">
+            <a:schemeClr val="accent1"/>
+          </a:lnRef>
+          <a:fillRef idx="0">
+            <a:schemeClr val="accent1"/>
+          </a:fillRef>
+          <a:effectRef idx="0">
+            <a:schemeClr val="accent1"/>
+          </a:effectRef>
+          <a:fontRef idx="minor">
+            <a:schemeClr val="tx1"/>
+          </a:fontRef>
+        </p:style>
+      </p:cxnSp>
+      <p:cxnSp>
+        <p:nvCxnSpPr>
+          <p:cNvPr id="1056" name="Соединительная линия уступом 318">
+            <a:extLst>
+              <a:ext uri="{FF2B5EF4-FFF2-40B4-BE49-F238E27FC236}">
+                <a16:creationId xmlns:a16="http://schemas.microsoft.com/office/drawing/2014/main" id="{B018DEB9-A334-472E-86F5-420014D0F787}"/>
+              </a:ext>
+            </a:extLst>
+          </p:cNvPr>
+          <p:cNvCxnSpPr>
+            <a:cxnSpLocks/>
+            <a:stCxn id="281" idx="2"/>
+            <a:endCxn id="1054" idx="0"/>
+          </p:cNvCxnSpPr>
+          <p:nvPr/>
+        </p:nvCxnSpPr>
+        <p:spPr>
+          <a:xfrm rot="5400000">
+            <a:off x="36603612" y="4114369"/>
+            <a:ext cx="312318" cy="3755482"/>
+          </a:xfrm>
+          <a:prstGeom prst="bentConnector3">
+            <a:avLst>
+              <a:gd name="adj1" fmla="val 50000"/>
+            </a:avLst>
+          </a:prstGeom>
+          <a:ln w="19050">
+            <a:tailEnd type="arrow"/>
+          </a:ln>
+        </p:spPr>
+        <p:style>
+          <a:lnRef idx="1">
+            <a:schemeClr val="accent1"/>
+          </a:lnRef>
+          <a:fillRef idx="0">
+            <a:schemeClr val="accent1"/>
+          </a:fillRef>
+          <a:effectRef idx="0">
+            <a:schemeClr val="accent1"/>
+          </a:effectRef>
+          <a:fontRef idx="minor">
+            <a:schemeClr val="tx1"/>
+          </a:fontRef>
+        </p:style>
+      </p:cxnSp>
+      <p:cxnSp>
+        <p:nvCxnSpPr>
+          <p:cNvPr id="1057" name="Прямая соединительная линия 1056">
+            <a:extLst>
+              <a:ext uri="{FF2B5EF4-FFF2-40B4-BE49-F238E27FC236}">
+                <a16:creationId xmlns:a16="http://schemas.microsoft.com/office/drawing/2014/main" id="{21007E55-B17B-463C-805D-156EBE5C6E8D}"/>
+              </a:ext>
+            </a:extLst>
+          </p:cNvPr>
+          <p:cNvCxnSpPr>
+            <a:cxnSpLocks/>
+            <a:stCxn id="1054" idx="3"/>
+            <a:endCxn id="1053" idx="1"/>
+          </p:cNvCxnSpPr>
+          <p:nvPr/>
+        </p:nvCxnSpPr>
+        <p:spPr>
+          <a:xfrm>
+            <a:off x="35345192" y="6418269"/>
+            <a:ext cx="137870" cy="4369"/>
+          </a:xfrm>
+          <a:prstGeom prst="line">
+            <a:avLst/>
+          </a:prstGeom>
+          <a:ln w="19050">
+            <a:solidFill>
+              <a:srgbClr val="FF0000"/>
+            </a:solidFill>
+          </a:ln>
+        </p:spPr>
+        <p:style>
+          <a:lnRef idx="1">
+            <a:schemeClr val="accent1"/>
+          </a:lnRef>
+          <a:fillRef idx="0">
+            <a:schemeClr val="accent1"/>
+          </a:fillRef>
+          <a:effectRef idx="0">
+            <a:schemeClr val="accent1"/>
+          </a:effectRef>
+          <a:fontRef idx="minor">
+            <a:schemeClr val="tx1"/>
+          </a:fontRef>
+        </p:style>
+      </p:cxnSp>
+      <p:cxnSp>
+        <p:nvCxnSpPr>
+          <p:cNvPr id="1058" name="Соединительная линия уступом 431">
+            <a:extLst>
+              <a:ext uri="{FF2B5EF4-FFF2-40B4-BE49-F238E27FC236}">
+                <a16:creationId xmlns:a16="http://schemas.microsoft.com/office/drawing/2014/main" id="{AA42B640-A0A6-4EC3-95ED-719D8962AE8F}"/>
+              </a:ext>
+            </a:extLst>
+          </p:cNvPr>
+          <p:cNvCxnSpPr>
+            <a:cxnSpLocks/>
+            <a:stCxn id="357" idx="2"/>
+            <a:endCxn id="361" idx="0"/>
+          </p:cNvCxnSpPr>
+          <p:nvPr/>
+        </p:nvCxnSpPr>
+        <p:spPr>
+          <a:xfrm rot="5400000">
+            <a:off x="39603758" y="9520946"/>
+            <a:ext cx="246469" cy="1073284"/>
+          </a:xfrm>
+          <a:prstGeom prst="bentConnector3">
+            <a:avLst>
+              <a:gd name="adj1" fmla="val 50000"/>
+            </a:avLst>
+          </a:prstGeom>
+          <a:ln w="19050">
+            <a:prstDash val="dash"/>
+            <a:tailEnd type="arrow"/>
+          </a:ln>
+        </p:spPr>
+        <p:style>
+          <a:lnRef idx="1">
+            <a:schemeClr val="accent1"/>
+          </a:lnRef>
+          <a:fillRef idx="0">
+            <a:schemeClr val="accent1"/>
+          </a:fillRef>
+          <a:effectRef idx="0">
+            <a:schemeClr val="accent1"/>
+          </a:effectRef>
+          <a:fontRef idx="minor">
+            <a:schemeClr val="tx1"/>
+          </a:fontRef>
+        </p:style>
+      </p:cxnSp>
+      <p:cxnSp>
+        <p:nvCxnSpPr>
+          <p:cNvPr id="1059" name="Соединительная линия уступом 431">
+            <a:extLst>
+              <a:ext uri="{FF2B5EF4-FFF2-40B4-BE49-F238E27FC236}">
+                <a16:creationId xmlns:a16="http://schemas.microsoft.com/office/drawing/2014/main" id="{D6C4C9D8-677F-4CC5-8B47-65630FEAB9DE}"/>
+              </a:ext>
+            </a:extLst>
+          </p:cNvPr>
+          <p:cNvCxnSpPr>
+            <a:cxnSpLocks/>
+            <a:stCxn id="357" idx="2"/>
+            <a:endCxn id="358" idx="0"/>
+          </p:cNvCxnSpPr>
+          <p:nvPr/>
+        </p:nvCxnSpPr>
+        <p:spPr>
+          <a:xfrm rot="5400000">
+            <a:off x="40131105" y="10048885"/>
+            <a:ext cx="247060" cy="17999"/>
+          </a:xfrm>
+          <a:prstGeom prst="bentConnector3">
+            <a:avLst>
+              <a:gd name="adj1" fmla="val 50000"/>
+            </a:avLst>
+          </a:prstGeom>
+          <a:ln w="19050">
+            <a:prstDash val="dash"/>
+            <a:tailEnd type="arrow"/>
+          </a:ln>
+        </p:spPr>
+        <p:style>
+          <a:lnRef idx="1">
+            <a:schemeClr val="accent1"/>
+          </a:lnRef>
+          <a:fillRef idx="0">
+            <a:schemeClr val="accent1"/>
+          </a:fillRef>
+          <a:effectRef idx="0">
+            <a:schemeClr val="accent1"/>
+          </a:effectRef>
+          <a:fontRef idx="minor">
+            <a:schemeClr val="tx1"/>
+          </a:fontRef>
+        </p:style>
+      </p:cxnSp>
+      <p:cxnSp>
+        <p:nvCxnSpPr>
+          <p:cNvPr id="1060" name="Соединительная линия уступом 431">
+            <a:extLst>
+              <a:ext uri="{FF2B5EF4-FFF2-40B4-BE49-F238E27FC236}">
+                <a16:creationId xmlns:a16="http://schemas.microsoft.com/office/drawing/2014/main" id="{9532366E-1ACD-4838-9E3A-0A955566623D}"/>
+              </a:ext>
+            </a:extLst>
+          </p:cNvPr>
+          <p:cNvCxnSpPr>
+            <a:cxnSpLocks/>
+            <a:stCxn id="362" idx="2"/>
+            <a:endCxn id="361" idx="0"/>
+          </p:cNvCxnSpPr>
+          <p:nvPr/>
+        </p:nvCxnSpPr>
+        <p:spPr>
+          <a:xfrm rot="5400000">
+            <a:off x="40126622" y="8999684"/>
+            <a:ext cx="244868" cy="2117411"/>
+          </a:xfrm>
+          <a:prstGeom prst="bentConnector3">
+            <a:avLst>
+              <a:gd name="adj1" fmla="val 50000"/>
+            </a:avLst>
+          </a:prstGeom>
+          <a:ln w="19050">
+            <a:prstDash val="dash"/>
+            <a:tailEnd type="arrow"/>
+          </a:ln>
+        </p:spPr>
+        <p:style>
+          <a:lnRef idx="1">
+            <a:schemeClr val="accent1"/>
+          </a:lnRef>
+          <a:fillRef idx="0">
+            <a:schemeClr val="accent1"/>
+          </a:fillRef>
+          <a:effectRef idx="0">
+            <a:schemeClr val="accent1"/>
+          </a:effectRef>
+          <a:fontRef idx="minor">
+            <a:schemeClr val="tx1"/>
+          </a:fontRef>
+        </p:style>
+      </p:cxnSp>
+      <p:cxnSp>
+        <p:nvCxnSpPr>
+          <p:cNvPr id="1061" name="Соединительная линия уступом 431">
+            <a:extLst>
+              <a:ext uri="{FF2B5EF4-FFF2-40B4-BE49-F238E27FC236}">
+                <a16:creationId xmlns:a16="http://schemas.microsoft.com/office/drawing/2014/main" id="{550ED854-A747-4E94-B504-185BB47B1566}"/>
+              </a:ext>
+            </a:extLst>
+          </p:cNvPr>
+          <p:cNvCxnSpPr>
+            <a:cxnSpLocks/>
+            <a:stCxn id="362" idx="2"/>
+            <a:endCxn id="358" idx="0"/>
+          </p:cNvCxnSpPr>
+          <p:nvPr/>
+        </p:nvCxnSpPr>
+        <p:spPr>
+          <a:xfrm rot="5400000">
+            <a:off x="40653969" y="9527621"/>
+            <a:ext cx="245459" cy="1062126"/>
+          </a:xfrm>
+          <a:prstGeom prst="bentConnector3">
+            <a:avLst>
+              <a:gd name="adj1" fmla="val 50000"/>
+            </a:avLst>
+          </a:prstGeom>
+          <a:ln w="19050">
+            <a:prstDash val="dash"/>
+            <a:tailEnd type="arrow"/>
+          </a:ln>
+        </p:spPr>
+        <p:style>
+          <a:lnRef idx="1">
+            <a:schemeClr val="accent1"/>
+          </a:lnRef>
+          <a:fillRef idx="0">
+            <a:schemeClr val="accent1"/>
+          </a:fillRef>
+          <a:effectRef idx="0">
+            <a:schemeClr val="accent1"/>
+          </a:effectRef>
+          <a:fontRef idx="minor">
+            <a:schemeClr val="tx1"/>
+          </a:fontRef>
+        </p:style>
+      </p:cxnSp>
     </p:spTree>
     <p:extLst>
       <p:ext uri="{BB962C8B-B14F-4D97-AF65-F5344CB8AC3E}">

--- a/Наработки/диздоки/Португалия/Португалия общая.pptx
+++ b/Наработки/диздоки/Португалия/Португалия общая.pptx
@@ -209,7 +209,7 @@
             <a:fld id="{33E3D7F9-E251-484C-A6FF-FA958879DF69}" type="datetimeFigureOut">
               <a:rPr lang="ru-RU" smtClean="0"/>
               <a:pPr/>
-              <a:t>15.08.2023</a:t>
+              <a:t>19.08.2023</a:t>
             </a:fld>
             <a:endParaRPr lang="ru-RU"/>
           </a:p>
@@ -699,7 +699,7 @@
             <a:fld id="{85A5DE44-605B-4D3B-B2B7-94543DF81A36}" type="datetimeFigureOut">
               <a:rPr lang="ru-RU" smtClean="0"/>
               <a:pPr/>
-              <a:t>15.08.2023</a:t>
+              <a:t>19.08.2023</a:t>
             </a:fld>
             <a:endParaRPr lang="ru-RU"/>
           </a:p>
@@ -871,7 +871,7 @@
             <a:fld id="{85A5DE44-605B-4D3B-B2B7-94543DF81A36}" type="datetimeFigureOut">
               <a:rPr lang="ru-RU" smtClean="0"/>
               <a:pPr/>
-              <a:t>15.08.2023</a:t>
+              <a:t>19.08.2023</a:t>
             </a:fld>
             <a:endParaRPr lang="ru-RU"/>
           </a:p>
@@ -1053,7 +1053,7 @@
             <a:fld id="{85A5DE44-605B-4D3B-B2B7-94543DF81A36}" type="datetimeFigureOut">
               <a:rPr lang="ru-RU" smtClean="0"/>
               <a:pPr/>
-              <a:t>15.08.2023</a:t>
+              <a:t>19.08.2023</a:t>
             </a:fld>
             <a:endParaRPr lang="ru-RU"/>
           </a:p>
@@ -1225,7 +1225,7 @@
             <a:fld id="{85A5DE44-605B-4D3B-B2B7-94543DF81A36}" type="datetimeFigureOut">
               <a:rPr lang="ru-RU" smtClean="0"/>
               <a:pPr/>
-              <a:t>15.08.2023</a:t>
+              <a:t>19.08.2023</a:t>
             </a:fld>
             <a:endParaRPr lang="ru-RU"/>
           </a:p>
@@ -1473,7 +1473,7 @@
             <a:fld id="{85A5DE44-605B-4D3B-B2B7-94543DF81A36}" type="datetimeFigureOut">
               <a:rPr lang="ru-RU" smtClean="0"/>
               <a:pPr/>
-              <a:t>15.08.2023</a:t>
+              <a:t>19.08.2023</a:t>
             </a:fld>
             <a:endParaRPr lang="ru-RU"/>
           </a:p>
@@ -1707,7 +1707,7 @@
             <a:fld id="{85A5DE44-605B-4D3B-B2B7-94543DF81A36}" type="datetimeFigureOut">
               <a:rPr lang="ru-RU" smtClean="0"/>
               <a:pPr/>
-              <a:t>15.08.2023</a:t>
+              <a:t>19.08.2023</a:t>
             </a:fld>
             <a:endParaRPr lang="ru-RU"/>
           </a:p>
@@ -2076,7 +2076,7 @@
             <a:fld id="{85A5DE44-605B-4D3B-B2B7-94543DF81A36}" type="datetimeFigureOut">
               <a:rPr lang="ru-RU" smtClean="0"/>
               <a:pPr/>
-              <a:t>15.08.2023</a:t>
+              <a:t>19.08.2023</a:t>
             </a:fld>
             <a:endParaRPr lang="ru-RU"/>
           </a:p>
@@ -2196,7 +2196,7 @@
             <a:fld id="{85A5DE44-605B-4D3B-B2B7-94543DF81A36}" type="datetimeFigureOut">
               <a:rPr lang="ru-RU" smtClean="0"/>
               <a:pPr/>
-              <a:t>15.08.2023</a:t>
+              <a:t>19.08.2023</a:t>
             </a:fld>
             <a:endParaRPr lang="ru-RU"/>
           </a:p>
@@ -2293,7 +2293,7 @@
             <a:fld id="{85A5DE44-605B-4D3B-B2B7-94543DF81A36}" type="datetimeFigureOut">
               <a:rPr lang="ru-RU" smtClean="0"/>
               <a:pPr/>
-              <a:t>15.08.2023</a:t>
+              <a:t>19.08.2023</a:t>
             </a:fld>
             <a:endParaRPr lang="ru-RU"/>
           </a:p>
@@ -2572,7 +2572,7 @@
             <a:fld id="{85A5DE44-605B-4D3B-B2B7-94543DF81A36}" type="datetimeFigureOut">
               <a:rPr lang="ru-RU" smtClean="0"/>
               <a:pPr/>
-              <a:t>15.08.2023</a:t>
+              <a:t>19.08.2023</a:t>
             </a:fld>
             <a:endParaRPr lang="ru-RU"/>
           </a:p>
@@ -2831,7 +2831,7 @@
             <a:fld id="{85A5DE44-605B-4D3B-B2B7-94543DF81A36}" type="datetimeFigureOut">
               <a:rPr lang="ru-RU" smtClean="0"/>
               <a:pPr/>
-              <a:t>15.08.2023</a:t>
+              <a:t>19.08.2023</a:t>
             </a:fld>
             <a:endParaRPr lang="ru-RU"/>
           </a:p>
@@ -3046,7 +3046,7 @@
             <a:fld id="{85A5DE44-605B-4D3B-B2B7-94543DF81A36}" type="datetimeFigureOut">
               <a:rPr lang="ru-RU" smtClean="0"/>
               <a:pPr/>
-              <a:t>15.08.2023</a:t>
+              <a:t>19.08.2023</a:t>
             </a:fld>
             <a:endParaRPr lang="ru-RU"/>
           </a:p>
@@ -10394,7 +10394,7 @@
         </p:nvSpPr>
         <p:spPr>
           <a:xfrm>
-            <a:off x="28679498" y="5291701"/>
+            <a:off x="28642696" y="6147213"/>
             <a:ext cx="926325" cy="540000"/>
           </a:xfrm>
           <a:prstGeom prst="rect">
@@ -21223,15 +21223,16 @@
         <p:nvCxnSpPr>
           <p:cNvPr id="516" name="Соединительная линия уступом 515"/>
           <p:cNvCxnSpPr>
+            <a:cxnSpLocks/>
             <a:stCxn id="278" idx="2"/>
-            <a:endCxn id="277" idx="0"/>
+            <a:endCxn id="1047" idx="0"/>
           </p:cNvCxnSpPr>
           <p:nvPr/>
         </p:nvCxnSpPr>
         <p:spPr>
           <a:xfrm rot="5400000">
-            <a:off x="29502848" y="4630882"/>
-            <a:ext cx="300632" cy="1021006"/>
+            <a:off x="29492894" y="4604034"/>
+            <a:ext cx="283739" cy="1057809"/>
           </a:xfrm>
           <a:prstGeom prst="bentConnector3">
             <a:avLst>
@@ -33153,9 +33154,8 @@
             <a:avLst/>
           </a:prstGeom>
           <a:solidFill>
-            <a:schemeClr val="accent4">
-              <a:lumMod val="60000"/>
-              <a:lumOff val="40000"/>
+            <a:schemeClr val="accent6">
+              <a:lumMod val="75000"/>
             </a:schemeClr>
           </a:solidFill>
           <a:ln w="19050"/>
@@ -38545,9 +38545,8 @@
             <a:avLst/>
           </a:prstGeom>
           <a:solidFill>
-            <a:schemeClr val="accent4">
-              <a:lumMod val="60000"/>
-              <a:lumOff val="40000"/>
+            <a:schemeClr val="accent6">
+              <a:lumMod val="75000"/>
             </a:schemeClr>
           </a:solidFill>
           <a:ln w="19050"/>
@@ -38721,9 +38720,8 @@
             <a:avLst/>
           </a:prstGeom>
           <a:solidFill>
-            <a:schemeClr val="accent4">
-              <a:lumMod val="60000"/>
-              <a:lumOff val="40000"/>
+            <a:schemeClr val="accent6">
+              <a:lumMod val="75000"/>
             </a:schemeClr>
           </a:solidFill>
           <a:ln w="19050"/>
@@ -39100,9 +39098,8 @@
             <a:avLst/>
           </a:prstGeom>
           <a:solidFill>
-            <a:schemeClr val="accent4">
-              <a:lumMod val="60000"/>
-              <a:lumOff val="40000"/>
+            <a:schemeClr val="accent6">
+              <a:lumMod val="75000"/>
             </a:schemeClr>
           </a:solidFill>
           <a:ln w="19050"/>
@@ -39249,9 +39246,8 @@
             <a:avLst/>
           </a:prstGeom>
           <a:solidFill>
-            <a:schemeClr val="accent4">
-              <a:lumMod val="60000"/>
-              <a:lumOff val="40000"/>
+            <a:schemeClr val="accent6">
+              <a:lumMod val="75000"/>
             </a:schemeClr>
           </a:solidFill>
           <a:ln w="19050"/>
@@ -39332,9 +39328,8 @@
             <a:avLst/>
           </a:prstGeom>
           <a:solidFill>
-            <a:schemeClr val="accent4">
-              <a:lumMod val="60000"/>
-              <a:lumOff val="40000"/>
+            <a:schemeClr val="accent6">
+              <a:lumMod val="75000"/>
             </a:schemeClr>
           </a:solidFill>
           <a:ln w="19050"/>
@@ -39727,6 +39722,219 @@
           </a:prstGeom>
           <a:ln w="19050">
             <a:prstDash val="dash"/>
+            <a:tailEnd type="arrow"/>
+          </a:ln>
+        </p:spPr>
+        <p:style>
+          <a:lnRef idx="1">
+            <a:schemeClr val="accent1"/>
+          </a:lnRef>
+          <a:fillRef idx="0">
+            <a:schemeClr val="accent1"/>
+          </a:fillRef>
+          <a:effectRef idx="0">
+            <a:schemeClr val="accent1"/>
+          </a:effectRef>
+          <a:fontRef idx="minor">
+            <a:schemeClr val="tx1"/>
+          </a:fontRef>
+        </p:style>
+      </p:cxnSp>
+      <p:sp>
+        <p:nvSpPr>
+          <p:cNvPr id="1047" name="Прямоугольник 1046">
+            <a:extLst>
+              <a:ext uri="{FF2B5EF4-FFF2-40B4-BE49-F238E27FC236}">
+                <a16:creationId xmlns:a16="http://schemas.microsoft.com/office/drawing/2014/main" id="{3942702E-7A2D-4A5B-A76A-1CA64E82323B}"/>
+              </a:ext>
+            </a:extLst>
+          </p:cNvPr>
+          <p:cNvSpPr/>
+          <p:nvPr/>
+        </p:nvSpPr>
+        <p:spPr>
+          <a:xfrm>
+            <a:off x="28642695" y="5274808"/>
+            <a:ext cx="926325" cy="540000"/>
+          </a:xfrm>
+          <a:prstGeom prst="rect">
+            <a:avLst/>
+          </a:prstGeom>
+          <a:solidFill>
+            <a:schemeClr val="accent6">
+              <a:lumMod val="75000"/>
+            </a:schemeClr>
+          </a:solidFill>
+          <a:ln w="19050"/>
+        </p:spPr>
+        <p:style>
+          <a:lnRef idx="2">
+            <a:schemeClr val="accent1"/>
+          </a:lnRef>
+          <a:fillRef idx="1">
+            <a:schemeClr val="lt1"/>
+          </a:fillRef>
+          <a:effectRef idx="0">
+            <a:schemeClr val="accent1"/>
+          </a:effectRef>
+          <a:fontRef idx="minor">
+            <a:schemeClr val="dk1"/>
+          </a:fontRef>
+        </p:style>
+        <p:txBody>
+          <a:bodyPr lIns="124733" tIns="62367" rIns="124733" bIns="62367" rtlCol="0" anchor="ctr"/>
+          <a:lstStyle/>
+          <a:p>
+            <a:pPr algn="ctr"/>
+            <a:r>
+              <a:rPr lang="ru-RU" sz="700" dirty="0"/>
+              <a:t>Португальская молодёжь </a:t>
+            </a:r>
+            <a:r>
+              <a:rPr lang="ru-RU" sz="100" dirty="0"/>
+              <a:t>(Затем </a:t>
+            </a:r>
+            <a:r>
+              <a:rPr lang="ru-RU" sz="100" dirty="0" err="1"/>
+              <a:t>Салазар</a:t>
+            </a:r>
+            <a:r>
+              <a:rPr lang="ru-RU" sz="100" dirty="0"/>
+              <a:t> продолжил свой путь «воспитателя душ» через Министерство национального образования, которым в 1936 году руководил </a:t>
+            </a:r>
+            <a:r>
+              <a:rPr lang="ru-RU" sz="100" dirty="0" err="1"/>
+              <a:t>Карнейро</a:t>
+            </a:r>
+            <a:r>
+              <a:rPr lang="ru-RU" sz="100" dirty="0"/>
+              <a:t> </a:t>
+            </a:r>
+            <a:r>
+              <a:rPr lang="ru-RU" sz="100" dirty="0" err="1"/>
+              <a:t>Пачеко</a:t>
+            </a:r>
+            <a:r>
+              <a:rPr lang="ru-RU" sz="100" dirty="0"/>
+              <a:t>, призванное воспитывать молодых людей в ценностях национализма, а именно через </a:t>
+            </a:r>
+            <a:r>
+              <a:rPr lang="ru-RU" sz="100" dirty="0" err="1"/>
+              <a:t>Mocidade</a:t>
+            </a:r>
+            <a:r>
+              <a:rPr lang="ru-RU" sz="100" dirty="0"/>
+              <a:t> </a:t>
+            </a:r>
+            <a:r>
+              <a:rPr lang="ru-RU" sz="100" dirty="0" err="1"/>
+              <a:t>Portuguesa</a:t>
+            </a:r>
+            <a:r>
+              <a:rPr lang="ru-RU" sz="100" dirty="0"/>
+              <a:t>, а также Национальный Организация матерей за национальное образование (</a:t>
+            </a:r>
+            <a:r>
+              <a:rPr lang="ru-RU" sz="100" dirty="0" err="1"/>
+              <a:t>Маттозо</a:t>
+            </a:r>
+            <a:r>
+              <a:rPr lang="ru-RU" sz="100" dirty="0"/>
+              <a:t>, 1994 г.).Согласно </a:t>
+            </a:r>
+            <a:r>
+              <a:rPr lang="ru-RU" sz="100" dirty="0" err="1"/>
+              <a:t>Rosas</a:t>
+            </a:r>
+            <a:r>
+              <a:rPr lang="ru-RU" sz="100" dirty="0"/>
+              <a:t> и </a:t>
+            </a:r>
+            <a:r>
+              <a:rPr lang="ru-RU" sz="100" dirty="0" err="1"/>
+              <a:t>Brandão</a:t>
+            </a:r>
+            <a:r>
+              <a:rPr lang="ru-RU" sz="100" dirty="0"/>
+              <a:t> </a:t>
+            </a:r>
+            <a:r>
+              <a:rPr lang="ru-RU" sz="100" dirty="0" err="1"/>
+              <a:t>de</a:t>
+            </a:r>
+            <a:r>
+              <a:rPr lang="ru-RU" sz="100" dirty="0"/>
+              <a:t> </a:t>
+            </a:r>
+            <a:r>
+              <a:rPr lang="ru-RU" sz="100" dirty="0" err="1"/>
+              <a:t>Brito</a:t>
+            </a:r>
+            <a:r>
+              <a:rPr lang="ru-RU" sz="100" dirty="0"/>
+              <a:t> (1996a), </a:t>
+            </a:r>
+            <a:r>
+              <a:rPr lang="ru-RU" sz="100" dirty="0" err="1"/>
+              <a:t>Mocidade</a:t>
+            </a:r>
+            <a:r>
+              <a:rPr lang="ru-RU" sz="100" dirty="0"/>
+              <a:t> </a:t>
+            </a:r>
+            <a:r>
+              <a:rPr lang="ru-RU" sz="100" dirty="0" err="1"/>
+              <a:t>Portuguesa</a:t>
+            </a:r>
+            <a:r>
+              <a:rPr lang="ru-RU" sz="100" dirty="0"/>
+              <a:t>, учрежденный 19 марта 1936 года, охватывал всю молодежь, школьников и нет, и, согласно положениям закона, был предназначен для стимулирования комплексного развития их физических способностей, формирование характера и преданности Отечеству, в смысле порядка, в вкусе к дисциплине и в культе воинского долга. Его созданию способствовали три определяющих фактора: во-первых, политическая и институциональная консолидация </a:t>
+            </a:r>
+            <a:r>
+              <a:rPr lang="ru-RU" sz="100" dirty="0" err="1"/>
+              <a:t>Estado</a:t>
+            </a:r>
+            <a:r>
+              <a:rPr lang="ru-RU" sz="100" dirty="0"/>
+              <a:t> </a:t>
+            </a:r>
+            <a:r>
+              <a:rPr lang="ru-RU" sz="100" dirty="0" err="1"/>
+              <a:t>Novo</a:t>
+            </a:r>
+            <a:r>
+              <a:rPr lang="ru-RU" sz="100" dirty="0"/>
+              <a:t> сделала возможным проект превращения образовательной системы в инструмент для укоренения нового менталитета вокруг консенсуса трилогии «Бог, Отечество и Семья»; во-вторых, контекст нарастания политической и военн